--- a/trunk/Documentation/Documentacion/PRESENTACION_FACU.pptx
+++ b/trunk/Documentation/Documentacion/PRESENTACION_FACU.pptx
@@ -5,10 +5,10 @@
     <p:sldMasterId id="2147483662" r:id="rId1"/>
   </p:sldMasterIdLst>
   <p:notesMasterIdLst>
-    <p:notesMasterId r:id="rId17"/>
+    <p:notesMasterId r:id="rId20"/>
   </p:notesMasterIdLst>
   <p:handoutMasterIdLst>
-    <p:handoutMasterId r:id="rId18"/>
+    <p:handoutMasterId r:id="rId21"/>
   </p:handoutMasterIdLst>
   <p:sldIdLst>
     <p:sldId id="256" r:id="rId2"/>
@@ -25,7 +25,10 @@
     <p:sldId id="267" r:id="rId13"/>
     <p:sldId id="268" r:id="rId14"/>
     <p:sldId id="269" r:id="rId15"/>
-    <p:sldId id="270" r:id="rId16"/>
+    <p:sldId id="271" r:id="rId16"/>
+    <p:sldId id="272" r:id="rId17"/>
+    <p:sldId id="273" r:id="rId18"/>
+    <p:sldId id="270" r:id="rId19"/>
   </p:sldIdLst>
   <p:sldSz cx="9144000" cy="6858000" type="screen4x3"/>
   <p:notesSz cx="6858000" cy="9144000"/>
@@ -874,11 +877,758 @@
 </dgm:colorsDef>
 </file>
 
+<file path=ppt/diagrams/colors2.xml><?xml version="1.0" encoding="utf-8"?>
+<dgm:colorsDef xmlns:dgm="http://schemas.openxmlformats.org/drawingml/2006/diagram" xmlns:a="http://schemas.openxmlformats.org/drawingml/2006/main" uniqueId="urn:microsoft.com/office/officeart/2005/8/colors/accent1_2">
+  <dgm:title val=""/>
+  <dgm:desc val=""/>
+  <dgm:catLst>
+    <dgm:cat type="accent1" pri="11200"/>
+  </dgm:catLst>
+  <dgm:styleLbl name="node0">
+    <dgm:fillClrLst meth="repeat">
+      <a:schemeClr val="accent1"/>
+    </dgm:fillClrLst>
+    <dgm:linClrLst meth="repeat">
+      <a:schemeClr val="lt1"/>
+    </dgm:linClrLst>
+    <dgm:effectClrLst/>
+    <dgm:txLinClrLst/>
+    <dgm:txFillClrLst/>
+    <dgm:txEffectClrLst/>
+  </dgm:styleLbl>
+  <dgm:styleLbl name="alignNode1">
+    <dgm:fillClrLst meth="repeat">
+      <a:schemeClr val="accent1"/>
+    </dgm:fillClrLst>
+    <dgm:linClrLst meth="repeat">
+      <a:schemeClr val="accent1"/>
+    </dgm:linClrLst>
+    <dgm:effectClrLst/>
+    <dgm:txLinClrLst/>
+    <dgm:txFillClrLst/>
+    <dgm:txEffectClrLst/>
+  </dgm:styleLbl>
+  <dgm:styleLbl name="node1">
+    <dgm:fillClrLst meth="repeat">
+      <a:schemeClr val="accent1"/>
+    </dgm:fillClrLst>
+    <dgm:linClrLst meth="repeat">
+      <a:schemeClr val="lt1"/>
+    </dgm:linClrLst>
+    <dgm:effectClrLst/>
+    <dgm:txLinClrLst/>
+    <dgm:txFillClrLst/>
+    <dgm:txEffectClrLst/>
+  </dgm:styleLbl>
+  <dgm:styleLbl name="lnNode1">
+    <dgm:fillClrLst meth="repeat">
+      <a:schemeClr val="accent1"/>
+    </dgm:fillClrLst>
+    <dgm:linClrLst meth="repeat">
+      <a:schemeClr val="lt1"/>
+    </dgm:linClrLst>
+    <dgm:effectClrLst/>
+    <dgm:txLinClrLst/>
+    <dgm:txFillClrLst/>
+    <dgm:txEffectClrLst/>
+  </dgm:styleLbl>
+  <dgm:styleLbl name="vennNode1">
+    <dgm:fillClrLst meth="repeat">
+      <a:schemeClr val="accent1">
+        <a:alpha val="50000"/>
+      </a:schemeClr>
+    </dgm:fillClrLst>
+    <dgm:linClrLst meth="repeat">
+      <a:schemeClr val="lt1"/>
+    </dgm:linClrLst>
+    <dgm:effectClrLst/>
+    <dgm:txLinClrLst/>
+    <dgm:txFillClrLst/>
+    <dgm:txEffectClrLst/>
+  </dgm:styleLbl>
+  <dgm:styleLbl name="node2">
+    <dgm:fillClrLst meth="repeat">
+      <a:schemeClr val="accent1"/>
+    </dgm:fillClrLst>
+    <dgm:linClrLst meth="repeat">
+      <a:schemeClr val="lt1"/>
+    </dgm:linClrLst>
+    <dgm:effectClrLst/>
+    <dgm:txLinClrLst/>
+    <dgm:txFillClrLst/>
+    <dgm:txEffectClrLst/>
+  </dgm:styleLbl>
+  <dgm:styleLbl name="node3">
+    <dgm:fillClrLst meth="repeat">
+      <a:schemeClr val="accent1"/>
+    </dgm:fillClrLst>
+    <dgm:linClrLst meth="repeat">
+      <a:schemeClr val="lt1"/>
+    </dgm:linClrLst>
+    <dgm:effectClrLst/>
+    <dgm:txLinClrLst/>
+    <dgm:txFillClrLst/>
+    <dgm:txEffectClrLst/>
+  </dgm:styleLbl>
+  <dgm:styleLbl name="node4">
+    <dgm:fillClrLst meth="repeat">
+      <a:schemeClr val="accent1"/>
+    </dgm:fillClrLst>
+    <dgm:linClrLst meth="repeat">
+      <a:schemeClr val="lt1"/>
+    </dgm:linClrLst>
+    <dgm:effectClrLst/>
+    <dgm:txLinClrLst/>
+    <dgm:txFillClrLst/>
+    <dgm:txEffectClrLst/>
+  </dgm:styleLbl>
+  <dgm:styleLbl name="fgImgPlace1">
+    <dgm:fillClrLst meth="repeat">
+      <a:schemeClr val="accent1">
+        <a:tint val="50000"/>
+      </a:schemeClr>
+    </dgm:fillClrLst>
+    <dgm:linClrLst meth="repeat">
+      <a:schemeClr val="lt1"/>
+    </dgm:linClrLst>
+    <dgm:effectClrLst/>
+    <dgm:txLinClrLst/>
+    <dgm:txFillClrLst meth="repeat">
+      <a:schemeClr val="lt1"/>
+    </dgm:txFillClrLst>
+    <dgm:txEffectClrLst/>
+  </dgm:styleLbl>
+  <dgm:styleLbl name="alignImgPlace1">
+    <dgm:fillClrLst meth="repeat">
+      <a:schemeClr val="accent1">
+        <a:tint val="50000"/>
+      </a:schemeClr>
+    </dgm:fillClrLst>
+    <dgm:linClrLst meth="repeat">
+      <a:schemeClr val="lt1"/>
+    </dgm:linClrLst>
+    <dgm:effectClrLst/>
+    <dgm:txLinClrLst/>
+    <dgm:txFillClrLst meth="repeat">
+      <a:schemeClr val="lt1"/>
+    </dgm:txFillClrLst>
+    <dgm:txEffectClrLst/>
+  </dgm:styleLbl>
+  <dgm:styleLbl name="bgImgPlace1">
+    <dgm:fillClrLst meth="repeat">
+      <a:schemeClr val="accent1">
+        <a:tint val="50000"/>
+      </a:schemeClr>
+    </dgm:fillClrLst>
+    <dgm:linClrLst meth="repeat">
+      <a:schemeClr val="lt1"/>
+    </dgm:linClrLst>
+    <dgm:effectClrLst/>
+    <dgm:txLinClrLst/>
+    <dgm:txFillClrLst meth="repeat">
+      <a:schemeClr val="lt1"/>
+    </dgm:txFillClrLst>
+    <dgm:txEffectClrLst/>
+  </dgm:styleLbl>
+  <dgm:styleLbl name="sibTrans2D1">
+    <dgm:fillClrLst meth="repeat">
+      <a:schemeClr val="accent1">
+        <a:tint val="60000"/>
+      </a:schemeClr>
+    </dgm:fillClrLst>
+    <dgm:linClrLst meth="repeat">
+      <a:schemeClr val="accent1">
+        <a:tint val="60000"/>
+      </a:schemeClr>
+    </dgm:linClrLst>
+    <dgm:effectClrLst/>
+    <dgm:txLinClrLst/>
+    <dgm:txFillClrLst/>
+    <dgm:txEffectClrLst/>
+  </dgm:styleLbl>
+  <dgm:styleLbl name="fgSibTrans2D1">
+    <dgm:fillClrLst meth="repeat">
+      <a:schemeClr val="accent1">
+        <a:tint val="60000"/>
+      </a:schemeClr>
+    </dgm:fillClrLst>
+    <dgm:linClrLst meth="repeat">
+      <a:schemeClr val="accent1">
+        <a:tint val="60000"/>
+      </a:schemeClr>
+    </dgm:linClrLst>
+    <dgm:effectClrLst/>
+    <dgm:txLinClrLst/>
+    <dgm:txFillClrLst/>
+    <dgm:txEffectClrLst/>
+  </dgm:styleLbl>
+  <dgm:styleLbl name="bgSibTrans2D1">
+    <dgm:fillClrLst meth="repeat">
+      <a:schemeClr val="accent1">
+        <a:tint val="60000"/>
+      </a:schemeClr>
+    </dgm:fillClrLst>
+    <dgm:linClrLst meth="repeat">
+      <a:schemeClr val="accent1">
+        <a:tint val="60000"/>
+      </a:schemeClr>
+    </dgm:linClrLst>
+    <dgm:effectClrLst/>
+    <dgm:txLinClrLst/>
+    <dgm:txFillClrLst/>
+    <dgm:txEffectClrLst/>
+  </dgm:styleLbl>
+  <dgm:styleLbl name="sibTrans1D1">
+    <dgm:fillClrLst meth="repeat">
+      <a:schemeClr val="accent1"/>
+    </dgm:fillClrLst>
+    <dgm:linClrLst meth="repeat">
+      <a:schemeClr val="accent1"/>
+    </dgm:linClrLst>
+    <dgm:effectClrLst/>
+    <dgm:txLinClrLst/>
+    <dgm:txFillClrLst meth="repeat">
+      <a:schemeClr val="tx1"/>
+    </dgm:txFillClrLst>
+    <dgm:txEffectClrLst/>
+  </dgm:styleLbl>
+  <dgm:styleLbl name="callout">
+    <dgm:fillClrLst meth="repeat">
+      <a:schemeClr val="accent1"/>
+    </dgm:fillClrLst>
+    <dgm:linClrLst meth="repeat">
+      <a:schemeClr val="accent1">
+        <a:tint val="50000"/>
+      </a:schemeClr>
+    </dgm:linClrLst>
+    <dgm:effectClrLst/>
+    <dgm:txLinClrLst/>
+    <dgm:txFillClrLst meth="repeat">
+      <a:schemeClr val="tx1"/>
+    </dgm:txFillClrLst>
+    <dgm:txEffectClrLst/>
+  </dgm:styleLbl>
+  <dgm:styleLbl name="asst0">
+    <dgm:fillClrLst meth="repeat">
+      <a:schemeClr val="accent1"/>
+    </dgm:fillClrLst>
+    <dgm:linClrLst meth="repeat">
+      <a:schemeClr val="lt1"/>
+    </dgm:linClrLst>
+    <dgm:effectClrLst/>
+    <dgm:txLinClrLst/>
+    <dgm:txFillClrLst/>
+    <dgm:txEffectClrLst/>
+  </dgm:styleLbl>
+  <dgm:styleLbl name="asst1">
+    <dgm:fillClrLst meth="repeat">
+      <a:schemeClr val="accent1"/>
+    </dgm:fillClrLst>
+    <dgm:linClrLst meth="repeat">
+      <a:schemeClr val="lt1"/>
+    </dgm:linClrLst>
+    <dgm:effectClrLst/>
+    <dgm:txLinClrLst/>
+    <dgm:txFillClrLst/>
+    <dgm:txEffectClrLst/>
+  </dgm:styleLbl>
+  <dgm:styleLbl name="asst2">
+    <dgm:fillClrLst meth="repeat">
+      <a:schemeClr val="accent1"/>
+    </dgm:fillClrLst>
+    <dgm:linClrLst meth="repeat">
+      <a:schemeClr val="lt1"/>
+    </dgm:linClrLst>
+    <dgm:effectClrLst/>
+    <dgm:txLinClrLst/>
+    <dgm:txFillClrLst/>
+    <dgm:txEffectClrLst/>
+  </dgm:styleLbl>
+  <dgm:styleLbl name="asst3">
+    <dgm:fillClrLst meth="repeat">
+      <a:schemeClr val="accent1"/>
+    </dgm:fillClrLst>
+    <dgm:linClrLst meth="repeat">
+      <a:schemeClr val="lt1"/>
+    </dgm:linClrLst>
+    <dgm:effectClrLst/>
+    <dgm:txLinClrLst/>
+    <dgm:txFillClrLst/>
+    <dgm:txEffectClrLst/>
+  </dgm:styleLbl>
+  <dgm:styleLbl name="asst4">
+    <dgm:fillClrLst meth="repeat">
+      <a:schemeClr val="accent1"/>
+    </dgm:fillClrLst>
+    <dgm:linClrLst meth="repeat">
+      <a:schemeClr val="lt1"/>
+    </dgm:linClrLst>
+    <dgm:effectClrLst/>
+    <dgm:txLinClrLst/>
+    <dgm:txFillClrLst/>
+    <dgm:txEffectClrLst/>
+  </dgm:styleLbl>
+  <dgm:styleLbl name="parChTrans2D1">
+    <dgm:fillClrLst meth="repeat">
+      <a:schemeClr val="accent1">
+        <a:tint val="60000"/>
+      </a:schemeClr>
+    </dgm:fillClrLst>
+    <dgm:linClrLst meth="repeat">
+      <a:schemeClr val="accent1">
+        <a:tint val="60000"/>
+      </a:schemeClr>
+    </dgm:linClrLst>
+    <dgm:effectClrLst/>
+    <dgm:txLinClrLst/>
+    <dgm:txFillClrLst meth="repeat">
+      <a:schemeClr val="lt1"/>
+    </dgm:txFillClrLst>
+    <dgm:txEffectClrLst/>
+  </dgm:styleLbl>
+  <dgm:styleLbl name="parChTrans2D2">
+    <dgm:fillClrLst meth="repeat">
+      <a:schemeClr val="accent1"/>
+    </dgm:fillClrLst>
+    <dgm:linClrLst meth="repeat">
+      <a:schemeClr val="accent1"/>
+    </dgm:linClrLst>
+    <dgm:effectClrLst/>
+    <dgm:txLinClrLst/>
+    <dgm:txFillClrLst meth="repeat">
+      <a:schemeClr val="lt1"/>
+    </dgm:txFillClrLst>
+    <dgm:txEffectClrLst/>
+  </dgm:styleLbl>
+  <dgm:styleLbl name="parChTrans2D3">
+    <dgm:fillClrLst meth="repeat">
+      <a:schemeClr val="accent1"/>
+    </dgm:fillClrLst>
+    <dgm:linClrLst meth="repeat">
+      <a:schemeClr val="accent1"/>
+    </dgm:linClrLst>
+    <dgm:effectClrLst/>
+    <dgm:txLinClrLst/>
+    <dgm:txFillClrLst meth="repeat">
+      <a:schemeClr val="lt1"/>
+    </dgm:txFillClrLst>
+    <dgm:txEffectClrLst/>
+  </dgm:styleLbl>
+  <dgm:styleLbl name="parChTrans2D4">
+    <dgm:fillClrLst meth="repeat">
+      <a:schemeClr val="accent1"/>
+    </dgm:fillClrLst>
+    <dgm:linClrLst meth="repeat">
+      <a:schemeClr val="accent1"/>
+    </dgm:linClrLst>
+    <dgm:effectClrLst/>
+    <dgm:txLinClrLst/>
+    <dgm:txFillClrLst meth="repeat">
+      <a:schemeClr val="lt1"/>
+    </dgm:txFillClrLst>
+    <dgm:txEffectClrLst/>
+  </dgm:styleLbl>
+  <dgm:styleLbl name="parChTrans1D1">
+    <dgm:fillClrLst meth="repeat">
+      <a:schemeClr val="accent1"/>
+    </dgm:fillClrLst>
+    <dgm:linClrLst meth="repeat">
+      <a:schemeClr val="accent1">
+        <a:shade val="60000"/>
+      </a:schemeClr>
+    </dgm:linClrLst>
+    <dgm:effectClrLst/>
+    <dgm:txLinClrLst/>
+    <dgm:txFillClrLst meth="repeat">
+      <a:schemeClr val="tx1"/>
+    </dgm:txFillClrLst>
+    <dgm:txEffectClrLst/>
+  </dgm:styleLbl>
+  <dgm:styleLbl name="parChTrans1D2">
+    <dgm:fillClrLst meth="repeat">
+      <a:schemeClr val="accent1"/>
+    </dgm:fillClrLst>
+    <dgm:linClrLst meth="repeat">
+      <a:schemeClr val="accent1">
+        <a:shade val="60000"/>
+      </a:schemeClr>
+    </dgm:linClrLst>
+    <dgm:effectClrLst/>
+    <dgm:txLinClrLst/>
+    <dgm:txFillClrLst meth="repeat">
+      <a:schemeClr val="tx1"/>
+    </dgm:txFillClrLst>
+    <dgm:txEffectClrLst/>
+  </dgm:styleLbl>
+  <dgm:styleLbl name="parChTrans1D3">
+    <dgm:fillClrLst meth="repeat">
+      <a:schemeClr val="accent1"/>
+    </dgm:fillClrLst>
+    <dgm:linClrLst meth="repeat">
+      <a:schemeClr val="accent1">
+        <a:shade val="80000"/>
+      </a:schemeClr>
+    </dgm:linClrLst>
+    <dgm:effectClrLst/>
+    <dgm:txLinClrLst/>
+    <dgm:txFillClrLst meth="repeat">
+      <a:schemeClr val="tx1"/>
+    </dgm:txFillClrLst>
+    <dgm:txEffectClrLst/>
+  </dgm:styleLbl>
+  <dgm:styleLbl name="parChTrans1D4">
+    <dgm:fillClrLst meth="repeat">
+      <a:schemeClr val="accent1"/>
+    </dgm:fillClrLst>
+    <dgm:linClrLst meth="repeat">
+      <a:schemeClr val="accent1">
+        <a:shade val="80000"/>
+      </a:schemeClr>
+    </dgm:linClrLst>
+    <dgm:effectClrLst/>
+    <dgm:txLinClrLst/>
+    <dgm:txFillClrLst meth="repeat">
+      <a:schemeClr val="tx1"/>
+    </dgm:txFillClrLst>
+    <dgm:txEffectClrLst/>
+  </dgm:styleLbl>
+  <dgm:styleLbl name="fgAcc1">
+    <dgm:fillClrLst meth="repeat">
+      <a:schemeClr val="lt1">
+        <a:alpha val="90000"/>
+      </a:schemeClr>
+    </dgm:fillClrLst>
+    <dgm:linClrLst meth="repeat">
+      <a:schemeClr val="accent1"/>
+    </dgm:linClrLst>
+    <dgm:effectClrLst/>
+    <dgm:txLinClrLst/>
+    <dgm:txFillClrLst meth="repeat">
+      <a:schemeClr val="dk1"/>
+    </dgm:txFillClrLst>
+    <dgm:txEffectClrLst/>
+  </dgm:styleLbl>
+  <dgm:styleLbl name="conFgAcc1">
+    <dgm:fillClrLst meth="repeat">
+      <a:schemeClr val="lt1">
+        <a:alpha val="90000"/>
+      </a:schemeClr>
+    </dgm:fillClrLst>
+    <dgm:linClrLst meth="repeat">
+      <a:schemeClr val="accent1"/>
+    </dgm:linClrLst>
+    <dgm:effectClrLst/>
+    <dgm:txLinClrLst/>
+    <dgm:txFillClrLst meth="repeat">
+      <a:schemeClr val="dk1"/>
+    </dgm:txFillClrLst>
+    <dgm:txEffectClrLst/>
+  </dgm:styleLbl>
+  <dgm:styleLbl name="alignAcc1">
+    <dgm:fillClrLst meth="repeat">
+      <a:schemeClr val="lt1">
+        <a:alpha val="90000"/>
+      </a:schemeClr>
+    </dgm:fillClrLst>
+    <dgm:linClrLst meth="repeat">
+      <a:schemeClr val="accent1"/>
+    </dgm:linClrLst>
+    <dgm:effectClrLst/>
+    <dgm:txLinClrLst/>
+    <dgm:txFillClrLst meth="repeat">
+      <a:schemeClr val="dk1"/>
+    </dgm:txFillClrLst>
+    <dgm:txEffectClrLst/>
+  </dgm:styleLbl>
+  <dgm:styleLbl name="trAlignAcc1">
+    <dgm:fillClrLst meth="repeat">
+      <a:schemeClr val="lt1">
+        <a:alpha val="40000"/>
+      </a:schemeClr>
+    </dgm:fillClrLst>
+    <dgm:linClrLst meth="repeat">
+      <a:schemeClr val="accent1"/>
+    </dgm:linClrLst>
+    <dgm:effectClrLst/>
+    <dgm:txLinClrLst/>
+    <dgm:txFillClrLst meth="repeat">
+      <a:schemeClr val="dk1"/>
+    </dgm:txFillClrLst>
+    <dgm:txEffectClrLst/>
+  </dgm:styleLbl>
+  <dgm:styleLbl name="bgAcc1">
+    <dgm:fillClrLst meth="repeat">
+      <a:schemeClr val="lt1">
+        <a:alpha val="90000"/>
+      </a:schemeClr>
+    </dgm:fillClrLst>
+    <dgm:linClrLst meth="repeat">
+      <a:schemeClr val="accent1"/>
+    </dgm:linClrLst>
+    <dgm:effectClrLst/>
+    <dgm:txLinClrLst/>
+    <dgm:txFillClrLst meth="repeat">
+      <a:schemeClr val="dk1"/>
+    </dgm:txFillClrLst>
+    <dgm:txEffectClrLst/>
+  </dgm:styleLbl>
+  <dgm:styleLbl name="solidFgAcc1">
+    <dgm:fillClrLst meth="repeat">
+      <a:schemeClr val="lt1"/>
+    </dgm:fillClrLst>
+    <dgm:linClrLst meth="repeat">
+      <a:schemeClr val="accent1"/>
+    </dgm:linClrLst>
+    <dgm:effectClrLst/>
+    <dgm:txLinClrLst/>
+    <dgm:txFillClrLst meth="repeat">
+      <a:schemeClr val="dk1"/>
+    </dgm:txFillClrLst>
+    <dgm:txEffectClrLst/>
+  </dgm:styleLbl>
+  <dgm:styleLbl name="solidAlignAcc1">
+    <dgm:fillClrLst meth="repeat">
+      <a:schemeClr val="lt1"/>
+    </dgm:fillClrLst>
+    <dgm:linClrLst meth="repeat">
+      <a:schemeClr val="accent1"/>
+    </dgm:linClrLst>
+    <dgm:effectClrLst/>
+    <dgm:txLinClrLst/>
+    <dgm:txFillClrLst meth="repeat">
+      <a:schemeClr val="dk1"/>
+    </dgm:txFillClrLst>
+    <dgm:txEffectClrLst/>
+  </dgm:styleLbl>
+  <dgm:styleLbl name="solidBgAcc1">
+    <dgm:fillClrLst meth="repeat">
+      <a:schemeClr val="lt1"/>
+    </dgm:fillClrLst>
+    <dgm:linClrLst meth="repeat">
+      <a:schemeClr val="accent1"/>
+    </dgm:linClrLst>
+    <dgm:effectClrLst/>
+    <dgm:txLinClrLst/>
+    <dgm:txFillClrLst meth="repeat">
+      <a:schemeClr val="dk1"/>
+    </dgm:txFillClrLst>
+    <dgm:txEffectClrLst/>
+  </dgm:styleLbl>
+  <dgm:styleLbl name="fgAccFollowNode1">
+    <dgm:fillClrLst meth="repeat">
+      <a:schemeClr val="accent1">
+        <a:alpha val="90000"/>
+        <a:tint val="40000"/>
+      </a:schemeClr>
+    </dgm:fillClrLst>
+    <dgm:linClrLst meth="repeat">
+      <a:schemeClr val="accent1">
+        <a:alpha val="90000"/>
+        <a:tint val="40000"/>
+      </a:schemeClr>
+    </dgm:linClrLst>
+    <dgm:effectClrLst/>
+    <dgm:txLinClrLst/>
+    <dgm:txFillClrLst meth="repeat">
+      <a:schemeClr val="dk1"/>
+    </dgm:txFillClrLst>
+    <dgm:txEffectClrLst/>
+  </dgm:styleLbl>
+  <dgm:styleLbl name="alignAccFollowNode1">
+    <dgm:fillClrLst meth="repeat">
+      <a:schemeClr val="accent1">
+        <a:alpha val="90000"/>
+        <a:tint val="40000"/>
+      </a:schemeClr>
+    </dgm:fillClrLst>
+    <dgm:linClrLst meth="repeat">
+      <a:schemeClr val="accent1">
+        <a:alpha val="90000"/>
+        <a:tint val="40000"/>
+      </a:schemeClr>
+    </dgm:linClrLst>
+    <dgm:effectClrLst/>
+    <dgm:txLinClrLst/>
+    <dgm:txFillClrLst meth="repeat">
+      <a:schemeClr val="dk1"/>
+    </dgm:txFillClrLst>
+    <dgm:txEffectClrLst/>
+  </dgm:styleLbl>
+  <dgm:styleLbl name="bgAccFollowNode1">
+    <dgm:fillClrLst meth="repeat">
+      <a:schemeClr val="accent1">
+        <a:alpha val="90000"/>
+        <a:tint val="40000"/>
+      </a:schemeClr>
+    </dgm:fillClrLst>
+    <dgm:linClrLst meth="repeat">
+      <a:schemeClr val="accent1">
+        <a:alpha val="90000"/>
+        <a:tint val="40000"/>
+      </a:schemeClr>
+    </dgm:linClrLst>
+    <dgm:effectClrLst/>
+    <dgm:txLinClrLst/>
+    <dgm:txFillClrLst meth="repeat">
+      <a:schemeClr val="dk1"/>
+    </dgm:txFillClrLst>
+    <dgm:txEffectClrLst/>
+  </dgm:styleLbl>
+  <dgm:styleLbl name="fgAcc0">
+    <dgm:fillClrLst meth="repeat">
+      <a:schemeClr val="lt1">
+        <a:alpha val="90000"/>
+      </a:schemeClr>
+    </dgm:fillClrLst>
+    <dgm:linClrLst meth="repeat">
+      <a:schemeClr val="accent1"/>
+    </dgm:linClrLst>
+    <dgm:effectClrLst/>
+    <dgm:txLinClrLst/>
+    <dgm:txFillClrLst meth="repeat">
+      <a:schemeClr val="dk1"/>
+    </dgm:txFillClrLst>
+    <dgm:txEffectClrLst/>
+  </dgm:styleLbl>
+  <dgm:styleLbl name="fgAcc2">
+    <dgm:fillClrLst meth="repeat">
+      <a:schemeClr val="lt1">
+        <a:alpha val="90000"/>
+      </a:schemeClr>
+    </dgm:fillClrLst>
+    <dgm:linClrLst meth="repeat">
+      <a:schemeClr val="accent1"/>
+    </dgm:linClrLst>
+    <dgm:effectClrLst/>
+    <dgm:txLinClrLst/>
+    <dgm:txFillClrLst meth="repeat">
+      <a:schemeClr val="dk1"/>
+    </dgm:txFillClrLst>
+    <dgm:txEffectClrLst/>
+  </dgm:styleLbl>
+  <dgm:styleLbl name="fgAcc3">
+    <dgm:fillClrLst meth="repeat">
+      <a:schemeClr val="lt1">
+        <a:alpha val="90000"/>
+      </a:schemeClr>
+    </dgm:fillClrLst>
+    <dgm:linClrLst meth="repeat">
+      <a:schemeClr val="accent1"/>
+    </dgm:linClrLst>
+    <dgm:effectClrLst/>
+    <dgm:txLinClrLst/>
+    <dgm:txFillClrLst meth="repeat">
+      <a:schemeClr val="dk1"/>
+    </dgm:txFillClrLst>
+    <dgm:txEffectClrLst/>
+  </dgm:styleLbl>
+  <dgm:styleLbl name="fgAcc4">
+    <dgm:fillClrLst meth="repeat">
+      <a:schemeClr val="lt1">
+        <a:alpha val="90000"/>
+      </a:schemeClr>
+    </dgm:fillClrLst>
+    <dgm:linClrLst meth="repeat">
+      <a:schemeClr val="accent1"/>
+    </dgm:linClrLst>
+    <dgm:effectClrLst/>
+    <dgm:txLinClrLst/>
+    <dgm:txFillClrLst meth="repeat">
+      <a:schemeClr val="dk1"/>
+    </dgm:txFillClrLst>
+    <dgm:txEffectClrLst/>
+  </dgm:styleLbl>
+  <dgm:styleLbl name="bgShp">
+    <dgm:fillClrLst meth="repeat">
+      <a:schemeClr val="accent1">
+        <a:tint val="40000"/>
+      </a:schemeClr>
+    </dgm:fillClrLst>
+    <dgm:linClrLst meth="repeat">
+      <a:schemeClr val="accent1"/>
+    </dgm:linClrLst>
+    <dgm:effectClrLst/>
+    <dgm:txLinClrLst/>
+    <dgm:txFillClrLst meth="repeat">
+      <a:schemeClr val="dk1"/>
+    </dgm:txFillClrLst>
+    <dgm:txEffectClrLst/>
+  </dgm:styleLbl>
+  <dgm:styleLbl name="dkBgShp">
+    <dgm:fillClrLst meth="repeat">
+      <a:schemeClr val="accent1">
+        <a:shade val="80000"/>
+      </a:schemeClr>
+    </dgm:fillClrLst>
+    <dgm:linClrLst meth="repeat">
+      <a:schemeClr val="accent1"/>
+    </dgm:linClrLst>
+    <dgm:effectClrLst/>
+    <dgm:txLinClrLst/>
+    <dgm:txFillClrLst meth="repeat">
+      <a:schemeClr val="lt1"/>
+    </dgm:txFillClrLst>
+    <dgm:txEffectClrLst/>
+  </dgm:styleLbl>
+  <dgm:styleLbl name="trBgShp">
+    <dgm:fillClrLst meth="repeat">
+      <a:schemeClr val="accent1">
+        <a:tint val="50000"/>
+        <a:alpha val="40000"/>
+      </a:schemeClr>
+    </dgm:fillClrLst>
+    <dgm:linClrLst meth="repeat">
+      <a:schemeClr val="accent1"/>
+    </dgm:linClrLst>
+    <dgm:effectClrLst/>
+    <dgm:txLinClrLst/>
+    <dgm:txFillClrLst meth="repeat">
+      <a:schemeClr val="lt1"/>
+    </dgm:txFillClrLst>
+    <dgm:txEffectClrLst/>
+  </dgm:styleLbl>
+  <dgm:styleLbl name="fgShp">
+    <dgm:fillClrLst meth="repeat">
+      <a:schemeClr val="accent1">
+        <a:tint val="60000"/>
+      </a:schemeClr>
+    </dgm:fillClrLst>
+    <dgm:linClrLst meth="repeat">
+      <a:schemeClr val="lt1"/>
+    </dgm:linClrLst>
+    <dgm:effectClrLst/>
+    <dgm:txLinClrLst/>
+    <dgm:txFillClrLst meth="repeat">
+      <a:schemeClr val="dk1"/>
+    </dgm:txFillClrLst>
+    <dgm:txEffectClrLst/>
+  </dgm:styleLbl>
+  <dgm:styleLbl name="revTx">
+    <dgm:fillClrLst meth="repeat">
+      <a:schemeClr val="lt1">
+        <a:alpha val="0"/>
+      </a:schemeClr>
+    </dgm:fillClrLst>
+    <dgm:linClrLst meth="repeat">
+      <a:schemeClr val="dk1">
+        <a:alpha val="0"/>
+      </a:schemeClr>
+    </dgm:linClrLst>
+    <dgm:effectClrLst/>
+    <dgm:txLinClrLst/>
+    <dgm:txFillClrLst meth="repeat">
+      <a:schemeClr val="tx1"/>
+    </dgm:txFillClrLst>
+    <dgm:txEffectClrLst/>
+  </dgm:styleLbl>
+</dgm:colorsDef>
+</file>
+
 <file path=ppt/diagrams/data1.xml><?xml version="1.0" encoding="utf-8"?>
 <dgm:dataModel xmlns:dgm="http://schemas.openxmlformats.org/drawingml/2006/diagram" xmlns:a="http://schemas.openxmlformats.org/drawingml/2006/main">
   <dgm:ptLst>
     <dgm:pt modelId="{90A3BE77-B47D-4CC3-A02C-EF397079DAB2}" type="doc">
-      <dgm:prSet loTypeId="urn:microsoft.com/office/officeart/2005/8/layout/hierarchy4" loCatId="hierarchy" qsTypeId="urn:microsoft.com/office/officeart/2005/8/quickstyle/simple1" qsCatId="simple" csTypeId="urn:microsoft.com/office/officeart/2005/8/colors/accent1_2" csCatId="accent1" phldr="1"/>
+      <dgm:prSet loTypeId="urn:microsoft.com/office/officeart/2005/8/layout/hierarchy4" loCatId="hierarchy" qsTypeId="urn:microsoft.com/office/officeart/2005/8/quickstyle/simple4" qsCatId="simple" csTypeId="urn:microsoft.com/office/officeart/2005/8/colors/accent1_2" csCatId="accent1" phldr="1"/>
       <dgm:spPr/>
       <dgm:t>
         <a:bodyPr/>
@@ -1198,6 +1948,13 @@
     <dgm:pt modelId="{B90077B6-671E-4BA7-B629-993157133A77}" type="pres">
       <dgm:prSet presAssocID="{5F3697D6-9B8A-4FC8-875A-409E783CBA6C}" presName="vertOne" presStyleCnt="0"/>
       <dgm:spPr/>
+      <dgm:t>
+        <a:bodyPr/>
+        <a:lstStyle/>
+        <a:p>
+          <a:endParaRPr lang="es-AR"/>
+        </a:p>
+      </dgm:t>
     </dgm:pt>
     <dgm:pt modelId="{AA8642CE-076F-4E21-9169-AEFC3A7958DB}" type="pres">
       <dgm:prSet presAssocID="{5F3697D6-9B8A-4FC8-875A-409E783CBA6C}" presName="txOne" presStyleLbl="node0" presStyleIdx="0" presStyleCnt="1">
@@ -1217,14 +1974,35 @@
     <dgm:pt modelId="{3CA64998-79C4-4E5F-87C9-ABEFFE89D737}" type="pres">
       <dgm:prSet presAssocID="{5F3697D6-9B8A-4FC8-875A-409E783CBA6C}" presName="parTransOne" presStyleCnt="0"/>
       <dgm:spPr/>
+      <dgm:t>
+        <a:bodyPr/>
+        <a:lstStyle/>
+        <a:p>
+          <a:endParaRPr lang="es-AR"/>
+        </a:p>
+      </dgm:t>
     </dgm:pt>
     <dgm:pt modelId="{2245D860-2C6B-412B-8027-65E0B19ACFF2}" type="pres">
       <dgm:prSet presAssocID="{5F3697D6-9B8A-4FC8-875A-409E783CBA6C}" presName="horzOne" presStyleCnt="0"/>
       <dgm:spPr/>
+      <dgm:t>
+        <a:bodyPr/>
+        <a:lstStyle/>
+        <a:p>
+          <a:endParaRPr lang="es-AR"/>
+        </a:p>
+      </dgm:t>
     </dgm:pt>
     <dgm:pt modelId="{3E20A8BE-133A-47CF-83B9-9AE978690938}" type="pres">
       <dgm:prSet presAssocID="{82FC5F13-03F2-42B0-8FC5-91B3F7D20E41}" presName="vertTwo" presStyleCnt="0"/>
       <dgm:spPr/>
+      <dgm:t>
+        <a:bodyPr/>
+        <a:lstStyle/>
+        <a:p>
+          <a:endParaRPr lang="es-AR"/>
+        </a:p>
+      </dgm:t>
     </dgm:pt>
     <dgm:pt modelId="{A3022894-5017-4BFC-92F1-859D2AB0615B}" type="pres">
       <dgm:prSet presAssocID="{82FC5F13-03F2-42B0-8FC5-91B3F7D20E41}" presName="txTwo" presStyleLbl="node2" presStyleIdx="0" presStyleCnt="2">
@@ -1244,14 +2022,35 @@
     <dgm:pt modelId="{581D0262-5E39-4AA9-A6DF-9F899A9331C4}" type="pres">
       <dgm:prSet presAssocID="{82FC5F13-03F2-42B0-8FC5-91B3F7D20E41}" presName="parTransTwo" presStyleCnt="0"/>
       <dgm:spPr/>
+      <dgm:t>
+        <a:bodyPr/>
+        <a:lstStyle/>
+        <a:p>
+          <a:endParaRPr lang="es-AR"/>
+        </a:p>
+      </dgm:t>
     </dgm:pt>
     <dgm:pt modelId="{A254B675-E461-46D8-BA04-AF1DCBCD2D3B}" type="pres">
       <dgm:prSet presAssocID="{82FC5F13-03F2-42B0-8FC5-91B3F7D20E41}" presName="horzTwo" presStyleCnt="0"/>
       <dgm:spPr/>
+      <dgm:t>
+        <a:bodyPr/>
+        <a:lstStyle/>
+        <a:p>
+          <a:endParaRPr lang="es-AR"/>
+        </a:p>
+      </dgm:t>
     </dgm:pt>
     <dgm:pt modelId="{F3679C97-9067-45F6-AD17-236624C3537B}" type="pres">
       <dgm:prSet presAssocID="{A3627B82-19BB-42F6-8010-B9F581F2E628}" presName="vertThree" presStyleCnt="0"/>
       <dgm:spPr/>
+      <dgm:t>
+        <a:bodyPr/>
+        <a:lstStyle/>
+        <a:p>
+          <a:endParaRPr lang="es-AR"/>
+        </a:p>
+      </dgm:t>
     </dgm:pt>
     <dgm:pt modelId="{6703DBD5-002B-494B-811C-88092CA77056}" type="pres">
       <dgm:prSet presAssocID="{A3627B82-19BB-42F6-8010-B9F581F2E628}" presName="txThree" presStyleLbl="node3" presStyleIdx="0" presStyleCnt="3">
@@ -1271,14 +2070,35 @@
     <dgm:pt modelId="{FFF89B01-47F0-4D56-A7D2-CD7A8A4D67B1}" type="pres">
       <dgm:prSet presAssocID="{A3627B82-19BB-42F6-8010-B9F581F2E628}" presName="horzThree" presStyleCnt="0"/>
       <dgm:spPr/>
+      <dgm:t>
+        <a:bodyPr/>
+        <a:lstStyle/>
+        <a:p>
+          <a:endParaRPr lang="es-AR"/>
+        </a:p>
+      </dgm:t>
     </dgm:pt>
     <dgm:pt modelId="{FE111132-9CB7-41E1-AC97-F0BC3F03343E}" type="pres">
       <dgm:prSet presAssocID="{28E37A47-A472-4DEA-84AC-7B26C7DF563F}" presName="sibSpaceThree" presStyleCnt="0"/>
       <dgm:spPr/>
+      <dgm:t>
+        <a:bodyPr/>
+        <a:lstStyle/>
+        <a:p>
+          <a:endParaRPr lang="es-AR"/>
+        </a:p>
+      </dgm:t>
     </dgm:pt>
     <dgm:pt modelId="{459FF5F4-581C-4FB8-9AD1-28681B866663}" type="pres">
       <dgm:prSet presAssocID="{9E0F7C39-3632-4F87-8948-7D21FB272B5B}" presName="vertThree" presStyleCnt="0"/>
       <dgm:spPr/>
+      <dgm:t>
+        <a:bodyPr/>
+        <a:lstStyle/>
+        <a:p>
+          <a:endParaRPr lang="es-AR"/>
+        </a:p>
+      </dgm:t>
     </dgm:pt>
     <dgm:pt modelId="{71FB9E89-85B4-426C-9E92-70DA55968B4C}" type="pres">
       <dgm:prSet presAssocID="{9E0F7C39-3632-4F87-8948-7D21FB272B5B}" presName="txThree" presStyleLbl="node3" presStyleIdx="1" presStyleCnt="3">
@@ -1298,14 +2118,35 @@
     <dgm:pt modelId="{F61DD6E7-4540-4D7A-90E4-734F60D8248B}" type="pres">
       <dgm:prSet presAssocID="{9E0F7C39-3632-4F87-8948-7D21FB272B5B}" presName="horzThree" presStyleCnt="0"/>
       <dgm:spPr/>
+      <dgm:t>
+        <a:bodyPr/>
+        <a:lstStyle/>
+        <a:p>
+          <a:endParaRPr lang="es-AR"/>
+        </a:p>
+      </dgm:t>
     </dgm:pt>
     <dgm:pt modelId="{848AA526-DCBE-4DF9-A9A0-34DD96DA419D}" type="pres">
       <dgm:prSet presAssocID="{23DF92AB-531C-4065-8F05-6999A4C59A7F}" presName="sibSpaceTwo" presStyleCnt="0"/>
       <dgm:spPr/>
+      <dgm:t>
+        <a:bodyPr/>
+        <a:lstStyle/>
+        <a:p>
+          <a:endParaRPr lang="es-AR"/>
+        </a:p>
+      </dgm:t>
     </dgm:pt>
     <dgm:pt modelId="{5E976C85-575B-42E3-B0E3-9197FD7E04F1}" type="pres">
       <dgm:prSet presAssocID="{C24630A2-AF00-4F3D-8CCD-40A466DD1268}" presName="vertTwo" presStyleCnt="0"/>
       <dgm:spPr/>
+      <dgm:t>
+        <a:bodyPr/>
+        <a:lstStyle/>
+        <a:p>
+          <a:endParaRPr lang="es-AR"/>
+        </a:p>
+      </dgm:t>
     </dgm:pt>
     <dgm:pt modelId="{27A8E2C9-ACC0-4C1C-A1B4-FC5118E4D3CD}" type="pres">
       <dgm:prSet presAssocID="{C24630A2-AF00-4F3D-8CCD-40A466DD1268}" presName="txTwo" presStyleLbl="node2" presStyleIdx="1" presStyleCnt="2">
@@ -1325,14 +2166,35 @@
     <dgm:pt modelId="{BD134D29-993D-49E0-9AD3-8DF9ACCD229B}" type="pres">
       <dgm:prSet presAssocID="{C24630A2-AF00-4F3D-8CCD-40A466DD1268}" presName="parTransTwo" presStyleCnt="0"/>
       <dgm:spPr/>
+      <dgm:t>
+        <a:bodyPr/>
+        <a:lstStyle/>
+        <a:p>
+          <a:endParaRPr lang="es-AR"/>
+        </a:p>
+      </dgm:t>
     </dgm:pt>
     <dgm:pt modelId="{950D962F-98D4-4E2E-9EDC-622CA1859D92}" type="pres">
       <dgm:prSet presAssocID="{C24630A2-AF00-4F3D-8CCD-40A466DD1268}" presName="horzTwo" presStyleCnt="0"/>
       <dgm:spPr/>
+      <dgm:t>
+        <a:bodyPr/>
+        <a:lstStyle/>
+        <a:p>
+          <a:endParaRPr lang="es-AR"/>
+        </a:p>
+      </dgm:t>
     </dgm:pt>
     <dgm:pt modelId="{4E773025-6A56-4DAE-B09F-CD5EB51D8CF5}" type="pres">
       <dgm:prSet presAssocID="{1AE98F1E-E277-4E7C-B37B-2DD87C237351}" presName="vertThree" presStyleCnt="0"/>
       <dgm:spPr/>
+      <dgm:t>
+        <a:bodyPr/>
+        <a:lstStyle/>
+        <a:p>
+          <a:endParaRPr lang="es-AR"/>
+        </a:p>
+      </dgm:t>
     </dgm:pt>
     <dgm:pt modelId="{2D0BEDD2-93E1-444F-B15D-F8AE6E00B684}" type="pres">
       <dgm:prSet presAssocID="{1AE98F1E-E277-4E7C-B37B-2DD87C237351}" presName="txThree" presStyleLbl="node3" presStyleIdx="2" presStyleCnt="3">
@@ -1352,10 +2214,24 @@
     <dgm:pt modelId="{99975524-9E7C-4C02-BE74-E33345EC6DF1}" type="pres">
       <dgm:prSet presAssocID="{1AE98F1E-E277-4E7C-B37B-2DD87C237351}" presName="parTransThree" presStyleCnt="0"/>
       <dgm:spPr/>
+      <dgm:t>
+        <a:bodyPr/>
+        <a:lstStyle/>
+        <a:p>
+          <a:endParaRPr lang="es-AR"/>
+        </a:p>
+      </dgm:t>
     </dgm:pt>
     <dgm:pt modelId="{EF09C306-775A-4B24-9CF9-41380976B8D0}" type="pres">
       <dgm:prSet presAssocID="{1AE98F1E-E277-4E7C-B37B-2DD87C237351}" presName="horzThree" presStyleCnt="0"/>
       <dgm:spPr/>
+      <dgm:t>
+        <a:bodyPr/>
+        <a:lstStyle/>
+        <a:p>
+          <a:endParaRPr lang="es-AR"/>
+        </a:p>
+      </dgm:t>
     </dgm:pt>
     <dgm:pt modelId="{B8369508-1C3E-42EA-B911-EB12B31ABE89}" type="pres">
       <dgm:prSet presAssocID="{82005FC4-939D-4ACF-8C2F-E6C9501F71E5}" presName="vertFour" presStyleCnt="0">
@@ -1364,6 +2240,13 @@
         </dgm:presLayoutVars>
       </dgm:prSet>
       <dgm:spPr/>
+      <dgm:t>
+        <a:bodyPr/>
+        <a:lstStyle/>
+        <a:p>
+          <a:endParaRPr lang="es-AR"/>
+        </a:p>
+      </dgm:t>
     </dgm:pt>
     <dgm:pt modelId="{85EB828F-C976-4C4B-BA1A-17244ACF076A}" type="pres">
       <dgm:prSet presAssocID="{82005FC4-939D-4ACF-8C2F-E6C9501F71E5}" presName="txFour" presStyleLbl="node4" presStyleIdx="0" presStyleCnt="2">
@@ -1383,10 +2266,24 @@
     <dgm:pt modelId="{7CA51DFC-9AB6-431C-9C1B-E07D82D66B4E}" type="pres">
       <dgm:prSet presAssocID="{82005FC4-939D-4ACF-8C2F-E6C9501F71E5}" presName="horzFour" presStyleCnt="0"/>
       <dgm:spPr/>
+      <dgm:t>
+        <a:bodyPr/>
+        <a:lstStyle/>
+        <a:p>
+          <a:endParaRPr lang="es-AR"/>
+        </a:p>
+      </dgm:t>
     </dgm:pt>
     <dgm:pt modelId="{A06018AF-59A4-4F09-8D5B-385DBB3F666A}" type="pres">
       <dgm:prSet presAssocID="{F063F031-5075-4751-AAF0-C7653BB77026}" presName="sibSpaceFour" presStyleCnt="0"/>
       <dgm:spPr/>
+      <dgm:t>
+        <a:bodyPr/>
+        <a:lstStyle/>
+        <a:p>
+          <a:endParaRPr lang="es-AR"/>
+        </a:p>
+      </dgm:t>
     </dgm:pt>
     <dgm:pt modelId="{B03E35B3-9816-47C8-815A-2E40261CE97F}" type="pres">
       <dgm:prSet presAssocID="{44146284-82FF-4A1A-87EA-B2772AC5BFBB}" presName="vertFour" presStyleCnt="0">
@@ -1395,6 +2292,13 @@
         </dgm:presLayoutVars>
       </dgm:prSet>
       <dgm:spPr/>
+      <dgm:t>
+        <a:bodyPr/>
+        <a:lstStyle/>
+        <a:p>
+          <a:endParaRPr lang="es-AR"/>
+        </a:p>
+      </dgm:t>
     </dgm:pt>
     <dgm:pt modelId="{9DF2C459-4115-4E2B-AE4B-636AE7505F85}" type="pres">
       <dgm:prSet presAssocID="{44146284-82FF-4A1A-87EA-B2772AC5BFBB}" presName="txFour" presStyleLbl="node4" presStyleIdx="1" presStyleCnt="2">
@@ -1414,6 +2318,13 @@
     <dgm:pt modelId="{F2A14732-42DC-4D56-BA90-F09457335866}" type="pres">
       <dgm:prSet presAssocID="{44146284-82FF-4A1A-87EA-B2772AC5BFBB}" presName="horzFour" presStyleCnt="0"/>
       <dgm:spPr/>
+      <dgm:t>
+        <a:bodyPr/>
+        <a:lstStyle/>
+        <a:p>
+          <a:endParaRPr lang="es-AR"/>
+        </a:p>
+      </dgm:t>
     </dgm:pt>
   </dgm:ptLst>
   <dgm:cxnLst>
@@ -1476,6 +2387,593 @@
 </dgm:dataModel>
 </file>
 
+<file path=ppt/diagrams/data2.xml><?xml version="1.0" encoding="utf-8"?>
+<dgm:dataModel xmlns:dgm="http://schemas.openxmlformats.org/drawingml/2006/diagram" xmlns:a="http://schemas.openxmlformats.org/drawingml/2006/main">
+  <dgm:ptLst>
+    <dgm:pt modelId="{28621352-D8C8-4462-A38B-5ED8DAECF65B}" type="doc">
+      <dgm:prSet loTypeId="urn:microsoft.com/office/officeart/2005/8/layout/vList2" loCatId="list" qsTypeId="urn:microsoft.com/office/officeart/2005/8/quickstyle/simple4" qsCatId="simple" csTypeId="urn:microsoft.com/office/officeart/2005/8/colors/accent1_2" csCatId="accent1" phldr="1"/>
+      <dgm:spPr/>
+      <dgm:t>
+        <a:bodyPr/>
+        <a:lstStyle/>
+        <a:p>
+          <a:endParaRPr lang="es-AR"/>
+        </a:p>
+      </dgm:t>
+    </dgm:pt>
+    <dgm:pt modelId="{F6891DC3-F7D4-4219-BD99-E633DF7F9C99}">
+      <dgm:prSet/>
+      <dgm:spPr/>
+      <dgm:t>
+        <a:bodyPr/>
+        <a:lstStyle/>
+        <a:p>
+          <a:pPr rtl="0"/>
+          <a:r>
+            <a:rPr lang="es-AR" noProof="0" dirty="0" smtClean="0"/>
+            <a:t>Objetivo:</a:t>
+          </a:r>
+          <a:endParaRPr lang="es-AR" noProof="0" dirty="0"/>
+        </a:p>
+      </dgm:t>
+    </dgm:pt>
+    <dgm:pt modelId="{1B245E6A-BCBD-4310-AB1B-65FCE10DA84E}" type="parTrans" cxnId="{F0D4F50D-5A17-422C-8331-D8004DD48F14}">
+      <dgm:prSet/>
+      <dgm:spPr/>
+      <dgm:t>
+        <a:bodyPr/>
+        <a:lstStyle/>
+        <a:p>
+          <a:endParaRPr lang="es-AR"/>
+        </a:p>
+      </dgm:t>
+    </dgm:pt>
+    <dgm:pt modelId="{1D2F8BD6-4E8D-44E7-BB11-49A85F68390E}" type="sibTrans" cxnId="{F0D4F50D-5A17-422C-8331-D8004DD48F14}">
+      <dgm:prSet/>
+      <dgm:spPr/>
+      <dgm:t>
+        <a:bodyPr/>
+        <a:lstStyle/>
+        <a:p>
+          <a:endParaRPr lang="es-AR"/>
+        </a:p>
+      </dgm:t>
+    </dgm:pt>
+    <dgm:pt modelId="{0C38124E-1BE8-4699-A409-7E5EBEFC0B05}">
+      <dgm:prSet/>
+      <dgm:spPr/>
+      <dgm:t>
+        <a:bodyPr/>
+        <a:lstStyle/>
+        <a:p>
+          <a:pPr rtl="0"/>
+          <a:r>
+            <a:rPr lang="es-AR" noProof="0" smtClean="0"/>
+            <a:t>Obtener un grupo de resultados confiables.</a:t>
+          </a:r>
+          <a:endParaRPr lang="es-AR" noProof="0"/>
+        </a:p>
+      </dgm:t>
+    </dgm:pt>
+    <dgm:pt modelId="{DE70DA72-A786-427A-941B-FDB83111C9ED}" type="parTrans" cxnId="{1B2F4A6A-C043-4023-88D6-A1926ECC69A4}">
+      <dgm:prSet/>
+      <dgm:spPr/>
+      <dgm:t>
+        <a:bodyPr/>
+        <a:lstStyle/>
+        <a:p>
+          <a:endParaRPr lang="es-AR"/>
+        </a:p>
+      </dgm:t>
+    </dgm:pt>
+    <dgm:pt modelId="{3D61EFA4-1337-4488-B664-71047F49B8E8}" type="sibTrans" cxnId="{1B2F4A6A-C043-4023-88D6-A1926ECC69A4}">
+      <dgm:prSet/>
+      <dgm:spPr/>
+      <dgm:t>
+        <a:bodyPr/>
+        <a:lstStyle/>
+        <a:p>
+          <a:endParaRPr lang="es-AR"/>
+        </a:p>
+      </dgm:t>
+    </dgm:pt>
+    <dgm:pt modelId="{DD847369-FD52-47A4-9862-6E0F26E8356D}">
+      <dgm:prSet/>
+      <dgm:spPr/>
+      <dgm:t>
+        <a:bodyPr/>
+        <a:lstStyle/>
+        <a:p>
+          <a:pPr rtl="0"/>
+          <a:r>
+            <a:rPr lang="es-AR" noProof="0" smtClean="0"/>
+            <a:t>Ventajas:</a:t>
+          </a:r>
+          <a:endParaRPr lang="es-AR" noProof="0"/>
+        </a:p>
+      </dgm:t>
+    </dgm:pt>
+    <dgm:pt modelId="{68F9C435-6FFD-40A0-A071-F2D05C6DAF67}" type="parTrans" cxnId="{325076B5-CAF0-4A95-8C9C-B4FA4C794795}">
+      <dgm:prSet/>
+      <dgm:spPr/>
+      <dgm:t>
+        <a:bodyPr/>
+        <a:lstStyle/>
+        <a:p>
+          <a:endParaRPr lang="es-AR"/>
+        </a:p>
+      </dgm:t>
+    </dgm:pt>
+    <dgm:pt modelId="{6B1F0A42-3C88-4789-98FD-E29CD4BA95FC}" type="sibTrans" cxnId="{325076B5-CAF0-4A95-8C9C-B4FA4C794795}">
+      <dgm:prSet/>
+      <dgm:spPr/>
+      <dgm:t>
+        <a:bodyPr/>
+        <a:lstStyle/>
+        <a:p>
+          <a:endParaRPr lang="es-AR"/>
+        </a:p>
+      </dgm:t>
+    </dgm:pt>
+    <dgm:pt modelId="{B23AB487-D1FB-45C8-ACD1-3EF47C2B535D}">
+      <dgm:prSet/>
+      <dgm:spPr/>
+      <dgm:t>
+        <a:bodyPr/>
+        <a:lstStyle/>
+        <a:p>
+          <a:pPr rtl="0"/>
+          <a:r>
+            <a:rPr lang="es-AR" noProof="0" smtClean="0"/>
+            <a:t>Control total de todos los parámetros de la simulación.</a:t>
+          </a:r>
+          <a:endParaRPr lang="es-AR" noProof="0"/>
+        </a:p>
+      </dgm:t>
+    </dgm:pt>
+    <dgm:pt modelId="{F399338F-1119-44B6-94F9-8F982ED25E8E}" type="parTrans" cxnId="{DDE1E562-757E-41ED-8919-2F695DEFB7C4}">
+      <dgm:prSet/>
+      <dgm:spPr/>
+      <dgm:t>
+        <a:bodyPr/>
+        <a:lstStyle/>
+        <a:p>
+          <a:endParaRPr lang="es-AR"/>
+        </a:p>
+      </dgm:t>
+    </dgm:pt>
+    <dgm:pt modelId="{BCD5F139-66EC-4467-A91E-91B4B0B55E2A}" type="sibTrans" cxnId="{DDE1E562-757E-41ED-8919-2F695DEFB7C4}">
+      <dgm:prSet/>
+      <dgm:spPr/>
+      <dgm:t>
+        <a:bodyPr/>
+        <a:lstStyle/>
+        <a:p>
+          <a:endParaRPr lang="es-AR"/>
+        </a:p>
+      </dgm:t>
+    </dgm:pt>
+    <dgm:pt modelId="{02FBB906-BA58-41E9-8AD3-696CDF33B717}">
+      <dgm:prSet/>
+      <dgm:spPr/>
+      <dgm:t>
+        <a:bodyPr/>
+        <a:lstStyle/>
+        <a:p>
+          <a:pPr rtl="0"/>
+          <a:r>
+            <a:rPr lang="es-AR" noProof="0" dirty="0" smtClean="0"/>
+            <a:t>Análisis cualitativo del funcionamiento del circuito.</a:t>
+          </a:r>
+          <a:endParaRPr lang="es-AR" noProof="0" dirty="0"/>
+        </a:p>
+      </dgm:t>
+    </dgm:pt>
+    <dgm:pt modelId="{B5AFC2B3-D52C-48AE-8F7A-36242B2BAFB5}" type="parTrans" cxnId="{8526E3F5-25F8-4704-B058-78E3FE5EB49A}">
+      <dgm:prSet/>
+      <dgm:spPr/>
+      <dgm:t>
+        <a:bodyPr/>
+        <a:lstStyle/>
+        <a:p>
+          <a:endParaRPr lang="es-AR"/>
+        </a:p>
+      </dgm:t>
+    </dgm:pt>
+    <dgm:pt modelId="{CF70BE40-2BC0-48DF-8F64-CC537DE7C180}" type="sibTrans" cxnId="{8526E3F5-25F8-4704-B058-78E3FE5EB49A}">
+      <dgm:prSet/>
+      <dgm:spPr/>
+      <dgm:t>
+        <a:bodyPr/>
+        <a:lstStyle/>
+        <a:p>
+          <a:endParaRPr lang="es-AR"/>
+        </a:p>
+      </dgm:t>
+    </dgm:pt>
+    <dgm:pt modelId="{F1D3B8A7-F18E-466C-B04E-4F86C1E71632}">
+      <dgm:prSet/>
+      <dgm:spPr/>
+      <dgm:t>
+        <a:bodyPr/>
+        <a:lstStyle/>
+        <a:p>
+          <a:pPr rtl="0"/>
+          <a:r>
+            <a:rPr lang="es-AR" noProof="0" smtClean="0"/>
+            <a:t>Disponibilidad de todos los datos de simulación.</a:t>
+          </a:r>
+          <a:endParaRPr lang="es-AR" noProof="0"/>
+        </a:p>
+      </dgm:t>
+    </dgm:pt>
+    <dgm:pt modelId="{6FCD00B0-9AC7-4A2C-990E-1455B980BE4B}" type="parTrans" cxnId="{4A7813FD-937C-452B-AF75-7E94AB313993}">
+      <dgm:prSet/>
+      <dgm:spPr/>
+      <dgm:t>
+        <a:bodyPr/>
+        <a:lstStyle/>
+        <a:p>
+          <a:endParaRPr lang="es-AR"/>
+        </a:p>
+      </dgm:t>
+    </dgm:pt>
+    <dgm:pt modelId="{7FF16688-7ACE-4FBA-88B5-A9A16CC61368}" type="sibTrans" cxnId="{4A7813FD-937C-452B-AF75-7E94AB313993}">
+      <dgm:prSet/>
+      <dgm:spPr/>
+      <dgm:t>
+        <a:bodyPr/>
+        <a:lstStyle/>
+        <a:p>
+          <a:endParaRPr lang="es-AR"/>
+        </a:p>
+      </dgm:t>
+    </dgm:pt>
+    <dgm:pt modelId="{46D51864-616F-4817-8F91-3E15814C4CD5}">
+      <dgm:prSet/>
+      <dgm:spPr/>
+      <dgm:t>
+        <a:bodyPr/>
+        <a:lstStyle/>
+        <a:p>
+          <a:pPr rtl="0"/>
+          <a:r>
+            <a:rPr lang="es-AR" noProof="0" dirty="0" smtClean="0"/>
+            <a:t>Elementos:</a:t>
+          </a:r>
+          <a:endParaRPr lang="es-AR" noProof="0" dirty="0"/>
+        </a:p>
+      </dgm:t>
+    </dgm:pt>
+    <dgm:pt modelId="{E2AE9E1E-E0FB-47DC-9337-191CB5B936CB}" type="parTrans" cxnId="{DFCB5525-E174-4B2A-ADBB-B3D93E2D2A6C}">
+      <dgm:prSet/>
+      <dgm:spPr/>
+      <dgm:t>
+        <a:bodyPr/>
+        <a:lstStyle/>
+        <a:p>
+          <a:endParaRPr lang="es-AR"/>
+        </a:p>
+      </dgm:t>
+    </dgm:pt>
+    <dgm:pt modelId="{E9DF6DF7-3E08-45C9-8B8E-841EA30C8B33}" type="sibTrans" cxnId="{DFCB5525-E174-4B2A-ADBB-B3D93E2D2A6C}">
+      <dgm:prSet/>
+      <dgm:spPr/>
+      <dgm:t>
+        <a:bodyPr/>
+        <a:lstStyle/>
+        <a:p>
+          <a:endParaRPr lang="es-AR"/>
+        </a:p>
+      </dgm:t>
+    </dgm:pt>
+    <dgm:pt modelId="{69A1D6D1-C5A0-40C0-8829-3DCBB2A1EA06}">
+      <dgm:prSet/>
+      <dgm:spPr/>
+      <dgm:t>
+        <a:bodyPr/>
+        <a:lstStyle/>
+        <a:p>
+          <a:pPr rtl="0"/>
+          <a:r>
+            <a:rPr lang="es-AR" noProof="0" smtClean="0"/>
+            <a:t>3 comparadores.</a:t>
+          </a:r>
+          <a:endParaRPr lang="es-AR" noProof="0"/>
+        </a:p>
+      </dgm:t>
+    </dgm:pt>
+    <dgm:pt modelId="{0EE2AA90-1017-41D1-A5FF-5DB26507CBC1}" type="parTrans" cxnId="{F8FC9519-21BC-4D9B-A3DD-05A3CB4F1842}">
+      <dgm:prSet/>
+      <dgm:spPr/>
+      <dgm:t>
+        <a:bodyPr/>
+        <a:lstStyle/>
+        <a:p>
+          <a:endParaRPr lang="es-AR"/>
+        </a:p>
+      </dgm:t>
+    </dgm:pt>
+    <dgm:pt modelId="{F2EEB5D0-099E-4B95-BE4F-891C57129C67}" type="sibTrans" cxnId="{F8FC9519-21BC-4D9B-A3DD-05A3CB4F1842}">
+      <dgm:prSet/>
+      <dgm:spPr/>
+      <dgm:t>
+        <a:bodyPr/>
+        <a:lstStyle/>
+        <a:p>
+          <a:endParaRPr lang="es-AR"/>
+        </a:p>
+      </dgm:t>
+    </dgm:pt>
+    <dgm:pt modelId="{15B62DB7-1781-4712-8CB4-4612F4004CF9}">
+      <dgm:prSet/>
+      <dgm:spPr/>
+      <dgm:t>
+        <a:bodyPr/>
+        <a:lstStyle/>
+        <a:p>
+          <a:pPr rtl="0"/>
+          <a:r>
+            <a:rPr lang="es-AR" noProof="0" dirty="0" smtClean="0"/>
+            <a:t>4 </a:t>
+          </a:r>
+          <a:r>
+            <a:rPr lang="es-AR" noProof="0" dirty="0" smtClean="0"/>
+            <a:t>niveles de tensión de entrada.</a:t>
+          </a:r>
+          <a:endParaRPr lang="es-AR" noProof="0" dirty="0"/>
+        </a:p>
+      </dgm:t>
+    </dgm:pt>
+    <dgm:pt modelId="{7F360CA1-E9E5-4774-B5E6-7BD4C2281884}" type="parTrans" cxnId="{9977EA1B-9B74-4F59-A2D5-51A779991AD8}">
+      <dgm:prSet/>
+      <dgm:spPr/>
+      <dgm:t>
+        <a:bodyPr/>
+        <a:lstStyle/>
+        <a:p>
+          <a:endParaRPr lang="es-AR"/>
+        </a:p>
+      </dgm:t>
+    </dgm:pt>
+    <dgm:pt modelId="{90A31C82-9F2C-45D4-89B6-4B24566CCF2C}" type="sibTrans" cxnId="{9977EA1B-9B74-4F59-A2D5-51A779991AD8}">
+      <dgm:prSet/>
+      <dgm:spPr/>
+      <dgm:t>
+        <a:bodyPr/>
+        <a:lstStyle/>
+        <a:p>
+          <a:endParaRPr lang="es-AR"/>
+        </a:p>
+      </dgm:t>
+    </dgm:pt>
+    <dgm:pt modelId="{F67643B1-22DC-47B4-B3B5-BF746A707484}">
+      <dgm:prSet/>
+      <dgm:spPr/>
+      <dgm:t>
+        <a:bodyPr/>
+        <a:lstStyle/>
+        <a:p>
+          <a:pPr rtl="0"/>
+          <a:r>
+            <a:rPr lang="es-AR" noProof="0" dirty="0" smtClean="0"/>
+            <a:t>1 compuerta NAND de 8 entradas.</a:t>
+          </a:r>
+          <a:endParaRPr lang="es-AR" noProof="0" dirty="0"/>
+        </a:p>
+      </dgm:t>
+    </dgm:pt>
+    <dgm:pt modelId="{8BDF7434-6C4C-4F44-B49E-8CEB0F7057E5}" type="parTrans" cxnId="{5FB863EE-1950-496B-8FF6-A06CB4BCC373}">
+      <dgm:prSet/>
+      <dgm:spPr/>
+      <dgm:t>
+        <a:bodyPr/>
+        <a:lstStyle/>
+        <a:p>
+          <a:endParaRPr lang="es-AR"/>
+        </a:p>
+      </dgm:t>
+    </dgm:pt>
+    <dgm:pt modelId="{46B476B1-E80F-4347-839F-665DE47D6FA7}" type="sibTrans" cxnId="{5FB863EE-1950-496B-8FF6-A06CB4BCC373}">
+      <dgm:prSet/>
+      <dgm:spPr/>
+      <dgm:t>
+        <a:bodyPr/>
+        <a:lstStyle/>
+        <a:p>
+          <a:endParaRPr lang="es-AR"/>
+        </a:p>
+      </dgm:t>
+    </dgm:pt>
+    <dgm:pt modelId="{FF08B318-A1F3-47F2-AD3F-C9F8A0F96034}">
+      <dgm:prSet/>
+      <dgm:spPr/>
+      <dgm:t>
+        <a:bodyPr/>
+        <a:lstStyle/>
+        <a:p>
+          <a:pPr rtl="0"/>
+          <a:r>
+            <a:rPr lang="es-AR" noProof="0" dirty="0" smtClean="0"/>
+            <a:t>2 fuentes de inyección</a:t>
+          </a:r>
+          <a:endParaRPr lang="es-AR" noProof="0" dirty="0"/>
+        </a:p>
+      </dgm:t>
+    </dgm:pt>
+    <dgm:pt modelId="{43FC54AC-4833-4786-BCFA-D5B98D91A7B6}" type="parTrans" cxnId="{AE3650D8-4F2F-426C-AB7C-8E557E497AC9}">
+      <dgm:prSet/>
+      <dgm:spPr/>
+      <dgm:t>
+        <a:bodyPr/>
+        <a:lstStyle/>
+        <a:p>
+          <a:endParaRPr lang="es-AR"/>
+        </a:p>
+      </dgm:t>
+    </dgm:pt>
+    <dgm:pt modelId="{DD8AA6AF-2AA6-41F8-912C-3C0B383B8B0E}" type="sibTrans" cxnId="{AE3650D8-4F2F-426C-AB7C-8E557E497AC9}">
+      <dgm:prSet/>
+      <dgm:spPr/>
+      <dgm:t>
+        <a:bodyPr/>
+        <a:lstStyle/>
+        <a:p>
+          <a:endParaRPr lang="es-AR"/>
+        </a:p>
+      </dgm:t>
+    </dgm:pt>
+    <dgm:pt modelId="{F9B833AD-177B-47A7-A8A2-CC5864175494}" type="pres">
+      <dgm:prSet presAssocID="{28621352-D8C8-4462-A38B-5ED8DAECF65B}" presName="linear" presStyleCnt="0">
+        <dgm:presLayoutVars>
+          <dgm:animLvl val="lvl"/>
+          <dgm:resizeHandles val="exact"/>
+        </dgm:presLayoutVars>
+      </dgm:prSet>
+      <dgm:spPr/>
+      <dgm:t>
+        <a:bodyPr/>
+        <a:lstStyle/>
+        <a:p>
+          <a:endParaRPr lang="es-AR"/>
+        </a:p>
+      </dgm:t>
+    </dgm:pt>
+    <dgm:pt modelId="{A95D184C-E14B-4F00-909E-013D2800488D}" type="pres">
+      <dgm:prSet presAssocID="{F6891DC3-F7D4-4219-BD99-E633DF7F9C99}" presName="parentText" presStyleLbl="node1" presStyleIdx="0" presStyleCnt="3">
+        <dgm:presLayoutVars>
+          <dgm:chMax val="0"/>
+          <dgm:bulletEnabled val="1"/>
+        </dgm:presLayoutVars>
+      </dgm:prSet>
+      <dgm:spPr/>
+      <dgm:t>
+        <a:bodyPr/>
+        <a:lstStyle/>
+        <a:p>
+          <a:endParaRPr lang="es-AR"/>
+        </a:p>
+      </dgm:t>
+    </dgm:pt>
+    <dgm:pt modelId="{3DA3C54A-443E-4079-8FD8-03835498A313}" type="pres">
+      <dgm:prSet presAssocID="{F6891DC3-F7D4-4219-BD99-E633DF7F9C99}" presName="childText" presStyleLbl="revTx" presStyleIdx="0" presStyleCnt="3">
+        <dgm:presLayoutVars>
+          <dgm:bulletEnabled val="1"/>
+        </dgm:presLayoutVars>
+      </dgm:prSet>
+      <dgm:spPr/>
+      <dgm:t>
+        <a:bodyPr/>
+        <a:lstStyle/>
+        <a:p>
+          <a:endParaRPr lang="es-AR"/>
+        </a:p>
+      </dgm:t>
+    </dgm:pt>
+    <dgm:pt modelId="{3598399E-EEC9-4846-AE6F-2A815FA52A1A}" type="pres">
+      <dgm:prSet presAssocID="{DD847369-FD52-47A4-9862-6E0F26E8356D}" presName="parentText" presStyleLbl="node1" presStyleIdx="1" presStyleCnt="3">
+        <dgm:presLayoutVars>
+          <dgm:chMax val="0"/>
+          <dgm:bulletEnabled val="1"/>
+        </dgm:presLayoutVars>
+      </dgm:prSet>
+      <dgm:spPr/>
+      <dgm:t>
+        <a:bodyPr/>
+        <a:lstStyle/>
+        <a:p>
+          <a:endParaRPr lang="es-AR"/>
+        </a:p>
+      </dgm:t>
+    </dgm:pt>
+    <dgm:pt modelId="{86C6E5DC-91FE-4393-97EC-0E63A588CCA8}" type="pres">
+      <dgm:prSet presAssocID="{DD847369-FD52-47A4-9862-6E0F26E8356D}" presName="childText" presStyleLbl="revTx" presStyleIdx="1" presStyleCnt="3">
+        <dgm:presLayoutVars>
+          <dgm:bulletEnabled val="1"/>
+        </dgm:presLayoutVars>
+      </dgm:prSet>
+      <dgm:spPr/>
+      <dgm:t>
+        <a:bodyPr/>
+        <a:lstStyle/>
+        <a:p>
+          <a:endParaRPr lang="es-AR"/>
+        </a:p>
+      </dgm:t>
+    </dgm:pt>
+    <dgm:pt modelId="{754C3953-3803-4D78-ABC9-4560C428F027}" type="pres">
+      <dgm:prSet presAssocID="{46D51864-616F-4817-8F91-3E15814C4CD5}" presName="parentText" presStyleLbl="node1" presStyleIdx="2" presStyleCnt="3">
+        <dgm:presLayoutVars>
+          <dgm:chMax val="0"/>
+          <dgm:bulletEnabled val="1"/>
+        </dgm:presLayoutVars>
+      </dgm:prSet>
+      <dgm:spPr/>
+      <dgm:t>
+        <a:bodyPr/>
+        <a:lstStyle/>
+        <a:p>
+          <a:endParaRPr lang="es-AR"/>
+        </a:p>
+      </dgm:t>
+    </dgm:pt>
+    <dgm:pt modelId="{4174C60E-95CC-4882-BEA6-891F2F81F245}" type="pres">
+      <dgm:prSet presAssocID="{46D51864-616F-4817-8F91-3E15814C4CD5}" presName="childText" presStyleLbl="revTx" presStyleIdx="2" presStyleCnt="3">
+        <dgm:presLayoutVars>
+          <dgm:bulletEnabled val="1"/>
+        </dgm:presLayoutVars>
+      </dgm:prSet>
+      <dgm:spPr/>
+      <dgm:t>
+        <a:bodyPr/>
+        <a:lstStyle/>
+        <a:p>
+          <a:endParaRPr lang="es-AR"/>
+        </a:p>
+      </dgm:t>
+    </dgm:pt>
+  </dgm:ptLst>
+  <dgm:cxnLst>
+    <dgm:cxn modelId="{59DC16B1-1AD8-4E5A-9DFB-056D13E468D6}" type="presOf" srcId="{FF08B318-A1F3-47F2-AD3F-C9F8A0F96034}" destId="{4174C60E-95CC-4882-BEA6-891F2F81F245}" srcOrd="0" destOrd="3" presId="urn:microsoft.com/office/officeart/2005/8/layout/vList2"/>
+    <dgm:cxn modelId="{6E64ED66-4F46-4C8D-8C75-A970872A44CB}" type="presOf" srcId="{DD847369-FD52-47A4-9862-6E0F26E8356D}" destId="{3598399E-EEC9-4846-AE6F-2A815FA52A1A}" srcOrd="0" destOrd="0" presId="urn:microsoft.com/office/officeart/2005/8/layout/vList2"/>
+    <dgm:cxn modelId="{518902F6-C000-4ED1-B07D-7869545DF19F}" type="presOf" srcId="{0C38124E-1BE8-4699-A409-7E5EBEFC0B05}" destId="{3DA3C54A-443E-4079-8FD8-03835498A313}" srcOrd="0" destOrd="0" presId="urn:microsoft.com/office/officeart/2005/8/layout/vList2"/>
+    <dgm:cxn modelId="{DDE1E562-757E-41ED-8919-2F695DEFB7C4}" srcId="{DD847369-FD52-47A4-9862-6E0F26E8356D}" destId="{B23AB487-D1FB-45C8-ACD1-3EF47C2B535D}" srcOrd="0" destOrd="0" parTransId="{F399338F-1119-44B6-94F9-8F982ED25E8E}" sibTransId="{BCD5F139-66EC-4467-A91E-91B4B0B55E2A}"/>
+    <dgm:cxn modelId="{BECF50C3-DFE3-45EE-B065-429FEFFFDC49}" type="presOf" srcId="{02FBB906-BA58-41E9-8AD3-696CDF33B717}" destId="{86C6E5DC-91FE-4393-97EC-0E63A588CCA8}" srcOrd="0" destOrd="1" presId="urn:microsoft.com/office/officeart/2005/8/layout/vList2"/>
+    <dgm:cxn modelId="{F8FC9519-21BC-4D9B-A3DD-05A3CB4F1842}" srcId="{46D51864-616F-4817-8F91-3E15814C4CD5}" destId="{69A1D6D1-C5A0-40C0-8829-3DCBB2A1EA06}" srcOrd="0" destOrd="0" parTransId="{0EE2AA90-1017-41D1-A5FF-5DB26507CBC1}" sibTransId="{F2EEB5D0-099E-4B95-BE4F-891C57129C67}"/>
+    <dgm:cxn modelId="{4A7813FD-937C-452B-AF75-7E94AB313993}" srcId="{DD847369-FD52-47A4-9862-6E0F26E8356D}" destId="{F1D3B8A7-F18E-466C-B04E-4F86C1E71632}" srcOrd="2" destOrd="0" parTransId="{6FCD00B0-9AC7-4A2C-990E-1455B980BE4B}" sibTransId="{7FF16688-7ACE-4FBA-88B5-A9A16CC61368}"/>
+    <dgm:cxn modelId="{AE3650D8-4F2F-426C-AB7C-8E557E497AC9}" srcId="{46D51864-616F-4817-8F91-3E15814C4CD5}" destId="{FF08B318-A1F3-47F2-AD3F-C9F8A0F96034}" srcOrd="3" destOrd="0" parTransId="{43FC54AC-4833-4786-BCFA-D5B98D91A7B6}" sibTransId="{DD8AA6AF-2AA6-41F8-912C-3C0B383B8B0E}"/>
+    <dgm:cxn modelId="{A8DDEF6F-4A41-4E35-AE4A-47B863F39A6C}" type="presOf" srcId="{46D51864-616F-4817-8F91-3E15814C4CD5}" destId="{754C3953-3803-4D78-ABC9-4560C428F027}" srcOrd="0" destOrd="0" presId="urn:microsoft.com/office/officeart/2005/8/layout/vList2"/>
+    <dgm:cxn modelId="{971BCDC8-037B-4F8F-BDF3-31E529D82B42}" type="presOf" srcId="{69A1D6D1-C5A0-40C0-8829-3DCBB2A1EA06}" destId="{4174C60E-95CC-4882-BEA6-891F2F81F245}" srcOrd="0" destOrd="0" presId="urn:microsoft.com/office/officeart/2005/8/layout/vList2"/>
+    <dgm:cxn modelId="{9977EA1B-9B74-4F59-A2D5-51A779991AD8}" srcId="{46D51864-616F-4817-8F91-3E15814C4CD5}" destId="{15B62DB7-1781-4712-8CB4-4612F4004CF9}" srcOrd="1" destOrd="0" parTransId="{7F360CA1-E9E5-4774-B5E6-7BD4C2281884}" sibTransId="{90A31C82-9F2C-45D4-89B6-4B24566CCF2C}"/>
+    <dgm:cxn modelId="{23EF09F3-584C-4A0E-A954-D608F0381D33}" type="presOf" srcId="{F67643B1-22DC-47B4-B3B5-BF746A707484}" destId="{4174C60E-95CC-4882-BEA6-891F2F81F245}" srcOrd="0" destOrd="2" presId="urn:microsoft.com/office/officeart/2005/8/layout/vList2"/>
+    <dgm:cxn modelId="{97540CCD-B544-4F38-8A09-A8D2A24C4BBA}" type="presOf" srcId="{15B62DB7-1781-4712-8CB4-4612F4004CF9}" destId="{4174C60E-95CC-4882-BEA6-891F2F81F245}" srcOrd="0" destOrd="1" presId="urn:microsoft.com/office/officeart/2005/8/layout/vList2"/>
+    <dgm:cxn modelId="{DFCB5525-E174-4B2A-ADBB-B3D93E2D2A6C}" srcId="{28621352-D8C8-4462-A38B-5ED8DAECF65B}" destId="{46D51864-616F-4817-8F91-3E15814C4CD5}" srcOrd="2" destOrd="0" parTransId="{E2AE9E1E-E0FB-47DC-9337-191CB5B936CB}" sibTransId="{E9DF6DF7-3E08-45C9-8B8E-841EA30C8B33}"/>
+    <dgm:cxn modelId="{F0D4F50D-5A17-422C-8331-D8004DD48F14}" srcId="{28621352-D8C8-4462-A38B-5ED8DAECF65B}" destId="{F6891DC3-F7D4-4219-BD99-E633DF7F9C99}" srcOrd="0" destOrd="0" parTransId="{1B245E6A-BCBD-4310-AB1B-65FCE10DA84E}" sibTransId="{1D2F8BD6-4E8D-44E7-BB11-49A85F68390E}"/>
+    <dgm:cxn modelId="{5FB863EE-1950-496B-8FF6-A06CB4BCC373}" srcId="{46D51864-616F-4817-8F91-3E15814C4CD5}" destId="{F67643B1-22DC-47B4-B3B5-BF746A707484}" srcOrd="2" destOrd="0" parTransId="{8BDF7434-6C4C-4F44-B49E-8CEB0F7057E5}" sibTransId="{46B476B1-E80F-4347-839F-665DE47D6FA7}"/>
+    <dgm:cxn modelId="{1B2F4A6A-C043-4023-88D6-A1926ECC69A4}" srcId="{F6891DC3-F7D4-4219-BD99-E633DF7F9C99}" destId="{0C38124E-1BE8-4699-A409-7E5EBEFC0B05}" srcOrd="0" destOrd="0" parTransId="{DE70DA72-A786-427A-941B-FDB83111C9ED}" sibTransId="{3D61EFA4-1337-4488-B664-71047F49B8E8}"/>
+    <dgm:cxn modelId="{325076B5-CAF0-4A95-8C9C-B4FA4C794795}" srcId="{28621352-D8C8-4462-A38B-5ED8DAECF65B}" destId="{DD847369-FD52-47A4-9862-6E0F26E8356D}" srcOrd="1" destOrd="0" parTransId="{68F9C435-6FFD-40A0-A071-F2D05C6DAF67}" sibTransId="{6B1F0A42-3C88-4789-98FD-E29CD4BA95FC}"/>
+    <dgm:cxn modelId="{C97EDC3C-F975-4058-9CA6-846C8132FD7D}" type="presOf" srcId="{F6891DC3-F7D4-4219-BD99-E633DF7F9C99}" destId="{A95D184C-E14B-4F00-909E-013D2800488D}" srcOrd="0" destOrd="0" presId="urn:microsoft.com/office/officeart/2005/8/layout/vList2"/>
+    <dgm:cxn modelId="{8526E3F5-25F8-4704-B058-78E3FE5EB49A}" srcId="{DD847369-FD52-47A4-9862-6E0F26E8356D}" destId="{02FBB906-BA58-41E9-8AD3-696CDF33B717}" srcOrd="1" destOrd="0" parTransId="{B5AFC2B3-D52C-48AE-8F7A-36242B2BAFB5}" sibTransId="{CF70BE40-2BC0-48DF-8F64-CC537DE7C180}"/>
+    <dgm:cxn modelId="{17EC2E80-063A-4284-B5F7-5B460FC430DD}" type="presOf" srcId="{28621352-D8C8-4462-A38B-5ED8DAECF65B}" destId="{F9B833AD-177B-47A7-A8A2-CC5864175494}" srcOrd="0" destOrd="0" presId="urn:microsoft.com/office/officeart/2005/8/layout/vList2"/>
+    <dgm:cxn modelId="{27AB5765-8A9D-4C63-A79E-37E0CC419524}" type="presOf" srcId="{B23AB487-D1FB-45C8-ACD1-3EF47C2B535D}" destId="{86C6E5DC-91FE-4393-97EC-0E63A588CCA8}" srcOrd="0" destOrd="0" presId="urn:microsoft.com/office/officeart/2005/8/layout/vList2"/>
+    <dgm:cxn modelId="{0044EA7D-13E5-4640-A487-DF7086EF3ECE}" type="presOf" srcId="{F1D3B8A7-F18E-466C-B04E-4F86C1E71632}" destId="{86C6E5DC-91FE-4393-97EC-0E63A588CCA8}" srcOrd="0" destOrd="2" presId="urn:microsoft.com/office/officeart/2005/8/layout/vList2"/>
+    <dgm:cxn modelId="{0D99D7EC-2C52-4117-9916-E3839DD40697}" type="presParOf" srcId="{F9B833AD-177B-47A7-A8A2-CC5864175494}" destId="{A95D184C-E14B-4F00-909E-013D2800488D}" srcOrd="0" destOrd="0" presId="urn:microsoft.com/office/officeart/2005/8/layout/vList2"/>
+    <dgm:cxn modelId="{ABE203F6-5A3D-41CA-B1E1-46B40234097C}" type="presParOf" srcId="{F9B833AD-177B-47A7-A8A2-CC5864175494}" destId="{3DA3C54A-443E-4079-8FD8-03835498A313}" srcOrd="1" destOrd="0" presId="urn:microsoft.com/office/officeart/2005/8/layout/vList2"/>
+    <dgm:cxn modelId="{85722904-6A2E-4C3E-AA6C-BD7E0AF853CB}" type="presParOf" srcId="{F9B833AD-177B-47A7-A8A2-CC5864175494}" destId="{3598399E-EEC9-4846-AE6F-2A815FA52A1A}" srcOrd="2" destOrd="0" presId="urn:microsoft.com/office/officeart/2005/8/layout/vList2"/>
+    <dgm:cxn modelId="{098C0B6A-D266-472D-9085-2F7CFCB701BB}" type="presParOf" srcId="{F9B833AD-177B-47A7-A8A2-CC5864175494}" destId="{86C6E5DC-91FE-4393-97EC-0E63A588CCA8}" srcOrd="3" destOrd="0" presId="urn:microsoft.com/office/officeart/2005/8/layout/vList2"/>
+    <dgm:cxn modelId="{3F874C36-5BAF-4146-81C3-F74890040269}" type="presParOf" srcId="{F9B833AD-177B-47A7-A8A2-CC5864175494}" destId="{754C3953-3803-4D78-ABC9-4560C428F027}" srcOrd="4" destOrd="0" presId="urn:microsoft.com/office/officeart/2005/8/layout/vList2"/>
+    <dgm:cxn modelId="{42A4BB19-C4F7-412C-9405-62CF8F353FF7}" type="presParOf" srcId="{F9B833AD-177B-47A7-A8A2-CC5864175494}" destId="{4174C60E-95CC-4882-BEA6-891F2F81F245}" srcOrd="5" destOrd="0" presId="urn:microsoft.com/office/officeart/2005/8/layout/vList2"/>
+  </dgm:cxnLst>
+  <dgm:bg/>
+  <dgm:whole/>
+  <dgm:extLst>
+    <a:ext uri="http://schemas.microsoft.com/office/drawing/2008/diagram">
+      <dsp:dataModelExt xmlns:dsp="http://schemas.microsoft.com/office/drawing/2008/diagram" xmlns="" relId="rId6" minVer="http://schemas.openxmlformats.org/drawingml/2006/diagram"/>
+    </a:ext>
+  </dgm:extLst>
+</dgm:dataModel>
+</file>
+
 <file path=ppt/diagrams/drawing1.xml><?xml version="1.0" encoding="utf-8"?>
 <dsp:drawing xmlns:dgm="http://schemas.openxmlformats.org/drawingml/2006/diagram" xmlns:a="http://schemas.openxmlformats.org/drawingml/2006/main" xmlns:dsp="http://schemas.microsoft.com/office/drawing/2008/diagram">
   <dsp:spTree>
@@ -1499,35 +2997,60 @@
             <a:gd name="adj" fmla="val 10000"/>
           </a:avLst>
         </a:prstGeom>
-        <a:solidFill>
-          <a:schemeClr val="accent1">
-            <a:hueOff val="0"/>
-            <a:satOff val="0"/>
-            <a:lumOff val="0"/>
-            <a:alphaOff val="0"/>
-          </a:schemeClr>
-        </a:solidFill>
-        <a:ln w="48000" cap="flat" cmpd="thickThin" algn="ctr">
-          <a:solidFill>
-            <a:schemeClr val="lt1">
-              <a:hueOff val="0"/>
-              <a:satOff val="0"/>
-              <a:lumOff val="0"/>
-              <a:alphaOff val="0"/>
-            </a:schemeClr>
-          </a:solidFill>
-          <a:prstDash val="solid"/>
+        <a:gradFill rotWithShape="0">
+          <a:gsLst>
+            <a:gs pos="0">
+              <a:schemeClr val="accent1">
+                <a:hueOff val="0"/>
+                <a:satOff val="0"/>
+                <a:lumOff val="0"/>
+                <a:alphaOff val="0"/>
+                <a:shade val="47500"/>
+                <a:satMod val="137000"/>
+              </a:schemeClr>
+            </a:gs>
+            <a:gs pos="55000">
+              <a:schemeClr val="accent1">
+                <a:hueOff val="0"/>
+                <a:satOff val="0"/>
+                <a:lumOff val="0"/>
+                <a:alphaOff val="0"/>
+                <a:shade val="69000"/>
+                <a:satMod val="137000"/>
+              </a:schemeClr>
+            </a:gs>
+            <a:gs pos="100000">
+              <a:schemeClr val="accent1">
+                <a:hueOff val="0"/>
+                <a:satOff val="0"/>
+                <a:lumOff val="0"/>
+                <a:alphaOff val="0"/>
+                <a:shade val="98000"/>
+                <a:satMod val="137000"/>
+              </a:schemeClr>
+            </a:gs>
+          </a:gsLst>
+          <a:lin ang="16200000" scaled="0"/>
+        </a:gradFill>
+        <a:ln>
+          <a:noFill/>
         </a:ln>
-        <a:effectLst/>
+        <a:effectLst>
+          <a:outerShdw blurRad="39000" dist="25400" dir="5400000" rotWithShape="0">
+            <a:srgbClr val="000000">
+              <a:alpha val="38000"/>
+            </a:srgbClr>
+          </a:outerShdw>
+        </a:effectLst>
       </dsp:spPr>
       <dsp:style>
-        <a:lnRef idx="2">
+        <a:lnRef idx="0">
           <a:scrgbClr r="0" g="0" b="0"/>
         </a:lnRef>
-        <a:fillRef idx="1">
+        <a:fillRef idx="3">
           <a:scrgbClr r="0" g="0" b="0"/>
         </a:fillRef>
-        <a:effectRef idx="0">
+        <a:effectRef idx="2">
           <a:scrgbClr r="0" g="0" b="0"/>
         </a:effectRef>
         <a:fontRef idx="minor">
@@ -1577,35 +3100,60 @@
             <a:gd name="adj" fmla="val 10000"/>
           </a:avLst>
         </a:prstGeom>
-        <a:solidFill>
-          <a:schemeClr val="accent1">
-            <a:hueOff val="0"/>
-            <a:satOff val="0"/>
-            <a:lumOff val="0"/>
-            <a:alphaOff val="0"/>
-          </a:schemeClr>
-        </a:solidFill>
-        <a:ln w="48000" cap="flat" cmpd="thickThin" algn="ctr">
-          <a:solidFill>
-            <a:schemeClr val="lt1">
-              <a:hueOff val="0"/>
-              <a:satOff val="0"/>
-              <a:lumOff val="0"/>
-              <a:alphaOff val="0"/>
-            </a:schemeClr>
-          </a:solidFill>
-          <a:prstDash val="solid"/>
+        <a:gradFill rotWithShape="0">
+          <a:gsLst>
+            <a:gs pos="0">
+              <a:schemeClr val="accent1">
+                <a:hueOff val="0"/>
+                <a:satOff val="0"/>
+                <a:lumOff val="0"/>
+                <a:alphaOff val="0"/>
+                <a:shade val="47500"/>
+                <a:satMod val="137000"/>
+              </a:schemeClr>
+            </a:gs>
+            <a:gs pos="55000">
+              <a:schemeClr val="accent1">
+                <a:hueOff val="0"/>
+                <a:satOff val="0"/>
+                <a:lumOff val="0"/>
+                <a:alphaOff val="0"/>
+                <a:shade val="69000"/>
+                <a:satMod val="137000"/>
+              </a:schemeClr>
+            </a:gs>
+            <a:gs pos="100000">
+              <a:schemeClr val="accent1">
+                <a:hueOff val="0"/>
+                <a:satOff val="0"/>
+                <a:lumOff val="0"/>
+                <a:alphaOff val="0"/>
+                <a:shade val="98000"/>
+                <a:satMod val="137000"/>
+              </a:schemeClr>
+            </a:gs>
+          </a:gsLst>
+          <a:lin ang="16200000" scaled="0"/>
+        </a:gradFill>
+        <a:ln>
+          <a:noFill/>
         </a:ln>
-        <a:effectLst/>
+        <a:effectLst>
+          <a:outerShdw blurRad="39000" dist="25400" dir="5400000" rotWithShape="0">
+            <a:srgbClr val="000000">
+              <a:alpha val="38000"/>
+            </a:srgbClr>
+          </a:outerShdw>
+        </a:effectLst>
       </dsp:spPr>
       <dsp:style>
-        <a:lnRef idx="2">
+        <a:lnRef idx="0">
           <a:scrgbClr r="0" g="0" b="0"/>
         </a:lnRef>
-        <a:fillRef idx="1">
+        <a:fillRef idx="3">
           <a:scrgbClr r="0" g="0" b="0"/>
         </a:fillRef>
-        <a:effectRef idx="0">
+        <a:effectRef idx="2">
           <a:scrgbClr r="0" g="0" b="0"/>
         </a:effectRef>
         <a:fontRef idx="minor">
@@ -1655,35 +3203,60 @@
             <a:gd name="adj" fmla="val 10000"/>
           </a:avLst>
         </a:prstGeom>
-        <a:solidFill>
-          <a:schemeClr val="accent1">
-            <a:hueOff val="0"/>
-            <a:satOff val="0"/>
-            <a:lumOff val="0"/>
-            <a:alphaOff val="0"/>
-          </a:schemeClr>
-        </a:solidFill>
-        <a:ln w="48000" cap="flat" cmpd="thickThin" algn="ctr">
-          <a:solidFill>
-            <a:schemeClr val="lt1">
-              <a:hueOff val="0"/>
-              <a:satOff val="0"/>
-              <a:lumOff val="0"/>
-              <a:alphaOff val="0"/>
-            </a:schemeClr>
-          </a:solidFill>
-          <a:prstDash val="solid"/>
+        <a:gradFill rotWithShape="0">
+          <a:gsLst>
+            <a:gs pos="0">
+              <a:schemeClr val="accent1">
+                <a:hueOff val="0"/>
+                <a:satOff val="0"/>
+                <a:lumOff val="0"/>
+                <a:alphaOff val="0"/>
+                <a:shade val="47500"/>
+                <a:satMod val="137000"/>
+              </a:schemeClr>
+            </a:gs>
+            <a:gs pos="55000">
+              <a:schemeClr val="accent1">
+                <a:hueOff val="0"/>
+                <a:satOff val="0"/>
+                <a:lumOff val="0"/>
+                <a:alphaOff val="0"/>
+                <a:shade val="69000"/>
+                <a:satMod val="137000"/>
+              </a:schemeClr>
+            </a:gs>
+            <a:gs pos="100000">
+              <a:schemeClr val="accent1">
+                <a:hueOff val="0"/>
+                <a:satOff val="0"/>
+                <a:lumOff val="0"/>
+                <a:alphaOff val="0"/>
+                <a:shade val="98000"/>
+                <a:satMod val="137000"/>
+              </a:schemeClr>
+            </a:gs>
+          </a:gsLst>
+          <a:lin ang="16200000" scaled="0"/>
+        </a:gradFill>
+        <a:ln>
+          <a:noFill/>
         </a:ln>
-        <a:effectLst/>
+        <a:effectLst>
+          <a:outerShdw blurRad="39000" dist="25400" dir="5400000" rotWithShape="0">
+            <a:srgbClr val="000000">
+              <a:alpha val="38000"/>
+            </a:srgbClr>
+          </a:outerShdw>
+        </a:effectLst>
       </dsp:spPr>
       <dsp:style>
-        <a:lnRef idx="2">
+        <a:lnRef idx="0">
           <a:scrgbClr r="0" g="0" b="0"/>
         </a:lnRef>
-        <a:fillRef idx="1">
+        <a:fillRef idx="3">
           <a:scrgbClr r="0" g="0" b="0"/>
         </a:fillRef>
-        <a:effectRef idx="0">
+        <a:effectRef idx="2">
           <a:scrgbClr r="0" g="0" b="0"/>
         </a:effectRef>
         <a:fontRef idx="minor">
@@ -1733,35 +3306,60 @@
             <a:gd name="adj" fmla="val 10000"/>
           </a:avLst>
         </a:prstGeom>
-        <a:solidFill>
-          <a:schemeClr val="accent1">
-            <a:hueOff val="0"/>
-            <a:satOff val="0"/>
-            <a:lumOff val="0"/>
-            <a:alphaOff val="0"/>
-          </a:schemeClr>
-        </a:solidFill>
-        <a:ln w="48000" cap="flat" cmpd="thickThin" algn="ctr">
-          <a:solidFill>
-            <a:schemeClr val="lt1">
-              <a:hueOff val="0"/>
-              <a:satOff val="0"/>
-              <a:lumOff val="0"/>
-              <a:alphaOff val="0"/>
-            </a:schemeClr>
-          </a:solidFill>
-          <a:prstDash val="solid"/>
+        <a:gradFill rotWithShape="0">
+          <a:gsLst>
+            <a:gs pos="0">
+              <a:schemeClr val="accent1">
+                <a:hueOff val="0"/>
+                <a:satOff val="0"/>
+                <a:lumOff val="0"/>
+                <a:alphaOff val="0"/>
+                <a:shade val="47500"/>
+                <a:satMod val="137000"/>
+              </a:schemeClr>
+            </a:gs>
+            <a:gs pos="55000">
+              <a:schemeClr val="accent1">
+                <a:hueOff val="0"/>
+                <a:satOff val="0"/>
+                <a:lumOff val="0"/>
+                <a:alphaOff val="0"/>
+                <a:shade val="69000"/>
+                <a:satMod val="137000"/>
+              </a:schemeClr>
+            </a:gs>
+            <a:gs pos="100000">
+              <a:schemeClr val="accent1">
+                <a:hueOff val="0"/>
+                <a:satOff val="0"/>
+                <a:lumOff val="0"/>
+                <a:alphaOff val="0"/>
+                <a:shade val="98000"/>
+                <a:satMod val="137000"/>
+              </a:schemeClr>
+            </a:gs>
+          </a:gsLst>
+          <a:lin ang="16200000" scaled="0"/>
+        </a:gradFill>
+        <a:ln>
+          <a:noFill/>
         </a:ln>
-        <a:effectLst/>
+        <a:effectLst>
+          <a:outerShdw blurRad="39000" dist="25400" dir="5400000" rotWithShape="0">
+            <a:srgbClr val="000000">
+              <a:alpha val="38000"/>
+            </a:srgbClr>
+          </a:outerShdw>
+        </a:effectLst>
       </dsp:spPr>
       <dsp:style>
-        <a:lnRef idx="2">
+        <a:lnRef idx="0">
           <a:scrgbClr r="0" g="0" b="0"/>
         </a:lnRef>
-        <a:fillRef idx="1">
+        <a:fillRef idx="3">
           <a:scrgbClr r="0" g="0" b="0"/>
         </a:fillRef>
-        <a:effectRef idx="0">
+        <a:effectRef idx="2">
           <a:scrgbClr r="0" g="0" b="0"/>
         </a:effectRef>
         <a:fontRef idx="minor">
@@ -1811,35 +3409,60 @@
             <a:gd name="adj" fmla="val 10000"/>
           </a:avLst>
         </a:prstGeom>
-        <a:solidFill>
-          <a:schemeClr val="accent1">
-            <a:hueOff val="0"/>
-            <a:satOff val="0"/>
-            <a:lumOff val="0"/>
-            <a:alphaOff val="0"/>
-          </a:schemeClr>
-        </a:solidFill>
-        <a:ln w="48000" cap="flat" cmpd="thickThin" algn="ctr">
-          <a:solidFill>
-            <a:schemeClr val="lt1">
-              <a:hueOff val="0"/>
-              <a:satOff val="0"/>
-              <a:lumOff val="0"/>
-              <a:alphaOff val="0"/>
-            </a:schemeClr>
-          </a:solidFill>
-          <a:prstDash val="solid"/>
+        <a:gradFill rotWithShape="0">
+          <a:gsLst>
+            <a:gs pos="0">
+              <a:schemeClr val="accent1">
+                <a:hueOff val="0"/>
+                <a:satOff val="0"/>
+                <a:lumOff val="0"/>
+                <a:alphaOff val="0"/>
+                <a:shade val="47500"/>
+                <a:satMod val="137000"/>
+              </a:schemeClr>
+            </a:gs>
+            <a:gs pos="55000">
+              <a:schemeClr val="accent1">
+                <a:hueOff val="0"/>
+                <a:satOff val="0"/>
+                <a:lumOff val="0"/>
+                <a:alphaOff val="0"/>
+                <a:shade val="69000"/>
+                <a:satMod val="137000"/>
+              </a:schemeClr>
+            </a:gs>
+            <a:gs pos="100000">
+              <a:schemeClr val="accent1">
+                <a:hueOff val="0"/>
+                <a:satOff val="0"/>
+                <a:lumOff val="0"/>
+                <a:alphaOff val="0"/>
+                <a:shade val="98000"/>
+                <a:satMod val="137000"/>
+              </a:schemeClr>
+            </a:gs>
+          </a:gsLst>
+          <a:lin ang="16200000" scaled="0"/>
+        </a:gradFill>
+        <a:ln>
+          <a:noFill/>
         </a:ln>
-        <a:effectLst/>
+        <a:effectLst>
+          <a:outerShdw blurRad="39000" dist="25400" dir="5400000" rotWithShape="0">
+            <a:srgbClr val="000000">
+              <a:alpha val="38000"/>
+            </a:srgbClr>
+          </a:outerShdw>
+        </a:effectLst>
       </dsp:spPr>
       <dsp:style>
-        <a:lnRef idx="2">
+        <a:lnRef idx="0">
           <a:scrgbClr r="0" g="0" b="0"/>
         </a:lnRef>
-        <a:fillRef idx="1">
+        <a:fillRef idx="3">
           <a:scrgbClr r="0" g="0" b="0"/>
         </a:fillRef>
-        <a:effectRef idx="0">
+        <a:effectRef idx="2">
           <a:scrgbClr r="0" g="0" b="0"/>
         </a:effectRef>
         <a:fontRef idx="minor">
@@ -1889,35 +3512,60 @@
             <a:gd name="adj" fmla="val 10000"/>
           </a:avLst>
         </a:prstGeom>
-        <a:solidFill>
-          <a:schemeClr val="accent1">
-            <a:hueOff val="0"/>
-            <a:satOff val="0"/>
-            <a:lumOff val="0"/>
-            <a:alphaOff val="0"/>
-          </a:schemeClr>
-        </a:solidFill>
-        <a:ln w="48000" cap="flat" cmpd="thickThin" algn="ctr">
-          <a:solidFill>
-            <a:schemeClr val="lt1">
-              <a:hueOff val="0"/>
-              <a:satOff val="0"/>
-              <a:lumOff val="0"/>
-              <a:alphaOff val="0"/>
-            </a:schemeClr>
-          </a:solidFill>
-          <a:prstDash val="solid"/>
+        <a:gradFill rotWithShape="0">
+          <a:gsLst>
+            <a:gs pos="0">
+              <a:schemeClr val="accent1">
+                <a:hueOff val="0"/>
+                <a:satOff val="0"/>
+                <a:lumOff val="0"/>
+                <a:alphaOff val="0"/>
+                <a:shade val="47500"/>
+                <a:satMod val="137000"/>
+              </a:schemeClr>
+            </a:gs>
+            <a:gs pos="55000">
+              <a:schemeClr val="accent1">
+                <a:hueOff val="0"/>
+                <a:satOff val="0"/>
+                <a:lumOff val="0"/>
+                <a:alphaOff val="0"/>
+                <a:shade val="69000"/>
+                <a:satMod val="137000"/>
+              </a:schemeClr>
+            </a:gs>
+            <a:gs pos="100000">
+              <a:schemeClr val="accent1">
+                <a:hueOff val="0"/>
+                <a:satOff val="0"/>
+                <a:lumOff val="0"/>
+                <a:alphaOff val="0"/>
+                <a:shade val="98000"/>
+                <a:satMod val="137000"/>
+              </a:schemeClr>
+            </a:gs>
+          </a:gsLst>
+          <a:lin ang="16200000" scaled="0"/>
+        </a:gradFill>
+        <a:ln>
+          <a:noFill/>
         </a:ln>
-        <a:effectLst/>
+        <a:effectLst>
+          <a:outerShdw blurRad="39000" dist="25400" dir="5400000" rotWithShape="0">
+            <a:srgbClr val="000000">
+              <a:alpha val="38000"/>
+            </a:srgbClr>
+          </a:outerShdw>
+        </a:effectLst>
       </dsp:spPr>
       <dsp:style>
-        <a:lnRef idx="2">
+        <a:lnRef idx="0">
           <a:scrgbClr r="0" g="0" b="0"/>
         </a:lnRef>
-        <a:fillRef idx="1">
+        <a:fillRef idx="3">
           <a:scrgbClr r="0" g="0" b="0"/>
         </a:fillRef>
-        <a:effectRef idx="0">
+        <a:effectRef idx="2">
           <a:scrgbClr r="0" g="0" b="0"/>
         </a:effectRef>
         <a:fontRef idx="minor">
@@ -1967,35 +3615,60 @@
             <a:gd name="adj" fmla="val 10000"/>
           </a:avLst>
         </a:prstGeom>
-        <a:solidFill>
-          <a:schemeClr val="accent1">
-            <a:hueOff val="0"/>
-            <a:satOff val="0"/>
-            <a:lumOff val="0"/>
-            <a:alphaOff val="0"/>
-          </a:schemeClr>
-        </a:solidFill>
-        <a:ln w="48000" cap="flat" cmpd="thickThin" algn="ctr">
-          <a:solidFill>
-            <a:schemeClr val="lt1">
-              <a:hueOff val="0"/>
-              <a:satOff val="0"/>
-              <a:lumOff val="0"/>
-              <a:alphaOff val="0"/>
-            </a:schemeClr>
-          </a:solidFill>
-          <a:prstDash val="solid"/>
+        <a:gradFill rotWithShape="0">
+          <a:gsLst>
+            <a:gs pos="0">
+              <a:schemeClr val="accent1">
+                <a:hueOff val="0"/>
+                <a:satOff val="0"/>
+                <a:lumOff val="0"/>
+                <a:alphaOff val="0"/>
+                <a:shade val="47500"/>
+                <a:satMod val="137000"/>
+              </a:schemeClr>
+            </a:gs>
+            <a:gs pos="55000">
+              <a:schemeClr val="accent1">
+                <a:hueOff val="0"/>
+                <a:satOff val="0"/>
+                <a:lumOff val="0"/>
+                <a:alphaOff val="0"/>
+                <a:shade val="69000"/>
+                <a:satMod val="137000"/>
+              </a:schemeClr>
+            </a:gs>
+            <a:gs pos="100000">
+              <a:schemeClr val="accent1">
+                <a:hueOff val="0"/>
+                <a:satOff val="0"/>
+                <a:lumOff val="0"/>
+                <a:alphaOff val="0"/>
+                <a:shade val="98000"/>
+                <a:satMod val="137000"/>
+              </a:schemeClr>
+            </a:gs>
+          </a:gsLst>
+          <a:lin ang="16200000" scaled="0"/>
+        </a:gradFill>
+        <a:ln>
+          <a:noFill/>
         </a:ln>
-        <a:effectLst/>
+        <a:effectLst>
+          <a:outerShdw blurRad="39000" dist="25400" dir="5400000" rotWithShape="0">
+            <a:srgbClr val="000000">
+              <a:alpha val="38000"/>
+            </a:srgbClr>
+          </a:outerShdw>
+        </a:effectLst>
       </dsp:spPr>
       <dsp:style>
-        <a:lnRef idx="2">
+        <a:lnRef idx="0">
           <a:scrgbClr r="0" g="0" b="0"/>
         </a:lnRef>
-        <a:fillRef idx="1">
+        <a:fillRef idx="3">
           <a:scrgbClr r="0" g="0" b="0"/>
         </a:fillRef>
-        <a:effectRef idx="0">
+        <a:effectRef idx="2">
           <a:scrgbClr r="0" g="0" b="0"/>
         </a:effectRef>
         <a:fontRef idx="minor">
@@ -2045,35 +3718,60 @@
             <a:gd name="adj" fmla="val 10000"/>
           </a:avLst>
         </a:prstGeom>
-        <a:solidFill>
-          <a:schemeClr val="accent1">
-            <a:hueOff val="0"/>
-            <a:satOff val="0"/>
-            <a:lumOff val="0"/>
-            <a:alphaOff val="0"/>
-          </a:schemeClr>
-        </a:solidFill>
-        <a:ln w="48000" cap="flat" cmpd="thickThin" algn="ctr">
-          <a:solidFill>
-            <a:schemeClr val="lt1">
-              <a:hueOff val="0"/>
-              <a:satOff val="0"/>
-              <a:lumOff val="0"/>
-              <a:alphaOff val="0"/>
-            </a:schemeClr>
-          </a:solidFill>
-          <a:prstDash val="solid"/>
+        <a:gradFill rotWithShape="0">
+          <a:gsLst>
+            <a:gs pos="0">
+              <a:schemeClr val="accent1">
+                <a:hueOff val="0"/>
+                <a:satOff val="0"/>
+                <a:lumOff val="0"/>
+                <a:alphaOff val="0"/>
+                <a:shade val="47500"/>
+                <a:satMod val="137000"/>
+              </a:schemeClr>
+            </a:gs>
+            <a:gs pos="55000">
+              <a:schemeClr val="accent1">
+                <a:hueOff val="0"/>
+                <a:satOff val="0"/>
+                <a:lumOff val="0"/>
+                <a:alphaOff val="0"/>
+                <a:shade val="69000"/>
+                <a:satMod val="137000"/>
+              </a:schemeClr>
+            </a:gs>
+            <a:gs pos="100000">
+              <a:schemeClr val="accent1">
+                <a:hueOff val="0"/>
+                <a:satOff val="0"/>
+                <a:lumOff val="0"/>
+                <a:alphaOff val="0"/>
+                <a:shade val="98000"/>
+                <a:satMod val="137000"/>
+              </a:schemeClr>
+            </a:gs>
+          </a:gsLst>
+          <a:lin ang="16200000" scaled="0"/>
+        </a:gradFill>
+        <a:ln>
+          <a:noFill/>
         </a:ln>
-        <a:effectLst/>
+        <a:effectLst>
+          <a:outerShdw blurRad="39000" dist="25400" dir="5400000" rotWithShape="0">
+            <a:srgbClr val="000000">
+              <a:alpha val="38000"/>
+            </a:srgbClr>
+          </a:outerShdw>
+        </a:effectLst>
       </dsp:spPr>
       <dsp:style>
-        <a:lnRef idx="2">
+        <a:lnRef idx="0">
           <a:scrgbClr r="0" g="0" b="0"/>
         </a:lnRef>
-        <a:fillRef idx="1">
+        <a:fillRef idx="3">
           <a:scrgbClr r="0" g="0" b="0"/>
         </a:fillRef>
-        <a:effectRef idx="0">
+        <a:effectRef idx="2">
           <a:scrgbClr r="0" g="0" b="0"/>
         </a:effectRef>
         <a:fontRef idx="minor">
@@ -2106,6 +3804,606 @@
       <dsp:txXfrm>
         <a:off x="3063996" y="3508263"/>
         <a:ext cx="973168" cy="1114323"/>
+      </dsp:txXfrm>
+    </dsp:sp>
+  </dsp:spTree>
+</dsp:drawing>
+</file>
+
+<file path=ppt/diagrams/drawing2.xml><?xml version="1.0" encoding="utf-8"?>
+<dsp:drawing xmlns:dgm="http://schemas.openxmlformats.org/drawingml/2006/diagram" xmlns:a="http://schemas.openxmlformats.org/drawingml/2006/main" xmlns:dsp="http://schemas.microsoft.com/office/drawing/2008/diagram">
+  <dsp:spTree>
+    <dsp:nvGrpSpPr>
+      <dsp:cNvPr id="0" name=""/>
+      <dsp:cNvGrpSpPr/>
+    </dsp:nvGrpSpPr>
+    <dsp:grpSpPr/>
+    <dsp:sp modelId="{A95D184C-E14B-4F00-909E-013D2800488D}">
+      <dsp:nvSpPr>
+        <dsp:cNvPr id="0" name=""/>
+        <dsp:cNvSpPr/>
+      </dsp:nvSpPr>
+      <dsp:spPr>
+        <a:xfrm>
+          <a:off x="0" y="14549"/>
+          <a:ext cx="4081463" cy="527670"/>
+        </a:xfrm>
+        <a:prstGeom prst="roundRect">
+          <a:avLst/>
+        </a:prstGeom>
+        <a:gradFill rotWithShape="0">
+          <a:gsLst>
+            <a:gs pos="0">
+              <a:schemeClr val="accent1">
+                <a:hueOff val="0"/>
+                <a:satOff val="0"/>
+                <a:lumOff val="0"/>
+                <a:alphaOff val="0"/>
+                <a:shade val="47500"/>
+                <a:satMod val="137000"/>
+              </a:schemeClr>
+            </a:gs>
+            <a:gs pos="55000">
+              <a:schemeClr val="accent1">
+                <a:hueOff val="0"/>
+                <a:satOff val="0"/>
+                <a:lumOff val="0"/>
+                <a:alphaOff val="0"/>
+                <a:shade val="69000"/>
+                <a:satMod val="137000"/>
+              </a:schemeClr>
+            </a:gs>
+            <a:gs pos="100000">
+              <a:schemeClr val="accent1">
+                <a:hueOff val="0"/>
+                <a:satOff val="0"/>
+                <a:lumOff val="0"/>
+                <a:alphaOff val="0"/>
+                <a:shade val="98000"/>
+                <a:satMod val="137000"/>
+              </a:schemeClr>
+            </a:gs>
+          </a:gsLst>
+          <a:lin ang="16200000" scaled="0"/>
+        </a:gradFill>
+        <a:ln>
+          <a:noFill/>
+        </a:ln>
+        <a:effectLst>
+          <a:outerShdw blurRad="39000" dist="25400" dir="5400000" rotWithShape="0">
+            <a:srgbClr val="000000">
+              <a:alpha val="38000"/>
+            </a:srgbClr>
+          </a:outerShdw>
+        </a:effectLst>
+      </dsp:spPr>
+      <dsp:style>
+        <a:lnRef idx="0">
+          <a:scrgbClr r="0" g="0" b="0"/>
+        </a:lnRef>
+        <a:fillRef idx="3">
+          <a:scrgbClr r="0" g="0" b="0"/>
+        </a:fillRef>
+        <a:effectRef idx="2">
+          <a:scrgbClr r="0" g="0" b="0"/>
+        </a:effectRef>
+        <a:fontRef idx="minor">
+          <a:schemeClr val="lt1"/>
+        </a:fontRef>
+      </dsp:style>
+      <dsp:txBody>
+        <a:bodyPr spcFirstLastPara="0" vert="horz" wrap="square" lIns="83820" tIns="83820" rIns="83820" bIns="83820" numCol="1" spcCol="1270" anchor="ctr" anchorCtr="0">
+          <a:noAutofit/>
+        </a:bodyPr>
+        <a:lstStyle/>
+        <a:p>
+          <a:pPr lvl="0" algn="l" defTabSz="977900" rtl="0">
+            <a:lnSpc>
+              <a:spcPct val="90000"/>
+            </a:lnSpc>
+            <a:spcBef>
+              <a:spcPct val="0"/>
+            </a:spcBef>
+            <a:spcAft>
+              <a:spcPct val="35000"/>
+            </a:spcAft>
+          </a:pPr>
+          <a:r>
+            <a:rPr lang="es-AR" sz="2200" kern="1200" noProof="0" dirty="0" smtClean="0"/>
+            <a:t>Objetivo:</a:t>
+          </a:r>
+          <a:endParaRPr lang="es-AR" sz="2200" kern="1200" noProof="0" dirty="0"/>
+        </a:p>
+      </dsp:txBody>
+      <dsp:txXfrm>
+        <a:off x="0" y="14549"/>
+        <a:ext cx="4081463" cy="527670"/>
+      </dsp:txXfrm>
+    </dsp:sp>
+    <dsp:sp modelId="{3DA3C54A-443E-4079-8FD8-03835498A313}">
+      <dsp:nvSpPr>
+        <dsp:cNvPr id="0" name=""/>
+        <dsp:cNvSpPr/>
+      </dsp:nvSpPr>
+      <dsp:spPr>
+        <a:xfrm>
+          <a:off x="0" y="542219"/>
+          <a:ext cx="4081463" cy="535095"/>
+        </a:xfrm>
+        <a:prstGeom prst="rect">
+          <a:avLst/>
+        </a:prstGeom>
+        <a:noFill/>
+        <a:ln>
+          <a:noFill/>
+        </a:ln>
+        <a:effectLst/>
+      </dsp:spPr>
+      <dsp:style>
+        <a:lnRef idx="0">
+          <a:scrgbClr r="0" g="0" b="0"/>
+        </a:lnRef>
+        <a:fillRef idx="0">
+          <a:scrgbClr r="0" g="0" b="0"/>
+        </a:fillRef>
+        <a:effectRef idx="0">
+          <a:scrgbClr r="0" g="0" b="0"/>
+        </a:effectRef>
+        <a:fontRef idx="minor"/>
+      </dsp:style>
+      <dsp:txBody>
+        <a:bodyPr spcFirstLastPara="0" vert="horz" wrap="square" lIns="129586" tIns="27940" rIns="156464" bIns="27940" numCol="1" spcCol="1270" anchor="t" anchorCtr="0">
+          <a:noAutofit/>
+        </a:bodyPr>
+        <a:lstStyle/>
+        <a:p>
+          <a:pPr marL="171450" lvl="1" indent="-171450" algn="l" defTabSz="755650" rtl="0">
+            <a:lnSpc>
+              <a:spcPct val="90000"/>
+            </a:lnSpc>
+            <a:spcBef>
+              <a:spcPct val="0"/>
+            </a:spcBef>
+            <a:spcAft>
+              <a:spcPct val="20000"/>
+            </a:spcAft>
+            <a:buChar char="••"/>
+          </a:pPr>
+          <a:r>
+            <a:rPr lang="es-AR" sz="1700" kern="1200" noProof="0" smtClean="0"/>
+            <a:t>Obtener un grupo de resultados confiables.</a:t>
+          </a:r>
+          <a:endParaRPr lang="es-AR" sz="1700" kern="1200" noProof="0"/>
+        </a:p>
+      </dsp:txBody>
+      <dsp:txXfrm>
+        <a:off x="0" y="542219"/>
+        <a:ext cx="4081463" cy="535095"/>
+      </dsp:txXfrm>
+    </dsp:sp>
+    <dsp:sp modelId="{3598399E-EEC9-4846-AE6F-2A815FA52A1A}">
+      <dsp:nvSpPr>
+        <dsp:cNvPr id="0" name=""/>
+        <dsp:cNvSpPr/>
+      </dsp:nvSpPr>
+      <dsp:spPr>
+        <a:xfrm>
+          <a:off x="0" y="1077314"/>
+          <a:ext cx="4081463" cy="527670"/>
+        </a:xfrm>
+        <a:prstGeom prst="roundRect">
+          <a:avLst/>
+        </a:prstGeom>
+        <a:gradFill rotWithShape="0">
+          <a:gsLst>
+            <a:gs pos="0">
+              <a:schemeClr val="accent1">
+                <a:hueOff val="0"/>
+                <a:satOff val="0"/>
+                <a:lumOff val="0"/>
+                <a:alphaOff val="0"/>
+                <a:shade val="47500"/>
+                <a:satMod val="137000"/>
+              </a:schemeClr>
+            </a:gs>
+            <a:gs pos="55000">
+              <a:schemeClr val="accent1">
+                <a:hueOff val="0"/>
+                <a:satOff val="0"/>
+                <a:lumOff val="0"/>
+                <a:alphaOff val="0"/>
+                <a:shade val="69000"/>
+                <a:satMod val="137000"/>
+              </a:schemeClr>
+            </a:gs>
+            <a:gs pos="100000">
+              <a:schemeClr val="accent1">
+                <a:hueOff val="0"/>
+                <a:satOff val="0"/>
+                <a:lumOff val="0"/>
+                <a:alphaOff val="0"/>
+                <a:shade val="98000"/>
+                <a:satMod val="137000"/>
+              </a:schemeClr>
+            </a:gs>
+          </a:gsLst>
+          <a:lin ang="16200000" scaled="0"/>
+        </a:gradFill>
+        <a:ln>
+          <a:noFill/>
+        </a:ln>
+        <a:effectLst>
+          <a:outerShdw blurRad="39000" dist="25400" dir="5400000" rotWithShape="0">
+            <a:srgbClr val="000000">
+              <a:alpha val="38000"/>
+            </a:srgbClr>
+          </a:outerShdw>
+        </a:effectLst>
+      </dsp:spPr>
+      <dsp:style>
+        <a:lnRef idx="0">
+          <a:scrgbClr r="0" g="0" b="0"/>
+        </a:lnRef>
+        <a:fillRef idx="3">
+          <a:scrgbClr r="0" g="0" b="0"/>
+        </a:fillRef>
+        <a:effectRef idx="2">
+          <a:scrgbClr r="0" g="0" b="0"/>
+        </a:effectRef>
+        <a:fontRef idx="minor">
+          <a:schemeClr val="lt1"/>
+        </a:fontRef>
+      </dsp:style>
+      <dsp:txBody>
+        <a:bodyPr spcFirstLastPara="0" vert="horz" wrap="square" lIns="83820" tIns="83820" rIns="83820" bIns="83820" numCol="1" spcCol="1270" anchor="ctr" anchorCtr="0">
+          <a:noAutofit/>
+        </a:bodyPr>
+        <a:lstStyle/>
+        <a:p>
+          <a:pPr lvl="0" algn="l" defTabSz="977900" rtl="0">
+            <a:lnSpc>
+              <a:spcPct val="90000"/>
+            </a:lnSpc>
+            <a:spcBef>
+              <a:spcPct val="0"/>
+            </a:spcBef>
+            <a:spcAft>
+              <a:spcPct val="35000"/>
+            </a:spcAft>
+          </a:pPr>
+          <a:r>
+            <a:rPr lang="es-AR" sz="2200" kern="1200" noProof="0" smtClean="0"/>
+            <a:t>Ventajas:</a:t>
+          </a:r>
+          <a:endParaRPr lang="es-AR" sz="2200" kern="1200" noProof="0"/>
+        </a:p>
+      </dsp:txBody>
+      <dsp:txXfrm>
+        <a:off x="0" y="1077314"/>
+        <a:ext cx="4081463" cy="527670"/>
+      </dsp:txXfrm>
+    </dsp:sp>
+    <dsp:sp modelId="{86C6E5DC-91FE-4393-97EC-0E63A588CCA8}">
+      <dsp:nvSpPr>
+        <dsp:cNvPr id="0" name=""/>
+        <dsp:cNvSpPr/>
+      </dsp:nvSpPr>
+      <dsp:spPr>
+        <a:xfrm>
+          <a:off x="0" y="1604984"/>
+          <a:ext cx="4081463" cy="1593900"/>
+        </a:xfrm>
+        <a:prstGeom prst="rect">
+          <a:avLst/>
+        </a:prstGeom>
+        <a:noFill/>
+        <a:ln>
+          <a:noFill/>
+        </a:ln>
+        <a:effectLst/>
+      </dsp:spPr>
+      <dsp:style>
+        <a:lnRef idx="0">
+          <a:scrgbClr r="0" g="0" b="0"/>
+        </a:lnRef>
+        <a:fillRef idx="0">
+          <a:scrgbClr r="0" g="0" b="0"/>
+        </a:fillRef>
+        <a:effectRef idx="0">
+          <a:scrgbClr r="0" g="0" b="0"/>
+        </a:effectRef>
+        <a:fontRef idx="minor"/>
+      </dsp:style>
+      <dsp:txBody>
+        <a:bodyPr spcFirstLastPara="0" vert="horz" wrap="square" lIns="129586" tIns="27940" rIns="156464" bIns="27940" numCol="1" spcCol="1270" anchor="t" anchorCtr="0">
+          <a:noAutofit/>
+        </a:bodyPr>
+        <a:lstStyle/>
+        <a:p>
+          <a:pPr marL="171450" lvl="1" indent="-171450" algn="l" defTabSz="755650" rtl="0">
+            <a:lnSpc>
+              <a:spcPct val="90000"/>
+            </a:lnSpc>
+            <a:spcBef>
+              <a:spcPct val="0"/>
+            </a:spcBef>
+            <a:spcAft>
+              <a:spcPct val="20000"/>
+            </a:spcAft>
+            <a:buChar char="••"/>
+          </a:pPr>
+          <a:r>
+            <a:rPr lang="es-AR" sz="1700" kern="1200" noProof="0" smtClean="0"/>
+            <a:t>Control total de todos los parámetros de la simulación.</a:t>
+          </a:r>
+          <a:endParaRPr lang="es-AR" sz="1700" kern="1200" noProof="0"/>
+        </a:p>
+        <a:p>
+          <a:pPr marL="171450" lvl="1" indent="-171450" algn="l" defTabSz="755650" rtl="0">
+            <a:lnSpc>
+              <a:spcPct val="90000"/>
+            </a:lnSpc>
+            <a:spcBef>
+              <a:spcPct val="0"/>
+            </a:spcBef>
+            <a:spcAft>
+              <a:spcPct val="20000"/>
+            </a:spcAft>
+            <a:buChar char="••"/>
+          </a:pPr>
+          <a:r>
+            <a:rPr lang="es-AR" sz="1700" kern="1200" noProof="0" dirty="0" smtClean="0"/>
+            <a:t>Análisis cualitativo del funcionamiento del circuito.</a:t>
+          </a:r>
+          <a:endParaRPr lang="es-AR" sz="1700" kern="1200" noProof="0" dirty="0"/>
+        </a:p>
+        <a:p>
+          <a:pPr marL="171450" lvl="1" indent="-171450" algn="l" defTabSz="755650" rtl="0">
+            <a:lnSpc>
+              <a:spcPct val="90000"/>
+            </a:lnSpc>
+            <a:spcBef>
+              <a:spcPct val="0"/>
+            </a:spcBef>
+            <a:spcAft>
+              <a:spcPct val="20000"/>
+            </a:spcAft>
+            <a:buChar char="••"/>
+          </a:pPr>
+          <a:r>
+            <a:rPr lang="es-AR" sz="1700" kern="1200" noProof="0" smtClean="0"/>
+            <a:t>Disponibilidad de todos los datos de simulación.</a:t>
+          </a:r>
+          <a:endParaRPr lang="es-AR" sz="1700" kern="1200" noProof="0"/>
+        </a:p>
+      </dsp:txBody>
+      <dsp:txXfrm>
+        <a:off x="0" y="1604984"/>
+        <a:ext cx="4081463" cy="1593900"/>
+      </dsp:txXfrm>
+    </dsp:sp>
+    <dsp:sp modelId="{754C3953-3803-4D78-ABC9-4560C428F027}">
+      <dsp:nvSpPr>
+        <dsp:cNvPr id="0" name=""/>
+        <dsp:cNvSpPr/>
+      </dsp:nvSpPr>
+      <dsp:spPr>
+        <a:xfrm>
+          <a:off x="0" y="3198884"/>
+          <a:ext cx="4081463" cy="527670"/>
+        </a:xfrm>
+        <a:prstGeom prst="roundRect">
+          <a:avLst/>
+        </a:prstGeom>
+        <a:gradFill rotWithShape="0">
+          <a:gsLst>
+            <a:gs pos="0">
+              <a:schemeClr val="accent1">
+                <a:hueOff val="0"/>
+                <a:satOff val="0"/>
+                <a:lumOff val="0"/>
+                <a:alphaOff val="0"/>
+                <a:shade val="47500"/>
+                <a:satMod val="137000"/>
+              </a:schemeClr>
+            </a:gs>
+            <a:gs pos="55000">
+              <a:schemeClr val="accent1">
+                <a:hueOff val="0"/>
+                <a:satOff val="0"/>
+                <a:lumOff val="0"/>
+                <a:alphaOff val="0"/>
+                <a:shade val="69000"/>
+                <a:satMod val="137000"/>
+              </a:schemeClr>
+            </a:gs>
+            <a:gs pos="100000">
+              <a:schemeClr val="accent1">
+                <a:hueOff val="0"/>
+                <a:satOff val="0"/>
+                <a:lumOff val="0"/>
+                <a:alphaOff val="0"/>
+                <a:shade val="98000"/>
+                <a:satMod val="137000"/>
+              </a:schemeClr>
+            </a:gs>
+          </a:gsLst>
+          <a:lin ang="16200000" scaled="0"/>
+        </a:gradFill>
+        <a:ln>
+          <a:noFill/>
+        </a:ln>
+        <a:effectLst>
+          <a:outerShdw blurRad="39000" dist="25400" dir="5400000" rotWithShape="0">
+            <a:srgbClr val="000000">
+              <a:alpha val="38000"/>
+            </a:srgbClr>
+          </a:outerShdw>
+        </a:effectLst>
+      </dsp:spPr>
+      <dsp:style>
+        <a:lnRef idx="0">
+          <a:scrgbClr r="0" g="0" b="0"/>
+        </a:lnRef>
+        <a:fillRef idx="3">
+          <a:scrgbClr r="0" g="0" b="0"/>
+        </a:fillRef>
+        <a:effectRef idx="2">
+          <a:scrgbClr r="0" g="0" b="0"/>
+        </a:effectRef>
+        <a:fontRef idx="minor">
+          <a:schemeClr val="lt1"/>
+        </a:fontRef>
+      </dsp:style>
+      <dsp:txBody>
+        <a:bodyPr spcFirstLastPara="0" vert="horz" wrap="square" lIns="83820" tIns="83820" rIns="83820" bIns="83820" numCol="1" spcCol="1270" anchor="ctr" anchorCtr="0">
+          <a:noAutofit/>
+        </a:bodyPr>
+        <a:lstStyle/>
+        <a:p>
+          <a:pPr lvl="0" algn="l" defTabSz="977900" rtl="0">
+            <a:lnSpc>
+              <a:spcPct val="90000"/>
+            </a:lnSpc>
+            <a:spcBef>
+              <a:spcPct val="0"/>
+            </a:spcBef>
+            <a:spcAft>
+              <a:spcPct val="35000"/>
+            </a:spcAft>
+          </a:pPr>
+          <a:r>
+            <a:rPr lang="es-AR" sz="2200" kern="1200" noProof="0" dirty="0" smtClean="0"/>
+            <a:t>Elementos:</a:t>
+          </a:r>
+          <a:endParaRPr lang="es-AR" sz="2200" kern="1200" noProof="0" dirty="0"/>
+        </a:p>
+      </dsp:txBody>
+      <dsp:txXfrm>
+        <a:off x="0" y="3198884"/>
+        <a:ext cx="4081463" cy="527670"/>
+      </dsp:txXfrm>
+    </dsp:sp>
+    <dsp:sp modelId="{4174C60E-95CC-4882-BEA6-891F2F81F245}">
+      <dsp:nvSpPr>
+        <dsp:cNvPr id="0" name=""/>
+        <dsp:cNvSpPr/>
+      </dsp:nvSpPr>
+      <dsp:spPr>
+        <a:xfrm>
+          <a:off x="0" y="3726554"/>
+          <a:ext cx="4081463" cy="1184040"/>
+        </a:xfrm>
+        <a:prstGeom prst="rect">
+          <a:avLst/>
+        </a:prstGeom>
+        <a:noFill/>
+        <a:ln>
+          <a:noFill/>
+        </a:ln>
+        <a:effectLst/>
+      </dsp:spPr>
+      <dsp:style>
+        <a:lnRef idx="0">
+          <a:scrgbClr r="0" g="0" b="0"/>
+        </a:lnRef>
+        <a:fillRef idx="0">
+          <a:scrgbClr r="0" g="0" b="0"/>
+        </a:fillRef>
+        <a:effectRef idx="0">
+          <a:scrgbClr r="0" g="0" b="0"/>
+        </a:effectRef>
+        <a:fontRef idx="minor"/>
+      </dsp:style>
+      <dsp:txBody>
+        <a:bodyPr spcFirstLastPara="0" vert="horz" wrap="square" lIns="129586" tIns="27940" rIns="156464" bIns="27940" numCol="1" spcCol="1270" anchor="t" anchorCtr="0">
+          <a:noAutofit/>
+        </a:bodyPr>
+        <a:lstStyle/>
+        <a:p>
+          <a:pPr marL="171450" lvl="1" indent="-171450" algn="l" defTabSz="755650" rtl="0">
+            <a:lnSpc>
+              <a:spcPct val="90000"/>
+            </a:lnSpc>
+            <a:spcBef>
+              <a:spcPct val="0"/>
+            </a:spcBef>
+            <a:spcAft>
+              <a:spcPct val="20000"/>
+            </a:spcAft>
+            <a:buChar char="••"/>
+          </a:pPr>
+          <a:r>
+            <a:rPr lang="es-AR" sz="1700" kern="1200" noProof="0" smtClean="0"/>
+            <a:t>3 comparadores.</a:t>
+          </a:r>
+          <a:endParaRPr lang="es-AR" sz="1700" kern="1200" noProof="0"/>
+        </a:p>
+        <a:p>
+          <a:pPr marL="171450" lvl="1" indent="-171450" algn="l" defTabSz="755650" rtl="0">
+            <a:lnSpc>
+              <a:spcPct val="90000"/>
+            </a:lnSpc>
+            <a:spcBef>
+              <a:spcPct val="0"/>
+            </a:spcBef>
+            <a:spcAft>
+              <a:spcPct val="20000"/>
+            </a:spcAft>
+            <a:buChar char="••"/>
+          </a:pPr>
+          <a:r>
+            <a:rPr lang="es-AR" sz="1700" kern="1200" noProof="0" dirty="0" smtClean="0"/>
+            <a:t>4 </a:t>
+          </a:r>
+          <a:r>
+            <a:rPr lang="es-AR" sz="1700" kern="1200" noProof="0" dirty="0" smtClean="0"/>
+            <a:t>niveles de tensión de entrada.</a:t>
+          </a:r>
+          <a:endParaRPr lang="es-AR" sz="1700" kern="1200" noProof="0" dirty="0"/>
+        </a:p>
+        <a:p>
+          <a:pPr marL="171450" lvl="1" indent="-171450" algn="l" defTabSz="755650" rtl="0">
+            <a:lnSpc>
+              <a:spcPct val="90000"/>
+            </a:lnSpc>
+            <a:spcBef>
+              <a:spcPct val="0"/>
+            </a:spcBef>
+            <a:spcAft>
+              <a:spcPct val="20000"/>
+            </a:spcAft>
+            <a:buChar char="••"/>
+          </a:pPr>
+          <a:r>
+            <a:rPr lang="es-AR" sz="1700" kern="1200" noProof="0" dirty="0" smtClean="0"/>
+            <a:t>1 compuerta NAND de 8 entradas.</a:t>
+          </a:r>
+          <a:endParaRPr lang="es-AR" sz="1700" kern="1200" noProof="0" dirty="0"/>
+        </a:p>
+        <a:p>
+          <a:pPr marL="171450" lvl="1" indent="-171450" algn="l" defTabSz="755650" rtl="0">
+            <a:lnSpc>
+              <a:spcPct val="90000"/>
+            </a:lnSpc>
+            <a:spcBef>
+              <a:spcPct val="0"/>
+            </a:spcBef>
+            <a:spcAft>
+              <a:spcPct val="20000"/>
+            </a:spcAft>
+            <a:buChar char="••"/>
+          </a:pPr>
+          <a:r>
+            <a:rPr lang="es-AR" sz="1700" kern="1200" noProof="0" dirty="0" smtClean="0"/>
+            <a:t>2 fuentes de inyección</a:t>
+          </a:r>
+          <a:endParaRPr lang="es-AR" sz="1700" kern="1200" noProof="0" dirty="0"/>
+        </a:p>
+      </dsp:txBody>
+      <dsp:txXfrm>
+        <a:off x="0" y="3726554"/>
+        <a:ext cx="4081463" cy="1184040"/>
       </dsp:txXfrm>
     </dsp:sp>
   </dsp:spTree>
@@ -2634,12 +4932,179 @@
 </dgm:layoutDef>
 </file>
 
-<file path=ppt/diagrams/quickStyle1.xml><?xml version="1.0" encoding="utf-8"?>
-<dgm:styleDef xmlns:dgm="http://schemas.openxmlformats.org/drawingml/2006/diagram" xmlns:a="http://schemas.openxmlformats.org/drawingml/2006/main" uniqueId="urn:microsoft.com/office/officeart/2005/8/quickstyle/simple1">
+<file path=ppt/diagrams/layout2.xml><?xml version="1.0" encoding="utf-8"?>
+<dgm:layoutDef xmlns:dgm="http://schemas.openxmlformats.org/drawingml/2006/diagram" xmlns:a="http://schemas.openxmlformats.org/drawingml/2006/main" uniqueId="urn:microsoft.com/office/officeart/2005/8/layout/vList2">
   <dgm:title val=""/>
   <dgm:desc val=""/>
   <dgm:catLst>
-    <dgm:cat type="simple" pri="10100"/>
+    <dgm:cat type="list" pri="3000"/>
+    <dgm:cat type="convert" pri="1000"/>
+  </dgm:catLst>
+  <dgm:sampData>
+    <dgm:dataModel>
+      <dgm:ptLst>
+        <dgm:pt modelId="0" type="doc"/>
+        <dgm:pt modelId="1">
+          <dgm:prSet phldr="1"/>
+        </dgm:pt>
+        <dgm:pt modelId="11">
+          <dgm:prSet phldr="1"/>
+        </dgm:pt>
+        <dgm:pt modelId="2">
+          <dgm:prSet phldr="1"/>
+        </dgm:pt>
+        <dgm:pt modelId="21">
+          <dgm:prSet phldr="1"/>
+        </dgm:pt>
+      </dgm:ptLst>
+      <dgm:cxnLst>
+        <dgm:cxn modelId="4" srcId="0" destId="1" srcOrd="0" destOrd="0"/>
+        <dgm:cxn modelId="5" srcId="0" destId="2" srcOrd="1" destOrd="0"/>
+        <dgm:cxn modelId="12" srcId="1" destId="11" srcOrd="0" destOrd="0"/>
+        <dgm:cxn modelId="23" srcId="2" destId="21" srcOrd="0" destOrd="0"/>
+      </dgm:cxnLst>
+      <dgm:bg/>
+      <dgm:whole/>
+    </dgm:dataModel>
+  </dgm:sampData>
+  <dgm:styleData>
+    <dgm:dataModel>
+      <dgm:ptLst>
+        <dgm:pt modelId="0" type="doc"/>
+        <dgm:pt modelId="1"/>
+        <dgm:pt modelId="2"/>
+      </dgm:ptLst>
+      <dgm:cxnLst>
+        <dgm:cxn modelId="3" srcId="0" destId="1" srcOrd="0" destOrd="0"/>
+        <dgm:cxn modelId="4" srcId="0" destId="2" srcOrd="1" destOrd="0"/>
+      </dgm:cxnLst>
+      <dgm:bg/>
+      <dgm:whole/>
+    </dgm:dataModel>
+  </dgm:styleData>
+  <dgm:clrData>
+    <dgm:dataModel>
+      <dgm:ptLst>
+        <dgm:pt modelId="0" type="doc"/>
+        <dgm:pt modelId="1"/>
+        <dgm:pt modelId="2"/>
+        <dgm:pt modelId="3"/>
+        <dgm:pt modelId="4"/>
+      </dgm:ptLst>
+      <dgm:cxnLst>
+        <dgm:cxn modelId="5" srcId="0" destId="1" srcOrd="0" destOrd="0"/>
+        <dgm:cxn modelId="6" srcId="0" destId="2" srcOrd="1" destOrd="0"/>
+        <dgm:cxn modelId="7" srcId="0" destId="3" srcOrd="2" destOrd="0"/>
+        <dgm:cxn modelId="8" srcId="0" destId="4" srcOrd="3" destOrd="0"/>
+      </dgm:cxnLst>
+      <dgm:bg/>
+      <dgm:whole/>
+    </dgm:dataModel>
+  </dgm:clrData>
+  <dgm:layoutNode name="linear">
+    <dgm:varLst>
+      <dgm:animLvl val="lvl"/>
+      <dgm:resizeHandles val="exact"/>
+    </dgm:varLst>
+    <dgm:alg type="lin">
+      <dgm:param type="linDir" val="fromT"/>
+      <dgm:param type="vertAlign" val="mid"/>
+    </dgm:alg>
+    <dgm:shape xmlns:r="http://schemas.openxmlformats.org/officeDocument/2006/relationships" r:blip="">
+      <dgm:adjLst/>
+    </dgm:shape>
+    <dgm:presOf/>
+    <dgm:constrLst>
+      <dgm:constr type="w" for="ch" forName="parentText" refType="w"/>
+      <dgm:constr type="h" for="ch" forName="parentText" refType="primFontSz" refFor="ch" refForName="parentText" fact="0.52"/>
+      <dgm:constr type="w" for="ch" forName="childText" refType="w"/>
+      <dgm:constr type="h" for="ch" forName="childText" refType="primFontSz" refFor="ch" refForName="parentText" fact="0.46"/>
+      <dgm:constr type="h" for="ch" forName="parentText" op="equ"/>
+      <dgm:constr type="primFontSz" for="ch" forName="parentText" op="equ" val="65"/>
+      <dgm:constr type="primFontSz" for="ch" forName="childText" refType="primFontSz" refFor="ch" refForName="parentText" op="equ"/>
+      <dgm:constr type="h" for="ch" forName="spacer" refType="primFontSz" refFor="ch" refForName="parentText" fact="0.08"/>
+    </dgm:constrLst>
+    <dgm:ruleLst>
+      <dgm:rule type="primFontSz" for="ch" forName="parentText" val="5" fact="NaN" max="NaN"/>
+    </dgm:ruleLst>
+    <dgm:forEach name="Name0" axis="ch" ptType="node">
+      <dgm:layoutNode name="parentText" styleLbl="node1">
+        <dgm:varLst>
+          <dgm:chMax val="0"/>
+          <dgm:bulletEnabled val="1"/>
+        </dgm:varLst>
+        <dgm:alg type="tx">
+          <dgm:param type="parTxLTRAlign" val="l"/>
+          <dgm:param type="parTxRTLAlign" val="r"/>
+        </dgm:alg>
+        <dgm:shape xmlns:r="http://schemas.openxmlformats.org/officeDocument/2006/relationships" type="roundRect" r:blip="">
+          <dgm:adjLst/>
+        </dgm:shape>
+        <dgm:presOf axis="self"/>
+        <dgm:constrLst>
+          <dgm:constr type="tMarg" refType="primFontSz" fact="0.3"/>
+          <dgm:constr type="bMarg" refType="primFontSz" fact="0.3"/>
+          <dgm:constr type="lMarg" refType="primFontSz" fact="0.3"/>
+          <dgm:constr type="rMarg" refType="primFontSz" fact="0.3"/>
+        </dgm:constrLst>
+        <dgm:ruleLst>
+          <dgm:rule type="h" val="INF" fact="NaN" max="NaN"/>
+        </dgm:ruleLst>
+      </dgm:layoutNode>
+      <dgm:choose name="Name1">
+        <dgm:if name="Name2" axis="ch" ptType="node" func="cnt" op="gte" val="1">
+          <dgm:layoutNode name="childText" styleLbl="revTx">
+            <dgm:varLst>
+              <dgm:bulletEnabled val="1"/>
+            </dgm:varLst>
+            <dgm:alg type="tx">
+              <dgm:param type="stBulletLvl" val="1"/>
+              <dgm:param type="lnSpAfChP" val="20"/>
+            </dgm:alg>
+            <dgm:shape xmlns:r="http://schemas.openxmlformats.org/officeDocument/2006/relationships" type="rect" r:blip="">
+              <dgm:adjLst/>
+            </dgm:shape>
+            <dgm:presOf axis="des" ptType="node"/>
+            <dgm:constrLst>
+              <dgm:constr type="tMarg" refType="primFontSz" fact="0.1"/>
+              <dgm:constr type="bMarg" refType="primFontSz" fact="0.1"/>
+              <dgm:constr type="lMarg" refType="w" fact="0.09"/>
+            </dgm:constrLst>
+            <dgm:ruleLst>
+              <dgm:rule type="h" val="INF" fact="NaN" max="NaN"/>
+            </dgm:ruleLst>
+          </dgm:layoutNode>
+        </dgm:if>
+        <dgm:else name="Name3">
+          <dgm:choose name="Name4">
+            <dgm:if name="Name5" axis="par ch" ptType="doc node" func="cnt" op="gte" val="2">
+              <dgm:forEach name="Name6" axis="followSib" ptType="sibTrans" cnt="1">
+                <dgm:layoutNode name="spacer">
+                  <dgm:alg type="sp"/>
+                  <dgm:shape xmlns:r="http://schemas.openxmlformats.org/officeDocument/2006/relationships" r:blip="">
+                    <dgm:adjLst/>
+                  </dgm:shape>
+                  <dgm:presOf/>
+                  <dgm:constrLst/>
+                  <dgm:ruleLst/>
+                </dgm:layoutNode>
+              </dgm:forEach>
+            </dgm:if>
+            <dgm:else name="Name7"/>
+          </dgm:choose>
+        </dgm:else>
+      </dgm:choose>
+    </dgm:forEach>
+  </dgm:layoutNode>
+</dgm:layoutDef>
+</file>
+
+<file path=ppt/diagrams/quickStyle1.xml><?xml version="1.0" encoding="utf-8"?>
+<dgm:styleDef xmlns:dgm="http://schemas.openxmlformats.org/drawingml/2006/diagram" xmlns:a="http://schemas.openxmlformats.org/drawingml/2006/main" uniqueId="urn:microsoft.com/office/officeart/2005/8/quickstyle/simple4">
+  <dgm:title val=""/>
+  <dgm:desc val=""/>
+  <dgm:catLst>
+    <dgm:cat type="simple" pri="10400"/>
   </dgm:catLst>
   <dgm:scene3d>
     <a:camera prst="orthographicFront"/>
@@ -2653,13 +5118,13 @@
     <dgm:sp3d/>
     <dgm:txPr/>
     <dgm:style>
-      <a:lnRef idx="2">
+      <a:lnRef idx="0">
         <a:scrgbClr r="0" g="0" b="0"/>
       </a:lnRef>
-      <a:fillRef idx="1">
+      <a:fillRef idx="3">
         <a:scrgbClr r="0" g="0" b="0"/>
       </a:fillRef>
-      <a:effectRef idx="0">
+      <a:effectRef idx="2">
         <a:scrgbClr r="0" g="0" b="0"/>
       </a:effectRef>
       <a:fontRef idx="minor">
@@ -2675,13 +5140,13 @@
     <dgm:sp3d/>
     <dgm:txPr/>
     <dgm:style>
-      <a:lnRef idx="2">
+      <a:lnRef idx="1">
         <a:scrgbClr r="0" g="0" b="0"/>
       </a:lnRef>
-      <a:fillRef idx="1">
+      <a:fillRef idx="3">
         <a:scrgbClr r="0" g="0" b="0"/>
       </a:fillRef>
-      <a:effectRef idx="0">
+      <a:effectRef idx="2">
         <a:scrgbClr r="0" g="0" b="0"/>
       </a:effectRef>
       <a:fontRef idx="minor">
@@ -2697,10 +5162,10 @@
     <dgm:sp3d/>
     <dgm:txPr/>
     <dgm:style>
-      <a:lnRef idx="2">
+      <a:lnRef idx="0">
         <a:scrgbClr r="0" g="0" b="0"/>
       </a:lnRef>
-      <a:fillRef idx="1">
+      <a:fillRef idx="3">
         <a:scrgbClr r="0" g="0" b="0"/>
       </a:fillRef>
       <a:effectRef idx="0">
@@ -2719,13 +5184,13 @@
     <dgm:sp3d/>
     <dgm:txPr/>
     <dgm:style>
-      <a:lnRef idx="2">
+      <a:lnRef idx="1">
         <a:scrgbClr r="0" g="0" b="0"/>
       </a:lnRef>
-      <a:fillRef idx="1">
+      <a:fillRef idx="3">
         <a:scrgbClr r="0" g="0" b="0"/>
       </a:fillRef>
-      <a:effectRef idx="0">
+      <a:effectRef idx="2">
         <a:scrgbClr r="0" g="0" b="0"/>
       </a:effectRef>
       <a:fontRef idx="minor">
@@ -2741,13 +5206,13 @@
     <dgm:sp3d/>
     <dgm:txPr/>
     <dgm:style>
-      <a:lnRef idx="2">
+      <a:lnRef idx="0">
         <a:scrgbClr r="0" g="0" b="0"/>
       </a:lnRef>
-      <a:fillRef idx="1">
+      <a:fillRef idx="3">
         <a:scrgbClr r="0" g="0" b="0"/>
       </a:fillRef>
-      <a:effectRef idx="0">
+      <a:effectRef idx="2">
         <a:scrgbClr r="0" g="0" b="0"/>
       </a:effectRef>
       <a:fontRef idx="minor">
@@ -2763,13 +5228,13 @@
     <dgm:sp3d/>
     <dgm:txPr/>
     <dgm:style>
-      <a:lnRef idx="2">
+      <a:lnRef idx="0">
         <a:scrgbClr r="0" g="0" b="0"/>
       </a:lnRef>
-      <a:fillRef idx="1">
+      <a:fillRef idx="3">
         <a:scrgbClr r="0" g="0" b="0"/>
       </a:fillRef>
-      <a:effectRef idx="0">
+      <a:effectRef idx="2">
         <a:scrgbClr r="0" g="0" b="0"/>
       </a:effectRef>
       <a:fontRef idx="minor">
@@ -2785,13 +5250,13 @@
     <dgm:sp3d/>
     <dgm:txPr/>
     <dgm:style>
-      <a:lnRef idx="2">
+      <a:lnRef idx="0">
         <a:scrgbClr r="0" g="0" b="0"/>
       </a:lnRef>
-      <a:fillRef idx="1">
+      <a:fillRef idx="3">
         <a:scrgbClr r="0" g="0" b="0"/>
       </a:fillRef>
-      <a:effectRef idx="0">
+      <a:effectRef idx="2">
         <a:scrgbClr r="0" g="0" b="0"/>
       </a:effectRef>
       <a:fontRef idx="minor">
@@ -2807,13 +5272,13 @@
     <dgm:sp3d/>
     <dgm:txPr/>
     <dgm:style>
-      <a:lnRef idx="2">
+      <a:lnRef idx="0">
         <a:scrgbClr r="0" g="0" b="0"/>
       </a:lnRef>
-      <a:fillRef idx="1">
+      <a:fillRef idx="3">
         <a:scrgbClr r="0" g="0" b="0"/>
       </a:fillRef>
-      <a:effectRef idx="0">
+      <a:effectRef idx="2">
         <a:scrgbClr r="0" g="0" b="0"/>
       </a:effectRef>
       <a:fontRef idx="minor">
@@ -2829,13 +5294,13 @@
     <dgm:sp3d/>
     <dgm:txPr/>
     <dgm:style>
-      <a:lnRef idx="2">
+      <a:lnRef idx="0">
         <a:scrgbClr r="0" g="0" b="0"/>
       </a:lnRef>
       <a:fillRef idx="1">
         <a:scrgbClr r="0" g="0" b="0"/>
       </a:fillRef>
-      <a:effectRef idx="0">
+      <a:effectRef idx="2">
         <a:scrgbClr r="0" g="0" b="0"/>
       </a:effectRef>
       <a:fontRef idx="minor"/>
@@ -2849,13 +5314,13 @@
     <dgm:sp3d/>
     <dgm:txPr/>
     <dgm:style>
-      <a:lnRef idx="2">
+      <a:lnRef idx="0">
         <a:scrgbClr r="0" g="0" b="0"/>
       </a:lnRef>
       <a:fillRef idx="1">
         <a:scrgbClr r="0" g="0" b="0"/>
       </a:fillRef>
-      <a:effectRef idx="0">
+      <a:effectRef idx="2">
         <a:scrgbClr r="0" g="0" b="0"/>
       </a:effectRef>
       <a:fontRef idx="minor"/>
@@ -2869,13 +5334,13 @@
     <dgm:sp3d/>
     <dgm:txPr/>
     <dgm:style>
-      <a:lnRef idx="2">
+      <a:lnRef idx="0">
         <a:scrgbClr r="0" g="0" b="0"/>
       </a:lnRef>
       <a:fillRef idx="1">
         <a:scrgbClr r="0" g="0" b="0"/>
       </a:fillRef>
-      <a:effectRef idx="0">
+      <a:effectRef idx="2">
         <a:scrgbClr r="0" g="0" b="0"/>
       </a:effectRef>
       <a:fontRef idx="minor"/>
@@ -2892,10 +5357,10 @@
       <a:lnRef idx="0">
         <a:scrgbClr r="0" g="0" b="0"/>
       </a:lnRef>
-      <a:fillRef idx="1">
+      <a:fillRef idx="3">
         <a:scrgbClr r="0" g="0" b="0"/>
       </a:fillRef>
-      <a:effectRef idx="0">
+      <a:effectRef idx="2">
         <a:scrgbClr r="0" g="0" b="0"/>
       </a:effectRef>
       <a:fontRef idx="minor">
@@ -2914,10 +5379,10 @@
       <a:lnRef idx="0">
         <a:scrgbClr r="0" g="0" b="0"/>
       </a:lnRef>
-      <a:fillRef idx="1">
+      <a:fillRef idx="3">
         <a:scrgbClr r="0" g="0" b="0"/>
       </a:fillRef>
-      <a:effectRef idx="0">
+      <a:effectRef idx="2">
         <a:scrgbClr r="0" g="0" b="0"/>
       </a:effectRef>
       <a:fontRef idx="minor">
@@ -2936,10 +5401,10 @@
       <a:lnRef idx="0">
         <a:scrgbClr r="0" g="0" b="0"/>
       </a:lnRef>
-      <a:fillRef idx="1">
+      <a:fillRef idx="3">
         <a:scrgbClr r="0" g="0" b="0"/>
       </a:fillRef>
-      <a:effectRef idx="0">
+      <a:effectRef idx="2">
         <a:scrgbClr r="0" g="0" b="0"/>
       </a:effectRef>
       <a:fontRef idx="minor">
@@ -2981,7 +5446,7 @@
       <a:fillRef idx="1">
         <a:scrgbClr r="0" g="0" b="0"/>
       </a:fillRef>
-      <a:effectRef idx="0">
+      <a:effectRef idx="1">
         <a:scrgbClr r="0" g="0" b="0"/>
       </a:effectRef>
       <a:fontRef idx="minor"/>
@@ -2995,13 +5460,13 @@
     <dgm:sp3d/>
     <dgm:txPr/>
     <dgm:style>
-      <a:lnRef idx="2">
+      <a:lnRef idx="0">
         <a:scrgbClr r="0" g="0" b="0"/>
       </a:lnRef>
-      <a:fillRef idx="1">
+      <a:fillRef idx="3">
         <a:scrgbClr r="0" g="0" b="0"/>
       </a:fillRef>
-      <a:effectRef idx="0">
+      <a:effectRef idx="2">
         <a:scrgbClr r="0" g="0" b="0"/>
       </a:effectRef>
       <a:fontRef idx="minor">
@@ -3017,13 +5482,13 @@
     <dgm:sp3d/>
     <dgm:txPr/>
     <dgm:style>
-      <a:lnRef idx="2">
+      <a:lnRef idx="0">
         <a:scrgbClr r="0" g="0" b="0"/>
       </a:lnRef>
-      <a:fillRef idx="1">
+      <a:fillRef idx="3">
         <a:scrgbClr r="0" g="0" b="0"/>
       </a:fillRef>
-      <a:effectRef idx="0">
+      <a:effectRef idx="2">
         <a:scrgbClr r="0" g="0" b="0"/>
       </a:effectRef>
       <a:fontRef idx="minor">
@@ -3039,13 +5504,13 @@
     <dgm:sp3d/>
     <dgm:txPr/>
     <dgm:style>
-      <a:lnRef idx="2">
+      <a:lnRef idx="0">
         <a:scrgbClr r="0" g="0" b="0"/>
       </a:lnRef>
-      <a:fillRef idx="1">
+      <a:fillRef idx="3">
         <a:scrgbClr r="0" g="0" b="0"/>
       </a:fillRef>
-      <a:effectRef idx="0">
+      <a:effectRef idx="2">
         <a:scrgbClr r="0" g="0" b="0"/>
       </a:effectRef>
       <a:fontRef idx="minor">
@@ -3061,13 +5526,13 @@
     <dgm:sp3d/>
     <dgm:txPr/>
     <dgm:style>
-      <a:lnRef idx="2">
+      <a:lnRef idx="0">
         <a:scrgbClr r="0" g="0" b="0"/>
       </a:lnRef>
-      <a:fillRef idx="1">
+      <a:fillRef idx="3">
         <a:scrgbClr r="0" g="0" b="0"/>
       </a:fillRef>
-      <a:effectRef idx="0">
+      <a:effectRef idx="2">
         <a:scrgbClr r="0" g="0" b="0"/>
       </a:effectRef>
       <a:fontRef idx="minor">
@@ -3083,13 +5548,13 @@
     <dgm:sp3d/>
     <dgm:txPr/>
     <dgm:style>
-      <a:lnRef idx="2">
+      <a:lnRef idx="0">
         <a:scrgbClr r="0" g="0" b="0"/>
       </a:lnRef>
-      <a:fillRef idx="1">
+      <a:fillRef idx="3">
         <a:scrgbClr r="0" g="0" b="0"/>
       </a:fillRef>
-      <a:effectRef idx="0">
+      <a:effectRef idx="2">
         <a:scrgbClr r="0" g="0" b="0"/>
       </a:effectRef>
       <a:fontRef idx="minor">
@@ -3105,13 +5570,13 @@
     <dgm:sp3d/>
     <dgm:txPr/>
     <dgm:style>
-      <a:lnRef idx="2">
+      <a:lnRef idx="0">
         <a:scrgbClr r="0" g="0" b="0"/>
       </a:lnRef>
-      <a:fillRef idx="1">
+      <a:fillRef idx="3">
         <a:scrgbClr r="0" g="0" b="0"/>
       </a:fillRef>
-      <a:effectRef idx="0">
+      <a:effectRef idx="2">
         <a:scrgbClr r="0" g="0" b="0"/>
       </a:effectRef>
       <a:fontRef idx="minor">
@@ -3127,13 +5592,13 @@
     <dgm:sp3d/>
     <dgm:txPr/>
     <dgm:style>
-      <a:lnRef idx="2">
+      <a:lnRef idx="0">
         <a:scrgbClr r="0" g="0" b="0"/>
       </a:lnRef>
-      <a:fillRef idx="1">
+      <a:fillRef idx="3">
         <a:scrgbClr r="0" g="0" b="0"/>
       </a:fillRef>
-      <a:effectRef idx="0">
+      <a:effectRef idx="2">
         <a:scrgbClr r="0" g="0" b="0"/>
       </a:effectRef>
       <a:fontRef idx="minor">
@@ -3149,13 +5614,13 @@
     <dgm:sp3d/>
     <dgm:txPr/>
     <dgm:style>
-      <a:lnRef idx="2">
+      <a:lnRef idx="1">
         <a:scrgbClr r="0" g="0" b="0"/>
       </a:lnRef>
-      <a:fillRef idx="1">
+      <a:fillRef idx="3">
         <a:scrgbClr r="0" g="0" b="0"/>
       </a:fillRef>
-      <a:effectRef idx="0">
+      <a:effectRef idx="2">
         <a:scrgbClr r="0" g="0" b="0"/>
       </a:effectRef>
       <a:fontRef idx="minor">
@@ -3171,13 +5636,13 @@
     <dgm:sp3d/>
     <dgm:txPr/>
     <dgm:style>
-      <a:lnRef idx="2">
+      <a:lnRef idx="1">
         <a:scrgbClr r="0" g="0" b="0"/>
       </a:lnRef>
-      <a:fillRef idx="1">
+      <a:fillRef idx="3">
         <a:scrgbClr r="0" g="0" b="0"/>
       </a:fillRef>
-      <a:effectRef idx="0">
+      <a:effectRef idx="2">
         <a:scrgbClr r="0" g="0" b="0"/>
       </a:effectRef>
       <a:fontRef idx="minor">
@@ -3193,7 +5658,7 @@
     <dgm:sp3d/>
     <dgm:txPr/>
     <dgm:style>
-      <a:lnRef idx="2">
+      <a:lnRef idx="1">
         <a:scrgbClr r="0" g="0" b="0"/>
       </a:lnRef>
       <a:fillRef idx="0">
@@ -3213,7 +5678,7 @@
     <dgm:sp3d/>
     <dgm:txPr/>
     <dgm:style>
-      <a:lnRef idx="2">
+      <a:lnRef idx="1">
         <a:scrgbClr r="0" g="0" b="0"/>
       </a:lnRef>
       <a:fillRef idx="0">
@@ -3233,7 +5698,7 @@
     <dgm:sp3d/>
     <dgm:txPr/>
     <dgm:style>
-      <a:lnRef idx="2">
+      <a:lnRef idx="1">
         <a:scrgbClr r="0" g="0" b="0"/>
       </a:lnRef>
       <a:fillRef idx="0">
@@ -3253,7 +5718,7 @@
     <dgm:sp3d/>
     <dgm:txPr/>
     <dgm:style>
-      <a:lnRef idx="2">
+      <a:lnRef idx="1">
         <a:scrgbClr r="0" g="0" b="0"/>
       </a:lnRef>
       <a:fillRef idx="0">
@@ -3273,7 +5738,7 @@
     <dgm:sp3d/>
     <dgm:txPr/>
     <dgm:style>
-      <a:lnRef idx="2">
+      <a:lnRef idx="1">
         <a:scrgbClr r="0" g="0" b="0"/>
       </a:lnRef>
       <a:fillRef idx="1">
@@ -3293,7 +5758,7 @@
     <dgm:sp3d/>
     <dgm:txPr/>
     <dgm:style>
-      <a:lnRef idx="2">
+      <a:lnRef idx="1">
         <a:scrgbClr r="0" g="0" b="0"/>
       </a:lnRef>
       <a:fillRef idx="1">
@@ -3313,7 +5778,7 @@
     <dgm:sp3d/>
     <dgm:txPr/>
     <dgm:style>
-      <a:lnRef idx="2">
+      <a:lnRef idx="1">
         <a:scrgbClr r="0" g="0" b="0"/>
       </a:lnRef>
       <a:fillRef idx="1">
@@ -3353,7 +5818,7 @@
     <dgm:sp3d/>
     <dgm:txPr/>
     <dgm:style>
-      <a:lnRef idx="2">
+      <a:lnRef idx="1">
         <a:scrgbClr r="0" g="0" b="0"/>
       </a:lnRef>
       <a:fillRef idx="1">
@@ -3373,7 +5838,7 @@
     <dgm:sp3d/>
     <dgm:txPr/>
     <dgm:style>
-      <a:lnRef idx="2">
+      <a:lnRef idx="1">
         <a:scrgbClr r="0" g="0" b="0"/>
       </a:lnRef>
       <a:fillRef idx="1">
@@ -3393,7 +5858,7 @@
     <dgm:sp3d/>
     <dgm:txPr/>
     <dgm:style>
-      <a:lnRef idx="2">
+      <a:lnRef idx="1">
         <a:scrgbClr r="0" g="0" b="0"/>
       </a:lnRef>
       <a:fillRef idx="1">
@@ -3413,7 +5878,7 @@
     <dgm:sp3d/>
     <dgm:txPr/>
     <dgm:style>
-      <a:lnRef idx="2">
+      <a:lnRef idx="1">
         <a:scrgbClr r="0" g="0" b="0"/>
       </a:lnRef>
       <a:fillRef idx="1">
@@ -3433,7 +5898,7 @@
     <dgm:sp3d/>
     <dgm:txPr/>
     <dgm:style>
-      <a:lnRef idx="2">
+      <a:lnRef idx="1">
         <a:scrgbClr r="0" g="0" b="0"/>
       </a:lnRef>
       <a:fillRef idx="1">
@@ -3453,7 +5918,7 @@
     <dgm:sp3d/>
     <dgm:txPr/>
     <dgm:style>
-      <a:lnRef idx="2">
+      <a:lnRef idx="1">
         <a:scrgbClr r="0" g="0" b="0"/>
       </a:lnRef>
       <a:fillRef idx="1">
@@ -3473,7 +5938,7 @@
     <dgm:sp3d/>
     <dgm:txPr/>
     <dgm:style>
-      <a:lnRef idx="2">
+      <a:lnRef idx="1">
         <a:scrgbClr r="0" g="0" b="0"/>
       </a:lnRef>
       <a:fillRef idx="1">
@@ -3493,7 +5958,7 @@
     <dgm:sp3d/>
     <dgm:txPr/>
     <dgm:style>
-      <a:lnRef idx="2">
+      <a:lnRef idx="1">
         <a:scrgbClr r="0" g="0" b="0"/>
       </a:lnRef>
       <a:fillRef idx="1">
@@ -3513,7 +5978,7 @@
     <dgm:sp3d/>
     <dgm:txPr/>
     <dgm:style>
-      <a:lnRef idx="2">
+      <a:lnRef idx="1">
         <a:scrgbClr r="0" g="0" b="0"/>
       </a:lnRef>
       <a:fillRef idx="1">
@@ -3533,7 +5998,7 @@
     <dgm:sp3d/>
     <dgm:txPr/>
     <dgm:style>
-      <a:lnRef idx="2">
+      <a:lnRef idx="1">
         <a:scrgbClr r="0" g="0" b="0"/>
       </a:lnRef>
       <a:fillRef idx="1">
@@ -3553,7 +6018,7 @@
     <dgm:sp3d/>
     <dgm:txPr/>
     <dgm:style>
-      <a:lnRef idx="2">
+      <a:lnRef idx="1">
         <a:scrgbClr r="0" g="0" b="0"/>
       </a:lnRef>
       <a:fillRef idx="1">
@@ -3579,7 +6044,7 @@
       <a:fillRef idx="1">
         <a:scrgbClr r="0" g="0" b="0"/>
       </a:fillRef>
-      <a:effectRef idx="0">
+      <a:effectRef idx="2">
         <a:scrgbClr r="0" g="0" b="0"/>
       </a:effectRef>
       <a:fontRef idx="minor"/>
@@ -3599,7 +6064,7 @@
       <a:fillRef idx="1">
         <a:scrgbClr r="0" g="0" b="0"/>
       </a:fillRef>
-      <a:effectRef idx="0">
+      <a:effectRef idx="2">
         <a:scrgbClr r="0" g="0" b="0"/>
       </a:effectRef>
       <a:fontRef idx="minor"/>
@@ -3633,13 +6098,1047 @@
     <dgm:sp3d/>
     <dgm:txPr/>
     <dgm:style>
-      <a:lnRef idx="2">
+      <a:lnRef idx="0">
+        <a:scrgbClr r="0" g="0" b="0"/>
+      </a:lnRef>
+      <a:fillRef idx="3">
+        <a:scrgbClr r="0" g="0" b="0"/>
+      </a:fillRef>
+      <a:effectRef idx="2">
+        <a:scrgbClr r="0" g="0" b="0"/>
+      </a:effectRef>
+      <a:fontRef idx="minor"/>
+    </dgm:style>
+  </dgm:styleLbl>
+  <dgm:styleLbl name="revTx">
+    <dgm:scene3d>
+      <a:camera prst="orthographicFront"/>
+      <a:lightRig rig="threePt" dir="t"/>
+    </dgm:scene3d>
+    <dgm:sp3d/>
+    <dgm:txPr/>
+    <dgm:style>
+      <a:lnRef idx="0">
+        <a:scrgbClr r="0" g="0" b="0"/>
+      </a:lnRef>
+      <a:fillRef idx="0">
+        <a:scrgbClr r="0" g="0" b="0"/>
+      </a:fillRef>
+      <a:effectRef idx="0">
+        <a:scrgbClr r="0" g="0" b="0"/>
+      </a:effectRef>
+      <a:fontRef idx="minor"/>
+    </dgm:style>
+  </dgm:styleLbl>
+</dgm:styleDef>
+</file>
+
+<file path=ppt/diagrams/quickStyle2.xml><?xml version="1.0" encoding="utf-8"?>
+<dgm:styleDef xmlns:dgm="http://schemas.openxmlformats.org/drawingml/2006/diagram" xmlns:a="http://schemas.openxmlformats.org/drawingml/2006/main" uniqueId="urn:microsoft.com/office/officeart/2005/8/quickstyle/simple4">
+  <dgm:title val=""/>
+  <dgm:desc val=""/>
+  <dgm:catLst>
+    <dgm:cat type="simple" pri="10400"/>
+  </dgm:catLst>
+  <dgm:scene3d>
+    <a:camera prst="orthographicFront"/>
+    <a:lightRig rig="threePt" dir="t"/>
+  </dgm:scene3d>
+  <dgm:styleLbl name="node0">
+    <dgm:scene3d>
+      <a:camera prst="orthographicFront"/>
+      <a:lightRig rig="threePt" dir="t"/>
+    </dgm:scene3d>
+    <dgm:sp3d/>
+    <dgm:txPr/>
+    <dgm:style>
+      <a:lnRef idx="0">
+        <a:scrgbClr r="0" g="0" b="0"/>
+      </a:lnRef>
+      <a:fillRef idx="3">
+        <a:scrgbClr r="0" g="0" b="0"/>
+      </a:fillRef>
+      <a:effectRef idx="2">
+        <a:scrgbClr r="0" g="0" b="0"/>
+      </a:effectRef>
+      <a:fontRef idx="minor">
+        <a:schemeClr val="lt1"/>
+      </a:fontRef>
+    </dgm:style>
+  </dgm:styleLbl>
+  <dgm:styleLbl name="lnNode1">
+    <dgm:scene3d>
+      <a:camera prst="orthographicFront"/>
+      <a:lightRig rig="threePt" dir="t"/>
+    </dgm:scene3d>
+    <dgm:sp3d/>
+    <dgm:txPr/>
+    <dgm:style>
+      <a:lnRef idx="1">
+        <a:scrgbClr r="0" g="0" b="0"/>
+      </a:lnRef>
+      <a:fillRef idx="3">
+        <a:scrgbClr r="0" g="0" b="0"/>
+      </a:fillRef>
+      <a:effectRef idx="2">
+        <a:scrgbClr r="0" g="0" b="0"/>
+      </a:effectRef>
+      <a:fontRef idx="minor">
+        <a:schemeClr val="lt1"/>
+      </a:fontRef>
+    </dgm:style>
+  </dgm:styleLbl>
+  <dgm:styleLbl name="vennNode1">
+    <dgm:scene3d>
+      <a:camera prst="orthographicFront"/>
+      <a:lightRig rig="threePt" dir="t"/>
+    </dgm:scene3d>
+    <dgm:sp3d/>
+    <dgm:txPr/>
+    <dgm:style>
+      <a:lnRef idx="0">
+        <a:scrgbClr r="0" g="0" b="0"/>
+      </a:lnRef>
+      <a:fillRef idx="3">
+        <a:scrgbClr r="0" g="0" b="0"/>
+      </a:fillRef>
+      <a:effectRef idx="0">
+        <a:scrgbClr r="0" g="0" b="0"/>
+      </a:effectRef>
+      <a:fontRef idx="minor">
+        <a:schemeClr val="tx1"/>
+      </a:fontRef>
+    </dgm:style>
+  </dgm:styleLbl>
+  <dgm:styleLbl name="alignNode1">
+    <dgm:scene3d>
+      <a:camera prst="orthographicFront"/>
+      <a:lightRig rig="threePt" dir="t"/>
+    </dgm:scene3d>
+    <dgm:sp3d/>
+    <dgm:txPr/>
+    <dgm:style>
+      <a:lnRef idx="1">
+        <a:scrgbClr r="0" g="0" b="0"/>
+      </a:lnRef>
+      <a:fillRef idx="3">
+        <a:scrgbClr r="0" g="0" b="0"/>
+      </a:fillRef>
+      <a:effectRef idx="2">
+        <a:scrgbClr r="0" g="0" b="0"/>
+      </a:effectRef>
+      <a:fontRef idx="minor">
+        <a:schemeClr val="lt1"/>
+      </a:fontRef>
+    </dgm:style>
+  </dgm:styleLbl>
+  <dgm:styleLbl name="node1">
+    <dgm:scene3d>
+      <a:camera prst="orthographicFront"/>
+      <a:lightRig rig="threePt" dir="t"/>
+    </dgm:scene3d>
+    <dgm:sp3d/>
+    <dgm:txPr/>
+    <dgm:style>
+      <a:lnRef idx="0">
+        <a:scrgbClr r="0" g="0" b="0"/>
+      </a:lnRef>
+      <a:fillRef idx="3">
+        <a:scrgbClr r="0" g="0" b="0"/>
+      </a:fillRef>
+      <a:effectRef idx="2">
+        <a:scrgbClr r="0" g="0" b="0"/>
+      </a:effectRef>
+      <a:fontRef idx="minor">
+        <a:schemeClr val="lt1"/>
+      </a:fontRef>
+    </dgm:style>
+  </dgm:styleLbl>
+  <dgm:styleLbl name="node2">
+    <dgm:scene3d>
+      <a:camera prst="orthographicFront"/>
+      <a:lightRig rig="threePt" dir="t"/>
+    </dgm:scene3d>
+    <dgm:sp3d/>
+    <dgm:txPr/>
+    <dgm:style>
+      <a:lnRef idx="0">
+        <a:scrgbClr r="0" g="0" b="0"/>
+      </a:lnRef>
+      <a:fillRef idx="3">
+        <a:scrgbClr r="0" g="0" b="0"/>
+      </a:fillRef>
+      <a:effectRef idx="2">
+        <a:scrgbClr r="0" g="0" b="0"/>
+      </a:effectRef>
+      <a:fontRef idx="minor">
+        <a:schemeClr val="lt1"/>
+      </a:fontRef>
+    </dgm:style>
+  </dgm:styleLbl>
+  <dgm:styleLbl name="node3">
+    <dgm:scene3d>
+      <a:camera prst="orthographicFront"/>
+      <a:lightRig rig="threePt" dir="t"/>
+    </dgm:scene3d>
+    <dgm:sp3d/>
+    <dgm:txPr/>
+    <dgm:style>
+      <a:lnRef idx="0">
+        <a:scrgbClr r="0" g="0" b="0"/>
+      </a:lnRef>
+      <a:fillRef idx="3">
+        <a:scrgbClr r="0" g="0" b="0"/>
+      </a:fillRef>
+      <a:effectRef idx="2">
+        <a:scrgbClr r="0" g="0" b="0"/>
+      </a:effectRef>
+      <a:fontRef idx="minor">
+        <a:schemeClr val="lt1"/>
+      </a:fontRef>
+    </dgm:style>
+  </dgm:styleLbl>
+  <dgm:styleLbl name="node4">
+    <dgm:scene3d>
+      <a:camera prst="orthographicFront"/>
+      <a:lightRig rig="threePt" dir="t"/>
+    </dgm:scene3d>
+    <dgm:sp3d/>
+    <dgm:txPr/>
+    <dgm:style>
+      <a:lnRef idx="0">
+        <a:scrgbClr r="0" g="0" b="0"/>
+      </a:lnRef>
+      <a:fillRef idx="3">
+        <a:scrgbClr r="0" g="0" b="0"/>
+      </a:fillRef>
+      <a:effectRef idx="2">
+        <a:scrgbClr r="0" g="0" b="0"/>
+      </a:effectRef>
+      <a:fontRef idx="minor">
+        <a:schemeClr val="lt1"/>
+      </a:fontRef>
+    </dgm:style>
+  </dgm:styleLbl>
+  <dgm:styleLbl name="fgImgPlace1">
+    <dgm:scene3d>
+      <a:camera prst="orthographicFront"/>
+      <a:lightRig rig="threePt" dir="t"/>
+    </dgm:scene3d>
+    <dgm:sp3d/>
+    <dgm:txPr/>
+    <dgm:style>
+      <a:lnRef idx="0">
         <a:scrgbClr r="0" g="0" b="0"/>
       </a:lnRef>
       <a:fillRef idx="1">
         <a:scrgbClr r="0" g="0" b="0"/>
       </a:fillRef>
+      <a:effectRef idx="2">
+        <a:scrgbClr r="0" g="0" b="0"/>
+      </a:effectRef>
+      <a:fontRef idx="minor"/>
+    </dgm:style>
+  </dgm:styleLbl>
+  <dgm:styleLbl name="alignImgPlace1">
+    <dgm:scene3d>
+      <a:camera prst="orthographicFront"/>
+      <a:lightRig rig="threePt" dir="t"/>
+    </dgm:scene3d>
+    <dgm:sp3d/>
+    <dgm:txPr/>
+    <dgm:style>
+      <a:lnRef idx="0">
+        <a:scrgbClr r="0" g="0" b="0"/>
+      </a:lnRef>
+      <a:fillRef idx="1">
+        <a:scrgbClr r="0" g="0" b="0"/>
+      </a:fillRef>
+      <a:effectRef idx="2">
+        <a:scrgbClr r="0" g="0" b="0"/>
+      </a:effectRef>
+      <a:fontRef idx="minor"/>
+    </dgm:style>
+  </dgm:styleLbl>
+  <dgm:styleLbl name="bgImgPlace1">
+    <dgm:scene3d>
+      <a:camera prst="orthographicFront"/>
+      <a:lightRig rig="threePt" dir="t"/>
+    </dgm:scene3d>
+    <dgm:sp3d/>
+    <dgm:txPr/>
+    <dgm:style>
+      <a:lnRef idx="0">
+        <a:scrgbClr r="0" g="0" b="0"/>
+      </a:lnRef>
+      <a:fillRef idx="1">
+        <a:scrgbClr r="0" g="0" b="0"/>
+      </a:fillRef>
+      <a:effectRef idx="2">
+        <a:scrgbClr r="0" g="0" b="0"/>
+      </a:effectRef>
+      <a:fontRef idx="minor"/>
+    </dgm:style>
+  </dgm:styleLbl>
+  <dgm:styleLbl name="sibTrans2D1">
+    <dgm:scene3d>
+      <a:camera prst="orthographicFront"/>
+      <a:lightRig rig="threePt" dir="t"/>
+    </dgm:scene3d>
+    <dgm:sp3d/>
+    <dgm:txPr/>
+    <dgm:style>
+      <a:lnRef idx="0">
+        <a:scrgbClr r="0" g="0" b="0"/>
+      </a:lnRef>
+      <a:fillRef idx="3">
+        <a:scrgbClr r="0" g="0" b="0"/>
+      </a:fillRef>
+      <a:effectRef idx="2">
+        <a:scrgbClr r="0" g="0" b="0"/>
+      </a:effectRef>
+      <a:fontRef idx="minor">
+        <a:schemeClr val="lt1"/>
+      </a:fontRef>
+    </dgm:style>
+  </dgm:styleLbl>
+  <dgm:styleLbl name="fgSibTrans2D1">
+    <dgm:scene3d>
+      <a:camera prst="orthographicFront"/>
+      <a:lightRig rig="threePt" dir="t"/>
+    </dgm:scene3d>
+    <dgm:sp3d/>
+    <dgm:txPr/>
+    <dgm:style>
+      <a:lnRef idx="0">
+        <a:scrgbClr r="0" g="0" b="0"/>
+      </a:lnRef>
+      <a:fillRef idx="3">
+        <a:scrgbClr r="0" g="0" b="0"/>
+      </a:fillRef>
+      <a:effectRef idx="2">
+        <a:scrgbClr r="0" g="0" b="0"/>
+      </a:effectRef>
+      <a:fontRef idx="minor">
+        <a:schemeClr val="lt1"/>
+      </a:fontRef>
+    </dgm:style>
+  </dgm:styleLbl>
+  <dgm:styleLbl name="bgSibTrans2D1">
+    <dgm:scene3d>
+      <a:camera prst="orthographicFront"/>
+      <a:lightRig rig="threePt" dir="t"/>
+    </dgm:scene3d>
+    <dgm:sp3d/>
+    <dgm:txPr/>
+    <dgm:style>
+      <a:lnRef idx="0">
+        <a:scrgbClr r="0" g="0" b="0"/>
+      </a:lnRef>
+      <a:fillRef idx="3">
+        <a:scrgbClr r="0" g="0" b="0"/>
+      </a:fillRef>
+      <a:effectRef idx="2">
+        <a:scrgbClr r="0" g="0" b="0"/>
+      </a:effectRef>
+      <a:fontRef idx="minor">
+        <a:schemeClr val="lt1"/>
+      </a:fontRef>
+    </dgm:style>
+  </dgm:styleLbl>
+  <dgm:styleLbl name="sibTrans1D1">
+    <dgm:scene3d>
+      <a:camera prst="orthographicFront"/>
+      <a:lightRig rig="threePt" dir="t"/>
+    </dgm:scene3d>
+    <dgm:sp3d/>
+    <dgm:txPr/>
+    <dgm:style>
+      <a:lnRef idx="1">
+        <a:scrgbClr r="0" g="0" b="0"/>
+      </a:lnRef>
+      <a:fillRef idx="0">
+        <a:scrgbClr r="0" g="0" b="0"/>
+      </a:fillRef>
       <a:effectRef idx="0">
+        <a:scrgbClr r="0" g="0" b="0"/>
+      </a:effectRef>
+      <a:fontRef idx="minor"/>
+    </dgm:style>
+  </dgm:styleLbl>
+  <dgm:styleLbl name="callout">
+    <dgm:scene3d>
+      <a:camera prst="orthographicFront"/>
+      <a:lightRig rig="threePt" dir="t"/>
+    </dgm:scene3d>
+    <dgm:sp3d/>
+    <dgm:txPr/>
+    <dgm:style>
+      <a:lnRef idx="2">
+        <a:scrgbClr r="0" g="0" b="0"/>
+      </a:lnRef>
+      <a:fillRef idx="1">
+        <a:scrgbClr r="0" g="0" b="0"/>
+      </a:fillRef>
+      <a:effectRef idx="1">
+        <a:scrgbClr r="0" g="0" b="0"/>
+      </a:effectRef>
+      <a:fontRef idx="minor"/>
+    </dgm:style>
+  </dgm:styleLbl>
+  <dgm:styleLbl name="asst0">
+    <dgm:scene3d>
+      <a:camera prst="orthographicFront"/>
+      <a:lightRig rig="threePt" dir="t"/>
+    </dgm:scene3d>
+    <dgm:sp3d/>
+    <dgm:txPr/>
+    <dgm:style>
+      <a:lnRef idx="0">
+        <a:scrgbClr r="0" g="0" b="0"/>
+      </a:lnRef>
+      <a:fillRef idx="3">
+        <a:scrgbClr r="0" g="0" b="0"/>
+      </a:fillRef>
+      <a:effectRef idx="2">
+        <a:scrgbClr r="0" g="0" b="0"/>
+      </a:effectRef>
+      <a:fontRef idx="minor">
+        <a:schemeClr val="lt1"/>
+      </a:fontRef>
+    </dgm:style>
+  </dgm:styleLbl>
+  <dgm:styleLbl name="asst1">
+    <dgm:scene3d>
+      <a:camera prst="orthographicFront"/>
+      <a:lightRig rig="threePt" dir="t"/>
+    </dgm:scene3d>
+    <dgm:sp3d/>
+    <dgm:txPr/>
+    <dgm:style>
+      <a:lnRef idx="0">
+        <a:scrgbClr r="0" g="0" b="0"/>
+      </a:lnRef>
+      <a:fillRef idx="3">
+        <a:scrgbClr r="0" g="0" b="0"/>
+      </a:fillRef>
+      <a:effectRef idx="2">
+        <a:scrgbClr r="0" g="0" b="0"/>
+      </a:effectRef>
+      <a:fontRef idx="minor">
+        <a:schemeClr val="lt1"/>
+      </a:fontRef>
+    </dgm:style>
+  </dgm:styleLbl>
+  <dgm:styleLbl name="asst2">
+    <dgm:scene3d>
+      <a:camera prst="orthographicFront"/>
+      <a:lightRig rig="threePt" dir="t"/>
+    </dgm:scene3d>
+    <dgm:sp3d/>
+    <dgm:txPr/>
+    <dgm:style>
+      <a:lnRef idx="0">
+        <a:scrgbClr r="0" g="0" b="0"/>
+      </a:lnRef>
+      <a:fillRef idx="3">
+        <a:scrgbClr r="0" g="0" b="0"/>
+      </a:fillRef>
+      <a:effectRef idx="2">
+        <a:scrgbClr r="0" g="0" b="0"/>
+      </a:effectRef>
+      <a:fontRef idx="minor">
+        <a:schemeClr val="lt1"/>
+      </a:fontRef>
+    </dgm:style>
+  </dgm:styleLbl>
+  <dgm:styleLbl name="asst3">
+    <dgm:scene3d>
+      <a:camera prst="orthographicFront"/>
+      <a:lightRig rig="threePt" dir="t"/>
+    </dgm:scene3d>
+    <dgm:sp3d/>
+    <dgm:txPr/>
+    <dgm:style>
+      <a:lnRef idx="0">
+        <a:scrgbClr r="0" g="0" b="0"/>
+      </a:lnRef>
+      <a:fillRef idx="3">
+        <a:scrgbClr r="0" g="0" b="0"/>
+      </a:fillRef>
+      <a:effectRef idx="2">
+        <a:scrgbClr r="0" g="0" b="0"/>
+      </a:effectRef>
+      <a:fontRef idx="minor">
+        <a:schemeClr val="lt1"/>
+      </a:fontRef>
+    </dgm:style>
+  </dgm:styleLbl>
+  <dgm:styleLbl name="asst4">
+    <dgm:scene3d>
+      <a:camera prst="orthographicFront"/>
+      <a:lightRig rig="threePt" dir="t"/>
+    </dgm:scene3d>
+    <dgm:sp3d/>
+    <dgm:txPr/>
+    <dgm:style>
+      <a:lnRef idx="0">
+        <a:scrgbClr r="0" g="0" b="0"/>
+      </a:lnRef>
+      <a:fillRef idx="3">
+        <a:scrgbClr r="0" g="0" b="0"/>
+      </a:fillRef>
+      <a:effectRef idx="2">
+        <a:scrgbClr r="0" g="0" b="0"/>
+      </a:effectRef>
+      <a:fontRef idx="minor">
+        <a:schemeClr val="lt1"/>
+      </a:fontRef>
+    </dgm:style>
+  </dgm:styleLbl>
+  <dgm:styleLbl name="parChTrans2D1">
+    <dgm:scene3d>
+      <a:camera prst="orthographicFront"/>
+      <a:lightRig rig="threePt" dir="t"/>
+    </dgm:scene3d>
+    <dgm:sp3d/>
+    <dgm:txPr/>
+    <dgm:style>
+      <a:lnRef idx="0">
+        <a:scrgbClr r="0" g="0" b="0"/>
+      </a:lnRef>
+      <a:fillRef idx="3">
+        <a:scrgbClr r="0" g="0" b="0"/>
+      </a:fillRef>
+      <a:effectRef idx="2">
+        <a:scrgbClr r="0" g="0" b="0"/>
+      </a:effectRef>
+      <a:fontRef idx="minor">
+        <a:schemeClr val="lt1"/>
+      </a:fontRef>
+    </dgm:style>
+  </dgm:styleLbl>
+  <dgm:styleLbl name="parChTrans2D2">
+    <dgm:scene3d>
+      <a:camera prst="orthographicFront"/>
+      <a:lightRig rig="threePt" dir="t"/>
+    </dgm:scene3d>
+    <dgm:sp3d/>
+    <dgm:txPr/>
+    <dgm:style>
+      <a:lnRef idx="0">
+        <a:scrgbClr r="0" g="0" b="0"/>
+      </a:lnRef>
+      <a:fillRef idx="3">
+        <a:scrgbClr r="0" g="0" b="0"/>
+      </a:fillRef>
+      <a:effectRef idx="2">
+        <a:scrgbClr r="0" g="0" b="0"/>
+      </a:effectRef>
+      <a:fontRef idx="minor">
+        <a:schemeClr val="lt1"/>
+      </a:fontRef>
+    </dgm:style>
+  </dgm:styleLbl>
+  <dgm:styleLbl name="parChTrans2D3">
+    <dgm:scene3d>
+      <a:camera prst="orthographicFront"/>
+      <a:lightRig rig="threePt" dir="t"/>
+    </dgm:scene3d>
+    <dgm:sp3d/>
+    <dgm:txPr/>
+    <dgm:style>
+      <a:lnRef idx="1">
+        <a:scrgbClr r="0" g="0" b="0"/>
+      </a:lnRef>
+      <a:fillRef idx="3">
+        <a:scrgbClr r="0" g="0" b="0"/>
+      </a:fillRef>
+      <a:effectRef idx="2">
+        <a:scrgbClr r="0" g="0" b="0"/>
+      </a:effectRef>
+      <a:fontRef idx="minor">
+        <a:schemeClr val="lt1"/>
+      </a:fontRef>
+    </dgm:style>
+  </dgm:styleLbl>
+  <dgm:styleLbl name="parChTrans2D4">
+    <dgm:scene3d>
+      <a:camera prst="orthographicFront"/>
+      <a:lightRig rig="threePt" dir="t"/>
+    </dgm:scene3d>
+    <dgm:sp3d/>
+    <dgm:txPr/>
+    <dgm:style>
+      <a:lnRef idx="1">
+        <a:scrgbClr r="0" g="0" b="0"/>
+      </a:lnRef>
+      <a:fillRef idx="3">
+        <a:scrgbClr r="0" g="0" b="0"/>
+      </a:fillRef>
+      <a:effectRef idx="2">
+        <a:scrgbClr r="0" g="0" b="0"/>
+      </a:effectRef>
+      <a:fontRef idx="minor">
+        <a:schemeClr val="lt1"/>
+      </a:fontRef>
+    </dgm:style>
+  </dgm:styleLbl>
+  <dgm:styleLbl name="parChTrans1D1">
+    <dgm:scene3d>
+      <a:camera prst="orthographicFront"/>
+      <a:lightRig rig="threePt" dir="t"/>
+    </dgm:scene3d>
+    <dgm:sp3d/>
+    <dgm:txPr/>
+    <dgm:style>
+      <a:lnRef idx="1">
+        <a:scrgbClr r="0" g="0" b="0"/>
+      </a:lnRef>
+      <a:fillRef idx="0">
+        <a:scrgbClr r="0" g="0" b="0"/>
+      </a:fillRef>
+      <a:effectRef idx="0">
+        <a:scrgbClr r="0" g="0" b="0"/>
+      </a:effectRef>
+      <a:fontRef idx="minor"/>
+    </dgm:style>
+  </dgm:styleLbl>
+  <dgm:styleLbl name="parChTrans1D2">
+    <dgm:scene3d>
+      <a:camera prst="orthographicFront"/>
+      <a:lightRig rig="threePt" dir="t"/>
+    </dgm:scene3d>
+    <dgm:sp3d/>
+    <dgm:txPr/>
+    <dgm:style>
+      <a:lnRef idx="1">
+        <a:scrgbClr r="0" g="0" b="0"/>
+      </a:lnRef>
+      <a:fillRef idx="0">
+        <a:scrgbClr r="0" g="0" b="0"/>
+      </a:fillRef>
+      <a:effectRef idx="0">
+        <a:scrgbClr r="0" g="0" b="0"/>
+      </a:effectRef>
+      <a:fontRef idx="minor"/>
+    </dgm:style>
+  </dgm:styleLbl>
+  <dgm:styleLbl name="parChTrans1D3">
+    <dgm:scene3d>
+      <a:camera prst="orthographicFront"/>
+      <a:lightRig rig="threePt" dir="t"/>
+    </dgm:scene3d>
+    <dgm:sp3d/>
+    <dgm:txPr/>
+    <dgm:style>
+      <a:lnRef idx="1">
+        <a:scrgbClr r="0" g="0" b="0"/>
+      </a:lnRef>
+      <a:fillRef idx="0">
+        <a:scrgbClr r="0" g="0" b="0"/>
+      </a:fillRef>
+      <a:effectRef idx="0">
+        <a:scrgbClr r="0" g="0" b="0"/>
+      </a:effectRef>
+      <a:fontRef idx="minor"/>
+    </dgm:style>
+  </dgm:styleLbl>
+  <dgm:styleLbl name="parChTrans1D4">
+    <dgm:scene3d>
+      <a:camera prst="orthographicFront"/>
+      <a:lightRig rig="threePt" dir="t"/>
+    </dgm:scene3d>
+    <dgm:sp3d/>
+    <dgm:txPr/>
+    <dgm:style>
+      <a:lnRef idx="1">
+        <a:scrgbClr r="0" g="0" b="0"/>
+      </a:lnRef>
+      <a:fillRef idx="0">
+        <a:scrgbClr r="0" g="0" b="0"/>
+      </a:fillRef>
+      <a:effectRef idx="0">
+        <a:scrgbClr r="0" g="0" b="0"/>
+      </a:effectRef>
+      <a:fontRef idx="minor"/>
+    </dgm:style>
+  </dgm:styleLbl>
+  <dgm:styleLbl name="fgAcc1">
+    <dgm:scene3d>
+      <a:camera prst="orthographicFront"/>
+      <a:lightRig rig="threePt" dir="t"/>
+    </dgm:scene3d>
+    <dgm:sp3d/>
+    <dgm:txPr/>
+    <dgm:style>
+      <a:lnRef idx="1">
+        <a:scrgbClr r="0" g="0" b="0"/>
+      </a:lnRef>
+      <a:fillRef idx="1">
+        <a:scrgbClr r="0" g="0" b="0"/>
+      </a:fillRef>
+      <a:effectRef idx="0">
+        <a:scrgbClr r="0" g="0" b="0"/>
+      </a:effectRef>
+      <a:fontRef idx="minor"/>
+    </dgm:style>
+  </dgm:styleLbl>
+  <dgm:styleLbl name="conFgAcc1">
+    <dgm:scene3d>
+      <a:camera prst="orthographicFront"/>
+      <a:lightRig rig="threePt" dir="t"/>
+    </dgm:scene3d>
+    <dgm:sp3d/>
+    <dgm:txPr/>
+    <dgm:style>
+      <a:lnRef idx="1">
+        <a:scrgbClr r="0" g="0" b="0"/>
+      </a:lnRef>
+      <a:fillRef idx="1">
+        <a:scrgbClr r="0" g="0" b="0"/>
+      </a:fillRef>
+      <a:effectRef idx="0">
+        <a:scrgbClr r="0" g="0" b="0"/>
+      </a:effectRef>
+      <a:fontRef idx="minor"/>
+    </dgm:style>
+  </dgm:styleLbl>
+  <dgm:styleLbl name="alignAcc1">
+    <dgm:scene3d>
+      <a:camera prst="orthographicFront"/>
+      <a:lightRig rig="threePt" dir="t"/>
+    </dgm:scene3d>
+    <dgm:sp3d/>
+    <dgm:txPr/>
+    <dgm:style>
+      <a:lnRef idx="1">
+        <a:scrgbClr r="0" g="0" b="0"/>
+      </a:lnRef>
+      <a:fillRef idx="1">
+        <a:scrgbClr r="0" g="0" b="0"/>
+      </a:fillRef>
+      <a:effectRef idx="0">
+        <a:scrgbClr r="0" g="0" b="0"/>
+      </a:effectRef>
+      <a:fontRef idx="minor"/>
+    </dgm:style>
+  </dgm:styleLbl>
+  <dgm:styleLbl name="trAlignAcc1">
+    <dgm:scene3d>
+      <a:camera prst="orthographicFront"/>
+      <a:lightRig rig="threePt" dir="t"/>
+    </dgm:scene3d>
+    <dgm:sp3d/>
+    <dgm:txPr/>
+    <dgm:style>
+      <a:lnRef idx="1">
+        <a:scrgbClr r="0" g="0" b="0"/>
+      </a:lnRef>
+      <a:fillRef idx="1">
+        <a:scrgbClr r="0" g="0" b="0"/>
+      </a:fillRef>
+      <a:effectRef idx="0">
+        <a:scrgbClr r="0" g="0" b="0"/>
+      </a:effectRef>
+      <a:fontRef idx="minor"/>
+    </dgm:style>
+  </dgm:styleLbl>
+  <dgm:styleLbl name="bgAcc1">
+    <dgm:scene3d>
+      <a:camera prst="orthographicFront"/>
+      <a:lightRig rig="threePt" dir="t"/>
+    </dgm:scene3d>
+    <dgm:sp3d/>
+    <dgm:txPr/>
+    <dgm:style>
+      <a:lnRef idx="1">
+        <a:scrgbClr r="0" g="0" b="0"/>
+      </a:lnRef>
+      <a:fillRef idx="1">
+        <a:scrgbClr r="0" g="0" b="0"/>
+      </a:fillRef>
+      <a:effectRef idx="0">
+        <a:scrgbClr r="0" g="0" b="0"/>
+      </a:effectRef>
+      <a:fontRef idx="minor"/>
+    </dgm:style>
+  </dgm:styleLbl>
+  <dgm:styleLbl name="solidFgAcc1">
+    <dgm:scene3d>
+      <a:camera prst="orthographicFront"/>
+      <a:lightRig rig="threePt" dir="t"/>
+    </dgm:scene3d>
+    <dgm:sp3d/>
+    <dgm:txPr/>
+    <dgm:style>
+      <a:lnRef idx="1">
+        <a:scrgbClr r="0" g="0" b="0"/>
+      </a:lnRef>
+      <a:fillRef idx="1">
+        <a:scrgbClr r="0" g="0" b="0"/>
+      </a:fillRef>
+      <a:effectRef idx="0">
+        <a:scrgbClr r="0" g="0" b="0"/>
+      </a:effectRef>
+      <a:fontRef idx="minor"/>
+    </dgm:style>
+  </dgm:styleLbl>
+  <dgm:styleLbl name="solidAlignAcc1">
+    <dgm:scene3d>
+      <a:camera prst="orthographicFront"/>
+      <a:lightRig rig="threePt" dir="t"/>
+    </dgm:scene3d>
+    <dgm:sp3d/>
+    <dgm:txPr/>
+    <dgm:style>
+      <a:lnRef idx="1">
+        <a:scrgbClr r="0" g="0" b="0"/>
+      </a:lnRef>
+      <a:fillRef idx="1">
+        <a:scrgbClr r="0" g="0" b="0"/>
+      </a:fillRef>
+      <a:effectRef idx="0">
+        <a:scrgbClr r="0" g="0" b="0"/>
+      </a:effectRef>
+      <a:fontRef idx="minor"/>
+    </dgm:style>
+  </dgm:styleLbl>
+  <dgm:styleLbl name="solidBgAcc1">
+    <dgm:scene3d>
+      <a:camera prst="orthographicFront"/>
+      <a:lightRig rig="threePt" dir="t"/>
+    </dgm:scene3d>
+    <dgm:sp3d/>
+    <dgm:txPr/>
+    <dgm:style>
+      <a:lnRef idx="1">
+        <a:scrgbClr r="0" g="0" b="0"/>
+      </a:lnRef>
+      <a:fillRef idx="1">
+        <a:scrgbClr r="0" g="0" b="0"/>
+      </a:fillRef>
+      <a:effectRef idx="0">
+        <a:scrgbClr r="0" g="0" b="0"/>
+      </a:effectRef>
+      <a:fontRef idx="minor"/>
+    </dgm:style>
+  </dgm:styleLbl>
+  <dgm:styleLbl name="fgAccFollowNode1">
+    <dgm:scene3d>
+      <a:camera prst="orthographicFront"/>
+      <a:lightRig rig="threePt" dir="t"/>
+    </dgm:scene3d>
+    <dgm:sp3d/>
+    <dgm:txPr/>
+    <dgm:style>
+      <a:lnRef idx="1">
+        <a:scrgbClr r="0" g="0" b="0"/>
+      </a:lnRef>
+      <a:fillRef idx="1">
+        <a:scrgbClr r="0" g="0" b="0"/>
+      </a:fillRef>
+      <a:effectRef idx="0">
+        <a:scrgbClr r="0" g="0" b="0"/>
+      </a:effectRef>
+      <a:fontRef idx="minor"/>
+    </dgm:style>
+  </dgm:styleLbl>
+  <dgm:styleLbl name="alignAccFollowNode1">
+    <dgm:scene3d>
+      <a:camera prst="orthographicFront"/>
+      <a:lightRig rig="threePt" dir="t"/>
+    </dgm:scene3d>
+    <dgm:sp3d/>
+    <dgm:txPr/>
+    <dgm:style>
+      <a:lnRef idx="1">
+        <a:scrgbClr r="0" g="0" b="0"/>
+      </a:lnRef>
+      <a:fillRef idx="1">
+        <a:scrgbClr r="0" g="0" b="0"/>
+      </a:fillRef>
+      <a:effectRef idx="0">
+        <a:scrgbClr r="0" g="0" b="0"/>
+      </a:effectRef>
+      <a:fontRef idx="minor"/>
+    </dgm:style>
+  </dgm:styleLbl>
+  <dgm:styleLbl name="bgAccFollowNode1">
+    <dgm:scene3d>
+      <a:camera prst="orthographicFront"/>
+      <a:lightRig rig="threePt" dir="t"/>
+    </dgm:scene3d>
+    <dgm:sp3d/>
+    <dgm:txPr/>
+    <dgm:style>
+      <a:lnRef idx="1">
+        <a:scrgbClr r="0" g="0" b="0"/>
+      </a:lnRef>
+      <a:fillRef idx="1">
+        <a:scrgbClr r="0" g="0" b="0"/>
+      </a:fillRef>
+      <a:effectRef idx="0">
+        <a:scrgbClr r="0" g="0" b="0"/>
+      </a:effectRef>
+      <a:fontRef idx="minor"/>
+    </dgm:style>
+  </dgm:styleLbl>
+  <dgm:styleLbl name="fgAcc0">
+    <dgm:scene3d>
+      <a:camera prst="orthographicFront"/>
+      <a:lightRig rig="threePt" dir="t"/>
+    </dgm:scene3d>
+    <dgm:sp3d/>
+    <dgm:txPr/>
+    <dgm:style>
+      <a:lnRef idx="1">
+        <a:scrgbClr r="0" g="0" b="0"/>
+      </a:lnRef>
+      <a:fillRef idx="1">
+        <a:scrgbClr r="0" g="0" b="0"/>
+      </a:fillRef>
+      <a:effectRef idx="0">
+        <a:scrgbClr r="0" g="0" b="0"/>
+      </a:effectRef>
+      <a:fontRef idx="minor"/>
+    </dgm:style>
+  </dgm:styleLbl>
+  <dgm:styleLbl name="fgAcc2">
+    <dgm:scene3d>
+      <a:camera prst="orthographicFront"/>
+      <a:lightRig rig="threePt" dir="t"/>
+    </dgm:scene3d>
+    <dgm:sp3d/>
+    <dgm:txPr/>
+    <dgm:style>
+      <a:lnRef idx="1">
+        <a:scrgbClr r="0" g="0" b="0"/>
+      </a:lnRef>
+      <a:fillRef idx="1">
+        <a:scrgbClr r="0" g="0" b="0"/>
+      </a:fillRef>
+      <a:effectRef idx="0">
+        <a:scrgbClr r="0" g="0" b="0"/>
+      </a:effectRef>
+      <a:fontRef idx="minor"/>
+    </dgm:style>
+  </dgm:styleLbl>
+  <dgm:styleLbl name="fgAcc3">
+    <dgm:scene3d>
+      <a:camera prst="orthographicFront"/>
+      <a:lightRig rig="threePt" dir="t"/>
+    </dgm:scene3d>
+    <dgm:sp3d/>
+    <dgm:txPr/>
+    <dgm:style>
+      <a:lnRef idx="1">
+        <a:scrgbClr r="0" g="0" b="0"/>
+      </a:lnRef>
+      <a:fillRef idx="1">
+        <a:scrgbClr r="0" g="0" b="0"/>
+      </a:fillRef>
+      <a:effectRef idx="0">
+        <a:scrgbClr r="0" g="0" b="0"/>
+      </a:effectRef>
+      <a:fontRef idx="minor"/>
+    </dgm:style>
+  </dgm:styleLbl>
+  <dgm:styleLbl name="fgAcc4">
+    <dgm:scene3d>
+      <a:camera prst="orthographicFront"/>
+      <a:lightRig rig="threePt" dir="t"/>
+    </dgm:scene3d>
+    <dgm:sp3d/>
+    <dgm:txPr/>
+    <dgm:style>
+      <a:lnRef idx="1">
+        <a:scrgbClr r="0" g="0" b="0"/>
+      </a:lnRef>
+      <a:fillRef idx="1">
+        <a:scrgbClr r="0" g="0" b="0"/>
+      </a:fillRef>
+      <a:effectRef idx="0">
+        <a:scrgbClr r="0" g="0" b="0"/>
+      </a:effectRef>
+      <a:fontRef idx="minor"/>
+    </dgm:style>
+  </dgm:styleLbl>
+  <dgm:styleLbl name="bgShp">
+    <dgm:scene3d>
+      <a:camera prst="orthographicFront"/>
+      <a:lightRig rig="threePt" dir="t"/>
+    </dgm:scene3d>
+    <dgm:sp3d/>
+    <dgm:txPr/>
+    <dgm:style>
+      <a:lnRef idx="0">
+        <a:scrgbClr r="0" g="0" b="0"/>
+      </a:lnRef>
+      <a:fillRef idx="1">
+        <a:scrgbClr r="0" g="0" b="0"/>
+      </a:fillRef>
+      <a:effectRef idx="2">
+        <a:scrgbClr r="0" g="0" b="0"/>
+      </a:effectRef>
+      <a:fontRef idx="minor"/>
+    </dgm:style>
+  </dgm:styleLbl>
+  <dgm:styleLbl name="dkBgShp">
+    <dgm:scene3d>
+      <a:camera prst="orthographicFront"/>
+      <a:lightRig rig="threePt" dir="t"/>
+    </dgm:scene3d>
+    <dgm:sp3d/>
+    <dgm:txPr/>
+    <dgm:style>
+      <a:lnRef idx="0">
+        <a:scrgbClr r="0" g="0" b="0"/>
+      </a:lnRef>
+      <a:fillRef idx="1">
+        <a:scrgbClr r="0" g="0" b="0"/>
+      </a:fillRef>
+      <a:effectRef idx="2">
+        <a:scrgbClr r="0" g="0" b="0"/>
+      </a:effectRef>
+      <a:fontRef idx="minor"/>
+    </dgm:style>
+  </dgm:styleLbl>
+  <dgm:styleLbl name="trBgShp">
+    <dgm:scene3d>
+      <a:camera prst="orthographicFront"/>
+      <a:lightRig rig="threePt" dir="t"/>
+    </dgm:scene3d>
+    <dgm:sp3d/>
+    <dgm:txPr/>
+    <dgm:style>
+      <a:lnRef idx="0">
+        <a:scrgbClr r="0" g="0" b="0"/>
+      </a:lnRef>
+      <a:fillRef idx="1">
+        <a:scrgbClr r="0" g="0" b="0"/>
+      </a:fillRef>
+      <a:effectRef idx="0">
+        <a:scrgbClr r="0" g="0" b="0"/>
+      </a:effectRef>
+      <a:fontRef idx="minor"/>
+    </dgm:style>
+  </dgm:styleLbl>
+  <dgm:styleLbl name="fgShp">
+    <dgm:scene3d>
+      <a:camera prst="orthographicFront"/>
+      <a:lightRig rig="threePt" dir="t"/>
+    </dgm:scene3d>
+    <dgm:sp3d/>
+    <dgm:txPr/>
+    <dgm:style>
+      <a:lnRef idx="0">
+        <a:scrgbClr r="0" g="0" b="0"/>
+      </a:lnRef>
+      <a:fillRef idx="3">
+        <a:scrgbClr r="0" g="0" b="0"/>
+      </a:fillRef>
+      <a:effectRef idx="2">
         <a:scrgbClr r="0" g="0" b="0"/>
       </a:effectRef>
       <a:fontRef idx="minor"/>
@@ -4248,6 +7747,98 @@
               <a:rPr lang="es-AR" smtClean="0"/>
               <a:pPr/>
               <a:t>1</a:t>
+            </a:fld>
+            <a:endParaRPr lang="es-AR"/>
+          </a:p>
+        </p:txBody>
+      </p:sp>
+    </p:spTree>
+  </p:cSld>
+  <p:clrMapOvr>
+    <a:masterClrMapping/>
+  </p:clrMapOvr>
+</p:notes>
+</file>
+
+<file path=ppt/notesSlides/notesSlide2.xml><?xml version="1.0" encoding="utf-8"?>
+<p:notes xmlns:a="http://schemas.openxmlformats.org/drawingml/2006/main" xmlns:r="http://schemas.openxmlformats.org/officeDocument/2006/relationships" xmlns:p="http://schemas.openxmlformats.org/presentationml/2006/main">
+  <p:cSld>
+    <p:spTree>
+      <p:nvGrpSpPr>
+        <p:cNvPr id="1" name=""/>
+        <p:cNvGrpSpPr/>
+        <p:nvPr/>
+      </p:nvGrpSpPr>
+      <p:grpSpPr>
+        <a:xfrm>
+          <a:off x="0" y="0"/>
+          <a:ext cx="0" cy="0"/>
+          <a:chOff x="0" y="0"/>
+          <a:chExt cx="0" cy="0"/>
+        </a:xfrm>
+      </p:grpSpPr>
+      <p:sp>
+        <p:nvSpPr>
+          <p:cNvPr id="2" name="1 Marcador de imagen de diapositiva"/>
+          <p:cNvSpPr>
+            <a:spLocks noGrp="1" noRot="1" noChangeAspect="1"/>
+          </p:cNvSpPr>
+          <p:nvPr>
+            <p:ph type="sldImg"/>
+          </p:nvPr>
+        </p:nvSpPr>
+        <p:spPr/>
+      </p:sp>
+      <p:sp>
+        <p:nvSpPr>
+          <p:cNvPr id="3" name="2 Marcador de notas"/>
+          <p:cNvSpPr>
+            <a:spLocks noGrp="1"/>
+          </p:cNvSpPr>
+          <p:nvPr>
+            <p:ph type="body" idx="1"/>
+          </p:nvPr>
+        </p:nvSpPr>
+        <p:spPr/>
+        <p:txBody>
+          <a:bodyPr>
+            <a:normAutofit/>
+          </a:bodyPr>
+          <a:lstStyle/>
+          <a:p>
+            <a:r>
+              <a:rPr lang="es-AR" dirty="0" smtClean="0"/>
+              <a:t>56.000 simulaciones a 2min por simulación (manera manual) llevaría:</a:t>
+            </a:r>
+            <a:r>
+              <a:rPr lang="es-AR" baseline="0" dirty="0" smtClean="0"/>
+              <a:t> 1.866 horas o lo que es igual 77 días</a:t>
+            </a:r>
+          </a:p>
+          <a:p>
+            <a:endParaRPr lang="es-AR" dirty="0"/>
+          </a:p>
+        </p:txBody>
+      </p:sp>
+      <p:sp>
+        <p:nvSpPr>
+          <p:cNvPr id="4" name="3 Marcador de número de diapositiva"/>
+          <p:cNvSpPr>
+            <a:spLocks noGrp="1"/>
+          </p:cNvSpPr>
+          <p:nvPr>
+            <p:ph type="sldNum" sz="quarter" idx="10"/>
+          </p:nvPr>
+        </p:nvSpPr>
+        <p:spPr/>
+        <p:txBody>
+          <a:bodyPr/>
+          <a:lstStyle/>
+          <a:p>
+            <a:fld id="{EA0D9E51-E836-4F08-8FFF-406AF79182CA}" type="slidenum">
+              <a:rPr lang="es-AR" smtClean="0"/>
+              <a:pPr/>
+              <a:t>13</a:t>
             </a:fld>
             <a:endParaRPr lang="es-AR"/>
           </a:p>
@@ -11371,6 +14962,65 @@
           <a:chExt cx="0" cy="0"/>
         </a:xfrm>
       </p:grpSpPr>
+      <p:pic>
+        <p:nvPicPr>
+          <p:cNvPr id="28" name="Picture 2"/>
+          <p:cNvPicPr>
+            <a:picLocks noGrp="1" noChangeAspect="1" noChangeArrowheads="1"/>
+          </p:cNvPicPr>
+          <p:nvPr>
+            <p:ph sz="half" idx="1"/>
+          </p:nvPr>
+        </p:nvPicPr>
+        <p:blipFill>
+          <a:blip r:embed="rId3" cstate="print"/>
+          <a:srcRect b="676"/>
+          <a:stretch>
+            <a:fillRect/>
+          </a:stretch>
+        </p:blipFill>
+        <p:spPr bwMode="auto">
+          <a:xfrm>
+            <a:off x="971600" y="1628800"/>
+            <a:ext cx="2448272" cy="4979264"/>
+          </a:xfrm>
+          <a:prstGeom prst="rect">
+            <a:avLst/>
+          </a:prstGeom>
+          <a:noFill/>
+          <a:ln w="9525">
+            <a:noFill/>
+            <a:miter lim="800000"/>
+            <a:headEnd/>
+            <a:tailEnd/>
+          </a:ln>
+        </p:spPr>
+      </p:pic>
+      <p:pic>
+        <p:nvPicPr>
+          <p:cNvPr id="22" name="21 Imagen" descr="Comparador pelado.png"/>
+          <p:cNvPicPr>
+            <a:picLocks noChangeAspect="1"/>
+          </p:cNvPicPr>
+          <p:nvPr/>
+        </p:nvPicPr>
+        <p:blipFill>
+          <a:blip r:embed="rId4" cstate="print"/>
+          <a:srcRect r="44488"/>
+          <a:stretch>
+            <a:fillRect/>
+          </a:stretch>
+        </p:blipFill>
+        <p:spPr>
+          <a:xfrm>
+            <a:off x="467544" y="1844824"/>
+            <a:ext cx="3921576" cy="4608512"/>
+          </a:xfrm>
+          <a:prstGeom prst="rect">
+            <a:avLst/>
+          </a:prstGeom>
+        </p:spPr>
+      </p:pic>
       <p:sp>
         <p:nvSpPr>
           <p:cNvPr id="29" name="28 Rectángulo"/>
@@ -11470,40 +15120,6 @@
           </a:p>
         </p:txBody>
       </p:sp>
-      <p:pic>
-        <p:nvPicPr>
-          <p:cNvPr id="28" name="Picture 2"/>
-          <p:cNvPicPr>
-            <a:picLocks noGrp="1" noChangeAspect="1" noChangeArrowheads="1"/>
-          </p:cNvPicPr>
-          <p:nvPr>
-            <p:ph sz="half" idx="1"/>
-          </p:nvPr>
-        </p:nvPicPr>
-        <p:blipFill>
-          <a:blip r:embed="rId2" cstate="print"/>
-          <a:srcRect b="676"/>
-          <a:stretch>
-            <a:fillRect/>
-          </a:stretch>
-        </p:blipFill>
-        <p:spPr bwMode="auto">
-          <a:xfrm>
-            <a:off x="971600" y="1628800"/>
-            <a:ext cx="2448272" cy="4979264"/>
-          </a:xfrm>
-          <a:prstGeom prst="rect">
-            <a:avLst/>
-          </a:prstGeom>
-          <a:noFill/>
-          <a:ln w="9525">
-            <a:noFill/>
-            <a:miter lim="800000"/>
-            <a:headEnd/>
-            <a:tailEnd/>
-          </a:ln>
-        </p:spPr>
-      </p:pic>
       <p:sp>
         <p:nvSpPr>
           <p:cNvPr id="2" name="1 Título"/>
@@ -11527,39 +15143,6 @@
           </a:p>
         </p:txBody>
       </p:sp>
-      <p:pic>
-        <p:nvPicPr>
-          <p:cNvPr id="6" name="7 Marcador de contenido"/>
-          <p:cNvPicPr>
-            <a:picLocks noGrp="1"/>
-          </p:cNvPicPr>
-          <p:nvPr>
-            <p:ph sz="half" idx="1"/>
-          </p:nvPr>
-        </p:nvPicPr>
-        <p:blipFill>
-          <a:blip r:embed="rId3" cstate="print"/>
-          <a:stretch>
-            <a:fillRect/>
-          </a:stretch>
-        </p:blipFill>
-        <p:spPr bwMode="auto">
-          <a:xfrm>
-            <a:off x="467544" y="1988840"/>
-            <a:ext cx="4081463" cy="4215407"/>
-          </a:xfrm>
-          <a:prstGeom prst="rect">
-            <a:avLst/>
-          </a:prstGeom>
-          <a:noFill/>
-          <a:ln w="9525">
-            <a:noFill/>
-            <a:miter lim="800000"/>
-            <a:headEnd/>
-            <a:tailEnd/>
-          </a:ln>
-        </p:spPr>
-      </p:pic>
       <p:sp>
         <p:nvSpPr>
           <p:cNvPr id="7" name="6 Elipse"/>
@@ -11568,7 +15151,7 @@
         </p:nvSpPr>
         <p:spPr>
           <a:xfrm>
-            <a:off x="1286892" y="2829942"/>
+            <a:off x="1288384" y="2761174"/>
             <a:ext cx="144016" cy="144016"/>
           </a:xfrm>
           <a:prstGeom prst="ellipse">
@@ -11577,13 +15160,13 @@
         </p:spPr>
         <p:style>
           <a:lnRef idx="1">
-            <a:schemeClr val="accent4"/>
+            <a:schemeClr val="accent3"/>
           </a:lnRef>
           <a:fillRef idx="3">
-            <a:schemeClr val="accent4"/>
+            <a:schemeClr val="accent3"/>
           </a:fillRef>
           <a:effectRef idx="2">
-            <a:schemeClr val="accent4"/>
+            <a:schemeClr val="accent3"/>
           </a:effectRef>
           <a:fontRef idx="minor">
             <a:schemeClr val="lt1"/>
@@ -11606,7 +15189,7 @@
         </p:nvSpPr>
         <p:spPr>
           <a:xfrm>
-            <a:off x="1288628" y="3628132"/>
+            <a:off x="1290120" y="3589883"/>
             <a:ext cx="144016" cy="144016"/>
           </a:xfrm>
           <a:prstGeom prst="ellipse">
@@ -11615,13 +15198,13 @@
         </p:spPr>
         <p:style>
           <a:lnRef idx="1">
-            <a:schemeClr val="accent4"/>
+            <a:schemeClr val="accent3"/>
           </a:lnRef>
           <a:fillRef idx="3">
-            <a:schemeClr val="accent4"/>
+            <a:schemeClr val="accent3"/>
           </a:fillRef>
           <a:effectRef idx="2">
-            <a:schemeClr val="accent4"/>
+            <a:schemeClr val="accent3"/>
           </a:effectRef>
           <a:fontRef idx="minor">
             <a:schemeClr val="lt1"/>
@@ -11644,7 +15227,7 @@
         </p:nvSpPr>
         <p:spPr>
           <a:xfrm>
-            <a:off x="2577678" y="2789932"/>
+            <a:off x="2588270" y="2751097"/>
             <a:ext cx="144016" cy="144016"/>
           </a:xfrm>
           <a:prstGeom prst="ellipse">
@@ -11653,13 +15236,13 @@
         </p:spPr>
         <p:style>
           <a:lnRef idx="1">
-            <a:schemeClr val="accent4"/>
+            <a:schemeClr val="accent3"/>
           </a:lnRef>
           <a:fillRef idx="3">
-            <a:schemeClr val="accent4"/>
+            <a:schemeClr val="accent3"/>
           </a:fillRef>
           <a:effectRef idx="2">
-            <a:schemeClr val="accent4"/>
+            <a:schemeClr val="accent3"/>
           </a:effectRef>
           <a:fontRef idx="minor">
             <a:schemeClr val="lt1"/>
@@ -11682,7 +15265,7 @@
         </p:nvSpPr>
         <p:spPr>
           <a:xfrm>
-            <a:off x="2584028" y="3621782"/>
+            <a:off x="2588600" y="3601186"/>
             <a:ext cx="144016" cy="144016"/>
           </a:xfrm>
           <a:prstGeom prst="ellipse">
@@ -11691,13 +15274,13 @@
         </p:spPr>
         <p:style>
           <a:lnRef idx="1">
-            <a:schemeClr val="accent4"/>
+            <a:schemeClr val="accent3"/>
           </a:lnRef>
           <a:fillRef idx="3">
-            <a:schemeClr val="accent4"/>
+            <a:schemeClr val="accent3"/>
           </a:fillRef>
           <a:effectRef idx="2">
-            <a:schemeClr val="accent4"/>
+            <a:schemeClr val="accent3"/>
           </a:effectRef>
           <a:fontRef idx="minor">
             <a:schemeClr val="lt1"/>
@@ -11720,7 +15303,7 @@
         </p:nvSpPr>
         <p:spPr>
           <a:xfrm>
-            <a:off x="1936328" y="5228332"/>
+            <a:off x="1940774" y="5364434"/>
             <a:ext cx="144016" cy="144016"/>
           </a:xfrm>
           <a:prstGeom prst="ellipse">
@@ -11729,13 +15312,13 @@
         </p:spPr>
         <p:style>
           <a:lnRef idx="1">
-            <a:schemeClr val="accent4"/>
+            <a:schemeClr val="accent3"/>
           </a:lnRef>
           <a:fillRef idx="3">
-            <a:schemeClr val="accent4"/>
+            <a:schemeClr val="accent3"/>
           </a:fillRef>
           <a:effectRef idx="2">
-            <a:schemeClr val="accent4"/>
+            <a:schemeClr val="accent3"/>
           </a:effectRef>
           <a:fontRef idx="minor">
             <a:schemeClr val="lt1"/>
@@ -11758,7 +15341,7 @@
         </p:nvSpPr>
         <p:spPr>
           <a:xfrm>
-            <a:off x="3773636" y="3247132"/>
+            <a:off x="3769963" y="3237056"/>
             <a:ext cx="144016" cy="144016"/>
           </a:xfrm>
           <a:prstGeom prst="ellipse">
@@ -11767,13 +15350,13 @@
         </p:spPr>
         <p:style>
           <a:lnRef idx="1">
-            <a:schemeClr val="accent4"/>
+            <a:schemeClr val="accent3"/>
           </a:lnRef>
           <a:fillRef idx="3">
-            <a:schemeClr val="accent4"/>
+            <a:schemeClr val="accent3"/>
           </a:fillRef>
           <a:effectRef idx="2">
-            <a:schemeClr val="accent4"/>
+            <a:schemeClr val="accent3"/>
           </a:effectRef>
           <a:fontRef idx="minor">
             <a:schemeClr val="lt1"/>
@@ -11796,7 +15379,7 @@
         </p:nvSpPr>
         <p:spPr>
           <a:xfrm>
-            <a:off x="3767286" y="4910832"/>
+            <a:off x="3772744" y="5002814"/>
             <a:ext cx="144016" cy="144016"/>
           </a:xfrm>
           <a:prstGeom prst="ellipse">
@@ -11805,13 +15388,13 @@
         </p:spPr>
         <p:style>
           <a:lnRef idx="1">
-            <a:schemeClr val="accent4"/>
+            <a:schemeClr val="accent3"/>
           </a:lnRef>
           <a:fillRef idx="3">
-            <a:schemeClr val="accent4"/>
+            <a:schemeClr val="accent3"/>
           </a:fillRef>
           <a:effectRef idx="2">
-            <a:schemeClr val="accent4"/>
+            <a:schemeClr val="accent3"/>
           </a:effectRef>
           <a:fontRef idx="minor">
             <a:schemeClr val="lt1"/>
@@ -12032,8 +15615,8 @@
         </p:nvSpPr>
         <p:spPr>
           <a:xfrm>
-            <a:off x="4572000" y="2564904"/>
-            <a:ext cx="4187365" cy="523220"/>
+            <a:off x="4487041" y="2564904"/>
+            <a:ext cx="4357283" cy="523220"/>
           </a:xfrm>
           <a:prstGeom prst="rect">
             <a:avLst/>
@@ -12083,45 +15666,7 @@
                   </a:outerShdw>
                 </a:effectLst>
               </a:rPr>
-              <a:t> </a:t>
-            </a:r>
-            <a:r>
-              <a:rPr lang="es-ES" sz="2800" b="1" dirty="0" smtClean="0">
-                <a:ln w="17780" cmpd="sng">
-                  <a:solidFill>
-                    <a:schemeClr val="accent1">
-                      <a:tint val="3000"/>
-                    </a:schemeClr>
-                  </a:solidFill>
-                  <a:prstDash val="solid"/>
-                  <a:miter lim="800000"/>
-                </a:ln>
-                <a:gradFill>
-                  <a:gsLst>
-                    <a:gs pos="10000">
-                      <a:schemeClr val="accent1">
-                        <a:tint val="63000"/>
-                        <a:sat val="105000"/>
-                      </a:schemeClr>
-                    </a:gs>
-                    <a:gs pos="90000">
-                      <a:schemeClr val="accent1">
-                        <a:shade val="50000"/>
-                        <a:satMod val="100000"/>
-                      </a:schemeClr>
-                    </a:gs>
-                  </a:gsLst>
-                  <a:lin ang="5400000"/>
-                </a:gradFill>
-                <a:effectLst>
-                  <a:outerShdw blurRad="55000" dist="50800" dir="5400000" algn="tl">
-                    <a:srgbClr val="000000">
-                      <a:alpha val="33000"/>
-                    </a:srgbClr>
-                  </a:outerShdw>
-                </a:effectLst>
-              </a:rPr>
-              <a:t>por 64 niveles de tensión:</a:t>
+              <a:t> para 64 niveles de tensión:</a:t>
             </a:r>
             <a:endParaRPr lang="es-ES" sz="2800" b="1" dirty="0">
               <a:ln w="17780" cmpd="sng">
@@ -12484,7 +16029,7 @@
                             </p:stCondLst>
                             <p:childTnLst>
                               <p:par>
-                                <p:cTn id="5" presetID="53" presetClass="entr" presetSubtype="0" fill="hold" grpId="0" nodeType="clickEffect">
+                                <p:cTn id="5" presetID="1" presetClass="entr" presetSubtype="0" fill="hold" nodeType="clickEffect">
                                   <p:stCondLst>
                                     <p:cond delay="0"/>
                                   </p:stCondLst>
@@ -12492,6 +16037,42 @@
                                     <p:set>
                                       <p:cBhvr>
                                         <p:cTn id="6" dur="1" fill="hold">
+                                          <p:stCondLst>
+                                            <p:cond delay="0"/>
+                                          </p:stCondLst>
+                                        </p:cTn>
+                                        <p:tgtEl>
+                                          <p:spTgt spid="22"/>
+                                        </p:tgtEl>
+                                        <p:attrNameLst>
+                                          <p:attrName>style.visibility</p:attrName>
+                                        </p:attrNameLst>
+                                      </p:cBhvr>
+                                      <p:to>
+                                        <p:strVal val="visible"/>
+                                      </p:to>
+                                    </p:set>
+                                  </p:childTnLst>
+                                </p:cTn>
+                              </p:par>
+                            </p:childTnLst>
+                          </p:cTn>
+                        </p:par>
+                        <p:par>
+                          <p:cTn id="7" fill="hold">
+                            <p:stCondLst>
+                              <p:cond delay="0"/>
+                            </p:stCondLst>
+                            <p:childTnLst>
+                              <p:par>
+                                <p:cTn id="8" presetID="53" presetClass="entr" presetSubtype="0" fill="hold" grpId="0" nodeType="afterEffect">
+                                  <p:stCondLst>
+                                    <p:cond delay="0"/>
+                                  </p:stCondLst>
+                                  <p:childTnLst>
+                                    <p:set>
+                                      <p:cBhvr>
+                                        <p:cTn id="9" dur="1" fill="hold">
                                           <p:stCondLst>
                                             <p:cond delay="0"/>
                                           </p:stCondLst>
@@ -12509,7 +16090,7 @@
                                     </p:set>
                                     <p:anim calcmode="lin" valueType="num">
                                       <p:cBhvr>
-                                        <p:cTn id="7" dur="500" fill="hold"/>
+                                        <p:cTn id="10" dur="500" fill="hold"/>
                                         <p:tgtEl>
                                           <p:spTgt spid="7"/>
                                         </p:tgtEl>
@@ -12532,7 +16113,7 @@
                                     </p:anim>
                                     <p:anim calcmode="lin" valueType="num">
                                       <p:cBhvr>
-                                        <p:cTn id="8" dur="500" fill="hold"/>
+                                        <p:cTn id="11" dur="500" fill="hold"/>
                                         <p:tgtEl>
                                           <p:spTgt spid="7"/>
                                         </p:tgtEl>
@@ -12555,7 +16136,7 @@
                                     </p:anim>
                                     <p:animEffect transition="in" filter="fade">
                                       <p:cBhvr>
-                                        <p:cTn id="9" dur="500"/>
+                                        <p:cTn id="12" dur="500"/>
                                         <p:tgtEl>
                                           <p:spTgt spid="7"/>
                                         </p:tgtEl>
@@ -12568,20 +16149,20 @@
                           </p:cTn>
                         </p:par>
                         <p:par>
-                          <p:cTn id="10" fill="hold">
+                          <p:cTn id="13" fill="hold">
                             <p:stCondLst>
                               <p:cond delay="500"/>
                             </p:stCondLst>
                             <p:childTnLst>
                               <p:par>
-                                <p:cTn id="11" presetID="53" presetClass="entr" presetSubtype="0" fill="hold" grpId="0" nodeType="afterEffect">
+                                <p:cTn id="14" presetID="53" presetClass="entr" presetSubtype="0" fill="hold" grpId="0" nodeType="afterEffect">
                                   <p:stCondLst>
                                     <p:cond delay="0"/>
                                   </p:stCondLst>
                                   <p:childTnLst>
                                     <p:set>
                                       <p:cBhvr>
-                                        <p:cTn id="12" dur="1" fill="hold">
+                                        <p:cTn id="15" dur="1" fill="hold">
                                           <p:stCondLst>
                                             <p:cond delay="0"/>
                                           </p:stCondLst>
@@ -12599,7 +16180,7 @@
                                     </p:set>
                                     <p:anim calcmode="lin" valueType="num">
                                       <p:cBhvr>
-                                        <p:cTn id="13" dur="500" fill="hold"/>
+                                        <p:cTn id="16" dur="500" fill="hold"/>
                                         <p:tgtEl>
                                           <p:spTgt spid="12"/>
                                         </p:tgtEl>
@@ -12622,7 +16203,7 @@
                                     </p:anim>
                                     <p:anim calcmode="lin" valueType="num">
                                       <p:cBhvr>
-                                        <p:cTn id="14" dur="500" fill="hold"/>
+                                        <p:cTn id="17" dur="500" fill="hold"/>
                                         <p:tgtEl>
                                           <p:spTgt spid="12"/>
                                         </p:tgtEl>
@@ -12645,7 +16226,7 @@
                                     </p:anim>
                                     <p:animEffect transition="in" filter="fade">
                                       <p:cBhvr>
-                                        <p:cTn id="15" dur="500"/>
+                                        <p:cTn id="18" dur="500"/>
                                         <p:tgtEl>
                                           <p:spTgt spid="12"/>
                                         </p:tgtEl>
@@ -12658,20 +16239,20 @@
                           </p:cTn>
                         </p:par>
                         <p:par>
-                          <p:cTn id="16" fill="hold">
+                          <p:cTn id="19" fill="hold">
                             <p:stCondLst>
                               <p:cond delay="1000"/>
                             </p:stCondLst>
                             <p:childTnLst>
                               <p:par>
-                                <p:cTn id="17" presetID="53" presetClass="entr" presetSubtype="0" fill="hold" grpId="0" nodeType="afterEffect">
+                                <p:cTn id="20" presetID="53" presetClass="entr" presetSubtype="0" fill="hold" grpId="0" nodeType="afterEffect">
                                   <p:stCondLst>
                                     <p:cond delay="0"/>
                                   </p:stCondLst>
                                   <p:childTnLst>
                                     <p:set>
                                       <p:cBhvr>
-                                        <p:cTn id="18" dur="1" fill="hold">
+                                        <p:cTn id="21" dur="1" fill="hold">
                                           <p:stCondLst>
                                             <p:cond delay="0"/>
                                           </p:stCondLst>
@@ -12689,7 +16270,7 @@
                                     </p:set>
                                     <p:anim calcmode="lin" valueType="num">
                                       <p:cBhvr>
-                                        <p:cTn id="19" dur="500" fill="hold"/>
+                                        <p:cTn id="22" dur="500" fill="hold"/>
                                         <p:tgtEl>
                                           <p:spTgt spid="11"/>
                                         </p:tgtEl>
@@ -12712,7 +16293,7 @@
                                     </p:anim>
                                     <p:anim calcmode="lin" valueType="num">
                                       <p:cBhvr>
-                                        <p:cTn id="20" dur="500" fill="hold"/>
+                                        <p:cTn id="23" dur="500" fill="hold"/>
                                         <p:tgtEl>
                                           <p:spTgt spid="11"/>
                                         </p:tgtEl>
@@ -12735,7 +16316,7 @@
                                     </p:anim>
                                     <p:animEffect transition="in" filter="fade">
                                       <p:cBhvr>
-                                        <p:cTn id="21" dur="500"/>
+                                        <p:cTn id="24" dur="500"/>
                                         <p:tgtEl>
                                           <p:spTgt spid="11"/>
                                         </p:tgtEl>
@@ -12748,20 +16329,20 @@
                           </p:cTn>
                         </p:par>
                         <p:par>
-                          <p:cTn id="22" fill="hold">
+                          <p:cTn id="25" fill="hold">
                             <p:stCondLst>
                               <p:cond delay="1500"/>
                             </p:stCondLst>
                             <p:childTnLst>
                               <p:par>
-                                <p:cTn id="23" presetID="53" presetClass="entr" presetSubtype="0" fill="hold" grpId="0" nodeType="afterEffect">
+                                <p:cTn id="26" presetID="53" presetClass="entr" presetSubtype="0" fill="hold" grpId="0" nodeType="afterEffect">
                                   <p:stCondLst>
                                     <p:cond delay="0"/>
                                   </p:stCondLst>
                                   <p:childTnLst>
                                     <p:set>
                                       <p:cBhvr>
-                                        <p:cTn id="24" dur="1" fill="hold">
+                                        <p:cTn id="27" dur="1" fill="hold">
                                           <p:stCondLst>
                                             <p:cond delay="0"/>
                                           </p:stCondLst>
@@ -12779,7 +16360,7 @@
                                     </p:set>
                                     <p:anim calcmode="lin" valueType="num">
                                       <p:cBhvr>
-                                        <p:cTn id="25" dur="500" fill="hold"/>
+                                        <p:cTn id="28" dur="500" fill="hold"/>
                                         <p:tgtEl>
                                           <p:spTgt spid="13"/>
                                         </p:tgtEl>
@@ -12802,7 +16383,7 @@
                                     </p:anim>
                                     <p:anim calcmode="lin" valueType="num">
                                       <p:cBhvr>
-                                        <p:cTn id="26" dur="500" fill="hold"/>
+                                        <p:cTn id="29" dur="500" fill="hold"/>
                                         <p:tgtEl>
                                           <p:spTgt spid="13"/>
                                         </p:tgtEl>
@@ -12825,7 +16406,7 @@
                                     </p:anim>
                                     <p:animEffect transition="in" filter="fade">
                                       <p:cBhvr>
-                                        <p:cTn id="27" dur="500"/>
+                                        <p:cTn id="30" dur="500"/>
                                         <p:tgtEl>
                                           <p:spTgt spid="13"/>
                                         </p:tgtEl>
@@ -12838,20 +16419,20 @@
                           </p:cTn>
                         </p:par>
                         <p:par>
-                          <p:cTn id="28" fill="hold">
+                          <p:cTn id="31" fill="hold">
                             <p:stCondLst>
                               <p:cond delay="2000"/>
                             </p:stCondLst>
                             <p:childTnLst>
                               <p:par>
-                                <p:cTn id="29" presetID="53" presetClass="entr" presetSubtype="0" fill="hold" grpId="0" nodeType="afterEffect">
+                                <p:cTn id="32" presetID="53" presetClass="entr" presetSubtype="0" fill="hold" grpId="0" nodeType="afterEffect">
                                   <p:stCondLst>
                                     <p:cond delay="0"/>
                                   </p:stCondLst>
                                   <p:childTnLst>
                                     <p:set>
                                       <p:cBhvr>
-                                        <p:cTn id="30" dur="1" fill="hold">
+                                        <p:cTn id="33" dur="1" fill="hold">
                                           <p:stCondLst>
                                             <p:cond delay="0"/>
                                           </p:stCondLst>
@@ -12869,7 +16450,7 @@
                                     </p:set>
                                     <p:anim calcmode="lin" valueType="num">
                                       <p:cBhvr>
-                                        <p:cTn id="31" dur="500" fill="hold"/>
+                                        <p:cTn id="34" dur="500" fill="hold"/>
                                         <p:tgtEl>
                                           <p:spTgt spid="14"/>
                                         </p:tgtEl>
@@ -12892,7 +16473,7 @@
                                     </p:anim>
                                     <p:anim calcmode="lin" valueType="num">
                                       <p:cBhvr>
-                                        <p:cTn id="32" dur="500" fill="hold"/>
+                                        <p:cTn id="35" dur="500" fill="hold"/>
                                         <p:tgtEl>
                                           <p:spTgt spid="14"/>
                                         </p:tgtEl>
@@ -12915,7 +16496,7 @@
                                     </p:anim>
                                     <p:animEffect transition="in" filter="fade">
                                       <p:cBhvr>
-                                        <p:cTn id="33" dur="500"/>
+                                        <p:cTn id="36" dur="500"/>
                                         <p:tgtEl>
                                           <p:spTgt spid="14"/>
                                         </p:tgtEl>
@@ -12928,20 +16509,20 @@
                           </p:cTn>
                         </p:par>
                         <p:par>
-                          <p:cTn id="34" fill="hold">
+                          <p:cTn id="37" fill="hold">
                             <p:stCondLst>
                               <p:cond delay="2500"/>
                             </p:stCondLst>
                             <p:childTnLst>
                               <p:par>
-                                <p:cTn id="35" presetID="53" presetClass="entr" presetSubtype="0" fill="hold" grpId="0" nodeType="afterEffect">
+                                <p:cTn id="38" presetID="53" presetClass="entr" presetSubtype="0" fill="hold" grpId="0" nodeType="afterEffect">
                                   <p:stCondLst>
                                     <p:cond delay="0"/>
                                   </p:stCondLst>
                                   <p:childTnLst>
                                     <p:set>
                                       <p:cBhvr>
-                                        <p:cTn id="36" dur="1" fill="hold">
+                                        <p:cTn id="39" dur="1" fill="hold">
                                           <p:stCondLst>
                                             <p:cond delay="0"/>
                                           </p:stCondLst>
@@ -12959,7 +16540,7 @@
                                     </p:set>
                                     <p:anim calcmode="lin" valueType="num">
                                       <p:cBhvr>
-                                        <p:cTn id="37" dur="500" fill="hold"/>
+                                        <p:cTn id="40" dur="500" fill="hold"/>
                                         <p:tgtEl>
                                           <p:spTgt spid="15"/>
                                         </p:tgtEl>
@@ -12982,7 +16563,7 @@
                                     </p:anim>
                                     <p:anim calcmode="lin" valueType="num">
                                       <p:cBhvr>
-                                        <p:cTn id="38" dur="500" fill="hold"/>
+                                        <p:cTn id="41" dur="500" fill="hold"/>
                                         <p:tgtEl>
                                           <p:spTgt spid="15"/>
                                         </p:tgtEl>
@@ -13005,7 +16586,7 @@
                                     </p:anim>
                                     <p:animEffect transition="in" filter="fade">
                                       <p:cBhvr>
-                                        <p:cTn id="39" dur="500"/>
+                                        <p:cTn id="42" dur="500"/>
                                         <p:tgtEl>
                                           <p:spTgt spid="15"/>
                                         </p:tgtEl>
@@ -13018,20 +16599,20 @@
                           </p:cTn>
                         </p:par>
                         <p:par>
-                          <p:cTn id="40" fill="hold">
+                          <p:cTn id="43" fill="hold">
                             <p:stCondLst>
                               <p:cond delay="3000"/>
                             </p:stCondLst>
                             <p:childTnLst>
                               <p:par>
-                                <p:cTn id="41" presetID="53" presetClass="entr" presetSubtype="0" fill="hold" grpId="0" nodeType="afterEffect">
+                                <p:cTn id="44" presetID="53" presetClass="entr" presetSubtype="0" fill="hold" grpId="0" nodeType="afterEffect">
                                   <p:stCondLst>
                                     <p:cond delay="0"/>
                                   </p:stCondLst>
                                   <p:childTnLst>
                                     <p:set>
                                       <p:cBhvr>
-                                        <p:cTn id="42" dur="1" fill="hold">
+                                        <p:cTn id="45" dur="1" fill="hold">
                                           <p:stCondLst>
                                             <p:cond delay="0"/>
                                           </p:stCondLst>
@@ -13049,7 +16630,7 @@
                                     </p:set>
                                     <p:anim calcmode="lin" valueType="num">
                                       <p:cBhvr>
-                                        <p:cTn id="43" dur="500" fill="hold"/>
+                                        <p:cTn id="46" dur="500" fill="hold"/>
                                         <p:tgtEl>
                                           <p:spTgt spid="16"/>
                                         </p:tgtEl>
@@ -13072,7 +16653,7 @@
                                     </p:anim>
                                     <p:anim calcmode="lin" valueType="num">
                                       <p:cBhvr>
-                                        <p:cTn id="44" dur="500" fill="hold"/>
+                                        <p:cTn id="47" dur="500" fill="hold"/>
                                         <p:tgtEl>
                                           <p:spTgt spid="16"/>
                                         </p:tgtEl>
@@ -13095,7 +16676,7 @@
                                     </p:anim>
                                     <p:animEffect transition="in" filter="fade">
                                       <p:cBhvr>
-                                        <p:cTn id="45" dur="500"/>
+                                        <p:cTn id="48" dur="500"/>
                                         <p:tgtEl>
                                           <p:spTgt spid="16"/>
                                         </p:tgtEl>
@@ -13105,14 +16686,14 @@
                                 </p:cTn>
                               </p:par>
                               <p:par>
-                                <p:cTn id="46" presetID="53" presetClass="entr" presetSubtype="0" fill="hold" grpId="0" nodeType="withEffect">
+                                <p:cTn id="49" presetID="53" presetClass="entr" presetSubtype="0" fill="hold" grpId="0" nodeType="withEffect">
                                   <p:stCondLst>
                                     <p:cond delay="0"/>
                                   </p:stCondLst>
                                   <p:childTnLst>
                                     <p:set>
                                       <p:cBhvr>
-                                        <p:cTn id="47" dur="1" fill="hold">
+                                        <p:cTn id="50" dur="1" fill="hold">
                                           <p:stCondLst>
                                             <p:cond delay="0"/>
                                           </p:stCondLst>
@@ -13130,7 +16711,7 @@
                                     </p:set>
                                     <p:anim calcmode="lin" valueType="num">
                                       <p:cBhvr>
-                                        <p:cTn id="48" dur="500" fill="hold"/>
+                                        <p:cTn id="51" dur="500" fill="hold"/>
                                         <p:tgtEl>
                                           <p:spTgt spid="23"/>
                                         </p:tgtEl>
@@ -13153,7 +16734,7 @@
                                     </p:anim>
                                     <p:anim calcmode="lin" valueType="num">
                                       <p:cBhvr>
-                                        <p:cTn id="49" dur="500" fill="hold"/>
+                                        <p:cTn id="52" dur="500" fill="hold"/>
                                         <p:tgtEl>
                                           <p:spTgt spid="23"/>
                                         </p:tgtEl>
@@ -13176,7 +16757,7 @@
                                     </p:anim>
                                     <p:animEffect transition="in" filter="fade">
                                       <p:cBhvr>
-                                        <p:cTn id="50" dur="500"/>
+                                        <p:cTn id="53" dur="500"/>
                                         <p:tgtEl>
                                           <p:spTgt spid="23"/>
                                         </p:tgtEl>
@@ -13192,32 +16773,32 @@
                     </p:cTn>
                   </p:par>
                   <p:par>
-                    <p:cTn id="51" fill="hold">
+                    <p:cTn id="54" fill="hold">
                       <p:stCondLst>
                         <p:cond delay="indefinite"/>
                       </p:stCondLst>
                       <p:childTnLst>
                         <p:par>
-                          <p:cTn id="52" fill="hold">
+                          <p:cTn id="55" fill="hold">
                             <p:stCondLst>
                               <p:cond delay="0"/>
                             </p:stCondLst>
                             <p:childTnLst>
                               <p:par>
-                                <p:cTn id="53" presetID="1" presetClass="exit" presetSubtype="0" fill="hold" nodeType="clickEffect">
+                                <p:cTn id="56" presetID="1" presetClass="exit" presetSubtype="0" fill="hold" nodeType="clickEffect">
                                   <p:stCondLst>
                                     <p:cond delay="0"/>
                                   </p:stCondLst>
                                   <p:childTnLst>
                                     <p:set>
                                       <p:cBhvr>
-                                        <p:cTn id="54" dur="1" fill="hold">
+                                        <p:cTn id="57" dur="1" fill="hold">
                                           <p:stCondLst>
                                             <p:cond delay="0"/>
                                           </p:stCondLst>
                                         </p:cTn>
                                         <p:tgtEl>
-                                          <p:spTgt spid="6"/>
+                                          <p:spTgt spid="22"/>
                                         </p:tgtEl>
                                         <p:attrNameLst>
                                           <p:attrName>style.visibility</p:attrName>
@@ -13231,14 +16812,14 @@
                                 </p:cTn>
                               </p:par>
                               <p:par>
-                                <p:cTn id="55" presetID="1" presetClass="exit" presetSubtype="0" fill="hold" grpId="1" nodeType="withEffect">
+                                <p:cTn id="58" presetID="1" presetClass="exit" presetSubtype="0" fill="hold" grpId="1" nodeType="withEffect">
                                   <p:stCondLst>
                                     <p:cond delay="0"/>
                                   </p:stCondLst>
                                   <p:childTnLst>
                                     <p:set>
                                       <p:cBhvr>
-                                        <p:cTn id="56" dur="1" fill="hold">
+                                        <p:cTn id="59" dur="1" fill="hold">
                                           <p:stCondLst>
                                             <p:cond delay="0"/>
                                           </p:stCondLst>
@@ -13258,14 +16839,14 @@
                                 </p:cTn>
                               </p:par>
                               <p:par>
-                                <p:cTn id="57" presetID="1" presetClass="exit" presetSubtype="0" fill="hold" grpId="1" nodeType="withEffect">
+                                <p:cTn id="60" presetID="1" presetClass="exit" presetSubtype="0" fill="hold" grpId="1" nodeType="withEffect">
                                   <p:stCondLst>
                                     <p:cond delay="0"/>
                                   </p:stCondLst>
                                   <p:childTnLst>
                                     <p:set>
                                       <p:cBhvr>
-                                        <p:cTn id="58" dur="1" fill="hold">
+                                        <p:cTn id="61" dur="1" fill="hold">
                                           <p:stCondLst>
                                             <p:cond delay="0"/>
                                           </p:stCondLst>
@@ -13285,14 +16866,14 @@
                                 </p:cTn>
                               </p:par>
                               <p:par>
-                                <p:cTn id="59" presetID="1" presetClass="exit" presetSubtype="0" fill="hold" grpId="1" nodeType="withEffect">
+                                <p:cTn id="62" presetID="1" presetClass="exit" presetSubtype="0" fill="hold" grpId="1" nodeType="withEffect">
                                   <p:stCondLst>
                                     <p:cond delay="0"/>
                                   </p:stCondLst>
                                   <p:childTnLst>
                                     <p:set>
                                       <p:cBhvr>
-                                        <p:cTn id="60" dur="1" fill="hold">
+                                        <p:cTn id="63" dur="1" fill="hold">
                                           <p:stCondLst>
                                             <p:cond delay="0"/>
                                           </p:stCondLst>
@@ -13312,14 +16893,14 @@
                                 </p:cTn>
                               </p:par>
                               <p:par>
-                                <p:cTn id="61" presetID="1" presetClass="exit" presetSubtype="0" fill="hold" grpId="1" nodeType="withEffect">
+                                <p:cTn id="64" presetID="1" presetClass="exit" presetSubtype="0" fill="hold" grpId="1" nodeType="withEffect">
                                   <p:stCondLst>
                                     <p:cond delay="0"/>
                                   </p:stCondLst>
                                   <p:childTnLst>
                                     <p:set>
                                       <p:cBhvr>
-                                        <p:cTn id="62" dur="1" fill="hold">
+                                        <p:cTn id="65" dur="1" fill="hold">
                                           <p:stCondLst>
                                             <p:cond delay="0"/>
                                           </p:stCondLst>
@@ -13339,14 +16920,14 @@
                                 </p:cTn>
                               </p:par>
                               <p:par>
-                                <p:cTn id="63" presetID="1" presetClass="exit" presetSubtype="0" fill="hold" grpId="1" nodeType="withEffect">
+                                <p:cTn id="66" presetID="1" presetClass="exit" presetSubtype="0" fill="hold" grpId="1" nodeType="withEffect">
                                   <p:stCondLst>
                                     <p:cond delay="0"/>
                                   </p:stCondLst>
                                   <p:childTnLst>
                                     <p:set>
                                       <p:cBhvr>
-                                        <p:cTn id="64" dur="1" fill="hold">
+                                        <p:cTn id="67" dur="1" fill="hold">
                                           <p:stCondLst>
                                             <p:cond delay="0"/>
                                           </p:stCondLst>
@@ -13366,14 +16947,14 @@
                                 </p:cTn>
                               </p:par>
                               <p:par>
-                                <p:cTn id="65" presetID="1" presetClass="exit" presetSubtype="0" fill="hold" grpId="1" nodeType="withEffect">
+                                <p:cTn id="68" presetID="1" presetClass="exit" presetSubtype="0" fill="hold" grpId="1" nodeType="withEffect">
                                   <p:stCondLst>
                                     <p:cond delay="0"/>
                                   </p:stCondLst>
                                   <p:childTnLst>
                                     <p:set>
                                       <p:cBhvr>
-                                        <p:cTn id="66" dur="1" fill="hold">
+                                        <p:cTn id="69" dur="1" fill="hold">
                                           <p:stCondLst>
                                             <p:cond delay="0"/>
                                           </p:stCondLst>
@@ -13393,14 +16974,14 @@
                                 </p:cTn>
                               </p:par>
                               <p:par>
-                                <p:cTn id="67" presetID="1" presetClass="exit" presetSubtype="0" fill="hold" grpId="1" nodeType="withEffect">
+                                <p:cTn id="70" presetID="1" presetClass="exit" presetSubtype="0" fill="hold" grpId="1" nodeType="withEffect">
                                   <p:stCondLst>
                                     <p:cond delay="0"/>
                                   </p:stCondLst>
                                   <p:childTnLst>
                                     <p:set>
                                       <p:cBhvr>
-                                        <p:cTn id="68" dur="1" fill="hold">
+                                        <p:cTn id="71" dur="1" fill="hold">
                                           <p:stCondLst>
                                             <p:cond delay="0"/>
                                           </p:stCondLst>
@@ -13420,14 +17001,14 @@
                                 </p:cTn>
                               </p:par>
                               <p:par>
-                                <p:cTn id="69" presetID="1" presetClass="exit" presetSubtype="0" fill="hold" grpId="1" nodeType="withEffect">
+                                <p:cTn id="72" presetID="1" presetClass="exit" presetSubtype="0" fill="hold" grpId="1" nodeType="withEffect">
                                   <p:stCondLst>
                                     <p:cond delay="0"/>
                                   </p:stCondLst>
                                   <p:childTnLst>
                                     <p:set>
                                       <p:cBhvr>
-                                        <p:cTn id="70" dur="1" fill="hold">
+                                        <p:cTn id="73" dur="1" fill="hold">
                                           <p:stCondLst>
                                             <p:cond delay="0"/>
                                           </p:stCondLst>
@@ -13450,20 +17031,20 @@
                           </p:cTn>
                         </p:par>
                         <p:par>
-                          <p:cTn id="71" fill="hold">
+                          <p:cTn id="74" fill="hold">
                             <p:stCondLst>
                               <p:cond delay="0"/>
                             </p:stCondLst>
                             <p:childTnLst>
                               <p:par>
-                                <p:cTn id="72" presetID="3" presetClass="entr" presetSubtype="10" fill="hold" nodeType="afterEffect">
+                                <p:cTn id="75" presetID="3" presetClass="entr" presetSubtype="10" fill="hold" nodeType="afterEffect">
                                   <p:stCondLst>
                                     <p:cond delay="500"/>
                                   </p:stCondLst>
                                   <p:childTnLst>
                                     <p:set>
                                       <p:cBhvr>
-                                        <p:cTn id="73" dur="1" fill="hold">
+                                        <p:cTn id="76" dur="1" fill="hold">
                                           <p:stCondLst>
                                             <p:cond delay="0"/>
                                           </p:stCondLst>
@@ -13481,7 +17062,7 @@
                                     </p:set>
                                     <p:animEffect transition="in" filter="blinds(horizontal)">
                                       <p:cBhvr>
-                                        <p:cTn id="74" dur="1000"/>
+                                        <p:cTn id="77" dur="1000"/>
                                         <p:tgtEl>
                                           <p:spTgt spid="28"/>
                                         </p:tgtEl>
@@ -13491,14 +17072,14 @@
                                 </p:cTn>
                               </p:par>
                               <p:par>
-                                <p:cTn id="75" presetID="53" presetClass="entr" presetSubtype="0" fill="hold" grpId="0" nodeType="withEffect">
+                                <p:cTn id="78" presetID="53" presetClass="entr" presetSubtype="0" fill="hold" grpId="0" nodeType="withEffect">
                                   <p:stCondLst>
                                     <p:cond delay="0"/>
                                   </p:stCondLst>
                                   <p:childTnLst>
                                     <p:set>
                                       <p:cBhvr>
-                                        <p:cTn id="76" dur="1" fill="hold">
+                                        <p:cTn id="79" dur="1" fill="hold">
                                           <p:stCondLst>
                                             <p:cond delay="0"/>
                                           </p:stCondLst>
@@ -13516,7 +17097,7 @@
                                     </p:set>
                                     <p:anim calcmode="lin" valueType="num">
                                       <p:cBhvr>
-                                        <p:cTn id="77" dur="500" fill="hold"/>
+                                        <p:cTn id="80" dur="500" fill="hold"/>
                                         <p:tgtEl>
                                           <p:spTgt spid="29"/>
                                         </p:tgtEl>
@@ -13539,7 +17120,7 @@
                                     </p:anim>
                                     <p:anim calcmode="lin" valueType="num">
                                       <p:cBhvr>
-                                        <p:cTn id="78" dur="500" fill="hold"/>
+                                        <p:cTn id="81" dur="500" fill="hold"/>
                                         <p:tgtEl>
                                           <p:spTgt spid="29"/>
                                         </p:tgtEl>
@@ -13562,7 +17143,7 @@
                                     </p:anim>
                                     <p:animEffect transition="in" filter="fade">
                                       <p:cBhvr>
-                                        <p:cTn id="79" dur="500"/>
+                                        <p:cTn id="82" dur="500"/>
                                         <p:tgtEl>
                                           <p:spTgt spid="29"/>
                                         </p:tgtEl>
@@ -13578,26 +17159,26 @@
                     </p:cTn>
                   </p:par>
                   <p:par>
-                    <p:cTn id="80" fill="hold">
+                    <p:cTn id="83" fill="hold">
                       <p:stCondLst>
                         <p:cond delay="indefinite"/>
                       </p:stCondLst>
                       <p:childTnLst>
                         <p:par>
-                          <p:cTn id="81" fill="hold">
+                          <p:cTn id="84" fill="hold">
                             <p:stCondLst>
                               <p:cond delay="0"/>
                             </p:stCondLst>
                             <p:childTnLst>
                               <p:par>
-                                <p:cTn id="82" presetID="1" presetClass="entr" presetSubtype="0" fill="hold" grpId="0" nodeType="clickEffect">
+                                <p:cTn id="85" presetID="1" presetClass="entr" presetSubtype="0" fill="hold" grpId="0" nodeType="clickEffect">
                                   <p:stCondLst>
                                     <p:cond delay="0"/>
                                   </p:stCondLst>
                                   <p:childTnLst>
                                     <p:set>
                                       <p:cBhvr>
-                                        <p:cTn id="83" dur="1" fill="hold">
+                                        <p:cTn id="86" dur="1" fill="hold">
                                           <p:stCondLst>
                                             <p:cond delay="0"/>
                                           </p:stCondLst>
@@ -13616,33 +17197,15 @@
                                   </p:childTnLst>
                                 </p:cTn>
                               </p:par>
-                            </p:childTnLst>
-                          </p:cTn>
-                        </p:par>
-                      </p:childTnLst>
-                    </p:cTn>
-                  </p:par>
-                  <p:par>
-                    <p:cTn id="84" fill="hold">
-                      <p:stCondLst>
-                        <p:cond delay="indefinite"/>
-                      </p:stCondLst>
-                      <p:childTnLst>
-                        <p:par>
-                          <p:cTn id="85" fill="hold">
-                            <p:stCondLst>
-                              <p:cond delay="0"/>
-                            </p:stCondLst>
-                            <p:childTnLst>
                               <p:par>
-                                <p:cTn id="86" presetID="1" presetClass="entr" presetSubtype="0" fill="hold" grpId="0" nodeType="clickEffect">
+                                <p:cTn id="87" presetID="1" presetClass="entr" presetSubtype="0" fill="hold" grpId="0" nodeType="withEffect">
                                   <p:stCondLst>
                                     <p:cond delay="0"/>
                                   </p:stCondLst>
                                   <p:childTnLst>
                                     <p:set>
                                       <p:cBhvr>
-                                        <p:cTn id="87" dur="1" fill="hold">
+                                        <p:cTn id="88" dur="1" fill="hold">
                                           <p:stCondLst>
                                             <p:cond delay="0"/>
                                           </p:stCondLst>
@@ -13668,26 +17231,26 @@
                     </p:cTn>
                   </p:par>
                   <p:par>
-                    <p:cTn id="88" fill="hold">
+                    <p:cTn id="89" fill="hold">
                       <p:stCondLst>
                         <p:cond delay="indefinite"/>
                       </p:stCondLst>
                       <p:childTnLst>
                         <p:par>
-                          <p:cTn id="89" fill="hold">
+                          <p:cTn id="90" fill="hold">
                             <p:stCondLst>
                               <p:cond delay="0"/>
                             </p:stCondLst>
                             <p:childTnLst>
                               <p:par>
-                                <p:cTn id="90" presetID="1" presetClass="entr" presetSubtype="0" fill="hold" grpId="0" nodeType="clickEffect">
+                                <p:cTn id="91" presetID="1" presetClass="entr" presetSubtype="0" fill="hold" grpId="0" nodeType="clickEffect">
                                   <p:stCondLst>
                                     <p:cond delay="0"/>
                                   </p:stCondLst>
                                   <p:childTnLst>
                                     <p:set>
                                       <p:cBhvr>
-                                        <p:cTn id="91" dur="1" fill="hold">
+                                        <p:cTn id="92" dur="1" fill="hold">
                                           <p:stCondLst>
                                             <p:cond delay="0"/>
                                           </p:stCondLst>
@@ -13706,33 +17269,15 @@
                                   </p:childTnLst>
                                 </p:cTn>
                               </p:par>
-                            </p:childTnLst>
-                          </p:cTn>
-                        </p:par>
-                      </p:childTnLst>
-                    </p:cTn>
-                  </p:par>
-                  <p:par>
-                    <p:cTn id="92" fill="hold">
-                      <p:stCondLst>
-                        <p:cond delay="indefinite"/>
-                      </p:stCondLst>
-                      <p:childTnLst>
-                        <p:par>
-                          <p:cTn id="93" fill="hold">
-                            <p:stCondLst>
-                              <p:cond delay="0"/>
-                            </p:stCondLst>
-                            <p:childTnLst>
                               <p:par>
-                                <p:cTn id="94" presetID="1" presetClass="entr" presetSubtype="0" fill="hold" grpId="0" nodeType="clickEffect">
+                                <p:cTn id="93" presetID="1" presetClass="entr" presetSubtype="0" fill="hold" grpId="0" nodeType="withEffect">
                                   <p:stCondLst>
                                     <p:cond delay="0"/>
                                   </p:stCondLst>
                                   <p:childTnLst>
                                     <p:set>
                                       <p:cBhvr>
-                                        <p:cTn id="95" dur="1" fill="hold">
+                                        <p:cTn id="94" dur="1" fill="hold">
                                           <p:stCondLst>
                                             <p:cond delay="0"/>
                                           </p:stCondLst>
@@ -13838,70 +17383,79 @@
           <a:lstStyle/>
           <a:p>
             <a:r>
-              <a:rPr lang="es-AR" dirty="0" smtClean="0"/>
+              <a:rPr lang="es-AR" smtClean="0"/>
               <a:t>INYECCIÓN: Manual</a:t>
             </a:r>
             <a:endParaRPr lang="es-AR" dirty="0"/>
           </a:p>
         </p:txBody>
       </p:sp>
-      <p:sp>
-        <p:nvSpPr>
-          <p:cNvPr id="4" name="3 Marcador de contenido"/>
-          <p:cNvSpPr>
-            <a:spLocks noGrp="1"/>
-          </p:cNvSpPr>
+      <p:graphicFrame>
+        <p:nvGraphicFramePr>
+          <p:cNvPr id="16" name="15 Marcador de contenido"/>
+          <p:cNvGraphicFramePr>
+            <a:graphicFrameLocks noGrp="1"/>
+          </p:cNvGraphicFramePr>
+          <p:nvPr>
+            <p:ph sz="half" idx="1"/>
+          </p:nvPr>
+        </p:nvGraphicFramePr>
+        <p:xfrm>
+          <a:off x="457200" y="1600200"/>
+          <a:ext cx="4081463" cy="4925144"/>
+        </p:xfrm>
+        <a:graphic>
+          <a:graphicData uri="http://schemas.openxmlformats.org/drawingml/2006/diagram">
+            <dgm:relIds xmlns:dgm="http://schemas.openxmlformats.org/drawingml/2006/diagram" xmlns:r="http://schemas.openxmlformats.org/officeDocument/2006/relationships" r:dm="rId2" r:lo="rId3" r:qs="rId4" r:cs="rId5"/>
+          </a:graphicData>
+        </a:graphic>
+      </p:graphicFrame>
+      <p:pic>
+        <p:nvPicPr>
+          <p:cNvPr id="14" name="13 Marcador de contenido" descr="inyeccion_manual_2.png"/>
+          <p:cNvPicPr>
+            <a:picLocks noGrp="1" noChangeAspect="1"/>
+          </p:cNvPicPr>
+          <p:nvPr>
+            <p:ph sz="half" idx="2"/>
+          </p:nvPr>
+        </p:nvPicPr>
+        <p:blipFill>
+          <a:blip r:embed="rId7" cstate="print"/>
+          <a:stretch>
+            <a:fillRect/>
+          </a:stretch>
+        </p:blipFill>
+        <p:spPr>
+          <a:xfrm>
+            <a:off x="5004048" y="3573016"/>
+            <a:ext cx="3672408" cy="3116316"/>
+          </a:xfrm>
+        </p:spPr>
+      </p:pic>
+      <p:pic>
+        <p:nvPicPr>
+          <p:cNvPr id="13" name="12 Marcador de contenido" descr="inyeccion_manual.png"/>
+          <p:cNvPicPr>
+            <a:picLocks noGrp="1" noChangeAspect="1"/>
+          </p:cNvPicPr>
           <p:nvPr>
             <p:ph sz="half" idx="13"/>
           </p:nvPr>
-        </p:nvSpPr>
-        <p:spPr/>
-        <p:txBody>
-          <a:bodyPr/>
-          <a:lstStyle/>
-          <a:p>
-            <a:endParaRPr lang="es-AR"/>
-          </a:p>
-        </p:txBody>
-      </p:sp>
-      <p:sp>
-        <p:nvSpPr>
-          <p:cNvPr id="5" name="4 Marcador de contenido"/>
-          <p:cNvSpPr>
-            <a:spLocks noGrp="1"/>
-          </p:cNvSpPr>
-          <p:nvPr>
-            <p:ph sz="half" idx="14"/>
-          </p:nvPr>
-        </p:nvSpPr>
-        <p:spPr/>
-        <p:txBody>
-          <a:bodyPr/>
-          <a:lstStyle/>
-          <a:p>
-            <a:endParaRPr lang="es-AR"/>
-          </a:p>
-        </p:txBody>
-      </p:sp>
-      <p:sp>
-        <p:nvSpPr>
-          <p:cNvPr id="7" name="6 Marcador de contenido"/>
-          <p:cNvSpPr>
-            <a:spLocks noGrp="1"/>
-          </p:cNvSpPr>
-          <p:nvPr>
-            <p:ph sz="half" idx="1"/>
-          </p:nvPr>
-        </p:nvSpPr>
-        <p:spPr/>
-        <p:txBody>
-          <a:bodyPr/>
-          <a:lstStyle/>
-          <a:p>
-            <a:endParaRPr lang="es-AR"/>
-          </a:p>
-        </p:txBody>
-      </p:sp>
+        </p:nvPicPr>
+        <p:blipFill>
+          <a:blip r:embed="rId8" cstate="print"/>
+          <a:stretch>
+            <a:fillRect/>
+          </a:stretch>
+        </p:blipFill>
+        <p:spPr>
+          <a:xfrm>
+            <a:off x="4788024" y="1988840"/>
+            <a:ext cx="4043362" cy="1245356"/>
+          </a:xfrm>
+        </p:spPr>
+      </p:pic>
     </p:spTree>
   </p:cSld>
   <p:clrMapOvr>
@@ -13918,6 +17472,603 @@
 </file>
 
 <file path=ppt/slides/slide15.xml><?xml version="1.0" encoding="utf-8"?>
+<p:sld xmlns:a="http://schemas.openxmlformats.org/drawingml/2006/main" xmlns:r="http://schemas.openxmlformats.org/officeDocument/2006/relationships" xmlns:p="http://schemas.openxmlformats.org/presentationml/2006/main">
+  <p:cSld>
+    <p:spTree>
+      <p:nvGrpSpPr>
+        <p:cNvPr id="1" name=""/>
+        <p:cNvGrpSpPr/>
+        <p:nvPr/>
+      </p:nvGrpSpPr>
+      <p:grpSpPr>
+        <a:xfrm>
+          <a:off x="0" y="0"/>
+          <a:ext cx="0" cy="0"/>
+          <a:chOff x="0" y="0"/>
+          <a:chExt cx="0" cy="0"/>
+        </a:xfrm>
+      </p:grpSpPr>
+      <p:sp>
+        <p:nvSpPr>
+          <p:cNvPr id="2" name="1 Título"/>
+          <p:cNvSpPr>
+            <a:spLocks noGrp="1"/>
+          </p:cNvSpPr>
+          <p:nvPr>
+            <p:ph type="title"/>
+          </p:nvPr>
+        </p:nvSpPr>
+        <p:spPr/>
+        <p:txBody>
+          <a:bodyPr/>
+          <a:lstStyle/>
+          <a:p>
+            <a:r>
+              <a:rPr lang="es-AR" dirty="0" smtClean="0"/>
+              <a:t>INYECCIÓN: Manual (cont.)</a:t>
+            </a:r>
+            <a:endParaRPr lang="es-AR" dirty="0"/>
+          </a:p>
+        </p:txBody>
+      </p:sp>
+      <p:sp>
+        <p:nvSpPr>
+          <p:cNvPr id="12" name="11 Marcador de contenido"/>
+          <p:cNvSpPr>
+            <a:spLocks noGrp="1"/>
+          </p:cNvSpPr>
+          <p:nvPr>
+            <p:ph sz="half" idx="1"/>
+          </p:nvPr>
+        </p:nvSpPr>
+        <p:spPr>
+          <a:xfrm>
+            <a:off x="457199" y="1816225"/>
+            <a:ext cx="4080933" cy="2215443"/>
+          </a:xfrm>
+        </p:spPr>
+        <p:txBody>
+          <a:bodyPr/>
+          <a:lstStyle/>
+          <a:p>
+            <a:r>
+              <a:rPr lang="es-AR" dirty="0" err="1" smtClean="0"/>
+              <a:t>Vref</a:t>
+            </a:r>
+            <a:r>
+              <a:rPr lang="es-AR" dirty="0" smtClean="0"/>
+              <a:t>:</a:t>
+            </a:r>
+            <a:r>
+              <a:rPr lang="es-AR" dirty="0" smtClean="0"/>
+              <a:t> 1V</a:t>
+            </a:r>
+          </a:p>
+          <a:p>
+            <a:r>
+              <a:rPr lang="es-AR" dirty="0" smtClean="0"/>
+              <a:t>Falla: Exponencial</a:t>
+            </a:r>
+          </a:p>
+          <a:p>
+            <a:r>
+              <a:rPr lang="es-AR" dirty="0" smtClean="0"/>
+              <a:t>Nodo: NDOUT</a:t>
+            </a:r>
+            <a:endParaRPr lang="es-AR" dirty="0"/>
+          </a:p>
+        </p:txBody>
+      </p:sp>
+      <p:pic>
+        <p:nvPicPr>
+          <p:cNvPr id="1026" name="Picture 2"/>
+          <p:cNvPicPr>
+            <a:picLocks noGrp="1" noChangeAspect="1" noChangeArrowheads="1"/>
+          </p:cNvPicPr>
+          <p:nvPr>
+            <p:ph sz="half" idx="2"/>
+          </p:nvPr>
+        </p:nvPicPr>
+        <p:blipFill>
+          <a:blip r:embed="rId2" cstate="print"/>
+          <a:srcRect/>
+          <a:stretch>
+            <a:fillRect/>
+          </a:stretch>
+        </p:blipFill>
+        <p:spPr bwMode="auto">
+          <a:xfrm>
+            <a:off x="4644008" y="1628801"/>
+            <a:ext cx="4032448" cy="2160240"/>
+          </a:xfrm>
+          <a:prstGeom prst="rect">
+            <a:avLst/>
+          </a:prstGeom>
+          <a:noFill/>
+          <a:ln w="9525">
+            <a:noFill/>
+            <a:miter lim="800000"/>
+            <a:headEnd/>
+            <a:tailEnd/>
+          </a:ln>
+        </p:spPr>
+      </p:pic>
+      <p:pic>
+        <p:nvPicPr>
+          <p:cNvPr id="1027" name="Picture 3"/>
+          <p:cNvPicPr>
+            <a:picLocks noGrp="1" noChangeAspect="1" noChangeArrowheads="1"/>
+          </p:cNvPicPr>
+          <p:nvPr>
+            <p:ph sz="half" idx="14"/>
+          </p:nvPr>
+        </p:nvPicPr>
+        <p:blipFill>
+          <a:blip r:embed="rId3" cstate="print"/>
+          <a:srcRect/>
+          <a:stretch>
+            <a:fillRect/>
+          </a:stretch>
+        </p:blipFill>
+        <p:spPr bwMode="auto">
+          <a:xfrm>
+            <a:off x="323528" y="3933056"/>
+            <a:ext cx="3960440" cy="2664296"/>
+          </a:xfrm>
+          <a:prstGeom prst="rect">
+            <a:avLst/>
+          </a:prstGeom>
+          <a:noFill/>
+          <a:ln w="9525">
+            <a:noFill/>
+            <a:miter lim="800000"/>
+            <a:headEnd/>
+            <a:tailEnd/>
+          </a:ln>
+        </p:spPr>
+      </p:pic>
+      <p:pic>
+        <p:nvPicPr>
+          <p:cNvPr id="1028" name="Picture 4"/>
+          <p:cNvPicPr>
+            <a:picLocks noGrp="1" noChangeAspect="1" noChangeArrowheads="1"/>
+          </p:cNvPicPr>
+          <p:nvPr>
+            <p:ph sz="half" idx="13"/>
+          </p:nvPr>
+        </p:nvPicPr>
+        <p:blipFill>
+          <a:blip r:embed="rId4" cstate="print"/>
+          <a:srcRect/>
+          <a:stretch>
+            <a:fillRect/>
+          </a:stretch>
+        </p:blipFill>
+        <p:spPr bwMode="auto">
+          <a:xfrm>
+            <a:off x="4644008" y="3933056"/>
+            <a:ext cx="4104456" cy="2674456"/>
+          </a:xfrm>
+          <a:prstGeom prst="rect">
+            <a:avLst/>
+          </a:prstGeom>
+          <a:noFill/>
+          <a:ln w="9525">
+            <a:noFill/>
+            <a:miter lim="800000"/>
+            <a:headEnd/>
+            <a:tailEnd/>
+          </a:ln>
+        </p:spPr>
+      </p:pic>
+    </p:spTree>
+  </p:cSld>
+  <p:clrMapOvr>
+    <a:masterClrMapping/>
+  </p:clrMapOvr>
+  <p:timing>
+    <p:tnLst>
+      <p:par>
+        <p:cTn id="1" dur="indefinite" restart="never" nodeType="tmRoot"/>
+      </p:par>
+    </p:tnLst>
+  </p:timing>
+</p:sld>
+</file>
+
+<file path=ppt/slides/slide16.xml><?xml version="1.0" encoding="utf-8"?>
+<p:sld xmlns:a="http://schemas.openxmlformats.org/drawingml/2006/main" xmlns:r="http://schemas.openxmlformats.org/officeDocument/2006/relationships" xmlns:p="http://schemas.openxmlformats.org/presentationml/2006/main">
+  <p:cSld>
+    <p:spTree>
+      <p:nvGrpSpPr>
+        <p:cNvPr id="1" name=""/>
+        <p:cNvGrpSpPr/>
+        <p:nvPr/>
+      </p:nvGrpSpPr>
+      <p:grpSpPr>
+        <a:xfrm>
+          <a:off x="0" y="0"/>
+          <a:ext cx="0" cy="0"/>
+          <a:chOff x="0" y="0"/>
+          <a:chExt cx="0" cy="0"/>
+        </a:xfrm>
+      </p:grpSpPr>
+      <p:sp>
+        <p:nvSpPr>
+          <p:cNvPr id="2" name="1 Título"/>
+          <p:cNvSpPr>
+            <a:spLocks noGrp="1"/>
+          </p:cNvSpPr>
+          <p:nvPr>
+            <p:ph type="title"/>
+          </p:nvPr>
+        </p:nvSpPr>
+        <p:spPr/>
+        <p:txBody>
+          <a:bodyPr/>
+          <a:lstStyle/>
+          <a:p>
+            <a:r>
+              <a:rPr lang="es-AR" dirty="0" smtClean="0"/>
+              <a:t>INYECCIÓN: Manual (cont.)</a:t>
+            </a:r>
+            <a:endParaRPr lang="es-AR" dirty="0"/>
+          </a:p>
+        </p:txBody>
+      </p:sp>
+      <p:sp>
+        <p:nvSpPr>
+          <p:cNvPr id="12" name="11 Marcador de contenido"/>
+          <p:cNvSpPr>
+            <a:spLocks noGrp="1"/>
+          </p:cNvSpPr>
+          <p:nvPr>
+            <p:ph sz="half" idx="1"/>
+          </p:nvPr>
+        </p:nvSpPr>
+        <p:spPr>
+          <a:xfrm>
+            <a:off x="457199" y="1816225"/>
+            <a:ext cx="4080933" cy="2215443"/>
+          </a:xfrm>
+        </p:spPr>
+        <p:txBody>
+          <a:bodyPr/>
+          <a:lstStyle/>
+          <a:p>
+            <a:r>
+              <a:rPr lang="es-AR" dirty="0" err="1" smtClean="0"/>
+              <a:t>Vref</a:t>
+            </a:r>
+            <a:r>
+              <a:rPr lang="es-AR" dirty="0" smtClean="0"/>
+              <a:t>:</a:t>
+            </a:r>
+            <a:r>
+              <a:rPr lang="es-AR" dirty="0" smtClean="0"/>
+              <a:t> 1.315V</a:t>
+            </a:r>
+          </a:p>
+          <a:p>
+            <a:r>
+              <a:rPr lang="es-AR" dirty="0" smtClean="0"/>
+              <a:t>Falla: Exponencial</a:t>
+            </a:r>
+          </a:p>
+          <a:p>
+            <a:r>
+              <a:rPr lang="es-AR" dirty="0" smtClean="0"/>
+              <a:t>Nodo: NDOUT</a:t>
+            </a:r>
+            <a:endParaRPr lang="es-AR" dirty="0"/>
+          </a:p>
+        </p:txBody>
+      </p:sp>
+      <p:pic>
+        <p:nvPicPr>
+          <p:cNvPr id="2050" name="Picture 2"/>
+          <p:cNvPicPr>
+            <a:picLocks noGrp="1" noChangeAspect="1" noChangeArrowheads="1"/>
+          </p:cNvPicPr>
+          <p:nvPr>
+            <p:ph sz="half" idx="14"/>
+          </p:nvPr>
+        </p:nvPicPr>
+        <p:blipFill>
+          <a:blip r:embed="rId2" cstate="print"/>
+          <a:srcRect/>
+          <a:stretch>
+            <a:fillRect/>
+          </a:stretch>
+        </p:blipFill>
+        <p:spPr bwMode="auto">
+          <a:xfrm>
+            <a:off x="323528" y="3933825"/>
+            <a:ext cx="3960440" cy="2663527"/>
+          </a:xfrm>
+          <a:prstGeom prst="rect">
+            <a:avLst/>
+          </a:prstGeom>
+          <a:noFill/>
+          <a:ln w="9525">
+            <a:noFill/>
+            <a:miter lim="800000"/>
+            <a:headEnd/>
+            <a:tailEnd/>
+          </a:ln>
+        </p:spPr>
+      </p:pic>
+      <p:pic>
+        <p:nvPicPr>
+          <p:cNvPr id="2052" name="Picture 4" descr="C:\Users\FACUND~1\AppData\Local\Temp\msohtmlclip1\01\clip_image001.png"/>
+          <p:cNvPicPr>
+            <a:picLocks noGrp="1" noChangeAspect="1" noChangeArrowheads="1"/>
+          </p:cNvPicPr>
+          <p:nvPr>
+            <p:ph sz="half" idx="13"/>
+          </p:nvPr>
+        </p:nvPicPr>
+        <p:blipFill>
+          <a:blip r:embed="rId3" cstate="print"/>
+          <a:srcRect/>
+          <a:stretch>
+            <a:fillRect/>
+          </a:stretch>
+        </p:blipFill>
+        <p:spPr bwMode="auto">
+          <a:xfrm>
+            <a:off x="4644008" y="3933056"/>
+            <a:ext cx="4104456" cy="2669453"/>
+          </a:xfrm>
+          <a:prstGeom prst="rect">
+            <a:avLst/>
+          </a:prstGeom>
+          <a:noFill/>
+        </p:spPr>
+      </p:pic>
+      <p:pic>
+        <p:nvPicPr>
+          <p:cNvPr id="2054" name="Picture 6" descr="C:\Users\FACUND~1\AppData\Local\Temp\msohtmlclip1\01\clip_image001.png"/>
+          <p:cNvPicPr>
+            <a:picLocks noGrp="1" noChangeAspect="1" noChangeArrowheads="1"/>
+          </p:cNvPicPr>
+          <p:nvPr>
+            <p:ph sz="half" idx="2"/>
+          </p:nvPr>
+        </p:nvPicPr>
+        <p:blipFill>
+          <a:blip r:embed="rId4" cstate="print"/>
+          <a:srcRect/>
+          <a:stretch>
+            <a:fillRect/>
+          </a:stretch>
+        </p:blipFill>
+        <p:spPr bwMode="auto">
+          <a:xfrm>
+            <a:off x="4644008" y="1628801"/>
+            <a:ext cx="4089436" cy="2160239"/>
+          </a:xfrm>
+          <a:prstGeom prst="rect">
+            <a:avLst/>
+          </a:prstGeom>
+          <a:noFill/>
+        </p:spPr>
+      </p:pic>
+    </p:spTree>
+  </p:cSld>
+  <p:clrMapOvr>
+    <a:masterClrMapping/>
+  </p:clrMapOvr>
+  <p:timing>
+    <p:tnLst>
+      <p:par>
+        <p:cTn id="1" dur="indefinite" restart="never" nodeType="tmRoot"/>
+      </p:par>
+    </p:tnLst>
+  </p:timing>
+</p:sld>
+</file>
+
+<file path=ppt/slides/slide17.xml><?xml version="1.0" encoding="utf-8"?>
+<p:sld xmlns:a="http://schemas.openxmlformats.org/drawingml/2006/main" xmlns:r="http://schemas.openxmlformats.org/officeDocument/2006/relationships" xmlns:p="http://schemas.openxmlformats.org/presentationml/2006/main">
+  <p:cSld>
+    <p:spTree>
+      <p:nvGrpSpPr>
+        <p:cNvPr id="1" name=""/>
+        <p:cNvGrpSpPr/>
+        <p:nvPr/>
+      </p:nvGrpSpPr>
+      <p:grpSpPr>
+        <a:xfrm>
+          <a:off x="0" y="0"/>
+          <a:ext cx="0" cy="0"/>
+          <a:chOff x="0" y="0"/>
+          <a:chExt cx="0" cy="0"/>
+        </a:xfrm>
+      </p:grpSpPr>
+      <p:sp>
+        <p:nvSpPr>
+          <p:cNvPr id="2" name="1 Título"/>
+          <p:cNvSpPr>
+            <a:spLocks noGrp="1"/>
+          </p:cNvSpPr>
+          <p:nvPr>
+            <p:ph type="title"/>
+          </p:nvPr>
+        </p:nvSpPr>
+        <p:spPr/>
+        <p:txBody>
+          <a:bodyPr/>
+          <a:lstStyle/>
+          <a:p>
+            <a:r>
+              <a:rPr lang="es-AR" dirty="0" smtClean="0"/>
+              <a:t>INYECCIÓN: Manual (cont.)</a:t>
+            </a:r>
+            <a:endParaRPr lang="es-AR" dirty="0"/>
+          </a:p>
+        </p:txBody>
+      </p:sp>
+      <p:sp>
+        <p:nvSpPr>
+          <p:cNvPr id="12" name="11 Marcador de contenido"/>
+          <p:cNvSpPr>
+            <a:spLocks noGrp="1"/>
+          </p:cNvSpPr>
+          <p:nvPr>
+            <p:ph sz="half" idx="1"/>
+          </p:nvPr>
+        </p:nvSpPr>
+        <p:spPr>
+          <a:xfrm>
+            <a:off x="457199" y="1816225"/>
+            <a:ext cx="4080933" cy="2215443"/>
+          </a:xfrm>
+        </p:spPr>
+        <p:txBody>
+          <a:bodyPr/>
+          <a:lstStyle/>
+          <a:p>
+            <a:r>
+              <a:rPr lang="es-AR" dirty="0" err="1" smtClean="0"/>
+              <a:t>Vref</a:t>
+            </a:r>
+            <a:r>
+              <a:rPr lang="es-AR" dirty="0" smtClean="0"/>
+              <a:t>:</a:t>
+            </a:r>
+            <a:r>
+              <a:rPr lang="es-AR" dirty="0" smtClean="0"/>
+              <a:t> 1.625V</a:t>
+            </a:r>
+          </a:p>
+          <a:p>
+            <a:r>
+              <a:rPr lang="es-AR" dirty="0" smtClean="0"/>
+              <a:t>Falla: Exponencial</a:t>
+            </a:r>
+          </a:p>
+          <a:p>
+            <a:r>
+              <a:rPr lang="es-AR" dirty="0" smtClean="0"/>
+              <a:t>Nodo: NDOUT</a:t>
+            </a:r>
+            <a:endParaRPr lang="es-AR" dirty="0"/>
+          </a:p>
+        </p:txBody>
+      </p:sp>
+      <p:pic>
+        <p:nvPicPr>
+          <p:cNvPr id="2052" name="Picture 4" descr="C:\Users\FACUND~1\AppData\Local\Temp\msohtmlclip1\01\clip_image001.png"/>
+          <p:cNvPicPr>
+            <a:picLocks noGrp="1" noChangeAspect="1" noChangeArrowheads="1"/>
+          </p:cNvPicPr>
+          <p:nvPr>
+            <p:ph sz="half" idx="13"/>
+          </p:nvPr>
+        </p:nvPicPr>
+        <p:blipFill>
+          <a:blip r:embed="rId2" cstate="print"/>
+          <a:srcRect/>
+          <a:stretch>
+            <a:fillRect/>
+          </a:stretch>
+        </p:blipFill>
+        <p:spPr bwMode="auto">
+          <a:xfrm>
+            <a:off x="4644008" y="3933056"/>
+            <a:ext cx="4104456" cy="2669453"/>
+          </a:xfrm>
+          <a:prstGeom prst="rect">
+            <a:avLst/>
+          </a:prstGeom>
+          <a:noFill/>
+        </p:spPr>
+      </p:pic>
+      <p:pic>
+        <p:nvPicPr>
+          <p:cNvPr id="43010" name="Picture 2"/>
+          <p:cNvPicPr>
+            <a:picLocks noGrp="1" noChangeAspect="1" noChangeArrowheads="1"/>
+          </p:cNvPicPr>
+          <p:nvPr>
+            <p:ph sz="half" idx="2"/>
+          </p:nvPr>
+        </p:nvPicPr>
+        <p:blipFill>
+          <a:blip r:embed="rId3" cstate="print"/>
+          <a:srcRect/>
+          <a:stretch>
+            <a:fillRect/>
+          </a:stretch>
+        </p:blipFill>
+        <p:spPr bwMode="auto">
+          <a:xfrm>
+            <a:off x="4644008" y="1628775"/>
+            <a:ext cx="4104455" cy="2160588"/>
+          </a:xfrm>
+          <a:prstGeom prst="rect">
+            <a:avLst/>
+          </a:prstGeom>
+          <a:noFill/>
+          <a:ln w="9525">
+            <a:noFill/>
+            <a:miter lim="800000"/>
+            <a:headEnd/>
+            <a:tailEnd/>
+          </a:ln>
+        </p:spPr>
+      </p:pic>
+      <p:pic>
+        <p:nvPicPr>
+          <p:cNvPr id="43011" name="Picture 3"/>
+          <p:cNvPicPr>
+            <a:picLocks noGrp="1" noChangeAspect="1" noChangeArrowheads="1"/>
+          </p:cNvPicPr>
+          <p:nvPr>
+            <p:ph sz="half" idx="14"/>
+          </p:nvPr>
+        </p:nvPicPr>
+        <p:blipFill>
+          <a:blip r:embed="rId4" cstate="print"/>
+          <a:srcRect/>
+          <a:stretch>
+            <a:fillRect/>
+          </a:stretch>
+        </p:blipFill>
+        <p:spPr bwMode="auto">
+          <a:xfrm>
+            <a:off x="323528" y="3933825"/>
+            <a:ext cx="3960440" cy="2663825"/>
+          </a:xfrm>
+          <a:prstGeom prst="rect">
+            <a:avLst/>
+          </a:prstGeom>
+          <a:noFill/>
+          <a:ln w="9525">
+            <a:noFill/>
+            <a:miter lim="800000"/>
+            <a:headEnd/>
+            <a:tailEnd/>
+          </a:ln>
+        </p:spPr>
+      </p:pic>
+    </p:spTree>
+  </p:cSld>
+  <p:clrMapOvr>
+    <a:masterClrMapping/>
+  </p:clrMapOvr>
+  <p:timing>
+    <p:tnLst>
+      <p:par>
+        <p:cTn id="1" dur="indefinite" restart="never" nodeType="tmRoot"/>
+      </p:par>
+    </p:tnLst>
+  </p:timing>
+</p:sld>
+</file>
+
+<file path=ppt/slides/slide18.xml><?xml version="1.0" encoding="utf-8"?>
 <p:sld xmlns:a="http://schemas.openxmlformats.org/drawingml/2006/main" xmlns:r="http://schemas.openxmlformats.org/officeDocument/2006/relationships" xmlns:p="http://schemas.openxmlformats.org/presentationml/2006/main">
   <p:cSld>
     <p:spTree>
@@ -14274,16 +18425,8 @@
               <a:t>Evento de Efecto </a:t>
             </a:r>
             <a:r>
-              <a:rPr lang="en-US" i="1" dirty="0" smtClean="0"/>
-              <a:t>U</a:t>
-            </a:r>
-            <a:r>
-              <a:rPr lang="es-AR" i="1" dirty="0" err="1" smtClean="0"/>
-              <a:t>nico</a:t>
-            </a:r>
-            <a:r>
               <a:rPr lang="es-AR" i="1" dirty="0" smtClean="0"/>
-              <a:t> </a:t>
+              <a:t>Único </a:t>
             </a:r>
             <a:r>
               <a:rPr lang="es-AR" i="1" dirty="0"/>
@@ -14969,6 +19112,13 @@
   <p:clrMapOvr>
     <a:masterClrMapping/>
   </p:clrMapOvr>
+  <p:timing>
+    <p:tnLst>
+      <p:par>
+        <p:cTn id="1" dur="indefinite" restart="never" nodeType="tmRoot"/>
+      </p:par>
+    </p:tnLst>
+  </p:timing>
 </p:sld>
 </file>
 

--- a/trunk/Documentation/Documentacion/PRESENTACION_FACU.pptx
+++ b/trunk/Documentation/Documentacion/PRESENTACION_FACU.pptx
@@ -5,30 +5,18 @@
     <p:sldMasterId id="2147483662" r:id="rId1"/>
   </p:sldMasterIdLst>
   <p:notesMasterIdLst>
-    <p:notesMasterId r:id="rId20"/>
+    <p:notesMasterId r:id="rId8"/>
   </p:notesMasterIdLst>
   <p:handoutMasterIdLst>
-    <p:handoutMasterId r:id="rId21"/>
+    <p:handoutMasterId r:id="rId9"/>
   </p:handoutMasterIdLst>
   <p:sldIdLst>
-    <p:sldId id="256" r:id="rId2"/>
-    <p:sldId id="257" r:id="rId3"/>
-    <p:sldId id="258" r:id="rId4"/>
-    <p:sldId id="259" r:id="rId5"/>
-    <p:sldId id="260" r:id="rId6"/>
-    <p:sldId id="261" r:id="rId7"/>
-    <p:sldId id="262" r:id="rId8"/>
-    <p:sldId id="263" r:id="rId9"/>
-    <p:sldId id="264" r:id="rId10"/>
-    <p:sldId id="265" r:id="rId11"/>
-    <p:sldId id="266" r:id="rId12"/>
-    <p:sldId id="267" r:id="rId13"/>
-    <p:sldId id="268" r:id="rId14"/>
-    <p:sldId id="269" r:id="rId15"/>
-    <p:sldId id="271" r:id="rId16"/>
-    <p:sldId id="272" r:id="rId17"/>
-    <p:sldId id="273" r:id="rId18"/>
-    <p:sldId id="270" r:id="rId19"/>
+    <p:sldId id="268" r:id="rId2"/>
+    <p:sldId id="269" r:id="rId3"/>
+    <p:sldId id="271" r:id="rId4"/>
+    <p:sldId id="272" r:id="rId5"/>
+    <p:sldId id="273" r:id="rId6"/>
+    <p:sldId id="270" r:id="rId7"/>
   </p:sldIdLst>
   <p:sldSz cx="9144000" cy="6858000" type="screen4x3"/>
   <p:notesSz cx="6858000" cy="9144000"/>
@@ -1627,769 +1615,6 @@
 <file path=ppt/diagrams/data1.xml><?xml version="1.0" encoding="utf-8"?>
 <dgm:dataModel xmlns:dgm="http://schemas.openxmlformats.org/drawingml/2006/diagram" xmlns:a="http://schemas.openxmlformats.org/drawingml/2006/main">
   <dgm:ptLst>
-    <dgm:pt modelId="{90A3BE77-B47D-4CC3-A02C-EF397079DAB2}" type="doc">
-      <dgm:prSet loTypeId="urn:microsoft.com/office/officeart/2005/8/layout/hierarchy4" loCatId="hierarchy" qsTypeId="urn:microsoft.com/office/officeart/2005/8/quickstyle/simple4" qsCatId="simple" csTypeId="urn:microsoft.com/office/officeart/2005/8/colors/accent1_2" csCatId="accent1" phldr="1"/>
-      <dgm:spPr/>
-      <dgm:t>
-        <a:bodyPr/>
-        <a:lstStyle/>
-        <a:p>
-          <a:endParaRPr lang="es-AR"/>
-        </a:p>
-      </dgm:t>
-    </dgm:pt>
-    <dgm:pt modelId="{5F3697D6-9B8A-4FC8-875A-409E783CBA6C}">
-      <dgm:prSet phldrT="[Texto]"/>
-      <dgm:spPr/>
-      <dgm:t>
-        <a:bodyPr/>
-        <a:lstStyle/>
-        <a:p>
-          <a:r>
-            <a:rPr lang="es-AR" dirty="0"/>
-            <a:t>CONVERSOR FLASH</a:t>
-          </a:r>
-        </a:p>
-      </dgm:t>
-    </dgm:pt>
-    <dgm:pt modelId="{56AD3C1C-E682-4322-A76F-D20B4983137C}" type="parTrans" cxnId="{A7DF1C9A-32FD-48AD-ADE7-24611E04D2F6}">
-      <dgm:prSet/>
-      <dgm:spPr/>
-      <dgm:t>
-        <a:bodyPr/>
-        <a:lstStyle/>
-        <a:p>
-          <a:endParaRPr lang="es-AR"/>
-        </a:p>
-      </dgm:t>
-    </dgm:pt>
-    <dgm:pt modelId="{A68F4CB2-851B-4EDC-BA10-B7B65E8EA7E1}" type="sibTrans" cxnId="{A7DF1C9A-32FD-48AD-ADE7-24611E04D2F6}">
-      <dgm:prSet/>
-      <dgm:spPr/>
-      <dgm:t>
-        <a:bodyPr/>
-        <a:lstStyle/>
-        <a:p>
-          <a:endParaRPr lang="es-AR"/>
-        </a:p>
-      </dgm:t>
-    </dgm:pt>
-    <dgm:pt modelId="{82FC5F13-03F2-42B0-8FC5-91B3F7D20E41}">
-      <dgm:prSet phldrT="[Texto]"/>
-      <dgm:spPr/>
-      <dgm:t>
-        <a:bodyPr/>
-        <a:lstStyle/>
-        <a:p>
-          <a:r>
-            <a:rPr lang="es-AR"/>
-            <a:t>Analógico</a:t>
-          </a:r>
-        </a:p>
-      </dgm:t>
-    </dgm:pt>
-    <dgm:pt modelId="{146CDF79-601C-4526-9AB5-99805A249A0C}" type="parTrans" cxnId="{AF8C70B8-50F8-4A74-AB33-FB89D5FDDC50}">
-      <dgm:prSet/>
-      <dgm:spPr/>
-      <dgm:t>
-        <a:bodyPr/>
-        <a:lstStyle/>
-        <a:p>
-          <a:endParaRPr lang="es-AR"/>
-        </a:p>
-      </dgm:t>
-    </dgm:pt>
-    <dgm:pt modelId="{23DF92AB-531C-4065-8F05-6999A4C59A7F}" type="sibTrans" cxnId="{AF8C70B8-50F8-4A74-AB33-FB89D5FDDC50}">
-      <dgm:prSet/>
-      <dgm:spPr/>
-      <dgm:t>
-        <a:bodyPr/>
-        <a:lstStyle/>
-        <a:p>
-          <a:endParaRPr lang="es-AR"/>
-        </a:p>
-      </dgm:t>
-    </dgm:pt>
-    <dgm:pt modelId="{A3627B82-19BB-42F6-8010-B9F581F2E628}">
-      <dgm:prSet phldrT="[Texto]"/>
-      <dgm:spPr/>
-      <dgm:t>
-        <a:bodyPr/>
-        <a:lstStyle/>
-        <a:p>
-          <a:r>
-            <a:rPr lang="es-AR"/>
-            <a:t>DIVISOR RESISTIVO</a:t>
-          </a:r>
-        </a:p>
-      </dgm:t>
-    </dgm:pt>
-    <dgm:pt modelId="{6BC113EB-BC3A-4EB3-ADBC-7E369FCC53F3}" type="parTrans" cxnId="{A77FC58E-13B0-43FB-8C89-D408DBACA7B5}">
-      <dgm:prSet/>
-      <dgm:spPr/>
-      <dgm:t>
-        <a:bodyPr/>
-        <a:lstStyle/>
-        <a:p>
-          <a:endParaRPr lang="es-AR"/>
-        </a:p>
-      </dgm:t>
-    </dgm:pt>
-    <dgm:pt modelId="{28E37A47-A472-4DEA-84AC-7B26C7DF563F}" type="sibTrans" cxnId="{A77FC58E-13B0-43FB-8C89-D408DBACA7B5}">
-      <dgm:prSet/>
-      <dgm:spPr/>
-      <dgm:t>
-        <a:bodyPr/>
-        <a:lstStyle/>
-        <a:p>
-          <a:endParaRPr lang="es-AR"/>
-        </a:p>
-      </dgm:t>
-    </dgm:pt>
-    <dgm:pt modelId="{9E0F7C39-3632-4F87-8948-7D21FB272B5B}">
-      <dgm:prSet phldrT="[Texto]"/>
-      <dgm:spPr/>
-      <dgm:t>
-        <a:bodyPr/>
-        <a:lstStyle/>
-        <a:p>
-          <a:r>
-            <a:rPr lang="es-AR"/>
-            <a:t>COMPARADOR</a:t>
-          </a:r>
-        </a:p>
-      </dgm:t>
-    </dgm:pt>
-    <dgm:pt modelId="{7BB9BDF5-10C3-4AFB-A740-1ACAB2426CBA}" type="parTrans" cxnId="{E64A3A09-B46E-422A-882D-3B56BBD30B31}">
-      <dgm:prSet/>
-      <dgm:spPr/>
-      <dgm:t>
-        <a:bodyPr/>
-        <a:lstStyle/>
-        <a:p>
-          <a:endParaRPr lang="es-AR"/>
-        </a:p>
-      </dgm:t>
-    </dgm:pt>
-    <dgm:pt modelId="{32CD18BE-E371-4E70-849B-F7BB07C33DB4}" type="sibTrans" cxnId="{E64A3A09-B46E-422A-882D-3B56BBD30B31}">
-      <dgm:prSet/>
-      <dgm:spPr/>
-      <dgm:t>
-        <a:bodyPr/>
-        <a:lstStyle/>
-        <a:p>
-          <a:endParaRPr lang="es-AR"/>
-        </a:p>
-      </dgm:t>
-    </dgm:pt>
-    <dgm:pt modelId="{1AE98F1E-E277-4E7C-B37B-2DD87C237351}">
-      <dgm:prSet phldrT="[Texto]"/>
-      <dgm:spPr/>
-      <dgm:t>
-        <a:bodyPr/>
-        <a:lstStyle/>
-        <a:p>
-          <a:r>
-            <a:rPr lang="es-AR"/>
-            <a:t>DECODIFICADOR</a:t>
-          </a:r>
-        </a:p>
-      </dgm:t>
-    </dgm:pt>
-    <dgm:pt modelId="{6087DDA3-3EE4-4A37-88E0-1B1A5DB6F32A}" type="parTrans" cxnId="{BF59E181-D274-452E-BFE9-AE043F25446A}">
-      <dgm:prSet/>
-      <dgm:spPr/>
-      <dgm:t>
-        <a:bodyPr/>
-        <a:lstStyle/>
-        <a:p>
-          <a:endParaRPr lang="es-AR"/>
-        </a:p>
-      </dgm:t>
-    </dgm:pt>
-    <dgm:pt modelId="{025C4CC2-BEED-4875-A644-3F5157E4C048}" type="sibTrans" cxnId="{BF59E181-D274-452E-BFE9-AE043F25446A}">
-      <dgm:prSet/>
-      <dgm:spPr/>
-      <dgm:t>
-        <a:bodyPr/>
-        <a:lstStyle/>
-        <a:p>
-          <a:endParaRPr lang="es-AR"/>
-        </a:p>
-      </dgm:t>
-    </dgm:pt>
-    <dgm:pt modelId="{C24630A2-AF00-4F3D-8CCD-40A466DD1268}">
-      <dgm:prSet phldrT="[Texto]"/>
-      <dgm:spPr/>
-      <dgm:t>
-        <a:bodyPr/>
-        <a:lstStyle/>
-        <a:p>
-          <a:r>
-            <a:rPr lang="es-AR"/>
-            <a:t>Digital</a:t>
-          </a:r>
-        </a:p>
-      </dgm:t>
-    </dgm:pt>
-    <dgm:pt modelId="{86201C60-7D9F-43FA-921C-29BB372F5F25}" type="parTrans" cxnId="{3F88198C-B42A-4444-98BD-04A7185995A8}">
-      <dgm:prSet/>
-      <dgm:spPr/>
-      <dgm:t>
-        <a:bodyPr/>
-        <a:lstStyle/>
-        <a:p>
-          <a:endParaRPr lang="es-AR"/>
-        </a:p>
-      </dgm:t>
-    </dgm:pt>
-    <dgm:pt modelId="{F28E80F6-41CD-44CF-8B7E-BBF3DAA33845}" type="sibTrans" cxnId="{3F88198C-B42A-4444-98BD-04A7185995A8}">
-      <dgm:prSet/>
-      <dgm:spPr/>
-      <dgm:t>
-        <a:bodyPr/>
-        <a:lstStyle/>
-        <a:p>
-          <a:endParaRPr lang="es-AR"/>
-        </a:p>
-      </dgm:t>
-    </dgm:pt>
-    <dgm:pt modelId="{82005FC4-939D-4ACF-8C2F-E6C9501F71E5}">
-      <dgm:prSet phldrT="[Texto]"/>
-      <dgm:spPr/>
-      <dgm:t>
-        <a:bodyPr/>
-        <a:lstStyle/>
-        <a:p>
-          <a:r>
-            <a:rPr lang="es-AR"/>
-            <a:t>NEGADOR</a:t>
-          </a:r>
-        </a:p>
-      </dgm:t>
-    </dgm:pt>
-    <dgm:pt modelId="{51768AA2-CC1B-4302-9F5A-E6B43554C8D3}" type="parTrans" cxnId="{CCA872C4-41F8-48D5-A3CB-DEB651A4CDBB}">
-      <dgm:prSet/>
-      <dgm:spPr/>
-      <dgm:t>
-        <a:bodyPr/>
-        <a:lstStyle/>
-        <a:p>
-          <a:endParaRPr lang="es-AR"/>
-        </a:p>
-      </dgm:t>
-    </dgm:pt>
-    <dgm:pt modelId="{F063F031-5075-4751-AAF0-C7653BB77026}" type="sibTrans" cxnId="{CCA872C4-41F8-48D5-A3CB-DEB651A4CDBB}">
-      <dgm:prSet/>
-      <dgm:spPr/>
-      <dgm:t>
-        <a:bodyPr/>
-        <a:lstStyle/>
-        <a:p>
-          <a:endParaRPr lang="es-AR"/>
-        </a:p>
-      </dgm:t>
-    </dgm:pt>
-    <dgm:pt modelId="{44146284-82FF-4A1A-87EA-B2772AC5BFBB}">
-      <dgm:prSet phldrT="[Texto]"/>
-      <dgm:spPr/>
-      <dgm:t>
-        <a:bodyPr/>
-        <a:lstStyle/>
-        <a:p>
-          <a:r>
-            <a:rPr lang="es-AR"/>
-            <a:t>COMPUERTAS NAND</a:t>
-          </a:r>
-        </a:p>
-      </dgm:t>
-    </dgm:pt>
-    <dgm:pt modelId="{B534DC48-4245-4607-8BFE-FE7C9ECDC6CA}" type="parTrans" cxnId="{21254E01-C081-4565-9110-213FE39E1C5E}">
-      <dgm:prSet/>
-      <dgm:spPr/>
-      <dgm:t>
-        <a:bodyPr/>
-        <a:lstStyle/>
-        <a:p>
-          <a:endParaRPr lang="es-AR"/>
-        </a:p>
-      </dgm:t>
-    </dgm:pt>
-    <dgm:pt modelId="{0D28F18E-3F51-44B7-90A9-E24095DE5D32}" type="sibTrans" cxnId="{21254E01-C081-4565-9110-213FE39E1C5E}">
-      <dgm:prSet/>
-      <dgm:spPr/>
-      <dgm:t>
-        <a:bodyPr/>
-        <a:lstStyle/>
-        <a:p>
-          <a:endParaRPr lang="es-AR"/>
-        </a:p>
-      </dgm:t>
-    </dgm:pt>
-    <dgm:pt modelId="{B1C17C2D-F409-45D5-A195-A101C16AA97D}" type="pres">
-      <dgm:prSet presAssocID="{90A3BE77-B47D-4CC3-A02C-EF397079DAB2}" presName="Name0" presStyleCnt="0">
-        <dgm:presLayoutVars>
-          <dgm:chPref val="1"/>
-          <dgm:dir/>
-          <dgm:animOne val="branch"/>
-          <dgm:animLvl val="lvl"/>
-          <dgm:resizeHandles/>
-        </dgm:presLayoutVars>
-      </dgm:prSet>
-      <dgm:spPr/>
-      <dgm:t>
-        <a:bodyPr/>
-        <a:lstStyle/>
-        <a:p>
-          <a:endParaRPr lang="es-AR"/>
-        </a:p>
-      </dgm:t>
-    </dgm:pt>
-    <dgm:pt modelId="{B90077B6-671E-4BA7-B629-993157133A77}" type="pres">
-      <dgm:prSet presAssocID="{5F3697D6-9B8A-4FC8-875A-409E783CBA6C}" presName="vertOne" presStyleCnt="0"/>
-      <dgm:spPr/>
-      <dgm:t>
-        <a:bodyPr/>
-        <a:lstStyle/>
-        <a:p>
-          <a:endParaRPr lang="es-AR"/>
-        </a:p>
-      </dgm:t>
-    </dgm:pt>
-    <dgm:pt modelId="{AA8642CE-076F-4E21-9169-AEFC3A7958DB}" type="pres">
-      <dgm:prSet presAssocID="{5F3697D6-9B8A-4FC8-875A-409E783CBA6C}" presName="txOne" presStyleLbl="node0" presStyleIdx="0" presStyleCnt="1">
-        <dgm:presLayoutVars>
-          <dgm:chPref val="3"/>
-        </dgm:presLayoutVars>
-      </dgm:prSet>
-      <dgm:spPr/>
-      <dgm:t>
-        <a:bodyPr/>
-        <a:lstStyle/>
-        <a:p>
-          <a:endParaRPr lang="es-AR"/>
-        </a:p>
-      </dgm:t>
-    </dgm:pt>
-    <dgm:pt modelId="{3CA64998-79C4-4E5F-87C9-ABEFFE89D737}" type="pres">
-      <dgm:prSet presAssocID="{5F3697D6-9B8A-4FC8-875A-409E783CBA6C}" presName="parTransOne" presStyleCnt="0"/>
-      <dgm:spPr/>
-      <dgm:t>
-        <a:bodyPr/>
-        <a:lstStyle/>
-        <a:p>
-          <a:endParaRPr lang="es-AR"/>
-        </a:p>
-      </dgm:t>
-    </dgm:pt>
-    <dgm:pt modelId="{2245D860-2C6B-412B-8027-65E0B19ACFF2}" type="pres">
-      <dgm:prSet presAssocID="{5F3697D6-9B8A-4FC8-875A-409E783CBA6C}" presName="horzOne" presStyleCnt="0"/>
-      <dgm:spPr/>
-      <dgm:t>
-        <a:bodyPr/>
-        <a:lstStyle/>
-        <a:p>
-          <a:endParaRPr lang="es-AR"/>
-        </a:p>
-      </dgm:t>
-    </dgm:pt>
-    <dgm:pt modelId="{3E20A8BE-133A-47CF-83B9-9AE978690938}" type="pres">
-      <dgm:prSet presAssocID="{82FC5F13-03F2-42B0-8FC5-91B3F7D20E41}" presName="vertTwo" presStyleCnt="0"/>
-      <dgm:spPr/>
-      <dgm:t>
-        <a:bodyPr/>
-        <a:lstStyle/>
-        <a:p>
-          <a:endParaRPr lang="es-AR"/>
-        </a:p>
-      </dgm:t>
-    </dgm:pt>
-    <dgm:pt modelId="{A3022894-5017-4BFC-92F1-859D2AB0615B}" type="pres">
-      <dgm:prSet presAssocID="{82FC5F13-03F2-42B0-8FC5-91B3F7D20E41}" presName="txTwo" presStyleLbl="node2" presStyleIdx="0" presStyleCnt="2">
-        <dgm:presLayoutVars>
-          <dgm:chPref val="3"/>
-        </dgm:presLayoutVars>
-      </dgm:prSet>
-      <dgm:spPr/>
-      <dgm:t>
-        <a:bodyPr/>
-        <a:lstStyle/>
-        <a:p>
-          <a:endParaRPr lang="es-AR"/>
-        </a:p>
-      </dgm:t>
-    </dgm:pt>
-    <dgm:pt modelId="{581D0262-5E39-4AA9-A6DF-9F899A9331C4}" type="pres">
-      <dgm:prSet presAssocID="{82FC5F13-03F2-42B0-8FC5-91B3F7D20E41}" presName="parTransTwo" presStyleCnt="0"/>
-      <dgm:spPr/>
-      <dgm:t>
-        <a:bodyPr/>
-        <a:lstStyle/>
-        <a:p>
-          <a:endParaRPr lang="es-AR"/>
-        </a:p>
-      </dgm:t>
-    </dgm:pt>
-    <dgm:pt modelId="{A254B675-E461-46D8-BA04-AF1DCBCD2D3B}" type="pres">
-      <dgm:prSet presAssocID="{82FC5F13-03F2-42B0-8FC5-91B3F7D20E41}" presName="horzTwo" presStyleCnt="0"/>
-      <dgm:spPr/>
-      <dgm:t>
-        <a:bodyPr/>
-        <a:lstStyle/>
-        <a:p>
-          <a:endParaRPr lang="es-AR"/>
-        </a:p>
-      </dgm:t>
-    </dgm:pt>
-    <dgm:pt modelId="{F3679C97-9067-45F6-AD17-236624C3537B}" type="pres">
-      <dgm:prSet presAssocID="{A3627B82-19BB-42F6-8010-B9F581F2E628}" presName="vertThree" presStyleCnt="0"/>
-      <dgm:spPr/>
-      <dgm:t>
-        <a:bodyPr/>
-        <a:lstStyle/>
-        <a:p>
-          <a:endParaRPr lang="es-AR"/>
-        </a:p>
-      </dgm:t>
-    </dgm:pt>
-    <dgm:pt modelId="{6703DBD5-002B-494B-811C-88092CA77056}" type="pres">
-      <dgm:prSet presAssocID="{A3627B82-19BB-42F6-8010-B9F581F2E628}" presName="txThree" presStyleLbl="node3" presStyleIdx="0" presStyleCnt="3">
-        <dgm:presLayoutVars>
-          <dgm:chPref val="3"/>
-        </dgm:presLayoutVars>
-      </dgm:prSet>
-      <dgm:spPr/>
-      <dgm:t>
-        <a:bodyPr/>
-        <a:lstStyle/>
-        <a:p>
-          <a:endParaRPr lang="es-AR"/>
-        </a:p>
-      </dgm:t>
-    </dgm:pt>
-    <dgm:pt modelId="{FFF89B01-47F0-4D56-A7D2-CD7A8A4D67B1}" type="pres">
-      <dgm:prSet presAssocID="{A3627B82-19BB-42F6-8010-B9F581F2E628}" presName="horzThree" presStyleCnt="0"/>
-      <dgm:spPr/>
-      <dgm:t>
-        <a:bodyPr/>
-        <a:lstStyle/>
-        <a:p>
-          <a:endParaRPr lang="es-AR"/>
-        </a:p>
-      </dgm:t>
-    </dgm:pt>
-    <dgm:pt modelId="{FE111132-9CB7-41E1-AC97-F0BC3F03343E}" type="pres">
-      <dgm:prSet presAssocID="{28E37A47-A472-4DEA-84AC-7B26C7DF563F}" presName="sibSpaceThree" presStyleCnt="0"/>
-      <dgm:spPr/>
-      <dgm:t>
-        <a:bodyPr/>
-        <a:lstStyle/>
-        <a:p>
-          <a:endParaRPr lang="es-AR"/>
-        </a:p>
-      </dgm:t>
-    </dgm:pt>
-    <dgm:pt modelId="{459FF5F4-581C-4FB8-9AD1-28681B866663}" type="pres">
-      <dgm:prSet presAssocID="{9E0F7C39-3632-4F87-8948-7D21FB272B5B}" presName="vertThree" presStyleCnt="0"/>
-      <dgm:spPr/>
-      <dgm:t>
-        <a:bodyPr/>
-        <a:lstStyle/>
-        <a:p>
-          <a:endParaRPr lang="es-AR"/>
-        </a:p>
-      </dgm:t>
-    </dgm:pt>
-    <dgm:pt modelId="{71FB9E89-85B4-426C-9E92-70DA55968B4C}" type="pres">
-      <dgm:prSet presAssocID="{9E0F7C39-3632-4F87-8948-7D21FB272B5B}" presName="txThree" presStyleLbl="node3" presStyleIdx="1" presStyleCnt="3">
-        <dgm:presLayoutVars>
-          <dgm:chPref val="3"/>
-        </dgm:presLayoutVars>
-      </dgm:prSet>
-      <dgm:spPr/>
-      <dgm:t>
-        <a:bodyPr/>
-        <a:lstStyle/>
-        <a:p>
-          <a:endParaRPr lang="es-AR"/>
-        </a:p>
-      </dgm:t>
-    </dgm:pt>
-    <dgm:pt modelId="{F61DD6E7-4540-4D7A-90E4-734F60D8248B}" type="pres">
-      <dgm:prSet presAssocID="{9E0F7C39-3632-4F87-8948-7D21FB272B5B}" presName="horzThree" presStyleCnt="0"/>
-      <dgm:spPr/>
-      <dgm:t>
-        <a:bodyPr/>
-        <a:lstStyle/>
-        <a:p>
-          <a:endParaRPr lang="es-AR"/>
-        </a:p>
-      </dgm:t>
-    </dgm:pt>
-    <dgm:pt modelId="{848AA526-DCBE-4DF9-A9A0-34DD96DA419D}" type="pres">
-      <dgm:prSet presAssocID="{23DF92AB-531C-4065-8F05-6999A4C59A7F}" presName="sibSpaceTwo" presStyleCnt="0"/>
-      <dgm:spPr/>
-      <dgm:t>
-        <a:bodyPr/>
-        <a:lstStyle/>
-        <a:p>
-          <a:endParaRPr lang="es-AR"/>
-        </a:p>
-      </dgm:t>
-    </dgm:pt>
-    <dgm:pt modelId="{5E976C85-575B-42E3-B0E3-9197FD7E04F1}" type="pres">
-      <dgm:prSet presAssocID="{C24630A2-AF00-4F3D-8CCD-40A466DD1268}" presName="vertTwo" presStyleCnt="0"/>
-      <dgm:spPr/>
-      <dgm:t>
-        <a:bodyPr/>
-        <a:lstStyle/>
-        <a:p>
-          <a:endParaRPr lang="es-AR"/>
-        </a:p>
-      </dgm:t>
-    </dgm:pt>
-    <dgm:pt modelId="{27A8E2C9-ACC0-4C1C-A1B4-FC5118E4D3CD}" type="pres">
-      <dgm:prSet presAssocID="{C24630A2-AF00-4F3D-8CCD-40A466DD1268}" presName="txTwo" presStyleLbl="node2" presStyleIdx="1" presStyleCnt="2">
-        <dgm:presLayoutVars>
-          <dgm:chPref val="3"/>
-        </dgm:presLayoutVars>
-      </dgm:prSet>
-      <dgm:spPr/>
-      <dgm:t>
-        <a:bodyPr/>
-        <a:lstStyle/>
-        <a:p>
-          <a:endParaRPr lang="es-AR"/>
-        </a:p>
-      </dgm:t>
-    </dgm:pt>
-    <dgm:pt modelId="{BD134D29-993D-49E0-9AD3-8DF9ACCD229B}" type="pres">
-      <dgm:prSet presAssocID="{C24630A2-AF00-4F3D-8CCD-40A466DD1268}" presName="parTransTwo" presStyleCnt="0"/>
-      <dgm:spPr/>
-      <dgm:t>
-        <a:bodyPr/>
-        <a:lstStyle/>
-        <a:p>
-          <a:endParaRPr lang="es-AR"/>
-        </a:p>
-      </dgm:t>
-    </dgm:pt>
-    <dgm:pt modelId="{950D962F-98D4-4E2E-9EDC-622CA1859D92}" type="pres">
-      <dgm:prSet presAssocID="{C24630A2-AF00-4F3D-8CCD-40A466DD1268}" presName="horzTwo" presStyleCnt="0"/>
-      <dgm:spPr/>
-      <dgm:t>
-        <a:bodyPr/>
-        <a:lstStyle/>
-        <a:p>
-          <a:endParaRPr lang="es-AR"/>
-        </a:p>
-      </dgm:t>
-    </dgm:pt>
-    <dgm:pt modelId="{4E773025-6A56-4DAE-B09F-CD5EB51D8CF5}" type="pres">
-      <dgm:prSet presAssocID="{1AE98F1E-E277-4E7C-B37B-2DD87C237351}" presName="vertThree" presStyleCnt="0"/>
-      <dgm:spPr/>
-      <dgm:t>
-        <a:bodyPr/>
-        <a:lstStyle/>
-        <a:p>
-          <a:endParaRPr lang="es-AR"/>
-        </a:p>
-      </dgm:t>
-    </dgm:pt>
-    <dgm:pt modelId="{2D0BEDD2-93E1-444F-B15D-F8AE6E00B684}" type="pres">
-      <dgm:prSet presAssocID="{1AE98F1E-E277-4E7C-B37B-2DD87C237351}" presName="txThree" presStyleLbl="node3" presStyleIdx="2" presStyleCnt="3">
-        <dgm:presLayoutVars>
-          <dgm:chPref val="3"/>
-        </dgm:presLayoutVars>
-      </dgm:prSet>
-      <dgm:spPr/>
-      <dgm:t>
-        <a:bodyPr/>
-        <a:lstStyle/>
-        <a:p>
-          <a:endParaRPr lang="es-AR"/>
-        </a:p>
-      </dgm:t>
-    </dgm:pt>
-    <dgm:pt modelId="{99975524-9E7C-4C02-BE74-E33345EC6DF1}" type="pres">
-      <dgm:prSet presAssocID="{1AE98F1E-E277-4E7C-B37B-2DD87C237351}" presName="parTransThree" presStyleCnt="0"/>
-      <dgm:spPr/>
-      <dgm:t>
-        <a:bodyPr/>
-        <a:lstStyle/>
-        <a:p>
-          <a:endParaRPr lang="es-AR"/>
-        </a:p>
-      </dgm:t>
-    </dgm:pt>
-    <dgm:pt modelId="{EF09C306-775A-4B24-9CF9-41380976B8D0}" type="pres">
-      <dgm:prSet presAssocID="{1AE98F1E-E277-4E7C-B37B-2DD87C237351}" presName="horzThree" presStyleCnt="0"/>
-      <dgm:spPr/>
-      <dgm:t>
-        <a:bodyPr/>
-        <a:lstStyle/>
-        <a:p>
-          <a:endParaRPr lang="es-AR"/>
-        </a:p>
-      </dgm:t>
-    </dgm:pt>
-    <dgm:pt modelId="{B8369508-1C3E-42EA-B911-EB12B31ABE89}" type="pres">
-      <dgm:prSet presAssocID="{82005FC4-939D-4ACF-8C2F-E6C9501F71E5}" presName="vertFour" presStyleCnt="0">
-        <dgm:presLayoutVars>
-          <dgm:chPref val="3"/>
-        </dgm:presLayoutVars>
-      </dgm:prSet>
-      <dgm:spPr/>
-      <dgm:t>
-        <a:bodyPr/>
-        <a:lstStyle/>
-        <a:p>
-          <a:endParaRPr lang="es-AR"/>
-        </a:p>
-      </dgm:t>
-    </dgm:pt>
-    <dgm:pt modelId="{85EB828F-C976-4C4B-BA1A-17244ACF076A}" type="pres">
-      <dgm:prSet presAssocID="{82005FC4-939D-4ACF-8C2F-E6C9501F71E5}" presName="txFour" presStyleLbl="node4" presStyleIdx="0" presStyleCnt="2">
-        <dgm:presLayoutVars>
-          <dgm:chPref val="3"/>
-        </dgm:presLayoutVars>
-      </dgm:prSet>
-      <dgm:spPr/>
-      <dgm:t>
-        <a:bodyPr/>
-        <a:lstStyle/>
-        <a:p>
-          <a:endParaRPr lang="es-AR"/>
-        </a:p>
-      </dgm:t>
-    </dgm:pt>
-    <dgm:pt modelId="{7CA51DFC-9AB6-431C-9C1B-E07D82D66B4E}" type="pres">
-      <dgm:prSet presAssocID="{82005FC4-939D-4ACF-8C2F-E6C9501F71E5}" presName="horzFour" presStyleCnt="0"/>
-      <dgm:spPr/>
-      <dgm:t>
-        <a:bodyPr/>
-        <a:lstStyle/>
-        <a:p>
-          <a:endParaRPr lang="es-AR"/>
-        </a:p>
-      </dgm:t>
-    </dgm:pt>
-    <dgm:pt modelId="{A06018AF-59A4-4F09-8D5B-385DBB3F666A}" type="pres">
-      <dgm:prSet presAssocID="{F063F031-5075-4751-AAF0-C7653BB77026}" presName="sibSpaceFour" presStyleCnt="0"/>
-      <dgm:spPr/>
-      <dgm:t>
-        <a:bodyPr/>
-        <a:lstStyle/>
-        <a:p>
-          <a:endParaRPr lang="es-AR"/>
-        </a:p>
-      </dgm:t>
-    </dgm:pt>
-    <dgm:pt modelId="{B03E35B3-9816-47C8-815A-2E40261CE97F}" type="pres">
-      <dgm:prSet presAssocID="{44146284-82FF-4A1A-87EA-B2772AC5BFBB}" presName="vertFour" presStyleCnt="0">
-        <dgm:presLayoutVars>
-          <dgm:chPref val="3"/>
-        </dgm:presLayoutVars>
-      </dgm:prSet>
-      <dgm:spPr/>
-      <dgm:t>
-        <a:bodyPr/>
-        <a:lstStyle/>
-        <a:p>
-          <a:endParaRPr lang="es-AR"/>
-        </a:p>
-      </dgm:t>
-    </dgm:pt>
-    <dgm:pt modelId="{9DF2C459-4115-4E2B-AE4B-636AE7505F85}" type="pres">
-      <dgm:prSet presAssocID="{44146284-82FF-4A1A-87EA-B2772AC5BFBB}" presName="txFour" presStyleLbl="node4" presStyleIdx="1" presStyleCnt="2">
-        <dgm:presLayoutVars>
-          <dgm:chPref val="3"/>
-        </dgm:presLayoutVars>
-      </dgm:prSet>
-      <dgm:spPr/>
-      <dgm:t>
-        <a:bodyPr/>
-        <a:lstStyle/>
-        <a:p>
-          <a:endParaRPr lang="es-AR"/>
-        </a:p>
-      </dgm:t>
-    </dgm:pt>
-    <dgm:pt modelId="{F2A14732-42DC-4D56-BA90-F09457335866}" type="pres">
-      <dgm:prSet presAssocID="{44146284-82FF-4A1A-87EA-B2772AC5BFBB}" presName="horzFour" presStyleCnt="0"/>
-      <dgm:spPr/>
-      <dgm:t>
-        <a:bodyPr/>
-        <a:lstStyle/>
-        <a:p>
-          <a:endParaRPr lang="es-AR"/>
-        </a:p>
-      </dgm:t>
-    </dgm:pt>
-  </dgm:ptLst>
-  <dgm:cxnLst>
-    <dgm:cxn modelId="{A7DF1C9A-32FD-48AD-ADE7-24611E04D2F6}" srcId="{90A3BE77-B47D-4CC3-A02C-EF397079DAB2}" destId="{5F3697D6-9B8A-4FC8-875A-409E783CBA6C}" srcOrd="0" destOrd="0" parTransId="{56AD3C1C-E682-4322-A76F-D20B4983137C}" sibTransId="{A68F4CB2-851B-4EDC-BA10-B7B65E8EA7E1}"/>
-    <dgm:cxn modelId="{AF8C70B8-50F8-4A74-AB33-FB89D5FDDC50}" srcId="{5F3697D6-9B8A-4FC8-875A-409E783CBA6C}" destId="{82FC5F13-03F2-42B0-8FC5-91B3F7D20E41}" srcOrd="0" destOrd="0" parTransId="{146CDF79-601C-4526-9AB5-99805A249A0C}" sibTransId="{23DF92AB-531C-4065-8F05-6999A4C59A7F}"/>
-    <dgm:cxn modelId="{BF59E181-D274-452E-BFE9-AE043F25446A}" srcId="{C24630A2-AF00-4F3D-8CCD-40A466DD1268}" destId="{1AE98F1E-E277-4E7C-B37B-2DD87C237351}" srcOrd="0" destOrd="0" parTransId="{6087DDA3-3EE4-4A37-88E0-1B1A5DB6F32A}" sibTransId="{025C4CC2-BEED-4875-A644-3F5157E4C048}"/>
-    <dgm:cxn modelId="{3EE473DC-9A53-4FDA-A405-BC2E0C6193D9}" type="presOf" srcId="{82005FC4-939D-4ACF-8C2F-E6C9501F71E5}" destId="{85EB828F-C976-4C4B-BA1A-17244ACF076A}" srcOrd="0" destOrd="0" presId="urn:microsoft.com/office/officeart/2005/8/layout/hierarchy4"/>
-    <dgm:cxn modelId="{3F88198C-B42A-4444-98BD-04A7185995A8}" srcId="{5F3697D6-9B8A-4FC8-875A-409E783CBA6C}" destId="{C24630A2-AF00-4F3D-8CCD-40A466DD1268}" srcOrd="1" destOrd="0" parTransId="{86201C60-7D9F-43FA-921C-29BB372F5F25}" sibTransId="{F28E80F6-41CD-44CF-8B7E-BBF3DAA33845}"/>
-    <dgm:cxn modelId="{A77FC58E-13B0-43FB-8C89-D408DBACA7B5}" srcId="{82FC5F13-03F2-42B0-8FC5-91B3F7D20E41}" destId="{A3627B82-19BB-42F6-8010-B9F581F2E628}" srcOrd="0" destOrd="0" parTransId="{6BC113EB-BC3A-4EB3-ADBC-7E369FCC53F3}" sibTransId="{28E37A47-A472-4DEA-84AC-7B26C7DF563F}"/>
-    <dgm:cxn modelId="{B6E03D3A-5260-45A9-9FB3-603EA8728DC7}" type="presOf" srcId="{C24630A2-AF00-4F3D-8CCD-40A466DD1268}" destId="{27A8E2C9-ACC0-4C1C-A1B4-FC5118E4D3CD}" srcOrd="0" destOrd="0" presId="urn:microsoft.com/office/officeart/2005/8/layout/hierarchy4"/>
-    <dgm:cxn modelId="{DCB239A3-A14F-40EE-A8C7-7336CB3E0820}" type="presOf" srcId="{5F3697D6-9B8A-4FC8-875A-409E783CBA6C}" destId="{AA8642CE-076F-4E21-9169-AEFC3A7958DB}" srcOrd="0" destOrd="0" presId="urn:microsoft.com/office/officeart/2005/8/layout/hierarchy4"/>
-    <dgm:cxn modelId="{C846542B-365A-4B0D-9FB8-E6F2D9A5338F}" type="presOf" srcId="{1AE98F1E-E277-4E7C-B37B-2DD87C237351}" destId="{2D0BEDD2-93E1-444F-B15D-F8AE6E00B684}" srcOrd="0" destOrd="0" presId="urn:microsoft.com/office/officeart/2005/8/layout/hierarchy4"/>
-    <dgm:cxn modelId="{63DF6A38-72BE-4D41-BF28-5C31922400A6}" type="presOf" srcId="{82FC5F13-03F2-42B0-8FC5-91B3F7D20E41}" destId="{A3022894-5017-4BFC-92F1-859D2AB0615B}" srcOrd="0" destOrd="0" presId="urn:microsoft.com/office/officeart/2005/8/layout/hierarchy4"/>
-    <dgm:cxn modelId="{68CD09AC-C7F2-45C8-AF22-0B01C2FEE5FB}" type="presOf" srcId="{44146284-82FF-4A1A-87EA-B2772AC5BFBB}" destId="{9DF2C459-4115-4E2B-AE4B-636AE7505F85}" srcOrd="0" destOrd="0" presId="urn:microsoft.com/office/officeart/2005/8/layout/hierarchy4"/>
-    <dgm:cxn modelId="{2FBFAE00-36C4-43B4-B2AF-547E2378ACC1}" type="presOf" srcId="{9E0F7C39-3632-4F87-8948-7D21FB272B5B}" destId="{71FB9E89-85B4-426C-9E92-70DA55968B4C}" srcOrd="0" destOrd="0" presId="urn:microsoft.com/office/officeart/2005/8/layout/hierarchy4"/>
-    <dgm:cxn modelId="{6941036D-186A-48E2-812B-417E7688BDE9}" type="presOf" srcId="{A3627B82-19BB-42F6-8010-B9F581F2E628}" destId="{6703DBD5-002B-494B-811C-88092CA77056}" srcOrd="0" destOrd="0" presId="urn:microsoft.com/office/officeart/2005/8/layout/hierarchy4"/>
-    <dgm:cxn modelId="{21254E01-C081-4565-9110-213FE39E1C5E}" srcId="{1AE98F1E-E277-4E7C-B37B-2DD87C237351}" destId="{44146284-82FF-4A1A-87EA-B2772AC5BFBB}" srcOrd="1" destOrd="0" parTransId="{B534DC48-4245-4607-8BFE-FE7C9ECDC6CA}" sibTransId="{0D28F18E-3F51-44B7-90A9-E24095DE5D32}"/>
-    <dgm:cxn modelId="{E64A3A09-B46E-422A-882D-3B56BBD30B31}" srcId="{82FC5F13-03F2-42B0-8FC5-91B3F7D20E41}" destId="{9E0F7C39-3632-4F87-8948-7D21FB272B5B}" srcOrd="1" destOrd="0" parTransId="{7BB9BDF5-10C3-4AFB-A740-1ACAB2426CBA}" sibTransId="{32CD18BE-E371-4E70-849B-F7BB07C33DB4}"/>
-    <dgm:cxn modelId="{CCA872C4-41F8-48D5-A3CB-DEB651A4CDBB}" srcId="{1AE98F1E-E277-4E7C-B37B-2DD87C237351}" destId="{82005FC4-939D-4ACF-8C2F-E6C9501F71E5}" srcOrd="0" destOrd="0" parTransId="{51768AA2-CC1B-4302-9F5A-E6B43554C8D3}" sibTransId="{F063F031-5075-4751-AAF0-C7653BB77026}"/>
-    <dgm:cxn modelId="{2472B28E-1CF3-4004-8A6F-99AC2BE34103}" type="presOf" srcId="{90A3BE77-B47D-4CC3-A02C-EF397079DAB2}" destId="{B1C17C2D-F409-45D5-A195-A101C16AA97D}" srcOrd="0" destOrd="0" presId="urn:microsoft.com/office/officeart/2005/8/layout/hierarchy4"/>
-    <dgm:cxn modelId="{69EE4854-07F9-4386-8217-53761A09B40A}" type="presParOf" srcId="{B1C17C2D-F409-45D5-A195-A101C16AA97D}" destId="{B90077B6-671E-4BA7-B629-993157133A77}" srcOrd="0" destOrd="0" presId="urn:microsoft.com/office/officeart/2005/8/layout/hierarchy4"/>
-    <dgm:cxn modelId="{BC0D6EA7-AD82-4B76-841B-CA05ED1A9A11}" type="presParOf" srcId="{B90077B6-671E-4BA7-B629-993157133A77}" destId="{AA8642CE-076F-4E21-9169-AEFC3A7958DB}" srcOrd="0" destOrd="0" presId="urn:microsoft.com/office/officeart/2005/8/layout/hierarchy4"/>
-    <dgm:cxn modelId="{50D592F0-D3F1-41B6-8944-34CF52738375}" type="presParOf" srcId="{B90077B6-671E-4BA7-B629-993157133A77}" destId="{3CA64998-79C4-4E5F-87C9-ABEFFE89D737}" srcOrd="1" destOrd="0" presId="urn:microsoft.com/office/officeart/2005/8/layout/hierarchy4"/>
-    <dgm:cxn modelId="{E45F0F78-A755-4D42-B16B-BE2F22C9D2F6}" type="presParOf" srcId="{B90077B6-671E-4BA7-B629-993157133A77}" destId="{2245D860-2C6B-412B-8027-65E0B19ACFF2}" srcOrd="2" destOrd="0" presId="urn:microsoft.com/office/officeart/2005/8/layout/hierarchy4"/>
-    <dgm:cxn modelId="{EDDA7EDE-6660-40C2-8B61-A06A0005B1E2}" type="presParOf" srcId="{2245D860-2C6B-412B-8027-65E0B19ACFF2}" destId="{3E20A8BE-133A-47CF-83B9-9AE978690938}" srcOrd="0" destOrd="0" presId="urn:microsoft.com/office/officeart/2005/8/layout/hierarchy4"/>
-    <dgm:cxn modelId="{14DB4C54-84F9-4C55-AED2-6F17FE3EABBB}" type="presParOf" srcId="{3E20A8BE-133A-47CF-83B9-9AE978690938}" destId="{A3022894-5017-4BFC-92F1-859D2AB0615B}" srcOrd="0" destOrd="0" presId="urn:microsoft.com/office/officeart/2005/8/layout/hierarchy4"/>
-    <dgm:cxn modelId="{5720F374-2218-4455-B14F-8645F3532314}" type="presParOf" srcId="{3E20A8BE-133A-47CF-83B9-9AE978690938}" destId="{581D0262-5E39-4AA9-A6DF-9F899A9331C4}" srcOrd="1" destOrd="0" presId="urn:microsoft.com/office/officeart/2005/8/layout/hierarchy4"/>
-    <dgm:cxn modelId="{66C15B41-03EA-44B2-9DBD-E9E25041BE5C}" type="presParOf" srcId="{3E20A8BE-133A-47CF-83B9-9AE978690938}" destId="{A254B675-E461-46D8-BA04-AF1DCBCD2D3B}" srcOrd="2" destOrd="0" presId="urn:microsoft.com/office/officeart/2005/8/layout/hierarchy4"/>
-    <dgm:cxn modelId="{05EF7500-334D-41C9-8617-AADC455CCE74}" type="presParOf" srcId="{A254B675-E461-46D8-BA04-AF1DCBCD2D3B}" destId="{F3679C97-9067-45F6-AD17-236624C3537B}" srcOrd="0" destOrd="0" presId="urn:microsoft.com/office/officeart/2005/8/layout/hierarchy4"/>
-    <dgm:cxn modelId="{439294EF-93E5-416A-8496-C175C43CA46B}" type="presParOf" srcId="{F3679C97-9067-45F6-AD17-236624C3537B}" destId="{6703DBD5-002B-494B-811C-88092CA77056}" srcOrd="0" destOrd="0" presId="urn:microsoft.com/office/officeart/2005/8/layout/hierarchy4"/>
-    <dgm:cxn modelId="{A8D4E8C4-B171-4DA5-A45E-C37B21AD6C1C}" type="presParOf" srcId="{F3679C97-9067-45F6-AD17-236624C3537B}" destId="{FFF89B01-47F0-4D56-A7D2-CD7A8A4D67B1}" srcOrd="1" destOrd="0" presId="urn:microsoft.com/office/officeart/2005/8/layout/hierarchy4"/>
-    <dgm:cxn modelId="{DE1435F8-5E57-42A6-A12E-5E497CA7C365}" type="presParOf" srcId="{A254B675-E461-46D8-BA04-AF1DCBCD2D3B}" destId="{FE111132-9CB7-41E1-AC97-F0BC3F03343E}" srcOrd="1" destOrd="0" presId="urn:microsoft.com/office/officeart/2005/8/layout/hierarchy4"/>
-    <dgm:cxn modelId="{B26BD46D-6D43-4483-B0CC-116CD8B4AC80}" type="presParOf" srcId="{A254B675-E461-46D8-BA04-AF1DCBCD2D3B}" destId="{459FF5F4-581C-4FB8-9AD1-28681B866663}" srcOrd="2" destOrd="0" presId="urn:microsoft.com/office/officeart/2005/8/layout/hierarchy4"/>
-    <dgm:cxn modelId="{A4413A3E-91F5-445A-8F80-247E1B8DBD99}" type="presParOf" srcId="{459FF5F4-581C-4FB8-9AD1-28681B866663}" destId="{71FB9E89-85B4-426C-9E92-70DA55968B4C}" srcOrd="0" destOrd="0" presId="urn:microsoft.com/office/officeart/2005/8/layout/hierarchy4"/>
-    <dgm:cxn modelId="{988E760D-3979-41CD-AC49-908EED1F2779}" type="presParOf" srcId="{459FF5F4-581C-4FB8-9AD1-28681B866663}" destId="{F61DD6E7-4540-4D7A-90E4-734F60D8248B}" srcOrd="1" destOrd="0" presId="urn:microsoft.com/office/officeart/2005/8/layout/hierarchy4"/>
-    <dgm:cxn modelId="{98AA9D80-5090-4943-B84E-BB87268B2517}" type="presParOf" srcId="{2245D860-2C6B-412B-8027-65E0B19ACFF2}" destId="{848AA526-DCBE-4DF9-A9A0-34DD96DA419D}" srcOrd="1" destOrd="0" presId="urn:microsoft.com/office/officeart/2005/8/layout/hierarchy4"/>
-    <dgm:cxn modelId="{F2E52289-4F9C-4E1C-B480-C7BAD6028B3F}" type="presParOf" srcId="{2245D860-2C6B-412B-8027-65E0B19ACFF2}" destId="{5E976C85-575B-42E3-B0E3-9197FD7E04F1}" srcOrd="2" destOrd="0" presId="urn:microsoft.com/office/officeart/2005/8/layout/hierarchy4"/>
-    <dgm:cxn modelId="{3F528F7E-02DC-47BF-83FB-33B112E3156B}" type="presParOf" srcId="{5E976C85-575B-42E3-B0E3-9197FD7E04F1}" destId="{27A8E2C9-ACC0-4C1C-A1B4-FC5118E4D3CD}" srcOrd="0" destOrd="0" presId="urn:microsoft.com/office/officeart/2005/8/layout/hierarchy4"/>
-    <dgm:cxn modelId="{5F4D3639-3461-4021-9543-0F7AA802EF1F}" type="presParOf" srcId="{5E976C85-575B-42E3-B0E3-9197FD7E04F1}" destId="{BD134D29-993D-49E0-9AD3-8DF9ACCD229B}" srcOrd="1" destOrd="0" presId="urn:microsoft.com/office/officeart/2005/8/layout/hierarchy4"/>
-    <dgm:cxn modelId="{9630CC09-EFE3-4D76-9850-716532D77C26}" type="presParOf" srcId="{5E976C85-575B-42E3-B0E3-9197FD7E04F1}" destId="{950D962F-98D4-4E2E-9EDC-622CA1859D92}" srcOrd="2" destOrd="0" presId="urn:microsoft.com/office/officeart/2005/8/layout/hierarchy4"/>
-    <dgm:cxn modelId="{272261F7-3A95-4336-AF08-3CD7D0231B0D}" type="presParOf" srcId="{950D962F-98D4-4E2E-9EDC-622CA1859D92}" destId="{4E773025-6A56-4DAE-B09F-CD5EB51D8CF5}" srcOrd="0" destOrd="0" presId="urn:microsoft.com/office/officeart/2005/8/layout/hierarchy4"/>
-    <dgm:cxn modelId="{1D0DC994-61ED-40F0-8561-83462C320434}" type="presParOf" srcId="{4E773025-6A56-4DAE-B09F-CD5EB51D8CF5}" destId="{2D0BEDD2-93E1-444F-B15D-F8AE6E00B684}" srcOrd="0" destOrd="0" presId="urn:microsoft.com/office/officeart/2005/8/layout/hierarchy4"/>
-    <dgm:cxn modelId="{7CACFB2B-5F42-4689-9EC3-4B074B1923DF}" type="presParOf" srcId="{4E773025-6A56-4DAE-B09F-CD5EB51D8CF5}" destId="{99975524-9E7C-4C02-BE74-E33345EC6DF1}" srcOrd="1" destOrd="0" presId="urn:microsoft.com/office/officeart/2005/8/layout/hierarchy4"/>
-    <dgm:cxn modelId="{10115FE6-74BA-4409-AEA2-418D7B29DC31}" type="presParOf" srcId="{4E773025-6A56-4DAE-B09F-CD5EB51D8CF5}" destId="{EF09C306-775A-4B24-9CF9-41380976B8D0}" srcOrd="2" destOrd="0" presId="urn:microsoft.com/office/officeart/2005/8/layout/hierarchy4"/>
-    <dgm:cxn modelId="{A2A86B60-4013-4226-AE0A-91F19C9B538A}" type="presParOf" srcId="{EF09C306-775A-4B24-9CF9-41380976B8D0}" destId="{B8369508-1C3E-42EA-B911-EB12B31ABE89}" srcOrd="0" destOrd="0" presId="urn:microsoft.com/office/officeart/2005/8/layout/hierarchy4"/>
-    <dgm:cxn modelId="{3224E31C-9749-48F1-919F-3BFB8CEB399F}" type="presParOf" srcId="{B8369508-1C3E-42EA-B911-EB12B31ABE89}" destId="{85EB828F-C976-4C4B-BA1A-17244ACF076A}" srcOrd="0" destOrd="0" presId="urn:microsoft.com/office/officeart/2005/8/layout/hierarchy4"/>
-    <dgm:cxn modelId="{1A8AE4FD-1344-4B0E-94BC-7A5D17A424EB}" type="presParOf" srcId="{B8369508-1C3E-42EA-B911-EB12B31ABE89}" destId="{7CA51DFC-9AB6-431C-9C1B-E07D82D66B4E}" srcOrd="1" destOrd="0" presId="urn:microsoft.com/office/officeart/2005/8/layout/hierarchy4"/>
-    <dgm:cxn modelId="{BA98C393-49F1-484F-9D13-B03C2F83D862}" type="presParOf" srcId="{EF09C306-775A-4B24-9CF9-41380976B8D0}" destId="{A06018AF-59A4-4F09-8D5B-385DBB3F666A}" srcOrd="1" destOrd="0" presId="urn:microsoft.com/office/officeart/2005/8/layout/hierarchy4"/>
-    <dgm:cxn modelId="{4386AECB-1CAB-4332-B3E3-726CBBF908FD}" type="presParOf" srcId="{EF09C306-775A-4B24-9CF9-41380976B8D0}" destId="{B03E35B3-9816-47C8-815A-2E40261CE97F}" srcOrd="2" destOrd="0" presId="urn:microsoft.com/office/officeart/2005/8/layout/hierarchy4"/>
-    <dgm:cxn modelId="{CA7A91C7-6C30-49F8-AA80-BE073F599385}" type="presParOf" srcId="{B03E35B3-9816-47C8-815A-2E40261CE97F}" destId="{9DF2C459-4115-4E2B-AE4B-636AE7505F85}" srcOrd="0" destOrd="0" presId="urn:microsoft.com/office/officeart/2005/8/layout/hierarchy4"/>
-    <dgm:cxn modelId="{5B045698-2FDC-45A8-9C88-3566C9417020}" type="presParOf" srcId="{B03E35B3-9816-47C8-815A-2E40261CE97F}" destId="{F2A14732-42DC-4D56-BA90-F09457335866}" srcOrd="1" destOrd="0" presId="urn:microsoft.com/office/officeart/2005/8/layout/hierarchy4"/>
-  </dgm:cxnLst>
-  <dgm:bg/>
-  <dgm:whole/>
-  <dgm:extLst>
-    <a:ext uri="http://schemas.microsoft.com/office/drawing/2008/diagram">
-      <dsp:dataModelExt xmlns:dsp="http://schemas.microsoft.com/office/drawing/2008/diagram" xmlns="" relId="rId6" minVer="http://schemas.openxmlformats.org/drawingml/2006/diagram"/>
-    </a:ext>
-  </dgm:extLst>
-</dgm:dataModel>
-</file>
-
-<file path=ppt/diagrams/data2.xml><?xml version="1.0" encoding="utf-8"?>
-<dgm:dataModel xmlns:dgm="http://schemas.openxmlformats.org/drawingml/2006/diagram" xmlns:a="http://schemas.openxmlformats.org/drawingml/2006/main">
-  <dgm:ptLst>
     <dgm:pt modelId="{28621352-D8C8-4462-A38B-5ED8DAECF65B}" type="doc">
       <dgm:prSet loTypeId="urn:microsoft.com/office/officeart/2005/8/layout/vList2" loCatId="list" qsTypeId="urn:microsoft.com/office/officeart/2005/8/quickstyle/simple4" qsCatId="simple" csTypeId="urn:microsoft.com/office/officeart/2005/8/colors/accent1_2" csCatId="accent1" phldr="1"/>
       <dgm:spPr/>
@@ -2448,10 +1673,10 @@
         <a:p>
           <a:pPr rtl="0"/>
           <a:r>
-            <a:rPr lang="es-AR" noProof="0" smtClean="0"/>
+            <a:rPr lang="es-AR" noProof="0" dirty="0" smtClean="0"/>
             <a:t>Obtener un grupo de resultados confiables.</a:t>
           </a:r>
-          <a:endParaRPr lang="es-AR" noProof="0"/>
+          <a:endParaRPr lang="es-AR" noProof="0" dirty="0"/>
         </a:p>
       </dgm:t>
     </dgm:pt>
@@ -2486,10 +1711,10 @@
         <a:p>
           <a:pPr rtl="0"/>
           <a:r>
-            <a:rPr lang="es-AR" noProof="0" smtClean="0"/>
+            <a:rPr lang="es-AR" noProof="0" dirty="0" smtClean="0"/>
             <a:t>Ventajas:</a:t>
           </a:r>
-          <a:endParaRPr lang="es-AR" noProof="0"/>
+          <a:endParaRPr lang="es-AR" noProof="0" dirty="0"/>
         </a:p>
       </dgm:t>
     </dgm:pt>
@@ -2524,10 +1749,10 @@
         <a:p>
           <a:pPr rtl="0"/>
           <a:r>
-            <a:rPr lang="es-AR" noProof="0" smtClean="0"/>
+            <a:rPr lang="es-AR" noProof="0" dirty="0" smtClean="0"/>
             <a:t>Control total de todos los parámetros de la simulación.</a:t>
           </a:r>
-          <a:endParaRPr lang="es-AR" noProof="0"/>
+          <a:endParaRPr lang="es-AR" noProof="0" dirty="0"/>
         </a:p>
       </dgm:t>
     </dgm:pt>
@@ -2600,10 +1825,10 @@
         <a:p>
           <a:pPr rtl="0"/>
           <a:r>
-            <a:rPr lang="es-AR" noProof="0" smtClean="0"/>
+            <a:rPr lang="es-AR" noProof="0" dirty="0" smtClean="0"/>
             <a:t>Disponibilidad de todos los datos de simulación.</a:t>
           </a:r>
-          <a:endParaRPr lang="es-AR" noProof="0"/>
+          <a:endParaRPr lang="es-AR" noProof="0" dirty="0"/>
         </a:p>
       </dgm:t>
     </dgm:pt>
@@ -2676,10 +1901,10 @@
         <a:p>
           <a:pPr rtl="0"/>
           <a:r>
-            <a:rPr lang="es-AR" noProof="0" smtClean="0"/>
+            <a:rPr lang="es-AR" noProof="0" dirty="0" smtClean="0"/>
             <a:t>3 comparadores.</a:t>
           </a:r>
-          <a:endParaRPr lang="es-AR" noProof="0"/>
+          <a:endParaRPr lang="es-AR" noProof="0" dirty="0"/>
         </a:p>
       </dgm:t>
     </dgm:pt>
@@ -2715,11 +1940,7 @@
           <a:pPr rtl="0"/>
           <a:r>
             <a:rPr lang="es-AR" noProof="0" dirty="0" smtClean="0"/>
-            <a:t>4 </a:t>
-          </a:r>
-          <a:r>
-            <a:rPr lang="es-AR" noProof="0" dirty="0" smtClean="0"/>
-            <a:t>niveles de tensión de entrada.</a:t>
+            <a:t>4 niveles de tensión de entrada.</a:t>
           </a:r>
           <a:endParaRPr lang="es-AR" noProof="0" dirty="0"/>
         </a:p>
@@ -2823,6 +2044,162 @@
         </a:p>
       </dgm:t>
     </dgm:pt>
+    <dgm:pt modelId="{C450AFBD-D19E-4FDA-929B-E1A653D8E4DD}">
+      <dgm:prSet/>
+      <dgm:spPr/>
+      <dgm:t>
+        <a:bodyPr/>
+        <a:lstStyle/>
+        <a:p>
+          <a:pPr rtl="0"/>
+          <a:r>
+            <a:rPr lang="es-AR" noProof="0" dirty="0" smtClean="0"/>
+            <a:t>Desventajas:</a:t>
+          </a:r>
+          <a:endParaRPr lang="es-AR" noProof="0" dirty="0"/>
+        </a:p>
+      </dgm:t>
+    </dgm:pt>
+    <dgm:pt modelId="{3858CD50-7509-4A20-82C1-6C76A3301DC4}" type="parTrans" cxnId="{C5BE2439-39A8-47ED-9B5D-61B39BE555F8}">
+      <dgm:prSet/>
+      <dgm:spPr/>
+    </dgm:pt>
+    <dgm:pt modelId="{2DC09692-DC74-4E8D-B681-71C50902EB56}" type="sibTrans" cxnId="{C5BE2439-39A8-47ED-9B5D-61B39BE555F8}">
+      <dgm:prSet/>
+      <dgm:spPr/>
+    </dgm:pt>
+    <dgm:pt modelId="{85C598A0-BCCA-4BF4-BD0C-322094E95D20}">
+      <dgm:prSet/>
+      <dgm:spPr/>
+      <dgm:t>
+        <a:bodyPr/>
+        <a:lstStyle/>
+        <a:p>
+          <a:pPr rtl="0"/>
+          <a:r>
+            <a:rPr lang="es-AR" noProof="0" dirty="0" smtClean="0"/>
+            <a:t>Configuración compleja</a:t>
+          </a:r>
+          <a:endParaRPr lang="es-AR" noProof="0" dirty="0"/>
+        </a:p>
+      </dgm:t>
+    </dgm:pt>
+    <dgm:pt modelId="{DF9A3197-7551-4AB0-9864-A3DFF256CB2F}" type="parTrans" cxnId="{7EC4CCEE-A36A-43C6-95E1-0480A1BAEE8F}">
+      <dgm:prSet/>
+      <dgm:spPr/>
+    </dgm:pt>
+    <dgm:pt modelId="{F8D97D87-512C-42B0-8BCF-6EB0500ECB4A}" type="sibTrans" cxnId="{7EC4CCEE-A36A-43C6-95E1-0480A1BAEE8F}">
+      <dgm:prSet/>
+      <dgm:spPr/>
+    </dgm:pt>
+    <dgm:pt modelId="{673CF87C-3FEE-4570-BD3C-45251C8860E1}">
+      <dgm:prSet/>
+      <dgm:spPr/>
+      <dgm:t>
+        <a:bodyPr/>
+        <a:lstStyle/>
+        <a:p>
+          <a:pPr rtl="0"/>
+          <a:r>
+            <a:rPr lang="es-AR" noProof="0" dirty="0" smtClean="0"/>
+            <a:t>Propenso a errores</a:t>
+          </a:r>
+          <a:endParaRPr lang="es-AR" noProof="0" dirty="0"/>
+        </a:p>
+      </dgm:t>
+    </dgm:pt>
+    <dgm:pt modelId="{DAEA0810-607E-42AF-AB88-4ADDF9190089}" type="parTrans" cxnId="{75A700D1-D7CB-41CD-B519-B5A9ADE122C1}">
+      <dgm:prSet/>
+      <dgm:spPr/>
+    </dgm:pt>
+    <dgm:pt modelId="{E0947DC1-3396-42B3-9CAF-49A98E26AA74}" type="sibTrans" cxnId="{75A700D1-D7CB-41CD-B519-B5A9ADE122C1}">
+      <dgm:prSet/>
+      <dgm:spPr/>
+    </dgm:pt>
+    <dgm:pt modelId="{CF9922EE-48BF-4D32-9CA3-D69D0E77782E}">
+      <dgm:prSet/>
+      <dgm:spPr/>
+      <dgm:t>
+        <a:bodyPr/>
+        <a:lstStyle/>
+        <a:p>
+          <a:pPr rtl="0"/>
+          <a:r>
+            <a:rPr lang="es-AR" noProof="0" dirty="0" smtClean="0"/>
+            <a:t>Tiempo requerido por simulación: Alto</a:t>
+          </a:r>
+          <a:endParaRPr lang="es-AR" noProof="0" dirty="0"/>
+        </a:p>
+      </dgm:t>
+    </dgm:pt>
+    <dgm:pt modelId="{76B7A7CB-BEA7-4835-8CFB-5DE74BC2A803}" type="parTrans" cxnId="{C7B12F29-6D9C-4F55-B0B4-0C52E4894C4D}">
+      <dgm:prSet/>
+      <dgm:spPr/>
+    </dgm:pt>
+    <dgm:pt modelId="{A2A6269D-5DD5-43D6-9B36-4E362826A8F1}" type="sibTrans" cxnId="{C7B12F29-6D9C-4F55-B0B4-0C52E4894C4D}">
+      <dgm:prSet/>
+      <dgm:spPr/>
+    </dgm:pt>
+    <dgm:pt modelId="{816B1F66-B04D-4168-AAC9-603B902502B3}">
+      <dgm:prSet/>
+      <dgm:spPr/>
+      <dgm:t>
+        <a:bodyPr/>
+        <a:lstStyle/>
+        <a:p>
+          <a:pPr rtl="0"/>
+          <a:endParaRPr lang="es-AR" noProof="0"/>
+        </a:p>
+      </dgm:t>
+    </dgm:pt>
+    <dgm:pt modelId="{728F8BA7-57D2-4913-B32E-AE62413F9E2B}" type="parTrans" cxnId="{DE7C114A-5D95-4AB1-A562-C2B1FD9E901A}">
+      <dgm:prSet/>
+      <dgm:spPr/>
+    </dgm:pt>
+    <dgm:pt modelId="{3C12FBF5-0681-465A-9A7B-7EBA11521D14}" type="sibTrans" cxnId="{DE7C114A-5D95-4AB1-A562-C2B1FD9E901A}">
+      <dgm:prSet/>
+      <dgm:spPr/>
+    </dgm:pt>
+    <dgm:pt modelId="{AB43DDEF-3FFD-405C-969F-A5205E771909}">
+      <dgm:prSet/>
+      <dgm:spPr/>
+      <dgm:t>
+        <a:bodyPr/>
+        <a:lstStyle/>
+        <a:p>
+          <a:pPr rtl="0"/>
+          <a:endParaRPr lang="es-AR" noProof="0" dirty="0"/>
+        </a:p>
+      </dgm:t>
+    </dgm:pt>
+    <dgm:pt modelId="{CF1E8733-F25C-4585-B628-A590A4D497A3}" type="parTrans" cxnId="{D8120A4F-36C0-498E-B77B-E8488B038205}">
+      <dgm:prSet/>
+      <dgm:spPr/>
+    </dgm:pt>
+    <dgm:pt modelId="{36FE620E-EFB1-4CF7-8C13-D054A4C42142}" type="sibTrans" cxnId="{D8120A4F-36C0-498E-B77B-E8488B038205}">
+      <dgm:prSet/>
+      <dgm:spPr/>
+    </dgm:pt>
+    <dgm:pt modelId="{0E334188-9FCE-4754-B766-F6DCF898A424}">
+      <dgm:prSet/>
+      <dgm:spPr/>
+      <dgm:t>
+        <a:bodyPr/>
+        <a:lstStyle/>
+        <a:p>
+          <a:pPr rtl="0"/>
+          <a:endParaRPr lang="es-AR" noProof="0" dirty="0"/>
+        </a:p>
+      </dgm:t>
+    </dgm:pt>
+    <dgm:pt modelId="{1A72B2DE-87F8-47D1-9593-AD23C65AF2C5}" type="parTrans" cxnId="{4BB9627F-6082-491F-9A31-E331F47FDE94}">
+      <dgm:prSet/>
+      <dgm:spPr/>
+    </dgm:pt>
+    <dgm:pt modelId="{1205E850-218F-42F4-8FB7-F49F93547ED8}" type="sibTrans" cxnId="{4BB9627F-6082-491F-9A31-E331F47FDE94}">
+      <dgm:prSet/>
+      <dgm:spPr/>
+    </dgm:pt>
     <dgm:pt modelId="{F9B833AD-177B-47A7-A8A2-CC5864175494}" type="pres">
       <dgm:prSet presAssocID="{28621352-D8C8-4462-A38B-5ED8DAECF65B}" presName="linear" presStyleCnt="0">
         <dgm:presLayoutVars>
@@ -2840,7 +2217,7 @@
       </dgm:t>
     </dgm:pt>
     <dgm:pt modelId="{A95D184C-E14B-4F00-909E-013D2800488D}" type="pres">
-      <dgm:prSet presAssocID="{F6891DC3-F7D4-4219-BD99-E633DF7F9C99}" presName="parentText" presStyleLbl="node1" presStyleIdx="0" presStyleCnt="3">
+      <dgm:prSet presAssocID="{F6891DC3-F7D4-4219-BD99-E633DF7F9C99}" presName="parentText" presStyleLbl="node1" presStyleIdx="0" presStyleCnt="4">
         <dgm:presLayoutVars>
           <dgm:chMax val="0"/>
           <dgm:bulletEnabled val="1"/>
@@ -2856,7 +2233,7 @@
       </dgm:t>
     </dgm:pt>
     <dgm:pt modelId="{3DA3C54A-443E-4079-8FD8-03835498A313}" type="pres">
-      <dgm:prSet presAssocID="{F6891DC3-F7D4-4219-BD99-E633DF7F9C99}" presName="childText" presStyleLbl="revTx" presStyleIdx="0" presStyleCnt="3">
+      <dgm:prSet presAssocID="{F6891DC3-F7D4-4219-BD99-E633DF7F9C99}" presName="childText" presStyleLbl="revTx" presStyleIdx="0" presStyleCnt="4">
         <dgm:presLayoutVars>
           <dgm:bulletEnabled val="1"/>
         </dgm:presLayoutVars>
@@ -2871,7 +2248,7 @@
       </dgm:t>
     </dgm:pt>
     <dgm:pt modelId="{3598399E-EEC9-4846-AE6F-2A815FA52A1A}" type="pres">
-      <dgm:prSet presAssocID="{DD847369-FD52-47A4-9862-6E0F26E8356D}" presName="parentText" presStyleLbl="node1" presStyleIdx="1" presStyleCnt="3">
+      <dgm:prSet presAssocID="{DD847369-FD52-47A4-9862-6E0F26E8356D}" presName="parentText" presStyleLbl="node1" presStyleIdx="1" presStyleCnt="4">
         <dgm:presLayoutVars>
           <dgm:chMax val="0"/>
           <dgm:bulletEnabled val="1"/>
@@ -2887,7 +2264,38 @@
       </dgm:t>
     </dgm:pt>
     <dgm:pt modelId="{86C6E5DC-91FE-4393-97EC-0E63A588CCA8}" type="pres">
-      <dgm:prSet presAssocID="{DD847369-FD52-47A4-9862-6E0F26E8356D}" presName="childText" presStyleLbl="revTx" presStyleIdx="1" presStyleCnt="3">
+      <dgm:prSet presAssocID="{DD847369-FD52-47A4-9862-6E0F26E8356D}" presName="childText" presStyleLbl="revTx" presStyleIdx="1" presStyleCnt="4">
+        <dgm:presLayoutVars>
+          <dgm:bulletEnabled val="1"/>
+        </dgm:presLayoutVars>
+      </dgm:prSet>
+      <dgm:spPr/>
+      <dgm:t>
+        <a:bodyPr/>
+        <a:lstStyle/>
+        <a:p>
+          <a:endParaRPr lang="es-AR"/>
+        </a:p>
+      </dgm:t>
+    </dgm:pt>
+    <dgm:pt modelId="{3C75DF9A-6800-46C6-AFE7-9345250C9E19}" type="pres">
+      <dgm:prSet presAssocID="{C450AFBD-D19E-4FDA-929B-E1A653D8E4DD}" presName="parentText" presStyleLbl="node1" presStyleIdx="2" presStyleCnt="4">
+        <dgm:presLayoutVars>
+          <dgm:chMax val="0"/>
+          <dgm:bulletEnabled val="1"/>
+        </dgm:presLayoutVars>
+      </dgm:prSet>
+      <dgm:spPr/>
+      <dgm:t>
+        <a:bodyPr/>
+        <a:lstStyle/>
+        <a:p>
+          <a:endParaRPr lang="es-AR"/>
+        </a:p>
+      </dgm:t>
+    </dgm:pt>
+    <dgm:pt modelId="{D4B29F39-5BA6-449A-B2B8-4D84BC4B354D}" type="pres">
+      <dgm:prSet presAssocID="{C450AFBD-D19E-4FDA-929B-E1A653D8E4DD}" presName="childText" presStyleLbl="revTx" presStyleIdx="2" presStyleCnt="4">
         <dgm:presLayoutVars>
           <dgm:bulletEnabled val="1"/>
         </dgm:presLayoutVars>
@@ -2902,7 +2310,7 @@
       </dgm:t>
     </dgm:pt>
     <dgm:pt modelId="{754C3953-3803-4D78-ABC9-4560C428F027}" type="pres">
-      <dgm:prSet presAssocID="{46D51864-616F-4817-8F91-3E15814C4CD5}" presName="parentText" presStyleLbl="node1" presStyleIdx="2" presStyleCnt="3">
+      <dgm:prSet presAssocID="{46D51864-616F-4817-8F91-3E15814C4CD5}" presName="parentText" presStyleLbl="node1" presStyleIdx="3" presStyleCnt="4">
         <dgm:presLayoutVars>
           <dgm:chMax val="0"/>
           <dgm:bulletEnabled val="1"/>
@@ -2918,7 +2326,7 @@
       </dgm:t>
     </dgm:pt>
     <dgm:pt modelId="{4174C60E-95CC-4882-BEA6-891F2F81F245}" type="pres">
-      <dgm:prSet presAssocID="{46D51864-616F-4817-8F91-3E15814C4CD5}" presName="childText" presStyleLbl="revTx" presStyleIdx="2" presStyleCnt="3">
+      <dgm:prSet presAssocID="{46D51864-616F-4817-8F91-3E15814C4CD5}" presName="childText" presStyleLbl="revTx" presStyleIdx="3" presStyleCnt="4">
         <dgm:presLayoutVars>
           <dgm:bulletEnabled val="1"/>
         </dgm:presLayoutVars>
@@ -2935,24 +2343,38 @@
   </dgm:ptLst>
   <dgm:cxnLst>
     <dgm:cxn modelId="{59DC16B1-1AD8-4E5A-9DFB-056D13E468D6}" type="presOf" srcId="{FF08B318-A1F3-47F2-AD3F-C9F8A0F96034}" destId="{4174C60E-95CC-4882-BEA6-891F2F81F245}" srcOrd="0" destOrd="3" presId="urn:microsoft.com/office/officeart/2005/8/layout/vList2"/>
+    <dgm:cxn modelId="{DE7C114A-5D95-4AB1-A562-C2B1FD9E901A}" srcId="{F6891DC3-F7D4-4219-BD99-E633DF7F9C99}" destId="{816B1F66-B04D-4168-AAC9-603B902502B3}" srcOrd="1" destOrd="0" parTransId="{728F8BA7-57D2-4913-B32E-AE62413F9E2B}" sibTransId="{3C12FBF5-0681-465A-9A7B-7EBA11521D14}"/>
+    <dgm:cxn modelId="{75A700D1-D7CB-41CD-B519-B5A9ADE122C1}" srcId="{C450AFBD-D19E-4FDA-929B-E1A653D8E4DD}" destId="{673CF87C-3FEE-4570-BD3C-45251C8860E1}" srcOrd="1" destOrd="0" parTransId="{DAEA0810-607E-42AF-AB88-4ADDF9190089}" sibTransId="{E0947DC1-3396-42B3-9CAF-49A98E26AA74}"/>
     <dgm:cxn modelId="{6E64ED66-4F46-4C8D-8C75-A970872A44CB}" type="presOf" srcId="{DD847369-FD52-47A4-9862-6E0F26E8356D}" destId="{3598399E-EEC9-4846-AE6F-2A815FA52A1A}" srcOrd="0" destOrd="0" presId="urn:microsoft.com/office/officeart/2005/8/layout/vList2"/>
     <dgm:cxn modelId="{518902F6-C000-4ED1-B07D-7869545DF19F}" type="presOf" srcId="{0C38124E-1BE8-4699-A409-7E5EBEFC0B05}" destId="{3DA3C54A-443E-4079-8FD8-03835498A313}" srcOrd="0" destOrd="0" presId="urn:microsoft.com/office/officeart/2005/8/layout/vList2"/>
     <dgm:cxn modelId="{DDE1E562-757E-41ED-8919-2F695DEFB7C4}" srcId="{DD847369-FD52-47A4-9862-6E0F26E8356D}" destId="{B23AB487-D1FB-45C8-ACD1-3EF47C2B535D}" srcOrd="0" destOrd="0" parTransId="{F399338F-1119-44B6-94F9-8F982ED25E8E}" sibTransId="{BCD5F139-66EC-4467-A91E-91B4B0B55E2A}"/>
     <dgm:cxn modelId="{BECF50C3-DFE3-45EE-B065-429FEFFFDC49}" type="presOf" srcId="{02FBB906-BA58-41E9-8AD3-696CDF33B717}" destId="{86C6E5DC-91FE-4393-97EC-0E63A588CCA8}" srcOrd="0" destOrd="1" presId="urn:microsoft.com/office/officeart/2005/8/layout/vList2"/>
+    <dgm:cxn modelId="{A908B9C3-771B-41EB-AB29-5D8297E093E1}" type="presOf" srcId="{85C598A0-BCCA-4BF4-BD0C-322094E95D20}" destId="{D4B29F39-5BA6-449A-B2B8-4D84BC4B354D}" srcOrd="0" destOrd="0" presId="urn:microsoft.com/office/officeart/2005/8/layout/vList2"/>
     <dgm:cxn modelId="{F8FC9519-21BC-4D9B-A3DD-05A3CB4F1842}" srcId="{46D51864-616F-4817-8F91-3E15814C4CD5}" destId="{69A1D6D1-C5A0-40C0-8829-3DCBB2A1EA06}" srcOrd="0" destOrd="0" parTransId="{0EE2AA90-1017-41D1-A5FF-5DB26507CBC1}" sibTransId="{F2EEB5D0-099E-4B95-BE4F-891C57129C67}"/>
     <dgm:cxn modelId="{4A7813FD-937C-452B-AF75-7E94AB313993}" srcId="{DD847369-FD52-47A4-9862-6E0F26E8356D}" destId="{F1D3B8A7-F18E-466C-B04E-4F86C1E71632}" srcOrd="2" destOrd="0" parTransId="{6FCD00B0-9AC7-4A2C-990E-1455B980BE4B}" sibTransId="{7FF16688-7ACE-4FBA-88B5-A9A16CC61368}"/>
     <dgm:cxn modelId="{AE3650D8-4F2F-426C-AB7C-8E557E497AC9}" srcId="{46D51864-616F-4817-8F91-3E15814C4CD5}" destId="{FF08B318-A1F3-47F2-AD3F-C9F8A0F96034}" srcOrd="3" destOrd="0" parTransId="{43FC54AC-4833-4786-BCFA-D5B98D91A7B6}" sibTransId="{DD8AA6AF-2AA6-41F8-912C-3C0B383B8B0E}"/>
+    <dgm:cxn modelId="{C5BE2439-39A8-47ED-9B5D-61B39BE555F8}" srcId="{28621352-D8C8-4462-A38B-5ED8DAECF65B}" destId="{C450AFBD-D19E-4FDA-929B-E1A653D8E4DD}" srcOrd="2" destOrd="0" parTransId="{3858CD50-7509-4A20-82C1-6C76A3301DC4}" sibTransId="{2DC09692-DC74-4E8D-B681-71C50902EB56}"/>
+    <dgm:cxn modelId="{60758F71-4054-4347-A92D-998683F1C3A7}" type="presOf" srcId="{0E334188-9FCE-4754-B766-F6DCF898A424}" destId="{D4B29F39-5BA6-449A-B2B8-4D84BC4B354D}" srcOrd="0" destOrd="3" presId="urn:microsoft.com/office/officeart/2005/8/layout/vList2"/>
+    <dgm:cxn modelId="{A0919315-A5D4-4BEF-A0E9-A2CC0CC68EEE}" type="presOf" srcId="{673CF87C-3FEE-4570-BD3C-45251C8860E1}" destId="{D4B29F39-5BA6-449A-B2B8-4D84BC4B354D}" srcOrd="0" destOrd="1" presId="urn:microsoft.com/office/officeart/2005/8/layout/vList2"/>
+    <dgm:cxn modelId="{4BB9627F-6082-491F-9A31-E331F47FDE94}" srcId="{C450AFBD-D19E-4FDA-929B-E1A653D8E4DD}" destId="{0E334188-9FCE-4754-B766-F6DCF898A424}" srcOrd="3" destOrd="0" parTransId="{1A72B2DE-87F8-47D1-9593-AD23C65AF2C5}" sibTransId="{1205E850-218F-42F4-8FB7-F49F93547ED8}"/>
+    <dgm:cxn modelId="{8E521032-63AF-4CE3-9A66-652C6C42682D}" type="presOf" srcId="{816B1F66-B04D-4168-AAC9-603B902502B3}" destId="{3DA3C54A-443E-4079-8FD8-03835498A313}" srcOrd="0" destOrd="1" presId="urn:microsoft.com/office/officeart/2005/8/layout/vList2"/>
+    <dgm:cxn modelId="{D8120A4F-36C0-498E-B77B-E8488B038205}" srcId="{DD847369-FD52-47A4-9862-6E0F26E8356D}" destId="{AB43DDEF-3FFD-405C-969F-A5205E771909}" srcOrd="3" destOrd="0" parTransId="{CF1E8733-F25C-4585-B628-A590A4D497A3}" sibTransId="{36FE620E-EFB1-4CF7-8C13-D054A4C42142}"/>
     <dgm:cxn modelId="{A8DDEF6F-4A41-4E35-AE4A-47B863F39A6C}" type="presOf" srcId="{46D51864-616F-4817-8F91-3E15814C4CD5}" destId="{754C3953-3803-4D78-ABC9-4560C428F027}" srcOrd="0" destOrd="0" presId="urn:microsoft.com/office/officeart/2005/8/layout/vList2"/>
     <dgm:cxn modelId="{971BCDC8-037B-4F8F-BDF3-31E529D82B42}" type="presOf" srcId="{69A1D6D1-C5A0-40C0-8829-3DCBB2A1EA06}" destId="{4174C60E-95CC-4882-BEA6-891F2F81F245}" srcOrd="0" destOrd="0" presId="urn:microsoft.com/office/officeart/2005/8/layout/vList2"/>
     <dgm:cxn modelId="{9977EA1B-9B74-4F59-A2D5-51A779991AD8}" srcId="{46D51864-616F-4817-8F91-3E15814C4CD5}" destId="{15B62DB7-1781-4712-8CB4-4612F4004CF9}" srcOrd="1" destOrd="0" parTransId="{7F360CA1-E9E5-4774-B5E6-7BD4C2281884}" sibTransId="{90A31C82-9F2C-45D4-89B6-4B24566CCF2C}"/>
     <dgm:cxn modelId="{23EF09F3-584C-4A0E-A954-D608F0381D33}" type="presOf" srcId="{F67643B1-22DC-47B4-B3B5-BF746A707484}" destId="{4174C60E-95CC-4882-BEA6-891F2F81F245}" srcOrd="0" destOrd="2" presId="urn:microsoft.com/office/officeart/2005/8/layout/vList2"/>
     <dgm:cxn modelId="{97540CCD-B544-4F38-8A09-A8D2A24C4BBA}" type="presOf" srcId="{15B62DB7-1781-4712-8CB4-4612F4004CF9}" destId="{4174C60E-95CC-4882-BEA6-891F2F81F245}" srcOrd="0" destOrd="1" presId="urn:microsoft.com/office/officeart/2005/8/layout/vList2"/>
-    <dgm:cxn modelId="{DFCB5525-E174-4B2A-ADBB-B3D93E2D2A6C}" srcId="{28621352-D8C8-4462-A38B-5ED8DAECF65B}" destId="{46D51864-616F-4817-8F91-3E15814C4CD5}" srcOrd="2" destOrd="0" parTransId="{E2AE9E1E-E0FB-47DC-9337-191CB5B936CB}" sibTransId="{E9DF6DF7-3E08-45C9-8B8E-841EA30C8B33}"/>
+    <dgm:cxn modelId="{F5607497-5D8D-46CE-AA54-88A7EA07FD9A}" type="presOf" srcId="{CF9922EE-48BF-4D32-9CA3-D69D0E77782E}" destId="{D4B29F39-5BA6-449A-B2B8-4D84BC4B354D}" srcOrd="0" destOrd="2" presId="urn:microsoft.com/office/officeart/2005/8/layout/vList2"/>
+    <dgm:cxn modelId="{7479DAAC-2B8D-4A7A-9DE1-A0F98C7C7923}" type="presOf" srcId="{AB43DDEF-3FFD-405C-969F-A5205E771909}" destId="{86C6E5DC-91FE-4393-97EC-0E63A588CCA8}" srcOrd="0" destOrd="3" presId="urn:microsoft.com/office/officeart/2005/8/layout/vList2"/>
+    <dgm:cxn modelId="{DFCB5525-E174-4B2A-ADBB-B3D93E2D2A6C}" srcId="{28621352-D8C8-4462-A38B-5ED8DAECF65B}" destId="{46D51864-616F-4817-8F91-3E15814C4CD5}" srcOrd="3" destOrd="0" parTransId="{E2AE9E1E-E0FB-47DC-9337-191CB5B936CB}" sibTransId="{E9DF6DF7-3E08-45C9-8B8E-841EA30C8B33}"/>
+    <dgm:cxn modelId="{7EC4CCEE-A36A-43C6-95E1-0480A1BAEE8F}" srcId="{C450AFBD-D19E-4FDA-929B-E1A653D8E4DD}" destId="{85C598A0-BCCA-4BF4-BD0C-322094E95D20}" srcOrd="0" destOrd="0" parTransId="{DF9A3197-7551-4AB0-9864-A3DFF256CB2F}" sibTransId="{F8D97D87-512C-42B0-8BCF-6EB0500ECB4A}"/>
     <dgm:cxn modelId="{F0D4F50D-5A17-422C-8331-D8004DD48F14}" srcId="{28621352-D8C8-4462-A38B-5ED8DAECF65B}" destId="{F6891DC3-F7D4-4219-BD99-E633DF7F9C99}" srcOrd="0" destOrd="0" parTransId="{1B245E6A-BCBD-4310-AB1B-65FCE10DA84E}" sibTransId="{1D2F8BD6-4E8D-44E7-BB11-49A85F68390E}"/>
     <dgm:cxn modelId="{5FB863EE-1950-496B-8FF6-A06CB4BCC373}" srcId="{46D51864-616F-4817-8F91-3E15814C4CD5}" destId="{F67643B1-22DC-47B4-B3B5-BF746A707484}" srcOrd="2" destOrd="0" parTransId="{8BDF7434-6C4C-4F44-B49E-8CEB0F7057E5}" sibTransId="{46B476B1-E80F-4347-839F-665DE47D6FA7}"/>
     <dgm:cxn modelId="{1B2F4A6A-C043-4023-88D6-A1926ECC69A4}" srcId="{F6891DC3-F7D4-4219-BD99-E633DF7F9C99}" destId="{0C38124E-1BE8-4699-A409-7E5EBEFC0B05}" srcOrd="0" destOrd="0" parTransId="{DE70DA72-A786-427A-941B-FDB83111C9ED}" sibTransId="{3D61EFA4-1337-4488-B664-71047F49B8E8}"/>
     <dgm:cxn modelId="{325076B5-CAF0-4A95-8C9C-B4FA4C794795}" srcId="{28621352-D8C8-4462-A38B-5ED8DAECF65B}" destId="{DD847369-FD52-47A4-9862-6E0F26E8356D}" srcOrd="1" destOrd="0" parTransId="{68F9C435-6FFD-40A0-A071-F2D05C6DAF67}" sibTransId="{6B1F0A42-3C88-4789-98FD-E29CD4BA95FC}"/>
+    <dgm:cxn modelId="{C7B12F29-6D9C-4F55-B0B4-0C52E4894C4D}" srcId="{C450AFBD-D19E-4FDA-929B-E1A653D8E4DD}" destId="{CF9922EE-48BF-4D32-9CA3-D69D0E77782E}" srcOrd="2" destOrd="0" parTransId="{76B7A7CB-BEA7-4835-8CFB-5DE74BC2A803}" sibTransId="{A2A6269D-5DD5-43D6-9B36-4E362826A8F1}"/>
     <dgm:cxn modelId="{C97EDC3C-F975-4058-9CA6-846C8132FD7D}" type="presOf" srcId="{F6891DC3-F7D4-4219-BD99-E633DF7F9C99}" destId="{A95D184C-E14B-4F00-909E-013D2800488D}" srcOrd="0" destOrd="0" presId="urn:microsoft.com/office/officeart/2005/8/layout/vList2"/>
+    <dgm:cxn modelId="{28A22959-2AC1-4283-8BF7-F15075D49AA4}" type="presOf" srcId="{C450AFBD-D19E-4FDA-929B-E1A653D8E4DD}" destId="{3C75DF9A-6800-46C6-AFE7-9345250C9E19}" srcOrd="0" destOrd="0" presId="urn:microsoft.com/office/officeart/2005/8/layout/vList2"/>
     <dgm:cxn modelId="{8526E3F5-25F8-4704-B058-78E3FE5EB49A}" srcId="{DD847369-FD52-47A4-9862-6E0F26E8356D}" destId="{02FBB906-BA58-41E9-8AD3-696CDF33B717}" srcOrd="1" destOrd="0" parTransId="{B5AFC2B3-D52C-48AE-8F7A-36242B2BAFB5}" sibTransId="{CF70BE40-2BC0-48DF-8F64-CC537DE7C180}"/>
     <dgm:cxn modelId="{17EC2E80-063A-4284-B5F7-5B460FC430DD}" type="presOf" srcId="{28621352-D8C8-4462-A38B-5ED8DAECF65B}" destId="{F9B833AD-177B-47A7-A8A2-CC5864175494}" srcOrd="0" destOrd="0" presId="urn:microsoft.com/office/officeart/2005/8/layout/vList2"/>
     <dgm:cxn modelId="{27AB5765-8A9D-4C63-A79E-37E0CC419524}" type="presOf" srcId="{B23AB487-D1FB-45C8-ACD1-3EF47C2B535D}" destId="{86C6E5DC-91FE-4393-97EC-0E63A588CCA8}" srcOrd="0" destOrd="0" presId="urn:microsoft.com/office/officeart/2005/8/layout/vList2"/>
@@ -2961,8 +2383,10 @@
     <dgm:cxn modelId="{ABE203F6-5A3D-41CA-B1E1-46B40234097C}" type="presParOf" srcId="{F9B833AD-177B-47A7-A8A2-CC5864175494}" destId="{3DA3C54A-443E-4079-8FD8-03835498A313}" srcOrd="1" destOrd="0" presId="urn:microsoft.com/office/officeart/2005/8/layout/vList2"/>
     <dgm:cxn modelId="{85722904-6A2E-4C3E-AA6C-BD7E0AF853CB}" type="presParOf" srcId="{F9B833AD-177B-47A7-A8A2-CC5864175494}" destId="{3598399E-EEC9-4846-AE6F-2A815FA52A1A}" srcOrd="2" destOrd="0" presId="urn:microsoft.com/office/officeart/2005/8/layout/vList2"/>
     <dgm:cxn modelId="{098C0B6A-D266-472D-9085-2F7CFCB701BB}" type="presParOf" srcId="{F9B833AD-177B-47A7-A8A2-CC5864175494}" destId="{86C6E5DC-91FE-4393-97EC-0E63A588CCA8}" srcOrd="3" destOrd="0" presId="urn:microsoft.com/office/officeart/2005/8/layout/vList2"/>
-    <dgm:cxn modelId="{3F874C36-5BAF-4146-81C3-F74890040269}" type="presParOf" srcId="{F9B833AD-177B-47A7-A8A2-CC5864175494}" destId="{754C3953-3803-4D78-ABC9-4560C428F027}" srcOrd="4" destOrd="0" presId="urn:microsoft.com/office/officeart/2005/8/layout/vList2"/>
-    <dgm:cxn modelId="{42A4BB19-C4F7-412C-9405-62CF8F353FF7}" type="presParOf" srcId="{F9B833AD-177B-47A7-A8A2-CC5864175494}" destId="{4174C60E-95CC-4882-BEA6-891F2F81F245}" srcOrd="5" destOrd="0" presId="urn:microsoft.com/office/officeart/2005/8/layout/vList2"/>
+    <dgm:cxn modelId="{A997382E-791D-4457-823C-BD43E06BC9B5}" type="presParOf" srcId="{F9B833AD-177B-47A7-A8A2-CC5864175494}" destId="{3C75DF9A-6800-46C6-AFE7-9345250C9E19}" srcOrd="4" destOrd="0" presId="urn:microsoft.com/office/officeart/2005/8/layout/vList2"/>
+    <dgm:cxn modelId="{E5535D83-A837-49B2-8E9C-2183C993A593}" type="presParOf" srcId="{F9B833AD-177B-47A7-A8A2-CC5864175494}" destId="{D4B29F39-5BA6-449A-B2B8-4D84BC4B354D}" srcOrd="5" destOrd="0" presId="urn:microsoft.com/office/officeart/2005/8/layout/vList2"/>
+    <dgm:cxn modelId="{3F874C36-5BAF-4146-81C3-F74890040269}" type="presParOf" srcId="{F9B833AD-177B-47A7-A8A2-CC5864175494}" destId="{754C3953-3803-4D78-ABC9-4560C428F027}" srcOrd="6" destOrd="0" presId="urn:microsoft.com/office/officeart/2005/8/layout/vList2"/>
+    <dgm:cxn modelId="{42A4BB19-C4F7-412C-9405-62CF8F353FF7}" type="presParOf" srcId="{F9B833AD-177B-47A7-A8A2-CC5864175494}" destId="{4174C60E-95CC-4882-BEA6-891F2F81F245}" srcOrd="7" destOrd="0" presId="urn:microsoft.com/office/officeart/2005/8/layout/vList2"/>
   </dgm:cxnLst>
   <dgm:bg/>
   <dgm:whole/>
@@ -2974,843 +2398,833 @@
 </dgm:dataModel>
 </file>
 
-<file path=ppt/diagrams/drawing1.xml><?xml version="1.0" encoding="utf-8"?>
-<dsp:drawing xmlns:dgm="http://schemas.openxmlformats.org/drawingml/2006/diagram" xmlns:a="http://schemas.openxmlformats.org/drawingml/2006/main" xmlns:dsp="http://schemas.microsoft.com/office/drawing/2008/diagram">
-  <dsp:spTree>
-    <dsp:nvGrpSpPr>
-      <dsp:cNvPr id="0" name=""/>
-      <dsp:cNvGrpSpPr/>
-    </dsp:nvGrpSpPr>
-    <dsp:grpSpPr/>
-    <dsp:sp modelId="{AA8642CE-076F-4E21-9169-AEFC3A7958DB}">
-      <dsp:nvSpPr>
-        <dsp:cNvPr id="0" name=""/>
-        <dsp:cNvSpPr/>
-      </dsp:nvSpPr>
-      <dsp:spPr>
-        <a:xfrm>
-          <a:off x="1435" y="1799"/>
-          <a:ext cx="4035729" cy="1114323"/>
-        </a:xfrm>
-        <a:prstGeom prst="roundRect">
-          <a:avLst>
-            <a:gd name="adj" fmla="val 10000"/>
-          </a:avLst>
-        </a:prstGeom>
-        <a:gradFill rotWithShape="0">
-          <a:gsLst>
-            <a:gs pos="0">
-              <a:schemeClr val="accent1">
-                <a:hueOff val="0"/>
-                <a:satOff val="0"/>
-                <a:lumOff val="0"/>
-                <a:alphaOff val="0"/>
-                <a:shade val="47500"/>
-                <a:satMod val="137000"/>
-              </a:schemeClr>
-            </a:gs>
-            <a:gs pos="55000">
-              <a:schemeClr val="accent1">
-                <a:hueOff val="0"/>
-                <a:satOff val="0"/>
-                <a:lumOff val="0"/>
-                <a:alphaOff val="0"/>
-                <a:shade val="69000"/>
-                <a:satMod val="137000"/>
-              </a:schemeClr>
-            </a:gs>
-            <a:gs pos="100000">
-              <a:schemeClr val="accent1">
-                <a:hueOff val="0"/>
-                <a:satOff val="0"/>
-                <a:lumOff val="0"/>
-                <a:alphaOff val="0"/>
-                <a:shade val="98000"/>
-                <a:satMod val="137000"/>
-              </a:schemeClr>
-            </a:gs>
-          </a:gsLst>
-          <a:lin ang="16200000" scaled="0"/>
-        </a:gradFill>
-        <a:ln>
-          <a:noFill/>
-        </a:ln>
-        <a:effectLst>
-          <a:outerShdw blurRad="39000" dist="25400" dir="5400000" rotWithShape="0">
-            <a:srgbClr val="000000">
-              <a:alpha val="38000"/>
-            </a:srgbClr>
-          </a:outerShdw>
-        </a:effectLst>
-      </dsp:spPr>
-      <dsp:style>
-        <a:lnRef idx="0">
-          <a:scrgbClr r="0" g="0" b="0"/>
-        </a:lnRef>
-        <a:fillRef idx="3">
-          <a:scrgbClr r="0" g="0" b="0"/>
-        </a:fillRef>
-        <a:effectRef idx="2">
-          <a:scrgbClr r="0" g="0" b="0"/>
-        </a:effectRef>
-        <a:fontRef idx="minor">
-          <a:schemeClr val="lt1"/>
-        </a:fontRef>
-      </dsp:style>
-      <dsp:txBody>
-        <a:bodyPr spcFirstLastPara="0" vert="horz" wrap="square" lIns="125730" tIns="125730" rIns="125730" bIns="125730" numCol="1" spcCol="1270" anchor="ctr" anchorCtr="0">
-          <a:noAutofit/>
-        </a:bodyPr>
+<file path=ppt/diagrams/data2.xml><?xml version="1.0" encoding="utf-8"?>
+<dgm:dataModel xmlns:dgm="http://schemas.openxmlformats.org/drawingml/2006/diagram" xmlns:a="http://schemas.openxmlformats.org/drawingml/2006/main">
+  <dgm:ptLst>
+    <dgm:pt modelId="{44708C06-303B-4ACD-B2F0-E95A20B60BB9}" type="doc">
+      <dgm:prSet loTypeId="urn:microsoft.com/office/officeart/2005/8/layout/vList2" loCatId="list" qsTypeId="urn:microsoft.com/office/officeart/2005/8/quickstyle/simple4" qsCatId="simple" csTypeId="urn:microsoft.com/office/officeart/2005/8/colors/accent1_2" csCatId="accent1" phldr="1"/>
+      <dgm:spPr/>
+      <dgm:t>
+        <a:bodyPr/>
         <a:lstStyle/>
         <a:p>
-          <a:pPr lvl="0" algn="ctr" defTabSz="1466850">
-            <a:lnSpc>
-              <a:spcPct val="90000"/>
-            </a:lnSpc>
-            <a:spcBef>
-              <a:spcPct val="0"/>
-            </a:spcBef>
-            <a:spcAft>
-              <a:spcPct val="35000"/>
-            </a:spcAft>
-          </a:pPr>
-          <a:r>
-            <a:rPr lang="es-AR" sz="3300" kern="1200" dirty="0"/>
-            <a:t>CONVERSOR FLASH</a:t>
-          </a:r>
+          <a:endParaRPr lang="es-AR"/>
         </a:p>
-      </dsp:txBody>
-      <dsp:txXfrm>
-        <a:off x="1435" y="1799"/>
-        <a:ext cx="4035729" cy="1114323"/>
-      </dsp:txXfrm>
-    </dsp:sp>
-    <dsp:sp modelId="{A3022894-5017-4BFC-92F1-859D2AB0615B}">
-      <dsp:nvSpPr>
-        <dsp:cNvPr id="0" name=""/>
-        <dsp:cNvSpPr/>
-      </dsp:nvSpPr>
-      <dsp:spPr>
-        <a:xfrm>
-          <a:off x="1435" y="1170621"/>
-          <a:ext cx="1987210" cy="1114323"/>
-        </a:xfrm>
-        <a:prstGeom prst="roundRect">
-          <a:avLst>
-            <a:gd name="adj" fmla="val 10000"/>
-          </a:avLst>
-        </a:prstGeom>
-        <a:gradFill rotWithShape="0">
-          <a:gsLst>
-            <a:gs pos="0">
-              <a:schemeClr val="accent1">
-                <a:hueOff val="0"/>
-                <a:satOff val="0"/>
-                <a:lumOff val="0"/>
-                <a:alphaOff val="0"/>
-                <a:shade val="47500"/>
-                <a:satMod val="137000"/>
-              </a:schemeClr>
-            </a:gs>
-            <a:gs pos="55000">
-              <a:schemeClr val="accent1">
-                <a:hueOff val="0"/>
-                <a:satOff val="0"/>
-                <a:lumOff val="0"/>
-                <a:alphaOff val="0"/>
-                <a:shade val="69000"/>
-                <a:satMod val="137000"/>
-              </a:schemeClr>
-            </a:gs>
-            <a:gs pos="100000">
-              <a:schemeClr val="accent1">
-                <a:hueOff val="0"/>
-                <a:satOff val="0"/>
-                <a:lumOff val="0"/>
-                <a:alphaOff val="0"/>
-                <a:shade val="98000"/>
-                <a:satMod val="137000"/>
-              </a:schemeClr>
-            </a:gs>
-          </a:gsLst>
-          <a:lin ang="16200000" scaled="0"/>
-        </a:gradFill>
-        <a:ln>
-          <a:noFill/>
-        </a:ln>
-        <a:effectLst>
-          <a:outerShdw blurRad="39000" dist="25400" dir="5400000" rotWithShape="0">
-            <a:srgbClr val="000000">
-              <a:alpha val="38000"/>
-            </a:srgbClr>
-          </a:outerShdw>
-        </a:effectLst>
-      </dsp:spPr>
-      <dsp:style>
-        <a:lnRef idx="0">
-          <a:scrgbClr r="0" g="0" b="0"/>
-        </a:lnRef>
-        <a:fillRef idx="3">
-          <a:scrgbClr r="0" g="0" b="0"/>
-        </a:fillRef>
-        <a:effectRef idx="2">
-          <a:scrgbClr r="0" g="0" b="0"/>
-        </a:effectRef>
-        <a:fontRef idx="minor">
-          <a:schemeClr val="lt1"/>
-        </a:fontRef>
-      </dsp:style>
-      <dsp:txBody>
-        <a:bodyPr spcFirstLastPara="0" vert="horz" wrap="square" lIns="114300" tIns="114300" rIns="114300" bIns="114300" numCol="1" spcCol="1270" anchor="ctr" anchorCtr="0">
-          <a:noAutofit/>
-        </a:bodyPr>
+      </dgm:t>
+    </dgm:pt>
+    <dgm:pt modelId="{C61D11BB-4595-44F9-9B5E-8C420BA3F5E4}">
+      <dgm:prSet/>
+      <dgm:spPr/>
+      <dgm:t>
+        <a:bodyPr/>
         <a:lstStyle/>
         <a:p>
-          <a:pPr lvl="0" algn="ctr" defTabSz="1333500">
-            <a:lnSpc>
-              <a:spcPct val="90000"/>
-            </a:lnSpc>
-            <a:spcBef>
-              <a:spcPct val="0"/>
-            </a:spcBef>
-            <a:spcAft>
-              <a:spcPct val="35000"/>
-            </a:spcAft>
-          </a:pPr>
+          <a:pPr rtl="0"/>
           <a:r>
-            <a:rPr lang="es-AR" sz="3000" kern="1200"/>
-            <a:t>Analógico</a:t>
+            <a:rPr lang="es-AR" dirty="0" smtClean="0"/>
+            <a:t>Objetivos</a:t>
           </a:r>
+          <a:endParaRPr lang="es-AR" dirty="0"/>
         </a:p>
-      </dsp:txBody>
-      <dsp:txXfrm>
-        <a:off x="1435" y="1170621"/>
-        <a:ext cx="1987210" cy="1114323"/>
-      </dsp:txXfrm>
-    </dsp:sp>
-    <dsp:sp modelId="{6703DBD5-002B-494B-811C-88092CA77056}">
-      <dsp:nvSpPr>
-        <dsp:cNvPr id="0" name=""/>
-        <dsp:cNvSpPr/>
-      </dsp:nvSpPr>
-      <dsp:spPr>
-        <a:xfrm>
-          <a:off x="1435" y="2339442"/>
-          <a:ext cx="973168" cy="1114323"/>
-        </a:xfrm>
-        <a:prstGeom prst="roundRect">
-          <a:avLst>
-            <a:gd name="adj" fmla="val 10000"/>
-          </a:avLst>
-        </a:prstGeom>
-        <a:gradFill rotWithShape="0">
-          <a:gsLst>
-            <a:gs pos="0">
-              <a:schemeClr val="accent1">
-                <a:hueOff val="0"/>
-                <a:satOff val="0"/>
-                <a:lumOff val="0"/>
-                <a:alphaOff val="0"/>
-                <a:shade val="47500"/>
-                <a:satMod val="137000"/>
-              </a:schemeClr>
-            </a:gs>
-            <a:gs pos="55000">
-              <a:schemeClr val="accent1">
-                <a:hueOff val="0"/>
-                <a:satOff val="0"/>
-                <a:lumOff val="0"/>
-                <a:alphaOff val="0"/>
-                <a:shade val="69000"/>
-                <a:satMod val="137000"/>
-              </a:schemeClr>
-            </a:gs>
-            <a:gs pos="100000">
-              <a:schemeClr val="accent1">
-                <a:hueOff val="0"/>
-                <a:satOff val="0"/>
-                <a:lumOff val="0"/>
-                <a:alphaOff val="0"/>
-                <a:shade val="98000"/>
-                <a:satMod val="137000"/>
-              </a:schemeClr>
-            </a:gs>
-          </a:gsLst>
-          <a:lin ang="16200000" scaled="0"/>
-        </a:gradFill>
-        <a:ln>
-          <a:noFill/>
-        </a:ln>
-        <a:effectLst>
-          <a:outerShdw blurRad="39000" dist="25400" dir="5400000" rotWithShape="0">
-            <a:srgbClr val="000000">
-              <a:alpha val="38000"/>
-            </a:srgbClr>
-          </a:outerShdw>
-        </a:effectLst>
-      </dsp:spPr>
-      <dsp:style>
-        <a:lnRef idx="0">
-          <a:scrgbClr r="0" g="0" b="0"/>
-        </a:lnRef>
-        <a:fillRef idx="3">
-          <a:scrgbClr r="0" g="0" b="0"/>
-        </a:fillRef>
-        <a:effectRef idx="2">
-          <a:scrgbClr r="0" g="0" b="0"/>
-        </a:effectRef>
-        <a:fontRef idx="minor">
-          <a:schemeClr val="lt1"/>
-        </a:fontRef>
-      </dsp:style>
-      <dsp:txBody>
-        <a:bodyPr spcFirstLastPara="0" vert="horz" wrap="square" lIns="38100" tIns="38100" rIns="38100" bIns="38100" numCol="1" spcCol="1270" anchor="ctr" anchorCtr="0">
-          <a:noAutofit/>
-        </a:bodyPr>
+      </dgm:t>
+    </dgm:pt>
+    <dgm:pt modelId="{15384DF1-5386-40C4-84D3-E7302A1786F5}" type="parTrans" cxnId="{E6BFC30D-E97B-4A5B-B4C0-3BE022BE8ED1}">
+      <dgm:prSet/>
+      <dgm:spPr/>
+      <dgm:t>
+        <a:bodyPr/>
         <a:lstStyle/>
         <a:p>
-          <a:pPr lvl="0" algn="ctr" defTabSz="444500">
-            <a:lnSpc>
-              <a:spcPct val="90000"/>
-            </a:lnSpc>
-            <a:spcBef>
-              <a:spcPct val="0"/>
-            </a:spcBef>
-            <a:spcAft>
-              <a:spcPct val="35000"/>
-            </a:spcAft>
-          </a:pPr>
-          <a:r>
-            <a:rPr lang="es-AR" sz="1000" kern="1200"/>
-            <a:t>DIVISOR RESISTIVO</a:t>
-          </a:r>
+          <a:endParaRPr lang="es-AR"/>
         </a:p>
-      </dsp:txBody>
-      <dsp:txXfrm>
-        <a:off x="1435" y="2339442"/>
-        <a:ext cx="973168" cy="1114323"/>
-      </dsp:txXfrm>
-    </dsp:sp>
-    <dsp:sp modelId="{71FB9E89-85B4-426C-9E92-70DA55968B4C}">
-      <dsp:nvSpPr>
-        <dsp:cNvPr id="0" name=""/>
-        <dsp:cNvSpPr/>
-      </dsp:nvSpPr>
-      <dsp:spPr>
-        <a:xfrm>
-          <a:off x="1015476" y="2339442"/>
-          <a:ext cx="973168" cy="1114323"/>
-        </a:xfrm>
-        <a:prstGeom prst="roundRect">
-          <a:avLst>
-            <a:gd name="adj" fmla="val 10000"/>
-          </a:avLst>
-        </a:prstGeom>
-        <a:gradFill rotWithShape="0">
-          <a:gsLst>
-            <a:gs pos="0">
-              <a:schemeClr val="accent1">
-                <a:hueOff val="0"/>
-                <a:satOff val="0"/>
-                <a:lumOff val="0"/>
-                <a:alphaOff val="0"/>
-                <a:shade val="47500"/>
-                <a:satMod val="137000"/>
-              </a:schemeClr>
-            </a:gs>
-            <a:gs pos="55000">
-              <a:schemeClr val="accent1">
-                <a:hueOff val="0"/>
-                <a:satOff val="0"/>
-                <a:lumOff val="0"/>
-                <a:alphaOff val="0"/>
-                <a:shade val="69000"/>
-                <a:satMod val="137000"/>
-              </a:schemeClr>
-            </a:gs>
-            <a:gs pos="100000">
-              <a:schemeClr val="accent1">
-                <a:hueOff val="0"/>
-                <a:satOff val="0"/>
-                <a:lumOff val="0"/>
-                <a:alphaOff val="0"/>
-                <a:shade val="98000"/>
-                <a:satMod val="137000"/>
-              </a:schemeClr>
-            </a:gs>
-          </a:gsLst>
-          <a:lin ang="16200000" scaled="0"/>
-        </a:gradFill>
-        <a:ln>
-          <a:noFill/>
-        </a:ln>
-        <a:effectLst>
-          <a:outerShdw blurRad="39000" dist="25400" dir="5400000" rotWithShape="0">
-            <a:srgbClr val="000000">
-              <a:alpha val="38000"/>
-            </a:srgbClr>
-          </a:outerShdw>
-        </a:effectLst>
-      </dsp:spPr>
-      <dsp:style>
-        <a:lnRef idx="0">
-          <a:scrgbClr r="0" g="0" b="0"/>
-        </a:lnRef>
-        <a:fillRef idx="3">
-          <a:scrgbClr r="0" g="0" b="0"/>
-        </a:fillRef>
-        <a:effectRef idx="2">
-          <a:scrgbClr r="0" g="0" b="0"/>
-        </a:effectRef>
-        <a:fontRef idx="minor">
-          <a:schemeClr val="lt1"/>
-        </a:fontRef>
-      </dsp:style>
-      <dsp:txBody>
-        <a:bodyPr spcFirstLastPara="0" vert="horz" wrap="square" lIns="38100" tIns="38100" rIns="38100" bIns="38100" numCol="1" spcCol="1270" anchor="ctr" anchorCtr="0">
-          <a:noAutofit/>
-        </a:bodyPr>
+      </dgm:t>
+    </dgm:pt>
+    <dgm:pt modelId="{2771041C-2B15-40FF-AA58-C48C4E218F80}" type="sibTrans" cxnId="{E6BFC30D-E97B-4A5B-B4C0-3BE022BE8ED1}">
+      <dgm:prSet/>
+      <dgm:spPr/>
+      <dgm:t>
+        <a:bodyPr/>
         <a:lstStyle/>
         <a:p>
-          <a:pPr lvl="0" algn="ctr" defTabSz="444500">
-            <a:lnSpc>
-              <a:spcPct val="90000"/>
-            </a:lnSpc>
-            <a:spcBef>
-              <a:spcPct val="0"/>
-            </a:spcBef>
-            <a:spcAft>
-              <a:spcPct val="35000"/>
-            </a:spcAft>
-          </a:pPr>
-          <a:r>
-            <a:rPr lang="es-AR" sz="1000" kern="1200"/>
-            <a:t>COMPARADOR</a:t>
-          </a:r>
+          <a:endParaRPr lang="es-AR"/>
         </a:p>
-      </dsp:txBody>
-      <dsp:txXfrm>
-        <a:off x="1015476" y="2339442"/>
-        <a:ext cx="973168" cy="1114323"/>
-      </dsp:txXfrm>
-    </dsp:sp>
-    <dsp:sp modelId="{27A8E2C9-ACC0-4C1C-A1B4-FC5118E4D3CD}">
-      <dsp:nvSpPr>
-        <dsp:cNvPr id="0" name=""/>
-        <dsp:cNvSpPr/>
-      </dsp:nvSpPr>
-      <dsp:spPr>
-        <a:xfrm>
-          <a:off x="2070391" y="1170621"/>
-          <a:ext cx="1966773" cy="1114323"/>
-        </a:xfrm>
-        <a:prstGeom prst="roundRect">
-          <a:avLst>
-            <a:gd name="adj" fmla="val 10000"/>
-          </a:avLst>
-        </a:prstGeom>
-        <a:gradFill rotWithShape="0">
-          <a:gsLst>
-            <a:gs pos="0">
-              <a:schemeClr val="accent1">
-                <a:hueOff val="0"/>
-                <a:satOff val="0"/>
-                <a:lumOff val="0"/>
-                <a:alphaOff val="0"/>
-                <a:shade val="47500"/>
-                <a:satMod val="137000"/>
-              </a:schemeClr>
-            </a:gs>
-            <a:gs pos="55000">
-              <a:schemeClr val="accent1">
-                <a:hueOff val="0"/>
-                <a:satOff val="0"/>
-                <a:lumOff val="0"/>
-                <a:alphaOff val="0"/>
-                <a:shade val="69000"/>
-                <a:satMod val="137000"/>
-              </a:schemeClr>
-            </a:gs>
-            <a:gs pos="100000">
-              <a:schemeClr val="accent1">
-                <a:hueOff val="0"/>
-                <a:satOff val="0"/>
-                <a:lumOff val="0"/>
-                <a:alphaOff val="0"/>
-                <a:shade val="98000"/>
-                <a:satMod val="137000"/>
-              </a:schemeClr>
-            </a:gs>
-          </a:gsLst>
-          <a:lin ang="16200000" scaled="0"/>
-        </a:gradFill>
-        <a:ln>
-          <a:noFill/>
-        </a:ln>
-        <a:effectLst>
-          <a:outerShdw blurRad="39000" dist="25400" dir="5400000" rotWithShape="0">
-            <a:srgbClr val="000000">
-              <a:alpha val="38000"/>
-            </a:srgbClr>
-          </a:outerShdw>
-        </a:effectLst>
-      </dsp:spPr>
-      <dsp:style>
-        <a:lnRef idx="0">
-          <a:scrgbClr r="0" g="0" b="0"/>
-        </a:lnRef>
-        <a:fillRef idx="3">
-          <a:scrgbClr r="0" g="0" b="0"/>
-        </a:fillRef>
-        <a:effectRef idx="2">
-          <a:scrgbClr r="0" g="0" b="0"/>
-        </a:effectRef>
-        <a:fontRef idx="minor">
-          <a:schemeClr val="lt1"/>
-        </a:fontRef>
-      </dsp:style>
-      <dsp:txBody>
-        <a:bodyPr spcFirstLastPara="0" vert="horz" wrap="square" lIns="114300" tIns="114300" rIns="114300" bIns="114300" numCol="1" spcCol="1270" anchor="ctr" anchorCtr="0">
-          <a:noAutofit/>
-        </a:bodyPr>
+      </dgm:t>
+    </dgm:pt>
+    <dgm:pt modelId="{1A5928DB-AEEF-4FE0-BF3F-E22BAEBAD252}">
+      <dgm:prSet/>
+      <dgm:spPr/>
+      <dgm:t>
+        <a:bodyPr/>
         <a:lstStyle/>
         <a:p>
-          <a:pPr lvl="0" algn="ctr" defTabSz="1333500">
-            <a:lnSpc>
-              <a:spcPct val="90000"/>
-            </a:lnSpc>
-            <a:spcBef>
-              <a:spcPct val="0"/>
-            </a:spcBef>
-            <a:spcAft>
-              <a:spcPct val="35000"/>
-            </a:spcAft>
-          </a:pPr>
+          <a:pPr rtl="0"/>
           <a:r>
-            <a:rPr lang="es-AR" sz="3000" kern="1200"/>
-            <a:t>Digital</a:t>
+            <a:rPr lang="es-AR" dirty="0" smtClean="0"/>
+            <a:t>Determinar la sensibilidad del conversor a los ASETs.</a:t>
           </a:r>
+          <a:endParaRPr lang="es-AR" dirty="0"/>
         </a:p>
-      </dsp:txBody>
-      <dsp:txXfrm>
-        <a:off x="2070391" y="1170621"/>
-        <a:ext cx="1966773" cy="1114323"/>
-      </dsp:txXfrm>
-    </dsp:sp>
-    <dsp:sp modelId="{2D0BEDD2-93E1-444F-B15D-F8AE6E00B684}">
-      <dsp:nvSpPr>
-        <dsp:cNvPr id="0" name=""/>
-        <dsp:cNvSpPr/>
-      </dsp:nvSpPr>
-      <dsp:spPr>
-        <a:xfrm>
-          <a:off x="2070391" y="2339442"/>
-          <a:ext cx="1966773" cy="1114323"/>
-        </a:xfrm>
-        <a:prstGeom prst="roundRect">
-          <a:avLst>
-            <a:gd name="adj" fmla="val 10000"/>
-          </a:avLst>
-        </a:prstGeom>
-        <a:gradFill rotWithShape="0">
-          <a:gsLst>
-            <a:gs pos="0">
-              <a:schemeClr val="accent1">
-                <a:hueOff val="0"/>
-                <a:satOff val="0"/>
-                <a:lumOff val="0"/>
-                <a:alphaOff val="0"/>
-                <a:shade val="47500"/>
-                <a:satMod val="137000"/>
-              </a:schemeClr>
-            </a:gs>
-            <a:gs pos="55000">
-              <a:schemeClr val="accent1">
-                <a:hueOff val="0"/>
-                <a:satOff val="0"/>
-                <a:lumOff val="0"/>
-                <a:alphaOff val="0"/>
-                <a:shade val="69000"/>
-                <a:satMod val="137000"/>
-              </a:schemeClr>
-            </a:gs>
-            <a:gs pos="100000">
-              <a:schemeClr val="accent1">
-                <a:hueOff val="0"/>
-                <a:satOff val="0"/>
-                <a:lumOff val="0"/>
-                <a:alphaOff val="0"/>
-                <a:shade val="98000"/>
-                <a:satMod val="137000"/>
-              </a:schemeClr>
-            </a:gs>
-          </a:gsLst>
-          <a:lin ang="16200000" scaled="0"/>
-        </a:gradFill>
-        <a:ln>
-          <a:noFill/>
-        </a:ln>
-        <a:effectLst>
-          <a:outerShdw blurRad="39000" dist="25400" dir="5400000" rotWithShape="0">
-            <a:srgbClr val="000000">
-              <a:alpha val="38000"/>
-            </a:srgbClr>
-          </a:outerShdw>
-        </a:effectLst>
-      </dsp:spPr>
-      <dsp:style>
-        <a:lnRef idx="0">
-          <a:scrgbClr r="0" g="0" b="0"/>
-        </a:lnRef>
-        <a:fillRef idx="3">
-          <a:scrgbClr r="0" g="0" b="0"/>
-        </a:fillRef>
-        <a:effectRef idx="2">
-          <a:scrgbClr r="0" g="0" b="0"/>
-        </a:effectRef>
-        <a:fontRef idx="minor">
-          <a:schemeClr val="lt1"/>
-        </a:fontRef>
-      </dsp:style>
-      <dsp:txBody>
-        <a:bodyPr spcFirstLastPara="0" vert="horz" wrap="square" lIns="38100" tIns="38100" rIns="38100" bIns="38100" numCol="1" spcCol="1270" anchor="ctr" anchorCtr="0">
-          <a:noAutofit/>
-        </a:bodyPr>
+      </dgm:t>
+    </dgm:pt>
+    <dgm:pt modelId="{1BE43270-4DE6-4692-A9BF-9D84E038AA50}" type="parTrans" cxnId="{5B95B6E2-0255-4DD5-BA86-A449E36D0794}">
+      <dgm:prSet/>
+      <dgm:spPr/>
+      <dgm:t>
+        <a:bodyPr/>
         <a:lstStyle/>
         <a:p>
-          <a:pPr lvl="0" algn="ctr" defTabSz="444500">
-            <a:lnSpc>
-              <a:spcPct val="90000"/>
-            </a:lnSpc>
-            <a:spcBef>
-              <a:spcPct val="0"/>
-            </a:spcBef>
-            <a:spcAft>
-              <a:spcPct val="35000"/>
-            </a:spcAft>
-          </a:pPr>
-          <a:r>
-            <a:rPr lang="es-AR" sz="1000" kern="1200"/>
-            <a:t>DECODIFICADOR</a:t>
-          </a:r>
+          <a:endParaRPr lang="es-AR"/>
         </a:p>
-      </dsp:txBody>
-      <dsp:txXfrm>
-        <a:off x="2070391" y="2339442"/>
-        <a:ext cx="1966773" cy="1114323"/>
-      </dsp:txXfrm>
-    </dsp:sp>
-    <dsp:sp modelId="{85EB828F-C976-4C4B-BA1A-17244ACF076A}">
-      <dsp:nvSpPr>
-        <dsp:cNvPr id="0" name=""/>
-        <dsp:cNvSpPr/>
-      </dsp:nvSpPr>
-      <dsp:spPr>
-        <a:xfrm>
-          <a:off x="2070391" y="3508263"/>
-          <a:ext cx="973168" cy="1114323"/>
-        </a:xfrm>
-        <a:prstGeom prst="roundRect">
-          <a:avLst>
-            <a:gd name="adj" fmla="val 10000"/>
-          </a:avLst>
-        </a:prstGeom>
-        <a:gradFill rotWithShape="0">
-          <a:gsLst>
-            <a:gs pos="0">
-              <a:schemeClr val="accent1">
-                <a:hueOff val="0"/>
-                <a:satOff val="0"/>
-                <a:lumOff val="0"/>
-                <a:alphaOff val="0"/>
-                <a:shade val="47500"/>
-                <a:satMod val="137000"/>
-              </a:schemeClr>
-            </a:gs>
-            <a:gs pos="55000">
-              <a:schemeClr val="accent1">
-                <a:hueOff val="0"/>
-                <a:satOff val="0"/>
-                <a:lumOff val="0"/>
-                <a:alphaOff val="0"/>
-                <a:shade val="69000"/>
-                <a:satMod val="137000"/>
-              </a:schemeClr>
-            </a:gs>
-            <a:gs pos="100000">
-              <a:schemeClr val="accent1">
-                <a:hueOff val="0"/>
-                <a:satOff val="0"/>
-                <a:lumOff val="0"/>
-                <a:alphaOff val="0"/>
-                <a:shade val="98000"/>
-                <a:satMod val="137000"/>
-              </a:schemeClr>
-            </a:gs>
-          </a:gsLst>
-          <a:lin ang="16200000" scaled="0"/>
-        </a:gradFill>
-        <a:ln>
-          <a:noFill/>
-        </a:ln>
-        <a:effectLst>
-          <a:outerShdw blurRad="39000" dist="25400" dir="5400000" rotWithShape="0">
-            <a:srgbClr val="000000">
-              <a:alpha val="38000"/>
-            </a:srgbClr>
-          </a:outerShdw>
-        </a:effectLst>
-      </dsp:spPr>
-      <dsp:style>
-        <a:lnRef idx="0">
-          <a:scrgbClr r="0" g="0" b="0"/>
-        </a:lnRef>
-        <a:fillRef idx="3">
-          <a:scrgbClr r="0" g="0" b="0"/>
-        </a:fillRef>
-        <a:effectRef idx="2">
-          <a:scrgbClr r="0" g="0" b="0"/>
-        </a:effectRef>
-        <a:fontRef idx="minor">
-          <a:schemeClr val="lt1"/>
-        </a:fontRef>
-      </dsp:style>
-      <dsp:txBody>
-        <a:bodyPr spcFirstLastPara="0" vert="horz" wrap="square" lIns="38100" tIns="38100" rIns="38100" bIns="38100" numCol="1" spcCol="1270" anchor="ctr" anchorCtr="0">
-          <a:noAutofit/>
-        </a:bodyPr>
+      </dgm:t>
+    </dgm:pt>
+    <dgm:pt modelId="{E9A7AC35-C9B8-442C-A7A7-EA4E6768D458}" type="sibTrans" cxnId="{5B95B6E2-0255-4DD5-BA86-A449E36D0794}">
+      <dgm:prSet/>
+      <dgm:spPr/>
+      <dgm:t>
+        <a:bodyPr/>
         <a:lstStyle/>
         <a:p>
-          <a:pPr lvl="0" algn="ctr" defTabSz="444500">
-            <a:lnSpc>
-              <a:spcPct val="90000"/>
-            </a:lnSpc>
-            <a:spcBef>
-              <a:spcPct val="0"/>
-            </a:spcBef>
-            <a:spcAft>
-              <a:spcPct val="35000"/>
-            </a:spcAft>
-          </a:pPr>
-          <a:r>
-            <a:rPr lang="es-AR" sz="1000" kern="1200"/>
-            <a:t>NEGADOR</a:t>
-          </a:r>
+          <a:endParaRPr lang="es-AR"/>
         </a:p>
-      </dsp:txBody>
-      <dsp:txXfrm>
-        <a:off x="2070391" y="3508263"/>
-        <a:ext cx="973168" cy="1114323"/>
-      </dsp:txXfrm>
-    </dsp:sp>
-    <dsp:sp modelId="{9DF2C459-4115-4E2B-AE4B-636AE7505F85}">
-      <dsp:nvSpPr>
-        <dsp:cNvPr id="0" name=""/>
-        <dsp:cNvSpPr/>
-      </dsp:nvSpPr>
-      <dsp:spPr>
-        <a:xfrm>
-          <a:off x="3063996" y="3508263"/>
-          <a:ext cx="973168" cy="1114323"/>
-        </a:xfrm>
-        <a:prstGeom prst="roundRect">
-          <a:avLst>
-            <a:gd name="adj" fmla="val 10000"/>
-          </a:avLst>
-        </a:prstGeom>
-        <a:gradFill rotWithShape="0">
-          <a:gsLst>
-            <a:gs pos="0">
-              <a:schemeClr val="accent1">
-                <a:hueOff val="0"/>
-                <a:satOff val="0"/>
-                <a:lumOff val="0"/>
-                <a:alphaOff val="0"/>
-                <a:shade val="47500"/>
-                <a:satMod val="137000"/>
-              </a:schemeClr>
-            </a:gs>
-            <a:gs pos="55000">
-              <a:schemeClr val="accent1">
-                <a:hueOff val="0"/>
-                <a:satOff val="0"/>
-                <a:lumOff val="0"/>
-                <a:alphaOff val="0"/>
-                <a:shade val="69000"/>
-                <a:satMod val="137000"/>
-              </a:schemeClr>
-            </a:gs>
-            <a:gs pos="100000">
-              <a:schemeClr val="accent1">
-                <a:hueOff val="0"/>
-                <a:satOff val="0"/>
-                <a:lumOff val="0"/>
-                <a:alphaOff val="0"/>
-                <a:shade val="98000"/>
-                <a:satMod val="137000"/>
-              </a:schemeClr>
-            </a:gs>
-          </a:gsLst>
-          <a:lin ang="16200000" scaled="0"/>
-        </a:gradFill>
-        <a:ln>
-          <a:noFill/>
-        </a:ln>
-        <a:effectLst>
-          <a:outerShdw blurRad="39000" dist="25400" dir="5400000" rotWithShape="0">
-            <a:srgbClr val="000000">
-              <a:alpha val="38000"/>
-            </a:srgbClr>
-          </a:outerShdw>
-        </a:effectLst>
-      </dsp:spPr>
-      <dsp:style>
-        <a:lnRef idx="0">
-          <a:scrgbClr r="0" g="0" b="0"/>
-        </a:lnRef>
-        <a:fillRef idx="3">
-          <a:scrgbClr r="0" g="0" b="0"/>
-        </a:fillRef>
-        <a:effectRef idx="2">
-          <a:scrgbClr r="0" g="0" b="0"/>
-        </a:effectRef>
-        <a:fontRef idx="minor">
-          <a:schemeClr val="lt1"/>
-        </a:fontRef>
-      </dsp:style>
-      <dsp:txBody>
-        <a:bodyPr spcFirstLastPara="0" vert="horz" wrap="square" lIns="38100" tIns="38100" rIns="38100" bIns="38100" numCol="1" spcCol="1270" anchor="ctr" anchorCtr="0">
-          <a:noAutofit/>
-        </a:bodyPr>
+      </dgm:t>
+    </dgm:pt>
+    <dgm:pt modelId="{F6FCA15E-1300-49D8-9A19-C767DAC04A99}">
+      <dgm:prSet/>
+      <dgm:spPr/>
+      <dgm:t>
+        <a:bodyPr/>
         <a:lstStyle/>
         <a:p>
-          <a:pPr lvl="0" algn="ctr" defTabSz="444500">
-            <a:lnSpc>
-              <a:spcPct val="90000"/>
-            </a:lnSpc>
-            <a:spcBef>
-              <a:spcPct val="0"/>
-            </a:spcBef>
-            <a:spcAft>
-              <a:spcPct val="35000"/>
-            </a:spcAft>
-          </a:pPr>
+          <a:pPr rtl="0"/>
           <a:r>
-            <a:rPr lang="es-AR" sz="1000" kern="1200"/>
-            <a:t>COMPUERTAS NAND</a:t>
+            <a:rPr lang="es-AR" dirty="0" smtClean="0"/>
+            <a:t>Ventajas</a:t>
           </a:r>
+          <a:endParaRPr lang="es-AR" dirty="0"/>
         </a:p>
-      </dsp:txBody>
-      <dsp:txXfrm>
-        <a:off x="3063996" y="3508263"/>
-        <a:ext cx="973168" cy="1114323"/>
-      </dsp:txXfrm>
-    </dsp:sp>
-  </dsp:spTree>
-</dsp:drawing>
+      </dgm:t>
+    </dgm:pt>
+    <dgm:pt modelId="{A74BA5E5-A53D-4F3D-ACFA-961BF5125D5C}" type="parTrans" cxnId="{D96B73A6-972C-4F9D-8490-A56AFD82B2C7}">
+      <dgm:prSet/>
+      <dgm:spPr/>
+      <dgm:t>
+        <a:bodyPr/>
+        <a:lstStyle/>
+        <a:p>
+          <a:endParaRPr lang="es-AR"/>
+        </a:p>
+      </dgm:t>
+    </dgm:pt>
+    <dgm:pt modelId="{BA5F5378-9587-4492-B23F-3934CB1A0707}" type="sibTrans" cxnId="{D96B73A6-972C-4F9D-8490-A56AFD82B2C7}">
+      <dgm:prSet/>
+      <dgm:spPr/>
+      <dgm:t>
+        <a:bodyPr/>
+        <a:lstStyle/>
+        <a:p>
+          <a:endParaRPr lang="es-AR"/>
+        </a:p>
+      </dgm:t>
+    </dgm:pt>
+    <dgm:pt modelId="{BDE75AA0-EEA2-4A2B-89AC-3ECE4A048F59}">
+      <dgm:prSet/>
+      <dgm:spPr/>
+      <dgm:t>
+        <a:bodyPr/>
+        <a:lstStyle/>
+        <a:p>
+          <a:pPr rtl="0"/>
+          <a:r>
+            <a:rPr lang="es-AR" dirty="0" smtClean="0"/>
+            <a:t>Tiempo requerido por simulación: bajo</a:t>
+          </a:r>
+          <a:endParaRPr lang="es-AR" dirty="0"/>
+        </a:p>
+      </dgm:t>
+    </dgm:pt>
+    <dgm:pt modelId="{69CE7B57-4C7A-420A-B169-FC6DA555A59F}" type="parTrans" cxnId="{AC5C21BE-50B9-4F69-9B10-790D0161C134}">
+      <dgm:prSet/>
+      <dgm:spPr/>
+      <dgm:t>
+        <a:bodyPr/>
+        <a:lstStyle/>
+        <a:p>
+          <a:endParaRPr lang="es-AR"/>
+        </a:p>
+      </dgm:t>
+    </dgm:pt>
+    <dgm:pt modelId="{36E1F3B8-BC97-4637-87DF-5DCBF2640188}" type="sibTrans" cxnId="{AC5C21BE-50B9-4F69-9B10-790D0161C134}">
+      <dgm:prSet/>
+      <dgm:spPr/>
+      <dgm:t>
+        <a:bodyPr/>
+        <a:lstStyle/>
+        <a:p>
+          <a:endParaRPr lang="es-AR"/>
+        </a:p>
+      </dgm:t>
+    </dgm:pt>
+    <dgm:pt modelId="{E5C40602-EE8D-416D-8B3B-4E24090647F3}">
+      <dgm:prSet/>
+      <dgm:spPr/>
+      <dgm:t>
+        <a:bodyPr/>
+        <a:lstStyle/>
+        <a:p>
+          <a:pPr rtl="0"/>
+          <a:r>
+            <a:rPr lang="es-AR" dirty="0" smtClean="0"/>
+            <a:t>Disminución de la duración de cada simulación.</a:t>
+          </a:r>
+          <a:endParaRPr lang="es-AR" dirty="0"/>
+        </a:p>
+      </dgm:t>
+    </dgm:pt>
+    <dgm:pt modelId="{61C1665E-BC54-40A4-A192-572D08462FED}" type="parTrans" cxnId="{2F263517-2BA6-4A2D-92DC-D6AE3842B6A9}">
+      <dgm:prSet/>
+      <dgm:spPr/>
+      <dgm:t>
+        <a:bodyPr/>
+        <a:lstStyle/>
+        <a:p>
+          <a:endParaRPr lang="es-AR"/>
+        </a:p>
+      </dgm:t>
+    </dgm:pt>
+    <dgm:pt modelId="{3D00C0E7-B3E1-47C6-9284-49D4C6FC867E}" type="sibTrans" cxnId="{2F263517-2BA6-4A2D-92DC-D6AE3842B6A9}">
+      <dgm:prSet/>
+      <dgm:spPr/>
+      <dgm:t>
+        <a:bodyPr/>
+        <a:lstStyle/>
+        <a:p>
+          <a:endParaRPr lang="es-AR"/>
+        </a:p>
+      </dgm:t>
+    </dgm:pt>
+    <dgm:pt modelId="{2609228E-A5C0-45E4-9F6E-5C9B111A848C}">
+      <dgm:prSet/>
+      <dgm:spPr/>
+      <dgm:t>
+        <a:bodyPr/>
+        <a:lstStyle/>
+        <a:p>
+          <a:pPr rtl="0"/>
+          <a:r>
+            <a:rPr lang="es-AR" dirty="0" smtClean="0"/>
+            <a:t>Simulación de todos los nodos intervinientes.</a:t>
+          </a:r>
+          <a:endParaRPr lang="es-AR" dirty="0"/>
+        </a:p>
+      </dgm:t>
+    </dgm:pt>
+    <dgm:pt modelId="{D353A636-0730-48FE-A09C-2C55CB54703A}" type="parTrans" cxnId="{7DA24476-F8F6-4BD1-A555-1A506B7044F8}">
+      <dgm:prSet/>
+      <dgm:spPr/>
+      <dgm:t>
+        <a:bodyPr/>
+        <a:lstStyle/>
+        <a:p>
+          <a:endParaRPr lang="es-AR"/>
+        </a:p>
+      </dgm:t>
+    </dgm:pt>
+    <dgm:pt modelId="{B367BEDE-186C-435D-B6AC-82224FC26007}" type="sibTrans" cxnId="{7DA24476-F8F6-4BD1-A555-1A506B7044F8}">
+      <dgm:prSet/>
+      <dgm:spPr/>
+      <dgm:t>
+        <a:bodyPr/>
+        <a:lstStyle/>
+        <a:p>
+          <a:endParaRPr lang="es-AR"/>
+        </a:p>
+      </dgm:t>
+    </dgm:pt>
+    <dgm:pt modelId="{B3D9C1D0-DA6A-4A50-BC35-EB7AE3676D69}">
+      <dgm:prSet/>
+      <dgm:spPr/>
+      <dgm:t>
+        <a:bodyPr/>
+        <a:lstStyle/>
+        <a:p>
+          <a:pPr rtl="0"/>
+          <a:r>
+            <a:rPr lang="es-AR" dirty="0" smtClean="0"/>
+            <a:t>Pre-análisis de los resultados.</a:t>
+          </a:r>
+          <a:endParaRPr lang="es-AR" dirty="0"/>
+        </a:p>
+      </dgm:t>
+    </dgm:pt>
+    <dgm:pt modelId="{43562CBA-F6DF-4D91-98F2-8D6CC78819DB}" type="parTrans" cxnId="{15A114B3-475E-4011-B6DC-895210A6BB0D}">
+      <dgm:prSet/>
+      <dgm:spPr/>
+      <dgm:t>
+        <a:bodyPr/>
+        <a:lstStyle/>
+        <a:p>
+          <a:endParaRPr lang="es-AR"/>
+        </a:p>
+      </dgm:t>
+    </dgm:pt>
+    <dgm:pt modelId="{D4A5C3C4-FFD7-4AF2-9613-450BCBC30B7C}" type="sibTrans" cxnId="{15A114B3-475E-4011-B6DC-895210A6BB0D}">
+      <dgm:prSet/>
+      <dgm:spPr/>
+      <dgm:t>
+        <a:bodyPr/>
+        <a:lstStyle/>
+        <a:p>
+          <a:endParaRPr lang="es-AR"/>
+        </a:p>
+      </dgm:t>
+    </dgm:pt>
+    <dgm:pt modelId="{5B8C8160-6E2D-453A-82E5-25B4F9620211}">
+      <dgm:prSet/>
+      <dgm:spPr/>
+      <dgm:t>
+        <a:bodyPr/>
+        <a:lstStyle/>
+        <a:p>
+          <a:pPr rtl="0"/>
+          <a:r>
+            <a:rPr lang="es-AR" dirty="0" smtClean="0"/>
+            <a:t>Desventajas</a:t>
+          </a:r>
+          <a:endParaRPr lang="es-AR" dirty="0"/>
+        </a:p>
+      </dgm:t>
+    </dgm:pt>
+    <dgm:pt modelId="{A6453594-D8D3-480C-8B11-5C2BBC675776}" type="parTrans" cxnId="{CE789804-9959-403D-80D2-2C083B7E1B30}">
+      <dgm:prSet/>
+      <dgm:spPr/>
+      <dgm:t>
+        <a:bodyPr/>
+        <a:lstStyle/>
+        <a:p>
+          <a:endParaRPr lang="es-AR"/>
+        </a:p>
+      </dgm:t>
+    </dgm:pt>
+    <dgm:pt modelId="{1C0F83EF-2519-4F01-9EDF-E51359C24296}" type="sibTrans" cxnId="{CE789804-9959-403D-80D2-2C083B7E1B30}">
+      <dgm:prSet/>
+      <dgm:spPr/>
+      <dgm:t>
+        <a:bodyPr/>
+        <a:lstStyle/>
+        <a:p>
+          <a:endParaRPr lang="es-AR"/>
+        </a:p>
+      </dgm:t>
+    </dgm:pt>
+    <dgm:pt modelId="{3EFC9B20-0D65-40DE-BD51-0F18C3914B4D}">
+      <dgm:prSet/>
+      <dgm:spPr/>
+      <dgm:t>
+        <a:bodyPr/>
+        <a:lstStyle/>
+        <a:p>
+          <a:pPr rtl="0"/>
+          <a:r>
+            <a:rPr lang="es-AR" dirty="0" smtClean="0"/>
+            <a:t>Poco control sobre los parámetros de las simulaciones.</a:t>
+          </a:r>
+          <a:endParaRPr lang="es-AR" dirty="0"/>
+        </a:p>
+      </dgm:t>
+    </dgm:pt>
+    <dgm:pt modelId="{375342D0-0E7C-472F-9387-F85C86F8AC6E}" type="parTrans" cxnId="{774117A1-A2BA-4D6A-8CF7-669C5C9CE060}">
+      <dgm:prSet/>
+      <dgm:spPr/>
+      <dgm:t>
+        <a:bodyPr/>
+        <a:lstStyle/>
+        <a:p>
+          <a:endParaRPr lang="es-AR"/>
+        </a:p>
+      </dgm:t>
+    </dgm:pt>
+    <dgm:pt modelId="{6174BE1F-E6DC-4C58-9B6F-E2D613EC8DC1}" type="sibTrans" cxnId="{774117A1-A2BA-4D6A-8CF7-669C5C9CE060}">
+      <dgm:prSet/>
+      <dgm:spPr/>
+      <dgm:t>
+        <a:bodyPr/>
+        <a:lstStyle/>
+        <a:p>
+          <a:endParaRPr lang="es-AR"/>
+        </a:p>
+      </dgm:t>
+    </dgm:pt>
+    <dgm:pt modelId="{D1C33119-F6AC-4A72-9974-0744D31A8D38}">
+      <dgm:prSet/>
+      <dgm:spPr/>
+      <dgm:t>
+        <a:bodyPr/>
+        <a:lstStyle/>
+        <a:p>
+          <a:pPr rtl="0"/>
+          <a:r>
+            <a:rPr lang="es-AR" dirty="0" smtClean="0"/>
+            <a:t>Tiempo de configuración de la aplicación: Alto</a:t>
+          </a:r>
+          <a:endParaRPr lang="es-AR" dirty="0"/>
+        </a:p>
+      </dgm:t>
+    </dgm:pt>
+    <dgm:pt modelId="{2197E47F-13FA-442F-9234-289155102AE8}" type="parTrans" cxnId="{347C2707-6245-4CB7-AD9B-A175E2CAD7CA}">
+      <dgm:prSet/>
+      <dgm:spPr/>
+      <dgm:t>
+        <a:bodyPr/>
+        <a:lstStyle/>
+        <a:p>
+          <a:endParaRPr lang="es-AR"/>
+        </a:p>
+      </dgm:t>
+    </dgm:pt>
+    <dgm:pt modelId="{026A4729-75BC-4554-BB2A-8D66B8E83071}" type="sibTrans" cxnId="{347C2707-6245-4CB7-AD9B-A175E2CAD7CA}">
+      <dgm:prSet/>
+      <dgm:spPr/>
+      <dgm:t>
+        <a:bodyPr/>
+        <a:lstStyle/>
+        <a:p>
+          <a:endParaRPr lang="es-AR"/>
+        </a:p>
+      </dgm:t>
+    </dgm:pt>
+    <dgm:pt modelId="{3F3E3B4C-AC38-4B0D-8B13-27C9B6E4981F}">
+      <dgm:prSet/>
+      <dgm:spPr/>
+      <dgm:t>
+        <a:bodyPr/>
+        <a:lstStyle/>
+        <a:p>
+          <a:pPr rtl="0"/>
+          <a:r>
+            <a:rPr lang="es-AR" dirty="0" smtClean="0"/>
+            <a:t>Elementos</a:t>
+          </a:r>
+          <a:endParaRPr lang="es-AR" dirty="0"/>
+        </a:p>
+      </dgm:t>
+    </dgm:pt>
+    <dgm:pt modelId="{1CF03068-2342-45E0-9E27-10C6A6C6B73E}" type="parTrans" cxnId="{D5F8F66A-06F1-41DE-A50D-343DB473E168}">
+      <dgm:prSet/>
+      <dgm:spPr/>
+      <dgm:t>
+        <a:bodyPr/>
+        <a:lstStyle/>
+        <a:p>
+          <a:endParaRPr lang="es-AR"/>
+        </a:p>
+      </dgm:t>
+    </dgm:pt>
+    <dgm:pt modelId="{843E94E1-C3F0-4544-A729-0E83147B36CD}" type="sibTrans" cxnId="{D5F8F66A-06F1-41DE-A50D-343DB473E168}">
+      <dgm:prSet/>
+      <dgm:spPr/>
+      <dgm:t>
+        <a:bodyPr/>
+        <a:lstStyle/>
+        <a:p>
+          <a:endParaRPr lang="es-AR"/>
+        </a:p>
+      </dgm:t>
+    </dgm:pt>
+    <dgm:pt modelId="{22DAB7B7-9FCC-4314-8C69-19D53AC134A4}">
+      <dgm:prSet/>
+      <dgm:spPr/>
+      <dgm:t>
+        <a:bodyPr/>
+        <a:lstStyle/>
+        <a:p>
+          <a:pPr rtl="0"/>
+          <a:r>
+            <a:rPr lang="es-AR" dirty="0" smtClean="0"/>
+            <a:t>64 comparadores</a:t>
+          </a:r>
+          <a:endParaRPr lang="es-AR" dirty="0"/>
+        </a:p>
+      </dgm:t>
+    </dgm:pt>
+    <dgm:pt modelId="{6FCCD2BE-C098-4989-BCD2-3EB576FED68B}" type="parTrans" cxnId="{BD83AFB1-C612-4F11-9696-168A03569DF6}">
+      <dgm:prSet/>
+      <dgm:spPr/>
+      <dgm:t>
+        <a:bodyPr/>
+        <a:lstStyle/>
+        <a:p>
+          <a:endParaRPr lang="es-AR"/>
+        </a:p>
+      </dgm:t>
+    </dgm:pt>
+    <dgm:pt modelId="{529544D2-0EA8-4D51-8E24-63459470924B}" type="sibTrans" cxnId="{BD83AFB1-C612-4F11-9696-168A03569DF6}">
+      <dgm:prSet/>
+      <dgm:spPr/>
+      <dgm:t>
+        <a:bodyPr/>
+        <a:lstStyle/>
+        <a:p>
+          <a:endParaRPr lang="es-AR"/>
+        </a:p>
+      </dgm:t>
+    </dgm:pt>
+    <dgm:pt modelId="{6419DD54-EFF8-49D1-B2CF-8A9003CD53A6}">
+      <dgm:prSet/>
+      <dgm:spPr/>
+      <dgm:t>
+        <a:bodyPr/>
+        <a:lstStyle/>
+        <a:p>
+          <a:pPr rtl="0"/>
+          <a:r>
+            <a:rPr lang="es-AR" dirty="0" smtClean="0"/>
+            <a:t>64 niveles de tensión de entrada</a:t>
+          </a:r>
+          <a:endParaRPr lang="es-AR" dirty="0"/>
+        </a:p>
+      </dgm:t>
+    </dgm:pt>
+    <dgm:pt modelId="{EC182054-FA18-41C9-BF00-D96E3EC15466}" type="parTrans" cxnId="{3DD0EAF7-B022-46A8-9625-DCB54A1CA9BE}">
+      <dgm:prSet/>
+      <dgm:spPr/>
+      <dgm:t>
+        <a:bodyPr/>
+        <a:lstStyle/>
+        <a:p>
+          <a:endParaRPr lang="es-AR"/>
+        </a:p>
+      </dgm:t>
+    </dgm:pt>
+    <dgm:pt modelId="{9D6A092A-9F8F-4B40-8EEC-D7854D7AAB0C}" type="sibTrans" cxnId="{3DD0EAF7-B022-46A8-9625-DCB54A1CA9BE}">
+      <dgm:prSet/>
+      <dgm:spPr/>
+      <dgm:t>
+        <a:bodyPr/>
+        <a:lstStyle/>
+        <a:p>
+          <a:endParaRPr lang="es-AR"/>
+        </a:p>
+      </dgm:t>
+    </dgm:pt>
+    <dgm:pt modelId="{61F8A37E-0714-4D1C-A7DF-93A477875FE8}">
+      <dgm:prSet/>
+      <dgm:spPr/>
+      <dgm:t>
+        <a:bodyPr/>
+        <a:lstStyle/>
+        <a:p>
+          <a:pPr rtl="0"/>
+          <a:r>
+            <a:rPr lang="es-AR" dirty="0" smtClean="0"/>
+            <a:t>2 fuentes de inyección</a:t>
+          </a:r>
+          <a:endParaRPr lang="es-AR" dirty="0"/>
+        </a:p>
+      </dgm:t>
+    </dgm:pt>
+    <dgm:pt modelId="{18A8226E-F374-44B5-9039-674732B45051}" type="parTrans" cxnId="{7130E3F5-10ED-4508-8B9A-65C5ACF84B03}">
+      <dgm:prSet/>
+      <dgm:spPr/>
+      <dgm:t>
+        <a:bodyPr/>
+        <a:lstStyle/>
+        <a:p>
+          <a:endParaRPr lang="es-AR"/>
+        </a:p>
+      </dgm:t>
+    </dgm:pt>
+    <dgm:pt modelId="{3B9A4E44-09BA-49E3-BB7A-B7AB33A765E5}" type="sibTrans" cxnId="{7130E3F5-10ED-4508-8B9A-65C5ACF84B03}">
+      <dgm:prSet/>
+      <dgm:spPr/>
+      <dgm:t>
+        <a:bodyPr/>
+        <a:lstStyle/>
+        <a:p>
+          <a:endParaRPr lang="es-AR"/>
+        </a:p>
+      </dgm:t>
+    </dgm:pt>
+    <dgm:pt modelId="{6C201876-47B4-4837-ADB8-7634C78A1142}">
+      <dgm:prSet/>
+      <dgm:spPr/>
+      <dgm:t>
+        <a:bodyPr/>
+        <a:lstStyle/>
+        <a:p>
+          <a:pPr rtl="0"/>
+          <a:r>
+            <a:rPr lang="es-AR" dirty="0" smtClean="0"/>
+            <a:t>Ambiente virtualizado</a:t>
+          </a:r>
+          <a:endParaRPr lang="es-AR" dirty="0"/>
+        </a:p>
+      </dgm:t>
+    </dgm:pt>
+    <dgm:pt modelId="{6A639ACB-601D-48BA-A60B-E54DB5A1C276}" type="parTrans" cxnId="{E171F143-A348-42C1-A120-DA9AE5CD465D}">
+      <dgm:prSet/>
+      <dgm:spPr/>
+      <dgm:t>
+        <a:bodyPr/>
+        <a:lstStyle/>
+        <a:p>
+          <a:endParaRPr lang="es-AR"/>
+        </a:p>
+      </dgm:t>
+    </dgm:pt>
+    <dgm:pt modelId="{68B0E920-03AF-4EED-9E0B-C79CE815665C}" type="sibTrans" cxnId="{E171F143-A348-42C1-A120-DA9AE5CD465D}">
+      <dgm:prSet/>
+      <dgm:spPr/>
+      <dgm:t>
+        <a:bodyPr/>
+        <a:lstStyle/>
+        <a:p>
+          <a:endParaRPr lang="es-AR"/>
+        </a:p>
+      </dgm:t>
+    </dgm:pt>
+    <dgm:pt modelId="{1FB0E5DE-41C1-4BEA-9154-0F0F214CF0CC}">
+      <dgm:prSet/>
+      <dgm:spPr/>
+      <dgm:t>
+        <a:bodyPr/>
+        <a:lstStyle/>
+        <a:p>
+          <a:pPr rtl="0"/>
+          <a:r>
+            <a:rPr lang="es-AR" dirty="0" smtClean="0"/>
+            <a:t>Aplicación de inyección y análisis</a:t>
+          </a:r>
+          <a:endParaRPr lang="es-AR" dirty="0"/>
+        </a:p>
+      </dgm:t>
+    </dgm:pt>
+    <dgm:pt modelId="{15566CC2-0C30-4991-B242-92177612ACED}" type="parTrans" cxnId="{8A7C3343-C8BC-44C0-8B52-1AF3A639EE9F}">
+      <dgm:prSet/>
+      <dgm:spPr/>
+      <dgm:t>
+        <a:bodyPr/>
+        <a:lstStyle/>
+        <a:p>
+          <a:endParaRPr lang="es-AR"/>
+        </a:p>
+      </dgm:t>
+    </dgm:pt>
+    <dgm:pt modelId="{712FEC23-C187-42DB-B364-D7FE31DE7A96}" type="sibTrans" cxnId="{8A7C3343-C8BC-44C0-8B52-1AF3A639EE9F}">
+      <dgm:prSet/>
+      <dgm:spPr/>
+      <dgm:t>
+        <a:bodyPr/>
+        <a:lstStyle/>
+        <a:p>
+          <a:endParaRPr lang="es-AR"/>
+        </a:p>
+      </dgm:t>
+    </dgm:pt>
+    <dgm:pt modelId="{1DB1CF4C-3721-48A3-A006-6396E9D8EB3C}">
+      <dgm:prSet/>
+      <dgm:spPr/>
+      <dgm:t>
+        <a:bodyPr/>
+        <a:lstStyle/>
+        <a:p>
+          <a:pPr rtl="0"/>
+          <a:endParaRPr lang="es-AR" dirty="0"/>
+        </a:p>
+      </dgm:t>
+    </dgm:pt>
+    <dgm:pt modelId="{0C36E746-5E0D-4DA0-B221-00D83B67D972}" type="parTrans" cxnId="{49F0F417-63B7-4C0A-93C8-9EC66C4C9A29}">
+      <dgm:prSet/>
+      <dgm:spPr/>
+    </dgm:pt>
+    <dgm:pt modelId="{A5C62536-BFD7-4C68-BB98-3D8C218F7246}" type="sibTrans" cxnId="{49F0F417-63B7-4C0A-93C8-9EC66C4C9A29}">
+      <dgm:prSet/>
+      <dgm:spPr/>
+    </dgm:pt>
+    <dgm:pt modelId="{5F756E09-E2C4-473D-A2FE-4ECF3FF0FF8F}">
+      <dgm:prSet/>
+      <dgm:spPr/>
+      <dgm:t>
+        <a:bodyPr/>
+        <a:lstStyle/>
+        <a:p>
+          <a:pPr rtl="0"/>
+          <a:endParaRPr lang="es-AR" dirty="0"/>
+        </a:p>
+      </dgm:t>
+    </dgm:pt>
+    <dgm:pt modelId="{10C2D6CB-246E-4DE9-BA2D-CAAB0A803206}" type="parTrans" cxnId="{7247D70A-F92F-4FD7-8D88-A02979CE2550}">
+      <dgm:prSet/>
+      <dgm:spPr/>
+    </dgm:pt>
+    <dgm:pt modelId="{14B19A7D-2D02-416A-BC65-472122B7FA1F}" type="sibTrans" cxnId="{7247D70A-F92F-4FD7-8D88-A02979CE2550}">
+      <dgm:prSet/>
+      <dgm:spPr/>
+    </dgm:pt>
+    <dgm:pt modelId="{04A03171-29F1-4C1D-AD98-0E6C9C32A7A2}">
+      <dgm:prSet/>
+      <dgm:spPr/>
+      <dgm:t>
+        <a:bodyPr/>
+        <a:lstStyle/>
+        <a:p>
+          <a:pPr rtl="0"/>
+          <a:endParaRPr lang="es-AR" dirty="0"/>
+        </a:p>
+      </dgm:t>
+    </dgm:pt>
+    <dgm:pt modelId="{824BFD88-B68B-4FC1-8D92-099F8DD45F1A}" type="parTrans" cxnId="{7B8D0D84-0DE5-4413-A091-2B4CF68497E2}">
+      <dgm:prSet/>
+      <dgm:spPr/>
+    </dgm:pt>
+    <dgm:pt modelId="{642E5A8E-19BE-4FC2-ABA4-C3B7AD61268B}" type="sibTrans" cxnId="{7B8D0D84-0DE5-4413-A091-2B4CF68497E2}">
+      <dgm:prSet/>
+      <dgm:spPr/>
+    </dgm:pt>
+    <dgm:pt modelId="{7F271AC6-E2E8-427D-B6A4-618241D2FDAA}" type="pres">
+      <dgm:prSet presAssocID="{44708C06-303B-4ACD-B2F0-E95A20B60BB9}" presName="linear" presStyleCnt="0">
+        <dgm:presLayoutVars>
+          <dgm:animLvl val="lvl"/>
+          <dgm:resizeHandles val="exact"/>
+        </dgm:presLayoutVars>
+      </dgm:prSet>
+      <dgm:spPr/>
+    </dgm:pt>
+    <dgm:pt modelId="{41C04F8C-558E-4A38-8464-2044A2BC12CB}" type="pres">
+      <dgm:prSet presAssocID="{C61D11BB-4595-44F9-9B5E-8C420BA3F5E4}" presName="parentText" presStyleLbl="node1" presStyleIdx="0" presStyleCnt="4">
+        <dgm:presLayoutVars>
+          <dgm:chMax val="0"/>
+          <dgm:bulletEnabled val="1"/>
+        </dgm:presLayoutVars>
+      </dgm:prSet>
+      <dgm:spPr/>
+    </dgm:pt>
+    <dgm:pt modelId="{A96A0ECB-4E20-4C79-80BC-75B0D3A2CF5E}" type="pres">
+      <dgm:prSet presAssocID="{C61D11BB-4595-44F9-9B5E-8C420BA3F5E4}" presName="childText" presStyleLbl="revTx" presStyleIdx="0" presStyleCnt="4">
+        <dgm:presLayoutVars>
+          <dgm:bulletEnabled val="1"/>
+        </dgm:presLayoutVars>
+      </dgm:prSet>
+      <dgm:spPr/>
+    </dgm:pt>
+    <dgm:pt modelId="{0263673B-FFC8-4AF0-A80C-2B148C294C2A}" type="pres">
+      <dgm:prSet presAssocID="{F6FCA15E-1300-49D8-9A19-C767DAC04A99}" presName="parentText" presStyleLbl="node1" presStyleIdx="1" presStyleCnt="4">
+        <dgm:presLayoutVars>
+          <dgm:chMax val="0"/>
+          <dgm:bulletEnabled val="1"/>
+        </dgm:presLayoutVars>
+      </dgm:prSet>
+      <dgm:spPr/>
+    </dgm:pt>
+    <dgm:pt modelId="{5C6BCDC5-01CD-4D3A-AFDA-D028DCC208E0}" type="pres">
+      <dgm:prSet presAssocID="{F6FCA15E-1300-49D8-9A19-C767DAC04A99}" presName="childText" presStyleLbl="revTx" presStyleIdx="1" presStyleCnt="4">
+        <dgm:presLayoutVars>
+          <dgm:bulletEnabled val="1"/>
+        </dgm:presLayoutVars>
+      </dgm:prSet>
+      <dgm:spPr/>
+    </dgm:pt>
+    <dgm:pt modelId="{33777C9F-EE64-4B2F-BF3D-9063802483F3}" type="pres">
+      <dgm:prSet presAssocID="{5B8C8160-6E2D-453A-82E5-25B4F9620211}" presName="parentText" presStyleLbl="node1" presStyleIdx="2" presStyleCnt="4">
+        <dgm:presLayoutVars>
+          <dgm:chMax val="0"/>
+          <dgm:bulletEnabled val="1"/>
+        </dgm:presLayoutVars>
+      </dgm:prSet>
+      <dgm:spPr/>
+    </dgm:pt>
+    <dgm:pt modelId="{09EBEF52-6D08-4CB1-8BDA-3D44D2BF50F5}" type="pres">
+      <dgm:prSet presAssocID="{5B8C8160-6E2D-453A-82E5-25B4F9620211}" presName="childText" presStyleLbl="revTx" presStyleIdx="2" presStyleCnt="4">
+        <dgm:presLayoutVars>
+          <dgm:bulletEnabled val="1"/>
+        </dgm:presLayoutVars>
+      </dgm:prSet>
+      <dgm:spPr/>
+    </dgm:pt>
+    <dgm:pt modelId="{48B1F019-1CE6-479A-AD63-543121743A8A}" type="pres">
+      <dgm:prSet presAssocID="{3F3E3B4C-AC38-4B0D-8B13-27C9B6E4981F}" presName="parentText" presStyleLbl="node1" presStyleIdx="3" presStyleCnt="4">
+        <dgm:presLayoutVars>
+          <dgm:chMax val="0"/>
+          <dgm:bulletEnabled val="1"/>
+        </dgm:presLayoutVars>
+      </dgm:prSet>
+      <dgm:spPr/>
+    </dgm:pt>
+    <dgm:pt modelId="{41659F7B-4944-4AB4-A655-69C3BEDC0729}" type="pres">
+      <dgm:prSet presAssocID="{3F3E3B4C-AC38-4B0D-8B13-27C9B6E4981F}" presName="childText" presStyleLbl="revTx" presStyleIdx="3" presStyleCnt="4">
+        <dgm:presLayoutVars>
+          <dgm:bulletEnabled val="1"/>
+        </dgm:presLayoutVars>
+      </dgm:prSet>
+      <dgm:spPr/>
+      <dgm:t>
+        <a:bodyPr/>
+        <a:lstStyle/>
+        <a:p>
+          <a:endParaRPr lang="es-AR"/>
+        </a:p>
+      </dgm:t>
+    </dgm:pt>
+  </dgm:ptLst>
+  <dgm:cxnLst>
+    <dgm:cxn modelId="{DCC6B619-2E09-4D56-9F30-F7DB68E7CE35}" type="presOf" srcId="{44708C06-303B-4ACD-B2F0-E95A20B60BB9}" destId="{7F271AC6-E2E8-427D-B6A4-618241D2FDAA}" srcOrd="0" destOrd="0" presId="urn:microsoft.com/office/officeart/2005/8/layout/vList2"/>
+    <dgm:cxn modelId="{7247D70A-F92F-4FD7-8D88-A02979CE2550}" srcId="{F6FCA15E-1300-49D8-9A19-C767DAC04A99}" destId="{5F756E09-E2C4-473D-A2FE-4ECF3FF0FF8F}" srcOrd="4" destOrd="0" parTransId="{10C2D6CB-246E-4DE9-BA2D-CAAB0A803206}" sibTransId="{14B19A7D-2D02-416A-BC65-472122B7FA1F}"/>
+    <dgm:cxn modelId="{A701238C-1211-4CF1-B5E3-014E6582EE38}" type="presOf" srcId="{BDE75AA0-EEA2-4A2B-89AC-3ECE4A048F59}" destId="{5C6BCDC5-01CD-4D3A-AFDA-D028DCC208E0}" srcOrd="0" destOrd="0" presId="urn:microsoft.com/office/officeart/2005/8/layout/vList2"/>
+    <dgm:cxn modelId="{E548DE33-72E2-4302-82F6-9351C699E16B}" type="presOf" srcId="{6419DD54-EFF8-49D1-B2CF-8A9003CD53A6}" destId="{41659F7B-4944-4AB4-A655-69C3BEDC0729}" srcOrd="0" destOrd="1" presId="urn:microsoft.com/office/officeart/2005/8/layout/vList2"/>
+    <dgm:cxn modelId="{506762B8-970E-48BD-8083-0AB074433737}" type="presOf" srcId="{1DB1CF4C-3721-48A3-A006-6396E9D8EB3C}" destId="{A96A0ECB-4E20-4C79-80BC-75B0D3A2CF5E}" srcOrd="0" destOrd="1" presId="urn:microsoft.com/office/officeart/2005/8/layout/vList2"/>
+    <dgm:cxn modelId="{1690152A-005C-4343-A7EF-89F3F496296D}" type="presOf" srcId="{B3D9C1D0-DA6A-4A50-BC35-EB7AE3676D69}" destId="{5C6BCDC5-01CD-4D3A-AFDA-D028DCC208E0}" srcOrd="0" destOrd="3" presId="urn:microsoft.com/office/officeart/2005/8/layout/vList2"/>
+    <dgm:cxn modelId="{AC5C21BE-50B9-4F69-9B10-790D0161C134}" srcId="{F6FCA15E-1300-49D8-9A19-C767DAC04A99}" destId="{BDE75AA0-EEA2-4A2B-89AC-3ECE4A048F59}" srcOrd="0" destOrd="0" parTransId="{69CE7B57-4C7A-420A-B169-FC6DA555A59F}" sibTransId="{36E1F3B8-BC97-4637-87DF-5DCBF2640188}"/>
+    <dgm:cxn modelId="{B2156C9A-A413-4D11-B9EC-7F2A31877C12}" type="presOf" srcId="{3F3E3B4C-AC38-4B0D-8B13-27C9B6E4981F}" destId="{48B1F019-1CE6-479A-AD63-543121743A8A}" srcOrd="0" destOrd="0" presId="urn:microsoft.com/office/officeart/2005/8/layout/vList2"/>
+    <dgm:cxn modelId="{6A940CE8-1E0C-4D69-B0FA-7A930E2BBFCF}" type="presOf" srcId="{E5C40602-EE8D-416D-8B3B-4E24090647F3}" destId="{5C6BCDC5-01CD-4D3A-AFDA-D028DCC208E0}" srcOrd="0" destOrd="1" presId="urn:microsoft.com/office/officeart/2005/8/layout/vList2"/>
+    <dgm:cxn modelId="{60989BFD-1555-4147-ACF1-1DB1BFBD6CCB}" type="presOf" srcId="{6C201876-47B4-4837-ADB8-7634C78A1142}" destId="{41659F7B-4944-4AB4-A655-69C3BEDC0729}" srcOrd="0" destOrd="3" presId="urn:microsoft.com/office/officeart/2005/8/layout/vList2"/>
+    <dgm:cxn modelId="{E0F3A27B-AAAC-4424-90DE-DF4656E78C6A}" type="presOf" srcId="{5F756E09-E2C4-473D-A2FE-4ECF3FF0FF8F}" destId="{5C6BCDC5-01CD-4D3A-AFDA-D028DCC208E0}" srcOrd="0" destOrd="4" presId="urn:microsoft.com/office/officeart/2005/8/layout/vList2"/>
+    <dgm:cxn modelId="{CE789804-9959-403D-80D2-2C083B7E1B30}" srcId="{44708C06-303B-4ACD-B2F0-E95A20B60BB9}" destId="{5B8C8160-6E2D-453A-82E5-25B4F9620211}" srcOrd="2" destOrd="0" parTransId="{A6453594-D8D3-480C-8B11-5C2BBC675776}" sibTransId="{1C0F83EF-2519-4F01-9EDF-E51359C24296}"/>
+    <dgm:cxn modelId="{E171F143-A348-42C1-A120-DA9AE5CD465D}" srcId="{3F3E3B4C-AC38-4B0D-8B13-27C9B6E4981F}" destId="{6C201876-47B4-4837-ADB8-7634C78A1142}" srcOrd="3" destOrd="0" parTransId="{6A639ACB-601D-48BA-A60B-E54DB5A1C276}" sibTransId="{68B0E920-03AF-4EED-9E0B-C79CE815665C}"/>
+    <dgm:cxn modelId="{999EB87D-B310-4F0E-A506-885C93694322}" type="presOf" srcId="{5B8C8160-6E2D-453A-82E5-25B4F9620211}" destId="{33777C9F-EE64-4B2F-BF3D-9063802483F3}" srcOrd="0" destOrd="0" presId="urn:microsoft.com/office/officeart/2005/8/layout/vList2"/>
+    <dgm:cxn modelId="{7DA24476-F8F6-4BD1-A555-1A506B7044F8}" srcId="{F6FCA15E-1300-49D8-9A19-C767DAC04A99}" destId="{2609228E-A5C0-45E4-9F6E-5C9B111A848C}" srcOrd="2" destOrd="0" parTransId="{D353A636-0730-48FE-A09C-2C55CB54703A}" sibTransId="{B367BEDE-186C-435D-B6AC-82224FC26007}"/>
+    <dgm:cxn modelId="{49F0F417-63B7-4C0A-93C8-9EC66C4C9A29}" srcId="{C61D11BB-4595-44F9-9B5E-8C420BA3F5E4}" destId="{1DB1CF4C-3721-48A3-A006-6396E9D8EB3C}" srcOrd="1" destOrd="0" parTransId="{0C36E746-5E0D-4DA0-B221-00D83B67D972}" sibTransId="{A5C62536-BFD7-4C68-BB98-3D8C218F7246}"/>
+    <dgm:cxn modelId="{7B8D0D84-0DE5-4413-A091-2B4CF68497E2}" srcId="{5B8C8160-6E2D-453A-82E5-25B4F9620211}" destId="{04A03171-29F1-4C1D-AD98-0E6C9C32A7A2}" srcOrd="2" destOrd="0" parTransId="{824BFD88-B68B-4FC1-8D92-099F8DD45F1A}" sibTransId="{642E5A8E-19BE-4FC2-ABA4-C3B7AD61268B}"/>
+    <dgm:cxn modelId="{7130E3F5-10ED-4508-8B9A-65C5ACF84B03}" srcId="{3F3E3B4C-AC38-4B0D-8B13-27C9B6E4981F}" destId="{61F8A37E-0714-4D1C-A7DF-93A477875FE8}" srcOrd="2" destOrd="0" parTransId="{18A8226E-F374-44B5-9039-674732B45051}" sibTransId="{3B9A4E44-09BA-49E3-BB7A-B7AB33A765E5}"/>
+    <dgm:cxn modelId="{BD83AFB1-C612-4F11-9696-168A03569DF6}" srcId="{3F3E3B4C-AC38-4B0D-8B13-27C9B6E4981F}" destId="{22DAB7B7-9FCC-4314-8C69-19D53AC134A4}" srcOrd="0" destOrd="0" parTransId="{6FCCD2BE-C098-4989-BCD2-3EB576FED68B}" sibTransId="{529544D2-0EA8-4D51-8E24-63459470924B}"/>
+    <dgm:cxn modelId="{3C1E58E0-2520-4C78-8C36-2DB89C92FA9D}" type="presOf" srcId="{61F8A37E-0714-4D1C-A7DF-93A477875FE8}" destId="{41659F7B-4944-4AB4-A655-69C3BEDC0729}" srcOrd="0" destOrd="2" presId="urn:microsoft.com/office/officeart/2005/8/layout/vList2"/>
+    <dgm:cxn modelId="{22B3E2FE-26C6-4242-9127-FAFF40125245}" type="presOf" srcId="{3EFC9B20-0D65-40DE-BD51-0F18C3914B4D}" destId="{09EBEF52-6D08-4CB1-8BDA-3D44D2BF50F5}" srcOrd="0" destOrd="0" presId="urn:microsoft.com/office/officeart/2005/8/layout/vList2"/>
+    <dgm:cxn modelId="{741C7FAE-E341-4780-90D0-CCB33E9232FD}" type="presOf" srcId="{1FB0E5DE-41C1-4BEA-9154-0F0F214CF0CC}" destId="{41659F7B-4944-4AB4-A655-69C3BEDC0729}" srcOrd="0" destOrd="4" presId="urn:microsoft.com/office/officeart/2005/8/layout/vList2"/>
+    <dgm:cxn modelId="{E6BFC30D-E97B-4A5B-B4C0-3BE022BE8ED1}" srcId="{44708C06-303B-4ACD-B2F0-E95A20B60BB9}" destId="{C61D11BB-4595-44F9-9B5E-8C420BA3F5E4}" srcOrd="0" destOrd="0" parTransId="{15384DF1-5386-40C4-84D3-E7302A1786F5}" sibTransId="{2771041C-2B15-40FF-AA58-C48C4E218F80}"/>
+    <dgm:cxn modelId="{F6790E62-6035-4950-AD2E-5425E813D427}" type="presOf" srcId="{D1C33119-F6AC-4A72-9974-0744D31A8D38}" destId="{09EBEF52-6D08-4CB1-8BDA-3D44D2BF50F5}" srcOrd="0" destOrd="1" presId="urn:microsoft.com/office/officeart/2005/8/layout/vList2"/>
+    <dgm:cxn modelId="{5B95B6E2-0255-4DD5-BA86-A449E36D0794}" srcId="{C61D11BB-4595-44F9-9B5E-8C420BA3F5E4}" destId="{1A5928DB-AEEF-4FE0-BF3F-E22BAEBAD252}" srcOrd="0" destOrd="0" parTransId="{1BE43270-4DE6-4692-A9BF-9D84E038AA50}" sibTransId="{E9A7AC35-C9B8-442C-A7A7-EA4E6768D458}"/>
+    <dgm:cxn modelId="{F8B3CB47-43DF-45DE-8ACF-38E1A77D13DD}" type="presOf" srcId="{F6FCA15E-1300-49D8-9A19-C767DAC04A99}" destId="{0263673B-FFC8-4AF0-A80C-2B148C294C2A}" srcOrd="0" destOrd="0" presId="urn:microsoft.com/office/officeart/2005/8/layout/vList2"/>
+    <dgm:cxn modelId="{5C7A3E02-7901-43DB-8EB4-147598ACA387}" type="presOf" srcId="{22DAB7B7-9FCC-4314-8C69-19D53AC134A4}" destId="{41659F7B-4944-4AB4-A655-69C3BEDC0729}" srcOrd="0" destOrd="0" presId="urn:microsoft.com/office/officeart/2005/8/layout/vList2"/>
+    <dgm:cxn modelId="{37BFF8B9-EE98-498A-BA57-8EA859C40068}" type="presOf" srcId="{2609228E-A5C0-45E4-9F6E-5C9B111A848C}" destId="{5C6BCDC5-01CD-4D3A-AFDA-D028DCC208E0}" srcOrd="0" destOrd="2" presId="urn:microsoft.com/office/officeart/2005/8/layout/vList2"/>
+    <dgm:cxn modelId="{6CB5C56A-D16C-4005-B540-81796080D252}" type="presOf" srcId="{C61D11BB-4595-44F9-9B5E-8C420BA3F5E4}" destId="{41C04F8C-558E-4A38-8464-2044A2BC12CB}" srcOrd="0" destOrd="0" presId="urn:microsoft.com/office/officeart/2005/8/layout/vList2"/>
+    <dgm:cxn modelId="{15A114B3-475E-4011-B6DC-895210A6BB0D}" srcId="{F6FCA15E-1300-49D8-9A19-C767DAC04A99}" destId="{B3D9C1D0-DA6A-4A50-BC35-EB7AE3676D69}" srcOrd="3" destOrd="0" parTransId="{43562CBA-F6DF-4D91-98F2-8D6CC78819DB}" sibTransId="{D4A5C3C4-FFD7-4AF2-9613-450BCBC30B7C}"/>
+    <dgm:cxn modelId="{774117A1-A2BA-4D6A-8CF7-669C5C9CE060}" srcId="{5B8C8160-6E2D-453A-82E5-25B4F9620211}" destId="{3EFC9B20-0D65-40DE-BD51-0F18C3914B4D}" srcOrd="0" destOrd="0" parTransId="{375342D0-0E7C-472F-9387-F85C86F8AC6E}" sibTransId="{6174BE1F-E6DC-4C58-9B6F-E2D613EC8DC1}"/>
+    <dgm:cxn modelId="{0497C922-464B-4C1D-9497-2093EB2FBA50}" type="presOf" srcId="{1A5928DB-AEEF-4FE0-BF3F-E22BAEBAD252}" destId="{A96A0ECB-4E20-4C79-80BC-75B0D3A2CF5E}" srcOrd="0" destOrd="0" presId="urn:microsoft.com/office/officeart/2005/8/layout/vList2"/>
+    <dgm:cxn modelId="{3DD0EAF7-B022-46A8-9625-DCB54A1CA9BE}" srcId="{3F3E3B4C-AC38-4B0D-8B13-27C9B6E4981F}" destId="{6419DD54-EFF8-49D1-B2CF-8A9003CD53A6}" srcOrd="1" destOrd="0" parTransId="{EC182054-FA18-41C9-BF00-D96E3EC15466}" sibTransId="{9D6A092A-9F8F-4B40-8EEC-D7854D7AAB0C}"/>
+    <dgm:cxn modelId="{2F263517-2BA6-4A2D-92DC-D6AE3842B6A9}" srcId="{F6FCA15E-1300-49D8-9A19-C767DAC04A99}" destId="{E5C40602-EE8D-416D-8B3B-4E24090647F3}" srcOrd="1" destOrd="0" parTransId="{61C1665E-BC54-40A4-A192-572D08462FED}" sibTransId="{3D00C0E7-B3E1-47C6-9284-49D4C6FC867E}"/>
+    <dgm:cxn modelId="{347C2707-6245-4CB7-AD9B-A175E2CAD7CA}" srcId="{5B8C8160-6E2D-453A-82E5-25B4F9620211}" destId="{D1C33119-F6AC-4A72-9974-0744D31A8D38}" srcOrd="1" destOrd="0" parTransId="{2197E47F-13FA-442F-9234-289155102AE8}" sibTransId="{026A4729-75BC-4554-BB2A-8D66B8E83071}"/>
+    <dgm:cxn modelId="{D5F8F66A-06F1-41DE-A50D-343DB473E168}" srcId="{44708C06-303B-4ACD-B2F0-E95A20B60BB9}" destId="{3F3E3B4C-AC38-4B0D-8B13-27C9B6E4981F}" srcOrd="3" destOrd="0" parTransId="{1CF03068-2342-45E0-9E27-10C6A6C6B73E}" sibTransId="{843E94E1-C3F0-4544-A729-0E83147B36CD}"/>
+    <dgm:cxn modelId="{D96B73A6-972C-4F9D-8490-A56AFD82B2C7}" srcId="{44708C06-303B-4ACD-B2F0-E95A20B60BB9}" destId="{F6FCA15E-1300-49D8-9A19-C767DAC04A99}" srcOrd="1" destOrd="0" parTransId="{A74BA5E5-A53D-4F3D-ACFA-961BF5125D5C}" sibTransId="{BA5F5378-9587-4492-B23F-3934CB1A0707}"/>
+    <dgm:cxn modelId="{8A7C3343-C8BC-44C0-8B52-1AF3A639EE9F}" srcId="{3F3E3B4C-AC38-4B0D-8B13-27C9B6E4981F}" destId="{1FB0E5DE-41C1-4BEA-9154-0F0F214CF0CC}" srcOrd="4" destOrd="0" parTransId="{15566CC2-0C30-4991-B242-92177612ACED}" sibTransId="{712FEC23-C187-42DB-B364-D7FE31DE7A96}"/>
+    <dgm:cxn modelId="{75241379-002B-4B04-B53A-9167E8003EA7}" type="presOf" srcId="{04A03171-29F1-4C1D-AD98-0E6C9C32A7A2}" destId="{09EBEF52-6D08-4CB1-8BDA-3D44D2BF50F5}" srcOrd="0" destOrd="2" presId="urn:microsoft.com/office/officeart/2005/8/layout/vList2"/>
+    <dgm:cxn modelId="{E86CC184-A068-499C-9B21-39D67F08D05B}" type="presParOf" srcId="{7F271AC6-E2E8-427D-B6A4-618241D2FDAA}" destId="{41C04F8C-558E-4A38-8464-2044A2BC12CB}" srcOrd="0" destOrd="0" presId="urn:microsoft.com/office/officeart/2005/8/layout/vList2"/>
+    <dgm:cxn modelId="{B17E5A26-E007-45EE-B021-86DF20966445}" type="presParOf" srcId="{7F271AC6-E2E8-427D-B6A4-618241D2FDAA}" destId="{A96A0ECB-4E20-4C79-80BC-75B0D3A2CF5E}" srcOrd="1" destOrd="0" presId="urn:microsoft.com/office/officeart/2005/8/layout/vList2"/>
+    <dgm:cxn modelId="{88427EC9-AD01-48FB-91AA-185B7F09E731}" type="presParOf" srcId="{7F271AC6-E2E8-427D-B6A4-618241D2FDAA}" destId="{0263673B-FFC8-4AF0-A80C-2B148C294C2A}" srcOrd="2" destOrd="0" presId="urn:microsoft.com/office/officeart/2005/8/layout/vList2"/>
+    <dgm:cxn modelId="{14998C7E-C7AF-47E4-89F1-0359A96CEA38}" type="presParOf" srcId="{7F271AC6-E2E8-427D-B6A4-618241D2FDAA}" destId="{5C6BCDC5-01CD-4D3A-AFDA-D028DCC208E0}" srcOrd="3" destOrd="0" presId="urn:microsoft.com/office/officeart/2005/8/layout/vList2"/>
+    <dgm:cxn modelId="{198D5F9A-5DC4-4395-A9E9-667701117D70}" type="presParOf" srcId="{7F271AC6-E2E8-427D-B6A4-618241D2FDAA}" destId="{33777C9F-EE64-4B2F-BF3D-9063802483F3}" srcOrd="4" destOrd="0" presId="urn:microsoft.com/office/officeart/2005/8/layout/vList2"/>
+    <dgm:cxn modelId="{05BA45F0-8BE3-4263-A1A8-4A3E56FB0D44}" type="presParOf" srcId="{7F271AC6-E2E8-427D-B6A4-618241D2FDAA}" destId="{09EBEF52-6D08-4CB1-8BDA-3D44D2BF50F5}" srcOrd="5" destOrd="0" presId="urn:microsoft.com/office/officeart/2005/8/layout/vList2"/>
+    <dgm:cxn modelId="{2E4F7E40-3759-48D0-97E4-815A15608C61}" type="presParOf" srcId="{7F271AC6-E2E8-427D-B6A4-618241D2FDAA}" destId="{48B1F019-1CE6-479A-AD63-543121743A8A}" srcOrd="6" destOrd="0" presId="urn:microsoft.com/office/officeart/2005/8/layout/vList2"/>
+    <dgm:cxn modelId="{99FDD140-D8DC-4596-A61B-E2EA833141B0}" type="presParOf" srcId="{7F271AC6-E2E8-427D-B6A4-618241D2FDAA}" destId="{41659F7B-4944-4AB4-A655-69C3BEDC0729}" srcOrd="7" destOrd="0" presId="urn:microsoft.com/office/officeart/2005/8/layout/vList2"/>
+  </dgm:cxnLst>
+  <dgm:bg/>
+  <dgm:whole/>
+  <dgm:extLst>
+    <a:ext uri="http://schemas.microsoft.com/office/drawing/2008/diagram">
+      <dsp:dataModelExt xmlns:dsp="http://schemas.microsoft.com/office/drawing/2008/diagram" xmlns="" relId="rId7" minVer="http://schemas.openxmlformats.org/drawingml/2006/diagram"/>
+    </a:ext>
+  </dgm:extLst>
+</dgm:dataModel>
 </file>
 
-<file path=ppt/diagrams/drawing2.xml><?xml version="1.0" encoding="utf-8"?>
+<file path=ppt/diagrams/drawing1.xml><?xml version="1.0" encoding="utf-8"?>
 <dsp:drawing xmlns:dgm="http://schemas.openxmlformats.org/drawingml/2006/diagram" xmlns:a="http://schemas.openxmlformats.org/drawingml/2006/main" xmlns:dsp="http://schemas.microsoft.com/office/drawing/2008/diagram">
   <dsp:spTree>
     <dsp:nvGrpSpPr>
@@ -3825,8 +3239,8 @@
       </dsp:nvSpPr>
       <dsp:spPr>
         <a:xfrm>
-          <a:off x="0" y="14549"/>
-          <a:ext cx="4081463" cy="527670"/>
+          <a:off x="0" y="76728"/>
+          <a:ext cx="4081463" cy="407745"/>
         </a:xfrm>
         <a:prstGeom prst="roundRect">
           <a:avLst/>
@@ -3892,12 +3306,12 @@
         </a:fontRef>
       </dsp:style>
       <dsp:txBody>
-        <a:bodyPr spcFirstLastPara="0" vert="horz" wrap="square" lIns="83820" tIns="83820" rIns="83820" bIns="83820" numCol="1" spcCol="1270" anchor="ctr" anchorCtr="0">
+        <a:bodyPr spcFirstLastPara="0" vert="horz" wrap="square" lIns="64770" tIns="64770" rIns="64770" bIns="64770" numCol="1" spcCol="1270" anchor="ctr" anchorCtr="0">
           <a:noAutofit/>
         </a:bodyPr>
         <a:lstStyle/>
         <a:p>
-          <a:pPr lvl="0" algn="l" defTabSz="977900" rtl="0">
+          <a:pPr lvl="0" algn="l" defTabSz="755650" rtl="0">
             <a:lnSpc>
               <a:spcPct val="90000"/>
             </a:lnSpc>
@@ -3909,15 +3323,15 @@
             </a:spcAft>
           </a:pPr>
           <a:r>
-            <a:rPr lang="es-AR" sz="2200" kern="1200" noProof="0" dirty="0" smtClean="0"/>
+            <a:rPr lang="es-AR" sz="1700" kern="1200" noProof="0" dirty="0" smtClean="0"/>
             <a:t>Objetivo:</a:t>
           </a:r>
-          <a:endParaRPr lang="es-AR" sz="2200" kern="1200" noProof="0" dirty="0"/>
+          <a:endParaRPr lang="es-AR" sz="1700" kern="1200" noProof="0" dirty="0"/>
         </a:p>
       </dsp:txBody>
       <dsp:txXfrm>
-        <a:off x="0" y="14549"/>
-        <a:ext cx="4081463" cy="527670"/>
+        <a:off x="0" y="76728"/>
+        <a:ext cx="4081463" cy="407745"/>
       </dsp:txXfrm>
     </dsp:sp>
     <dsp:sp modelId="{3DA3C54A-443E-4079-8FD8-03835498A313}">
@@ -3927,8 +3341,8 @@
       </dsp:nvSpPr>
       <dsp:spPr>
         <a:xfrm>
-          <a:off x="0" y="542219"/>
-          <a:ext cx="4081463" cy="535095"/>
+          <a:off x="0" y="484473"/>
+          <a:ext cx="4081463" cy="448672"/>
         </a:xfrm>
         <a:prstGeom prst="rect">
           <a:avLst/>
@@ -3952,12 +3366,12 @@
         <a:fontRef idx="minor"/>
       </dsp:style>
       <dsp:txBody>
-        <a:bodyPr spcFirstLastPara="0" vert="horz" wrap="square" lIns="129586" tIns="27940" rIns="156464" bIns="27940" numCol="1" spcCol="1270" anchor="t" anchorCtr="0">
+        <a:bodyPr spcFirstLastPara="0" vert="horz" wrap="square" lIns="129586" tIns="21590" rIns="120904" bIns="21590" numCol="1" spcCol="1270" anchor="t" anchorCtr="0">
           <a:noAutofit/>
         </a:bodyPr>
         <a:lstStyle/>
         <a:p>
-          <a:pPr marL="171450" lvl="1" indent="-171450" algn="l" defTabSz="755650" rtl="0">
+          <a:pPr marL="114300" lvl="1" indent="-114300" algn="l" defTabSz="577850" rtl="0">
             <a:lnSpc>
               <a:spcPct val="90000"/>
             </a:lnSpc>
@@ -3970,15 +3384,30 @@
             <a:buChar char="••"/>
           </a:pPr>
           <a:r>
-            <a:rPr lang="es-AR" sz="1700" kern="1200" noProof="0" smtClean="0"/>
+            <a:rPr lang="es-AR" sz="1300" kern="1200" noProof="0" dirty="0" smtClean="0"/>
             <a:t>Obtener un grupo de resultados confiables.</a:t>
           </a:r>
-          <a:endParaRPr lang="es-AR" sz="1700" kern="1200" noProof="0"/>
+          <a:endParaRPr lang="es-AR" sz="1300" kern="1200" noProof="0" dirty="0"/>
+        </a:p>
+        <a:p>
+          <a:pPr marL="114300" lvl="1" indent="-114300" algn="l" defTabSz="577850" rtl="0">
+            <a:lnSpc>
+              <a:spcPct val="90000"/>
+            </a:lnSpc>
+            <a:spcBef>
+              <a:spcPct val="0"/>
+            </a:spcBef>
+            <a:spcAft>
+              <a:spcPct val="20000"/>
+            </a:spcAft>
+            <a:buChar char="••"/>
+          </a:pPr>
+          <a:endParaRPr lang="es-AR" sz="1300" kern="1200" noProof="0"/>
         </a:p>
       </dsp:txBody>
       <dsp:txXfrm>
-        <a:off x="0" y="542219"/>
-        <a:ext cx="4081463" cy="535095"/>
+        <a:off x="0" y="484473"/>
+        <a:ext cx="4081463" cy="448672"/>
       </dsp:txXfrm>
     </dsp:sp>
     <dsp:sp modelId="{3598399E-EEC9-4846-AE6F-2A815FA52A1A}">
@@ -3988,8 +3417,8 @@
       </dsp:nvSpPr>
       <dsp:spPr>
         <a:xfrm>
-          <a:off x="0" y="1077314"/>
-          <a:ext cx="4081463" cy="527670"/>
+          <a:off x="0" y="933145"/>
+          <a:ext cx="4081463" cy="407745"/>
         </a:xfrm>
         <a:prstGeom prst="roundRect">
           <a:avLst/>
@@ -4055,12 +3484,12 @@
         </a:fontRef>
       </dsp:style>
       <dsp:txBody>
-        <a:bodyPr spcFirstLastPara="0" vert="horz" wrap="square" lIns="83820" tIns="83820" rIns="83820" bIns="83820" numCol="1" spcCol="1270" anchor="ctr" anchorCtr="0">
+        <a:bodyPr spcFirstLastPara="0" vert="horz" wrap="square" lIns="64770" tIns="64770" rIns="64770" bIns="64770" numCol="1" spcCol="1270" anchor="ctr" anchorCtr="0">
           <a:noAutofit/>
         </a:bodyPr>
         <a:lstStyle/>
         <a:p>
-          <a:pPr lvl="0" algn="l" defTabSz="977900" rtl="0">
+          <a:pPr lvl="0" algn="l" defTabSz="755650" rtl="0">
             <a:lnSpc>
               <a:spcPct val="90000"/>
             </a:lnSpc>
@@ -4072,15 +3501,15 @@
             </a:spcAft>
           </a:pPr>
           <a:r>
-            <a:rPr lang="es-AR" sz="2200" kern="1200" noProof="0" smtClean="0"/>
+            <a:rPr lang="es-AR" sz="1700" kern="1200" noProof="0" dirty="0" smtClean="0"/>
             <a:t>Ventajas:</a:t>
           </a:r>
-          <a:endParaRPr lang="es-AR" sz="2200" kern="1200" noProof="0"/>
+          <a:endParaRPr lang="es-AR" sz="1700" kern="1200" noProof="0" dirty="0"/>
         </a:p>
       </dsp:txBody>
       <dsp:txXfrm>
-        <a:off x="0" y="1077314"/>
-        <a:ext cx="4081463" cy="527670"/>
+        <a:off x="0" y="933145"/>
+        <a:ext cx="4081463" cy="407745"/>
       </dsp:txXfrm>
     </dsp:sp>
     <dsp:sp modelId="{86C6E5DC-91FE-4393-97EC-0E63A588CCA8}">
@@ -4090,8 +3519,8 @@
       </dsp:nvSpPr>
       <dsp:spPr>
         <a:xfrm>
-          <a:off x="0" y="1604984"/>
-          <a:ext cx="4081463" cy="1593900"/>
+          <a:off x="0" y="1340890"/>
+          <a:ext cx="4081463" cy="897345"/>
         </a:xfrm>
         <a:prstGeom prst="rect">
           <a:avLst/>
@@ -4115,12 +3544,12 @@
         <a:fontRef idx="minor"/>
       </dsp:style>
       <dsp:txBody>
-        <a:bodyPr spcFirstLastPara="0" vert="horz" wrap="square" lIns="129586" tIns="27940" rIns="156464" bIns="27940" numCol="1" spcCol="1270" anchor="t" anchorCtr="0">
+        <a:bodyPr spcFirstLastPara="0" vert="horz" wrap="square" lIns="129586" tIns="21590" rIns="120904" bIns="21590" numCol="1" spcCol="1270" anchor="t" anchorCtr="0">
           <a:noAutofit/>
         </a:bodyPr>
         <a:lstStyle/>
         <a:p>
-          <a:pPr marL="171450" lvl="1" indent="-171450" algn="l" defTabSz="755650" rtl="0">
+          <a:pPr marL="114300" lvl="1" indent="-114300" algn="l" defTabSz="577850" rtl="0">
             <a:lnSpc>
               <a:spcPct val="90000"/>
             </a:lnSpc>
@@ -4133,13 +3562,13 @@
             <a:buChar char="••"/>
           </a:pPr>
           <a:r>
-            <a:rPr lang="es-AR" sz="1700" kern="1200" noProof="0" smtClean="0"/>
+            <a:rPr lang="es-AR" sz="1300" kern="1200" noProof="0" dirty="0" smtClean="0"/>
             <a:t>Control total de todos los parámetros de la simulación.</a:t>
           </a:r>
-          <a:endParaRPr lang="es-AR" sz="1700" kern="1200" noProof="0"/>
+          <a:endParaRPr lang="es-AR" sz="1300" kern="1200" noProof="0" dirty="0"/>
         </a:p>
         <a:p>
-          <a:pPr marL="171450" lvl="1" indent="-171450" algn="l" defTabSz="755650" rtl="0">
+          <a:pPr marL="114300" lvl="1" indent="-114300" algn="l" defTabSz="577850" rtl="0">
             <a:lnSpc>
               <a:spcPct val="90000"/>
             </a:lnSpc>
@@ -4152,13 +3581,13 @@
             <a:buChar char="••"/>
           </a:pPr>
           <a:r>
-            <a:rPr lang="es-AR" sz="1700" kern="1200" noProof="0" dirty="0" smtClean="0"/>
+            <a:rPr lang="es-AR" sz="1300" kern="1200" noProof="0" dirty="0" smtClean="0"/>
             <a:t>Análisis cualitativo del funcionamiento del circuito.</a:t>
           </a:r>
-          <a:endParaRPr lang="es-AR" sz="1700" kern="1200" noProof="0" dirty="0"/>
+          <a:endParaRPr lang="es-AR" sz="1300" kern="1200" noProof="0" dirty="0"/>
         </a:p>
         <a:p>
-          <a:pPr marL="171450" lvl="1" indent="-171450" algn="l" defTabSz="755650" rtl="0">
+          <a:pPr marL="114300" lvl="1" indent="-114300" algn="l" defTabSz="577850" rtl="0">
             <a:lnSpc>
               <a:spcPct val="90000"/>
             </a:lnSpc>
@@ -4171,26 +3600,41 @@
             <a:buChar char="••"/>
           </a:pPr>
           <a:r>
-            <a:rPr lang="es-AR" sz="1700" kern="1200" noProof="0" smtClean="0"/>
+            <a:rPr lang="es-AR" sz="1300" kern="1200" noProof="0" dirty="0" smtClean="0"/>
             <a:t>Disponibilidad de todos los datos de simulación.</a:t>
           </a:r>
-          <a:endParaRPr lang="es-AR" sz="1700" kern="1200" noProof="0"/>
+          <a:endParaRPr lang="es-AR" sz="1300" kern="1200" noProof="0" dirty="0"/>
+        </a:p>
+        <a:p>
+          <a:pPr marL="114300" lvl="1" indent="-114300" algn="l" defTabSz="577850" rtl="0">
+            <a:lnSpc>
+              <a:spcPct val="90000"/>
+            </a:lnSpc>
+            <a:spcBef>
+              <a:spcPct val="0"/>
+            </a:spcBef>
+            <a:spcAft>
+              <a:spcPct val="20000"/>
+            </a:spcAft>
+            <a:buChar char="••"/>
+          </a:pPr>
+          <a:endParaRPr lang="es-AR" sz="1300" kern="1200" noProof="0" dirty="0"/>
         </a:p>
       </dsp:txBody>
       <dsp:txXfrm>
-        <a:off x="0" y="1604984"/>
-        <a:ext cx="4081463" cy="1593900"/>
+        <a:off x="0" y="1340890"/>
+        <a:ext cx="4081463" cy="897345"/>
       </dsp:txXfrm>
     </dsp:sp>
-    <dsp:sp modelId="{754C3953-3803-4D78-ABC9-4560C428F027}">
+    <dsp:sp modelId="{3C75DF9A-6800-46C6-AFE7-9345250C9E19}">
       <dsp:nvSpPr>
         <dsp:cNvPr id="0" name=""/>
         <dsp:cNvSpPr/>
       </dsp:nvSpPr>
       <dsp:spPr>
         <a:xfrm>
-          <a:off x="0" y="3198884"/>
-          <a:ext cx="4081463" cy="527670"/>
+          <a:off x="0" y="2238235"/>
+          <a:ext cx="4081463" cy="407745"/>
         </a:xfrm>
         <a:prstGeom prst="roundRect">
           <a:avLst/>
@@ -4256,12 +3700,12 @@
         </a:fontRef>
       </dsp:style>
       <dsp:txBody>
-        <a:bodyPr spcFirstLastPara="0" vert="horz" wrap="square" lIns="83820" tIns="83820" rIns="83820" bIns="83820" numCol="1" spcCol="1270" anchor="ctr" anchorCtr="0">
+        <a:bodyPr spcFirstLastPara="0" vert="horz" wrap="square" lIns="64770" tIns="64770" rIns="64770" bIns="64770" numCol="1" spcCol="1270" anchor="ctr" anchorCtr="0">
           <a:noAutofit/>
         </a:bodyPr>
         <a:lstStyle/>
         <a:p>
-          <a:pPr lvl="0" algn="l" defTabSz="977900" rtl="0">
+          <a:pPr lvl="0" algn="l" defTabSz="755650" rtl="0">
             <a:lnSpc>
               <a:spcPct val="90000"/>
             </a:lnSpc>
@@ -4273,26 +3717,26 @@
             </a:spcAft>
           </a:pPr>
           <a:r>
-            <a:rPr lang="es-AR" sz="2200" kern="1200" noProof="0" dirty="0" smtClean="0"/>
-            <a:t>Elementos:</a:t>
+            <a:rPr lang="es-AR" sz="1700" kern="1200" noProof="0" dirty="0" smtClean="0"/>
+            <a:t>Desventajas:</a:t>
           </a:r>
-          <a:endParaRPr lang="es-AR" sz="2200" kern="1200" noProof="0" dirty="0"/>
+          <a:endParaRPr lang="es-AR" sz="1700" kern="1200" noProof="0" dirty="0"/>
         </a:p>
       </dsp:txBody>
       <dsp:txXfrm>
-        <a:off x="0" y="3198884"/>
-        <a:ext cx="4081463" cy="527670"/>
+        <a:off x="0" y="2238235"/>
+        <a:ext cx="4081463" cy="407745"/>
       </dsp:txXfrm>
     </dsp:sp>
-    <dsp:sp modelId="{4174C60E-95CC-4882-BEA6-891F2F81F245}">
+    <dsp:sp modelId="{D4B29F39-5BA6-449A-B2B8-4D84BC4B354D}">
       <dsp:nvSpPr>
         <dsp:cNvPr id="0" name=""/>
         <dsp:cNvSpPr/>
       </dsp:nvSpPr>
       <dsp:spPr>
         <a:xfrm>
-          <a:off x="0" y="3726554"/>
-          <a:ext cx="4081463" cy="1184040"/>
+          <a:off x="0" y="2645980"/>
+          <a:ext cx="4081463" cy="897345"/>
         </a:xfrm>
         <a:prstGeom prst="rect">
           <a:avLst/>
@@ -4316,12 +3760,12 @@
         <a:fontRef idx="minor"/>
       </dsp:style>
       <dsp:txBody>
-        <a:bodyPr spcFirstLastPara="0" vert="horz" wrap="square" lIns="129586" tIns="27940" rIns="156464" bIns="27940" numCol="1" spcCol="1270" anchor="t" anchorCtr="0">
+        <a:bodyPr spcFirstLastPara="0" vert="horz" wrap="square" lIns="129586" tIns="21590" rIns="120904" bIns="21590" numCol="1" spcCol="1270" anchor="t" anchorCtr="0">
           <a:noAutofit/>
         </a:bodyPr>
         <a:lstStyle/>
         <a:p>
-          <a:pPr marL="171450" lvl="1" indent="-171450" algn="l" defTabSz="755650" rtl="0">
+          <a:pPr marL="114300" lvl="1" indent="-114300" algn="l" defTabSz="577850" rtl="0">
             <a:lnSpc>
               <a:spcPct val="90000"/>
             </a:lnSpc>
@@ -4334,13 +3778,13 @@
             <a:buChar char="••"/>
           </a:pPr>
           <a:r>
-            <a:rPr lang="es-AR" sz="1700" kern="1200" noProof="0" smtClean="0"/>
-            <a:t>3 comparadores.</a:t>
+            <a:rPr lang="es-AR" sz="1300" kern="1200" noProof="0" dirty="0" smtClean="0"/>
+            <a:t>Configuración compleja</a:t>
           </a:r>
-          <a:endParaRPr lang="es-AR" sz="1700" kern="1200" noProof="0"/>
+          <a:endParaRPr lang="es-AR" sz="1300" kern="1200" noProof="0" dirty="0"/>
         </a:p>
         <a:p>
-          <a:pPr marL="171450" lvl="1" indent="-171450" algn="l" defTabSz="755650" rtl="0">
+          <a:pPr marL="114300" lvl="1" indent="-114300" algn="l" defTabSz="577850" rtl="0">
             <a:lnSpc>
               <a:spcPct val="90000"/>
             </a:lnSpc>
@@ -4353,17 +3797,13 @@
             <a:buChar char="••"/>
           </a:pPr>
           <a:r>
-            <a:rPr lang="es-AR" sz="1700" kern="1200" noProof="0" dirty="0" smtClean="0"/>
-            <a:t>4 </a:t>
+            <a:rPr lang="es-AR" sz="1300" kern="1200" noProof="0" dirty="0" smtClean="0"/>
+            <a:t>Propenso a errores</a:t>
           </a:r>
-          <a:r>
-            <a:rPr lang="es-AR" sz="1700" kern="1200" noProof="0" dirty="0" smtClean="0"/>
-            <a:t>niveles de tensión de entrada.</a:t>
-          </a:r>
-          <a:endParaRPr lang="es-AR" sz="1700" kern="1200" noProof="0" dirty="0"/>
+          <a:endParaRPr lang="es-AR" sz="1300" kern="1200" noProof="0" dirty="0"/>
         </a:p>
         <a:p>
-          <a:pPr marL="171450" lvl="1" indent="-171450" algn="l" defTabSz="755650" rtl="0">
+          <a:pPr marL="114300" lvl="1" indent="-114300" algn="l" defTabSz="577850" rtl="0">
             <a:lnSpc>
               <a:spcPct val="90000"/>
             </a:lnSpc>
@@ -4376,13 +3816,172 @@
             <a:buChar char="••"/>
           </a:pPr>
           <a:r>
+            <a:rPr lang="es-AR" sz="1300" kern="1200" noProof="0" dirty="0" smtClean="0"/>
+            <a:t>Tiempo requerido por simulación: Alto</a:t>
+          </a:r>
+          <a:endParaRPr lang="es-AR" sz="1300" kern="1200" noProof="0" dirty="0"/>
+        </a:p>
+        <a:p>
+          <a:pPr marL="114300" lvl="1" indent="-114300" algn="l" defTabSz="577850" rtl="0">
+            <a:lnSpc>
+              <a:spcPct val="90000"/>
+            </a:lnSpc>
+            <a:spcBef>
+              <a:spcPct val="0"/>
+            </a:spcBef>
+            <a:spcAft>
+              <a:spcPct val="20000"/>
+            </a:spcAft>
+            <a:buChar char="••"/>
+          </a:pPr>
+          <a:endParaRPr lang="es-AR" sz="1300" kern="1200" noProof="0" dirty="0"/>
+        </a:p>
+      </dsp:txBody>
+      <dsp:txXfrm>
+        <a:off x="0" y="2645980"/>
+        <a:ext cx="4081463" cy="897345"/>
+      </dsp:txXfrm>
+    </dsp:sp>
+    <dsp:sp modelId="{754C3953-3803-4D78-ABC9-4560C428F027}">
+      <dsp:nvSpPr>
+        <dsp:cNvPr id="0" name=""/>
+        <dsp:cNvSpPr/>
+      </dsp:nvSpPr>
+      <dsp:spPr>
+        <a:xfrm>
+          <a:off x="0" y="3543325"/>
+          <a:ext cx="4081463" cy="407745"/>
+        </a:xfrm>
+        <a:prstGeom prst="roundRect">
+          <a:avLst/>
+        </a:prstGeom>
+        <a:gradFill rotWithShape="0">
+          <a:gsLst>
+            <a:gs pos="0">
+              <a:schemeClr val="accent1">
+                <a:hueOff val="0"/>
+                <a:satOff val="0"/>
+                <a:lumOff val="0"/>
+                <a:alphaOff val="0"/>
+                <a:shade val="47500"/>
+                <a:satMod val="137000"/>
+              </a:schemeClr>
+            </a:gs>
+            <a:gs pos="55000">
+              <a:schemeClr val="accent1">
+                <a:hueOff val="0"/>
+                <a:satOff val="0"/>
+                <a:lumOff val="0"/>
+                <a:alphaOff val="0"/>
+                <a:shade val="69000"/>
+                <a:satMod val="137000"/>
+              </a:schemeClr>
+            </a:gs>
+            <a:gs pos="100000">
+              <a:schemeClr val="accent1">
+                <a:hueOff val="0"/>
+                <a:satOff val="0"/>
+                <a:lumOff val="0"/>
+                <a:alphaOff val="0"/>
+                <a:shade val="98000"/>
+                <a:satMod val="137000"/>
+              </a:schemeClr>
+            </a:gs>
+          </a:gsLst>
+          <a:lin ang="16200000" scaled="0"/>
+        </a:gradFill>
+        <a:ln>
+          <a:noFill/>
+        </a:ln>
+        <a:effectLst>
+          <a:outerShdw blurRad="39000" dist="25400" dir="5400000" rotWithShape="0">
+            <a:srgbClr val="000000">
+              <a:alpha val="38000"/>
+            </a:srgbClr>
+          </a:outerShdw>
+        </a:effectLst>
+      </dsp:spPr>
+      <dsp:style>
+        <a:lnRef idx="0">
+          <a:scrgbClr r="0" g="0" b="0"/>
+        </a:lnRef>
+        <a:fillRef idx="3">
+          <a:scrgbClr r="0" g="0" b="0"/>
+        </a:fillRef>
+        <a:effectRef idx="2">
+          <a:scrgbClr r="0" g="0" b="0"/>
+        </a:effectRef>
+        <a:fontRef idx="minor">
+          <a:schemeClr val="lt1"/>
+        </a:fontRef>
+      </dsp:style>
+      <dsp:txBody>
+        <a:bodyPr spcFirstLastPara="0" vert="horz" wrap="square" lIns="64770" tIns="64770" rIns="64770" bIns="64770" numCol="1" spcCol="1270" anchor="ctr" anchorCtr="0">
+          <a:noAutofit/>
+        </a:bodyPr>
+        <a:lstStyle/>
+        <a:p>
+          <a:pPr lvl="0" algn="l" defTabSz="755650" rtl="0">
+            <a:lnSpc>
+              <a:spcPct val="90000"/>
+            </a:lnSpc>
+            <a:spcBef>
+              <a:spcPct val="0"/>
+            </a:spcBef>
+            <a:spcAft>
+              <a:spcPct val="35000"/>
+            </a:spcAft>
+          </a:pPr>
+          <a:r>
             <a:rPr lang="es-AR" sz="1700" kern="1200" noProof="0" dirty="0" smtClean="0"/>
-            <a:t>1 compuerta NAND de 8 entradas.</a:t>
+            <a:t>Elementos:</a:t>
           </a:r>
           <a:endParaRPr lang="es-AR" sz="1700" kern="1200" noProof="0" dirty="0"/>
         </a:p>
+      </dsp:txBody>
+      <dsp:txXfrm>
+        <a:off x="0" y="3543325"/>
+        <a:ext cx="4081463" cy="407745"/>
+      </dsp:txXfrm>
+    </dsp:sp>
+    <dsp:sp modelId="{4174C60E-95CC-4882-BEA6-891F2F81F245}">
+      <dsp:nvSpPr>
+        <dsp:cNvPr id="0" name=""/>
+        <dsp:cNvSpPr/>
+      </dsp:nvSpPr>
+      <dsp:spPr>
+        <a:xfrm>
+          <a:off x="0" y="3951070"/>
+          <a:ext cx="4081463" cy="897345"/>
+        </a:xfrm>
+        <a:prstGeom prst="rect">
+          <a:avLst/>
+        </a:prstGeom>
+        <a:noFill/>
+        <a:ln>
+          <a:noFill/>
+        </a:ln>
+        <a:effectLst/>
+      </dsp:spPr>
+      <dsp:style>
+        <a:lnRef idx="0">
+          <a:scrgbClr r="0" g="0" b="0"/>
+        </a:lnRef>
+        <a:fillRef idx="0">
+          <a:scrgbClr r="0" g="0" b="0"/>
+        </a:fillRef>
+        <a:effectRef idx="0">
+          <a:scrgbClr r="0" g="0" b="0"/>
+        </a:effectRef>
+        <a:fontRef idx="minor"/>
+      </dsp:style>
+      <dsp:txBody>
+        <a:bodyPr spcFirstLastPara="0" vert="horz" wrap="square" lIns="129586" tIns="21590" rIns="120904" bIns="21590" numCol="1" spcCol="1270" anchor="t" anchorCtr="0">
+          <a:noAutofit/>
+        </a:bodyPr>
+        <a:lstStyle/>
         <a:p>
-          <a:pPr marL="171450" lvl="1" indent="-171450" algn="l" defTabSz="755650" rtl="0">
+          <a:pPr marL="114300" lvl="1" indent="-114300" algn="l" defTabSz="577850" rtl="0">
             <a:lnSpc>
               <a:spcPct val="90000"/>
             </a:lnSpc>
@@ -4395,15 +3994,933 @@
             <a:buChar char="••"/>
           </a:pPr>
           <a:r>
-            <a:rPr lang="es-AR" sz="1700" kern="1200" noProof="0" dirty="0" smtClean="0"/>
+            <a:rPr lang="es-AR" sz="1300" kern="1200" noProof="0" dirty="0" smtClean="0"/>
+            <a:t>3 comparadores.</a:t>
+          </a:r>
+          <a:endParaRPr lang="es-AR" sz="1300" kern="1200" noProof="0" dirty="0"/>
+        </a:p>
+        <a:p>
+          <a:pPr marL="114300" lvl="1" indent="-114300" algn="l" defTabSz="577850" rtl="0">
+            <a:lnSpc>
+              <a:spcPct val="90000"/>
+            </a:lnSpc>
+            <a:spcBef>
+              <a:spcPct val="0"/>
+            </a:spcBef>
+            <a:spcAft>
+              <a:spcPct val="20000"/>
+            </a:spcAft>
+            <a:buChar char="••"/>
+          </a:pPr>
+          <a:r>
+            <a:rPr lang="es-AR" sz="1300" kern="1200" noProof="0" dirty="0" smtClean="0"/>
+            <a:t>4 niveles de tensión de entrada.</a:t>
+          </a:r>
+          <a:endParaRPr lang="es-AR" sz="1300" kern="1200" noProof="0" dirty="0"/>
+        </a:p>
+        <a:p>
+          <a:pPr marL="114300" lvl="1" indent="-114300" algn="l" defTabSz="577850" rtl="0">
+            <a:lnSpc>
+              <a:spcPct val="90000"/>
+            </a:lnSpc>
+            <a:spcBef>
+              <a:spcPct val="0"/>
+            </a:spcBef>
+            <a:spcAft>
+              <a:spcPct val="20000"/>
+            </a:spcAft>
+            <a:buChar char="••"/>
+          </a:pPr>
+          <a:r>
+            <a:rPr lang="es-AR" sz="1300" kern="1200" noProof="0" dirty="0" smtClean="0"/>
+            <a:t>1 compuerta NAND de 8 entradas.</a:t>
+          </a:r>
+          <a:endParaRPr lang="es-AR" sz="1300" kern="1200" noProof="0" dirty="0"/>
+        </a:p>
+        <a:p>
+          <a:pPr marL="114300" lvl="1" indent="-114300" algn="l" defTabSz="577850" rtl="0">
+            <a:lnSpc>
+              <a:spcPct val="90000"/>
+            </a:lnSpc>
+            <a:spcBef>
+              <a:spcPct val="0"/>
+            </a:spcBef>
+            <a:spcAft>
+              <a:spcPct val="20000"/>
+            </a:spcAft>
+            <a:buChar char="••"/>
+          </a:pPr>
+          <a:r>
+            <a:rPr lang="es-AR" sz="1300" kern="1200" noProof="0" dirty="0" smtClean="0"/>
             <a:t>2 fuentes de inyección</a:t>
           </a:r>
-          <a:endParaRPr lang="es-AR" sz="1700" kern="1200" noProof="0" dirty="0"/>
+          <a:endParaRPr lang="es-AR" sz="1300" kern="1200" noProof="0" dirty="0"/>
         </a:p>
       </dsp:txBody>
       <dsp:txXfrm>
-        <a:off x="0" y="3726554"/>
-        <a:ext cx="4081463" cy="1184040"/>
+        <a:off x="0" y="3951070"/>
+        <a:ext cx="4081463" cy="897345"/>
+      </dsp:txXfrm>
+    </dsp:sp>
+  </dsp:spTree>
+</dsp:drawing>
+</file>
+
+<file path=ppt/diagrams/drawing2.xml><?xml version="1.0" encoding="utf-8"?>
+<dsp:drawing xmlns:dgm="http://schemas.openxmlformats.org/drawingml/2006/diagram" xmlns:a="http://schemas.openxmlformats.org/drawingml/2006/main" xmlns:dsp="http://schemas.microsoft.com/office/drawing/2008/diagram">
+  <dsp:spTree>
+    <dsp:nvGrpSpPr>
+      <dsp:cNvPr id="0" name=""/>
+      <dsp:cNvGrpSpPr/>
+    </dsp:nvGrpSpPr>
+    <dsp:grpSpPr/>
+    <dsp:sp modelId="{41C04F8C-558E-4A38-8464-2044A2BC12CB}">
+      <dsp:nvSpPr>
+        <dsp:cNvPr id="0" name=""/>
+        <dsp:cNvSpPr/>
+      </dsp:nvSpPr>
+      <dsp:spPr>
+        <a:xfrm>
+          <a:off x="0" y="7819"/>
+          <a:ext cx="4042792" cy="383760"/>
+        </a:xfrm>
+        <a:prstGeom prst="roundRect">
+          <a:avLst/>
+        </a:prstGeom>
+        <a:gradFill rotWithShape="0">
+          <a:gsLst>
+            <a:gs pos="0">
+              <a:schemeClr val="accent1">
+                <a:hueOff val="0"/>
+                <a:satOff val="0"/>
+                <a:lumOff val="0"/>
+                <a:alphaOff val="0"/>
+                <a:shade val="47500"/>
+                <a:satMod val="137000"/>
+              </a:schemeClr>
+            </a:gs>
+            <a:gs pos="55000">
+              <a:schemeClr val="accent1">
+                <a:hueOff val="0"/>
+                <a:satOff val="0"/>
+                <a:lumOff val="0"/>
+                <a:alphaOff val="0"/>
+                <a:shade val="69000"/>
+                <a:satMod val="137000"/>
+              </a:schemeClr>
+            </a:gs>
+            <a:gs pos="100000">
+              <a:schemeClr val="accent1">
+                <a:hueOff val="0"/>
+                <a:satOff val="0"/>
+                <a:lumOff val="0"/>
+                <a:alphaOff val="0"/>
+                <a:shade val="98000"/>
+                <a:satMod val="137000"/>
+              </a:schemeClr>
+            </a:gs>
+          </a:gsLst>
+          <a:lin ang="16200000" scaled="0"/>
+        </a:gradFill>
+        <a:ln>
+          <a:noFill/>
+        </a:ln>
+        <a:effectLst>
+          <a:outerShdw blurRad="39000" dist="25400" dir="5400000" rotWithShape="0">
+            <a:srgbClr val="000000">
+              <a:alpha val="38000"/>
+            </a:srgbClr>
+          </a:outerShdw>
+        </a:effectLst>
+      </dsp:spPr>
+      <dsp:style>
+        <a:lnRef idx="0">
+          <a:scrgbClr r="0" g="0" b="0"/>
+        </a:lnRef>
+        <a:fillRef idx="3">
+          <a:scrgbClr r="0" g="0" b="0"/>
+        </a:fillRef>
+        <a:effectRef idx="2">
+          <a:scrgbClr r="0" g="0" b="0"/>
+        </a:effectRef>
+        <a:fontRef idx="minor">
+          <a:schemeClr val="lt1"/>
+        </a:fontRef>
+      </dsp:style>
+      <dsp:txBody>
+        <a:bodyPr spcFirstLastPara="0" vert="horz" wrap="square" lIns="60960" tIns="60960" rIns="60960" bIns="60960" numCol="1" spcCol="1270" anchor="ctr" anchorCtr="0">
+          <a:noAutofit/>
+        </a:bodyPr>
+        <a:lstStyle/>
+        <a:p>
+          <a:pPr lvl="0" algn="l" defTabSz="711200" rtl="0">
+            <a:lnSpc>
+              <a:spcPct val="90000"/>
+            </a:lnSpc>
+            <a:spcBef>
+              <a:spcPct val="0"/>
+            </a:spcBef>
+            <a:spcAft>
+              <a:spcPct val="35000"/>
+            </a:spcAft>
+          </a:pPr>
+          <a:r>
+            <a:rPr lang="es-AR" sz="1600" kern="1200" dirty="0" smtClean="0"/>
+            <a:t>Objetivos</a:t>
+          </a:r>
+          <a:endParaRPr lang="es-AR" sz="1600" kern="1200" dirty="0"/>
+        </a:p>
+      </dsp:txBody>
+      <dsp:txXfrm>
+        <a:off x="0" y="7819"/>
+        <a:ext cx="4042792" cy="383760"/>
+      </dsp:txXfrm>
+    </dsp:sp>
+    <dsp:sp modelId="{A96A0ECB-4E20-4C79-80BC-75B0D3A2CF5E}">
+      <dsp:nvSpPr>
+        <dsp:cNvPr id="0" name=""/>
+        <dsp:cNvSpPr/>
+      </dsp:nvSpPr>
+      <dsp:spPr>
+        <a:xfrm>
+          <a:off x="0" y="391579"/>
+          <a:ext cx="4042792" cy="414000"/>
+        </a:xfrm>
+        <a:prstGeom prst="rect">
+          <a:avLst/>
+        </a:prstGeom>
+        <a:noFill/>
+        <a:ln>
+          <a:noFill/>
+        </a:ln>
+        <a:effectLst/>
+      </dsp:spPr>
+      <dsp:style>
+        <a:lnRef idx="0">
+          <a:scrgbClr r="0" g="0" b="0"/>
+        </a:lnRef>
+        <a:fillRef idx="0">
+          <a:scrgbClr r="0" g="0" b="0"/>
+        </a:fillRef>
+        <a:effectRef idx="0">
+          <a:scrgbClr r="0" g="0" b="0"/>
+        </a:effectRef>
+        <a:fontRef idx="minor"/>
+      </dsp:style>
+      <dsp:txBody>
+        <a:bodyPr spcFirstLastPara="0" vert="horz" wrap="square" lIns="128359" tIns="20320" rIns="113792" bIns="20320" numCol="1" spcCol="1270" anchor="t" anchorCtr="0">
+          <a:noAutofit/>
+        </a:bodyPr>
+        <a:lstStyle/>
+        <a:p>
+          <a:pPr marL="114300" lvl="1" indent="-114300" algn="l" defTabSz="533400" rtl="0">
+            <a:lnSpc>
+              <a:spcPct val="90000"/>
+            </a:lnSpc>
+            <a:spcBef>
+              <a:spcPct val="0"/>
+            </a:spcBef>
+            <a:spcAft>
+              <a:spcPct val="20000"/>
+            </a:spcAft>
+            <a:buChar char="••"/>
+          </a:pPr>
+          <a:r>
+            <a:rPr lang="es-AR" sz="1200" kern="1200" dirty="0" smtClean="0"/>
+            <a:t>Determinar la sensibilidad del conversor a los ASETs.</a:t>
+          </a:r>
+          <a:endParaRPr lang="es-AR" sz="1200" kern="1200" dirty="0"/>
+        </a:p>
+        <a:p>
+          <a:pPr marL="114300" lvl="1" indent="-114300" algn="l" defTabSz="533400" rtl="0">
+            <a:lnSpc>
+              <a:spcPct val="90000"/>
+            </a:lnSpc>
+            <a:spcBef>
+              <a:spcPct val="0"/>
+            </a:spcBef>
+            <a:spcAft>
+              <a:spcPct val="20000"/>
+            </a:spcAft>
+            <a:buChar char="••"/>
+          </a:pPr>
+          <a:endParaRPr lang="es-AR" sz="1200" kern="1200" dirty="0"/>
+        </a:p>
+      </dsp:txBody>
+      <dsp:txXfrm>
+        <a:off x="0" y="391579"/>
+        <a:ext cx="4042792" cy="414000"/>
+      </dsp:txXfrm>
+    </dsp:sp>
+    <dsp:sp modelId="{0263673B-FFC8-4AF0-A80C-2B148C294C2A}">
+      <dsp:nvSpPr>
+        <dsp:cNvPr id="0" name=""/>
+        <dsp:cNvSpPr/>
+      </dsp:nvSpPr>
+      <dsp:spPr>
+        <a:xfrm>
+          <a:off x="0" y="805580"/>
+          <a:ext cx="4042792" cy="383760"/>
+        </a:xfrm>
+        <a:prstGeom prst="roundRect">
+          <a:avLst/>
+        </a:prstGeom>
+        <a:gradFill rotWithShape="0">
+          <a:gsLst>
+            <a:gs pos="0">
+              <a:schemeClr val="accent1">
+                <a:hueOff val="0"/>
+                <a:satOff val="0"/>
+                <a:lumOff val="0"/>
+                <a:alphaOff val="0"/>
+                <a:shade val="47500"/>
+                <a:satMod val="137000"/>
+              </a:schemeClr>
+            </a:gs>
+            <a:gs pos="55000">
+              <a:schemeClr val="accent1">
+                <a:hueOff val="0"/>
+                <a:satOff val="0"/>
+                <a:lumOff val="0"/>
+                <a:alphaOff val="0"/>
+                <a:shade val="69000"/>
+                <a:satMod val="137000"/>
+              </a:schemeClr>
+            </a:gs>
+            <a:gs pos="100000">
+              <a:schemeClr val="accent1">
+                <a:hueOff val="0"/>
+                <a:satOff val="0"/>
+                <a:lumOff val="0"/>
+                <a:alphaOff val="0"/>
+                <a:shade val="98000"/>
+                <a:satMod val="137000"/>
+              </a:schemeClr>
+            </a:gs>
+          </a:gsLst>
+          <a:lin ang="16200000" scaled="0"/>
+        </a:gradFill>
+        <a:ln>
+          <a:noFill/>
+        </a:ln>
+        <a:effectLst>
+          <a:outerShdw blurRad="39000" dist="25400" dir="5400000" rotWithShape="0">
+            <a:srgbClr val="000000">
+              <a:alpha val="38000"/>
+            </a:srgbClr>
+          </a:outerShdw>
+        </a:effectLst>
+      </dsp:spPr>
+      <dsp:style>
+        <a:lnRef idx="0">
+          <a:scrgbClr r="0" g="0" b="0"/>
+        </a:lnRef>
+        <a:fillRef idx="3">
+          <a:scrgbClr r="0" g="0" b="0"/>
+        </a:fillRef>
+        <a:effectRef idx="2">
+          <a:scrgbClr r="0" g="0" b="0"/>
+        </a:effectRef>
+        <a:fontRef idx="minor">
+          <a:schemeClr val="lt1"/>
+        </a:fontRef>
+      </dsp:style>
+      <dsp:txBody>
+        <a:bodyPr spcFirstLastPara="0" vert="horz" wrap="square" lIns="60960" tIns="60960" rIns="60960" bIns="60960" numCol="1" spcCol="1270" anchor="ctr" anchorCtr="0">
+          <a:noAutofit/>
+        </a:bodyPr>
+        <a:lstStyle/>
+        <a:p>
+          <a:pPr lvl="0" algn="l" defTabSz="711200" rtl="0">
+            <a:lnSpc>
+              <a:spcPct val="90000"/>
+            </a:lnSpc>
+            <a:spcBef>
+              <a:spcPct val="0"/>
+            </a:spcBef>
+            <a:spcAft>
+              <a:spcPct val="35000"/>
+            </a:spcAft>
+          </a:pPr>
+          <a:r>
+            <a:rPr lang="es-AR" sz="1600" kern="1200" dirty="0" smtClean="0"/>
+            <a:t>Ventajas</a:t>
+          </a:r>
+          <a:endParaRPr lang="es-AR" sz="1600" kern="1200" dirty="0"/>
+        </a:p>
+      </dsp:txBody>
+      <dsp:txXfrm>
+        <a:off x="0" y="805580"/>
+        <a:ext cx="4042792" cy="383760"/>
+      </dsp:txXfrm>
+    </dsp:sp>
+    <dsp:sp modelId="{5C6BCDC5-01CD-4D3A-AFDA-D028DCC208E0}">
+      <dsp:nvSpPr>
+        <dsp:cNvPr id="0" name=""/>
+        <dsp:cNvSpPr/>
+      </dsp:nvSpPr>
+      <dsp:spPr>
+        <a:xfrm>
+          <a:off x="0" y="1189340"/>
+          <a:ext cx="4042792" cy="1043280"/>
+        </a:xfrm>
+        <a:prstGeom prst="rect">
+          <a:avLst/>
+        </a:prstGeom>
+        <a:noFill/>
+        <a:ln>
+          <a:noFill/>
+        </a:ln>
+        <a:effectLst/>
+      </dsp:spPr>
+      <dsp:style>
+        <a:lnRef idx="0">
+          <a:scrgbClr r="0" g="0" b="0"/>
+        </a:lnRef>
+        <a:fillRef idx="0">
+          <a:scrgbClr r="0" g="0" b="0"/>
+        </a:fillRef>
+        <a:effectRef idx="0">
+          <a:scrgbClr r="0" g="0" b="0"/>
+        </a:effectRef>
+        <a:fontRef idx="minor"/>
+      </dsp:style>
+      <dsp:txBody>
+        <a:bodyPr spcFirstLastPara="0" vert="horz" wrap="square" lIns="128359" tIns="20320" rIns="113792" bIns="20320" numCol="1" spcCol="1270" anchor="t" anchorCtr="0">
+          <a:noAutofit/>
+        </a:bodyPr>
+        <a:lstStyle/>
+        <a:p>
+          <a:pPr marL="114300" lvl="1" indent="-114300" algn="l" defTabSz="533400" rtl="0">
+            <a:lnSpc>
+              <a:spcPct val="90000"/>
+            </a:lnSpc>
+            <a:spcBef>
+              <a:spcPct val="0"/>
+            </a:spcBef>
+            <a:spcAft>
+              <a:spcPct val="20000"/>
+            </a:spcAft>
+            <a:buChar char="••"/>
+          </a:pPr>
+          <a:r>
+            <a:rPr lang="es-AR" sz="1200" kern="1200" dirty="0" smtClean="0"/>
+            <a:t>Tiempo requerido por simulación: bajo</a:t>
+          </a:r>
+          <a:endParaRPr lang="es-AR" sz="1200" kern="1200" dirty="0"/>
+        </a:p>
+        <a:p>
+          <a:pPr marL="114300" lvl="1" indent="-114300" algn="l" defTabSz="533400" rtl="0">
+            <a:lnSpc>
+              <a:spcPct val="90000"/>
+            </a:lnSpc>
+            <a:spcBef>
+              <a:spcPct val="0"/>
+            </a:spcBef>
+            <a:spcAft>
+              <a:spcPct val="20000"/>
+            </a:spcAft>
+            <a:buChar char="••"/>
+          </a:pPr>
+          <a:r>
+            <a:rPr lang="es-AR" sz="1200" kern="1200" dirty="0" smtClean="0"/>
+            <a:t>Disminución de la duración de cada simulación.</a:t>
+          </a:r>
+          <a:endParaRPr lang="es-AR" sz="1200" kern="1200" dirty="0"/>
+        </a:p>
+        <a:p>
+          <a:pPr marL="114300" lvl="1" indent="-114300" algn="l" defTabSz="533400" rtl="0">
+            <a:lnSpc>
+              <a:spcPct val="90000"/>
+            </a:lnSpc>
+            <a:spcBef>
+              <a:spcPct val="0"/>
+            </a:spcBef>
+            <a:spcAft>
+              <a:spcPct val="20000"/>
+            </a:spcAft>
+            <a:buChar char="••"/>
+          </a:pPr>
+          <a:r>
+            <a:rPr lang="es-AR" sz="1200" kern="1200" dirty="0" smtClean="0"/>
+            <a:t>Simulación de todos los nodos intervinientes.</a:t>
+          </a:r>
+          <a:endParaRPr lang="es-AR" sz="1200" kern="1200" dirty="0"/>
+        </a:p>
+        <a:p>
+          <a:pPr marL="114300" lvl="1" indent="-114300" algn="l" defTabSz="533400" rtl="0">
+            <a:lnSpc>
+              <a:spcPct val="90000"/>
+            </a:lnSpc>
+            <a:spcBef>
+              <a:spcPct val="0"/>
+            </a:spcBef>
+            <a:spcAft>
+              <a:spcPct val="20000"/>
+            </a:spcAft>
+            <a:buChar char="••"/>
+          </a:pPr>
+          <a:r>
+            <a:rPr lang="es-AR" sz="1200" kern="1200" dirty="0" smtClean="0"/>
+            <a:t>Pre-análisis de los resultados.</a:t>
+          </a:r>
+          <a:endParaRPr lang="es-AR" sz="1200" kern="1200" dirty="0"/>
+        </a:p>
+        <a:p>
+          <a:pPr marL="114300" lvl="1" indent="-114300" algn="l" defTabSz="533400" rtl="0">
+            <a:lnSpc>
+              <a:spcPct val="90000"/>
+            </a:lnSpc>
+            <a:spcBef>
+              <a:spcPct val="0"/>
+            </a:spcBef>
+            <a:spcAft>
+              <a:spcPct val="20000"/>
+            </a:spcAft>
+            <a:buChar char="••"/>
+          </a:pPr>
+          <a:endParaRPr lang="es-AR" sz="1200" kern="1200" dirty="0"/>
+        </a:p>
+      </dsp:txBody>
+      <dsp:txXfrm>
+        <a:off x="0" y="1189340"/>
+        <a:ext cx="4042792" cy="1043280"/>
+      </dsp:txXfrm>
+    </dsp:sp>
+    <dsp:sp modelId="{33777C9F-EE64-4B2F-BF3D-9063802483F3}">
+      <dsp:nvSpPr>
+        <dsp:cNvPr id="0" name=""/>
+        <dsp:cNvSpPr/>
+      </dsp:nvSpPr>
+      <dsp:spPr>
+        <a:xfrm>
+          <a:off x="0" y="2232620"/>
+          <a:ext cx="4042792" cy="383760"/>
+        </a:xfrm>
+        <a:prstGeom prst="roundRect">
+          <a:avLst/>
+        </a:prstGeom>
+        <a:gradFill rotWithShape="0">
+          <a:gsLst>
+            <a:gs pos="0">
+              <a:schemeClr val="accent1">
+                <a:hueOff val="0"/>
+                <a:satOff val="0"/>
+                <a:lumOff val="0"/>
+                <a:alphaOff val="0"/>
+                <a:shade val="47500"/>
+                <a:satMod val="137000"/>
+              </a:schemeClr>
+            </a:gs>
+            <a:gs pos="55000">
+              <a:schemeClr val="accent1">
+                <a:hueOff val="0"/>
+                <a:satOff val="0"/>
+                <a:lumOff val="0"/>
+                <a:alphaOff val="0"/>
+                <a:shade val="69000"/>
+                <a:satMod val="137000"/>
+              </a:schemeClr>
+            </a:gs>
+            <a:gs pos="100000">
+              <a:schemeClr val="accent1">
+                <a:hueOff val="0"/>
+                <a:satOff val="0"/>
+                <a:lumOff val="0"/>
+                <a:alphaOff val="0"/>
+                <a:shade val="98000"/>
+                <a:satMod val="137000"/>
+              </a:schemeClr>
+            </a:gs>
+          </a:gsLst>
+          <a:lin ang="16200000" scaled="0"/>
+        </a:gradFill>
+        <a:ln>
+          <a:noFill/>
+        </a:ln>
+        <a:effectLst>
+          <a:outerShdw blurRad="39000" dist="25400" dir="5400000" rotWithShape="0">
+            <a:srgbClr val="000000">
+              <a:alpha val="38000"/>
+            </a:srgbClr>
+          </a:outerShdw>
+        </a:effectLst>
+      </dsp:spPr>
+      <dsp:style>
+        <a:lnRef idx="0">
+          <a:scrgbClr r="0" g="0" b="0"/>
+        </a:lnRef>
+        <a:fillRef idx="3">
+          <a:scrgbClr r="0" g="0" b="0"/>
+        </a:fillRef>
+        <a:effectRef idx="2">
+          <a:scrgbClr r="0" g="0" b="0"/>
+        </a:effectRef>
+        <a:fontRef idx="minor">
+          <a:schemeClr val="lt1"/>
+        </a:fontRef>
+      </dsp:style>
+      <dsp:txBody>
+        <a:bodyPr spcFirstLastPara="0" vert="horz" wrap="square" lIns="60960" tIns="60960" rIns="60960" bIns="60960" numCol="1" spcCol="1270" anchor="ctr" anchorCtr="0">
+          <a:noAutofit/>
+        </a:bodyPr>
+        <a:lstStyle/>
+        <a:p>
+          <a:pPr lvl="0" algn="l" defTabSz="711200" rtl="0">
+            <a:lnSpc>
+              <a:spcPct val="90000"/>
+            </a:lnSpc>
+            <a:spcBef>
+              <a:spcPct val="0"/>
+            </a:spcBef>
+            <a:spcAft>
+              <a:spcPct val="35000"/>
+            </a:spcAft>
+          </a:pPr>
+          <a:r>
+            <a:rPr lang="es-AR" sz="1600" kern="1200" dirty="0" smtClean="0"/>
+            <a:t>Desventajas</a:t>
+          </a:r>
+          <a:endParaRPr lang="es-AR" sz="1600" kern="1200" dirty="0"/>
+        </a:p>
+      </dsp:txBody>
+      <dsp:txXfrm>
+        <a:off x="0" y="2232620"/>
+        <a:ext cx="4042792" cy="383760"/>
+      </dsp:txXfrm>
+    </dsp:sp>
+    <dsp:sp modelId="{09EBEF52-6D08-4CB1-8BDA-3D44D2BF50F5}">
+      <dsp:nvSpPr>
+        <dsp:cNvPr id="0" name=""/>
+        <dsp:cNvSpPr/>
+      </dsp:nvSpPr>
+      <dsp:spPr>
+        <a:xfrm>
+          <a:off x="0" y="2616380"/>
+          <a:ext cx="4042792" cy="629280"/>
+        </a:xfrm>
+        <a:prstGeom prst="rect">
+          <a:avLst/>
+        </a:prstGeom>
+        <a:noFill/>
+        <a:ln>
+          <a:noFill/>
+        </a:ln>
+        <a:effectLst/>
+      </dsp:spPr>
+      <dsp:style>
+        <a:lnRef idx="0">
+          <a:scrgbClr r="0" g="0" b="0"/>
+        </a:lnRef>
+        <a:fillRef idx="0">
+          <a:scrgbClr r="0" g="0" b="0"/>
+        </a:fillRef>
+        <a:effectRef idx="0">
+          <a:scrgbClr r="0" g="0" b="0"/>
+        </a:effectRef>
+        <a:fontRef idx="minor"/>
+      </dsp:style>
+      <dsp:txBody>
+        <a:bodyPr spcFirstLastPara="0" vert="horz" wrap="square" lIns="128359" tIns="20320" rIns="113792" bIns="20320" numCol="1" spcCol="1270" anchor="t" anchorCtr="0">
+          <a:noAutofit/>
+        </a:bodyPr>
+        <a:lstStyle/>
+        <a:p>
+          <a:pPr marL="114300" lvl="1" indent="-114300" algn="l" defTabSz="533400" rtl="0">
+            <a:lnSpc>
+              <a:spcPct val="90000"/>
+            </a:lnSpc>
+            <a:spcBef>
+              <a:spcPct val="0"/>
+            </a:spcBef>
+            <a:spcAft>
+              <a:spcPct val="20000"/>
+            </a:spcAft>
+            <a:buChar char="••"/>
+          </a:pPr>
+          <a:r>
+            <a:rPr lang="es-AR" sz="1200" kern="1200" dirty="0" smtClean="0"/>
+            <a:t>Poco control sobre los parámetros de las simulaciones.</a:t>
+          </a:r>
+          <a:endParaRPr lang="es-AR" sz="1200" kern="1200" dirty="0"/>
+        </a:p>
+        <a:p>
+          <a:pPr marL="114300" lvl="1" indent="-114300" algn="l" defTabSz="533400" rtl="0">
+            <a:lnSpc>
+              <a:spcPct val="90000"/>
+            </a:lnSpc>
+            <a:spcBef>
+              <a:spcPct val="0"/>
+            </a:spcBef>
+            <a:spcAft>
+              <a:spcPct val="20000"/>
+            </a:spcAft>
+            <a:buChar char="••"/>
+          </a:pPr>
+          <a:r>
+            <a:rPr lang="es-AR" sz="1200" kern="1200" dirty="0" smtClean="0"/>
+            <a:t>Tiempo de configuración de la aplicación: Alto</a:t>
+          </a:r>
+          <a:endParaRPr lang="es-AR" sz="1200" kern="1200" dirty="0"/>
+        </a:p>
+        <a:p>
+          <a:pPr marL="114300" lvl="1" indent="-114300" algn="l" defTabSz="533400" rtl="0">
+            <a:lnSpc>
+              <a:spcPct val="90000"/>
+            </a:lnSpc>
+            <a:spcBef>
+              <a:spcPct val="0"/>
+            </a:spcBef>
+            <a:spcAft>
+              <a:spcPct val="20000"/>
+            </a:spcAft>
+            <a:buChar char="••"/>
+          </a:pPr>
+          <a:endParaRPr lang="es-AR" sz="1200" kern="1200" dirty="0"/>
+        </a:p>
+      </dsp:txBody>
+      <dsp:txXfrm>
+        <a:off x="0" y="2616380"/>
+        <a:ext cx="4042792" cy="629280"/>
+      </dsp:txXfrm>
+    </dsp:sp>
+    <dsp:sp modelId="{48B1F019-1CE6-479A-AD63-543121743A8A}">
+      <dsp:nvSpPr>
+        <dsp:cNvPr id="0" name=""/>
+        <dsp:cNvSpPr/>
+      </dsp:nvSpPr>
+      <dsp:spPr>
+        <a:xfrm>
+          <a:off x="0" y="3245660"/>
+          <a:ext cx="4042792" cy="383760"/>
+        </a:xfrm>
+        <a:prstGeom prst="roundRect">
+          <a:avLst/>
+        </a:prstGeom>
+        <a:gradFill rotWithShape="0">
+          <a:gsLst>
+            <a:gs pos="0">
+              <a:schemeClr val="accent1">
+                <a:hueOff val="0"/>
+                <a:satOff val="0"/>
+                <a:lumOff val="0"/>
+                <a:alphaOff val="0"/>
+                <a:shade val="47500"/>
+                <a:satMod val="137000"/>
+              </a:schemeClr>
+            </a:gs>
+            <a:gs pos="55000">
+              <a:schemeClr val="accent1">
+                <a:hueOff val="0"/>
+                <a:satOff val="0"/>
+                <a:lumOff val="0"/>
+                <a:alphaOff val="0"/>
+                <a:shade val="69000"/>
+                <a:satMod val="137000"/>
+              </a:schemeClr>
+            </a:gs>
+            <a:gs pos="100000">
+              <a:schemeClr val="accent1">
+                <a:hueOff val="0"/>
+                <a:satOff val="0"/>
+                <a:lumOff val="0"/>
+                <a:alphaOff val="0"/>
+                <a:shade val="98000"/>
+                <a:satMod val="137000"/>
+              </a:schemeClr>
+            </a:gs>
+          </a:gsLst>
+          <a:lin ang="16200000" scaled="0"/>
+        </a:gradFill>
+        <a:ln>
+          <a:noFill/>
+        </a:ln>
+        <a:effectLst>
+          <a:outerShdw blurRad="39000" dist="25400" dir="5400000" rotWithShape="0">
+            <a:srgbClr val="000000">
+              <a:alpha val="38000"/>
+            </a:srgbClr>
+          </a:outerShdw>
+        </a:effectLst>
+      </dsp:spPr>
+      <dsp:style>
+        <a:lnRef idx="0">
+          <a:scrgbClr r="0" g="0" b="0"/>
+        </a:lnRef>
+        <a:fillRef idx="3">
+          <a:scrgbClr r="0" g="0" b="0"/>
+        </a:fillRef>
+        <a:effectRef idx="2">
+          <a:scrgbClr r="0" g="0" b="0"/>
+        </a:effectRef>
+        <a:fontRef idx="minor">
+          <a:schemeClr val="lt1"/>
+        </a:fontRef>
+      </dsp:style>
+      <dsp:txBody>
+        <a:bodyPr spcFirstLastPara="0" vert="horz" wrap="square" lIns="60960" tIns="60960" rIns="60960" bIns="60960" numCol="1" spcCol="1270" anchor="ctr" anchorCtr="0">
+          <a:noAutofit/>
+        </a:bodyPr>
+        <a:lstStyle/>
+        <a:p>
+          <a:pPr lvl="0" algn="l" defTabSz="711200" rtl="0">
+            <a:lnSpc>
+              <a:spcPct val="90000"/>
+            </a:lnSpc>
+            <a:spcBef>
+              <a:spcPct val="0"/>
+            </a:spcBef>
+            <a:spcAft>
+              <a:spcPct val="35000"/>
+            </a:spcAft>
+          </a:pPr>
+          <a:r>
+            <a:rPr lang="es-AR" sz="1600" kern="1200" dirty="0" smtClean="0"/>
+            <a:t>Elementos</a:t>
+          </a:r>
+          <a:endParaRPr lang="es-AR" sz="1600" kern="1200" dirty="0"/>
+        </a:p>
+      </dsp:txBody>
+      <dsp:txXfrm>
+        <a:off x="0" y="3245660"/>
+        <a:ext cx="4042792" cy="383760"/>
+      </dsp:txXfrm>
+    </dsp:sp>
+    <dsp:sp modelId="{41659F7B-4944-4AB4-A655-69C3BEDC0729}">
+      <dsp:nvSpPr>
+        <dsp:cNvPr id="0" name=""/>
+        <dsp:cNvSpPr/>
+      </dsp:nvSpPr>
+      <dsp:spPr>
+        <a:xfrm>
+          <a:off x="0" y="3629420"/>
+          <a:ext cx="4042792" cy="1043280"/>
+        </a:xfrm>
+        <a:prstGeom prst="rect">
+          <a:avLst/>
+        </a:prstGeom>
+        <a:noFill/>
+        <a:ln>
+          <a:noFill/>
+        </a:ln>
+        <a:effectLst/>
+      </dsp:spPr>
+      <dsp:style>
+        <a:lnRef idx="0">
+          <a:scrgbClr r="0" g="0" b="0"/>
+        </a:lnRef>
+        <a:fillRef idx="0">
+          <a:scrgbClr r="0" g="0" b="0"/>
+        </a:fillRef>
+        <a:effectRef idx="0">
+          <a:scrgbClr r="0" g="0" b="0"/>
+        </a:effectRef>
+        <a:fontRef idx="minor"/>
+      </dsp:style>
+      <dsp:txBody>
+        <a:bodyPr spcFirstLastPara="0" vert="horz" wrap="square" lIns="128359" tIns="20320" rIns="113792" bIns="20320" numCol="1" spcCol="1270" anchor="t" anchorCtr="0">
+          <a:noAutofit/>
+        </a:bodyPr>
+        <a:lstStyle/>
+        <a:p>
+          <a:pPr marL="114300" lvl="1" indent="-114300" algn="l" defTabSz="533400" rtl="0">
+            <a:lnSpc>
+              <a:spcPct val="90000"/>
+            </a:lnSpc>
+            <a:spcBef>
+              <a:spcPct val="0"/>
+            </a:spcBef>
+            <a:spcAft>
+              <a:spcPct val="20000"/>
+            </a:spcAft>
+            <a:buChar char="••"/>
+          </a:pPr>
+          <a:r>
+            <a:rPr lang="es-AR" sz="1200" kern="1200" dirty="0" smtClean="0"/>
+            <a:t>64 comparadores</a:t>
+          </a:r>
+          <a:endParaRPr lang="es-AR" sz="1200" kern="1200" dirty="0"/>
+        </a:p>
+        <a:p>
+          <a:pPr marL="114300" lvl="1" indent="-114300" algn="l" defTabSz="533400" rtl="0">
+            <a:lnSpc>
+              <a:spcPct val="90000"/>
+            </a:lnSpc>
+            <a:spcBef>
+              <a:spcPct val="0"/>
+            </a:spcBef>
+            <a:spcAft>
+              <a:spcPct val="20000"/>
+            </a:spcAft>
+            <a:buChar char="••"/>
+          </a:pPr>
+          <a:r>
+            <a:rPr lang="es-AR" sz="1200" kern="1200" dirty="0" smtClean="0"/>
+            <a:t>64 niveles de tensión de entrada</a:t>
+          </a:r>
+          <a:endParaRPr lang="es-AR" sz="1200" kern="1200" dirty="0"/>
+        </a:p>
+        <a:p>
+          <a:pPr marL="114300" lvl="1" indent="-114300" algn="l" defTabSz="533400" rtl="0">
+            <a:lnSpc>
+              <a:spcPct val="90000"/>
+            </a:lnSpc>
+            <a:spcBef>
+              <a:spcPct val="0"/>
+            </a:spcBef>
+            <a:spcAft>
+              <a:spcPct val="20000"/>
+            </a:spcAft>
+            <a:buChar char="••"/>
+          </a:pPr>
+          <a:r>
+            <a:rPr lang="es-AR" sz="1200" kern="1200" dirty="0" smtClean="0"/>
+            <a:t>2 fuentes de inyección</a:t>
+          </a:r>
+          <a:endParaRPr lang="es-AR" sz="1200" kern="1200" dirty="0"/>
+        </a:p>
+        <a:p>
+          <a:pPr marL="114300" lvl="1" indent="-114300" algn="l" defTabSz="533400" rtl="0">
+            <a:lnSpc>
+              <a:spcPct val="90000"/>
+            </a:lnSpc>
+            <a:spcBef>
+              <a:spcPct val="0"/>
+            </a:spcBef>
+            <a:spcAft>
+              <a:spcPct val="20000"/>
+            </a:spcAft>
+            <a:buChar char="••"/>
+          </a:pPr>
+          <a:r>
+            <a:rPr lang="es-AR" sz="1200" kern="1200" dirty="0" smtClean="0"/>
+            <a:t>Ambiente virtualizado</a:t>
+          </a:r>
+          <a:endParaRPr lang="es-AR" sz="1200" kern="1200" dirty="0"/>
+        </a:p>
+        <a:p>
+          <a:pPr marL="114300" lvl="1" indent="-114300" algn="l" defTabSz="533400" rtl="0">
+            <a:lnSpc>
+              <a:spcPct val="90000"/>
+            </a:lnSpc>
+            <a:spcBef>
+              <a:spcPct val="0"/>
+            </a:spcBef>
+            <a:spcAft>
+              <a:spcPct val="20000"/>
+            </a:spcAft>
+            <a:buChar char="••"/>
+          </a:pPr>
+          <a:r>
+            <a:rPr lang="es-AR" sz="1200" kern="1200" dirty="0" smtClean="0"/>
+            <a:t>Aplicación de inyección y análisis</a:t>
+          </a:r>
+          <a:endParaRPr lang="es-AR" sz="1200" kern="1200" dirty="0"/>
+        </a:p>
+      </dsp:txBody>
+      <dsp:txXfrm>
+        <a:off x="0" y="3629420"/>
+        <a:ext cx="4042792" cy="1043280"/>
       </dsp:txXfrm>
     </dsp:sp>
   </dsp:spTree>
@@ -4411,13 +4928,12 @@
 </file>
 
 <file path=ppt/diagrams/layout1.xml><?xml version="1.0" encoding="utf-8"?>
-<dgm:layoutDef xmlns:dgm="http://schemas.openxmlformats.org/drawingml/2006/diagram" xmlns:a="http://schemas.openxmlformats.org/drawingml/2006/main" uniqueId="urn:microsoft.com/office/officeart/2005/8/layout/hierarchy4">
+<dgm:layoutDef xmlns:dgm="http://schemas.openxmlformats.org/drawingml/2006/diagram" xmlns:a="http://schemas.openxmlformats.org/drawingml/2006/main" uniqueId="urn:microsoft.com/office/officeart/2005/8/layout/vList2">
   <dgm:title val=""/>
   <dgm:desc val=""/>
   <dgm:catLst>
-    <dgm:cat type="hierarchy" pri="4000"/>
-    <dgm:cat type="list" pri="24000"/>
-    <dgm:cat type="relationship" pri="10000"/>
+    <dgm:cat type="list" pri="3000"/>
+    <dgm:cat type="convert" pri="1000"/>
   </dgm:catLst>
   <dgm:sampData>
     <dgm:dataModel>
@@ -4426,29 +4942,21 @@
         <dgm:pt modelId="1">
           <dgm:prSet phldr="1"/>
         </dgm:pt>
+        <dgm:pt modelId="11">
+          <dgm:prSet phldr="1"/>
+        </dgm:pt>
         <dgm:pt modelId="2">
           <dgm:prSet phldr="1"/>
         </dgm:pt>
         <dgm:pt modelId="21">
           <dgm:prSet phldr="1"/>
         </dgm:pt>
-        <dgm:pt modelId="22">
-          <dgm:prSet phldr="1"/>
-        </dgm:pt>
-        <dgm:pt modelId="3">
-          <dgm:prSet phldr="1"/>
-        </dgm:pt>
-        <dgm:pt modelId="31">
-          <dgm:prSet phldr="1"/>
-        </dgm:pt>
       </dgm:ptLst>
       <dgm:cxnLst>
         <dgm:cxn modelId="4" srcId="0" destId="1" srcOrd="0" destOrd="0"/>
-        <dgm:cxn modelId="5" srcId="1" destId="2" srcOrd="0" destOrd="0"/>
-        <dgm:cxn modelId="6" srcId="1" destId="3" srcOrd="1" destOrd="0"/>
+        <dgm:cxn modelId="5" srcId="0" destId="2" srcOrd="1" destOrd="0"/>
+        <dgm:cxn modelId="12" srcId="1" destId="11" srcOrd="0" destOrd="0"/>
         <dgm:cxn modelId="23" srcId="2" destId="21" srcOrd="0" destOrd="0"/>
-        <dgm:cxn modelId="24" srcId="2" destId="22" srcOrd="1" destOrd="0"/>
-        <dgm:cxn modelId="33" srcId="3" destId="31" srcOrd="0" destOrd="0"/>
       </dgm:cxnLst>
       <dgm:bg/>
       <dgm:whole/>
@@ -4459,13 +4967,11 @@
       <dgm:ptLst>
         <dgm:pt modelId="0" type="doc"/>
         <dgm:pt modelId="1"/>
-        <dgm:pt modelId="11"/>
-        <dgm:pt modelId="12"/>
+        <dgm:pt modelId="2"/>
       </dgm:ptLst>
       <dgm:cxnLst>
-        <dgm:cxn modelId="2" srcId="0" destId="1" srcOrd="0" destOrd="0"/>
-        <dgm:cxn modelId="13" srcId="1" destId="11" srcOrd="0" destOrd="0"/>
-        <dgm:cxn modelId="14" srcId="1" destId="12" srcOrd="1" destOrd="0"/>
+        <dgm:cxn modelId="3" srcId="0" destId="1" srcOrd="0" destOrd="0"/>
+        <dgm:cxn modelId="4" srcId="0" destId="2" srcOrd="1" destOrd="0"/>
       </dgm:cxnLst>
       <dgm:bg/>
       <dgm:whole/>
@@ -4477,455 +4983,111 @@
         <dgm:pt modelId="0" type="doc"/>
         <dgm:pt modelId="1"/>
         <dgm:pt modelId="2"/>
-        <dgm:pt modelId="21"/>
-        <dgm:pt modelId="211"/>
         <dgm:pt modelId="3"/>
-        <dgm:pt modelId="31"/>
-        <dgm:pt modelId="311"/>
+        <dgm:pt modelId="4"/>
       </dgm:ptLst>
       <dgm:cxnLst>
-        <dgm:cxn modelId="4" srcId="0" destId="1" srcOrd="0" destOrd="0"/>
-        <dgm:cxn modelId="5" srcId="1" destId="2" srcOrd="0" destOrd="0"/>
-        <dgm:cxn modelId="6" srcId="1" destId="3" srcOrd="1" destOrd="0"/>
-        <dgm:cxn modelId="23" srcId="2" destId="21" srcOrd="0" destOrd="0"/>
-        <dgm:cxn modelId="24" srcId="21" destId="211" srcOrd="0" destOrd="0"/>
-        <dgm:cxn modelId="33" srcId="3" destId="31" srcOrd="0" destOrd="0"/>
-        <dgm:cxn modelId="34" srcId="31" destId="311" srcOrd="0" destOrd="0"/>
+        <dgm:cxn modelId="5" srcId="0" destId="1" srcOrd="0" destOrd="0"/>
+        <dgm:cxn modelId="6" srcId="0" destId="2" srcOrd="1" destOrd="0"/>
+        <dgm:cxn modelId="7" srcId="0" destId="3" srcOrd="2" destOrd="0"/>
+        <dgm:cxn modelId="8" srcId="0" destId="4" srcOrd="3" destOrd="0"/>
       </dgm:cxnLst>
       <dgm:bg/>
       <dgm:whole/>
     </dgm:dataModel>
   </dgm:clrData>
-  <dgm:layoutNode name="Name0">
+  <dgm:layoutNode name="linear">
     <dgm:varLst>
-      <dgm:chPref val="1"/>
-      <dgm:dir/>
-      <dgm:animOne val="branch"/>
       <dgm:animLvl val="lvl"/>
-      <dgm:resizeHandles/>
+      <dgm:resizeHandles val="exact"/>
     </dgm:varLst>
-    <dgm:choose name="Name1">
-      <dgm:if name="Name2" func="var" arg="dir" op="equ" val="norm">
-        <dgm:alg type="lin">
-          <dgm:param type="linDir" val="fromL"/>
-          <dgm:param type="nodeVertAlign" val="t"/>
-        </dgm:alg>
-      </dgm:if>
-      <dgm:else name="Name3">
-        <dgm:alg type="lin">
-          <dgm:param type="linDir" val="fromR"/>
-          <dgm:param type="nodeVertAlign" val="t"/>
-        </dgm:alg>
-      </dgm:else>
-    </dgm:choose>
+    <dgm:alg type="lin">
+      <dgm:param type="linDir" val="fromT"/>
+      <dgm:param type="vertAlign" val="mid"/>
+    </dgm:alg>
     <dgm:shape xmlns:r="http://schemas.openxmlformats.org/officeDocument/2006/relationships" r:blip="">
       <dgm:adjLst/>
     </dgm:shape>
     <dgm:presOf/>
     <dgm:constrLst>
-      <dgm:constr type="w" for="ch" forName="vertOne" refType="w"/>
-      <dgm:constr type="w" for="des" forName="horzOne" refType="w"/>
-      <dgm:constr type="w" for="des" forName="txOne" refType="w"/>
-      <dgm:constr type="w" for="des" forName="vertTwo" refType="w"/>
-      <dgm:constr type="w" for="des" forName="horzTwo" refType="w"/>
-      <dgm:constr type="w" for="des" forName="txTwo" refType="w"/>
-      <dgm:constr type="w" for="des" forName="vertThree" refType="w"/>
-      <dgm:constr type="w" for="des" forName="horzThree" refType="w"/>
-      <dgm:constr type="w" for="des" forName="txThree" refType="w"/>
-      <dgm:constr type="w" for="des" forName="vertFour" refType="w"/>
-      <dgm:constr type="w" for="des" forName="horzFour" refType="w"/>
-      <dgm:constr type="w" for="des" forName="txFour" refType="w"/>
-      <dgm:constr type="h" for="des" ptType="node" op="equ"/>
-      <dgm:constr type="h" for="des" forName="txOne" refType="h"/>
-      <dgm:constr type="userH" for="des" ptType="node" refType="h" refFor="des" refForName="txOne"/>
-      <dgm:constr type="primFontSz" for="des" forName="txOne" val="65"/>
-      <dgm:constr type="primFontSz" for="des" forName="txTwo" val="65"/>
-      <dgm:constr type="primFontSz" for="des" forName="txTwo" refType="primFontSz" refFor="des" refForName="txOne" op="lte"/>
-      <dgm:constr type="primFontSz" for="des" forName="txThree" val="65"/>
-      <dgm:constr type="primFontSz" for="des" forName="txThree" refType="primFontSz" refFor="des" refForName="txOne" op="lte"/>
-      <dgm:constr type="primFontSz" for="des" forName="txThree" refType="primFontSz" refFor="des" refForName="txTwo" op="lte"/>
-      <dgm:constr type="primFontSz" for="des" forName="txFour" val="65"/>
-      <dgm:constr type="primFontSz" for="des" forName="txFour" refType="primFontSz" refFor="des" refForName="txOne" op="lte"/>
-      <dgm:constr type="primFontSz" for="des" forName="txFour" refType="primFontSz" refFor="des" refForName="txTwo" op="lte"/>
-      <dgm:constr type="primFontSz" for="des" forName="txFour" refType="primFontSz" refFor="des" refForName="txThree" op="lte"/>
-      <dgm:constr type="w" for="des" forName="sibSpaceOne" refType="w" fact="0.168"/>
-      <dgm:constr type="w" for="des" forName="sibSpaceTwo" refType="w" refFor="des" refForName="sibSpaceOne" op="equ" fact="0.5"/>
-      <dgm:constr type="w" for="des" forName="sibSpaceThree" refType="w" refFor="des" refForName="sibSpaceTwo" op="equ" fact="0.5"/>
-      <dgm:constr type="w" for="des" forName="sibSpaceFour" refType="w" refFor="des" refForName="sibSpaceThree" op="equ" fact="0.5"/>
-      <dgm:constr type="h" for="des" forName="parTransOne" refType="w" fact="0.056"/>
-      <dgm:constr type="h" for="des" forName="parTransTwo" refType="h" refFor="des" refForName="parTransOne" op="equ"/>
-      <dgm:constr type="h" for="des" forName="parTransThree" refType="h" refFor="des" refForName="parTransTwo" op="equ"/>
-      <dgm:constr type="h" for="des" forName="parTransFour" refType="h" refFor="des" refForName="parTransThree" op="equ"/>
+      <dgm:constr type="w" for="ch" forName="parentText" refType="w"/>
+      <dgm:constr type="h" for="ch" forName="parentText" refType="primFontSz" refFor="ch" refForName="parentText" fact="0.52"/>
+      <dgm:constr type="w" for="ch" forName="childText" refType="w"/>
+      <dgm:constr type="h" for="ch" forName="childText" refType="primFontSz" refFor="ch" refForName="parentText" fact="0.46"/>
+      <dgm:constr type="h" for="ch" forName="parentText" op="equ"/>
+      <dgm:constr type="primFontSz" for="ch" forName="parentText" op="equ" val="65"/>
+      <dgm:constr type="primFontSz" for="ch" forName="childText" refType="primFontSz" refFor="ch" refForName="parentText" op="equ"/>
+      <dgm:constr type="h" for="ch" forName="spacer" refType="primFontSz" refFor="ch" refForName="parentText" fact="0.08"/>
     </dgm:constrLst>
-    <dgm:ruleLst/>
-    <dgm:forEach name="Name4" axis="ch" ptType="node">
-      <dgm:layoutNode name="vertOne">
-        <dgm:alg type="lin">
-          <dgm:param type="linDir" val="fromT"/>
+    <dgm:ruleLst>
+      <dgm:rule type="primFontSz" for="ch" forName="parentText" val="5" fact="NaN" max="NaN"/>
+    </dgm:ruleLst>
+    <dgm:forEach name="Name0" axis="ch" ptType="node">
+      <dgm:layoutNode name="parentText" styleLbl="node1">
+        <dgm:varLst>
+          <dgm:chMax val="0"/>
+          <dgm:bulletEnabled val="1"/>
+        </dgm:varLst>
+        <dgm:alg type="tx">
+          <dgm:param type="parTxLTRAlign" val="l"/>
+          <dgm:param type="parTxRTLAlign" val="r"/>
         </dgm:alg>
-        <dgm:shape xmlns:r="http://schemas.openxmlformats.org/officeDocument/2006/relationships" r:blip="">
+        <dgm:shape xmlns:r="http://schemas.openxmlformats.org/officeDocument/2006/relationships" type="roundRect" r:blip="">
           <dgm:adjLst/>
         </dgm:shape>
-        <dgm:presOf/>
+        <dgm:presOf axis="self"/>
         <dgm:constrLst>
-          <dgm:constr type="w" for="ch" forName="txOne" refType="w" refFor="ch" refForName="horzOne" op="gte"/>
+          <dgm:constr type="tMarg" refType="primFontSz" fact="0.3"/>
+          <dgm:constr type="bMarg" refType="primFontSz" fact="0.3"/>
+          <dgm:constr type="lMarg" refType="primFontSz" fact="0.3"/>
+          <dgm:constr type="rMarg" refType="primFontSz" fact="0.3"/>
         </dgm:constrLst>
-        <dgm:ruleLst/>
-        <dgm:layoutNode name="txOne" styleLbl="node0">
-          <dgm:varLst>
-            <dgm:chPref val="3"/>
-          </dgm:varLst>
-          <dgm:alg type="tx"/>
-          <dgm:shape xmlns:r="http://schemas.openxmlformats.org/officeDocument/2006/relationships" type="roundRect" r:blip="">
-            <dgm:adjLst>
-              <dgm:adj idx="1" val="0.1"/>
-            </dgm:adjLst>
-          </dgm:shape>
-          <dgm:presOf axis="self"/>
-          <dgm:constrLst>
-            <dgm:constr type="tMarg" refType="primFontSz" fact="0.3"/>
-            <dgm:constr type="bMarg" refType="primFontSz" fact="0.3"/>
-            <dgm:constr type="lMarg" refType="primFontSz" fact="0.3"/>
-            <dgm:constr type="rMarg" refType="primFontSz" fact="0.3"/>
-          </dgm:constrLst>
-          <dgm:ruleLst>
-            <dgm:rule type="primFontSz" val="5" fact="NaN" max="NaN"/>
-          </dgm:ruleLst>
-        </dgm:layoutNode>
-        <dgm:choose name="Name5">
-          <dgm:if name="Name6" axis="des" ptType="node" func="cnt" op="gt" val="0">
-            <dgm:layoutNode name="parTransOne">
-              <dgm:alg type="sp"/>
-              <dgm:shape xmlns:r="http://schemas.openxmlformats.org/officeDocument/2006/relationships" r:blip="">
-                <dgm:adjLst/>
-              </dgm:shape>
-              <dgm:presOf/>
-              <dgm:constrLst/>
-              <dgm:ruleLst/>
-            </dgm:layoutNode>
-          </dgm:if>
-          <dgm:else name="Name7"/>
-        </dgm:choose>
-        <dgm:layoutNode name="horzOne">
-          <dgm:choose name="Name8">
-            <dgm:if name="Name9" func="var" arg="dir" op="equ" val="norm">
-              <dgm:alg type="lin">
-                <dgm:param type="linDir" val="fromL"/>
-                <dgm:param type="nodeVertAlign" val="t"/>
-              </dgm:alg>
+        <dgm:ruleLst>
+          <dgm:rule type="h" val="INF" fact="NaN" max="NaN"/>
+        </dgm:ruleLst>
+      </dgm:layoutNode>
+      <dgm:choose name="Name1">
+        <dgm:if name="Name2" axis="ch" ptType="node" func="cnt" op="gte" val="1">
+          <dgm:layoutNode name="childText" styleLbl="revTx">
+            <dgm:varLst>
+              <dgm:bulletEnabled val="1"/>
+            </dgm:varLst>
+            <dgm:alg type="tx">
+              <dgm:param type="stBulletLvl" val="1"/>
+              <dgm:param type="lnSpAfChP" val="20"/>
+            </dgm:alg>
+            <dgm:shape xmlns:r="http://schemas.openxmlformats.org/officeDocument/2006/relationships" type="rect" r:blip="">
+              <dgm:adjLst/>
+            </dgm:shape>
+            <dgm:presOf axis="des" ptType="node"/>
+            <dgm:constrLst>
+              <dgm:constr type="tMarg" refType="primFontSz" fact="0.1"/>
+              <dgm:constr type="bMarg" refType="primFontSz" fact="0.1"/>
+              <dgm:constr type="lMarg" refType="w" fact="0.09"/>
+            </dgm:constrLst>
+            <dgm:ruleLst>
+              <dgm:rule type="h" val="INF" fact="NaN" max="NaN"/>
+            </dgm:ruleLst>
+          </dgm:layoutNode>
+        </dgm:if>
+        <dgm:else name="Name3">
+          <dgm:choose name="Name4">
+            <dgm:if name="Name5" axis="par ch" ptType="doc node" func="cnt" op="gte" val="2">
+              <dgm:forEach name="Name6" axis="followSib" ptType="sibTrans" cnt="1">
+                <dgm:layoutNode name="spacer">
+                  <dgm:alg type="sp"/>
+                  <dgm:shape xmlns:r="http://schemas.openxmlformats.org/officeDocument/2006/relationships" r:blip="">
+                    <dgm:adjLst/>
+                  </dgm:shape>
+                  <dgm:presOf/>
+                  <dgm:constrLst/>
+                  <dgm:ruleLst/>
+                </dgm:layoutNode>
+              </dgm:forEach>
             </dgm:if>
-            <dgm:else name="Name10">
-              <dgm:alg type="lin">
-                <dgm:param type="linDir" val="fromR"/>
-                <dgm:param type="nodeVertAlign" val="t"/>
-              </dgm:alg>
-            </dgm:else>
+            <dgm:else name="Name7"/>
           </dgm:choose>
-          <dgm:shape xmlns:r="http://schemas.openxmlformats.org/officeDocument/2006/relationships" r:blip="">
-            <dgm:adjLst/>
-          </dgm:shape>
-          <dgm:presOf/>
-          <dgm:constrLst/>
-          <dgm:ruleLst>
-            <dgm:rule type="w" val="INF" fact="NaN" max="NaN"/>
-          </dgm:ruleLst>
-          <dgm:forEach name="Name11" axis="ch" ptType="node">
-            <dgm:layoutNode name="vertTwo">
-              <dgm:alg type="lin">
-                <dgm:param type="linDir" val="fromT"/>
-              </dgm:alg>
-              <dgm:shape xmlns:r="http://schemas.openxmlformats.org/officeDocument/2006/relationships" r:blip="">
-                <dgm:adjLst/>
-              </dgm:shape>
-              <dgm:presOf/>
-              <dgm:constrLst>
-                <dgm:constr type="w" for="ch" forName="txTwo" refType="w" refFor="ch" refForName="horzTwo" op="gte"/>
-              </dgm:constrLst>
-              <dgm:ruleLst/>
-              <dgm:layoutNode name="txTwo">
-                <dgm:varLst>
-                  <dgm:chPref val="3"/>
-                </dgm:varLst>
-                <dgm:alg type="tx"/>
-                <dgm:shape xmlns:r="http://schemas.openxmlformats.org/officeDocument/2006/relationships" type="roundRect" r:blip="">
-                  <dgm:adjLst>
-                    <dgm:adj idx="1" val="0.1"/>
-                  </dgm:adjLst>
-                </dgm:shape>
-                <dgm:presOf axis="self"/>
-                <dgm:constrLst>
-                  <dgm:constr type="userH"/>
-                  <dgm:constr type="h" refType="userH"/>
-                  <dgm:constr type="tMarg" refType="primFontSz" fact="0.3"/>
-                  <dgm:constr type="bMarg" refType="primFontSz" fact="0.3"/>
-                  <dgm:constr type="lMarg" refType="primFontSz" fact="0.3"/>
-                  <dgm:constr type="rMarg" refType="primFontSz" fact="0.3"/>
-                </dgm:constrLst>
-                <dgm:ruleLst>
-                  <dgm:rule type="primFontSz" val="5" fact="NaN" max="NaN"/>
-                </dgm:ruleLst>
-              </dgm:layoutNode>
-              <dgm:choose name="Name12">
-                <dgm:if name="Name13" axis="des" ptType="node" func="cnt" op="gt" val="0">
-                  <dgm:layoutNode name="parTransTwo">
-                    <dgm:alg type="sp"/>
-                    <dgm:shape xmlns:r="http://schemas.openxmlformats.org/officeDocument/2006/relationships" r:blip="">
-                      <dgm:adjLst/>
-                    </dgm:shape>
-                    <dgm:presOf/>
-                    <dgm:constrLst/>
-                    <dgm:ruleLst/>
-                  </dgm:layoutNode>
-                </dgm:if>
-                <dgm:else name="Name14"/>
-              </dgm:choose>
-              <dgm:layoutNode name="horzTwo">
-                <dgm:choose name="Name15">
-                  <dgm:if name="Name16" func="var" arg="dir" op="equ" val="norm">
-                    <dgm:alg type="lin">
-                      <dgm:param type="linDir" val="fromL"/>
-                      <dgm:param type="nodeVertAlign" val="t"/>
-                    </dgm:alg>
-                  </dgm:if>
-                  <dgm:else name="Name17">
-                    <dgm:alg type="lin">
-                      <dgm:param type="linDir" val="fromR"/>
-                      <dgm:param type="nodeVertAlign" val="t"/>
-                    </dgm:alg>
-                  </dgm:else>
-                </dgm:choose>
-                <dgm:shape xmlns:r="http://schemas.openxmlformats.org/officeDocument/2006/relationships" r:blip="">
-                  <dgm:adjLst/>
-                </dgm:shape>
-                <dgm:presOf/>
-                <dgm:constrLst/>
-                <dgm:ruleLst>
-                  <dgm:rule type="w" val="INF" fact="NaN" max="NaN"/>
-                </dgm:ruleLst>
-                <dgm:forEach name="Name18" axis="ch" ptType="node">
-                  <dgm:layoutNode name="vertThree">
-                    <dgm:alg type="lin">
-                      <dgm:param type="linDir" val="fromT"/>
-                    </dgm:alg>
-                    <dgm:shape xmlns:r="http://schemas.openxmlformats.org/officeDocument/2006/relationships" r:blip="">
-                      <dgm:adjLst/>
-                    </dgm:shape>
-                    <dgm:presOf/>
-                    <dgm:constrLst>
-                      <dgm:constr type="w" for="ch" forName="txThree" refType="w" refFor="ch" refForName="horzThree" op="gte"/>
-                    </dgm:constrLst>
-                    <dgm:ruleLst/>
-                    <dgm:layoutNode name="txThree">
-                      <dgm:varLst>
-                        <dgm:chPref val="3"/>
-                      </dgm:varLst>
-                      <dgm:alg type="tx"/>
-                      <dgm:shape xmlns:r="http://schemas.openxmlformats.org/officeDocument/2006/relationships" type="roundRect" r:blip="">
-                        <dgm:adjLst>
-                          <dgm:adj idx="1" val="0.1"/>
-                        </dgm:adjLst>
-                      </dgm:shape>
-                      <dgm:presOf axis="self"/>
-                      <dgm:constrLst>
-                        <dgm:constr type="userH"/>
-                        <dgm:constr type="h" refType="userH"/>
-                        <dgm:constr type="tMarg" refType="primFontSz" fact="0.3"/>
-                        <dgm:constr type="bMarg" refType="primFontSz" fact="0.3"/>
-                        <dgm:constr type="lMarg" refType="primFontSz" fact="0.3"/>
-                        <dgm:constr type="rMarg" refType="primFontSz" fact="0.3"/>
-                      </dgm:constrLst>
-                      <dgm:ruleLst>
-                        <dgm:rule type="primFontSz" val="5" fact="NaN" max="NaN"/>
-                      </dgm:ruleLst>
-                    </dgm:layoutNode>
-                    <dgm:choose name="Name19">
-                      <dgm:if name="Name20" axis="des" ptType="node" func="cnt" op="gt" val="0">
-                        <dgm:layoutNode name="parTransThree">
-                          <dgm:alg type="sp"/>
-                          <dgm:shape xmlns:r="http://schemas.openxmlformats.org/officeDocument/2006/relationships" r:blip="">
-                            <dgm:adjLst/>
-                          </dgm:shape>
-                          <dgm:presOf/>
-                          <dgm:constrLst/>
-                          <dgm:ruleLst/>
-                        </dgm:layoutNode>
-                      </dgm:if>
-                      <dgm:else name="Name21"/>
-                    </dgm:choose>
-                    <dgm:layoutNode name="horzThree">
-                      <dgm:choose name="Name22">
-                        <dgm:if name="Name23" func="var" arg="dir" op="equ" val="norm">
-                          <dgm:alg type="lin">
-                            <dgm:param type="linDir" val="fromL"/>
-                            <dgm:param type="nodeVertAlign" val="t"/>
-                          </dgm:alg>
-                        </dgm:if>
-                        <dgm:else name="Name24">
-                          <dgm:alg type="lin">
-                            <dgm:param type="linDir" val="fromR"/>
-                            <dgm:param type="nodeVertAlign" val="t"/>
-                          </dgm:alg>
-                        </dgm:else>
-                      </dgm:choose>
-                      <dgm:shape xmlns:r="http://schemas.openxmlformats.org/officeDocument/2006/relationships" r:blip="">
-                        <dgm:adjLst/>
-                      </dgm:shape>
-                      <dgm:presOf/>
-                      <dgm:constrLst/>
-                      <dgm:ruleLst>
-                        <dgm:rule type="w" val="INF" fact="NaN" max="NaN"/>
-                      </dgm:ruleLst>
-                      <dgm:forEach name="repeat" axis="ch" ptType="node">
-                        <dgm:layoutNode name="vertFour">
-                          <dgm:varLst>
-                            <dgm:chPref val="3"/>
-                          </dgm:varLst>
-                          <dgm:alg type="lin">
-                            <dgm:param type="linDir" val="fromT"/>
-                          </dgm:alg>
-                          <dgm:shape xmlns:r="http://schemas.openxmlformats.org/officeDocument/2006/relationships" r:blip="">
-                            <dgm:adjLst/>
-                          </dgm:shape>
-                          <dgm:presOf/>
-                          <dgm:constrLst>
-                            <dgm:constr type="w" for="ch" forName="txFour" refType="w" refFor="ch" refForName="horzFour" op="gte"/>
-                          </dgm:constrLst>
-                          <dgm:ruleLst/>
-                          <dgm:layoutNode name="txFour">
-                            <dgm:varLst>
-                              <dgm:chPref val="3"/>
-                            </dgm:varLst>
-                            <dgm:alg type="tx"/>
-                            <dgm:shape xmlns:r="http://schemas.openxmlformats.org/officeDocument/2006/relationships" type="roundRect" r:blip="">
-                              <dgm:adjLst>
-                                <dgm:adj idx="1" val="0.1"/>
-                              </dgm:adjLst>
-                            </dgm:shape>
-                            <dgm:presOf axis="self"/>
-                            <dgm:constrLst>
-                              <dgm:constr type="userH"/>
-                              <dgm:constr type="h" refType="userH"/>
-                              <dgm:constr type="tMarg" refType="primFontSz" fact="0.3"/>
-                              <dgm:constr type="bMarg" refType="primFontSz" fact="0.3"/>
-                              <dgm:constr type="lMarg" refType="primFontSz" fact="0.3"/>
-                              <dgm:constr type="rMarg" refType="primFontSz" fact="0.3"/>
-                            </dgm:constrLst>
-                            <dgm:ruleLst>
-                              <dgm:rule type="primFontSz" val="5" fact="NaN" max="NaN"/>
-                            </dgm:ruleLst>
-                          </dgm:layoutNode>
-                          <dgm:choose name="Name25">
-                            <dgm:if name="Name26" axis="des" ptType="node" func="cnt" op="gt" val="0">
-                              <dgm:layoutNode name="parTransFour">
-                                <dgm:alg type="sp"/>
-                                <dgm:shape xmlns:r="http://schemas.openxmlformats.org/officeDocument/2006/relationships" r:blip="">
-                                  <dgm:adjLst/>
-                                </dgm:shape>
-                                <dgm:presOf/>
-                                <dgm:constrLst/>
-                                <dgm:ruleLst/>
-                              </dgm:layoutNode>
-                            </dgm:if>
-                            <dgm:else name="Name27"/>
-                          </dgm:choose>
-                          <dgm:layoutNode name="horzFour">
-                            <dgm:choose name="Name28">
-                              <dgm:if name="Name29" func="var" arg="dir" op="equ" val="norm">
-                                <dgm:alg type="lin">
-                                  <dgm:param type="linDir" val="fromL"/>
-                                  <dgm:param type="nodeVertAlign" val="t"/>
-                                </dgm:alg>
-                              </dgm:if>
-                              <dgm:else name="Name30">
-                                <dgm:alg type="lin">
-                                  <dgm:param type="linDir" val="fromR"/>
-                                  <dgm:param type="nodeVertAlign" val="t"/>
-                                </dgm:alg>
-                              </dgm:else>
-                            </dgm:choose>
-                            <dgm:shape xmlns:r="http://schemas.openxmlformats.org/officeDocument/2006/relationships" r:blip="">
-                              <dgm:adjLst/>
-                            </dgm:shape>
-                            <dgm:presOf/>
-                            <dgm:constrLst/>
-                            <dgm:ruleLst>
-                              <dgm:rule type="w" val="INF" fact="NaN" max="NaN"/>
-                            </dgm:ruleLst>
-                            <dgm:forEach name="Name31" ref="repeat"/>
-                          </dgm:layoutNode>
-                        </dgm:layoutNode>
-                        <dgm:choose name="Name32">
-                          <dgm:if name="Name33" axis="self" ptType="node" func="revPos" op="gte" val="2">
-                            <dgm:forEach name="Name34" axis="followSib" ptType="sibTrans" cnt="1">
-                              <dgm:layoutNode name="sibSpaceFour">
-                                <dgm:alg type="sp"/>
-                                <dgm:shape xmlns:r="http://schemas.openxmlformats.org/officeDocument/2006/relationships" r:blip="">
-                                  <dgm:adjLst/>
-                                </dgm:shape>
-                                <dgm:presOf/>
-                                <dgm:constrLst/>
-                                <dgm:ruleLst/>
-                              </dgm:layoutNode>
-                            </dgm:forEach>
-                          </dgm:if>
-                          <dgm:else name="Name35"/>
-                        </dgm:choose>
-                      </dgm:forEach>
-                    </dgm:layoutNode>
-                  </dgm:layoutNode>
-                  <dgm:choose name="Name36">
-                    <dgm:if name="Name37" axis="self" ptType="node" func="revPos" op="gte" val="2">
-                      <dgm:forEach name="Name38" axis="followSib" ptType="sibTrans" cnt="1">
-                        <dgm:layoutNode name="sibSpaceThree">
-                          <dgm:alg type="sp"/>
-                          <dgm:shape xmlns:r="http://schemas.openxmlformats.org/officeDocument/2006/relationships" r:blip="">
-                            <dgm:adjLst/>
-                          </dgm:shape>
-                          <dgm:presOf/>
-                          <dgm:constrLst/>
-                          <dgm:ruleLst/>
-                        </dgm:layoutNode>
-                      </dgm:forEach>
-                    </dgm:if>
-                    <dgm:else name="Name39"/>
-                  </dgm:choose>
-                </dgm:forEach>
-              </dgm:layoutNode>
-            </dgm:layoutNode>
-            <dgm:choose name="Name40">
-              <dgm:if name="Name41" axis="self" ptType="node" func="revPos" op="gte" val="2">
-                <dgm:forEach name="Name42" axis="followSib" ptType="sibTrans" cnt="1">
-                  <dgm:layoutNode name="sibSpaceTwo">
-                    <dgm:alg type="sp"/>
-                    <dgm:shape xmlns:r="http://schemas.openxmlformats.org/officeDocument/2006/relationships" r:blip="">
-                      <dgm:adjLst/>
-                    </dgm:shape>
-                    <dgm:presOf/>
-                    <dgm:constrLst/>
-                    <dgm:ruleLst/>
-                  </dgm:layoutNode>
-                </dgm:forEach>
-              </dgm:if>
-              <dgm:else name="Name43"/>
-            </dgm:choose>
-          </dgm:forEach>
-        </dgm:layoutNode>
-      </dgm:layoutNode>
-      <dgm:choose name="Name44">
-        <dgm:if name="Name45" axis="self" ptType="node" func="revPos" op="gte" val="2">
-          <dgm:forEach name="Name46" axis="followSib" ptType="sibTrans" cnt="1">
-            <dgm:layoutNode name="sibSpaceOne">
-              <dgm:alg type="sp"/>
-              <dgm:shape xmlns:r="http://schemas.openxmlformats.org/officeDocument/2006/relationships" r:blip="">
-                <dgm:adjLst/>
-              </dgm:shape>
-              <dgm:presOf/>
-              <dgm:constrLst/>
-              <dgm:ruleLst/>
-            </dgm:layoutNode>
-          </dgm:forEach>
-        </dgm:if>
-        <dgm:else name="Name47"/>
+        </dgm:else>
       </dgm:choose>
     </dgm:forEach>
   </dgm:layoutNode>
@@ -7250,7 +7412,7 @@
             <a:fld id="{C4912EAB-2DF2-4EA7-9A3C-081666E7F61D}" type="datetimeFigureOut">
               <a:rPr lang="es-AR" smtClean="0"/>
               <a:pPr/>
-              <a:t>29/08/2010</a:t>
+              <a:t>31/08/2010</a:t>
             </a:fld>
             <a:endParaRPr lang="es-AR"/>
           </a:p>
@@ -7412,7 +7574,7 @@
             <a:fld id="{320C0146-0920-4890-94B5-4EE8DB66AAB2}" type="datetimeFigureOut">
               <a:rPr lang="es-AR" smtClean="0"/>
               <a:pPr/>
-              <a:t>29/08/2010</a:t>
+              <a:t>31/08/2010</a:t>
             </a:fld>
             <a:endParaRPr lang="es-AR"/>
           </a:p>
@@ -7724,7 +7886,17 @@
           </a:bodyPr>
           <a:lstStyle/>
           <a:p>
-            <a:endParaRPr lang="es-AR"/>
+            <a:r>
+              <a:rPr lang="es-AR" dirty="0" smtClean="0"/>
+              <a:t>56.000 simulaciones a 2min por simulación (manera manual) llevaría:</a:t>
+            </a:r>
+            <a:r>
+              <a:rPr lang="es-AR" baseline="0" dirty="0" smtClean="0"/>
+              <a:t> 1.866 horas o lo que es igual 77 días</a:t>
+            </a:r>
+          </a:p>
+          <a:p>
+            <a:endParaRPr lang="es-AR" dirty="0"/>
           </a:p>
         </p:txBody>
       </p:sp>
@@ -7806,17 +7978,7 @@
           </a:bodyPr>
           <a:lstStyle/>
           <a:p>
-            <a:r>
-              <a:rPr lang="es-AR" dirty="0" smtClean="0"/>
-              <a:t>56.000 simulaciones a 2min por simulación (manera manual) llevaría:</a:t>
-            </a:r>
-            <a:r>
-              <a:rPr lang="es-AR" baseline="0" dirty="0" smtClean="0"/>
-              <a:t> 1.866 horas o lo que es igual 77 días</a:t>
-            </a:r>
-          </a:p>
-          <a:p>
-            <a:endParaRPr lang="es-AR" dirty="0"/>
+            <a:endParaRPr lang="es-AR"/>
           </a:p>
         </p:txBody>
       </p:sp>
@@ -7838,7 +8000,7 @@
             <a:fld id="{EA0D9E51-E836-4F08-8FFF-406AF79182CA}" type="slidenum">
               <a:rPr lang="es-AR" smtClean="0"/>
               <a:pPr/>
-              <a:t>13</a:t>
+              <a:t>6</a:t>
             </a:fld>
             <a:endParaRPr lang="es-AR"/>
           </a:p>
@@ -8101,7 +8263,7 @@
             <a:fld id="{7396B977-6251-41DE-9CF2-59811A3624F8}" type="datetimeFigureOut">
               <a:rPr lang="es-AR" smtClean="0"/>
               <a:pPr/>
-              <a:t>29/08/2010</a:t>
+              <a:t>31/08/2010</a:t>
             </a:fld>
             <a:endParaRPr lang="es-AR"/>
           </a:p>
@@ -8326,7 +8488,7 @@
             <a:fld id="{7396B977-6251-41DE-9CF2-59811A3624F8}" type="datetimeFigureOut">
               <a:rPr lang="es-AR" smtClean="0"/>
               <a:pPr/>
-              <a:t>29/08/2010</a:t>
+              <a:t>31/08/2010</a:t>
             </a:fld>
             <a:endParaRPr lang="es-AR"/>
           </a:p>
@@ -8608,7 +8770,7 @@
             <a:fld id="{7396B977-6251-41DE-9CF2-59811A3624F8}" type="datetimeFigureOut">
               <a:rPr lang="es-AR" smtClean="0"/>
               <a:pPr/>
-              <a:t>29/08/2010</a:t>
+              <a:t>31/08/2010</a:t>
             </a:fld>
             <a:endParaRPr lang="es-AR"/>
           </a:p>
@@ -8671,311 +8833,6 @@
 </file>
 
 <file path=ppt/slideLayouts/slideLayout12.xml><?xml version="1.0" encoding="utf-8"?>
-<p:sldLayout xmlns:a="http://schemas.openxmlformats.org/drawingml/2006/main" xmlns:r="http://schemas.openxmlformats.org/officeDocument/2006/relationships" xmlns:p="http://schemas.openxmlformats.org/presentationml/2006/main" userDrawn="1">
-  <p:cSld name="Diseño personalizado">
-    <p:spTree>
-      <p:nvGrpSpPr>
-        <p:cNvPr id="1" name=""/>
-        <p:cNvGrpSpPr/>
-        <p:nvPr/>
-      </p:nvGrpSpPr>
-      <p:grpSpPr>
-        <a:xfrm>
-          <a:off x="0" y="0"/>
-          <a:ext cx="0" cy="0"/>
-          <a:chOff x="0" y="0"/>
-          <a:chExt cx="0" cy="0"/>
-        </a:xfrm>
-      </p:grpSpPr>
-      <p:sp>
-        <p:nvSpPr>
-          <p:cNvPr id="6" name="1 Título"/>
-          <p:cNvSpPr>
-            <a:spLocks noGrp="1"/>
-          </p:cNvSpPr>
-          <p:nvPr>
-            <p:ph type="title"/>
-          </p:nvPr>
-        </p:nvSpPr>
-        <p:spPr>
-          <a:xfrm>
-            <a:off x="457200" y="274638"/>
-            <a:ext cx="8229600" cy="1143000"/>
-          </a:xfrm>
-        </p:spPr>
-        <p:txBody>
-          <a:bodyPr/>
-          <a:lstStyle/>
-          <a:p>
-            <a:r>
-              <a:rPr lang="es-ES" smtClean="0"/>
-              <a:t>Haga clic para modificar el estilo de título del patrón</a:t>
-            </a:r>
-            <a:endParaRPr lang="es-AR"/>
-          </a:p>
-        </p:txBody>
-      </p:sp>
-      <p:sp>
-        <p:nvSpPr>
-          <p:cNvPr id="7" name="2 Marcador de contenido"/>
-          <p:cNvSpPr>
-            <a:spLocks noGrp="1"/>
-          </p:cNvSpPr>
-          <p:nvPr>
-            <p:ph sz="half" idx="1"/>
-          </p:nvPr>
-        </p:nvSpPr>
-        <p:spPr>
-          <a:xfrm>
-            <a:off x="457200" y="1600201"/>
-            <a:ext cx="8219256" cy="2188839"/>
-          </a:xfrm>
-        </p:spPr>
-        <p:txBody>
-          <a:bodyPr/>
-          <a:lstStyle>
-            <a:lvl1pPr>
-              <a:defRPr sz="2800"/>
-            </a:lvl1pPr>
-            <a:lvl2pPr>
-              <a:defRPr sz="2400"/>
-            </a:lvl2pPr>
-            <a:lvl3pPr>
-              <a:defRPr sz="2000"/>
-            </a:lvl3pPr>
-            <a:lvl4pPr>
-              <a:defRPr sz="1800"/>
-            </a:lvl4pPr>
-            <a:lvl5pPr>
-              <a:defRPr sz="1800"/>
-            </a:lvl5pPr>
-            <a:lvl6pPr>
-              <a:defRPr sz="1800"/>
-            </a:lvl6pPr>
-            <a:lvl7pPr>
-              <a:defRPr sz="1800"/>
-            </a:lvl7pPr>
-            <a:lvl8pPr>
-              <a:defRPr sz="1800"/>
-            </a:lvl8pPr>
-            <a:lvl9pPr>
-              <a:defRPr sz="1800"/>
-            </a:lvl9pPr>
-          </a:lstStyle>
-          <a:p>
-            <a:pPr lvl="0"/>
-            <a:r>
-              <a:rPr lang="es-ES" dirty="0" smtClean="0"/>
-              <a:t>Haga clic para modificar el estilo de texto del patrón</a:t>
-            </a:r>
-          </a:p>
-          <a:p>
-            <a:pPr lvl="1"/>
-            <a:r>
-              <a:rPr lang="es-ES" dirty="0" smtClean="0"/>
-              <a:t>Segundo nivel</a:t>
-            </a:r>
-          </a:p>
-          <a:p>
-            <a:pPr lvl="2"/>
-            <a:r>
-              <a:rPr lang="es-ES" dirty="0" smtClean="0"/>
-              <a:t>Tercer nivel</a:t>
-            </a:r>
-          </a:p>
-          <a:p>
-            <a:pPr lvl="3"/>
-            <a:r>
-              <a:rPr lang="es-ES" dirty="0" smtClean="0"/>
-              <a:t>Cuarto nivel</a:t>
-            </a:r>
-          </a:p>
-          <a:p>
-            <a:pPr lvl="4"/>
-            <a:r>
-              <a:rPr lang="es-ES" dirty="0" smtClean="0"/>
-              <a:t>Quinto nivel</a:t>
-            </a:r>
-            <a:endParaRPr lang="es-AR" dirty="0"/>
-          </a:p>
-        </p:txBody>
-      </p:sp>
-      <p:sp>
-        <p:nvSpPr>
-          <p:cNvPr id="8" name="3 Marcador de contenido"/>
-          <p:cNvSpPr>
-            <a:spLocks noGrp="1"/>
-          </p:cNvSpPr>
-          <p:nvPr>
-            <p:ph sz="half" idx="2"/>
-          </p:nvPr>
-        </p:nvSpPr>
-        <p:spPr>
-          <a:xfrm>
-            <a:off x="467544" y="3933056"/>
-            <a:ext cx="8219256" cy="2193107"/>
-          </a:xfrm>
-        </p:spPr>
-        <p:txBody>
-          <a:bodyPr/>
-          <a:lstStyle>
-            <a:lvl1pPr>
-              <a:defRPr sz="2800"/>
-            </a:lvl1pPr>
-            <a:lvl2pPr>
-              <a:defRPr sz="2400"/>
-            </a:lvl2pPr>
-            <a:lvl3pPr>
-              <a:defRPr sz="2000"/>
-            </a:lvl3pPr>
-            <a:lvl4pPr>
-              <a:defRPr sz="1800"/>
-            </a:lvl4pPr>
-            <a:lvl5pPr>
-              <a:defRPr sz="1800"/>
-            </a:lvl5pPr>
-            <a:lvl6pPr>
-              <a:defRPr sz="1800"/>
-            </a:lvl6pPr>
-            <a:lvl7pPr>
-              <a:defRPr sz="1800"/>
-            </a:lvl7pPr>
-            <a:lvl8pPr>
-              <a:defRPr sz="1800"/>
-            </a:lvl8pPr>
-            <a:lvl9pPr>
-              <a:defRPr sz="1800"/>
-            </a:lvl9pPr>
-          </a:lstStyle>
-          <a:p>
-            <a:pPr lvl="0"/>
-            <a:r>
-              <a:rPr lang="es-ES" smtClean="0"/>
-              <a:t>Haga clic para modificar el estilo de texto del patrón</a:t>
-            </a:r>
-          </a:p>
-          <a:p>
-            <a:pPr lvl="1"/>
-            <a:r>
-              <a:rPr lang="es-ES" smtClean="0"/>
-              <a:t>Segundo nivel</a:t>
-            </a:r>
-          </a:p>
-          <a:p>
-            <a:pPr lvl="2"/>
-            <a:r>
-              <a:rPr lang="es-ES" smtClean="0"/>
-              <a:t>Tercer nivel</a:t>
-            </a:r>
-          </a:p>
-          <a:p>
-            <a:pPr lvl="3"/>
-            <a:r>
-              <a:rPr lang="es-ES" smtClean="0"/>
-              <a:t>Cuarto nivel</a:t>
-            </a:r>
-          </a:p>
-          <a:p>
-            <a:pPr lvl="4"/>
-            <a:r>
-              <a:rPr lang="es-ES" smtClean="0"/>
-              <a:t>Quinto nivel</a:t>
-            </a:r>
-            <a:endParaRPr lang="es-AR"/>
-          </a:p>
-        </p:txBody>
-      </p:sp>
-      <p:sp>
-        <p:nvSpPr>
-          <p:cNvPr id="9" name="4 Marcador de fecha"/>
-          <p:cNvSpPr>
-            <a:spLocks noGrp="1"/>
-          </p:cNvSpPr>
-          <p:nvPr>
-            <p:ph type="dt" sz="half" idx="10"/>
-          </p:nvPr>
-        </p:nvSpPr>
-        <p:spPr>
-          <a:xfrm>
-            <a:off x="457200" y="6356350"/>
-            <a:ext cx="2133600" cy="365125"/>
-          </a:xfrm>
-        </p:spPr>
-        <p:txBody>
-          <a:bodyPr/>
-          <a:lstStyle/>
-          <a:p>
-            <a:fld id="{7396B977-6251-41DE-9CF2-59811A3624F8}" type="datetimeFigureOut">
-              <a:rPr lang="es-AR" smtClean="0"/>
-              <a:pPr/>
-              <a:t>29/08/2010</a:t>
-            </a:fld>
-            <a:endParaRPr lang="es-AR"/>
-          </a:p>
-        </p:txBody>
-      </p:sp>
-      <p:sp>
-        <p:nvSpPr>
-          <p:cNvPr id="10" name="5 Marcador de pie de página"/>
-          <p:cNvSpPr>
-            <a:spLocks noGrp="1"/>
-          </p:cNvSpPr>
-          <p:nvPr>
-            <p:ph type="ftr" sz="quarter" idx="11"/>
-          </p:nvPr>
-        </p:nvSpPr>
-        <p:spPr>
-          <a:xfrm>
-            <a:off x="3124200" y="6356350"/>
-            <a:ext cx="2895600" cy="365125"/>
-          </a:xfrm>
-        </p:spPr>
-        <p:txBody>
-          <a:bodyPr/>
-          <a:lstStyle/>
-          <a:p>
-            <a:endParaRPr lang="es-AR"/>
-          </a:p>
-        </p:txBody>
-      </p:sp>
-      <p:sp>
-        <p:nvSpPr>
-          <p:cNvPr id="11" name="6 Marcador de número de diapositiva"/>
-          <p:cNvSpPr>
-            <a:spLocks noGrp="1"/>
-          </p:cNvSpPr>
-          <p:nvPr>
-            <p:ph type="sldNum" sz="quarter" idx="12"/>
-          </p:nvPr>
-        </p:nvSpPr>
-        <p:spPr>
-          <a:xfrm>
-            <a:off x="6553200" y="6356350"/>
-            <a:ext cx="2133600" cy="365125"/>
-          </a:xfrm>
-        </p:spPr>
-        <p:txBody>
-          <a:bodyPr/>
-          <a:lstStyle/>
-          <a:p>
-            <a:fld id="{BE15CF76-26FC-489E-B8C7-B48500CB86A3}" type="slidenum">
-              <a:rPr lang="es-AR" smtClean="0"/>
-              <a:pPr/>
-              <a:t>‹Nº›</a:t>
-            </a:fld>
-            <a:endParaRPr lang="es-AR"/>
-          </a:p>
-        </p:txBody>
-      </p:sp>
-    </p:spTree>
-  </p:cSld>
-  <p:clrMapOvr>
-    <a:masterClrMapping/>
-  </p:clrMapOvr>
-</p:sldLayout>
-</file>
-
-<file path=ppt/slideLayouts/slideLayout13.xml><?xml version="1.0" encoding="utf-8"?>
 <p:sldLayout xmlns:a="http://schemas.openxmlformats.org/drawingml/2006/main" xmlns:r="http://schemas.openxmlformats.org/officeDocument/2006/relationships" xmlns:p="http://schemas.openxmlformats.org/presentationml/2006/main" preserve="1" userDrawn="1">
   <p:cSld name="1_Diseño personalizado">
     <p:spTree>
@@ -9213,7 +9070,7 @@
             <a:fld id="{7396B977-6251-41DE-9CF2-59811A3624F8}" type="datetimeFigureOut">
               <a:rPr lang="es-AR" smtClean="0"/>
               <a:pPr/>
-              <a:t>29/08/2010</a:t>
+              <a:t>31/08/2010</a:t>
             </a:fld>
             <a:endParaRPr lang="es-AR"/>
           </a:p>
@@ -9450,7 +9307,7 @@
 </p:sldLayout>
 </file>
 
-<file path=ppt/slideLayouts/slideLayout14.xml><?xml version="1.0" encoding="utf-8"?>
+<file path=ppt/slideLayouts/slideLayout13.xml><?xml version="1.0" encoding="utf-8"?>
 <p:sldLayout xmlns:a="http://schemas.openxmlformats.org/drawingml/2006/main" xmlns:r="http://schemas.openxmlformats.org/officeDocument/2006/relationships" xmlns:p="http://schemas.openxmlformats.org/presentationml/2006/main" preserve="1" userDrawn="1">
   <p:cSld name="4_Diseño personalizado">
     <p:spTree>
@@ -9688,7 +9545,7 @@
             <a:fld id="{7396B977-6251-41DE-9CF2-59811A3624F8}" type="datetimeFigureOut">
               <a:rPr lang="es-AR" smtClean="0"/>
               <a:pPr/>
-              <a:t>29/08/2010</a:t>
+              <a:t>31/08/2010</a:t>
             </a:fld>
             <a:endParaRPr lang="es-AR"/>
           </a:p>
@@ -9840,7 +9697,7 @@
 </p:sldLayout>
 </file>
 
-<file path=ppt/slideLayouts/slideLayout15.xml><?xml version="1.0" encoding="utf-8"?>
+<file path=ppt/slideLayouts/slideLayout14.xml><?xml version="1.0" encoding="utf-8"?>
 <p:sldLayout xmlns:a="http://schemas.openxmlformats.org/drawingml/2006/main" xmlns:r="http://schemas.openxmlformats.org/officeDocument/2006/relationships" xmlns:p="http://schemas.openxmlformats.org/presentationml/2006/main" preserve="1" userDrawn="1">
   <p:cSld name="6_Diseño personalizado">
     <p:spTree>
@@ -10078,7 +9935,7 @@
             <a:fld id="{7396B977-6251-41DE-9CF2-59811A3624F8}" type="datetimeFigureOut">
               <a:rPr lang="es-AR" smtClean="0"/>
               <a:pPr/>
-              <a:t>29/08/2010</a:t>
+              <a:t>31/08/2010</a:t>
             </a:fld>
             <a:endParaRPr lang="es-AR"/>
           </a:p>
@@ -10315,7 +10172,7 @@
 </p:sldLayout>
 </file>
 
-<file path=ppt/slideLayouts/slideLayout16.xml><?xml version="1.0" encoding="utf-8"?>
+<file path=ppt/slideLayouts/slideLayout15.xml><?xml version="1.0" encoding="utf-8"?>
 <p:sldLayout xmlns:a="http://schemas.openxmlformats.org/drawingml/2006/main" xmlns:r="http://schemas.openxmlformats.org/officeDocument/2006/relationships" xmlns:p="http://schemas.openxmlformats.org/presentationml/2006/main" preserve="1" userDrawn="1">
   <p:cSld name="5_Diseño personalizado">
     <p:spTree>
@@ -10468,7 +10325,7 @@
             <a:fld id="{7396B977-6251-41DE-9CF2-59811A3624F8}" type="datetimeFigureOut">
               <a:rPr lang="es-AR" smtClean="0"/>
               <a:pPr/>
-              <a:t>29/08/2010</a:t>
+              <a:t>31/08/2010</a:t>
             </a:fld>
             <a:endParaRPr lang="es-AR"/>
           </a:p>
@@ -10705,7 +10562,7 @@
 </p:sldLayout>
 </file>
 
-<file path=ppt/slideLayouts/slideLayout17.xml><?xml version="1.0" encoding="utf-8"?>
+<file path=ppt/slideLayouts/slideLayout16.xml><?xml version="1.0" encoding="utf-8"?>
 <p:sldLayout xmlns:a="http://schemas.openxmlformats.org/drawingml/2006/main" xmlns:r="http://schemas.openxmlformats.org/officeDocument/2006/relationships" xmlns:p="http://schemas.openxmlformats.org/presentationml/2006/main" preserve="1" userDrawn="1">
   <p:cSld name="2_Diseño personalizado">
     <p:spTree>
@@ -10943,7 +10800,7 @@
             <a:fld id="{7396B977-6251-41DE-9CF2-59811A3624F8}" type="datetimeFigureOut">
               <a:rPr lang="es-AR" smtClean="0"/>
               <a:pPr/>
-              <a:t>29/08/2010</a:t>
+              <a:t>31/08/2010</a:t>
             </a:fld>
             <a:endParaRPr lang="es-AR"/>
           </a:p>
@@ -11095,7 +10952,7 @@
 </p:sldLayout>
 </file>
 
-<file path=ppt/slideLayouts/slideLayout18.xml><?xml version="1.0" encoding="utf-8"?>
+<file path=ppt/slideLayouts/slideLayout17.xml><?xml version="1.0" encoding="utf-8"?>
 <p:sldLayout xmlns:a="http://schemas.openxmlformats.org/drawingml/2006/main" xmlns:r="http://schemas.openxmlformats.org/officeDocument/2006/relationships" xmlns:p="http://schemas.openxmlformats.org/presentationml/2006/main" preserve="1" userDrawn="1">
   <p:cSld name="3_Diseño personalizado">
     <p:spTree>
@@ -11248,7 +11105,7 @@
             <a:fld id="{7396B977-6251-41DE-9CF2-59811A3624F8}" type="datetimeFigureOut">
               <a:rPr lang="es-AR" smtClean="0"/>
               <a:pPr/>
-              <a:t>29/08/2010</a:t>
+              <a:t>31/08/2010</a:t>
             </a:fld>
             <a:endParaRPr lang="es-AR"/>
           </a:p>
@@ -11604,7 +11461,7 @@
             <a:fld id="{7396B977-6251-41DE-9CF2-59811A3624F8}" type="datetimeFigureOut">
               <a:rPr lang="es-AR" smtClean="0"/>
               <a:pPr/>
-              <a:t>29/08/2010</a:t>
+              <a:t>31/08/2010</a:t>
             </a:fld>
             <a:endParaRPr lang="es-AR"/>
           </a:p>
@@ -11964,7 +11821,7 @@
             <a:fld id="{7396B977-6251-41DE-9CF2-59811A3624F8}" type="datetimeFigureOut">
               <a:rPr lang="es-AR" smtClean="0"/>
               <a:pPr/>
-              <a:t>29/08/2010</a:t>
+              <a:t>31/08/2010</a:t>
             </a:fld>
             <a:endParaRPr lang="es-AR"/>
           </a:p>
@@ -12253,7 +12110,7 @@
             <a:fld id="{7396B977-6251-41DE-9CF2-59811A3624F8}" type="datetimeFigureOut">
               <a:rPr lang="es-AR" smtClean="0"/>
               <a:pPr/>
-              <a:t>29/08/2010</a:t>
+              <a:t>31/08/2010</a:t>
             </a:fld>
             <a:endParaRPr lang="es-AR"/>
           </a:p>
@@ -12677,7 +12534,7 @@
             <a:fld id="{7396B977-6251-41DE-9CF2-59811A3624F8}" type="datetimeFigureOut">
               <a:rPr lang="es-AR" smtClean="0"/>
               <a:pPr/>
-              <a:t>29/08/2010</a:t>
+              <a:t>31/08/2010</a:t>
             </a:fld>
             <a:endParaRPr lang="es-AR"/>
           </a:p>
@@ -12794,7 +12651,7 @@
             <a:fld id="{7396B977-6251-41DE-9CF2-59811A3624F8}" type="datetimeFigureOut">
               <a:rPr lang="es-AR" smtClean="0"/>
               <a:pPr/>
-              <a:t>29/08/2010</a:t>
+              <a:t>31/08/2010</a:t>
             </a:fld>
             <a:endParaRPr lang="es-AR"/>
           </a:p>
@@ -12886,7 +12743,7 @@
             <a:fld id="{7396B977-6251-41DE-9CF2-59811A3624F8}" type="datetimeFigureOut">
               <a:rPr lang="es-AR" smtClean="0"/>
               <a:pPr/>
-              <a:t>29/08/2010</a:t>
+              <a:t>31/08/2010</a:t>
             </a:fld>
             <a:endParaRPr lang="es-AR"/>
           </a:p>
@@ -13166,7 +13023,7 @@
             <a:fld id="{7396B977-6251-41DE-9CF2-59811A3624F8}" type="datetimeFigureOut">
               <a:rPr lang="es-AR" smtClean="0"/>
               <a:pPr/>
-              <a:t>29/08/2010</a:t>
+              <a:t>31/08/2010</a:t>
             </a:fld>
             <a:endParaRPr lang="es-AR"/>
           </a:p>
@@ -13534,7 +13391,7 @@
             <a:fld id="{7396B977-6251-41DE-9CF2-59811A3624F8}" type="datetimeFigureOut">
               <a:rPr lang="es-AR" smtClean="0"/>
               <a:pPr/>
-              <a:t>29/08/2010</a:t>
+              <a:t>31/08/2010</a:t>
             </a:fld>
             <a:endParaRPr lang="es-AR"/>
           </a:p>
@@ -13973,7 +13830,7 @@
             <a:fld id="{7396B977-6251-41DE-9CF2-59811A3624F8}" type="datetimeFigureOut">
               <a:rPr lang="es-AR" smtClean="0"/>
               <a:pPr/>
-              <a:t>29/08/2010</a:t>
+              <a:t>31/08/2010</a:t>
             </a:fld>
             <a:endParaRPr lang="es-AR"/>
           </a:p>
@@ -14075,13 +13932,12 @@
     <p:sldLayoutId id="2147483671" r:id="rId9"/>
     <p:sldLayoutId id="2147483672" r:id="rId10"/>
     <p:sldLayoutId id="2147483673" r:id="rId11"/>
-    <p:sldLayoutId id="2147483674" r:id="rId12"/>
-    <p:sldLayoutId id="2147483661" r:id="rId13"/>
-    <p:sldLayoutId id="2147483677" r:id="rId14"/>
-    <p:sldLayoutId id="2147483679" r:id="rId15"/>
-    <p:sldLayoutId id="2147483678" r:id="rId16"/>
-    <p:sldLayoutId id="2147483675" r:id="rId17"/>
-    <p:sldLayoutId id="2147483676" r:id="rId18"/>
+    <p:sldLayoutId id="2147483661" r:id="rId12"/>
+    <p:sldLayoutId id="2147483677" r:id="rId13"/>
+    <p:sldLayoutId id="2147483679" r:id="rId14"/>
+    <p:sldLayoutId id="2147483678" r:id="rId15"/>
+    <p:sldLayoutId id="2147483675" r:id="rId16"/>
+    <p:sldLayoutId id="2147483676" r:id="rId17"/>
   </p:sldLayoutIdLst>
   <p:txStyles>
     <p:titleStyle>
@@ -14371,581 +14227,6 @@
 </file>
 
 <file path=ppt/slides/slide1.xml><?xml version="1.0" encoding="utf-8"?>
-<p:sld xmlns:a="http://schemas.openxmlformats.org/drawingml/2006/main" xmlns:r="http://schemas.openxmlformats.org/officeDocument/2006/relationships" xmlns:p="http://schemas.openxmlformats.org/presentationml/2006/main">
-  <p:cSld>
-    <p:spTree>
-      <p:nvGrpSpPr>
-        <p:cNvPr id="1" name=""/>
-        <p:cNvGrpSpPr/>
-        <p:nvPr/>
-      </p:nvGrpSpPr>
-      <p:grpSpPr>
-        <a:xfrm>
-          <a:off x="0" y="0"/>
-          <a:ext cx="0" cy="0"/>
-          <a:chOff x="0" y="0"/>
-          <a:chExt cx="0" cy="0"/>
-        </a:xfrm>
-      </p:grpSpPr>
-      <p:sp>
-        <p:nvSpPr>
-          <p:cNvPr id="2" name="1 Título"/>
-          <p:cNvSpPr>
-            <a:spLocks noGrp="1"/>
-          </p:cNvSpPr>
-          <p:nvPr>
-            <p:ph type="ctrTitle"/>
-          </p:nvPr>
-        </p:nvSpPr>
-        <p:spPr/>
-        <p:txBody>
-          <a:bodyPr/>
-          <a:lstStyle/>
-          <a:p>
-            <a:r>
-              <a:rPr lang="es-AR" dirty="0" smtClean="0"/>
-              <a:t>Inyección de fallas en estructuras analógicas CMOS</a:t>
-            </a:r>
-            <a:endParaRPr lang="es-AR" dirty="0"/>
-          </a:p>
-        </p:txBody>
-      </p:sp>
-      <p:sp>
-        <p:nvSpPr>
-          <p:cNvPr id="3" name="2 Subtítulo"/>
-          <p:cNvSpPr>
-            <a:spLocks noGrp="1"/>
-          </p:cNvSpPr>
-          <p:nvPr>
-            <p:ph type="subTitle" idx="1"/>
-          </p:nvPr>
-        </p:nvSpPr>
-        <p:spPr/>
-        <p:txBody>
-          <a:bodyPr>
-            <a:normAutofit/>
-          </a:bodyPr>
-          <a:lstStyle/>
-          <a:p>
-            <a:pPr algn="r"/>
-            <a:r>
-              <a:rPr lang="es-AR" dirty="0" smtClean="0"/>
-              <a:t>Fabricio N. </a:t>
-            </a:r>
-            <a:r>
-              <a:rPr lang="es-AR" dirty="0" err="1" smtClean="0"/>
-              <a:t>Altamiranda</a:t>
-            </a:r>
-            <a:endParaRPr lang="es-AR" dirty="0"/>
-          </a:p>
-          <a:p>
-            <a:pPr algn="r"/>
-            <a:r>
-              <a:rPr lang="es-AR" dirty="0" smtClean="0"/>
-              <a:t>Facundo J. Ferrer</a:t>
-            </a:r>
-          </a:p>
-          <a:p>
-            <a:endParaRPr lang="es-AR" dirty="0"/>
-          </a:p>
-        </p:txBody>
-      </p:sp>
-    </p:spTree>
-  </p:cSld>
-  <p:clrMapOvr>
-    <a:masterClrMapping/>
-  </p:clrMapOvr>
-  <p:timing>
-    <p:tnLst>
-      <p:par>
-        <p:cTn id="1" dur="indefinite" restart="never" nodeType="tmRoot"/>
-      </p:par>
-    </p:tnLst>
-  </p:timing>
-</p:sld>
-</file>
-
-<file path=ppt/slides/slide10.xml><?xml version="1.0" encoding="utf-8"?>
-<p:sld xmlns:a="http://schemas.openxmlformats.org/drawingml/2006/main" xmlns:r="http://schemas.openxmlformats.org/officeDocument/2006/relationships" xmlns:p="http://schemas.openxmlformats.org/presentationml/2006/main">
-  <p:cSld>
-    <p:spTree>
-      <p:nvGrpSpPr>
-        <p:cNvPr id="1" name=""/>
-        <p:cNvGrpSpPr/>
-        <p:nvPr/>
-      </p:nvGrpSpPr>
-      <p:grpSpPr>
-        <a:xfrm>
-          <a:off x="0" y="0"/>
-          <a:ext cx="0" cy="0"/>
-          <a:chOff x="0" y="0"/>
-          <a:chExt cx="0" cy="0"/>
-        </a:xfrm>
-      </p:grpSpPr>
-      <p:sp>
-        <p:nvSpPr>
-          <p:cNvPr id="2" name="1 Título"/>
-          <p:cNvSpPr>
-            <a:spLocks noGrp="1"/>
-          </p:cNvSpPr>
-          <p:nvPr>
-            <p:ph type="title"/>
-          </p:nvPr>
-        </p:nvSpPr>
-        <p:spPr/>
-        <p:txBody>
-          <a:bodyPr/>
-          <a:lstStyle/>
-          <a:p>
-            <a:r>
-              <a:rPr lang="es-AR" dirty="0" smtClean="0"/>
-              <a:t>DISEÑO: Etapas</a:t>
-            </a:r>
-            <a:endParaRPr lang="es-AR" dirty="0"/>
-          </a:p>
-        </p:txBody>
-      </p:sp>
-      <p:pic>
-        <p:nvPicPr>
-          <p:cNvPr id="8" name="7 Marcador de contenido"/>
-          <p:cNvPicPr>
-            <a:picLocks noGrp="1"/>
-          </p:cNvPicPr>
-          <p:nvPr>
-            <p:ph sz="half" idx="1"/>
-          </p:nvPr>
-        </p:nvPicPr>
-        <p:blipFill>
-          <a:blip r:embed="rId2" cstate="print"/>
-          <a:stretch>
-            <a:fillRect/>
-          </a:stretch>
-        </p:blipFill>
-        <p:spPr bwMode="auto">
-          <a:xfrm>
-            <a:off x="467544" y="1988840"/>
-            <a:ext cx="4081463" cy="4215407"/>
-          </a:xfrm>
-          <a:prstGeom prst="rect">
-            <a:avLst/>
-          </a:prstGeom>
-          <a:noFill/>
-          <a:ln w="9525">
-            <a:noFill/>
-            <a:miter lim="800000"/>
-            <a:headEnd/>
-            <a:tailEnd/>
-          </a:ln>
-        </p:spPr>
-      </p:pic>
-      <p:sp>
-        <p:nvSpPr>
-          <p:cNvPr id="10" name="9 Marcador de contenido"/>
-          <p:cNvSpPr>
-            <a:spLocks noGrp="1"/>
-          </p:cNvSpPr>
-          <p:nvPr>
-            <p:ph sz="half" idx="13"/>
-          </p:nvPr>
-        </p:nvSpPr>
-        <p:spPr/>
-        <p:txBody>
-          <a:bodyPr/>
-          <a:lstStyle/>
-          <a:p>
-            <a:r>
-              <a:rPr lang="es-AR" dirty="0" smtClean="0"/>
-              <a:t>Conversor:</a:t>
-            </a:r>
-          </a:p>
-          <a:p>
-            <a:pPr lvl="1"/>
-            <a:r>
-              <a:rPr lang="es-AR" dirty="0" smtClean="0"/>
-              <a:t>&lt;DATOS DEL CONVERSOR&gt;</a:t>
-            </a:r>
-            <a:endParaRPr lang="es-AR" dirty="0"/>
-          </a:p>
-        </p:txBody>
-      </p:sp>
-      <p:pic>
-        <p:nvPicPr>
-          <p:cNvPr id="5124" name="Picture 4"/>
-          <p:cNvPicPr>
-            <a:picLocks noGrp="1" noChangeAspect="1" noChangeArrowheads="1"/>
-          </p:cNvPicPr>
-          <p:nvPr>
-            <p:ph sz="half" idx="2"/>
-          </p:nvPr>
-        </p:nvPicPr>
-        <p:blipFill>
-          <a:blip r:embed="rId3" cstate="print"/>
-          <a:srcRect/>
-          <a:stretch>
-            <a:fillRect/>
-          </a:stretch>
-        </p:blipFill>
-        <p:spPr bwMode="auto">
-          <a:xfrm>
-            <a:off x="5868144" y="4149080"/>
-            <a:ext cx="1504950" cy="2057400"/>
-          </a:xfrm>
-          <a:prstGeom prst="rect">
-            <a:avLst/>
-          </a:prstGeom>
-          <a:noFill/>
-          <a:ln w="9525">
-            <a:noFill/>
-            <a:miter lim="800000"/>
-            <a:headEnd/>
-            <a:tailEnd/>
-          </a:ln>
-        </p:spPr>
-      </p:pic>
-    </p:spTree>
-  </p:cSld>
-  <p:clrMapOvr>
-    <a:masterClrMapping/>
-  </p:clrMapOvr>
-  <p:timing>
-    <p:tnLst>
-      <p:par>
-        <p:cTn id="1" dur="indefinite" restart="never" nodeType="tmRoot"/>
-      </p:par>
-    </p:tnLst>
-  </p:timing>
-</p:sld>
-</file>
-
-<file path=ppt/slides/slide11.xml><?xml version="1.0" encoding="utf-8"?>
-<p:sld xmlns:a="http://schemas.openxmlformats.org/drawingml/2006/main" xmlns:r="http://schemas.openxmlformats.org/officeDocument/2006/relationships" xmlns:p="http://schemas.openxmlformats.org/presentationml/2006/main">
-  <p:cSld>
-    <p:spTree>
-      <p:nvGrpSpPr>
-        <p:cNvPr id="1" name=""/>
-        <p:cNvGrpSpPr/>
-        <p:nvPr/>
-      </p:nvGrpSpPr>
-      <p:grpSpPr>
-        <a:xfrm>
-          <a:off x="0" y="0"/>
-          <a:ext cx="0" cy="0"/>
-          <a:chOff x="0" y="0"/>
-          <a:chExt cx="0" cy="0"/>
-        </a:xfrm>
-      </p:grpSpPr>
-      <p:sp>
-        <p:nvSpPr>
-          <p:cNvPr id="2" name="1 Título"/>
-          <p:cNvSpPr>
-            <a:spLocks noGrp="1"/>
-          </p:cNvSpPr>
-          <p:nvPr>
-            <p:ph type="title"/>
-          </p:nvPr>
-        </p:nvSpPr>
-        <p:spPr/>
-        <p:txBody>
-          <a:bodyPr/>
-          <a:lstStyle/>
-          <a:p>
-            <a:r>
-              <a:rPr lang="es-AR" dirty="0" smtClean="0"/>
-              <a:t>DISEÑO: Etapas (cont.)</a:t>
-            </a:r>
-            <a:endParaRPr lang="es-AR" dirty="0"/>
-          </a:p>
-        </p:txBody>
-      </p:sp>
-      <p:sp>
-        <p:nvSpPr>
-          <p:cNvPr id="11" name="10 Marcador de contenido"/>
-          <p:cNvSpPr>
-            <a:spLocks noGrp="1"/>
-          </p:cNvSpPr>
-          <p:nvPr>
-            <p:ph sz="half" idx="1"/>
-          </p:nvPr>
-        </p:nvSpPr>
-        <p:spPr/>
-        <p:txBody>
-          <a:bodyPr>
-            <a:normAutofit lnSpcReduction="10000"/>
-          </a:bodyPr>
-          <a:lstStyle/>
-          <a:p>
-            <a:r>
-              <a:rPr lang="es-AR" dirty="0" smtClean="0"/>
-              <a:t>Decodificador</a:t>
-            </a:r>
-          </a:p>
-          <a:p>
-            <a:pPr lvl="1"/>
-            <a:r>
-              <a:rPr lang="es-AR" dirty="0" smtClean="0"/>
-              <a:t>Compuertas: 40 &lt;REVISAR&gt;</a:t>
-            </a:r>
-          </a:p>
-          <a:p>
-            <a:pPr lvl="1"/>
-            <a:r>
-              <a:rPr lang="es-AR" dirty="0" smtClean="0"/>
-              <a:t>Transistores: 400</a:t>
-            </a:r>
-          </a:p>
-          <a:p>
-            <a:pPr lvl="1"/>
-            <a:r>
-              <a:rPr lang="es-AR" dirty="0" smtClean="0"/>
-              <a:t>Tecnología: CMOS 0.18</a:t>
-            </a:r>
-            <a:endParaRPr lang="es-AR" dirty="0"/>
-          </a:p>
-        </p:txBody>
-      </p:sp>
-      <p:sp>
-        <p:nvSpPr>
-          <p:cNvPr id="13" name="12 Marcador de contenido"/>
-          <p:cNvSpPr>
-            <a:spLocks noGrp="1"/>
-          </p:cNvSpPr>
-          <p:nvPr>
-            <p:ph sz="half" idx="14"/>
-          </p:nvPr>
-        </p:nvSpPr>
-        <p:spPr/>
-        <p:txBody>
-          <a:bodyPr/>
-          <a:lstStyle/>
-          <a:p>
-            <a:endParaRPr lang="es-AR"/>
-          </a:p>
-        </p:txBody>
-      </p:sp>
-      <p:pic>
-        <p:nvPicPr>
-          <p:cNvPr id="15" name="14 Marcador de contenido"/>
-          <p:cNvPicPr>
-            <a:picLocks noGrp="1"/>
-          </p:cNvPicPr>
-          <p:nvPr>
-            <p:ph sz="half" idx="13"/>
-          </p:nvPr>
-        </p:nvPicPr>
-        <p:blipFill>
-          <a:blip r:embed="rId2" cstate="print">
-            <a:clrChange>
-              <a:clrFrom>
-                <a:srgbClr val="FFFFFF"/>
-              </a:clrFrom>
-              <a:clrTo>
-                <a:srgbClr val="FFFFFF">
-                  <a:alpha val="0"/>
-                </a:srgbClr>
-              </a:clrTo>
-            </a:clrChange>
-          </a:blip>
-          <a:stretch>
-            <a:fillRect/>
-          </a:stretch>
-        </p:blipFill>
-        <p:spPr bwMode="auto">
-          <a:xfrm rot="5400000">
-            <a:off x="4331216" y="2733680"/>
-            <a:ext cx="5018072" cy="2808312"/>
-          </a:xfrm>
-          <a:prstGeom prst="rect">
-            <a:avLst/>
-          </a:prstGeom>
-          <a:noFill/>
-          <a:ln>
-            <a:noFill/>
-          </a:ln>
-        </p:spPr>
-      </p:pic>
-    </p:spTree>
-  </p:cSld>
-  <p:clrMapOvr>
-    <a:masterClrMapping/>
-  </p:clrMapOvr>
-  <p:timing>
-    <p:tnLst>
-      <p:par>
-        <p:cTn id="1" dur="indefinite" restart="never" nodeType="tmRoot"/>
-      </p:par>
-    </p:tnLst>
-  </p:timing>
-</p:sld>
-</file>
-
-<file path=ppt/slides/slide12.xml><?xml version="1.0" encoding="utf-8"?>
-<p:sld xmlns:a="http://schemas.openxmlformats.org/drawingml/2006/main" xmlns:r="http://schemas.openxmlformats.org/officeDocument/2006/relationships" xmlns:p="http://schemas.openxmlformats.org/presentationml/2006/main">
-  <p:cSld>
-    <p:spTree>
-      <p:nvGrpSpPr>
-        <p:cNvPr id="1" name=""/>
-        <p:cNvGrpSpPr/>
-        <p:nvPr/>
-      </p:nvGrpSpPr>
-      <p:grpSpPr>
-        <a:xfrm>
-          <a:off x="0" y="0"/>
-          <a:ext cx="0" cy="0"/>
-          <a:chOff x="0" y="0"/>
-          <a:chExt cx="0" cy="0"/>
-        </a:xfrm>
-      </p:grpSpPr>
-      <p:sp>
-        <p:nvSpPr>
-          <p:cNvPr id="2" name="1 Título"/>
-          <p:cNvSpPr>
-            <a:spLocks noGrp="1"/>
-          </p:cNvSpPr>
-          <p:nvPr>
-            <p:ph type="title"/>
-          </p:nvPr>
-        </p:nvSpPr>
-        <p:spPr/>
-        <p:txBody>
-          <a:bodyPr/>
-          <a:lstStyle/>
-          <a:p>
-            <a:r>
-              <a:rPr lang="es-AR" dirty="0" smtClean="0"/>
-              <a:t>DISEÑO: Etapas (cont.)</a:t>
-            </a:r>
-            <a:endParaRPr lang="es-AR" dirty="0"/>
-          </a:p>
-        </p:txBody>
-      </p:sp>
-      <p:sp>
-        <p:nvSpPr>
-          <p:cNvPr id="6" name="5 Marcador de contenido"/>
-          <p:cNvSpPr>
-            <a:spLocks noGrp="1"/>
-          </p:cNvSpPr>
-          <p:nvPr>
-            <p:ph sz="half" idx="1"/>
-          </p:nvPr>
-        </p:nvSpPr>
-        <p:spPr/>
-        <p:txBody>
-          <a:bodyPr/>
-          <a:lstStyle/>
-          <a:p>
-            <a:r>
-              <a:rPr lang="es-AR" dirty="0" smtClean="0"/>
-              <a:t>Compuertas:</a:t>
-            </a:r>
-          </a:p>
-          <a:p>
-            <a:pPr lvl="1"/>
-            <a:r>
-              <a:rPr lang="es-AR" dirty="0" smtClean="0"/>
-              <a:t>Lógica NAND</a:t>
-            </a:r>
-          </a:p>
-          <a:p>
-            <a:pPr lvl="1"/>
-            <a:r>
-              <a:rPr lang="es-AR" dirty="0" smtClean="0"/>
-              <a:t>2, 3, 4, y 8 entradas</a:t>
-            </a:r>
-          </a:p>
-          <a:p>
-            <a:pPr lvl="1"/>
-            <a:r>
-              <a:rPr lang="es-AR" dirty="0" smtClean="0"/>
-              <a:t>Inversor</a:t>
-            </a:r>
-            <a:endParaRPr lang="es-AR" dirty="0"/>
-          </a:p>
-        </p:txBody>
-      </p:sp>
-      <p:pic>
-        <p:nvPicPr>
-          <p:cNvPr id="12" name="11 Marcador de contenido"/>
-          <p:cNvPicPr>
-            <a:picLocks noGrp="1"/>
-          </p:cNvPicPr>
-          <p:nvPr>
-            <p:ph sz="half" idx="13"/>
-          </p:nvPr>
-        </p:nvPicPr>
-        <p:blipFill>
-          <a:blip r:embed="rId2" cstate="print"/>
-          <a:srcRect/>
-          <a:stretch>
-            <a:fillRect/>
-          </a:stretch>
-        </p:blipFill>
-        <p:spPr bwMode="auto">
-          <a:xfrm>
-            <a:off x="4643438" y="1693544"/>
-            <a:ext cx="4321050" cy="4679697"/>
-          </a:xfrm>
-          <a:prstGeom prst="rect">
-            <a:avLst/>
-          </a:prstGeom>
-          <a:noFill/>
-          <a:ln w="9525">
-            <a:noFill/>
-            <a:miter lim="800000"/>
-            <a:headEnd/>
-            <a:tailEnd/>
-          </a:ln>
-        </p:spPr>
-      </p:pic>
-      <p:pic>
-        <p:nvPicPr>
-          <p:cNvPr id="13" name="12 Marcador de contenido"/>
-          <p:cNvPicPr>
-            <a:picLocks noGrp="1"/>
-          </p:cNvPicPr>
-          <p:nvPr>
-            <p:ph sz="half" idx="14"/>
-          </p:nvPr>
-        </p:nvPicPr>
-        <p:blipFill>
-          <a:blip r:embed="rId3" cstate="print"/>
-          <a:srcRect r="28736" b="20414"/>
-          <a:stretch>
-            <a:fillRect/>
-          </a:stretch>
-        </p:blipFill>
-        <p:spPr bwMode="auto">
-          <a:xfrm>
-            <a:off x="467543" y="4221088"/>
-            <a:ext cx="3486703" cy="1656184"/>
-          </a:xfrm>
-          <a:prstGeom prst="rect">
-            <a:avLst/>
-          </a:prstGeom>
-          <a:noFill/>
-          <a:ln w="9525">
-            <a:noFill/>
-            <a:miter lim="800000"/>
-            <a:headEnd/>
-            <a:tailEnd/>
-          </a:ln>
-        </p:spPr>
-      </p:pic>
-    </p:spTree>
-  </p:cSld>
-  <p:clrMapOvr>
-    <a:masterClrMapping/>
-  </p:clrMapOvr>
-  <p:timing>
-    <p:tnLst>
-      <p:par>
-        <p:cTn id="1" dur="indefinite" restart="never" nodeType="tmRoot"/>
-      </p:par>
-    </p:tnLst>
-  </p:timing>
-</p:sld>
-</file>
-
-<file path=ppt/slides/slide13.xml><?xml version="1.0" encoding="utf-8"?>
 <p:sld xmlns:a="http://schemas.openxmlformats.org/drawingml/2006/main" xmlns:r="http://schemas.openxmlformats.org/officeDocument/2006/relationships" xmlns:p="http://schemas.openxmlformats.org/presentationml/2006/main">
   <p:cSld>
     <p:spTree>
@@ -17350,7 +16631,7 @@
 </p:sld>
 </file>
 
-<file path=ppt/slides/slide14.xml><?xml version="1.0" encoding="utf-8"?>
+<file path=ppt/slides/slide2.xml><?xml version="1.0" encoding="utf-8"?>
 <p:sld xmlns:a="http://schemas.openxmlformats.org/drawingml/2006/main" xmlns:r="http://schemas.openxmlformats.org/officeDocument/2006/relationships" xmlns:p="http://schemas.openxmlformats.org/presentationml/2006/main">
   <p:cSld>
     <p:spTree>
@@ -17471,7 +16752,7 @@
 </p:sld>
 </file>
 
-<file path=ppt/slides/slide15.xml><?xml version="1.0" encoding="utf-8"?>
+<file path=ppt/slides/slide3.xml><?xml version="1.0" encoding="utf-8"?>
 <p:sld xmlns:a="http://schemas.openxmlformats.org/drawingml/2006/main" xmlns:r="http://schemas.openxmlformats.org/officeDocument/2006/relationships" xmlns:p="http://schemas.openxmlformats.org/presentationml/2006/main">
   <p:cSld>
     <p:spTree>
@@ -17537,11 +16818,7 @@
             </a:r>
             <a:r>
               <a:rPr lang="es-AR" dirty="0" smtClean="0"/>
-              <a:t>:</a:t>
-            </a:r>
-            <a:r>
-              <a:rPr lang="es-AR" dirty="0" smtClean="0"/>
-              <a:t> 1V</a:t>
+              <a:t>: 1V</a:t>
             </a:r>
           </a:p>
           <a:p>
@@ -17676,7 +16953,7 @@
 </p:sld>
 </file>
 
-<file path=ppt/slides/slide16.xml><?xml version="1.0" encoding="utf-8"?>
+<file path=ppt/slides/slide4.xml><?xml version="1.0" encoding="utf-8"?>
 <p:sld xmlns:a="http://schemas.openxmlformats.org/drawingml/2006/main" xmlns:r="http://schemas.openxmlformats.org/officeDocument/2006/relationships" xmlns:p="http://schemas.openxmlformats.org/presentationml/2006/main">
   <p:cSld>
     <p:spTree>
@@ -17742,11 +17019,7 @@
             </a:r>
             <a:r>
               <a:rPr lang="es-AR" dirty="0" smtClean="0"/>
-              <a:t>:</a:t>
-            </a:r>
-            <a:r>
-              <a:rPr lang="es-AR" dirty="0" smtClean="0"/>
-              <a:t> 1.315V</a:t>
+              <a:t>: 1.315V</a:t>
             </a:r>
           </a:p>
           <a:p>
@@ -17869,7 +17142,7 @@
 </p:sld>
 </file>
 
-<file path=ppt/slides/slide17.xml><?xml version="1.0" encoding="utf-8"?>
+<file path=ppt/slides/slide5.xml><?xml version="1.0" encoding="utf-8"?>
 <p:sld xmlns:a="http://schemas.openxmlformats.org/drawingml/2006/main" xmlns:r="http://schemas.openxmlformats.org/officeDocument/2006/relationships" xmlns:p="http://schemas.openxmlformats.org/presentationml/2006/main">
   <p:cSld>
     <p:spTree>
@@ -17935,11 +17208,7 @@
             </a:r>
             <a:r>
               <a:rPr lang="es-AR" dirty="0" smtClean="0"/>
-              <a:t>:</a:t>
-            </a:r>
-            <a:r>
-              <a:rPr lang="es-AR" dirty="0" smtClean="0"/>
-              <a:t> 1.625V</a:t>
+              <a:t>: 1.625V</a:t>
             </a:r>
           </a:p>
           <a:p>
@@ -18068,788 +17337,6 @@
 </p:sld>
 </file>
 
-<file path=ppt/slides/slide18.xml><?xml version="1.0" encoding="utf-8"?>
-<p:sld xmlns:a="http://schemas.openxmlformats.org/drawingml/2006/main" xmlns:r="http://schemas.openxmlformats.org/officeDocument/2006/relationships" xmlns:p="http://schemas.openxmlformats.org/presentationml/2006/main">
-  <p:cSld>
-    <p:spTree>
-      <p:nvGrpSpPr>
-        <p:cNvPr id="1" name=""/>
-        <p:cNvGrpSpPr/>
-        <p:nvPr/>
-      </p:nvGrpSpPr>
-      <p:grpSpPr>
-        <a:xfrm>
-          <a:off x="0" y="0"/>
-          <a:ext cx="0" cy="0"/>
-          <a:chOff x="0" y="0"/>
-          <a:chExt cx="0" cy="0"/>
-        </a:xfrm>
-      </p:grpSpPr>
-      <p:sp>
-        <p:nvSpPr>
-          <p:cNvPr id="2" name="1 Título"/>
-          <p:cNvSpPr>
-            <a:spLocks noGrp="1"/>
-          </p:cNvSpPr>
-          <p:nvPr>
-            <p:ph type="title"/>
-          </p:nvPr>
-        </p:nvSpPr>
-        <p:spPr/>
-        <p:txBody>
-          <a:bodyPr/>
-          <a:lstStyle/>
-          <a:p>
-            <a:r>
-              <a:rPr lang="es-AR" dirty="0" smtClean="0"/>
-              <a:t>INYECCIÓN: Automática</a:t>
-            </a:r>
-            <a:endParaRPr lang="es-AR" dirty="0"/>
-          </a:p>
-        </p:txBody>
-      </p:sp>
-      <p:sp>
-        <p:nvSpPr>
-          <p:cNvPr id="3" name="2 Marcador de contenido"/>
-          <p:cNvSpPr>
-            <a:spLocks noGrp="1"/>
-          </p:cNvSpPr>
-          <p:nvPr>
-            <p:ph sz="half" idx="1"/>
-          </p:nvPr>
-        </p:nvSpPr>
-        <p:spPr/>
-        <p:txBody>
-          <a:bodyPr/>
-          <a:lstStyle/>
-          <a:p>
-            <a:endParaRPr lang="es-AR"/>
-          </a:p>
-        </p:txBody>
-      </p:sp>
-      <p:sp>
-        <p:nvSpPr>
-          <p:cNvPr id="4" name="3 Marcador de contenido"/>
-          <p:cNvSpPr>
-            <a:spLocks noGrp="1"/>
-          </p:cNvSpPr>
-          <p:nvPr>
-            <p:ph sz="half" idx="13"/>
-          </p:nvPr>
-        </p:nvSpPr>
-        <p:spPr/>
-        <p:txBody>
-          <a:bodyPr/>
-          <a:lstStyle/>
-          <a:p>
-            <a:endParaRPr lang="es-AR"/>
-          </a:p>
-        </p:txBody>
-      </p:sp>
-      <p:sp>
-        <p:nvSpPr>
-          <p:cNvPr id="5" name="4 Marcador de contenido"/>
-          <p:cNvSpPr>
-            <a:spLocks noGrp="1"/>
-          </p:cNvSpPr>
-          <p:nvPr>
-            <p:ph sz="half" idx="14"/>
-          </p:nvPr>
-        </p:nvSpPr>
-        <p:spPr/>
-        <p:txBody>
-          <a:bodyPr/>
-          <a:lstStyle/>
-          <a:p>
-            <a:endParaRPr lang="es-AR"/>
-          </a:p>
-        </p:txBody>
-      </p:sp>
-    </p:spTree>
-  </p:cSld>
-  <p:clrMapOvr>
-    <a:masterClrMapping/>
-  </p:clrMapOvr>
-  <p:timing>
-    <p:tnLst>
-      <p:par>
-        <p:cTn id="1" dur="indefinite" restart="never" nodeType="tmRoot"/>
-      </p:par>
-    </p:tnLst>
-  </p:timing>
-</p:sld>
-</file>
-
-<file path=ppt/slides/slide2.xml><?xml version="1.0" encoding="utf-8"?>
-<p:sld xmlns:a="http://schemas.openxmlformats.org/drawingml/2006/main" xmlns:r="http://schemas.openxmlformats.org/officeDocument/2006/relationships" xmlns:p="http://schemas.openxmlformats.org/presentationml/2006/main">
-  <p:cSld>
-    <p:spTree>
-      <p:nvGrpSpPr>
-        <p:cNvPr id="1" name=""/>
-        <p:cNvGrpSpPr/>
-        <p:nvPr/>
-      </p:nvGrpSpPr>
-      <p:grpSpPr>
-        <a:xfrm>
-          <a:off x="0" y="0"/>
-          <a:ext cx="0" cy="0"/>
-          <a:chOff x="0" y="0"/>
-          <a:chExt cx="0" cy="0"/>
-        </a:xfrm>
-      </p:grpSpPr>
-      <p:sp>
-        <p:nvSpPr>
-          <p:cNvPr id="2" name="1 Título"/>
-          <p:cNvSpPr>
-            <a:spLocks noGrp="1"/>
-          </p:cNvSpPr>
-          <p:nvPr>
-            <p:ph type="title"/>
-          </p:nvPr>
-        </p:nvSpPr>
-        <p:spPr/>
-        <p:txBody>
-          <a:bodyPr/>
-          <a:lstStyle/>
-          <a:p>
-            <a:r>
-              <a:rPr lang="es-AR" dirty="0" err="1" smtClean="0"/>
-              <a:t>Indice</a:t>
-            </a:r>
-            <a:endParaRPr lang="es-AR" dirty="0"/>
-          </a:p>
-        </p:txBody>
-      </p:sp>
-      <p:sp>
-        <p:nvSpPr>
-          <p:cNvPr id="3" name="2 Marcador de contenido"/>
-          <p:cNvSpPr>
-            <a:spLocks noGrp="1"/>
-          </p:cNvSpPr>
-          <p:nvPr>
-            <p:ph idx="1"/>
-          </p:nvPr>
-        </p:nvSpPr>
-        <p:spPr>
-          <a:xfrm>
-            <a:off x="467544" y="1556792"/>
-            <a:ext cx="8229600" cy="4896544"/>
-          </a:xfrm>
-        </p:spPr>
-        <p:txBody>
-          <a:bodyPr>
-            <a:normAutofit fontScale="85000" lnSpcReduction="20000"/>
-          </a:bodyPr>
-          <a:lstStyle/>
-          <a:p>
-            <a:r>
-              <a:rPr lang="es-AR" dirty="0" smtClean="0"/>
-              <a:t>ASET</a:t>
-            </a:r>
-          </a:p>
-          <a:p>
-            <a:pPr lvl="1"/>
-            <a:r>
-              <a:rPr lang="es-AR" dirty="0" smtClean="0"/>
-              <a:t>Que es?</a:t>
-            </a:r>
-          </a:p>
-          <a:p>
-            <a:pPr lvl="1"/>
-            <a:r>
-              <a:rPr lang="es-AR" dirty="0" smtClean="0"/>
-              <a:t>Como se produce?</a:t>
-            </a:r>
-          </a:p>
-          <a:p>
-            <a:pPr lvl="1"/>
-            <a:r>
-              <a:rPr lang="es-AR" dirty="0" smtClean="0"/>
-              <a:t>Porque?</a:t>
-            </a:r>
-          </a:p>
-          <a:p>
-            <a:pPr lvl="1"/>
-            <a:r>
-              <a:rPr lang="es-AR" dirty="0" smtClean="0"/>
-              <a:t>Modelo</a:t>
-            </a:r>
-          </a:p>
-          <a:p>
-            <a:r>
-              <a:rPr lang="es-AR" dirty="0" smtClean="0"/>
-              <a:t>Diseño</a:t>
-            </a:r>
-          </a:p>
-          <a:p>
-            <a:pPr lvl="1"/>
-            <a:r>
-              <a:rPr lang="es-AR" dirty="0" smtClean="0"/>
-              <a:t>Arquitectura</a:t>
-            </a:r>
-          </a:p>
-          <a:p>
-            <a:pPr lvl="1"/>
-            <a:r>
-              <a:rPr lang="es-AR" dirty="0" smtClean="0"/>
-              <a:t>Tecnología</a:t>
-            </a:r>
-          </a:p>
-          <a:p>
-            <a:pPr lvl="1"/>
-            <a:r>
-              <a:rPr lang="es-AR" dirty="0" smtClean="0"/>
-              <a:t>Etapas</a:t>
-            </a:r>
-          </a:p>
-          <a:p>
-            <a:r>
-              <a:rPr lang="es-AR" dirty="0" smtClean="0"/>
-              <a:t>Inyección</a:t>
-            </a:r>
-          </a:p>
-          <a:p>
-            <a:pPr lvl="1"/>
-            <a:r>
-              <a:rPr lang="es-AR" dirty="0" smtClean="0"/>
-              <a:t>Manual</a:t>
-            </a:r>
-          </a:p>
-          <a:p>
-            <a:pPr lvl="1"/>
-            <a:r>
-              <a:rPr lang="es-AR" dirty="0" smtClean="0"/>
-              <a:t>Automática</a:t>
-            </a:r>
-          </a:p>
-          <a:p>
-            <a:r>
-              <a:rPr lang="es-AR" dirty="0" smtClean="0"/>
-              <a:t>Análisis y conclusión</a:t>
-            </a:r>
-          </a:p>
-        </p:txBody>
-      </p:sp>
-    </p:spTree>
-  </p:cSld>
-  <p:clrMapOvr>
-    <a:masterClrMapping/>
-  </p:clrMapOvr>
-  <p:timing>
-    <p:tnLst>
-      <p:par>
-        <p:cTn id="1" dur="indefinite" restart="never" nodeType="tmRoot"/>
-      </p:par>
-    </p:tnLst>
-  </p:timing>
-</p:sld>
-</file>
-
-<file path=ppt/slides/slide3.xml><?xml version="1.0" encoding="utf-8"?>
-<p:sld xmlns:a="http://schemas.openxmlformats.org/drawingml/2006/main" xmlns:r="http://schemas.openxmlformats.org/officeDocument/2006/relationships" xmlns:p="http://schemas.openxmlformats.org/presentationml/2006/main">
-  <p:cSld>
-    <p:spTree>
-      <p:nvGrpSpPr>
-        <p:cNvPr id="1" name=""/>
-        <p:cNvGrpSpPr/>
-        <p:nvPr/>
-      </p:nvGrpSpPr>
-      <p:grpSpPr>
-        <a:xfrm>
-          <a:off x="0" y="0"/>
-          <a:ext cx="0" cy="0"/>
-          <a:chOff x="0" y="0"/>
-          <a:chExt cx="0" cy="0"/>
-        </a:xfrm>
-      </p:grpSpPr>
-      <p:sp>
-        <p:nvSpPr>
-          <p:cNvPr id="2" name="1 Título"/>
-          <p:cNvSpPr>
-            <a:spLocks noGrp="1"/>
-          </p:cNvSpPr>
-          <p:nvPr>
-            <p:ph type="title"/>
-          </p:nvPr>
-        </p:nvSpPr>
-        <p:spPr/>
-        <p:txBody>
-          <a:bodyPr/>
-          <a:lstStyle/>
-          <a:p>
-            <a:r>
-              <a:rPr lang="es-AR" dirty="0" smtClean="0"/>
-              <a:t>ASET: Que es?</a:t>
-            </a:r>
-            <a:endParaRPr lang="es-AR" dirty="0"/>
-          </a:p>
-        </p:txBody>
-      </p:sp>
-      <p:sp>
-        <p:nvSpPr>
-          <p:cNvPr id="10" name="9 Marcador de contenido"/>
-          <p:cNvSpPr>
-            <a:spLocks noGrp="1"/>
-          </p:cNvSpPr>
-          <p:nvPr>
-            <p:ph sz="half" idx="1"/>
-          </p:nvPr>
-        </p:nvSpPr>
-        <p:spPr>
-          <a:xfrm>
-            <a:off x="467544" y="1484784"/>
-            <a:ext cx="8219256" cy="2188839"/>
-          </a:xfrm>
-        </p:spPr>
-        <p:txBody>
-          <a:bodyPr>
-            <a:normAutofit lnSpcReduction="10000"/>
-          </a:bodyPr>
-          <a:lstStyle/>
-          <a:p>
-            <a:pPr marL="0" indent="0" algn="just">
-              <a:spcBef>
-                <a:spcPts val="600"/>
-              </a:spcBef>
-              <a:spcAft>
-                <a:spcPts val="600"/>
-              </a:spcAft>
-              <a:buNone/>
-            </a:pPr>
-            <a:r>
-              <a:rPr lang="es-AR" i="1" dirty="0" smtClean="0"/>
-              <a:t>“Un </a:t>
-            </a:r>
-            <a:r>
-              <a:rPr lang="es-AR" i="1" dirty="0"/>
-              <a:t>Evento de Efecto </a:t>
-            </a:r>
-            <a:r>
-              <a:rPr lang="es-AR" i="1" dirty="0" smtClean="0"/>
-              <a:t>Único </a:t>
-            </a:r>
-            <a:r>
-              <a:rPr lang="es-AR" i="1" dirty="0"/>
-              <a:t>(SEE) es cualquier cambio medible u observable, en el estado o rendimiento, de un dispositivo, componente, subsistema o sistema (analógico o digital) micro-electrónico, resultado del impacto de una única partícula de alta energía</a:t>
-            </a:r>
-            <a:r>
-              <a:rPr lang="es-AR" i="1" dirty="0" smtClean="0"/>
-              <a:t>.”</a:t>
-            </a:r>
-            <a:endParaRPr lang="es-AR" i="1" dirty="0"/>
-          </a:p>
-          <a:p>
-            <a:endParaRPr lang="es-AR" dirty="0"/>
-          </a:p>
-        </p:txBody>
-      </p:sp>
-      <p:pic>
-        <p:nvPicPr>
-          <p:cNvPr id="1027" name="Picture 3"/>
-          <p:cNvPicPr>
-            <a:picLocks noGrp="1" noChangeAspect="1" noChangeArrowheads="1"/>
-          </p:cNvPicPr>
-          <p:nvPr>
-            <p:ph sz="half" idx="2"/>
-          </p:nvPr>
-        </p:nvPicPr>
-        <p:blipFill>
-          <a:blip r:embed="rId2" cstate="print"/>
-          <a:srcRect/>
-          <a:stretch>
-            <a:fillRect/>
-          </a:stretch>
-        </p:blipFill>
-        <p:spPr bwMode="auto">
-          <a:xfrm>
-            <a:off x="1547664" y="3785664"/>
-            <a:ext cx="5976664" cy="2454524"/>
-          </a:xfrm>
-          <a:prstGeom prst="rect">
-            <a:avLst/>
-          </a:prstGeom>
-          <a:noFill/>
-          <a:ln w="9525">
-            <a:noFill/>
-            <a:miter lim="800000"/>
-            <a:headEnd/>
-            <a:tailEnd/>
-          </a:ln>
-        </p:spPr>
-      </p:pic>
-    </p:spTree>
-  </p:cSld>
-  <p:clrMapOvr>
-    <a:masterClrMapping/>
-  </p:clrMapOvr>
-  <p:timing>
-    <p:tnLst>
-      <p:par>
-        <p:cTn id="1" dur="indefinite" restart="never" nodeType="tmRoot"/>
-      </p:par>
-    </p:tnLst>
-  </p:timing>
-</p:sld>
-</file>
-
-<file path=ppt/slides/slide4.xml><?xml version="1.0" encoding="utf-8"?>
-<p:sld xmlns:a="http://schemas.openxmlformats.org/drawingml/2006/main" xmlns:r="http://schemas.openxmlformats.org/officeDocument/2006/relationships" xmlns:p="http://schemas.openxmlformats.org/presentationml/2006/main">
-  <p:cSld>
-    <p:spTree>
-      <p:nvGrpSpPr>
-        <p:cNvPr id="1" name=""/>
-        <p:cNvGrpSpPr/>
-        <p:nvPr/>
-      </p:nvGrpSpPr>
-      <p:grpSpPr>
-        <a:xfrm>
-          <a:off x="0" y="0"/>
-          <a:ext cx="0" cy="0"/>
-          <a:chOff x="0" y="0"/>
-          <a:chExt cx="0" cy="0"/>
-        </a:xfrm>
-      </p:grpSpPr>
-      <p:sp>
-        <p:nvSpPr>
-          <p:cNvPr id="2" name="1 Título"/>
-          <p:cNvSpPr>
-            <a:spLocks noGrp="1"/>
-          </p:cNvSpPr>
-          <p:nvPr>
-            <p:ph type="title"/>
-          </p:nvPr>
-        </p:nvSpPr>
-        <p:spPr/>
-        <p:txBody>
-          <a:bodyPr/>
-          <a:lstStyle/>
-          <a:p>
-            <a:r>
-              <a:rPr lang="es-AR" dirty="0" smtClean="0"/>
-              <a:t>ASET: Como se produce?</a:t>
-            </a:r>
-            <a:endParaRPr lang="es-AR" dirty="0"/>
-          </a:p>
-        </p:txBody>
-      </p:sp>
-      <p:pic>
-        <p:nvPicPr>
-          <p:cNvPr id="2050" name="Picture 2"/>
-          <p:cNvPicPr>
-            <a:picLocks noGrp="1" noChangeAspect="1" noChangeArrowheads="1"/>
-          </p:cNvPicPr>
-          <p:nvPr>
-            <p:ph sz="half" idx="1"/>
-          </p:nvPr>
-        </p:nvPicPr>
-        <p:blipFill>
-          <a:blip r:embed="rId2" cstate="print"/>
-          <a:srcRect/>
-          <a:stretch>
-            <a:fillRect/>
-          </a:stretch>
-        </p:blipFill>
-        <p:spPr bwMode="auto">
-          <a:xfrm>
-            <a:off x="972806" y="1600200"/>
-            <a:ext cx="3050250" cy="2216150"/>
-          </a:xfrm>
-          <a:prstGeom prst="rect">
-            <a:avLst/>
-          </a:prstGeom>
-          <a:noFill/>
-          <a:ln w="9525">
-            <a:noFill/>
-            <a:miter lim="800000"/>
-            <a:headEnd/>
-            <a:tailEnd/>
-          </a:ln>
-        </p:spPr>
-      </p:pic>
-      <p:pic>
-        <p:nvPicPr>
-          <p:cNvPr id="2051" name="Picture 3"/>
-          <p:cNvPicPr>
-            <a:picLocks noGrp="1" noChangeAspect="1" noChangeArrowheads="1"/>
-          </p:cNvPicPr>
-          <p:nvPr>
-            <p:ph sz="half" idx="13"/>
-          </p:nvPr>
-        </p:nvPicPr>
-        <p:blipFill>
-          <a:blip r:embed="rId3" cstate="print"/>
-          <a:srcRect/>
-          <a:stretch>
-            <a:fillRect/>
-          </a:stretch>
-        </p:blipFill>
-        <p:spPr bwMode="auto">
-          <a:xfrm>
-            <a:off x="4816960" y="1600200"/>
-            <a:ext cx="3696318" cy="2189163"/>
-          </a:xfrm>
-          <a:prstGeom prst="rect">
-            <a:avLst/>
-          </a:prstGeom>
-          <a:noFill/>
-          <a:ln w="9525">
-            <a:noFill/>
-            <a:miter lim="800000"/>
-            <a:headEnd/>
-            <a:tailEnd/>
-          </a:ln>
-        </p:spPr>
-      </p:pic>
-      <p:pic>
-        <p:nvPicPr>
-          <p:cNvPr id="2052" name="Picture 4"/>
-          <p:cNvPicPr>
-            <a:picLocks noGrp="1" noChangeAspect="1" noChangeArrowheads="1"/>
-          </p:cNvPicPr>
-          <p:nvPr>
-            <p:ph sz="half" idx="14"/>
-          </p:nvPr>
-        </p:nvPicPr>
-        <p:blipFill>
-          <a:blip r:embed="rId4" cstate="print"/>
-          <a:srcRect/>
-          <a:stretch>
-            <a:fillRect/>
-          </a:stretch>
-        </p:blipFill>
-        <p:spPr bwMode="auto">
-          <a:xfrm>
-            <a:off x="1252912" y="3933825"/>
-            <a:ext cx="2472576" cy="2187575"/>
-          </a:xfrm>
-          <a:prstGeom prst="rect">
-            <a:avLst/>
-          </a:prstGeom>
-          <a:noFill/>
-          <a:ln w="9525">
-            <a:noFill/>
-            <a:miter lim="800000"/>
-            <a:headEnd/>
-            <a:tailEnd/>
-          </a:ln>
-        </p:spPr>
-      </p:pic>
-      <p:pic>
-        <p:nvPicPr>
-          <p:cNvPr id="2053" name="Picture 5"/>
-          <p:cNvPicPr>
-            <a:picLocks noGrp="1" noChangeAspect="1" noChangeArrowheads="1"/>
-          </p:cNvPicPr>
-          <p:nvPr>
-            <p:ph sz="half" idx="2"/>
-          </p:nvPr>
-        </p:nvPicPr>
-        <p:blipFill>
-          <a:blip r:embed="rId5" cstate="print"/>
-          <a:srcRect/>
-          <a:stretch>
-            <a:fillRect/>
-          </a:stretch>
-        </p:blipFill>
-        <p:spPr bwMode="auto">
-          <a:xfrm>
-            <a:off x="5305869" y="3933825"/>
-            <a:ext cx="2718499" cy="2192338"/>
-          </a:xfrm>
-          <a:prstGeom prst="rect">
-            <a:avLst/>
-          </a:prstGeom>
-          <a:noFill/>
-          <a:ln w="9525">
-            <a:noFill/>
-            <a:miter lim="800000"/>
-            <a:headEnd/>
-            <a:tailEnd/>
-          </a:ln>
-        </p:spPr>
-      </p:pic>
-    </p:spTree>
-  </p:cSld>
-  <p:clrMapOvr>
-    <a:masterClrMapping/>
-  </p:clrMapOvr>
-  <p:timing>
-    <p:tnLst>
-      <p:par>
-        <p:cTn id="1" dur="indefinite" restart="never" nodeType="tmRoot"/>
-      </p:par>
-    </p:tnLst>
-  </p:timing>
-</p:sld>
-</file>
-
-<file path=ppt/slides/slide5.xml><?xml version="1.0" encoding="utf-8"?>
-<p:sld xmlns:a="http://schemas.openxmlformats.org/drawingml/2006/main" xmlns:r="http://schemas.openxmlformats.org/officeDocument/2006/relationships" xmlns:p="http://schemas.openxmlformats.org/presentationml/2006/main">
-  <p:cSld>
-    <p:spTree>
-      <p:nvGrpSpPr>
-        <p:cNvPr id="1" name=""/>
-        <p:cNvGrpSpPr/>
-        <p:nvPr/>
-      </p:nvGrpSpPr>
-      <p:grpSpPr>
-        <a:xfrm>
-          <a:off x="0" y="0"/>
-          <a:ext cx="0" cy="0"/>
-          <a:chOff x="0" y="0"/>
-          <a:chExt cx="0" cy="0"/>
-        </a:xfrm>
-      </p:grpSpPr>
-      <p:sp>
-        <p:nvSpPr>
-          <p:cNvPr id="10" name="9 Título"/>
-          <p:cNvSpPr>
-            <a:spLocks noGrp="1"/>
-          </p:cNvSpPr>
-          <p:nvPr>
-            <p:ph type="title"/>
-          </p:nvPr>
-        </p:nvSpPr>
-        <p:spPr/>
-        <p:txBody>
-          <a:bodyPr/>
-          <a:lstStyle/>
-          <a:p>
-            <a:r>
-              <a:rPr lang="es-AR" dirty="0" smtClean="0"/>
-              <a:t>ASET: Porque?</a:t>
-            </a:r>
-            <a:endParaRPr lang="es-AR" dirty="0"/>
-          </a:p>
-        </p:txBody>
-      </p:sp>
-      <p:sp>
-        <p:nvSpPr>
-          <p:cNvPr id="18" name="17 Marcador de contenido"/>
-          <p:cNvSpPr>
-            <a:spLocks noGrp="1"/>
-          </p:cNvSpPr>
-          <p:nvPr>
-            <p:ph sz="half" idx="1"/>
-          </p:nvPr>
-        </p:nvSpPr>
-        <p:spPr>
-          <a:xfrm>
-            <a:off x="457199" y="1600201"/>
-            <a:ext cx="8147249" cy="1468759"/>
-          </a:xfrm>
-        </p:spPr>
-        <p:txBody>
-          <a:bodyPr>
-            <a:normAutofit fontScale="70000" lnSpcReduction="20000"/>
-          </a:bodyPr>
-          <a:lstStyle/>
-          <a:p>
-            <a:r>
-              <a:rPr lang="es-AR" dirty="0" smtClean="0"/>
-              <a:t>Con el constante avance en los procesos litográficos, las tecnologías de fabricación de circuitos integrados se vuelven mas vulnerables a estos efectos.</a:t>
-            </a:r>
-          </a:p>
-          <a:p>
-            <a:r>
-              <a:rPr lang="es-AR" dirty="0" smtClean="0"/>
-              <a:t>El estudio de los </a:t>
-            </a:r>
-            <a:r>
-              <a:rPr lang="es-AR" dirty="0" err="1" smtClean="0"/>
-              <a:t>SETs</a:t>
-            </a:r>
-            <a:r>
-              <a:rPr lang="es-AR" dirty="0" smtClean="0"/>
-              <a:t> en dispositivos digitales se encuentra ampliamente cubierto en comparación con los analógicos.</a:t>
-            </a:r>
-            <a:endParaRPr lang="es-AR" dirty="0"/>
-          </a:p>
-        </p:txBody>
-      </p:sp>
-      <p:pic>
-        <p:nvPicPr>
-          <p:cNvPr id="3077" name="Picture 5"/>
-          <p:cNvPicPr>
-            <a:picLocks noGrp="1" noChangeAspect="1" noChangeArrowheads="1"/>
-          </p:cNvPicPr>
-          <p:nvPr>
-            <p:ph sz="half" idx="14"/>
-          </p:nvPr>
-        </p:nvPicPr>
-        <p:blipFill>
-          <a:blip r:embed="rId2" cstate="print"/>
-          <a:srcRect/>
-          <a:stretch>
-            <a:fillRect/>
-          </a:stretch>
-        </p:blipFill>
-        <p:spPr bwMode="auto">
-          <a:xfrm>
-            <a:off x="468313" y="3542600"/>
-            <a:ext cx="4041775" cy="2393762"/>
-          </a:xfrm>
-          <a:prstGeom prst="rect">
-            <a:avLst/>
-          </a:prstGeom>
-          <a:noFill/>
-          <a:ln w="9525">
-            <a:noFill/>
-            <a:miter lim="800000"/>
-            <a:headEnd/>
-            <a:tailEnd/>
-          </a:ln>
-        </p:spPr>
-      </p:pic>
-      <p:pic>
-        <p:nvPicPr>
-          <p:cNvPr id="3078" name="Picture 6"/>
-          <p:cNvPicPr>
-            <a:picLocks noGrp="1" noChangeAspect="1" noChangeArrowheads="1"/>
-          </p:cNvPicPr>
-          <p:nvPr>
-            <p:ph sz="half" idx="2"/>
-          </p:nvPr>
-        </p:nvPicPr>
-        <p:blipFill>
-          <a:blip r:embed="rId3" cstate="print"/>
-          <a:srcRect/>
-          <a:stretch>
-            <a:fillRect/>
-          </a:stretch>
-        </p:blipFill>
-        <p:spPr bwMode="auto">
-          <a:xfrm>
-            <a:off x="4711415" y="3357563"/>
-            <a:ext cx="3907408" cy="2768600"/>
-          </a:xfrm>
-          <a:prstGeom prst="rect">
-            <a:avLst/>
-          </a:prstGeom>
-          <a:noFill/>
-          <a:ln w="9525">
-            <a:noFill/>
-            <a:miter lim="800000"/>
-            <a:headEnd/>
-            <a:tailEnd/>
-          </a:ln>
-        </p:spPr>
-      </p:pic>
-    </p:spTree>
-  </p:cSld>
-  <p:clrMapOvr>
-    <a:masterClrMapping/>
-  </p:clrMapOvr>
-  <p:timing>
-    <p:tnLst>
-      <p:par>
-        <p:cTn id="1" dur="indefinite" restart="never" nodeType="tmRoot"/>
-      </p:par>
-    </p:tnLst>
-  </p:timing>
-</p:sld>
-</file>
-
 <file path=ppt/slides/slide6.xml><?xml version="1.0" encoding="utf-8"?>
 <p:sld xmlns:a="http://schemas.openxmlformats.org/drawingml/2006/main" xmlns:r="http://schemas.openxmlformats.org/officeDocument/2006/relationships" xmlns:p="http://schemas.openxmlformats.org/presentationml/2006/main">
   <p:cSld>
@@ -18884,7 +17371,7 @@
           <a:p>
             <a:r>
               <a:rPr lang="es-AR" dirty="0" smtClean="0"/>
-              <a:t>ASET: Modelo</a:t>
+              <a:t>INYECCIÓN: Automática</a:t>
             </a:r>
             <a:endParaRPr lang="es-AR" dirty="0"/>
           </a:p>
@@ -18892,391 +17379,7 @@
       </p:sp>
       <p:sp>
         <p:nvSpPr>
-          <p:cNvPr id="7" name="6 Marcador de contenido"/>
-          <p:cNvSpPr>
-            <a:spLocks noGrp="1"/>
-          </p:cNvSpPr>
-          <p:nvPr>
-            <p:ph sz="half" idx="1"/>
-          </p:nvPr>
-        </p:nvSpPr>
-        <p:spPr/>
-        <p:txBody>
-          <a:bodyPr/>
-          <a:lstStyle/>
-          <a:p>
-            <a:r>
-              <a:rPr lang="es-AR" dirty="0" smtClean="0"/>
-              <a:t>&lt;Explicar algo del modelo&gt;</a:t>
-            </a:r>
-            <a:endParaRPr lang="es-AR" dirty="0"/>
-          </a:p>
-        </p:txBody>
-      </p:sp>
-      <p:pic>
-        <p:nvPicPr>
-          <p:cNvPr id="4098" name="Picture 2"/>
-          <p:cNvPicPr>
-            <a:picLocks noGrp="1" noChangeAspect="1" noChangeArrowheads="1"/>
-          </p:cNvPicPr>
-          <p:nvPr>
-            <p:ph sz="half" idx="14"/>
-          </p:nvPr>
-        </p:nvPicPr>
-        <p:blipFill>
-          <a:blip r:embed="rId2" cstate="print"/>
-          <a:srcRect/>
-          <a:stretch>
-            <a:fillRect/>
-          </a:stretch>
-        </p:blipFill>
-        <p:spPr bwMode="auto">
-          <a:xfrm>
-            <a:off x="303818" y="3501008"/>
-            <a:ext cx="4141912" cy="2620393"/>
-          </a:xfrm>
-          <a:prstGeom prst="rect">
-            <a:avLst/>
-          </a:prstGeom>
-          <a:noFill/>
-          <a:ln w="9525">
-            <a:noFill/>
-            <a:miter lim="800000"/>
-            <a:headEnd/>
-            <a:tailEnd/>
-          </a:ln>
-        </p:spPr>
-      </p:pic>
-      <p:pic>
-        <p:nvPicPr>
-          <p:cNvPr id="4099" name="Picture 3"/>
-          <p:cNvPicPr>
-            <a:picLocks noGrp="1" noChangeAspect="1" noChangeArrowheads="1"/>
-          </p:cNvPicPr>
-          <p:nvPr>
-            <p:ph sz="half" idx="2"/>
-          </p:nvPr>
-        </p:nvPicPr>
-        <p:blipFill>
-          <a:blip r:embed="rId3" cstate="print"/>
-          <a:srcRect/>
-          <a:stretch>
-            <a:fillRect/>
-          </a:stretch>
-        </p:blipFill>
-        <p:spPr bwMode="auto">
-          <a:xfrm>
-            <a:off x="4703719" y="3501008"/>
-            <a:ext cx="4151784" cy="2625155"/>
-          </a:xfrm>
-          <a:prstGeom prst="rect">
-            <a:avLst/>
-          </a:prstGeom>
-          <a:noFill/>
-          <a:ln w="9525">
-            <a:noFill/>
-            <a:miter lim="800000"/>
-            <a:headEnd/>
-            <a:tailEnd/>
-          </a:ln>
-        </p:spPr>
-      </p:pic>
-    </p:spTree>
-  </p:cSld>
-  <p:clrMapOvr>
-    <a:masterClrMapping/>
-  </p:clrMapOvr>
-  <p:transition/>
-  <p:timing>
-    <p:tnLst>
-      <p:par>
-        <p:cTn id="1" dur="indefinite" restart="never" nodeType="tmRoot"/>
-      </p:par>
-    </p:tnLst>
-  </p:timing>
-</p:sld>
-</file>
-
-<file path=ppt/slides/slide7.xml><?xml version="1.0" encoding="utf-8"?>
-<p:sld xmlns:a="http://schemas.openxmlformats.org/drawingml/2006/main" xmlns:r="http://schemas.openxmlformats.org/officeDocument/2006/relationships" xmlns:p="http://schemas.openxmlformats.org/presentationml/2006/main">
-  <p:cSld>
-    <p:spTree>
-      <p:nvGrpSpPr>
-        <p:cNvPr id="1" name=""/>
-        <p:cNvGrpSpPr/>
-        <p:nvPr/>
-      </p:nvGrpSpPr>
-      <p:grpSpPr>
-        <a:xfrm>
-          <a:off x="0" y="0"/>
-          <a:ext cx="0" cy="0"/>
-          <a:chOff x="0" y="0"/>
-          <a:chExt cx="0" cy="0"/>
-        </a:xfrm>
-      </p:grpSpPr>
-      <p:sp>
-        <p:nvSpPr>
-          <p:cNvPr id="2" name="1 Título"/>
-          <p:cNvSpPr>
-            <a:spLocks noGrp="1"/>
-          </p:cNvSpPr>
-          <p:nvPr>
-            <p:ph type="title"/>
-          </p:nvPr>
-        </p:nvSpPr>
-        <p:spPr/>
-        <p:txBody>
-          <a:bodyPr/>
-          <a:lstStyle/>
-          <a:p>
-            <a:r>
-              <a:rPr lang="es-AR" dirty="0" smtClean="0"/>
-              <a:t>DISEÑO: Arquitectura</a:t>
-            </a:r>
-            <a:endParaRPr lang="es-AR" dirty="0"/>
-          </a:p>
-        </p:txBody>
-      </p:sp>
-      <p:sp>
-        <p:nvSpPr>
-          <p:cNvPr id="6" name="5 Marcador de contenido"/>
-          <p:cNvSpPr>
-            <a:spLocks noGrp="1"/>
-          </p:cNvSpPr>
-          <p:nvPr>
-            <p:ph sz="half" idx="1"/>
-          </p:nvPr>
-        </p:nvSpPr>
-        <p:spPr/>
-        <p:txBody>
-          <a:bodyPr/>
-          <a:lstStyle/>
-          <a:p>
-            <a:r>
-              <a:rPr lang="es-AR" dirty="0" smtClean="0"/>
-              <a:t>Diseño flash</a:t>
-            </a:r>
-          </a:p>
-          <a:p>
-            <a:r>
-              <a:rPr lang="es-AR" dirty="0" err="1" smtClean="0"/>
-              <a:t>Frec</a:t>
-            </a:r>
-            <a:r>
-              <a:rPr lang="es-AR" dirty="0" smtClean="0"/>
-              <a:t> de operación: 100 </a:t>
-            </a:r>
-            <a:r>
-              <a:rPr lang="es-AR" dirty="0" err="1" smtClean="0"/>
-              <a:t>Khz</a:t>
-            </a:r>
-            <a:endParaRPr lang="es-AR" dirty="0" smtClean="0"/>
-          </a:p>
-          <a:p>
-            <a:r>
-              <a:rPr lang="es-AR" dirty="0" smtClean="0"/>
-              <a:t>Palabra de salida: 6 bits</a:t>
-            </a:r>
-          </a:p>
-          <a:p>
-            <a:r>
-              <a:rPr lang="es-AR" dirty="0" smtClean="0"/>
-              <a:t>&lt;ALGUNA BOLUDEZ MAS&gt;</a:t>
-            </a:r>
-            <a:endParaRPr lang="es-AR" dirty="0"/>
-          </a:p>
-        </p:txBody>
-      </p:sp>
-      <p:graphicFrame>
-        <p:nvGraphicFramePr>
-          <p:cNvPr id="8" name="7 Marcador de contenido"/>
-          <p:cNvGraphicFramePr>
-            <a:graphicFrameLocks noGrp="1"/>
-          </p:cNvGraphicFramePr>
-          <p:nvPr>
-            <p:ph sz="half" idx="2"/>
-          </p:nvPr>
-        </p:nvGraphicFramePr>
-        <p:xfrm>
-          <a:off x="4648200" y="1773238"/>
-          <a:ext cx="4038600" cy="4624387"/>
-        </p:xfrm>
-        <a:graphic>
-          <a:graphicData uri="http://schemas.openxmlformats.org/drawingml/2006/diagram">
-            <dgm:relIds xmlns:dgm="http://schemas.openxmlformats.org/drawingml/2006/diagram" xmlns:r="http://schemas.openxmlformats.org/officeDocument/2006/relationships" r:dm="rId2" r:lo="rId3" r:qs="rId4" r:cs="rId5"/>
-          </a:graphicData>
-        </a:graphic>
-      </p:graphicFrame>
-    </p:spTree>
-  </p:cSld>
-  <p:clrMapOvr>
-    <a:masterClrMapping/>
-  </p:clrMapOvr>
-  <p:timing>
-    <p:tnLst>
-      <p:par>
-        <p:cTn id="1" dur="indefinite" restart="never" nodeType="tmRoot"/>
-      </p:par>
-    </p:tnLst>
-  </p:timing>
-</p:sld>
-</file>
-
-<file path=ppt/slides/slide8.xml><?xml version="1.0" encoding="utf-8"?>
-<p:sld xmlns:a="http://schemas.openxmlformats.org/drawingml/2006/main" xmlns:r="http://schemas.openxmlformats.org/officeDocument/2006/relationships" xmlns:p="http://schemas.openxmlformats.org/presentationml/2006/main">
-  <p:cSld>
-    <p:spTree>
-      <p:nvGrpSpPr>
-        <p:cNvPr id="1" name=""/>
-        <p:cNvGrpSpPr/>
-        <p:nvPr/>
-      </p:nvGrpSpPr>
-      <p:grpSpPr>
-        <a:xfrm>
-          <a:off x="0" y="0"/>
-          <a:ext cx="0" cy="0"/>
-          <a:chOff x="0" y="0"/>
-          <a:chExt cx="0" cy="0"/>
-        </a:xfrm>
-      </p:grpSpPr>
-      <p:sp>
-        <p:nvSpPr>
-          <p:cNvPr id="2" name="1 Título"/>
-          <p:cNvSpPr>
-            <a:spLocks noGrp="1"/>
-          </p:cNvSpPr>
-          <p:nvPr>
-            <p:ph type="title"/>
-          </p:nvPr>
-        </p:nvSpPr>
-        <p:spPr/>
-        <p:txBody>
-          <a:bodyPr/>
-          <a:lstStyle/>
-          <a:p>
-            <a:r>
-              <a:rPr lang="es-AR" dirty="0" smtClean="0"/>
-              <a:t>DISEÑO: Arquitectura (cont.)</a:t>
-            </a:r>
-            <a:endParaRPr lang="es-AR" dirty="0"/>
-          </a:p>
-        </p:txBody>
-      </p:sp>
-      <p:sp>
-        <p:nvSpPr>
-          <p:cNvPr id="4" name="3 Marcador de contenido"/>
-          <p:cNvSpPr>
-            <a:spLocks noGrp="1"/>
-          </p:cNvSpPr>
-          <p:nvPr>
-            <p:ph sz="half" idx="2"/>
-          </p:nvPr>
-        </p:nvSpPr>
-        <p:spPr/>
-        <p:txBody>
-          <a:bodyPr/>
-          <a:lstStyle/>
-          <a:p>
-            <a:r>
-              <a:rPr lang="es-AR" dirty="0" smtClean="0"/>
-              <a:t>&lt;EXPLICAR MAS DETALLADAMENTE CUALES SON LAS PARTES&gt;</a:t>
-            </a:r>
-            <a:endParaRPr lang="es-AR" dirty="0"/>
-          </a:p>
-        </p:txBody>
-      </p:sp>
-      <p:pic>
-        <p:nvPicPr>
-          <p:cNvPr id="5" name="4 Marcador de contenido"/>
-          <p:cNvPicPr>
-            <a:picLocks noGrp="1"/>
-          </p:cNvPicPr>
-          <p:nvPr>
-            <p:ph sz="half" idx="1"/>
-          </p:nvPr>
-        </p:nvPicPr>
-        <p:blipFill>
-          <a:blip r:embed="rId2" cstate="print"/>
-          <a:srcRect/>
-          <a:stretch>
-            <a:fillRect/>
-          </a:stretch>
-        </p:blipFill>
-        <p:spPr bwMode="auto">
-          <a:xfrm>
-            <a:off x="832648" y="1916832"/>
-            <a:ext cx="3384198" cy="4464496"/>
-          </a:xfrm>
-          <a:prstGeom prst="rect">
-            <a:avLst/>
-          </a:prstGeom>
-          <a:noFill/>
-          <a:ln w="9525">
-            <a:noFill/>
-            <a:miter lim="800000"/>
-            <a:headEnd/>
-            <a:tailEnd/>
-          </a:ln>
-        </p:spPr>
-      </p:pic>
-    </p:spTree>
-  </p:cSld>
-  <p:clrMapOvr>
-    <a:masterClrMapping/>
-  </p:clrMapOvr>
-  <p:timing>
-    <p:tnLst>
-      <p:par>
-        <p:cTn id="1" dur="indefinite" restart="never" nodeType="tmRoot"/>
-      </p:par>
-    </p:tnLst>
-  </p:timing>
-</p:sld>
-</file>
-
-<file path=ppt/slides/slide9.xml><?xml version="1.0" encoding="utf-8"?>
-<p:sld xmlns:a="http://schemas.openxmlformats.org/drawingml/2006/main" xmlns:r="http://schemas.openxmlformats.org/officeDocument/2006/relationships" xmlns:p="http://schemas.openxmlformats.org/presentationml/2006/main">
-  <p:cSld>
-    <p:spTree>
-      <p:nvGrpSpPr>
-        <p:cNvPr id="1" name=""/>
-        <p:cNvGrpSpPr/>
-        <p:nvPr/>
-      </p:nvGrpSpPr>
-      <p:grpSpPr>
-        <a:xfrm>
-          <a:off x="0" y="0"/>
-          <a:ext cx="0" cy="0"/>
-          <a:chOff x="0" y="0"/>
-          <a:chExt cx="0" cy="0"/>
-        </a:xfrm>
-      </p:grpSpPr>
-      <p:sp>
-        <p:nvSpPr>
-          <p:cNvPr id="2" name="1 Título"/>
-          <p:cNvSpPr>
-            <a:spLocks noGrp="1"/>
-          </p:cNvSpPr>
-          <p:nvPr>
-            <p:ph type="title"/>
-          </p:nvPr>
-        </p:nvSpPr>
-        <p:spPr/>
-        <p:txBody>
-          <a:bodyPr/>
-          <a:lstStyle/>
-          <a:p>
-            <a:r>
-              <a:rPr lang="es-AR" dirty="0" smtClean="0"/>
-              <a:t>DISEÑO: Tecnología</a:t>
-            </a:r>
-            <a:endParaRPr lang="es-AR" dirty="0"/>
-          </a:p>
-        </p:txBody>
-      </p:sp>
-      <p:sp>
-        <p:nvSpPr>
-          <p:cNvPr id="7" name="6 Marcador de contenido"/>
+          <p:cNvPr id="3" name="2 Marcador de contenido"/>
           <p:cNvSpPr>
             <a:spLocks noGrp="1"/>
           </p:cNvSpPr>
@@ -19286,167 +17389,62 @@
         </p:nvSpPr>
         <p:spPr>
           <a:xfrm>
-            <a:off x="251520" y="1600201"/>
-            <a:ext cx="4392488" cy="4709119"/>
+            <a:off x="457199" y="1816225"/>
+            <a:ext cx="4080933" cy="2215443"/>
           </a:xfrm>
         </p:spPr>
         <p:txBody>
-          <a:bodyPr>
-            <a:normAutofit/>
-          </a:bodyPr>
+          <a:bodyPr/>
           <a:lstStyle/>
           <a:p>
-            <a:r>
-              <a:rPr lang="es-AR" dirty="0" smtClean="0"/>
-              <a:t>MOSIS WAFER ACCEPTANCE TESTS </a:t>
-            </a:r>
-          </a:p>
-          <a:p>
-            <a:r>
-              <a:rPr lang="es-AR" dirty="0" err="1" smtClean="0"/>
-              <a:t>Run</a:t>
-            </a:r>
-            <a:r>
-              <a:rPr lang="es-AR" dirty="0" smtClean="0"/>
-              <a:t>: T96T (7RF_5LM_MA) </a:t>
-            </a:r>
-          </a:p>
-          <a:p>
-            <a:r>
-              <a:rPr lang="es-AR" dirty="0" err="1" smtClean="0"/>
-              <a:t>Vendor</a:t>
-            </a:r>
-            <a:r>
-              <a:rPr lang="es-AR" dirty="0" smtClean="0"/>
-              <a:t>: IBM-BURLINGTON </a:t>
-            </a:r>
-          </a:p>
-          <a:p>
-            <a:r>
-              <a:rPr lang="es-AR" dirty="0" err="1" smtClean="0"/>
-              <a:t>Technology</a:t>
-            </a:r>
-            <a:r>
-              <a:rPr lang="es-AR" dirty="0" smtClean="0"/>
-              <a:t>: SCN018 </a:t>
-            </a:r>
-          </a:p>
-          <a:p>
-            <a:r>
-              <a:rPr lang="es-AR" dirty="0" err="1" smtClean="0"/>
-              <a:t>Feature</a:t>
-            </a:r>
-            <a:r>
-              <a:rPr lang="es-AR" dirty="0" smtClean="0"/>
-              <a:t> </a:t>
-            </a:r>
-            <a:r>
-              <a:rPr lang="es-AR" dirty="0" err="1" smtClean="0"/>
-              <a:t>size</a:t>
-            </a:r>
-            <a:r>
-              <a:rPr lang="es-AR" dirty="0" smtClean="0"/>
-              <a:t>: 0.18 </a:t>
-            </a:r>
-            <a:r>
-              <a:rPr lang="es-AR" dirty="0" err="1" smtClean="0"/>
-              <a:t>microns</a:t>
-            </a:r>
-            <a:r>
-              <a:rPr lang="es-AR" dirty="0" smtClean="0"/>
-              <a:t> </a:t>
-            </a:r>
-          </a:p>
-          <a:p>
-            <a:r>
-              <a:rPr lang="es-AR" dirty="0" err="1" smtClean="0"/>
-              <a:t>Run</a:t>
-            </a:r>
-            <a:r>
-              <a:rPr lang="es-AR" dirty="0" smtClean="0"/>
-              <a:t> </a:t>
-            </a:r>
-            <a:r>
-              <a:rPr lang="es-AR" dirty="0" err="1" smtClean="0"/>
-              <a:t>type</a:t>
-            </a:r>
-            <a:r>
-              <a:rPr lang="es-AR" dirty="0" smtClean="0"/>
-              <a:t>: SKD</a:t>
-            </a:r>
             <a:endParaRPr lang="es-AR" dirty="0"/>
           </a:p>
         </p:txBody>
       </p:sp>
-      <p:pic>
-        <p:nvPicPr>
-          <p:cNvPr id="10" name="9 Marcador de contenido" descr="semiconductors_930x300.jpg"/>
-          <p:cNvPicPr>
-            <a:picLocks noGrp="1" noChangeAspect="1"/>
-          </p:cNvPicPr>
+      <p:graphicFrame>
+        <p:nvGraphicFramePr>
+          <p:cNvPr id="7" name="6 Marcador de contenido"/>
+          <p:cNvGraphicFramePr>
+            <a:graphicFrameLocks noGrp="1"/>
+          </p:cNvGraphicFramePr>
           <p:nvPr>
-            <p:ph sz="half" idx="2"/>
+            <p:ph sz="half" idx="13"/>
           </p:nvPr>
-        </p:nvPicPr>
-        <p:blipFill>
-          <a:blip r:embed="rId2" cstate="print"/>
-          <a:stretch>
-            <a:fillRect/>
-          </a:stretch>
-        </p:blipFill>
-        <p:spPr>
-          <a:xfrm>
-            <a:off x="4643438" y="4377839"/>
-            <a:ext cx="4043362" cy="1304310"/>
-          </a:xfrm>
-        </p:spPr>
-      </p:pic>
-      <p:pic>
-        <p:nvPicPr>
-          <p:cNvPr id="13" name="12 Marcador de contenido" descr="ibm1.jpg"/>
-          <p:cNvPicPr>
-            <a:picLocks noGrp="1" noChangeAspect="1"/>
-          </p:cNvPicPr>
+        </p:nvGraphicFramePr>
+        <p:xfrm>
+          <a:off x="4644008" y="1772816"/>
+          <a:ext cx="4042792" cy="4680520"/>
+        </p:xfrm>
+        <a:graphic>
+          <a:graphicData uri="http://schemas.openxmlformats.org/drawingml/2006/diagram">
+            <dgm:relIds xmlns:dgm="http://schemas.openxmlformats.org/drawingml/2006/diagram" xmlns:r="http://schemas.openxmlformats.org/officeDocument/2006/relationships" r:dm="rId3" r:lo="rId4" r:qs="rId5" r:cs="rId6"/>
+          </a:graphicData>
+        </a:graphic>
+      </p:graphicFrame>
+      <p:sp>
+        <p:nvSpPr>
+          <p:cNvPr id="5" name="4 Marcador de contenido"/>
+          <p:cNvSpPr>
+            <a:spLocks noGrp="1"/>
+          </p:cNvSpPr>
           <p:nvPr>
             <p:ph sz="half" idx="14"/>
           </p:nvPr>
-        </p:nvPicPr>
-        <p:blipFill>
-          <a:blip r:embed="rId3" cstate="print"/>
-          <a:stretch>
-            <a:fillRect/>
-          </a:stretch>
-        </p:blipFill>
+        </p:nvSpPr>
         <p:spPr>
           <a:xfrm>
-            <a:off x="6732588" y="1961956"/>
-            <a:ext cx="1952625" cy="1465651"/>
+            <a:off x="467544" y="4149080"/>
+            <a:ext cx="4042792" cy="2304256"/>
           </a:xfrm>
         </p:spPr>
-      </p:pic>
-      <p:pic>
-        <p:nvPicPr>
-          <p:cNvPr id="15" name="14 Marcador de contenido" descr="MOSIS-Figure3.gif"/>
-          <p:cNvPicPr>
-            <a:picLocks noGrp="1" noChangeAspect="1"/>
-          </p:cNvPicPr>
-          <p:nvPr>
-            <p:ph sz="half" idx="13"/>
-          </p:nvPr>
-        </p:nvPicPr>
-        <p:blipFill>
-          <a:blip r:embed="rId4" cstate="print"/>
-          <a:stretch>
-            <a:fillRect/>
-          </a:stretch>
-        </p:blipFill>
-        <p:spPr>
-          <a:xfrm>
-            <a:off x="4764440" y="1600200"/>
-            <a:ext cx="1702682" cy="2189163"/>
-          </a:xfrm>
-        </p:spPr>
-      </p:pic>
+        <p:txBody>
+          <a:bodyPr/>
+          <a:lstStyle/>
+          <a:p>
+            <a:endParaRPr lang="es-AR" dirty="0"/>
+          </a:p>
+        </p:txBody>
+      </p:sp>
     </p:spTree>
   </p:cSld>
   <p:clrMapOvr>

--- a/trunk/Documentation/Documentacion/PRESENTACION_FACU.pptx
+++ b/trunk/Documentation/Documentacion/PRESENTACION_FACU.pptx
@@ -2365,1500 +2365,6 @@
 </file>
 
 <file path=ppt/diagrams/colors4.xml><?xml version="1.0" encoding="utf-8"?>
-<dgm:colorsDef xmlns:dgm="http://schemas.openxmlformats.org/drawingml/2006/diagram" xmlns:a="http://schemas.openxmlformats.org/drawingml/2006/main" uniqueId="urn:microsoft.com/office/officeart/2005/8/colors/accent1_2">
-  <dgm:title val=""/>
-  <dgm:desc val=""/>
-  <dgm:catLst>
-    <dgm:cat type="accent1" pri="11200"/>
-  </dgm:catLst>
-  <dgm:styleLbl name="node0">
-    <dgm:fillClrLst meth="repeat">
-      <a:schemeClr val="accent1"/>
-    </dgm:fillClrLst>
-    <dgm:linClrLst meth="repeat">
-      <a:schemeClr val="lt1"/>
-    </dgm:linClrLst>
-    <dgm:effectClrLst/>
-    <dgm:txLinClrLst/>
-    <dgm:txFillClrLst/>
-    <dgm:txEffectClrLst/>
-  </dgm:styleLbl>
-  <dgm:styleLbl name="alignNode1">
-    <dgm:fillClrLst meth="repeat">
-      <a:schemeClr val="accent1"/>
-    </dgm:fillClrLst>
-    <dgm:linClrLst meth="repeat">
-      <a:schemeClr val="accent1"/>
-    </dgm:linClrLst>
-    <dgm:effectClrLst/>
-    <dgm:txLinClrLst/>
-    <dgm:txFillClrLst/>
-    <dgm:txEffectClrLst/>
-  </dgm:styleLbl>
-  <dgm:styleLbl name="node1">
-    <dgm:fillClrLst meth="repeat">
-      <a:schemeClr val="accent1"/>
-    </dgm:fillClrLst>
-    <dgm:linClrLst meth="repeat">
-      <a:schemeClr val="lt1"/>
-    </dgm:linClrLst>
-    <dgm:effectClrLst/>
-    <dgm:txLinClrLst/>
-    <dgm:txFillClrLst/>
-    <dgm:txEffectClrLst/>
-  </dgm:styleLbl>
-  <dgm:styleLbl name="lnNode1">
-    <dgm:fillClrLst meth="repeat">
-      <a:schemeClr val="accent1"/>
-    </dgm:fillClrLst>
-    <dgm:linClrLst meth="repeat">
-      <a:schemeClr val="lt1"/>
-    </dgm:linClrLst>
-    <dgm:effectClrLst/>
-    <dgm:txLinClrLst/>
-    <dgm:txFillClrLst/>
-    <dgm:txEffectClrLst/>
-  </dgm:styleLbl>
-  <dgm:styleLbl name="vennNode1">
-    <dgm:fillClrLst meth="repeat">
-      <a:schemeClr val="accent1">
-        <a:alpha val="50000"/>
-      </a:schemeClr>
-    </dgm:fillClrLst>
-    <dgm:linClrLst meth="repeat">
-      <a:schemeClr val="lt1"/>
-    </dgm:linClrLst>
-    <dgm:effectClrLst/>
-    <dgm:txLinClrLst/>
-    <dgm:txFillClrLst/>
-    <dgm:txEffectClrLst/>
-  </dgm:styleLbl>
-  <dgm:styleLbl name="node2">
-    <dgm:fillClrLst meth="repeat">
-      <a:schemeClr val="accent1"/>
-    </dgm:fillClrLst>
-    <dgm:linClrLst meth="repeat">
-      <a:schemeClr val="lt1"/>
-    </dgm:linClrLst>
-    <dgm:effectClrLst/>
-    <dgm:txLinClrLst/>
-    <dgm:txFillClrLst/>
-    <dgm:txEffectClrLst/>
-  </dgm:styleLbl>
-  <dgm:styleLbl name="node3">
-    <dgm:fillClrLst meth="repeat">
-      <a:schemeClr val="accent1"/>
-    </dgm:fillClrLst>
-    <dgm:linClrLst meth="repeat">
-      <a:schemeClr val="lt1"/>
-    </dgm:linClrLst>
-    <dgm:effectClrLst/>
-    <dgm:txLinClrLst/>
-    <dgm:txFillClrLst/>
-    <dgm:txEffectClrLst/>
-  </dgm:styleLbl>
-  <dgm:styleLbl name="node4">
-    <dgm:fillClrLst meth="repeat">
-      <a:schemeClr val="accent1"/>
-    </dgm:fillClrLst>
-    <dgm:linClrLst meth="repeat">
-      <a:schemeClr val="lt1"/>
-    </dgm:linClrLst>
-    <dgm:effectClrLst/>
-    <dgm:txLinClrLst/>
-    <dgm:txFillClrLst/>
-    <dgm:txEffectClrLst/>
-  </dgm:styleLbl>
-  <dgm:styleLbl name="fgImgPlace1">
-    <dgm:fillClrLst meth="repeat">
-      <a:schemeClr val="accent1">
-        <a:tint val="50000"/>
-      </a:schemeClr>
-    </dgm:fillClrLst>
-    <dgm:linClrLst meth="repeat">
-      <a:schemeClr val="lt1"/>
-    </dgm:linClrLst>
-    <dgm:effectClrLst/>
-    <dgm:txLinClrLst/>
-    <dgm:txFillClrLst meth="repeat">
-      <a:schemeClr val="lt1"/>
-    </dgm:txFillClrLst>
-    <dgm:txEffectClrLst/>
-  </dgm:styleLbl>
-  <dgm:styleLbl name="alignImgPlace1">
-    <dgm:fillClrLst meth="repeat">
-      <a:schemeClr val="accent1">
-        <a:tint val="50000"/>
-      </a:schemeClr>
-    </dgm:fillClrLst>
-    <dgm:linClrLst meth="repeat">
-      <a:schemeClr val="lt1"/>
-    </dgm:linClrLst>
-    <dgm:effectClrLst/>
-    <dgm:txLinClrLst/>
-    <dgm:txFillClrLst meth="repeat">
-      <a:schemeClr val="lt1"/>
-    </dgm:txFillClrLst>
-    <dgm:txEffectClrLst/>
-  </dgm:styleLbl>
-  <dgm:styleLbl name="bgImgPlace1">
-    <dgm:fillClrLst meth="repeat">
-      <a:schemeClr val="accent1">
-        <a:tint val="50000"/>
-      </a:schemeClr>
-    </dgm:fillClrLst>
-    <dgm:linClrLst meth="repeat">
-      <a:schemeClr val="lt1"/>
-    </dgm:linClrLst>
-    <dgm:effectClrLst/>
-    <dgm:txLinClrLst/>
-    <dgm:txFillClrLst meth="repeat">
-      <a:schemeClr val="lt1"/>
-    </dgm:txFillClrLst>
-    <dgm:txEffectClrLst/>
-  </dgm:styleLbl>
-  <dgm:styleLbl name="sibTrans2D1">
-    <dgm:fillClrLst meth="repeat">
-      <a:schemeClr val="accent1">
-        <a:tint val="60000"/>
-      </a:schemeClr>
-    </dgm:fillClrLst>
-    <dgm:linClrLst meth="repeat">
-      <a:schemeClr val="accent1">
-        <a:tint val="60000"/>
-      </a:schemeClr>
-    </dgm:linClrLst>
-    <dgm:effectClrLst/>
-    <dgm:txLinClrLst/>
-    <dgm:txFillClrLst/>
-    <dgm:txEffectClrLst/>
-  </dgm:styleLbl>
-  <dgm:styleLbl name="fgSibTrans2D1">
-    <dgm:fillClrLst meth="repeat">
-      <a:schemeClr val="accent1">
-        <a:tint val="60000"/>
-      </a:schemeClr>
-    </dgm:fillClrLst>
-    <dgm:linClrLst meth="repeat">
-      <a:schemeClr val="accent1">
-        <a:tint val="60000"/>
-      </a:schemeClr>
-    </dgm:linClrLst>
-    <dgm:effectClrLst/>
-    <dgm:txLinClrLst/>
-    <dgm:txFillClrLst/>
-    <dgm:txEffectClrLst/>
-  </dgm:styleLbl>
-  <dgm:styleLbl name="bgSibTrans2D1">
-    <dgm:fillClrLst meth="repeat">
-      <a:schemeClr val="accent1">
-        <a:tint val="60000"/>
-      </a:schemeClr>
-    </dgm:fillClrLst>
-    <dgm:linClrLst meth="repeat">
-      <a:schemeClr val="accent1">
-        <a:tint val="60000"/>
-      </a:schemeClr>
-    </dgm:linClrLst>
-    <dgm:effectClrLst/>
-    <dgm:txLinClrLst/>
-    <dgm:txFillClrLst/>
-    <dgm:txEffectClrLst/>
-  </dgm:styleLbl>
-  <dgm:styleLbl name="sibTrans1D1">
-    <dgm:fillClrLst meth="repeat">
-      <a:schemeClr val="accent1"/>
-    </dgm:fillClrLst>
-    <dgm:linClrLst meth="repeat">
-      <a:schemeClr val="accent1"/>
-    </dgm:linClrLst>
-    <dgm:effectClrLst/>
-    <dgm:txLinClrLst/>
-    <dgm:txFillClrLst meth="repeat">
-      <a:schemeClr val="tx1"/>
-    </dgm:txFillClrLst>
-    <dgm:txEffectClrLst/>
-  </dgm:styleLbl>
-  <dgm:styleLbl name="callout">
-    <dgm:fillClrLst meth="repeat">
-      <a:schemeClr val="accent1"/>
-    </dgm:fillClrLst>
-    <dgm:linClrLst meth="repeat">
-      <a:schemeClr val="accent1">
-        <a:tint val="50000"/>
-      </a:schemeClr>
-    </dgm:linClrLst>
-    <dgm:effectClrLst/>
-    <dgm:txLinClrLst/>
-    <dgm:txFillClrLst meth="repeat">
-      <a:schemeClr val="tx1"/>
-    </dgm:txFillClrLst>
-    <dgm:txEffectClrLst/>
-  </dgm:styleLbl>
-  <dgm:styleLbl name="asst0">
-    <dgm:fillClrLst meth="repeat">
-      <a:schemeClr val="accent1"/>
-    </dgm:fillClrLst>
-    <dgm:linClrLst meth="repeat">
-      <a:schemeClr val="lt1"/>
-    </dgm:linClrLst>
-    <dgm:effectClrLst/>
-    <dgm:txLinClrLst/>
-    <dgm:txFillClrLst/>
-    <dgm:txEffectClrLst/>
-  </dgm:styleLbl>
-  <dgm:styleLbl name="asst1">
-    <dgm:fillClrLst meth="repeat">
-      <a:schemeClr val="accent1"/>
-    </dgm:fillClrLst>
-    <dgm:linClrLst meth="repeat">
-      <a:schemeClr val="lt1"/>
-    </dgm:linClrLst>
-    <dgm:effectClrLst/>
-    <dgm:txLinClrLst/>
-    <dgm:txFillClrLst/>
-    <dgm:txEffectClrLst/>
-  </dgm:styleLbl>
-  <dgm:styleLbl name="asst2">
-    <dgm:fillClrLst meth="repeat">
-      <a:schemeClr val="accent1"/>
-    </dgm:fillClrLst>
-    <dgm:linClrLst meth="repeat">
-      <a:schemeClr val="lt1"/>
-    </dgm:linClrLst>
-    <dgm:effectClrLst/>
-    <dgm:txLinClrLst/>
-    <dgm:txFillClrLst/>
-    <dgm:txEffectClrLst/>
-  </dgm:styleLbl>
-  <dgm:styleLbl name="asst3">
-    <dgm:fillClrLst meth="repeat">
-      <a:schemeClr val="accent1"/>
-    </dgm:fillClrLst>
-    <dgm:linClrLst meth="repeat">
-      <a:schemeClr val="lt1"/>
-    </dgm:linClrLst>
-    <dgm:effectClrLst/>
-    <dgm:txLinClrLst/>
-    <dgm:txFillClrLst/>
-    <dgm:txEffectClrLst/>
-  </dgm:styleLbl>
-  <dgm:styleLbl name="asst4">
-    <dgm:fillClrLst meth="repeat">
-      <a:schemeClr val="accent1"/>
-    </dgm:fillClrLst>
-    <dgm:linClrLst meth="repeat">
-      <a:schemeClr val="lt1"/>
-    </dgm:linClrLst>
-    <dgm:effectClrLst/>
-    <dgm:txLinClrLst/>
-    <dgm:txFillClrLst/>
-    <dgm:txEffectClrLst/>
-  </dgm:styleLbl>
-  <dgm:styleLbl name="parChTrans2D1">
-    <dgm:fillClrLst meth="repeat">
-      <a:schemeClr val="accent1">
-        <a:tint val="60000"/>
-      </a:schemeClr>
-    </dgm:fillClrLst>
-    <dgm:linClrLst meth="repeat">
-      <a:schemeClr val="accent1">
-        <a:tint val="60000"/>
-      </a:schemeClr>
-    </dgm:linClrLst>
-    <dgm:effectClrLst/>
-    <dgm:txLinClrLst/>
-    <dgm:txFillClrLst meth="repeat">
-      <a:schemeClr val="lt1"/>
-    </dgm:txFillClrLst>
-    <dgm:txEffectClrLst/>
-  </dgm:styleLbl>
-  <dgm:styleLbl name="parChTrans2D2">
-    <dgm:fillClrLst meth="repeat">
-      <a:schemeClr val="accent1"/>
-    </dgm:fillClrLst>
-    <dgm:linClrLst meth="repeat">
-      <a:schemeClr val="accent1"/>
-    </dgm:linClrLst>
-    <dgm:effectClrLst/>
-    <dgm:txLinClrLst/>
-    <dgm:txFillClrLst meth="repeat">
-      <a:schemeClr val="lt1"/>
-    </dgm:txFillClrLst>
-    <dgm:txEffectClrLst/>
-  </dgm:styleLbl>
-  <dgm:styleLbl name="parChTrans2D3">
-    <dgm:fillClrLst meth="repeat">
-      <a:schemeClr val="accent1"/>
-    </dgm:fillClrLst>
-    <dgm:linClrLst meth="repeat">
-      <a:schemeClr val="accent1"/>
-    </dgm:linClrLst>
-    <dgm:effectClrLst/>
-    <dgm:txLinClrLst/>
-    <dgm:txFillClrLst meth="repeat">
-      <a:schemeClr val="lt1"/>
-    </dgm:txFillClrLst>
-    <dgm:txEffectClrLst/>
-  </dgm:styleLbl>
-  <dgm:styleLbl name="parChTrans2D4">
-    <dgm:fillClrLst meth="repeat">
-      <a:schemeClr val="accent1"/>
-    </dgm:fillClrLst>
-    <dgm:linClrLst meth="repeat">
-      <a:schemeClr val="accent1"/>
-    </dgm:linClrLst>
-    <dgm:effectClrLst/>
-    <dgm:txLinClrLst/>
-    <dgm:txFillClrLst meth="repeat">
-      <a:schemeClr val="lt1"/>
-    </dgm:txFillClrLst>
-    <dgm:txEffectClrLst/>
-  </dgm:styleLbl>
-  <dgm:styleLbl name="parChTrans1D1">
-    <dgm:fillClrLst meth="repeat">
-      <a:schemeClr val="accent1"/>
-    </dgm:fillClrLst>
-    <dgm:linClrLst meth="repeat">
-      <a:schemeClr val="accent1">
-        <a:shade val="60000"/>
-      </a:schemeClr>
-    </dgm:linClrLst>
-    <dgm:effectClrLst/>
-    <dgm:txLinClrLst/>
-    <dgm:txFillClrLst meth="repeat">
-      <a:schemeClr val="tx1"/>
-    </dgm:txFillClrLst>
-    <dgm:txEffectClrLst/>
-  </dgm:styleLbl>
-  <dgm:styleLbl name="parChTrans1D2">
-    <dgm:fillClrLst meth="repeat">
-      <a:schemeClr val="accent1"/>
-    </dgm:fillClrLst>
-    <dgm:linClrLst meth="repeat">
-      <a:schemeClr val="accent1">
-        <a:shade val="60000"/>
-      </a:schemeClr>
-    </dgm:linClrLst>
-    <dgm:effectClrLst/>
-    <dgm:txLinClrLst/>
-    <dgm:txFillClrLst meth="repeat">
-      <a:schemeClr val="tx1"/>
-    </dgm:txFillClrLst>
-    <dgm:txEffectClrLst/>
-  </dgm:styleLbl>
-  <dgm:styleLbl name="parChTrans1D3">
-    <dgm:fillClrLst meth="repeat">
-      <a:schemeClr val="accent1"/>
-    </dgm:fillClrLst>
-    <dgm:linClrLst meth="repeat">
-      <a:schemeClr val="accent1">
-        <a:shade val="80000"/>
-      </a:schemeClr>
-    </dgm:linClrLst>
-    <dgm:effectClrLst/>
-    <dgm:txLinClrLst/>
-    <dgm:txFillClrLst meth="repeat">
-      <a:schemeClr val="tx1"/>
-    </dgm:txFillClrLst>
-    <dgm:txEffectClrLst/>
-  </dgm:styleLbl>
-  <dgm:styleLbl name="parChTrans1D4">
-    <dgm:fillClrLst meth="repeat">
-      <a:schemeClr val="accent1"/>
-    </dgm:fillClrLst>
-    <dgm:linClrLst meth="repeat">
-      <a:schemeClr val="accent1">
-        <a:shade val="80000"/>
-      </a:schemeClr>
-    </dgm:linClrLst>
-    <dgm:effectClrLst/>
-    <dgm:txLinClrLst/>
-    <dgm:txFillClrLst meth="repeat">
-      <a:schemeClr val="tx1"/>
-    </dgm:txFillClrLst>
-    <dgm:txEffectClrLst/>
-  </dgm:styleLbl>
-  <dgm:styleLbl name="fgAcc1">
-    <dgm:fillClrLst meth="repeat">
-      <a:schemeClr val="lt1">
-        <a:alpha val="90000"/>
-      </a:schemeClr>
-    </dgm:fillClrLst>
-    <dgm:linClrLst meth="repeat">
-      <a:schemeClr val="accent1"/>
-    </dgm:linClrLst>
-    <dgm:effectClrLst/>
-    <dgm:txLinClrLst/>
-    <dgm:txFillClrLst meth="repeat">
-      <a:schemeClr val="dk1"/>
-    </dgm:txFillClrLst>
-    <dgm:txEffectClrLst/>
-  </dgm:styleLbl>
-  <dgm:styleLbl name="conFgAcc1">
-    <dgm:fillClrLst meth="repeat">
-      <a:schemeClr val="lt1">
-        <a:alpha val="90000"/>
-      </a:schemeClr>
-    </dgm:fillClrLst>
-    <dgm:linClrLst meth="repeat">
-      <a:schemeClr val="accent1"/>
-    </dgm:linClrLst>
-    <dgm:effectClrLst/>
-    <dgm:txLinClrLst/>
-    <dgm:txFillClrLst meth="repeat">
-      <a:schemeClr val="dk1"/>
-    </dgm:txFillClrLst>
-    <dgm:txEffectClrLst/>
-  </dgm:styleLbl>
-  <dgm:styleLbl name="alignAcc1">
-    <dgm:fillClrLst meth="repeat">
-      <a:schemeClr val="lt1">
-        <a:alpha val="90000"/>
-      </a:schemeClr>
-    </dgm:fillClrLst>
-    <dgm:linClrLst meth="repeat">
-      <a:schemeClr val="accent1"/>
-    </dgm:linClrLst>
-    <dgm:effectClrLst/>
-    <dgm:txLinClrLst/>
-    <dgm:txFillClrLst meth="repeat">
-      <a:schemeClr val="dk1"/>
-    </dgm:txFillClrLst>
-    <dgm:txEffectClrLst/>
-  </dgm:styleLbl>
-  <dgm:styleLbl name="trAlignAcc1">
-    <dgm:fillClrLst meth="repeat">
-      <a:schemeClr val="lt1">
-        <a:alpha val="40000"/>
-      </a:schemeClr>
-    </dgm:fillClrLst>
-    <dgm:linClrLst meth="repeat">
-      <a:schemeClr val="accent1"/>
-    </dgm:linClrLst>
-    <dgm:effectClrLst/>
-    <dgm:txLinClrLst/>
-    <dgm:txFillClrLst meth="repeat">
-      <a:schemeClr val="dk1"/>
-    </dgm:txFillClrLst>
-    <dgm:txEffectClrLst/>
-  </dgm:styleLbl>
-  <dgm:styleLbl name="bgAcc1">
-    <dgm:fillClrLst meth="repeat">
-      <a:schemeClr val="lt1">
-        <a:alpha val="90000"/>
-      </a:schemeClr>
-    </dgm:fillClrLst>
-    <dgm:linClrLst meth="repeat">
-      <a:schemeClr val="accent1"/>
-    </dgm:linClrLst>
-    <dgm:effectClrLst/>
-    <dgm:txLinClrLst/>
-    <dgm:txFillClrLst meth="repeat">
-      <a:schemeClr val="dk1"/>
-    </dgm:txFillClrLst>
-    <dgm:txEffectClrLst/>
-  </dgm:styleLbl>
-  <dgm:styleLbl name="solidFgAcc1">
-    <dgm:fillClrLst meth="repeat">
-      <a:schemeClr val="lt1"/>
-    </dgm:fillClrLst>
-    <dgm:linClrLst meth="repeat">
-      <a:schemeClr val="accent1"/>
-    </dgm:linClrLst>
-    <dgm:effectClrLst/>
-    <dgm:txLinClrLst/>
-    <dgm:txFillClrLst meth="repeat">
-      <a:schemeClr val="dk1"/>
-    </dgm:txFillClrLst>
-    <dgm:txEffectClrLst/>
-  </dgm:styleLbl>
-  <dgm:styleLbl name="solidAlignAcc1">
-    <dgm:fillClrLst meth="repeat">
-      <a:schemeClr val="lt1"/>
-    </dgm:fillClrLst>
-    <dgm:linClrLst meth="repeat">
-      <a:schemeClr val="accent1"/>
-    </dgm:linClrLst>
-    <dgm:effectClrLst/>
-    <dgm:txLinClrLst/>
-    <dgm:txFillClrLst meth="repeat">
-      <a:schemeClr val="dk1"/>
-    </dgm:txFillClrLst>
-    <dgm:txEffectClrLst/>
-  </dgm:styleLbl>
-  <dgm:styleLbl name="solidBgAcc1">
-    <dgm:fillClrLst meth="repeat">
-      <a:schemeClr val="lt1"/>
-    </dgm:fillClrLst>
-    <dgm:linClrLst meth="repeat">
-      <a:schemeClr val="accent1"/>
-    </dgm:linClrLst>
-    <dgm:effectClrLst/>
-    <dgm:txLinClrLst/>
-    <dgm:txFillClrLst meth="repeat">
-      <a:schemeClr val="dk1"/>
-    </dgm:txFillClrLst>
-    <dgm:txEffectClrLst/>
-  </dgm:styleLbl>
-  <dgm:styleLbl name="fgAccFollowNode1">
-    <dgm:fillClrLst meth="repeat">
-      <a:schemeClr val="accent1">
-        <a:alpha val="90000"/>
-        <a:tint val="40000"/>
-      </a:schemeClr>
-    </dgm:fillClrLst>
-    <dgm:linClrLst meth="repeat">
-      <a:schemeClr val="accent1">
-        <a:alpha val="90000"/>
-        <a:tint val="40000"/>
-      </a:schemeClr>
-    </dgm:linClrLst>
-    <dgm:effectClrLst/>
-    <dgm:txLinClrLst/>
-    <dgm:txFillClrLst meth="repeat">
-      <a:schemeClr val="dk1"/>
-    </dgm:txFillClrLst>
-    <dgm:txEffectClrLst/>
-  </dgm:styleLbl>
-  <dgm:styleLbl name="alignAccFollowNode1">
-    <dgm:fillClrLst meth="repeat">
-      <a:schemeClr val="accent1">
-        <a:alpha val="90000"/>
-        <a:tint val="40000"/>
-      </a:schemeClr>
-    </dgm:fillClrLst>
-    <dgm:linClrLst meth="repeat">
-      <a:schemeClr val="accent1">
-        <a:alpha val="90000"/>
-        <a:tint val="40000"/>
-      </a:schemeClr>
-    </dgm:linClrLst>
-    <dgm:effectClrLst/>
-    <dgm:txLinClrLst/>
-    <dgm:txFillClrLst meth="repeat">
-      <a:schemeClr val="dk1"/>
-    </dgm:txFillClrLst>
-    <dgm:txEffectClrLst/>
-  </dgm:styleLbl>
-  <dgm:styleLbl name="bgAccFollowNode1">
-    <dgm:fillClrLst meth="repeat">
-      <a:schemeClr val="accent1">
-        <a:alpha val="90000"/>
-        <a:tint val="40000"/>
-      </a:schemeClr>
-    </dgm:fillClrLst>
-    <dgm:linClrLst meth="repeat">
-      <a:schemeClr val="accent1">
-        <a:alpha val="90000"/>
-        <a:tint val="40000"/>
-      </a:schemeClr>
-    </dgm:linClrLst>
-    <dgm:effectClrLst/>
-    <dgm:txLinClrLst/>
-    <dgm:txFillClrLst meth="repeat">
-      <a:schemeClr val="dk1"/>
-    </dgm:txFillClrLst>
-    <dgm:txEffectClrLst/>
-  </dgm:styleLbl>
-  <dgm:styleLbl name="fgAcc0">
-    <dgm:fillClrLst meth="repeat">
-      <a:schemeClr val="lt1">
-        <a:alpha val="90000"/>
-      </a:schemeClr>
-    </dgm:fillClrLst>
-    <dgm:linClrLst meth="repeat">
-      <a:schemeClr val="accent1"/>
-    </dgm:linClrLst>
-    <dgm:effectClrLst/>
-    <dgm:txLinClrLst/>
-    <dgm:txFillClrLst meth="repeat">
-      <a:schemeClr val="dk1"/>
-    </dgm:txFillClrLst>
-    <dgm:txEffectClrLst/>
-  </dgm:styleLbl>
-  <dgm:styleLbl name="fgAcc2">
-    <dgm:fillClrLst meth="repeat">
-      <a:schemeClr val="lt1">
-        <a:alpha val="90000"/>
-      </a:schemeClr>
-    </dgm:fillClrLst>
-    <dgm:linClrLst meth="repeat">
-      <a:schemeClr val="accent1"/>
-    </dgm:linClrLst>
-    <dgm:effectClrLst/>
-    <dgm:txLinClrLst/>
-    <dgm:txFillClrLst meth="repeat">
-      <a:schemeClr val="dk1"/>
-    </dgm:txFillClrLst>
-    <dgm:txEffectClrLst/>
-  </dgm:styleLbl>
-  <dgm:styleLbl name="fgAcc3">
-    <dgm:fillClrLst meth="repeat">
-      <a:schemeClr val="lt1">
-        <a:alpha val="90000"/>
-      </a:schemeClr>
-    </dgm:fillClrLst>
-    <dgm:linClrLst meth="repeat">
-      <a:schemeClr val="accent1"/>
-    </dgm:linClrLst>
-    <dgm:effectClrLst/>
-    <dgm:txLinClrLst/>
-    <dgm:txFillClrLst meth="repeat">
-      <a:schemeClr val="dk1"/>
-    </dgm:txFillClrLst>
-    <dgm:txEffectClrLst/>
-  </dgm:styleLbl>
-  <dgm:styleLbl name="fgAcc4">
-    <dgm:fillClrLst meth="repeat">
-      <a:schemeClr val="lt1">
-        <a:alpha val="90000"/>
-      </a:schemeClr>
-    </dgm:fillClrLst>
-    <dgm:linClrLst meth="repeat">
-      <a:schemeClr val="accent1"/>
-    </dgm:linClrLst>
-    <dgm:effectClrLst/>
-    <dgm:txLinClrLst/>
-    <dgm:txFillClrLst meth="repeat">
-      <a:schemeClr val="dk1"/>
-    </dgm:txFillClrLst>
-    <dgm:txEffectClrLst/>
-  </dgm:styleLbl>
-  <dgm:styleLbl name="bgShp">
-    <dgm:fillClrLst meth="repeat">
-      <a:schemeClr val="accent1">
-        <a:tint val="40000"/>
-      </a:schemeClr>
-    </dgm:fillClrLst>
-    <dgm:linClrLst meth="repeat">
-      <a:schemeClr val="accent1"/>
-    </dgm:linClrLst>
-    <dgm:effectClrLst/>
-    <dgm:txLinClrLst/>
-    <dgm:txFillClrLst meth="repeat">
-      <a:schemeClr val="dk1"/>
-    </dgm:txFillClrLst>
-    <dgm:txEffectClrLst/>
-  </dgm:styleLbl>
-  <dgm:styleLbl name="dkBgShp">
-    <dgm:fillClrLst meth="repeat">
-      <a:schemeClr val="accent1">
-        <a:shade val="80000"/>
-      </a:schemeClr>
-    </dgm:fillClrLst>
-    <dgm:linClrLst meth="repeat">
-      <a:schemeClr val="accent1"/>
-    </dgm:linClrLst>
-    <dgm:effectClrLst/>
-    <dgm:txLinClrLst/>
-    <dgm:txFillClrLst meth="repeat">
-      <a:schemeClr val="lt1"/>
-    </dgm:txFillClrLst>
-    <dgm:txEffectClrLst/>
-  </dgm:styleLbl>
-  <dgm:styleLbl name="trBgShp">
-    <dgm:fillClrLst meth="repeat">
-      <a:schemeClr val="accent1">
-        <a:tint val="50000"/>
-        <a:alpha val="40000"/>
-      </a:schemeClr>
-    </dgm:fillClrLst>
-    <dgm:linClrLst meth="repeat">
-      <a:schemeClr val="accent1"/>
-    </dgm:linClrLst>
-    <dgm:effectClrLst/>
-    <dgm:txLinClrLst/>
-    <dgm:txFillClrLst meth="repeat">
-      <a:schemeClr val="lt1"/>
-    </dgm:txFillClrLst>
-    <dgm:txEffectClrLst/>
-  </dgm:styleLbl>
-  <dgm:styleLbl name="fgShp">
-    <dgm:fillClrLst meth="repeat">
-      <a:schemeClr val="accent1">
-        <a:tint val="60000"/>
-      </a:schemeClr>
-    </dgm:fillClrLst>
-    <dgm:linClrLst meth="repeat">
-      <a:schemeClr val="lt1"/>
-    </dgm:linClrLst>
-    <dgm:effectClrLst/>
-    <dgm:txLinClrLst/>
-    <dgm:txFillClrLst meth="repeat">
-      <a:schemeClr val="dk1"/>
-    </dgm:txFillClrLst>
-    <dgm:txEffectClrLst/>
-  </dgm:styleLbl>
-  <dgm:styleLbl name="revTx">
-    <dgm:fillClrLst meth="repeat">
-      <a:schemeClr val="lt1">
-        <a:alpha val="0"/>
-      </a:schemeClr>
-    </dgm:fillClrLst>
-    <dgm:linClrLst meth="repeat">
-      <a:schemeClr val="dk1">
-        <a:alpha val="0"/>
-      </a:schemeClr>
-    </dgm:linClrLst>
-    <dgm:effectClrLst/>
-    <dgm:txLinClrLst/>
-    <dgm:txFillClrLst meth="repeat">
-      <a:schemeClr val="tx1"/>
-    </dgm:txFillClrLst>
-    <dgm:txEffectClrLst/>
-  </dgm:styleLbl>
-</dgm:colorsDef>
-</file>
-
-<file path=ppt/diagrams/colors5.xml><?xml version="1.0" encoding="utf-8"?>
-<dgm:colorsDef xmlns:dgm="http://schemas.openxmlformats.org/drawingml/2006/diagram" xmlns:a="http://schemas.openxmlformats.org/drawingml/2006/main" uniqueId="urn:microsoft.com/office/officeart/2005/8/colors/accent1_2">
-  <dgm:title val=""/>
-  <dgm:desc val=""/>
-  <dgm:catLst>
-    <dgm:cat type="accent1" pri="11200"/>
-  </dgm:catLst>
-  <dgm:styleLbl name="node0">
-    <dgm:fillClrLst meth="repeat">
-      <a:schemeClr val="accent1"/>
-    </dgm:fillClrLst>
-    <dgm:linClrLst meth="repeat">
-      <a:schemeClr val="lt1"/>
-    </dgm:linClrLst>
-    <dgm:effectClrLst/>
-    <dgm:txLinClrLst/>
-    <dgm:txFillClrLst/>
-    <dgm:txEffectClrLst/>
-  </dgm:styleLbl>
-  <dgm:styleLbl name="alignNode1">
-    <dgm:fillClrLst meth="repeat">
-      <a:schemeClr val="accent1"/>
-    </dgm:fillClrLst>
-    <dgm:linClrLst meth="repeat">
-      <a:schemeClr val="accent1"/>
-    </dgm:linClrLst>
-    <dgm:effectClrLst/>
-    <dgm:txLinClrLst/>
-    <dgm:txFillClrLst/>
-    <dgm:txEffectClrLst/>
-  </dgm:styleLbl>
-  <dgm:styleLbl name="node1">
-    <dgm:fillClrLst meth="repeat">
-      <a:schemeClr val="accent1"/>
-    </dgm:fillClrLst>
-    <dgm:linClrLst meth="repeat">
-      <a:schemeClr val="lt1"/>
-    </dgm:linClrLst>
-    <dgm:effectClrLst/>
-    <dgm:txLinClrLst/>
-    <dgm:txFillClrLst/>
-    <dgm:txEffectClrLst/>
-  </dgm:styleLbl>
-  <dgm:styleLbl name="lnNode1">
-    <dgm:fillClrLst meth="repeat">
-      <a:schemeClr val="accent1"/>
-    </dgm:fillClrLst>
-    <dgm:linClrLst meth="repeat">
-      <a:schemeClr val="lt1"/>
-    </dgm:linClrLst>
-    <dgm:effectClrLst/>
-    <dgm:txLinClrLst/>
-    <dgm:txFillClrLst/>
-    <dgm:txEffectClrLst/>
-  </dgm:styleLbl>
-  <dgm:styleLbl name="vennNode1">
-    <dgm:fillClrLst meth="repeat">
-      <a:schemeClr val="accent1">
-        <a:alpha val="50000"/>
-      </a:schemeClr>
-    </dgm:fillClrLst>
-    <dgm:linClrLst meth="repeat">
-      <a:schemeClr val="lt1"/>
-    </dgm:linClrLst>
-    <dgm:effectClrLst/>
-    <dgm:txLinClrLst/>
-    <dgm:txFillClrLst/>
-    <dgm:txEffectClrLst/>
-  </dgm:styleLbl>
-  <dgm:styleLbl name="node2">
-    <dgm:fillClrLst meth="repeat">
-      <a:schemeClr val="accent1"/>
-    </dgm:fillClrLst>
-    <dgm:linClrLst meth="repeat">
-      <a:schemeClr val="lt1"/>
-    </dgm:linClrLst>
-    <dgm:effectClrLst/>
-    <dgm:txLinClrLst/>
-    <dgm:txFillClrLst/>
-    <dgm:txEffectClrLst/>
-  </dgm:styleLbl>
-  <dgm:styleLbl name="node3">
-    <dgm:fillClrLst meth="repeat">
-      <a:schemeClr val="accent1"/>
-    </dgm:fillClrLst>
-    <dgm:linClrLst meth="repeat">
-      <a:schemeClr val="lt1"/>
-    </dgm:linClrLst>
-    <dgm:effectClrLst/>
-    <dgm:txLinClrLst/>
-    <dgm:txFillClrLst/>
-    <dgm:txEffectClrLst/>
-  </dgm:styleLbl>
-  <dgm:styleLbl name="node4">
-    <dgm:fillClrLst meth="repeat">
-      <a:schemeClr val="accent1"/>
-    </dgm:fillClrLst>
-    <dgm:linClrLst meth="repeat">
-      <a:schemeClr val="lt1"/>
-    </dgm:linClrLst>
-    <dgm:effectClrLst/>
-    <dgm:txLinClrLst/>
-    <dgm:txFillClrLst/>
-    <dgm:txEffectClrLst/>
-  </dgm:styleLbl>
-  <dgm:styleLbl name="fgImgPlace1">
-    <dgm:fillClrLst meth="repeat">
-      <a:schemeClr val="accent1">
-        <a:tint val="50000"/>
-      </a:schemeClr>
-    </dgm:fillClrLst>
-    <dgm:linClrLst meth="repeat">
-      <a:schemeClr val="lt1"/>
-    </dgm:linClrLst>
-    <dgm:effectClrLst/>
-    <dgm:txLinClrLst/>
-    <dgm:txFillClrLst meth="repeat">
-      <a:schemeClr val="lt1"/>
-    </dgm:txFillClrLst>
-    <dgm:txEffectClrLst/>
-  </dgm:styleLbl>
-  <dgm:styleLbl name="alignImgPlace1">
-    <dgm:fillClrLst meth="repeat">
-      <a:schemeClr val="accent1">
-        <a:tint val="50000"/>
-      </a:schemeClr>
-    </dgm:fillClrLst>
-    <dgm:linClrLst meth="repeat">
-      <a:schemeClr val="lt1"/>
-    </dgm:linClrLst>
-    <dgm:effectClrLst/>
-    <dgm:txLinClrLst/>
-    <dgm:txFillClrLst meth="repeat">
-      <a:schemeClr val="lt1"/>
-    </dgm:txFillClrLst>
-    <dgm:txEffectClrLst/>
-  </dgm:styleLbl>
-  <dgm:styleLbl name="bgImgPlace1">
-    <dgm:fillClrLst meth="repeat">
-      <a:schemeClr val="accent1">
-        <a:tint val="50000"/>
-      </a:schemeClr>
-    </dgm:fillClrLst>
-    <dgm:linClrLst meth="repeat">
-      <a:schemeClr val="lt1"/>
-    </dgm:linClrLst>
-    <dgm:effectClrLst/>
-    <dgm:txLinClrLst/>
-    <dgm:txFillClrLst meth="repeat">
-      <a:schemeClr val="lt1"/>
-    </dgm:txFillClrLst>
-    <dgm:txEffectClrLst/>
-  </dgm:styleLbl>
-  <dgm:styleLbl name="sibTrans2D1">
-    <dgm:fillClrLst meth="repeat">
-      <a:schemeClr val="accent1">
-        <a:tint val="60000"/>
-      </a:schemeClr>
-    </dgm:fillClrLst>
-    <dgm:linClrLst meth="repeat">
-      <a:schemeClr val="accent1">
-        <a:tint val="60000"/>
-      </a:schemeClr>
-    </dgm:linClrLst>
-    <dgm:effectClrLst/>
-    <dgm:txLinClrLst/>
-    <dgm:txFillClrLst/>
-    <dgm:txEffectClrLst/>
-  </dgm:styleLbl>
-  <dgm:styleLbl name="fgSibTrans2D1">
-    <dgm:fillClrLst meth="repeat">
-      <a:schemeClr val="accent1">
-        <a:tint val="60000"/>
-      </a:schemeClr>
-    </dgm:fillClrLst>
-    <dgm:linClrLst meth="repeat">
-      <a:schemeClr val="accent1">
-        <a:tint val="60000"/>
-      </a:schemeClr>
-    </dgm:linClrLst>
-    <dgm:effectClrLst/>
-    <dgm:txLinClrLst/>
-    <dgm:txFillClrLst/>
-    <dgm:txEffectClrLst/>
-  </dgm:styleLbl>
-  <dgm:styleLbl name="bgSibTrans2D1">
-    <dgm:fillClrLst meth="repeat">
-      <a:schemeClr val="accent1">
-        <a:tint val="60000"/>
-      </a:schemeClr>
-    </dgm:fillClrLst>
-    <dgm:linClrLst meth="repeat">
-      <a:schemeClr val="accent1">
-        <a:tint val="60000"/>
-      </a:schemeClr>
-    </dgm:linClrLst>
-    <dgm:effectClrLst/>
-    <dgm:txLinClrLst/>
-    <dgm:txFillClrLst/>
-    <dgm:txEffectClrLst/>
-  </dgm:styleLbl>
-  <dgm:styleLbl name="sibTrans1D1">
-    <dgm:fillClrLst meth="repeat">
-      <a:schemeClr val="accent1"/>
-    </dgm:fillClrLst>
-    <dgm:linClrLst meth="repeat">
-      <a:schemeClr val="accent1"/>
-    </dgm:linClrLst>
-    <dgm:effectClrLst/>
-    <dgm:txLinClrLst/>
-    <dgm:txFillClrLst meth="repeat">
-      <a:schemeClr val="tx1"/>
-    </dgm:txFillClrLst>
-    <dgm:txEffectClrLst/>
-  </dgm:styleLbl>
-  <dgm:styleLbl name="callout">
-    <dgm:fillClrLst meth="repeat">
-      <a:schemeClr val="accent1"/>
-    </dgm:fillClrLst>
-    <dgm:linClrLst meth="repeat">
-      <a:schemeClr val="accent1">
-        <a:tint val="50000"/>
-      </a:schemeClr>
-    </dgm:linClrLst>
-    <dgm:effectClrLst/>
-    <dgm:txLinClrLst/>
-    <dgm:txFillClrLst meth="repeat">
-      <a:schemeClr val="tx1"/>
-    </dgm:txFillClrLst>
-    <dgm:txEffectClrLst/>
-  </dgm:styleLbl>
-  <dgm:styleLbl name="asst0">
-    <dgm:fillClrLst meth="repeat">
-      <a:schemeClr val="accent1"/>
-    </dgm:fillClrLst>
-    <dgm:linClrLst meth="repeat">
-      <a:schemeClr val="lt1"/>
-    </dgm:linClrLst>
-    <dgm:effectClrLst/>
-    <dgm:txLinClrLst/>
-    <dgm:txFillClrLst/>
-    <dgm:txEffectClrLst/>
-  </dgm:styleLbl>
-  <dgm:styleLbl name="asst1">
-    <dgm:fillClrLst meth="repeat">
-      <a:schemeClr val="accent1"/>
-    </dgm:fillClrLst>
-    <dgm:linClrLst meth="repeat">
-      <a:schemeClr val="lt1"/>
-    </dgm:linClrLst>
-    <dgm:effectClrLst/>
-    <dgm:txLinClrLst/>
-    <dgm:txFillClrLst/>
-    <dgm:txEffectClrLst/>
-  </dgm:styleLbl>
-  <dgm:styleLbl name="asst2">
-    <dgm:fillClrLst meth="repeat">
-      <a:schemeClr val="accent1"/>
-    </dgm:fillClrLst>
-    <dgm:linClrLst meth="repeat">
-      <a:schemeClr val="lt1"/>
-    </dgm:linClrLst>
-    <dgm:effectClrLst/>
-    <dgm:txLinClrLst/>
-    <dgm:txFillClrLst/>
-    <dgm:txEffectClrLst/>
-  </dgm:styleLbl>
-  <dgm:styleLbl name="asst3">
-    <dgm:fillClrLst meth="repeat">
-      <a:schemeClr val="accent1"/>
-    </dgm:fillClrLst>
-    <dgm:linClrLst meth="repeat">
-      <a:schemeClr val="lt1"/>
-    </dgm:linClrLst>
-    <dgm:effectClrLst/>
-    <dgm:txLinClrLst/>
-    <dgm:txFillClrLst/>
-    <dgm:txEffectClrLst/>
-  </dgm:styleLbl>
-  <dgm:styleLbl name="asst4">
-    <dgm:fillClrLst meth="repeat">
-      <a:schemeClr val="accent1"/>
-    </dgm:fillClrLst>
-    <dgm:linClrLst meth="repeat">
-      <a:schemeClr val="lt1"/>
-    </dgm:linClrLst>
-    <dgm:effectClrLst/>
-    <dgm:txLinClrLst/>
-    <dgm:txFillClrLst/>
-    <dgm:txEffectClrLst/>
-  </dgm:styleLbl>
-  <dgm:styleLbl name="parChTrans2D1">
-    <dgm:fillClrLst meth="repeat">
-      <a:schemeClr val="accent1">
-        <a:tint val="60000"/>
-      </a:schemeClr>
-    </dgm:fillClrLst>
-    <dgm:linClrLst meth="repeat">
-      <a:schemeClr val="accent1">
-        <a:tint val="60000"/>
-      </a:schemeClr>
-    </dgm:linClrLst>
-    <dgm:effectClrLst/>
-    <dgm:txLinClrLst/>
-    <dgm:txFillClrLst meth="repeat">
-      <a:schemeClr val="lt1"/>
-    </dgm:txFillClrLst>
-    <dgm:txEffectClrLst/>
-  </dgm:styleLbl>
-  <dgm:styleLbl name="parChTrans2D2">
-    <dgm:fillClrLst meth="repeat">
-      <a:schemeClr val="accent1"/>
-    </dgm:fillClrLst>
-    <dgm:linClrLst meth="repeat">
-      <a:schemeClr val="accent1"/>
-    </dgm:linClrLst>
-    <dgm:effectClrLst/>
-    <dgm:txLinClrLst/>
-    <dgm:txFillClrLst meth="repeat">
-      <a:schemeClr val="lt1"/>
-    </dgm:txFillClrLst>
-    <dgm:txEffectClrLst/>
-  </dgm:styleLbl>
-  <dgm:styleLbl name="parChTrans2D3">
-    <dgm:fillClrLst meth="repeat">
-      <a:schemeClr val="accent1"/>
-    </dgm:fillClrLst>
-    <dgm:linClrLst meth="repeat">
-      <a:schemeClr val="accent1"/>
-    </dgm:linClrLst>
-    <dgm:effectClrLst/>
-    <dgm:txLinClrLst/>
-    <dgm:txFillClrLst meth="repeat">
-      <a:schemeClr val="lt1"/>
-    </dgm:txFillClrLst>
-    <dgm:txEffectClrLst/>
-  </dgm:styleLbl>
-  <dgm:styleLbl name="parChTrans2D4">
-    <dgm:fillClrLst meth="repeat">
-      <a:schemeClr val="accent1"/>
-    </dgm:fillClrLst>
-    <dgm:linClrLst meth="repeat">
-      <a:schemeClr val="accent1"/>
-    </dgm:linClrLst>
-    <dgm:effectClrLst/>
-    <dgm:txLinClrLst/>
-    <dgm:txFillClrLst meth="repeat">
-      <a:schemeClr val="lt1"/>
-    </dgm:txFillClrLst>
-    <dgm:txEffectClrLst/>
-  </dgm:styleLbl>
-  <dgm:styleLbl name="parChTrans1D1">
-    <dgm:fillClrLst meth="repeat">
-      <a:schemeClr val="accent1"/>
-    </dgm:fillClrLst>
-    <dgm:linClrLst meth="repeat">
-      <a:schemeClr val="accent1">
-        <a:shade val="60000"/>
-      </a:schemeClr>
-    </dgm:linClrLst>
-    <dgm:effectClrLst/>
-    <dgm:txLinClrLst/>
-    <dgm:txFillClrLst meth="repeat">
-      <a:schemeClr val="tx1"/>
-    </dgm:txFillClrLst>
-    <dgm:txEffectClrLst/>
-  </dgm:styleLbl>
-  <dgm:styleLbl name="parChTrans1D2">
-    <dgm:fillClrLst meth="repeat">
-      <a:schemeClr val="accent1"/>
-    </dgm:fillClrLst>
-    <dgm:linClrLst meth="repeat">
-      <a:schemeClr val="accent1">
-        <a:shade val="60000"/>
-      </a:schemeClr>
-    </dgm:linClrLst>
-    <dgm:effectClrLst/>
-    <dgm:txLinClrLst/>
-    <dgm:txFillClrLst meth="repeat">
-      <a:schemeClr val="tx1"/>
-    </dgm:txFillClrLst>
-    <dgm:txEffectClrLst/>
-  </dgm:styleLbl>
-  <dgm:styleLbl name="parChTrans1D3">
-    <dgm:fillClrLst meth="repeat">
-      <a:schemeClr val="accent1"/>
-    </dgm:fillClrLst>
-    <dgm:linClrLst meth="repeat">
-      <a:schemeClr val="accent1">
-        <a:shade val="80000"/>
-      </a:schemeClr>
-    </dgm:linClrLst>
-    <dgm:effectClrLst/>
-    <dgm:txLinClrLst/>
-    <dgm:txFillClrLst meth="repeat">
-      <a:schemeClr val="tx1"/>
-    </dgm:txFillClrLst>
-    <dgm:txEffectClrLst/>
-  </dgm:styleLbl>
-  <dgm:styleLbl name="parChTrans1D4">
-    <dgm:fillClrLst meth="repeat">
-      <a:schemeClr val="accent1"/>
-    </dgm:fillClrLst>
-    <dgm:linClrLst meth="repeat">
-      <a:schemeClr val="accent1">
-        <a:shade val="80000"/>
-      </a:schemeClr>
-    </dgm:linClrLst>
-    <dgm:effectClrLst/>
-    <dgm:txLinClrLst/>
-    <dgm:txFillClrLst meth="repeat">
-      <a:schemeClr val="tx1"/>
-    </dgm:txFillClrLst>
-    <dgm:txEffectClrLst/>
-  </dgm:styleLbl>
-  <dgm:styleLbl name="fgAcc1">
-    <dgm:fillClrLst meth="repeat">
-      <a:schemeClr val="lt1">
-        <a:alpha val="90000"/>
-      </a:schemeClr>
-    </dgm:fillClrLst>
-    <dgm:linClrLst meth="repeat">
-      <a:schemeClr val="accent1"/>
-    </dgm:linClrLst>
-    <dgm:effectClrLst/>
-    <dgm:txLinClrLst/>
-    <dgm:txFillClrLst meth="repeat">
-      <a:schemeClr val="dk1"/>
-    </dgm:txFillClrLst>
-    <dgm:txEffectClrLst/>
-  </dgm:styleLbl>
-  <dgm:styleLbl name="conFgAcc1">
-    <dgm:fillClrLst meth="repeat">
-      <a:schemeClr val="lt1">
-        <a:alpha val="90000"/>
-      </a:schemeClr>
-    </dgm:fillClrLst>
-    <dgm:linClrLst meth="repeat">
-      <a:schemeClr val="accent1"/>
-    </dgm:linClrLst>
-    <dgm:effectClrLst/>
-    <dgm:txLinClrLst/>
-    <dgm:txFillClrLst meth="repeat">
-      <a:schemeClr val="dk1"/>
-    </dgm:txFillClrLst>
-    <dgm:txEffectClrLst/>
-  </dgm:styleLbl>
-  <dgm:styleLbl name="alignAcc1">
-    <dgm:fillClrLst meth="repeat">
-      <a:schemeClr val="lt1">
-        <a:alpha val="90000"/>
-      </a:schemeClr>
-    </dgm:fillClrLst>
-    <dgm:linClrLst meth="repeat">
-      <a:schemeClr val="accent1"/>
-    </dgm:linClrLst>
-    <dgm:effectClrLst/>
-    <dgm:txLinClrLst/>
-    <dgm:txFillClrLst meth="repeat">
-      <a:schemeClr val="dk1"/>
-    </dgm:txFillClrLst>
-    <dgm:txEffectClrLst/>
-  </dgm:styleLbl>
-  <dgm:styleLbl name="trAlignAcc1">
-    <dgm:fillClrLst meth="repeat">
-      <a:schemeClr val="lt1">
-        <a:alpha val="40000"/>
-      </a:schemeClr>
-    </dgm:fillClrLst>
-    <dgm:linClrLst meth="repeat">
-      <a:schemeClr val="accent1"/>
-    </dgm:linClrLst>
-    <dgm:effectClrLst/>
-    <dgm:txLinClrLst/>
-    <dgm:txFillClrLst meth="repeat">
-      <a:schemeClr val="dk1"/>
-    </dgm:txFillClrLst>
-    <dgm:txEffectClrLst/>
-  </dgm:styleLbl>
-  <dgm:styleLbl name="bgAcc1">
-    <dgm:fillClrLst meth="repeat">
-      <a:schemeClr val="lt1">
-        <a:alpha val="90000"/>
-      </a:schemeClr>
-    </dgm:fillClrLst>
-    <dgm:linClrLst meth="repeat">
-      <a:schemeClr val="accent1"/>
-    </dgm:linClrLst>
-    <dgm:effectClrLst/>
-    <dgm:txLinClrLst/>
-    <dgm:txFillClrLst meth="repeat">
-      <a:schemeClr val="dk1"/>
-    </dgm:txFillClrLst>
-    <dgm:txEffectClrLst/>
-  </dgm:styleLbl>
-  <dgm:styleLbl name="solidFgAcc1">
-    <dgm:fillClrLst meth="repeat">
-      <a:schemeClr val="lt1"/>
-    </dgm:fillClrLst>
-    <dgm:linClrLst meth="repeat">
-      <a:schemeClr val="accent1"/>
-    </dgm:linClrLst>
-    <dgm:effectClrLst/>
-    <dgm:txLinClrLst/>
-    <dgm:txFillClrLst meth="repeat">
-      <a:schemeClr val="dk1"/>
-    </dgm:txFillClrLst>
-    <dgm:txEffectClrLst/>
-  </dgm:styleLbl>
-  <dgm:styleLbl name="solidAlignAcc1">
-    <dgm:fillClrLst meth="repeat">
-      <a:schemeClr val="lt1"/>
-    </dgm:fillClrLst>
-    <dgm:linClrLst meth="repeat">
-      <a:schemeClr val="accent1"/>
-    </dgm:linClrLst>
-    <dgm:effectClrLst/>
-    <dgm:txLinClrLst/>
-    <dgm:txFillClrLst meth="repeat">
-      <a:schemeClr val="dk1"/>
-    </dgm:txFillClrLst>
-    <dgm:txEffectClrLst/>
-  </dgm:styleLbl>
-  <dgm:styleLbl name="solidBgAcc1">
-    <dgm:fillClrLst meth="repeat">
-      <a:schemeClr val="lt1"/>
-    </dgm:fillClrLst>
-    <dgm:linClrLst meth="repeat">
-      <a:schemeClr val="accent1"/>
-    </dgm:linClrLst>
-    <dgm:effectClrLst/>
-    <dgm:txLinClrLst/>
-    <dgm:txFillClrLst meth="repeat">
-      <a:schemeClr val="dk1"/>
-    </dgm:txFillClrLst>
-    <dgm:txEffectClrLst/>
-  </dgm:styleLbl>
-  <dgm:styleLbl name="fgAccFollowNode1">
-    <dgm:fillClrLst meth="repeat">
-      <a:schemeClr val="accent1">
-        <a:alpha val="90000"/>
-        <a:tint val="40000"/>
-      </a:schemeClr>
-    </dgm:fillClrLst>
-    <dgm:linClrLst meth="repeat">
-      <a:schemeClr val="accent1">
-        <a:alpha val="90000"/>
-        <a:tint val="40000"/>
-      </a:schemeClr>
-    </dgm:linClrLst>
-    <dgm:effectClrLst/>
-    <dgm:txLinClrLst/>
-    <dgm:txFillClrLst meth="repeat">
-      <a:schemeClr val="dk1"/>
-    </dgm:txFillClrLst>
-    <dgm:txEffectClrLst/>
-  </dgm:styleLbl>
-  <dgm:styleLbl name="alignAccFollowNode1">
-    <dgm:fillClrLst meth="repeat">
-      <a:schemeClr val="accent1">
-        <a:alpha val="90000"/>
-        <a:tint val="40000"/>
-      </a:schemeClr>
-    </dgm:fillClrLst>
-    <dgm:linClrLst meth="repeat">
-      <a:schemeClr val="accent1">
-        <a:alpha val="90000"/>
-        <a:tint val="40000"/>
-      </a:schemeClr>
-    </dgm:linClrLst>
-    <dgm:effectClrLst/>
-    <dgm:txLinClrLst/>
-    <dgm:txFillClrLst meth="repeat">
-      <a:schemeClr val="dk1"/>
-    </dgm:txFillClrLst>
-    <dgm:txEffectClrLst/>
-  </dgm:styleLbl>
-  <dgm:styleLbl name="bgAccFollowNode1">
-    <dgm:fillClrLst meth="repeat">
-      <a:schemeClr val="accent1">
-        <a:alpha val="90000"/>
-        <a:tint val="40000"/>
-      </a:schemeClr>
-    </dgm:fillClrLst>
-    <dgm:linClrLst meth="repeat">
-      <a:schemeClr val="accent1">
-        <a:alpha val="90000"/>
-        <a:tint val="40000"/>
-      </a:schemeClr>
-    </dgm:linClrLst>
-    <dgm:effectClrLst/>
-    <dgm:txLinClrLst/>
-    <dgm:txFillClrLst meth="repeat">
-      <a:schemeClr val="dk1"/>
-    </dgm:txFillClrLst>
-    <dgm:txEffectClrLst/>
-  </dgm:styleLbl>
-  <dgm:styleLbl name="fgAcc0">
-    <dgm:fillClrLst meth="repeat">
-      <a:schemeClr val="lt1">
-        <a:alpha val="90000"/>
-      </a:schemeClr>
-    </dgm:fillClrLst>
-    <dgm:linClrLst meth="repeat">
-      <a:schemeClr val="accent1"/>
-    </dgm:linClrLst>
-    <dgm:effectClrLst/>
-    <dgm:txLinClrLst/>
-    <dgm:txFillClrLst meth="repeat">
-      <a:schemeClr val="dk1"/>
-    </dgm:txFillClrLst>
-    <dgm:txEffectClrLst/>
-  </dgm:styleLbl>
-  <dgm:styleLbl name="fgAcc2">
-    <dgm:fillClrLst meth="repeat">
-      <a:schemeClr val="lt1">
-        <a:alpha val="90000"/>
-      </a:schemeClr>
-    </dgm:fillClrLst>
-    <dgm:linClrLst meth="repeat">
-      <a:schemeClr val="accent1"/>
-    </dgm:linClrLst>
-    <dgm:effectClrLst/>
-    <dgm:txLinClrLst/>
-    <dgm:txFillClrLst meth="repeat">
-      <a:schemeClr val="dk1"/>
-    </dgm:txFillClrLst>
-    <dgm:txEffectClrLst/>
-  </dgm:styleLbl>
-  <dgm:styleLbl name="fgAcc3">
-    <dgm:fillClrLst meth="repeat">
-      <a:schemeClr val="lt1">
-        <a:alpha val="90000"/>
-      </a:schemeClr>
-    </dgm:fillClrLst>
-    <dgm:linClrLst meth="repeat">
-      <a:schemeClr val="accent1"/>
-    </dgm:linClrLst>
-    <dgm:effectClrLst/>
-    <dgm:txLinClrLst/>
-    <dgm:txFillClrLst meth="repeat">
-      <a:schemeClr val="dk1"/>
-    </dgm:txFillClrLst>
-    <dgm:txEffectClrLst/>
-  </dgm:styleLbl>
-  <dgm:styleLbl name="fgAcc4">
-    <dgm:fillClrLst meth="repeat">
-      <a:schemeClr val="lt1">
-        <a:alpha val="90000"/>
-      </a:schemeClr>
-    </dgm:fillClrLst>
-    <dgm:linClrLst meth="repeat">
-      <a:schemeClr val="accent1"/>
-    </dgm:linClrLst>
-    <dgm:effectClrLst/>
-    <dgm:txLinClrLst/>
-    <dgm:txFillClrLst meth="repeat">
-      <a:schemeClr val="dk1"/>
-    </dgm:txFillClrLst>
-    <dgm:txEffectClrLst/>
-  </dgm:styleLbl>
-  <dgm:styleLbl name="bgShp">
-    <dgm:fillClrLst meth="repeat">
-      <a:schemeClr val="accent1">
-        <a:tint val="40000"/>
-      </a:schemeClr>
-    </dgm:fillClrLst>
-    <dgm:linClrLst meth="repeat">
-      <a:schemeClr val="accent1"/>
-    </dgm:linClrLst>
-    <dgm:effectClrLst/>
-    <dgm:txLinClrLst/>
-    <dgm:txFillClrLst meth="repeat">
-      <a:schemeClr val="dk1"/>
-    </dgm:txFillClrLst>
-    <dgm:txEffectClrLst/>
-  </dgm:styleLbl>
-  <dgm:styleLbl name="dkBgShp">
-    <dgm:fillClrLst meth="repeat">
-      <a:schemeClr val="accent1">
-        <a:shade val="80000"/>
-      </a:schemeClr>
-    </dgm:fillClrLst>
-    <dgm:linClrLst meth="repeat">
-      <a:schemeClr val="accent1"/>
-    </dgm:linClrLst>
-    <dgm:effectClrLst/>
-    <dgm:txLinClrLst/>
-    <dgm:txFillClrLst meth="repeat">
-      <a:schemeClr val="lt1"/>
-    </dgm:txFillClrLst>
-    <dgm:txEffectClrLst/>
-  </dgm:styleLbl>
-  <dgm:styleLbl name="trBgShp">
-    <dgm:fillClrLst meth="repeat">
-      <a:schemeClr val="accent1">
-        <a:tint val="50000"/>
-        <a:alpha val="40000"/>
-      </a:schemeClr>
-    </dgm:fillClrLst>
-    <dgm:linClrLst meth="repeat">
-      <a:schemeClr val="accent1"/>
-    </dgm:linClrLst>
-    <dgm:effectClrLst/>
-    <dgm:txLinClrLst/>
-    <dgm:txFillClrLst meth="repeat">
-      <a:schemeClr val="lt1"/>
-    </dgm:txFillClrLst>
-    <dgm:txEffectClrLst/>
-  </dgm:styleLbl>
-  <dgm:styleLbl name="fgShp">
-    <dgm:fillClrLst meth="repeat">
-      <a:schemeClr val="accent1">
-        <a:tint val="60000"/>
-      </a:schemeClr>
-    </dgm:fillClrLst>
-    <dgm:linClrLst meth="repeat">
-      <a:schemeClr val="lt1"/>
-    </dgm:linClrLst>
-    <dgm:effectClrLst/>
-    <dgm:txLinClrLst/>
-    <dgm:txFillClrLst meth="repeat">
-      <a:schemeClr val="dk1"/>
-    </dgm:txFillClrLst>
-    <dgm:txEffectClrLst/>
-  </dgm:styleLbl>
-  <dgm:styleLbl name="revTx">
-    <dgm:fillClrLst meth="repeat">
-      <a:schemeClr val="lt1">
-        <a:alpha val="0"/>
-      </a:schemeClr>
-    </dgm:fillClrLst>
-    <dgm:linClrLst meth="repeat">
-      <a:schemeClr val="dk1">
-        <a:alpha val="0"/>
-      </a:schemeClr>
-    </dgm:linClrLst>
-    <dgm:effectClrLst/>
-    <dgm:txLinClrLst/>
-    <dgm:txFillClrLst meth="repeat">
-      <a:schemeClr val="tx1"/>
-    </dgm:txFillClrLst>
-    <dgm:txEffectClrLst/>
-  </dgm:styleLbl>
-</dgm:colorsDef>
-</file>
-
-<file path=ppt/diagrams/colors6.xml><?xml version="1.0" encoding="utf-8"?>
 <dgm:colorsDef xmlns:dgm="http://schemas.openxmlformats.org/drawingml/2006/diagram" xmlns:a="http://schemas.openxmlformats.org/drawingml/2006/main" uniqueId="urn:microsoft.com/office/officeart/2005/8/colors/accent1_2">
   <dgm:title val=""/>
   <dgm:desc val=""/>
@@ -7121,83 +5627,7 @@
     </dgm:pt>
   </dgm:ptLst>
   <dgm:cxnLst>
-    <dgm:cxn modelId="{C5FBEFF0-E813-4ECB-B1CF-8FA6B0F27A74}" type="presOf" srcId="{0ED985B0-F992-41C0-A0DF-DB763467528A}" destId="{93AF6EB4-FCC1-4634-9951-E885EACF7BB2}" srcOrd="0" destOrd="0" presId="urn:microsoft.com/office/officeart/2005/8/layout/hList2"/>
-  </dgm:cxnLst>
-  <dgm:bg/>
-  <dgm:whole/>
-  <dgm:extLst>
-    <a:ext uri="http://schemas.microsoft.com/office/drawing/2008/diagram">
-      <dsp:dataModelExt xmlns:dsp="http://schemas.microsoft.com/office/drawing/2008/diagram" xmlns="" relId="rId6" minVer="http://schemas.openxmlformats.org/drawingml/2006/diagram"/>
-    </a:ext>
-  </dgm:extLst>
-</dgm:dataModel>
-</file>
-
-<file path=ppt/diagrams/data5.xml><?xml version="1.0" encoding="utf-8"?>
-<dgm:dataModel xmlns:dgm="http://schemas.openxmlformats.org/drawingml/2006/diagram" xmlns:a="http://schemas.openxmlformats.org/drawingml/2006/main">
-  <dgm:ptLst>
-    <dgm:pt modelId="{0ED985B0-F992-41C0-A0DF-DB763467528A}" type="doc">
-      <dgm:prSet loTypeId="urn:microsoft.com/office/officeart/2005/8/layout/hList2" loCatId="relationship" qsTypeId="urn:microsoft.com/office/officeart/2005/8/quickstyle/simple4" qsCatId="simple" csTypeId="urn:microsoft.com/office/officeart/2005/8/colors/accent1_2" csCatId="accent1" phldr="1"/>
-      <dgm:spPr/>
-      <dgm:t>
-        <a:bodyPr/>
-        <a:lstStyle/>
-        <a:p>
-          <a:endParaRPr lang="es-AR"/>
-        </a:p>
-      </dgm:t>
-    </dgm:pt>
-    <dgm:pt modelId="{93AF6EB4-FCC1-4634-9951-E885EACF7BB2}" type="pres">
-      <dgm:prSet presAssocID="{0ED985B0-F992-41C0-A0DF-DB763467528A}" presName="linearFlow" presStyleCnt="0">
-        <dgm:presLayoutVars>
-          <dgm:dir/>
-          <dgm:animLvl val="lvl"/>
-          <dgm:resizeHandles/>
-        </dgm:presLayoutVars>
-      </dgm:prSet>
-      <dgm:spPr/>
-    </dgm:pt>
-  </dgm:ptLst>
-  <dgm:cxnLst>
     <dgm:cxn modelId="{94CA5325-1E14-4241-9C21-4BE5562DA9CC}" type="presOf" srcId="{0ED985B0-F992-41C0-A0DF-DB763467528A}" destId="{93AF6EB4-FCC1-4634-9951-E885EACF7BB2}" srcOrd="0" destOrd="0" presId="urn:microsoft.com/office/officeart/2005/8/layout/hList2"/>
-  </dgm:cxnLst>
-  <dgm:bg/>
-  <dgm:whole/>
-  <dgm:extLst>
-    <a:ext uri="http://schemas.microsoft.com/office/drawing/2008/diagram">
-      <dsp:dataModelExt xmlns:dsp="http://schemas.microsoft.com/office/drawing/2008/diagram" xmlns="" relId="rId6" minVer="http://schemas.openxmlformats.org/drawingml/2006/diagram"/>
-    </a:ext>
-  </dgm:extLst>
-</dgm:dataModel>
-</file>
-
-<file path=ppt/diagrams/data6.xml><?xml version="1.0" encoding="utf-8"?>
-<dgm:dataModel xmlns:dgm="http://schemas.openxmlformats.org/drawingml/2006/diagram" xmlns:a="http://schemas.openxmlformats.org/drawingml/2006/main">
-  <dgm:ptLst>
-    <dgm:pt modelId="{0ED985B0-F992-41C0-A0DF-DB763467528A}" type="doc">
-      <dgm:prSet loTypeId="urn:microsoft.com/office/officeart/2005/8/layout/hList2" loCatId="relationship" qsTypeId="urn:microsoft.com/office/officeart/2005/8/quickstyle/simple4" qsCatId="simple" csTypeId="urn:microsoft.com/office/officeart/2005/8/colors/accent1_2" csCatId="accent1" phldr="1"/>
-      <dgm:spPr/>
-      <dgm:t>
-        <a:bodyPr/>
-        <a:lstStyle/>
-        <a:p>
-          <a:endParaRPr lang="es-AR"/>
-        </a:p>
-      </dgm:t>
-    </dgm:pt>
-    <dgm:pt modelId="{93AF6EB4-FCC1-4634-9951-E885EACF7BB2}" type="pres">
-      <dgm:prSet presAssocID="{0ED985B0-F992-41C0-A0DF-DB763467528A}" presName="linearFlow" presStyleCnt="0">
-        <dgm:presLayoutVars>
-          <dgm:dir/>
-          <dgm:animLvl val="lvl"/>
-          <dgm:resizeHandles/>
-        </dgm:presLayoutVars>
-      </dgm:prSet>
-      <dgm:spPr/>
-    </dgm:pt>
-  </dgm:ptLst>
-  <dgm:cxnLst>
-    <dgm:cxn modelId="{0E3A33A2-D405-4785-84A7-C242109E3B68}" type="presOf" srcId="{0ED985B0-F992-41C0-A0DF-DB763467528A}" destId="{93AF6EB4-FCC1-4634-9951-E885EACF7BB2}" srcOrd="0" destOrd="0" presId="urn:microsoft.com/office/officeart/2005/8/layout/hList2"/>
   </dgm:cxnLst>
   <dgm:bg/>
   <dgm:whole/>
@@ -9874,30 +8304,6 @@
 </dsp:drawing>
 </file>
 
-<file path=ppt/diagrams/drawing5.xml><?xml version="1.0" encoding="utf-8"?>
-<dsp:drawing xmlns:dgm="http://schemas.openxmlformats.org/drawingml/2006/diagram" xmlns:a="http://schemas.openxmlformats.org/drawingml/2006/main" xmlns:dsp="http://schemas.microsoft.com/office/drawing/2008/diagram">
-  <dsp:spTree>
-    <dsp:nvGrpSpPr>
-      <dsp:cNvPr id="0" name=""/>
-      <dsp:cNvGrpSpPr/>
-    </dsp:nvGrpSpPr>
-    <dsp:grpSpPr/>
-  </dsp:spTree>
-</dsp:drawing>
-</file>
-
-<file path=ppt/diagrams/drawing6.xml><?xml version="1.0" encoding="utf-8"?>
-<dsp:drawing xmlns:dgm="http://schemas.openxmlformats.org/drawingml/2006/diagram" xmlns:a="http://schemas.openxmlformats.org/drawingml/2006/main" xmlns:dsp="http://schemas.microsoft.com/office/drawing/2008/diagram">
-  <dsp:spTree>
-    <dsp:nvGrpSpPr>
-      <dsp:cNvPr id="0" name=""/>
-      <dsp:cNvGrpSpPr/>
-    </dsp:nvGrpSpPr>
-    <dsp:grpSpPr/>
-  </dsp:spTree>
-</dsp:drawing>
-</file>
-
 <file path=ppt/diagrams/layout1.xml><?xml version="1.0" encoding="utf-8"?>
 <dgm:layoutDef xmlns:dgm="http://schemas.openxmlformats.org/drawingml/2006/diagram" xmlns:a="http://schemas.openxmlformats.org/drawingml/2006/main" uniqueId="urn:microsoft.com/office/officeart/2005/8/layout/vList2">
   <dgm:title val=""/>
@@ -10798,572 +9204,6 @@
 </dgm:layoutDef>
 </file>
 
-<file path=ppt/diagrams/layout5.xml><?xml version="1.0" encoding="utf-8"?>
-<dgm:layoutDef xmlns:dgm="http://schemas.openxmlformats.org/drawingml/2006/diagram" xmlns:a="http://schemas.openxmlformats.org/drawingml/2006/main" uniqueId="urn:microsoft.com/office/officeart/2005/8/layout/hList2">
-  <dgm:title val=""/>
-  <dgm:desc val=""/>
-  <dgm:catLst>
-    <dgm:cat type="list" pri="6000"/>
-    <dgm:cat type="relationship" pri="16000"/>
-  </dgm:catLst>
-  <dgm:sampData>
-    <dgm:dataModel>
-      <dgm:ptLst>
-        <dgm:pt modelId="0" type="doc"/>
-        <dgm:pt modelId="1">
-          <dgm:prSet phldr="1"/>
-        </dgm:pt>
-        <dgm:pt modelId="11">
-          <dgm:prSet phldr="1"/>
-        </dgm:pt>
-        <dgm:pt modelId="12">
-          <dgm:prSet phldr="1"/>
-        </dgm:pt>
-        <dgm:pt modelId="2">
-          <dgm:prSet phldr="1"/>
-        </dgm:pt>
-        <dgm:pt modelId="21">
-          <dgm:prSet phldr="1"/>
-        </dgm:pt>
-        <dgm:pt modelId="22">
-          <dgm:prSet phldr="1"/>
-        </dgm:pt>
-        <dgm:pt modelId="3">
-          <dgm:prSet phldr="1"/>
-        </dgm:pt>
-        <dgm:pt modelId="31">
-          <dgm:prSet phldr="1"/>
-        </dgm:pt>
-        <dgm:pt modelId="32">
-          <dgm:prSet phldr="1"/>
-        </dgm:pt>
-      </dgm:ptLst>
-      <dgm:cxnLst>
-        <dgm:cxn modelId="4" srcId="0" destId="1" srcOrd="0" destOrd="0"/>
-        <dgm:cxn modelId="5" srcId="0" destId="2" srcOrd="1" destOrd="0"/>
-        <dgm:cxn modelId="6" srcId="0" destId="3" srcOrd="2" destOrd="0"/>
-        <dgm:cxn modelId="13" srcId="1" destId="11" srcOrd="0" destOrd="0"/>
-        <dgm:cxn modelId="14" srcId="1" destId="12" srcOrd="1" destOrd="0"/>
-        <dgm:cxn modelId="23" srcId="2" destId="21" srcOrd="0" destOrd="0"/>
-        <dgm:cxn modelId="24" srcId="2" destId="22" srcOrd="1" destOrd="0"/>
-        <dgm:cxn modelId="33" srcId="3" destId="31" srcOrd="0" destOrd="0"/>
-        <dgm:cxn modelId="34" srcId="3" destId="32" srcOrd="1" destOrd="0"/>
-      </dgm:cxnLst>
-      <dgm:bg/>
-      <dgm:whole/>
-    </dgm:dataModel>
-  </dgm:sampData>
-  <dgm:styleData>
-    <dgm:dataModel>
-      <dgm:ptLst>
-        <dgm:pt modelId="0" type="doc"/>
-        <dgm:pt modelId="1"/>
-        <dgm:pt modelId="11"/>
-        <dgm:pt modelId="2"/>
-        <dgm:pt modelId="21"/>
-      </dgm:ptLst>
-      <dgm:cxnLst>
-        <dgm:cxn modelId="4" srcId="0" destId="1" srcOrd="0" destOrd="0"/>
-        <dgm:cxn modelId="5" srcId="0" destId="2" srcOrd="1" destOrd="0"/>
-        <dgm:cxn modelId="13" srcId="1" destId="11" srcOrd="0" destOrd="0"/>
-        <dgm:cxn modelId="23" srcId="2" destId="21" srcOrd="0" destOrd="0"/>
-      </dgm:cxnLst>
-      <dgm:bg/>
-      <dgm:whole/>
-    </dgm:dataModel>
-  </dgm:styleData>
-  <dgm:clrData>
-    <dgm:dataModel>
-      <dgm:ptLst>
-        <dgm:pt modelId="0" type="doc"/>
-        <dgm:pt modelId="1"/>
-        <dgm:pt modelId="11"/>
-        <dgm:pt modelId="2"/>
-        <dgm:pt modelId="21"/>
-        <dgm:pt modelId="3"/>
-        <dgm:pt modelId="31"/>
-        <dgm:pt modelId="4"/>
-        <dgm:pt modelId="41"/>
-      </dgm:ptLst>
-      <dgm:cxnLst>
-        <dgm:cxn modelId="5" srcId="0" destId="1" srcOrd="0" destOrd="0"/>
-        <dgm:cxn modelId="6" srcId="0" destId="2" srcOrd="1" destOrd="0"/>
-        <dgm:cxn modelId="7" srcId="0" destId="3" srcOrd="2" destOrd="0"/>
-        <dgm:cxn modelId="8" srcId="0" destId="4" srcOrd="3" destOrd="0"/>
-        <dgm:cxn modelId="13" srcId="1" destId="11" srcOrd="0" destOrd="0"/>
-        <dgm:cxn modelId="23" srcId="2" destId="21" srcOrd="0" destOrd="0"/>
-        <dgm:cxn modelId="33" srcId="3" destId="31" srcOrd="0" destOrd="0"/>
-        <dgm:cxn modelId="43" srcId="4" destId="41" srcOrd="0" destOrd="0"/>
-      </dgm:cxnLst>
-      <dgm:bg/>
-      <dgm:whole/>
-    </dgm:dataModel>
-  </dgm:clrData>
-  <dgm:layoutNode name="linearFlow">
-    <dgm:varLst>
-      <dgm:dir/>
-      <dgm:animLvl val="lvl"/>
-      <dgm:resizeHandles/>
-    </dgm:varLst>
-    <dgm:choose name="Name0">
-      <dgm:if name="Name1" func="var" arg="dir" op="equ" val="norm">
-        <dgm:alg type="lin">
-          <dgm:param type="linDir" val="fromL"/>
-          <dgm:param type="nodeVertAlign" val="t"/>
-        </dgm:alg>
-      </dgm:if>
-      <dgm:else name="Name2">
-        <dgm:alg type="lin">
-          <dgm:param type="linDir" val="fromR"/>
-          <dgm:param type="nodeVertAlign" val="t"/>
-        </dgm:alg>
-      </dgm:else>
-    </dgm:choose>
-    <dgm:shape xmlns:r="http://schemas.openxmlformats.org/officeDocument/2006/relationships" r:blip="">
-      <dgm:adjLst/>
-    </dgm:shape>
-    <dgm:presOf/>
-    <dgm:constrLst>
-      <dgm:constr type="w" for="ch" forName="compositeNode" refType="w"/>
-      <dgm:constr type="h" for="ch" forName="compositeNode" refType="h"/>
-      <dgm:constr type="w" for="ch" forName="sibTrans" refType="w" refFor="ch" refForName="compositeNode" op="equ" fact="0.2"/>
-      <dgm:constr type="h" for="des" forName="childNode" op="equ"/>
-      <dgm:constr type="w" for="des" forName="childNode" op="equ"/>
-      <dgm:constr type="w" for="des" forName="parentNode" op="equ"/>
-      <dgm:constr type="h" for="des" forName="image" op="equ"/>
-      <dgm:constr type="w" for="des" forName="image" op="equ"/>
-      <dgm:constr type="primFontSz" for="des" forName="parentNode" op="equ" val="65"/>
-      <dgm:constr type="primFontSz" for="des" forName="childNode" op="equ" val="65"/>
-    </dgm:constrLst>
-    <dgm:ruleLst/>
-    <dgm:forEach name="Name3" axis="ch" ptType="node">
-      <dgm:layoutNode name="compositeNode">
-        <dgm:varLst>
-          <dgm:bulletEnabled val="1"/>
-        </dgm:varLst>
-        <dgm:alg type="composite"/>
-        <dgm:presOf/>
-        <dgm:choose name="Name4">
-          <dgm:if name="Name5" func="var" arg="dir" op="equ" val="norm">
-            <dgm:constrLst>
-              <dgm:constr type="w" for="ch" forName="image" refType="w"/>
-              <dgm:constr type="h" for="ch" forName="image" refType="h"/>
-              <dgm:constr type="h" for="ch" forName="image" refType="w" refFor="ch" refForName="image" op="lte"/>
-              <dgm:constr type="w" for="ch" forName="image" refType="h" refFor="ch" refForName="image" op="lte"/>
-              <dgm:constr type="w" for="ch" forName="image" refType="w" op="lte" fact="0.33"/>
-              <dgm:constr type="h" for="ch" forName="image" refType="h" op="lte" fact="0.33"/>
-              <dgm:constr type="t" for="ch" forName="image"/>
-              <dgm:constr type="l" for="ch" forName="image"/>
-              <dgm:constr type="w" for="ch" forName="childNode" refType="w" fact="0.85"/>
-              <dgm:constr type="h" for="ch" forName="childNode" refType="h" fact="0.78"/>
-              <dgm:constr type="t" for="ch" forName="childNode" refType="h" refFor="ch" refForName="image" fact="0.66"/>
-              <dgm:constr type="l" for="ch" forName="childNode" refType="w" refFor="ch" refForName="image" fact="0.5"/>
-              <dgm:constr type="tMarg" for="ch" forName="childNode" refType="w" refFor="ch" refForName="image" fact="1.25"/>
-              <dgm:constr type="t" for="ch" forName="parentNode" refType="h" refFor="ch" refForName="image" fact="0.66"/>
-              <dgm:constr type="b" for="ch" forName="parentNode" refType="b" refFor="ch" refForName="childNode"/>
-              <dgm:constr type="l" for="ch" forName="parentNode"/>
-              <dgm:constr type="r" for="ch" forName="parentNode" refType="l" refFor="ch" refForName="childNode"/>
-              <dgm:constr type="rMarg" for="ch" forName="parentNode" refType="w" refFor="ch" refForName="image" fact="1.25"/>
-            </dgm:constrLst>
-          </dgm:if>
-          <dgm:else name="Name6">
-            <dgm:constrLst>
-              <dgm:constr type="w" for="ch" forName="image" refType="w"/>
-              <dgm:constr type="h" for="ch" forName="image" refType="h"/>
-              <dgm:constr type="h" for="ch" forName="image" refType="w" refFor="ch" refForName="image" op="lte"/>
-              <dgm:constr type="w" for="ch" forName="image" refType="h" refFor="ch" refForName="image" op="lte"/>
-              <dgm:constr type="w" for="ch" forName="image" refType="w" op="lte" fact="0.33"/>
-              <dgm:constr type="h" for="ch" forName="image" refType="h" op="lte" fact="0.33"/>
-              <dgm:constr type="t" for="ch" forName="image"/>
-              <dgm:constr type="r" for="ch" forName="image" refType="w"/>
-              <dgm:constr type="w" for="ch" forName="childNode" refType="w" fact="0.85"/>
-              <dgm:constr type="h" for="ch" forName="childNode" refType="h" fact="0.78"/>
-              <dgm:constr type="t" for="ch" forName="childNode" refType="h" refFor="ch" refForName="image" fact="0.66"/>
-              <dgm:constr type="r" for="ch" forName="childNode" refType="w"/>
-              <dgm:constr type="rOff" for="ch" forName="childNode" refType="w" refFor="ch" refForName="image" fact="-0.5"/>
-              <dgm:constr type="tMarg" for="ch" forName="childNode" refType="w" refFor="ch" refForName="image" fact="1.25"/>
-              <dgm:constr type="t" for="ch" forName="parentNode" refType="h" refFor="ch" refForName="image" fact="0.66"/>
-              <dgm:constr type="b" for="ch" forName="parentNode" refType="b" refFor="ch" refForName="childNode"/>
-              <dgm:constr type="r" for="ch" forName="parentNode" refType="w"/>
-              <dgm:constr type="l" for="ch" forName="parentNode" refType="r" refFor="ch" refForName="childNode"/>
-              <dgm:constr type="lOff" for="ch" forName="parentNode" refType="rOff" refFor="ch" refForName="childNode"/>
-              <dgm:constr type="lMarg" for="ch" forName="parentNode" refType="w" refFor="ch" refForName="image" fact="1.25"/>
-            </dgm:constrLst>
-          </dgm:else>
-        </dgm:choose>
-        <dgm:ruleLst>
-          <dgm:rule type="w" for="ch" forName="childNode" val="NaN" fact="0.4" max="NaN"/>
-          <dgm:rule type="h" for="ch" forName="childNode" val="NaN" fact="0.5" max="NaN"/>
-        </dgm:ruleLst>
-        <dgm:layoutNode name="image" styleLbl="fgImgPlace1">
-          <dgm:alg type="sp"/>
-          <dgm:shape xmlns:r="http://schemas.openxmlformats.org/officeDocument/2006/relationships" type="rect" r:blip="" zOrderOff="4" blipPhldr="1">
-            <dgm:adjLst/>
-          </dgm:shape>
-          <dgm:presOf/>
-          <dgm:constrLst/>
-          <dgm:ruleLst/>
-        </dgm:layoutNode>
-        <dgm:layoutNode name="childNode" styleLbl="node1">
-          <dgm:varLst>
-            <dgm:bulletEnabled val="1"/>
-          </dgm:varLst>
-          <dgm:alg type="tx">
-            <dgm:param type="stBulletLvl" val="1"/>
-          </dgm:alg>
-          <dgm:shape xmlns:r="http://schemas.openxmlformats.org/officeDocument/2006/relationships" type="rect" r:blip="" zOrderOff="2">
-            <dgm:adjLst/>
-          </dgm:shape>
-          <dgm:presOf axis="des" ptType="node"/>
-          <dgm:constrLst/>
-          <dgm:ruleLst>
-            <dgm:rule type="primFontSz" val="5" fact="NaN" max="NaN"/>
-          </dgm:ruleLst>
-        </dgm:layoutNode>
-        <dgm:layoutNode name="parentNode" styleLbl="revTx">
-          <dgm:varLst>
-            <dgm:chMax val="0"/>
-            <dgm:bulletEnabled val="1"/>
-          </dgm:varLst>
-          <dgm:choose name="Name7">
-            <dgm:if name="Name8" func="var" arg="dir" op="equ" val="norm">
-              <dgm:alg type="tx">
-                <dgm:param type="autoTxRot" val="grav"/>
-                <dgm:param type="txAnchorVert" val="t"/>
-                <dgm:param type="parTxLTRAlign" val="r"/>
-                <dgm:param type="parTxRTLAlign" val="r"/>
-              </dgm:alg>
-              <dgm:shape xmlns:r="http://schemas.openxmlformats.org/officeDocument/2006/relationships" rot="270" type="rect" r:blip="">
-                <dgm:adjLst/>
-              </dgm:shape>
-              <dgm:presOf axis="self"/>
-              <dgm:constrLst>
-                <dgm:constr type="lMarg"/>
-                <dgm:constr type="bMarg"/>
-                <dgm:constr type="tMarg"/>
-              </dgm:constrLst>
-            </dgm:if>
-            <dgm:else name="Name9">
-              <dgm:alg type="tx">
-                <dgm:param type="autoTxRot" val="grav"/>
-                <dgm:param type="parTxLTRAlign" val="l"/>
-                <dgm:param type="parTxRTLAlign" val="l"/>
-              </dgm:alg>
-              <dgm:shape xmlns:r="http://schemas.openxmlformats.org/officeDocument/2006/relationships" rot="90" type="rect" r:blip="">
-                <dgm:adjLst/>
-              </dgm:shape>
-              <dgm:presOf axis="self"/>
-              <dgm:constrLst>
-                <dgm:constr type="rMarg"/>
-                <dgm:constr type="bMarg"/>
-                <dgm:constr type="tMarg"/>
-              </dgm:constrLst>
-            </dgm:else>
-          </dgm:choose>
-          <dgm:ruleLst>
-            <dgm:rule type="primFontSz" val="5" fact="NaN" max="NaN"/>
-          </dgm:ruleLst>
-        </dgm:layoutNode>
-      </dgm:layoutNode>
-      <dgm:forEach name="Name10" axis="followSib" ptType="sibTrans" cnt="1">
-        <dgm:layoutNode name="sibTrans">
-          <dgm:alg type="sp"/>
-          <dgm:shape xmlns:r="http://schemas.openxmlformats.org/officeDocument/2006/relationships" r:blip="">
-            <dgm:adjLst/>
-          </dgm:shape>
-          <dgm:presOf axis="self"/>
-          <dgm:constrLst/>
-          <dgm:ruleLst/>
-        </dgm:layoutNode>
-      </dgm:forEach>
-    </dgm:forEach>
-  </dgm:layoutNode>
-</dgm:layoutDef>
-</file>
-
-<file path=ppt/diagrams/layout6.xml><?xml version="1.0" encoding="utf-8"?>
-<dgm:layoutDef xmlns:dgm="http://schemas.openxmlformats.org/drawingml/2006/diagram" xmlns:a="http://schemas.openxmlformats.org/drawingml/2006/main" uniqueId="urn:microsoft.com/office/officeart/2005/8/layout/hList2">
-  <dgm:title val=""/>
-  <dgm:desc val=""/>
-  <dgm:catLst>
-    <dgm:cat type="list" pri="6000"/>
-    <dgm:cat type="relationship" pri="16000"/>
-  </dgm:catLst>
-  <dgm:sampData>
-    <dgm:dataModel>
-      <dgm:ptLst>
-        <dgm:pt modelId="0" type="doc"/>
-        <dgm:pt modelId="1">
-          <dgm:prSet phldr="1"/>
-        </dgm:pt>
-        <dgm:pt modelId="11">
-          <dgm:prSet phldr="1"/>
-        </dgm:pt>
-        <dgm:pt modelId="12">
-          <dgm:prSet phldr="1"/>
-        </dgm:pt>
-        <dgm:pt modelId="2">
-          <dgm:prSet phldr="1"/>
-        </dgm:pt>
-        <dgm:pt modelId="21">
-          <dgm:prSet phldr="1"/>
-        </dgm:pt>
-        <dgm:pt modelId="22">
-          <dgm:prSet phldr="1"/>
-        </dgm:pt>
-        <dgm:pt modelId="3">
-          <dgm:prSet phldr="1"/>
-        </dgm:pt>
-        <dgm:pt modelId="31">
-          <dgm:prSet phldr="1"/>
-        </dgm:pt>
-        <dgm:pt modelId="32">
-          <dgm:prSet phldr="1"/>
-        </dgm:pt>
-      </dgm:ptLst>
-      <dgm:cxnLst>
-        <dgm:cxn modelId="4" srcId="0" destId="1" srcOrd="0" destOrd="0"/>
-        <dgm:cxn modelId="5" srcId="0" destId="2" srcOrd="1" destOrd="0"/>
-        <dgm:cxn modelId="6" srcId="0" destId="3" srcOrd="2" destOrd="0"/>
-        <dgm:cxn modelId="13" srcId="1" destId="11" srcOrd="0" destOrd="0"/>
-        <dgm:cxn modelId="14" srcId="1" destId="12" srcOrd="1" destOrd="0"/>
-        <dgm:cxn modelId="23" srcId="2" destId="21" srcOrd="0" destOrd="0"/>
-        <dgm:cxn modelId="24" srcId="2" destId="22" srcOrd="1" destOrd="0"/>
-        <dgm:cxn modelId="33" srcId="3" destId="31" srcOrd="0" destOrd="0"/>
-        <dgm:cxn modelId="34" srcId="3" destId="32" srcOrd="1" destOrd="0"/>
-      </dgm:cxnLst>
-      <dgm:bg/>
-      <dgm:whole/>
-    </dgm:dataModel>
-  </dgm:sampData>
-  <dgm:styleData>
-    <dgm:dataModel>
-      <dgm:ptLst>
-        <dgm:pt modelId="0" type="doc"/>
-        <dgm:pt modelId="1"/>
-        <dgm:pt modelId="11"/>
-        <dgm:pt modelId="2"/>
-        <dgm:pt modelId="21"/>
-      </dgm:ptLst>
-      <dgm:cxnLst>
-        <dgm:cxn modelId="4" srcId="0" destId="1" srcOrd="0" destOrd="0"/>
-        <dgm:cxn modelId="5" srcId="0" destId="2" srcOrd="1" destOrd="0"/>
-        <dgm:cxn modelId="13" srcId="1" destId="11" srcOrd="0" destOrd="0"/>
-        <dgm:cxn modelId="23" srcId="2" destId="21" srcOrd="0" destOrd="0"/>
-      </dgm:cxnLst>
-      <dgm:bg/>
-      <dgm:whole/>
-    </dgm:dataModel>
-  </dgm:styleData>
-  <dgm:clrData>
-    <dgm:dataModel>
-      <dgm:ptLst>
-        <dgm:pt modelId="0" type="doc"/>
-        <dgm:pt modelId="1"/>
-        <dgm:pt modelId="11"/>
-        <dgm:pt modelId="2"/>
-        <dgm:pt modelId="21"/>
-        <dgm:pt modelId="3"/>
-        <dgm:pt modelId="31"/>
-        <dgm:pt modelId="4"/>
-        <dgm:pt modelId="41"/>
-      </dgm:ptLst>
-      <dgm:cxnLst>
-        <dgm:cxn modelId="5" srcId="0" destId="1" srcOrd="0" destOrd="0"/>
-        <dgm:cxn modelId="6" srcId="0" destId="2" srcOrd="1" destOrd="0"/>
-        <dgm:cxn modelId="7" srcId="0" destId="3" srcOrd="2" destOrd="0"/>
-        <dgm:cxn modelId="8" srcId="0" destId="4" srcOrd="3" destOrd="0"/>
-        <dgm:cxn modelId="13" srcId="1" destId="11" srcOrd="0" destOrd="0"/>
-        <dgm:cxn modelId="23" srcId="2" destId="21" srcOrd="0" destOrd="0"/>
-        <dgm:cxn modelId="33" srcId="3" destId="31" srcOrd="0" destOrd="0"/>
-        <dgm:cxn modelId="43" srcId="4" destId="41" srcOrd="0" destOrd="0"/>
-      </dgm:cxnLst>
-      <dgm:bg/>
-      <dgm:whole/>
-    </dgm:dataModel>
-  </dgm:clrData>
-  <dgm:layoutNode name="linearFlow">
-    <dgm:varLst>
-      <dgm:dir/>
-      <dgm:animLvl val="lvl"/>
-      <dgm:resizeHandles/>
-    </dgm:varLst>
-    <dgm:choose name="Name0">
-      <dgm:if name="Name1" func="var" arg="dir" op="equ" val="norm">
-        <dgm:alg type="lin">
-          <dgm:param type="linDir" val="fromL"/>
-          <dgm:param type="nodeVertAlign" val="t"/>
-        </dgm:alg>
-      </dgm:if>
-      <dgm:else name="Name2">
-        <dgm:alg type="lin">
-          <dgm:param type="linDir" val="fromR"/>
-          <dgm:param type="nodeVertAlign" val="t"/>
-        </dgm:alg>
-      </dgm:else>
-    </dgm:choose>
-    <dgm:shape xmlns:r="http://schemas.openxmlformats.org/officeDocument/2006/relationships" r:blip="">
-      <dgm:adjLst/>
-    </dgm:shape>
-    <dgm:presOf/>
-    <dgm:constrLst>
-      <dgm:constr type="w" for="ch" forName="compositeNode" refType="w"/>
-      <dgm:constr type="h" for="ch" forName="compositeNode" refType="h"/>
-      <dgm:constr type="w" for="ch" forName="sibTrans" refType="w" refFor="ch" refForName="compositeNode" op="equ" fact="0.2"/>
-      <dgm:constr type="h" for="des" forName="childNode" op="equ"/>
-      <dgm:constr type="w" for="des" forName="childNode" op="equ"/>
-      <dgm:constr type="w" for="des" forName="parentNode" op="equ"/>
-      <dgm:constr type="h" for="des" forName="image" op="equ"/>
-      <dgm:constr type="w" for="des" forName="image" op="equ"/>
-      <dgm:constr type="primFontSz" for="des" forName="parentNode" op="equ" val="65"/>
-      <dgm:constr type="primFontSz" for="des" forName="childNode" op="equ" val="65"/>
-    </dgm:constrLst>
-    <dgm:ruleLst/>
-    <dgm:forEach name="Name3" axis="ch" ptType="node">
-      <dgm:layoutNode name="compositeNode">
-        <dgm:varLst>
-          <dgm:bulletEnabled val="1"/>
-        </dgm:varLst>
-        <dgm:alg type="composite"/>
-        <dgm:presOf/>
-        <dgm:choose name="Name4">
-          <dgm:if name="Name5" func="var" arg="dir" op="equ" val="norm">
-            <dgm:constrLst>
-              <dgm:constr type="w" for="ch" forName="image" refType="w"/>
-              <dgm:constr type="h" for="ch" forName="image" refType="h"/>
-              <dgm:constr type="h" for="ch" forName="image" refType="w" refFor="ch" refForName="image" op="lte"/>
-              <dgm:constr type="w" for="ch" forName="image" refType="h" refFor="ch" refForName="image" op="lte"/>
-              <dgm:constr type="w" for="ch" forName="image" refType="w" op="lte" fact="0.33"/>
-              <dgm:constr type="h" for="ch" forName="image" refType="h" op="lte" fact="0.33"/>
-              <dgm:constr type="t" for="ch" forName="image"/>
-              <dgm:constr type="l" for="ch" forName="image"/>
-              <dgm:constr type="w" for="ch" forName="childNode" refType="w" fact="0.85"/>
-              <dgm:constr type="h" for="ch" forName="childNode" refType="h" fact="0.78"/>
-              <dgm:constr type="t" for="ch" forName="childNode" refType="h" refFor="ch" refForName="image" fact="0.66"/>
-              <dgm:constr type="l" for="ch" forName="childNode" refType="w" refFor="ch" refForName="image" fact="0.5"/>
-              <dgm:constr type="tMarg" for="ch" forName="childNode" refType="w" refFor="ch" refForName="image" fact="1.25"/>
-              <dgm:constr type="t" for="ch" forName="parentNode" refType="h" refFor="ch" refForName="image" fact="0.66"/>
-              <dgm:constr type="b" for="ch" forName="parentNode" refType="b" refFor="ch" refForName="childNode"/>
-              <dgm:constr type="l" for="ch" forName="parentNode"/>
-              <dgm:constr type="r" for="ch" forName="parentNode" refType="l" refFor="ch" refForName="childNode"/>
-              <dgm:constr type="rMarg" for="ch" forName="parentNode" refType="w" refFor="ch" refForName="image" fact="1.25"/>
-            </dgm:constrLst>
-          </dgm:if>
-          <dgm:else name="Name6">
-            <dgm:constrLst>
-              <dgm:constr type="w" for="ch" forName="image" refType="w"/>
-              <dgm:constr type="h" for="ch" forName="image" refType="h"/>
-              <dgm:constr type="h" for="ch" forName="image" refType="w" refFor="ch" refForName="image" op="lte"/>
-              <dgm:constr type="w" for="ch" forName="image" refType="h" refFor="ch" refForName="image" op="lte"/>
-              <dgm:constr type="w" for="ch" forName="image" refType="w" op="lte" fact="0.33"/>
-              <dgm:constr type="h" for="ch" forName="image" refType="h" op="lte" fact="0.33"/>
-              <dgm:constr type="t" for="ch" forName="image"/>
-              <dgm:constr type="r" for="ch" forName="image" refType="w"/>
-              <dgm:constr type="w" for="ch" forName="childNode" refType="w" fact="0.85"/>
-              <dgm:constr type="h" for="ch" forName="childNode" refType="h" fact="0.78"/>
-              <dgm:constr type="t" for="ch" forName="childNode" refType="h" refFor="ch" refForName="image" fact="0.66"/>
-              <dgm:constr type="r" for="ch" forName="childNode" refType="w"/>
-              <dgm:constr type="rOff" for="ch" forName="childNode" refType="w" refFor="ch" refForName="image" fact="-0.5"/>
-              <dgm:constr type="tMarg" for="ch" forName="childNode" refType="w" refFor="ch" refForName="image" fact="1.25"/>
-              <dgm:constr type="t" for="ch" forName="parentNode" refType="h" refFor="ch" refForName="image" fact="0.66"/>
-              <dgm:constr type="b" for="ch" forName="parentNode" refType="b" refFor="ch" refForName="childNode"/>
-              <dgm:constr type="r" for="ch" forName="parentNode" refType="w"/>
-              <dgm:constr type="l" for="ch" forName="parentNode" refType="r" refFor="ch" refForName="childNode"/>
-              <dgm:constr type="lOff" for="ch" forName="parentNode" refType="rOff" refFor="ch" refForName="childNode"/>
-              <dgm:constr type="lMarg" for="ch" forName="parentNode" refType="w" refFor="ch" refForName="image" fact="1.25"/>
-            </dgm:constrLst>
-          </dgm:else>
-        </dgm:choose>
-        <dgm:ruleLst>
-          <dgm:rule type="w" for="ch" forName="childNode" val="NaN" fact="0.4" max="NaN"/>
-          <dgm:rule type="h" for="ch" forName="childNode" val="NaN" fact="0.5" max="NaN"/>
-        </dgm:ruleLst>
-        <dgm:layoutNode name="image" styleLbl="fgImgPlace1">
-          <dgm:alg type="sp"/>
-          <dgm:shape xmlns:r="http://schemas.openxmlformats.org/officeDocument/2006/relationships" type="rect" r:blip="" zOrderOff="4" blipPhldr="1">
-            <dgm:adjLst/>
-          </dgm:shape>
-          <dgm:presOf/>
-          <dgm:constrLst/>
-          <dgm:ruleLst/>
-        </dgm:layoutNode>
-        <dgm:layoutNode name="childNode" styleLbl="node1">
-          <dgm:varLst>
-            <dgm:bulletEnabled val="1"/>
-          </dgm:varLst>
-          <dgm:alg type="tx">
-            <dgm:param type="stBulletLvl" val="1"/>
-          </dgm:alg>
-          <dgm:shape xmlns:r="http://schemas.openxmlformats.org/officeDocument/2006/relationships" type="rect" r:blip="" zOrderOff="2">
-            <dgm:adjLst/>
-          </dgm:shape>
-          <dgm:presOf axis="des" ptType="node"/>
-          <dgm:constrLst/>
-          <dgm:ruleLst>
-            <dgm:rule type="primFontSz" val="5" fact="NaN" max="NaN"/>
-          </dgm:ruleLst>
-        </dgm:layoutNode>
-        <dgm:layoutNode name="parentNode" styleLbl="revTx">
-          <dgm:varLst>
-            <dgm:chMax val="0"/>
-            <dgm:bulletEnabled val="1"/>
-          </dgm:varLst>
-          <dgm:choose name="Name7">
-            <dgm:if name="Name8" func="var" arg="dir" op="equ" val="norm">
-              <dgm:alg type="tx">
-                <dgm:param type="autoTxRot" val="grav"/>
-                <dgm:param type="txAnchorVert" val="t"/>
-                <dgm:param type="parTxLTRAlign" val="r"/>
-                <dgm:param type="parTxRTLAlign" val="r"/>
-              </dgm:alg>
-              <dgm:shape xmlns:r="http://schemas.openxmlformats.org/officeDocument/2006/relationships" rot="270" type="rect" r:blip="">
-                <dgm:adjLst/>
-              </dgm:shape>
-              <dgm:presOf axis="self"/>
-              <dgm:constrLst>
-                <dgm:constr type="lMarg"/>
-                <dgm:constr type="bMarg"/>
-                <dgm:constr type="tMarg"/>
-              </dgm:constrLst>
-            </dgm:if>
-            <dgm:else name="Name9">
-              <dgm:alg type="tx">
-                <dgm:param type="autoTxRot" val="grav"/>
-                <dgm:param type="parTxLTRAlign" val="l"/>
-                <dgm:param type="parTxRTLAlign" val="l"/>
-              </dgm:alg>
-              <dgm:shape xmlns:r="http://schemas.openxmlformats.org/officeDocument/2006/relationships" rot="90" type="rect" r:blip="">
-                <dgm:adjLst/>
-              </dgm:shape>
-              <dgm:presOf axis="self"/>
-              <dgm:constrLst>
-                <dgm:constr type="rMarg"/>
-                <dgm:constr type="bMarg"/>
-                <dgm:constr type="tMarg"/>
-              </dgm:constrLst>
-            </dgm:else>
-          </dgm:choose>
-          <dgm:ruleLst>
-            <dgm:rule type="primFontSz" val="5" fact="NaN" max="NaN"/>
-          </dgm:ruleLst>
-        </dgm:layoutNode>
-      </dgm:layoutNode>
-      <dgm:forEach name="Name10" axis="followSib" ptType="sibTrans" cnt="1">
-        <dgm:layoutNode name="sibTrans">
-          <dgm:alg type="sp"/>
-          <dgm:shape xmlns:r="http://schemas.openxmlformats.org/officeDocument/2006/relationships" r:blip="">
-            <dgm:adjLst/>
-          </dgm:shape>
-          <dgm:presOf axis="self"/>
-          <dgm:constrLst/>
-          <dgm:ruleLst/>
-        </dgm:layoutNode>
-      </dgm:forEach>
-    </dgm:forEach>
-  </dgm:layoutNode>
-</dgm:layoutDef>
-</file>
-
 <file path=ppt/diagrams/quickStyle1.xml><?xml version="1.0" encoding="utf-8"?>
 <dgm:styleDef xmlns:dgm="http://schemas.openxmlformats.org/drawingml/2006/diagram" xmlns:a="http://schemas.openxmlformats.org/drawingml/2006/main" uniqueId="urn:microsoft.com/office/officeart/2005/8/quickstyle/simple4">
   <dgm:title val=""/>
@@ -14467,2074 +12307,6 @@
 </file>
 
 <file path=ppt/diagrams/quickStyle4.xml><?xml version="1.0" encoding="utf-8"?>
-<dgm:styleDef xmlns:dgm="http://schemas.openxmlformats.org/drawingml/2006/diagram" xmlns:a="http://schemas.openxmlformats.org/drawingml/2006/main" uniqueId="urn:microsoft.com/office/officeart/2005/8/quickstyle/simple4">
-  <dgm:title val=""/>
-  <dgm:desc val=""/>
-  <dgm:catLst>
-    <dgm:cat type="simple" pri="10400"/>
-  </dgm:catLst>
-  <dgm:scene3d>
-    <a:camera prst="orthographicFront"/>
-    <a:lightRig rig="threePt" dir="t"/>
-  </dgm:scene3d>
-  <dgm:styleLbl name="node0">
-    <dgm:scene3d>
-      <a:camera prst="orthographicFront"/>
-      <a:lightRig rig="threePt" dir="t"/>
-    </dgm:scene3d>
-    <dgm:sp3d/>
-    <dgm:txPr/>
-    <dgm:style>
-      <a:lnRef idx="0">
-        <a:scrgbClr r="0" g="0" b="0"/>
-      </a:lnRef>
-      <a:fillRef idx="3">
-        <a:scrgbClr r="0" g="0" b="0"/>
-      </a:fillRef>
-      <a:effectRef idx="2">
-        <a:scrgbClr r="0" g="0" b="0"/>
-      </a:effectRef>
-      <a:fontRef idx="minor">
-        <a:schemeClr val="lt1"/>
-      </a:fontRef>
-    </dgm:style>
-  </dgm:styleLbl>
-  <dgm:styleLbl name="lnNode1">
-    <dgm:scene3d>
-      <a:camera prst="orthographicFront"/>
-      <a:lightRig rig="threePt" dir="t"/>
-    </dgm:scene3d>
-    <dgm:sp3d/>
-    <dgm:txPr/>
-    <dgm:style>
-      <a:lnRef idx="1">
-        <a:scrgbClr r="0" g="0" b="0"/>
-      </a:lnRef>
-      <a:fillRef idx="3">
-        <a:scrgbClr r="0" g="0" b="0"/>
-      </a:fillRef>
-      <a:effectRef idx="2">
-        <a:scrgbClr r="0" g="0" b="0"/>
-      </a:effectRef>
-      <a:fontRef idx="minor">
-        <a:schemeClr val="lt1"/>
-      </a:fontRef>
-    </dgm:style>
-  </dgm:styleLbl>
-  <dgm:styleLbl name="vennNode1">
-    <dgm:scene3d>
-      <a:camera prst="orthographicFront"/>
-      <a:lightRig rig="threePt" dir="t"/>
-    </dgm:scene3d>
-    <dgm:sp3d/>
-    <dgm:txPr/>
-    <dgm:style>
-      <a:lnRef idx="0">
-        <a:scrgbClr r="0" g="0" b="0"/>
-      </a:lnRef>
-      <a:fillRef idx="3">
-        <a:scrgbClr r="0" g="0" b="0"/>
-      </a:fillRef>
-      <a:effectRef idx="0">
-        <a:scrgbClr r="0" g="0" b="0"/>
-      </a:effectRef>
-      <a:fontRef idx="minor">
-        <a:schemeClr val="tx1"/>
-      </a:fontRef>
-    </dgm:style>
-  </dgm:styleLbl>
-  <dgm:styleLbl name="alignNode1">
-    <dgm:scene3d>
-      <a:camera prst="orthographicFront"/>
-      <a:lightRig rig="threePt" dir="t"/>
-    </dgm:scene3d>
-    <dgm:sp3d/>
-    <dgm:txPr/>
-    <dgm:style>
-      <a:lnRef idx="1">
-        <a:scrgbClr r="0" g="0" b="0"/>
-      </a:lnRef>
-      <a:fillRef idx="3">
-        <a:scrgbClr r="0" g="0" b="0"/>
-      </a:fillRef>
-      <a:effectRef idx="2">
-        <a:scrgbClr r="0" g="0" b="0"/>
-      </a:effectRef>
-      <a:fontRef idx="minor">
-        <a:schemeClr val="lt1"/>
-      </a:fontRef>
-    </dgm:style>
-  </dgm:styleLbl>
-  <dgm:styleLbl name="node1">
-    <dgm:scene3d>
-      <a:camera prst="orthographicFront"/>
-      <a:lightRig rig="threePt" dir="t"/>
-    </dgm:scene3d>
-    <dgm:sp3d/>
-    <dgm:txPr/>
-    <dgm:style>
-      <a:lnRef idx="0">
-        <a:scrgbClr r="0" g="0" b="0"/>
-      </a:lnRef>
-      <a:fillRef idx="3">
-        <a:scrgbClr r="0" g="0" b="0"/>
-      </a:fillRef>
-      <a:effectRef idx="2">
-        <a:scrgbClr r="0" g="0" b="0"/>
-      </a:effectRef>
-      <a:fontRef idx="minor">
-        <a:schemeClr val="lt1"/>
-      </a:fontRef>
-    </dgm:style>
-  </dgm:styleLbl>
-  <dgm:styleLbl name="node2">
-    <dgm:scene3d>
-      <a:camera prst="orthographicFront"/>
-      <a:lightRig rig="threePt" dir="t"/>
-    </dgm:scene3d>
-    <dgm:sp3d/>
-    <dgm:txPr/>
-    <dgm:style>
-      <a:lnRef idx="0">
-        <a:scrgbClr r="0" g="0" b="0"/>
-      </a:lnRef>
-      <a:fillRef idx="3">
-        <a:scrgbClr r="0" g="0" b="0"/>
-      </a:fillRef>
-      <a:effectRef idx="2">
-        <a:scrgbClr r="0" g="0" b="0"/>
-      </a:effectRef>
-      <a:fontRef idx="minor">
-        <a:schemeClr val="lt1"/>
-      </a:fontRef>
-    </dgm:style>
-  </dgm:styleLbl>
-  <dgm:styleLbl name="node3">
-    <dgm:scene3d>
-      <a:camera prst="orthographicFront"/>
-      <a:lightRig rig="threePt" dir="t"/>
-    </dgm:scene3d>
-    <dgm:sp3d/>
-    <dgm:txPr/>
-    <dgm:style>
-      <a:lnRef idx="0">
-        <a:scrgbClr r="0" g="0" b="0"/>
-      </a:lnRef>
-      <a:fillRef idx="3">
-        <a:scrgbClr r="0" g="0" b="0"/>
-      </a:fillRef>
-      <a:effectRef idx="2">
-        <a:scrgbClr r="0" g="0" b="0"/>
-      </a:effectRef>
-      <a:fontRef idx="minor">
-        <a:schemeClr val="lt1"/>
-      </a:fontRef>
-    </dgm:style>
-  </dgm:styleLbl>
-  <dgm:styleLbl name="node4">
-    <dgm:scene3d>
-      <a:camera prst="orthographicFront"/>
-      <a:lightRig rig="threePt" dir="t"/>
-    </dgm:scene3d>
-    <dgm:sp3d/>
-    <dgm:txPr/>
-    <dgm:style>
-      <a:lnRef idx="0">
-        <a:scrgbClr r="0" g="0" b="0"/>
-      </a:lnRef>
-      <a:fillRef idx="3">
-        <a:scrgbClr r="0" g="0" b="0"/>
-      </a:fillRef>
-      <a:effectRef idx="2">
-        <a:scrgbClr r="0" g="0" b="0"/>
-      </a:effectRef>
-      <a:fontRef idx="minor">
-        <a:schemeClr val="lt1"/>
-      </a:fontRef>
-    </dgm:style>
-  </dgm:styleLbl>
-  <dgm:styleLbl name="fgImgPlace1">
-    <dgm:scene3d>
-      <a:camera prst="orthographicFront"/>
-      <a:lightRig rig="threePt" dir="t"/>
-    </dgm:scene3d>
-    <dgm:sp3d/>
-    <dgm:txPr/>
-    <dgm:style>
-      <a:lnRef idx="0">
-        <a:scrgbClr r="0" g="0" b="0"/>
-      </a:lnRef>
-      <a:fillRef idx="1">
-        <a:scrgbClr r="0" g="0" b="0"/>
-      </a:fillRef>
-      <a:effectRef idx="2">
-        <a:scrgbClr r="0" g="0" b="0"/>
-      </a:effectRef>
-      <a:fontRef idx="minor"/>
-    </dgm:style>
-  </dgm:styleLbl>
-  <dgm:styleLbl name="alignImgPlace1">
-    <dgm:scene3d>
-      <a:camera prst="orthographicFront"/>
-      <a:lightRig rig="threePt" dir="t"/>
-    </dgm:scene3d>
-    <dgm:sp3d/>
-    <dgm:txPr/>
-    <dgm:style>
-      <a:lnRef idx="0">
-        <a:scrgbClr r="0" g="0" b="0"/>
-      </a:lnRef>
-      <a:fillRef idx="1">
-        <a:scrgbClr r="0" g="0" b="0"/>
-      </a:fillRef>
-      <a:effectRef idx="2">
-        <a:scrgbClr r="0" g="0" b="0"/>
-      </a:effectRef>
-      <a:fontRef idx="minor"/>
-    </dgm:style>
-  </dgm:styleLbl>
-  <dgm:styleLbl name="bgImgPlace1">
-    <dgm:scene3d>
-      <a:camera prst="orthographicFront"/>
-      <a:lightRig rig="threePt" dir="t"/>
-    </dgm:scene3d>
-    <dgm:sp3d/>
-    <dgm:txPr/>
-    <dgm:style>
-      <a:lnRef idx="0">
-        <a:scrgbClr r="0" g="0" b="0"/>
-      </a:lnRef>
-      <a:fillRef idx="1">
-        <a:scrgbClr r="0" g="0" b="0"/>
-      </a:fillRef>
-      <a:effectRef idx="2">
-        <a:scrgbClr r="0" g="0" b="0"/>
-      </a:effectRef>
-      <a:fontRef idx="minor"/>
-    </dgm:style>
-  </dgm:styleLbl>
-  <dgm:styleLbl name="sibTrans2D1">
-    <dgm:scene3d>
-      <a:camera prst="orthographicFront"/>
-      <a:lightRig rig="threePt" dir="t"/>
-    </dgm:scene3d>
-    <dgm:sp3d/>
-    <dgm:txPr/>
-    <dgm:style>
-      <a:lnRef idx="0">
-        <a:scrgbClr r="0" g="0" b="0"/>
-      </a:lnRef>
-      <a:fillRef idx="3">
-        <a:scrgbClr r="0" g="0" b="0"/>
-      </a:fillRef>
-      <a:effectRef idx="2">
-        <a:scrgbClr r="0" g="0" b="0"/>
-      </a:effectRef>
-      <a:fontRef idx="minor">
-        <a:schemeClr val="lt1"/>
-      </a:fontRef>
-    </dgm:style>
-  </dgm:styleLbl>
-  <dgm:styleLbl name="fgSibTrans2D1">
-    <dgm:scene3d>
-      <a:camera prst="orthographicFront"/>
-      <a:lightRig rig="threePt" dir="t"/>
-    </dgm:scene3d>
-    <dgm:sp3d/>
-    <dgm:txPr/>
-    <dgm:style>
-      <a:lnRef idx="0">
-        <a:scrgbClr r="0" g="0" b="0"/>
-      </a:lnRef>
-      <a:fillRef idx="3">
-        <a:scrgbClr r="0" g="0" b="0"/>
-      </a:fillRef>
-      <a:effectRef idx="2">
-        <a:scrgbClr r="0" g="0" b="0"/>
-      </a:effectRef>
-      <a:fontRef idx="minor">
-        <a:schemeClr val="lt1"/>
-      </a:fontRef>
-    </dgm:style>
-  </dgm:styleLbl>
-  <dgm:styleLbl name="bgSibTrans2D1">
-    <dgm:scene3d>
-      <a:camera prst="orthographicFront"/>
-      <a:lightRig rig="threePt" dir="t"/>
-    </dgm:scene3d>
-    <dgm:sp3d/>
-    <dgm:txPr/>
-    <dgm:style>
-      <a:lnRef idx="0">
-        <a:scrgbClr r="0" g="0" b="0"/>
-      </a:lnRef>
-      <a:fillRef idx="3">
-        <a:scrgbClr r="0" g="0" b="0"/>
-      </a:fillRef>
-      <a:effectRef idx="2">
-        <a:scrgbClr r="0" g="0" b="0"/>
-      </a:effectRef>
-      <a:fontRef idx="minor">
-        <a:schemeClr val="lt1"/>
-      </a:fontRef>
-    </dgm:style>
-  </dgm:styleLbl>
-  <dgm:styleLbl name="sibTrans1D1">
-    <dgm:scene3d>
-      <a:camera prst="orthographicFront"/>
-      <a:lightRig rig="threePt" dir="t"/>
-    </dgm:scene3d>
-    <dgm:sp3d/>
-    <dgm:txPr/>
-    <dgm:style>
-      <a:lnRef idx="1">
-        <a:scrgbClr r="0" g="0" b="0"/>
-      </a:lnRef>
-      <a:fillRef idx="0">
-        <a:scrgbClr r="0" g="0" b="0"/>
-      </a:fillRef>
-      <a:effectRef idx="0">
-        <a:scrgbClr r="0" g="0" b="0"/>
-      </a:effectRef>
-      <a:fontRef idx="minor"/>
-    </dgm:style>
-  </dgm:styleLbl>
-  <dgm:styleLbl name="callout">
-    <dgm:scene3d>
-      <a:camera prst="orthographicFront"/>
-      <a:lightRig rig="threePt" dir="t"/>
-    </dgm:scene3d>
-    <dgm:sp3d/>
-    <dgm:txPr/>
-    <dgm:style>
-      <a:lnRef idx="2">
-        <a:scrgbClr r="0" g="0" b="0"/>
-      </a:lnRef>
-      <a:fillRef idx="1">
-        <a:scrgbClr r="0" g="0" b="0"/>
-      </a:fillRef>
-      <a:effectRef idx="1">
-        <a:scrgbClr r="0" g="0" b="0"/>
-      </a:effectRef>
-      <a:fontRef idx="minor"/>
-    </dgm:style>
-  </dgm:styleLbl>
-  <dgm:styleLbl name="asst0">
-    <dgm:scene3d>
-      <a:camera prst="orthographicFront"/>
-      <a:lightRig rig="threePt" dir="t"/>
-    </dgm:scene3d>
-    <dgm:sp3d/>
-    <dgm:txPr/>
-    <dgm:style>
-      <a:lnRef idx="0">
-        <a:scrgbClr r="0" g="0" b="0"/>
-      </a:lnRef>
-      <a:fillRef idx="3">
-        <a:scrgbClr r="0" g="0" b="0"/>
-      </a:fillRef>
-      <a:effectRef idx="2">
-        <a:scrgbClr r="0" g="0" b="0"/>
-      </a:effectRef>
-      <a:fontRef idx="minor">
-        <a:schemeClr val="lt1"/>
-      </a:fontRef>
-    </dgm:style>
-  </dgm:styleLbl>
-  <dgm:styleLbl name="asst1">
-    <dgm:scene3d>
-      <a:camera prst="orthographicFront"/>
-      <a:lightRig rig="threePt" dir="t"/>
-    </dgm:scene3d>
-    <dgm:sp3d/>
-    <dgm:txPr/>
-    <dgm:style>
-      <a:lnRef idx="0">
-        <a:scrgbClr r="0" g="0" b="0"/>
-      </a:lnRef>
-      <a:fillRef idx="3">
-        <a:scrgbClr r="0" g="0" b="0"/>
-      </a:fillRef>
-      <a:effectRef idx="2">
-        <a:scrgbClr r="0" g="0" b="0"/>
-      </a:effectRef>
-      <a:fontRef idx="minor">
-        <a:schemeClr val="lt1"/>
-      </a:fontRef>
-    </dgm:style>
-  </dgm:styleLbl>
-  <dgm:styleLbl name="asst2">
-    <dgm:scene3d>
-      <a:camera prst="orthographicFront"/>
-      <a:lightRig rig="threePt" dir="t"/>
-    </dgm:scene3d>
-    <dgm:sp3d/>
-    <dgm:txPr/>
-    <dgm:style>
-      <a:lnRef idx="0">
-        <a:scrgbClr r="0" g="0" b="0"/>
-      </a:lnRef>
-      <a:fillRef idx="3">
-        <a:scrgbClr r="0" g="0" b="0"/>
-      </a:fillRef>
-      <a:effectRef idx="2">
-        <a:scrgbClr r="0" g="0" b="0"/>
-      </a:effectRef>
-      <a:fontRef idx="minor">
-        <a:schemeClr val="lt1"/>
-      </a:fontRef>
-    </dgm:style>
-  </dgm:styleLbl>
-  <dgm:styleLbl name="asst3">
-    <dgm:scene3d>
-      <a:camera prst="orthographicFront"/>
-      <a:lightRig rig="threePt" dir="t"/>
-    </dgm:scene3d>
-    <dgm:sp3d/>
-    <dgm:txPr/>
-    <dgm:style>
-      <a:lnRef idx="0">
-        <a:scrgbClr r="0" g="0" b="0"/>
-      </a:lnRef>
-      <a:fillRef idx="3">
-        <a:scrgbClr r="0" g="0" b="0"/>
-      </a:fillRef>
-      <a:effectRef idx="2">
-        <a:scrgbClr r="0" g="0" b="0"/>
-      </a:effectRef>
-      <a:fontRef idx="minor">
-        <a:schemeClr val="lt1"/>
-      </a:fontRef>
-    </dgm:style>
-  </dgm:styleLbl>
-  <dgm:styleLbl name="asst4">
-    <dgm:scene3d>
-      <a:camera prst="orthographicFront"/>
-      <a:lightRig rig="threePt" dir="t"/>
-    </dgm:scene3d>
-    <dgm:sp3d/>
-    <dgm:txPr/>
-    <dgm:style>
-      <a:lnRef idx="0">
-        <a:scrgbClr r="0" g="0" b="0"/>
-      </a:lnRef>
-      <a:fillRef idx="3">
-        <a:scrgbClr r="0" g="0" b="0"/>
-      </a:fillRef>
-      <a:effectRef idx="2">
-        <a:scrgbClr r="0" g="0" b="0"/>
-      </a:effectRef>
-      <a:fontRef idx="minor">
-        <a:schemeClr val="lt1"/>
-      </a:fontRef>
-    </dgm:style>
-  </dgm:styleLbl>
-  <dgm:styleLbl name="parChTrans2D1">
-    <dgm:scene3d>
-      <a:camera prst="orthographicFront"/>
-      <a:lightRig rig="threePt" dir="t"/>
-    </dgm:scene3d>
-    <dgm:sp3d/>
-    <dgm:txPr/>
-    <dgm:style>
-      <a:lnRef idx="0">
-        <a:scrgbClr r="0" g="0" b="0"/>
-      </a:lnRef>
-      <a:fillRef idx="3">
-        <a:scrgbClr r="0" g="0" b="0"/>
-      </a:fillRef>
-      <a:effectRef idx="2">
-        <a:scrgbClr r="0" g="0" b="0"/>
-      </a:effectRef>
-      <a:fontRef idx="minor">
-        <a:schemeClr val="lt1"/>
-      </a:fontRef>
-    </dgm:style>
-  </dgm:styleLbl>
-  <dgm:styleLbl name="parChTrans2D2">
-    <dgm:scene3d>
-      <a:camera prst="orthographicFront"/>
-      <a:lightRig rig="threePt" dir="t"/>
-    </dgm:scene3d>
-    <dgm:sp3d/>
-    <dgm:txPr/>
-    <dgm:style>
-      <a:lnRef idx="0">
-        <a:scrgbClr r="0" g="0" b="0"/>
-      </a:lnRef>
-      <a:fillRef idx="3">
-        <a:scrgbClr r="0" g="0" b="0"/>
-      </a:fillRef>
-      <a:effectRef idx="2">
-        <a:scrgbClr r="0" g="0" b="0"/>
-      </a:effectRef>
-      <a:fontRef idx="minor">
-        <a:schemeClr val="lt1"/>
-      </a:fontRef>
-    </dgm:style>
-  </dgm:styleLbl>
-  <dgm:styleLbl name="parChTrans2D3">
-    <dgm:scene3d>
-      <a:camera prst="orthographicFront"/>
-      <a:lightRig rig="threePt" dir="t"/>
-    </dgm:scene3d>
-    <dgm:sp3d/>
-    <dgm:txPr/>
-    <dgm:style>
-      <a:lnRef idx="1">
-        <a:scrgbClr r="0" g="0" b="0"/>
-      </a:lnRef>
-      <a:fillRef idx="3">
-        <a:scrgbClr r="0" g="0" b="0"/>
-      </a:fillRef>
-      <a:effectRef idx="2">
-        <a:scrgbClr r="0" g="0" b="0"/>
-      </a:effectRef>
-      <a:fontRef idx="minor">
-        <a:schemeClr val="lt1"/>
-      </a:fontRef>
-    </dgm:style>
-  </dgm:styleLbl>
-  <dgm:styleLbl name="parChTrans2D4">
-    <dgm:scene3d>
-      <a:camera prst="orthographicFront"/>
-      <a:lightRig rig="threePt" dir="t"/>
-    </dgm:scene3d>
-    <dgm:sp3d/>
-    <dgm:txPr/>
-    <dgm:style>
-      <a:lnRef idx="1">
-        <a:scrgbClr r="0" g="0" b="0"/>
-      </a:lnRef>
-      <a:fillRef idx="3">
-        <a:scrgbClr r="0" g="0" b="0"/>
-      </a:fillRef>
-      <a:effectRef idx="2">
-        <a:scrgbClr r="0" g="0" b="0"/>
-      </a:effectRef>
-      <a:fontRef idx="minor">
-        <a:schemeClr val="lt1"/>
-      </a:fontRef>
-    </dgm:style>
-  </dgm:styleLbl>
-  <dgm:styleLbl name="parChTrans1D1">
-    <dgm:scene3d>
-      <a:camera prst="orthographicFront"/>
-      <a:lightRig rig="threePt" dir="t"/>
-    </dgm:scene3d>
-    <dgm:sp3d/>
-    <dgm:txPr/>
-    <dgm:style>
-      <a:lnRef idx="1">
-        <a:scrgbClr r="0" g="0" b="0"/>
-      </a:lnRef>
-      <a:fillRef idx="0">
-        <a:scrgbClr r="0" g="0" b="0"/>
-      </a:fillRef>
-      <a:effectRef idx="0">
-        <a:scrgbClr r="0" g="0" b="0"/>
-      </a:effectRef>
-      <a:fontRef idx="minor"/>
-    </dgm:style>
-  </dgm:styleLbl>
-  <dgm:styleLbl name="parChTrans1D2">
-    <dgm:scene3d>
-      <a:camera prst="orthographicFront"/>
-      <a:lightRig rig="threePt" dir="t"/>
-    </dgm:scene3d>
-    <dgm:sp3d/>
-    <dgm:txPr/>
-    <dgm:style>
-      <a:lnRef idx="1">
-        <a:scrgbClr r="0" g="0" b="0"/>
-      </a:lnRef>
-      <a:fillRef idx="0">
-        <a:scrgbClr r="0" g="0" b="0"/>
-      </a:fillRef>
-      <a:effectRef idx="0">
-        <a:scrgbClr r="0" g="0" b="0"/>
-      </a:effectRef>
-      <a:fontRef idx="minor"/>
-    </dgm:style>
-  </dgm:styleLbl>
-  <dgm:styleLbl name="parChTrans1D3">
-    <dgm:scene3d>
-      <a:camera prst="orthographicFront"/>
-      <a:lightRig rig="threePt" dir="t"/>
-    </dgm:scene3d>
-    <dgm:sp3d/>
-    <dgm:txPr/>
-    <dgm:style>
-      <a:lnRef idx="1">
-        <a:scrgbClr r="0" g="0" b="0"/>
-      </a:lnRef>
-      <a:fillRef idx="0">
-        <a:scrgbClr r="0" g="0" b="0"/>
-      </a:fillRef>
-      <a:effectRef idx="0">
-        <a:scrgbClr r="0" g="0" b="0"/>
-      </a:effectRef>
-      <a:fontRef idx="minor"/>
-    </dgm:style>
-  </dgm:styleLbl>
-  <dgm:styleLbl name="parChTrans1D4">
-    <dgm:scene3d>
-      <a:camera prst="orthographicFront"/>
-      <a:lightRig rig="threePt" dir="t"/>
-    </dgm:scene3d>
-    <dgm:sp3d/>
-    <dgm:txPr/>
-    <dgm:style>
-      <a:lnRef idx="1">
-        <a:scrgbClr r="0" g="0" b="0"/>
-      </a:lnRef>
-      <a:fillRef idx="0">
-        <a:scrgbClr r="0" g="0" b="0"/>
-      </a:fillRef>
-      <a:effectRef idx="0">
-        <a:scrgbClr r="0" g="0" b="0"/>
-      </a:effectRef>
-      <a:fontRef idx="minor"/>
-    </dgm:style>
-  </dgm:styleLbl>
-  <dgm:styleLbl name="fgAcc1">
-    <dgm:scene3d>
-      <a:camera prst="orthographicFront"/>
-      <a:lightRig rig="threePt" dir="t"/>
-    </dgm:scene3d>
-    <dgm:sp3d/>
-    <dgm:txPr/>
-    <dgm:style>
-      <a:lnRef idx="1">
-        <a:scrgbClr r="0" g="0" b="0"/>
-      </a:lnRef>
-      <a:fillRef idx="1">
-        <a:scrgbClr r="0" g="0" b="0"/>
-      </a:fillRef>
-      <a:effectRef idx="0">
-        <a:scrgbClr r="0" g="0" b="0"/>
-      </a:effectRef>
-      <a:fontRef idx="minor"/>
-    </dgm:style>
-  </dgm:styleLbl>
-  <dgm:styleLbl name="conFgAcc1">
-    <dgm:scene3d>
-      <a:camera prst="orthographicFront"/>
-      <a:lightRig rig="threePt" dir="t"/>
-    </dgm:scene3d>
-    <dgm:sp3d/>
-    <dgm:txPr/>
-    <dgm:style>
-      <a:lnRef idx="1">
-        <a:scrgbClr r="0" g="0" b="0"/>
-      </a:lnRef>
-      <a:fillRef idx="1">
-        <a:scrgbClr r="0" g="0" b="0"/>
-      </a:fillRef>
-      <a:effectRef idx="0">
-        <a:scrgbClr r="0" g="0" b="0"/>
-      </a:effectRef>
-      <a:fontRef idx="minor"/>
-    </dgm:style>
-  </dgm:styleLbl>
-  <dgm:styleLbl name="alignAcc1">
-    <dgm:scene3d>
-      <a:camera prst="orthographicFront"/>
-      <a:lightRig rig="threePt" dir="t"/>
-    </dgm:scene3d>
-    <dgm:sp3d/>
-    <dgm:txPr/>
-    <dgm:style>
-      <a:lnRef idx="1">
-        <a:scrgbClr r="0" g="0" b="0"/>
-      </a:lnRef>
-      <a:fillRef idx="1">
-        <a:scrgbClr r="0" g="0" b="0"/>
-      </a:fillRef>
-      <a:effectRef idx="0">
-        <a:scrgbClr r="0" g="0" b="0"/>
-      </a:effectRef>
-      <a:fontRef idx="minor"/>
-    </dgm:style>
-  </dgm:styleLbl>
-  <dgm:styleLbl name="trAlignAcc1">
-    <dgm:scene3d>
-      <a:camera prst="orthographicFront"/>
-      <a:lightRig rig="threePt" dir="t"/>
-    </dgm:scene3d>
-    <dgm:sp3d/>
-    <dgm:txPr/>
-    <dgm:style>
-      <a:lnRef idx="1">
-        <a:scrgbClr r="0" g="0" b="0"/>
-      </a:lnRef>
-      <a:fillRef idx="1">
-        <a:scrgbClr r="0" g="0" b="0"/>
-      </a:fillRef>
-      <a:effectRef idx="0">
-        <a:scrgbClr r="0" g="0" b="0"/>
-      </a:effectRef>
-      <a:fontRef idx="minor"/>
-    </dgm:style>
-  </dgm:styleLbl>
-  <dgm:styleLbl name="bgAcc1">
-    <dgm:scene3d>
-      <a:camera prst="orthographicFront"/>
-      <a:lightRig rig="threePt" dir="t"/>
-    </dgm:scene3d>
-    <dgm:sp3d/>
-    <dgm:txPr/>
-    <dgm:style>
-      <a:lnRef idx="1">
-        <a:scrgbClr r="0" g="0" b="0"/>
-      </a:lnRef>
-      <a:fillRef idx="1">
-        <a:scrgbClr r="0" g="0" b="0"/>
-      </a:fillRef>
-      <a:effectRef idx="0">
-        <a:scrgbClr r="0" g="0" b="0"/>
-      </a:effectRef>
-      <a:fontRef idx="minor"/>
-    </dgm:style>
-  </dgm:styleLbl>
-  <dgm:styleLbl name="solidFgAcc1">
-    <dgm:scene3d>
-      <a:camera prst="orthographicFront"/>
-      <a:lightRig rig="threePt" dir="t"/>
-    </dgm:scene3d>
-    <dgm:sp3d/>
-    <dgm:txPr/>
-    <dgm:style>
-      <a:lnRef idx="1">
-        <a:scrgbClr r="0" g="0" b="0"/>
-      </a:lnRef>
-      <a:fillRef idx="1">
-        <a:scrgbClr r="0" g="0" b="0"/>
-      </a:fillRef>
-      <a:effectRef idx="0">
-        <a:scrgbClr r="0" g="0" b="0"/>
-      </a:effectRef>
-      <a:fontRef idx="minor"/>
-    </dgm:style>
-  </dgm:styleLbl>
-  <dgm:styleLbl name="solidAlignAcc1">
-    <dgm:scene3d>
-      <a:camera prst="orthographicFront"/>
-      <a:lightRig rig="threePt" dir="t"/>
-    </dgm:scene3d>
-    <dgm:sp3d/>
-    <dgm:txPr/>
-    <dgm:style>
-      <a:lnRef idx="1">
-        <a:scrgbClr r="0" g="0" b="0"/>
-      </a:lnRef>
-      <a:fillRef idx="1">
-        <a:scrgbClr r="0" g="0" b="0"/>
-      </a:fillRef>
-      <a:effectRef idx="0">
-        <a:scrgbClr r="0" g="0" b="0"/>
-      </a:effectRef>
-      <a:fontRef idx="minor"/>
-    </dgm:style>
-  </dgm:styleLbl>
-  <dgm:styleLbl name="solidBgAcc1">
-    <dgm:scene3d>
-      <a:camera prst="orthographicFront"/>
-      <a:lightRig rig="threePt" dir="t"/>
-    </dgm:scene3d>
-    <dgm:sp3d/>
-    <dgm:txPr/>
-    <dgm:style>
-      <a:lnRef idx="1">
-        <a:scrgbClr r="0" g="0" b="0"/>
-      </a:lnRef>
-      <a:fillRef idx="1">
-        <a:scrgbClr r="0" g="0" b="0"/>
-      </a:fillRef>
-      <a:effectRef idx="0">
-        <a:scrgbClr r="0" g="0" b="0"/>
-      </a:effectRef>
-      <a:fontRef idx="minor"/>
-    </dgm:style>
-  </dgm:styleLbl>
-  <dgm:styleLbl name="fgAccFollowNode1">
-    <dgm:scene3d>
-      <a:camera prst="orthographicFront"/>
-      <a:lightRig rig="threePt" dir="t"/>
-    </dgm:scene3d>
-    <dgm:sp3d/>
-    <dgm:txPr/>
-    <dgm:style>
-      <a:lnRef idx="1">
-        <a:scrgbClr r="0" g="0" b="0"/>
-      </a:lnRef>
-      <a:fillRef idx="1">
-        <a:scrgbClr r="0" g="0" b="0"/>
-      </a:fillRef>
-      <a:effectRef idx="0">
-        <a:scrgbClr r="0" g="0" b="0"/>
-      </a:effectRef>
-      <a:fontRef idx="minor"/>
-    </dgm:style>
-  </dgm:styleLbl>
-  <dgm:styleLbl name="alignAccFollowNode1">
-    <dgm:scene3d>
-      <a:camera prst="orthographicFront"/>
-      <a:lightRig rig="threePt" dir="t"/>
-    </dgm:scene3d>
-    <dgm:sp3d/>
-    <dgm:txPr/>
-    <dgm:style>
-      <a:lnRef idx="1">
-        <a:scrgbClr r="0" g="0" b="0"/>
-      </a:lnRef>
-      <a:fillRef idx="1">
-        <a:scrgbClr r="0" g="0" b="0"/>
-      </a:fillRef>
-      <a:effectRef idx="0">
-        <a:scrgbClr r="0" g="0" b="0"/>
-      </a:effectRef>
-      <a:fontRef idx="minor"/>
-    </dgm:style>
-  </dgm:styleLbl>
-  <dgm:styleLbl name="bgAccFollowNode1">
-    <dgm:scene3d>
-      <a:camera prst="orthographicFront"/>
-      <a:lightRig rig="threePt" dir="t"/>
-    </dgm:scene3d>
-    <dgm:sp3d/>
-    <dgm:txPr/>
-    <dgm:style>
-      <a:lnRef idx="1">
-        <a:scrgbClr r="0" g="0" b="0"/>
-      </a:lnRef>
-      <a:fillRef idx="1">
-        <a:scrgbClr r="0" g="0" b="0"/>
-      </a:fillRef>
-      <a:effectRef idx="0">
-        <a:scrgbClr r="0" g="0" b="0"/>
-      </a:effectRef>
-      <a:fontRef idx="minor"/>
-    </dgm:style>
-  </dgm:styleLbl>
-  <dgm:styleLbl name="fgAcc0">
-    <dgm:scene3d>
-      <a:camera prst="orthographicFront"/>
-      <a:lightRig rig="threePt" dir="t"/>
-    </dgm:scene3d>
-    <dgm:sp3d/>
-    <dgm:txPr/>
-    <dgm:style>
-      <a:lnRef idx="1">
-        <a:scrgbClr r="0" g="0" b="0"/>
-      </a:lnRef>
-      <a:fillRef idx="1">
-        <a:scrgbClr r="0" g="0" b="0"/>
-      </a:fillRef>
-      <a:effectRef idx="0">
-        <a:scrgbClr r="0" g="0" b="0"/>
-      </a:effectRef>
-      <a:fontRef idx="minor"/>
-    </dgm:style>
-  </dgm:styleLbl>
-  <dgm:styleLbl name="fgAcc2">
-    <dgm:scene3d>
-      <a:camera prst="orthographicFront"/>
-      <a:lightRig rig="threePt" dir="t"/>
-    </dgm:scene3d>
-    <dgm:sp3d/>
-    <dgm:txPr/>
-    <dgm:style>
-      <a:lnRef idx="1">
-        <a:scrgbClr r="0" g="0" b="0"/>
-      </a:lnRef>
-      <a:fillRef idx="1">
-        <a:scrgbClr r="0" g="0" b="0"/>
-      </a:fillRef>
-      <a:effectRef idx="0">
-        <a:scrgbClr r="0" g="0" b="0"/>
-      </a:effectRef>
-      <a:fontRef idx="minor"/>
-    </dgm:style>
-  </dgm:styleLbl>
-  <dgm:styleLbl name="fgAcc3">
-    <dgm:scene3d>
-      <a:camera prst="orthographicFront"/>
-      <a:lightRig rig="threePt" dir="t"/>
-    </dgm:scene3d>
-    <dgm:sp3d/>
-    <dgm:txPr/>
-    <dgm:style>
-      <a:lnRef idx="1">
-        <a:scrgbClr r="0" g="0" b="0"/>
-      </a:lnRef>
-      <a:fillRef idx="1">
-        <a:scrgbClr r="0" g="0" b="0"/>
-      </a:fillRef>
-      <a:effectRef idx="0">
-        <a:scrgbClr r="0" g="0" b="0"/>
-      </a:effectRef>
-      <a:fontRef idx="minor"/>
-    </dgm:style>
-  </dgm:styleLbl>
-  <dgm:styleLbl name="fgAcc4">
-    <dgm:scene3d>
-      <a:camera prst="orthographicFront"/>
-      <a:lightRig rig="threePt" dir="t"/>
-    </dgm:scene3d>
-    <dgm:sp3d/>
-    <dgm:txPr/>
-    <dgm:style>
-      <a:lnRef idx="1">
-        <a:scrgbClr r="0" g="0" b="0"/>
-      </a:lnRef>
-      <a:fillRef idx="1">
-        <a:scrgbClr r="0" g="0" b="0"/>
-      </a:fillRef>
-      <a:effectRef idx="0">
-        <a:scrgbClr r="0" g="0" b="0"/>
-      </a:effectRef>
-      <a:fontRef idx="minor"/>
-    </dgm:style>
-  </dgm:styleLbl>
-  <dgm:styleLbl name="bgShp">
-    <dgm:scene3d>
-      <a:camera prst="orthographicFront"/>
-      <a:lightRig rig="threePt" dir="t"/>
-    </dgm:scene3d>
-    <dgm:sp3d/>
-    <dgm:txPr/>
-    <dgm:style>
-      <a:lnRef idx="0">
-        <a:scrgbClr r="0" g="0" b="0"/>
-      </a:lnRef>
-      <a:fillRef idx="1">
-        <a:scrgbClr r="0" g="0" b="0"/>
-      </a:fillRef>
-      <a:effectRef idx="2">
-        <a:scrgbClr r="0" g="0" b="0"/>
-      </a:effectRef>
-      <a:fontRef idx="minor"/>
-    </dgm:style>
-  </dgm:styleLbl>
-  <dgm:styleLbl name="dkBgShp">
-    <dgm:scene3d>
-      <a:camera prst="orthographicFront"/>
-      <a:lightRig rig="threePt" dir="t"/>
-    </dgm:scene3d>
-    <dgm:sp3d/>
-    <dgm:txPr/>
-    <dgm:style>
-      <a:lnRef idx="0">
-        <a:scrgbClr r="0" g="0" b="0"/>
-      </a:lnRef>
-      <a:fillRef idx="1">
-        <a:scrgbClr r="0" g="0" b="0"/>
-      </a:fillRef>
-      <a:effectRef idx="2">
-        <a:scrgbClr r="0" g="0" b="0"/>
-      </a:effectRef>
-      <a:fontRef idx="minor"/>
-    </dgm:style>
-  </dgm:styleLbl>
-  <dgm:styleLbl name="trBgShp">
-    <dgm:scene3d>
-      <a:camera prst="orthographicFront"/>
-      <a:lightRig rig="threePt" dir="t"/>
-    </dgm:scene3d>
-    <dgm:sp3d/>
-    <dgm:txPr/>
-    <dgm:style>
-      <a:lnRef idx="0">
-        <a:scrgbClr r="0" g="0" b="0"/>
-      </a:lnRef>
-      <a:fillRef idx="1">
-        <a:scrgbClr r="0" g="0" b="0"/>
-      </a:fillRef>
-      <a:effectRef idx="0">
-        <a:scrgbClr r="0" g="0" b="0"/>
-      </a:effectRef>
-      <a:fontRef idx="minor"/>
-    </dgm:style>
-  </dgm:styleLbl>
-  <dgm:styleLbl name="fgShp">
-    <dgm:scene3d>
-      <a:camera prst="orthographicFront"/>
-      <a:lightRig rig="threePt" dir="t"/>
-    </dgm:scene3d>
-    <dgm:sp3d/>
-    <dgm:txPr/>
-    <dgm:style>
-      <a:lnRef idx="0">
-        <a:scrgbClr r="0" g="0" b="0"/>
-      </a:lnRef>
-      <a:fillRef idx="3">
-        <a:scrgbClr r="0" g="0" b="0"/>
-      </a:fillRef>
-      <a:effectRef idx="2">
-        <a:scrgbClr r="0" g="0" b="0"/>
-      </a:effectRef>
-      <a:fontRef idx="minor"/>
-    </dgm:style>
-  </dgm:styleLbl>
-  <dgm:styleLbl name="revTx">
-    <dgm:scene3d>
-      <a:camera prst="orthographicFront"/>
-      <a:lightRig rig="threePt" dir="t"/>
-    </dgm:scene3d>
-    <dgm:sp3d/>
-    <dgm:txPr/>
-    <dgm:style>
-      <a:lnRef idx="0">
-        <a:scrgbClr r="0" g="0" b="0"/>
-      </a:lnRef>
-      <a:fillRef idx="0">
-        <a:scrgbClr r="0" g="0" b="0"/>
-      </a:fillRef>
-      <a:effectRef idx="0">
-        <a:scrgbClr r="0" g="0" b="0"/>
-      </a:effectRef>
-      <a:fontRef idx="minor"/>
-    </dgm:style>
-  </dgm:styleLbl>
-</dgm:styleDef>
-</file>
-
-<file path=ppt/diagrams/quickStyle5.xml><?xml version="1.0" encoding="utf-8"?>
-<dgm:styleDef xmlns:dgm="http://schemas.openxmlformats.org/drawingml/2006/diagram" xmlns:a="http://schemas.openxmlformats.org/drawingml/2006/main" uniqueId="urn:microsoft.com/office/officeart/2005/8/quickstyle/simple4">
-  <dgm:title val=""/>
-  <dgm:desc val=""/>
-  <dgm:catLst>
-    <dgm:cat type="simple" pri="10400"/>
-  </dgm:catLst>
-  <dgm:scene3d>
-    <a:camera prst="orthographicFront"/>
-    <a:lightRig rig="threePt" dir="t"/>
-  </dgm:scene3d>
-  <dgm:styleLbl name="node0">
-    <dgm:scene3d>
-      <a:camera prst="orthographicFront"/>
-      <a:lightRig rig="threePt" dir="t"/>
-    </dgm:scene3d>
-    <dgm:sp3d/>
-    <dgm:txPr/>
-    <dgm:style>
-      <a:lnRef idx="0">
-        <a:scrgbClr r="0" g="0" b="0"/>
-      </a:lnRef>
-      <a:fillRef idx="3">
-        <a:scrgbClr r="0" g="0" b="0"/>
-      </a:fillRef>
-      <a:effectRef idx="2">
-        <a:scrgbClr r="0" g="0" b="0"/>
-      </a:effectRef>
-      <a:fontRef idx="minor">
-        <a:schemeClr val="lt1"/>
-      </a:fontRef>
-    </dgm:style>
-  </dgm:styleLbl>
-  <dgm:styleLbl name="lnNode1">
-    <dgm:scene3d>
-      <a:camera prst="orthographicFront"/>
-      <a:lightRig rig="threePt" dir="t"/>
-    </dgm:scene3d>
-    <dgm:sp3d/>
-    <dgm:txPr/>
-    <dgm:style>
-      <a:lnRef idx="1">
-        <a:scrgbClr r="0" g="0" b="0"/>
-      </a:lnRef>
-      <a:fillRef idx="3">
-        <a:scrgbClr r="0" g="0" b="0"/>
-      </a:fillRef>
-      <a:effectRef idx="2">
-        <a:scrgbClr r="0" g="0" b="0"/>
-      </a:effectRef>
-      <a:fontRef idx="minor">
-        <a:schemeClr val="lt1"/>
-      </a:fontRef>
-    </dgm:style>
-  </dgm:styleLbl>
-  <dgm:styleLbl name="vennNode1">
-    <dgm:scene3d>
-      <a:camera prst="orthographicFront"/>
-      <a:lightRig rig="threePt" dir="t"/>
-    </dgm:scene3d>
-    <dgm:sp3d/>
-    <dgm:txPr/>
-    <dgm:style>
-      <a:lnRef idx="0">
-        <a:scrgbClr r="0" g="0" b="0"/>
-      </a:lnRef>
-      <a:fillRef idx="3">
-        <a:scrgbClr r="0" g="0" b="0"/>
-      </a:fillRef>
-      <a:effectRef idx="0">
-        <a:scrgbClr r="0" g="0" b="0"/>
-      </a:effectRef>
-      <a:fontRef idx="minor">
-        <a:schemeClr val="tx1"/>
-      </a:fontRef>
-    </dgm:style>
-  </dgm:styleLbl>
-  <dgm:styleLbl name="alignNode1">
-    <dgm:scene3d>
-      <a:camera prst="orthographicFront"/>
-      <a:lightRig rig="threePt" dir="t"/>
-    </dgm:scene3d>
-    <dgm:sp3d/>
-    <dgm:txPr/>
-    <dgm:style>
-      <a:lnRef idx="1">
-        <a:scrgbClr r="0" g="0" b="0"/>
-      </a:lnRef>
-      <a:fillRef idx="3">
-        <a:scrgbClr r="0" g="0" b="0"/>
-      </a:fillRef>
-      <a:effectRef idx="2">
-        <a:scrgbClr r="0" g="0" b="0"/>
-      </a:effectRef>
-      <a:fontRef idx="minor">
-        <a:schemeClr val="lt1"/>
-      </a:fontRef>
-    </dgm:style>
-  </dgm:styleLbl>
-  <dgm:styleLbl name="node1">
-    <dgm:scene3d>
-      <a:camera prst="orthographicFront"/>
-      <a:lightRig rig="threePt" dir="t"/>
-    </dgm:scene3d>
-    <dgm:sp3d/>
-    <dgm:txPr/>
-    <dgm:style>
-      <a:lnRef idx="0">
-        <a:scrgbClr r="0" g="0" b="0"/>
-      </a:lnRef>
-      <a:fillRef idx="3">
-        <a:scrgbClr r="0" g="0" b="0"/>
-      </a:fillRef>
-      <a:effectRef idx="2">
-        <a:scrgbClr r="0" g="0" b="0"/>
-      </a:effectRef>
-      <a:fontRef idx="minor">
-        <a:schemeClr val="lt1"/>
-      </a:fontRef>
-    </dgm:style>
-  </dgm:styleLbl>
-  <dgm:styleLbl name="node2">
-    <dgm:scene3d>
-      <a:camera prst="orthographicFront"/>
-      <a:lightRig rig="threePt" dir="t"/>
-    </dgm:scene3d>
-    <dgm:sp3d/>
-    <dgm:txPr/>
-    <dgm:style>
-      <a:lnRef idx="0">
-        <a:scrgbClr r="0" g="0" b="0"/>
-      </a:lnRef>
-      <a:fillRef idx="3">
-        <a:scrgbClr r="0" g="0" b="0"/>
-      </a:fillRef>
-      <a:effectRef idx="2">
-        <a:scrgbClr r="0" g="0" b="0"/>
-      </a:effectRef>
-      <a:fontRef idx="minor">
-        <a:schemeClr val="lt1"/>
-      </a:fontRef>
-    </dgm:style>
-  </dgm:styleLbl>
-  <dgm:styleLbl name="node3">
-    <dgm:scene3d>
-      <a:camera prst="orthographicFront"/>
-      <a:lightRig rig="threePt" dir="t"/>
-    </dgm:scene3d>
-    <dgm:sp3d/>
-    <dgm:txPr/>
-    <dgm:style>
-      <a:lnRef idx="0">
-        <a:scrgbClr r="0" g="0" b="0"/>
-      </a:lnRef>
-      <a:fillRef idx="3">
-        <a:scrgbClr r="0" g="0" b="0"/>
-      </a:fillRef>
-      <a:effectRef idx="2">
-        <a:scrgbClr r="0" g="0" b="0"/>
-      </a:effectRef>
-      <a:fontRef idx="minor">
-        <a:schemeClr val="lt1"/>
-      </a:fontRef>
-    </dgm:style>
-  </dgm:styleLbl>
-  <dgm:styleLbl name="node4">
-    <dgm:scene3d>
-      <a:camera prst="orthographicFront"/>
-      <a:lightRig rig="threePt" dir="t"/>
-    </dgm:scene3d>
-    <dgm:sp3d/>
-    <dgm:txPr/>
-    <dgm:style>
-      <a:lnRef idx="0">
-        <a:scrgbClr r="0" g="0" b="0"/>
-      </a:lnRef>
-      <a:fillRef idx="3">
-        <a:scrgbClr r="0" g="0" b="0"/>
-      </a:fillRef>
-      <a:effectRef idx="2">
-        <a:scrgbClr r="0" g="0" b="0"/>
-      </a:effectRef>
-      <a:fontRef idx="minor">
-        <a:schemeClr val="lt1"/>
-      </a:fontRef>
-    </dgm:style>
-  </dgm:styleLbl>
-  <dgm:styleLbl name="fgImgPlace1">
-    <dgm:scene3d>
-      <a:camera prst="orthographicFront"/>
-      <a:lightRig rig="threePt" dir="t"/>
-    </dgm:scene3d>
-    <dgm:sp3d/>
-    <dgm:txPr/>
-    <dgm:style>
-      <a:lnRef idx="0">
-        <a:scrgbClr r="0" g="0" b="0"/>
-      </a:lnRef>
-      <a:fillRef idx="1">
-        <a:scrgbClr r="0" g="0" b="0"/>
-      </a:fillRef>
-      <a:effectRef idx="2">
-        <a:scrgbClr r="0" g="0" b="0"/>
-      </a:effectRef>
-      <a:fontRef idx="minor"/>
-    </dgm:style>
-  </dgm:styleLbl>
-  <dgm:styleLbl name="alignImgPlace1">
-    <dgm:scene3d>
-      <a:camera prst="orthographicFront"/>
-      <a:lightRig rig="threePt" dir="t"/>
-    </dgm:scene3d>
-    <dgm:sp3d/>
-    <dgm:txPr/>
-    <dgm:style>
-      <a:lnRef idx="0">
-        <a:scrgbClr r="0" g="0" b="0"/>
-      </a:lnRef>
-      <a:fillRef idx="1">
-        <a:scrgbClr r="0" g="0" b="0"/>
-      </a:fillRef>
-      <a:effectRef idx="2">
-        <a:scrgbClr r="0" g="0" b="0"/>
-      </a:effectRef>
-      <a:fontRef idx="minor"/>
-    </dgm:style>
-  </dgm:styleLbl>
-  <dgm:styleLbl name="bgImgPlace1">
-    <dgm:scene3d>
-      <a:camera prst="orthographicFront"/>
-      <a:lightRig rig="threePt" dir="t"/>
-    </dgm:scene3d>
-    <dgm:sp3d/>
-    <dgm:txPr/>
-    <dgm:style>
-      <a:lnRef idx="0">
-        <a:scrgbClr r="0" g="0" b="0"/>
-      </a:lnRef>
-      <a:fillRef idx="1">
-        <a:scrgbClr r="0" g="0" b="0"/>
-      </a:fillRef>
-      <a:effectRef idx="2">
-        <a:scrgbClr r="0" g="0" b="0"/>
-      </a:effectRef>
-      <a:fontRef idx="minor"/>
-    </dgm:style>
-  </dgm:styleLbl>
-  <dgm:styleLbl name="sibTrans2D1">
-    <dgm:scene3d>
-      <a:camera prst="orthographicFront"/>
-      <a:lightRig rig="threePt" dir="t"/>
-    </dgm:scene3d>
-    <dgm:sp3d/>
-    <dgm:txPr/>
-    <dgm:style>
-      <a:lnRef idx="0">
-        <a:scrgbClr r="0" g="0" b="0"/>
-      </a:lnRef>
-      <a:fillRef idx="3">
-        <a:scrgbClr r="0" g="0" b="0"/>
-      </a:fillRef>
-      <a:effectRef idx="2">
-        <a:scrgbClr r="0" g="0" b="0"/>
-      </a:effectRef>
-      <a:fontRef idx="minor">
-        <a:schemeClr val="lt1"/>
-      </a:fontRef>
-    </dgm:style>
-  </dgm:styleLbl>
-  <dgm:styleLbl name="fgSibTrans2D1">
-    <dgm:scene3d>
-      <a:camera prst="orthographicFront"/>
-      <a:lightRig rig="threePt" dir="t"/>
-    </dgm:scene3d>
-    <dgm:sp3d/>
-    <dgm:txPr/>
-    <dgm:style>
-      <a:lnRef idx="0">
-        <a:scrgbClr r="0" g="0" b="0"/>
-      </a:lnRef>
-      <a:fillRef idx="3">
-        <a:scrgbClr r="0" g="0" b="0"/>
-      </a:fillRef>
-      <a:effectRef idx="2">
-        <a:scrgbClr r="0" g="0" b="0"/>
-      </a:effectRef>
-      <a:fontRef idx="minor">
-        <a:schemeClr val="lt1"/>
-      </a:fontRef>
-    </dgm:style>
-  </dgm:styleLbl>
-  <dgm:styleLbl name="bgSibTrans2D1">
-    <dgm:scene3d>
-      <a:camera prst="orthographicFront"/>
-      <a:lightRig rig="threePt" dir="t"/>
-    </dgm:scene3d>
-    <dgm:sp3d/>
-    <dgm:txPr/>
-    <dgm:style>
-      <a:lnRef idx="0">
-        <a:scrgbClr r="0" g="0" b="0"/>
-      </a:lnRef>
-      <a:fillRef idx="3">
-        <a:scrgbClr r="0" g="0" b="0"/>
-      </a:fillRef>
-      <a:effectRef idx="2">
-        <a:scrgbClr r="0" g="0" b="0"/>
-      </a:effectRef>
-      <a:fontRef idx="minor">
-        <a:schemeClr val="lt1"/>
-      </a:fontRef>
-    </dgm:style>
-  </dgm:styleLbl>
-  <dgm:styleLbl name="sibTrans1D1">
-    <dgm:scene3d>
-      <a:camera prst="orthographicFront"/>
-      <a:lightRig rig="threePt" dir="t"/>
-    </dgm:scene3d>
-    <dgm:sp3d/>
-    <dgm:txPr/>
-    <dgm:style>
-      <a:lnRef idx="1">
-        <a:scrgbClr r="0" g="0" b="0"/>
-      </a:lnRef>
-      <a:fillRef idx="0">
-        <a:scrgbClr r="0" g="0" b="0"/>
-      </a:fillRef>
-      <a:effectRef idx="0">
-        <a:scrgbClr r="0" g="0" b="0"/>
-      </a:effectRef>
-      <a:fontRef idx="minor"/>
-    </dgm:style>
-  </dgm:styleLbl>
-  <dgm:styleLbl name="callout">
-    <dgm:scene3d>
-      <a:camera prst="orthographicFront"/>
-      <a:lightRig rig="threePt" dir="t"/>
-    </dgm:scene3d>
-    <dgm:sp3d/>
-    <dgm:txPr/>
-    <dgm:style>
-      <a:lnRef idx="2">
-        <a:scrgbClr r="0" g="0" b="0"/>
-      </a:lnRef>
-      <a:fillRef idx="1">
-        <a:scrgbClr r="0" g="0" b="0"/>
-      </a:fillRef>
-      <a:effectRef idx="1">
-        <a:scrgbClr r="0" g="0" b="0"/>
-      </a:effectRef>
-      <a:fontRef idx="minor"/>
-    </dgm:style>
-  </dgm:styleLbl>
-  <dgm:styleLbl name="asst0">
-    <dgm:scene3d>
-      <a:camera prst="orthographicFront"/>
-      <a:lightRig rig="threePt" dir="t"/>
-    </dgm:scene3d>
-    <dgm:sp3d/>
-    <dgm:txPr/>
-    <dgm:style>
-      <a:lnRef idx="0">
-        <a:scrgbClr r="0" g="0" b="0"/>
-      </a:lnRef>
-      <a:fillRef idx="3">
-        <a:scrgbClr r="0" g="0" b="0"/>
-      </a:fillRef>
-      <a:effectRef idx="2">
-        <a:scrgbClr r="0" g="0" b="0"/>
-      </a:effectRef>
-      <a:fontRef idx="minor">
-        <a:schemeClr val="lt1"/>
-      </a:fontRef>
-    </dgm:style>
-  </dgm:styleLbl>
-  <dgm:styleLbl name="asst1">
-    <dgm:scene3d>
-      <a:camera prst="orthographicFront"/>
-      <a:lightRig rig="threePt" dir="t"/>
-    </dgm:scene3d>
-    <dgm:sp3d/>
-    <dgm:txPr/>
-    <dgm:style>
-      <a:lnRef idx="0">
-        <a:scrgbClr r="0" g="0" b="0"/>
-      </a:lnRef>
-      <a:fillRef idx="3">
-        <a:scrgbClr r="0" g="0" b="0"/>
-      </a:fillRef>
-      <a:effectRef idx="2">
-        <a:scrgbClr r="0" g="0" b="0"/>
-      </a:effectRef>
-      <a:fontRef idx="minor">
-        <a:schemeClr val="lt1"/>
-      </a:fontRef>
-    </dgm:style>
-  </dgm:styleLbl>
-  <dgm:styleLbl name="asst2">
-    <dgm:scene3d>
-      <a:camera prst="orthographicFront"/>
-      <a:lightRig rig="threePt" dir="t"/>
-    </dgm:scene3d>
-    <dgm:sp3d/>
-    <dgm:txPr/>
-    <dgm:style>
-      <a:lnRef idx="0">
-        <a:scrgbClr r="0" g="0" b="0"/>
-      </a:lnRef>
-      <a:fillRef idx="3">
-        <a:scrgbClr r="0" g="0" b="0"/>
-      </a:fillRef>
-      <a:effectRef idx="2">
-        <a:scrgbClr r="0" g="0" b="0"/>
-      </a:effectRef>
-      <a:fontRef idx="minor">
-        <a:schemeClr val="lt1"/>
-      </a:fontRef>
-    </dgm:style>
-  </dgm:styleLbl>
-  <dgm:styleLbl name="asst3">
-    <dgm:scene3d>
-      <a:camera prst="orthographicFront"/>
-      <a:lightRig rig="threePt" dir="t"/>
-    </dgm:scene3d>
-    <dgm:sp3d/>
-    <dgm:txPr/>
-    <dgm:style>
-      <a:lnRef idx="0">
-        <a:scrgbClr r="0" g="0" b="0"/>
-      </a:lnRef>
-      <a:fillRef idx="3">
-        <a:scrgbClr r="0" g="0" b="0"/>
-      </a:fillRef>
-      <a:effectRef idx="2">
-        <a:scrgbClr r="0" g="0" b="0"/>
-      </a:effectRef>
-      <a:fontRef idx="minor">
-        <a:schemeClr val="lt1"/>
-      </a:fontRef>
-    </dgm:style>
-  </dgm:styleLbl>
-  <dgm:styleLbl name="asst4">
-    <dgm:scene3d>
-      <a:camera prst="orthographicFront"/>
-      <a:lightRig rig="threePt" dir="t"/>
-    </dgm:scene3d>
-    <dgm:sp3d/>
-    <dgm:txPr/>
-    <dgm:style>
-      <a:lnRef idx="0">
-        <a:scrgbClr r="0" g="0" b="0"/>
-      </a:lnRef>
-      <a:fillRef idx="3">
-        <a:scrgbClr r="0" g="0" b="0"/>
-      </a:fillRef>
-      <a:effectRef idx="2">
-        <a:scrgbClr r="0" g="0" b="0"/>
-      </a:effectRef>
-      <a:fontRef idx="minor">
-        <a:schemeClr val="lt1"/>
-      </a:fontRef>
-    </dgm:style>
-  </dgm:styleLbl>
-  <dgm:styleLbl name="parChTrans2D1">
-    <dgm:scene3d>
-      <a:camera prst="orthographicFront"/>
-      <a:lightRig rig="threePt" dir="t"/>
-    </dgm:scene3d>
-    <dgm:sp3d/>
-    <dgm:txPr/>
-    <dgm:style>
-      <a:lnRef idx="0">
-        <a:scrgbClr r="0" g="0" b="0"/>
-      </a:lnRef>
-      <a:fillRef idx="3">
-        <a:scrgbClr r="0" g="0" b="0"/>
-      </a:fillRef>
-      <a:effectRef idx="2">
-        <a:scrgbClr r="0" g="0" b="0"/>
-      </a:effectRef>
-      <a:fontRef idx="minor">
-        <a:schemeClr val="lt1"/>
-      </a:fontRef>
-    </dgm:style>
-  </dgm:styleLbl>
-  <dgm:styleLbl name="parChTrans2D2">
-    <dgm:scene3d>
-      <a:camera prst="orthographicFront"/>
-      <a:lightRig rig="threePt" dir="t"/>
-    </dgm:scene3d>
-    <dgm:sp3d/>
-    <dgm:txPr/>
-    <dgm:style>
-      <a:lnRef idx="0">
-        <a:scrgbClr r="0" g="0" b="0"/>
-      </a:lnRef>
-      <a:fillRef idx="3">
-        <a:scrgbClr r="0" g="0" b="0"/>
-      </a:fillRef>
-      <a:effectRef idx="2">
-        <a:scrgbClr r="0" g="0" b="0"/>
-      </a:effectRef>
-      <a:fontRef idx="minor">
-        <a:schemeClr val="lt1"/>
-      </a:fontRef>
-    </dgm:style>
-  </dgm:styleLbl>
-  <dgm:styleLbl name="parChTrans2D3">
-    <dgm:scene3d>
-      <a:camera prst="orthographicFront"/>
-      <a:lightRig rig="threePt" dir="t"/>
-    </dgm:scene3d>
-    <dgm:sp3d/>
-    <dgm:txPr/>
-    <dgm:style>
-      <a:lnRef idx="1">
-        <a:scrgbClr r="0" g="0" b="0"/>
-      </a:lnRef>
-      <a:fillRef idx="3">
-        <a:scrgbClr r="0" g="0" b="0"/>
-      </a:fillRef>
-      <a:effectRef idx="2">
-        <a:scrgbClr r="0" g="0" b="0"/>
-      </a:effectRef>
-      <a:fontRef idx="minor">
-        <a:schemeClr val="lt1"/>
-      </a:fontRef>
-    </dgm:style>
-  </dgm:styleLbl>
-  <dgm:styleLbl name="parChTrans2D4">
-    <dgm:scene3d>
-      <a:camera prst="orthographicFront"/>
-      <a:lightRig rig="threePt" dir="t"/>
-    </dgm:scene3d>
-    <dgm:sp3d/>
-    <dgm:txPr/>
-    <dgm:style>
-      <a:lnRef idx="1">
-        <a:scrgbClr r="0" g="0" b="0"/>
-      </a:lnRef>
-      <a:fillRef idx="3">
-        <a:scrgbClr r="0" g="0" b="0"/>
-      </a:fillRef>
-      <a:effectRef idx="2">
-        <a:scrgbClr r="0" g="0" b="0"/>
-      </a:effectRef>
-      <a:fontRef idx="minor">
-        <a:schemeClr val="lt1"/>
-      </a:fontRef>
-    </dgm:style>
-  </dgm:styleLbl>
-  <dgm:styleLbl name="parChTrans1D1">
-    <dgm:scene3d>
-      <a:camera prst="orthographicFront"/>
-      <a:lightRig rig="threePt" dir="t"/>
-    </dgm:scene3d>
-    <dgm:sp3d/>
-    <dgm:txPr/>
-    <dgm:style>
-      <a:lnRef idx="1">
-        <a:scrgbClr r="0" g="0" b="0"/>
-      </a:lnRef>
-      <a:fillRef idx="0">
-        <a:scrgbClr r="0" g="0" b="0"/>
-      </a:fillRef>
-      <a:effectRef idx="0">
-        <a:scrgbClr r="0" g="0" b="0"/>
-      </a:effectRef>
-      <a:fontRef idx="minor"/>
-    </dgm:style>
-  </dgm:styleLbl>
-  <dgm:styleLbl name="parChTrans1D2">
-    <dgm:scene3d>
-      <a:camera prst="orthographicFront"/>
-      <a:lightRig rig="threePt" dir="t"/>
-    </dgm:scene3d>
-    <dgm:sp3d/>
-    <dgm:txPr/>
-    <dgm:style>
-      <a:lnRef idx="1">
-        <a:scrgbClr r="0" g="0" b="0"/>
-      </a:lnRef>
-      <a:fillRef idx="0">
-        <a:scrgbClr r="0" g="0" b="0"/>
-      </a:fillRef>
-      <a:effectRef idx="0">
-        <a:scrgbClr r="0" g="0" b="0"/>
-      </a:effectRef>
-      <a:fontRef idx="minor"/>
-    </dgm:style>
-  </dgm:styleLbl>
-  <dgm:styleLbl name="parChTrans1D3">
-    <dgm:scene3d>
-      <a:camera prst="orthographicFront"/>
-      <a:lightRig rig="threePt" dir="t"/>
-    </dgm:scene3d>
-    <dgm:sp3d/>
-    <dgm:txPr/>
-    <dgm:style>
-      <a:lnRef idx="1">
-        <a:scrgbClr r="0" g="0" b="0"/>
-      </a:lnRef>
-      <a:fillRef idx="0">
-        <a:scrgbClr r="0" g="0" b="0"/>
-      </a:fillRef>
-      <a:effectRef idx="0">
-        <a:scrgbClr r="0" g="0" b="0"/>
-      </a:effectRef>
-      <a:fontRef idx="minor"/>
-    </dgm:style>
-  </dgm:styleLbl>
-  <dgm:styleLbl name="parChTrans1D4">
-    <dgm:scene3d>
-      <a:camera prst="orthographicFront"/>
-      <a:lightRig rig="threePt" dir="t"/>
-    </dgm:scene3d>
-    <dgm:sp3d/>
-    <dgm:txPr/>
-    <dgm:style>
-      <a:lnRef idx="1">
-        <a:scrgbClr r="0" g="0" b="0"/>
-      </a:lnRef>
-      <a:fillRef idx="0">
-        <a:scrgbClr r="0" g="0" b="0"/>
-      </a:fillRef>
-      <a:effectRef idx="0">
-        <a:scrgbClr r="0" g="0" b="0"/>
-      </a:effectRef>
-      <a:fontRef idx="minor"/>
-    </dgm:style>
-  </dgm:styleLbl>
-  <dgm:styleLbl name="fgAcc1">
-    <dgm:scene3d>
-      <a:camera prst="orthographicFront"/>
-      <a:lightRig rig="threePt" dir="t"/>
-    </dgm:scene3d>
-    <dgm:sp3d/>
-    <dgm:txPr/>
-    <dgm:style>
-      <a:lnRef idx="1">
-        <a:scrgbClr r="0" g="0" b="0"/>
-      </a:lnRef>
-      <a:fillRef idx="1">
-        <a:scrgbClr r="0" g="0" b="0"/>
-      </a:fillRef>
-      <a:effectRef idx="0">
-        <a:scrgbClr r="0" g="0" b="0"/>
-      </a:effectRef>
-      <a:fontRef idx="minor"/>
-    </dgm:style>
-  </dgm:styleLbl>
-  <dgm:styleLbl name="conFgAcc1">
-    <dgm:scene3d>
-      <a:camera prst="orthographicFront"/>
-      <a:lightRig rig="threePt" dir="t"/>
-    </dgm:scene3d>
-    <dgm:sp3d/>
-    <dgm:txPr/>
-    <dgm:style>
-      <a:lnRef idx="1">
-        <a:scrgbClr r="0" g="0" b="0"/>
-      </a:lnRef>
-      <a:fillRef idx="1">
-        <a:scrgbClr r="0" g="0" b="0"/>
-      </a:fillRef>
-      <a:effectRef idx="0">
-        <a:scrgbClr r="0" g="0" b="0"/>
-      </a:effectRef>
-      <a:fontRef idx="minor"/>
-    </dgm:style>
-  </dgm:styleLbl>
-  <dgm:styleLbl name="alignAcc1">
-    <dgm:scene3d>
-      <a:camera prst="orthographicFront"/>
-      <a:lightRig rig="threePt" dir="t"/>
-    </dgm:scene3d>
-    <dgm:sp3d/>
-    <dgm:txPr/>
-    <dgm:style>
-      <a:lnRef idx="1">
-        <a:scrgbClr r="0" g="0" b="0"/>
-      </a:lnRef>
-      <a:fillRef idx="1">
-        <a:scrgbClr r="0" g="0" b="0"/>
-      </a:fillRef>
-      <a:effectRef idx="0">
-        <a:scrgbClr r="0" g="0" b="0"/>
-      </a:effectRef>
-      <a:fontRef idx="minor"/>
-    </dgm:style>
-  </dgm:styleLbl>
-  <dgm:styleLbl name="trAlignAcc1">
-    <dgm:scene3d>
-      <a:camera prst="orthographicFront"/>
-      <a:lightRig rig="threePt" dir="t"/>
-    </dgm:scene3d>
-    <dgm:sp3d/>
-    <dgm:txPr/>
-    <dgm:style>
-      <a:lnRef idx="1">
-        <a:scrgbClr r="0" g="0" b="0"/>
-      </a:lnRef>
-      <a:fillRef idx="1">
-        <a:scrgbClr r="0" g="0" b="0"/>
-      </a:fillRef>
-      <a:effectRef idx="0">
-        <a:scrgbClr r="0" g="0" b="0"/>
-      </a:effectRef>
-      <a:fontRef idx="minor"/>
-    </dgm:style>
-  </dgm:styleLbl>
-  <dgm:styleLbl name="bgAcc1">
-    <dgm:scene3d>
-      <a:camera prst="orthographicFront"/>
-      <a:lightRig rig="threePt" dir="t"/>
-    </dgm:scene3d>
-    <dgm:sp3d/>
-    <dgm:txPr/>
-    <dgm:style>
-      <a:lnRef idx="1">
-        <a:scrgbClr r="0" g="0" b="0"/>
-      </a:lnRef>
-      <a:fillRef idx="1">
-        <a:scrgbClr r="0" g="0" b="0"/>
-      </a:fillRef>
-      <a:effectRef idx="0">
-        <a:scrgbClr r="0" g="0" b="0"/>
-      </a:effectRef>
-      <a:fontRef idx="minor"/>
-    </dgm:style>
-  </dgm:styleLbl>
-  <dgm:styleLbl name="solidFgAcc1">
-    <dgm:scene3d>
-      <a:camera prst="orthographicFront"/>
-      <a:lightRig rig="threePt" dir="t"/>
-    </dgm:scene3d>
-    <dgm:sp3d/>
-    <dgm:txPr/>
-    <dgm:style>
-      <a:lnRef idx="1">
-        <a:scrgbClr r="0" g="0" b="0"/>
-      </a:lnRef>
-      <a:fillRef idx="1">
-        <a:scrgbClr r="0" g="0" b="0"/>
-      </a:fillRef>
-      <a:effectRef idx="0">
-        <a:scrgbClr r="0" g="0" b="0"/>
-      </a:effectRef>
-      <a:fontRef idx="minor"/>
-    </dgm:style>
-  </dgm:styleLbl>
-  <dgm:styleLbl name="solidAlignAcc1">
-    <dgm:scene3d>
-      <a:camera prst="orthographicFront"/>
-      <a:lightRig rig="threePt" dir="t"/>
-    </dgm:scene3d>
-    <dgm:sp3d/>
-    <dgm:txPr/>
-    <dgm:style>
-      <a:lnRef idx="1">
-        <a:scrgbClr r="0" g="0" b="0"/>
-      </a:lnRef>
-      <a:fillRef idx="1">
-        <a:scrgbClr r="0" g="0" b="0"/>
-      </a:fillRef>
-      <a:effectRef idx="0">
-        <a:scrgbClr r="0" g="0" b="0"/>
-      </a:effectRef>
-      <a:fontRef idx="minor"/>
-    </dgm:style>
-  </dgm:styleLbl>
-  <dgm:styleLbl name="solidBgAcc1">
-    <dgm:scene3d>
-      <a:camera prst="orthographicFront"/>
-      <a:lightRig rig="threePt" dir="t"/>
-    </dgm:scene3d>
-    <dgm:sp3d/>
-    <dgm:txPr/>
-    <dgm:style>
-      <a:lnRef idx="1">
-        <a:scrgbClr r="0" g="0" b="0"/>
-      </a:lnRef>
-      <a:fillRef idx="1">
-        <a:scrgbClr r="0" g="0" b="0"/>
-      </a:fillRef>
-      <a:effectRef idx="0">
-        <a:scrgbClr r="0" g="0" b="0"/>
-      </a:effectRef>
-      <a:fontRef idx="minor"/>
-    </dgm:style>
-  </dgm:styleLbl>
-  <dgm:styleLbl name="fgAccFollowNode1">
-    <dgm:scene3d>
-      <a:camera prst="orthographicFront"/>
-      <a:lightRig rig="threePt" dir="t"/>
-    </dgm:scene3d>
-    <dgm:sp3d/>
-    <dgm:txPr/>
-    <dgm:style>
-      <a:lnRef idx="1">
-        <a:scrgbClr r="0" g="0" b="0"/>
-      </a:lnRef>
-      <a:fillRef idx="1">
-        <a:scrgbClr r="0" g="0" b="0"/>
-      </a:fillRef>
-      <a:effectRef idx="0">
-        <a:scrgbClr r="0" g="0" b="0"/>
-      </a:effectRef>
-      <a:fontRef idx="minor"/>
-    </dgm:style>
-  </dgm:styleLbl>
-  <dgm:styleLbl name="alignAccFollowNode1">
-    <dgm:scene3d>
-      <a:camera prst="orthographicFront"/>
-      <a:lightRig rig="threePt" dir="t"/>
-    </dgm:scene3d>
-    <dgm:sp3d/>
-    <dgm:txPr/>
-    <dgm:style>
-      <a:lnRef idx="1">
-        <a:scrgbClr r="0" g="0" b="0"/>
-      </a:lnRef>
-      <a:fillRef idx="1">
-        <a:scrgbClr r="0" g="0" b="0"/>
-      </a:fillRef>
-      <a:effectRef idx="0">
-        <a:scrgbClr r="0" g="0" b="0"/>
-      </a:effectRef>
-      <a:fontRef idx="minor"/>
-    </dgm:style>
-  </dgm:styleLbl>
-  <dgm:styleLbl name="bgAccFollowNode1">
-    <dgm:scene3d>
-      <a:camera prst="orthographicFront"/>
-      <a:lightRig rig="threePt" dir="t"/>
-    </dgm:scene3d>
-    <dgm:sp3d/>
-    <dgm:txPr/>
-    <dgm:style>
-      <a:lnRef idx="1">
-        <a:scrgbClr r="0" g="0" b="0"/>
-      </a:lnRef>
-      <a:fillRef idx="1">
-        <a:scrgbClr r="0" g="0" b="0"/>
-      </a:fillRef>
-      <a:effectRef idx="0">
-        <a:scrgbClr r="0" g="0" b="0"/>
-      </a:effectRef>
-      <a:fontRef idx="minor"/>
-    </dgm:style>
-  </dgm:styleLbl>
-  <dgm:styleLbl name="fgAcc0">
-    <dgm:scene3d>
-      <a:camera prst="orthographicFront"/>
-      <a:lightRig rig="threePt" dir="t"/>
-    </dgm:scene3d>
-    <dgm:sp3d/>
-    <dgm:txPr/>
-    <dgm:style>
-      <a:lnRef idx="1">
-        <a:scrgbClr r="0" g="0" b="0"/>
-      </a:lnRef>
-      <a:fillRef idx="1">
-        <a:scrgbClr r="0" g="0" b="0"/>
-      </a:fillRef>
-      <a:effectRef idx="0">
-        <a:scrgbClr r="0" g="0" b="0"/>
-      </a:effectRef>
-      <a:fontRef idx="minor"/>
-    </dgm:style>
-  </dgm:styleLbl>
-  <dgm:styleLbl name="fgAcc2">
-    <dgm:scene3d>
-      <a:camera prst="orthographicFront"/>
-      <a:lightRig rig="threePt" dir="t"/>
-    </dgm:scene3d>
-    <dgm:sp3d/>
-    <dgm:txPr/>
-    <dgm:style>
-      <a:lnRef idx="1">
-        <a:scrgbClr r="0" g="0" b="0"/>
-      </a:lnRef>
-      <a:fillRef idx="1">
-        <a:scrgbClr r="0" g="0" b="0"/>
-      </a:fillRef>
-      <a:effectRef idx="0">
-        <a:scrgbClr r="0" g="0" b="0"/>
-      </a:effectRef>
-      <a:fontRef idx="minor"/>
-    </dgm:style>
-  </dgm:styleLbl>
-  <dgm:styleLbl name="fgAcc3">
-    <dgm:scene3d>
-      <a:camera prst="orthographicFront"/>
-      <a:lightRig rig="threePt" dir="t"/>
-    </dgm:scene3d>
-    <dgm:sp3d/>
-    <dgm:txPr/>
-    <dgm:style>
-      <a:lnRef idx="1">
-        <a:scrgbClr r="0" g="0" b="0"/>
-      </a:lnRef>
-      <a:fillRef idx="1">
-        <a:scrgbClr r="0" g="0" b="0"/>
-      </a:fillRef>
-      <a:effectRef idx="0">
-        <a:scrgbClr r="0" g="0" b="0"/>
-      </a:effectRef>
-      <a:fontRef idx="minor"/>
-    </dgm:style>
-  </dgm:styleLbl>
-  <dgm:styleLbl name="fgAcc4">
-    <dgm:scene3d>
-      <a:camera prst="orthographicFront"/>
-      <a:lightRig rig="threePt" dir="t"/>
-    </dgm:scene3d>
-    <dgm:sp3d/>
-    <dgm:txPr/>
-    <dgm:style>
-      <a:lnRef idx="1">
-        <a:scrgbClr r="0" g="0" b="0"/>
-      </a:lnRef>
-      <a:fillRef idx="1">
-        <a:scrgbClr r="0" g="0" b="0"/>
-      </a:fillRef>
-      <a:effectRef idx="0">
-        <a:scrgbClr r="0" g="0" b="0"/>
-      </a:effectRef>
-      <a:fontRef idx="minor"/>
-    </dgm:style>
-  </dgm:styleLbl>
-  <dgm:styleLbl name="bgShp">
-    <dgm:scene3d>
-      <a:camera prst="orthographicFront"/>
-      <a:lightRig rig="threePt" dir="t"/>
-    </dgm:scene3d>
-    <dgm:sp3d/>
-    <dgm:txPr/>
-    <dgm:style>
-      <a:lnRef idx="0">
-        <a:scrgbClr r="0" g="0" b="0"/>
-      </a:lnRef>
-      <a:fillRef idx="1">
-        <a:scrgbClr r="0" g="0" b="0"/>
-      </a:fillRef>
-      <a:effectRef idx="2">
-        <a:scrgbClr r="0" g="0" b="0"/>
-      </a:effectRef>
-      <a:fontRef idx="minor"/>
-    </dgm:style>
-  </dgm:styleLbl>
-  <dgm:styleLbl name="dkBgShp">
-    <dgm:scene3d>
-      <a:camera prst="orthographicFront"/>
-      <a:lightRig rig="threePt" dir="t"/>
-    </dgm:scene3d>
-    <dgm:sp3d/>
-    <dgm:txPr/>
-    <dgm:style>
-      <a:lnRef idx="0">
-        <a:scrgbClr r="0" g="0" b="0"/>
-      </a:lnRef>
-      <a:fillRef idx="1">
-        <a:scrgbClr r="0" g="0" b="0"/>
-      </a:fillRef>
-      <a:effectRef idx="2">
-        <a:scrgbClr r="0" g="0" b="0"/>
-      </a:effectRef>
-      <a:fontRef idx="minor"/>
-    </dgm:style>
-  </dgm:styleLbl>
-  <dgm:styleLbl name="trBgShp">
-    <dgm:scene3d>
-      <a:camera prst="orthographicFront"/>
-      <a:lightRig rig="threePt" dir="t"/>
-    </dgm:scene3d>
-    <dgm:sp3d/>
-    <dgm:txPr/>
-    <dgm:style>
-      <a:lnRef idx="0">
-        <a:scrgbClr r="0" g="0" b="0"/>
-      </a:lnRef>
-      <a:fillRef idx="1">
-        <a:scrgbClr r="0" g="0" b="0"/>
-      </a:fillRef>
-      <a:effectRef idx="0">
-        <a:scrgbClr r="0" g="0" b="0"/>
-      </a:effectRef>
-      <a:fontRef idx="minor"/>
-    </dgm:style>
-  </dgm:styleLbl>
-  <dgm:styleLbl name="fgShp">
-    <dgm:scene3d>
-      <a:camera prst="orthographicFront"/>
-      <a:lightRig rig="threePt" dir="t"/>
-    </dgm:scene3d>
-    <dgm:sp3d/>
-    <dgm:txPr/>
-    <dgm:style>
-      <a:lnRef idx="0">
-        <a:scrgbClr r="0" g="0" b="0"/>
-      </a:lnRef>
-      <a:fillRef idx="3">
-        <a:scrgbClr r="0" g="0" b="0"/>
-      </a:fillRef>
-      <a:effectRef idx="2">
-        <a:scrgbClr r="0" g="0" b="0"/>
-      </a:effectRef>
-      <a:fontRef idx="minor"/>
-    </dgm:style>
-  </dgm:styleLbl>
-  <dgm:styleLbl name="revTx">
-    <dgm:scene3d>
-      <a:camera prst="orthographicFront"/>
-      <a:lightRig rig="threePt" dir="t"/>
-    </dgm:scene3d>
-    <dgm:sp3d/>
-    <dgm:txPr/>
-    <dgm:style>
-      <a:lnRef idx="0">
-        <a:scrgbClr r="0" g="0" b="0"/>
-      </a:lnRef>
-      <a:fillRef idx="0">
-        <a:scrgbClr r="0" g="0" b="0"/>
-      </a:fillRef>
-      <a:effectRef idx="0">
-        <a:scrgbClr r="0" g="0" b="0"/>
-      </a:effectRef>
-      <a:fontRef idx="minor"/>
-    </dgm:style>
-  </dgm:styleLbl>
-</dgm:styleDef>
-</file>
-
-<file path=ppt/diagrams/quickStyle6.xml><?xml version="1.0" encoding="utf-8"?>
 <dgm:styleDef xmlns:dgm="http://schemas.openxmlformats.org/drawingml/2006/diagram" xmlns:a="http://schemas.openxmlformats.org/drawingml/2006/main" uniqueId="urn:microsoft.com/office/officeart/2005/8/quickstyle/simple4">
   <dgm:title val=""/>
   <dgm:desc val=""/>
@@ -27223,7 +22995,7 @@
             <a:spLocks noGrp="1"/>
           </p:cNvSpPr>
           <p:nvPr>
-            <p:ph idx="1"/>
+            <p:ph sz="half" idx="1"/>
           </p:nvPr>
         </p:nvSpPr>
         <p:spPr/>
@@ -27263,12 +23035,12 @@
             <a:graphicFrameLocks noGrp="1"/>
           </p:cNvGraphicFramePr>
           <p:nvPr>
-            <p:ph sz="half" idx="4294967295"/>
+            <p:ph sz="half" idx="2"/>
           </p:nvPr>
         </p:nvGraphicFramePr>
         <p:xfrm>
-          <a:off x="863600" y="2636838"/>
-          <a:ext cx="8280400" cy="3600450"/>
+          <a:off x="4643438" y="3933825"/>
+          <a:ext cx="4043362" cy="2192338"/>
         </p:xfrm>
         <a:graphic>
           <a:graphicData uri="http://schemas.openxmlformats.org/drawingml/2006/diagram">
@@ -27276,6 +23048,29 @@
           </a:graphicData>
         </a:graphic>
       </p:graphicFrame>
+      <p:pic>
+        <p:nvPicPr>
+          <p:cNvPr id="7" name="6 Marcador de contenido" descr="final-tech-desktop-alt.png"/>
+          <p:cNvPicPr>
+            <a:picLocks noGrp="1" noChangeAspect="1"/>
+          </p:cNvPicPr>
+          <p:nvPr>
+            <p:ph sz="half" idx="14"/>
+          </p:nvPr>
+        </p:nvPicPr>
+        <p:blipFill>
+          <a:blip r:embed="rId7" cstate="print"/>
+          <a:stretch>
+            <a:fillRect/>
+          </a:stretch>
+        </p:blipFill>
+        <p:spPr>
+          <a:xfrm>
+            <a:off x="827584" y="4509120"/>
+            <a:ext cx="7488063" cy="2150690"/>
+          </a:xfrm>
+        </p:spPr>
+      </p:pic>
       <p:sp>
         <p:nvSpPr>
           <p:cNvPr id="5" name="4 Rectángulo"/>
@@ -27291,7 +23086,7 @@
             <a:avLst/>
           </a:prstGeom>
           <a:blipFill rotWithShape="0">
-            <a:blip r:embed="rId7" cstate="print"/>
+            <a:blip r:embed="rId8" cstate="print"/>
             <a:stretch>
               <a:fillRect/>
             </a:stretch>
@@ -27328,6 +23123,482 @@
           </a:fontRef>
         </p:style>
       </p:sp>
+      <p:grpSp>
+        <p:nvGrpSpPr>
+          <p:cNvPr id="10" name="9 Grupo"/>
+          <p:cNvGrpSpPr/>
+          <p:nvPr/>
+        </p:nvGrpSpPr>
+        <p:grpSpPr>
+          <a:xfrm>
+            <a:off x="1187624" y="3861048"/>
+            <a:ext cx="1332148" cy="684076"/>
+            <a:chOff x="1187624" y="3861048"/>
+            <a:chExt cx="1332148" cy="684076"/>
+          </a:xfrm>
+        </p:grpSpPr>
+        <p:sp>
+          <p:nvSpPr>
+            <p:cNvPr id="8" name="7 Rectángulo"/>
+            <p:cNvSpPr/>
+            <p:nvPr/>
+          </p:nvSpPr>
+          <p:spPr>
+            <a:xfrm>
+              <a:off x="1187624" y="3933056"/>
+              <a:ext cx="540060" cy="540060"/>
+            </a:xfrm>
+            <a:prstGeom prst="rect">
+              <a:avLst/>
+            </a:prstGeom>
+            <a:blipFill rotWithShape="0">
+              <a:blip r:embed="rId8" cstate="print"/>
+              <a:stretch>
+                <a:fillRect/>
+              </a:stretch>
+            </a:blipFill>
+          </p:spPr>
+          <p:style>
+            <a:lnRef idx="0">
+              <a:schemeClr val="lt1">
+                <a:hueOff val="0"/>
+                <a:satOff val="0"/>
+                <a:lumOff val="0"/>
+                <a:alphaOff val="0"/>
+              </a:schemeClr>
+            </a:lnRef>
+            <a:fillRef idx="1">
+              <a:scrgbClr r="0" g="0" b="0"/>
+            </a:fillRef>
+            <a:effectRef idx="2">
+              <a:schemeClr val="accent1">
+                <a:tint val="50000"/>
+                <a:hueOff val="0"/>
+                <a:satOff val="0"/>
+                <a:lumOff val="0"/>
+                <a:alphaOff val="0"/>
+              </a:schemeClr>
+            </a:effectRef>
+            <a:fontRef idx="minor">
+              <a:schemeClr val="lt1">
+                <a:hueOff val="0"/>
+                <a:satOff val="0"/>
+                <a:lumOff val="0"/>
+                <a:alphaOff val="0"/>
+              </a:schemeClr>
+            </a:fontRef>
+          </p:style>
+        </p:sp>
+        <p:sp>
+          <p:nvSpPr>
+            <p:cNvPr id="9" name="8 Rectángulo"/>
+            <p:cNvSpPr/>
+            <p:nvPr/>
+          </p:nvSpPr>
+          <p:spPr>
+            <a:xfrm>
+              <a:off x="1835696" y="3861048"/>
+              <a:ext cx="684076" cy="684076"/>
+            </a:xfrm>
+            <a:prstGeom prst="rect">
+              <a:avLst/>
+            </a:prstGeom>
+            <a:blipFill rotWithShape="0">
+              <a:blip r:embed="rId9" cstate="print"/>
+              <a:stretch>
+                <a:fillRect/>
+              </a:stretch>
+            </a:blipFill>
+          </p:spPr>
+          <p:style>
+            <a:lnRef idx="0">
+              <a:schemeClr val="lt1">
+                <a:hueOff val="0"/>
+                <a:satOff val="0"/>
+                <a:lumOff val="0"/>
+                <a:alphaOff val="0"/>
+              </a:schemeClr>
+            </a:lnRef>
+            <a:fillRef idx="1">
+              <a:scrgbClr r="0" g="0" b="0"/>
+            </a:fillRef>
+            <a:effectRef idx="2">
+              <a:schemeClr val="accent1">
+                <a:tint val="50000"/>
+                <a:hueOff val="0"/>
+                <a:satOff val="0"/>
+                <a:lumOff val="0"/>
+                <a:alphaOff val="0"/>
+              </a:schemeClr>
+            </a:effectRef>
+            <a:fontRef idx="minor">
+              <a:schemeClr val="lt1">
+                <a:hueOff val="0"/>
+                <a:satOff val="0"/>
+                <a:lumOff val="0"/>
+                <a:alphaOff val="0"/>
+              </a:schemeClr>
+            </a:fontRef>
+          </p:style>
+        </p:sp>
+      </p:grpSp>
+      <p:grpSp>
+        <p:nvGrpSpPr>
+          <p:cNvPr id="11" name="10 Grupo"/>
+          <p:cNvGrpSpPr/>
+          <p:nvPr/>
+        </p:nvGrpSpPr>
+        <p:grpSpPr>
+          <a:xfrm>
+            <a:off x="2987824" y="3861048"/>
+            <a:ext cx="1332148" cy="684076"/>
+            <a:chOff x="1187624" y="3861048"/>
+            <a:chExt cx="1332148" cy="684076"/>
+          </a:xfrm>
+        </p:grpSpPr>
+        <p:sp>
+          <p:nvSpPr>
+            <p:cNvPr id="12" name="11 Rectángulo"/>
+            <p:cNvSpPr/>
+            <p:nvPr/>
+          </p:nvSpPr>
+          <p:spPr>
+            <a:xfrm>
+              <a:off x="1187624" y="3933056"/>
+              <a:ext cx="540060" cy="540060"/>
+            </a:xfrm>
+            <a:prstGeom prst="rect">
+              <a:avLst/>
+            </a:prstGeom>
+            <a:blipFill rotWithShape="0">
+              <a:blip r:embed="rId8" cstate="print"/>
+              <a:stretch>
+                <a:fillRect/>
+              </a:stretch>
+            </a:blipFill>
+          </p:spPr>
+          <p:style>
+            <a:lnRef idx="0">
+              <a:schemeClr val="lt1">
+                <a:hueOff val="0"/>
+                <a:satOff val="0"/>
+                <a:lumOff val="0"/>
+                <a:alphaOff val="0"/>
+              </a:schemeClr>
+            </a:lnRef>
+            <a:fillRef idx="1">
+              <a:scrgbClr r="0" g="0" b="0"/>
+            </a:fillRef>
+            <a:effectRef idx="2">
+              <a:schemeClr val="accent1">
+                <a:tint val="50000"/>
+                <a:hueOff val="0"/>
+                <a:satOff val="0"/>
+                <a:lumOff val="0"/>
+                <a:alphaOff val="0"/>
+              </a:schemeClr>
+            </a:effectRef>
+            <a:fontRef idx="minor">
+              <a:schemeClr val="lt1">
+                <a:hueOff val="0"/>
+                <a:satOff val="0"/>
+                <a:lumOff val="0"/>
+                <a:alphaOff val="0"/>
+              </a:schemeClr>
+            </a:fontRef>
+          </p:style>
+        </p:sp>
+        <p:sp>
+          <p:nvSpPr>
+            <p:cNvPr id="13" name="12 Rectángulo"/>
+            <p:cNvSpPr/>
+            <p:nvPr/>
+          </p:nvSpPr>
+          <p:spPr>
+            <a:xfrm>
+              <a:off x="1835696" y="3861048"/>
+              <a:ext cx="684076" cy="684076"/>
+            </a:xfrm>
+            <a:prstGeom prst="rect">
+              <a:avLst/>
+            </a:prstGeom>
+            <a:blipFill rotWithShape="0">
+              <a:blip r:embed="rId9" cstate="print"/>
+              <a:stretch>
+                <a:fillRect/>
+              </a:stretch>
+            </a:blipFill>
+          </p:spPr>
+          <p:style>
+            <a:lnRef idx="0">
+              <a:schemeClr val="lt1">
+                <a:hueOff val="0"/>
+                <a:satOff val="0"/>
+                <a:lumOff val="0"/>
+                <a:alphaOff val="0"/>
+              </a:schemeClr>
+            </a:lnRef>
+            <a:fillRef idx="1">
+              <a:scrgbClr r="0" g="0" b="0"/>
+            </a:fillRef>
+            <a:effectRef idx="2">
+              <a:schemeClr val="accent1">
+                <a:tint val="50000"/>
+                <a:hueOff val="0"/>
+                <a:satOff val="0"/>
+                <a:lumOff val="0"/>
+                <a:alphaOff val="0"/>
+              </a:schemeClr>
+            </a:effectRef>
+            <a:fontRef idx="minor">
+              <a:schemeClr val="lt1">
+                <a:hueOff val="0"/>
+                <a:satOff val="0"/>
+                <a:lumOff val="0"/>
+                <a:alphaOff val="0"/>
+              </a:schemeClr>
+            </a:fontRef>
+          </p:style>
+        </p:sp>
+      </p:grpSp>
+      <p:grpSp>
+        <p:nvGrpSpPr>
+          <p:cNvPr id="14" name="13 Grupo"/>
+          <p:cNvGrpSpPr/>
+          <p:nvPr/>
+        </p:nvGrpSpPr>
+        <p:grpSpPr>
+          <a:xfrm>
+            <a:off x="4860032" y="3861048"/>
+            <a:ext cx="1332148" cy="684076"/>
+            <a:chOff x="1187624" y="3861048"/>
+            <a:chExt cx="1332148" cy="684076"/>
+          </a:xfrm>
+        </p:grpSpPr>
+        <p:sp>
+          <p:nvSpPr>
+            <p:cNvPr id="15" name="14 Rectángulo"/>
+            <p:cNvSpPr/>
+            <p:nvPr/>
+          </p:nvSpPr>
+          <p:spPr>
+            <a:xfrm>
+              <a:off x="1187624" y="3933056"/>
+              <a:ext cx="540060" cy="540060"/>
+            </a:xfrm>
+            <a:prstGeom prst="rect">
+              <a:avLst/>
+            </a:prstGeom>
+            <a:blipFill rotWithShape="0">
+              <a:blip r:embed="rId8" cstate="print"/>
+              <a:stretch>
+                <a:fillRect/>
+              </a:stretch>
+            </a:blipFill>
+          </p:spPr>
+          <p:style>
+            <a:lnRef idx="0">
+              <a:schemeClr val="lt1">
+                <a:hueOff val="0"/>
+                <a:satOff val="0"/>
+                <a:lumOff val="0"/>
+                <a:alphaOff val="0"/>
+              </a:schemeClr>
+            </a:lnRef>
+            <a:fillRef idx="1">
+              <a:scrgbClr r="0" g="0" b="0"/>
+            </a:fillRef>
+            <a:effectRef idx="2">
+              <a:schemeClr val="accent1">
+                <a:tint val="50000"/>
+                <a:hueOff val="0"/>
+                <a:satOff val="0"/>
+                <a:lumOff val="0"/>
+                <a:alphaOff val="0"/>
+              </a:schemeClr>
+            </a:effectRef>
+            <a:fontRef idx="minor">
+              <a:schemeClr val="lt1">
+                <a:hueOff val="0"/>
+                <a:satOff val="0"/>
+                <a:lumOff val="0"/>
+                <a:alphaOff val="0"/>
+              </a:schemeClr>
+            </a:fontRef>
+          </p:style>
+        </p:sp>
+        <p:sp>
+          <p:nvSpPr>
+            <p:cNvPr id="18" name="17 Rectángulo"/>
+            <p:cNvSpPr/>
+            <p:nvPr/>
+          </p:nvSpPr>
+          <p:spPr>
+            <a:xfrm>
+              <a:off x="1835696" y="3861048"/>
+              <a:ext cx="684076" cy="684076"/>
+            </a:xfrm>
+            <a:prstGeom prst="rect">
+              <a:avLst/>
+            </a:prstGeom>
+            <a:blipFill rotWithShape="0">
+              <a:blip r:embed="rId9" cstate="print"/>
+              <a:stretch>
+                <a:fillRect/>
+              </a:stretch>
+            </a:blipFill>
+          </p:spPr>
+          <p:style>
+            <a:lnRef idx="0">
+              <a:schemeClr val="lt1">
+                <a:hueOff val="0"/>
+                <a:satOff val="0"/>
+                <a:lumOff val="0"/>
+                <a:alphaOff val="0"/>
+              </a:schemeClr>
+            </a:lnRef>
+            <a:fillRef idx="1">
+              <a:scrgbClr r="0" g="0" b="0"/>
+            </a:fillRef>
+            <a:effectRef idx="2">
+              <a:schemeClr val="accent1">
+                <a:tint val="50000"/>
+                <a:hueOff val="0"/>
+                <a:satOff val="0"/>
+                <a:lumOff val="0"/>
+                <a:alphaOff val="0"/>
+              </a:schemeClr>
+            </a:effectRef>
+            <a:fontRef idx="minor">
+              <a:schemeClr val="lt1">
+                <a:hueOff val="0"/>
+                <a:satOff val="0"/>
+                <a:lumOff val="0"/>
+                <a:alphaOff val="0"/>
+              </a:schemeClr>
+            </a:fontRef>
+          </p:style>
+        </p:sp>
+      </p:grpSp>
+      <p:grpSp>
+        <p:nvGrpSpPr>
+          <p:cNvPr id="19" name="18 Grupo"/>
+          <p:cNvGrpSpPr/>
+          <p:nvPr/>
+        </p:nvGrpSpPr>
+        <p:grpSpPr>
+          <a:xfrm>
+            <a:off x="6588224" y="3861048"/>
+            <a:ext cx="1332148" cy="684076"/>
+            <a:chOff x="1187624" y="3861048"/>
+            <a:chExt cx="1332148" cy="684076"/>
+          </a:xfrm>
+        </p:grpSpPr>
+        <p:sp>
+          <p:nvSpPr>
+            <p:cNvPr id="20" name="19 Rectángulo"/>
+            <p:cNvSpPr/>
+            <p:nvPr/>
+          </p:nvSpPr>
+          <p:spPr>
+            <a:xfrm>
+              <a:off x="1187624" y="3933056"/>
+              <a:ext cx="540060" cy="540060"/>
+            </a:xfrm>
+            <a:prstGeom prst="rect">
+              <a:avLst/>
+            </a:prstGeom>
+            <a:blipFill rotWithShape="0">
+              <a:blip r:embed="rId8" cstate="print"/>
+              <a:stretch>
+                <a:fillRect/>
+              </a:stretch>
+            </a:blipFill>
+          </p:spPr>
+          <p:style>
+            <a:lnRef idx="0">
+              <a:schemeClr val="lt1">
+                <a:hueOff val="0"/>
+                <a:satOff val="0"/>
+                <a:lumOff val="0"/>
+                <a:alphaOff val="0"/>
+              </a:schemeClr>
+            </a:lnRef>
+            <a:fillRef idx="1">
+              <a:scrgbClr r="0" g="0" b="0"/>
+            </a:fillRef>
+            <a:effectRef idx="2">
+              <a:schemeClr val="accent1">
+                <a:tint val="50000"/>
+                <a:hueOff val="0"/>
+                <a:satOff val="0"/>
+                <a:lumOff val="0"/>
+                <a:alphaOff val="0"/>
+              </a:schemeClr>
+            </a:effectRef>
+            <a:fontRef idx="minor">
+              <a:schemeClr val="lt1">
+                <a:hueOff val="0"/>
+                <a:satOff val="0"/>
+                <a:lumOff val="0"/>
+                <a:alphaOff val="0"/>
+              </a:schemeClr>
+            </a:fontRef>
+          </p:style>
+        </p:sp>
+        <p:sp>
+          <p:nvSpPr>
+            <p:cNvPr id="21" name="20 Rectángulo"/>
+            <p:cNvSpPr/>
+            <p:nvPr/>
+          </p:nvSpPr>
+          <p:spPr>
+            <a:xfrm>
+              <a:off x="1835696" y="3861048"/>
+              <a:ext cx="684076" cy="684076"/>
+            </a:xfrm>
+            <a:prstGeom prst="rect">
+              <a:avLst/>
+            </a:prstGeom>
+            <a:blipFill rotWithShape="0">
+              <a:blip r:embed="rId9" cstate="print"/>
+              <a:stretch>
+                <a:fillRect/>
+              </a:stretch>
+            </a:blipFill>
+          </p:spPr>
+          <p:style>
+            <a:lnRef idx="0">
+              <a:schemeClr val="lt1">
+                <a:hueOff val="0"/>
+                <a:satOff val="0"/>
+                <a:lumOff val="0"/>
+                <a:alphaOff val="0"/>
+              </a:schemeClr>
+            </a:lnRef>
+            <a:fillRef idx="1">
+              <a:scrgbClr r="0" g="0" b="0"/>
+            </a:fillRef>
+            <a:effectRef idx="2">
+              <a:schemeClr val="accent1">
+                <a:tint val="50000"/>
+                <a:hueOff val="0"/>
+                <a:satOff val="0"/>
+                <a:lumOff val="0"/>
+                <a:alphaOff val="0"/>
+              </a:schemeClr>
+            </a:effectRef>
+            <a:fontRef idx="minor">
+              <a:schemeClr val="lt1">
+                <a:hueOff val="0"/>
+                <a:satOff val="0"/>
+                <a:lumOff val="0"/>
+                <a:alphaOff val="0"/>
+              </a:schemeClr>
+            </a:fontRef>
+          </p:style>
+        </p:sp>
+      </p:grpSp>
     </p:spTree>
   </p:cSld>
   <p:clrMapOvr>
@@ -27390,7 +23661,7 @@
             <a:spLocks noGrp="1"/>
           </p:cNvSpPr>
           <p:nvPr>
-            <p:ph idx="1"/>
+            <p:ph sz="half" idx="1"/>
           </p:nvPr>
         </p:nvSpPr>
         <p:spPr/>
@@ -27430,26 +23701,6 @@
           </a:p>
         </p:txBody>
       </p:sp>
-      <p:graphicFrame>
-        <p:nvGraphicFramePr>
-          <p:cNvPr id="17" name="13 Marcador de contenido"/>
-          <p:cNvGraphicFramePr>
-            <a:graphicFrameLocks noGrp="1"/>
-          </p:cNvGraphicFramePr>
-          <p:nvPr>
-            <p:ph sz="half" idx="4294967295"/>
-          </p:nvPr>
-        </p:nvGraphicFramePr>
-        <p:xfrm>
-          <a:off x="863600" y="2636838"/>
-          <a:ext cx="8280400" cy="3600450"/>
-        </p:xfrm>
-        <a:graphic>
-          <a:graphicData uri="http://schemas.openxmlformats.org/drawingml/2006/diagram">
-            <dgm:relIds xmlns:dgm="http://schemas.openxmlformats.org/drawingml/2006/diagram" xmlns:r="http://schemas.openxmlformats.org/officeDocument/2006/relationships" r:dm="rId2" r:lo="rId3" r:qs="rId4" r:cs="rId5"/>
-          </a:graphicData>
-        </a:graphic>
-      </p:graphicFrame>
       <p:sp>
         <p:nvSpPr>
           <p:cNvPr id="5" name="4 Rectángulo"/>
@@ -27465,7 +23716,7 @@
             <a:avLst/>
           </a:prstGeom>
           <a:blipFill rotWithShape="0">
-            <a:blip r:embed="rId7" cstate="print"/>
+            <a:blip r:embed="rId2" cstate="print"/>
             <a:stretch>
               <a:fillRect/>
             </a:stretch>
@@ -27501,6 +23752,44 @@
             </a:schemeClr>
           </a:fontRef>
         </p:style>
+      </p:sp>
+      <p:sp>
+        <p:nvSpPr>
+          <p:cNvPr id="7" name="6 Marcador de contenido"/>
+          <p:cNvSpPr>
+            <a:spLocks noGrp="1"/>
+          </p:cNvSpPr>
+          <p:nvPr>
+            <p:ph sz="half" idx="2"/>
+          </p:nvPr>
+        </p:nvSpPr>
+        <p:spPr/>
+        <p:txBody>
+          <a:bodyPr/>
+          <a:lstStyle/>
+          <a:p>
+            <a:endParaRPr lang="es-AR"/>
+          </a:p>
+        </p:txBody>
+      </p:sp>
+      <p:sp>
+        <p:nvSpPr>
+          <p:cNvPr id="9" name="8 Marcador de contenido"/>
+          <p:cNvSpPr>
+            <a:spLocks noGrp="1"/>
+          </p:cNvSpPr>
+          <p:nvPr>
+            <p:ph sz="half" idx="14"/>
+          </p:nvPr>
+        </p:nvSpPr>
+        <p:spPr/>
+        <p:txBody>
+          <a:bodyPr/>
+          <a:lstStyle/>
+          <a:p>
+            <a:endParaRPr lang="es-AR"/>
+          </a:p>
+        </p:txBody>
       </p:sp>
     </p:spTree>
   </p:cSld>
@@ -28496,7 +24785,7 @@
             <a:spLocks noGrp="1"/>
           </p:cNvSpPr>
           <p:nvPr>
-            <p:ph idx="1"/>
+            <p:ph sz="half" idx="1"/>
           </p:nvPr>
         </p:nvSpPr>
         <p:spPr/>
@@ -28536,6 +24825,52 @@
           </a:p>
         </p:txBody>
       </p:sp>
+      <p:pic>
+        <p:nvPicPr>
+          <p:cNvPr id="23" name="22 Marcador de contenido" descr="Screenshot-qt-designer-qwebview.png"/>
+          <p:cNvPicPr>
+            <a:picLocks noGrp="1" noChangeAspect="1"/>
+          </p:cNvPicPr>
+          <p:nvPr>
+            <p:ph sz="half" idx="2"/>
+          </p:nvPr>
+        </p:nvPicPr>
+        <p:blipFill>
+          <a:blip r:embed="rId2" cstate="print"/>
+          <a:stretch>
+            <a:fillRect/>
+          </a:stretch>
+        </p:blipFill>
+        <p:spPr>
+          <a:xfrm>
+            <a:off x="4474172" y="3904412"/>
+            <a:ext cx="4130275" cy="2548923"/>
+          </a:xfrm>
+        </p:spPr>
+      </p:pic>
+      <p:pic>
+        <p:nvPicPr>
+          <p:cNvPr id="24" name="23 Marcador de contenido" descr="qt4-logo.png"/>
+          <p:cNvPicPr>
+            <a:picLocks noGrp="1" noChangeAspect="1"/>
+          </p:cNvPicPr>
+          <p:nvPr>
+            <p:ph sz="half" idx="14"/>
+          </p:nvPr>
+        </p:nvPicPr>
+        <p:blipFill>
+          <a:blip r:embed="rId3" cstate="print"/>
+          <a:stretch>
+            <a:fillRect/>
+          </a:stretch>
+        </p:blipFill>
+        <p:spPr>
+          <a:xfrm>
+            <a:off x="7099300" y="2085181"/>
+            <a:ext cx="1219200" cy="1219200"/>
+          </a:xfrm>
+        </p:spPr>
+      </p:pic>
       <p:sp>
         <p:nvSpPr>
           <p:cNvPr id="5" name="4 Rectángulo"/>
@@ -28551,7 +24886,7 @@
             <a:avLst/>
           </a:prstGeom>
           <a:blipFill rotWithShape="0">
-            <a:blip r:embed="rId2" cstate="print"/>
+            <a:blip r:embed="rId4" cstate="print"/>
             <a:stretch>
               <a:fillRect/>
             </a:stretch>
@@ -28588,6 +24923,29 @@
           </a:fontRef>
         </p:style>
       </p:sp>
+      <p:pic>
+        <p:nvPicPr>
+          <p:cNvPr id="25" name="24 Marcador de contenido" descr="python_logo.png"/>
+          <p:cNvPicPr>
+            <a:picLocks noGrp="1" noChangeAspect="1"/>
+          </p:cNvPicPr>
+          <p:nvPr>
+            <p:ph sz="half" idx="13"/>
+          </p:nvPr>
+        </p:nvPicPr>
+        <p:blipFill>
+          <a:blip r:embed="rId5" cstate="print"/>
+          <a:stretch>
+            <a:fillRect/>
+          </a:stretch>
+        </p:blipFill>
+        <p:spPr>
+          <a:xfrm>
+            <a:off x="4643438" y="2322394"/>
+            <a:ext cx="1944687" cy="744774"/>
+          </a:xfrm>
+        </p:spPr>
+      </p:pic>
     </p:spTree>
   </p:cSld>
   <p:clrMapOvr>
@@ -28636,7 +24994,7 @@
           <a:lstStyle/>
           <a:p>
             <a:r>
-              <a:rPr lang="es-AR" dirty="0" smtClean="0"/>
+              <a:rPr lang="es-AR" smtClean="0"/>
               <a:t>INYECCIÓN: Automática</a:t>
             </a:r>
             <a:endParaRPr lang="es-AR" dirty="0"/>
@@ -28650,14 +25008,12 @@
             <a:spLocks noGrp="1"/>
           </p:cNvSpPr>
           <p:nvPr>
-            <p:ph idx="1"/>
+            <p:ph sz="half" idx="1"/>
           </p:nvPr>
         </p:nvSpPr>
         <p:spPr/>
         <p:txBody>
-          <a:bodyPr>
-            <a:normAutofit/>
-          </a:bodyPr>
+          <a:bodyPr/>
           <a:lstStyle/>
           <a:p>
             <a:pPr lvl="0"/>
@@ -28683,26 +25039,48 @@
           </a:p>
         </p:txBody>
       </p:sp>
-      <p:graphicFrame>
-        <p:nvGraphicFramePr>
-          <p:cNvPr id="17" name="13 Marcador de contenido"/>
-          <p:cNvGraphicFramePr>
-            <a:graphicFrameLocks noGrp="1"/>
-          </p:cNvGraphicFramePr>
+      <p:pic>
+        <p:nvPicPr>
+          <p:cNvPr id="11" name="10 Marcador de contenido" descr="Google_Code_logo.png"/>
+          <p:cNvPicPr>
+            <a:picLocks noGrp="1" noChangeAspect="1"/>
+          </p:cNvPicPr>
           <p:nvPr>
-            <p:ph sz="half" idx="4294967295"/>
+            <p:ph sz="half" idx="13"/>
           </p:nvPr>
-        </p:nvGraphicFramePr>
-        <p:xfrm>
-          <a:off x="863600" y="2636838"/>
-          <a:ext cx="8280400" cy="3600450"/>
-        </p:xfrm>
-        <a:graphic>
-          <a:graphicData uri="http://schemas.openxmlformats.org/drawingml/2006/diagram">
-            <dgm:relIds xmlns:dgm="http://schemas.openxmlformats.org/drawingml/2006/diagram" xmlns:r="http://schemas.openxmlformats.org/officeDocument/2006/relationships" r:dm="rId2" r:lo="rId3" r:qs="rId4" r:cs="rId5"/>
-          </a:graphicData>
-        </a:graphic>
-      </p:graphicFrame>
+        </p:nvPicPr>
+        <p:blipFill>
+          <a:blip r:embed="rId2" cstate="print"/>
+          <a:stretch>
+            <a:fillRect/>
+          </a:stretch>
+        </p:blipFill>
+        <p:spPr>
+          <a:xfrm>
+            <a:off x="4643438" y="2439194"/>
+            <a:ext cx="1944687" cy="511175"/>
+          </a:xfrm>
+        </p:spPr>
+      </p:pic>
+      <p:sp>
+        <p:nvSpPr>
+          <p:cNvPr id="9" name="8 Marcador de contenido"/>
+          <p:cNvSpPr>
+            <a:spLocks noGrp="1"/>
+          </p:cNvSpPr>
+          <p:nvPr>
+            <p:ph sz="half" idx="14"/>
+          </p:nvPr>
+        </p:nvSpPr>
+        <p:spPr/>
+        <p:txBody>
+          <a:bodyPr/>
+          <a:lstStyle/>
+          <a:p>
+            <a:endParaRPr lang="es-AR" dirty="0"/>
+          </a:p>
+        </p:txBody>
+      </p:sp>
       <p:sp>
         <p:nvSpPr>
           <p:cNvPr id="5" name="4 Rectángulo"/>
@@ -28718,7 +25096,7 @@
             <a:avLst/>
           </a:prstGeom>
           <a:blipFill rotWithShape="0">
-            <a:blip r:embed="rId7" cstate="print"/>
+            <a:blip r:embed="rId3" cstate="print"/>
             <a:stretch>
               <a:fillRect/>
             </a:stretch>
@@ -28755,6 +25133,40 @@
           </a:fontRef>
         </p:style>
       </p:sp>
+      <p:pic>
+        <p:nvPicPr>
+          <p:cNvPr id="12" name="11 Marcador de contenido"/>
+          <p:cNvPicPr>
+            <a:picLocks noGrp="1"/>
+          </p:cNvPicPr>
+          <p:nvPr>
+            <p:ph sz="half" idx="2"/>
+          </p:nvPr>
+        </p:nvPicPr>
+        <p:blipFill>
+          <a:blip r:embed="rId4" cstate="print"/>
+          <a:srcRect/>
+          <a:stretch>
+            <a:fillRect/>
+          </a:stretch>
+        </p:blipFill>
+        <p:spPr bwMode="auto">
+          <a:xfrm>
+            <a:off x="4644008" y="3573016"/>
+            <a:ext cx="4248471" cy="3024335"/>
+          </a:xfrm>
+          <a:prstGeom prst="rect">
+            <a:avLst/>
+          </a:prstGeom>
+          <a:noFill/>
+          <a:ln w="9525">
+            <a:noFill/>
+            <a:miter lim="800000"/>
+            <a:headEnd/>
+            <a:tailEnd/>
+          </a:ln>
+        </p:spPr>
+      </p:pic>
     </p:spTree>
   </p:cSld>
   <p:clrMapOvr>

--- a/trunk/Documentation/Documentacion/PRESENTACION_FACU.pptx
+++ b/trunk/Documentation/Documentacion/PRESENTACION_FACU.pptx
@@ -3868,8 +3868,8 @@
     <dgm:cxn modelId="{7EC4CCEE-A36A-43C6-95E1-0480A1BAEE8F}" srcId="{C450AFBD-D19E-4FDA-929B-E1A653D8E4DD}" destId="{85C598A0-BCCA-4BF4-BD0C-322094E95D20}" srcOrd="0" destOrd="0" parTransId="{DF9A3197-7551-4AB0-9864-A3DFF256CB2F}" sibTransId="{F8D97D87-512C-42B0-8BCF-6EB0500ECB4A}"/>
     <dgm:cxn modelId="{DFCB5525-E174-4B2A-ADBB-B3D93E2D2A6C}" srcId="{28621352-D8C8-4462-A38B-5ED8DAECF65B}" destId="{46D51864-616F-4817-8F91-3E15814C4CD5}" srcOrd="3" destOrd="0" parTransId="{E2AE9E1E-E0FB-47DC-9337-191CB5B936CB}" sibTransId="{E9DF6DF7-3E08-45C9-8B8E-841EA30C8B33}"/>
     <dgm:cxn modelId="{F0D4F50D-5A17-422C-8331-D8004DD48F14}" srcId="{28621352-D8C8-4462-A38B-5ED8DAECF65B}" destId="{F6891DC3-F7D4-4219-BD99-E633DF7F9C99}" srcOrd="0" destOrd="0" parTransId="{1B245E6A-BCBD-4310-AB1B-65FCE10DA84E}" sibTransId="{1D2F8BD6-4E8D-44E7-BB11-49A85F68390E}"/>
+    <dgm:cxn modelId="{1B2F4A6A-C043-4023-88D6-A1926ECC69A4}" srcId="{F6891DC3-F7D4-4219-BD99-E633DF7F9C99}" destId="{0C38124E-1BE8-4699-A409-7E5EBEFC0B05}" srcOrd="0" destOrd="0" parTransId="{DE70DA72-A786-427A-941B-FDB83111C9ED}" sibTransId="{3D61EFA4-1337-4488-B664-71047F49B8E8}"/>
     <dgm:cxn modelId="{5FB863EE-1950-496B-8FF6-A06CB4BCC373}" srcId="{46D51864-616F-4817-8F91-3E15814C4CD5}" destId="{F67643B1-22DC-47B4-B3B5-BF746A707484}" srcOrd="2" destOrd="0" parTransId="{8BDF7434-6C4C-4F44-B49E-8CEB0F7057E5}" sibTransId="{46B476B1-E80F-4347-839F-665DE47D6FA7}"/>
-    <dgm:cxn modelId="{1B2F4A6A-C043-4023-88D6-A1926ECC69A4}" srcId="{F6891DC3-F7D4-4219-BD99-E633DF7F9C99}" destId="{0C38124E-1BE8-4699-A409-7E5EBEFC0B05}" srcOrd="0" destOrd="0" parTransId="{DE70DA72-A786-427A-941B-FDB83111C9ED}" sibTransId="{3D61EFA4-1337-4488-B664-71047F49B8E8}"/>
     <dgm:cxn modelId="{325076B5-CAF0-4A95-8C9C-B4FA4C794795}" srcId="{28621352-D8C8-4462-A38B-5ED8DAECF65B}" destId="{DD847369-FD52-47A4-9862-6E0F26E8356D}" srcOrd="1" destOrd="0" parTransId="{68F9C435-6FFD-40A0-A071-F2D05C6DAF67}" sibTransId="{6B1F0A42-3C88-4789-98FD-E29CD4BA95FC}"/>
     <dgm:cxn modelId="{C7B12F29-6D9C-4F55-B0B4-0C52E4894C4D}" srcId="{C450AFBD-D19E-4FDA-929B-E1A653D8E4DD}" destId="{CF9922EE-48BF-4D32-9CA3-D69D0E77782E}" srcOrd="2" destOrd="0" parTransId="{76B7A7CB-BEA7-4835-8CFB-5DE74BC2A803}" sibTransId="{A2A6269D-5DD5-43D6-9B36-4E362826A8F1}"/>
     <dgm:cxn modelId="{C97EDC3C-F975-4058-9CA6-846C8132FD7D}" type="presOf" srcId="{F6891DC3-F7D4-4219-BD99-E633DF7F9C99}" destId="{A95D184C-E14B-4F00-909E-013D2800488D}" srcOrd="0" destOrd="0" presId="urn:microsoft.com/office/officeart/2005/8/layout/vList2"/>
@@ -5320,6 +5320,13 @@
         </dgm:presLayoutVars>
       </dgm:prSet>
       <dgm:spPr/>
+      <dgm:t>
+        <a:bodyPr/>
+        <a:lstStyle/>
+        <a:p>
+          <a:endParaRPr lang="es-AR"/>
+        </a:p>
+      </dgm:t>
     </dgm:pt>
     <dgm:pt modelId="{BFB33C08-C4FF-46FC-A24D-70D529E94781}" type="pres">
       <dgm:prSet presAssocID="{6AAD33D9-E471-40F5-8F70-80606C79DA9D}" presName="compositeNode" presStyleCnt="0">
@@ -5544,16 +5551,16 @@
   <dgm:cxnLst>
     <dgm:cxn modelId="{62929F2A-BEEE-4F12-B3BE-41B2622F3458}" type="presOf" srcId="{12E3F15A-2AFE-4808-B727-C7AF52123798}" destId="{C8BB9FC6-6AFF-4933-9021-7411AFD5B0A7}" srcOrd="0" destOrd="0" presId="urn:microsoft.com/office/officeart/2005/8/layout/hList2"/>
     <dgm:cxn modelId="{E9838FF0-FAE5-4EC4-BF4A-02B760BBEBE2}" type="presOf" srcId="{19B20CF0-7F46-40CD-9ECC-10B9EFB985E0}" destId="{D09BDCF9-B6AE-4482-83CA-29A57BE5B006}" srcOrd="0" destOrd="1" presId="urn:microsoft.com/office/officeart/2005/8/layout/hList2"/>
+    <dgm:cxn modelId="{FC7366B8-DE6E-4AA0-87ED-D16E53A01EBC}" type="presOf" srcId="{3EB53A9D-6F88-4C3B-87D9-D59CC7DCD153}" destId="{7799EFF0-CB5B-45AF-9ECC-AF5ADE221639}" srcOrd="0" destOrd="1" presId="urn:microsoft.com/office/officeart/2005/8/layout/hList2"/>
     <dgm:cxn modelId="{0562A2C1-98A3-456A-9AA1-5B0A5A3E206F}" srcId="{12E3F15A-2AFE-4808-B727-C7AF52123798}" destId="{3EB53A9D-6F88-4C3B-87D9-D59CC7DCD153}" srcOrd="1" destOrd="0" parTransId="{71EB0D3D-3ED5-4A1F-83BF-DE15FBD47E5E}" sibTransId="{FC7F64D7-5009-4504-ACE6-5DDA4C19087B}"/>
-    <dgm:cxn modelId="{FC7366B8-DE6E-4AA0-87ED-D16E53A01EBC}" type="presOf" srcId="{3EB53A9D-6F88-4C3B-87D9-D59CC7DCD153}" destId="{7799EFF0-CB5B-45AF-9ECC-AF5ADE221639}" srcOrd="0" destOrd="1" presId="urn:microsoft.com/office/officeart/2005/8/layout/hList2"/>
+    <dgm:cxn modelId="{09A2C074-DEDE-44C2-922F-3AFF76EC8CCB}" type="presOf" srcId="{2F1CEF04-5660-4FA5-9571-4DD58E31BD40}" destId="{D09BDCF9-B6AE-4482-83CA-29A57BE5B006}" srcOrd="0" destOrd="0" presId="urn:microsoft.com/office/officeart/2005/8/layout/hList2"/>
     <dgm:cxn modelId="{FD910211-C456-4FAB-B82B-6A40A24DA704}" type="presOf" srcId="{6C6E6D88-5EF3-45D7-967A-A0080BE08842}" destId="{E1183BD7-0429-4707-9FCC-1ED6461A208B}" srcOrd="0" destOrd="1" presId="urn:microsoft.com/office/officeart/2005/8/layout/hList2"/>
-    <dgm:cxn modelId="{09A2C074-DEDE-44C2-922F-3AFF76EC8CCB}" type="presOf" srcId="{2F1CEF04-5660-4FA5-9571-4DD58E31BD40}" destId="{D09BDCF9-B6AE-4482-83CA-29A57BE5B006}" srcOrd="0" destOrd="0" presId="urn:microsoft.com/office/officeart/2005/8/layout/hList2"/>
     <dgm:cxn modelId="{B44F0AA2-DF3D-46CC-8143-5529D685AC22}" type="presOf" srcId="{19FB82D1-DA9C-4A9F-996F-5D6E94120F2C}" destId="{0066362C-EDA1-43C9-AD73-66A1B6B955D2}" srcOrd="0" destOrd="0" presId="urn:microsoft.com/office/officeart/2005/8/layout/hList2"/>
     <dgm:cxn modelId="{6A7E3D21-5BAA-446A-9144-96995FBEB68D}" type="presOf" srcId="{8A95C357-1788-4660-9EA5-1229854C4CAB}" destId="{7799EFF0-CB5B-45AF-9ECC-AF5ADE221639}" srcOrd="0" destOrd="0" presId="urn:microsoft.com/office/officeart/2005/8/layout/hList2"/>
     <dgm:cxn modelId="{1506B563-784F-488B-912B-8E75CADE0FB4}" type="presOf" srcId="{34871C5F-23F4-4FD7-8F4E-123C17739740}" destId="{E1183BD7-0429-4707-9FCC-1ED6461A208B}" srcOrd="0" destOrd="2" presId="urn:microsoft.com/office/officeart/2005/8/layout/hList2"/>
     <dgm:cxn modelId="{65E964B4-BC5A-488B-BDAA-75F6A2A80999}" srcId="{0ED985B0-F992-41C0-A0DF-DB763467528A}" destId="{C8B4E141-47F4-435C-B9AD-CE9B2E64C7D8}" srcOrd="1" destOrd="0" parTransId="{0755C8AF-AAB2-4320-B208-FFCB7E09452F}" sibTransId="{2AA3184F-321F-4CBF-B6F5-1D246071B80D}"/>
+    <dgm:cxn modelId="{BE2BD115-944F-4D95-B157-D177CCCAE7B7}" type="presOf" srcId="{0ED985B0-F992-41C0-A0DF-DB763467528A}" destId="{93AF6EB4-FCC1-4634-9951-E885EACF7BB2}" srcOrd="0" destOrd="0" presId="urn:microsoft.com/office/officeart/2005/8/layout/hList2"/>
     <dgm:cxn modelId="{11454CF8-D09F-4262-B5E8-BAA4CB2FD946}" srcId="{19FB82D1-DA9C-4A9F-996F-5D6E94120F2C}" destId="{F59F90C1-2A30-4C35-B08D-0E31AFC816E0}" srcOrd="1" destOrd="0" parTransId="{3CE5C81F-66C1-4D7B-B53C-10C0CEE2E533}" sibTransId="{CF614269-AF25-4B02-93B2-EF099F653B4A}"/>
-    <dgm:cxn modelId="{BE2BD115-944F-4D95-B157-D177CCCAE7B7}" type="presOf" srcId="{0ED985B0-F992-41C0-A0DF-DB763467528A}" destId="{93AF6EB4-FCC1-4634-9951-E885EACF7BB2}" srcOrd="0" destOrd="0" presId="urn:microsoft.com/office/officeart/2005/8/layout/hList2"/>
     <dgm:cxn modelId="{61BD958A-1C36-40C2-BF56-99029960E866}" srcId="{19FB82D1-DA9C-4A9F-996F-5D6E94120F2C}" destId="{D5728EDF-102F-4666-8B0F-3B97726BE7CA}" srcOrd="0" destOrd="0" parTransId="{C809EBC1-D936-4F1A-9DED-27C0E87A1C1C}" sibTransId="{41951E76-15CE-4879-A320-D3EDEF717F04}"/>
     <dgm:cxn modelId="{5CFF85D8-D08F-44C8-A56B-5D41EC5F2BE5}" type="presOf" srcId="{C8B4E141-47F4-435C-B9AD-CE9B2E64C7D8}" destId="{A661B534-4AB5-4378-81FC-8A50002BBF30}" srcOrd="0" destOrd="0" presId="urn:microsoft.com/office/officeart/2005/8/layout/hList2"/>
     <dgm:cxn modelId="{081F6AF6-A01E-4A9C-AE90-A8D99BA26333}" type="presOf" srcId="{F59F90C1-2A30-4C35-B08D-0E31AFC816E0}" destId="{75371E2A-895B-4B16-B02A-DBFE3269960E}" srcOrd="0" destOrd="1" presId="urn:microsoft.com/office/officeart/2005/8/layout/hList2"/>
@@ -5624,6 +5631,13 @@
         </dgm:presLayoutVars>
       </dgm:prSet>
       <dgm:spPr/>
+      <dgm:t>
+        <a:bodyPr/>
+        <a:lstStyle/>
+        <a:p>
+          <a:endParaRPr lang="es-AR"/>
+        </a:p>
+      </dgm:t>
     </dgm:pt>
   </dgm:ptLst>
   <dgm:cxnLst>
@@ -13423,7 +13437,7 @@
             <a:fld id="{C4912EAB-2DF2-4EA7-9A3C-081666E7F61D}" type="datetimeFigureOut">
               <a:rPr lang="es-AR" smtClean="0"/>
               <a:pPr/>
-              <a:t>02/09/2010</a:t>
+              <a:t>06/09/2010</a:t>
             </a:fld>
             <a:endParaRPr lang="es-AR"/>
           </a:p>
@@ -13585,7 +13599,7 @@
             <a:fld id="{320C0146-0920-4890-94B5-4EE8DB66AAB2}" type="datetimeFigureOut">
               <a:rPr lang="es-AR" smtClean="0"/>
               <a:pPr/>
-              <a:t>02/09/2010</a:t>
+              <a:t>06/09/2010</a:t>
             </a:fld>
             <a:endParaRPr lang="es-AR"/>
           </a:p>
@@ -14274,7 +14288,7 @@
             <a:fld id="{7396B977-6251-41DE-9CF2-59811A3624F8}" type="datetimeFigureOut">
               <a:rPr lang="es-AR" smtClean="0"/>
               <a:pPr/>
-              <a:t>02/09/2010</a:t>
+              <a:t>06/09/2010</a:t>
             </a:fld>
             <a:endParaRPr lang="es-AR"/>
           </a:p>
@@ -14499,7 +14513,7 @@
             <a:fld id="{7396B977-6251-41DE-9CF2-59811A3624F8}" type="datetimeFigureOut">
               <a:rPr lang="es-AR" smtClean="0"/>
               <a:pPr/>
-              <a:t>02/09/2010</a:t>
+              <a:t>06/09/2010</a:t>
             </a:fld>
             <a:endParaRPr lang="es-AR"/>
           </a:p>
@@ -14781,7 +14795,7 @@
             <a:fld id="{7396B977-6251-41DE-9CF2-59811A3624F8}" type="datetimeFigureOut">
               <a:rPr lang="es-AR" smtClean="0"/>
               <a:pPr/>
-              <a:t>02/09/2010</a:t>
+              <a:t>06/09/2010</a:t>
             </a:fld>
             <a:endParaRPr lang="es-AR"/>
           </a:p>
@@ -15081,7 +15095,7 @@
             <a:fld id="{7396B977-6251-41DE-9CF2-59811A3624F8}" type="datetimeFigureOut">
               <a:rPr lang="es-AR" smtClean="0"/>
               <a:pPr/>
-              <a:t>02/09/2010</a:t>
+              <a:t>06/09/2010</a:t>
             </a:fld>
             <a:endParaRPr lang="es-AR"/>
           </a:p>
@@ -15556,7 +15570,7 @@
             <a:fld id="{7396B977-6251-41DE-9CF2-59811A3624F8}" type="datetimeFigureOut">
               <a:rPr lang="es-AR" smtClean="0"/>
               <a:pPr/>
-              <a:t>02/09/2010</a:t>
+              <a:t>06/09/2010</a:t>
             </a:fld>
             <a:endParaRPr lang="es-AR"/>
           </a:p>
@@ -15946,7 +15960,7 @@
             <a:fld id="{7396B977-6251-41DE-9CF2-59811A3624F8}" type="datetimeFigureOut">
               <a:rPr lang="es-AR" smtClean="0"/>
               <a:pPr/>
-              <a:t>02/09/2010</a:t>
+              <a:t>06/09/2010</a:t>
             </a:fld>
             <a:endParaRPr lang="es-AR"/>
           </a:p>
@@ -16336,7 +16350,7 @@
             <a:fld id="{7396B977-6251-41DE-9CF2-59811A3624F8}" type="datetimeFigureOut">
               <a:rPr lang="es-AR" smtClean="0"/>
               <a:pPr/>
-              <a:t>02/09/2010</a:t>
+              <a:t>06/09/2010</a:t>
             </a:fld>
             <a:endParaRPr lang="es-AR"/>
           </a:p>
@@ -16811,7 +16825,7 @@
             <a:fld id="{7396B977-6251-41DE-9CF2-59811A3624F8}" type="datetimeFigureOut">
               <a:rPr lang="es-AR" smtClean="0"/>
               <a:pPr/>
-              <a:t>02/09/2010</a:t>
+              <a:t>06/09/2010</a:t>
             </a:fld>
             <a:endParaRPr lang="es-AR"/>
           </a:p>
@@ -17116,7 +17130,7 @@
             <a:fld id="{7396B977-6251-41DE-9CF2-59811A3624F8}" type="datetimeFigureOut">
               <a:rPr lang="es-AR" smtClean="0"/>
               <a:pPr/>
-              <a:t>02/09/2010</a:t>
+              <a:t>06/09/2010</a:t>
             </a:fld>
             <a:endParaRPr lang="es-AR"/>
           </a:p>
@@ -17421,7 +17435,7 @@
             <a:fld id="{7396B977-6251-41DE-9CF2-59811A3624F8}" type="datetimeFigureOut">
               <a:rPr lang="es-AR" smtClean="0"/>
               <a:pPr/>
-              <a:t>02/09/2010</a:t>
+              <a:t>06/09/2010</a:t>
             </a:fld>
             <a:endParaRPr lang="es-AR"/>
           </a:p>
@@ -17777,7 +17791,7 @@
             <a:fld id="{7396B977-6251-41DE-9CF2-59811A3624F8}" type="datetimeFigureOut">
               <a:rPr lang="es-AR" smtClean="0"/>
               <a:pPr/>
-              <a:t>02/09/2010</a:t>
+              <a:t>06/09/2010</a:t>
             </a:fld>
             <a:endParaRPr lang="es-AR"/>
           </a:p>
@@ -18137,7 +18151,7 @@
             <a:fld id="{7396B977-6251-41DE-9CF2-59811A3624F8}" type="datetimeFigureOut">
               <a:rPr lang="es-AR" smtClean="0"/>
               <a:pPr/>
-              <a:t>02/09/2010</a:t>
+              <a:t>06/09/2010</a:t>
             </a:fld>
             <a:endParaRPr lang="es-AR"/>
           </a:p>
@@ -18426,7 +18440,7 @@
             <a:fld id="{7396B977-6251-41DE-9CF2-59811A3624F8}" type="datetimeFigureOut">
               <a:rPr lang="es-AR" smtClean="0"/>
               <a:pPr/>
-              <a:t>02/09/2010</a:t>
+              <a:t>06/09/2010</a:t>
             </a:fld>
             <a:endParaRPr lang="es-AR"/>
           </a:p>
@@ -18850,7 +18864,7 @@
             <a:fld id="{7396B977-6251-41DE-9CF2-59811A3624F8}" type="datetimeFigureOut">
               <a:rPr lang="es-AR" smtClean="0"/>
               <a:pPr/>
-              <a:t>02/09/2010</a:t>
+              <a:t>06/09/2010</a:t>
             </a:fld>
             <a:endParaRPr lang="es-AR"/>
           </a:p>
@@ -18967,7 +18981,7 @@
             <a:fld id="{7396B977-6251-41DE-9CF2-59811A3624F8}" type="datetimeFigureOut">
               <a:rPr lang="es-AR" smtClean="0"/>
               <a:pPr/>
-              <a:t>02/09/2010</a:t>
+              <a:t>06/09/2010</a:t>
             </a:fld>
             <a:endParaRPr lang="es-AR"/>
           </a:p>
@@ -19059,7 +19073,7 @@
             <a:fld id="{7396B977-6251-41DE-9CF2-59811A3624F8}" type="datetimeFigureOut">
               <a:rPr lang="es-AR" smtClean="0"/>
               <a:pPr/>
-              <a:t>02/09/2010</a:t>
+              <a:t>06/09/2010</a:t>
             </a:fld>
             <a:endParaRPr lang="es-AR"/>
           </a:p>
@@ -19339,7 +19353,7 @@
             <a:fld id="{7396B977-6251-41DE-9CF2-59811A3624F8}" type="datetimeFigureOut">
               <a:rPr lang="es-AR" smtClean="0"/>
               <a:pPr/>
-              <a:t>02/09/2010</a:t>
+              <a:t>06/09/2010</a:t>
             </a:fld>
             <a:endParaRPr lang="es-AR"/>
           </a:p>
@@ -19707,7 +19721,7 @@
             <a:fld id="{7396B977-6251-41DE-9CF2-59811A3624F8}" type="datetimeFigureOut">
               <a:rPr lang="es-AR" smtClean="0"/>
               <a:pPr/>
-              <a:t>02/09/2010</a:t>
+              <a:t>06/09/2010</a:t>
             </a:fld>
             <a:endParaRPr lang="es-AR"/>
           </a:p>
@@ -20146,7 +20160,7 @@
             <a:fld id="{7396B977-6251-41DE-9CF2-59811A3624F8}" type="datetimeFigureOut">
               <a:rPr lang="es-AR" smtClean="0"/>
               <a:pPr/>
-              <a:t>02/09/2010</a:t>
+              <a:t>06/09/2010</a:t>
             </a:fld>
             <a:endParaRPr lang="es-AR"/>
           </a:p>
@@ -20643,7 +20657,7 @@
           <a:p>
             <a:pPr algn="ctr"/>
             <a:r>
-              <a:rPr lang="es-ES" sz="3200" b="1" dirty="0" smtClean="0">
+              <a:rPr lang="es-AR" sz="3200" b="1" smtClean="0">
                 <a:ln w="17780" cmpd="sng">
                   <a:solidFill>
                     <a:schemeClr val="accent1">
@@ -20680,7 +20694,7 @@
               </a:rPr>
               <a:t>441</a:t>
             </a:r>
-            <a:endParaRPr lang="es-ES" sz="3200" b="1" dirty="0">
+            <a:endParaRPr lang="es-AR" sz="3200" b="1">
               <a:ln w="17780" cmpd="sng">
                 <a:solidFill>
                   <a:schemeClr val="accent1">
@@ -20734,10 +20748,10 @@
           <a:lstStyle/>
           <a:p>
             <a:r>
-              <a:rPr lang="es-AR" dirty="0" smtClean="0"/>
+              <a:rPr lang="es-AR" smtClean="0"/>
               <a:t>INYECCIÓN</a:t>
             </a:r>
-            <a:endParaRPr lang="es-AR" dirty="0"/>
+            <a:endParaRPr lang="es-AR"/>
           </a:p>
         </p:txBody>
       </p:sp>
@@ -21031,7 +21045,7 @@
           <a:p>
             <a:pPr algn="ctr"/>
             <a:r>
-              <a:rPr lang="es-ES" sz="3200" b="1" dirty="0" smtClean="0">
+              <a:rPr lang="es-AR" sz="3200" b="1" smtClean="0">
                 <a:ln w="17780" cmpd="sng">
                   <a:solidFill>
                     <a:schemeClr val="accent1">
@@ -21068,7 +21082,7 @@
               </a:rPr>
               <a:t>7</a:t>
             </a:r>
-            <a:endParaRPr lang="es-ES" sz="3200" b="1" dirty="0">
+            <a:endParaRPr lang="es-AR" sz="3200" b="1">
               <a:ln w="17780" cmpd="sng">
                 <a:solidFill>
                   <a:schemeClr val="accent1">
@@ -21130,7 +21144,7 @@
           <a:p>
             <a:pPr algn="ctr"/>
             <a:r>
-              <a:rPr lang="es-ES" sz="2800" b="1" dirty="0" smtClean="0">
+              <a:rPr lang="es-AR" sz="2800" b="1" smtClean="0">
                 <a:ln w="17780" cmpd="sng">
                   <a:solidFill>
                     <a:schemeClr val="accent1">
@@ -21167,7 +21181,7 @@
               </a:rPr>
               <a:t>Puntos de inyección:</a:t>
             </a:r>
-            <a:endParaRPr lang="es-ES" sz="2800" b="1" dirty="0">
+            <a:endParaRPr lang="es-AR" sz="2800" b="1">
               <a:ln w="17780" cmpd="sng">
                 <a:solidFill>
                   <a:schemeClr val="accent1">
@@ -21229,7 +21243,7 @@
           <a:p>
             <a:pPr algn="ctr"/>
             <a:r>
-              <a:rPr lang="es-ES" sz="2800" b="1" dirty="0" smtClean="0">
+              <a:rPr lang="es-AR" sz="2800" b="1" smtClean="0">
                 <a:ln w="17780" cmpd="sng">
                   <a:solidFill>
                     <a:schemeClr val="accent1">
@@ -21266,7 +21280,7 @@
               </a:rPr>
               <a:t> para 64 niveles de tensión:</a:t>
             </a:r>
-            <a:endParaRPr lang="es-ES" sz="2800" b="1" dirty="0">
+            <a:endParaRPr lang="es-AR" sz="2800" b="1">
               <a:ln w="17780" cmpd="sng">
                 <a:solidFill>
                   <a:schemeClr val="accent1">
@@ -21328,7 +21342,7 @@
           <a:p>
             <a:pPr algn="ctr"/>
             <a:r>
-              <a:rPr lang="es-ES" sz="3200" b="1" cap="none" spc="0" dirty="0" smtClean="0">
+              <a:rPr lang="es-AR" sz="3200" b="1" cap="none" spc="0" smtClean="0">
                 <a:ln w="17780" cmpd="sng">
                   <a:solidFill>
                     <a:schemeClr val="accent1">
@@ -21365,7 +21379,7 @@
               </a:rPr>
               <a:t>28.224</a:t>
             </a:r>
-            <a:endParaRPr lang="es-ES" sz="3200" b="1" cap="none" spc="0" dirty="0">
+            <a:endParaRPr lang="es-AR" sz="3200" b="1" cap="none" spc="0">
               <a:ln w="17780" cmpd="sng">
                 <a:solidFill>
                   <a:schemeClr val="accent1">
@@ -21427,7 +21441,7 @@
           <a:p>
             <a:pPr algn="ctr"/>
             <a:r>
-              <a:rPr lang="es-ES" sz="2800" b="1" cap="none" spc="0" dirty="0" smtClean="0">
+              <a:rPr lang="es-AR" sz="2800" b="1" cap="none" spc="0" smtClean="0">
                 <a:ln w="17780" cmpd="sng">
                   <a:solidFill>
                     <a:schemeClr val="accent1">
@@ -21464,7 +21478,7 @@
               </a:rPr>
               <a:t>por 2 tipos de fallas:</a:t>
             </a:r>
-            <a:endParaRPr lang="es-ES" sz="2800" b="1" cap="none" spc="0" dirty="0">
+            <a:endParaRPr lang="es-AR" sz="2800" b="1" cap="none" spc="0">
               <a:ln w="17780" cmpd="sng">
                 <a:solidFill>
                   <a:schemeClr val="accent1">
@@ -21526,7 +21540,7 @@
           <a:p>
             <a:pPr algn="ctr"/>
             <a:r>
-              <a:rPr lang="es-ES" sz="3200" b="1" cap="none" spc="0" dirty="0" smtClean="0">
+              <a:rPr lang="es-AR" sz="3200" b="1" cap="none" spc="0" smtClean="0">
                 <a:ln w="17780" cmpd="sng">
                   <a:solidFill>
                     <a:schemeClr val="accent1">
@@ -21563,7 +21577,7 @@
               </a:rPr>
               <a:t>56.448</a:t>
             </a:r>
-            <a:endParaRPr lang="es-ES" sz="3200" b="1" cap="none" spc="0" dirty="0">
+            <a:endParaRPr lang="es-AR" sz="3200" b="1" cap="none" spc="0">
               <a:ln w="17780" cmpd="sng">
                 <a:solidFill>
                   <a:schemeClr val="accent1">

--- a/trunk/Documentation/Documentacion/PRESENTACION_FACU.pptx
+++ b/trunk/Documentation/Documentacion/PRESENTACION_FACU.pptx
@@ -3868,8 +3868,8 @@
     <dgm:cxn modelId="{7EC4CCEE-A36A-43C6-95E1-0480A1BAEE8F}" srcId="{C450AFBD-D19E-4FDA-929B-E1A653D8E4DD}" destId="{85C598A0-BCCA-4BF4-BD0C-322094E95D20}" srcOrd="0" destOrd="0" parTransId="{DF9A3197-7551-4AB0-9864-A3DFF256CB2F}" sibTransId="{F8D97D87-512C-42B0-8BCF-6EB0500ECB4A}"/>
     <dgm:cxn modelId="{DFCB5525-E174-4B2A-ADBB-B3D93E2D2A6C}" srcId="{28621352-D8C8-4462-A38B-5ED8DAECF65B}" destId="{46D51864-616F-4817-8F91-3E15814C4CD5}" srcOrd="3" destOrd="0" parTransId="{E2AE9E1E-E0FB-47DC-9337-191CB5B936CB}" sibTransId="{E9DF6DF7-3E08-45C9-8B8E-841EA30C8B33}"/>
     <dgm:cxn modelId="{F0D4F50D-5A17-422C-8331-D8004DD48F14}" srcId="{28621352-D8C8-4462-A38B-5ED8DAECF65B}" destId="{F6891DC3-F7D4-4219-BD99-E633DF7F9C99}" srcOrd="0" destOrd="0" parTransId="{1B245E6A-BCBD-4310-AB1B-65FCE10DA84E}" sibTransId="{1D2F8BD6-4E8D-44E7-BB11-49A85F68390E}"/>
+    <dgm:cxn modelId="{5FB863EE-1950-496B-8FF6-A06CB4BCC373}" srcId="{46D51864-616F-4817-8F91-3E15814C4CD5}" destId="{F67643B1-22DC-47B4-B3B5-BF746A707484}" srcOrd="2" destOrd="0" parTransId="{8BDF7434-6C4C-4F44-B49E-8CEB0F7057E5}" sibTransId="{46B476B1-E80F-4347-839F-665DE47D6FA7}"/>
     <dgm:cxn modelId="{1B2F4A6A-C043-4023-88D6-A1926ECC69A4}" srcId="{F6891DC3-F7D4-4219-BD99-E633DF7F9C99}" destId="{0C38124E-1BE8-4699-A409-7E5EBEFC0B05}" srcOrd="0" destOrd="0" parTransId="{DE70DA72-A786-427A-941B-FDB83111C9ED}" sibTransId="{3D61EFA4-1337-4488-B664-71047F49B8E8}"/>
-    <dgm:cxn modelId="{5FB863EE-1950-496B-8FF6-A06CB4BCC373}" srcId="{46D51864-616F-4817-8F91-3E15814C4CD5}" destId="{F67643B1-22DC-47B4-B3B5-BF746A707484}" srcOrd="2" destOrd="0" parTransId="{8BDF7434-6C4C-4F44-B49E-8CEB0F7057E5}" sibTransId="{46B476B1-E80F-4347-839F-665DE47D6FA7}"/>
     <dgm:cxn modelId="{325076B5-CAF0-4A95-8C9C-B4FA4C794795}" srcId="{28621352-D8C8-4462-A38B-5ED8DAECF65B}" destId="{DD847369-FD52-47A4-9862-6E0F26E8356D}" srcOrd="1" destOrd="0" parTransId="{68F9C435-6FFD-40A0-A071-F2D05C6DAF67}" sibTransId="{6B1F0A42-3C88-4789-98FD-E29CD4BA95FC}"/>
     <dgm:cxn modelId="{C7B12F29-6D9C-4F55-B0B4-0C52E4894C4D}" srcId="{C450AFBD-D19E-4FDA-929B-E1A653D8E4DD}" destId="{CF9922EE-48BF-4D32-9CA3-D69D0E77782E}" srcOrd="2" destOrd="0" parTransId="{76B7A7CB-BEA7-4835-8CFB-5DE74BC2A803}" sibTransId="{A2A6269D-5DD5-43D6-9B36-4E362826A8F1}"/>
     <dgm:cxn modelId="{C97EDC3C-F975-4058-9CA6-846C8132FD7D}" type="presOf" srcId="{F6891DC3-F7D4-4219-BD99-E633DF7F9C99}" destId="{A95D184C-E14B-4F00-909E-013D2800488D}" srcOrd="0" destOrd="0" presId="urn:microsoft.com/office/officeart/2005/8/layout/vList2"/>
@@ -13437,7 +13437,7 @@
             <a:fld id="{C4912EAB-2DF2-4EA7-9A3C-081666E7F61D}" type="datetimeFigureOut">
               <a:rPr lang="es-AR" smtClean="0"/>
               <a:pPr/>
-              <a:t>06/09/2010</a:t>
+              <a:t>07/09/2010</a:t>
             </a:fld>
             <a:endParaRPr lang="es-AR"/>
           </a:p>
@@ -13599,7 +13599,7 @@
             <a:fld id="{320C0146-0920-4890-94B5-4EE8DB66AAB2}" type="datetimeFigureOut">
               <a:rPr lang="es-AR" smtClean="0"/>
               <a:pPr/>
-              <a:t>06/09/2010</a:t>
+              <a:t>07/09/2010</a:t>
             </a:fld>
             <a:endParaRPr lang="es-AR"/>
           </a:p>
@@ -14003,6 +14003,186 @@
           </a:bodyPr>
           <a:lstStyle/>
           <a:p>
+            <a:r>
+              <a:rPr lang="es-AR" dirty="0" err="1" smtClean="0"/>
+              <a:t>Aca</a:t>
+            </a:r>
+            <a:r>
+              <a:rPr lang="es-AR" dirty="0" smtClean="0"/>
+              <a:t> ir </a:t>
+            </a:r>
+            <a:r>
+              <a:rPr lang="es-AR" dirty="0" err="1" smtClean="0"/>
+              <a:t>animacion</a:t>
+            </a:r>
+            <a:r>
+              <a:rPr lang="es-AR" dirty="0" smtClean="0"/>
+              <a:t> de que se achique hasta la esquina superior</a:t>
+            </a:r>
+            <a:endParaRPr lang="es-AR" dirty="0"/>
+          </a:p>
+        </p:txBody>
+      </p:sp>
+      <p:sp>
+        <p:nvSpPr>
+          <p:cNvPr id="4" name="3 Marcador de número de diapositiva"/>
+          <p:cNvSpPr>
+            <a:spLocks noGrp="1"/>
+          </p:cNvSpPr>
+          <p:nvPr>
+            <p:ph type="sldNum" sz="quarter" idx="10"/>
+          </p:nvPr>
+        </p:nvSpPr>
+        <p:spPr/>
+        <p:txBody>
+          <a:bodyPr/>
+          <a:lstStyle/>
+          <a:p>
+            <a:fld id="{EA0D9E51-E836-4F08-8FFF-406AF79182CA}" type="slidenum">
+              <a:rPr lang="es-AR" smtClean="0"/>
+              <a:pPr/>
+              <a:t>3</a:t>
+            </a:fld>
+            <a:endParaRPr lang="es-AR"/>
+          </a:p>
+        </p:txBody>
+      </p:sp>
+    </p:spTree>
+  </p:cSld>
+  <p:clrMapOvr>
+    <a:masterClrMapping/>
+  </p:clrMapOvr>
+</p:notes>
+</file>
+
+<file path=ppt/notesSlides/notesSlide3.xml><?xml version="1.0" encoding="utf-8"?>
+<p:notes xmlns:a="http://schemas.openxmlformats.org/drawingml/2006/main" xmlns:r="http://schemas.openxmlformats.org/officeDocument/2006/relationships" xmlns:p="http://schemas.openxmlformats.org/presentationml/2006/main">
+  <p:cSld>
+    <p:spTree>
+      <p:nvGrpSpPr>
+        <p:cNvPr id="1" name=""/>
+        <p:cNvGrpSpPr/>
+        <p:nvPr/>
+      </p:nvGrpSpPr>
+      <p:grpSpPr>
+        <a:xfrm>
+          <a:off x="0" y="0"/>
+          <a:ext cx="0" cy="0"/>
+          <a:chOff x="0" y="0"/>
+          <a:chExt cx="0" cy="0"/>
+        </a:xfrm>
+      </p:grpSpPr>
+      <p:sp>
+        <p:nvSpPr>
+          <p:cNvPr id="2" name="1 Marcador de imagen de diapositiva"/>
+          <p:cNvSpPr>
+            <a:spLocks noGrp="1" noRot="1" noChangeAspect="1"/>
+          </p:cNvSpPr>
+          <p:nvPr>
+            <p:ph type="sldImg"/>
+          </p:nvPr>
+        </p:nvSpPr>
+        <p:spPr/>
+      </p:sp>
+      <p:sp>
+        <p:nvSpPr>
+          <p:cNvPr id="3" name="2 Marcador de notas"/>
+          <p:cNvSpPr>
+            <a:spLocks noGrp="1"/>
+          </p:cNvSpPr>
+          <p:nvPr>
+            <p:ph type="body" idx="1"/>
+          </p:nvPr>
+        </p:nvSpPr>
+        <p:spPr/>
+        <p:txBody>
+          <a:bodyPr>
+            <a:normAutofit/>
+          </a:bodyPr>
+          <a:lstStyle/>
+          <a:p>
+            <a:endParaRPr lang="es-AR" dirty="0"/>
+          </a:p>
+        </p:txBody>
+      </p:sp>
+      <p:sp>
+        <p:nvSpPr>
+          <p:cNvPr id="4" name="3 Marcador de número de diapositiva"/>
+          <p:cNvSpPr>
+            <a:spLocks noGrp="1"/>
+          </p:cNvSpPr>
+          <p:nvPr>
+            <p:ph type="sldNum" sz="quarter" idx="10"/>
+          </p:nvPr>
+        </p:nvSpPr>
+        <p:spPr/>
+        <p:txBody>
+          <a:bodyPr/>
+          <a:lstStyle/>
+          <a:p>
+            <a:fld id="{EA0D9E51-E836-4F08-8FFF-406AF79182CA}" type="slidenum">
+              <a:rPr lang="es-AR" smtClean="0"/>
+              <a:pPr/>
+              <a:t>4</a:t>
+            </a:fld>
+            <a:endParaRPr lang="es-AR"/>
+          </a:p>
+        </p:txBody>
+      </p:sp>
+    </p:spTree>
+  </p:cSld>
+  <p:clrMapOvr>
+    <a:masterClrMapping/>
+  </p:clrMapOvr>
+</p:notes>
+</file>
+
+<file path=ppt/notesSlides/notesSlide4.xml><?xml version="1.0" encoding="utf-8"?>
+<p:notes xmlns:a="http://schemas.openxmlformats.org/drawingml/2006/main" xmlns:r="http://schemas.openxmlformats.org/officeDocument/2006/relationships" xmlns:p="http://schemas.openxmlformats.org/presentationml/2006/main">
+  <p:cSld>
+    <p:spTree>
+      <p:nvGrpSpPr>
+        <p:cNvPr id="1" name=""/>
+        <p:cNvGrpSpPr/>
+        <p:nvPr/>
+      </p:nvGrpSpPr>
+      <p:grpSpPr>
+        <a:xfrm>
+          <a:off x="0" y="0"/>
+          <a:ext cx="0" cy="0"/>
+          <a:chOff x="0" y="0"/>
+          <a:chExt cx="0" cy="0"/>
+        </a:xfrm>
+      </p:grpSpPr>
+      <p:sp>
+        <p:nvSpPr>
+          <p:cNvPr id="2" name="1 Marcador de imagen de diapositiva"/>
+          <p:cNvSpPr>
+            <a:spLocks noGrp="1" noRot="1" noChangeAspect="1"/>
+          </p:cNvSpPr>
+          <p:nvPr>
+            <p:ph type="sldImg"/>
+          </p:nvPr>
+        </p:nvSpPr>
+        <p:spPr/>
+      </p:sp>
+      <p:sp>
+        <p:nvSpPr>
+          <p:cNvPr id="3" name="2 Marcador de notas"/>
+          <p:cNvSpPr>
+            <a:spLocks noGrp="1"/>
+          </p:cNvSpPr>
+          <p:nvPr>
+            <p:ph type="body" idx="1"/>
+          </p:nvPr>
+        </p:nvSpPr>
+        <p:spPr/>
+        <p:txBody>
+          <a:bodyPr>
+            <a:normAutofit/>
+          </a:bodyPr>
+          <a:lstStyle/>
+          <a:p>
             <a:endParaRPr lang="es-AR"/>
           </a:p>
         </p:txBody>
@@ -14288,7 +14468,7 @@
             <a:fld id="{7396B977-6251-41DE-9CF2-59811A3624F8}" type="datetimeFigureOut">
               <a:rPr lang="es-AR" smtClean="0"/>
               <a:pPr/>
-              <a:t>06/09/2010</a:t>
+              <a:t>07/09/2010</a:t>
             </a:fld>
             <a:endParaRPr lang="es-AR"/>
           </a:p>
@@ -14513,7 +14693,7 @@
             <a:fld id="{7396B977-6251-41DE-9CF2-59811A3624F8}" type="datetimeFigureOut">
               <a:rPr lang="es-AR" smtClean="0"/>
               <a:pPr/>
-              <a:t>06/09/2010</a:t>
+              <a:t>07/09/2010</a:t>
             </a:fld>
             <a:endParaRPr lang="es-AR"/>
           </a:p>
@@ -14795,7 +14975,7 @@
             <a:fld id="{7396B977-6251-41DE-9CF2-59811A3624F8}" type="datetimeFigureOut">
               <a:rPr lang="es-AR" smtClean="0"/>
               <a:pPr/>
-              <a:t>06/09/2010</a:t>
+              <a:t>07/09/2010</a:t>
             </a:fld>
             <a:endParaRPr lang="es-AR"/>
           </a:p>
@@ -15095,7 +15275,7 @@
             <a:fld id="{7396B977-6251-41DE-9CF2-59811A3624F8}" type="datetimeFigureOut">
               <a:rPr lang="es-AR" smtClean="0"/>
               <a:pPr/>
-              <a:t>06/09/2010</a:t>
+              <a:t>07/09/2010</a:t>
             </a:fld>
             <a:endParaRPr lang="es-AR"/>
           </a:p>
@@ -15570,7 +15750,7 @@
             <a:fld id="{7396B977-6251-41DE-9CF2-59811A3624F8}" type="datetimeFigureOut">
               <a:rPr lang="es-AR" smtClean="0"/>
               <a:pPr/>
-              <a:t>06/09/2010</a:t>
+              <a:t>07/09/2010</a:t>
             </a:fld>
             <a:endParaRPr lang="es-AR"/>
           </a:p>
@@ -15960,7 +16140,7 @@
             <a:fld id="{7396B977-6251-41DE-9CF2-59811A3624F8}" type="datetimeFigureOut">
               <a:rPr lang="es-AR" smtClean="0"/>
               <a:pPr/>
-              <a:t>06/09/2010</a:t>
+              <a:t>07/09/2010</a:t>
             </a:fld>
             <a:endParaRPr lang="es-AR"/>
           </a:p>
@@ -16350,7 +16530,7 @@
             <a:fld id="{7396B977-6251-41DE-9CF2-59811A3624F8}" type="datetimeFigureOut">
               <a:rPr lang="es-AR" smtClean="0"/>
               <a:pPr/>
-              <a:t>06/09/2010</a:t>
+              <a:t>07/09/2010</a:t>
             </a:fld>
             <a:endParaRPr lang="es-AR"/>
           </a:p>
@@ -16825,7 +17005,7 @@
             <a:fld id="{7396B977-6251-41DE-9CF2-59811A3624F8}" type="datetimeFigureOut">
               <a:rPr lang="es-AR" smtClean="0"/>
               <a:pPr/>
-              <a:t>06/09/2010</a:t>
+              <a:t>07/09/2010</a:t>
             </a:fld>
             <a:endParaRPr lang="es-AR"/>
           </a:p>
@@ -17130,7 +17310,7 @@
             <a:fld id="{7396B977-6251-41DE-9CF2-59811A3624F8}" type="datetimeFigureOut">
               <a:rPr lang="es-AR" smtClean="0"/>
               <a:pPr/>
-              <a:t>06/09/2010</a:t>
+              <a:t>07/09/2010</a:t>
             </a:fld>
             <a:endParaRPr lang="es-AR"/>
           </a:p>
@@ -17435,7 +17615,7 @@
             <a:fld id="{7396B977-6251-41DE-9CF2-59811A3624F8}" type="datetimeFigureOut">
               <a:rPr lang="es-AR" smtClean="0"/>
               <a:pPr/>
-              <a:t>06/09/2010</a:t>
+              <a:t>07/09/2010</a:t>
             </a:fld>
             <a:endParaRPr lang="es-AR"/>
           </a:p>
@@ -17791,7 +17971,7 @@
             <a:fld id="{7396B977-6251-41DE-9CF2-59811A3624F8}" type="datetimeFigureOut">
               <a:rPr lang="es-AR" smtClean="0"/>
               <a:pPr/>
-              <a:t>06/09/2010</a:t>
+              <a:t>07/09/2010</a:t>
             </a:fld>
             <a:endParaRPr lang="es-AR"/>
           </a:p>
@@ -18151,7 +18331,7 @@
             <a:fld id="{7396B977-6251-41DE-9CF2-59811A3624F8}" type="datetimeFigureOut">
               <a:rPr lang="es-AR" smtClean="0"/>
               <a:pPr/>
-              <a:t>06/09/2010</a:t>
+              <a:t>07/09/2010</a:t>
             </a:fld>
             <a:endParaRPr lang="es-AR"/>
           </a:p>
@@ -18440,7 +18620,7 @@
             <a:fld id="{7396B977-6251-41DE-9CF2-59811A3624F8}" type="datetimeFigureOut">
               <a:rPr lang="es-AR" smtClean="0"/>
               <a:pPr/>
-              <a:t>06/09/2010</a:t>
+              <a:t>07/09/2010</a:t>
             </a:fld>
             <a:endParaRPr lang="es-AR"/>
           </a:p>
@@ -18864,7 +19044,7 @@
             <a:fld id="{7396B977-6251-41DE-9CF2-59811A3624F8}" type="datetimeFigureOut">
               <a:rPr lang="es-AR" smtClean="0"/>
               <a:pPr/>
-              <a:t>06/09/2010</a:t>
+              <a:t>07/09/2010</a:t>
             </a:fld>
             <a:endParaRPr lang="es-AR"/>
           </a:p>
@@ -18981,7 +19161,7 @@
             <a:fld id="{7396B977-6251-41DE-9CF2-59811A3624F8}" type="datetimeFigureOut">
               <a:rPr lang="es-AR" smtClean="0"/>
               <a:pPr/>
-              <a:t>06/09/2010</a:t>
+              <a:t>07/09/2010</a:t>
             </a:fld>
             <a:endParaRPr lang="es-AR"/>
           </a:p>
@@ -19073,7 +19253,7 @@
             <a:fld id="{7396B977-6251-41DE-9CF2-59811A3624F8}" type="datetimeFigureOut">
               <a:rPr lang="es-AR" smtClean="0"/>
               <a:pPr/>
-              <a:t>06/09/2010</a:t>
+              <a:t>07/09/2010</a:t>
             </a:fld>
             <a:endParaRPr lang="es-AR"/>
           </a:p>
@@ -19353,7 +19533,7 @@
             <a:fld id="{7396B977-6251-41DE-9CF2-59811A3624F8}" type="datetimeFigureOut">
               <a:rPr lang="es-AR" smtClean="0"/>
               <a:pPr/>
-              <a:t>06/09/2010</a:t>
+              <a:t>07/09/2010</a:t>
             </a:fld>
             <a:endParaRPr lang="es-AR"/>
           </a:p>
@@ -19721,7 +19901,7 @@
             <a:fld id="{7396B977-6251-41DE-9CF2-59811A3624F8}" type="datetimeFigureOut">
               <a:rPr lang="es-AR" smtClean="0"/>
               <a:pPr/>
-              <a:t>06/09/2010</a:t>
+              <a:t>07/09/2010</a:t>
             </a:fld>
             <a:endParaRPr lang="es-AR"/>
           </a:p>
@@ -20160,7 +20340,7 @@
             <a:fld id="{7396B977-6251-41DE-9CF2-59811A3624F8}" type="datetimeFigureOut">
               <a:rPr lang="es-AR" smtClean="0"/>
               <a:pPr/>
-              <a:t>06/09/2010</a:t>
+              <a:t>07/09/2010</a:t>
             </a:fld>
             <a:endParaRPr lang="es-AR"/>
           </a:p>
@@ -23975,7 +24155,11 @@
           <a:p>
             <a:r>
               <a:rPr lang="es-AR" dirty="0" smtClean="0"/>
-              <a:t>INYECCIÓN: Manual (cont.)</a:t>
+              <a:t>INYECCIÓN: </a:t>
+            </a:r>
+            <a:r>
+              <a:rPr lang="es-AR" dirty="0" smtClean="0"/>
+              <a:t>Manual</a:t>
             </a:r>
             <a:endParaRPr lang="es-AR" dirty="0"/>
           </a:p>
@@ -23993,59 +24177,339 @@
         </p:nvSpPr>
         <p:spPr>
           <a:xfrm>
-            <a:off x="457199" y="1816225"/>
-            <a:ext cx="4080933" cy="2215443"/>
+            <a:off x="179512" y="1556792"/>
+            <a:ext cx="4392488" cy="5112568"/>
           </a:xfrm>
         </p:spPr>
         <p:txBody>
-          <a:bodyPr/>
+          <a:bodyPr>
+            <a:normAutofit/>
+          </a:bodyPr>
           <a:lstStyle/>
           <a:p>
             <a:r>
-              <a:rPr lang="es-AR" dirty="0" err="1" smtClean="0"/>
-              <a:t>Vref</a:t>
+              <a:rPr lang="es-AR" dirty="0" smtClean="0"/>
+              <a:t>Falla: TRAPEZOIDAL</a:t>
+            </a:r>
+          </a:p>
+          <a:p>
+            <a:r>
+              <a:rPr lang="es-AR" dirty="0" smtClean="0"/>
+              <a:t>V</a:t>
+            </a:r>
+            <a:r>
+              <a:rPr lang="es-AR" baseline="-25000" dirty="0" smtClean="0"/>
+              <a:t>REF</a:t>
             </a:r>
             <a:r>
               <a:rPr lang="es-AR" dirty="0" smtClean="0"/>
-              <a:t>: 1V</a:t>
+              <a:t>: 1.315 voltios</a:t>
             </a:r>
+            <a:endParaRPr lang="es-AR" dirty="0" smtClean="0"/>
           </a:p>
           <a:p>
             <a:r>
               <a:rPr lang="es-AR" dirty="0" smtClean="0"/>
-              <a:t>Falla: Exponencial</a:t>
+              <a:t>Nodos de inyección:</a:t>
             </a:r>
+          </a:p>
+          <a:p>
+            <a:pPr lvl="1"/>
+            <a:r>
+              <a:rPr lang="es-AR" dirty="0" err="1" smtClean="0"/>
+              <a:t>NDneg_N</a:t>
+            </a:r>
+            <a:endParaRPr lang="es-AR" dirty="0" smtClean="0"/>
+          </a:p>
+          <a:p>
+            <a:pPr lvl="1"/>
+            <a:r>
+              <a:rPr lang="es-AR" dirty="0" err="1" smtClean="0"/>
+              <a:t>NDpos_N</a:t>
+            </a:r>
+            <a:endParaRPr lang="es-AR" dirty="0" smtClean="0"/>
+          </a:p>
+          <a:p>
+            <a:pPr lvl="1"/>
+            <a:r>
+              <a:rPr lang="es-AR" dirty="0" err="1" smtClean="0"/>
+              <a:t>NDbias</a:t>
+            </a:r>
+            <a:endParaRPr lang="es-AR" dirty="0" smtClean="0"/>
+          </a:p>
+          <a:p>
+            <a:pPr lvl="1"/>
+            <a:r>
+              <a:rPr lang="es-AR" dirty="0" err="1" smtClean="0"/>
+              <a:t>NDout_N</a:t>
+            </a:r>
+            <a:endParaRPr lang="es-AR" dirty="0"/>
           </a:p>
           <a:p>
             <a:r>
               <a:rPr lang="es-AR" dirty="0" smtClean="0"/>
-              <a:t>Nodo: NDOUT</a:t>
+              <a:t>Nodo graficado:</a:t>
             </a:r>
-            <a:endParaRPr lang="es-AR" dirty="0"/>
+          </a:p>
+          <a:p>
+            <a:pPr lvl="1"/>
+            <a:r>
+              <a:rPr lang="es-AR" dirty="0" smtClean="0"/>
+              <a:t>NDOUT=Salida del comparador (OUT).</a:t>
+            </a:r>
+            <a:endParaRPr lang="es-AR" dirty="0" smtClean="0"/>
           </a:p>
         </p:txBody>
       </p:sp>
+      <p:grpSp>
+        <p:nvGrpSpPr>
+          <p:cNvPr id="26" name="25 Grupo"/>
+          <p:cNvGrpSpPr/>
+          <p:nvPr/>
+        </p:nvGrpSpPr>
+        <p:grpSpPr>
+          <a:xfrm>
+            <a:off x="4130009" y="1556792"/>
+            <a:ext cx="5013991" cy="5301208"/>
+            <a:chOff x="4130009" y="1556792"/>
+            <a:chExt cx="5013991" cy="5301208"/>
+          </a:xfrm>
+        </p:grpSpPr>
+        <p:pic>
+          <p:nvPicPr>
+            <p:cNvPr id="1029" name="Picture 5"/>
+            <p:cNvPicPr>
+              <a:picLocks noChangeAspect="1" noChangeArrowheads="1"/>
+            </p:cNvPicPr>
+            <p:nvPr/>
+          </p:nvPicPr>
+          <p:blipFill>
+            <a:blip r:embed="rId3" cstate="print"/>
+            <a:srcRect/>
+            <a:stretch>
+              <a:fillRect/>
+            </a:stretch>
+          </p:blipFill>
+          <p:spPr bwMode="auto">
+            <a:xfrm>
+              <a:off x="4130009" y="1556792"/>
+              <a:ext cx="5013991" cy="5301208"/>
+            </a:xfrm>
+            <a:prstGeom prst="rect">
+              <a:avLst/>
+            </a:prstGeom>
+            <a:noFill/>
+            <a:ln w="9525">
+              <a:noFill/>
+              <a:miter lim="800000"/>
+              <a:headEnd/>
+              <a:tailEnd/>
+            </a:ln>
+          </p:spPr>
+        </p:pic>
+        <p:sp>
+          <p:nvSpPr>
+            <p:cNvPr id="14" name="13 Corchetes"/>
+            <p:cNvSpPr/>
+            <p:nvPr/>
+          </p:nvSpPr>
+          <p:spPr>
+            <a:xfrm>
+              <a:off x="4932040" y="3665517"/>
+              <a:ext cx="672186" cy="587512"/>
+            </a:xfrm>
+            <a:prstGeom prst="bracketPair">
+              <a:avLst/>
+            </a:prstGeom>
+            <a:ln>
+              <a:solidFill>
+                <a:schemeClr val="accent3"/>
+              </a:solidFill>
+            </a:ln>
+          </p:spPr>
+          <p:style>
+            <a:lnRef idx="2">
+              <a:schemeClr val="accent1"/>
+            </a:lnRef>
+            <a:fillRef idx="0">
+              <a:schemeClr val="accent1"/>
+            </a:fillRef>
+            <a:effectRef idx="1">
+              <a:schemeClr val="accent1"/>
+            </a:effectRef>
+            <a:fontRef idx="minor">
+              <a:schemeClr val="tx1"/>
+            </a:fontRef>
+          </p:style>
+          <p:txBody>
+            <a:bodyPr rtlCol="0" anchor="ctr"/>
+            <a:lstStyle/>
+            <a:p>
+              <a:pPr algn="ctr"/>
+              <a:endParaRPr lang="es-AR"/>
+            </a:p>
+          </p:txBody>
+        </p:sp>
+        <p:sp>
+          <p:nvSpPr>
+            <p:cNvPr id="15" name="14 Corchetes"/>
+            <p:cNvSpPr/>
+            <p:nvPr/>
+          </p:nvSpPr>
+          <p:spPr>
+            <a:xfrm>
+              <a:off x="6649848" y="3665517"/>
+              <a:ext cx="672186" cy="587512"/>
+            </a:xfrm>
+            <a:prstGeom prst="bracketPair">
+              <a:avLst/>
+            </a:prstGeom>
+            <a:ln>
+              <a:solidFill>
+                <a:schemeClr val="accent3"/>
+              </a:solidFill>
+            </a:ln>
+          </p:spPr>
+          <p:style>
+            <a:lnRef idx="2">
+              <a:schemeClr val="accent1"/>
+            </a:lnRef>
+            <a:fillRef idx="0">
+              <a:schemeClr val="accent1"/>
+            </a:fillRef>
+            <a:effectRef idx="1">
+              <a:schemeClr val="accent1"/>
+            </a:effectRef>
+            <a:fontRef idx="minor">
+              <a:schemeClr val="tx1"/>
+            </a:fontRef>
+          </p:style>
+          <p:txBody>
+            <a:bodyPr rtlCol="0" anchor="ctr"/>
+            <a:lstStyle/>
+            <a:p>
+              <a:pPr algn="ctr"/>
+              <a:endParaRPr lang="es-AR"/>
+            </a:p>
+          </p:txBody>
+        </p:sp>
+        <p:sp>
+          <p:nvSpPr>
+            <p:cNvPr id="16" name="15 Corchetes"/>
+            <p:cNvSpPr/>
+            <p:nvPr/>
+          </p:nvSpPr>
+          <p:spPr>
+            <a:xfrm>
+              <a:off x="5753600" y="5721808"/>
+              <a:ext cx="672186" cy="587512"/>
+            </a:xfrm>
+            <a:prstGeom prst="bracketPair">
+              <a:avLst/>
+            </a:prstGeom>
+            <a:ln>
+              <a:solidFill>
+                <a:schemeClr val="accent3"/>
+              </a:solidFill>
+            </a:ln>
+          </p:spPr>
+          <p:style>
+            <a:lnRef idx="2">
+              <a:schemeClr val="accent1"/>
+            </a:lnRef>
+            <a:fillRef idx="0">
+              <a:schemeClr val="accent1"/>
+            </a:fillRef>
+            <a:effectRef idx="1">
+              <a:schemeClr val="accent1"/>
+            </a:effectRef>
+            <a:fontRef idx="minor">
+              <a:schemeClr val="tx1"/>
+            </a:fontRef>
+          </p:style>
+          <p:txBody>
+            <a:bodyPr rtlCol="0" anchor="ctr"/>
+            <a:lstStyle/>
+            <a:p>
+              <a:pPr algn="ctr"/>
+              <a:endParaRPr lang="es-AR"/>
+            </a:p>
+          </p:txBody>
+        </p:sp>
+        <p:sp>
+          <p:nvSpPr>
+            <p:cNvPr id="17" name="16 Corchetes"/>
+            <p:cNvSpPr/>
+            <p:nvPr/>
+          </p:nvSpPr>
+          <p:spPr>
+            <a:xfrm>
+              <a:off x="8100392" y="5301208"/>
+              <a:ext cx="672186" cy="587512"/>
+            </a:xfrm>
+            <a:prstGeom prst="bracketPair">
+              <a:avLst/>
+            </a:prstGeom>
+            <a:ln>
+              <a:solidFill>
+                <a:schemeClr val="accent3"/>
+              </a:solidFill>
+            </a:ln>
+          </p:spPr>
+          <p:style>
+            <a:lnRef idx="2">
+              <a:schemeClr val="accent1"/>
+            </a:lnRef>
+            <a:fillRef idx="0">
+              <a:schemeClr val="accent1"/>
+            </a:fillRef>
+            <a:effectRef idx="1">
+              <a:schemeClr val="accent1"/>
+            </a:effectRef>
+            <a:fontRef idx="minor">
+              <a:schemeClr val="tx1"/>
+            </a:fontRef>
+          </p:style>
+          <p:txBody>
+            <a:bodyPr rtlCol="0" anchor="ctr"/>
+            <a:lstStyle/>
+            <a:p>
+              <a:pPr algn="ctr"/>
+              <a:endParaRPr lang="es-AR"/>
+            </a:p>
+          </p:txBody>
+        </p:sp>
+      </p:grpSp>
       <p:pic>
         <p:nvPicPr>
-          <p:cNvPr id="1026" name="Picture 2"/>
+          <p:cNvPr id="1030" name="Picture 6"/>
           <p:cNvPicPr>
-            <a:picLocks noGrp="1" noChangeAspect="1" noChangeArrowheads="1"/>
+            <a:picLocks noChangeAspect="1" noChangeArrowheads="1"/>
           </p:cNvPicPr>
-          <p:nvPr>
-            <p:ph sz="half" idx="2"/>
-          </p:nvPr>
+          <p:nvPr/>
         </p:nvPicPr>
         <p:blipFill>
-          <a:blip r:embed="rId2" cstate="print"/>
-          <a:srcRect/>
+          <a:blip r:embed="rId4" cstate="print">
+            <a:clrChange>
+              <a:clrFrom>
+                <a:srgbClr val="FFFFFF"/>
+              </a:clrFrom>
+              <a:clrTo>
+                <a:srgbClr val="FFFFFF">
+                  <a:alpha val="0"/>
+                </a:srgbClr>
+              </a:clrTo>
+            </a:clrChange>
+          </a:blip>
+          <a:srcRect l="8631" t="2011" r="46756" b="44264"/>
           <a:stretch>
             <a:fillRect/>
           </a:stretch>
         </p:blipFill>
         <p:spPr bwMode="auto">
           <a:xfrm>
-            <a:off x="4644008" y="1628801"/>
-            <a:ext cx="4032448" cy="2160240"/>
+            <a:off x="8033962" y="0"/>
+            <a:ext cx="1110038" cy="1412776"/>
           </a:xfrm>
           <a:prstGeom prst="rect">
             <a:avLst/>
@@ -24061,16 +24525,14 @@
       </p:pic>
       <p:pic>
         <p:nvPicPr>
-          <p:cNvPr id="1027" name="Picture 3"/>
+          <p:cNvPr id="1032" name="Picture 8"/>
           <p:cNvPicPr>
-            <a:picLocks noGrp="1" noChangeAspect="1" noChangeArrowheads="1"/>
+            <a:picLocks noChangeAspect="1" noChangeArrowheads="1"/>
           </p:cNvPicPr>
-          <p:nvPr>
-            <p:ph sz="half" idx="14"/>
-          </p:nvPr>
+          <p:nvPr/>
         </p:nvPicPr>
         <p:blipFill>
-          <a:blip r:embed="rId3" cstate="print"/>
+          <a:blip r:embed="rId5" cstate="print"/>
           <a:srcRect/>
           <a:stretch>
             <a:fillRect/>
@@ -24078,8 +24540,8 @@
         </p:blipFill>
         <p:spPr bwMode="auto">
           <a:xfrm>
-            <a:off x="323528" y="3933056"/>
-            <a:ext cx="3960440" cy="2664296"/>
+            <a:off x="-4429000" y="0"/>
+            <a:ext cx="4176464" cy="3409898"/>
           </a:xfrm>
           <a:prstGeom prst="rect">
             <a:avLst/>
@@ -24095,16 +24557,14 @@
       </p:pic>
       <p:pic>
         <p:nvPicPr>
-          <p:cNvPr id="1028" name="Picture 4"/>
+          <p:cNvPr id="1033" name="Picture 9"/>
           <p:cNvPicPr>
-            <a:picLocks noGrp="1" noChangeAspect="1" noChangeArrowheads="1"/>
+            <a:picLocks noChangeAspect="1" noChangeArrowheads="1"/>
           </p:cNvPicPr>
-          <p:nvPr>
-            <p:ph sz="half" idx="13"/>
-          </p:nvPr>
+          <p:nvPr/>
         </p:nvPicPr>
         <p:blipFill>
-          <a:blip r:embed="rId4" cstate="print"/>
+          <a:blip r:embed="rId6" cstate="print"/>
           <a:srcRect/>
           <a:stretch>
             <a:fillRect/>
@@ -24112,8 +24572,72 @@
         </p:blipFill>
         <p:spPr bwMode="auto">
           <a:xfrm>
-            <a:off x="4644008" y="3933056"/>
-            <a:ext cx="4104456" cy="2674456"/>
+            <a:off x="9396536" y="0"/>
+            <a:ext cx="4153949" cy="3384376"/>
+          </a:xfrm>
+          <a:prstGeom prst="rect">
+            <a:avLst/>
+          </a:prstGeom>
+          <a:noFill/>
+          <a:ln w="9525">
+            <a:noFill/>
+            <a:miter lim="800000"/>
+            <a:headEnd/>
+            <a:tailEnd/>
+          </a:ln>
+        </p:spPr>
+      </p:pic>
+      <p:pic>
+        <p:nvPicPr>
+          <p:cNvPr id="1034" name="Picture 10"/>
+          <p:cNvPicPr>
+            <a:picLocks noChangeAspect="1" noChangeArrowheads="1"/>
+          </p:cNvPicPr>
+          <p:nvPr/>
+        </p:nvPicPr>
+        <p:blipFill>
+          <a:blip r:embed="rId7" cstate="print"/>
+          <a:srcRect/>
+          <a:stretch>
+            <a:fillRect/>
+          </a:stretch>
+        </p:blipFill>
+        <p:spPr bwMode="auto">
+          <a:xfrm>
+            <a:off x="-4429000" y="3465140"/>
+            <a:ext cx="4170756" cy="3392860"/>
+          </a:xfrm>
+          <a:prstGeom prst="rect">
+            <a:avLst/>
+          </a:prstGeom>
+          <a:noFill/>
+          <a:ln w="9525">
+            <a:noFill/>
+            <a:miter lim="800000"/>
+            <a:headEnd/>
+            <a:tailEnd/>
+          </a:ln>
+        </p:spPr>
+      </p:pic>
+      <p:pic>
+        <p:nvPicPr>
+          <p:cNvPr id="1036" name="Picture 12"/>
+          <p:cNvPicPr>
+            <a:picLocks noChangeAspect="1" noChangeArrowheads="1"/>
+          </p:cNvPicPr>
+          <p:nvPr/>
+        </p:nvPicPr>
+        <p:blipFill>
+          <a:blip r:embed="rId8" cstate="print"/>
+          <a:srcRect/>
+          <a:stretch>
+            <a:fillRect/>
+          </a:stretch>
+        </p:blipFill>
+        <p:spPr bwMode="auto">
+          <a:xfrm>
+            <a:off x="9396536" y="3471563"/>
+            <a:ext cx="4139952" cy="3386437"/>
           </a:xfrm>
           <a:prstGeom prst="rect">
             <a:avLst/>
@@ -24176,7 +24700,11 @@
           <a:p>
             <a:r>
               <a:rPr lang="es-AR" dirty="0" smtClean="0"/>
-              <a:t>INYECCIÓN: Manual (cont.)</a:t>
+              <a:t>INYECCIÓN: </a:t>
+            </a:r>
+            <a:r>
+              <a:rPr lang="es-AR" dirty="0" smtClean="0"/>
+              <a:t>Manual</a:t>
             </a:r>
             <a:endParaRPr lang="es-AR" dirty="0"/>
           </a:p>
@@ -24226,96 +24754,44 @@
           </a:p>
         </p:txBody>
       </p:sp>
-      <p:pic>
-        <p:nvPicPr>
-          <p:cNvPr id="2050" name="Picture 2"/>
-          <p:cNvPicPr>
-            <a:picLocks noGrp="1" noChangeAspect="1" noChangeArrowheads="1"/>
-          </p:cNvPicPr>
+      <p:sp>
+        <p:nvSpPr>
+          <p:cNvPr id="7" name="6 Marcador de contenido"/>
+          <p:cNvSpPr>
+            <a:spLocks noGrp="1"/>
+          </p:cNvSpPr>
           <p:nvPr>
             <p:ph sz="half" idx="14"/>
           </p:nvPr>
-        </p:nvPicPr>
-        <p:blipFill>
-          <a:blip r:embed="rId2" cstate="print"/>
-          <a:srcRect/>
-          <a:stretch>
-            <a:fillRect/>
-          </a:stretch>
-        </p:blipFill>
-        <p:spPr bwMode="auto">
-          <a:xfrm>
-            <a:off x="323528" y="3933825"/>
-            <a:ext cx="3960440" cy="2663527"/>
-          </a:xfrm>
-          <a:prstGeom prst="rect">
-            <a:avLst/>
-          </a:prstGeom>
-          <a:noFill/>
-          <a:ln w="9525">
-            <a:noFill/>
-            <a:miter lim="800000"/>
-            <a:headEnd/>
-            <a:tailEnd/>
-          </a:ln>
-        </p:spPr>
-      </p:pic>
-      <p:pic>
-        <p:nvPicPr>
-          <p:cNvPr id="2052" name="Picture 4" descr="C:\Users\FACUND~1\AppData\Local\Temp\msohtmlclip1\01\clip_image001.png"/>
-          <p:cNvPicPr>
-            <a:picLocks noGrp="1" noChangeAspect="1" noChangeArrowheads="1"/>
-          </p:cNvPicPr>
-          <p:nvPr>
-            <p:ph sz="half" idx="13"/>
-          </p:nvPr>
-        </p:nvPicPr>
-        <p:blipFill>
-          <a:blip r:embed="rId3" cstate="print"/>
-          <a:srcRect/>
-          <a:stretch>
-            <a:fillRect/>
-          </a:stretch>
-        </p:blipFill>
-        <p:spPr bwMode="auto">
-          <a:xfrm>
-            <a:off x="4644008" y="3933056"/>
-            <a:ext cx="4104456" cy="2669453"/>
-          </a:xfrm>
-          <a:prstGeom prst="rect">
-            <a:avLst/>
-          </a:prstGeom>
-          <a:noFill/>
-        </p:spPr>
-      </p:pic>
-      <p:pic>
-        <p:nvPicPr>
-          <p:cNvPr id="2054" name="Picture 6" descr="C:\Users\FACUND~1\AppData\Local\Temp\msohtmlclip1\01\clip_image001.png"/>
-          <p:cNvPicPr>
-            <a:picLocks noGrp="1" noChangeAspect="1" noChangeArrowheads="1"/>
-          </p:cNvPicPr>
+        </p:nvSpPr>
+        <p:spPr/>
+        <p:txBody>
+          <a:bodyPr/>
+          <a:lstStyle/>
+          <a:p>
+            <a:endParaRPr lang="es-AR"/>
+          </a:p>
+        </p:txBody>
+      </p:sp>
+      <p:sp>
+        <p:nvSpPr>
+          <p:cNvPr id="9" name="8 Marcador de contenido"/>
+          <p:cNvSpPr>
+            <a:spLocks noGrp="1"/>
+          </p:cNvSpPr>
           <p:nvPr>
             <p:ph sz="half" idx="2"/>
           </p:nvPr>
-        </p:nvPicPr>
-        <p:blipFill>
-          <a:blip r:embed="rId4" cstate="print"/>
-          <a:srcRect/>
-          <a:stretch>
-            <a:fillRect/>
-          </a:stretch>
-        </p:blipFill>
-        <p:spPr bwMode="auto">
-          <a:xfrm>
-            <a:off x="4644008" y="1628801"/>
-            <a:ext cx="4089436" cy="2160239"/>
-          </a:xfrm>
-          <a:prstGeom prst="rect">
-            <a:avLst/>
-          </a:prstGeom>
-          <a:noFill/>
-        </p:spPr>
-      </p:pic>
+        </p:nvSpPr>
+        <p:spPr/>
+        <p:txBody>
+          <a:bodyPr/>
+          <a:lstStyle/>
+          <a:p>
+            <a:endParaRPr lang="es-AR"/>
+          </a:p>
+        </p:txBody>
+      </p:sp>
     </p:spTree>
   </p:cSld>
   <p:clrMapOvr>
@@ -24365,7 +24841,11 @@
           <a:p>
             <a:r>
               <a:rPr lang="es-AR" dirty="0" smtClean="0"/>
-              <a:t>INYECCIÓN: Manual (cont.)</a:t>
+              <a:t>INYECCIÓN: </a:t>
+            </a:r>
+            <a:r>
+              <a:rPr lang="es-AR" dirty="0" smtClean="0"/>
+              <a:t>Manual</a:t>
             </a:r>
             <a:endParaRPr lang="es-AR" dirty="0"/>
           </a:p>
@@ -24415,102 +24895,44 @@
           </a:p>
         </p:txBody>
       </p:sp>
-      <p:pic>
-        <p:nvPicPr>
-          <p:cNvPr id="2052" name="Picture 4" descr="C:\Users\FACUND~1\AppData\Local\Temp\msohtmlclip1\01\clip_image001.png"/>
-          <p:cNvPicPr>
-            <a:picLocks noGrp="1" noChangeAspect="1" noChangeArrowheads="1"/>
-          </p:cNvPicPr>
+      <p:sp>
+        <p:nvSpPr>
+          <p:cNvPr id="7" name="6 Marcador de contenido"/>
+          <p:cNvSpPr>
+            <a:spLocks noGrp="1"/>
+          </p:cNvSpPr>
           <p:nvPr>
-            <p:ph sz="half" idx="13"/>
+            <p:ph sz="half" idx="14"/>
           </p:nvPr>
-        </p:nvPicPr>
-        <p:blipFill>
-          <a:blip r:embed="rId2" cstate="print"/>
-          <a:srcRect/>
-          <a:stretch>
-            <a:fillRect/>
-          </a:stretch>
-        </p:blipFill>
-        <p:spPr bwMode="auto">
-          <a:xfrm>
-            <a:off x="4644008" y="3933056"/>
-            <a:ext cx="4104456" cy="2669453"/>
-          </a:xfrm>
-          <a:prstGeom prst="rect">
-            <a:avLst/>
-          </a:prstGeom>
-          <a:noFill/>
-        </p:spPr>
-      </p:pic>
-      <p:pic>
-        <p:nvPicPr>
-          <p:cNvPr id="43010" name="Picture 2"/>
-          <p:cNvPicPr>
-            <a:picLocks noGrp="1" noChangeAspect="1" noChangeArrowheads="1"/>
-          </p:cNvPicPr>
+        </p:nvSpPr>
+        <p:spPr/>
+        <p:txBody>
+          <a:bodyPr/>
+          <a:lstStyle/>
+          <a:p>
+            <a:endParaRPr lang="es-AR"/>
+          </a:p>
+        </p:txBody>
+      </p:sp>
+      <p:sp>
+        <p:nvSpPr>
+          <p:cNvPr id="9" name="8 Marcador de contenido"/>
+          <p:cNvSpPr>
+            <a:spLocks noGrp="1"/>
+          </p:cNvSpPr>
           <p:nvPr>
             <p:ph sz="half" idx="2"/>
           </p:nvPr>
-        </p:nvPicPr>
-        <p:blipFill>
-          <a:blip r:embed="rId3" cstate="print"/>
-          <a:srcRect/>
-          <a:stretch>
-            <a:fillRect/>
-          </a:stretch>
-        </p:blipFill>
-        <p:spPr bwMode="auto">
-          <a:xfrm>
-            <a:off x="4644008" y="1628775"/>
-            <a:ext cx="4104455" cy="2160588"/>
-          </a:xfrm>
-          <a:prstGeom prst="rect">
-            <a:avLst/>
-          </a:prstGeom>
-          <a:noFill/>
-          <a:ln w="9525">
-            <a:noFill/>
-            <a:miter lim="800000"/>
-            <a:headEnd/>
-            <a:tailEnd/>
-          </a:ln>
-        </p:spPr>
-      </p:pic>
-      <p:pic>
-        <p:nvPicPr>
-          <p:cNvPr id="43011" name="Picture 3"/>
-          <p:cNvPicPr>
-            <a:picLocks noGrp="1" noChangeAspect="1" noChangeArrowheads="1"/>
-          </p:cNvPicPr>
-          <p:nvPr>
-            <p:ph sz="half" idx="14"/>
-          </p:nvPr>
-        </p:nvPicPr>
-        <p:blipFill>
-          <a:blip r:embed="rId4" cstate="print"/>
-          <a:srcRect/>
-          <a:stretch>
-            <a:fillRect/>
-          </a:stretch>
-        </p:blipFill>
-        <p:spPr bwMode="auto">
-          <a:xfrm>
-            <a:off x="323528" y="3933825"/>
-            <a:ext cx="3960440" cy="2663825"/>
-          </a:xfrm>
-          <a:prstGeom prst="rect">
-            <a:avLst/>
-          </a:prstGeom>
-          <a:noFill/>
-          <a:ln w="9525">
-            <a:noFill/>
-            <a:miter lim="800000"/>
-            <a:headEnd/>
-            <a:tailEnd/>
-          </a:ln>
-        </p:spPr>
-      </p:pic>
+        </p:nvSpPr>
+        <p:spPr/>
+        <p:txBody>
+          <a:bodyPr/>
+          <a:lstStyle/>
+          <a:p>
+            <a:endParaRPr lang="es-AR"/>
+          </a:p>
+        </p:txBody>
+      </p:sp>
     </p:spTree>
   </p:cSld>
   <p:clrMapOvr>
@@ -25076,25 +25498,6 @@
           </a:xfrm>
         </p:spPr>
       </p:pic>
-      <p:sp>
-        <p:nvSpPr>
-          <p:cNvPr id="9" name="8 Marcador de contenido"/>
-          <p:cNvSpPr>
-            <a:spLocks noGrp="1"/>
-          </p:cNvSpPr>
-          <p:nvPr>
-            <p:ph sz="half" idx="14"/>
-          </p:nvPr>
-        </p:nvSpPr>
-        <p:spPr/>
-        <p:txBody>
-          <a:bodyPr/>
-          <a:lstStyle/>
-          <a:p>
-            <a:endParaRPr lang="es-AR" dirty="0"/>
-          </a:p>
-        </p:txBody>
-      </p:sp>
       <p:sp>
         <p:nvSpPr>
           <p:cNvPr id="5" name="4 Rectángulo"/>

--- a/trunk/Documentation/Documentacion/PRESENTACION_FACU.pptx
+++ b/trunk/Documentation/Documentacion/PRESENTACION_FACU.pptx
@@ -5,10 +5,10 @@
     <p:sldMasterId id="2147483662" r:id="rId1"/>
   </p:sldMasterIdLst>
   <p:notesMasterIdLst>
-    <p:notesMasterId r:id="rId13"/>
+    <p:notesMasterId r:id="rId14"/>
   </p:notesMasterIdLst>
   <p:handoutMasterIdLst>
-    <p:handoutMasterId r:id="rId14"/>
+    <p:handoutMasterId r:id="rId15"/>
   </p:handoutMasterIdLst>
   <p:sldIdLst>
     <p:sldId id="268" r:id="rId2"/>
@@ -16,12 +16,13 @@
     <p:sldId id="271" r:id="rId4"/>
     <p:sldId id="272" r:id="rId5"/>
     <p:sldId id="273" r:id="rId6"/>
-    <p:sldId id="274" r:id="rId7"/>
-    <p:sldId id="275" r:id="rId8"/>
-    <p:sldId id="276" r:id="rId9"/>
-    <p:sldId id="277" r:id="rId10"/>
-    <p:sldId id="279" r:id="rId11"/>
-    <p:sldId id="278" r:id="rId12"/>
+    <p:sldId id="280" r:id="rId7"/>
+    <p:sldId id="274" r:id="rId8"/>
+    <p:sldId id="275" r:id="rId9"/>
+    <p:sldId id="276" r:id="rId10"/>
+    <p:sldId id="277" r:id="rId11"/>
+    <p:sldId id="279" r:id="rId12"/>
+    <p:sldId id="278" r:id="rId13"/>
   </p:sldIdLst>
   <p:sldSz cx="9144000" cy="6858000" type="screen4x3"/>
   <p:notesSz cx="6858000" cy="9144000"/>
@@ -3868,8 +3869,8 @@
     <dgm:cxn modelId="{7EC4CCEE-A36A-43C6-95E1-0480A1BAEE8F}" srcId="{C450AFBD-D19E-4FDA-929B-E1A653D8E4DD}" destId="{85C598A0-BCCA-4BF4-BD0C-322094E95D20}" srcOrd="0" destOrd="0" parTransId="{DF9A3197-7551-4AB0-9864-A3DFF256CB2F}" sibTransId="{F8D97D87-512C-42B0-8BCF-6EB0500ECB4A}"/>
     <dgm:cxn modelId="{DFCB5525-E174-4B2A-ADBB-B3D93E2D2A6C}" srcId="{28621352-D8C8-4462-A38B-5ED8DAECF65B}" destId="{46D51864-616F-4817-8F91-3E15814C4CD5}" srcOrd="3" destOrd="0" parTransId="{E2AE9E1E-E0FB-47DC-9337-191CB5B936CB}" sibTransId="{E9DF6DF7-3E08-45C9-8B8E-841EA30C8B33}"/>
     <dgm:cxn modelId="{F0D4F50D-5A17-422C-8331-D8004DD48F14}" srcId="{28621352-D8C8-4462-A38B-5ED8DAECF65B}" destId="{F6891DC3-F7D4-4219-BD99-E633DF7F9C99}" srcOrd="0" destOrd="0" parTransId="{1B245E6A-BCBD-4310-AB1B-65FCE10DA84E}" sibTransId="{1D2F8BD6-4E8D-44E7-BB11-49A85F68390E}"/>
+    <dgm:cxn modelId="{1B2F4A6A-C043-4023-88D6-A1926ECC69A4}" srcId="{F6891DC3-F7D4-4219-BD99-E633DF7F9C99}" destId="{0C38124E-1BE8-4699-A409-7E5EBEFC0B05}" srcOrd="0" destOrd="0" parTransId="{DE70DA72-A786-427A-941B-FDB83111C9ED}" sibTransId="{3D61EFA4-1337-4488-B664-71047F49B8E8}"/>
     <dgm:cxn modelId="{5FB863EE-1950-496B-8FF6-A06CB4BCC373}" srcId="{46D51864-616F-4817-8F91-3E15814C4CD5}" destId="{F67643B1-22DC-47B4-B3B5-BF746A707484}" srcOrd="2" destOrd="0" parTransId="{8BDF7434-6C4C-4F44-B49E-8CEB0F7057E5}" sibTransId="{46B476B1-E80F-4347-839F-665DE47D6FA7}"/>
-    <dgm:cxn modelId="{1B2F4A6A-C043-4023-88D6-A1926ECC69A4}" srcId="{F6891DC3-F7D4-4219-BD99-E633DF7F9C99}" destId="{0C38124E-1BE8-4699-A409-7E5EBEFC0B05}" srcOrd="0" destOrd="0" parTransId="{DE70DA72-A786-427A-941B-FDB83111C9ED}" sibTransId="{3D61EFA4-1337-4488-B664-71047F49B8E8}"/>
     <dgm:cxn modelId="{325076B5-CAF0-4A95-8C9C-B4FA4C794795}" srcId="{28621352-D8C8-4462-A38B-5ED8DAECF65B}" destId="{DD847369-FD52-47A4-9862-6E0F26E8356D}" srcOrd="1" destOrd="0" parTransId="{68F9C435-6FFD-40A0-A071-F2D05C6DAF67}" sibTransId="{6B1F0A42-3C88-4789-98FD-E29CD4BA95FC}"/>
     <dgm:cxn modelId="{C7B12F29-6D9C-4F55-B0B4-0C52E4894C4D}" srcId="{C450AFBD-D19E-4FDA-929B-E1A653D8E4DD}" destId="{CF9922EE-48BF-4D32-9CA3-D69D0E77782E}" srcOrd="2" destOrd="0" parTransId="{76B7A7CB-BEA7-4835-8CFB-5DE74BC2A803}" sibTransId="{A2A6269D-5DD5-43D6-9B36-4E362826A8F1}"/>
     <dgm:cxn modelId="{C97EDC3C-F975-4058-9CA6-846C8132FD7D}" type="presOf" srcId="{F6891DC3-F7D4-4219-BD99-E633DF7F9C99}" destId="{A95D184C-E14B-4F00-909E-013D2800488D}" srcOrd="0" destOrd="0" presId="urn:microsoft.com/office/officeart/2005/8/layout/vList2"/>
@@ -13437,7 +13438,7 @@
             <a:fld id="{C4912EAB-2DF2-4EA7-9A3C-081666E7F61D}" type="datetimeFigureOut">
               <a:rPr lang="es-AR" smtClean="0"/>
               <a:pPr/>
-              <a:t>07/09/2010</a:t>
+              <a:t>08/09/2010</a:t>
             </a:fld>
             <a:endParaRPr lang="es-AR"/>
           </a:p>
@@ -13599,7 +13600,7 @@
             <a:fld id="{320C0146-0920-4890-94B5-4EE8DB66AAB2}" type="datetimeFigureOut">
               <a:rPr lang="es-AR" smtClean="0"/>
               <a:pPr/>
-              <a:t>07/09/2010</a:t>
+              <a:t>08/09/2010</a:t>
             </a:fld>
             <a:endParaRPr lang="es-AR"/>
           </a:p>
@@ -14205,7 +14206,7 @@
             <a:fld id="{EA0D9E51-E836-4F08-8FFF-406AF79182CA}" type="slidenum">
               <a:rPr lang="es-AR" smtClean="0"/>
               <a:pPr/>
-              <a:t>6</a:t>
+              <a:t>7</a:t>
             </a:fld>
             <a:endParaRPr lang="es-AR"/>
           </a:p>
@@ -14468,7 +14469,7 @@
             <a:fld id="{7396B977-6251-41DE-9CF2-59811A3624F8}" type="datetimeFigureOut">
               <a:rPr lang="es-AR" smtClean="0"/>
               <a:pPr/>
-              <a:t>07/09/2010</a:t>
+              <a:t>08/09/2010</a:t>
             </a:fld>
             <a:endParaRPr lang="es-AR"/>
           </a:p>
@@ -14693,7 +14694,7 @@
             <a:fld id="{7396B977-6251-41DE-9CF2-59811A3624F8}" type="datetimeFigureOut">
               <a:rPr lang="es-AR" smtClean="0"/>
               <a:pPr/>
-              <a:t>07/09/2010</a:t>
+              <a:t>08/09/2010</a:t>
             </a:fld>
             <a:endParaRPr lang="es-AR"/>
           </a:p>
@@ -14975,7 +14976,7 @@
             <a:fld id="{7396B977-6251-41DE-9CF2-59811A3624F8}" type="datetimeFigureOut">
               <a:rPr lang="es-AR" smtClean="0"/>
               <a:pPr/>
-              <a:t>07/09/2010</a:t>
+              <a:t>08/09/2010</a:t>
             </a:fld>
             <a:endParaRPr lang="es-AR"/>
           </a:p>
@@ -15275,7 +15276,7 @@
             <a:fld id="{7396B977-6251-41DE-9CF2-59811A3624F8}" type="datetimeFigureOut">
               <a:rPr lang="es-AR" smtClean="0"/>
               <a:pPr/>
-              <a:t>07/09/2010</a:t>
+              <a:t>08/09/2010</a:t>
             </a:fld>
             <a:endParaRPr lang="es-AR"/>
           </a:p>
@@ -15750,7 +15751,7 @@
             <a:fld id="{7396B977-6251-41DE-9CF2-59811A3624F8}" type="datetimeFigureOut">
               <a:rPr lang="es-AR" smtClean="0"/>
               <a:pPr/>
-              <a:t>07/09/2010</a:t>
+              <a:t>08/09/2010</a:t>
             </a:fld>
             <a:endParaRPr lang="es-AR"/>
           </a:p>
@@ -16140,7 +16141,7 @@
             <a:fld id="{7396B977-6251-41DE-9CF2-59811A3624F8}" type="datetimeFigureOut">
               <a:rPr lang="es-AR" smtClean="0"/>
               <a:pPr/>
-              <a:t>07/09/2010</a:t>
+              <a:t>08/09/2010</a:t>
             </a:fld>
             <a:endParaRPr lang="es-AR"/>
           </a:p>
@@ -16530,7 +16531,7 @@
             <a:fld id="{7396B977-6251-41DE-9CF2-59811A3624F8}" type="datetimeFigureOut">
               <a:rPr lang="es-AR" smtClean="0"/>
               <a:pPr/>
-              <a:t>07/09/2010</a:t>
+              <a:t>08/09/2010</a:t>
             </a:fld>
             <a:endParaRPr lang="es-AR"/>
           </a:p>
@@ -17005,7 +17006,7 @@
             <a:fld id="{7396B977-6251-41DE-9CF2-59811A3624F8}" type="datetimeFigureOut">
               <a:rPr lang="es-AR" smtClean="0"/>
               <a:pPr/>
-              <a:t>07/09/2010</a:t>
+              <a:t>08/09/2010</a:t>
             </a:fld>
             <a:endParaRPr lang="es-AR"/>
           </a:p>
@@ -17310,7 +17311,7 @@
             <a:fld id="{7396B977-6251-41DE-9CF2-59811A3624F8}" type="datetimeFigureOut">
               <a:rPr lang="es-AR" smtClean="0"/>
               <a:pPr/>
-              <a:t>07/09/2010</a:t>
+              <a:t>08/09/2010</a:t>
             </a:fld>
             <a:endParaRPr lang="es-AR"/>
           </a:p>
@@ -17615,7 +17616,7 @@
             <a:fld id="{7396B977-6251-41DE-9CF2-59811A3624F8}" type="datetimeFigureOut">
               <a:rPr lang="es-AR" smtClean="0"/>
               <a:pPr/>
-              <a:t>07/09/2010</a:t>
+              <a:t>08/09/2010</a:t>
             </a:fld>
             <a:endParaRPr lang="es-AR"/>
           </a:p>
@@ -17971,7 +17972,7 @@
             <a:fld id="{7396B977-6251-41DE-9CF2-59811A3624F8}" type="datetimeFigureOut">
               <a:rPr lang="es-AR" smtClean="0"/>
               <a:pPr/>
-              <a:t>07/09/2010</a:t>
+              <a:t>08/09/2010</a:t>
             </a:fld>
             <a:endParaRPr lang="es-AR"/>
           </a:p>
@@ -18331,7 +18332,7 @@
             <a:fld id="{7396B977-6251-41DE-9CF2-59811A3624F8}" type="datetimeFigureOut">
               <a:rPr lang="es-AR" smtClean="0"/>
               <a:pPr/>
-              <a:t>07/09/2010</a:t>
+              <a:t>08/09/2010</a:t>
             </a:fld>
             <a:endParaRPr lang="es-AR"/>
           </a:p>
@@ -18620,7 +18621,7 @@
             <a:fld id="{7396B977-6251-41DE-9CF2-59811A3624F8}" type="datetimeFigureOut">
               <a:rPr lang="es-AR" smtClean="0"/>
               <a:pPr/>
-              <a:t>07/09/2010</a:t>
+              <a:t>08/09/2010</a:t>
             </a:fld>
             <a:endParaRPr lang="es-AR"/>
           </a:p>
@@ -19044,7 +19045,7 @@
             <a:fld id="{7396B977-6251-41DE-9CF2-59811A3624F8}" type="datetimeFigureOut">
               <a:rPr lang="es-AR" smtClean="0"/>
               <a:pPr/>
-              <a:t>07/09/2010</a:t>
+              <a:t>08/09/2010</a:t>
             </a:fld>
             <a:endParaRPr lang="es-AR"/>
           </a:p>
@@ -19161,7 +19162,7 @@
             <a:fld id="{7396B977-6251-41DE-9CF2-59811A3624F8}" type="datetimeFigureOut">
               <a:rPr lang="es-AR" smtClean="0"/>
               <a:pPr/>
-              <a:t>07/09/2010</a:t>
+              <a:t>08/09/2010</a:t>
             </a:fld>
             <a:endParaRPr lang="es-AR"/>
           </a:p>
@@ -19253,7 +19254,7 @@
             <a:fld id="{7396B977-6251-41DE-9CF2-59811A3624F8}" type="datetimeFigureOut">
               <a:rPr lang="es-AR" smtClean="0"/>
               <a:pPr/>
-              <a:t>07/09/2010</a:t>
+              <a:t>08/09/2010</a:t>
             </a:fld>
             <a:endParaRPr lang="es-AR"/>
           </a:p>
@@ -19533,7 +19534,7 @@
             <a:fld id="{7396B977-6251-41DE-9CF2-59811A3624F8}" type="datetimeFigureOut">
               <a:rPr lang="es-AR" smtClean="0"/>
               <a:pPr/>
-              <a:t>07/09/2010</a:t>
+              <a:t>08/09/2010</a:t>
             </a:fld>
             <a:endParaRPr lang="es-AR"/>
           </a:p>
@@ -19901,7 +19902,7 @@
             <a:fld id="{7396B977-6251-41DE-9CF2-59811A3624F8}" type="datetimeFigureOut">
               <a:rPr lang="es-AR" smtClean="0"/>
               <a:pPr/>
-              <a:t>07/09/2010</a:t>
+              <a:t>08/09/2010</a:t>
             </a:fld>
             <a:endParaRPr lang="es-AR"/>
           </a:p>
@@ -20340,7 +20341,7 @@
             <a:fld id="{7396B977-6251-41DE-9CF2-59811A3624F8}" type="datetimeFigureOut">
               <a:rPr lang="es-AR" smtClean="0"/>
               <a:pPr/>
-              <a:t>07/09/2010</a:t>
+              <a:t>08/09/2010</a:t>
             </a:fld>
             <a:endParaRPr lang="es-AR"/>
           </a:p>
@@ -23175,6 +23176,208 @@
           <a:lstStyle/>
           <a:p>
             <a:r>
+              <a:rPr lang="es-AR" smtClean="0"/>
+              <a:t>INYECCIÓN: Automática</a:t>
+            </a:r>
+            <a:endParaRPr lang="es-AR" dirty="0"/>
+          </a:p>
+        </p:txBody>
+      </p:sp>
+      <p:sp>
+        <p:nvSpPr>
+          <p:cNvPr id="16" name="15 Marcador de contenido"/>
+          <p:cNvSpPr>
+            <a:spLocks noGrp="1"/>
+          </p:cNvSpPr>
+          <p:nvPr>
+            <p:ph sz="half" idx="1"/>
+          </p:nvPr>
+        </p:nvSpPr>
+        <p:spPr/>
+        <p:txBody>
+          <a:bodyPr/>
+          <a:lstStyle/>
+          <a:p>
+            <a:pPr lvl="0"/>
+            <a:r>
+              <a:rPr lang="es-AR" dirty="0" smtClean="0"/>
+              <a:t>Inyección</a:t>
+            </a:r>
+          </a:p>
+          <a:p>
+            <a:pPr lvl="1"/>
+            <a:r>
+              <a:rPr lang="es-AR" dirty="0" smtClean="0"/>
+              <a:t>Determinación de los nodos y definición del criterio</a:t>
+            </a:r>
+          </a:p>
+          <a:p>
+            <a:pPr lvl="1"/>
+            <a:r>
+              <a:rPr lang="es-AR" dirty="0" smtClean="0"/>
+              <a:t>Generación de archivos y almacenamiento en la base de datos</a:t>
+            </a:r>
+            <a:endParaRPr lang="es-AR" dirty="0"/>
+          </a:p>
+        </p:txBody>
+      </p:sp>
+      <p:pic>
+        <p:nvPicPr>
+          <p:cNvPr id="11" name="10 Marcador de contenido" descr="Google_Code_logo.png"/>
+          <p:cNvPicPr>
+            <a:picLocks noGrp="1" noChangeAspect="1"/>
+          </p:cNvPicPr>
+          <p:nvPr>
+            <p:ph sz="half" idx="13"/>
+          </p:nvPr>
+        </p:nvPicPr>
+        <p:blipFill>
+          <a:blip r:embed="rId2" cstate="print"/>
+          <a:stretch>
+            <a:fillRect/>
+          </a:stretch>
+        </p:blipFill>
+        <p:spPr>
+          <a:xfrm>
+            <a:off x="4643438" y="2439194"/>
+            <a:ext cx="1944687" cy="511175"/>
+          </a:xfrm>
+        </p:spPr>
+      </p:pic>
+      <p:sp>
+        <p:nvSpPr>
+          <p:cNvPr id="5" name="4 Rectángulo"/>
+          <p:cNvSpPr/>
+          <p:nvPr/>
+        </p:nvSpPr>
+        <p:spPr>
+          <a:xfrm>
+            <a:off x="7779550" y="151347"/>
+            <a:ext cx="1188132" cy="1188132"/>
+          </a:xfrm>
+          <a:prstGeom prst="rect">
+            <a:avLst/>
+          </a:prstGeom>
+          <a:blipFill rotWithShape="0">
+            <a:blip r:embed="rId3" cstate="print"/>
+            <a:stretch>
+              <a:fillRect/>
+            </a:stretch>
+          </a:blipFill>
+        </p:spPr>
+        <p:style>
+          <a:lnRef idx="0">
+            <a:schemeClr val="lt1">
+              <a:hueOff val="0"/>
+              <a:satOff val="0"/>
+              <a:lumOff val="0"/>
+              <a:alphaOff val="0"/>
+            </a:schemeClr>
+          </a:lnRef>
+          <a:fillRef idx="1">
+            <a:scrgbClr r="0" g="0" b="0"/>
+          </a:fillRef>
+          <a:effectRef idx="2">
+            <a:schemeClr val="accent1">
+              <a:tint val="50000"/>
+              <a:hueOff val="0"/>
+              <a:satOff val="0"/>
+              <a:lumOff val="0"/>
+              <a:alphaOff val="0"/>
+            </a:schemeClr>
+          </a:effectRef>
+          <a:fontRef idx="minor">
+            <a:schemeClr val="lt1">
+              <a:hueOff val="0"/>
+              <a:satOff val="0"/>
+              <a:lumOff val="0"/>
+              <a:alphaOff val="0"/>
+            </a:schemeClr>
+          </a:fontRef>
+        </p:style>
+      </p:sp>
+      <p:pic>
+        <p:nvPicPr>
+          <p:cNvPr id="12" name="11 Marcador de contenido"/>
+          <p:cNvPicPr>
+            <a:picLocks noGrp="1"/>
+          </p:cNvPicPr>
+          <p:nvPr>
+            <p:ph sz="half" idx="2"/>
+          </p:nvPr>
+        </p:nvPicPr>
+        <p:blipFill>
+          <a:blip r:embed="rId4" cstate="print"/>
+          <a:srcRect/>
+          <a:stretch>
+            <a:fillRect/>
+          </a:stretch>
+        </p:blipFill>
+        <p:spPr bwMode="auto">
+          <a:xfrm>
+            <a:off x="4644008" y="3573016"/>
+            <a:ext cx="4248471" cy="3024335"/>
+          </a:xfrm>
+          <a:prstGeom prst="rect">
+            <a:avLst/>
+          </a:prstGeom>
+          <a:noFill/>
+          <a:ln w="9525">
+            <a:noFill/>
+            <a:miter lim="800000"/>
+            <a:headEnd/>
+            <a:tailEnd/>
+          </a:ln>
+        </p:spPr>
+      </p:pic>
+    </p:spTree>
+  </p:cSld>
+  <p:clrMapOvr>
+    <a:masterClrMapping/>
+  </p:clrMapOvr>
+  <p:timing>
+    <p:tnLst>
+      <p:par>
+        <p:cTn id="1" dur="indefinite" restart="never" nodeType="tmRoot"/>
+      </p:par>
+    </p:tnLst>
+  </p:timing>
+</p:sld>
+</file>
+
+<file path=ppt/slides/slide11.xml><?xml version="1.0" encoding="utf-8"?>
+<p:sld xmlns:a="http://schemas.openxmlformats.org/drawingml/2006/main" xmlns:r="http://schemas.openxmlformats.org/officeDocument/2006/relationships" xmlns:p="http://schemas.openxmlformats.org/presentationml/2006/main">
+  <p:cSld>
+    <p:spTree>
+      <p:nvGrpSpPr>
+        <p:cNvPr id="1" name=""/>
+        <p:cNvGrpSpPr/>
+        <p:nvPr/>
+      </p:nvGrpSpPr>
+      <p:grpSpPr>
+        <a:xfrm>
+          <a:off x="0" y="0"/>
+          <a:ext cx="0" cy="0"/>
+          <a:chOff x="0" y="0"/>
+          <a:chExt cx="0" cy="0"/>
+        </a:xfrm>
+      </p:grpSpPr>
+      <p:sp>
+        <p:nvSpPr>
+          <p:cNvPr id="2" name="1 Título"/>
+          <p:cNvSpPr>
+            <a:spLocks noGrp="1"/>
+          </p:cNvSpPr>
+          <p:nvPr>
+            <p:ph type="title"/>
+          </p:nvPr>
+        </p:nvSpPr>
+        <p:spPr/>
+        <p:txBody>
+          <a:bodyPr/>
+          <a:lstStyle/>
+          <a:p>
+            <a:r>
               <a:rPr lang="es-AR" dirty="0" smtClean="0"/>
               <a:t>INYECCIÓN: Automática</a:t>
             </a:r>
@@ -23808,7 +24011,7 @@
 </p:sld>
 </file>
 
-<file path=ppt/slides/slide11.xml><?xml version="1.0" encoding="utf-8"?>
+<file path=ppt/slides/slide12.xml><?xml version="1.0" encoding="utf-8"?>
 <p:sld xmlns:a="http://schemas.openxmlformats.org/drawingml/2006/main" xmlns:r="http://schemas.openxmlformats.org/officeDocument/2006/relationships" xmlns:p="http://schemas.openxmlformats.org/presentationml/2006/main">
   <p:cSld>
     <p:spTree>
@@ -24155,11 +24358,7 @@
           <a:p>
             <a:r>
               <a:rPr lang="es-AR" dirty="0" smtClean="0"/>
-              <a:t>INYECCIÓN: </a:t>
-            </a:r>
-            <a:r>
-              <a:rPr lang="es-AR" dirty="0" smtClean="0"/>
-              <a:t>Manual</a:t>
+              <a:t>INYECCIÓN: Manual</a:t>
             </a:r>
             <a:endParaRPr lang="es-AR" dirty="0"/>
           </a:p>
@@ -24205,7 +24404,6 @@
               <a:rPr lang="es-AR" dirty="0" smtClean="0"/>
               <a:t>: 1.315 voltios</a:t>
             </a:r>
-            <a:endParaRPr lang="es-AR" dirty="0" smtClean="0"/>
           </a:p>
           <a:p>
             <a:r>
@@ -24257,7 +24455,6 @@
               <a:rPr lang="es-AR" dirty="0" smtClean="0"/>
               <a:t>NDOUT=Salida del comparador (OUT).</a:t>
             </a:r>
-            <a:endParaRPr lang="es-AR" dirty="0" smtClean="0"/>
           </a:p>
         </p:txBody>
       </p:sp>
@@ -24482,49 +24679,6 @@
       </p:grpSp>
       <p:pic>
         <p:nvPicPr>
-          <p:cNvPr id="1030" name="Picture 6"/>
-          <p:cNvPicPr>
-            <a:picLocks noChangeAspect="1" noChangeArrowheads="1"/>
-          </p:cNvPicPr>
-          <p:nvPr/>
-        </p:nvPicPr>
-        <p:blipFill>
-          <a:blip r:embed="rId4" cstate="print">
-            <a:clrChange>
-              <a:clrFrom>
-                <a:srgbClr val="FFFFFF"/>
-              </a:clrFrom>
-              <a:clrTo>
-                <a:srgbClr val="FFFFFF">
-                  <a:alpha val="0"/>
-                </a:srgbClr>
-              </a:clrTo>
-            </a:clrChange>
-          </a:blip>
-          <a:srcRect l="8631" t="2011" r="46756" b="44264"/>
-          <a:stretch>
-            <a:fillRect/>
-          </a:stretch>
-        </p:blipFill>
-        <p:spPr bwMode="auto">
-          <a:xfrm>
-            <a:off x="8033962" y="0"/>
-            <a:ext cx="1110038" cy="1412776"/>
-          </a:xfrm>
-          <a:prstGeom prst="rect">
-            <a:avLst/>
-          </a:prstGeom>
-          <a:noFill/>
-          <a:ln w="9525">
-            <a:noFill/>
-            <a:miter lim="800000"/>
-            <a:headEnd/>
-            <a:tailEnd/>
-          </a:ln>
-        </p:spPr>
-      </p:pic>
-      <p:pic>
-        <p:nvPicPr>
           <p:cNvPr id="1032" name="Picture 8"/>
           <p:cNvPicPr>
             <a:picLocks noChangeAspect="1" noChangeArrowheads="1"/>
@@ -24532,7 +24686,7 @@
           <p:nvPr/>
         </p:nvPicPr>
         <p:blipFill>
-          <a:blip r:embed="rId5" cstate="print"/>
+          <a:blip r:embed="rId4" cstate="print"/>
           <a:srcRect/>
           <a:stretch>
             <a:fillRect/>
@@ -24564,7 +24718,7 @@
           <p:nvPr/>
         </p:nvPicPr>
         <p:blipFill>
-          <a:blip r:embed="rId6" cstate="print"/>
+          <a:blip r:embed="rId5" cstate="print"/>
           <a:srcRect/>
           <a:stretch>
             <a:fillRect/>
@@ -24596,7 +24750,7 @@
           <p:nvPr/>
         </p:nvPicPr>
         <p:blipFill>
-          <a:blip r:embed="rId7" cstate="print"/>
+          <a:blip r:embed="rId6" cstate="print"/>
           <a:srcRect/>
           <a:stretch>
             <a:fillRect/>
@@ -24628,7 +24782,7 @@
           <p:nvPr/>
         </p:nvPicPr>
         <p:blipFill>
-          <a:blip r:embed="rId8" cstate="print"/>
+          <a:blip r:embed="rId7" cstate="print"/>
           <a:srcRect/>
           <a:stretch>
             <a:fillRect/>
@@ -24700,11 +24854,7 @@
           <a:p>
             <a:r>
               <a:rPr lang="es-AR" dirty="0" smtClean="0"/>
-              <a:t>INYECCIÓN: </a:t>
-            </a:r>
-            <a:r>
-              <a:rPr lang="es-AR" dirty="0" smtClean="0"/>
-              <a:t>Manual</a:t>
+              <a:t>INYECCIÓN: Manual</a:t>
             </a:r>
             <a:endParaRPr lang="es-AR" dirty="0"/>
           </a:p>
@@ -24722,76 +24872,355 @@
         </p:nvSpPr>
         <p:spPr>
           <a:xfrm>
-            <a:off x="457199" y="1816225"/>
-            <a:ext cx="4080933" cy="2215443"/>
+            <a:off x="107504" y="1628800"/>
+            <a:ext cx="4080933" cy="4781127"/>
           </a:xfrm>
         </p:spPr>
         <p:txBody>
-          <a:bodyPr/>
+          <a:bodyPr>
+            <a:normAutofit/>
+          </a:bodyPr>
           <a:lstStyle/>
           <a:p>
             <a:r>
+              <a:rPr lang="es-AR" dirty="0" smtClean="0"/>
+              <a:t>Falla: TRAPEZOIDAL</a:t>
+            </a:r>
+          </a:p>
+          <a:p>
+            <a:r>
+              <a:rPr lang="es-AR" dirty="0" smtClean="0"/>
+              <a:t>V</a:t>
+            </a:r>
+            <a:r>
+              <a:rPr lang="es-AR" baseline="-25000" dirty="0" smtClean="0"/>
+              <a:t>REF</a:t>
+            </a:r>
+            <a:r>
+              <a:rPr lang="es-AR" dirty="0" smtClean="0"/>
+              <a:t>: 1.315 voltios</a:t>
+            </a:r>
+          </a:p>
+          <a:p>
+            <a:r>
+              <a:rPr lang="es-AR" dirty="0" smtClean="0"/>
+              <a:t>Nodos de inyección:</a:t>
+            </a:r>
+          </a:p>
+          <a:p>
+            <a:pPr lvl="1"/>
+            <a:r>
               <a:rPr lang="es-AR" dirty="0" err="1" smtClean="0"/>
-              <a:t>Vref</a:t>
-            </a:r>
+              <a:t>Ndneg_P</a:t>
+            </a:r>
+            <a:endParaRPr lang="es-AR" dirty="0" smtClean="0"/>
+          </a:p>
+          <a:p>
+            <a:pPr lvl="1"/>
+            <a:r>
+              <a:rPr lang="es-AR" dirty="0" err="1" smtClean="0"/>
+              <a:t>Ndpos_P</a:t>
+            </a:r>
+            <a:endParaRPr lang="es-AR" dirty="0" smtClean="0"/>
+          </a:p>
+          <a:p>
+            <a:pPr lvl="1"/>
+            <a:r>
+              <a:rPr lang="es-AR" dirty="0" err="1" smtClean="0"/>
+              <a:t>Ndout_P</a:t>
+            </a:r>
+            <a:endParaRPr lang="es-AR" dirty="0" smtClean="0"/>
+          </a:p>
+          <a:p>
             <a:r>
               <a:rPr lang="es-AR" dirty="0" smtClean="0"/>
-              <a:t>: 1.315V</a:t>
-            </a:r>
-          </a:p>
-          <a:p>
+              <a:t>Nodo graficado:</a:t>
+            </a:r>
+          </a:p>
+          <a:p>
+            <a:pPr lvl="1"/>
             <a:r>
               <a:rPr lang="es-AR" dirty="0" smtClean="0"/>
-              <a:t>Falla: Exponencial</a:t>
-            </a:r>
-          </a:p>
-          <a:p>
-            <a:r>
-              <a:rPr lang="es-AR" dirty="0" smtClean="0"/>
-              <a:t>Nodo: NDOUT</a:t>
-            </a:r>
+              <a:t>NDOUT=Salida del comparador (OUT).</a:t>
+            </a:r>
+          </a:p>
+          <a:p>
             <a:endParaRPr lang="es-AR" dirty="0"/>
           </a:p>
         </p:txBody>
       </p:sp>
-      <p:sp>
-        <p:nvSpPr>
-          <p:cNvPr id="7" name="6 Marcador de contenido"/>
-          <p:cNvSpPr>
-            <a:spLocks noGrp="1"/>
-          </p:cNvSpPr>
-          <p:nvPr>
-            <p:ph sz="half" idx="14"/>
-          </p:nvPr>
-        </p:nvSpPr>
-        <p:spPr/>
-        <p:txBody>
-          <a:bodyPr/>
-          <a:lstStyle/>
-          <a:p>
-            <a:endParaRPr lang="es-AR"/>
-          </a:p>
-        </p:txBody>
-      </p:sp>
-      <p:sp>
-        <p:nvSpPr>
-          <p:cNvPr id="9" name="8 Marcador de contenido"/>
-          <p:cNvSpPr>
-            <a:spLocks noGrp="1"/>
-          </p:cNvSpPr>
-          <p:nvPr>
-            <p:ph sz="half" idx="2"/>
-          </p:nvPr>
-        </p:nvSpPr>
-        <p:spPr/>
-        <p:txBody>
-          <a:bodyPr/>
-          <a:lstStyle/>
-          <a:p>
-            <a:endParaRPr lang="es-AR"/>
-          </a:p>
-        </p:txBody>
-      </p:sp>
+      <p:grpSp>
+        <p:nvGrpSpPr>
+          <p:cNvPr id="6" name="5 Grupo"/>
+          <p:cNvGrpSpPr/>
+          <p:nvPr/>
+        </p:nvGrpSpPr>
+        <p:grpSpPr>
+          <a:xfrm>
+            <a:off x="4130009" y="1556792"/>
+            <a:ext cx="5013991" cy="5301208"/>
+            <a:chOff x="4130009" y="1556792"/>
+            <a:chExt cx="5013991" cy="5301208"/>
+          </a:xfrm>
+        </p:grpSpPr>
+        <p:pic>
+          <p:nvPicPr>
+            <p:cNvPr id="8" name="Picture 5"/>
+            <p:cNvPicPr>
+              <a:picLocks noChangeAspect="1" noChangeArrowheads="1"/>
+            </p:cNvPicPr>
+            <p:nvPr/>
+          </p:nvPicPr>
+          <p:blipFill>
+            <a:blip r:embed="rId3" cstate="print"/>
+            <a:srcRect/>
+            <a:stretch>
+              <a:fillRect/>
+            </a:stretch>
+          </p:blipFill>
+          <p:spPr bwMode="auto">
+            <a:xfrm>
+              <a:off x="4130009" y="1556792"/>
+              <a:ext cx="5013991" cy="5301208"/>
+            </a:xfrm>
+            <a:prstGeom prst="rect">
+              <a:avLst/>
+            </a:prstGeom>
+            <a:noFill/>
+            <a:ln w="9525">
+              <a:noFill/>
+              <a:miter lim="800000"/>
+              <a:headEnd/>
+              <a:tailEnd/>
+            </a:ln>
+          </p:spPr>
+        </p:pic>
+        <p:sp>
+          <p:nvSpPr>
+            <p:cNvPr id="10" name="9 Corchetes"/>
+            <p:cNvSpPr/>
+            <p:nvPr/>
+          </p:nvSpPr>
+          <p:spPr>
+            <a:xfrm>
+              <a:off x="5004048" y="2060848"/>
+              <a:ext cx="672186" cy="587512"/>
+            </a:xfrm>
+            <a:prstGeom prst="bracketPair">
+              <a:avLst/>
+            </a:prstGeom>
+            <a:ln>
+              <a:solidFill>
+                <a:schemeClr val="accent3"/>
+              </a:solidFill>
+            </a:ln>
+          </p:spPr>
+          <p:style>
+            <a:lnRef idx="2">
+              <a:schemeClr val="accent1"/>
+            </a:lnRef>
+            <a:fillRef idx="0">
+              <a:schemeClr val="accent1"/>
+            </a:fillRef>
+            <a:effectRef idx="1">
+              <a:schemeClr val="accent1"/>
+            </a:effectRef>
+            <a:fontRef idx="minor">
+              <a:schemeClr val="tx1"/>
+            </a:fontRef>
+          </p:style>
+          <p:txBody>
+            <a:bodyPr rtlCol="0" anchor="ctr"/>
+            <a:lstStyle/>
+            <a:p>
+              <a:pPr algn="ctr"/>
+              <a:endParaRPr lang="es-AR"/>
+            </a:p>
+          </p:txBody>
+        </p:sp>
+        <p:sp>
+          <p:nvSpPr>
+            <p:cNvPr id="11" name="10 Corchetes"/>
+            <p:cNvSpPr/>
+            <p:nvPr/>
+          </p:nvSpPr>
+          <p:spPr>
+            <a:xfrm>
+              <a:off x="6588224" y="2049400"/>
+              <a:ext cx="672186" cy="587512"/>
+            </a:xfrm>
+            <a:prstGeom prst="bracketPair">
+              <a:avLst/>
+            </a:prstGeom>
+            <a:ln>
+              <a:solidFill>
+                <a:schemeClr val="accent3"/>
+              </a:solidFill>
+            </a:ln>
+          </p:spPr>
+          <p:style>
+            <a:lnRef idx="2">
+              <a:schemeClr val="accent1"/>
+            </a:lnRef>
+            <a:fillRef idx="0">
+              <a:schemeClr val="accent1"/>
+            </a:fillRef>
+            <a:effectRef idx="1">
+              <a:schemeClr val="accent1"/>
+            </a:effectRef>
+            <a:fontRef idx="minor">
+              <a:schemeClr val="tx1"/>
+            </a:fontRef>
+          </p:style>
+          <p:txBody>
+            <a:bodyPr rtlCol="0" anchor="ctr"/>
+            <a:lstStyle/>
+            <a:p>
+              <a:pPr algn="ctr"/>
+              <a:endParaRPr lang="es-AR"/>
+            </a:p>
+          </p:txBody>
+        </p:sp>
+        <p:sp>
+          <p:nvSpPr>
+            <p:cNvPr id="14" name="13 Corchetes"/>
+            <p:cNvSpPr/>
+            <p:nvPr/>
+          </p:nvSpPr>
+          <p:spPr>
+            <a:xfrm>
+              <a:off x="8100392" y="2564904"/>
+              <a:ext cx="672186" cy="587512"/>
+            </a:xfrm>
+            <a:prstGeom prst="bracketPair">
+              <a:avLst/>
+            </a:prstGeom>
+            <a:ln>
+              <a:solidFill>
+                <a:schemeClr val="accent3"/>
+              </a:solidFill>
+            </a:ln>
+          </p:spPr>
+          <p:style>
+            <a:lnRef idx="2">
+              <a:schemeClr val="accent1"/>
+            </a:lnRef>
+            <a:fillRef idx="0">
+              <a:schemeClr val="accent1"/>
+            </a:fillRef>
+            <a:effectRef idx="1">
+              <a:schemeClr val="accent1"/>
+            </a:effectRef>
+            <a:fontRef idx="minor">
+              <a:schemeClr val="tx1"/>
+            </a:fontRef>
+          </p:style>
+          <p:txBody>
+            <a:bodyPr rtlCol="0" anchor="ctr"/>
+            <a:lstStyle/>
+            <a:p>
+              <a:pPr algn="ctr"/>
+              <a:endParaRPr lang="es-AR"/>
+            </a:p>
+          </p:txBody>
+        </p:sp>
+      </p:grpSp>
+      <p:pic>
+        <p:nvPicPr>
+          <p:cNvPr id="1026" name="Picture 2"/>
+          <p:cNvPicPr>
+            <a:picLocks noChangeAspect="1" noChangeArrowheads="1"/>
+          </p:cNvPicPr>
+          <p:nvPr/>
+        </p:nvPicPr>
+        <p:blipFill>
+          <a:blip r:embed="rId4" cstate="print"/>
+          <a:srcRect/>
+          <a:stretch>
+            <a:fillRect/>
+          </a:stretch>
+        </p:blipFill>
+        <p:spPr bwMode="auto">
+          <a:xfrm>
+            <a:off x="-4303588" y="1484784"/>
+            <a:ext cx="4303588" cy="3505452"/>
+          </a:xfrm>
+          <a:prstGeom prst="rect">
+            <a:avLst/>
+          </a:prstGeom>
+          <a:noFill/>
+          <a:ln w="9525">
+            <a:noFill/>
+            <a:miter lim="800000"/>
+            <a:headEnd/>
+            <a:tailEnd/>
+          </a:ln>
+        </p:spPr>
+      </p:pic>
+      <p:pic>
+        <p:nvPicPr>
+          <p:cNvPr id="1027" name="Picture 3"/>
+          <p:cNvPicPr>
+            <a:picLocks noChangeAspect="1" noChangeArrowheads="1"/>
+          </p:cNvPicPr>
+          <p:nvPr/>
+        </p:nvPicPr>
+        <p:blipFill>
+          <a:blip r:embed="rId5" cstate="print"/>
+          <a:srcRect/>
+          <a:stretch>
+            <a:fillRect/>
+          </a:stretch>
+        </p:blipFill>
+        <p:spPr bwMode="auto">
+          <a:xfrm>
+            <a:off x="9144000" y="0"/>
+            <a:ext cx="4371402" cy="3556940"/>
+          </a:xfrm>
+          <a:prstGeom prst="rect">
+            <a:avLst/>
+          </a:prstGeom>
+          <a:noFill/>
+          <a:ln w="9525">
+            <a:noFill/>
+            <a:miter lim="800000"/>
+            <a:headEnd/>
+            <a:tailEnd/>
+          </a:ln>
+        </p:spPr>
+      </p:pic>
+      <p:pic>
+        <p:nvPicPr>
+          <p:cNvPr id="1028" name="Picture 4"/>
+          <p:cNvPicPr>
+            <a:picLocks noChangeAspect="1" noChangeArrowheads="1"/>
+          </p:cNvPicPr>
+          <p:nvPr/>
+        </p:nvPicPr>
+        <p:blipFill>
+          <a:blip r:embed="rId6" cstate="print"/>
+          <a:srcRect/>
+          <a:stretch>
+            <a:fillRect/>
+          </a:stretch>
+        </p:blipFill>
+        <p:spPr bwMode="auto">
+          <a:xfrm>
+            <a:off x="9144000" y="3573016"/>
+            <a:ext cx="4356992" cy="3541488"/>
+          </a:xfrm>
+          <a:prstGeom prst="rect">
+            <a:avLst/>
+          </a:prstGeom>
+          <a:noFill/>
+          <a:ln w="9525">
+            <a:noFill/>
+            <a:miter lim="800000"/>
+            <a:headEnd/>
+            <a:tailEnd/>
+          </a:ln>
+        </p:spPr>
+      </p:pic>
     </p:spTree>
   </p:cSld>
   <p:clrMapOvr>
@@ -24841,11 +25270,7 @@
           <a:p>
             <a:r>
               <a:rPr lang="es-AR" dirty="0" smtClean="0"/>
-              <a:t>INYECCIÓN: </a:t>
-            </a:r>
-            <a:r>
-              <a:rPr lang="es-AR" dirty="0" smtClean="0"/>
-              <a:t>Manual</a:t>
+              <a:t>INYECCIÓN: Manual</a:t>
             </a:r>
             <a:endParaRPr lang="es-AR" dirty="0"/>
           </a:p>
@@ -24863,46 +25288,530 @@
         </p:nvSpPr>
         <p:spPr>
           <a:xfrm>
-            <a:off x="457199" y="1816225"/>
-            <a:ext cx="4080933" cy="2215443"/>
+            <a:off x="4716016" y="1556792"/>
+            <a:ext cx="4320480" cy="5184575"/>
           </a:xfrm>
         </p:spPr>
         <p:txBody>
-          <a:bodyPr/>
+          <a:bodyPr>
+            <a:normAutofit/>
+          </a:bodyPr>
           <a:lstStyle/>
           <a:p>
             <a:r>
+              <a:rPr lang="es-AR" dirty="0" smtClean="0"/>
+              <a:t>Transistor de inyección:</a:t>
+            </a:r>
+          </a:p>
+          <a:p>
+            <a:pPr lvl="1"/>
+            <a:r>
               <a:rPr lang="es-AR" dirty="0" err="1" smtClean="0"/>
-              <a:t>Vref</a:t>
+              <a:t>NDout_P</a:t>
             </a:r>
             <a:r>
               <a:rPr lang="es-AR" dirty="0" smtClean="0"/>
-              <a:t>: 1.625V</a:t>
-            </a:r>
-          </a:p>
-          <a:p>
+              <a:t> (inyección en </a:t>
+            </a:r>
+            <a:r>
+              <a:rPr lang="es-AR" dirty="0" err="1" smtClean="0"/>
+              <a:t>drenador</a:t>
+            </a:r>
             <a:r>
               <a:rPr lang="es-AR" dirty="0" smtClean="0"/>
-              <a:t>Falla: Exponencial</a:t>
+              <a:t> de transistor P)</a:t>
             </a:r>
           </a:p>
           <a:p>
             <a:r>
               <a:rPr lang="es-AR" dirty="0" smtClean="0"/>
-              <a:t>Nodo: NDOUT</a:t>
-            </a:r>
-            <a:endParaRPr lang="es-AR" dirty="0"/>
+              <a:t>Al inicio:</a:t>
+            </a:r>
+          </a:p>
+          <a:p>
+            <a:pPr lvl="2"/>
+            <a:r>
+              <a:rPr lang="es-AR" sz="1400" dirty="0" err="1" smtClean="0"/>
+              <a:t>Vin</a:t>
+            </a:r>
+            <a:r>
+              <a:rPr lang="es-AR" sz="1400" dirty="0" smtClean="0"/>
+              <a:t> = VREF+8mV = 1.323V =&gt; CERO</a:t>
+            </a:r>
+          </a:p>
+          <a:p>
+            <a:pPr lvl="2"/>
+            <a:r>
+              <a:rPr lang="es-AR" sz="1400" dirty="0" err="1" smtClean="0"/>
+              <a:t>Vin</a:t>
+            </a:r>
+            <a:r>
+              <a:rPr lang="es-AR" sz="1400" dirty="0" smtClean="0"/>
+              <a:t> = VREF+5mV = 1.320V =&gt; CERO</a:t>
+            </a:r>
+            <a:endParaRPr lang="es-AR" sz="1400" dirty="0" smtClean="0"/>
+          </a:p>
+          <a:p>
+            <a:pPr lvl="2"/>
+            <a:r>
+              <a:rPr lang="es-AR" sz="1400" dirty="0" err="1" smtClean="0"/>
+              <a:t>Vin</a:t>
+            </a:r>
+            <a:r>
+              <a:rPr lang="es-AR" sz="1400" dirty="0" smtClean="0"/>
+              <a:t> = VREF-5mV = 1.310V =&gt; UNO</a:t>
+            </a:r>
+            <a:endParaRPr lang="es-AR" sz="1400" dirty="0" smtClean="0"/>
+          </a:p>
+          <a:p>
+            <a:pPr lvl="2"/>
+            <a:r>
+              <a:rPr lang="es-AR" sz="1400" dirty="0" err="1" smtClean="0"/>
+              <a:t>Vin</a:t>
+            </a:r>
+            <a:r>
+              <a:rPr lang="es-AR" sz="1400" dirty="0" smtClean="0"/>
+              <a:t> = VREF-8mV = 1.307V =&gt; UNO</a:t>
+            </a:r>
+          </a:p>
+          <a:p>
+            <a:r>
+              <a:rPr lang="es-AR" dirty="0" smtClean="0"/>
+              <a:t>Luego de la inyección:</a:t>
+            </a:r>
+          </a:p>
+          <a:p>
+            <a:pPr lvl="1"/>
+            <a:r>
+              <a:rPr lang="es-AR" sz="1800" dirty="0" smtClean="0"/>
+              <a:t>Cambio de estado lógico:</a:t>
+            </a:r>
+          </a:p>
+          <a:p>
+            <a:pPr lvl="2"/>
+            <a:r>
+              <a:rPr lang="es-AR" sz="1400" dirty="0" err="1" smtClean="0"/>
+              <a:t>Vin</a:t>
+            </a:r>
+            <a:r>
+              <a:rPr lang="es-AR" sz="1400" dirty="0" smtClean="0"/>
+              <a:t> </a:t>
+            </a:r>
+            <a:r>
+              <a:rPr lang="es-AR" sz="1400" dirty="0" smtClean="0"/>
+              <a:t>= VREF+8mV = 1.323V =&gt; </a:t>
+            </a:r>
+            <a:r>
+              <a:rPr lang="es-AR" sz="1400" dirty="0" smtClean="0">
+                <a:solidFill>
+                  <a:srgbClr val="FF0000"/>
+                </a:solidFill>
+              </a:rPr>
+              <a:t>UNO</a:t>
+            </a:r>
+            <a:endParaRPr lang="es-AR" sz="1400" dirty="0" smtClean="0">
+              <a:solidFill>
+                <a:srgbClr val="FF0000"/>
+              </a:solidFill>
+            </a:endParaRPr>
+          </a:p>
+          <a:p>
+            <a:pPr lvl="2"/>
+            <a:r>
+              <a:rPr lang="es-AR" sz="1400" dirty="0" err="1" smtClean="0"/>
+              <a:t>Vin</a:t>
+            </a:r>
+            <a:r>
+              <a:rPr lang="es-AR" sz="1400" dirty="0" smtClean="0"/>
+              <a:t> = VREF+5mV = 1.320V =&gt; </a:t>
+            </a:r>
+            <a:r>
+              <a:rPr lang="es-AR" sz="1400" dirty="0" smtClean="0">
+                <a:solidFill>
+                  <a:srgbClr val="FF0000"/>
+                </a:solidFill>
+              </a:rPr>
+              <a:t>UNO</a:t>
+            </a:r>
+          </a:p>
+          <a:p>
+            <a:pPr lvl="1"/>
+            <a:r>
+              <a:rPr lang="es-AR" sz="1800" dirty="0" smtClean="0"/>
+              <a:t>Variaciones de tensión</a:t>
+            </a:r>
+            <a:endParaRPr lang="es-AR" sz="1800" dirty="0" smtClean="0"/>
+          </a:p>
+          <a:p>
+            <a:pPr lvl="2"/>
+            <a:r>
+              <a:rPr lang="es-AR" sz="1400" dirty="0" err="1" smtClean="0"/>
+              <a:t>Vin</a:t>
+            </a:r>
+            <a:r>
+              <a:rPr lang="es-AR" sz="1400" dirty="0" smtClean="0"/>
+              <a:t> = VREF-5mV = 1.310V =&gt; </a:t>
+            </a:r>
+            <a:r>
+              <a:rPr lang="es-AR" sz="1400" dirty="0" smtClean="0"/>
+              <a:t>UNO + </a:t>
+            </a:r>
+            <a:r>
+              <a:rPr lang="es-AR" sz="1400" dirty="0" err="1" smtClean="0"/>
+              <a:t>mV</a:t>
+            </a:r>
+            <a:r>
+              <a:rPr lang="es-AR" sz="1400" dirty="0" smtClean="0"/>
+              <a:t>.</a:t>
+            </a:r>
+            <a:endParaRPr lang="es-AR" sz="1400" dirty="0" smtClean="0"/>
+          </a:p>
+          <a:p>
+            <a:pPr lvl="2"/>
+            <a:r>
+              <a:rPr lang="es-AR" sz="1400" dirty="0" err="1" smtClean="0"/>
+              <a:t>Vin</a:t>
+            </a:r>
+            <a:r>
+              <a:rPr lang="es-AR" sz="1400" dirty="0" smtClean="0"/>
+              <a:t> = VREF-8mV = 1.307V =&gt; </a:t>
+            </a:r>
+            <a:r>
+              <a:rPr lang="es-AR" sz="1400" dirty="0" smtClean="0"/>
+              <a:t>UNO + </a:t>
+            </a:r>
+            <a:r>
+              <a:rPr lang="es-AR" sz="1400" dirty="0" err="1" smtClean="0"/>
+              <a:t>mV</a:t>
+            </a:r>
+            <a:r>
+              <a:rPr lang="es-AR" sz="1400" dirty="0" smtClean="0"/>
+              <a:t>.</a:t>
+            </a:r>
+            <a:endParaRPr lang="es-AR" sz="1400" dirty="0" smtClean="0"/>
+          </a:p>
+          <a:p>
+            <a:pPr>
+              <a:buNone/>
+            </a:pPr>
+            <a:endParaRPr lang="es-AR" dirty="0" smtClean="0"/>
           </a:p>
         </p:txBody>
       </p:sp>
+      <p:grpSp>
+        <p:nvGrpSpPr>
+          <p:cNvPr id="23" name="22 Grupo"/>
+          <p:cNvGrpSpPr/>
+          <p:nvPr/>
+        </p:nvGrpSpPr>
+        <p:grpSpPr>
+          <a:xfrm>
+            <a:off x="72008" y="1556792"/>
+            <a:ext cx="4499992" cy="5301208"/>
+            <a:chOff x="4644008" y="1556792"/>
+            <a:chExt cx="4499992" cy="5301208"/>
+          </a:xfrm>
+        </p:grpSpPr>
+        <p:grpSp>
+          <p:nvGrpSpPr>
+            <p:cNvPr id="19" name="18 Grupo"/>
+            <p:cNvGrpSpPr/>
+            <p:nvPr/>
+          </p:nvGrpSpPr>
+          <p:grpSpPr>
+            <a:xfrm>
+              <a:off x="4695370" y="3617640"/>
+              <a:ext cx="4448630" cy="3240360"/>
+              <a:chOff x="4695370" y="3617640"/>
+              <a:chExt cx="4448630" cy="3240360"/>
+            </a:xfrm>
+          </p:grpSpPr>
+          <p:pic>
+            <p:nvPicPr>
+              <p:cNvPr id="2050" name="Picture 2"/>
+              <p:cNvPicPr>
+                <a:picLocks noChangeAspect="1" noChangeArrowheads="1"/>
+              </p:cNvPicPr>
+              <p:nvPr/>
+            </p:nvPicPr>
+            <p:blipFill>
+              <a:blip r:embed="rId2" cstate="print"/>
+              <a:srcRect/>
+              <a:stretch>
+                <a:fillRect/>
+              </a:stretch>
+            </p:blipFill>
+            <p:spPr bwMode="auto">
+              <a:xfrm>
+                <a:off x="4695370" y="3617640"/>
+                <a:ext cx="4448630" cy="3240360"/>
+              </a:xfrm>
+              <a:prstGeom prst="rect">
+                <a:avLst/>
+              </a:prstGeom>
+              <a:noFill/>
+              <a:ln w="9525">
+                <a:noFill/>
+                <a:miter lim="800000"/>
+                <a:headEnd/>
+                <a:tailEnd/>
+              </a:ln>
+            </p:spPr>
+          </p:pic>
+          <p:sp>
+            <p:nvSpPr>
+              <p:cNvPr id="18" name="17 Corchetes"/>
+              <p:cNvSpPr/>
+              <p:nvPr/>
+            </p:nvSpPr>
+            <p:spPr>
+              <a:xfrm>
+                <a:off x="8316416" y="4293096"/>
+                <a:ext cx="432048" cy="388188"/>
+              </a:xfrm>
+              <a:prstGeom prst="bracketPair">
+                <a:avLst/>
+              </a:prstGeom>
+              <a:ln>
+                <a:solidFill>
+                  <a:schemeClr val="accent3"/>
+                </a:solidFill>
+              </a:ln>
+            </p:spPr>
+            <p:style>
+              <a:lnRef idx="2">
+                <a:schemeClr val="accent1"/>
+              </a:lnRef>
+              <a:fillRef idx="0">
+                <a:schemeClr val="accent1"/>
+              </a:fillRef>
+              <a:effectRef idx="1">
+                <a:schemeClr val="accent1"/>
+              </a:effectRef>
+              <a:fontRef idx="minor">
+                <a:schemeClr val="tx1"/>
+              </a:fontRef>
+            </p:style>
+            <p:txBody>
+              <a:bodyPr rtlCol="0" anchor="ctr"/>
+              <a:lstStyle/>
+              <a:p>
+                <a:pPr algn="ctr"/>
+                <a:endParaRPr lang="es-AR"/>
+              </a:p>
+            </p:txBody>
+          </p:sp>
+        </p:grpSp>
+        <p:grpSp>
+          <p:nvGrpSpPr>
+            <p:cNvPr id="21" name="20 Grupo"/>
+            <p:cNvGrpSpPr/>
+            <p:nvPr/>
+          </p:nvGrpSpPr>
+          <p:grpSpPr>
+            <a:xfrm>
+              <a:off x="4644008" y="1556792"/>
+              <a:ext cx="2880320" cy="1944216"/>
+              <a:chOff x="4644008" y="1556792"/>
+              <a:chExt cx="2880320" cy="1944216"/>
+            </a:xfrm>
+          </p:grpSpPr>
+          <p:grpSp>
+            <p:nvGrpSpPr>
+              <p:cNvPr id="13" name="12 Grupo"/>
+              <p:cNvGrpSpPr/>
+              <p:nvPr/>
+            </p:nvGrpSpPr>
+            <p:grpSpPr>
+              <a:xfrm>
+                <a:off x="5652120" y="1556792"/>
+                <a:ext cx="1872208" cy="1944216"/>
+                <a:chOff x="4130009" y="1556792"/>
+                <a:chExt cx="5013991" cy="5301208"/>
+              </a:xfrm>
+            </p:grpSpPr>
+            <p:pic>
+              <p:nvPicPr>
+                <p:cNvPr id="14" name="Picture 5"/>
+                <p:cNvPicPr>
+                  <a:picLocks noChangeAspect="1" noChangeArrowheads="1"/>
+                </p:cNvPicPr>
+                <p:nvPr/>
+              </p:nvPicPr>
+              <p:blipFill>
+                <a:blip r:embed="rId3" cstate="print"/>
+                <a:srcRect/>
+                <a:stretch>
+                  <a:fillRect/>
+                </a:stretch>
+              </p:blipFill>
+              <p:spPr bwMode="auto">
+                <a:xfrm>
+                  <a:off x="4130009" y="1556792"/>
+                  <a:ext cx="5013991" cy="5301208"/>
+                </a:xfrm>
+                <a:prstGeom prst="rect">
+                  <a:avLst/>
+                </a:prstGeom>
+                <a:noFill/>
+                <a:ln w="9525">
+                  <a:noFill/>
+                  <a:miter lim="800000"/>
+                  <a:headEnd/>
+                  <a:tailEnd/>
+                </a:ln>
+              </p:spPr>
+            </p:pic>
+            <p:sp>
+              <p:nvSpPr>
+                <p:cNvPr id="17" name="16 Corchetes"/>
+                <p:cNvSpPr/>
+                <p:nvPr/>
+              </p:nvSpPr>
+              <p:spPr>
+                <a:xfrm>
+                  <a:off x="8100392" y="2564904"/>
+                  <a:ext cx="672186" cy="587512"/>
+                </a:xfrm>
+                <a:prstGeom prst="bracketPair">
+                  <a:avLst/>
+                </a:prstGeom>
+                <a:ln>
+                  <a:solidFill>
+                    <a:schemeClr val="accent3"/>
+                  </a:solidFill>
+                </a:ln>
+              </p:spPr>
+              <p:style>
+                <a:lnRef idx="2">
+                  <a:schemeClr val="accent1"/>
+                </a:lnRef>
+                <a:fillRef idx="0">
+                  <a:schemeClr val="accent1"/>
+                </a:fillRef>
+                <a:effectRef idx="1">
+                  <a:schemeClr val="accent1"/>
+                </a:effectRef>
+                <a:fontRef idx="minor">
+                  <a:schemeClr val="tx1"/>
+                </a:fontRef>
+              </p:style>
+              <p:txBody>
+                <a:bodyPr rtlCol="0" anchor="ctr"/>
+                <a:lstStyle/>
+                <a:p>
+                  <a:pPr algn="ctr"/>
+                  <a:endParaRPr lang="es-AR"/>
+                </a:p>
+              </p:txBody>
+            </p:sp>
+          </p:grpSp>
+          <p:pic>
+            <p:nvPicPr>
+              <p:cNvPr id="2051" name="Picture 3"/>
+              <p:cNvPicPr>
+                <a:picLocks noChangeAspect="1" noChangeArrowheads="1"/>
+              </p:cNvPicPr>
+              <p:nvPr/>
+            </p:nvPicPr>
+            <p:blipFill>
+              <a:blip r:embed="rId4" cstate="print"/>
+              <a:srcRect/>
+              <a:stretch>
+                <a:fillRect/>
+              </a:stretch>
+            </p:blipFill>
+            <p:spPr bwMode="auto">
+              <a:xfrm>
+                <a:off x="4644008" y="2276872"/>
+                <a:ext cx="1189033" cy="284609"/>
+              </a:xfrm>
+              <a:prstGeom prst="rect">
+                <a:avLst/>
+              </a:prstGeom>
+              <a:noFill/>
+              <a:ln w="9525">
+                <a:noFill/>
+                <a:miter lim="800000"/>
+                <a:headEnd/>
+                <a:tailEnd/>
+              </a:ln>
+            </p:spPr>
+          </p:pic>
+        </p:grpSp>
+        <p:pic>
+          <p:nvPicPr>
+            <p:cNvPr id="2052" name="Picture 4"/>
+            <p:cNvPicPr>
+              <a:picLocks noChangeAspect="1" noChangeArrowheads="1"/>
+            </p:cNvPicPr>
+            <p:nvPr/>
+          </p:nvPicPr>
+          <p:blipFill>
+            <a:blip r:embed="rId5" cstate="print"/>
+            <a:srcRect/>
+            <a:stretch>
+              <a:fillRect/>
+            </a:stretch>
+          </p:blipFill>
+          <p:spPr bwMode="auto">
+            <a:xfrm>
+              <a:off x="7598668" y="2074880"/>
+              <a:ext cx="1509836" cy="1138096"/>
+            </a:xfrm>
+            <a:prstGeom prst="rect">
+              <a:avLst/>
+            </a:prstGeom>
+            <a:noFill/>
+            <a:ln w="9525">
+              <a:noFill/>
+              <a:miter lim="800000"/>
+              <a:headEnd/>
+              <a:tailEnd/>
+            </a:ln>
+          </p:spPr>
+        </p:pic>
+      </p:grpSp>
+    </p:spTree>
+  </p:cSld>
+  <p:clrMapOvr>
+    <a:masterClrMapping/>
+  </p:clrMapOvr>
+  <p:timing>
+    <p:tnLst>
+      <p:par>
+        <p:cTn id="1" dur="indefinite" restart="never" nodeType="tmRoot"/>
+      </p:par>
+    </p:tnLst>
+  </p:timing>
+</p:sld>
+</file>
+
+<file path=ppt/slides/slide6.xml><?xml version="1.0" encoding="utf-8"?>
+<p:sld xmlns:a="http://schemas.openxmlformats.org/drawingml/2006/main" xmlns:r="http://schemas.openxmlformats.org/officeDocument/2006/relationships" xmlns:p="http://schemas.openxmlformats.org/presentationml/2006/main">
+  <p:cSld>
+    <p:spTree>
+      <p:nvGrpSpPr>
+        <p:cNvPr id="1" name=""/>
+        <p:cNvGrpSpPr/>
+        <p:nvPr/>
+      </p:nvGrpSpPr>
+      <p:grpSpPr>
+        <a:xfrm>
+          <a:off x="0" y="0"/>
+          <a:ext cx="0" cy="0"/>
+          <a:chOff x="0" y="0"/>
+          <a:chExt cx="0" cy="0"/>
+        </a:xfrm>
+      </p:grpSpPr>
       <p:sp>
         <p:nvSpPr>
-          <p:cNvPr id="7" name="6 Marcador de contenido"/>
+          <p:cNvPr id="2" name="1 Título"/>
           <p:cNvSpPr>
             <a:spLocks noGrp="1"/>
           </p:cNvSpPr>
           <p:nvPr>
-            <p:ph sz="half" idx="14"/>
+            <p:ph type="title"/>
           </p:nvPr>
         </p:nvSpPr>
         <p:spPr/>
@@ -24910,26 +25819,278 @@
           <a:bodyPr/>
           <a:lstStyle/>
           <a:p>
-            <a:endParaRPr lang="es-AR"/>
+            <a:r>
+              <a:rPr lang="es-AR" dirty="0" smtClean="0"/>
+              <a:t>INYECCIÓN: Manual</a:t>
+            </a:r>
+            <a:endParaRPr lang="es-AR" dirty="0"/>
           </a:p>
         </p:txBody>
       </p:sp>
+      <p:pic>
+        <p:nvPicPr>
+          <p:cNvPr id="3078" name="Picture 6"/>
+          <p:cNvPicPr>
+            <a:picLocks noChangeAspect="1" noChangeArrowheads="1"/>
+          </p:cNvPicPr>
+          <p:nvPr/>
+        </p:nvPicPr>
+        <p:blipFill>
+          <a:blip r:embed="rId2" cstate="print"/>
+          <a:srcRect/>
+          <a:stretch>
+            <a:fillRect/>
+          </a:stretch>
+        </p:blipFill>
+        <p:spPr bwMode="auto">
+          <a:xfrm>
+            <a:off x="0" y="1556792"/>
+            <a:ext cx="3635896" cy="2647929"/>
+          </a:xfrm>
+          <a:prstGeom prst="rect">
+            <a:avLst/>
+          </a:prstGeom>
+          <a:noFill/>
+          <a:ln w="9525">
+            <a:noFill/>
+            <a:miter lim="800000"/>
+            <a:headEnd/>
+            <a:tailEnd/>
+          </a:ln>
+        </p:spPr>
+      </p:pic>
+      <p:pic>
+        <p:nvPicPr>
+          <p:cNvPr id="3085" name="Picture 13"/>
+          <p:cNvPicPr>
+            <a:picLocks noChangeAspect="1" noChangeArrowheads="1"/>
+          </p:cNvPicPr>
+          <p:nvPr/>
+        </p:nvPicPr>
+        <p:blipFill>
+          <a:blip r:embed="rId3" cstate="print"/>
+          <a:srcRect/>
+          <a:stretch>
+            <a:fillRect/>
+          </a:stretch>
+        </p:blipFill>
+        <p:spPr bwMode="auto">
+          <a:xfrm>
+            <a:off x="0" y="4219758"/>
+            <a:ext cx="3635896" cy="2638241"/>
+          </a:xfrm>
+          <a:prstGeom prst="rect">
+            <a:avLst/>
+          </a:prstGeom>
+          <a:noFill/>
+          <a:ln w="9525">
+            <a:noFill/>
+            <a:miter lim="800000"/>
+            <a:headEnd/>
+            <a:tailEnd/>
+          </a:ln>
+        </p:spPr>
+      </p:pic>
+      <p:pic>
+        <p:nvPicPr>
+          <p:cNvPr id="3086" name="Picture 14"/>
+          <p:cNvPicPr>
+            <a:picLocks noChangeAspect="1" noChangeArrowheads="1"/>
+          </p:cNvPicPr>
+          <p:nvPr/>
+        </p:nvPicPr>
+        <p:blipFill>
+          <a:blip r:embed="rId4" cstate="print"/>
+          <a:srcRect/>
+          <a:stretch>
+            <a:fillRect/>
+          </a:stretch>
+        </p:blipFill>
+        <p:spPr bwMode="auto">
+          <a:xfrm>
+            <a:off x="5508104" y="1527312"/>
+            <a:ext cx="3635896" cy="2641463"/>
+          </a:xfrm>
+          <a:prstGeom prst="rect">
+            <a:avLst/>
+          </a:prstGeom>
+          <a:noFill/>
+          <a:ln w="9525">
+            <a:noFill/>
+            <a:miter lim="800000"/>
+            <a:headEnd/>
+            <a:tailEnd/>
+          </a:ln>
+        </p:spPr>
+      </p:pic>
+      <p:pic>
+        <p:nvPicPr>
+          <p:cNvPr id="3087" name="Picture 15"/>
+          <p:cNvPicPr>
+            <a:picLocks noChangeAspect="1" noChangeArrowheads="1"/>
+          </p:cNvPicPr>
+          <p:nvPr/>
+        </p:nvPicPr>
+        <p:blipFill>
+          <a:blip r:embed="rId5" cstate="print"/>
+          <a:srcRect/>
+          <a:stretch>
+            <a:fillRect/>
+          </a:stretch>
+        </p:blipFill>
+        <p:spPr bwMode="auto">
+          <a:xfrm>
+            <a:off x="5508104" y="4212099"/>
+            <a:ext cx="3635896" cy="2645902"/>
+          </a:xfrm>
+          <a:prstGeom prst="rect">
+            <a:avLst/>
+          </a:prstGeom>
+          <a:noFill/>
+          <a:ln w="9525">
+            <a:noFill/>
+            <a:miter lim="800000"/>
+            <a:headEnd/>
+            <a:tailEnd/>
+          </a:ln>
+        </p:spPr>
+      </p:pic>
       <p:sp>
         <p:nvSpPr>
-          <p:cNvPr id="9" name="8 Marcador de contenido"/>
+          <p:cNvPr id="25" name="11 Marcador de contenido"/>
           <p:cNvSpPr>
             <a:spLocks noGrp="1"/>
           </p:cNvSpPr>
           <p:nvPr>
-            <p:ph sz="half" idx="2"/>
+            <p:ph sz="half" idx="1"/>
           </p:nvPr>
         </p:nvSpPr>
-        <p:spPr/>
+        <p:spPr>
+          <a:xfrm>
+            <a:off x="3635896" y="1700809"/>
+            <a:ext cx="1872208" cy="4968551"/>
+          </a:xfrm>
+        </p:spPr>
         <p:txBody>
-          <a:bodyPr/>
+          <a:bodyPr>
+            <a:normAutofit/>
+          </a:bodyPr>
           <a:lstStyle/>
           <a:p>
-            <a:endParaRPr lang="es-AR"/>
+            <a:pPr>
+              <a:buNone/>
+            </a:pPr>
+            <a:r>
+              <a:rPr lang="es-AR" sz="1400" dirty="0" smtClean="0">
+                <a:solidFill>
+                  <a:schemeClr val="accent1"/>
+                </a:solidFill>
+              </a:rPr>
+              <a:t>CONSIDERACIONES</a:t>
+            </a:r>
+            <a:endParaRPr lang="es-AR" sz="1600" dirty="0" smtClean="0">
+              <a:solidFill>
+                <a:schemeClr val="accent1"/>
+              </a:solidFill>
+            </a:endParaRPr>
+          </a:p>
+          <a:p>
+            <a:pPr>
+              <a:buNone/>
+            </a:pPr>
+            <a:endParaRPr lang="es-AR" sz="1600" dirty="0" smtClean="0">
+              <a:solidFill>
+                <a:schemeClr val="accent1"/>
+              </a:solidFill>
+            </a:endParaRPr>
+          </a:p>
+          <a:p>
+            <a:r>
+              <a:rPr lang="es-AR" sz="1200" dirty="0" smtClean="0"/>
+              <a:t>Máxima variación ocurrida a la salida durante la simulación.</a:t>
+            </a:r>
+          </a:p>
+          <a:p>
+            <a:pPr>
+              <a:buNone/>
+            </a:pPr>
+            <a:endParaRPr lang="es-AR" sz="1200" dirty="0" smtClean="0"/>
+          </a:p>
+          <a:p>
+            <a:r>
+              <a:rPr lang="es-AR" sz="1200" dirty="0" smtClean="0"/>
+              <a:t>Duración desde el inicio del evento hasta el restablecimiento de la tensión de salida.</a:t>
+            </a:r>
+            <a:endParaRPr lang="es-AR" sz="1600" dirty="0" smtClean="0"/>
+          </a:p>
+          <a:p>
+            <a:pPr>
+              <a:buNone/>
+            </a:pPr>
+            <a:endParaRPr lang="es-AR" sz="1600" dirty="0" smtClean="0">
+              <a:solidFill>
+                <a:schemeClr val="accent1"/>
+              </a:solidFill>
+            </a:endParaRPr>
+          </a:p>
+          <a:p>
+            <a:pPr>
+              <a:buNone/>
+            </a:pPr>
+            <a:r>
+              <a:rPr lang="es-AR" sz="1400" dirty="0" smtClean="0">
+                <a:solidFill>
+                  <a:schemeClr val="accent1"/>
+                </a:solidFill>
+              </a:rPr>
+              <a:t>COMPARACIONES</a:t>
+            </a:r>
+            <a:endParaRPr lang="es-AR" sz="1600" dirty="0" smtClean="0">
+              <a:solidFill>
+                <a:schemeClr val="accent1"/>
+              </a:solidFill>
+            </a:endParaRPr>
+          </a:p>
+          <a:p>
+            <a:pPr>
+              <a:buNone/>
+            </a:pPr>
+            <a:endParaRPr lang="es-AR" sz="1600" dirty="0" smtClean="0">
+              <a:solidFill>
+                <a:schemeClr val="accent1"/>
+              </a:solidFill>
+            </a:endParaRPr>
+          </a:p>
+          <a:p>
+            <a:r>
+              <a:rPr lang="es-AR" sz="1200" dirty="0" smtClean="0"/>
+              <a:t>Distinta duración de los eventos.</a:t>
+            </a:r>
+          </a:p>
+          <a:p>
+            <a:endParaRPr lang="es-AR" sz="1200" dirty="0" smtClean="0"/>
+          </a:p>
+          <a:p>
+            <a:r>
+              <a:rPr lang="es-AR" sz="1200" dirty="0" smtClean="0"/>
+              <a:t>Variaciones de tensiones </a:t>
+            </a:r>
+            <a:r>
+              <a:rPr lang="es-AR" sz="1200" dirty="0" smtClean="0"/>
+              <a:t>similares.</a:t>
+            </a:r>
+          </a:p>
+          <a:p>
+            <a:endParaRPr lang="es-AR" sz="1200" dirty="0" smtClean="0"/>
+          </a:p>
+          <a:p>
+            <a:r>
+              <a:rPr lang="es-AR" sz="1200" dirty="0" smtClean="0"/>
+              <a:t>Similitud en agrupación de eventos.</a:t>
+            </a:r>
+          </a:p>
+          <a:p>
+            <a:endParaRPr lang="es-AR" sz="1100" dirty="0" smtClean="0"/>
           </a:p>
         </p:txBody>
       </p:sp>
@@ -24948,7 +26109,7 @@
 </p:sld>
 </file>
 
-<file path=ppt/slides/slide6.xml><?xml version="1.0" encoding="utf-8"?>
+<file path=ppt/slides/slide7.xml><?xml version="1.0" encoding="utf-8"?>
 <p:sld xmlns:a="http://schemas.openxmlformats.org/drawingml/2006/main" xmlns:r="http://schemas.openxmlformats.org/officeDocument/2006/relationships" xmlns:p="http://schemas.openxmlformats.org/presentationml/2006/main">
   <p:cSld>
     <p:spTree>
@@ -25069,7 +26230,7 @@
 </p:sld>
 </file>
 
-<file path=ppt/slides/slide7.xml><?xml version="1.0" encoding="utf-8"?>
+<file path=ppt/slides/slide8.xml><?xml version="1.0" encoding="utf-8"?>
 <p:sld xmlns:a="http://schemas.openxmlformats.org/drawingml/2006/main" xmlns:r="http://schemas.openxmlformats.org/officeDocument/2006/relationships" xmlns:p="http://schemas.openxmlformats.org/presentationml/2006/main">
   <p:cSld>
     <p:spTree>
@@ -25174,7 +26335,7 @@
 </p:sld>
 </file>
 
-<file path=ppt/slides/slide8.xml><?xml version="1.0" encoding="utf-8"?>
+<file path=ppt/slides/slide9.xml><?xml version="1.0" encoding="utf-8"?>
 <p:sld xmlns:a="http://schemas.openxmlformats.org/drawingml/2006/main" xmlns:r="http://schemas.openxmlformats.org/officeDocument/2006/relationships" xmlns:p="http://schemas.openxmlformats.org/presentationml/2006/main">
   <p:cSld>
     <p:spTree>
@@ -25380,208 +26541,6 @@
             <a:off x="4643438" y="2322394"/>
             <a:ext cx="1944687" cy="744774"/>
           </a:xfrm>
-        </p:spPr>
-      </p:pic>
-    </p:spTree>
-  </p:cSld>
-  <p:clrMapOvr>
-    <a:masterClrMapping/>
-  </p:clrMapOvr>
-  <p:timing>
-    <p:tnLst>
-      <p:par>
-        <p:cTn id="1" dur="indefinite" restart="never" nodeType="tmRoot"/>
-      </p:par>
-    </p:tnLst>
-  </p:timing>
-</p:sld>
-</file>
-
-<file path=ppt/slides/slide9.xml><?xml version="1.0" encoding="utf-8"?>
-<p:sld xmlns:a="http://schemas.openxmlformats.org/drawingml/2006/main" xmlns:r="http://schemas.openxmlformats.org/officeDocument/2006/relationships" xmlns:p="http://schemas.openxmlformats.org/presentationml/2006/main">
-  <p:cSld>
-    <p:spTree>
-      <p:nvGrpSpPr>
-        <p:cNvPr id="1" name=""/>
-        <p:cNvGrpSpPr/>
-        <p:nvPr/>
-      </p:nvGrpSpPr>
-      <p:grpSpPr>
-        <a:xfrm>
-          <a:off x="0" y="0"/>
-          <a:ext cx="0" cy="0"/>
-          <a:chOff x="0" y="0"/>
-          <a:chExt cx="0" cy="0"/>
-        </a:xfrm>
-      </p:grpSpPr>
-      <p:sp>
-        <p:nvSpPr>
-          <p:cNvPr id="2" name="1 Título"/>
-          <p:cNvSpPr>
-            <a:spLocks noGrp="1"/>
-          </p:cNvSpPr>
-          <p:nvPr>
-            <p:ph type="title"/>
-          </p:nvPr>
-        </p:nvSpPr>
-        <p:spPr/>
-        <p:txBody>
-          <a:bodyPr/>
-          <a:lstStyle/>
-          <a:p>
-            <a:r>
-              <a:rPr lang="es-AR" smtClean="0"/>
-              <a:t>INYECCIÓN: Automática</a:t>
-            </a:r>
-            <a:endParaRPr lang="es-AR" dirty="0"/>
-          </a:p>
-        </p:txBody>
-      </p:sp>
-      <p:sp>
-        <p:nvSpPr>
-          <p:cNvPr id="16" name="15 Marcador de contenido"/>
-          <p:cNvSpPr>
-            <a:spLocks noGrp="1"/>
-          </p:cNvSpPr>
-          <p:nvPr>
-            <p:ph sz="half" idx="1"/>
-          </p:nvPr>
-        </p:nvSpPr>
-        <p:spPr/>
-        <p:txBody>
-          <a:bodyPr/>
-          <a:lstStyle/>
-          <a:p>
-            <a:pPr lvl="0"/>
-            <a:r>
-              <a:rPr lang="es-AR" dirty="0" smtClean="0"/>
-              <a:t>Inyección</a:t>
-            </a:r>
-          </a:p>
-          <a:p>
-            <a:pPr lvl="1"/>
-            <a:r>
-              <a:rPr lang="es-AR" dirty="0" smtClean="0"/>
-              <a:t>Determinación de los nodos y definición del criterio</a:t>
-            </a:r>
-          </a:p>
-          <a:p>
-            <a:pPr lvl="1"/>
-            <a:r>
-              <a:rPr lang="es-AR" dirty="0" smtClean="0"/>
-              <a:t>Generación de archivos y almacenamiento en la base de datos</a:t>
-            </a:r>
-            <a:endParaRPr lang="es-AR" dirty="0"/>
-          </a:p>
-        </p:txBody>
-      </p:sp>
-      <p:pic>
-        <p:nvPicPr>
-          <p:cNvPr id="11" name="10 Marcador de contenido" descr="Google_Code_logo.png"/>
-          <p:cNvPicPr>
-            <a:picLocks noGrp="1" noChangeAspect="1"/>
-          </p:cNvPicPr>
-          <p:nvPr>
-            <p:ph sz="half" idx="13"/>
-          </p:nvPr>
-        </p:nvPicPr>
-        <p:blipFill>
-          <a:blip r:embed="rId2" cstate="print"/>
-          <a:stretch>
-            <a:fillRect/>
-          </a:stretch>
-        </p:blipFill>
-        <p:spPr>
-          <a:xfrm>
-            <a:off x="4643438" y="2439194"/>
-            <a:ext cx="1944687" cy="511175"/>
-          </a:xfrm>
-        </p:spPr>
-      </p:pic>
-      <p:sp>
-        <p:nvSpPr>
-          <p:cNvPr id="5" name="4 Rectángulo"/>
-          <p:cNvSpPr/>
-          <p:nvPr/>
-        </p:nvSpPr>
-        <p:spPr>
-          <a:xfrm>
-            <a:off x="7779550" y="151347"/>
-            <a:ext cx="1188132" cy="1188132"/>
-          </a:xfrm>
-          <a:prstGeom prst="rect">
-            <a:avLst/>
-          </a:prstGeom>
-          <a:blipFill rotWithShape="0">
-            <a:blip r:embed="rId3" cstate="print"/>
-            <a:stretch>
-              <a:fillRect/>
-            </a:stretch>
-          </a:blipFill>
-        </p:spPr>
-        <p:style>
-          <a:lnRef idx="0">
-            <a:schemeClr val="lt1">
-              <a:hueOff val="0"/>
-              <a:satOff val="0"/>
-              <a:lumOff val="0"/>
-              <a:alphaOff val="0"/>
-            </a:schemeClr>
-          </a:lnRef>
-          <a:fillRef idx="1">
-            <a:scrgbClr r="0" g="0" b="0"/>
-          </a:fillRef>
-          <a:effectRef idx="2">
-            <a:schemeClr val="accent1">
-              <a:tint val="50000"/>
-              <a:hueOff val="0"/>
-              <a:satOff val="0"/>
-              <a:lumOff val="0"/>
-              <a:alphaOff val="0"/>
-            </a:schemeClr>
-          </a:effectRef>
-          <a:fontRef idx="minor">
-            <a:schemeClr val="lt1">
-              <a:hueOff val="0"/>
-              <a:satOff val="0"/>
-              <a:lumOff val="0"/>
-              <a:alphaOff val="0"/>
-            </a:schemeClr>
-          </a:fontRef>
-        </p:style>
-      </p:sp>
-      <p:pic>
-        <p:nvPicPr>
-          <p:cNvPr id="12" name="11 Marcador de contenido"/>
-          <p:cNvPicPr>
-            <a:picLocks noGrp="1"/>
-          </p:cNvPicPr>
-          <p:nvPr>
-            <p:ph sz="half" idx="2"/>
-          </p:nvPr>
-        </p:nvPicPr>
-        <p:blipFill>
-          <a:blip r:embed="rId4" cstate="print"/>
-          <a:srcRect/>
-          <a:stretch>
-            <a:fillRect/>
-          </a:stretch>
-        </p:blipFill>
-        <p:spPr bwMode="auto">
-          <a:xfrm>
-            <a:off x="4644008" y="3573016"/>
-            <a:ext cx="4248471" cy="3024335"/>
-          </a:xfrm>
-          <a:prstGeom prst="rect">
-            <a:avLst/>
-          </a:prstGeom>
-          <a:noFill/>
-          <a:ln w="9525">
-            <a:noFill/>
-            <a:miter lim="800000"/>
-            <a:headEnd/>
-            <a:tailEnd/>
-          </a:ln>
         </p:spPr>
       </p:pic>
     </p:spTree>

--- a/trunk/Documentation/Documentacion/PRESENTACION_FACU.pptx
+++ b/trunk/Documentation/Documentacion/PRESENTACION_FACU.pptx
@@ -5,10 +5,10 @@
     <p:sldMasterId id="2147483662" r:id="rId1"/>
   </p:sldMasterIdLst>
   <p:notesMasterIdLst>
-    <p:notesMasterId r:id="rId14"/>
+    <p:notesMasterId r:id="rId16"/>
   </p:notesMasterIdLst>
   <p:handoutMasterIdLst>
-    <p:handoutMasterId r:id="rId15"/>
+    <p:handoutMasterId r:id="rId17"/>
   </p:handoutMasterIdLst>
   <p:sldIdLst>
     <p:sldId id="268" r:id="rId2"/>
@@ -23,6 +23,8 @@
     <p:sldId id="277" r:id="rId11"/>
     <p:sldId id="279" r:id="rId12"/>
     <p:sldId id="278" r:id="rId13"/>
+    <p:sldId id="281" r:id="rId14"/>
+    <p:sldId id="282" r:id="rId15"/>
   </p:sldIdLst>
   <p:sldSz cx="9144000" cy="6858000" type="screen4x3"/>
   <p:notesSz cx="6858000" cy="9144000"/>
@@ -122,6 +124,2666 @@
     </a:lvl9pPr>
   </p:defaultTextStyle>
 </p:presentation>
+</file>
+
+<file path=ppt/charts/chart1.xml><?xml version="1.0" encoding="utf-8"?>
+<c:chartSpace xmlns:c="http://schemas.openxmlformats.org/drawingml/2006/chart" xmlns:a="http://schemas.openxmlformats.org/drawingml/2006/main" xmlns:r="http://schemas.openxmlformats.org/officeDocument/2006/relationships">
+  <c:date1904 val="1"/>
+  <c:lang val="es-AR"/>
+  <c:roundedCorners val="1"/>
+  <c:style val="26"/>
+  <c:chart>
+    <c:title>
+      <c:tx>
+        <c:rich>
+          <a:bodyPr/>
+          <a:lstStyle/>
+          <a:p>
+            <a:pPr>
+              <a:defRPr sz="1100"/>
+            </a:pPr>
+            <a:r>
+              <a:rPr lang="es-AR" sz="1100" dirty="0"/>
+              <a:t>Porcentaje de error: Exponencial</a:t>
+            </a:r>
+          </a:p>
+        </c:rich>
+      </c:tx>
+      <c:layout>
+        <c:manualLayout>
+          <c:xMode val="edge"/>
+          <c:yMode val="edge"/>
+          <c:x val="0.22693569038355679"/>
+          <c:y val="3.0318552842560589E-2"/>
+        </c:manualLayout>
+      </c:layout>
+    </c:title>
+    <c:view3D>
+      <c:rotX val="25"/>
+      <c:rotY val="124"/>
+      <c:perspective val="20"/>
+    </c:view3D>
+    <c:plotArea>
+      <c:layout>
+        <c:manualLayout>
+          <c:layoutTarget val="inner"/>
+          <c:xMode val="edge"/>
+          <c:yMode val="edge"/>
+          <c:x val="0"/>
+          <c:y val="0.27350973570164488"/>
+          <c:w val="1"/>
+          <c:h val="0.72649015551998963"/>
+        </c:manualLayout>
+      </c:layout>
+      <c:pie3DChart>
+        <c:varyColors val="1"/>
+        <c:ser>
+          <c:idx val="0"/>
+          <c:order val="0"/>
+          <c:dPt>
+            <c:idx val="1"/>
+            <c:explosion val="18"/>
+          </c:dPt>
+          <c:dLbls>
+            <c:dLbl>
+              <c:idx val="0"/>
+              <c:layout>
+                <c:manualLayout>
+                  <c:x val="1.7903025279734787E-2"/>
+                  <c:y val="8.6181273784898801E-2"/>
+                </c:manualLayout>
+              </c:layout>
+              <c:showCatName val="1"/>
+              <c:showPercent val="1"/>
+            </c:dLbl>
+            <c:dLbl>
+              <c:idx val="1"/>
+              <c:layout>
+                <c:manualLayout>
+                  <c:x val="-1.3185415562900434E-3"/>
+                  <c:y val="-0.1522738302151497"/>
+                </c:manualLayout>
+              </c:layout>
+              <c:showCatName val="1"/>
+              <c:showPercent val="1"/>
+            </c:dLbl>
+            <c:showCatName val="1"/>
+            <c:showPercent val="1"/>
+            <c:showLeaderLines val="1"/>
+          </c:dLbls>
+          <c:cat>
+            <c:strRef>
+              <c:f>'Analisis de datos'!$C$3:$D$3</c:f>
+              <c:strCache>
+                <c:ptCount val="2"/>
+                <c:pt idx="0">
+                  <c:v>Error</c:v>
+                </c:pt>
+                <c:pt idx="1">
+                  <c:v>Éxito</c:v>
+                </c:pt>
+              </c:strCache>
+            </c:strRef>
+          </c:cat>
+          <c:val>
+            <c:numRef>
+              <c:f>'Analisis de datos'!$C$5:$D$5</c:f>
+              <c:numCache>
+                <c:formatCode>General</c:formatCode>
+                <c:ptCount val="2"/>
+                <c:pt idx="0">
+                  <c:v>206</c:v>
+                </c:pt>
+                <c:pt idx="1">
+                  <c:v>26231</c:v>
+                </c:pt>
+              </c:numCache>
+            </c:numRef>
+          </c:val>
+        </c:ser>
+        <c:dLbls>
+          <c:showCatName val="1"/>
+          <c:showPercent val="1"/>
+        </c:dLbls>
+      </c:pie3DChart>
+    </c:plotArea>
+    <c:plotVisOnly val="1"/>
+  </c:chart>
+  <c:spPr>
+    <a:ln>
+      <a:noFill/>
+    </a:ln>
+  </c:spPr>
+  <c:externalData r:id="rId1"/>
+</c:chartSpace>
+</file>
+
+<file path=ppt/charts/chart2.xml><?xml version="1.0" encoding="utf-8"?>
+<c:chartSpace xmlns:c="http://schemas.openxmlformats.org/drawingml/2006/chart" xmlns:a="http://schemas.openxmlformats.org/drawingml/2006/main" xmlns:r="http://schemas.openxmlformats.org/officeDocument/2006/relationships">
+  <c:date1904 val="1"/>
+  <c:lang val="es-AR"/>
+  <c:roundedCorners val="1"/>
+  <c:style val="26"/>
+  <c:chart>
+    <c:title>
+      <c:tx>
+        <c:rich>
+          <a:bodyPr/>
+          <a:lstStyle/>
+          <a:p>
+            <a:pPr>
+              <a:defRPr sz="1100"/>
+            </a:pPr>
+            <a:r>
+              <a:rPr lang="es-AR" sz="1100"/>
+              <a:t>Porcentaje de error: Trapezoidal</a:t>
+            </a:r>
+          </a:p>
+        </c:rich>
+      </c:tx>
+      <c:layout>
+        <c:manualLayout>
+          <c:xMode val="edge"/>
+          <c:yMode val="edge"/>
+          <c:x val="0.2602806773175394"/>
+          <c:y val="3.0090268790543353E-2"/>
+        </c:manualLayout>
+      </c:layout>
+    </c:title>
+    <c:view3D>
+      <c:rotX val="25"/>
+      <c:rotY val="204"/>
+      <c:perspective val="20"/>
+    </c:view3D>
+    <c:plotArea>
+      <c:layout>
+        <c:manualLayout>
+          <c:layoutTarget val="inner"/>
+          <c:xMode val="edge"/>
+          <c:yMode val="edge"/>
+          <c:x val="2.0951670222790091E-3"/>
+          <c:y val="0.26919258201016116"/>
+          <c:w val="0.99790483297772103"/>
+          <c:h val="0.73080741798984683"/>
+        </c:manualLayout>
+      </c:layout>
+      <c:pie3DChart>
+        <c:varyColors val="1"/>
+        <c:ser>
+          <c:idx val="0"/>
+          <c:order val="0"/>
+          <c:explosion val="14"/>
+          <c:dLbls>
+            <c:dLbl>
+              <c:idx val="0"/>
+              <c:layout>
+                <c:manualLayout>
+                  <c:x val="-9.8997566876277768E-2"/>
+                  <c:y val="-2.0480815362224201E-2"/>
+                </c:manualLayout>
+              </c:layout>
+              <c:showCatName val="1"/>
+              <c:showPercent val="1"/>
+            </c:dLbl>
+            <c:dLbl>
+              <c:idx val="1"/>
+              <c:layout>
+                <c:manualLayout>
+                  <c:x val="7.1945363157791375E-2"/>
+                  <c:y val="-9.6840804314640844E-2"/>
+                </c:manualLayout>
+              </c:layout>
+              <c:showCatName val="1"/>
+              <c:showPercent val="1"/>
+            </c:dLbl>
+            <c:showCatName val="1"/>
+            <c:showPercent val="1"/>
+            <c:showLeaderLines val="1"/>
+          </c:dLbls>
+          <c:cat>
+            <c:strRef>
+              <c:f>'Analisis de datos'!$C$3:$D$3</c:f>
+              <c:strCache>
+                <c:ptCount val="2"/>
+                <c:pt idx="0">
+                  <c:v>Error</c:v>
+                </c:pt>
+                <c:pt idx="1">
+                  <c:v>Éxito</c:v>
+                </c:pt>
+              </c:strCache>
+            </c:strRef>
+          </c:cat>
+          <c:val>
+            <c:numRef>
+              <c:f>'Analisis de datos'!$C$4:$D$4</c:f>
+              <c:numCache>
+                <c:formatCode>General</c:formatCode>
+                <c:ptCount val="2"/>
+                <c:pt idx="0">
+                  <c:v>1991</c:v>
+                </c:pt>
+                <c:pt idx="1">
+                  <c:v>26233</c:v>
+                </c:pt>
+              </c:numCache>
+            </c:numRef>
+          </c:val>
+        </c:ser>
+        <c:dLbls>
+          <c:showCatName val="1"/>
+          <c:showPercent val="1"/>
+        </c:dLbls>
+      </c:pie3DChart>
+    </c:plotArea>
+    <c:plotVisOnly val="1"/>
+  </c:chart>
+  <c:spPr>
+    <a:ln>
+      <a:noFill/>
+    </a:ln>
+  </c:spPr>
+  <c:externalData r:id="rId1"/>
+</c:chartSpace>
+</file>
+
+<file path=ppt/charts/chart3.xml><?xml version="1.0" encoding="utf-8"?>
+<c:chartSpace xmlns:c="http://schemas.openxmlformats.org/drawingml/2006/chart" xmlns:a="http://schemas.openxmlformats.org/drawingml/2006/main" xmlns:r="http://schemas.openxmlformats.org/officeDocument/2006/relationships">
+  <c:date1904 val="1"/>
+  <c:lang val="es-AR"/>
+  <c:style val="26"/>
+  <c:chart>
+    <c:title>
+      <c:tx>
+        <c:rich>
+          <a:bodyPr/>
+          <a:lstStyle/>
+          <a:p>
+            <a:pPr>
+              <a:defRPr/>
+            </a:pPr>
+            <a:r>
+              <a:rPr lang="es-AR" sz="1000"/>
+              <a:t>Porcentaje de errores segun tipo de falla TRAPEZOIDAL</a:t>
+            </a:r>
+          </a:p>
+        </c:rich>
+      </c:tx>
+      <c:layout/>
+      <c:spPr>
+        <a:ln>
+          <a:noFill/>
+        </a:ln>
+      </c:spPr>
+    </c:title>
+    <c:view3D>
+      <c:perspective val="30"/>
+    </c:view3D>
+    <c:plotArea>
+      <c:layout/>
+      <c:bar3DChart>
+        <c:barDir val="col"/>
+        <c:grouping val="stacked"/>
+        <c:ser>
+          <c:idx val="0"/>
+          <c:order val="0"/>
+          <c:tx>
+            <c:strRef>
+              <c:f>'Analisis de datos'!$L$30</c:f>
+              <c:strCache>
+                <c:ptCount val="1"/>
+                <c:pt idx="0">
+                  <c:v>NMOS</c:v>
+                </c:pt>
+              </c:strCache>
+            </c:strRef>
+          </c:tx>
+          <c:cat>
+            <c:strRef>
+              <c:f>'Analisis de datos'!$M$29</c:f>
+              <c:strCache>
+                <c:ptCount val="1"/>
+                <c:pt idx="0">
+                  <c:v>Rampa</c:v>
+                </c:pt>
+              </c:strCache>
+            </c:strRef>
+          </c:cat>
+          <c:val>
+            <c:numRef>
+              <c:f>'Analisis de datos'!$P$30</c:f>
+              <c:numCache>
+                <c:formatCode>0</c:formatCode>
+                <c:ptCount val="1"/>
+                <c:pt idx="0">
+                  <c:v>6.6298342541436455</c:v>
+                </c:pt>
+              </c:numCache>
+            </c:numRef>
+          </c:val>
+          <c:bubble3D val="1"/>
+        </c:ser>
+        <c:ser>
+          <c:idx val="1"/>
+          <c:order val="1"/>
+          <c:tx>
+            <c:strRef>
+              <c:f>'Analisis de datos'!$L$31</c:f>
+              <c:strCache>
+                <c:ptCount val="1"/>
+                <c:pt idx="0">
+                  <c:v>PMOS</c:v>
+                </c:pt>
+              </c:strCache>
+            </c:strRef>
+          </c:tx>
+          <c:cat>
+            <c:strRef>
+              <c:f>'Analisis de datos'!$M$29</c:f>
+              <c:strCache>
+                <c:ptCount val="1"/>
+                <c:pt idx="0">
+                  <c:v>Rampa</c:v>
+                </c:pt>
+              </c:strCache>
+            </c:strRef>
+          </c:cat>
+          <c:val>
+            <c:numRef>
+              <c:f>'Analisis de datos'!$P$31</c:f>
+              <c:numCache>
+                <c:formatCode>0</c:formatCode>
+                <c:ptCount val="1"/>
+                <c:pt idx="0">
+                  <c:v>93.370165745856355</c:v>
+                </c:pt>
+              </c:numCache>
+            </c:numRef>
+          </c:val>
+        </c:ser>
+        <c:gapWidth val="75"/>
+        <c:shape val="cylinder"/>
+        <c:axId val="93426048"/>
+        <c:axId val="93427584"/>
+        <c:axId val="0"/>
+      </c:bar3DChart>
+      <c:catAx>
+        <c:axId val="93426048"/>
+        <c:scaling>
+          <c:orientation val="minMax"/>
+        </c:scaling>
+        <c:axPos val="b"/>
+        <c:numFmt formatCode="General" sourceLinked="1"/>
+        <c:majorTickMark val="none"/>
+        <c:tickLblPos val="none"/>
+        <c:crossAx val="93427584"/>
+        <c:crosses val="autoZero"/>
+        <c:auto val="1"/>
+        <c:lblAlgn val="ctr"/>
+        <c:lblOffset val="100"/>
+      </c:catAx>
+      <c:valAx>
+        <c:axId val="93427584"/>
+        <c:scaling>
+          <c:orientation val="minMax"/>
+        </c:scaling>
+        <c:axPos val="l"/>
+        <c:majorGridlines/>
+        <c:numFmt formatCode="0" sourceLinked="0"/>
+        <c:majorTickMark val="none"/>
+        <c:tickLblPos val="nextTo"/>
+        <c:spPr>
+          <a:ln w="9525">
+            <a:noFill/>
+          </a:ln>
+        </c:spPr>
+        <c:crossAx val="93426048"/>
+        <c:crosses val="autoZero"/>
+        <c:crossBetween val="between"/>
+      </c:valAx>
+    </c:plotArea>
+    <c:legend>
+      <c:legendPos val="b"/>
+      <c:layout/>
+    </c:legend>
+    <c:plotVisOnly val="1"/>
+  </c:chart>
+  <c:spPr>
+    <a:ln>
+      <a:noFill/>
+    </a:ln>
+  </c:spPr>
+  <c:externalData r:id="rId1"/>
+</c:chartSpace>
+</file>
+
+<file path=ppt/charts/chart4.xml><?xml version="1.0" encoding="utf-8"?>
+<c:chartSpace xmlns:c="http://schemas.openxmlformats.org/drawingml/2006/chart" xmlns:a="http://schemas.openxmlformats.org/drawingml/2006/main" xmlns:r="http://schemas.openxmlformats.org/officeDocument/2006/relationships">
+  <c:date1904 val="1"/>
+  <c:lang val="es-AR"/>
+  <c:style val="26"/>
+  <c:chart>
+    <c:title>
+      <c:tx>
+        <c:rich>
+          <a:bodyPr/>
+          <a:lstStyle/>
+          <a:p>
+            <a:pPr>
+              <a:defRPr/>
+            </a:pPr>
+            <a:r>
+              <a:rPr lang="es-AR" sz="1000"/>
+              <a:t>Porcentaje de errores segun tipo de falla EXPONENCIAL</a:t>
+            </a:r>
+          </a:p>
+        </c:rich>
+      </c:tx>
+      <c:layout/>
+      <c:spPr>
+        <a:ln>
+          <a:noFill/>
+        </a:ln>
+      </c:spPr>
+    </c:title>
+    <c:view3D>
+      <c:perspective val="30"/>
+    </c:view3D>
+    <c:plotArea>
+      <c:layout/>
+      <c:bar3DChart>
+        <c:barDir val="col"/>
+        <c:grouping val="stacked"/>
+        <c:ser>
+          <c:idx val="0"/>
+          <c:order val="0"/>
+          <c:tx>
+            <c:strRef>
+              <c:f>'Analisis de datos'!$L$30</c:f>
+              <c:strCache>
+                <c:ptCount val="1"/>
+                <c:pt idx="0">
+                  <c:v>NMOS</c:v>
+                </c:pt>
+              </c:strCache>
+            </c:strRef>
+          </c:tx>
+          <c:cat>
+            <c:strRef>
+              <c:f>'Analisis de datos'!$N$29</c:f>
+              <c:strCache>
+                <c:ptCount val="1"/>
+                <c:pt idx="0">
+                  <c:v>Exponencial</c:v>
+                </c:pt>
+              </c:strCache>
+            </c:strRef>
+          </c:cat>
+          <c:val>
+            <c:numRef>
+              <c:f>'Analisis de datos'!$Q$30</c:f>
+              <c:numCache>
+                <c:formatCode>0</c:formatCode>
+                <c:ptCount val="1"/>
+                <c:pt idx="0">
+                  <c:v>63.106796116504974</c:v>
+                </c:pt>
+              </c:numCache>
+            </c:numRef>
+          </c:val>
+          <c:bubble3D val="1"/>
+        </c:ser>
+        <c:ser>
+          <c:idx val="1"/>
+          <c:order val="1"/>
+          <c:tx>
+            <c:strRef>
+              <c:f>'Analisis de datos'!$L$31</c:f>
+              <c:strCache>
+                <c:ptCount val="1"/>
+                <c:pt idx="0">
+                  <c:v>PMOS</c:v>
+                </c:pt>
+              </c:strCache>
+            </c:strRef>
+          </c:tx>
+          <c:cat>
+            <c:strRef>
+              <c:f>'Analisis de datos'!$N$29</c:f>
+              <c:strCache>
+                <c:ptCount val="1"/>
+                <c:pt idx="0">
+                  <c:v>Exponencial</c:v>
+                </c:pt>
+              </c:strCache>
+            </c:strRef>
+          </c:cat>
+          <c:val>
+            <c:numRef>
+              <c:f>'Analisis de datos'!$Q$31</c:f>
+              <c:numCache>
+                <c:formatCode>0</c:formatCode>
+                <c:ptCount val="1"/>
+                <c:pt idx="0">
+                  <c:v>36.893203883495147</c:v>
+                </c:pt>
+              </c:numCache>
+            </c:numRef>
+          </c:val>
+        </c:ser>
+        <c:gapWidth val="75"/>
+        <c:shape val="cylinder"/>
+        <c:axId val="93444736"/>
+        <c:axId val="117055872"/>
+        <c:axId val="0"/>
+      </c:bar3DChart>
+      <c:catAx>
+        <c:axId val="93444736"/>
+        <c:scaling>
+          <c:orientation val="minMax"/>
+        </c:scaling>
+        <c:axPos val="b"/>
+        <c:numFmt formatCode="General" sourceLinked="1"/>
+        <c:majorTickMark val="none"/>
+        <c:tickLblPos val="none"/>
+        <c:crossAx val="117055872"/>
+        <c:crosses val="autoZero"/>
+        <c:auto val="1"/>
+        <c:lblAlgn val="ctr"/>
+        <c:lblOffset val="100"/>
+      </c:catAx>
+      <c:valAx>
+        <c:axId val="117055872"/>
+        <c:scaling>
+          <c:orientation val="minMax"/>
+        </c:scaling>
+        <c:axPos val="l"/>
+        <c:majorGridlines/>
+        <c:numFmt formatCode="0" sourceLinked="0"/>
+        <c:majorTickMark val="none"/>
+        <c:tickLblPos val="nextTo"/>
+        <c:spPr>
+          <a:ln w="9525">
+            <a:noFill/>
+          </a:ln>
+        </c:spPr>
+        <c:crossAx val="93444736"/>
+        <c:crosses val="autoZero"/>
+        <c:crossBetween val="between"/>
+      </c:valAx>
+    </c:plotArea>
+    <c:legend>
+      <c:legendPos val="b"/>
+      <c:layout/>
+    </c:legend>
+    <c:plotVisOnly val="1"/>
+  </c:chart>
+  <c:spPr>
+    <a:ln>
+      <a:noFill/>
+    </a:ln>
+  </c:spPr>
+  <c:externalData r:id="rId1"/>
+</c:chartSpace>
+</file>
+
+<file path=ppt/charts/chart5.xml><?xml version="1.0" encoding="utf-8"?>
+<c:chartSpace xmlns:c="http://schemas.openxmlformats.org/drawingml/2006/chart" xmlns:a="http://schemas.openxmlformats.org/drawingml/2006/main" xmlns:r="http://schemas.openxmlformats.org/officeDocument/2006/relationships">
+  <c:lang val="es-AR"/>
+  <c:style val="18"/>
+  <c:chart>
+    <c:autoTitleDeleted val="1"/>
+    <c:plotArea>
+      <c:layout/>
+      <c:scatterChart>
+        <c:scatterStyle val="lineMarker"/>
+        <c:ser>
+          <c:idx val="1"/>
+          <c:order val="1"/>
+          <c:tx>
+            <c:strRef>
+              <c:f>'Analisis de datos'!$I$4</c:f>
+              <c:strCache>
+                <c:ptCount val="1"/>
+                <c:pt idx="0">
+                  <c:v>Rampa</c:v>
+                </c:pt>
+              </c:strCache>
+            </c:strRef>
+          </c:tx>
+          <c:spPr>
+            <a:ln>
+              <a:noFill/>
+            </a:ln>
+            <a:effectLst>
+              <a:outerShdw blurRad="39000" dist="25400" dir="5400000" rotWithShape="0">
+                <a:srgbClr val="000000">
+                  <a:alpha val="38000"/>
+                </a:srgbClr>
+              </a:outerShdw>
+            </a:effectLst>
+          </c:spPr>
+          <c:marker>
+            <c:spPr>
+              <a:gradFill rotWithShape="1">
+                <a:gsLst>
+                  <a:gs pos="0">
+                    <a:schemeClr val="accent1">
+                      <a:shade val="47500"/>
+                      <a:satMod val="137000"/>
+                    </a:schemeClr>
+                  </a:gs>
+                  <a:gs pos="55000">
+                    <a:schemeClr val="accent1">
+                      <a:shade val="69000"/>
+                      <a:satMod val="137000"/>
+                    </a:schemeClr>
+                  </a:gs>
+                  <a:gs pos="100000">
+                    <a:schemeClr val="accent1">
+                      <a:shade val="98000"/>
+                      <a:satMod val="137000"/>
+                    </a:schemeClr>
+                  </a:gs>
+                </a:gsLst>
+                <a:lin ang="16200000" scaled="0"/>
+              </a:gradFill>
+              <a:ln>
+                <a:noFill/>
+              </a:ln>
+              <a:effectLst>
+                <a:outerShdw blurRad="39000" dist="25400" dir="5400000" rotWithShape="0">
+                  <a:srgbClr val="000000">
+                    <a:alpha val="38000"/>
+                  </a:srgbClr>
+                </a:outerShdw>
+              </a:effectLst>
+              <a:scene3d>
+                <a:camera prst="orthographicFront" fov="0">
+                  <a:rot lat="0" lon="0" rev="0"/>
+                </a:camera>
+                <a:lightRig rig="threePt" dir="t">
+                  <a:rot lat="0" lon="0" rev="1800000"/>
+                </a:lightRig>
+              </a:scene3d>
+              <a:sp3d prstMaterial="matte">
+                <a:bevelT h="20000"/>
+              </a:sp3d>
+            </c:spPr>
+          </c:marker>
+          <c:xVal>
+            <c:numRef>
+              <c:f>'Analisis de datos'!$H$5:$H$68</c:f>
+              <c:numCache>
+                <c:formatCode>0.00</c:formatCode>
+                <c:ptCount val="64"/>
+                <c:pt idx="0">
+                  <c:v>1.01</c:v>
+                </c:pt>
+                <c:pt idx="1">
+                  <c:v>1.02</c:v>
+                </c:pt>
+                <c:pt idx="2">
+                  <c:v>1.03</c:v>
+                </c:pt>
+                <c:pt idx="3">
+                  <c:v>1.04</c:v>
+                </c:pt>
+                <c:pt idx="4">
+                  <c:v>1.05</c:v>
+                </c:pt>
+                <c:pt idx="5">
+                  <c:v>1.06</c:v>
+                </c:pt>
+                <c:pt idx="6">
+                  <c:v>1.07</c:v>
+                </c:pt>
+                <c:pt idx="7">
+                  <c:v>1.08</c:v>
+                </c:pt>
+                <c:pt idx="8">
+                  <c:v>1.0900000000000001</c:v>
+                </c:pt>
+                <c:pt idx="9">
+                  <c:v>1.1000000000000001</c:v>
+                </c:pt>
+                <c:pt idx="10">
+                  <c:v>1.1100000000000001</c:v>
+                </c:pt>
+                <c:pt idx="11">
+                  <c:v>1.1200000000000001</c:v>
+                </c:pt>
+                <c:pt idx="12">
+                  <c:v>1.1299999999999994</c:v>
+                </c:pt>
+                <c:pt idx="13">
+                  <c:v>1.1399999999999995</c:v>
+                </c:pt>
+                <c:pt idx="14">
+                  <c:v>1.1499999999999995</c:v>
+                </c:pt>
+                <c:pt idx="15">
+                  <c:v>1.1599999999999995</c:v>
+                </c:pt>
+                <c:pt idx="16">
+                  <c:v>1.1700000000000004</c:v>
+                </c:pt>
+                <c:pt idx="17">
+                  <c:v>1.1800000000000004</c:v>
+                </c:pt>
+                <c:pt idx="18">
+                  <c:v>1.1900000000000004</c:v>
+                </c:pt>
+                <c:pt idx="19">
+                  <c:v>1.2</c:v>
+                </c:pt>
+                <c:pt idx="20">
+                  <c:v>1.21</c:v>
+                </c:pt>
+                <c:pt idx="21">
+                  <c:v>1.22</c:v>
+                </c:pt>
+                <c:pt idx="22">
+                  <c:v>1.23</c:v>
+                </c:pt>
+                <c:pt idx="23">
+                  <c:v>1.24</c:v>
+                </c:pt>
+                <c:pt idx="24">
+                  <c:v>1.25</c:v>
+                </c:pt>
+                <c:pt idx="25">
+                  <c:v>1.26</c:v>
+                </c:pt>
+                <c:pt idx="26">
+                  <c:v>1.27</c:v>
+                </c:pt>
+                <c:pt idx="27">
+                  <c:v>1.28</c:v>
+                </c:pt>
+                <c:pt idx="28">
+                  <c:v>1.29</c:v>
+                </c:pt>
+                <c:pt idx="29">
+                  <c:v>1.3</c:v>
+                </c:pt>
+                <c:pt idx="30">
+                  <c:v>1.31</c:v>
+                </c:pt>
+                <c:pt idx="31">
+                  <c:v>1.32</c:v>
+                </c:pt>
+                <c:pt idx="32">
+                  <c:v>1.33</c:v>
+                </c:pt>
+                <c:pt idx="33">
+                  <c:v>1.34</c:v>
+                </c:pt>
+                <c:pt idx="34">
+                  <c:v>1.35</c:v>
+                </c:pt>
+                <c:pt idx="35">
+                  <c:v>1.36</c:v>
+                </c:pt>
+                <c:pt idx="36">
+                  <c:v>1.37</c:v>
+                </c:pt>
+                <c:pt idx="37">
+                  <c:v>1.3800000000000001</c:v>
+                </c:pt>
+                <c:pt idx="38">
+                  <c:v>1.3900000000000001</c:v>
+                </c:pt>
+                <c:pt idx="39">
+                  <c:v>1.4</c:v>
+                </c:pt>
+                <c:pt idx="40">
+                  <c:v>1.41</c:v>
+                </c:pt>
+                <c:pt idx="41">
+                  <c:v>1.42</c:v>
+                </c:pt>
+                <c:pt idx="42">
+                  <c:v>1.43</c:v>
+                </c:pt>
+                <c:pt idx="43">
+                  <c:v>1.44</c:v>
+                </c:pt>
+                <c:pt idx="44">
+                  <c:v>1.45</c:v>
+                </c:pt>
+                <c:pt idx="45">
+                  <c:v>1.46</c:v>
+                </c:pt>
+                <c:pt idx="46">
+                  <c:v>1.47</c:v>
+                </c:pt>
+                <c:pt idx="47">
+                  <c:v>1.48</c:v>
+                </c:pt>
+                <c:pt idx="48">
+                  <c:v>1.49</c:v>
+                </c:pt>
+                <c:pt idx="49">
+                  <c:v>1.5</c:v>
+                </c:pt>
+                <c:pt idx="50">
+                  <c:v>1.51</c:v>
+                </c:pt>
+                <c:pt idx="51">
+                  <c:v>1.52</c:v>
+                </c:pt>
+                <c:pt idx="52">
+                  <c:v>1.53</c:v>
+                </c:pt>
+                <c:pt idx="53">
+                  <c:v>1.54</c:v>
+                </c:pt>
+                <c:pt idx="54">
+                  <c:v>1.55</c:v>
+                </c:pt>
+                <c:pt idx="55">
+                  <c:v>1.56</c:v>
+                </c:pt>
+                <c:pt idx="56">
+                  <c:v>1.57</c:v>
+                </c:pt>
+                <c:pt idx="57">
+                  <c:v>1.58</c:v>
+                </c:pt>
+                <c:pt idx="58">
+                  <c:v>1.59</c:v>
+                </c:pt>
+                <c:pt idx="59">
+                  <c:v>1.6</c:v>
+                </c:pt>
+                <c:pt idx="60">
+                  <c:v>1.61</c:v>
+                </c:pt>
+                <c:pt idx="61">
+                  <c:v>1.62</c:v>
+                </c:pt>
+                <c:pt idx="62">
+                  <c:v>1.6300000000000001</c:v>
+                </c:pt>
+                <c:pt idx="63">
+                  <c:v>1.6400000000000001</c:v>
+                </c:pt>
+              </c:numCache>
+            </c:numRef>
+          </c:xVal>
+          <c:yVal>
+            <c:numRef>
+              <c:f>'Analisis de datos'!$I$5:$I$68</c:f>
+              <c:numCache>
+                <c:formatCode>General</c:formatCode>
+                <c:ptCount val="64"/>
+                <c:pt idx="0">
+                  <c:v>4</c:v>
+                </c:pt>
+                <c:pt idx="1">
+                  <c:v>3</c:v>
+                </c:pt>
+                <c:pt idx="2">
+                  <c:v>6</c:v>
+                </c:pt>
+                <c:pt idx="3">
+                  <c:v>3</c:v>
+                </c:pt>
+                <c:pt idx="4">
+                  <c:v>6</c:v>
+                </c:pt>
+                <c:pt idx="5">
+                  <c:v>5</c:v>
+                </c:pt>
+                <c:pt idx="6">
+                  <c:v>10</c:v>
+                </c:pt>
+                <c:pt idx="7">
+                  <c:v>3</c:v>
+                </c:pt>
+                <c:pt idx="8">
+                  <c:v>8</c:v>
+                </c:pt>
+                <c:pt idx="9">
+                  <c:v>6</c:v>
+                </c:pt>
+                <c:pt idx="10">
+                  <c:v>12</c:v>
+                </c:pt>
+                <c:pt idx="11">
+                  <c:v>5</c:v>
+                </c:pt>
+                <c:pt idx="12">
+                  <c:v>12</c:v>
+                </c:pt>
+                <c:pt idx="13">
+                  <c:v>9</c:v>
+                </c:pt>
+                <c:pt idx="14">
+                  <c:v>18</c:v>
+                </c:pt>
+                <c:pt idx="15">
+                  <c:v>12</c:v>
+                </c:pt>
+                <c:pt idx="16">
+                  <c:v>13</c:v>
+                </c:pt>
+                <c:pt idx="17">
+                  <c:v>17</c:v>
+                </c:pt>
+                <c:pt idx="18">
+                  <c:v>19</c:v>
+                </c:pt>
+                <c:pt idx="19">
+                  <c:v>15</c:v>
+                </c:pt>
+                <c:pt idx="20">
+                  <c:v>18</c:v>
+                </c:pt>
+                <c:pt idx="21">
+                  <c:v>21</c:v>
+                </c:pt>
+                <c:pt idx="22">
+                  <c:v>26</c:v>
+                </c:pt>
+                <c:pt idx="23">
+                  <c:v>13</c:v>
+                </c:pt>
+                <c:pt idx="24">
+                  <c:v>18</c:v>
+                </c:pt>
+                <c:pt idx="25">
+                  <c:v>20</c:v>
+                </c:pt>
+                <c:pt idx="26">
+                  <c:v>26</c:v>
+                </c:pt>
+                <c:pt idx="27">
+                  <c:v>17</c:v>
+                </c:pt>
+                <c:pt idx="28">
+                  <c:v>24</c:v>
+                </c:pt>
+                <c:pt idx="29">
+                  <c:v>25</c:v>
+                </c:pt>
+                <c:pt idx="30">
+                  <c:v>33</c:v>
+                </c:pt>
+                <c:pt idx="31">
+                  <c:v>34</c:v>
+                </c:pt>
+                <c:pt idx="32">
+                  <c:v>35</c:v>
+                </c:pt>
+                <c:pt idx="33">
+                  <c:v>35</c:v>
+                </c:pt>
+                <c:pt idx="34">
+                  <c:v>37</c:v>
+                </c:pt>
+                <c:pt idx="35">
+                  <c:v>39</c:v>
+                </c:pt>
+                <c:pt idx="36">
+                  <c:v>42</c:v>
+                </c:pt>
+                <c:pt idx="37">
+                  <c:v>41</c:v>
+                </c:pt>
+                <c:pt idx="38">
+                  <c:v>46</c:v>
+                </c:pt>
+                <c:pt idx="39">
+                  <c:v>35</c:v>
+                </c:pt>
+                <c:pt idx="40">
+                  <c:v>40</c:v>
+                </c:pt>
+                <c:pt idx="41">
+                  <c:v>38</c:v>
+                </c:pt>
+                <c:pt idx="42">
+                  <c:v>44</c:v>
+                </c:pt>
+                <c:pt idx="43">
+                  <c:v>41</c:v>
+                </c:pt>
+                <c:pt idx="44">
+                  <c:v>47</c:v>
+                </c:pt>
+                <c:pt idx="45">
+                  <c:v>44</c:v>
+                </c:pt>
+                <c:pt idx="46">
+                  <c:v>53</c:v>
+                </c:pt>
+                <c:pt idx="47">
+                  <c:v>43</c:v>
+                </c:pt>
+                <c:pt idx="48">
+                  <c:v>44</c:v>
+                </c:pt>
+                <c:pt idx="49">
+                  <c:v>48</c:v>
+                </c:pt>
+                <c:pt idx="50">
+                  <c:v>50</c:v>
+                </c:pt>
+                <c:pt idx="51">
+                  <c:v>50</c:v>
+                </c:pt>
+                <c:pt idx="52">
+                  <c:v>53</c:v>
+                </c:pt>
+                <c:pt idx="53">
+                  <c:v>56</c:v>
+                </c:pt>
+                <c:pt idx="54">
+                  <c:v>61</c:v>
+                </c:pt>
+                <c:pt idx="55">
+                  <c:v>44</c:v>
+                </c:pt>
+                <c:pt idx="56">
+                  <c:v>49</c:v>
+                </c:pt>
+                <c:pt idx="57">
+                  <c:v>51</c:v>
+                </c:pt>
+                <c:pt idx="58">
+                  <c:v>57</c:v>
+                </c:pt>
+                <c:pt idx="59">
+                  <c:v>52</c:v>
+                </c:pt>
+                <c:pt idx="60">
+                  <c:v>59</c:v>
+                </c:pt>
+                <c:pt idx="61">
+                  <c:v>60</c:v>
+                </c:pt>
+                <c:pt idx="62">
+                  <c:v>68</c:v>
+                </c:pt>
+                <c:pt idx="63">
+                  <c:v>68</c:v>
+                </c:pt>
+              </c:numCache>
+            </c:numRef>
+          </c:yVal>
+        </c:ser>
+        <c:ser>
+          <c:idx val="0"/>
+          <c:order val="0"/>
+          <c:tx>
+            <c:strRef>
+              <c:f>'Analisis de datos'!$J$4</c:f>
+              <c:strCache>
+                <c:ptCount val="1"/>
+                <c:pt idx="0">
+                  <c:v>Exponencial</c:v>
+                </c:pt>
+              </c:strCache>
+            </c:strRef>
+          </c:tx>
+          <c:spPr>
+            <a:ln>
+              <a:noFill/>
+            </a:ln>
+            <a:effectLst>
+              <a:outerShdw blurRad="39000" dist="25400" dir="5400000" rotWithShape="0">
+                <a:srgbClr val="000000">
+                  <a:alpha val="38000"/>
+                </a:srgbClr>
+              </a:outerShdw>
+            </a:effectLst>
+          </c:spPr>
+          <c:marker>
+            <c:spPr>
+              <a:gradFill rotWithShape="1">
+                <a:gsLst>
+                  <a:gs pos="0">
+                    <a:schemeClr val="accent2">
+                      <a:shade val="47500"/>
+                      <a:satMod val="137000"/>
+                    </a:schemeClr>
+                  </a:gs>
+                  <a:gs pos="55000">
+                    <a:schemeClr val="accent2">
+                      <a:shade val="69000"/>
+                      <a:satMod val="137000"/>
+                    </a:schemeClr>
+                  </a:gs>
+                  <a:gs pos="100000">
+                    <a:schemeClr val="accent2">
+                      <a:shade val="98000"/>
+                      <a:satMod val="137000"/>
+                    </a:schemeClr>
+                  </a:gs>
+                </a:gsLst>
+                <a:lin ang="16200000" scaled="0"/>
+              </a:gradFill>
+              <a:ln>
+                <a:noFill/>
+              </a:ln>
+              <a:effectLst>
+                <a:outerShdw blurRad="39000" dist="25400" dir="5400000" rotWithShape="0">
+                  <a:srgbClr val="000000">
+                    <a:alpha val="38000"/>
+                  </a:srgbClr>
+                </a:outerShdw>
+              </a:effectLst>
+              <a:scene3d>
+                <a:camera prst="orthographicFront" fov="0">
+                  <a:rot lat="0" lon="0" rev="0"/>
+                </a:camera>
+                <a:lightRig rig="threePt" dir="t">
+                  <a:rot lat="0" lon="0" rev="1800000"/>
+                </a:lightRig>
+              </a:scene3d>
+              <a:sp3d prstMaterial="matte">
+                <a:bevelT h="20000"/>
+              </a:sp3d>
+            </c:spPr>
+          </c:marker>
+          <c:trendline>
+            <c:trendlineType val="linear"/>
+          </c:trendline>
+          <c:xVal>
+            <c:numRef>
+              <c:f>'Analisis de datos'!$H$5:$H$68</c:f>
+              <c:numCache>
+                <c:formatCode>0.00</c:formatCode>
+                <c:ptCount val="64"/>
+                <c:pt idx="0">
+                  <c:v>1.01</c:v>
+                </c:pt>
+                <c:pt idx="1">
+                  <c:v>1.02</c:v>
+                </c:pt>
+                <c:pt idx="2">
+                  <c:v>1.03</c:v>
+                </c:pt>
+                <c:pt idx="3">
+                  <c:v>1.04</c:v>
+                </c:pt>
+                <c:pt idx="4">
+                  <c:v>1.05</c:v>
+                </c:pt>
+                <c:pt idx="5">
+                  <c:v>1.06</c:v>
+                </c:pt>
+                <c:pt idx="6">
+                  <c:v>1.07</c:v>
+                </c:pt>
+                <c:pt idx="7">
+                  <c:v>1.08</c:v>
+                </c:pt>
+                <c:pt idx="8">
+                  <c:v>1.0900000000000001</c:v>
+                </c:pt>
+                <c:pt idx="9">
+                  <c:v>1.1000000000000001</c:v>
+                </c:pt>
+                <c:pt idx="10">
+                  <c:v>1.1100000000000001</c:v>
+                </c:pt>
+                <c:pt idx="11">
+                  <c:v>1.1200000000000001</c:v>
+                </c:pt>
+                <c:pt idx="12">
+                  <c:v>1.1299999999999994</c:v>
+                </c:pt>
+                <c:pt idx="13">
+                  <c:v>1.1399999999999995</c:v>
+                </c:pt>
+                <c:pt idx="14">
+                  <c:v>1.1499999999999995</c:v>
+                </c:pt>
+                <c:pt idx="15">
+                  <c:v>1.1599999999999995</c:v>
+                </c:pt>
+                <c:pt idx="16">
+                  <c:v>1.1700000000000004</c:v>
+                </c:pt>
+                <c:pt idx="17">
+                  <c:v>1.1800000000000004</c:v>
+                </c:pt>
+                <c:pt idx="18">
+                  <c:v>1.1900000000000004</c:v>
+                </c:pt>
+                <c:pt idx="19">
+                  <c:v>1.2</c:v>
+                </c:pt>
+                <c:pt idx="20">
+                  <c:v>1.21</c:v>
+                </c:pt>
+                <c:pt idx="21">
+                  <c:v>1.22</c:v>
+                </c:pt>
+                <c:pt idx="22">
+                  <c:v>1.23</c:v>
+                </c:pt>
+                <c:pt idx="23">
+                  <c:v>1.24</c:v>
+                </c:pt>
+                <c:pt idx="24">
+                  <c:v>1.25</c:v>
+                </c:pt>
+                <c:pt idx="25">
+                  <c:v>1.26</c:v>
+                </c:pt>
+                <c:pt idx="26">
+                  <c:v>1.27</c:v>
+                </c:pt>
+                <c:pt idx="27">
+                  <c:v>1.28</c:v>
+                </c:pt>
+                <c:pt idx="28">
+                  <c:v>1.29</c:v>
+                </c:pt>
+                <c:pt idx="29">
+                  <c:v>1.3</c:v>
+                </c:pt>
+                <c:pt idx="30">
+                  <c:v>1.31</c:v>
+                </c:pt>
+                <c:pt idx="31">
+                  <c:v>1.32</c:v>
+                </c:pt>
+                <c:pt idx="32">
+                  <c:v>1.33</c:v>
+                </c:pt>
+                <c:pt idx="33">
+                  <c:v>1.34</c:v>
+                </c:pt>
+                <c:pt idx="34">
+                  <c:v>1.35</c:v>
+                </c:pt>
+                <c:pt idx="35">
+                  <c:v>1.36</c:v>
+                </c:pt>
+                <c:pt idx="36">
+                  <c:v>1.37</c:v>
+                </c:pt>
+                <c:pt idx="37">
+                  <c:v>1.3800000000000001</c:v>
+                </c:pt>
+                <c:pt idx="38">
+                  <c:v>1.3900000000000001</c:v>
+                </c:pt>
+                <c:pt idx="39">
+                  <c:v>1.4</c:v>
+                </c:pt>
+                <c:pt idx="40">
+                  <c:v>1.41</c:v>
+                </c:pt>
+                <c:pt idx="41">
+                  <c:v>1.42</c:v>
+                </c:pt>
+                <c:pt idx="42">
+                  <c:v>1.43</c:v>
+                </c:pt>
+                <c:pt idx="43">
+                  <c:v>1.44</c:v>
+                </c:pt>
+                <c:pt idx="44">
+                  <c:v>1.45</c:v>
+                </c:pt>
+                <c:pt idx="45">
+                  <c:v>1.46</c:v>
+                </c:pt>
+                <c:pt idx="46">
+                  <c:v>1.47</c:v>
+                </c:pt>
+                <c:pt idx="47">
+                  <c:v>1.48</c:v>
+                </c:pt>
+                <c:pt idx="48">
+                  <c:v>1.49</c:v>
+                </c:pt>
+                <c:pt idx="49">
+                  <c:v>1.5</c:v>
+                </c:pt>
+                <c:pt idx="50">
+                  <c:v>1.51</c:v>
+                </c:pt>
+                <c:pt idx="51">
+                  <c:v>1.52</c:v>
+                </c:pt>
+                <c:pt idx="52">
+                  <c:v>1.53</c:v>
+                </c:pt>
+                <c:pt idx="53">
+                  <c:v>1.54</c:v>
+                </c:pt>
+                <c:pt idx="54">
+                  <c:v>1.55</c:v>
+                </c:pt>
+                <c:pt idx="55">
+                  <c:v>1.56</c:v>
+                </c:pt>
+                <c:pt idx="56">
+                  <c:v>1.57</c:v>
+                </c:pt>
+                <c:pt idx="57">
+                  <c:v>1.58</c:v>
+                </c:pt>
+                <c:pt idx="58">
+                  <c:v>1.59</c:v>
+                </c:pt>
+                <c:pt idx="59">
+                  <c:v>1.6</c:v>
+                </c:pt>
+                <c:pt idx="60">
+                  <c:v>1.61</c:v>
+                </c:pt>
+                <c:pt idx="61">
+                  <c:v>1.62</c:v>
+                </c:pt>
+                <c:pt idx="62">
+                  <c:v>1.6300000000000001</c:v>
+                </c:pt>
+                <c:pt idx="63">
+                  <c:v>1.6400000000000001</c:v>
+                </c:pt>
+              </c:numCache>
+            </c:numRef>
+          </c:xVal>
+          <c:yVal>
+            <c:numRef>
+              <c:f>'Analisis de datos'!$J$5:$J$68</c:f>
+              <c:numCache>
+                <c:formatCode>General</c:formatCode>
+                <c:ptCount val="64"/>
+                <c:pt idx="0">
+                  <c:v>1</c:v>
+                </c:pt>
+                <c:pt idx="1">
+                  <c:v>1</c:v>
+                </c:pt>
+                <c:pt idx="2">
+                  <c:v>1</c:v>
+                </c:pt>
+                <c:pt idx="3">
+                  <c:v>1</c:v>
+                </c:pt>
+                <c:pt idx="4">
+                  <c:v>1</c:v>
+                </c:pt>
+                <c:pt idx="5">
+                  <c:v>1</c:v>
+                </c:pt>
+                <c:pt idx="6">
+                  <c:v>1</c:v>
+                </c:pt>
+                <c:pt idx="7">
+                  <c:v>1</c:v>
+                </c:pt>
+                <c:pt idx="8">
+                  <c:v>1</c:v>
+                </c:pt>
+                <c:pt idx="9">
+                  <c:v>1</c:v>
+                </c:pt>
+                <c:pt idx="10">
+                  <c:v>1</c:v>
+                </c:pt>
+                <c:pt idx="11">
+                  <c:v>1</c:v>
+                </c:pt>
+                <c:pt idx="12">
+                  <c:v>1</c:v>
+                </c:pt>
+                <c:pt idx="13">
+                  <c:v>1</c:v>
+                </c:pt>
+                <c:pt idx="14">
+                  <c:v>1</c:v>
+                </c:pt>
+                <c:pt idx="15">
+                  <c:v>1</c:v>
+                </c:pt>
+                <c:pt idx="16">
+                  <c:v>1</c:v>
+                </c:pt>
+                <c:pt idx="17">
+                  <c:v>1</c:v>
+                </c:pt>
+                <c:pt idx="18">
+                  <c:v>2</c:v>
+                </c:pt>
+                <c:pt idx="19">
+                  <c:v>2</c:v>
+                </c:pt>
+                <c:pt idx="20">
+                  <c:v>2</c:v>
+                </c:pt>
+                <c:pt idx="21">
+                  <c:v>2</c:v>
+                </c:pt>
+                <c:pt idx="22">
+                  <c:v>2</c:v>
+                </c:pt>
+                <c:pt idx="23">
+                  <c:v>2</c:v>
+                </c:pt>
+                <c:pt idx="24">
+                  <c:v>2</c:v>
+                </c:pt>
+                <c:pt idx="25">
+                  <c:v>2</c:v>
+                </c:pt>
+                <c:pt idx="26">
+                  <c:v>2</c:v>
+                </c:pt>
+                <c:pt idx="27">
+                  <c:v>2</c:v>
+                </c:pt>
+                <c:pt idx="28">
+                  <c:v>2</c:v>
+                </c:pt>
+                <c:pt idx="29">
+                  <c:v>2</c:v>
+                </c:pt>
+                <c:pt idx="30">
+                  <c:v>1</c:v>
+                </c:pt>
+                <c:pt idx="31">
+                  <c:v>4</c:v>
+                </c:pt>
+                <c:pt idx="32">
+                  <c:v>6</c:v>
+                </c:pt>
+                <c:pt idx="33">
+                  <c:v>5</c:v>
+                </c:pt>
+                <c:pt idx="34">
+                  <c:v>5</c:v>
+                </c:pt>
+                <c:pt idx="35">
+                  <c:v>5</c:v>
+                </c:pt>
+                <c:pt idx="36">
+                  <c:v>5</c:v>
+                </c:pt>
+                <c:pt idx="37">
+                  <c:v>5</c:v>
+                </c:pt>
+                <c:pt idx="38">
+                  <c:v>5</c:v>
+                </c:pt>
+                <c:pt idx="39">
+                  <c:v>5</c:v>
+                </c:pt>
+                <c:pt idx="40">
+                  <c:v>5</c:v>
+                </c:pt>
+                <c:pt idx="41">
+                  <c:v>5</c:v>
+                </c:pt>
+                <c:pt idx="42">
+                  <c:v>5</c:v>
+                </c:pt>
+                <c:pt idx="43">
+                  <c:v>5</c:v>
+                </c:pt>
+                <c:pt idx="44">
+                  <c:v>5</c:v>
+                </c:pt>
+                <c:pt idx="45">
+                  <c:v>5</c:v>
+                </c:pt>
+                <c:pt idx="46">
+                  <c:v>5</c:v>
+                </c:pt>
+                <c:pt idx="47">
+                  <c:v>5</c:v>
+                </c:pt>
+                <c:pt idx="48">
+                  <c:v>5</c:v>
+                </c:pt>
+                <c:pt idx="49">
+                  <c:v>5</c:v>
+                </c:pt>
+                <c:pt idx="50">
+                  <c:v>5</c:v>
+                </c:pt>
+                <c:pt idx="51">
+                  <c:v>5</c:v>
+                </c:pt>
+                <c:pt idx="52">
+                  <c:v>5</c:v>
+                </c:pt>
+                <c:pt idx="53">
+                  <c:v>5</c:v>
+                </c:pt>
+                <c:pt idx="54">
+                  <c:v>5</c:v>
+                </c:pt>
+                <c:pt idx="55">
+                  <c:v>5</c:v>
+                </c:pt>
+                <c:pt idx="56">
+                  <c:v>5</c:v>
+                </c:pt>
+                <c:pt idx="57">
+                  <c:v>5</c:v>
+                </c:pt>
+                <c:pt idx="58">
+                  <c:v>5</c:v>
+                </c:pt>
+                <c:pt idx="59">
+                  <c:v>5</c:v>
+                </c:pt>
+                <c:pt idx="60">
+                  <c:v>5</c:v>
+                </c:pt>
+                <c:pt idx="61">
+                  <c:v>4</c:v>
+                </c:pt>
+                <c:pt idx="62">
+                  <c:v>5</c:v>
+                </c:pt>
+                <c:pt idx="63">
+                  <c:v>4</c:v>
+                </c:pt>
+              </c:numCache>
+            </c:numRef>
+          </c:yVal>
+        </c:ser>
+        <c:axId val="117852032"/>
+        <c:axId val="117858304"/>
+      </c:scatterChart>
+      <c:valAx>
+        <c:axId val="117852032"/>
+        <c:scaling>
+          <c:orientation val="minMax"/>
+          <c:max val="1.7"/>
+          <c:min val="1"/>
+        </c:scaling>
+        <c:axPos val="b"/>
+        <c:majorGridlines/>
+        <c:minorGridlines/>
+        <c:title>
+          <c:tx>
+            <c:rich>
+              <a:bodyPr/>
+              <a:lstStyle/>
+              <a:p>
+                <a:pPr>
+                  <a:defRPr/>
+                </a:pPr>
+                <a:r>
+                  <a:rPr lang="es-AR"/>
+                  <a:t>Tensión de entrada</a:t>
+                </a:r>
+              </a:p>
+            </c:rich>
+          </c:tx>
+          <c:layout/>
+        </c:title>
+        <c:numFmt formatCode="0.00" sourceLinked="1"/>
+        <c:tickLblPos val="nextTo"/>
+        <c:crossAx val="117858304"/>
+        <c:crosses val="autoZero"/>
+        <c:crossBetween val="midCat"/>
+      </c:valAx>
+      <c:valAx>
+        <c:axId val="117858304"/>
+        <c:scaling>
+          <c:orientation val="minMax"/>
+        </c:scaling>
+        <c:axPos val="l"/>
+        <c:majorGridlines/>
+        <c:minorGridlines/>
+        <c:title>
+          <c:tx>
+            <c:rich>
+              <a:bodyPr/>
+              <a:lstStyle/>
+              <a:p>
+                <a:pPr>
+                  <a:defRPr/>
+                </a:pPr>
+                <a:r>
+                  <a:rPr lang="es-AR"/>
+                  <a:t>Cantidad de errore</a:t>
+                </a:r>
+              </a:p>
+            </c:rich>
+          </c:tx>
+          <c:layout/>
+        </c:title>
+        <c:numFmt formatCode="General" sourceLinked="1"/>
+        <c:tickLblPos val="nextTo"/>
+        <c:crossAx val="117852032"/>
+        <c:crosses val="autoZero"/>
+        <c:crossBetween val="midCat"/>
+      </c:valAx>
+    </c:plotArea>
+    <c:legend>
+      <c:legendPos val="t"/>
+      <c:layout/>
+    </c:legend>
+    <c:plotVisOnly val="1"/>
+  </c:chart>
+  <c:externalData r:id="rId1"/>
+</c:chartSpace>
+</file>
+
+<file path=ppt/charts/chart6.xml><?xml version="1.0" encoding="utf-8"?>
+<c:chartSpace xmlns:c="http://schemas.openxmlformats.org/drawingml/2006/chart" xmlns:a="http://schemas.openxmlformats.org/drawingml/2006/main" xmlns:r="http://schemas.openxmlformats.org/officeDocument/2006/relationships">
+  <c:lang val="es-AR"/>
+  <c:chart>
+    <c:title>
+      <c:tx>
+        <c:rich>
+          <a:bodyPr/>
+          <a:lstStyle/>
+          <a:p>
+            <a:pPr>
+              <a:defRPr sz="1200"/>
+            </a:pPr>
+            <a:r>
+              <a:rPr lang="es-AR" sz="1200"/>
+              <a:t>Fallas</a:t>
+            </a:r>
+            <a:r>
+              <a:rPr lang="es-AR" sz="1200" baseline="0"/>
+              <a:t> según el comparador de inyección</a:t>
+            </a:r>
+            <a:endParaRPr lang="es-AR" sz="1200"/>
+          </a:p>
+        </c:rich>
+      </c:tx>
+      <c:layout/>
+      <c:overlay val="1"/>
+    </c:title>
+    <c:plotArea>
+      <c:layout>
+        <c:manualLayout>
+          <c:layoutTarget val="inner"/>
+          <c:xMode val="edge"/>
+          <c:yMode val="edge"/>
+          <c:x val="4.2721840124744316E-2"/>
+          <c:y val="8.4672265966754243E-2"/>
+          <c:w val="0.93793431508786151"/>
+          <c:h val="0.78963044619422573"/>
+        </c:manualLayout>
+      </c:layout>
+      <c:scatterChart>
+        <c:scatterStyle val="smoothMarker"/>
+        <c:ser>
+          <c:idx val="0"/>
+          <c:order val="0"/>
+          <c:tx>
+            <c:v>Trapezoidal</c:v>
+          </c:tx>
+          <c:spPr>
+            <a:ln w="6350" cap="rnd" cmpd="sng" algn="ctr">
+              <a:solidFill>
+                <a:schemeClr val="accent1">
+                  <a:shade val="95000"/>
+                  <a:satMod val="105000"/>
+                </a:schemeClr>
+              </a:solidFill>
+              <a:prstDash val="solid"/>
+            </a:ln>
+            <a:effectLst>
+              <a:outerShdw blurRad="39000" dist="25400" dir="5400000" rotWithShape="0">
+                <a:srgbClr val="000000">
+                  <a:alpha val="38000"/>
+                </a:srgbClr>
+              </a:outerShdw>
+            </a:effectLst>
+          </c:spPr>
+          <c:marker>
+            <c:symbol val="diamond"/>
+            <c:size val="7"/>
+            <c:spPr>
+              <a:gradFill rotWithShape="1">
+                <a:gsLst>
+                  <a:gs pos="0">
+                    <a:schemeClr val="accent1">
+                      <a:shade val="47500"/>
+                      <a:satMod val="137000"/>
+                    </a:schemeClr>
+                  </a:gs>
+                  <a:gs pos="55000">
+                    <a:schemeClr val="accent1">
+                      <a:shade val="69000"/>
+                      <a:satMod val="137000"/>
+                    </a:schemeClr>
+                  </a:gs>
+                  <a:gs pos="100000">
+                    <a:schemeClr val="accent1">
+                      <a:shade val="98000"/>
+                      <a:satMod val="137000"/>
+                    </a:schemeClr>
+                  </a:gs>
+                </a:gsLst>
+                <a:lin ang="16200000" scaled="0"/>
+              </a:gradFill>
+              <a:ln w="6350" cap="rnd" cmpd="sng" algn="ctr">
+                <a:solidFill>
+                  <a:schemeClr val="accent1">
+                    <a:shade val="95000"/>
+                    <a:satMod val="105000"/>
+                  </a:schemeClr>
+                </a:solidFill>
+                <a:prstDash val="solid"/>
+              </a:ln>
+              <a:effectLst>
+                <a:outerShdw blurRad="39000" dist="25400" dir="5400000" rotWithShape="0">
+                  <a:srgbClr val="000000">
+                    <a:alpha val="38000"/>
+                  </a:srgbClr>
+                </a:outerShdw>
+              </a:effectLst>
+            </c:spPr>
+          </c:marker>
+          <c:xVal>
+            <c:strRef>
+              <c:f>'Analisis de datos'!$AA$5:$AA$67</c:f>
+              <c:strCache>
+                <c:ptCount val="63"/>
+                <c:pt idx="0">
+                  <c:v>C1</c:v>
+                </c:pt>
+                <c:pt idx="1">
+                  <c:v>C2</c:v>
+                </c:pt>
+                <c:pt idx="2">
+                  <c:v>C3</c:v>
+                </c:pt>
+                <c:pt idx="3">
+                  <c:v>C4</c:v>
+                </c:pt>
+                <c:pt idx="4">
+                  <c:v>C5</c:v>
+                </c:pt>
+                <c:pt idx="5">
+                  <c:v>C6</c:v>
+                </c:pt>
+                <c:pt idx="6">
+                  <c:v>C7</c:v>
+                </c:pt>
+                <c:pt idx="7">
+                  <c:v>C8</c:v>
+                </c:pt>
+                <c:pt idx="8">
+                  <c:v>C9</c:v>
+                </c:pt>
+                <c:pt idx="9">
+                  <c:v>C10</c:v>
+                </c:pt>
+                <c:pt idx="10">
+                  <c:v>C11</c:v>
+                </c:pt>
+                <c:pt idx="11">
+                  <c:v>C12</c:v>
+                </c:pt>
+                <c:pt idx="12">
+                  <c:v>C13</c:v>
+                </c:pt>
+                <c:pt idx="13">
+                  <c:v>C14</c:v>
+                </c:pt>
+                <c:pt idx="14">
+                  <c:v>C15</c:v>
+                </c:pt>
+                <c:pt idx="15">
+                  <c:v>C16</c:v>
+                </c:pt>
+                <c:pt idx="16">
+                  <c:v>C17</c:v>
+                </c:pt>
+                <c:pt idx="17">
+                  <c:v>C18</c:v>
+                </c:pt>
+                <c:pt idx="18">
+                  <c:v>C19</c:v>
+                </c:pt>
+                <c:pt idx="19">
+                  <c:v>C20</c:v>
+                </c:pt>
+                <c:pt idx="20">
+                  <c:v>C21</c:v>
+                </c:pt>
+                <c:pt idx="21">
+                  <c:v>C22</c:v>
+                </c:pt>
+                <c:pt idx="22">
+                  <c:v>C23</c:v>
+                </c:pt>
+                <c:pt idx="23">
+                  <c:v>C24</c:v>
+                </c:pt>
+                <c:pt idx="24">
+                  <c:v>C25</c:v>
+                </c:pt>
+                <c:pt idx="25">
+                  <c:v>C26</c:v>
+                </c:pt>
+                <c:pt idx="26">
+                  <c:v>C27</c:v>
+                </c:pt>
+                <c:pt idx="27">
+                  <c:v>C28</c:v>
+                </c:pt>
+                <c:pt idx="28">
+                  <c:v>C29</c:v>
+                </c:pt>
+                <c:pt idx="29">
+                  <c:v>C30</c:v>
+                </c:pt>
+                <c:pt idx="30">
+                  <c:v>C31</c:v>
+                </c:pt>
+                <c:pt idx="31">
+                  <c:v>C32</c:v>
+                </c:pt>
+                <c:pt idx="32">
+                  <c:v>C33</c:v>
+                </c:pt>
+                <c:pt idx="33">
+                  <c:v>C34</c:v>
+                </c:pt>
+                <c:pt idx="34">
+                  <c:v>C35</c:v>
+                </c:pt>
+                <c:pt idx="35">
+                  <c:v>C36</c:v>
+                </c:pt>
+                <c:pt idx="36">
+                  <c:v>C37</c:v>
+                </c:pt>
+                <c:pt idx="37">
+                  <c:v>C38</c:v>
+                </c:pt>
+                <c:pt idx="38">
+                  <c:v>C39</c:v>
+                </c:pt>
+                <c:pt idx="39">
+                  <c:v>C40</c:v>
+                </c:pt>
+                <c:pt idx="40">
+                  <c:v>C41</c:v>
+                </c:pt>
+                <c:pt idx="41">
+                  <c:v>C42</c:v>
+                </c:pt>
+                <c:pt idx="42">
+                  <c:v>C43</c:v>
+                </c:pt>
+                <c:pt idx="43">
+                  <c:v>C44</c:v>
+                </c:pt>
+                <c:pt idx="44">
+                  <c:v>C45</c:v>
+                </c:pt>
+                <c:pt idx="45">
+                  <c:v>C46</c:v>
+                </c:pt>
+                <c:pt idx="46">
+                  <c:v>C47</c:v>
+                </c:pt>
+                <c:pt idx="47">
+                  <c:v>C48</c:v>
+                </c:pt>
+                <c:pt idx="48">
+                  <c:v>C49</c:v>
+                </c:pt>
+                <c:pt idx="49">
+                  <c:v>C50</c:v>
+                </c:pt>
+                <c:pt idx="50">
+                  <c:v>C51</c:v>
+                </c:pt>
+                <c:pt idx="51">
+                  <c:v>C52</c:v>
+                </c:pt>
+                <c:pt idx="52">
+                  <c:v>C53</c:v>
+                </c:pt>
+                <c:pt idx="53">
+                  <c:v>C54</c:v>
+                </c:pt>
+                <c:pt idx="54">
+                  <c:v>C55</c:v>
+                </c:pt>
+                <c:pt idx="55">
+                  <c:v>C56</c:v>
+                </c:pt>
+                <c:pt idx="56">
+                  <c:v>C57</c:v>
+                </c:pt>
+                <c:pt idx="57">
+                  <c:v>C58</c:v>
+                </c:pt>
+                <c:pt idx="58">
+                  <c:v>C59</c:v>
+                </c:pt>
+                <c:pt idx="59">
+                  <c:v>C60</c:v>
+                </c:pt>
+                <c:pt idx="60">
+                  <c:v>C61</c:v>
+                </c:pt>
+                <c:pt idx="61">
+                  <c:v>C62</c:v>
+                </c:pt>
+                <c:pt idx="62">
+                  <c:v>C63</c:v>
+                </c:pt>
+              </c:strCache>
+            </c:strRef>
+          </c:xVal>
+          <c:yVal>
+            <c:numRef>
+              <c:f>'Analisis de datos'!$AB$5:$AB$67</c:f>
+              <c:numCache>
+                <c:formatCode>General</c:formatCode>
+                <c:ptCount val="63"/>
+                <c:pt idx="0">
+                  <c:v>57</c:v>
+                </c:pt>
+                <c:pt idx="1">
+                  <c:v>50</c:v>
+                </c:pt>
+                <c:pt idx="2">
+                  <c:v>56</c:v>
+                </c:pt>
+                <c:pt idx="3">
+                  <c:v>34</c:v>
+                </c:pt>
+                <c:pt idx="4">
+                  <c:v>55</c:v>
+                </c:pt>
+                <c:pt idx="5">
+                  <c:v>47</c:v>
+                </c:pt>
+                <c:pt idx="6">
+                  <c:v>54</c:v>
+                </c:pt>
+                <c:pt idx="7">
+                  <c:v>58</c:v>
+                </c:pt>
+                <c:pt idx="8">
+                  <c:v>53</c:v>
+                </c:pt>
+                <c:pt idx="9">
+                  <c:v>45</c:v>
+                </c:pt>
+                <c:pt idx="10">
+                  <c:v>52</c:v>
+                </c:pt>
+                <c:pt idx="11">
+                  <c:v>29</c:v>
+                </c:pt>
+                <c:pt idx="12">
+                  <c:v>51</c:v>
+                </c:pt>
+                <c:pt idx="13">
+                  <c:v>43</c:v>
+                </c:pt>
+                <c:pt idx="14">
+                  <c:v>50</c:v>
+                </c:pt>
+                <c:pt idx="15">
+                  <c:v>50</c:v>
+                </c:pt>
+                <c:pt idx="16">
+                  <c:v>41</c:v>
+                </c:pt>
+                <c:pt idx="17">
+                  <c:v>41</c:v>
+                </c:pt>
+                <c:pt idx="18">
+                  <c:v>40</c:v>
+                </c:pt>
+                <c:pt idx="19">
+                  <c:v>25</c:v>
+                </c:pt>
+                <c:pt idx="20">
+                  <c:v>39</c:v>
+                </c:pt>
+                <c:pt idx="21">
+                  <c:v>39</c:v>
+                </c:pt>
+                <c:pt idx="22">
+                  <c:v>38</c:v>
+                </c:pt>
+                <c:pt idx="23">
+                  <c:v>42</c:v>
+                </c:pt>
+                <c:pt idx="24">
+                  <c:v>37</c:v>
+                </c:pt>
+                <c:pt idx="25">
+                  <c:v>37</c:v>
+                </c:pt>
+                <c:pt idx="26">
+                  <c:v>36</c:v>
+                </c:pt>
+                <c:pt idx="27">
+                  <c:v>21</c:v>
+                </c:pt>
+                <c:pt idx="28">
+                  <c:v>35</c:v>
+                </c:pt>
+                <c:pt idx="29">
+                  <c:v>35</c:v>
+                </c:pt>
+                <c:pt idx="30">
+                  <c:v>34</c:v>
+                </c:pt>
+                <c:pt idx="31">
+                  <c:v>273</c:v>
+                </c:pt>
+                <c:pt idx="32">
+                  <c:v>25</c:v>
+                </c:pt>
+                <c:pt idx="33">
+                  <c:v>17</c:v>
+                </c:pt>
+                <c:pt idx="34">
+                  <c:v>24</c:v>
+                </c:pt>
+                <c:pt idx="35">
+                  <c:v>17</c:v>
+                </c:pt>
+                <c:pt idx="36">
+                  <c:v>23</c:v>
+                </c:pt>
+                <c:pt idx="37">
+                  <c:v>15</c:v>
+                </c:pt>
+                <c:pt idx="38">
+                  <c:v>22</c:v>
+                </c:pt>
+                <c:pt idx="39">
+                  <c:v>26</c:v>
+                </c:pt>
+                <c:pt idx="40">
+                  <c:v>21</c:v>
+                </c:pt>
+                <c:pt idx="41">
+                  <c:v>13</c:v>
+                </c:pt>
+                <c:pt idx="42">
+                  <c:v>20</c:v>
+                </c:pt>
+                <c:pt idx="43">
+                  <c:v>13</c:v>
+                </c:pt>
+                <c:pt idx="44">
+                  <c:v>19</c:v>
+                </c:pt>
+                <c:pt idx="45">
+                  <c:v>11</c:v>
+                </c:pt>
+                <c:pt idx="46">
+                  <c:v>18</c:v>
+                </c:pt>
+                <c:pt idx="47">
+                  <c:v>18</c:v>
+                </c:pt>
+                <c:pt idx="48">
+                  <c:v>9</c:v>
+                </c:pt>
+                <c:pt idx="49">
+                  <c:v>9</c:v>
+                </c:pt>
+                <c:pt idx="50">
+                  <c:v>8</c:v>
+                </c:pt>
+                <c:pt idx="51">
+                  <c:v>9</c:v>
+                </c:pt>
+                <c:pt idx="52">
+                  <c:v>7</c:v>
+                </c:pt>
+                <c:pt idx="53">
+                  <c:v>7</c:v>
+                </c:pt>
+                <c:pt idx="54">
+                  <c:v>6</c:v>
+                </c:pt>
+                <c:pt idx="55">
+                  <c:v>10</c:v>
+                </c:pt>
+                <c:pt idx="56">
+                  <c:v>5</c:v>
+                </c:pt>
+                <c:pt idx="57">
+                  <c:v>5</c:v>
+                </c:pt>
+                <c:pt idx="58">
+                  <c:v>4</c:v>
+                </c:pt>
+                <c:pt idx="59">
+                  <c:v>5</c:v>
+                </c:pt>
+                <c:pt idx="60">
+                  <c:v>3</c:v>
+                </c:pt>
+                <c:pt idx="61">
+                  <c:v>3</c:v>
+                </c:pt>
+                <c:pt idx="62">
+                  <c:v>2</c:v>
+                </c:pt>
+              </c:numCache>
+            </c:numRef>
+          </c:yVal>
+          <c:smooth val="1"/>
+        </c:ser>
+        <c:ser>
+          <c:idx val="1"/>
+          <c:order val="1"/>
+          <c:tx>
+            <c:v>Exponencial</c:v>
+          </c:tx>
+          <c:spPr>
+            <a:ln w="6350" cap="rnd" cmpd="sng" algn="ctr">
+              <a:solidFill>
+                <a:schemeClr val="accent2">
+                  <a:shade val="95000"/>
+                  <a:satMod val="105000"/>
+                </a:schemeClr>
+              </a:solidFill>
+              <a:prstDash val="solid"/>
+            </a:ln>
+            <a:effectLst>
+              <a:outerShdw blurRad="39000" dist="25400" dir="5400000" rotWithShape="0">
+                <a:srgbClr val="000000">
+                  <a:alpha val="38000"/>
+                </a:srgbClr>
+              </a:outerShdw>
+            </a:effectLst>
+          </c:spPr>
+          <c:marker>
+            <c:spPr>
+              <a:gradFill rotWithShape="1">
+                <a:gsLst>
+                  <a:gs pos="0">
+                    <a:schemeClr val="accent2">
+                      <a:shade val="47500"/>
+                      <a:satMod val="137000"/>
+                    </a:schemeClr>
+                  </a:gs>
+                  <a:gs pos="55000">
+                    <a:schemeClr val="accent2">
+                      <a:shade val="69000"/>
+                      <a:satMod val="137000"/>
+                    </a:schemeClr>
+                  </a:gs>
+                  <a:gs pos="100000">
+                    <a:schemeClr val="accent2">
+                      <a:shade val="98000"/>
+                      <a:satMod val="137000"/>
+                    </a:schemeClr>
+                  </a:gs>
+                </a:gsLst>
+                <a:lin ang="16200000" scaled="0"/>
+              </a:gradFill>
+              <a:ln w="6350" cap="rnd" cmpd="sng" algn="ctr">
+                <a:solidFill>
+                  <a:schemeClr val="accent2">
+                    <a:shade val="95000"/>
+                    <a:satMod val="105000"/>
+                  </a:schemeClr>
+                </a:solidFill>
+                <a:prstDash val="solid"/>
+              </a:ln>
+              <a:effectLst>
+                <a:outerShdw blurRad="39000" dist="25400" dir="5400000" rotWithShape="0">
+                  <a:srgbClr val="000000">
+                    <a:alpha val="38000"/>
+                  </a:srgbClr>
+                </a:outerShdw>
+              </a:effectLst>
+            </c:spPr>
+          </c:marker>
+          <c:xVal>
+            <c:strRef>
+              <c:f>'Analisis de datos'!$AA$5:$AA$67</c:f>
+              <c:strCache>
+                <c:ptCount val="63"/>
+                <c:pt idx="0">
+                  <c:v>C1</c:v>
+                </c:pt>
+                <c:pt idx="1">
+                  <c:v>C2</c:v>
+                </c:pt>
+                <c:pt idx="2">
+                  <c:v>C3</c:v>
+                </c:pt>
+                <c:pt idx="3">
+                  <c:v>C4</c:v>
+                </c:pt>
+                <c:pt idx="4">
+                  <c:v>C5</c:v>
+                </c:pt>
+                <c:pt idx="5">
+                  <c:v>C6</c:v>
+                </c:pt>
+                <c:pt idx="6">
+                  <c:v>C7</c:v>
+                </c:pt>
+                <c:pt idx="7">
+                  <c:v>C8</c:v>
+                </c:pt>
+                <c:pt idx="8">
+                  <c:v>C9</c:v>
+                </c:pt>
+                <c:pt idx="9">
+                  <c:v>C10</c:v>
+                </c:pt>
+                <c:pt idx="10">
+                  <c:v>C11</c:v>
+                </c:pt>
+                <c:pt idx="11">
+                  <c:v>C12</c:v>
+                </c:pt>
+                <c:pt idx="12">
+                  <c:v>C13</c:v>
+                </c:pt>
+                <c:pt idx="13">
+                  <c:v>C14</c:v>
+                </c:pt>
+                <c:pt idx="14">
+                  <c:v>C15</c:v>
+                </c:pt>
+                <c:pt idx="15">
+                  <c:v>C16</c:v>
+                </c:pt>
+                <c:pt idx="16">
+                  <c:v>C17</c:v>
+                </c:pt>
+                <c:pt idx="17">
+                  <c:v>C18</c:v>
+                </c:pt>
+                <c:pt idx="18">
+                  <c:v>C19</c:v>
+                </c:pt>
+                <c:pt idx="19">
+                  <c:v>C20</c:v>
+                </c:pt>
+                <c:pt idx="20">
+                  <c:v>C21</c:v>
+                </c:pt>
+                <c:pt idx="21">
+                  <c:v>C22</c:v>
+                </c:pt>
+                <c:pt idx="22">
+                  <c:v>C23</c:v>
+                </c:pt>
+                <c:pt idx="23">
+                  <c:v>C24</c:v>
+                </c:pt>
+                <c:pt idx="24">
+                  <c:v>C25</c:v>
+                </c:pt>
+                <c:pt idx="25">
+                  <c:v>C26</c:v>
+                </c:pt>
+                <c:pt idx="26">
+                  <c:v>C27</c:v>
+                </c:pt>
+                <c:pt idx="27">
+                  <c:v>C28</c:v>
+                </c:pt>
+                <c:pt idx="28">
+                  <c:v>C29</c:v>
+                </c:pt>
+                <c:pt idx="29">
+                  <c:v>C30</c:v>
+                </c:pt>
+                <c:pt idx="30">
+                  <c:v>C31</c:v>
+                </c:pt>
+                <c:pt idx="31">
+                  <c:v>C32</c:v>
+                </c:pt>
+                <c:pt idx="32">
+                  <c:v>C33</c:v>
+                </c:pt>
+                <c:pt idx="33">
+                  <c:v>C34</c:v>
+                </c:pt>
+                <c:pt idx="34">
+                  <c:v>C35</c:v>
+                </c:pt>
+                <c:pt idx="35">
+                  <c:v>C36</c:v>
+                </c:pt>
+                <c:pt idx="36">
+                  <c:v>C37</c:v>
+                </c:pt>
+                <c:pt idx="37">
+                  <c:v>C38</c:v>
+                </c:pt>
+                <c:pt idx="38">
+                  <c:v>C39</c:v>
+                </c:pt>
+                <c:pt idx="39">
+                  <c:v>C40</c:v>
+                </c:pt>
+                <c:pt idx="40">
+                  <c:v>C41</c:v>
+                </c:pt>
+                <c:pt idx="41">
+                  <c:v>C42</c:v>
+                </c:pt>
+                <c:pt idx="42">
+                  <c:v>C43</c:v>
+                </c:pt>
+                <c:pt idx="43">
+                  <c:v>C44</c:v>
+                </c:pt>
+                <c:pt idx="44">
+                  <c:v>C45</c:v>
+                </c:pt>
+                <c:pt idx="45">
+                  <c:v>C46</c:v>
+                </c:pt>
+                <c:pt idx="46">
+                  <c:v>C47</c:v>
+                </c:pt>
+                <c:pt idx="47">
+                  <c:v>C48</c:v>
+                </c:pt>
+                <c:pt idx="48">
+                  <c:v>C49</c:v>
+                </c:pt>
+                <c:pt idx="49">
+                  <c:v>C50</c:v>
+                </c:pt>
+                <c:pt idx="50">
+                  <c:v>C51</c:v>
+                </c:pt>
+                <c:pt idx="51">
+                  <c:v>C52</c:v>
+                </c:pt>
+                <c:pt idx="52">
+                  <c:v>C53</c:v>
+                </c:pt>
+                <c:pt idx="53">
+                  <c:v>C54</c:v>
+                </c:pt>
+                <c:pt idx="54">
+                  <c:v>C55</c:v>
+                </c:pt>
+                <c:pt idx="55">
+                  <c:v>C56</c:v>
+                </c:pt>
+                <c:pt idx="56">
+                  <c:v>C57</c:v>
+                </c:pt>
+                <c:pt idx="57">
+                  <c:v>C58</c:v>
+                </c:pt>
+                <c:pt idx="58">
+                  <c:v>C59</c:v>
+                </c:pt>
+                <c:pt idx="59">
+                  <c:v>C60</c:v>
+                </c:pt>
+                <c:pt idx="60">
+                  <c:v>C61</c:v>
+                </c:pt>
+                <c:pt idx="61">
+                  <c:v>C62</c:v>
+                </c:pt>
+                <c:pt idx="62">
+                  <c:v>C63</c:v>
+                </c:pt>
+              </c:strCache>
+            </c:strRef>
+          </c:xVal>
+          <c:yVal>
+            <c:numRef>
+              <c:f>'Analisis de datos'!$AC$5:$AC$67</c:f>
+              <c:numCache>
+                <c:formatCode>General</c:formatCode>
+                <c:ptCount val="63"/>
+                <c:pt idx="0">
+                  <c:v>0</c:v>
+                </c:pt>
+                <c:pt idx="1">
+                  <c:v>0</c:v>
+                </c:pt>
+                <c:pt idx="2">
+                  <c:v>0</c:v>
+                </c:pt>
+                <c:pt idx="3">
+                  <c:v>0</c:v>
+                </c:pt>
+                <c:pt idx="4">
+                  <c:v>0</c:v>
+                </c:pt>
+                <c:pt idx="5">
+                  <c:v>0</c:v>
+                </c:pt>
+                <c:pt idx="6">
+                  <c:v>0</c:v>
+                </c:pt>
+                <c:pt idx="7">
+                  <c:v>0</c:v>
+                </c:pt>
+                <c:pt idx="8">
+                  <c:v>0</c:v>
+                </c:pt>
+                <c:pt idx="9">
+                  <c:v>0</c:v>
+                </c:pt>
+                <c:pt idx="10">
+                  <c:v>0</c:v>
+                </c:pt>
+                <c:pt idx="11">
+                  <c:v>0</c:v>
+                </c:pt>
+                <c:pt idx="12">
+                  <c:v>0</c:v>
+                </c:pt>
+                <c:pt idx="13">
+                  <c:v>0</c:v>
+                </c:pt>
+                <c:pt idx="14">
+                  <c:v>0</c:v>
+                </c:pt>
+                <c:pt idx="15">
+                  <c:v>0</c:v>
+                </c:pt>
+                <c:pt idx="16">
+                  <c:v>0</c:v>
+                </c:pt>
+                <c:pt idx="17">
+                  <c:v>0</c:v>
+                </c:pt>
+                <c:pt idx="18">
+                  <c:v>0</c:v>
+                </c:pt>
+                <c:pt idx="19">
+                  <c:v>0</c:v>
+                </c:pt>
+                <c:pt idx="20">
+                  <c:v>0</c:v>
+                </c:pt>
+                <c:pt idx="21">
+                  <c:v>0</c:v>
+                </c:pt>
+                <c:pt idx="22">
+                  <c:v>0</c:v>
+                </c:pt>
+                <c:pt idx="23">
+                  <c:v>0</c:v>
+                </c:pt>
+                <c:pt idx="24">
+                  <c:v>0</c:v>
+                </c:pt>
+                <c:pt idx="25">
+                  <c:v>0</c:v>
+                </c:pt>
+                <c:pt idx="26">
+                  <c:v>0</c:v>
+                </c:pt>
+                <c:pt idx="27">
+                  <c:v>0</c:v>
+                </c:pt>
+                <c:pt idx="28">
+                  <c:v>0</c:v>
+                </c:pt>
+                <c:pt idx="29">
+                  <c:v>0</c:v>
+                </c:pt>
+                <c:pt idx="30">
+                  <c:v>0</c:v>
+                </c:pt>
+                <c:pt idx="31">
+                  <c:v>206</c:v>
+                </c:pt>
+                <c:pt idx="32">
+                  <c:v>0</c:v>
+                </c:pt>
+                <c:pt idx="33">
+                  <c:v>0</c:v>
+                </c:pt>
+                <c:pt idx="34">
+                  <c:v>0</c:v>
+                </c:pt>
+                <c:pt idx="35">
+                  <c:v>0</c:v>
+                </c:pt>
+                <c:pt idx="36">
+                  <c:v>0</c:v>
+                </c:pt>
+                <c:pt idx="37">
+                  <c:v>0</c:v>
+                </c:pt>
+                <c:pt idx="38">
+                  <c:v>0</c:v>
+                </c:pt>
+                <c:pt idx="39">
+                  <c:v>0</c:v>
+                </c:pt>
+                <c:pt idx="40">
+                  <c:v>0</c:v>
+                </c:pt>
+                <c:pt idx="41">
+                  <c:v>0</c:v>
+                </c:pt>
+                <c:pt idx="42">
+                  <c:v>0</c:v>
+                </c:pt>
+                <c:pt idx="43">
+                  <c:v>0</c:v>
+                </c:pt>
+                <c:pt idx="44">
+                  <c:v>0</c:v>
+                </c:pt>
+                <c:pt idx="45">
+                  <c:v>0</c:v>
+                </c:pt>
+                <c:pt idx="46">
+                  <c:v>0</c:v>
+                </c:pt>
+                <c:pt idx="47">
+                  <c:v>0</c:v>
+                </c:pt>
+                <c:pt idx="48">
+                  <c:v>0</c:v>
+                </c:pt>
+                <c:pt idx="49">
+                  <c:v>0</c:v>
+                </c:pt>
+                <c:pt idx="50">
+                  <c:v>0</c:v>
+                </c:pt>
+                <c:pt idx="51">
+                  <c:v>0</c:v>
+                </c:pt>
+                <c:pt idx="52">
+                  <c:v>0</c:v>
+                </c:pt>
+                <c:pt idx="53">
+                  <c:v>0</c:v>
+                </c:pt>
+                <c:pt idx="54">
+                  <c:v>0</c:v>
+                </c:pt>
+                <c:pt idx="55">
+                  <c:v>0</c:v>
+                </c:pt>
+                <c:pt idx="56">
+                  <c:v>0</c:v>
+                </c:pt>
+                <c:pt idx="57">
+                  <c:v>0</c:v>
+                </c:pt>
+                <c:pt idx="58">
+                  <c:v>0</c:v>
+                </c:pt>
+                <c:pt idx="59">
+                  <c:v>0</c:v>
+                </c:pt>
+                <c:pt idx="60">
+                  <c:v>0</c:v>
+                </c:pt>
+                <c:pt idx="61">
+                  <c:v>0</c:v>
+                </c:pt>
+                <c:pt idx="62">
+                  <c:v>0</c:v>
+                </c:pt>
+              </c:numCache>
+            </c:numRef>
+          </c:yVal>
+          <c:smooth val="1"/>
+        </c:ser>
+        <c:axId val="117891072"/>
+        <c:axId val="117892992"/>
+      </c:scatterChart>
+      <c:valAx>
+        <c:axId val="117891072"/>
+        <c:scaling>
+          <c:orientation val="minMax"/>
+          <c:max val="63"/>
+          <c:min val="0"/>
+        </c:scaling>
+        <c:axPos val="b"/>
+        <c:tickLblPos val="nextTo"/>
+        <c:crossAx val="117892992"/>
+        <c:crosses val="autoZero"/>
+        <c:crossBetween val="midCat"/>
+        <c:majorUnit val="5"/>
+        <c:minorUnit val="1"/>
+      </c:valAx>
+      <c:valAx>
+        <c:axId val="117892992"/>
+        <c:scaling>
+          <c:orientation val="minMax"/>
+          <c:max val="280"/>
+          <c:min val="0"/>
+        </c:scaling>
+        <c:axPos val="l"/>
+        <c:majorGridlines/>
+        <c:numFmt formatCode="General" sourceLinked="1"/>
+        <c:tickLblPos val="nextTo"/>
+        <c:crossAx val="117891072"/>
+        <c:crosses val="autoZero"/>
+        <c:crossBetween val="midCat"/>
+      </c:valAx>
+    </c:plotArea>
+    <c:plotVisOnly val="1"/>
+  </c:chart>
+  <c:externalData r:id="rId1"/>
+</c:chartSpace>
 </file>
 
 <file path=ppt/diagrams/colors1.xml><?xml version="1.0" encoding="utf-8"?>
@@ -13438,7 +16100,7 @@
             <a:fld id="{C4912EAB-2DF2-4EA7-9A3C-081666E7F61D}" type="datetimeFigureOut">
               <a:rPr lang="es-AR" smtClean="0"/>
               <a:pPr/>
-              <a:t>08/09/2010</a:t>
+              <a:t>09/09/2010</a:t>
             </a:fld>
             <a:endParaRPr lang="es-AR"/>
           </a:p>
@@ -13600,7 +16262,7 @@
             <a:fld id="{320C0146-0920-4890-94B5-4EE8DB66AAB2}" type="datetimeFigureOut">
               <a:rPr lang="es-AR" smtClean="0"/>
               <a:pPr/>
-              <a:t>08/09/2010</a:t>
+              <a:t>09/09/2010</a:t>
             </a:fld>
             <a:endParaRPr lang="es-AR"/>
           </a:p>
@@ -14220,6 +16882,249 @@
 </p:notes>
 </file>
 
+<file path=ppt/notesSlides/notesSlide5.xml><?xml version="1.0" encoding="utf-8"?>
+<p:notes xmlns:a="http://schemas.openxmlformats.org/drawingml/2006/main" xmlns:r="http://schemas.openxmlformats.org/officeDocument/2006/relationships" xmlns:p="http://schemas.openxmlformats.org/presentationml/2006/main">
+  <p:cSld>
+    <p:spTree>
+      <p:nvGrpSpPr>
+        <p:cNvPr id="1" name=""/>
+        <p:cNvGrpSpPr/>
+        <p:nvPr/>
+      </p:nvGrpSpPr>
+      <p:grpSpPr>
+        <a:xfrm>
+          <a:off x="0" y="0"/>
+          <a:ext cx="0" cy="0"/>
+          <a:chOff x="0" y="0"/>
+          <a:chExt cx="0" cy="0"/>
+        </a:xfrm>
+      </p:grpSpPr>
+      <p:sp>
+        <p:nvSpPr>
+          <p:cNvPr id="2" name="1 Marcador de imagen de diapositiva"/>
+          <p:cNvSpPr>
+            <a:spLocks noGrp="1" noRot="1" noChangeAspect="1"/>
+          </p:cNvSpPr>
+          <p:nvPr>
+            <p:ph type="sldImg"/>
+          </p:nvPr>
+        </p:nvSpPr>
+        <p:spPr/>
+      </p:sp>
+      <p:sp>
+        <p:nvSpPr>
+          <p:cNvPr id="3" name="2 Marcador de notas"/>
+          <p:cNvSpPr>
+            <a:spLocks noGrp="1"/>
+          </p:cNvSpPr>
+          <p:nvPr>
+            <p:ph type="body" idx="1"/>
+          </p:nvPr>
+        </p:nvSpPr>
+        <p:spPr/>
+        <p:txBody>
+          <a:bodyPr>
+            <a:normAutofit/>
+          </a:bodyPr>
+          <a:lstStyle/>
+          <a:p>
+            <a:r>
+              <a:rPr lang="en-US" sz="1200" b="1" i="1" kern="1200" dirty="0" smtClean="0">
+                <a:solidFill>
+                  <a:schemeClr val="tx1"/>
+                </a:solidFill>
+                <a:latin typeface="+mn-lt"/>
+                <a:ea typeface="+mn-ea"/>
+                <a:cs typeface="+mn-cs"/>
+              </a:rPr>
+              <a:t>Trapezoidal</a:t>
+            </a:r>
+            <a:endParaRPr lang="es-AR" sz="1200" b="1" kern="1200" dirty="0" smtClean="0">
+              <a:solidFill>
+                <a:schemeClr val="tx1"/>
+              </a:solidFill>
+              <a:latin typeface="+mn-lt"/>
+              <a:ea typeface="+mn-ea"/>
+              <a:cs typeface="+mn-cs"/>
+            </a:endParaRPr>
+          </a:p>
+          <a:p>
+            <a:r>
+              <a:rPr lang="en-US" sz="1200" kern="1200" dirty="0" err="1" smtClean="0">
+                <a:solidFill>
+                  <a:schemeClr val="tx1"/>
+                </a:solidFill>
+                <a:latin typeface="+mn-lt"/>
+                <a:ea typeface="+mn-ea"/>
+                <a:cs typeface="+mn-cs"/>
+              </a:rPr>
+              <a:t>Errores</a:t>
+            </a:r>
+            <a:r>
+              <a:rPr lang="en-US" sz="1200" kern="1200" dirty="0" smtClean="0">
+                <a:solidFill>
+                  <a:schemeClr val="tx1"/>
+                </a:solidFill>
+                <a:latin typeface="+mn-lt"/>
+                <a:ea typeface="+mn-ea"/>
+                <a:cs typeface="+mn-cs"/>
+              </a:rPr>
+              <a:t>: 1991</a:t>
+            </a:r>
+            <a:endParaRPr lang="es-AR" sz="1200" kern="1200" dirty="0" smtClean="0">
+              <a:solidFill>
+                <a:schemeClr val="tx1"/>
+              </a:solidFill>
+              <a:latin typeface="+mn-lt"/>
+              <a:ea typeface="+mn-ea"/>
+              <a:cs typeface="+mn-cs"/>
+            </a:endParaRPr>
+          </a:p>
+          <a:p>
+            <a:r>
+              <a:rPr lang="en-US" sz="1200" kern="1200" dirty="0" smtClean="0">
+                <a:solidFill>
+                  <a:schemeClr val="tx1"/>
+                </a:solidFill>
+                <a:latin typeface="+mn-lt"/>
+                <a:ea typeface="+mn-ea"/>
+                <a:cs typeface="+mn-cs"/>
+              </a:rPr>
+              <a:t>Total</a:t>
+            </a:r>
+            <a:r>
+              <a:rPr lang="en-US" sz="1200" kern="1200" smtClean="0">
+                <a:solidFill>
+                  <a:schemeClr val="tx1"/>
+                </a:solidFill>
+                <a:latin typeface="+mn-lt"/>
+                <a:ea typeface="+mn-ea"/>
+                <a:cs typeface="+mn-cs"/>
+              </a:rPr>
+              <a:t>: 28224</a:t>
+            </a:r>
+          </a:p>
+          <a:p>
+            <a:endParaRPr lang="es-AR" sz="1200" kern="1200" dirty="0" smtClean="0">
+              <a:solidFill>
+                <a:schemeClr val="tx1"/>
+              </a:solidFill>
+              <a:latin typeface="+mn-lt"/>
+              <a:ea typeface="+mn-ea"/>
+              <a:cs typeface="+mn-cs"/>
+            </a:endParaRPr>
+          </a:p>
+          <a:p>
+            <a:r>
+              <a:rPr lang="en-US" sz="1200" b="1" i="1" kern="1200" dirty="0" err="1" smtClean="0">
+                <a:solidFill>
+                  <a:schemeClr val="tx1"/>
+                </a:solidFill>
+                <a:latin typeface="+mn-lt"/>
+                <a:ea typeface="+mn-ea"/>
+                <a:cs typeface="+mn-cs"/>
+              </a:rPr>
+              <a:t>Exponencial</a:t>
+            </a:r>
+            <a:endParaRPr lang="es-AR" sz="1200" b="1" kern="1200" dirty="0" smtClean="0">
+              <a:solidFill>
+                <a:schemeClr val="tx1"/>
+              </a:solidFill>
+              <a:latin typeface="+mn-lt"/>
+              <a:ea typeface="+mn-ea"/>
+              <a:cs typeface="+mn-cs"/>
+            </a:endParaRPr>
+          </a:p>
+          <a:p>
+            <a:r>
+              <a:rPr lang="en-US" sz="1200" kern="1200" dirty="0" err="1" smtClean="0">
+                <a:solidFill>
+                  <a:schemeClr val="tx1"/>
+                </a:solidFill>
+                <a:latin typeface="+mn-lt"/>
+                <a:ea typeface="+mn-ea"/>
+                <a:cs typeface="+mn-cs"/>
+              </a:rPr>
+              <a:t>Errores</a:t>
+            </a:r>
+            <a:r>
+              <a:rPr lang="en-US" sz="1200" kern="1200" dirty="0" smtClean="0">
+                <a:solidFill>
+                  <a:schemeClr val="tx1"/>
+                </a:solidFill>
+                <a:latin typeface="+mn-lt"/>
+                <a:ea typeface="+mn-ea"/>
+                <a:cs typeface="+mn-cs"/>
+              </a:rPr>
+              <a:t>: 206</a:t>
+            </a:r>
+            <a:endParaRPr lang="es-AR" sz="1200" kern="1200" dirty="0" smtClean="0">
+              <a:solidFill>
+                <a:schemeClr val="tx1"/>
+              </a:solidFill>
+              <a:latin typeface="+mn-lt"/>
+              <a:ea typeface="+mn-ea"/>
+              <a:cs typeface="+mn-cs"/>
+            </a:endParaRPr>
+          </a:p>
+          <a:p>
+            <a:r>
+              <a:rPr lang="en-US" sz="1200" kern="1200" dirty="0" smtClean="0">
+                <a:solidFill>
+                  <a:schemeClr val="tx1"/>
+                </a:solidFill>
+                <a:latin typeface="+mn-lt"/>
+                <a:ea typeface="+mn-ea"/>
+                <a:cs typeface="+mn-cs"/>
+              </a:rPr>
+              <a:t>Total: 28224</a:t>
+            </a:r>
+            <a:endParaRPr lang="es-AR" sz="1200" kern="1200" dirty="0" smtClean="0">
+              <a:solidFill>
+                <a:schemeClr val="tx1"/>
+              </a:solidFill>
+              <a:latin typeface="+mn-lt"/>
+              <a:ea typeface="+mn-ea"/>
+              <a:cs typeface="+mn-cs"/>
+            </a:endParaRPr>
+          </a:p>
+          <a:p>
+            <a:endParaRPr lang="es-AR" dirty="0"/>
+          </a:p>
+        </p:txBody>
+      </p:sp>
+      <p:sp>
+        <p:nvSpPr>
+          <p:cNvPr id="4" name="3 Marcador de número de diapositiva"/>
+          <p:cNvSpPr>
+            <a:spLocks noGrp="1"/>
+          </p:cNvSpPr>
+          <p:nvPr>
+            <p:ph type="sldNum" sz="quarter" idx="10"/>
+          </p:nvPr>
+        </p:nvSpPr>
+        <p:spPr/>
+        <p:txBody>
+          <a:bodyPr/>
+          <a:lstStyle/>
+          <a:p>
+            <a:fld id="{EA0D9E51-E836-4F08-8FFF-406AF79182CA}" type="slidenum">
+              <a:rPr lang="es-AR" smtClean="0"/>
+              <a:pPr/>
+              <a:t>13</a:t>
+            </a:fld>
+            <a:endParaRPr lang="es-AR"/>
+          </a:p>
+        </p:txBody>
+      </p:sp>
+    </p:spTree>
+  </p:cSld>
+  <p:clrMapOvr>
+    <a:masterClrMapping/>
+  </p:clrMapOvr>
+</p:notes>
+</file>
+
 <file path=ppt/slideLayouts/slideLayout1.xml><?xml version="1.0" encoding="utf-8"?>
 <p:sldLayout xmlns:a="http://schemas.openxmlformats.org/drawingml/2006/main" xmlns:r="http://schemas.openxmlformats.org/officeDocument/2006/relationships" xmlns:p="http://schemas.openxmlformats.org/presentationml/2006/main" showMasterSp="0" type="title" preserve="1">
   <p:cSld name="Diapositiva de título">
@@ -14469,7 +17374,7 @@
             <a:fld id="{7396B977-6251-41DE-9CF2-59811A3624F8}" type="datetimeFigureOut">
               <a:rPr lang="es-AR" smtClean="0"/>
               <a:pPr/>
-              <a:t>08/09/2010</a:t>
+              <a:t>09/09/2010</a:t>
             </a:fld>
             <a:endParaRPr lang="es-AR"/>
           </a:p>
@@ -14694,7 +17599,7 @@
             <a:fld id="{7396B977-6251-41DE-9CF2-59811A3624F8}" type="datetimeFigureOut">
               <a:rPr lang="es-AR" smtClean="0"/>
               <a:pPr/>
-              <a:t>08/09/2010</a:t>
+              <a:t>09/09/2010</a:t>
             </a:fld>
             <a:endParaRPr lang="es-AR"/>
           </a:p>
@@ -14976,7 +17881,7 @@
             <a:fld id="{7396B977-6251-41DE-9CF2-59811A3624F8}" type="datetimeFigureOut">
               <a:rPr lang="es-AR" smtClean="0"/>
               <a:pPr/>
-              <a:t>08/09/2010</a:t>
+              <a:t>09/09/2010</a:t>
             </a:fld>
             <a:endParaRPr lang="es-AR"/>
           </a:p>
@@ -15276,7 +18181,7 @@
             <a:fld id="{7396B977-6251-41DE-9CF2-59811A3624F8}" type="datetimeFigureOut">
               <a:rPr lang="es-AR" smtClean="0"/>
               <a:pPr/>
-              <a:t>08/09/2010</a:t>
+              <a:t>09/09/2010</a:t>
             </a:fld>
             <a:endParaRPr lang="es-AR"/>
           </a:p>
@@ -15751,7 +18656,7 @@
             <a:fld id="{7396B977-6251-41DE-9CF2-59811A3624F8}" type="datetimeFigureOut">
               <a:rPr lang="es-AR" smtClean="0"/>
               <a:pPr/>
-              <a:t>08/09/2010</a:t>
+              <a:t>09/09/2010</a:t>
             </a:fld>
             <a:endParaRPr lang="es-AR"/>
           </a:p>
@@ -16141,7 +19046,7 @@
             <a:fld id="{7396B977-6251-41DE-9CF2-59811A3624F8}" type="datetimeFigureOut">
               <a:rPr lang="es-AR" smtClean="0"/>
               <a:pPr/>
-              <a:t>08/09/2010</a:t>
+              <a:t>09/09/2010</a:t>
             </a:fld>
             <a:endParaRPr lang="es-AR"/>
           </a:p>
@@ -16531,7 +19436,7 @@
             <a:fld id="{7396B977-6251-41DE-9CF2-59811A3624F8}" type="datetimeFigureOut">
               <a:rPr lang="es-AR" smtClean="0"/>
               <a:pPr/>
-              <a:t>08/09/2010</a:t>
+              <a:t>09/09/2010</a:t>
             </a:fld>
             <a:endParaRPr lang="es-AR"/>
           </a:p>
@@ -17006,7 +19911,7 @@
             <a:fld id="{7396B977-6251-41DE-9CF2-59811A3624F8}" type="datetimeFigureOut">
               <a:rPr lang="es-AR" smtClean="0"/>
               <a:pPr/>
-              <a:t>08/09/2010</a:t>
+              <a:t>09/09/2010</a:t>
             </a:fld>
             <a:endParaRPr lang="es-AR"/>
           </a:p>
@@ -17311,7 +20216,7 @@
             <a:fld id="{7396B977-6251-41DE-9CF2-59811A3624F8}" type="datetimeFigureOut">
               <a:rPr lang="es-AR" smtClean="0"/>
               <a:pPr/>
-              <a:t>08/09/2010</a:t>
+              <a:t>09/09/2010</a:t>
             </a:fld>
             <a:endParaRPr lang="es-AR"/>
           </a:p>
@@ -17616,7 +20521,7 @@
             <a:fld id="{7396B977-6251-41DE-9CF2-59811A3624F8}" type="datetimeFigureOut">
               <a:rPr lang="es-AR" smtClean="0"/>
               <a:pPr/>
-              <a:t>08/09/2010</a:t>
+              <a:t>09/09/2010</a:t>
             </a:fld>
             <a:endParaRPr lang="es-AR"/>
           </a:p>
@@ -17972,7 +20877,7 @@
             <a:fld id="{7396B977-6251-41DE-9CF2-59811A3624F8}" type="datetimeFigureOut">
               <a:rPr lang="es-AR" smtClean="0"/>
               <a:pPr/>
-              <a:t>08/09/2010</a:t>
+              <a:t>09/09/2010</a:t>
             </a:fld>
             <a:endParaRPr lang="es-AR"/>
           </a:p>
@@ -18332,7 +21237,7 @@
             <a:fld id="{7396B977-6251-41DE-9CF2-59811A3624F8}" type="datetimeFigureOut">
               <a:rPr lang="es-AR" smtClean="0"/>
               <a:pPr/>
-              <a:t>08/09/2010</a:t>
+              <a:t>09/09/2010</a:t>
             </a:fld>
             <a:endParaRPr lang="es-AR"/>
           </a:p>
@@ -18621,7 +21526,7 @@
             <a:fld id="{7396B977-6251-41DE-9CF2-59811A3624F8}" type="datetimeFigureOut">
               <a:rPr lang="es-AR" smtClean="0"/>
               <a:pPr/>
-              <a:t>08/09/2010</a:t>
+              <a:t>09/09/2010</a:t>
             </a:fld>
             <a:endParaRPr lang="es-AR"/>
           </a:p>
@@ -19045,7 +21950,7 @@
             <a:fld id="{7396B977-6251-41DE-9CF2-59811A3624F8}" type="datetimeFigureOut">
               <a:rPr lang="es-AR" smtClean="0"/>
               <a:pPr/>
-              <a:t>08/09/2010</a:t>
+              <a:t>09/09/2010</a:t>
             </a:fld>
             <a:endParaRPr lang="es-AR"/>
           </a:p>
@@ -19162,7 +22067,7 @@
             <a:fld id="{7396B977-6251-41DE-9CF2-59811A3624F8}" type="datetimeFigureOut">
               <a:rPr lang="es-AR" smtClean="0"/>
               <a:pPr/>
-              <a:t>08/09/2010</a:t>
+              <a:t>09/09/2010</a:t>
             </a:fld>
             <a:endParaRPr lang="es-AR"/>
           </a:p>
@@ -19254,7 +22159,7 @@
             <a:fld id="{7396B977-6251-41DE-9CF2-59811A3624F8}" type="datetimeFigureOut">
               <a:rPr lang="es-AR" smtClean="0"/>
               <a:pPr/>
-              <a:t>08/09/2010</a:t>
+              <a:t>09/09/2010</a:t>
             </a:fld>
             <a:endParaRPr lang="es-AR"/>
           </a:p>
@@ -19534,7 +22439,7 @@
             <a:fld id="{7396B977-6251-41DE-9CF2-59811A3624F8}" type="datetimeFigureOut">
               <a:rPr lang="es-AR" smtClean="0"/>
               <a:pPr/>
-              <a:t>08/09/2010</a:t>
+              <a:t>09/09/2010</a:t>
             </a:fld>
             <a:endParaRPr lang="es-AR"/>
           </a:p>
@@ -19902,7 +22807,7 @@
             <a:fld id="{7396B977-6251-41DE-9CF2-59811A3624F8}" type="datetimeFigureOut">
               <a:rPr lang="es-AR" smtClean="0"/>
               <a:pPr/>
-              <a:t>08/09/2010</a:t>
+              <a:t>09/09/2010</a:t>
             </a:fld>
             <a:endParaRPr lang="es-AR"/>
           </a:p>
@@ -20341,7 +23246,7 @@
             <a:fld id="{7396B977-6251-41DE-9CF2-59811A3624F8}" type="datetimeFigureOut">
               <a:rPr lang="es-AR" smtClean="0"/>
               <a:pPr/>
-              <a:t>08/09/2010</a:t>
+              <a:t>09/09/2010</a:t>
             </a:fld>
             <a:endParaRPr lang="es-AR"/>
           </a:p>
@@ -24169,25 +27074,40 @@
           </a:p>
         </p:txBody>
       </p:sp>
-      <p:sp>
-        <p:nvSpPr>
-          <p:cNvPr id="9" name="8 Marcador de contenido"/>
-          <p:cNvSpPr>
-            <a:spLocks noGrp="1"/>
-          </p:cNvSpPr>
+      <p:pic>
+        <p:nvPicPr>
+          <p:cNvPr id="8" name="Picture 11" descr="C:\Users\fjferre1\AppData\Local\Temp\msohtmlclip1\01\clip_image001.png"/>
+          <p:cNvPicPr>
+            <a:picLocks noGrp="1"/>
+          </p:cNvPicPr>
           <p:nvPr>
             <p:ph sz="half" idx="14"/>
           </p:nvPr>
-        </p:nvSpPr>
-        <p:spPr/>
-        <p:txBody>
-          <a:bodyPr/>
-          <a:lstStyle/>
-          <a:p>
-            <a:endParaRPr lang="es-AR"/>
-          </a:p>
-        </p:txBody>
-      </p:sp>
+        </p:nvPicPr>
+        <p:blipFill>
+          <a:blip r:embed="rId3" cstate="print"/>
+          <a:srcRect/>
+          <a:stretch>
+            <a:fillRect/>
+          </a:stretch>
+        </p:blipFill>
+        <p:spPr bwMode="auto">
+          <a:xfrm>
+            <a:off x="1187624" y="5157192"/>
+            <a:ext cx="6911999" cy="1331953"/>
+          </a:xfrm>
+          <a:prstGeom prst="rect">
+            <a:avLst/>
+          </a:prstGeom>
+          <a:noFill/>
+          <a:ln w="9525">
+            <a:noFill/>
+            <a:miter lim="800000"/>
+            <a:headEnd/>
+            <a:tailEnd/>
+          </a:ln>
+        </p:spPr>
+      </p:pic>
     </p:spTree>
   </p:cSld>
   <p:clrMapOvr>
@@ -24200,6 +27120,270 @@
       </p:par>
     </p:tnLst>
   </p:timing>
+</p:sld>
+</file>
+
+<file path=ppt/slides/slide13.xml><?xml version="1.0" encoding="utf-8"?>
+<p:sld xmlns:a="http://schemas.openxmlformats.org/drawingml/2006/main" xmlns:r="http://schemas.openxmlformats.org/officeDocument/2006/relationships" xmlns:p="http://schemas.openxmlformats.org/presentationml/2006/main">
+  <p:cSld>
+    <p:spTree>
+      <p:nvGrpSpPr>
+        <p:cNvPr id="1" name=""/>
+        <p:cNvGrpSpPr/>
+        <p:nvPr/>
+      </p:nvGrpSpPr>
+      <p:grpSpPr>
+        <a:xfrm>
+          <a:off x="0" y="0"/>
+          <a:ext cx="0" cy="0"/>
+          <a:chOff x="0" y="0"/>
+          <a:chExt cx="0" cy="0"/>
+        </a:xfrm>
+      </p:grpSpPr>
+      <p:sp>
+        <p:nvSpPr>
+          <p:cNvPr id="2" name="1 Título"/>
+          <p:cNvSpPr>
+            <a:spLocks noGrp="1"/>
+          </p:cNvSpPr>
+          <p:nvPr>
+            <p:ph type="title"/>
+          </p:nvPr>
+        </p:nvSpPr>
+        <p:spPr/>
+        <p:txBody>
+          <a:bodyPr>
+            <a:normAutofit fontScale="90000"/>
+          </a:bodyPr>
+          <a:lstStyle/>
+          <a:p>
+            <a:r>
+              <a:rPr lang="es-AR" dirty="0" smtClean="0"/>
+              <a:t>ANÁLISIS: Resultados estadísticos</a:t>
+            </a:r>
+            <a:endParaRPr lang="es-AR" dirty="0"/>
+          </a:p>
+        </p:txBody>
+      </p:sp>
+      <p:sp>
+        <p:nvSpPr>
+          <p:cNvPr id="3" name="2 Marcador de contenido"/>
+          <p:cNvSpPr>
+            <a:spLocks noGrp="1"/>
+          </p:cNvSpPr>
+          <p:nvPr>
+            <p:ph sz="half" idx="1"/>
+          </p:nvPr>
+        </p:nvSpPr>
+        <p:spPr>
+          <a:xfrm>
+            <a:off x="457199" y="1600201"/>
+            <a:ext cx="1234481" cy="1180727"/>
+          </a:xfrm>
+        </p:spPr>
+        <p:txBody>
+          <a:bodyPr/>
+          <a:lstStyle/>
+          <a:p>
+            <a:r>
+              <a:rPr lang="es-AR" dirty="0" err="1" smtClean="0"/>
+              <a:t>aa</a:t>
+            </a:r>
+            <a:endParaRPr lang="es-AR" dirty="0"/>
+          </a:p>
+        </p:txBody>
+      </p:sp>
+      <p:graphicFrame>
+        <p:nvGraphicFramePr>
+          <p:cNvPr id="6" name="5 Marcador de contenido"/>
+          <p:cNvGraphicFramePr>
+            <a:graphicFrameLocks noGrp="1"/>
+          </p:cNvGraphicFramePr>
+          <p:nvPr>
+            <p:ph sz="half" idx="14"/>
+          </p:nvPr>
+        </p:nvGraphicFramePr>
+        <p:xfrm>
+          <a:off x="5102225" y="1556792"/>
+          <a:ext cx="4041775" cy="2547615"/>
+        </p:xfrm>
+        <a:graphic>
+          <a:graphicData uri="http://schemas.openxmlformats.org/drawingml/2006/chart">
+            <c:chart xmlns:c="http://schemas.openxmlformats.org/drawingml/2006/chart" xmlns:r="http://schemas.openxmlformats.org/officeDocument/2006/relationships" r:id="rId3"/>
+          </a:graphicData>
+        </a:graphic>
+      </p:graphicFrame>
+      <p:graphicFrame>
+        <p:nvGraphicFramePr>
+          <p:cNvPr id="7" name="6 Marcador de contenido"/>
+          <p:cNvGraphicFramePr>
+            <a:graphicFrameLocks noGrp="1"/>
+          </p:cNvGraphicFramePr>
+          <p:nvPr>
+            <p:ph sz="half" idx="2"/>
+          </p:nvPr>
+        </p:nvGraphicFramePr>
+        <p:xfrm>
+          <a:off x="5100638" y="4221088"/>
+          <a:ext cx="4043362" cy="2480370"/>
+        </p:xfrm>
+        <a:graphic>
+          <a:graphicData uri="http://schemas.openxmlformats.org/drawingml/2006/chart">
+            <c:chart xmlns:c="http://schemas.openxmlformats.org/drawingml/2006/chart" xmlns:r="http://schemas.openxmlformats.org/officeDocument/2006/relationships" r:id="rId4"/>
+          </a:graphicData>
+        </a:graphic>
+      </p:graphicFrame>
+      <p:graphicFrame>
+        <p:nvGraphicFramePr>
+          <p:cNvPr id="8" name="7 Gráfico"/>
+          <p:cNvGraphicFramePr/>
+          <p:nvPr/>
+        </p:nvGraphicFramePr>
+        <p:xfrm>
+          <a:off x="0" y="4114800"/>
+          <a:ext cx="2479537" cy="2743200"/>
+        </p:xfrm>
+        <a:graphic>
+          <a:graphicData uri="http://schemas.openxmlformats.org/drawingml/2006/chart">
+            <c:chart xmlns:c="http://schemas.openxmlformats.org/drawingml/2006/chart" xmlns:r="http://schemas.openxmlformats.org/officeDocument/2006/relationships" r:id="rId5"/>
+          </a:graphicData>
+        </a:graphic>
+      </p:graphicFrame>
+      <p:graphicFrame>
+        <p:nvGraphicFramePr>
+          <p:cNvPr id="9" name="8 Gráfico"/>
+          <p:cNvGraphicFramePr/>
+          <p:nvPr/>
+        </p:nvGraphicFramePr>
+        <p:xfrm>
+          <a:off x="2411760" y="4114800"/>
+          <a:ext cx="2445854" cy="2743200"/>
+        </p:xfrm>
+        <a:graphic>
+          <a:graphicData uri="http://schemas.openxmlformats.org/drawingml/2006/chart">
+            <c:chart xmlns:c="http://schemas.openxmlformats.org/drawingml/2006/chart" xmlns:r="http://schemas.openxmlformats.org/officeDocument/2006/relationships" r:id="rId6"/>
+          </a:graphicData>
+        </a:graphic>
+      </p:graphicFrame>
+    </p:spTree>
+  </p:cSld>
+  <p:clrMapOvr>
+    <a:masterClrMapping/>
+  </p:clrMapOvr>
+</p:sld>
+</file>
+
+<file path=ppt/slides/slide14.xml><?xml version="1.0" encoding="utf-8"?>
+<p:sld xmlns:a="http://schemas.openxmlformats.org/drawingml/2006/main" xmlns:r="http://schemas.openxmlformats.org/officeDocument/2006/relationships" xmlns:p="http://schemas.openxmlformats.org/presentationml/2006/main">
+  <p:cSld>
+    <p:spTree>
+      <p:nvGrpSpPr>
+        <p:cNvPr id="1" name=""/>
+        <p:cNvGrpSpPr/>
+        <p:nvPr/>
+      </p:nvGrpSpPr>
+      <p:grpSpPr>
+        <a:xfrm>
+          <a:off x="0" y="0"/>
+          <a:ext cx="0" cy="0"/>
+          <a:chOff x="0" y="0"/>
+          <a:chExt cx="0" cy="0"/>
+        </a:xfrm>
+      </p:grpSpPr>
+      <p:sp>
+        <p:nvSpPr>
+          <p:cNvPr id="2" name="1 Título"/>
+          <p:cNvSpPr>
+            <a:spLocks noGrp="1"/>
+          </p:cNvSpPr>
+          <p:nvPr>
+            <p:ph type="title"/>
+          </p:nvPr>
+        </p:nvSpPr>
+        <p:spPr/>
+        <p:txBody>
+          <a:bodyPr>
+            <a:normAutofit fontScale="90000"/>
+          </a:bodyPr>
+          <a:lstStyle/>
+          <a:p>
+            <a:r>
+              <a:rPr lang="es-AR" dirty="0" smtClean="0"/>
+              <a:t>ANÁLISIS: Resultados estadísticos</a:t>
+            </a:r>
+            <a:endParaRPr lang="es-AR" dirty="0"/>
+          </a:p>
+        </p:txBody>
+      </p:sp>
+      <p:sp>
+        <p:nvSpPr>
+          <p:cNvPr id="3" name="2 Marcador de contenido"/>
+          <p:cNvSpPr>
+            <a:spLocks noGrp="1"/>
+          </p:cNvSpPr>
+          <p:nvPr>
+            <p:ph sz="half" idx="1"/>
+          </p:nvPr>
+        </p:nvSpPr>
+        <p:spPr>
+          <a:xfrm>
+            <a:off x="179512" y="1628800"/>
+            <a:ext cx="1810545" cy="1612775"/>
+          </a:xfrm>
+        </p:spPr>
+        <p:txBody>
+          <a:bodyPr/>
+          <a:lstStyle/>
+          <a:p>
+            <a:r>
+              <a:rPr lang="es-AR" dirty="0" smtClean="0"/>
+              <a:t>ad</a:t>
+            </a:r>
+            <a:endParaRPr lang="es-AR" dirty="0"/>
+          </a:p>
+        </p:txBody>
+      </p:sp>
+      <p:graphicFrame>
+        <p:nvGraphicFramePr>
+          <p:cNvPr id="6" name="5 Marcador de contenido"/>
+          <p:cNvGraphicFramePr>
+            <a:graphicFrameLocks noGrp="1"/>
+          </p:cNvGraphicFramePr>
+          <p:nvPr>
+            <p:ph sz="half" idx="14"/>
+          </p:nvPr>
+        </p:nvGraphicFramePr>
+        <p:xfrm>
+          <a:off x="4572000" y="1484784"/>
+          <a:ext cx="4572000" cy="3168352"/>
+        </p:xfrm>
+        <a:graphic>
+          <a:graphicData uri="http://schemas.openxmlformats.org/drawingml/2006/chart">
+            <c:chart xmlns:c="http://schemas.openxmlformats.org/drawingml/2006/chart" xmlns:r="http://schemas.openxmlformats.org/officeDocument/2006/relationships" r:id="rId2"/>
+          </a:graphicData>
+        </a:graphic>
+      </p:graphicFrame>
+      <p:graphicFrame>
+        <p:nvGraphicFramePr>
+          <p:cNvPr id="7" name="15 Gráfico"/>
+          <p:cNvGraphicFramePr/>
+          <p:nvPr/>
+        </p:nvGraphicFramePr>
+        <p:xfrm>
+          <a:off x="-702467" y="3068960"/>
+          <a:ext cx="5562500" cy="3217540"/>
+        </p:xfrm>
+        <a:graphic>
+          <a:graphicData uri="http://schemas.openxmlformats.org/drawingml/2006/chart">
+            <c:chart xmlns:c="http://schemas.openxmlformats.org/drawingml/2006/chart" xmlns:r="http://schemas.openxmlformats.org/officeDocument/2006/relationships" r:id="rId3"/>
+          </a:graphicData>
+        </a:graphic>
+      </p:graphicFrame>
+    </p:spTree>
+  </p:cSld>
+  <p:clrMapOvr>
+    <a:masterClrMapping/>
+  </p:clrMapOvr>
 </p:sld>
 </file>
 
@@ -25349,7 +28533,6 @@
               <a:rPr lang="es-AR" sz="1400" dirty="0" smtClean="0"/>
               <a:t> = VREF+5mV = 1.320V =&gt; CERO</a:t>
             </a:r>
-            <a:endParaRPr lang="es-AR" sz="1400" dirty="0" smtClean="0"/>
           </a:p>
           <a:p>
             <a:pPr lvl="2"/>
@@ -25361,7 +28544,6 @@
               <a:rPr lang="es-AR" sz="1400" dirty="0" smtClean="0"/>
               <a:t> = VREF-5mV = 1.310V =&gt; UNO</a:t>
             </a:r>
-            <a:endParaRPr lang="es-AR" sz="1400" dirty="0" smtClean="0"/>
           </a:p>
           <a:p>
             <a:pPr lvl="2"/>
@@ -25395,11 +28577,7 @@
             </a:r>
             <a:r>
               <a:rPr lang="es-AR" sz="1400" dirty="0" smtClean="0"/>
-              <a:t> </a:t>
-            </a:r>
-            <a:r>
-              <a:rPr lang="es-AR" sz="1400" dirty="0" smtClean="0"/>
-              <a:t>= VREF+8mV = 1.323V =&gt; </a:t>
+              <a:t> = VREF+8mV = 1.323V =&gt; </a:t>
             </a:r>
             <a:r>
               <a:rPr lang="es-AR" sz="1400" dirty="0" smtClean="0">
@@ -25409,11 +28587,6 @@
               </a:rPr>
               <a:t>UNO</a:t>
             </a:r>
-            <a:endParaRPr lang="es-AR" sz="1400" dirty="0" smtClean="0">
-              <a:solidFill>
-                <a:srgbClr val="FF0000"/>
-              </a:solidFill>
-            </a:endParaRPr>
           </a:p>
           <a:p>
             <a:pPr lvl="2"/>
@@ -25440,7 +28613,6 @@
               <a:rPr lang="es-AR" sz="1800" dirty="0" smtClean="0"/>
               <a:t>Variaciones de tensión</a:t>
             </a:r>
-            <a:endParaRPr lang="es-AR" sz="1800" dirty="0" smtClean="0"/>
           </a:p>
           <a:p>
             <a:pPr lvl="2"/>
@@ -25450,11 +28622,7 @@
             </a:r>
             <a:r>
               <a:rPr lang="es-AR" sz="1400" dirty="0" smtClean="0"/>
-              <a:t> = VREF-5mV = 1.310V =&gt; </a:t>
-            </a:r>
-            <a:r>
-              <a:rPr lang="es-AR" sz="1400" dirty="0" smtClean="0"/>
-              <a:t>UNO + </a:t>
+              <a:t> = VREF-5mV = 1.310V =&gt; UNO + </a:t>
             </a:r>
             <a:r>
               <a:rPr lang="es-AR" sz="1400" dirty="0" err="1" smtClean="0"/>
@@ -25464,7 +28632,6 @@
               <a:rPr lang="es-AR" sz="1400" dirty="0" smtClean="0"/>
               <a:t>.</a:t>
             </a:r>
-            <a:endParaRPr lang="es-AR" sz="1400" dirty="0" smtClean="0"/>
           </a:p>
           <a:p>
             <a:pPr lvl="2"/>
@@ -25474,11 +28641,7 @@
             </a:r>
             <a:r>
               <a:rPr lang="es-AR" sz="1400" dirty="0" smtClean="0"/>
-              <a:t> = VREF-8mV = 1.307V =&gt; </a:t>
-            </a:r>
-            <a:r>
-              <a:rPr lang="es-AR" sz="1400" dirty="0" smtClean="0"/>
-              <a:t>UNO + </a:t>
+              <a:t> = VREF-8mV = 1.307V =&gt; UNO + </a:t>
             </a:r>
             <a:r>
               <a:rPr lang="es-AR" sz="1400" dirty="0" err="1" smtClean="0"/>
@@ -25488,7 +28651,6 @@
               <a:rPr lang="es-AR" sz="1400" dirty="0" smtClean="0"/>
               <a:t>.</a:t>
             </a:r>
-            <a:endParaRPr lang="es-AR" sz="1400" dirty="0" smtClean="0"/>
           </a:p>
           <a:p>
             <a:pPr>
@@ -26073,11 +29235,7 @@
           <a:p>
             <a:r>
               <a:rPr lang="es-AR" sz="1200" dirty="0" smtClean="0"/>
-              <a:t>Variaciones de tensiones </a:t>
-            </a:r>
-            <a:r>
-              <a:rPr lang="es-AR" sz="1200" dirty="0" smtClean="0"/>
-              <a:t>similares.</a:t>
+              <a:t>Variaciones de tensiones similares.</a:t>
             </a:r>
           </a:p>
           <a:p>

--- a/trunk/Documentation/Documentacion/PRESENTACION_FACU.pptx
+++ b/trunk/Documentation/Documentacion/PRESENTACION_FACU.pptx
@@ -189,7 +189,7 @@
               <c:idx val="0"/>
               <c:layout>
                 <c:manualLayout>
-                  <c:x val="1.7903025279734787E-2"/>
+                  <c:x val="1.7903025279734815E-2"/>
                   <c:y val="8.6181273784898801E-2"/>
                 </c:manualLayout>
               </c:layout>
@@ -200,7 +200,7 @@
               <c:idx val="1"/>
               <c:layout>
                 <c:manualLayout>
-                  <c:x val="-1.3185415562900434E-3"/>
+                  <c:x val="-1.3185415562900447E-3"/>
                   <c:y val="-0.1522738302151497"/>
                 </c:manualLayout>
               </c:layout>
@@ -285,8 +285,8 @@
         <c:manualLayout>
           <c:xMode val="edge"/>
           <c:yMode val="edge"/>
-          <c:x val="0.2602806773175394"/>
-          <c:y val="3.0090268790543353E-2"/>
+          <c:x val="0.26028067731753962"/>
+          <c:y val="3.0090268790543384E-2"/>
         </c:manualLayout>
       </c:layout>
     </c:title>
@@ -304,7 +304,7 @@
           <c:x val="2.0951670222790091E-3"/>
           <c:y val="0.26919258201016116"/>
           <c:w val="0.99790483297772103"/>
-          <c:h val="0.73080741798984683"/>
+          <c:h val="0.73080741798984739"/>
         </c:manualLayout>
       </c:layout>
       <c:pie3DChart>
@@ -318,8 +318,8 @@
               <c:idx val="0"/>
               <c:layout>
                 <c:manualLayout>
-                  <c:x val="-9.8997566876277768E-2"/>
-                  <c:y val="-2.0480815362224201E-2"/>
+                  <c:x val="-9.8997566876277893E-2"/>
+                  <c:y val="-2.0480815362224229E-2"/>
                 </c:manualLayout>
               </c:layout>
               <c:showCatName val="1"/>
@@ -503,12 +503,12 @@
         </c:ser>
         <c:gapWidth val="75"/>
         <c:shape val="cylinder"/>
-        <c:axId val="93426048"/>
-        <c:axId val="93427584"/>
+        <c:axId val="49049600"/>
+        <c:axId val="49051136"/>
         <c:axId val="0"/>
       </c:bar3DChart>
       <c:catAx>
-        <c:axId val="93426048"/>
+        <c:axId val="49049600"/>
         <c:scaling>
           <c:orientation val="minMax"/>
         </c:scaling>
@@ -516,14 +516,14 @@
         <c:numFmt formatCode="General" sourceLinked="1"/>
         <c:majorTickMark val="none"/>
         <c:tickLblPos val="none"/>
-        <c:crossAx val="93427584"/>
+        <c:crossAx val="49051136"/>
         <c:crosses val="autoZero"/>
         <c:auto val="1"/>
         <c:lblAlgn val="ctr"/>
         <c:lblOffset val="100"/>
       </c:catAx>
       <c:valAx>
-        <c:axId val="93427584"/>
+        <c:axId val="49051136"/>
         <c:scaling>
           <c:orientation val="minMax"/>
         </c:scaling>
@@ -537,7 +537,7 @@
             <a:noFill/>
           </a:ln>
         </c:spPr>
-        <c:crossAx val="93426048"/>
+        <c:crossAx val="49049600"/>
         <c:crosses val="autoZero"/>
         <c:crossBetween val="between"/>
       </c:valAx>
@@ -626,7 +626,7 @@
                 <c:formatCode>0</c:formatCode>
                 <c:ptCount val="1"/>
                 <c:pt idx="0">
-                  <c:v>63.106796116504974</c:v>
+                  <c:v>63.106796116505016</c:v>
                 </c:pt>
               </c:numCache>
             </c:numRef>
@@ -673,12 +673,12 @@
         </c:ser>
         <c:gapWidth val="75"/>
         <c:shape val="cylinder"/>
-        <c:axId val="93444736"/>
-        <c:axId val="117055872"/>
+        <c:axId val="49072384"/>
+        <c:axId val="49074176"/>
         <c:axId val="0"/>
       </c:bar3DChart>
       <c:catAx>
-        <c:axId val="93444736"/>
+        <c:axId val="49072384"/>
         <c:scaling>
           <c:orientation val="minMax"/>
         </c:scaling>
@@ -686,14 +686,14 @@
         <c:numFmt formatCode="General" sourceLinked="1"/>
         <c:majorTickMark val="none"/>
         <c:tickLblPos val="none"/>
-        <c:crossAx val="117055872"/>
+        <c:crossAx val="49074176"/>
         <c:crosses val="autoZero"/>
         <c:auto val="1"/>
         <c:lblAlgn val="ctr"/>
         <c:lblOffset val="100"/>
       </c:catAx>
       <c:valAx>
-        <c:axId val="117055872"/>
+        <c:axId val="49074176"/>
         <c:scaling>
           <c:orientation val="minMax"/>
         </c:scaling>
@@ -707,7 +707,7 @@
             <a:noFill/>
           </a:ln>
         </c:spPr>
-        <c:crossAx val="93444736"/>
+        <c:crossAx val="49072384"/>
         <c:crosses val="autoZero"/>
         <c:crossBetween val="between"/>
       </c:valAx>
@@ -854,25 +854,25 @@
                   <c:v>1.1200000000000001</c:v>
                 </c:pt>
                 <c:pt idx="12">
-                  <c:v>1.1299999999999994</c:v>
+                  <c:v>1.1299999999999986</c:v>
                 </c:pt>
                 <c:pt idx="13">
-                  <c:v>1.1399999999999995</c:v>
+                  <c:v>1.1399999999999986</c:v>
                 </c:pt>
                 <c:pt idx="14">
-                  <c:v>1.1499999999999995</c:v>
+                  <c:v>1.1499999999999986</c:v>
                 </c:pt>
                 <c:pt idx="15">
-                  <c:v>1.1599999999999995</c:v>
+                  <c:v>1.1599999999999986</c:v>
                 </c:pt>
                 <c:pt idx="16">
-                  <c:v>1.1700000000000004</c:v>
+                  <c:v>1.1700000000000013</c:v>
                 </c:pt>
                 <c:pt idx="17">
-                  <c:v>1.1800000000000004</c:v>
+                  <c:v>1.1800000000000013</c:v>
                 </c:pt>
                 <c:pt idx="18">
-                  <c:v>1.1900000000000004</c:v>
+                  <c:v>1.1900000000000013</c:v>
                 </c:pt>
                 <c:pt idx="19">
                   <c:v>1.2</c:v>
@@ -1334,25 +1334,25 @@
                   <c:v>1.1200000000000001</c:v>
                 </c:pt>
                 <c:pt idx="12">
-                  <c:v>1.1299999999999994</c:v>
+                  <c:v>1.1299999999999986</c:v>
                 </c:pt>
                 <c:pt idx="13">
-                  <c:v>1.1399999999999995</c:v>
+                  <c:v>1.1399999999999986</c:v>
                 </c:pt>
                 <c:pt idx="14">
-                  <c:v>1.1499999999999995</c:v>
+                  <c:v>1.1499999999999986</c:v>
                 </c:pt>
                 <c:pt idx="15">
-                  <c:v>1.1599999999999995</c:v>
+                  <c:v>1.1599999999999986</c:v>
                 </c:pt>
                 <c:pt idx="16">
-                  <c:v>1.1700000000000004</c:v>
+                  <c:v>1.1700000000000013</c:v>
                 </c:pt>
                 <c:pt idx="17">
-                  <c:v>1.1800000000000004</c:v>
+                  <c:v>1.1800000000000013</c:v>
                 </c:pt>
                 <c:pt idx="18">
-                  <c:v>1.1900000000000004</c:v>
+                  <c:v>1.1900000000000013</c:v>
                 </c:pt>
                 <c:pt idx="19">
                   <c:v>1.2</c:v>
@@ -1694,11 +1694,11 @@
             </c:numRef>
           </c:yVal>
         </c:ser>
-        <c:axId val="117852032"/>
-        <c:axId val="117858304"/>
+        <c:axId val="50275840"/>
+        <c:axId val="50277760"/>
       </c:scatterChart>
       <c:valAx>
-        <c:axId val="117852032"/>
+        <c:axId val="50275840"/>
         <c:scaling>
           <c:orientation val="minMax"/>
           <c:max val="1.7"/>
@@ -1717,22 +1717,29 @@
                   <a:defRPr/>
                 </a:pPr>
                 <a:r>
-                  <a:rPr lang="es-AR"/>
+                  <a:rPr lang="es-AR" dirty="0"/>
                   <a:t>Tensión de entrada</a:t>
                 </a:r>
               </a:p>
             </c:rich>
           </c:tx>
-          <c:layout/>
+          <c:layout>
+            <c:manualLayout>
+              <c:xMode val="edge"/>
+              <c:yMode val="edge"/>
+              <c:x val="0.39595380054773466"/>
+              <c:y val="7.1100565545627201E-2"/>
+            </c:manualLayout>
+          </c:layout>
         </c:title>
         <c:numFmt formatCode="0.00" sourceLinked="1"/>
         <c:tickLblPos val="nextTo"/>
-        <c:crossAx val="117858304"/>
+        <c:crossAx val="50277760"/>
         <c:crosses val="autoZero"/>
         <c:crossBetween val="midCat"/>
       </c:valAx>
       <c:valAx>
-        <c:axId val="117858304"/>
+        <c:axId val="50277760"/>
         <c:scaling>
           <c:orientation val="minMax"/>
         </c:scaling>
@@ -1749,24 +1756,45 @@
                   <a:defRPr/>
                 </a:pPr>
                 <a:r>
-                  <a:rPr lang="es-AR"/>
-                  <a:t>Cantidad de errore</a:t>
+                  <a:rPr lang="es-AR" dirty="0"/>
+                  <a:t>Cantidad de </a:t>
                 </a:r>
+                <a:r>
+                  <a:rPr lang="es-AR" dirty="0" smtClean="0"/>
+                  <a:t>errores</a:t>
+                </a:r>
+                <a:endParaRPr lang="es-AR" dirty="0"/>
               </a:p>
             </c:rich>
           </c:tx>
-          <c:layout/>
+          <c:layout>
+            <c:manualLayout>
+              <c:xMode val="edge"/>
+              <c:yMode val="edge"/>
+              <c:x val="0.95445883617098126"/>
+              <c:y val="0.27606557927672126"/>
+            </c:manualLayout>
+          </c:layout>
         </c:title>
         <c:numFmt formatCode="General" sourceLinked="1"/>
         <c:tickLblPos val="nextTo"/>
-        <c:crossAx val="117852032"/>
+        <c:crossAx val="50275840"/>
         <c:crosses val="autoZero"/>
         <c:crossBetween val="midCat"/>
       </c:valAx>
     </c:plotArea>
     <c:legend>
       <c:legendPos val="t"/>
-      <c:layout/>
+      <c:layout>
+        <c:manualLayout>
+          <c:xMode val="edge"/>
+          <c:yMode val="edge"/>
+          <c:x val="0.14234264975849251"/>
+          <c:y val="0.87764719263997182"/>
+          <c:w val="0.78810202746432068"/>
+          <c:h val="7.5935015157046065E-2"/>
+        </c:manualLayout>
+      </c:layout>
     </c:legend>
     <c:plotVisOnly val="1"/>
   </c:chart>
@@ -1778,40 +1806,17 @@
 <c:chartSpace xmlns:c="http://schemas.openxmlformats.org/drawingml/2006/chart" xmlns:a="http://schemas.openxmlformats.org/drawingml/2006/main" xmlns:r="http://schemas.openxmlformats.org/officeDocument/2006/relationships">
   <c:lang val="es-AR"/>
   <c:chart>
-    <c:title>
-      <c:tx>
-        <c:rich>
-          <a:bodyPr/>
-          <a:lstStyle/>
-          <a:p>
-            <a:pPr>
-              <a:defRPr sz="1200"/>
-            </a:pPr>
-            <a:r>
-              <a:rPr lang="es-AR" sz="1200"/>
-              <a:t>Fallas</a:t>
-            </a:r>
-            <a:r>
-              <a:rPr lang="es-AR" sz="1200" baseline="0"/>
-              <a:t> según el comparador de inyección</a:t>
-            </a:r>
-            <a:endParaRPr lang="es-AR" sz="1200"/>
-          </a:p>
-        </c:rich>
-      </c:tx>
-      <c:layout/>
-      <c:overlay val="1"/>
-    </c:title>
+    <c:autoTitleDeleted val="1"/>
     <c:plotArea>
       <c:layout>
         <c:manualLayout>
           <c:layoutTarget val="inner"/>
           <c:xMode val="edge"/>
           <c:yMode val="edge"/>
-          <c:x val="4.2721840124744316E-2"/>
+          <c:x val="9.0642836925601628E-2"/>
           <c:y val="8.4672265966754243E-2"/>
-          <c:w val="0.93793431508786151"/>
-          <c:h val="0.78963044619422573"/>
+          <c:w val="0.89193996596195113"/>
+          <c:h val="0.68648981882078464"/>
         </c:manualLayout>
       </c:layout>
       <c:scatterChart>
@@ -2746,26 +2751,45 @@
           </c:yVal>
           <c:smooth val="1"/>
         </c:ser>
-        <c:axId val="117891072"/>
-        <c:axId val="117892992"/>
+        <c:axId val="50294144"/>
+        <c:axId val="50313088"/>
       </c:scatterChart>
       <c:valAx>
-        <c:axId val="117891072"/>
+        <c:axId val="50294144"/>
         <c:scaling>
           <c:orientation val="minMax"/>
           <c:max val="63"/>
           <c:min val="0"/>
         </c:scaling>
         <c:axPos val="b"/>
+        <c:title>
+          <c:tx>
+            <c:rich>
+              <a:bodyPr/>
+              <a:lstStyle/>
+              <a:p>
+                <a:pPr>
+                  <a:defRPr/>
+                </a:pPr>
+                <a:r>
+                  <a:rPr lang="es-AR" dirty="0" smtClean="0"/>
+                  <a:t>Número de comparador</a:t>
+                </a:r>
+                <a:endParaRPr lang="es-AR" dirty="0"/>
+              </a:p>
+            </c:rich>
+          </c:tx>
+          <c:layout/>
+        </c:title>
         <c:tickLblPos val="nextTo"/>
-        <c:crossAx val="117892992"/>
+        <c:crossAx val="50313088"/>
         <c:crosses val="autoZero"/>
         <c:crossBetween val="midCat"/>
         <c:majorUnit val="5"/>
         <c:minorUnit val="1"/>
       </c:valAx>
       <c:valAx>
-        <c:axId val="117892992"/>
+        <c:axId val="50313088"/>
         <c:scaling>
           <c:orientation val="minMax"/>
           <c:max val="280"/>
@@ -2773,9 +2797,28 @@
         </c:scaling>
         <c:axPos val="l"/>
         <c:majorGridlines/>
+        <c:title>
+          <c:tx>
+            <c:rich>
+              <a:bodyPr rot="-5400000" vert="horz"/>
+              <a:lstStyle/>
+              <a:p>
+                <a:pPr>
+                  <a:defRPr/>
+                </a:pPr>
+                <a:r>
+                  <a:rPr lang="es-AR" dirty="0" smtClean="0"/>
+                  <a:t>Cantidad de errores</a:t>
+                </a:r>
+                <a:endParaRPr lang="es-AR" dirty="0"/>
+              </a:p>
+            </c:rich>
+          </c:tx>
+          <c:layout/>
+        </c:title>
         <c:numFmt formatCode="General" sourceLinked="1"/>
         <c:tickLblPos val="nextTo"/>
-        <c:crossAx val="117891072"/>
+        <c:crossAx val="50294144"/>
         <c:crosses val="autoZero"/>
         <c:crossBetween val="midCat"/>
       </c:valAx>
@@ -16100,7 +16143,7 @@
             <a:fld id="{C4912EAB-2DF2-4EA7-9A3C-081666E7F61D}" type="datetimeFigureOut">
               <a:rPr lang="es-AR" smtClean="0"/>
               <a:pPr/>
-              <a:t>09/09/2010</a:t>
+              <a:t>10/09/2010</a:t>
             </a:fld>
             <a:endParaRPr lang="es-AR"/>
           </a:p>
@@ -16262,7 +16305,7 @@
             <a:fld id="{320C0146-0920-4890-94B5-4EE8DB66AAB2}" type="datetimeFigureOut">
               <a:rPr lang="es-AR" smtClean="0"/>
               <a:pPr/>
-              <a:t>09/09/2010</a:t>
+              <a:t>10/09/2010</a:t>
             </a:fld>
             <a:endParaRPr lang="es-AR"/>
           </a:p>
@@ -17374,7 +17417,7 @@
             <a:fld id="{7396B977-6251-41DE-9CF2-59811A3624F8}" type="datetimeFigureOut">
               <a:rPr lang="es-AR" smtClean="0"/>
               <a:pPr/>
-              <a:t>09/09/2010</a:t>
+              <a:t>10/09/2010</a:t>
             </a:fld>
             <a:endParaRPr lang="es-AR"/>
           </a:p>
@@ -17599,7 +17642,7 @@
             <a:fld id="{7396B977-6251-41DE-9CF2-59811A3624F8}" type="datetimeFigureOut">
               <a:rPr lang="es-AR" smtClean="0"/>
               <a:pPr/>
-              <a:t>09/09/2010</a:t>
+              <a:t>10/09/2010</a:t>
             </a:fld>
             <a:endParaRPr lang="es-AR"/>
           </a:p>
@@ -17881,7 +17924,7 @@
             <a:fld id="{7396B977-6251-41DE-9CF2-59811A3624F8}" type="datetimeFigureOut">
               <a:rPr lang="es-AR" smtClean="0"/>
               <a:pPr/>
-              <a:t>09/09/2010</a:t>
+              <a:t>10/09/2010</a:t>
             </a:fld>
             <a:endParaRPr lang="es-AR"/>
           </a:p>
@@ -18181,7 +18224,7 @@
             <a:fld id="{7396B977-6251-41DE-9CF2-59811A3624F8}" type="datetimeFigureOut">
               <a:rPr lang="es-AR" smtClean="0"/>
               <a:pPr/>
-              <a:t>09/09/2010</a:t>
+              <a:t>10/09/2010</a:t>
             </a:fld>
             <a:endParaRPr lang="es-AR"/>
           </a:p>
@@ -18656,7 +18699,7 @@
             <a:fld id="{7396B977-6251-41DE-9CF2-59811A3624F8}" type="datetimeFigureOut">
               <a:rPr lang="es-AR" smtClean="0"/>
               <a:pPr/>
-              <a:t>09/09/2010</a:t>
+              <a:t>10/09/2010</a:t>
             </a:fld>
             <a:endParaRPr lang="es-AR"/>
           </a:p>
@@ -19046,7 +19089,7 @@
             <a:fld id="{7396B977-6251-41DE-9CF2-59811A3624F8}" type="datetimeFigureOut">
               <a:rPr lang="es-AR" smtClean="0"/>
               <a:pPr/>
-              <a:t>09/09/2010</a:t>
+              <a:t>10/09/2010</a:t>
             </a:fld>
             <a:endParaRPr lang="es-AR"/>
           </a:p>
@@ -19436,7 +19479,7 @@
             <a:fld id="{7396B977-6251-41DE-9CF2-59811A3624F8}" type="datetimeFigureOut">
               <a:rPr lang="es-AR" smtClean="0"/>
               <a:pPr/>
-              <a:t>09/09/2010</a:t>
+              <a:t>10/09/2010</a:t>
             </a:fld>
             <a:endParaRPr lang="es-AR"/>
           </a:p>
@@ -19911,7 +19954,7 @@
             <a:fld id="{7396B977-6251-41DE-9CF2-59811A3624F8}" type="datetimeFigureOut">
               <a:rPr lang="es-AR" smtClean="0"/>
               <a:pPr/>
-              <a:t>09/09/2010</a:t>
+              <a:t>10/09/2010</a:t>
             </a:fld>
             <a:endParaRPr lang="es-AR"/>
           </a:p>
@@ -20216,7 +20259,7 @@
             <a:fld id="{7396B977-6251-41DE-9CF2-59811A3624F8}" type="datetimeFigureOut">
               <a:rPr lang="es-AR" smtClean="0"/>
               <a:pPr/>
-              <a:t>09/09/2010</a:t>
+              <a:t>10/09/2010</a:t>
             </a:fld>
             <a:endParaRPr lang="es-AR"/>
           </a:p>
@@ -20521,7 +20564,7 @@
             <a:fld id="{7396B977-6251-41DE-9CF2-59811A3624F8}" type="datetimeFigureOut">
               <a:rPr lang="es-AR" smtClean="0"/>
               <a:pPr/>
-              <a:t>09/09/2010</a:t>
+              <a:t>10/09/2010</a:t>
             </a:fld>
             <a:endParaRPr lang="es-AR"/>
           </a:p>
@@ -20877,7 +20920,7 @@
             <a:fld id="{7396B977-6251-41DE-9CF2-59811A3624F8}" type="datetimeFigureOut">
               <a:rPr lang="es-AR" smtClean="0"/>
               <a:pPr/>
-              <a:t>09/09/2010</a:t>
+              <a:t>10/09/2010</a:t>
             </a:fld>
             <a:endParaRPr lang="es-AR"/>
           </a:p>
@@ -21237,7 +21280,7 @@
             <a:fld id="{7396B977-6251-41DE-9CF2-59811A3624F8}" type="datetimeFigureOut">
               <a:rPr lang="es-AR" smtClean="0"/>
               <a:pPr/>
-              <a:t>09/09/2010</a:t>
+              <a:t>10/09/2010</a:t>
             </a:fld>
             <a:endParaRPr lang="es-AR"/>
           </a:p>
@@ -21526,7 +21569,7 @@
             <a:fld id="{7396B977-6251-41DE-9CF2-59811A3624F8}" type="datetimeFigureOut">
               <a:rPr lang="es-AR" smtClean="0"/>
               <a:pPr/>
-              <a:t>09/09/2010</a:t>
+              <a:t>10/09/2010</a:t>
             </a:fld>
             <a:endParaRPr lang="es-AR"/>
           </a:p>
@@ -21950,7 +21993,7 @@
             <a:fld id="{7396B977-6251-41DE-9CF2-59811A3624F8}" type="datetimeFigureOut">
               <a:rPr lang="es-AR" smtClean="0"/>
               <a:pPr/>
-              <a:t>09/09/2010</a:t>
+              <a:t>10/09/2010</a:t>
             </a:fld>
             <a:endParaRPr lang="es-AR"/>
           </a:p>
@@ -22067,7 +22110,7 @@
             <a:fld id="{7396B977-6251-41DE-9CF2-59811A3624F8}" type="datetimeFigureOut">
               <a:rPr lang="es-AR" smtClean="0"/>
               <a:pPr/>
-              <a:t>09/09/2010</a:t>
+              <a:t>10/09/2010</a:t>
             </a:fld>
             <a:endParaRPr lang="es-AR"/>
           </a:p>
@@ -22159,7 +22202,7 @@
             <a:fld id="{7396B977-6251-41DE-9CF2-59811A3624F8}" type="datetimeFigureOut">
               <a:rPr lang="es-AR" smtClean="0"/>
               <a:pPr/>
-              <a:t>09/09/2010</a:t>
+              <a:t>10/09/2010</a:t>
             </a:fld>
             <a:endParaRPr lang="es-AR"/>
           </a:p>
@@ -22439,7 +22482,7 @@
             <a:fld id="{7396B977-6251-41DE-9CF2-59811A3624F8}" type="datetimeFigureOut">
               <a:rPr lang="es-AR" smtClean="0"/>
               <a:pPr/>
-              <a:t>09/09/2010</a:t>
+              <a:t>10/09/2010</a:t>
             </a:fld>
             <a:endParaRPr lang="es-AR"/>
           </a:p>
@@ -22807,7 +22850,7 @@
             <a:fld id="{7396B977-6251-41DE-9CF2-59811A3624F8}" type="datetimeFigureOut">
               <a:rPr lang="es-AR" smtClean="0"/>
               <a:pPr/>
-              <a:t>09/09/2010</a:t>
+              <a:t>10/09/2010</a:t>
             </a:fld>
             <a:endParaRPr lang="es-AR"/>
           </a:p>
@@ -23246,7 +23289,7 @@
             <a:fld id="{7396B977-6251-41DE-9CF2-59811A3624F8}" type="datetimeFigureOut">
               <a:rPr lang="es-AR" smtClean="0"/>
               <a:pPr/>
-              <a:t>09/09/2010</a:t>
+              <a:t>10/09/2010</a:t>
             </a:fld>
             <a:endParaRPr lang="es-AR"/>
           </a:p>
@@ -27354,8 +27397,8 @@
           </p:nvPr>
         </p:nvGraphicFramePr>
         <p:xfrm>
-          <a:off x="4572000" y="1484784"/>
-          <a:ext cx="4572000" cy="3168352"/>
+          <a:off x="4211960" y="1340768"/>
+          <a:ext cx="4680520" cy="3240360"/>
         </p:xfrm>
         <a:graphic>
           <a:graphicData uri="http://schemas.openxmlformats.org/drawingml/2006/chart">
@@ -27370,8 +27413,8 @@
           <p:nvPr/>
         </p:nvGraphicFramePr>
         <p:xfrm>
-          <a:off x="-702467" y="3068960"/>
-          <a:ext cx="5562500" cy="3217540"/>
+          <a:off x="395536" y="4149080"/>
+          <a:ext cx="7938763" cy="2708920"/>
         </p:xfrm>
         <a:graphic>
           <a:graphicData uri="http://schemas.openxmlformats.org/drawingml/2006/chart">

--- a/trunk/Documentation/Documentacion/PRESENTACION_FACU.pptx
+++ b/trunk/Documentation/Documentacion/PRESENTACION_FACU.pptx
@@ -128,10 +128,17 @@
 
 <file path=ppt/charts/chart1.xml><?xml version="1.0" encoding="utf-8"?>
 <c:chartSpace xmlns:c="http://schemas.openxmlformats.org/drawingml/2006/chart" xmlns:a="http://schemas.openxmlformats.org/drawingml/2006/main" xmlns:r="http://schemas.openxmlformats.org/officeDocument/2006/relationships">
-  <c:date1904 val="1"/>
+  <c:date1904 val="0"/>
   <c:lang val="es-AR"/>
   <c:roundedCorners val="1"/>
-  <c:style val="26"/>
+  <mc:AlternateContent xmlns:mc="http://schemas.openxmlformats.org/markup-compatibility/2006">
+    <mc:Choice xmlns:c14="http://schemas.microsoft.com/office/drawing/2007/8/2/chart" Requires="c14">
+      <c14:style val="126"/>
+    </mc:Choice>
+    <mc:Fallback>
+      <c:style val="26"/>
+    </mc:Fallback>
+  </mc:AlternateContent>
   <c:chart>
     <c:title>
       <c:tx>
@@ -157,12 +164,24 @@
           <c:y val="3.0318552842560589E-2"/>
         </c:manualLayout>
       </c:layout>
+      <c:overlay val="0"/>
     </c:title>
+    <c:autoTitleDeleted val="0"/>
     <c:view3D>
       <c:rotX val="25"/>
       <c:rotY val="124"/>
+      <c:rAngAx val="0"/>
       <c:perspective val="20"/>
     </c:view3D>
+    <c:floor>
+      <c:thickness val="0"/>
+    </c:floor>
+    <c:sideWall>
+      <c:thickness val="0"/>
+    </c:sideWall>
+    <c:backWall>
+      <c:thickness val="0"/>
+    </c:backWall>
     <c:plotArea>
       <c:layout>
         <c:manualLayout>
@@ -182,6 +201,7 @@
           <c:order val="0"/>
           <c:dPt>
             <c:idx val="1"/>
+            <c:bubble3D val="0"/>
             <c:explosion val="18"/>
           </c:dPt>
           <c:dLbls>
@@ -193,8 +213,12 @@
                   <c:y val="8.6181273784898801E-2"/>
                 </c:manualLayout>
               </c:layout>
+              <c:showLegendKey val="0"/>
+              <c:showVal val="0"/>
               <c:showCatName val="1"/>
+              <c:showSerName val="0"/>
               <c:showPercent val="1"/>
+              <c:showBubbleSize val="0"/>
             </c:dLbl>
             <c:dLbl>
               <c:idx val="1"/>
@@ -204,11 +228,19 @@
                   <c:y val="-0.1522738302151497"/>
                 </c:manualLayout>
               </c:layout>
+              <c:showLegendKey val="0"/>
+              <c:showVal val="0"/>
               <c:showCatName val="1"/>
+              <c:showSerName val="0"/>
               <c:showPercent val="1"/>
+              <c:showBubbleSize val="0"/>
             </c:dLbl>
+            <c:showLegendKey val="0"/>
+            <c:showVal val="0"/>
             <c:showCatName val="1"/>
+            <c:showSerName val="0"/>
             <c:showPercent val="1"/>
+            <c:showBubbleSize val="0"/>
             <c:showLeaderLines val="1"/>
           </c:dLbls>
           <c:cat>
@@ -242,28 +274,44 @@
           </c:val>
         </c:ser>
         <c:dLbls>
+          <c:showLegendKey val="0"/>
+          <c:showVal val="0"/>
           <c:showCatName val="1"/>
+          <c:showSerName val="0"/>
           <c:showPercent val="1"/>
+          <c:showBubbleSize val="0"/>
+          <c:showLeaderLines val="1"/>
         </c:dLbls>
       </c:pie3DChart>
     </c:plotArea>
     <c:plotVisOnly val="1"/>
+    <c:dispBlanksAs val="gap"/>
+    <c:showDLblsOverMax val="0"/>
   </c:chart>
   <c:spPr>
     <a:ln>
       <a:noFill/>
     </a:ln>
   </c:spPr>
-  <c:externalData r:id="rId1"/>
+  <c:externalData r:id="rId1">
+    <c:autoUpdate val="0"/>
+  </c:externalData>
 </c:chartSpace>
 </file>
 
 <file path=ppt/charts/chart2.xml><?xml version="1.0" encoding="utf-8"?>
 <c:chartSpace xmlns:c="http://schemas.openxmlformats.org/drawingml/2006/chart" xmlns:a="http://schemas.openxmlformats.org/drawingml/2006/main" xmlns:r="http://schemas.openxmlformats.org/officeDocument/2006/relationships">
-  <c:date1904 val="1"/>
+  <c:date1904 val="0"/>
   <c:lang val="es-AR"/>
   <c:roundedCorners val="1"/>
-  <c:style val="26"/>
+  <mc:AlternateContent xmlns:mc="http://schemas.openxmlformats.org/markup-compatibility/2006">
+    <mc:Choice xmlns:c14="http://schemas.microsoft.com/office/drawing/2007/8/2/chart" Requires="c14">
+      <c14:style val="126"/>
+    </mc:Choice>
+    <mc:Fallback>
+      <c:style val="26"/>
+    </mc:Fallback>
+  </mc:AlternateContent>
   <c:chart>
     <c:title>
       <c:tx>
@@ -289,12 +337,24 @@
           <c:y val="3.0090268790543384E-2"/>
         </c:manualLayout>
       </c:layout>
+      <c:overlay val="0"/>
     </c:title>
+    <c:autoTitleDeleted val="0"/>
     <c:view3D>
       <c:rotX val="25"/>
       <c:rotY val="204"/>
+      <c:rAngAx val="0"/>
       <c:perspective val="20"/>
     </c:view3D>
+    <c:floor>
+      <c:thickness val="0"/>
+    </c:floor>
+    <c:sideWall>
+      <c:thickness val="0"/>
+    </c:sideWall>
+    <c:backWall>
+      <c:thickness val="0"/>
+    </c:backWall>
     <c:plotArea>
       <c:layout>
         <c:manualLayout>
@@ -322,8 +382,12 @@
                   <c:y val="-2.0480815362224229E-2"/>
                 </c:manualLayout>
               </c:layout>
+              <c:showLegendKey val="0"/>
+              <c:showVal val="0"/>
               <c:showCatName val="1"/>
+              <c:showSerName val="0"/>
               <c:showPercent val="1"/>
+              <c:showBubbleSize val="0"/>
             </c:dLbl>
             <c:dLbl>
               <c:idx val="1"/>
@@ -333,11 +397,19 @@
                   <c:y val="-9.6840804314640844E-2"/>
                 </c:manualLayout>
               </c:layout>
+              <c:showLegendKey val="0"/>
+              <c:showVal val="0"/>
               <c:showCatName val="1"/>
+              <c:showSerName val="0"/>
               <c:showPercent val="1"/>
+              <c:showBubbleSize val="0"/>
             </c:dLbl>
+            <c:showLegendKey val="0"/>
+            <c:showVal val="0"/>
             <c:showCatName val="1"/>
+            <c:showSerName val="0"/>
             <c:showPercent val="1"/>
+            <c:showBubbleSize val="0"/>
             <c:showLeaderLines val="1"/>
           </c:dLbls>
           <c:cat>
@@ -371,27 +443,44 @@
           </c:val>
         </c:ser>
         <c:dLbls>
+          <c:showLegendKey val="0"/>
+          <c:showVal val="0"/>
           <c:showCatName val="1"/>
+          <c:showSerName val="0"/>
           <c:showPercent val="1"/>
+          <c:showBubbleSize val="0"/>
+          <c:showLeaderLines val="1"/>
         </c:dLbls>
       </c:pie3DChart>
     </c:plotArea>
     <c:plotVisOnly val="1"/>
+    <c:dispBlanksAs val="gap"/>
+    <c:showDLblsOverMax val="0"/>
   </c:chart>
   <c:spPr>
     <a:ln>
       <a:noFill/>
     </a:ln>
   </c:spPr>
-  <c:externalData r:id="rId1"/>
+  <c:externalData r:id="rId1">
+    <c:autoUpdate val="0"/>
+  </c:externalData>
 </c:chartSpace>
 </file>
 
 <file path=ppt/charts/chart3.xml><?xml version="1.0" encoding="utf-8"?>
 <c:chartSpace xmlns:c="http://schemas.openxmlformats.org/drawingml/2006/chart" xmlns:a="http://schemas.openxmlformats.org/drawingml/2006/main" xmlns:r="http://schemas.openxmlformats.org/officeDocument/2006/relationships">
-  <c:date1904 val="1"/>
+  <c:date1904 val="0"/>
   <c:lang val="es-AR"/>
-  <c:style val="26"/>
+  <c:roundedCorners val="0"/>
+  <mc:AlternateContent xmlns:mc="http://schemas.openxmlformats.org/markup-compatibility/2006">
+    <mc:Choice xmlns:c14="http://schemas.microsoft.com/office/drawing/2007/8/2/chart" Requires="c14">
+      <c14:style val="126"/>
+    </mc:Choice>
+    <mc:Fallback>
+      <c:style val="26"/>
+    </mc:Fallback>
+  </mc:AlternateContent>
   <c:chart>
     <c:title>
       <c:tx>
@@ -410,20 +499,35 @@
         </c:rich>
       </c:tx>
       <c:layout/>
+      <c:overlay val="0"/>
       <c:spPr>
         <a:ln>
           <a:noFill/>
         </a:ln>
       </c:spPr>
     </c:title>
+    <c:autoTitleDeleted val="0"/>
     <c:view3D>
+      <c:rotX val="15"/>
+      <c:rotY val="20"/>
+      <c:rAngAx val="0"/>
       <c:perspective val="30"/>
     </c:view3D>
+    <c:floor>
+      <c:thickness val="0"/>
+    </c:floor>
+    <c:sideWall>
+      <c:thickness val="0"/>
+    </c:sideWall>
+    <c:backWall>
+      <c:thickness val="0"/>
+    </c:backWall>
     <c:plotArea>
       <c:layout/>
       <c:bar3DChart>
         <c:barDir val="col"/>
         <c:grouping val="stacked"/>
+        <c:varyColors val="0"/>
         <c:ser>
           <c:idx val="0"/>
           <c:order val="0"/>
@@ -438,6 +542,7 @@
               </c:strCache>
             </c:strRef>
           </c:tx>
+          <c:invertIfNegative val="0"/>
           <c:cat>
             <c:strRef>
               <c:f>'Analisis de datos'!$M$29</c:f>
@@ -461,7 +566,6 @@
               </c:numCache>
             </c:numRef>
           </c:val>
-          <c:bubble3D val="1"/>
         </c:ser>
         <c:ser>
           <c:idx val="1"/>
@@ -477,6 +581,7 @@
               </c:strCache>
             </c:strRef>
           </c:tx>
+          <c:invertIfNegative val="0"/>
           <c:cat>
             <c:strRef>
               <c:f>'Analisis de datos'!$M$29</c:f>
@@ -501,43 +606,56 @@
             </c:numRef>
           </c:val>
         </c:ser>
+        <c:dLbls>
+          <c:showLegendKey val="0"/>
+          <c:showVal val="0"/>
+          <c:showCatName val="0"/>
+          <c:showSerName val="0"/>
+          <c:showPercent val="0"/>
+          <c:showBubbleSize val="0"/>
+        </c:dLbls>
         <c:gapWidth val="75"/>
         <c:shape val="cylinder"/>
-        <c:axId val="49049600"/>
-        <c:axId val="49051136"/>
+        <c:axId val="39034368"/>
+        <c:axId val="38846464"/>
         <c:axId val="0"/>
       </c:bar3DChart>
       <c:catAx>
-        <c:axId val="49049600"/>
+        <c:axId val="39034368"/>
         <c:scaling>
           <c:orientation val="minMax"/>
         </c:scaling>
+        <c:delete val="0"/>
         <c:axPos val="b"/>
         <c:numFmt formatCode="General" sourceLinked="1"/>
         <c:majorTickMark val="none"/>
+        <c:minorTickMark val="none"/>
         <c:tickLblPos val="none"/>
-        <c:crossAx val="49051136"/>
+        <c:crossAx val="38846464"/>
         <c:crosses val="autoZero"/>
         <c:auto val="1"/>
         <c:lblAlgn val="ctr"/>
         <c:lblOffset val="100"/>
+        <c:noMultiLvlLbl val="0"/>
       </c:catAx>
       <c:valAx>
-        <c:axId val="49051136"/>
+        <c:axId val="38846464"/>
         <c:scaling>
           <c:orientation val="minMax"/>
         </c:scaling>
+        <c:delete val="0"/>
         <c:axPos val="l"/>
         <c:majorGridlines/>
         <c:numFmt formatCode="0" sourceLinked="0"/>
         <c:majorTickMark val="none"/>
+        <c:minorTickMark val="none"/>
         <c:tickLblPos val="nextTo"/>
         <c:spPr>
           <a:ln w="9525">
             <a:noFill/>
           </a:ln>
         </c:spPr>
-        <c:crossAx val="49049600"/>
+        <c:crossAx val="39034368"/>
         <c:crosses val="autoZero"/>
         <c:crossBetween val="between"/>
       </c:valAx>
@@ -545,23 +663,36 @@
     <c:legend>
       <c:legendPos val="b"/>
       <c:layout/>
+      <c:overlay val="0"/>
     </c:legend>
     <c:plotVisOnly val="1"/>
+    <c:dispBlanksAs val="gap"/>
+    <c:showDLblsOverMax val="0"/>
   </c:chart>
   <c:spPr>
     <a:ln>
       <a:noFill/>
     </a:ln>
   </c:spPr>
-  <c:externalData r:id="rId1"/>
+  <c:externalData r:id="rId1">
+    <c:autoUpdate val="0"/>
+  </c:externalData>
 </c:chartSpace>
 </file>
 
 <file path=ppt/charts/chart4.xml><?xml version="1.0" encoding="utf-8"?>
 <c:chartSpace xmlns:c="http://schemas.openxmlformats.org/drawingml/2006/chart" xmlns:a="http://schemas.openxmlformats.org/drawingml/2006/main" xmlns:r="http://schemas.openxmlformats.org/officeDocument/2006/relationships">
-  <c:date1904 val="1"/>
+  <c:date1904 val="0"/>
   <c:lang val="es-AR"/>
-  <c:style val="26"/>
+  <c:roundedCorners val="0"/>
+  <mc:AlternateContent xmlns:mc="http://schemas.openxmlformats.org/markup-compatibility/2006">
+    <mc:Choice xmlns:c14="http://schemas.microsoft.com/office/drawing/2007/8/2/chart" Requires="c14">
+      <c14:style val="126"/>
+    </mc:Choice>
+    <mc:Fallback>
+      <c:style val="26"/>
+    </mc:Fallback>
+  </mc:AlternateContent>
   <c:chart>
     <c:title>
       <c:tx>
@@ -580,20 +711,35 @@
         </c:rich>
       </c:tx>
       <c:layout/>
+      <c:overlay val="0"/>
       <c:spPr>
         <a:ln>
           <a:noFill/>
         </a:ln>
       </c:spPr>
     </c:title>
+    <c:autoTitleDeleted val="0"/>
     <c:view3D>
+      <c:rotX val="15"/>
+      <c:rotY val="20"/>
+      <c:rAngAx val="0"/>
       <c:perspective val="30"/>
     </c:view3D>
+    <c:floor>
+      <c:thickness val="0"/>
+    </c:floor>
+    <c:sideWall>
+      <c:thickness val="0"/>
+    </c:sideWall>
+    <c:backWall>
+      <c:thickness val="0"/>
+    </c:backWall>
     <c:plotArea>
       <c:layout/>
       <c:bar3DChart>
         <c:barDir val="col"/>
         <c:grouping val="stacked"/>
+        <c:varyColors val="0"/>
         <c:ser>
           <c:idx val="0"/>
           <c:order val="0"/>
@@ -608,6 +754,7 @@
               </c:strCache>
             </c:strRef>
           </c:tx>
+          <c:invertIfNegative val="0"/>
           <c:cat>
             <c:strRef>
               <c:f>'Analisis de datos'!$N$29</c:f>
@@ -631,7 +778,6 @@
               </c:numCache>
             </c:numRef>
           </c:val>
-          <c:bubble3D val="1"/>
         </c:ser>
         <c:ser>
           <c:idx val="1"/>
@@ -647,6 +793,7 @@
               </c:strCache>
             </c:strRef>
           </c:tx>
+          <c:invertIfNegative val="0"/>
           <c:cat>
             <c:strRef>
               <c:f>'Analisis de datos'!$N$29</c:f>
@@ -671,43 +818,56 @@
             </c:numRef>
           </c:val>
         </c:ser>
+        <c:dLbls>
+          <c:showLegendKey val="0"/>
+          <c:showVal val="0"/>
+          <c:showCatName val="0"/>
+          <c:showSerName val="0"/>
+          <c:showPercent val="0"/>
+          <c:showBubbleSize val="0"/>
+        </c:dLbls>
         <c:gapWidth val="75"/>
         <c:shape val="cylinder"/>
-        <c:axId val="49072384"/>
-        <c:axId val="49074176"/>
+        <c:axId val="38168064"/>
+        <c:axId val="38848192"/>
         <c:axId val="0"/>
       </c:bar3DChart>
       <c:catAx>
-        <c:axId val="49072384"/>
+        <c:axId val="38168064"/>
         <c:scaling>
           <c:orientation val="minMax"/>
         </c:scaling>
+        <c:delete val="0"/>
         <c:axPos val="b"/>
         <c:numFmt formatCode="General" sourceLinked="1"/>
         <c:majorTickMark val="none"/>
+        <c:minorTickMark val="none"/>
         <c:tickLblPos val="none"/>
-        <c:crossAx val="49074176"/>
+        <c:crossAx val="38848192"/>
         <c:crosses val="autoZero"/>
         <c:auto val="1"/>
         <c:lblAlgn val="ctr"/>
         <c:lblOffset val="100"/>
+        <c:noMultiLvlLbl val="0"/>
       </c:catAx>
       <c:valAx>
-        <c:axId val="49074176"/>
+        <c:axId val="38848192"/>
         <c:scaling>
           <c:orientation val="minMax"/>
         </c:scaling>
+        <c:delete val="0"/>
         <c:axPos val="l"/>
         <c:majorGridlines/>
         <c:numFmt formatCode="0" sourceLinked="0"/>
         <c:majorTickMark val="none"/>
+        <c:minorTickMark val="none"/>
         <c:tickLblPos val="nextTo"/>
         <c:spPr>
           <a:ln w="9525">
             <a:noFill/>
           </a:ln>
         </c:spPr>
-        <c:crossAx val="49072384"/>
+        <c:crossAx val="38168064"/>
         <c:crosses val="autoZero"/>
         <c:crossBetween val="between"/>
       </c:valAx>
@@ -715,28 +875,43 @@
     <c:legend>
       <c:legendPos val="b"/>
       <c:layout/>
+      <c:overlay val="0"/>
     </c:legend>
     <c:plotVisOnly val="1"/>
+    <c:dispBlanksAs val="gap"/>
+    <c:showDLblsOverMax val="0"/>
   </c:chart>
   <c:spPr>
     <a:ln>
       <a:noFill/>
     </a:ln>
   </c:spPr>
-  <c:externalData r:id="rId1"/>
+  <c:externalData r:id="rId1">
+    <c:autoUpdate val="0"/>
+  </c:externalData>
 </c:chartSpace>
 </file>
 
 <file path=ppt/charts/chart5.xml><?xml version="1.0" encoding="utf-8"?>
 <c:chartSpace xmlns:c="http://schemas.openxmlformats.org/drawingml/2006/chart" xmlns:a="http://schemas.openxmlformats.org/drawingml/2006/main" xmlns:r="http://schemas.openxmlformats.org/officeDocument/2006/relationships">
+  <c:date1904 val="0"/>
   <c:lang val="es-AR"/>
-  <c:style val="18"/>
+  <c:roundedCorners val="0"/>
+  <mc:AlternateContent xmlns:mc="http://schemas.openxmlformats.org/markup-compatibility/2006">
+    <mc:Choice xmlns:c14="http://schemas.microsoft.com/office/drawing/2007/8/2/chart" Requires="c14">
+      <c14:style val="118"/>
+    </mc:Choice>
+    <mc:Fallback>
+      <c:style val="18"/>
+    </mc:Fallback>
+  </mc:AlternateContent>
   <c:chart>
     <c:autoTitleDeleted val="1"/>
     <c:plotArea>
       <c:layout/>
       <c:scatterChart>
         <c:scatterStyle val="lineMarker"/>
+        <c:varyColors val="0"/>
         <c:ser>
           <c:idx val="1"/>
           <c:order val="1"/>
@@ -1213,6 +1388,7 @@
               </c:numCache>
             </c:numRef>
           </c:yVal>
+          <c:smooth val="0"/>
         </c:ser>
         <c:ser>
           <c:idx val="0"/>
@@ -1290,6 +1466,8 @@
           </c:marker>
           <c:trendline>
             <c:trendlineType val="linear"/>
+            <c:dispRSqr val="0"/>
+            <c:dispEq val="0"/>
           </c:trendline>
           <c:xVal>
             <c:numRef>
@@ -1693,17 +1871,27 @@
               </c:numCache>
             </c:numRef>
           </c:yVal>
+          <c:smooth val="0"/>
         </c:ser>
-        <c:axId val="50275840"/>
-        <c:axId val="50277760"/>
+        <c:dLbls>
+          <c:showLegendKey val="0"/>
+          <c:showVal val="0"/>
+          <c:showCatName val="0"/>
+          <c:showSerName val="0"/>
+          <c:showPercent val="0"/>
+          <c:showBubbleSize val="0"/>
+        </c:dLbls>
+        <c:axId val="38850496"/>
+        <c:axId val="38851072"/>
       </c:scatterChart>
       <c:valAx>
-        <c:axId val="50275840"/>
+        <c:axId val="38850496"/>
         <c:scaling>
           <c:orientation val="minMax"/>
           <c:max val="1.7"/>
           <c:min val="1"/>
         </c:scaling>
+        <c:delete val="0"/>
         <c:axPos val="b"/>
         <c:majorGridlines/>
         <c:minorGridlines/>
@@ -1731,18 +1919,22 @@
               <c:y val="7.1100565545627201E-2"/>
             </c:manualLayout>
           </c:layout>
+          <c:overlay val="0"/>
         </c:title>
         <c:numFmt formatCode="0.00" sourceLinked="1"/>
+        <c:majorTickMark val="out"/>
+        <c:minorTickMark val="none"/>
         <c:tickLblPos val="nextTo"/>
-        <c:crossAx val="50277760"/>
+        <c:crossAx val="38851072"/>
         <c:crosses val="autoZero"/>
         <c:crossBetween val="midCat"/>
       </c:valAx>
       <c:valAx>
-        <c:axId val="50277760"/>
+        <c:axId val="38851072"/>
         <c:scaling>
           <c:orientation val="minMax"/>
         </c:scaling>
+        <c:delete val="0"/>
         <c:axPos val="l"/>
         <c:majorGridlines/>
         <c:minorGridlines/>
@@ -1775,10 +1967,13 @@
               <c:y val="0.27606557927672126"/>
             </c:manualLayout>
           </c:layout>
+          <c:overlay val="0"/>
         </c:title>
         <c:numFmt formatCode="General" sourceLinked="1"/>
+        <c:majorTickMark val="out"/>
+        <c:minorTickMark val="none"/>
         <c:tickLblPos val="nextTo"/>
-        <c:crossAx val="50275840"/>
+        <c:crossAx val="38850496"/>
         <c:crosses val="autoZero"/>
         <c:crossBetween val="midCat"/>
       </c:valAx>
@@ -1795,16 +1990,31 @@
           <c:h val="7.5935015157046065E-2"/>
         </c:manualLayout>
       </c:layout>
+      <c:overlay val="0"/>
     </c:legend>
     <c:plotVisOnly val="1"/>
+    <c:dispBlanksAs val="gap"/>
+    <c:showDLblsOverMax val="0"/>
   </c:chart>
-  <c:externalData r:id="rId1"/>
+  <c:externalData r:id="rId1">
+    <c:autoUpdate val="0"/>
+  </c:externalData>
 </c:chartSpace>
 </file>
 
 <file path=ppt/charts/chart6.xml><?xml version="1.0" encoding="utf-8"?>
 <c:chartSpace xmlns:c="http://schemas.openxmlformats.org/drawingml/2006/chart" xmlns:a="http://schemas.openxmlformats.org/drawingml/2006/main" xmlns:r="http://schemas.openxmlformats.org/officeDocument/2006/relationships">
+  <c:date1904 val="0"/>
   <c:lang val="es-AR"/>
+  <c:roundedCorners val="0"/>
+  <mc:AlternateContent xmlns:mc="http://schemas.openxmlformats.org/markup-compatibility/2006">
+    <mc:Choice xmlns:c14="http://schemas.microsoft.com/office/drawing/2007/8/2/chart" Requires="c14">
+      <c14:style val="102"/>
+    </mc:Choice>
+    <mc:Fallback>
+      <c:style val="2"/>
+    </mc:Fallback>
+  </mc:AlternateContent>
   <c:chart>
     <c:autoTitleDeleted val="1"/>
     <c:plotArea>
@@ -1821,6 +2031,7 @@
       </c:layout>
       <c:scatterChart>
         <c:scatterStyle val="smoothMarker"/>
+        <c:varyColors val="0"/>
         <c:ser>
           <c:idx val="0"/>
           <c:order val="0"/>
@@ -1846,8 +2057,8 @@
             </a:effectLst>
           </c:spPr>
           <c:marker>
-            <c:symbol val="diamond"/>
-            <c:size val="7"/>
+            <c:symbol val="square"/>
+            <c:size val="6"/>
             <c:spPr>
               <a:gradFill rotWithShape="1">
                 <a:gsLst>
@@ -2312,6 +2523,8 @@
             </a:effectLst>
           </c:spPr>
           <c:marker>
+            <c:symbol val="diamond"/>
+            <c:size val="7"/>
             <c:spPr>
               <a:gradFill rotWithShape="1">
                 <a:gsLst>
@@ -2751,16 +2964,25 @@
           </c:yVal>
           <c:smooth val="1"/>
         </c:ser>
-        <c:axId val="50294144"/>
-        <c:axId val="50313088"/>
+        <c:dLbls>
+          <c:showLegendKey val="0"/>
+          <c:showVal val="0"/>
+          <c:showCatName val="0"/>
+          <c:showSerName val="0"/>
+          <c:showPercent val="0"/>
+          <c:showBubbleSize val="0"/>
+        </c:dLbls>
+        <c:axId val="38852800"/>
+        <c:axId val="38853376"/>
       </c:scatterChart>
       <c:valAx>
-        <c:axId val="50294144"/>
+        <c:axId val="38852800"/>
         <c:scaling>
           <c:orientation val="minMax"/>
           <c:max val="63"/>
           <c:min val="0"/>
         </c:scaling>
+        <c:delete val="0"/>
         <c:axPos val="b"/>
         <c:title>
           <c:tx>
@@ -2780,21 +3002,25 @@
             </c:rich>
           </c:tx>
           <c:layout/>
+          <c:overlay val="0"/>
         </c:title>
+        <c:majorTickMark val="out"/>
+        <c:minorTickMark val="none"/>
         <c:tickLblPos val="nextTo"/>
-        <c:crossAx val="50313088"/>
+        <c:crossAx val="38853376"/>
         <c:crosses val="autoZero"/>
         <c:crossBetween val="midCat"/>
         <c:majorUnit val="5"/>
         <c:minorUnit val="1"/>
       </c:valAx>
       <c:valAx>
-        <c:axId val="50313088"/>
+        <c:axId val="38853376"/>
         <c:scaling>
           <c:orientation val="minMax"/>
           <c:max val="280"/>
           <c:min val="0"/>
         </c:scaling>
+        <c:delete val="0"/>
         <c:axPos val="l"/>
         <c:majorGridlines/>
         <c:title>
@@ -2815,17 +3041,24 @@
             </c:rich>
           </c:tx>
           <c:layout/>
+          <c:overlay val="0"/>
         </c:title>
         <c:numFmt formatCode="General" sourceLinked="1"/>
+        <c:majorTickMark val="out"/>
+        <c:minorTickMark val="none"/>
         <c:tickLblPos val="nextTo"/>
-        <c:crossAx val="50294144"/>
+        <c:crossAx val="38852800"/>
         <c:crosses val="autoZero"/>
         <c:crossBetween val="midCat"/>
       </c:valAx>
     </c:plotArea>
     <c:plotVisOnly val="1"/>
+    <c:dispBlanksAs val="gap"/>
+    <c:showDLblsOverMax val="0"/>
   </c:chart>
-  <c:externalData r:id="rId1"/>
+  <c:externalData r:id="rId1">
+    <c:autoUpdate val="0"/>
+  </c:externalData>
 </c:chartSpace>
 </file>
 
@@ -6547,43 +6780,43 @@
     </dgm:pt>
   </dgm:ptLst>
   <dgm:cxnLst>
-    <dgm:cxn modelId="{59DC16B1-1AD8-4E5A-9DFB-056D13E468D6}" type="presOf" srcId="{FF08B318-A1F3-47F2-AD3F-C9F8A0F96034}" destId="{4174C60E-95CC-4882-BEA6-891F2F81F245}" srcOrd="0" destOrd="3" presId="urn:microsoft.com/office/officeart/2005/8/layout/vList2"/>
-    <dgm:cxn modelId="{DE7C114A-5D95-4AB1-A562-C2B1FD9E901A}" srcId="{F6891DC3-F7D4-4219-BD99-E633DF7F9C99}" destId="{816B1F66-B04D-4168-AAC9-603B902502B3}" srcOrd="1" destOrd="0" parTransId="{728F8BA7-57D2-4913-B32E-AE62413F9E2B}" sibTransId="{3C12FBF5-0681-465A-9A7B-7EBA11521D14}"/>
-    <dgm:cxn modelId="{75A700D1-D7CB-41CD-B519-B5A9ADE122C1}" srcId="{C450AFBD-D19E-4FDA-929B-E1A653D8E4DD}" destId="{673CF87C-3FEE-4570-BD3C-45251C8860E1}" srcOrd="1" destOrd="0" parTransId="{DAEA0810-607E-42AF-AB88-4ADDF9190089}" sibTransId="{E0947DC1-3396-42B3-9CAF-49A98E26AA74}"/>
     <dgm:cxn modelId="{6E64ED66-4F46-4C8D-8C75-A970872A44CB}" type="presOf" srcId="{DD847369-FD52-47A4-9862-6E0F26E8356D}" destId="{3598399E-EEC9-4846-AE6F-2A815FA52A1A}" srcOrd="0" destOrd="0" presId="urn:microsoft.com/office/officeart/2005/8/layout/vList2"/>
-    <dgm:cxn modelId="{518902F6-C000-4ED1-B07D-7869545DF19F}" type="presOf" srcId="{0C38124E-1BE8-4699-A409-7E5EBEFC0B05}" destId="{3DA3C54A-443E-4079-8FD8-03835498A313}" srcOrd="0" destOrd="0" presId="urn:microsoft.com/office/officeart/2005/8/layout/vList2"/>
+    <dgm:cxn modelId="{97540CCD-B544-4F38-8A09-A8D2A24C4BBA}" type="presOf" srcId="{15B62DB7-1781-4712-8CB4-4612F4004CF9}" destId="{4174C60E-95CC-4882-BEA6-891F2F81F245}" srcOrd="0" destOrd="1" presId="urn:microsoft.com/office/officeart/2005/8/layout/vList2"/>
+    <dgm:cxn modelId="{C7B12F29-6D9C-4F55-B0B4-0C52E4894C4D}" srcId="{C450AFBD-D19E-4FDA-929B-E1A653D8E4DD}" destId="{CF9922EE-48BF-4D32-9CA3-D69D0E77782E}" srcOrd="2" destOrd="0" parTransId="{76B7A7CB-BEA7-4835-8CFB-5DE74BC2A803}" sibTransId="{A2A6269D-5DD5-43D6-9B36-4E362826A8F1}"/>
+    <dgm:cxn modelId="{9977EA1B-9B74-4F59-A2D5-51A779991AD8}" srcId="{46D51864-616F-4817-8F91-3E15814C4CD5}" destId="{15B62DB7-1781-4712-8CB4-4612F4004CF9}" srcOrd="1" destOrd="0" parTransId="{7F360CA1-E9E5-4774-B5E6-7BD4C2281884}" sibTransId="{90A31C82-9F2C-45D4-89B6-4B24566CCF2C}"/>
+    <dgm:cxn modelId="{7EC4CCEE-A36A-43C6-95E1-0480A1BAEE8F}" srcId="{C450AFBD-D19E-4FDA-929B-E1A653D8E4DD}" destId="{85C598A0-BCCA-4BF4-BD0C-322094E95D20}" srcOrd="0" destOrd="0" parTransId="{DF9A3197-7551-4AB0-9864-A3DFF256CB2F}" sibTransId="{F8D97D87-512C-42B0-8BCF-6EB0500ECB4A}"/>
     <dgm:cxn modelId="{DDE1E562-757E-41ED-8919-2F695DEFB7C4}" srcId="{DD847369-FD52-47A4-9862-6E0F26E8356D}" destId="{B23AB487-D1FB-45C8-ACD1-3EF47C2B535D}" srcOrd="0" destOrd="0" parTransId="{F399338F-1119-44B6-94F9-8F982ED25E8E}" sibTransId="{BCD5F139-66EC-4467-A91E-91B4B0B55E2A}"/>
+    <dgm:cxn modelId="{A0919315-A5D4-4BEF-A0E9-A2CC0CC68EEE}" type="presOf" srcId="{673CF87C-3FEE-4570-BD3C-45251C8860E1}" destId="{D4B29F39-5BA6-449A-B2B8-4D84BC4B354D}" srcOrd="0" destOrd="1" presId="urn:microsoft.com/office/officeart/2005/8/layout/vList2"/>
     <dgm:cxn modelId="{BECF50C3-DFE3-45EE-B065-429FEFFFDC49}" type="presOf" srcId="{02FBB906-BA58-41E9-8AD3-696CDF33B717}" destId="{86C6E5DC-91FE-4393-97EC-0E63A588CCA8}" srcOrd="0" destOrd="1" presId="urn:microsoft.com/office/officeart/2005/8/layout/vList2"/>
     <dgm:cxn modelId="{A908B9C3-771B-41EB-AB29-5D8297E093E1}" type="presOf" srcId="{85C598A0-BCCA-4BF4-BD0C-322094E95D20}" destId="{D4B29F39-5BA6-449A-B2B8-4D84BC4B354D}" srcOrd="0" destOrd="0" presId="urn:microsoft.com/office/officeart/2005/8/layout/vList2"/>
-    <dgm:cxn modelId="{F8FC9519-21BC-4D9B-A3DD-05A3CB4F1842}" srcId="{46D51864-616F-4817-8F91-3E15814C4CD5}" destId="{69A1D6D1-C5A0-40C0-8829-3DCBB2A1EA06}" srcOrd="0" destOrd="0" parTransId="{0EE2AA90-1017-41D1-A5FF-5DB26507CBC1}" sibTransId="{F2EEB5D0-099E-4B95-BE4F-891C57129C67}"/>
+    <dgm:cxn modelId="{8526E3F5-25F8-4704-B058-78E3FE5EB49A}" srcId="{DD847369-FD52-47A4-9862-6E0F26E8356D}" destId="{02FBB906-BA58-41E9-8AD3-696CDF33B717}" srcOrd="1" destOrd="0" parTransId="{B5AFC2B3-D52C-48AE-8F7A-36242B2BAFB5}" sibTransId="{CF70BE40-2BC0-48DF-8F64-CC537DE7C180}"/>
+    <dgm:cxn modelId="{27AB5765-8A9D-4C63-A79E-37E0CC419524}" type="presOf" srcId="{B23AB487-D1FB-45C8-ACD1-3EF47C2B535D}" destId="{86C6E5DC-91FE-4393-97EC-0E63A588CCA8}" srcOrd="0" destOrd="0" presId="urn:microsoft.com/office/officeart/2005/8/layout/vList2"/>
+    <dgm:cxn modelId="{4BB9627F-6082-491F-9A31-E331F47FDE94}" srcId="{C450AFBD-D19E-4FDA-929B-E1A653D8E4DD}" destId="{0E334188-9FCE-4754-B766-F6DCF898A424}" srcOrd="3" destOrd="0" parTransId="{1A72B2DE-87F8-47D1-9593-AD23C65AF2C5}" sibTransId="{1205E850-218F-42F4-8FB7-F49F93547ED8}"/>
+    <dgm:cxn modelId="{325076B5-CAF0-4A95-8C9C-B4FA4C794795}" srcId="{28621352-D8C8-4462-A38B-5ED8DAECF65B}" destId="{DD847369-FD52-47A4-9862-6E0F26E8356D}" srcOrd="1" destOrd="0" parTransId="{68F9C435-6FFD-40A0-A071-F2D05C6DAF67}" sibTransId="{6B1F0A42-3C88-4789-98FD-E29CD4BA95FC}"/>
+    <dgm:cxn modelId="{7479DAAC-2B8D-4A7A-9DE1-A0F98C7C7923}" type="presOf" srcId="{AB43DDEF-3FFD-405C-969F-A5205E771909}" destId="{86C6E5DC-91FE-4393-97EC-0E63A588CCA8}" srcOrd="0" destOrd="3" presId="urn:microsoft.com/office/officeart/2005/8/layout/vList2"/>
+    <dgm:cxn modelId="{1B2F4A6A-C043-4023-88D6-A1926ECC69A4}" srcId="{F6891DC3-F7D4-4219-BD99-E633DF7F9C99}" destId="{0C38124E-1BE8-4699-A409-7E5EBEFC0B05}" srcOrd="0" destOrd="0" parTransId="{DE70DA72-A786-427A-941B-FDB83111C9ED}" sibTransId="{3D61EFA4-1337-4488-B664-71047F49B8E8}"/>
+    <dgm:cxn modelId="{0044EA7D-13E5-4640-A487-DF7086EF3ECE}" type="presOf" srcId="{F1D3B8A7-F18E-466C-B04E-4F86C1E71632}" destId="{86C6E5DC-91FE-4393-97EC-0E63A588CCA8}" srcOrd="0" destOrd="2" presId="urn:microsoft.com/office/officeart/2005/8/layout/vList2"/>
+    <dgm:cxn modelId="{D8120A4F-36C0-498E-B77B-E8488B038205}" srcId="{DD847369-FD52-47A4-9862-6E0F26E8356D}" destId="{AB43DDEF-3FFD-405C-969F-A5205E771909}" srcOrd="3" destOrd="0" parTransId="{CF1E8733-F25C-4585-B628-A590A4D497A3}" sibTransId="{36FE620E-EFB1-4CF7-8C13-D054A4C42142}"/>
+    <dgm:cxn modelId="{17EC2E80-063A-4284-B5F7-5B460FC430DD}" type="presOf" srcId="{28621352-D8C8-4462-A38B-5ED8DAECF65B}" destId="{F9B833AD-177B-47A7-A8A2-CC5864175494}" srcOrd="0" destOrd="0" presId="urn:microsoft.com/office/officeart/2005/8/layout/vList2"/>
+    <dgm:cxn modelId="{971BCDC8-037B-4F8F-BDF3-31E529D82B42}" type="presOf" srcId="{69A1D6D1-C5A0-40C0-8829-3DCBB2A1EA06}" destId="{4174C60E-95CC-4882-BEA6-891F2F81F245}" srcOrd="0" destOrd="0" presId="urn:microsoft.com/office/officeart/2005/8/layout/vList2"/>
+    <dgm:cxn modelId="{60758F71-4054-4347-A92D-998683F1C3A7}" type="presOf" srcId="{0E334188-9FCE-4754-B766-F6DCF898A424}" destId="{D4B29F39-5BA6-449A-B2B8-4D84BC4B354D}" srcOrd="0" destOrd="3" presId="urn:microsoft.com/office/officeart/2005/8/layout/vList2"/>
+    <dgm:cxn modelId="{23EF09F3-584C-4A0E-A954-D608F0381D33}" type="presOf" srcId="{F67643B1-22DC-47B4-B3B5-BF746A707484}" destId="{4174C60E-95CC-4882-BEA6-891F2F81F245}" srcOrd="0" destOrd="2" presId="urn:microsoft.com/office/officeart/2005/8/layout/vList2"/>
+    <dgm:cxn modelId="{C5BE2439-39A8-47ED-9B5D-61B39BE555F8}" srcId="{28621352-D8C8-4462-A38B-5ED8DAECF65B}" destId="{C450AFBD-D19E-4FDA-929B-E1A653D8E4DD}" srcOrd="2" destOrd="0" parTransId="{3858CD50-7509-4A20-82C1-6C76A3301DC4}" sibTransId="{2DC09692-DC74-4E8D-B681-71C50902EB56}"/>
+    <dgm:cxn modelId="{F5607497-5D8D-46CE-AA54-88A7EA07FD9A}" type="presOf" srcId="{CF9922EE-48BF-4D32-9CA3-D69D0E77782E}" destId="{D4B29F39-5BA6-449A-B2B8-4D84BC4B354D}" srcOrd="0" destOrd="2" presId="urn:microsoft.com/office/officeart/2005/8/layout/vList2"/>
+    <dgm:cxn modelId="{F0D4F50D-5A17-422C-8331-D8004DD48F14}" srcId="{28621352-D8C8-4462-A38B-5ED8DAECF65B}" destId="{F6891DC3-F7D4-4219-BD99-E633DF7F9C99}" srcOrd="0" destOrd="0" parTransId="{1B245E6A-BCBD-4310-AB1B-65FCE10DA84E}" sibTransId="{1D2F8BD6-4E8D-44E7-BB11-49A85F68390E}"/>
+    <dgm:cxn modelId="{75A700D1-D7CB-41CD-B519-B5A9ADE122C1}" srcId="{C450AFBD-D19E-4FDA-929B-E1A653D8E4DD}" destId="{673CF87C-3FEE-4570-BD3C-45251C8860E1}" srcOrd="1" destOrd="0" parTransId="{DAEA0810-607E-42AF-AB88-4ADDF9190089}" sibTransId="{E0947DC1-3396-42B3-9CAF-49A98E26AA74}"/>
     <dgm:cxn modelId="{4A7813FD-937C-452B-AF75-7E94AB313993}" srcId="{DD847369-FD52-47A4-9862-6E0F26E8356D}" destId="{F1D3B8A7-F18E-466C-B04E-4F86C1E71632}" srcOrd="2" destOrd="0" parTransId="{6FCD00B0-9AC7-4A2C-990E-1455B980BE4B}" sibTransId="{7FF16688-7ACE-4FBA-88B5-A9A16CC61368}"/>
-    <dgm:cxn modelId="{AE3650D8-4F2F-426C-AB7C-8E557E497AC9}" srcId="{46D51864-616F-4817-8F91-3E15814C4CD5}" destId="{FF08B318-A1F3-47F2-AD3F-C9F8A0F96034}" srcOrd="3" destOrd="0" parTransId="{43FC54AC-4833-4786-BCFA-D5B98D91A7B6}" sibTransId="{DD8AA6AF-2AA6-41F8-912C-3C0B383B8B0E}"/>
-    <dgm:cxn modelId="{60758F71-4054-4347-A92D-998683F1C3A7}" type="presOf" srcId="{0E334188-9FCE-4754-B766-F6DCF898A424}" destId="{D4B29F39-5BA6-449A-B2B8-4D84BC4B354D}" srcOrd="0" destOrd="3" presId="urn:microsoft.com/office/officeart/2005/8/layout/vList2"/>
-    <dgm:cxn modelId="{C5BE2439-39A8-47ED-9B5D-61B39BE555F8}" srcId="{28621352-D8C8-4462-A38B-5ED8DAECF65B}" destId="{C450AFBD-D19E-4FDA-929B-E1A653D8E4DD}" srcOrd="2" destOrd="0" parTransId="{3858CD50-7509-4A20-82C1-6C76A3301DC4}" sibTransId="{2DC09692-DC74-4E8D-B681-71C50902EB56}"/>
-    <dgm:cxn modelId="{A0919315-A5D4-4BEF-A0E9-A2CC0CC68EEE}" type="presOf" srcId="{673CF87C-3FEE-4570-BD3C-45251C8860E1}" destId="{D4B29F39-5BA6-449A-B2B8-4D84BC4B354D}" srcOrd="0" destOrd="1" presId="urn:microsoft.com/office/officeart/2005/8/layout/vList2"/>
-    <dgm:cxn modelId="{4BB9627F-6082-491F-9A31-E331F47FDE94}" srcId="{C450AFBD-D19E-4FDA-929B-E1A653D8E4DD}" destId="{0E334188-9FCE-4754-B766-F6DCF898A424}" srcOrd="3" destOrd="0" parTransId="{1A72B2DE-87F8-47D1-9593-AD23C65AF2C5}" sibTransId="{1205E850-218F-42F4-8FB7-F49F93547ED8}"/>
-    <dgm:cxn modelId="{8E521032-63AF-4CE3-9A66-652C6C42682D}" type="presOf" srcId="{816B1F66-B04D-4168-AAC9-603B902502B3}" destId="{3DA3C54A-443E-4079-8FD8-03835498A313}" srcOrd="0" destOrd="1" presId="urn:microsoft.com/office/officeart/2005/8/layout/vList2"/>
-    <dgm:cxn modelId="{D8120A4F-36C0-498E-B77B-E8488B038205}" srcId="{DD847369-FD52-47A4-9862-6E0F26E8356D}" destId="{AB43DDEF-3FFD-405C-969F-A5205E771909}" srcOrd="3" destOrd="0" parTransId="{CF1E8733-F25C-4585-B628-A590A4D497A3}" sibTransId="{36FE620E-EFB1-4CF7-8C13-D054A4C42142}"/>
-    <dgm:cxn modelId="{A8DDEF6F-4A41-4E35-AE4A-47B863F39A6C}" type="presOf" srcId="{46D51864-616F-4817-8F91-3E15814C4CD5}" destId="{754C3953-3803-4D78-ABC9-4560C428F027}" srcOrd="0" destOrd="0" presId="urn:microsoft.com/office/officeart/2005/8/layout/vList2"/>
-    <dgm:cxn modelId="{971BCDC8-037B-4F8F-BDF3-31E529D82B42}" type="presOf" srcId="{69A1D6D1-C5A0-40C0-8829-3DCBB2A1EA06}" destId="{4174C60E-95CC-4882-BEA6-891F2F81F245}" srcOrd="0" destOrd="0" presId="urn:microsoft.com/office/officeart/2005/8/layout/vList2"/>
-    <dgm:cxn modelId="{9977EA1B-9B74-4F59-A2D5-51A779991AD8}" srcId="{46D51864-616F-4817-8F91-3E15814C4CD5}" destId="{15B62DB7-1781-4712-8CB4-4612F4004CF9}" srcOrd="1" destOrd="0" parTransId="{7F360CA1-E9E5-4774-B5E6-7BD4C2281884}" sibTransId="{90A31C82-9F2C-45D4-89B6-4B24566CCF2C}"/>
-    <dgm:cxn modelId="{23EF09F3-584C-4A0E-A954-D608F0381D33}" type="presOf" srcId="{F67643B1-22DC-47B4-B3B5-BF746A707484}" destId="{4174C60E-95CC-4882-BEA6-891F2F81F245}" srcOrd="0" destOrd="2" presId="urn:microsoft.com/office/officeart/2005/8/layout/vList2"/>
-    <dgm:cxn modelId="{97540CCD-B544-4F38-8A09-A8D2A24C4BBA}" type="presOf" srcId="{15B62DB7-1781-4712-8CB4-4612F4004CF9}" destId="{4174C60E-95CC-4882-BEA6-891F2F81F245}" srcOrd="0" destOrd="1" presId="urn:microsoft.com/office/officeart/2005/8/layout/vList2"/>
-    <dgm:cxn modelId="{F5607497-5D8D-46CE-AA54-88A7EA07FD9A}" type="presOf" srcId="{CF9922EE-48BF-4D32-9CA3-D69D0E77782E}" destId="{D4B29F39-5BA6-449A-B2B8-4D84BC4B354D}" srcOrd="0" destOrd="2" presId="urn:microsoft.com/office/officeart/2005/8/layout/vList2"/>
-    <dgm:cxn modelId="{7479DAAC-2B8D-4A7A-9DE1-A0F98C7C7923}" type="presOf" srcId="{AB43DDEF-3FFD-405C-969F-A5205E771909}" destId="{86C6E5DC-91FE-4393-97EC-0E63A588CCA8}" srcOrd="0" destOrd="3" presId="urn:microsoft.com/office/officeart/2005/8/layout/vList2"/>
-    <dgm:cxn modelId="{7EC4CCEE-A36A-43C6-95E1-0480A1BAEE8F}" srcId="{C450AFBD-D19E-4FDA-929B-E1A653D8E4DD}" destId="{85C598A0-BCCA-4BF4-BD0C-322094E95D20}" srcOrd="0" destOrd="0" parTransId="{DF9A3197-7551-4AB0-9864-A3DFF256CB2F}" sibTransId="{F8D97D87-512C-42B0-8BCF-6EB0500ECB4A}"/>
-    <dgm:cxn modelId="{DFCB5525-E174-4B2A-ADBB-B3D93E2D2A6C}" srcId="{28621352-D8C8-4462-A38B-5ED8DAECF65B}" destId="{46D51864-616F-4817-8F91-3E15814C4CD5}" srcOrd="3" destOrd="0" parTransId="{E2AE9E1E-E0FB-47DC-9337-191CB5B936CB}" sibTransId="{E9DF6DF7-3E08-45C9-8B8E-841EA30C8B33}"/>
-    <dgm:cxn modelId="{F0D4F50D-5A17-422C-8331-D8004DD48F14}" srcId="{28621352-D8C8-4462-A38B-5ED8DAECF65B}" destId="{F6891DC3-F7D4-4219-BD99-E633DF7F9C99}" srcOrd="0" destOrd="0" parTransId="{1B245E6A-BCBD-4310-AB1B-65FCE10DA84E}" sibTransId="{1D2F8BD6-4E8D-44E7-BB11-49A85F68390E}"/>
-    <dgm:cxn modelId="{1B2F4A6A-C043-4023-88D6-A1926ECC69A4}" srcId="{F6891DC3-F7D4-4219-BD99-E633DF7F9C99}" destId="{0C38124E-1BE8-4699-A409-7E5EBEFC0B05}" srcOrd="0" destOrd="0" parTransId="{DE70DA72-A786-427A-941B-FDB83111C9ED}" sibTransId="{3D61EFA4-1337-4488-B664-71047F49B8E8}"/>
-    <dgm:cxn modelId="{5FB863EE-1950-496B-8FF6-A06CB4BCC373}" srcId="{46D51864-616F-4817-8F91-3E15814C4CD5}" destId="{F67643B1-22DC-47B4-B3B5-BF746A707484}" srcOrd="2" destOrd="0" parTransId="{8BDF7434-6C4C-4F44-B49E-8CEB0F7057E5}" sibTransId="{46B476B1-E80F-4347-839F-665DE47D6FA7}"/>
-    <dgm:cxn modelId="{325076B5-CAF0-4A95-8C9C-B4FA4C794795}" srcId="{28621352-D8C8-4462-A38B-5ED8DAECF65B}" destId="{DD847369-FD52-47A4-9862-6E0F26E8356D}" srcOrd="1" destOrd="0" parTransId="{68F9C435-6FFD-40A0-A071-F2D05C6DAF67}" sibTransId="{6B1F0A42-3C88-4789-98FD-E29CD4BA95FC}"/>
-    <dgm:cxn modelId="{C7B12F29-6D9C-4F55-B0B4-0C52E4894C4D}" srcId="{C450AFBD-D19E-4FDA-929B-E1A653D8E4DD}" destId="{CF9922EE-48BF-4D32-9CA3-D69D0E77782E}" srcOrd="2" destOrd="0" parTransId="{76B7A7CB-BEA7-4835-8CFB-5DE74BC2A803}" sibTransId="{A2A6269D-5DD5-43D6-9B36-4E362826A8F1}"/>
     <dgm:cxn modelId="{C97EDC3C-F975-4058-9CA6-846C8132FD7D}" type="presOf" srcId="{F6891DC3-F7D4-4219-BD99-E633DF7F9C99}" destId="{A95D184C-E14B-4F00-909E-013D2800488D}" srcOrd="0" destOrd="0" presId="urn:microsoft.com/office/officeart/2005/8/layout/vList2"/>
     <dgm:cxn modelId="{28A22959-2AC1-4283-8BF7-F15075D49AA4}" type="presOf" srcId="{C450AFBD-D19E-4FDA-929B-E1A653D8E4DD}" destId="{3C75DF9A-6800-46C6-AFE7-9345250C9E19}" srcOrd="0" destOrd="0" presId="urn:microsoft.com/office/officeart/2005/8/layout/vList2"/>
-    <dgm:cxn modelId="{8526E3F5-25F8-4704-B058-78E3FE5EB49A}" srcId="{DD847369-FD52-47A4-9862-6E0F26E8356D}" destId="{02FBB906-BA58-41E9-8AD3-696CDF33B717}" srcOrd="1" destOrd="0" parTransId="{B5AFC2B3-D52C-48AE-8F7A-36242B2BAFB5}" sibTransId="{CF70BE40-2BC0-48DF-8F64-CC537DE7C180}"/>
-    <dgm:cxn modelId="{17EC2E80-063A-4284-B5F7-5B460FC430DD}" type="presOf" srcId="{28621352-D8C8-4462-A38B-5ED8DAECF65B}" destId="{F9B833AD-177B-47A7-A8A2-CC5864175494}" srcOrd="0" destOrd="0" presId="urn:microsoft.com/office/officeart/2005/8/layout/vList2"/>
-    <dgm:cxn modelId="{27AB5765-8A9D-4C63-A79E-37E0CC419524}" type="presOf" srcId="{B23AB487-D1FB-45C8-ACD1-3EF47C2B535D}" destId="{86C6E5DC-91FE-4393-97EC-0E63A588CCA8}" srcOrd="0" destOrd="0" presId="urn:microsoft.com/office/officeart/2005/8/layout/vList2"/>
-    <dgm:cxn modelId="{0044EA7D-13E5-4640-A487-DF7086EF3ECE}" type="presOf" srcId="{F1D3B8A7-F18E-466C-B04E-4F86C1E71632}" destId="{86C6E5DC-91FE-4393-97EC-0E63A588CCA8}" srcOrd="0" destOrd="2" presId="urn:microsoft.com/office/officeart/2005/8/layout/vList2"/>
+    <dgm:cxn modelId="{518902F6-C000-4ED1-B07D-7869545DF19F}" type="presOf" srcId="{0C38124E-1BE8-4699-A409-7E5EBEFC0B05}" destId="{3DA3C54A-443E-4079-8FD8-03835498A313}" srcOrd="0" destOrd="0" presId="urn:microsoft.com/office/officeart/2005/8/layout/vList2"/>
+    <dgm:cxn modelId="{5FB863EE-1950-496B-8FF6-A06CB4BCC373}" srcId="{46D51864-616F-4817-8F91-3E15814C4CD5}" destId="{F67643B1-22DC-47B4-B3B5-BF746A707484}" srcOrd="2" destOrd="0" parTransId="{8BDF7434-6C4C-4F44-B49E-8CEB0F7057E5}" sibTransId="{46B476B1-E80F-4347-839F-665DE47D6FA7}"/>
+    <dgm:cxn modelId="{DFCB5525-E174-4B2A-ADBB-B3D93E2D2A6C}" srcId="{28621352-D8C8-4462-A38B-5ED8DAECF65B}" destId="{46D51864-616F-4817-8F91-3E15814C4CD5}" srcOrd="3" destOrd="0" parTransId="{E2AE9E1E-E0FB-47DC-9337-191CB5B936CB}" sibTransId="{E9DF6DF7-3E08-45C9-8B8E-841EA30C8B33}"/>
+    <dgm:cxn modelId="{59DC16B1-1AD8-4E5A-9DFB-056D13E468D6}" type="presOf" srcId="{FF08B318-A1F3-47F2-AD3F-C9F8A0F96034}" destId="{4174C60E-95CC-4882-BEA6-891F2F81F245}" srcOrd="0" destOrd="3" presId="urn:microsoft.com/office/officeart/2005/8/layout/vList2"/>
+    <dgm:cxn modelId="{F8FC9519-21BC-4D9B-A3DD-05A3CB4F1842}" srcId="{46D51864-616F-4817-8F91-3E15814C4CD5}" destId="{69A1D6D1-C5A0-40C0-8829-3DCBB2A1EA06}" srcOrd="0" destOrd="0" parTransId="{0EE2AA90-1017-41D1-A5FF-5DB26507CBC1}" sibTransId="{F2EEB5D0-099E-4B95-BE4F-891C57129C67}"/>
+    <dgm:cxn modelId="{8E521032-63AF-4CE3-9A66-652C6C42682D}" type="presOf" srcId="{816B1F66-B04D-4168-AAC9-603B902502B3}" destId="{3DA3C54A-443E-4079-8FD8-03835498A313}" srcOrd="0" destOrd="1" presId="urn:microsoft.com/office/officeart/2005/8/layout/vList2"/>
+    <dgm:cxn modelId="{A8DDEF6F-4A41-4E35-AE4A-47B863F39A6C}" type="presOf" srcId="{46D51864-616F-4817-8F91-3E15814C4CD5}" destId="{754C3953-3803-4D78-ABC9-4560C428F027}" srcOrd="0" destOrd="0" presId="urn:microsoft.com/office/officeart/2005/8/layout/vList2"/>
+    <dgm:cxn modelId="{AE3650D8-4F2F-426C-AB7C-8E557E497AC9}" srcId="{46D51864-616F-4817-8F91-3E15814C4CD5}" destId="{FF08B318-A1F3-47F2-AD3F-C9F8A0F96034}" srcOrd="3" destOrd="0" parTransId="{43FC54AC-4833-4786-BCFA-D5B98D91A7B6}" sibTransId="{DD8AA6AF-2AA6-41F8-912C-3C0B383B8B0E}"/>
+    <dgm:cxn modelId="{DE7C114A-5D95-4AB1-A562-C2B1FD9E901A}" srcId="{F6891DC3-F7D4-4219-BD99-E633DF7F9C99}" destId="{816B1F66-B04D-4168-AAC9-603B902502B3}" srcOrd="1" destOrd="0" parTransId="{728F8BA7-57D2-4913-B32E-AE62413F9E2B}" sibTransId="{3C12FBF5-0681-465A-9A7B-7EBA11521D14}"/>
     <dgm:cxn modelId="{0D99D7EC-2C52-4117-9916-E3839DD40697}" type="presParOf" srcId="{F9B833AD-177B-47A7-A8A2-CC5864175494}" destId="{A95D184C-E14B-4F00-909E-013D2800488D}" srcOrd="0" destOrd="0" presId="urn:microsoft.com/office/officeart/2005/8/layout/vList2"/>
     <dgm:cxn modelId="{ABE203F6-5A3D-41CA-B1E1-46B40234097C}" type="presParOf" srcId="{F9B833AD-177B-47A7-A8A2-CC5864175494}" destId="{3DA3C54A-443E-4079-8FD8-03835498A313}" srcOrd="1" destOrd="0" presId="urn:microsoft.com/office/officeart/2005/8/layout/vList2"/>
     <dgm:cxn modelId="{85722904-6A2E-4C3E-AA6C-BD7E0AF853CB}" type="presParOf" srcId="{F9B833AD-177B-47A7-A8A2-CC5864175494}" destId="{3598399E-EEC9-4846-AE6F-2A815FA52A1A}" srcOrd="2" destOrd="0" presId="urn:microsoft.com/office/officeart/2005/8/layout/vList2"/>
@@ -6597,7 +6830,7 @@
   <dgm:whole/>
   <dgm:extLst>
     <a:ext uri="http://schemas.microsoft.com/office/drawing/2008/diagram">
-      <dsp:dataModelExt xmlns:dsp="http://schemas.microsoft.com/office/drawing/2008/diagram" xmlns="" relId="rId6" minVer="http://schemas.openxmlformats.org/drawingml/2006/diagram"/>
+      <dsp:dataModelExt xmlns:dsp="http://schemas.microsoft.com/office/drawing/2008/diagram" relId="rId6" minVer="http://schemas.openxmlformats.org/drawingml/2006/diagram"/>
     </a:ext>
   </dgm:extLst>
 </dgm:dataModel>
@@ -7427,45 +7660,45 @@
     </dgm:pt>
   </dgm:ptLst>
   <dgm:cxnLst>
-    <dgm:cxn modelId="{A74FB74D-DB87-4FE9-92C4-6C4897056853}" type="presOf" srcId="{F6FCA15E-1300-49D8-9A19-C767DAC04A99}" destId="{0263673B-FFC8-4AF0-A80C-2B148C294C2A}" srcOrd="0" destOrd="0" presId="urn:microsoft.com/office/officeart/2005/8/layout/vList2"/>
-    <dgm:cxn modelId="{62F41945-6A41-4B53-A6C6-42753AD08022}" type="presOf" srcId="{2609228E-A5C0-45E4-9F6E-5C9B111A848C}" destId="{5C6BCDC5-01CD-4D3A-AFDA-D028DCC208E0}" srcOrd="0" destOrd="2" presId="urn:microsoft.com/office/officeart/2005/8/layout/vList2"/>
-    <dgm:cxn modelId="{7247D70A-F92F-4FD7-8D88-A02979CE2550}" srcId="{F6FCA15E-1300-49D8-9A19-C767DAC04A99}" destId="{5F756E09-E2C4-473D-A2FE-4ECF3FF0FF8F}" srcOrd="4" destOrd="0" parTransId="{10C2D6CB-246E-4DE9-BA2D-CAAB0A803206}" sibTransId="{14B19A7D-2D02-416A-BC65-472122B7FA1F}"/>
-    <dgm:cxn modelId="{0FE424BD-1081-4F1C-970B-4305460D8826}" type="presOf" srcId="{C61D11BB-4595-44F9-9B5E-8C420BA3F5E4}" destId="{41C04F8C-558E-4A38-8464-2044A2BC12CB}" srcOrd="0" destOrd="0" presId="urn:microsoft.com/office/officeart/2005/8/layout/vList2"/>
-    <dgm:cxn modelId="{9EA03525-63FB-4A7C-8D89-963CDFCC6D5B}" type="presOf" srcId="{3F3E3B4C-AC38-4B0D-8B13-27C9B6E4981F}" destId="{48B1F019-1CE6-479A-AD63-543121743A8A}" srcOrd="0" destOrd="0" presId="urn:microsoft.com/office/officeart/2005/8/layout/vList2"/>
-    <dgm:cxn modelId="{28142634-20E2-4643-8EB4-4A3757B13D3A}" type="presOf" srcId="{D1C33119-F6AC-4A72-9974-0744D31A8D38}" destId="{09EBEF52-6D08-4CB1-8BDA-3D44D2BF50F5}" srcOrd="0" destOrd="1" presId="urn:microsoft.com/office/officeart/2005/8/layout/vList2"/>
     <dgm:cxn modelId="{25E6FEA1-7E68-454F-B1F5-623E9F3A2652}" type="presOf" srcId="{B3D9C1D0-DA6A-4A50-BC35-EB7AE3676D69}" destId="{5C6BCDC5-01CD-4D3A-AFDA-D028DCC208E0}" srcOrd="0" destOrd="3" presId="urn:microsoft.com/office/officeart/2005/8/layout/vList2"/>
-    <dgm:cxn modelId="{FAFF7F74-4890-456C-84DB-1DAD1A8F5E4F}" type="presOf" srcId="{BDE75AA0-EEA2-4A2B-89AC-3ECE4A048F59}" destId="{5C6BCDC5-01CD-4D3A-AFDA-D028DCC208E0}" srcOrd="0" destOrd="0" presId="urn:microsoft.com/office/officeart/2005/8/layout/vList2"/>
+    <dgm:cxn modelId="{5B95B6E2-0255-4DD5-BA86-A449E36D0794}" srcId="{C61D11BB-4595-44F9-9B5E-8C420BA3F5E4}" destId="{1A5928DB-AEEF-4FE0-BF3F-E22BAEBAD252}" srcOrd="0" destOrd="0" parTransId="{1BE43270-4DE6-4692-A9BF-9D84E038AA50}" sibTransId="{E9A7AC35-C9B8-442C-A7A7-EA4E6768D458}"/>
     <dgm:cxn modelId="{AC5C21BE-50B9-4F69-9B10-790D0161C134}" srcId="{F6FCA15E-1300-49D8-9A19-C767DAC04A99}" destId="{BDE75AA0-EEA2-4A2B-89AC-3ECE4A048F59}" srcOrd="0" destOrd="0" parTransId="{69CE7B57-4C7A-420A-B169-FC6DA555A59F}" sibTransId="{36E1F3B8-BC97-4637-87DF-5DCBF2640188}"/>
-    <dgm:cxn modelId="{941AA721-A6A2-404C-A9EB-2277D42172C8}" type="presOf" srcId="{61F8A37E-0714-4D1C-A7DF-93A477875FE8}" destId="{41659F7B-4944-4AB4-A655-69C3BEDC0729}" srcOrd="0" destOrd="2" presId="urn:microsoft.com/office/officeart/2005/8/layout/vList2"/>
-    <dgm:cxn modelId="{CE789804-9959-403D-80D2-2C083B7E1B30}" srcId="{44708C06-303B-4ACD-B2F0-E95A20B60BB9}" destId="{5B8C8160-6E2D-453A-82E5-25B4F9620211}" srcOrd="2" destOrd="0" parTransId="{A6453594-D8D3-480C-8B11-5C2BBC675776}" sibTransId="{1C0F83EF-2519-4F01-9EDF-E51359C24296}"/>
-    <dgm:cxn modelId="{A79A16A6-BDC2-4CB9-BEB9-C44C06051F03}" type="presOf" srcId="{1DB1CF4C-3721-48A3-A006-6396E9D8EB3C}" destId="{A96A0ECB-4E20-4C79-80BC-75B0D3A2CF5E}" srcOrd="0" destOrd="1" presId="urn:microsoft.com/office/officeart/2005/8/layout/vList2"/>
-    <dgm:cxn modelId="{E171F143-A348-42C1-A120-DA9AE5CD465D}" srcId="{3F3E3B4C-AC38-4B0D-8B13-27C9B6E4981F}" destId="{6C201876-47B4-4837-ADB8-7634C78A1142}" srcOrd="3" destOrd="0" parTransId="{6A639ACB-601D-48BA-A60B-E54DB5A1C276}" sibTransId="{68B0E920-03AF-4EED-9E0B-C79CE815665C}"/>
     <dgm:cxn modelId="{4A83E82C-B457-41A9-B21D-24C01A146047}" type="presOf" srcId="{44708C06-303B-4ACD-B2F0-E95A20B60BB9}" destId="{7F271AC6-E2E8-427D-B6A4-618241D2FDAA}" srcOrd="0" destOrd="0" presId="urn:microsoft.com/office/officeart/2005/8/layout/vList2"/>
-    <dgm:cxn modelId="{7DA24476-F8F6-4BD1-A555-1A506B7044F8}" srcId="{F6FCA15E-1300-49D8-9A19-C767DAC04A99}" destId="{2609228E-A5C0-45E4-9F6E-5C9B111A848C}" srcOrd="2" destOrd="0" parTransId="{D353A636-0730-48FE-A09C-2C55CB54703A}" sibTransId="{B367BEDE-186C-435D-B6AC-82224FC26007}"/>
-    <dgm:cxn modelId="{3B4A34F8-1245-411D-84EA-0D2354067FF4}" type="presOf" srcId="{E5C40602-EE8D-416D-8B3B-4E24090647F3}" destId="{5C6BCDC5-01CD-4D3A-AFDA-D028DCC208E0}" srcOrd="0" destOrd="1" presId="urn:microsoft.com/office/officeart/2005/8/layout/vList2"/>
-    <dgm:cxn modelId="{49F0F417-63B7-4C0A-93C8-9EC66C4C9A29}" srcId="{C61D11BB-4595-44F9-9B5E-8C420BA3F5E4}" destId="{1DB1CF4C-3721-48A3-A006-6396E9D8EB3C}" srcOrd="1" destOrd="0" parTransId="{0C36E746-5E0D-4DA0-B221-00D83B67D972}" sibTransId="{A5C62536-BFD7-4C68-BB98-3D8C218F7246}"/>
-    <dgm:cxn modelId="{538E0F94-2D8F-4274-AF37-252315CC096F}" type="presOf" srcId="{1A5928DB-AEEF-4FE0-BF3F-E22BAEBAD252}" destId="{A96A0ECB-4E20-4C79-80BC-75B0D3A2CF5E}" srcOrd="0" destOrd="0" presId="urn:microsoft.com/office/officeart/2005/8/layout/vList2"/>
-    <dgm:cxn modelId="{47C68A86-1C97-4499-9118-12EC4FB5B564}" type="presOf" srcId="{22DAB7B7-9FCC-4314-8C69-19D53AC134A4}" destId="{41659F7B-4944-4AB4-A655-69C3BEDC0729}" srcOrd="0" destOrd="0" presId="urn:microsoft.com/office/officeart/2005/8/layout/vList2"/>
+    <dgm:cxn modelId="{B6122A58-176B-4A1F-9D1E-9715D4C91A21}" type="presOf" srcId="{5B8C8160-6E2D-453A-82E5-25B4F9620211}" destId="{33777C9F-EE64-4B2F-BF3D-9063802483F3}" srcOrd="0" destOrd="0" presId="urn:microsoft.com/office/officeart/2005/8/layout/vList2"/>
+    <dgm:cxn modelId="{774117A1-A2BA-4D6A-8CF7-669C5C9CE060}" srcId="{5B8C8160-6E2D-453A-82E5-25B4F9620211}" destId="{3EFC9B20-0D65-40DE-BD51-0F18C3914B4D}" srcOrd="0" destOrd="0" parTransId="{375342D0-0E7C-472F-9387-F85C86F8AC6E}" sibTransId="{6174BE1F-E6DC-4C58-9B6F-E2D613EC8DC1}"/>
+    <dgm:cxn modelId="{C2C009DE-3C63-4820-AC98-5B1ABC1A5D58}" type="presOf" srcId="{04A03171-29F1-4C1D-AD98-0E6C9C32A7A2}" destId="{09EBEF52-6D08-4CB1-8BDA-3D44D2BF50F5}" srcOrd="0" destOrd="2" presId="urn:microsoft.com/office/officeart/2005/8/layout/vList2"/>
     <dgm:cxn modelId="{7B8D0D84-0DE5-4413-A091-2B4CF68497E2}" srcId="{5B8C8160-6E2D-453A-82E5-25B4F9620211}" destId="{04A03171-29F1-4C1D-AD98-0E6C9C32A7A2}" srcOrd="2" destOrd="0" parTransId="{824BFD88-B68B-4FC1-8D92-099F8DD45F1A}" sibTransId="{642E5A8E-19BE-4FC2-ABA4-C3B7AD61268B}"/>
-    <dgm:cxn modelId="{7130E3F5-10ED-4508-8B9A-65C5ACF84B03}" srcId="{3F3E3B4C-AC38-4B0D-8B13-27C9B6E4981F}" destId="{61F8A37E-0714-4D1C-A7DF-93A477875FE8}" srcOrd="2" destOrd="0" parTransId="{18A8226E-F374-44B5-9039-674732B45051}" sibTransId="{3B9A4E44-09BA-49E3-BB7A-B7AB33A765E5}"/>
-    <dgm:cxn modelId="{F20180E2-E88C-4C99-8D06-957A116888C3}" type="presOf" srcId="{6419DD54-EFF8-49D1-B2CF-8A9003CD53A6}" destId="{41659F7B-4944-4AB4-A655-69C3BEDC0729}" srcOrd="0" destOrd="1" presId="urn:microsoft.com/office/officeart/2005/8/layout/vList2"/>
-    <dgm:cxn modelId="{BD83AFB1-C612-4F11-9696-168A03569DF6}" srcId="{3F3E3B4C-AC38-4B0D-8B13-27C9B6E4981F}" destId="{22DAB7B7-9FCC-4314-8C69-19D53AC134A4}" srcOrd="0" destOrd="0" parTransId="{6FCCD2BE-C098-4989-BCD2-3EB576FED68B}" sibTransId="{529544D2-0EA8-4D51-8E24-63459470924B}"/>
-    <dgm:cxn modelId="{C2C009DE-3C63-4820-AC98-5B1ABC1A5D58}" type="presOf" srcId="{04A03171-29F1-4C1D-AD98-0E6C9C32A7A2}" destId="{09EBEF52-6D08-4CB1-8BDA-3D44D2BF50F5}" srcOrd="0" destOrd="2" presId="urn:microsoft.com/office/officeart/2005/8/layout/vList2"/>
     <dgm:cxn modelId="{7C2EF9DF-81A6-4C46-94BD-456095DFA23A}" type="presOf" srcId="{5F756E09-E2C4-473D-A2FE-4ECF3FF0FF8F}" destId="{5C6BCDC5-01CD-4D3A-AFDA-D028DCC208E0}" srcOrd="0" destOrd="4" presId="urn:microsoft.com/office/officeart/2005/8/layout/vList2"/>
     <dgm:cxn modelId="{6CAC1002-AA3E-4086-94DD-76524BA38AF8}" type="presOf" srcId="{3EFC9B20-0D65-40DE-BD51-0F18C3914B4D}" destId="{09EBEF52-6D08-4CB1-8BDA-3D44D2BF50F5}" srcOrd="0" destOrd="0" presId="urn:microsoft.com/office/officeart/2005/8/layout/vList2"/>
     <dgm:cxn modelId="{E6BFC30D-E97B-4A5B-B4C0-3BE022BE8ED1}" srcId="{44708C06-303B-4ACD-B2F0-E95A20B60BB9}" destId="{C61D11BB-4595-44F9-9B5E-8C420BA3F5E4}" srcOrd="0" destOrd="0" parTransId="{15384DF1-5386-40C4-84D3-E7302A1786F5}" sibTransId="{2771041C-2B15-40FF-AA58-C48C4E218F80}"/>
-    <dgm:cxn modelId="{5B95B6E2-0255-4DD5-BA86-A449E36D0794}" srcId="{C61D11BB-4595-44F9-9B5E-8C420BA3F5E4}" destId="{1A5928DB-AEEF-4FE0-BF3F-E22BAEBAD252}" srcOrd="0" destOrd="0" parTransId="{1BE43270-4DE6-4692-A9BF-9D84E038AA50}" sibTransId="{E9A7AC35-C9B8-442C-A7A7-EA4E6768D458}"/>
-    <dgm:cxn modelId="{B6122A58-176B-4A1F-9D1E-9715D4C91A21}" type="presOf" srcId="{5B8C8160-6E2D-453A-82E5-25B4F9620211}" destId="{33777C9F-EE64-4B2F-BF3D-9063802483F3}" srcOrd="0" destOrd="0" presId="urn:microsoft.com/office/officeart/2005/8/layout/vList2"/>
-    <dgm:cxn modelId="{15A114B3-475E-4011-B6DC-895210A6BB0D}" srcId="{F6FCA15E-1300-49D8-9A19-C767DAC04A99}" destId="{B3D9C1D0-DA6A-4A50-BC35-EB7AE3676D69}" srcOrd="3" destOrd="0" parTransId="{43562CBA-F6DF-4D91-98F2-8D6CC78819DB}" sibTransId="{D4A5C3C4-FFD7-4AF2-9613-450BCBC30B7C}"/>
-    <dgm:cxn modelId="{774117A1-A2BA-4D6A-8CF7-669C5C9CE060}" srcId="{5B8C8160-6E2D-453A-82E5-25B4F9620211}" destId="{3EFC9B20-0D65-40DE-BD51-0F18C3914B4D}" srcOrd="0" destOrd="0" parTransId="{375342D0-0E7C-472F-9387-F85C86F8AC6E}" sibTransId="{6174BE1F-E6DC-4C58-9B6F-E2D613EC8DC1}"/>
-    <dgm:cxn modelId="{3DD0EAF7-B022-46A8-9625-DCB54A1CA9BE}" srcId="{3F3E3B4C-AC38-4B0D-8B13-27C9B6E4981F}" destId="{6419DD54-EFF8-49D1-B2CF-8A9003CD53A6}" srcOrd="1" destOrd="0" parTransId="{EC182054-FA18-41C9-BF00-D96E3EC15466}" sibTransId="{9D6A092A-9F8F-4B40-8EEC-D7854D7AAB0C}"/>
+    <dgm:cxn modelId="{7130E3F5-10ED-4508-8B9A-65C5ACF84B03}" srcId="{3F3E3B4C-AC38-4B0D-8B13-27C9B6E4981F}" destId="{61F8A37E-0714-4D1C-A7DF-93A477875FE8}" srcOrd="2" destOrd="0" parTransId="{18A8226E-F374-44B5-9039-674732B45051}" sibTransId="{3B9A4E44-09BA-49E3-BB7A-B7AB33A765E5}"/>
+    <dgm:cxn modelId="{28142634-20E2-4643-8EB4-4A3757B13D3A}" type="presOf" srcId="{D1C33119-F6AC-4A72-9974-0744D31A8D38}" destId="{09EBEF52-6D08-4CB1-8BDA-3D44D2BF50F5}" srcOrd="0" destOrd="1" presId="urn:microsoft.com/office/officeart/2005/8/layout/vList2"/>
+    <dgm:cxn modelId="{3B4A34F8-1245-411D-84EA-0D2354067FF4}" type="presOf" srcId="{E5C40602-EE8D-416D-8B3B-4E24090647F3}" destId="{5C6BCDC5-01CD-4D3A-AFDA-D028DCC208E0}" srcOrd="0" destOrd="1" presId="urn:microsoft.com/office/officeart/2005/8/layout/vList2"/>
+    <dgm:cxn modelId="{0FE424BD-1081-4F1C-970B-4305460D8826}" type="presOf" srcId="{C61D11BB-4595-44F9-9B5E-8C420BA3F5E4}" destId="{41C04F8C-558E-4A38-8464-2044A2BC12CB}" srcOrd="0" destOrd="0" presId="urn:microsoft.com/office/officeart/2005/8/layout/vList2"/>
+    <dgm:cxn modelId="{BD83AFB1-C612-4F11-9696-168A03569DF6}" srcId="{3F3E3B4C-AC38-4B0D-8B13-27C9B6E4981F}" destId="{22DAB7B7-9FCC-4314-8C69-19D53AC134A4}" srcOrd="0" destOrd="0" parTransId="{6FCCD2BE-C098-4989-BCD2-3EB576FED68B}" sibTransId="{529544D2-0EA8-4D51-8E24-63459470924B}"/>
+    <dgm:cxn modelId="{CB20EC5D-3E79-4D8A-9399-23E529929BCA}" type="presOf" srcId="{6C201876-47B4-4837-ADB8-7634C78A1142}" destId="{41659F7B-4944-4AB4-A655-69C3BEDC0729}" srcOrd="0" destOrd="3" presId="urn:microsoft.com/office/officeart/2005/8/layout/vList2"/>
     <dgm:cxn modelId="{2F263517-2BA6-4A2D-92DC-D6AE3842B6A9}" srcId="{F6FCA15E-1300-49D8-9A19-C767DAC04A99}" destId="{E5C40602-EE8D-416D-8B3B-4E24090647F3}" srcOrd="1" destOrd="0" parTransId="{61C1665E-BC54-40A4-A192-572D08462FED}" sibTransId="{3D00C0E7-B3E1-47C6-9284-49D4C6FC867E}"/>
     <dgm:cxn modelId="{347C2707-6245-4CB7-AD9B-A175E2CAD7CA}" srcId="{5B8C8160-6E2D-453A-82E5-25B4F9620211}" destId="{D1C33119-F6AC-4A72-9974-0744D31A8D38}" srcOrd="1" destOrd="0" parTransId="{2197E47F-13FA-442F-9234-289155102AE8}" sibTransId="{026A4729-75BC-4554-BB2A-8D66B8E83071}"/>
+    <dgm:cxn modelId="{F20180E2-E88C-4C99-8D06-957A116888C3}" type="presOf" srcId="{6419DD54-EFF8-49D1-B2CF-8A9003CD53A6}" destId="{41659F7B-4944-4AB4-A655-69C3BEDC0729}" srcOrd="0" destOrd="1" presId="urn:microsoft.com/office/officeart/2005/8/layout/vList2"/>
+    <dgm:cxn modelId="{9EA03525-63FB-4A7C-8D89-963CDFCC6D5B}" type="presOf" srcId="{3F3E3B4C-AC38-4B0D-8B13-27C9B6E4981F}" destId="{48B1F019-1CE6-479A-AD63-543121743A8A}" srcOrd="0" destOrd="0" presId="urn:microsoft.com/office/officeart/2005/8/layout/vList2"/>
+    <dgm:cxn modelId="{CE789804-9959-403D-80D2-2C083B7E1B30}" srcId="{44708C06-303B-4ACD-B2F0-E95A20B60BB9}" destId="{5B8C8160-6E2D-453A-82E5-25B4F9620211}" srcOrd="2" destOrd="0" parTransId="{A6453594-D8D3-480C-8B11-5C2BBC675776}" sibTransId="{1C0F83EF-2519-4F01-9EDF-E51359C24296}"/>
+    <dgm:cxn modelId="{E171F143-A348-42C1-A120-DA9AE5CD465D}" srcId="{3F3E3B4C-AC38-4B0D-8B13-27C9B6E4981F}" destId="{6C201876-47B4-4837-ADB8-7634C78A1142}" srcOrd="3" destOrd="0" parTransId="{6A639ACB-601D-48BA-A60B-E54DB5A1C276}" sibTransId="{68B0E920-03AF-4EED-9E0B-C79CE815665C}"/>
+    <dgm:cxn modelId="{62F41945-6A41-4B53-A6C6-42753AD08022}" type="presOf" srcId="{2609228E-A5C0-45E4-9F6E-5C9B111A848C}" destId="{5C6BCDC5-01CD-4D3A-AFDA-D028DCC208E0}" srcOrd="0" destOrd="2" presId="urn:microsoft.com/office/officeart/2005/8/layout/vList2"/>
+    <dgm:cxn modelId="{7247D70A-F92F-4FD7-8D88-A02979CE2550}" srcId="{F6FCA15E-1300-49D8-9A19-C767DAC04A99}" destId="{5F756E09-E2C4-473D-A2FE-4ECF3FF0FF8F}" srcOrd="4" destOrd="0" parTransId="{10C2D6CB-246E-4DE9-BA2D-CAAB0A803206}" sibTransId="{14B19A7D-2D02-416A-BC65-472122B7FA1F}"/>
+    <dgm:cxn modelId="{FAFF7F74-4890-456C-84DB-1DAD1A8F5E4F}" type="presOf" srcId="{BDE75AA0-EEA2-4A2B-89AC-3ECE4A048F59}" destId="{5C6BCDC5-01CD-4D3A-AFDA-D028DCC208E0}" srcOrd="0" destOrd="0" presId="urn:microsoft.com/office/officeart/2005/8/layout/vList2"/>
+    <dgm:cxn modelId="{A79A16A6-BDC2-4CB9-BEB9-C44C06051F03}" type="presOf" srcId="{1DB1CF4C-3721-48A3-A006-6396E9D8EB3C}" destId="{A96A0ECB-4E20-4C79-80BC-75B0D3A2CF5E}" srcOrd="0" destOrd="1" presId="urn:microsoft.com/office/officeart/2005/8/layout/vList2"/>
+    <dgm:cxn modelId="{15A114B3-475E-4011-B6DC-895210A6BB0D}" srcId="{F6FCA15E-1300-49D8-9A19-C767DAC04A99}" destId="{B3D9C1D0-DA6A-4A50-BC35-EB7AE3676D69}" srcOrd="3" destOrd="0" parTransId="{43562CBA-F6DF-4D91-98F2-8D6CC78819DB}" sibTransId="{D4A5C3C4-FFD7-4AF2-9613-450BCBC30B7C}"/>
+    <dgm:cxn modelId="{941AA721-A6A2-404C-A9EB-2277D42172C8}" type="presOf" srcId="{61F8A37E-0714-4D1C-A7DF-93A477875FE8}" destId="{41659F7B-4944-4AB4-A655-69C3BEDC0729}" srcOrd="0" destOrd="2" presId="urn:microsoft.com/office/officeart/2005/8/layout/vList2"/>
+    <dgm:cxn modelId="{A74FB74D-DB87-4FE9-92C4-6C4897056853}" type="presOf" srcId="{F6FCA15E-1300-49D8-9A19-C767DAC04A99}" destId="{0263673B-FFC8-4AF0-A80C-2B148C294C2A}" srcOrd="0" destOrd="0" presId="urn:microsoft.com/office/officeart/2005/8/layout/vList2"/>
+    <dgm:cxn modelId="{D96B73A6-972C-4F9D-8490-A56AFD82B2C7}" srcId="{44708C06-303B-4ACD-B2F0-E95A20B60BB9}" destId="{F6FCA15E-1300-49D8-9A19-C767DAC04A99}" srcOrd="1" destOrd="0" parTransId="{A74BA5E5-A53D-4F3D-ACFA-961BF5125D5C}" sibTransId="{BA5F5378-9587-4492-B23F-3934CB1A0707}"/>
+    <dgm:cxn modelId="{7DA24476-F8F6-4BD1-A555-1A506B7044F8}" srcId="{F6FCA15E-1300-49D8-9A19-C767DAC04A99}" destId="{2609228E-A5C0-45E4-9F6E-5C9B111A848C}" srcOrd="2" destOrd="0" parTransId="{D353A636-0730-48FE-A09C-2C55CB54703A}" sibTransId="{B367BEDE-186C-435D-B6AC-82224FC26007}"/>
+    <dgm:cxn modelId="{8A7C3343-C8BC-44C0-8B52-1AF3A639EE9F}" srcId="{3F3E3B4C-AC38-4B0D-8B13-27C9B6E4981F}" destId="{1FB0E5DE-41C1-4BEA-9154-0F0F214CF0CC}" srcOrd="4" destOrd="0" parTransId="{15566CC2-0C30-4991-B242-92177612ACED}" sibTransId="{712FEC23-C187-42DB-B364-D7FE31DE7A96}"/>
+    <dgm:cxn modelId="{74214114-511C-42B1-9F94-A75CEC860BC2}" type="presOf" srcId="{1FB0E5DE-41C1-4BEA-9154-0F0F214CF0CC}" destId="{41659F7B-4944-4AB4-A655-69C3BEDC0729}" srcOrd="0" destOrd="4" presId="urn:microsoft.com/office/officeart/2005/8/layout/vList2"/>
+    <dgm:cxn modelId="{3DD0EAF7-B022-46A8-9625-DCB54A1CA9BE}" srcId="{3F3E3B4C-AC38-4B0D-8B13-27C9B6E4981F}" destId="{6419DD54-EFF8-49D1-B2CF-8A9003CD53A6}" srcOrd="1" destOrd="0" parTransId="{EC182054-FA18-41C9-BF00-D96E3EC15466}" sibTransId="{9D6A092A-9F8F-4B40-8EEC-D7854D7AAB0C}"/>
+    <dgm:cxn modelId="{47C68A86-1C97-4499-9118-12EC4FB5B564}" type="presOf" srcId="{22DAB7B7-9FCC-4314-8C69-19D53AC134A4}" destId="{41659F7B-4944-4AB4-A655-69C3BEDC0729}" srcOrd="0" destOrd="0" presId="urn:microsoft.com/office/officeart/2005/8/layout/vList2"/>
+    <dgm:cxn modelId="{49F0F417-63B7-4C0A-93C8-9EC66C4C9A29}" srcId="{C61D11BB-4595-44F9-9B5E-8C420BA3F5E4}" destId="{1DB1CF4C-3721-48A3-A006-6396E9D8EB3C}" srcOrd="1" destOrd="0" parTransId="{0C36E746-5E0D-4DA0-B221-00D83B67D972}" sibTransId="{A5C62536-BFD7-4C68-BB98-3D8C218F7246}"/>
     <dgm:cxn modelId="{D5F8F66A-06F1-41DE-A50D-343DB473E168}" srcId="{44708C06-303B-4ACD-B2F0-E95A20B60BB9}" destId="{3F3E3B4C-AC38-4B0D-8B13-27C9B6E4981F}" srcOrd="3" destOrd="0" parTransId="{1CF03068-2342-45E0-9E27-10C6A6C6B73E}" sibTransId="{843E94E1-C3F0-4544-A729-0E83147B36CD}"/>
-    <dgm:cxn modelId="{74214114-511C-42B1-9F94-A75CEC860BC2}" type="presOf" srcId="{1FB0E5DE-41C1-4BEA-9154-0F0F214CF0CC}" destId="{41659F7B-4944-4AB4-A655-69C3BEDC0729}" srcOrd="0" destOrd="4" presId="urn:microsoft.com/office/officeart/2005/8/layout/vList2"/>
-    <dgm:cxn modelId="{CB20EC5D-3E79-4D8A-9399-23E529929BCA}" type="presOf" srcId="{6C201876-47B4-4837-ADB8-7634C78A1142}" destId="{41659F7B-4944-4AB4-A655-69C3BEDC0729}" srcOrd="0" destOrd="3" presId="urn:microsoft.com/office/officeart/2005/8/layout/vList2"/>
-    <dgm:cxn modelId="{D96B73A6-972C-4F9D-8490-A56AFD82B2C7}" srcId="{44708C06-303B-4ACD-B2F0-E95A20B60BB9}" destId="{F6FCA15E-1300-49D8-9A19-C767DAC04A99}" srcOrd="1" destOrd="0" parTransId="{A74BA5E5-A53D-4F3D-ACFA-961BF5125D5C}" sibTransId="{BA5F5378-9587-4492-B23F-3934CB1A0707}"/>
-    <dgm:cxn modelId="{8A7C3343-C8BC-44C0-8B52-1AF3A639EE9F}" srcId="{3F3E3B4C-AC38-4B0D-8B13-27C9B6E4981F}" destId="{1FB0E5DE-41C1-4BEA-9154-0F0F214CF0CC}" srcOrd="4" destOrd="0" parTransId="{15566CC2-0C30-4991-B242-92177612ACED}" sibTransId="{712FEC23-C187-42DB-B364-D7FE31DE7A96}"/>
+    <dgm:cxn modelId="{538E0F94-2D8F-4274-AF37-252315CC096F}" type="presOf" srcId="{1A5928DB-AEEF-4FE0-BF3F-E22BAEBAD252}" destId="{A96A0ECB-4E20-4C79-80BC-75B0D3A2CF5E}" srcOrd="0" destOrd="0" presId="urn:microsoft.com/office/officeart/2005/8/layout/vList2"/>
     <dgm:cxn modelId="{4D2EE230-6158-4976-9F56-5D4016CEB4D1}" type="presParOf" srcId="{7F271AC6-E2E8-427D-B6A4-618241D2FDAA}" destId="{41C04F8C-558E-4A38-8464-2044A2BC12CB}" srcOrd="0" destOrd="0" presId="urn:microsoft.com/office/officeart/2005/8/layout/vList2"/>
     <dgm:cxn modelId="{07E74A2A-FD02-4CBC-A231-68E9E8FA1FF1}" type="presParOf" srcId="{7F271AC6-E2E8-427D-B6A4-618241D2FDAA}" destId="{A96A0ECB-4E20-4C79-80BC-75B0D3A2CF5E}" srcOrd="1" destOrd="0" presId="urn:microsoft.com/office/officeart/2005/8/layout/vList2"/>
     <dgm:cxn modelId="{4144901A-EA25-4F23-B20C-59D7B4EC93EB}" type="presParOf" srcId="{7F271AC6-E2E8-427D-B6A4-618241D2FDAA}" destId="{0263673B-FFC8-4AF0-A80C-2B148C294C2A}" srcOrd="2" destOrd="0" presId="urn:microsoft.com/office/officeart/2005/8/layout/vList2"/>
@@ -7479,7 +7712,7 @@
   <dgm:whole/>
   <dgm:extLst>
     <a:ext uri="http://schemas.microsoft.com/office/drawing/2008/diagram">
-      <dsp:dataModelExt xmlns:dsp="http://schemas.microsoft.com/office/drawing/2008/diagram" xmlns="" relId="rId7" minVer="http://schemas.openxmlformats.org/drawingml/2006/diagram"/>
+      <dsp:dataModelExt xmlns:dsp="http://schemas.microsoft.com/office/drawing/2008/diagram" relId="rId7" minVer="http://schemas.openxmlformats.org/drawingml/2006/diagram"/>
     </a:ext>
   </dgm:extLst>
 </dgm:dataModel>
@@ -7489,7 +7722,7 @@
 <dgm:dataModel xmlns:dgm="http://schemas.openxmlformats.org/drawingml/2006/diagram" xmlns:a="http://schemas.openxmlformats.org/drawingml/2006/main">
   <dgm:ptLst>
     <dgm:pt modelId="{0ED985B0-F992-41C0-A0DF-DB763467528A}" type="doc">
-      <dgm:prSet loTypeId="urn:microsoft.com/office/officeart/2005/8/layout/hList2" loCatId="relationship" qsTypeId="urn:microsoft.com/office/officeart/2005/8/quickstyle/simple4" qsCatId="simple" csTypeId="urn:microsoft.com/office/officeart/2005/8/colors/accent1_2" csCatId="accent1" phldr="1"/>
+      <dgm:prSet loTypeId="urn:microsoft.com/office/officeart/2005/8/layout/hList2#1" loCatId="relationship" qsTypeId="urn:microsoft.com/office/officeart/2005/8/quickstyle/simple4" qsCatId="simple" csTypeId="urn:microsoft.com/office/officeart/2005/8/colors/accent1_2" csCatId="accent1" phldr="1"/>
       <dgm:spPr/>
       <dgm:t>
         <a:bodyPr/>
@@ -8255,60 +8488,60 @@
     </dgm:pt>
   </dgm:ptLst>
   <dgm:cxnLst>
-    <dgm:cxn modelId="{62929F2A-BEEE-4F12-B3BE-41B2622F3458}" type="presOf" srcId="{12E3F15A-2AFE-4808-B727-C7AF52123798}" destId="{C8BB9FC6-6AFF-4933-9021-7411AFD5B0A7}" srcOrd="0" destOrd="0" presId="urn:microsoft.com/office/officeart/2005/8/layout/hList2"/>
-    <dgm:cxn modelId="{E9838FF0-FAE5-4EC4-BF4A-02B760BBEBE2}" type="presOf" srcId="{19B20CF0-7F46-40CD-9ECC-10B9EFB985E0}" destId="{D09BDCF9-B6AE-4482-83CA-29A57BE5B006}" srcOrd="0" destOrd="1" presId="urn:microsoft.com/office/officeart/2005/8/layout/hList2"/>
-    <dgm:cxn modelId="{FC7366B8-DE6E-4AA0-87ED-D16E53A01EBC}" type="presOf" srcId="{3EB53A9D-6F88-4C3B-87D9-D59CC7DCD153}" destId="{7799EFF0-CB5B-45AF-9ECC-AF5ADE221639}" srcOrd="0" destOrd="1" presId="urn:microsoft.com/office/officeart/2005/8/layout/hList2"/>
+    <dgm:cxn modelId="{A574F542-170D-48D4-B536-0456E9F60A2B}" srcId="{12E3F15A-2AFE-4808-B727-C7AF52123798}" destId="{8A95C357-1788-4660-9EA5-1229854C4CAB}" srcOrd="0" destOrd="0" parTransId="{A6DE03C0-33A8-472B-A19E-264AD584278F}" sibTransId="{95672002-D18B-4826-BABA-1A8F71796B05}"/>
     <dgm:cxn modelId="{0562A2C1-98A3-456A-9AA1-5B0A5A3E206F}" srcId="{12E3F15A-2AFE-4808-B727-C7AF52123798}" destId="{3EB53A9D-6F88-4C3B-87D9-D59CC7DCD153}" srcOrd="1" destOrd="0" parTransId="{71EB0D3D-3ED5-4A1F-83BF-DE15FBD47E5E}" sibTransId="{FC7F64D7-5009-4504-ACE6-5DDA4C19087B}"/>
-    <dgm:cxn modelId="{09A2C074-DEDE-44C2-922F-3AFF76EC8CCB}" type="presOf" srcId="{2F1CEF04-5660-4FA5-9571-4DD58E31BD40}" destId="{D09BDCF9-B6AE-4482-83CA-29A57BE5B006}" srcOrd="0" destOrd="0" presId="urn:microsoft.com/office/officeart/2005/8/layout/hList2"/>
-    <dgm:cxn modelId="{FD910211-C456-4FAB-B82B-6A40A24DA704}" type="presOf" srcId="{6C6E6D88-5EF3-45D7-967A-A0080BE08842}" destId="{E1183BD7-0429-4707-9FCC-1ED6461A208B}" srcOrd="0" destOrd="1" presId="urn:microsoft.com/office/officeart/2005/8/layout/hList2"/>
-    <dgm:cxn modelId="{B44F0AA2-DF3D-46CC-8143-5529D685AC22}" type="presOf" srcId="{19FB82D1-DA9C-4A9F-996F-5D6E94120F2C}" destId="{0066362C-EDA1-43C9-AD73-66A1B6B955D2}" srcOrd="0" destOrd="0" presId="urn:microsoft.com/office/officeart/2005/8/layout/hList2"/>
-    <dgm:cxn modelId="{6A7E3D21-5BAA-446A-9144-96995FBEB68D}" type="presOf" srcId="{8A95C357-1788-4660-9EA5-1229854C4CAB}" destId="{7799EFF0-CB5B-45AF-9ECC-AF5ADE221639}" srcOrd="0" destOrd="0" presId="urn:microsoft.com/office/officeart/2005/8/layout/hList2"/>
-    <dgm:cxn modelId="{1506B563-784F-488B-912B-8E75CADE0FB4}" type="presOf" srcId="{34871C5F-23F4-4FD7-8F4E-123C17739740}" destId="{E1183BD7-0429-4707-9FCC-1ED6461A208B}" srcOrd="0" destOrd="2" presId="urn:microsoft.com/office/officeart/2005/8/layout/hList2"/>
+    <dgm:cxn modelId="{5D979F65-1D02-4753-86D0-562C2E6BACCD}" srcId="{0ED985B0-F992-41C0-A0DF-DB763467528A}" destId="{6AAD33D9-E471-40F5-8F70-80606C79DA9D}" srcOrd="0" destOrd="0" parTransId="{D7EADBF8-7F70-4B23-AE49-BC3FD68BDD34}" sibTransId="{FB7DE2E2-3903-4C74-B456-BDE81F5DFC0E}"/>
+    <dgm:cxn modelId="{FC7366B8-DE6E-4AA0-87ED-D16E53A01EBC}" type="presOf" srcId="{3EB53A9D-6F88-4C3B-87D9-D59CC7DCD153}" destId="{7799EFF0-CB5B-45AF-9ECC-AF5ADE221639}" srcOrd="0" destOrd="1" presId="urn:microsoft.com/office/officeart/2005/8/layout/hList2#1"/>
+    <dgm:cxn modelId="{09A2C074-DEDE-44C2-922F-3AFF76EC8CCB}" type="presOf" srcId="{2F1CEF04-5660-4FA5-9571-4DD58E31BD40}" destId="{D09BDCF9-B6AE-4482-83CA-29A57BE5B006}" srcOrd="0" destOrd="0" presId="urn:microsoft.com/office/officeart/2005/8/layout/hList2#1"/>
+    <dgm:cxn modelId="{62929F2A-BEEE-4F12-B3BE-41B2622F3458}" type="presOf" srcId="{12E3F15A-2AFE-4808-B727-C7AF52123798}" destId="{C8BB9FC6-6AFF-4933-9021-7411AFD5B0A7}" srcOrd="0" destOrd="0" presId="urn:microsoft.com/office/officeart/2005/8/layout/hList2#1"/>
+    <dgm:cxn modelId="{0DA0ECCE-1A73-4DC9-B822-789B70CEE784}" srcId="{C8B4E141-47F4-435C-B9AD-CE9B2E64C7D8}" destId="{19B20CF0-7F46-40CD-9ECC-10B9EFB985E0}" srcOrd="1" destOrd="0" parTransId="{F96A4735-ABCD-438B-B937-911AF502C323}" sibTransId="{B30968BA-EC4E-461B-A756-2264346BA22C}"/>
+    <dgm:cxn modelId="{24B82839-6986-4D5C-9A89-BD5A12229049}" type="presOf" srcId="{F247B72D-C90A-484E-81DD-67ECFE5B50BF}" destId="{E1183BD7-0429-4707-9FCC-1ED6461A208B}" srcOrd="0" destOrd="0" presId="urn:microsoft.com/office/officeart/2005/8/layout/hList2#1"/>
+    <dgm:cxn modelId="{D84DC1BC-5C94-4F0C-A6F9-506128F5F6CF}" srcId="{0ED985B0-F992-41C0-A0DF-DB763467528A}" destId="{19FB82D1-DA9C-4A9F-996F-5D6E94120F2C}" srcOrd="2" destOrd="0" parTransId="{3FA3BD4A-306F-43A1-BE9B-308763BDC234}" sibTransId="{DB1DECE1-2954-44CD-B5E0-392E74CFBD6F}"/>
+    <dgm:cxn modelId="{FD910211-C456-4FAB-B82B-6A40A24DA704}" type="presOf" srcId="{6C6E6D88-5EF3-45D7-967A-A0080BE08842}" destId="{E1183BD7-0429-4707-9FCC-1ED6461A208B}" srcOrd="0" destOrd="1" presId="urn:microsoft.com/office/officeart/2005/8/layout/hList2#1"/>
+    <dgm:cxn modelId="{11454CF8-D09F-4262-B5E8-BAA4CB2FD946}" srcId="{19FB82D1-DA9C-4A9F-996F-5D6E94120F2C}" destId="{F59F90C1-2A30-4C35-B08D-0E31AFC816E0}" srcOrd="1" destOrd="0" parTransId="{3CE5C81F-66C1-4D7B-B53C-10C0CEE2E533}" sibTransId="{CF614269-AF25-4B02-93B2-EF099F653B4A}"/>
+    <dgm:cxn modelId="{6A7E3D21-5BAA-446A-9144-96995FBEB68D}" type="presOf" srcId="{8A95C357-1788-4660-9EA5-1229854C4CAB}" destId="{7799EFF0-CB5B-45AF-9ECC-AF5ADE221639}" srcOrd="0" destOrd="0" presId="urn:microsoft.com/office/officeart/2005/8/layout/hList2#1"/>
+    <dgm:cxn modelId="{61BD958A-1C36-40C2-BF56-99029960E866}" srcId="{19FB82D1-DA9C-4A9F-996F-5D6E94120F2C}" destId="{D5728EDF-102F-4666-8B0F-3B97726BE7CA}" srcOrd="0" destOrd="0" parTransId="{C809EBC1-D936-4F1A-9DED-27C0E87A1C1C}" sibTransId="{41951E76-15CE-4879-A320-D3EDEF717F04}"/>
+    <dgm:cxn modelId="{1506B563-784F-488B-912B-8E75CADE0FB4}" type="presOf" srcId="{34871C5F-23F4-4FD7-8F4E-123C17739740}" destId="{E1183BD7-0429-4707-9FCC-1ED6461A208B}" srcOrd="0" destOrd="2" presId="urn:microsoft.com/office/officeart/2005/8/layout/hList2#1"/>
     <dgm:cxn modelId="{65E964B4-BC5A-488B-BDAA-75F6A2A80999}" srcId="{0ED985B0-F992-41C0-A0DF-DB763467528A}" destId="{C8B4E141-47F4-435C-B9AD-CE9B2E64C7D8}" srcOrd="1" destOrd="0" parTransId="{0755C8AF-AAB2-4320-B208-FFCB7E09452F}" sibTransId="{2AA3184F-321F-4CBF-B6F5-1D246071B80D}"/>
-    <dgm:cxn modelId="{BE2BD115-944F-4D95-B157-D177CCCAE7B7}" type="presOf" srcId="{0ED985B0-F992-41C0-A0DF-DB763467528A}" destId="{93AF6EB4-FCC1-4634-9951-E885EACF7BB2}" srcOrd="0" destOrd="0" presId="urn:microsoft.com/office/officeart/2005/8/layout/hList2"/>
-    <dgm:cxn modelId="{11454CF8-D09F-4262-B5E8-BAA4CB2FD946}" srcId="{19FB82D1-DA9C-4A9F-996F-5D6E94120F2C}" destId="{F59F90C1-2A30-4C35-B08D-0E31AFC816E0}" srcOrd="1" destOrd="0" parTransId="{3CE5C81F-66C1-4D7B-B53C-10C0CEE2E533}" sibTransId="{CF614269-AF25-4B02-93B2-EF099F653B4A}"/>
-    <dgm:cxn modelId="{61BD958A-1C36-40C2-BF56-99029960E866}" srcId="{19FB82D1-DA9C-4A9F-996F-5D6E94120F2C}" destId="{D5728EDF-102F-4666-8B0F-3B97726BE7CA}" srcOrd="0" destOrd="0" parTransId="{C809EBC1-D936-4F1A-9DED-27C0E87A1C1C}" sibTransId="{41951E76-15CE-4879-A320-D3EDEF717F04}"/>
-    <dgm:cxn modelId="{5CFF85D8-D08F-44C8-A56B-5D41EC5F2BE5}" type="presOf" srcId="{C8B4E141-47F4-435C-B9AD-CE9B2E64C7D8}" destId="{A661B534-4AB5-4378-81FC-8A50002BBF30}" srcOrd="0" destOrd="0" presId="urn:microsoft.com/office/officeart/2005/8/layout/hList2"/>
-    <dgm:cxn modelId="{081F6AF6-A01E-4A9C-AE90-A8D99BA26333}" type="presOf" srcId="{F59F90C1-2A30-4C35-B08D-0E31AFC816E0}" destId="{75371E2A-895B-4B16-B02A-DBFE3269960E}" srcOrd="0" destOrd="1" presId="urn:microsoft.com/office/officeart/2005/8/layout/hList2"/>
+    <dgm:cxn modelId="{CE928D2B-0B5F-4812-A03E-248F3CC5FBE8}" type="presOf" srcId="{6AAD33D9-E471-40F5-8F70-80606C79DA9D}" destId="{796565FA-A8B9-46BA-8356-76FA771B6A85}" srcOrd="0" destOrd="0" presId="urn:microsoft.com/office/officeart/2005/8/layout/hList2#1"/>
+    <dgm:cxn modelId="{081F6AF6-A01E-4A9C-AE90-A8D99BA26333}" type="presOf" srcId="{F59F90C1-2A30-4C35-B08D-0E31AFC816E0}" destId="{75371E2A-895B-4B16-B02A-DBFE3269960E}" srcOrd="0" destOrd="1" presId="urn:microsoft.com/office/officeart/2005/8/layout/hList2#1"/>
+    <dgm:cxn modelId="{5CFF85D8-D08F-44C8-A56B-5D41EC5F2BE5}" type="presOf" srcId="{C8B4E141-47F4-435C-B9AD-CE9B2E64C7D8}" destId="{A661B534-4AB5-4378-81FC-8A50002BBF30}" srcOrd="0" destOrd="0" presId="urn:microsoft.com/office/officeart/2005/8/layout/hList2#1"/>
+    <dgm:cxn modelId="{4821EE5C-6AAF-44EF-A0AA-EF5EEBCED949}" srcId="{6AAD33D9-E471-40F5-8F70-80606C79DA9D}" destId="{34871C5F-23F4-4FD7-8F4E-123C17739740}" srcOrd="2" destOrd="0" parTransId="{B661BC36-2E36-4EAC-8D39-D1116EAC3372}" sibTransId="{D25FF03E-5222-4D00-98E2-57EBB6A476D3}"/>
+    <dgm:cxn modelId="{26F07A2A-1C12-4BD3-82AB-38809FD68926}" srcId="{6AAD33D9-E471-40F5-8F70-80606C79DA9D}" destId="{6C6E6D88-5EF3-45D7-967A-A0080BE08842}" srcOrd="1" destOrd="0" parTransId="{4E91B0F4-AC10-41FC-915D-CDEA6563125A}" sibTransId="{6B740ABA-F9A3-486A-BE0B-23D1D98913C0}"/>
+    <dgm:cxn modelId="{B44F0AA2-DF3D-46CC-8143-5529D685AC22}" type="presOf" srcId="{19FB82D1-DA9C-4A9F-996F-5D6E94120F2C}" destId="{0066362C-EDA1-43C9-AD73-66A1B6B955D2}" srcOrd="0" destOrd="0" presId="urn:microsoft.com/office/officeart/2005/8/layout/hList2#1"/>
+    <dgm:cxn modelId="{369A4BBF-5FD6-4A30-AF16-6C4CB32524FD}" type="presOf" srcId="{D5728EDF-102F-4666-8B0F-3B97726BE7CA}" destId="{75371E2A-895B-4B16-B02A-DBFE3269960E}" srcOrd="0" destOrd="0" presId="urn:microsoft.com/office/officeart/2005/8/layout/hList2#1"/>
     <dgm:cxn modelId="{37A1186C-C5B1-41B6-A43E-B61DC05ADD7B}" srcId="{12E3F15A-2AFE-4808-B727-C7AF52123798}" destId="{4226B12D-E302-43AF-8B50-309C6137E5C3}" srcOrd="2" destOrd="0" parTransId="{CBC2977A-6744-4C41-A3FE-A4827AA9FE7F}" sibTransId="{E3B21E6C-B051-4E2D-B1E8-17DC0F772EE4}"/>
-    <dgm:cxn modelId="{369A4BBF-5FD6-4A30-AF16-6C4CB32524FD}" type="presOf" srcId="{D5728EDF-102F-4666-8B0F-3B97726BE7CA}" destId="{75371E2A-895B-4B16-B02A-DBFE3269960E}" srcOrd="0" destOrd="0" presId="urn:microsoft.com/office/officeart/2005/8/layout/hList2"/>
+    <dgm:cxn modelId="{E37D875E-080E-40CA-9627-C496281EEEC9}" srcId="{6AAD33D9-E471-40F5-8F70-80606C79DA9D}" destId="{F247B72D-C90A-484E-81DD-67ECFE5B50BF}" srcOrd="0" destOrd="0" parTransId="{EF1DEB93-E69B-4B18-B98E-89D0BBBDE714}" sibTransId="{670C7075-97B7-4D27-B447-DFFF0578222A}"/>
+    <dgm:cxn modelId="{064558C0-4CDF-4151-954F-688F1E31D79B}" srcId="{C8B4E141-47F4-435C-B9AD-CE9B2E64C7D8}" destId="{2F1CEF04-5660-4FA5-9571-4DD58E31BD40}" srcOrd="0" destOrd="0" parTransId="{3F9F8332-1D8E-40F4-BB5E-24F4859DFEE6}" sibTransId="{355C7632-D6D6-4B6E-BBE8-90B61ED5D615}"/>
+    <dgm:cxn modelId="{E9838FF0-FAE5-4EC4-BF4A-02B760BBEBE2}" type="presOf" srcId="{19B20CF0-7F46-40CD-9ECC-10B9EFB985E0}" destId="{D09BDCF9-B6AE-4482-83CA-29A57BE5B006}" srcOrd="0" destOrd="1" presId="urn:microsoft.com/office/officeart/2005/8/layout/hList2#1"/>
     <dgm:cxn modelId="{E35445DC-BE1D-4860-B351-3E587AEF8FC7}" srcId="{0ED985B0-F992-41C0-A0DF-DB763467528A}" destId="{12E3F15A-2AFE-4808-B727-C7AF52123798}" srcOrd="3" destOrd="0" parTransId="{B679DC40-64DE-4885-A1D0-9D01CD8A863D}" sibTransId="{B5EA6FEA-9223-4997-8057-DF38C484678A}"/>
-    <dgm:cxn modelId="{E37D875E-080E-40CA-9627-C496281EEEC9}" srcId="{6AAD33D9-E471-40F5-8F70-80606C79DA9D}" destId="{F247B72D-C90A-484E-81DD-67ECFE5B50BF}" srcOrd="0" destOrd="0" parTransId="{EF1DEB93-E69B-4B18-B98E-89D0BBBDE714}" sibTransId="{670C7075-97B7-4D27-B447-DFFF0578222A}"/>
-    <dgm:cxn modelId="{A574F542-170D-48D4-B536-0456E9F60A2B}" srcId="{12E3F15A-2AFE-4808-B727-C7AF52123798}" destId="{8A95C357-1788-4660-9EA5-1229854C4CAB}" srcOrd="0" destOrd="0" parTransId="{A6DE03C0-33A8-472B-A19E-264AD584278F}" sibTransId="{95672002-D18B-4826-BABA-1A8F71796B05}"/>
-    <dgm:cxn modelId="{D84DC1BC-5C94-4F0C-A6F9-506128F5F6CF}" srcId="{0ED985B0-F992-41C0-A0DF-DB763467528A}" destId="{19FB82D1-DA9C-4A9F-996F-5D6E94120F2C}" srcOrd="2" destOrd="0" parTransId="{3FA3BD4A-306F-43A1-BE9B-308763BDC234}" sibTransId="{DB1DECE1-2954-44CD-B5E0-392E74CFBD6F}"/>
-    <dgm:cxn modelId="{064558C0-4CDF-4151-954F-688F1E31D79B}" srcId="{C8B4E141-47F4-435C-B9AD-CE9B2E64C7D8}" destId="{2F1CEF04-5660-4FA5-9571-4DD58E31BD40}" srcOrd="0" destOrd="0" parTransId="{3F9F8332-1D8E-40F4-BB5E-24F4859DFEE6}" sibTransId="{355C7632-D6D6-4B6E-BBE8-90B61ED5D615}"/>
-    <dgm:cxn modelId="{5D979F65-1D02-4753-86D0-562C2E6BACCD}" srcId="{0ED985B0-F992-41C0-A0DF-DB763467528A}" destId="{6AAD33D9-E471-40F5-8F70-80606C79DA9D}" srcOrd="0" destOrd="0" parTransId="{D7EADBF8-7F70-4B23-AE49-BC3FD68BDD34}" sibTransId="{FB7DE2E2-3903-4C74-B456-BDE81F5DFC0E}"/>
-    <dgm:cxn modelId="{4821EE5C-6AAF-44EF-A0AA-EF5EEBCED949}" srcId="{6AAD33D9-E471-40F5-8F70-80606C79DA9D}" destId="{34871C5F-23F4-4FD7-8F4E-123C17739740}" srcOrd="2" destOrd="0" parTransId="{B661BC36-2E36-4EAC-8D39-D1116EAC3372}" sibTransId="{D25FF03E-5222-4D00-98E2-57EBB6A476D3}"/>
-    <dgm:cxn modelId="{0DA0ECCE-1A73-4DC9-B822-789B70CEE784}" srcId="{C8B4E141-47F4-435C-B9AD-CE9B2E64C7D8}" destId="{19B20CF0-7F46-40CD-9ECC-10B9EFB985E0}" srcOrd="1" destOrd="0" parTransId="{F96A4735-ABCD-438B-B937-911AF502C323}" sibTransId="{B30968BA-EC4E-461B-A756-2264346BA22C}"/>
-    <dgm:cxn modelId="{BB5D1F68-E2B2-48A1-8DD1-2973A0A43F58}" type="presOf" srcId="{4226B12D-E302-43AF-8B50-309C6137E5C3}" destId="{7799EFF0-CB5B-45AF-9ECC-AF5ADE221639}" srcOrd="0" destOrd="2" presId="urn:microsoft.com/office/officeart/2005/8/layout/hList2"/>
-    <dgm:cxn modelId="{CE928D2B-0B5F-4812-A03E-248F3CC5FBE8}" type="presOf" srcId="{6AAD33D9-E471-40F5-8F70-80606C79DA9D}" destId="{796565FA-A8B9-46BA-8356-76FA771B6A85}" srcOrd="0" destOrd="0" presId="urn:microsoft.com/office/officeart/2005/8/layout/hList2"/>
-    <dgm:cxn modelId="{24B82839-6986-4D5C-9A89-BD5A12229049}" type="presOf" srcId="{F247B72D-C90A-484E-81DD-67ECFE5B50BF}" destId="{E1183BD7-0429-4707-9FCC-1ED6461A208B}" srcOrd="0" destOrd="0" presId="urn:microsoft.com/office/officeart/2005/8/layout/hList2"/>
-    <dgm:cxn modelId="{26F07A2A-1C12-4BD3-82AB-38809FD68926}" srcId="{6AAD33D9-E471-40F5-8F70-80606C79DA9D}" destId="{6C6E6D88-5EF3-45D7-967A-A0080BE08842}" srcOrd="1" destOrd="0" parTransId="{4E91B0F4-AC10-41FC-915D-CDEA6563125A}" sibTransId="{6B740ABA-F9A3-486A-BE0B-23D1D98913C0}"/>
-    <dgm:cxn modelId="{AA314F89-D8A1-4D49-97BF-CE6B3B529C07}" type="presParOf" srcId="{93AF6EB4-FCC1-4634-9951-E885EACF7BB2}" destId="{BFB33C08-C4FF-46FC-A24D-70D529E94781}" srcOrd="0" destOrd="0" presId="urn:microsoft.com/office/officeart/2005/8/layout/hList2"/>
-    <dgm:cxn modelId="{70185C63-EE5D-4498-960F-AD3FC9C618CC}" type="presParOf" srcId="{BFB33C08-C4FF-46FC-A24D-70D529E94781}" destId="{26B0CB7C-D4E2-43A3-97E1-33EC24D881B7}" srcOrd="0" destOrd="0" presId="urn:microsoft.com/office/officeart/2005/8/layout/hList2"/>
-    <dgm:cxn modelId="{B880B90C-055C-4EFE-B857-D489BBE7C453}" type="presParOf" srcId="{BFB33C08-C4FF-46FC-A24D-70D529E94781}" destId="{E1183BD7-0429-4707-9FCC-1ED6461A208B}" srcOrd="1" destOrd="0" presId="urn:microsoft.com/office/officeart/2005/8/layout/hList2"/>
-    <dgm:cxn modelId="{DEFE8622-4F5C-4DF7-ADEC-8C159E9DF48A}" type="presParOf" srcId="{BFB33C08-C4FF-46FC-A24D-70D529E94781}" destId="{796565FA-A8B9-46BA-8356-76FA771B6A85}" srcOrd="2" destOrd="0" presId="urn:microsoft.com/office/officeart/2005/8/layout/hList2"/>
-    <dgm:cxn modelId="{8F37E4A6-7EB7-4322-8F6A-C28A08C9D896}" type="presParOf" srcId="{93AF6EB4-FCC1-4634-9951-E885EACF7BB2}" destId="{05A2EE77-A25F-4578-9774-A72003DC31FB}" srcOrd="1" destOrd="0" presId="urn:microsoft.com/office/officeart/2005/8/layout/hList2"/>
-    <dgm:cxn modelId="{93B4B8EA-5855-46F8-8A38-0354E67C52EF}" type="presParOf" srcId="{93AF6EB4-FCC1-4634-9951-E885EACF7BB2}" destId="{41364295-A39F-4F75-935F-56F665894944}" srcOrd="2" destOrd="0" presId="urn:microsoft.com/office/officeart/2005/8/layout/hList2"/>
-    <dgm:cxn modelId="{BBA64179-78B0-4F5A-9986-EB11C89F7BD2}" type="presParOf" srcId="{41364295-A39F-4F75-935F-56F665894944}" destId="{DD08B832-2BD4-4532-B988-CE751E4BA221}" srcOrd="0" destOrd="0" presId="urn:microsoft.com/office/officeart/2005/8/layout/hList2"/>
-    <dgm:cxn modelId="{4B3D2E51-6500-45BF-A3D0-0B561A7A1DD9}" type="presParOf" srcId="{41364295-A39F-4F75-935F-56F665894944}" destId="{D09BDCF9-B6AE-4482-83CA-29A57BE5B006}" srcOrd="1" destOrd="0" presId="urn:microsoft.com/office/officeart/2005/8/layout/hList2"/>
-    <dgm:cxn modelId="{6FCDC3FF-33C9-4419-91A2-4A4AF1E97507}" type="presParOf" srcId="{41364295-A39F-4F75-935F-56F665894944}" destId="{A661B534-4AB5-4378-81FC-8A50002BBF30}" srcOrd="2" destOrd="0" presId="urn:microsoft.com/office/officeart/2005/8/layout/hList2"/>
-    <dgm:cxn modelId="{D023B6A1-F2AF-4957-9106-57FF65B228BF}" type="presParOf" srcId="{93AF6EB4-FCC1-4634-9951-E885EACF7BB2}" destId="{189C3D93-DC2C-4C69-9658-E102D0A7A8D2}" srcOrd="3" destOrd="0" presId="urn:microsoft.com/office/officeart/2005/8/layout/hList2"/>
-    <dgm:cxn modelId="{954E26BD-FBA2-4A5C-9EAA-2A2FACBF84AA}" type="presParOf" srcId="{93AF6EB4-FCC1-4634-9951-E885EACF7BB2}" destId="{14DCECFD-0BE5-40F2-8BE4-044D667BDEF6}" srcOrd="4" destOrd="0" presId="urn:microsoft.com/office/officeart/2005/8/layout/hList2"/>
-    <dgm:cxn modelId="{D4D983EB-DF8F-4082-81E3-321FC32145D4}" type="presParOf" srcId="{14DCECFD-0BE5-40F2-8BE4-044D667BDEF6}" destId="{E219CE3B-456D-416F-AA58-5DF5B8B36966}" srcOrd="0" destOrd="0" presId="urn:microsoft.com/office/officeart/2005/8/layout/hList2"/>
-    <dgm:cxn modelId="{1F329DA7-A26A-4694-A1F2-EF0CA77354F5}" type="presParOf" srcId="{14DCECFD-0BE5-40F2-8BE4-044D667BDEF6}" destId="{75371E2A-895B-4B16-B02A-DBFE3269960E}" srcOrd="1" destOrd="0" presId="urn:microsoft.com/office/officeart/2005/8/layout/hList2"/>
-    <dgm:cxn modelId="{C7C937AA-0520-401A-8F90-49D136FFD7EE}" type="presParOf" srcId="{14DCECFD-0BE5-40F2-8BE4-044D667BDEF6}" destId="{0066362C-EDA1-43C9-AD73-66A1B6B955D2}" srcOrd="2" destOrd="0" presId="urn:microsoft.com/office/officeart/2005/8/layout/hList2"/>
-    <dgm:cxn modelId="{BF0C0F67-D36E-4AF6-80FC-1A9825E8339C}" type="presParOf" srcId="{93AF6EB4-FCC1-4634-9951-E885EACF7BB2}" destId="{C66D4915-9069-4A35-9AB6-4108809588C7}" srcOrd="5" destOrd="0" presId="urn:microsoft.com/office/officeart/2005/8/layout/hList2"/>
-    <dgm:cxn modelId="{BEC02AB4-0892-4EE7-A280-5580B2CCA53C}" type="presParOf" srcId="{93AF6EB4-FCC1-4634-9951-E885EACF7BB2}" destId="{3713D22E-2D10-4ACB-9C91-44CBDAD2638E}" srcOrd="6" destOrd="0" presId="urn:microsoft.com/office/officeart/2005/8/layout/hList2"/>
-    <dgm:cxn modelId="{FBF9C7CB-2E81-4C10-97A1-6204C86E6E0A}" type="presParOf" srcId="{3713D22E-2D10-4ACB-9C91-44CBDAD2638E}" destId="{9BDC7C31-8470-418F-AA33-D0F153D75747}" srcOrd="0" destOrd="0" presId="urn:microsoft.com/office/officeart/2005/8/layout/hList2"/>
-    <dgm:cxn modelId="{CA7BDEA7-5F71-447A-ADC9-CB45DD29421A}" type="presParOf" srcId="{3713D22E-2D10-4ACB-9C91-44CBDAD2638E}" destId="{7799EFF0-CB5B-45AF-9ECC-AF5ADE221639}" srcOrd="1" destOrd="0" presId="urn:microsoft.com/office/officeart/2005/8/layout/hList2"/>
-    <dgm:cxn modelId="{4965C58C-4B95-49FE-8C0C-43C5F83F4A61}" type="presParOf" srcId="{3713D22E-2D10-4ACB-9C91-44CBDAD2638E}" destId="{C8BB9FC6-6AFF-4933-9021-7411AFD5B0A7}" srcOrd="2" destOrd="0" presId="urn:microsoft.com/office/officeart/2005/8/layout/hList2"/>
+    <dgm:cxn modelId="{BE2BD115-944F-4D95-B157-D177CCCAE7B7}" type="presOf" srcId="{0ED985B0-F992-41C0-A0DF-DB763467528A}" destId="{93AF6EB4-FCC1-4634-9951-E885EACF7BB2}" srcOrd="0" destOrd="0" presId="urn:microsoft.com/office/officeart/2005/8/layout/hList2#1"/>
+    <dgm:cxn modelId="{BB5D1F68-E2B2-48A1-8DD1-2973A0A43F58}" type="presOf" srcId="{4226B12D-E302-43AF-8B50-309C6137E5C3}" destId="{7799EFF0-CB5B-45AF-9ECC-AF5ADE221639}" srcOrd="0" destOrd="2" presId="urn:microsoft.com/office/officeart/2005/8/layout/hList2#1"/>
+    <dgm:cxn modelId="{AA314F89-D8A1-4D49-97BF-CE6B3B529C07}" type="presParOf" srcId="{93AF6EB4-FCC1-4634-9951-E885EACF7BB2}" destId="{BFB33C08-C4FF-46FC-A24D-70D529E94781}" srcOrd="0" destOrd="0" presId="urn:microsoft.com/office/officeart/2005/8/layout/hList2#1"/>
+    <dgm:cxn modelId="{70185C63-EE5D-4498-960F-AD3FC9C618CC}" type="presParOf" srcId="{BFB33C08-C4FF-46FC-A24D-70D529E94781}" destId="{26B0CB7C-D4E2-43A3-97E1-33EC24D881B7}" srcOrd="0" destOrd="0" presId="urn:microsoft.com/office/officeart/2005/8/layout/hList2#1"/>
+    <dgm:cxn modelId="{B880B90C-055C-4EFE-B857-D489BBE7C453}" type="presParOf" srcId="{BFB33C08-C4FF-46FC-A24D-70D529E94781}" destId="{E1183BD7-0429-4707-9FCC-1ED6461A208B}" srcOrd="1" destOrd="0" presId="urn:microsoft.com/office/officeart/2005/8/layout/hList2#1"/>
+    <dgm:cxn modelId="{DEFE8622-4F5C-4DF7-ADEC-8C159E9DF48A}" type="presParOf" srcId="{BFB33C08-C4FF-46FC-A24D-70D529E94781}" destId="{796565FA-A8B9-46BA-8356-76FA771B6A85}" srcOrd="2" destOrd="0" presId="urn:microsoft.com/office/officeart/2005/8/layout/hList2#1"/>
+    <dgm:cxn modelId="{8F37E4A6-7EB7-4322-8F6A-C28A08C9D896}" type="presParOf" srcId="{93AF6EB4-FCC1-4634-9951-E885EACF7BB2}" destId="{05A2EE77-A25F-4578-9774-A72003DC31FB}" srcOrd="1" destOrd="0" presId="urn:microsoft.com/office/officeart/2005/8/layout/hList2#1"/>
+    <dgm:cxn modelId="{93B4B8EA-5855-46F8-8A38-0354E67C52EF}" type="presParOf" srcId="{93AF6EB4-FCC1-4634-9951-E885EACF7BB2}" destId="{41364295-A39F-4F75-935F-56F665894944}" srcOrd="2" destOrd="0" presId="urn:microsoft.com/office/officeart/2005/8/layout/hList2#1"/>
+    <dgm:cxn modelId="{BBA64179-78B0-4F5A-9986-EB11C89F7BD2}" type="presParOf" srcId="{41364295-A39F-4F75-935F-56F665894944}" destId="{DD08B832-2BD4-4532-B988-CE751E4BA221}" srcOrd="0" destOrd="0" presId="urn:microsoft.com/office/officeart/2005/8/layout/hList2#1"/>
+    <dgm:cxn modelId="{4B3D2E51-6500-45BF-A3D0-0B561A7A1DD9}" type="presParOf" srcId="{41364295-A39F-4F75-935F-56F665894944}" destId="{D09BDCF9-B6AE-4482-83CA-29A57BE5B006}" srcOrd="1" destOrd="0" presId="urn:microsoft.com/office/officeart/2005/8/layout/hList2#1"/>
+    <dgm:cxn modelId="{6FCDC3FF-33C9-4419-91A2-4A4AF1E97507}" type="presParOf" srcId="{41364295-A39F-4F75-935F-56F665894944}" destId="{A661B534-4AB5-4378-81FC-8A50002BBF30}" srcOrd="2" destOrd="0" presId="urn:microsoft.com/office/officeart/2005/8/layout/hList2#1"/>
+    <dgm:cxn modelId="{D023B6A1-F2AF-4957-9106-57FF65B228BF}" type="presParOf" srcId="{93AF6EB4-FCC1-4634-9951-E885EACF7BB2}" destId="{189C3D93-DC2C-4C69-9658-E102D0A7A8D2}" srcOrd="3" destOrd="0" presId="urn:microsoft.com/office/officeart/2005/8/layout/hList2#1"/>
+    <dgm:cxn modelId="{954E26BD-FBA2-4A5C-9EAA-2A2FACBF84AA}" type="presParOf" srcId="{93AF6EB4-FCC1-4634-9951-E885EACF7BB2}" destId="{14DCECFD-0BE5-40F2-8BE4-044D667BDEF6}" srcOrd="4" destOrd="0" presId="urn:microsoft.com/office/officeart/2005/8/layout/hList2#1"/>
+    <dgm:cxn modelId="{D4D983EB-DF8F-4082-81E3-321FC32145D4}" type="presParOf" srcId="{14DCECFD-0BE5-40F2-8BE4-044D667BDEF6}" destId="{E219CE3B-456D-416F-AA58-5DF5B8B36966}" srcOrd="0" destOrd="0" presId="urn:microsoft.com/office/officeart/2005/8/layout/hList2#1"/>
+    <dgm:cxn modelId="{1F329DA7-A26A-4694-A1F2-EF0CA77354F5}" type="presParOf" srcId="{14DCECFD-0BE5-40F2-8BE4-044D667BDEF6}" destId="{75371E2A-895B-4B16-B02A-DBFE3269960E}" srcOrd="1" destOrd="0" presId="urn:microsoft.com/office/officeart/2005/8/layout/hList2#1"/>
+    <dgm:cxn modelId="{C7C937AA-0520-401A-8F90-49D136FFD7EE}" type="presParOf" srcId="{14DCECFD-0BE5-40F2-8BE4-044D667BDEF6}" destId="{0066362C-EDA1-43C9-AD73-66A1B6B955D2}" srcOrd="2" destOrd="0" presId="urn:microsoft.com/office/officeart/2005/8/layout/hList2#1"/>
+    <dgm:cxn modelId="{BF0C0F67-D36E-4AF6-80FC-1A9825E8339C}" type="presParOf" srcId="{93AF6EB4-FCC1-4634-9951-E885EACF7BB2}" destId="{C66D4915-9069-4A35-9AB6-4108809588C7}" srcOrd="5" destOrd="0" presId="urn:microsoft.com/office/officeart/2005/8/layout/hList2#1"/>
+    <dgm:cxn modelId="{BEC02AB4-0892-4EE7-A280-5580B2CCA53C}" type="presParOf" srcId="{93AF6EB4-FCC1-4634-9951-E885EACF7BB2}" destId="{3713D22E-2D10-4ACB-9C91-44CBDAD2638E}" srcOrd="6" destOrd="0" presId="urn:microsoft.com/office/officeart/2005/8/layout/hList2#1"/>
+    <dgm:cxn modelId="{FBF9C7CB-2E81-4C10-97A1-6204C86E6E0A}" type="presParOf" srcId="{3713D22E-2D10-4ACB-9C91-44CBDAD2638E}" destId="{9BDC7C31-8470-418F-AA33-D0F153D75747}" srcOrd="0" destOrd="0" presId="urn:microsoft.com/office/officeart/2005/8/layout/hList2#1"/>
+    <dgm:cxn modelId="{CA7BDEA7-5F71-447A-ADC9-CB45DD29421A}" type="presParOf" srcId="{3713D22E-2D10-4ACB-9C91-44CBDAD2638E}" destId="{7799EFF0-CB5B-45AF-9ECC-AF5ADE221639}" srcOrd="1" destOrd="0" presId="urn:microsoft.com/office/officeart/2005/8/layout/hList2#1"/>
+    <dgm:cxn modelId="{4965C58C-4B95-49FE-8C0C-43C5F83F4A61}" type="presParOf" srcId="{3713D22E-2D10-4ACB-9C91-44CBDAD2638E}" destId="{C8BB9FC6-6AFF-4933-9021-7411AFD5B0A7}" srcOrd="2" destOrd="0" presId="urn:microsoft.com/office/officeart/2005/8/layout/hList2#1"/>
   </dgm:cxnLst>
   <dgm:bg/>
   <dgm:whole/>
   <dgm:extLst>
     <a:ext uri="http://schemas.microsoft.com/office/drawing/2008/diagram">
-      <dsp:dataModelExt xmlns:dsp="http://schemas.microsoft.com/office/drawing/2008/diagram" xmlns="" relId="rId6" minVer="http://schemas.openxmlformats.org/drawingml/2006/diagram"/>
+      <dsp:dataModelExt xmlns:dsp="http://schemas.microsoft.com/office/drawing/2008/diagram" relId="rId6" minVer="http://schemas.openxmlformats.org/drawingml/2006/diagram"/>
     </a:ext>
   </dgm:extLst>
 </dgm:dataModel>
@@ -8318,7 +8551,7 @@
 <dgm:dataModel xmlns:dgm="http://schemas.openxmlformats.org/drawingml/2006/diagram" xmlns:a="http://schemas.openxmlformats.org/drawingml/2006/main">
   <dgm:ptLst>
     <dgm:pt modelId="{0ED985B0-F992-41C0-A0DF-DB763467528A}" type="doc">
-      <dgm:prSet loTypeId="urn:microsoft.com/office/officeart/2005/8/layout/hList2" loCatId="relationship" qsTypeId="urn:microsoft.com/office/officeart/2005/8/quickstyle/simple4" qsCatId="simple" csTypeId="urn:microsoft.com/office/officeart/2005/8/colors/accent1_2" csCatId="accent1" phldr="1"/>
+      <dgm:prSet loTypeId="urn:microsoft.com/office/officeart/2005/8/layout/hList2#2" loCatId="relationship" qsTypeId="urn:microsoft.com/office/officeart/2005/8/quickstyle/simple4" qsCatId="simple" csTypeId="urn:microsoft.com/office/officeart/2005/8/colors/accent1_2" csCatId="accent1" phldr="1"/>
       <dgm:spPr/>
       <dgm:t>
         <a:bodyPr/>
@@ -8347,20 +8580,20 @@
     </dgm:pt>
   </dgm:ptLst>
   <dgm:cxnLst>
-    <dgm:cxn modelId="{94CA5325-1E14-4241-9C21-4BE5562DA9CC}" type="presOf" srcId="{0ED985B0-F992-41C0-A0DF-DB763467528A}" destId="{93AF6EB4-FCC1-4634-9951-E885EACF7BB2}" srcOrd="0" destOrd="0" presId="urn:microsoft.com/office/officeart/2005/8/layout/hList2"/>
+    <dgm:cxn modelId="{94CA5325-1E14-4241-9C21-4BE5562DA9CC}" type="presOf" srcId="{0ED985B0-F992-41C0-A0DF-DB763467528A}" destId="{93AF6EB4-FCC1-4634-9951-E885EACF7BB2}" srcOrd="0" destOrd="0" presId="urn:microsoft.com/office/officeart/2005/8/layout/hList2#2"/>
   </dgm:cxnLst>
   <dgm:bg/>
   <dgm:whole/>
   <dgm:extLst>
     <a:ext uri="http://schemas.microsoft.com/office/drawing/2008/diagram">
-      <dsp:dataModelExt xmlns:dsp="http://schemas.microsoft.com/office/drawing/2008/diagram" xmlns="" relId="rId6" minVer="http://schemas.openxmlformats.org/drawingml/2006/diagram"/>
+      <dsp:dataModelExt xmlns:dsp="http://schemas.microsoft.com/office/drawing/2008/diagram" relId="rId6" minVer="http://schemas.openxmlformats.org/drawingml/2006/diagram"/>
     </a:ext>
   </dgm:extLst>
 </dgm:dataModel>
 </file>
 
 <file path=ppt/diagrams/drawing1.xml><?xml version="1.0" encoding="utf-8"?>
-<dsp:drawing xmlns:dgm="http://schemas.openxmlformats.org/drawingml/2006/diagram" xmlns:a="http://schemas.openxmlformats.org/drawingml/2006/main" xmlns:dsp="http://schemas.microsoft.com/office/drawing/2008/diagram">
+<dsp:drawing xmlns:dgm="http://schemas.openxmlformats.org/drawingml/2006/diagram" xmlns:dsp="http://schemas.microsoft.com/office/drawing/2008/diagram" xmlns:a="http://schemas.openxmlformats.org/drawingml/2006/main">
   <dsp:spTree>
     <dsp:nvGrpSpPr>
       <dsp:cNvPr id="0" name=""/>
@@ -8465,8 +8698,8 @@
         </a:p>
       </dsp:txBody>
       <dsp:txXfrm>
-        <a:off x="0" y="76728"/>
-        <a:ext cx="4081463" cy="407745"/>
+        <a:off x="19904" y="96632"/>
+        <a:ext cx="4041655" cy="367937"/>
       </dsp:txXfrm>
     </dsp:sp>
     <dsp:sp modelId="{3DA3C54A-443E-4079-8FD8-03835498A313}">
@@ -8643,8 +8876,8 @@
         </a:p>
       </dsp:txBody>
       <dsp:txXfrm>
-        <a:off x="0" y="933145"/>
-        <a:ext cx="4081463" cy="407745"/>
+        <a:off x="19904" y="953049"/>
+        <a:ext cx="4041655" cy="367937"/>
       </dsp:txXfrm>
     </dsp:sp>
     <dsp:sp modelId="{86C6E5DC-91FE-4393-97EC-0E63A588CCA8}">
@@ -8859,8 +9092,8 @@
         </a:p>
       </dsp:txBody>
       <dsp:txXfrm>
-        <a:off x="0" y="2238235"/>
-        <a:ext cx="4081463" cy="407745"/>
+        <a:off x="19904" y="2258139"/>
+        <a:ext cx="4041655" cy="367937"/>
       </dsp:txXfrm>
     </dsp:sp>
     <dsp:sp modelId="{D4B29F39-5BA6-449A-B2B8-4D84BC4B354D}">
@@ -9075,8 +9308,8 @@
         </a:p>
       </dsp:txBody>
       <dsp:txXfrm>
-        <a:off x="0" y="3543325"/>
-        <a:ext cx="4081463" cy="407745"/>
+        <a:off x="19904" y="3563229"/>
+        <a:ext cx="4041655" cy="367937"/>
       </dsp:txXfrm>
     </dsp:sp>
     <dsp:sp modelId="{4174C60E-95CC-4882-BEA6-891F2F81F245}">
@@ -9202,7 +9435,7 @@
 </file>
 
 <file path=ppt/diagrams/drawing2.xml><?xml version="1.0" encoding="utf-8"?>
-<dsp:drawing xmlns:dgm="http://schemas.openxmlformats.org/drawingml/2006/diagram" xmlns:a="http://schemas.openxmlformats.org/drawingml/2006/main" xmlns:dsp="http://schemas.microsoft.com/office/drawing/2008/diagram">
+<dsp:drawing xmlns:dgm="http://schemas.openxmlformats.org/drawingml/2006/diagram" xmlns:dsp="http://schemas.microsoft.com/office/drawing/2008/diagram" xmlns:a="http://schemas.openxmlformats.org/drawingml/2006/main">
   <dsp:spTree>
     <dsp:nvGrpSpPr>
       <dsp:cNvPr id="0" name=""/>
@@ -9307,8 +9540,8 @@
         </a:p>
       </dsp:txBody>
       <dsp:txXfrm>
-        <a:off x="0" y="7819"/>
-        <a:ext cx="4042792" cy="383760"/>
+        <a:off x="18734" y="26553"/>
+        <a:ext cx="4005324" cy="346292"/>
       </dsp:txXfrm>
     </dsp:sp>
     <dsp:sp modelId="{A96A0ECB-4E20-4C79-80BC-75B0D3A2CF5E}">
@@ -9485,8 +9718,8 @@
         </a:p>
       </dsp:txBody>
       <dsp:txXfrm>
-        <a:off x="0" y="805580"/>
-        <a:ext cx="4042792" cy="383760"/>
+        <a:off x="18734" y="824314"/>
+        <a:ext cx="4005324" cy="346292"/>
       </dsp:txXfrm>
     </dsp:sp>
     <dsp:sp modelId="{5C6BCDC5-01CD-4D3A-AFDA-D028DCC208E0}">
@@ -9720,8 +9953,8 @@
         </a:p>
       </dsp:txBody>
       <dsp:txXfrm>
-        <a:off x="0" y="2232620"/>
-        <a:ext cx="4042792" cy="383760"/>
+        <a:off x="18734" y="2251354"/>
+        <a:ext cx="4005324" cy="346292"/>
       </dsp:txXfrm>
     </dsp:sp>
     <dsp:sp modelId="{09EBEF52-6D08-4CB1-8BDA-3D44D2BF50F5}">
@@ -9917,8 +10150,8 @@
         </a:p>
       </dsp:txBody>
       <dsp:txXfrm>
-        <a:off x="0" y="3245660"/>
-        <a:ext cx="4042792" cy="383760"/>
+        <a:off x="18734" y="3264394"/>
+        <a:ext cx="4005324" cy="346292"/>
       </dsp:txXfrm>
     </dsp:sp>
     <dsp:sp modelId="{41659F7B-4944-4AB4-A655-69C3BEDC0729}">
@@ -10063,7 +10296,7 @@
 </file>
 
 <file path=ppt/diagrams/drawing3.xml><?xml version="1.0" encoding="utf-8"?>
-<dsp:drawing xmlns:dgm="http://schemas.openxmlformats.org/drawingml/2006/diagram" xmlns:a="http://schemas.openxmlformats.org/drawingml/2006/main" xmlns:dsp="http://schemas.microsoft.com/office/drawing/2008/diagram">
+<dsp:drawing xmlns:dgm="http://schemas.openxmlformats.org/drawingml/2006/diagram" xmlns:dsp="http://schemas.microsoft.com/office/drawing/2008/diagram" xmlns:a="http://schemas.openxmlformats.org/drawingml/2006/main">
   <dsp:spTree>
     <dsp:nvGrpSpPr>
       <dsp:cNvPr id="0" name=""/>
@@ -10125,7 +10358,7 @@
           <a:endParaRPr lang="es-AR" sz="2100" kern="1200" dirty="0"/>
         </a:p>
       </dsp:txBody>
-      <dsp:txXfrm rot="16200000">
+      <dsp:txXfrm>
         <a:off x="-1208643" y="1847182"/>
         <a:ext cx="2808312" cy="293639"/>
       </dsp:txXfrm>
@@ -10369,7 +10602,7 @@
           <a:endParaRPr lang="es-AR" sz="2100" kern="1200" dirty="0"/>
         </a:p>
       </dsp:txBody>
-      <dsp:txXfrm rot="16200000">
+      <dsp:txXfrm>
         <a:off x="933776" y="1847182"/>
         <a:ext cx="2808312" cy="293639"/>
       </dsp:txXfrm>
@@ -10594,7 +10827,7 @@
           <a:endParaRPr lang="es-AR" sz="2100" kern="1200" dirty="0"/>
         </a:p>
       </dsp:txBody>
-      <dsp:txXfrm rot="16200000">
+      <dsp:txXfrm>
         <a:off x="3076196" y="1847182"/>
         <a:ext cx="2808312" cy="293639"/>
       </dsp:txXfrm>
@@ -10819,7 +11052,7 @@
           <a:endParaRPr lang="es-AR" sz="2100" kern="1200" dirty="0"/>
         </a:p>
       </dsp:txBody>
-      <dsp:txXfrm rot="16200000">
+      <dsp:txXfrm>
         <a:off x="5218616" y="1847182"/>
         <a:ext cx="2808312" cy="293639"/>
       </dsp:txXfrm>
@@ -11013,7 +11246,7 @@
 </file>
 
 <file path=ppt/diagrams/drawing4.xml><?xml version="1.0" encoding="utf-8"?>
-<dsp:drawing xmlns:dgm="http://schemas.openxmlformats.org/drawingml/2006/diagram" xmlns:a="http://schemas.openxmlformats.org/drawingml/2006/main" xmlns:dsp="http://schemas.microsoft.com/office/drawing/2008/diagram">
+<dsp:drawing xmlns:dgm="http://schemas.openxmlformats.org/drawingml/2006/diagram" xmlns:dsp="http://schemas.microsoft.com/office/drawing/2008/diagram" xmlns:a="http://schemas.openxmlformats.org/drawingml/2006/main">
   <dsp:spTree>
     <dsp:nvGrpSpPr>
       <dsp:cNvPr id="0" name=""/>
@@ -11359,7 +11592,7 @@
 </file>
 
 <file path=ppt/diagrams/layout3.xml><?xml version="1.0" encoding="utf-8"?>
-<dgm:layoutDef xmlns:dgm="http://schemas.openxmlformats.org/drawingml/2006/diagram" xmlns:a="http://schemas.openxmlformats.org/drawingml/2006/main" uniqueId="urn:microsoft.com/office/officeart/2005/8/layout/hList2">
+<dgm:layoutDef xmlns:dgm="http://schemas.openxmlformats.org/drawingml/2006/diagram" xmlns:a="http://schemas.openxmlformats.org/drawingml/2006/main" uniqueId="urn:microsoft.com/office/officeart/2005/8/layout/hList2#1">
   <dgm:title val=""/>
   <dgm:desc val=""/>
   <dgm:catLst>
@@ -11642,7 +11875,7 @@
 </file>
 
 <file path=ppt/diagrams/layout4.xml><?xml version="1.0" encoding="utf-8"?>
-<dgm:layoutDef xmlns:dgm="http://schemas.openxmlformats.org/drawingml/2006/diagram" xmlns:a="http://schemas.openxmlformats.org/drawingml/2006/main" uniqueId="urn:microsoft.com/office/officeart/2005/8/layout/hList2">
+<dgm:layoutDef xmlns:dgm="http://schemas.openxmlformats.org/drawingml/2006/diagram" xmlns:a="http://schemas.openxmlformats.org/drawingml/2006/main" uniqueId="urn:microsoft.com/office/officeart/2005/8/layout/hList2#2">
   <dgm:title val=""/>
   <dgm:desc val=""/>
   <dgm:catLst>
@@ -16210,13 +16443,18 @@
             <a:fld id="{9ADE3BB1-B49E-46C8-BFCA-3634BCA36589}" type="slidenum">
               <a:rPr lang="es-AR" smtClean="0"/>
               <a:pPr/>
-              <a:t>‹Nº›</a:t>
+              <a:t>‹#›</a:t>
             </a:fld>
             <a:endParaRPr lang="es-AR"/>
           </a:p>
         </p:txBody>
       </p:sp>
     </p:spTree>
+    <p:extLst>
+      <p:ext uri="{BB962C8B-B14F-4D97-AF65-F5344CB8AC3E}">
+        <p14:creationId xmlns:p14="http://schemas.microsoft.com/office/powerpoint/2010/main" val="3294761821"/>
+      </p:ext>
+    </p:extLst>
   </p:cSld>
   <p:clrMap bg1="lt1" tx1="dk1" bg2="lt2" tx2="dk2" accent1="accent1" accent2="accent2" accent3="accent3" accent4="accent4" accent5="accent5" accent6="accent6" hlink="hlink" folHlink="folHlink"/>
 </p:handoutMaster>
@@ -16467,13 +16705,18 @@
             <a:fld id="{EA0D9E51-E836-4F08-8FFF-406AF79182CA}" type="slidenum">
               <a:rPr lang="es-AR" smtClean="0"/>
               <a:pPr/>
-              <a:t>‹Nº›</a:t>
+              <a:t>‹#›</a:t>
             </a:fld>
             <a:endParaRPr lang="es-AR"/>
           </a:p>
         </p:txBody>
       </p:sp>
     </p:spTree>
+    <p:extLst>
+      <p:ext uri="{BB962C8B-B14F-4D97-AF65-F5344CB8AC3E}">
+        <p14:creationId xmlns:p14="http://schemas.microsoft.com/office/powerpoint/2010/main" val="1945679475"/>
+      </p:ext>
+    </p:extLst>
   </p:cSld>
   <p:clrMap bg1="lt1" tx1="dk1" bg2="lt2" tx2="dk2" accent1="accent1" accent2="accent2" accent3="accent3" accent4="accent4" accent5="accent5" accent6="accent6" hlink="hlink" folHlink="folHlink"/>
   <p:notesStyle>
@@ -17460,7 +17703,7 @@
             <a:fld id="{BE15CF76-26FC-489E-B8C7-B48500CB86A3}" type="slidenum">
               <a:rPr lang="es-AR" smtClean="0"/>
               <a:pPr/>
-              <a:t>‹Nº›</a:t>
+              <a:t>‹#›</a:t>
             </a:fld>
             <a:endParaRPr lang="es-AR"/>
           </a:p>
@@ -17685,7 +17928,7 @@
             <a:fld id="{BE15CF76-26FC-489E-B8C7-B48500CB86A3}" type="slidenum">
               <a:rPr lang="es-AR" smtClean="0"/>
               <a:pPr/>
-              <a:t>‹Nº›</a:t>
+              <a:t>‹#›</a:t>
             </a:fld>
             <a:endParaRPr lang="es-AR"/>
           </a:p>
@@ -17972,7 +18215,7 @@
             <a:fld id="{BE15CF76-26FC-489E-B8C7-B48500CB86A3}" type="slidenum">
               <a:rPr lang="es-AR" smtClean="0"/>
               <a:pPr/>
-              <a:t>‹Nº›</a:t>
+              <a:t>‹#›</a:t>
             </a:fld>
             <a:endParaRPr lang="es-AR"/>
           </a:p>
@@ -18277,7 +18520,7 @@
             <a:fld id="{BE15CF76-26FC-489E-B8C7-B48500CB86A3}" type="slidenum">
               <a:rPr lang="es-AR" smtClean="0"/>
               <a:pPr/>
-              <a:t>‹Nº›</a:t>
+              <a:t>‹#›</a:t>
             </a:fld>
             <a:endParaRPr lang="es-AR"/>
           </a:p>
@@ -18752,7 +18995,7 @@
             <a:fld id="{BE15CF76-26FC-489E-B8C7-B48500CB86A3}" type="slidenum">
               <a:rPr lang="es-AR" smtClean="0"/>
               <a:pPr/>
-              <a:t>‹Nº›</a:t>
+              <a:t>‹#›</a:t>
             </a:fld>
             <a:endParaRPr lang="es-AR"/>
           </a:p>
@@ -19142,7 +19385,7 @@
             <a:fld id="{BE15CF76-26FC-489E-B8C7-B48500CB86A3}" type="slidenum">
               <a:rPr lang="es-AR" smtClean="0"/>
               <a:pPr/>
-              <a:t>‹Nº›</a:t>
+              <a:t>‹#›</a:t>
             </a:fld>
             <a:endParaRPr lang="es-AR"/>
           </a:p>
@@ -19532,7 +19775,7 @@
             <a:fld id="{BE15CF76-26FC-489E-B8C7-B48500CB86A3}" type="slidenum">
               <a:rPr lang="es-AR" smtClean="0"/>
               <a:pPr/>
-              <a:t>‹Nº›</a:t>
+              <a:t>‹#›</a:t>
             </a:fld>
             <a:endParaRPr lang="es-AR"/>
           </a:p>
@@ -20007,7 +20250,7 @@
             <a:fld id="{BE15CF76-26FC-489E-B8C7-B48500CB86A3}" type="slidenum">
               <a:rPr lang="es-AR" smtClean="0"/>
               <a:pPr/>
-              <a:t>‹Nº›</a:t>
+              <a:t>‹#›</a:t>
             </a:fld>
             <a:endParaRPr lang="es-AR"/>
           </a:p>
@@ -20312,7 +20555,7 @@
             <a:fld id="{BE15CF76-26FC-489E-B8C7-B48500CB86A3}" type="slidenum">
               <a:rPr lang="es-AR" smtClean="0"/>
               <a:pPr/>
-              <a:t>‹Nº›</a:t>
+              <a:t>‹#›</a:t>
             </a:fld>
             <a:endParaRPr lang="es-AR"/>
           </a:p>
@@ -20617,7 +20860,7 @@
             <a:fld id="{BE15CF76-26FC-489E-B8C7-B48500CB86A3}" type="slidenum">
               <a:rPr lang="es-AR" smtClean="0"/>
               <a:pPr/>
-              <a:t>‹Nº›</a:t>
+              <a:t>‹#›</a:t>
             </a:fld>
             <a:endParaRPr lang="es-AR"/>
           </a:p>
@@ -20963,7 +21206,7 @@
             <a:fld id="{BE15CF76-26FC-489E-B8C7-B48500CB86A3}" type="slidenum">
               <a:rPr lang="es-AR" smtClean="0"/>
               <a:pPr/>
-              <a:t>‹Nº›</a:t>
+              <a:t>‹#›</a:t>
             </a:fld>
             <a:endParaRPr lang="es-AR"/>
           </a:p>
@@ -21323,7 +21566,7 @@
             <a:fld id="{BE15CF76-26FC-489E-B8C7-B48500CB86A3}" type="slidenum">
               <a:rPr lang="es-AR" smtClean="0"/>
               <a:pPr/>
-              <a:t>‹Nº›</a:t>
+              <a:t>‹#›</a:t>
             </a:fld>
             <a:endParaRPr lang="es-AR"/>
           </a:p>
@@ -21612,7 +21855,7 @@
             <a:fld id="{BE15CF76-26FC-489E-B8C7-B48500CB86A3}" type="slidenum">
               <a:rPr lang="es-AR" smtClean="0"/>
               <a:pPr/>
-              <a:t>‹Nº›</a:t>
+              <a:t>‹#›</a:t>
             </a:fld>
             <a:endParaRPr lang="es-AR"/>
           </a:p>
@@ -22036,7 +22279,7 @@
             <a:fld id="{BE15CF76-26FC-489E-B8C7-B48500CB86A3}" type="slidenum">
               <a:rPr lang="es-AR" smtClean="0"/>
               <a:pPr/>
-              <a:t>‹Nº›</a:t>
+              <a:t>‹#›</a:t>
             </a:fld>
             <a:endParaRPr lang="es-AR"/>
           </a:p>
@@ -22153,7 +22396,7 @@
             <a:fld id="{BE15CF76-26FC-489E-B8C7-B48500CB86A3}" type="slidenum">
               <a:rPr lang="es-AR" smtClean="0"/>
               <a:pPr/>
-              <a:t>‹Nº›</a:t>
+              <a:t>‹#›</a:t>
             </a:fld>
             <a:endParaRPr lang="es-AR"/>
           </a:p>
@@ -22245,7 +22488,7 @@
             <a:fld id="{BE15CF76-26FC-489E-B8C7-B48500CB86A3}" type="slidenum">
               <a:rPr lang="es-AR" smtClean="0"/>
               <a:pPr/>
-              <a:t>‹Nº›</a:t>
+              <a:t>‹#›</a:t>
             </a:fld>
             <a:endParaRPr lang="es-AR"/>
           </a:p>
@@ -22525,7 +22768,7 @@
             <a:fld id="{BE15CF76-26FC-489E-B8C7-B48500CB86A3}" type="slidenum">
               <a:rPr lang="es-AR" smtClean="0"/>
               <a:pPr/>
-              <a:t>‹Nº›</a:t>
+              <a:t>‹#›</a:t>
             </a:fld>
             <a:endParaRPr lang="es-AR"/>
           </a:p>
@@ -23007,7 +23250,7 @@
             <a:fld id="{BE15CF76-26FC-489E-B8C7-B48500CB86A3}" type="slidenum">
               <a:rPr lang="es-AR" smtClean="0"/>
               <a:pPr/>
-              <a:t>‹Nº›</a:t>
+              <a:t>‹#›</a:t>
             </a:fld>
             <a:endParaRPr lang="es-AR"/>
           </a:p>
@@ -23370,7 +23613,7 @@
             <a:fld id="{BE15CF76-26FC-489E-B8C7-B48500CB86A3}" type="slidenum">
               <a:rPr lang="es-AR" smtClean="0"/>
               <a:pPr/>
-              <a:t>‹Nº›</a:t>
+              <a:t>‹#›</a:t>
             </a:fld>
             <a:endParaRPr lang="es-AR"/>
           </a:p>
@@ -27410,10 +27653,16 @@
         <p:nvGraphicFramePr>
           <p:cNvPr id="7" name="15 Gráfico"/>
           <p:cNvGraphicFramePr/>
-          <p:nvPr/>
+          <p:nvPr>
+            <p:extLst>
+              <p:ext uri="{D42A27DB-BD31-4B8C-83A1-F6EECF244321}">
+                <p14:modId xmlns:p14="http://schemas.microsoft.com/office/powerpoint/2010/main" val="727075961"/>
+              </p:ext>
+            </p:extLst>
+          </p:nvPr>
         </p:nvGraphicFramePr>
         <p:xfrm>
-          <a:off x="395536" y="4149080"/>
+          <a:off x="395536" y="4221088"/>
           <a:ext cx="7938763" cy="2708920"/>
         </p:xfrm>
         <a:graphic>

--- a/trunk/Documentation/Documentacion/PRESENTACION_FACU.pptx
+++ b/trunk/Documentation/Documentacion/PRESENTACION_FACU.pptx
@@ -5,10 +5,10 @@
     <p:sldMasterId id="2147483662" r:id="rId1"/>
   </p:sldMasterIdLst>
   <p:notesMasterIdLst>
-    <p:notesMasterId r:id="rId16"/>
+    <p:notesMasterId r:id="rId18"/>
   </p:notesMasterIdLst>
   <p:handoutMasterIdLst>
-    <p:handoutMasterId r:id="rId17"/>
+    <p:handoutMasterId r:id="rId19"/>
   </p:handoutMasterIdLst>
   <p:sldIdLst>
     <p:sldId id="268" r:id="rId2"/>
@@ -25,6 +25,8 @@
     <p:sldId id="278" r:id="rId13"/>
     <p:sldId id="281" r:id="rId14"/>
     <p:sldId id="282" r:id="rId15"/>
+    <p:sldId id="283" r:id="rId16"/>
+    <p:sldId id="284" r:id="rId17"/>
   </p:sldIdLst>
   <p:sldSz cx="9144000" cy="6858000" type="screen4x3"/>
   <p:notesSz cx="6858000" cy="9144000"/>
@@ -616,12 +618,12 @@
         </c:dLbls>
         <c:gapWidth val="75"/>
         <c:shape val="cylinder"/>
-        <c:axId val="39034368"/>
-        <c:axId val="38846464"/>
+        <c:axId val="95913984"/>
+        <c:axId val="94027776"/>
         <c:axId val="0"/>
       </c:bar3DChart>
       <c:catAx>
-        <c:axId val="39034368"/>
+        <c:axId val="95913984"/>
         <c:scaling>
           <c:orientation val="minMax"/>
         </c:scaling>
@@ -631,7 +633,7 @@
         <c:majorTickMark val="none"/>
         <c:minorTickMark val="none"/>
         <c:tickLblPos val="none"/>
-        <c:crossAx val="38846464"/>
+        <c:crossAx val="94027776"/>
         <c:crosses val="autoZero"/>
         <c:auto val="1"/>
         <c:lblAlgn val="ctr"/>
@@ -639,7 +641,7 @@
         <c:noMultiLvlLbl val="0"/>
       </c:catAx>
       <c:valAx>
-        <c:axId val="38846464"/>
+        <c:axId val="94027776"/>
         <c:scaling>
           <c:orientation val="minMax"/>
         </c:scaling>
@@ -655,7 +657,7 @@
             <a:noFill/>
           </a:ln>
         </c:spPr>
-        <c:crossAx val="39034368"/>
+        <c:crossAx val="95913984"/>
         <c:crosses val="autoZero"/>
         <c:crossBetween val="between"/>
       </c:valAx>
@@ -828,12 +830,12 @@
         </c:dLbls>
         <c:gapWidth val="75"/>
         <c:shape val="cylinder"/>
-        <c:axId val="38168064"/>
-        <c:axId val="38848192"/>
+        <c:axId val="95913472"/>
+        <c:axId val="94029504"/>
         <c:axId val="0"/>
       </c:bar3DChart>
       <c:catAx>
-        <c:axId val="38168064"/>
+        <c:axId val="95913472"/>
         <c:scaling>
           <c:orientation val="minMax"/>
         </c:scaling>
@@ -843,7 +845,7 @@
         <c:majorTickMark val="none"/>
         <c:minorTickMark val="none"/>
         <c:tickLblPos val="none"/>
-        <c:crossAx val="38848192"/>
+        <c:crossAx val="94029504"/>
         <c:crosses val="autoZero"/>
         <c:auto val="1"/>
         <c:lblAlgn val="ctr"/>
@@ -851,7 +853,7 @@
         <c:noMultiLvlLbl val="0"/>
       </c:catAx>
       <c:valAx>
-        <c:axId val="38848192"/>
+        <c:axId val="94029504"/>
         <c:scaling>
           <c:orientation val="minMax"/>
         </c:scaling>
@@ -867,7 +869,7 @@
             <a:noFill/>
           </a:ln>
         </c:spPr>
-        <c:crossAx val="38168064"/>
+        <c:crossAx val="95913472"/>
         <c:crosses val="autoZero"/>
         <c:crossBetween val="between"/>
       </c:valAx>
@@ -1881,11 +1883,11 @@
           <c:showPercent val="0"/>
           <c:showBubbleSize val="0"/>
         </c:dLbls>
-        <c:axId val="38850496"/>
-        <c:axId val="38851072"/>
+        <c:axId val="94031808"/>
+        <c:axId val="94032384"/>
       </c:scatterChart>
       <c:valAx>
-        <c:axId val="38850496"/>
+        <c:axId val="94031808"/>
         <c:scaling>
           <c:orientation val="minMax"/>
           <c:max val="1.7"/>
@@ -1925,12 +1927,12 @@
         <c:majorTickMark val="out"/>
         <c:minorTickMark val="none"/>
         <c:tickLblPos val="nextTo"/>
-        <c:crossAx val="38851072"/>
+        <c:crossAx val="94032384"/>
         <c:crosses val="autoZero"/>
         <c:crossBetween val="midCat"/>
       </c:valAx>
       <c:valAx>
-        <c:axId val="38851072"/>
+        <c:axId val="94032384"/>
         <c:scaling>
           <c:orientation val="minMax"/>
         </c:scaling>
@@ -1973,7 +1975,7 @@
         <c:majorTickMark val="out"/>
         <c:minorTickMark val="none"/>
         <c:tickLblPos val="nextTo"/>
-        <c:crossAx val="38850496"/>
+        <c:crossAx val="94031808"/>
         <c:crosses val="autoZero"/>
         <c:crossBetween val="midCat"/>
       </c:valAx>
@@ -2972,11 +2974,11 @@
           <c:showPercent val="0"/>
           <c:showBubbleSize val="0"/>
         </c:dLbls>
-        <c:axId val="38852800"/>
-        <c:axId val="38853376"/>
+        <c:axId val="94034112"/>
+        <c:axId val="94034688"/>
       </c:scatterChart>
       <c:valAx>
-        <c:axId val="38852800"/>
+        <c:axId val="94034112"/>
         <c:scaling>
           <c:orientation val="minMax"/>
           <c:max val="63"/>
@@ -3007,14 +3009,14 @@
         <c:majorTickMark val="out"/>
         <c:minorTickMark val="none"/>
         <c:tickLblPos val="nextTo"/>
-        <c:crossAx val="38853376"/>
+        <c:crossAx val="94034688"/>
         <c:crosses val="autoZero"/>
         <c:crossBetween val="midCat"/>
         <c:majorUnit val="5"/>
         <c:minorUnit val="1"/>
       </c:valAx>
       <c:valAx>
-        <c:axId val="38853376"/>
+        <c:axId val="94034688"/>
         <c:scaling>
           <c:orientation val="minMax"/>
           <c:max val="280"/>
@@ -3047,7 +3049,7 @@
         <c:majorTickMark val="out"/>
         <c:minorTickMark val="none"/>
         <c:tickLblPos val="nextTo"/>
-        <c:crossAx val="38852800"/>
+        <c:crossAx val="94034112"/>
         <c:crosses val="autoZero"/>
         <c:crossBetween val="midCat"/>
       </c:valAx>
@@ -3056,6 +3058,557 @@
     <c:dispBlanksAs val="gap"/>
     <c:showDLblsOverMax val="0"/>
   </c:chart>
+  <c:externalData r:id="rId1">
+    <c:autoUpdate val="0"/>
+  </c:externalData>
+</c:chartSpace>
+</file>
+
+<file path=ppt/charts/chart7.xml><?xml version="1.0" encoding="utf-8"?>
+<c:chartSpace xmlns:c="http://schemas.openxmlformats.org/drawingml/2006/chart" xmlns:a="http://schemas.openxmlformats.org/drawingml/2006/main" xmlns:r="http://schemas.openxmlformats.org/officeDocument/2006/relationships">
+  <c:date1904 val="0"/>
+  <c:lang val="es-AR"/>
+  <c:roundedCorners val="0"/>
+  <mc:AlternateContent xmlns:mc="http://schemas.openxmlformats.org/markup-compatibility/2006">
+    <mc:Choice xmlns:c14="http://schemas.microsoft.com/office/drawing/2007/8/2/chart" Requires="c14">
+      <c14:style val="126"/>
+    </mc:Choice>
+    <mc:Fallback>
+      <c:style val="26"/>
+    </mc:Fallback>
+  </mc:AlternateContent>
+  <c:chart>
+    <c:title>
+      <c:tx>
+        <c:rich>
+          <a:bodyPr/>
+          <a:lstStyle/>
+          <a:p>
+            <a:pPr>
+              <a:defRPr/>
+            </a:pPr>
+            <a:r>
+              <a:rPr lang="en-US" sz="1400"/>
+              <a:t>Errores según nodo de inyección</a:t>
+            </a:r>
+          </a:p>
+        </c:rich>
+      </c:tx>
+      <c:layout>
+        <c:manualLayout>
+          <c:xMode val="edge"/>
+          <c:yMode val="edge"/>
+          <c:x val="0.48880727285183168"/>
+          <c:y val="3.1123992758974494E-2"/>
+        </c:manualLayout>
+      </c:layout>
+      <c:overlay val="0"/>
+    </c:title>
+    <c:autoTitleDeleted val="0"/>
+    <c:view3D>
+      <c:rotX val="15"/>
+      <c:rotY val="20"/>
+      <c:rAngAx val="0"/>
+      <c:perspective val="30"/>
+    </c:view3D>
+    <c:floor>
+      <c:thickness val="0"/>
+    </c:floor>
+    <c:sideWall>
+      <c:thickness val="0"/>
+    </c:sideWall>
+    <c:backWall>
+      <c:thickness val="0"/>
+    </c:backWall>
+    <c:plotArea>
+      <c:layout>
+        <c:manualLayout>
+          <c:layoutTarget val="inner"/>
+          <c:xMode val="edge"/>
+          <c:yMode val="edge"/>
+          <c:x val="0"/>
+          <c:y val="2.4424746226483642E-2"/>
+          <c:w val="0.99195612905801156"/>
+          <c:h val="0.88597386413261559"/>
+        </c:manualLayout>
+      </c:layout>
+      <c:bar3DChart>
+        <c:barDir val="col"/>
+        <c:grouping val="standard"/>
+        <c:varyColors val="0"/>
+        <c:ser>
+          <c:idx val="1"/>
+          <c:order val="0"/>
+          <c:tx>
+            <c:strRef>
+              <c:f>'Analisis de datos'!$N$4</c:f>
+              <c:strCache>
+                <c:ptCount val="1"/>
+                <c:pt idx="0">
+                  <c:v>Exponencial</c:v>
+                </c:pt>
+              </c:strCache>
+            </c:strRef>
+          </c:tx>
+          <c:invertIfNegative val="0"/>
+          <c:cat>
+            <c:strRef>
+              <c:f>'Analisis de datos'!$L$5:$L$11</c:f>
+              <c:strCache>
+                <c:ptCount val="7"/>
+                <c:pt idx="0">
+                  <c:v>NDNEG_N</c:v>
+                </c:pt>
+                <c:pt idx="1">
+                  <c:v>NDPOS_N</c:v>
+                </c:pt>
+                <c:pt idx="2">
+                  <c:v>NDBIAS_N</c:v>
+                </c:pt>
+                <c:pt idx="3">
+                  <c:v>NDOUT_N</c:v>
+                </c:pt>
+                <c:pt idx="4">
+                  <c:v>NDNEG_P</c:v>
+                </c:pt>
+                <c:pt idx="5">
+                  <c:v>NDPOS_P</c:v>
+                </c:pt>
+                <c:pt idx="6">
+                  <c:v>NDOUT_P</c:v>
+                </c:pt>
+              </c:strCache>
+            </c:strRef>
+          </c:cat>
+          <c:val>
+            <c:numRef>
+              <c:f>'Analisis de datos'!$N$5:$N$11</c:f>
+              <c:numCache>
+                <c:formatCode>General</c:formatCode>
+                <c:ptCount val="7"/>
+                <c:pt idx="0">
+                  <c:v>33</c:v>
+                </c:pt>
+                <c:pt idx="1">
+                  <c:v>33</c:v>
+                </c:pt>
+                <c:pt idx="2">
+                  <c:v>31</c:v>
+                </c:pt>
+                <c:pt idx="3">
+                  <c:v>33</c:v>
+                </c:pt>
+                <c:pt idx="4">
+                  <c:v>1</c:v>
+                </c:pt>
+                <c:pt idx="5">
+                  <c:v>12</c:v>
+                </c:pt>
+                <c:pt idx="6">
+                  <c:v>63</c:v>
+                </c:pt>
+              </c:numCache>
+            </c:numRef>
+          </c:val>
+        </c:ser>
+        <c:ser>
+          <c:idx val="0"/>
+          <c:order val="1"/>
+          <c:tx>
+            <c:strRef>
+              <c:f>'Analisis de datos'!$M$4</c:f>
+              <c:strCache>
+                <c:ptCount val="1"/>
+                <c:pt idx="0">
+                  <c:v>Rampa</c:v>
+                </c:pt>
+              </c:strCache>
+            </c:strRef>
+          </c:tx>
+          <c:invertIfNegative val="0"/>
+          <c:cat>
+            <c:strRef>
+              <c:f>'Analisis de datos'!$L$5:$L$11</c:f>
+              <c:strCache>
+                <c:ptCount val="7"/>
+                <c:pt idx="0">
+                  <c:v>NDNEG_N</c:v>
+                </c:pt>
+                <c:pt idx="1">
+                  <c:v>NDPOS_N</c:v>
+                </c:pt>
+                <c:pt idx="2">
+                  <c:v>NDBIAS_N</c:v>
+                </c:pt>
+                <c:pt idx="3">
+                  <c:v>NDOUT_N</c:v>
+                </c:pt>
+                <c:pt idx="4">
+                  <c:v>NDNEG_P</c:v>
+                </c:pt>
+                <c:pt idx="5">
+                  <c:v>NDPOS_P</c:v>
+                </c:pt>
+                <c:pt idx="6">
+                  <c:v>NDOUT_P</c:v>
+                </c:pt>
+              </c:strCache>
+            </c:strRef>
+          </c:cat>
+          <c:val>
+            <c:numRef>
+              <c:f>'Analisis de datos'!$M$5:$M$11</c:f>
+              <c:numCache>
+                <c:formatCode>General</c:formatCode>
+                <c:ptCount val="7"/>
+                <c:pt idx="0">
+                  <c:v>33</c:v>
+                </c:pt>
+                <c:pt idx="1">
+                  <c:v>33</c:v>
+                </c:pt>
+                <c:pt idx="2">
+                  <c:v>33</c:v>
+                </c:pt>
+                <c:pt idx="3">
+                  <c:v>33</c:v>
+                </c:pt>
+                <c:pt idx="4">
+                  <c:v>13</c:v>
+                </c:pt>
+                <c:pt idx="5">
+                  <c:v>64</c:v>
+                </c:pt>
+                <c:pt idx="6">
+                  <c:v>1782</c:v>
+                </c:pt>
+              </c:numCache>
+            </c:numRef>
+          </c:val>
+        </c:ser>
+        <c:dLbls>
+          <c:showLegendKey val="0"/>
+          <c:showVal val="1"/>
+          <c:showCatName val="0"/>
+          <c:showSerName val="0"/>
+          <c:showPercent val="0"/>
+          <c:showBubbleSize val="0"/>
+        </c:dLbls>
+        <c:gapWidth val="150"/>
+        <c:shape val="box"/>
+        <c:axId val="43491328"/>
+        <c:axId val="172962880"/>
+        <c:axId val="46963840"/>
+      </c:bar3DChart>
+      <c:catAx>
+        <c:axId val="43491328"/>
+        <c:scaling>
+          <c:orientation val="minMax"/>
+        </c:scaling>
+        <c:delete val="0"/>
+        <c:axPos val="b"/>
+        <c:majorTickMark val="none"/>
+        <c:minorTickMark val="none"/>
+        <c:tickLblPos val="nextTo"/>
+        <c:crossAx val="172962880"/>
+        <c:crosses val="autoZero"/>
+        <c:auto val="1"/>
+        <c:lblAlgn val="ctr"/>
+        <c:lblOffset val="100"/>
+        <c:noMultiLvlLbl val="0"/>
+      </c:catAx>
+      <c:valAx>
+        <c:axId val="172962880"/>
+        <c:scaling>
+          <c:logBase val="10"/>
+          <c:orientation val="minMax"/>
+        </c:scaling>
+        <c:delete val="1"/>
+        <c:axPos val="l"/>
+        <c:numFmt formatCode="General" sourceLinked="1"/>
+        <c:majorTickMark val="none"/>
+        <c:minorTickMark val="none"/>
+        <c:tickLblPos val="none"/>
+        <c:crossAx val="43491328"/>
+        <c:crosses val="autoZero"/>
+        <c:crossBetween val="between"/>
+      </c:valAx>
+      <c:serAx>
+        <c:axId val="46963840"/>
+        <c:scaling>
+          <c:orientation val="minMax"/>
+        </c:scaling>
+        <c:delete val="1"/>
+        <c:axPos val="b"/>
+        <c:majorTickMark val="none"/>
+        <c:minorTickMark val="none"/>
+        <c:tickLblPos val="none"/>
+        <c:crossAx val="172962880"/>
+        <c:crosses val="autoZero"/>
+      </c:serAx>
+    </c:plotArea>
+    <c:legend>
+      <c:legendPos val="t"/>
+      <c:layout>
+        <c:manualLayout>
+          <c:xMode val="edge"/>
+          <c:yMode val="edge"/>
+          <c:x val="2.1957392783710696E-2"/>
+          <c:y val="0.85118932863668739"/>
+          <c:w val="0.16969921734677834"/>
+          <c:h val="9.3802077546939228E-2"/>
+        </c:manualLayout>
+      </c:layout>
+      <c:overlay val="0"/>
+    </c:legend>
+    <c:plotVisOnly val="1"/>
+    <c:dispBlanksAs val="gap"/>
+    <c:showDLblsOverMax val="0"/>
+  </c:chart>
+  <c:spPr>
+    <a:ln>
+      <a:noFill/>
+    </a:ln>
+  </c:spPr>
+  <c:externalData r:id="rId1">
+    <c:autoUpdate val="0"/>
+  </c:externalData>
+</c:chartSpace>
+</file>
+
+<file path=ppt/charts/chart8.xml><?xml version="1.0" encoding="utf-8"?>
+<c:chartSpace xmlns:c="http://schemas.openxmlformats.org/drawingml/2006/chart" xmlns:a="http://schemas.openxmlformats.org/drawingml/2006/main" xmlns:r="http://schemas.openxmlformats.org/officeDocument/2006/relationships">
+  <c:date1904 val="0"/>
+  <c:lang val="es-AR"/>
+  <c:roundedCorners val="0"/>
+  <mc:AlternateContent xmlns:mc="http://schemas.openxmlformats.org/markup-compatibility/2006">
+    <mc:Choice xmlns:c14="http://schemas.microsoft.com/office/drawing/2007/8/2/chart" Requires="c14">
+      <c14:style val="118"/>
+    </mc:Choice>
+    <mc:Fallback>
+      <c:style val="18"/>
+    </mc:Fallback>
+  </mc:AlternateContent>
+  <c:chart>
+    <c:title>
+      <c:tx>
+        <c:rich>
+          <a:bodyPr/>
+          <a:lstStyle/>
+          <a:p>
+            <a:pPr>
+              <a:defRPr/>
+            </a:pPr>
+            <a:r>
+              <a:rPr lang="en-US" sz="1200"/>
+              <a:t>Distribución de errores según bit de salida</a:t>
+            </a:r>
+          </a:p>
+        </c:rich>
+      </c:tx>
+      <c:layout/>
+      <c:overlay val="0"/>
+    </c:title>
+    <c:autoTitleDeleted val="0"/>
+    <c:plotArea>
+      <c:layout/>
+      <c:barChart>
+        <c:barDir val="bar"/>
+        <c:grouping val="clustered"/>
+        <c:varyColors val="0"/>
+        <c:ser>
+          <c:idx val="1"/>
+          <c:order val="0"/>
+          <c:tx>
+            <c:strRef>
+              <c:f>'Analisis de datos'!$N$17</c:f>
+              <c:strCache>
+                <c:ptCount val="1"/>
+                <c:pt idx="0">
+                  <c:v>Exponencial</c:v>
+                </c:pt>
+              </c:strCache>
+            </c:strRef>
+          </c:tx>
+          <c:invertIfNegative val="0"/>
+          <c:cat>
+            <c:strRef>
+              <c:f>'Analisis de datos'!$L$18:$L$23</c:f>
+              <c:strCache>
+                <c:ptCount val="6"/>
+                <c:pt idx="0">
+                  <c:v>LSB</c:v>
+                </c:pt>
+                <c:pt idx="1">
+                  <c:v>2SB</c:v>
+                </c:pt>
+                <c:pt idx="2">
+                  <c:v>3SB</c:v>
+                </c:pt>
+                <c:pt idx="3">
+                  <c:v>4SB</c:v>
+                </c:pt>
+                <c:pt idx="4">
+                  <c:v>5SB</c:v>
+                </c:pt>
+                <c:pt idx="5">
+                  <c:v>MSB</c:v>
+                </c:pt>
+              </c:strCache>
+            </c:strRef>
+          </c:cat>
+          <c:val>
+            <c:numRef>
+              <c:f>'Analisis de datos'!$N$18:$N$23</c:f>
+              <c:numCache>
+                <c:formatCode>General</c:formatCode>
+                <c:ptCount val="6"/>
+                <c:pt idx="0">
+                  <c:v>0</c:v>
+                </c:pt>
+                <c:pt idx="1">
+                  <c:v>0</c:v>
+                </c:pt>
+                <c:pt idx="2">
+                  <c:v>0</c:v>
+                </c:pt>
+                <c:pt idx="3">
+                  <c:v>0</c:v>
+                </c:pt>
+                <c:pt idx="4">
+                  <c:v>0</c:v>
+                </c:pt>
+                <c:pt idx="5">
+                  <c:v>206</c:v>
+                </c:pt>
+              </c:numCache>
+            </c:numRef>
+          </c:val>
+        </c:ser>
+        <c:ser>
+          <c:idx val="0"/>
+          <c:order val="1"/>
+          <c:tx>
+            <c:strRef>
+              <c:f>'Analisis de datos'!$M$17</c:f>
+              <c:strCache>
+                <c:ptCount val="1"/>
+                <c:pt idx="0">
+                  <c:v>Rampa</c:v>
+                </c:pt>
+              </c:strCache>
+            </c:strRef>
+          </c:tx>
+          <c:invertIfNegative val="0"/>
+          <c:cat>
+            <c:strRef>
+              <c:f>'Analisis de datos'!$L$18:$L$23</c:f>
+              <c:strCache>
+                <c:ptCount val="6"/>
+                <c:pt idx="0">
+                  <c:v>LSB</c:v>
+                </c:pt>
+                <c:pt idx="1">
+                  <c:v>2SB</c:v>
+                </c:pt>
+                <c:pt idx="2">
+                  <c:v>3SB</c:v>
+                </c:pt>
+                <c:pt idx="3">
+                  <c:v>4SB</c:v>
+                </c:pt>
+                <c:pt idx="4">
+                  <c:v>5SB</c:v>
+                </c:pt>
+                <c:pt idx="5">
+                  <c:v>MSB</c:v>
+                </c:pt>
+              </c:strCache>
+            </c:strRef>
+          </c:cat>
+          <c:val>
+            <c:numRef>
+              <c:f>'Analisis de datos'!$M$18:$M$23</c:f>
+              <c:numCache>
+                <c:formatCode>General</c:formatCode>
+                <c:ptCount val="6"/>
+                <c:pt idx="0">
+                  <c:v>977</c:v>
+                </c:pt>
+                <c:pt idx="1">
+                  <c:v>448</c:v>
+                </c:pt>
+                <c:pt idx="2">
+                  <c:v>182</c:v>
+                </c:pt>
+                <c:pt idx="3">
+                  <c:v>195</c:v>
+                </c:pt>
+                <c:pt idx="4">
+                  <c:v>86</c:v>
+                </c:pt>
+                <c:pt idx="5">
+                  <c:v>273</c:v>
+                </c:pt>
+              </c:numCache>
+            </c:numRef>
+          </c:val>
+        </c:ser>
+        <c:dLbls>
+          <c:showLegendKey val="0"/>
+          <c:showVal val="0"/>
+          <c:showCatName val="0"/>
+          <c:showSerName val="0"/>
+          <c:showPercent val="0"/>
+          <c:showBubbleSize val="0"/>
+        </c:dLbls>
+        <c:gapWidth val="150"/>
+        <c:axId val="96084480"/>
+        <c:axId val="37884416"/>
+      </c:barChart>
+      <c:catAx>
+        <c:axId val="96084480"/>
+        <c:scaling>
+          <c:orientation val="minMax"/>
+        </c:scaling>
+        <c:delete val="0"/>
+        <c:axPos val="l"/>
+        <c:majorTickMark val="none"/>
+        <c:minorTickMark val="none"/>
+        <c:tickLblPos val="nextTo"/>
+        <c:crossAx val="37884416"/>
+        <c:crosses val="autoZero"/>
+        <c:auto val="1"/>
+        <c:lblAlgn val="ctr"/>
+        <c:lblOffset val="100"/>
+        <c:noMultiLvlLbl val="0"/>
+      </c:catAx>
+      <c:valAx>
+        <c:axId val="37884416"/>
+        <c:scaling>
+          <c:orientation val="minMax"/>
+        </c:scaling>
+        <c:delete val="0"/>
+        <c:axPos val="b"/>
+        <c:minorGridlines/>
+        <c:numFmt formatCode="General" sourceLinked="1"/>
+        <c:majorTickMark val="none"/>
+        <c:minorTickMark val="none"/>
+        <c:tickLblPos val="nextTo"/>
+        <c:crossAx val="96084480"/>
+        <c:crosses val="autoZero"/>
+        <c:crossBetween val="between"/>
+      </c:valAx>
+    </c:plotArea>
+    <c:plotVisOnly val="1"/>
+    <c:dispBlanksAs val="gap"/>
+    <c:showDLblsOverMax val="0"/>
+  </c:chart>
+  <c:spPr>
+    <a:ln>
+      <a:noFill/>
+    </a:ln>
+  </c:spPr>
   <c:externalData r:id="rId1">
     <c:autoUpdate val="0"/>
   </c:externalData>
@@ -6586,7 +7139,7 @@
         <a:lstStyle/>
         <a:p>
           <a:pPr rtl="0"/>
-          <a:endParaRPr lang="es-AR" noProof="0"/>
+          <a:endParaRPr lang="es-AR" noProof="0" dirty="0"/>
         </a:p>
       </dgm:t>
     </dgm:pt>
@@ -6780,43 +7333,43 @@
     </dgm:pt>
   </dgm:ptLst>
   <dgm:cxnLst>
+    <dgm:cxn modelId="{A8DDEF6F-4A41-4E35-AE4A-47B863F39A6C}" type="presOf" srcId="{46D51864-616F-4817-8F91-3E15814C4CD5}" destId="{754C3953-3803-4D78-ABC9-4560C428F027}" srcOrd="0" destOrd="0" presId="urn:microsoft.com/office/officeart/2005/8/layout/vList2"/>
+    <dgm:cxn modelId="{4A7813FD-937C-452B-AF75-7E94AB313993}" srcId="{DD847369-FD52-47A4-9862-6E0F26E8356D}" destId="{F1D3B8A7-F18E-466C-B04E-4F86C1E71632}" srcOrd="2" destOrd="0" parTransId="{6FCD00B0-9AC7-4A2C-990E-1455B980BE4B}" sibTransId="{7FF16688-7ACE-4FBA-88B5-A9A16CC61368}"/>
+    <dgm:cxn modelId="{DFCB5525-E174-4B2A-ADBB-B3D93E2D2A6C}" srcId="{28621352-D8C8-4462-A38B-5ED8DAECF65B}" destId="{46D51864-616F-4817-8F91-3E15814C4CD5}" srcOrd="3" destOrd="0" parTransId="{E2AE9E1E-E0FB-47DC-9337-191CB5B936CB}" sibTransId="{E9DF6DF7-3E08-45C9-8B8E-841EA30C8B33}"/>
+    <dgm:cxn modelId="{8E521032-63AF-4CE3-9A66-652C6C42682D}" type="presOf" srcId="{816B1F66-B04D-4168-AAC9-603B902502B3}" destId="{3DA3C54A-443E-4079-8FD8-03835498A313}" srcOrd="0" destOrd="1" presId="urn:microsoft.com/office/officeart/2005/8/layout/vList2"/>
+    <dgm:cxn modelId="{75A700D1-D7CB-41CD-B519-B5A9ADE122C1}" srcId="{C450AFBD-D19E-4FDA-929B-E1A653D8E4DD}" destId="{673CF87C-3FEE-4570-BD3C-45251C8860E1}" srcOrd="1" destOrd="0" parTransId="{DAEA0810-607E-42AF-AB88-4ADDF9190089}" sibTransId="{E0947DC1-3396-42B3-9CAF-49A98E26AA74}"/>
+    <dgm:cxn modelId="{17EC2E80-063A-4284-B5F7-5B460FC430DD}" type="presOf" srcId="{28621352-D8C8-4462-A38B-5ED8DAECF65B}" destId="{F9B833AD-177B-47A7-A8A2-CC5864175494}" srcOrd="0" destOrd="0" presId="urn:microsoft.com/office/officeart/2005/8/layout/vList2"/>
+    <dgm:cxn modelId="{59DC16B1-1AD8-4E5A-9DFB-056D13E468D6}" type="presOf" srcId="{FF08B318-A1F3-47F2-AD3F-C9F8A0F96034}" destId="{4174C60E-95CC-4882-BEA6-891F2F81F245}" srcOrd="0" destOrd="3" presId="urn:microsoft.com/office/officeart/2005/8/layout/vList2"/>
+    <dgm:cxn modelId="{F5607497-5D8D-46CE-AA54-88A7EA07FD9A}" type="presOf" srcId="{CF9922EE-48BF-4D32-9CA3-D69D0E77782E}" destId="{D4B29F39-5BA6-449A-B2B8-4D84BC4B354D}" srcOrd="0" destOrd="2" presId="urn:microsoft.com/office/officeart/2005/8/layout/vList2"/>
+    <dgm:cxn modelId="{1B2F4A6A-C043-4023-88D6-A1926ECC69A4}" srcId="{F6891DC3-F7D4-4219-BD99-E633DF7F9C99}" destId="{0C38124E-1BE8-4699-A409-7E5EBEFC0B05}" srcOrd="0" destOrd="0" parTransId="{DE70DA72-A786-427A-941B-FDB83111C9ED}" sibTransId="{3D61EFA4-1337-4488-B664-71047F49B8E8}"/>
+    <dgm:cxn modelId="{28A22959-2AC1-4283-8BF7-F15075D49AA4}" type="presOf" srcId="{C450AFBD-D19E-4FDA-929B-E1A653D8E4DD}" destId="{3C75DF9A-6800-46C6-AFE7-9345250C9E19}" srcOrd="0" destOrd="0" presId="urn:microsoft.com/office/officeart/2005/8/layout/vList2"/>
+    <dgm:cxn modelId="{23EF09F3-584C-4A0E-A954-D608F0381D33}" type="presOf" srcId="{F67643B1-22DC-47B4-B3B5-BF746A707484}" destId="{4174C60E-95CC-4882-BEA6-891F2F81F245}" srcOrd="0" destOrd="2" presId="urn:microsoft.com/office/officeart/2005/8/layout/vList2"/>
+    <dgm:cxn modelId="{4BB9627F-6082-491F-9A31-E331F47FDE94}" srcId="{C450AFBD-D19E-4FDA-929B-E1A653D8E4DD}" destId="{0E334188-9FCE-4754-B766-F6DCF898A424}" srcOrd="3" destOrd="0" parTransId="{1A72B2DE-87F8-47D1-9593-AD23C65AF2C5}" sibTransId="{1205E850-218F-42F4-8FB7-F49F93547ED8}"/>
+    <dgm:cxn modelId="{518902F6-C000-4ED1-B07D-7869545DF19F}" type="presOf" srcId="{0C38124E-1BE8-4699-A409-7E5EBEFC0B05}" destId="{3DA3C54A-443E-4079-8FD8-03835498A313}" srcOrd="0" destOrd="0" presId="urn:microsoft.com/office/officeart/2005/8/layout/vList2"/>
+    <dgm:cxn modelId="{9977EA1B-9B74-4F59-A2D5-51A779991AD8}" srcId="{46D51864-616F-4817-8F91-3E15814C4CD5}" destId="{15B62DB7-1781-4712-8CB4-4612F4004CF9}" srcOrd="1" destOrd="0" parTransId="{7F360CA1-E9E5-4774-B5E6-7BD4C2281884}" sibTransId="{90A31C82-9F2C-45D4-89B6-4B24566CCF2C}"/>
+    <dgm:cxn modelId="{DDE1E562-757E-41ED-8919-2F695DEFB7C4}" srcId="{DD847369-FD52-47A4-9862-6E0F26E8356D}" destId="{B23AB487-D1FB-45C8-ACD1-3EF47C2B535D}" srcOrd="0" destOrd="0" parTransId="{F399338F-1119-44B6-94F9-8F982ED25E8E}" sibTransId="{BCD5F139-66EC-4467-A91E-91B4B0B55E2A}"/>
+    <dgm:cxn modelId="{F0D4F50D-5A17-422C-8331-D8004DD48F14}" srcId="{28621352-D8C8-4462-A38B-5ED8DAECF65B}" destId="{F6891DC3-F7D4-4219-BD99-E633DF7F9C99}" srcOrd="0" destOrd="0" parTransId="{1B245E6A-BCBD-4310-AB1B-65FCE10DA84E}" sibTransId="{1D2F8BD6-4E8D-44E7-BB11-49A85F68390E}"/>
+    <dgm:cxn modelId="{DE7C114A-5D95-4AB1-A562-C2B1FD9E901A}" srcId="{F6891DC3-F7D4-4219-BD99-E633DF7F9C99}" destId="{816B1F66-B04D-4168-AAC9-603B902502B3}" srcOrd="1" destOrd="0" parTransId="{728F8BA7-57D2-4913-B32E-AE62413F9E2B}" sibTransId="{3C12FBF5-0681-465A-9A7B-7EBA11521D14}"/>
+    <dgm:cxn modelId="{C7B12F29-6D9C-4F55-B0B4-0C52E4894C4D}" srcId="{C450AFBD-D19E-4FDA-929B-E1A653D8E4DD}" destId="{CF9922EE-48BF-4D32-9CA3-D69D0E77782E}" srcOrd="2" destOrd="0" parTransId="{76B7A7CB-BEA7-4835-8CFB-5DE74BC2A803}" sibTransId="{A2A6269D-5DD5-43D6-9B36-4E362826A8F1}"/>
+    <dgm:cxn modelId="{325076B5-CAF0-4A95-8C9C-B4FA4C794795}" srcId="{28621352-D8C8-4462-A38B-5ED8DAECF65B}" destId="{DD847369-FD52-47A4-9862-6E0F26E8356D}" srcOrd="1" destOrd="0" parTransId="{68F9C435-6FFD-40A0-A071-F2D05C6DAF67}" sibTransId="{6B1F0A42-3C88-4789-98FD-E29CD4BA95FC}"/>
+    <dgm:cxn modelId="{D8120A4F-36C0-498E-B77B-E8488B038205}" srcId="{DD847369-FD52-47A4-9862-6E0F26E8356D}" destId="{AB43DDEF-3FFD-405C-969F-A5205E771909}" srcOrd="3" destOrd="0" parTransId="{CF1E8733-F25C-4585-B628-A590A4D497A3}" sibTransId="{36FE620E-EFB1-4CF7-8C13-D054A4C42142}"/>
+    <dgm:cxn modelId="{7EC4CCEE-A36A-43C6-95E1-0480A1BAEE8F}" srcId="{C450AFBD-D19E-4FDA-929B-E1A653D8E4DD}" destId="{85C598A0-BCCA-4BF4-BD0C-322094E95D20}" srcOrd="0" destOrd="0" parTransId="{DF9A3197-7551-4AB0-9864-A3DFF256CB2F}" sibTransId="{F8D97D87-512C-42B0-8BCF-6EB0500ECB4A}"/>
+    <dgm:cxn modelId="{60758F71-4054-4347-A92D-998683F1C3A7}" type="presOf" srcId="{0E334188-9FCE-4754-B766-F6DCF898A424}" destId="{D4B29F39-5BA6-449A-B2B8-4D84BC4B354D}" srcOrd="0" destOrd="3" presId="urn:microsoft.com/office/officeart/2005/8/layout/vList2"/>
+    <dgm:cxn modelId="{971BCDC8-037B-4F8F-BDF3-31E529D82B42}" type="presOf" srcId="{69A1D6D1-C5A0-40C0-8829-3DCBB2A1EA06}" destId="{4174C60E-95CC-4882-BEA6-891F2F81F245}" srcOrd="0" destOrd="0" presId="urn:microsoft.com/office/officeart/2005/8/layout/vList2"/>
+    <dgm:cxn modelId="{97540CCD-B544-4F38-8A09-A8D2A24C4BBA}" type="presOf" srcId="{15B62DB7-1781-4712-8CB4-4612F4004CF9}" destId="{4174C60E-95CC-4882-BEA6-891F2F81F245}" srcOrd="0" destOrd="1" presId="urn:microsoft.com/office/officeart/2005/8/layout/vList2"/>
+    <dgm:cxn modelId="{A908B9C3-771B-41EB-AB29-5D8297E093E1}" type="presOf" srcId="{85C598A0-BCCA-4BF4-BD0C-322094E95D20}" destId="{D4B29F39-5BA6-449A-B2B8-4D84BC4B354D}" srcOrd="0" destOrd="0" presId="urn:microsoft.com/office/officeart/2005/8/layout/vList2"/>
+    <dgm:cxn modelId="{0044EA7D-13E5-4640-A487-DF7086EF3ECE}" type="presOf" srcId="{F1D3B8A7-F18E-466C-B04E-4F86C1E71632}" destId="{86C6E5DC-91FE-4393-97EC-0E63A588CCA8}" srcOrd="0" destOrd="2" presId="urn:microsoft.com/office/officeart/2005/8/layout/vList2"/>
+    <dgm:cxn modelId="{27AB5765-8A9D-4C63-A79E-37E0CC419524}" type="presOf" srcId="{B23AB487-D1FB-45C8-ACD1-3EF47C2B535D}" destId="{86C6E5DC-91FE-4393-97EC-0E63A588CCA8}" srcOrd="0" destOrd="0" presId="urn:microsoft.com/office/officeart/2005/8/layout/vList2"/>
+    <dgm:cxn modelId="{C5BE2439-39A8-47ED-9B5D-61B39BE555F8}" srcId="{28621352-D8C8-4462-A38B-5ED8DAECF65B}" destId="{C450AFBD-D19E-4FDA-929B-E1A653D8E4DD}" srcOrd="2" destOrd="0" parTransId="{3858CD50-7509-4A20-82C1-6C76A3301DC4}" sibTransId="{2DC09692-DC74-4E8D-B681-71C50902EB56}"/>
+    <dgm:cxn modelId="{F8FC9519-21BC-4D9B-A3DD-05A3CB4F1842}" srcId="{46D51864-616F-4817-8F91-3E15814C4CD5}" destId="{69A1D6D1-C5A0-40C0-8829-3DCBB2A1EA06}" srcOrd="0" destOrd="0" parTransId="{0EE2AA90-1017-41D1-A5FF-5DB26507CBC1}" sibTransId="{F2EEB5D0-099E-4B95-BE4F-891C57129C67}"/>
     <dgm:cxn modelId="{6E64ED66-4F46-4C8D-8C75-A970872A44CB}" type="presOf" srcId="{DD847369-FD52-47A4-9862-6E0F26E8356D}" destId="{3598399E-EEC9-4846-AE6F-2A815FA52A1A}" srcOrd="0" destOrd="0" presId="urn:microsoft.com/office/officeart/2005/8/layout/vList2"/>
-    <dgm:cxn modelId="{97540CCD-B544-4F38-8A09-A8D2A24C4BBA}" type="presOf" srcId="{15B62DB7-1781-4712-8CB4-4612F4004CF9}" destId="{4174C60E-95CC-4882-BEA6-891F2F81F245}" srcOrd="0" destOrd="1" presId="urn:microsoft.com/office/officeart/2005/8/layout/vList2"/>
-    <dgm:cxn modelId="{C7B12F29-6D9C-4F55-B0B4-0C52E4894C4D}" srcId="{C450AFBD-D19E-4FDA-929B-E1A653D8E4DD}" destId="{CF9922EE-48BF-4D32-9CA3-D69D0E77782E}" srcOrd="2" destOrd="0" parTransId="{76B7A7CB-BEA7-4835-8CFB-5DE74BC2A803}" sibTransId="{A2A6269D-5DD5-43D6-9B36-4E362826A8F1}"/>
-    <dgm:cxn modelId="{9977EA1B-9B74-4F59-A2D5-51A779991AD8}" srcId="{46D51864-616F-4817-8F91-3E15814C4CD5}" destId="{15B62DB7-1781-4712-8CB4-4612F4004CF9}" srcOrd="1" destOrd="0" parTransId="{7F360CA1-E9E5-4774-B5E6-7BD4C2281884}" sibTransId="{90A31C82-9F2C-45D4-89B6-4B24566CCF2C}"/>
-    <dgm:cxn modelId="{7EC4CCEE-A36A-43C6-95E1-0480A1BAEE8F}" srcId="{C450AFBD-D19E-4FDA-929B-E1A653D8E4DD}" destId="{85C598A0-BCCA-4BF4-BD0C-322094E95D20}" srcOrd="0" destOrd="0" parTransId="{DF9A3197-7551-4AB0-9864-A3DFF256CB2F}" sibTransId="{F8D97D87-512C-42B0-8BCF-6EB0500ECB4A}"/>
-    <dgm:cxn modelId="{DDE1E562-757E-41ED-8919-2F695DEFB7C4}" srcId="{DD847369-FD52-47A4-9862-6E0F26E8356D}" destId="{B23AB487-D1FB-45C8-ACD1-3EF47C2B535D}" srcOrd="0" destOrd="0" parTransId="{F399338F-1119-44B6-94F9-8F982ED25E8E}" sibTransId="{BCD5F139-66EC-4467-A91E-91B4B0B55E2A}"/>
+    <dgm:cxn modelId="{8526E3F5-25F8-4704-B058-78E3FE5EB49A}" srcId="{DD847369-FD52-47A4-9862-6E0F26E8356D}" destId="{02FBB906-BA58-41E9-8AD3-696CDF33B717}" srcOrd="1" destOrd="0" parTransId="{B5AFC2B3-D52C-48AE-8F7A-36242B2BAFB5}" sibTransId="{CF70BE40-2BC0-48DF-8F64-CC537DE7C180}"/>
+    <dgm:cxn modelId="{5FB863EE-1950-496B-8FF6-A06CB4BCC373}" srcId="{46D51864-616F-4817-8F91-3E15814C4CD5}" destId="{F67643B1-22DC-47B4-B3B5-BF746A707484}" srcOrd="2" destOrd="0" parTransId="{8BDF7434-6C4C-4F44-B49E-8CEB0F7057E5}" sibTransId="{46B476B1-E80F-4347-839F-665DE47D6FA7}"/>
+    <dgm:cxn modelId="{C97EDC3C-F975-4058-9CA6-846C8132FD7D}" type="presOf" srcId="{F6891DC3-F7D4-4219-BD99-E633DF7F9C99}" destId="{A95D184C-E14B-4F00-909E-013D2800488D}" srcOrd="0" destOrd="0" presId="urn:microsoft.com/office/officeart/2005/8/layout/vList2"/>
     <dgm:cxn modelId="{A0919315-A5D4-4BEF-A0E9-A2CC0CC68EEE}" type="presOf" srcId="{673CF87C-3FEE-4570-BD3C-45251C8860E1}" destId="{D4B29F39-5BA6-449A-B2B8-4D84BC4B354D}" srcOrd="0" destOrd="1" presId="urn:microsoft.com/office/officeart/2005/8/layout/vList2"/>
+    <dgm:cxn modelId="{AE3650D8-4F2F-426C-AB7C-8E557E497AC9}" srcId="{46D51864-616F-4817-8F91-3E15814C4CD5}" destId="{FF08B318-A1F3-47F2-AD3F-C9F8A0F96034}" srcOrd="3" destOrd="0" parTransId="{43FC54AC-4833-4786-BCFA-D5B98D91A7B6}" sibTransId="{DD8AA6AF-2AA6-41F8-912C-3C0B383B8B0E}"/>
     <dgm:cxn modelId="{BECF50C3-DFE3-45EE-B065-429FEFFFDC49}" type="presOf" srcId="{02FBB906-BA58-41E9-8AD3-696CDF33B717}" destId="{86C6E5DC-91FE-4393-97EC-0E63A588CCA8}" srcOrd="0" destOrd="1" presId="urn:microsoft.com/office/officeart/2005/8/layout/vList2"/>
-    <dgm:cxn modelId="{A908B9C3-771B-41EB-AB29-5D8297E093E1}" type="presOf" srcId="{85C598A0-BCCA-4BF4-BD0C-322094E95D20}" destId="{D4B29F39-5BA6-449A-B2B8-4D84BC4B354D}" srcOrd="0" destOrd="0" presId="urn:microsoft.com/office/officeart/2005/8/layout/vList2"/>
-    <dgm:cxn modelId="{8526E3F5-25F8-4704-B058-78E3FE5EB49A}" srcId="{DD847369-FD52-47A4-9862-6E0F26E8356D}" destId="{02FBB906-BA58-41E9-8AD3-696CDF33B717}" srcOrd="1" destOrd="0" parTransId="{B5AFC2B3-D52C-48AE-8F7A-36242B2BAFB5}" sibTransId="{CF70BE40-2BC0-48DF-8F64-CC537DE7C180}"/>
-    <dgm:cxn modelId="{27AB5765-8A9D-4C63-A79E-37E0CC419524}" type="presOf" srcId="{B23AB487-D1FB-45C8-ACD1-3EF47C2B535D}" destId="{86C6E5DC-91FE-4393-97EC-0E63A588CCA8}" srcOrd="0" destOrd="0" presId="urn:microsoft.com/office/officeart/2005/8/layout/vList2"/>
-    <dgm:cxn modelId="{4BB9627F-6082-491F-9A31-E331F47FDE94}" srcId="{C450AFBD-D19E-4FDA-929B-E1A653D8E4DD}" destId="{0E334188-9FCE-4754-B766-F6DCF898A424}" srcOrd="3" destOrd="0" parTransId="{1A72B2DE-87F8-47D1-9593-AD23C65AF2C5}" sibTransId="{1205E850-218F-42F4-8FB7-F49F93547ED8}"/>
-    <dgm:cxn modelId="{325076B5-CAF0-4A95-8C9C-B4FA4C794795}" srcId="{28621352-D8C8-4462-A38B-5ED8DAECF65B}" destId="{DD847369-FD52-47A4-9862-6E0F26E8356D}" srcOrd="1" destOrd="0" parTransId="{68F9C435-6FFD-40A0-A071-F2D05C6DAF67}" sibTransId="{6B1F0A42-3C88-4789-98FD-E29CD4BA95FC}"/>
     <dgm:cxn modelId="{7479DAAC-2B8D-4A7A-9DE1-A0F98C7C7923}" type="presOf" srcId="{AB43DDEF-3FFD-405C-969F-A5205E771909}" destId="{86C6E5DC-91FE-4393-97EC-0E63A588CCA8}" srcOrd="0" destOrd="3" presId="urn:microsoft.com/office/officeart/2005/8/layout/vList2"/>
-    <dgm:cxn modelId="{1B2F4A6A-C043-4023-88D6-A1926ECC69A4}" srcId="{F6891DC3-F7D4-4219-BD99-E633DF7F9C99}" destId="{0C38124E-1BE8-4699-A409-7E5EBEFC0B05}" srcOrd="0" destOrd="0" parTransId="{DE70DA72-A786-427A-941B-FDB83111C9ED}" sibTransId="{3D61EFA4-1337-4488-B664-71047F49B8E8}"/>
-    <dgm:cxn modelId="{0044EA7D-13E5-4640-A487-DF7086EF3ECE}" type="presOf" srcId="{F1D3B8A7-F18E-466C-B04E-4F86C1E71632}" destId="{86C6E5DC-91FE-4393-97EC-0E63A588CCA8}" srcOrd="0" destOrd="2" presId="urn:microsoft.com/office/officeart/2005/8/layout/vList2"/>
-    <dgm:cxn modelId="{D8120A4F-36C0-498E-B77B-E8488B038205}" srcId="{DD847369-FD52-47A4-9862-6E0F26E8356D}" destId="{AB43DDEF-3FFD-405C-969F-A5205E771909}" srcOrd="3" destOrd="0" parTransId="{CF1E8733-F25C-4585-B628-A590A4D497A3}" sibTransId="{36FE620E-EFB1-4CF7-8C13-D054A4C42142}"/>
-    <dgm:cxn modelId="{17EC2E80-063A-4284-B5F7-5B460FC430DD}" type="presOf" srcId="{28621352-D8C8-4462-A38B-5ED8DAECF65B}" destId="{F9B833AD-177B-47A7-A8A2-CC5864175494}" srcOrd="0" destOrd="0" presId="urn:microsoft.com/office/officeart/2005/8/layout/vList2"/>
-    <dgm:cxn modelId="{971BCDC8-037B-4F8F-BDF3-31E529D82B42}" type="presOf" srcId="{69A1D6D1-C5A0-40C0-8829-3DCBB2A1EA06}" destId="{4174C60E-95CC-4882-BEA6-891F2F81F245}" srcOrd="0" destOrd="0" presId="urn:microsoft.com/office/officeart/2005/8/layout/vList2"/>
-    <dgm:cxn modelId="{60758F71-4054-4347-A92D-998683F1C3A7}" type="presOf" srcId="{0E334188-9FCE-4754-B766-F6DCF898A424}" destId="{D4B29F39-5BA6-449A-B2B8-4D84BC4B354D}" srcOrd="0" destOrd="3" presId="urn:microsoft.com/office/officeart/2005/8/layout/vList2"/>
-    <dgm:cxn modelId="{23EF09F3-584C-4A0E-A954-D608F0381D33}" type="presOf" srcId="{F67643B1-22DC-47B4-B3B5-BF746A707484}" destId="{4174C60E-95CC-4882-BEA6-891F2F81F245}" srcOrd="0" destOrd="2" presId="urn:microsoft.com/office/officeart/2005/8/layout/vList2"/>
-    <dgm:cxn modelId="{C5BE2439-39A8-47ED-9B5D-61B39BE555F8}" srcId="{28621352-D8C8-4462-A38B-5ED8DAECF65B}" destId="{C450AFBD-D19E-4FDA-929B-E1A653D8E4DD}" srcOrd="2" destOrd="0" parTransId="{3858CD50-7509-4A20-82C1-6C76A3301DC4}" sibTransId="{2DC09692-DC74-4E8D-B681-71C50902EB56}"/>
-    <dgm:cxn modelId="{F5607497-5D8D-46CE-AA54-88A7EA07FD9A}" type="presOf" srcId="{CF9922EE-48BF-4D32-9CA3-D69D0E77782E}" destId="{D4B29F39-5BA6-449A-B2B8-4D84BC4B354D}" srcOrd="0" destOrd="2" presId="urn:microsoft.com/office/officeart/2005/8/layout/vList2"/>
-    <dgm:cxn modelId="{F0D4F50D-5A17-422C-8331-D8004DD48F14}" srcId="{28621352-D8C8-4462-A38B-5ED8DAECF65B}" destId="{F6891DC3-F7D4-4219-BD99-E633DF7F9C99}" srcOrd="0" destOrd="0" parTransId="{1B245E6A-BCBD-4310-AB1B-65FCE10DA84E}" sibTransId="{1D2F8BD6-4E8D-44E7-BB11-49A85F68390E}"/>
-    <dgm:cxn modelId="{75A700D1-D7CB-41CD-B519-B5A9ADE122C1}" srcId="{C450AFBD-D19E-4FDA-929B-E1A653D8E4DD}" destId="{673CF87C-3FEE-4570-BD3C-45251C8860E1}" srcOrd="1" destOrd="0" parTransId="{DAEA0810-607E-42AF-AB88-4ADDF9190089}" sibTransId="{E0947DC1-3396-42B3-9CAF-49A98E26AA74}"/>
-    <dgm:cxn modelId="{4A7813FD-937C-452B-AF75-7E94AB313993}" srcId="{DD847369-FD52-47A4-9862-6E0F26E8356D}" destId="{F1D3B8A7-F18E-466C-B04E-4F86C1E71632}" srcOrd="2" destOrd="0" parTransId="{6FCD00B0-9AC7-4A2C-990E-1455B980BE4B}" sibTransId="{7FF16688-7ACE-4FBA-88B5-A9A16CC61368}"/>
-    <dgm:cxn modelId="{C97EDC3C-F975-4058-9CA6-846C8132FD7D}" type="presOf" srcId="{F6891DC3-F7D4-4219-BD99-E633DF7F9C99}" destId="{A95D184C-E14B-4F00-909E-013D2800488D}" srcOrd="0" destOrd="0" presId="urn:microsoft.com/office/officeart/2005/8/layout/vList2"/>
-    <dgm:cxn modelId="{28A22959-2AC1-4283-8BF7-F15075D49AA4}" type="presOf" srcId="{C450AFBD-D19E-4FDA-929B-E1A653D8E4DD}" destId="{3C75DF9A-6800-46C6-AFE7-9345250C9E19}" srcOrd="0" destOrd="0" presId="urn:microsoft.com/office/officeart/2005/8/layout/vList2"/>
-    <dgm:cxn modelId="{518902F6-C000-4ED1-B07D-7869545DF19F}" type="presOf" srcId="{0C38124E-1BE8-4699-A409-7E5EBEFC0B05}" destId="{3DA3C54A-443E-4079-8FD8-03835498A313}" srcOrd="0" destOrd="0" presId="urn:microsoft.com/office/officeart/2005/8/layout/vList2"/>
-    <dgm:cxn modelId="{5FB863EE-1950-496B-8FF6-A06CB4BCC373}" srcId="{46D51864-616F-4817-8F91-3E15814C4CD5}" destId="{F67643B1-22DC-47B4-B3B5-BF746A707484}" srcOrd="2" destOrd="0" parTransId="{8BDF7434-6C4C-4F44-B49E-8CEB0F7057E5}" sibTransId="{46B476B1-E80F-4347-839F-665DE47D6FA7}"/>
-    <dgm:cxn modelId="{DFCB5525-E174-4B2A-ADBB-B3D93E2D2A6C}" srcId="{28621352-D8C8-4462-A38B-5ED8DAECF65B}" destId="{46D51864-616F-4817-8F91-3E15814C4CD5}" srcOrd="3" destOrd="0" parTransId="{E2AE9E1E-E0FB-47DC-9337-191CB5B936CB}" sibTransId="{E9DF6DF7-3E08-45C9-8B8E-841EA30C8B33}"/>
-    <dgm:cxn modelId="{59DC16B1-1AD8-4E5A-9DFB-056D13E468D6}" type="presOf" srcId="{FF08B318-A1F3-47F2-AD3F-C9F8A0F96034}" destId="{4174C60E-95CC-4882-BEA6-891F2F81F245}" srcOrd="0" destOrd="3" presId="urn:microsoft.com/office/officeart/2005/8/layout/vList2"/>
-    <dgm:cxn modelId="{F8FC9519-21BC-4D9B-A3DD-05A3CB4F1842}" srcId="{46D51864-616F-4817-8F91-3E15814C4CD5}" destId="{69A1D6D1-C5A0-40C0-8829-3DCBB2A1EA06}" srcOrd="0" destOrd="0" parTransId="{0EE2AA90-1017-41D1-A5FF-5DB26507CBC1}" sibTransId="{F2EEB5D0-099E-4B95-BE4F-891C57129C67}"/>
-    <dgm:cxn modelId="{8E521032-63AF-4CE3-9A66-652C6C42682D}" type="presOf" srcId="{816B1F66-B04D-4168-AAC9-603B902502B3}" destId="{3DA3C54A-443E-4079-8FD8-03835498A313}" srcOrd="0" destOrd="1" presId="urn:microsoft.com/office/officeart/2005/8/layout/vList2"/>
-    <dgm:cxn modelId="{A8DDEF6F-4A41-4E35-AE4A-47B863F39A6C}" type="presOf" srcId="{46D51864-616F-4817-8F91-3E15814C4CD5}" destId="{754C3953-3803-4D78-ABC9-4560C428F027}" srcOrd="0" destOrd="0" presId="urn:microsoft.com/office/officeart/2005/8/layout/vList2"/>
-    <dgm:cxn modelId="{AE3650D8-4F2F-426C-AB7C-8E557E497AC9}" srcId="{46D51864-616F-4817-8F91-3E15814C4CD5}" destId="{FF08B318-A1F3-47F2-AD3F-C9F8A0F96034}" srcOrd="3" destOrd="0" parTransId="{43FC54AC-4833-4786-BCFA-D5B98D91A7B6}" sibTransId="{DD8AA6AF-2AA6-41F8-912C-3C0B383B8B0E}"/>
-    <dgm:cxn modelId="{DE7C114A-5D95-4AB1-A562-C2B1FD9E901A}" srcId="{F6891DC3-F7D4-4219-BD99-E633DF7F9C99}" destId="{816B1F66-B04D-4168-AAC9-603B902502B3}" srcOrd="1" destOrd="0" parTransId="{728F8BA7-57D2-4913-B32E-AE62413F9E2B}" sibTransId="{3C12FBF5-0681-465A-9A7B-7EBA11521D14}"/>
     <dgm:cxn modelId="{0D99D7EC-2C52-4117-9916-E3839DD40697}" type="presParOf" srcId="{F9B833AD-177B-47A7-A8A2-CC5864175494}" destId="{A95D184C-E14B-4F00-909E-013D2800488D}" srcOrd="0" destOrd="0" presId="urn:microsoft.com/office/officeart/2005/8/layout/vList2"/>
     <dgm:cxn modelId="{ABE203F6-5A3D-41CA-B1E1-46B40234097C}" type="presParOf" srcId="{F9B833AD-177B-47A7-A8A2-CC5864175494}" destId="{3DA3C54A-443E-4079-8FD8-03835498A313}" srcOrd="1" destOrd="0" presId="urn:microsoft.com/office/officeart/2005/8/layout/vList2"/>
     <dgm:cxn modelId="{85722904-6A2E-4C3E-AA6C-BD7E0AF853CB}" type="presParOf" srcId="{F9B833AD-177B-47A7-A8A2-CC5864175494}" destId="{3598399E-EEC9-4846-AE6F-2A815FA52A1A}" srcOrd="2" destOrd="0" presId="urn:microsoft.com/office/officeart/2005/8/layout/vList2"/>
@@ -7691,9 +8244,9 @@
     <dgm:cxn modelId="{941AA721-A6A2-404C-A9EB-2277D42172C8}" type="presOf" srcId="{61F8A37E-0714-4D1C-A7DF-93A477875FE8}" destId="{41659F7B-4944-4AB4-A655-69C3BEDC0729}" srcOrd="0" destOrd="2" presId="urn:microsoft.com/office/officeart/2005/8/layout/vList2"/>
     <dgm:cxn modelId="{A74FB74D-DB87-4FE9-92C4-6C4897056853}" type="presOf" srcId="{F6FCA15E-1300-49D8-9A19-C767DAC04A99}" destId="{0263673B-FFC8-4AF0-A80C-2B148C294C2A}" srcOrd="0" destOrd="0" presId="urn:microsoft.com/office/officeart/2005/8/layout/vList2"/>
     <dgm:cxn modelId="{D96B73A6-972C-4F9D-8490-A56AFD82B2C7}" srcId="{44708C06-303B-4ACD-B2F0-E95A20B60BB9}" destId="{F6FCA15E-1300-49D8-9A19-C767DAC04A99}" srcOrd="1" destOrd="0" parTransId="{A74BA5E5-A53D-4F3D-ACFA-961BF5125D5C}" sibTransId="{BA5F5378-9587-4492-B23F-3934CB1A0707}"/>
-    <dgm:cxn modelId="{7DA24476-F8F6-4BD1-A555-1A506B7044F8}" srcId="{F6FCA15E-1300-49D8-9A19-C767DAC04A99}" destId="{2609228E-A5C0-45E4-9F6E-5C9B111A848C}" srcOrd="2" destOrd="0" parTransId="{D353A636-0730-48FE-A09C-2C55CB54703A}" sibTransId="{B367BEDE-186C-435D-B6AC-82224FC26007}"/>
     <dgm:cxn modelId="{8A7C3343-C8BC-44C0-8B52-1AF3A639EE9F}" srcId="{3F3E3B4C-AC38-4B0D-8B13-27C9B6E4981F}" destId="{1FB0E5DE-41C1-4BEA-9154-0F0F214CF0CC}" srcOrd="4" destOrd="0" parTransId="{15566CC2-0C30-4991-B242-92177612ACED}" sibTransId="{712FEC23-C187-42DB-B364-D7FE31DE7A96}"/>
     <dgm:cxn modelId="{74214114-511C-42B1-9F94-A75CEC860BC2}" type="presOf" srcId="{1FB0E5DE-41C1-4BEA-9154-0F0F214CF0CC}" destId="{41659F7B-4944-4AB4-A655-69C3BEDC0729}" srcOrd="0" destOrd="4" presId="urn:microsoft.com/office/officeart/2005/8/layout/vList2"/>
+    <dgm:cxn modelId="{7DA24476-F8F6-4BD1-A555-1A506B7044F8}" srcId="{F6FCA15E-1300-49D8-9A19-C767DAC04A99}" destId="{2609228E-A5C0-45E4-9F6E-5C9B111A848C}" srcOrd="2" destOrd="0" parTransId="{D353A636-0730-48FE-A09C-2C55CB54703A}" sibTransId="{B367BEDE-186C-435D-B6AC-82224FC26007}"/>
     <dgm:cxn modelId="{3DD0EAF7-B022-46A8-9625-DCB54A1CA9BE}" srcId="{3F3E3B4C-AC38-4B0D-8B13-27C9B6E4981F}" destId="{6419DD54-EFF8-49D1-B2CF-8A9003CD53A6}" srcOrd="1" destOrd="0" parTransId="{EC182054-FA18-41C9-BF00-D96E3EC15466}" sibTransId="{9D6A092A-9F8F-4B40-8EEC-D7854D7AAB0C}"/>
     <dgm:cxn modelId="{47C68A86-1C97-4499-9118-12EC4FB5B564}" type="presOf" srcId="{22DAB7B7-9FCC-4314-8C69-19D53AC134A4}" destId="{41659F7B-4944-4AB4-A655-69C3BEDC0729}" srcOrd="0" destOrd="0" presId="urn:microsoft.com/office/officeart/2005/8/layout/vList2"/>
     <dgm:cxn modelId="{49F0F417-63B7-4C0A-93C8-9EC66C4C9A29}" srcId="{C61D11BB-4595-44F9-9B5E-8C420BA3F5E4}" destId="{1DB1CF4C-3721-48A3-A006-6396E9D8EB3C}" srcOrd="1" destOrd="0" parTransId="{0C36E746-5E0D-4DA0-B221-00D83B67D972}" sibTransId="{A5C62536-BFD7-4C68-BB98-3D8C218F7246}"/>
@@ -8770,7 +9323,7 @@
             </a:spcAft>
             <a:buChar char="••"/>
           </a:pPr>
-          <a:endParaRPr lang="es-AR" sz="1300" kern="1200" noProof="0"/>
+          <a:endParaRPr lang="es-AR" sz="1300" kern="1200" noProof="0" dirty="0"/>
         </a:p>
       </dsp:txBody>
       <dsp:txXfrm>
@@ -16376,7 +16929,7 @@
             <a:fld id="{C4912EAB-2DF2-4EA7-9A3C-081666E7F61D}" type="datetimeFigureOut">
               <a:rPr lang="es-AR" smtClean="0"/>
               <a:pPr/>
-              <a:t>10/09/2010</a:t>
+              <a:t>13/09/2010</a:t>
             </a:fld>
             <a:endParaRPr lang="es-AR"/>
           </a:p>
@@ -16543,7 +17096,7 @@
             <a:fld id="{320C0146-0920-4890-94B5-4EE8DB66AAB2}" type="datetimeFigureOut">
               <a:rPr lang="es-AR" smtClean="0"/>
               <a:pPr/>
-              <a:t>10/09/2010</a:t>
+              <a:t>13/09/2010</a:t>
             </a:fld>
             <a:endParaRPr lang="es-AR"/>
           </a:p>
@@ -16894,7 +17447,7 @@
               <a:pPr/>
               <a:t>1</a:t>
             </a:fld>
-            <a:endParaRPr lang="es-AR"/>
+            <a:endParaRPr lang="es-AR" dirty="0"/>
           </a:p>
         </p:txBody>
       </p:sp>
@@ -17660,7 +18213,7 @@
             <a:fld id="{7396B977-6251-41DE-9CF2-59811A3624F8}" type="datetimeFigureOut">
               <a:rPr lang="es-AR" smtClean="0"/>
               <a:pPr/>
-              <a:t>10/09/2010</a:t>
+              <a:t>13/09/2010</a:t>
             </a:fld>
             <a:endParaRPr lang="es-AR"/>
           </a:p>
@@ -17885,7 +18438,7 @@
             <a:fld id="{7396B977-6251-41DE-9CF2-59811A3624F8}" type="datetimeFigureOut">
               <a:rPr lang="es-AR" smtClean="0"/>
               <a:pPr/>
-              <a:t>10/09/2010</a:t>
+              <a:t>13/09/2010</a:t>
             </a:fld>
             <a:endParaRPr lang="es-AR"/>
           </a:p>
@@ -18167,7 +18720,7 @@
             <a:fld id="{7396B977-6251-41DE-9CF2-59811A3624F8}" type="datetimeFigureOut">
               <a:rPr lang="es-AR" smtClean="0"/>
               <a:pPr/>
-              <a:t>10/09/2010</a:t>
+              <a:t>13/09/2010</a:t>
             </a:fld>
             <a:endParaRPr lang="es-AR"/>
           </a:p>
@@ -18467,7 +19020,7 @@
             <a:fld id="{7396B977-6251-41DE-9CF2-59811A3624F8}" type="datetimeFigureOut">
               <a:rPr lang="es-AR" smtClean="0"/>
               <a:pPr/>
-              <a:t>10/09/2010</a:t>
+              <a:t>13/09/2010</a:t>
             </a:fld>
             <a:endParaRPr lang="es-AR"/>
           </a:p>
@@ -18942,7 +19495,7 @@
             <a:fld id="{7396B977-6251-41DE-9CF2-59811A3624F8}" type="datetimeFigureOut">
               <a:rPr lang="es-AR" smtClean="0"/>
               <a:pPr/>
-              <a:t>10/09/2010</a:t>
+              <a:t>13/09/2010</a:t>
             </a:fld>
             <a:endParaRPr lang="es-AR"/>
           </a:p>
@@ -19332,7 +19885,7 @@
             <a:fld id="{7396B977-6251-41DE-9CF2-59811A3624F8}" type="datetimeFigureOut">
               <a:rPr lang="es-AR" smtClean="0"/>
               <a:pPr/>
-              <a:t>10/09/2010</a:t>
+              <a:t>13/09/2010</a:t>
             </a:fld>
             <a:endParaRPr lang="es-AR"/>
           </a:p>
@@ -19722,7 +20275,7 @@
             <a:fld id="{7396B977-6251-41DE-9CF2-59811A3624F8}" type="datetimeFigureOut">
               <a:rPr lang="es-AR" smtClean="0"/>
               <a:pPr/>
-              <a:t>10/09/2010</a:t>
+              <a:t>13/09/2010</a:t>
             </a:fld>
             <a:endParaRPr lang="es-AR"/>
           </a:p>
@@ -20197,7 +20750,7 @@
             <a:fld id="{7396B977-6251-41DE-9CF2-59811A3624F8}" type="datetimeFigureOut">
               <a:rPr lang="es-AR" smtClean="0"/>
               <a:pPr/>
-              <a:t>10/09/2010</a:t>
+              <a:t>13/09/2010</a:t>
             </a:fld>
             <a:endParaRPr lang="es-AR"/>
           </a:p>
@@ -20502,7 +21055,7 @@
             <a:fld id="{7396B977-6251-41DE-9CF2-59811A3624F8}" type="datetimeFigureOut">
               <a:rPr lang="es-AR" smtClean="0"/>
               <a:pPr/>
-              <a:t>10/09/2010</a:t>
+              <a:t>13/09/2010</a:t>
             </a:fld>
             <a:endParaRPr lang="es-AR"/>
           </a:p>
@@ -20807,7 +21360,7 @@
             <a:fld id="{7396B977-6251-41DE-9CF2-59811A3624F8}" type="datetimeFigureOut">
               <a:rPr lang="es-AR" smtClean="0"/>
               <a:pPr/>
-              <a:t>10/09/2010</a:t>
+              <a:t>13/09/2010</a:t>
             </a:fld>
             <a:endParaRPr lang="es-AR"/>
           </a:p>
@@ -21163,7 +21716,7 @@
             <a:fld id="{7396B977-6251-41DE-9CF2-59811A3624F8}" type="datetimeFigureOut">
               <a:rPr lang="es-AR" smtClean="0"/>
               <a:pPr/>
-              <a:t>10/09/2010</a:t>
+              <a:t>13/09/2010</a:t>
             </a:fld>
             <a:endParaRPr lang="es-AR"/>
           </a:p>
@@ -21523,7 +22076,7 @@
             <a:fld id="{7396B977-6251-41DE-9CF2-59811A3624F8}" type="datetimeFigureOut">
               <a:rPr lang="es-AR" smtClean="0"/>
               <a:pPr/>
-              <a:t>10/09/2010</a:t>
+              <a:t>13/09/2010</a:t>
             </a:fld>
             <a:endParaRPr lang="es-AR"/>
           </a:p>
@@ -21812,7 +22365,7 @@
             <a:fld id="{7396B977-6251-41DE-9CF2-59811A3624F8}" type="datetimeFigureOut">
               <a:rPr lang="es-AR" smtClean="0"/>
               <a:pPr/>
-              <a:t>10/09/2010</a:t>
+              <a:t>13/09/2010</a:t>
             </a:fld>
             <a:endParaRPr lang="es-AR"/>
           </a:p>
@@ -22236,7 +22789,7 @@
             <a:fld id="{7396B977-6251-41DE-9CF2-59811A3624F8}" type="datetimeFigureOut">
               <a:rPr lang="es-AR" smtClean="0"/>
               <a:pPr/>
-              <a:t>10/09/2010</a:t>
+              <a:t>13/09/2010</a:t>
             </a:fld>
             <a:endParaRPr lang="es-AR"/>
           </a:p>
@@ -22353,7 +22906,7 @@
             <a:fld id="{7396B977-6251-41DE-9CF2-59811A3624F8}" type="datetimeFigureOut">
               <a:rPr lang="es-AR" smtClean="0"/>
               <a:pPr/>
-              <a:t>10/09/2010</a:t>
+              <a:t>13/09/2010</a:t>
             </a:fld>
             <a:endParaRPr lang="es-AR"/>
           </a:p>
@@ -22445,7 +22998,7 @@
             <a:fld id="{7396B977-6251-41DE-9CF2-59811A3624F8}" type="datetimeFigureOut">
               <a:rPr lang="es-AR" smtClean="0"/>
               <a:pPr/>
-              <a:t>10/09/2010</a:t>
+              <a:t>13/09/2010</a:t>
             </a:fld>
             <a:endParaRPr lang="es-AR"/>
           </a:p>
@@ -22725,7 +23278,7 @@
             <a:fld id="{7396B977-6251-41DE-9CF2-59811A3624F8}" type="datetimeFigureOut">
               <a:rPr lang="es-AR" smtClean="0"/>
               <a:pPr/>
-              <a:t>10/09/2010</a:t>
+              <a:t>13/09/2010</a:t>
             </a:fld>
             <a:endParaRPr lang="es-AR"/>
           </a:p>
@@ -23093,7 +23646,7 @@
             <a:fld id="{7396B977-6251-41DE-9CF2-59811A3624F8}" type="datetimeFigureOut">
               <a:rPr lang="es-AR" smtClean="0"/>
               <a:pPr/>
-              <a:t>10/09/2010</a:t>
+              <a:t>13/09/2010</a:t>
             </a:fld>
             <a:endParaRPr lang="es-AR"/>
           </a:p>
@@ -23532,7 +24085,7 @@
             <a:fld id="{7396B977-6251-41DE-9CF2-59811A3624F8}" type="datetimeFigureOut">
               <a:rPr lang="es-AR" smtClean="0"/>
               <a:pPr/>
-              <a:t>10/09/2010</a:t>
+              <a:t>13/09/2010</a:t>
             </a:fld>
             <a:endParaRPr lang="es-AR"/>
           </a:p>
@@ -24029,7 +24582,7 @@
           <a:p>
             <a:pPr algn="ctr"/>
             <a:r>
-              <a:rPr lang="es-AR" sz="3200" b="1" smtClean="0">
+              <a:rPr lang="es-AR" sz="3200" b="1" dirty="0" smtClean="0">
                 <a:ln w="17780" cmpd="sng">
                   <a:solidFill>
                     <a:schemeClr val="accent1">
@@ -24066,7 +24619,7 @@
               </a:rPr>
               <a:t>441</a:t>
             </a:r>
-            <a:endParaRPr lang="es-AR" sz="3200" b="1">
+            <a:endParaRPr lang="es-AR" sz="3200" b="1" dirty="0">
               <a:ln w="17780" cmpd="sng">
                 <a:solidFill>
                   <a:schemeClr val="accent1">
@@ -24120,10 +24673,10 @@
           <a:lstStyle/>
           <a:p>
             <a:r>
-              <a:rPr lang="es-AR" smtClean="0"/>
+              <a:rPr lang="es-AR" dirty="0" smtClean="0"/>
               <a:t>INYECCIÓN</a:t>
             </a:r>
-            <a:endParaRPr lang="es-AR"/>
+            <a:endParaRPr lang="es-AR" dirty="0"/>
           </a:p>
         </p:txBody>
       </p:sp>
@@ -24161,7 +24714,7 @@
           <a:lstStyle/>
           <a:p>
             <a:pPr algn="ctr"/>
-            <a:endParaRPr lang="es-AR"/>
+            <a:endParaRPr lang="es-AR" dirty="0"/>
           </a:p>
         </p:txBody>
       </p:sp>
@@ -24199,7 +24752,7 @@
           <a:lstStyle/>
           <a:p>
             <a:pPr algn="ctr"/>
-            <a:endParaRPr lang="es-AR"/>
+            <a:endParaRPr lang="es-AR" dirty="0"/>
           </a:p>
         </p:txBody>
       </p:sp>
@@ -24237,7 +24790,7 @@
           <a:lstStyle/>
           <a:p>
             <a:pPr algn="ctr"/>
-            <a:endParaRPr lang="es-AR"/>
+            <a:endParaRPr lang="es-AR" dirty="0"/>
           </a:p>
         </p:txBody>
       </p:sp>
@@ -24275,7 +24828,7 @@
           <a:lstStyle/>
           <a:p>
             <a:pPr algn="ctr"/>
-            <a:endParaRPr lang="es-AR"/>
+            <a:endParaRPr lang="es-AR" dirty="0"/>
           </a:p>
         </p:txBody>
       </p:sp>
@@ -24313,7 +24866,7 @@
           <a:lstStyle/>
           <a:p>
             <a:pPr algn="ctr"/>
-            <a:endParaRPr lang="es-AR"/>
+            <a:endParaRPr lang="es-AR" dirty="0"/>
           </a:p>
         </p:txBody>
       </p:sp>
@@ -24351,7 +24904,7 @@
           <a:lstStyle/>
           <a:p>
             <a:pPr algn="ctr"/>
-            <a:endParaRPr lang="es-AR"/>
+            <a:endParaRPr lang="es-AR" dirty="0"/>
           </a:p>
         </p:txBody>
       </p:sp>
@@ -24389,7 +24942,7 @@
           <a:lstStyle/>
           <a:p>
             <a:pPr algn="ctr"/>
-            <a:endParaRPr lang="es-AR"/>
+            <a:endParaRPr lang="es-AR" dirty="0"/>
           </a:p>
         </p:txBody>
       </p:sp>
@@ -24417,7 +24970,7 @@
           <a:p>
             <a:pPr algn="ctr"/>
             <a:r>
-              <a:rPr lang="es-AR" sz="3200" b="1" smtClean="0">
+              <a:rPr lang="es-AR" sz="3200" b="1" dirty="0" smtClean="0">
                 <a:ln w="17780" cmpd="sng">
                   <a:solidFill>
                     <a:schemeClr val="accent1">
@@ -24454,7 +25007,7 @@
               </a:rPr>
               <a:t>7</a:t>
             </a:r>
-            <a:endParaRPr lang="es-AR" sz="3200" b="1">
+            <a:endParaRPr lang="es-AR" sz="3200" b="1" dirty="0">
               <a:ln w="17780" cmpd="sng">
                 <a:solidFill>
                   <a:schemeClr val="accent1">
@@ -24516,7 +25069,7 @@
           <a:p>
             <a:pPr algn="ctr"/>
             <a:r>
-              <a:rPr lang="es-AR" sz="2800" b="1" smtClean="0">
+              <a:rPr lang="es-AR" sz="2800" b="1" dirty="0" smtClean="0">
                 <a:ln w="17780" cmpd="sng">
                   <a:solidFill>
                     <a:schemeClr val="accent1">
@@ -24553,7 +25106,7 @@
               </a:rPr>
               <a:t>Puntos de inyección:</a:t>
             </a:r>
-            <a:endParaRPr lang="es-AR" sz="2800" b="1">
+            <a:endParaRPr lang="es-AR" sz="2800" b="1" dirty="0">
               <a:ln w="17780" cmpd="sng">
                 <a:solidFill>
                   <a:schemeClr val="accent1">
@@ -24615,7 +25168,7 @@
           <a:p>
             <a:pPr algn="ctr"/>
             <a:r>
-              <a:rPr lang="es-AR" sz="2800" b="1" smtClean="0">
+              <a:rPr lang="es-AR" sz="2800" b="1" dirty="0" smtClean="0">
                 <a:ln w="17780" cmpd="sng">
                   <a:solidFill>
                     <a:schemeClr val="accent1">
@@ -24652,7 +25205,7 @@
               </a:rPr>
               <a:t> para 64 niveles de tensión:</a:t>
             </a:r>
-            <a:endParaRPr lang="es-AR" sz="2800" b="1">
+            <a:endParaRPr lang="es-AR" sz="2800" b="1" dirty="0">
               <a:ln w="17780" cmpd="sng">
                 <a:solidFill>
                   <a:schemeClr val="accent1">
@@ -24714,7 +25267,7 @@
           <a:p>
             <a:pPr algn="ctr"/>
             <a:r>
-              <a:rPr lang="es-AR" sz="3200" b="1" cap="none" spc="0" smtClean="0">
+              <a:rPr lang="es-AR" sz="3200" b="1" cap="none" spc="0" dirty="0" smtClean="0">
                 <a:ln w="17780" cmpd="sng">
                   <a:solidFill>
                     <a:schemeClr val="accent1">
@@ -24751,7 +25304,7 @@
               </a:rPr>
               <a:t>28.224</a:t>
             </a:r>
-            <a:endParaRPr lang="es-AR" sz="3200" b="1" cap="none" spc="0">
+            <a:endParaRPr lang="es-AR" sz="3200" b="1" cap="none" spc="0" dirty="0">
               <a:ln w="17780" cmpd="sng">
                 <a:solidFill>
                   <a:schemeClr val="accent1">
@@ -24813,7 +25366,7 @@
           <a:p>
             <a:pPr algn="ctr"/>
             <a:r>
-              <a:rPr lang="es-AR" sz="2800" b="1" cap="none" spc="0" smtClean="0">
+              <a:rPr lang="es-AR" sz="2800" b="1" cap="none" spc="0" dirty="0" smtClean="0">
                 <a:ln w="17780" cmpd="sng">
                   <a:solidFill>
                     <a:schemeClr val="accent1">
@@ -24850,7 +25403,7 @@
               </a:rPr>
               <a:t>por 2 tipos de fallas:</a:t>
             </a:r>
-            <a:endParaRPr lang="es-AR" sz="2800" b="1" cap="none" spc="0">
+            <a:endParaRPr lang="es-AR" sz="2800" b="1" cap="none" spc="0" dirty="0">
               <a:ln w="17780" cmpd="sng">
                 <a:solidFill>
                   <a:schemeClr val="accent1">
@@ -24912,7 +25465,7 @@
           <a:p>
             <a:pPr algn="ctr"/>
             <a:r>
-              <a:rPr lang="es-AR" sz="3200" b="1" cap="none" spc="0" smtClean="0">
+              <a:rPr lang="es-AR" sz="3200" b="1" cap="none" spc="0" dirty="0" smtClean="0">
                 <a:ln w="17780" cmpd="sng">
                   <a:solidFill>
                     <a:schemeClr val="accent1">
@@ -24949,7 +25502,7 @@
               </a:rPr>
               <a:t>56.448</a:t>
             </a:r>
-            <a:endParaRPr lang="es-AR" sz="3200" b="1" cap="none" spc="0">
+            <a:endParaRPr lang="es-AR" sz="3200" b="1" cap="none" spc="0" dirty="0">
               <a:ln w="17780" cmpd="sng">
                 <a:solidFill>
                   <a:schemeClr val="accent1">
@@ -27255,7 +27808,7 @@
         <p:spPr/>
         <p:txBody>
           <a:bodyPr>
-            <a:normAutofit/>
+            <a:normAutofit lnSpcReduction="10000"/>
           </a:bodyPr>
           <a:lstStyle/>
           <a:p>
@@ -27269,21 +27822,70 @@
             <a:pPr lvl="1"/>
             <a:r>
               <a:rPr lang="es-AR" dirty="0" smtClean="0"/>
-              <a:t>Determinación de nodos con salidas erróneas</a:t>
+              <a:t>Determinación de nodos con salidas </a:t>
             </a:r>
+            <a:r>
+              <a:rPr lang="es-AR" dirty="0" smtClean="0"/>
+              <a:t>erróneas.</a:t>
+            </a:r>
+            <a:endParaRPr lang="es-AR" dirty="0" smtClean="0"/>
           </a:p>
           <a:p>
             <a:pPr lvl="1"/>
             <a:r>
               <a:rPr lang="es-AR" dirty="0" smtClean="0"/>
-              <a:t>Determinación de la duración y amplitud del efecto</a:t>
+              <a:t>Determinación de la duración </a:t>
             </a:r>
+            <a:r>
+              <a:rPr lang="es-AR" dirty="0" smtClean="0"/>
+              <a:t>del evento.</a:t>
+            </a:r>
+          </a:p>
+          <a:p>
+            <a:pPr lvl="1"/>
+            <a:r>
+              <a:rPr lang="en-US" dirty="0" err="1" smtClean="0"/>
+              <a:t>Determinación</a:t>
+            </a:r>
+            <a:r>
+              <a:rPr lang="en-US" dirty="0" smtClean="0"/>
+              <a:t> de </a:t>
+            </a:r>
+            <a:r>
+              <a:rPr lang="en-US" dirty="0" err="1" smtClean="0"/>
+              <a:t>las</a:t>
+            </a:r>
+            <a:r>
+              <a:rPr lang="en-US" dirty="0" smtClean="0"/>
+              <a:t> </a:t>
+            </a:r>
+            <a:r>
+              <a:rPr lang="en-US" dirty="0" err="1" smtClean="0"/>
+              <a:t>variciones</a:t>
+            </a:r>
+            <a:r>
+              <a:rPr lang="en-US" dirty="0" smtClean="0"/>
+              <a:t> de </a:t>
+            </a:r>
+            <a:r>
+              <a:rPr lang="en-US" dirty="0" err="1" smtClean="0"/>
+              <a:t>amplitud</a:t>
+            </a:r>
+            <a:r>
+              <a:rPr lang="en-US" dirty="0"/>
+              <a:t>.</a:t>
+            </a:r>
+            <a:endParaRPr lang="es-AR" dirty="0" smtClean="0"/>
           </a:p>
           <a:p>
             <a:pPr lvl="1"/>
             <a:r>
               <a:rPr lang="es-AR" dirty="0" smtClean="0"/>
-              <a:t>Generación e importación automática de tablas</a:t>
+              <a:t>Generación e importación automática de </a:t>
+            </a:r>
+            <a:r>
+              <a:rPr lang="es-AR" dirty="0" smtClean="0"/>
+              <a:t>tablas.</a:t>
             </a:r>
             <a:endParaRPr lang="es-AR" dirty="0"/>
           </a:p>
@@ -27679,6 +28281,284 @@
 </p:sld>
 </file>
 
+<file path=ppt/slides/slide15.xml><?xml version="1.0" encoding="utf-8"?>
+<p:sld xmlns:a="http://schemas.openxmlformats.org/drawingml/2006/main" xmlns:r="http://schemas.openxmlformats.org/officeDocument/2006/relationships" xmlns:p="http://schemas.openxmlformats.org/presentationml/2006/main">
+  <p:cSld>
+    <p:spTree>
+      <p:nvGrpSpPr>
+        <p:cNvPr id="1" name=""/>
+        <p:cNvGrpSpPr/>
+        <p:nvPr/>
+      </p:nvGrpSpPr>
+      <p:grpSpPr>
+        <a:xfrm>
+          <a:off x="0" y="0"/>
+          <a:ext cx="0" cy="0"/>
+          <a:chOff x="0" y="0"/>
+          <a:chExt cx="0" cy="0"/>
+        </a:xfrm>
+      </p:grpSpPr>
+      <p:sp>
+        <p:nvSpPr>
+          <p:cNvPr id="2" name="Title 1"/>
+          <p:cNvSpPr>
+            <a:spLocks noGrp="1"/>
+          </p:cNvSpPr>
+          <p:nvPr>
+            <p:ph type="title"/>
+          </p:nvPr>
+        </p:nvSpPr>
+        <p:spPr/>
+        <p:txBody>
+          <a:bodyPr>
+            <a:normAutofit fontScale="90000"/>
+          </a:bodyPr>
+          <a:lstStyle/>
+          <a:p>
+            <a:r>
+              <a:rPr lang="es-AR" dirty="0"/>
+              <a:t>ANÁLISIS: Resultados estadísticos</a:t>
+            </a:r>
+          </a:p>
+        </p:txBody>
+      </p:sp>
+      <p:sp>
+        <p:nvSpPr>
+          <p:cNvPr id="4" name="Content Placeholder 3"/>
+          <p:cNvSpPr>
+            <a:spLocks noGrp="1"/>
+          </p:cNvSpPr>
+          <p:nvPr>
+            <p:ph sz="half" idx="2"/>
+          </p:nvPr>
+        </p:nvSpPr>
+        <p:spPr>
+          <a:xfrm>
+            <a:off x="4572000" y="4077072"/>
+            <a:ext cx="4536504" cy="2736304"/>
+          </a:xfrm>
+        </p:spPr>
+        <p:txBody>
+          <a:bodyPr/>
+          <a:lstStyle/>
+          <a:p>
+            <a:endParaRPr lang="es-AR" dirty="0"/>
+          </a:p>
+        </p:txBody>
+      </p:sp>
+      <p:graphicFrame>
+        <p:nvGraphicFramePr>
+          <p:cNvPr id="7" name="Content Placeholder 6"/>
+          <p:cNvGraphicFramePr>
+            <a:graphicFrameLocks noGrp="1"/>
+          </p:cNvGraphicFramePr>
+          <p:nvPr>
+            <p:ph sz="half" idx="1"/>
+            <p:extLst>
+              <p:ext uri="{D42A27DB-BD31-4B8C-83A1-F6EECF244321}">
+                <p14:modId xmlns:p14="http://schemas.microsoft.com/office/powerpoint/2010/main" val="1533185650"/>
+              </p:ext>
+            </p:extLst>
+          </p:nvPr>
+        </p:nvGraphicFramePr>
+        <p:xfrm>
+          <a:off x="35496" y="1484784"/>
+          <a:ext cx="9108504" cy="2448272"/>
+        </p:xfrm>
+        <a:graphic>
+          <a:graphicData uri="http://schemas.openxmlformats.org/drawingml/2006/chart">
+            <c:chart xmlns:c="http://schemas.openxmlformats.org/drawingml/2006/chart" xmlns:r="http://schemas.openxmlformats.org/officeDocument/2006/relationships" r:id="rId2"/>
+          </a:graphicData>
+        </a:graphic>
+      </p:graphicFrame>
+      <p:graphicFrame>
+        <p:nvGraphicFramePr>
+          <p:cNvPr id="9" name="Content Placeholder 8"/>
+          <p:cNvGraphicFramePr>
+            <a:graphicFrameLocks noGrp="1"/>
+          </p:cNvGraphicFramePr>
+          <p:nvPr>
+            <p:ph sz="half" idx="14"/>
+            <p:extLst>
+              <p:ext uri="{D42A27DB-BD31-4B8C-83A1-F6EECF244321}">
+                <p14:modId xmlns:p14="http://schemas.microsoft.com/office/powerpoint/2010/main" val="3836369990"/>
+              </p:ext>
+            </p:extLst>
+          </p:nvPr>
+        </p:nvGraphicFramePr>
+        <p:xfrm>
+          <a:off x="1" y="3933825"/>
+          <a:ext cx="4510088" cy="2879551"/>
+        </p:xfrm>
+        <a:graphic>
+          <a:graphicData uri="http://schemas.openxmlformats.org/drawingml/2006/chart">
+            <c:chart xmlns:c="http://schemas.openxmlformats.org/drawingml/2006/chart" xmlns:r="http://schemas.openxmlformats.org/officeDocument/2006/relationships" r:id="rId3"/>
+          </a:graphicData>
+        </a:graphic>
+      </p:graphicFrame>
+    </p:spTree>
+    <p:extLst>
+      <p:ext uri="{BB962C8B-B14F-4D97-AF65-F5344CB8AC3E}">
+        <p14:creationId xmlns:p14="http://schemas.microsoft.com/office/powerpoint/2010/main" val="1719319540"/>
+      </p:ext>
+    </p:extLst>
+  </p:cSld>
+  <p:clrMapOvr>
+    <a:masterClrMapping/>
+  </p:clrMapOvr>
+</p:sld>
+</file>
+
+<file path=ppt/slides/slide16.xml><?xml version="1.0" encoding="utf-8"?>
+<p:sld xmlns:a="http://schemas.openxmlformats.org/drawingml/2006/main" xmlns:r="http://schemas.openxmlformats.org/officeDocument/2006/relationships" xmlns:p="http://schemas.openxmlformats.org/presentationml/2006/main">
+  <p:cSld>
+    <p:spTree>
+      <p:nvGrpSpPr>
+        <p:cNvPr id="1" name=""/>
+        <p:cNvGrpSpPr/>
+        <p:nvPr/>
+      </p:nvGrpSpPr>
+      <p:grpSpPr>
+        <a:xfrm>
+          <a:off x="0" y="0"/>
+          <a:ext cx="0" cy="0"/>
+          <a:chOff x="0" y="0"/>
+          <a:chExt cx="0" cy="0"/>
+        </a:xfrm>
+      </p:grpSpPr>
+      <p:sp>
+        <p:nvSpPr>
+          <p:cNvPr id="2" name="Title 1"/>
+          <p:cNvSpPr>
+            <a:spLocks noGrp="1"/>
+          </p:cNvSpPr>
+          <p:nvPr>
+            <p:ph type="title"/>
+          </p:nvPr>
+        </p:nvSpPr>
+        <p:spPr/>
+        <p:txBody>
+          <a:bodyPr>
+            <a:normAutofit fontScale="90000"/>
+          </a:bodyPr>
+          <a:lstStyle/>
+          <a:p>
+            <a:r>
+              <a:rPr lang="es-AR" dirty="0"/>
+              <a:t>ANÁLISIS: Resultados estadísticos</a:t>
+            </a:r>
+          </a:p>
+        </p:txBody>
+      </p:sp>
+      <p:sp>
+        <p:nvSpPr>
+          <p:cNvPr id="3" name="Content Placeholder 2"/>
+          <p:cNvSpPr>
+            <a:spLocks noGrp="1"/>
+          </p:cNvSpPr>
+          <p:nvPr>
+            <p:ph sz="half" idx="1"/>
+          </p:nvPr>
+        </p:nvSpPr>
+        <p:spPr>
+          <a:xfrm>
+            <a:off x="107504" y="1600201"/>
+            <a:ext cx="8928991" cy="2215443"/>
+          </a:xfrm>
+        </p:spPr>
+        <p:txBody>
+          <a:bodyPr/>
+          <a:lstStyle/>
+          <a:p>
+            <a:r>
+              <a:rPr lang="en-US" smtClean="0"/>
+              <a:t>g</a:t>
+            </a:r>
+            <a:endParaRPr lang="es-AR" dirty="0"/>
+          </a:p>
+        </p:txBody>
+      </p:sp>
+      <p:pic>
+        <p:nvPicPr>
+          <p:cNvPr id="6" name="Imagen 3"/>
+          <p:cNvPicPr>
+            <a:picLocks noGrp="1"/>
+          </p:cNvPicPr>
+          <p:nvPr>
+            <p:ph sz="half" idx="14"/>
+          </p:nvPr>
+        </p:nvPicPr>
+        <p:blipFill>
+          <a:blip r:embed="rId2" cstate="print"/>
+          <a:srcRect/>
+          <a:stretch>
+            <a:fillRect/>
+          </a:stretch>
+        </p:blipFill>
+        <p:spPr bwMode="auto">
+          <a:xfrm>
+            <a:off x="67219" y="3933825"/>
+            <a:ext cx="4360765" cy="2696658"/>
+          </a:xfrm>
+          <a:prstGeom prst="rect">
+            <a:avLst/>
+          </a:prstGeom>
+          <a:noFill/>
+          <a:ln w="9525">
+            <a:noFill/>
+            <a:miter lim="800000"/>
+            <a:headEnd/>
+            <a:tailEnd/>
+          </a:ln>
+        </p:spPr>
+      </p:pic>
+      <p:pic>
+        <p:nvPicPr>
+          <p:cNvPr id="7" name="Imagen 4"/>
+          <p:cNvPicPr>
+            <a:picLocks noGrp="1"/>
+          </p:cNvPicPr>
+          <p:nvPr>
+            <p:ph sz="half" idx="2"/>
+          </p:nvPr>
+        </p:nvPicPr>
+        <p:blipFill>
+          <a:blip r:embed="rId3" cstate="print"/>
+          <a:srcRect/>
+          <a:stretch>
+            <a:fillRect/>
+          </a:stretch>
+        </p:blipFill>
+        <p:spPr bwMode="auto">
+          <a:xfrm>
+            <a:off x="4547669" y="3933824"/>
+            <a:ext cx="4547614" cy="2663528"/>
+          </a:xfrm>
+          <a:prstGeom prst="rect">
+            <a:avLst/>
+          </a:prstGeom>
+          <a:noFill/>
+          <a:ln w="9525">
+            <a:noFill/>
+            <a:miter lim="800000"/>
+            <a:headEnd/>
+            <a:tailEnd/>
+          </a:ln>
+        </p:spPr>
+      </p:pic>
+    </p:spTree>
+    <p:extLst>
+      <p:ext uri="{BB962C8B-B14F-4D97-AF65-F5344CB8AC3E}">
+        <p14:creationId xmlns:p14="http://schemas.microsoft.com/office/powerpoint/2010/main" val="4202854594"/>
+      </p:ext>
+    </p:extLst>
+  </p:cSld>
+  <p:clrMapOvr>
+    <a:masterClrMapping/>
+  </p:clrMapOvr>
+</p:sld>
+</file>
+
 <file path=ppt/slides/slide2.xml><?xml version="1.0" encoding="utf-8"?>
 <p:sld xmlns:a="http://schemas.openxmlformats.org/drawingml/2006/main" xmlns:r="http://schemas.openxmlformats.org/officeDocument/2006/relationships" xmlns:p="http://schemas.openxmlformats.org/presentationml/2006/main">
   <p:cSld>
@@ -27712,7 +28592,7 @@
           <a:lstStyle/>
           <a:p>
             <a:r>
-              <a:rPr lang="es-AR" smtClean="0"/>
+              <a:rPr lang="es-AR" dirty="0" smtClean="0"/>
               <a:t>INYECCIÓN: Manual</a:t>
             </a:r>
             <a:endParaRPr lang="es-AR" dirty="0"/>

--- a/trunk/Documentation/Documentacion/PRESENTACION_FACU.pptx
+++ b/trunk/Documentation/Documentacion/PRESENTACION_FACU.pptx
@@ -618,12 +618,12 @@
         </c:dLbls>
         <c:gapWidth val="75"/>
         <c:shape val="cylinder"/>
-        <c:axId val="95913984"/>
-        <c:axId val="94027776"/>
+        <c:axId val="82237440"/>
+        <c:axId val="74760768"/>
         <c:axId val="0"/>
       </c:bar3DChart>
       <c:catAx>
-        <c:axId val="95913984"/>
+        <c:axId val="82237440"/>
         <c:scaling>
           <c:orientation val="minMax"/>
         </c:scaling>
@@ -633,7 +633,7 @@
         <c:majorTickMark val="none"/>
         <c:minorTickMark val="none"/>
         <c:tickLblPos val="none"/>
-        <c:crossAx val="94027776"/>
+        <c:crossAx val="74760768"/>
         <c:crosses val="autoZero"/>
         <c:auto val="1"/>
         <c:lblAlgn val="ctr"/>
@@ -641,7 +641,7 @@
         <c:noMultiLvlLbl val="0"/>
       </c:catAx>
       <c:valAx>
-        <c:axId val="94027776"/>
+        <c:axId val="74760768"/>
         <c:scaling>
           <c:orientation val="minMax"/>
         </c:scaling>
@@ -657,7 +657,7 @@
             <a:noFill/>
           </a:ln>
         </c:spPr>
-        <c:crossAx val="95913984"/>
+        <c:crossAx val="82237440"/>
         <c:crosses val="autoZero"/>
         <c:crossBetween val="between"/>
       </c:valAx>
@@ -830,12 +830,12 @@
         </c:dLbls>
         <c:gapWidth val="75"/>
         <c:shape val="cylinder"/>
-        <c:axId val="95913472"/>
-        <c:axId val="94029504"/>
+        <c:axId val="82236928"/>
+        <c:axId val="74762496"/>
         <c:axId val="0"/>
       </c:bar3DChart>
       <c:catAx>
-        <c:axId val="95913472"/>
+        <c:axId val="82236928"/>
         <c:scaling>
           <c:orientation val="minMax"/>
         </c:scaling>
@@ -845,7 +845,7 @@
         <c:majorTickMark val="none"/>
         <c:minorTickMark val="none"/>
         <c:tickLblPos val="none"/>
-        <c:crossAx val="94029504"/>
+        <c:crossAx val="74762496"/>
         <c:crosses val="autoZero"/>
         <c:auto val="1"/>
         <c:lblAlgn val="ctr"/>
@@ -853,7 +853,7 @@
         <c:noMultiLvlLbl val="0"/>
       </c:catAx>
       <c:valAx>
-        <c:axId val="94029504"/>
+        <c:axId val="74762496"/>
         <c:scaling>
           <c:orientation val="minMax"/>
         </c:scaling>
@@ -869,7 +869,7 @@
             <a:noFill/>
           </a:ln>
         </c:spPr>
-        <c:crossAx val="95913472"/>
+        <c:crossAx val="82236928"/>
         <c:crosses val="autoZero"/>
         <c:crossBetween val="between"/>
       </c:valAx>
@@ -1883,11 +1883,11 @@
           <c:showPercent val="0"/>
           <c:showBubbleSize val="0"/>
         </c:dLbls>
-        <c:axId val="94031808"/>
-        <c:axId val="94032384"/>
+        <c:axId val="74764800"/>
+        <c:axId val="74765376"/>
       </c:scatterChart>
       <c:valAx>
-        <c:axId val="94031808"/>
+        <c:axId val="74764800"/>
         <c:scaling>
           <c:orientation val="minMax"/>
           <c:max val="1.7"/>
@@ -1927,12 +1927,12 @@
         <c:majorTickMark val="out"/>
         <c:minorTickMark val="none"/>
         <c:tickLblPos val="nextTo"/>
-        <c:crossAx val="94032384"/>
+        <c:crossAx val="74765376"/>
         <c:crosses val="autoZero"/>
         <c:crossBetween val="midCat"/>
       </c:valAx>
       <c:valAx>
-        <c:axId val="94032384"/>
+        <c:axId val="74765376"/>
         <c:scaling>
           <c:orientation val="minMax"/>
         </c:scaling>
@@ -1975,7 +1975,7 @@
         <c:majorTickMark val="out"/>
         <c:minorTickMark val="none"/>
         <c:tickLblPos val="nextTo"/>
-        <c:crossAx val="94031808"/>
+        <c:crossAx val="74764800"/>
         <c:crosses val="autoZero"/>
         <c:crossBetween val="midCat"/>
       </c:valAx>
@@ -2974,11 +2974,11 @@
           <c:showPercent val="0"/>
           <c:showBubbleSize val="0"/>
         </c:dLbls>
-        <c:axId val="94034112"/>
-        <c:axId val="94034688"/>
+        <c:axId val="74767104"/>
+        <c:axId val="74767680"/>
       </c:scatterChart>
       <c:valAx>
-        <c:axId val="94034112"/>
+        <c:axId val="74767104"/>
         <c:scaling>
           <c:orientation val="minMax"/>
           <c:max val="63"/>
@@ -3009,14 +3009,14 @@
         <c:majorTickMark val="out"/>
         <c:minorTickMark val="none"/>
         <c:tickLblPos val="nextTo"/>
-        <c:crossAx val="94034688"/>
+        <c:crossAx val="74767680"/>
         <c:crosses val="autoZero"/>
         <c:crossBetween val="midCat"/>
         <c:majorUnit val="5"/>
         <c:minorUnit val="1"/>
       </c:valAx>
       <c:valAx>
-        <c:axId val="94034688"/>
+        <c:axId val="74767680"/>
         <c:scaling>
           <c:orientation val="minMax"/>
           <c:max val="280"/>
@@ -3049,7 +3049,7 @@
         <c:majorTickMark val="out"/>
         <c:minorTickMark val="none"/>
         <c:tickLblPos val="nextTo"/>
-        <c:crossAx val="94034112"/>
+        <c:crossAx val="74767104"/>
         <c:crosses val="autoZero"/>
         <c:crossBetween val="midCat"/>
       </c:valAx>
@@ -3296,12 +3296,12 @@
         </c:dLbls>
         <c:gapWidth val="150"/>
         <c:shape val="box"/>
-        <c:axId val="43491328"/>
-        <c:axId val="172962880"/>
-        <c:axId val="46963840"/>
+        <c:axId val="90264064"/>
+        <c:axId val="91621056"/>
+        <c:axId val="79721728"/>
       </c:bar3DChart>
       <c:catAx>
-        <c:axId val="43491328"/>
+        <c:axId val="90264064"/>
         <c:scaling>
           <c:orientation val="minMax"/>
         </c:scaling>
@@ -3310,7 +3310,7 @@
         <c:majorTickMark val="none"/>
         <c:minorTickMark val="none"/>
         <c:tickLblPos val="nextTo"/>
-        <c:crossAx val="172962880"/>
+        <c:crossAx val="91621056"/>
         <c:crosses val="autoZero"/>
         <c:auto val="1"/>
         <c:lblAlgn val="ctr"/>
@@ -3318,7 +3318,7 @@
         <c:noMultiLvlLbl val="0"/>
       </c:catAx>
       <c:valAx>
-        <c:axId val="172962880"/>
+        <c:axId val="91621056"/>
         <c:scaling>
           <c:logBase val="10"/>
           <c:orientation val="minMax"/>
@@ -3329,12 +3329,12 @@
         <c:majorTickMark val="none"/>
         <c:minorTickMark val="none"/>
         <c:tickLblPos val="none"/>
-        <c:crossAx val="43491328"/>
+        <c:crossAx val="90264064"/>
         <c:crosses val="autoZero"/>
         <c:crossBetween val="between"/>
       </c:valAx>
       <c:serAx>
-        <c:axId val="46963840"/>
+        <c:axId val="79721728"/>
         <c:scaling>
           <c:orientation val="minMax"/>
         </c:scaling>
@@ -3343,7 +3343,7 @@
         <c:majorTickMark val="none"/>
         <c:minorTickMark val="none"/>
         <c:tickLblPos val="none"/>
-        <c:crossAx val="172962880"/>
+        <c:crossAx val="91621056"/>
         <c:crosses val="autoZero"/>
       </c:serAx>
     </c:plotArea>
@@ -3563,11 +3563,11 @@
           <c:showBubbleSize val="0"/>
         </c:dLbls>
         <c:gapWidth val="150"/>
-        <c:axId val="96084480"/>
-        <c:axId val="37884416"/>
+        <c:axId val="90264576"/>
+        <c:axId val="91622784"/>
       </c:barChart>
       <c:catAx>
-        <c:axId val="96084480"/>
+        <c:axId val="90264576"/>
         <c:scaling>
           <c:orientation val="minMax"/>
         </c:scaling>
@@ -3576,7 +3576,7 @@
         <c:majorTickMark val="none"/>
         <c:minorTickMark val="none"/>
         <c:tickLblPos val="nextTo"/>
-        <c:crossAx val="37884416"/>
+        <c:crossAx val="91622784"/>
         <c:crosses val="autoZero"/>
         <c:auto val="1"/>
         <c:lblAlgn val="ctr"/>
@@ -3584,7 +3584,7 @@
         <c:noMultiLvlLbl val="0"/>
       </c:catAx>
       <c:valAx>
-        <c:axId val="37884416"/>
+        <c:axId val="91622784"/>
         <c:scaling>
           <c:orientation val="minMax"/>
         </c:scaling>
@@ -3595,7 +3595,7 @@
         <c:majorTickMark val="none"/>
         <c:minorTickMark val="none"/>
         <c:tickLblPos val="nextTo"/>
-        <c:crossAx val="96084480"/>
+        <c:crossAx val="90264576"/>
         <c:crosses val="autoZero"/>
         <c:crossBetween val="between"/>
       </c:valAx>
@@ -7333,43 +7333,43 @@
     </dgm:pt>
   </dgm:ptLst>
   <dgm:cxnLst>
+    <dgm:cxn modelId="{6E64ED66-4F46-4C8D-8C75-A970872A44CB}" type="presOf" srcId="{DD847369-FD52-47A4-9862-6E0F26E8356D}" destId="{3598399E-EEC9-4846-AE6F-2A815FA52A1A}" srcOrd="0" destOrd="0" presId="urn:microsoft.com/office/officeart/2005/8/layout/vList2"/>
+    <dgm:cxn modelId="{97540CCD-B544-4F38-8A09-A8D2A24C4BBA}" type="presOf" srcId="{15B62DB7-1781-4712-8CB4-4612F4004CF9}" destId="{4174C60E-95CC-4882-BEA6-891F2F81F245}" srcOrd="0" destOrd="1" presId="urn:microsoft.com/office/officeart/2005/8/layout/vList2"/>
+    <dgm:cxn modelId="{C7B12F29-6D9C-4F55-B0B4-0C52E4894C4D}" srcId="{C450AFBD-D19E-4FDA-929B-E1A653D8E4DD}" destId="{CF9922EE-48BF-4D32-9CA3-D69D0E77782E}" srcOrd="2" destOrd="0" parTransId="{76B7A7CB-BEA7-4835-8CFB-5DE74BC2A803}" sibTransId="{A2A6269D-5DD5-43D6-9B36-4E362826A8F1}"/>
+    <dgm:cxn modelId="{9977EA1B-9B74-4F59-A2D5-51A779991AD8}" srcId="{46D51864-616F-4817-8F91-3E15814C4CD5}" destId="{15B62DB7-1781-4712-8CB4-4612F4004CF9}" srcOrd="1" destOrd="0" parTransId="{7F360CA1-E9E5-4774-B5E6-7BD4C2281884}" sibTransId="{90A31C82-9F2C-45D4-89B6-4B24566CCF2C}"/>
+    <dgm:cxn modelId="{7EC4CCEE-A36A-43C6-95E1-0480A1BAEE8F}" srcId="{C450AFBD-D19E-4FDA-929B-E1A653D8E4DD}" destId="{85C598A0-BCCA-4BF4-BD0C-322094E95D20}" srcOrd="0" destOrd="0" parTransId="{DF9A3197-7551-4AB0-9864-A3DFF256CB2F}" sibTransId="{F8D97D87-512C-42B0-8BCF-6EB0500ECB4A}"/>
+    <dgm:cxn modelId="{DDE1E562-757E-41ED-8919-2F695DEFB7C4}" srcId="{DD847369-FD52-47A4-9862-6E0F26E8356D}" destId="{B23AB487-D1FB-45C8-ACD1-3EF47C2B535D}" srcOrd="0" destOrd="0" parTransId="{F399338F-1119-44B6-94F9-8F982ED25E8E}" sibTransId="{BCD5F139-66EC-4467-A91E-91B4B0B55E2A}"/>
+    <dgm:cxn modelId="{A0919315-A5D4-4BEF-A0E9-A2CC0CC68EEE}" type="presOf" srcId="{673CF87C-3FEE-4570-BD3C-45251C8860E1}" destId="{D4B29F39-5BA6-449A-B2B8-4D84BC4B354D}" srcOrd="0" destOrd="1" presId="urn:microsoft.com/office/officeart/2005/8/layout/vList2"/>
+    <dgm:cxn modelId="{BECF50C3-DFE3-45EE-B065-429FEFFFDC49}" type="presOf" srcId="{02FBB906-BA58-41E9-8AD3-696CDF33B717}" destId="{86C6E5DC-91FE-4393-97EC-0E63A588CCA8}" srcOrd="0" destOrd="1" presId="urn:microsoft.com/office/officeart/2005/8/layout/vList2"/>
+    <dgm:cxn modelId="{A908B9C3-771B-41EB-AB29-5D8297E093E1}" type="presOf" srcId="{85C598A0-BCCA-4BF4-BD0C-322094E95D20}" destId="{D4B29F39-5BA6-449A-B2B8-4D84BC4B354D}" srcOrd="0" destOrd="0" presId="urn:microsoft.com/office/officeart/2005/8/layout/vList2"/>
+    <dgm:cxn modelId="{8526E3F5-25F8-4704-B058-78E3FE5EB49A}" srcId="{DD847369-FD52-47A4-9862-6E0F26E8356D}" destId="{02FBB906-BA58-41E9-8AD3-696CDF33B717}" srcOrd="1" destOrd="0" parTransId="{B5AFC2B3-D52C-48AE-8F7A-36242B2BAFB5}" sibTransId="{CF70BE40-2BC0-48DF-8F64-CC537DE7C180}"/>
+    <dgm:cxn modelId="{27AB5765-8A9D-4C63-A79E-37E0CC419524}" type="presOf" srcId="{B23AB487-D1FB-45C8-ACD1-3EF47C2B535D}" destId="{86C6E5DC-91FE-4393-97EC-0E63A588CCA8}" srcOrd="0" destOrd="0" presId="urn:microsoft.com/office/officeart/2005/8/layout/vList2"/>
+    <dgm:cxn modelId="{4BB9627F-6082-491F-9A31-E331F47FDE94}" srcId="{C450AFBD-D19E-4FDA-929B-E1A653D8E4DD}" destId="{0E334188-9FCE-4754-B766-F6DCF898A424}" srcOrd="3" destOrd="0" parTransId="{1A72B2DE-87F8-47D1-9593-AD23C65AF2C5}" sibTransId="{1205E850-218F-42F4-8FB7-F49F93547ED8}"/>
+    <dgm:cxn modelId="{325076B5-CAF0-4A95-8C9C-B4FA4C794795}" srcId="{28621352-D8C8-4462-A38B-5ED8DAECF65B}" destId="{DD847369-FD52-47A4-9862-6E0F26E8356D}" srcOrd="1" destOrd="0" parTransId="{68F9C435-6FFD-40A0-A071-F2D05C6DAF67}" sibTransId="{6B1F0A42-3C88-4789-98FD-E29CD4BA95FC}"/>
+    <dgm:cxn modelId="{7479DAAC-2B8D-4A7A-9DE1-A0F98C7C7923}" type="presOf" srcId="{AB43DDEF-3FFD-405C-969F-A5205E771909}" destId="{86C6E5DC-91FE-4393-97EC-0E63A588CCA8}" srcOrd="0" destOrd="3" presId="urn:microsoft.com/office/officeart/2005/8/layout/vList2"/>
+    <dgm:cxn modelId="{1B2F4A6A-C043-4023-88D6-A1926ECC69A4}" srcId="{F6891DC3-F7D4-4219-BD99-E633DF7F9C99}" destId="{0C38124E-1BE8-4699-A409-7E5EBEFC0B05}" srcOrd="0" destOrd="0" parTransId="{DE70DA72-A786-427A-941B-FDB83111C9ED}" sibTransId="{3D61EFA4-1337-4488-B664-71047F49B8E8}"/>
+    <dgm:cxn modelId="{0044EA7D-13E5-4640-A487-DF7086EF3ECE}" type="presOf" srcId="{F1D3B8A7-F18E-466C-B04E-4F86C1E71632}" destId="{86C6E5DC-91FE-4393-97EC-0E63A588CCA8}" srcOrd="0" destOrd="2" presId="urn:microsoft.com/office/officeart/2005/8/layout/vList2"/>
+    <dgm:cxn modelId="{D8120A4F-36C0-498E-B77B-E8488B038205}" srcId="{DD847369-FD52-47A4-9862-6E0F26E8356D}" destId="{AB43DDEF-3FFD-405C-969F-A5205E771909}" srcOrd="3" destOrd="0" parTransId="{CF1E8733-F25C-4585-B628-A590A4D497A3}" sibTransId="{36FE620E-EFB1-4CF7-8C13-D054A4C42142}"/>
+    <dgm:cxn modelId="{17EC2E80-063A-4284-B5F7-5B460FC430DD}" type="presOf" srcId="{28621352-D8C8-4462-A38B-5ED8DAECF65B}" destId="{F9B833AD-177B-47A7-A8A2-CC5864175494}" srcOrd="0" destOrd="0" presId="urn:microsoft.com/office/officeart/2005/8/layout/vList2"/>
+    <dgm:cxn modelId="{971BCDC8-037B-4F8F-BDF3-31E529D82B42}" type="presOf" srcId="{69A1D6D1-C5A0-40C0-8829-3DCBB2A1EA06}" destId="{4174C60E-95CC-4882-BEA6-891F2F81F245}" srcOrd="0" destOrd="0" presId="urn:microsoft.com/office/officeart/2005/8/layout/vList2"/>
+    <dgm:cxn modelId="{60758F71-4054-4347-A92D-998683F1C3A7}" type="presOf" srcId="{0E334188-9FCE-4754-B766-F6DCF898A424}" destId="{D4B29F39-5BA6-449A-B2B8-4D84BC4B354D}" srcOrd="0" destOrd="3" presId="urn:microsoft.com/office/officeart/2005/8/layout/vList2"/>
+    <dgm:cxn modelId="{23EF09F3-584C-4A0E-A954-D608F0381D33}" type="presOf" srcId="{F67643B1-22DC-47B4-B3B5-BF746A707484}" destId="{4174C60E-95CC-4882-BEA6-891F2F81F245}" srcOrd="0" destOrd="2" presId="urn:microsoft.com/office/officeart/2005/8/layout/vList2"/>
+    <dgm:cxn modelId="{C5BE2439-39A8-47ED-9B5D-61B39BE555F8}" srcId="{28621352-D8C8-4462-A38B-5ED8DAECF65B}" destId="{C450AFBD-D19E-4FDA-929B-E1A653D8E4DD}" srcOrd="2" destOrd="0" parTransId="{3858CD50-7509-4A20-82C1-6C76A3301DC4}" sibTransId="{2DC09692-DC74-4E8D-B681-71C50902EB56}"/>
+    <dgm:cxn modelId="{F5607497-5D8D-46CE-AA54-88A7EA07FD9A}" type="presOf" srcId="{CF9922EE-48BF-4D32-9CA3-D69D0E77782E}" destId="{D4B29F39-5BA6-449A-B2B8-4D84BC4B354D}" srcOrd="0" destOrd="2" presId="urn:microsoft.com/office/officeart/2005/8/layout/vList2"/>
+    <dgm:cxn modelId="{F0D4F50D-5A17-422C-8331-D8004DD48F14}" srcId="{28621352-D8C8-4462-A38B-5ED8DAECF65B}" destId="{F6891DC3-F7D4-4219-BD99-E633DF7F9C99}" srcOrd="0" destOrd="0" parTransId="{1B245E6A-BCBD-4310-AB1B-65FCE10DA84E}" sibTransId="{1D2F8BD6-4E8D-44E7-BB11-49A85F68390E}"/>
+    <dgm:cxn modelId="{75A700D1-D7CB-41CD-B519-B5A9ADE122C1}" srcId="{C450AFBD-D19E-4FDA-929B-E1A653D8E4DD}" destId="{673CF87C-3FEE-4570-BD3C-45251C8860E1}" srcOrd="1" destOrd="0" parTransId="{DAEA0810-607E-42AF-AB88-4ADDF9190089}" sibTransId="{E0947DC1-3396-42B3-9CAF-49A98E26AA74}"/>
+    <dgm:cxn modelId="{4A7813FD-937C-452B-AF75-7E94AB313993}" srcId="{DD847369-FD52-47A4-9862-6E0F26E8356D}" destId="{F1D3B8A7-F18E-466C-B04E-4F86C1E71632}" srcOrd="2" destOrd="0" parTransId="{6FCD00B0-9AC7-4A2C-990E-1455B980BE4B}" sibTransId="{7FF16688-7ACE-4FBA-88B5-A9A16CC61368}"/>
+    <dgm:cxn modelId="{C97EDC3C-F975-4058-9CA6-846C8132FD7D}" type="presOf" srcId="{F6891DC3-F7D4-4219-BD99-E633DF7F9C99}" destId="{A95D184C-E14B-4F00-909E-013D2800488D}" srcOrd="0" destOrd="0" presId="urn:microsoft.com/office/officeart/2005/8/layout/vList2"/>
+    <dgm:cxn modelId="{28A22959-2AC1-4283-8BF7-F15075D49AA4}" type="presOf" srcId="{C450AFBD-D19E-4FDA-929B-E1A653D8E4DD}" destId="{3C75DF9A-6800-46C6-AFE7-9345250C9E19}" srcOrd="0" destOrd="0" presId="urn:microsoft.com/office/officeart/2005/8/layout/vList2"/>
+    <dgm:cxn modelId="{518902F6-C000-4ED1-B07D-7869545DF19F}" type="presOf" srcId="{0C38124E-1BE8-4699-A409-7E5EBEFC0B05}" destId="{3DA3C54A-443E-4079-8FD8-03835498A313}" srcOrd="0" destOrd="0" presId="urn:microsoft.com/office/officeart/2005/8/layout/vList2"/>
+    <dgm:cxn modelId="{5FB863EE-1950-496B-8FF6-A06CB4BCC373}" srcId="{46D51864-616F-4817-8F91-3E15814C4CD5}" destId="{F67643B1-22DC-47B4-B3B5-BF746A707484}" srcOrd="2" destOrd="0" parTransId="{8BDF7434-6C4C-4F44-B49E-8CEB0F7057E5}" sibTransId="{46B476B1-E80F-4347-839F-665DE47D6FA7}"/>
+    <dgm:cxn modelId="{DFCB5525-E174-4B2A-ADBB-B3D93E2D2A6C}" srcId="{28621352-D8C8-4462-A38B-5ED8DAECF65B}" destId="{46D51864-616F-4817-8F91-3E15814C4CD5}" srcOrd="3" destOrd="0" parTransId="{E2AE9E1E-E0FB-47DC-9337-191CB5B936CB}" sibTransId="{E9DF6DF7-3E08-45C9-8B8E-841EA30C8B33}"/>
+    <dgm:cxn modelId="{59DC16B1-1AD8-4E5A-9DFB-056D13E468D6}" type="presOf" srcId="{FF08B318-A1F3-47F2-AD3F-C9F8A0F96034}" destId="{4174C60E-95CC-4882-BEA6-891F2F81F245}" srcOrd="0" destOrd="3" presId="urn:microsoft.com/office/officeart/2005/8/layout/vList2"/>
+    <dgm:cxn modelId="{F8FC9519-21BC-4D9B-A3DD-05A3CB4F1842}" srcId="{46D51864-616F-4817-8F91-3E15814C4CD5}" destId="{69A1D6D1-C5A0-40C0-8829-3DCBB2A1EA06}" srcOrd="0" destOrd="0" parTransId="{0EE2AA90-1017-41D1-A5FF-5DB26507CBC1}" sibTransId="{F2EEB5D0-099E-4B95-BE4F-891C57129C67}"/>
+    <dgm:cxn modelId="{8E521032-63AF-4CE3-9A66-652C6C42682D}" type="presOf" srcId="{816B1F66-B04D-4168-AAC9-603B902502B3}" destId="{3DA3C54A-443E-4079-8FD8-03835498A313}" srcOrd="0" destOrd="1" presId="urn:microsoft.com/office/officeart/2005/8/layout/vList2"/>
     <dgm:cxn modelId="{A8DDEF6F-4A41-4E35-AE4A-47B863F39A6C}" type="presOf" srcId="{46D51864-616F-4817-8F91-3E15814C4CD5}" destId="{754C3953-3803-4D78-ABC9-4560C428F027}" srcOrd="0" destOrd="0" presId="urn:microsoft.com/office/officeart/2005/8/layout/vList2"/>
-    <dgm:cxn modelId="{4A7813FD-937C-452B-AF75-7E94AB313993}" srcId="{DD847369-FD52-47A4-9862-6E0F26E8356D}" destId="{F1D3B8A7-F18E-466C-B04E-4F86C1E71632}" srcOrd="2" destOrd="0" parTransId="{6FCD00B0-9AC7-4A2C-990E-1455B980BE4B}" sibTransId="{7FF16688-7ACE-4FBA-88B5-A9A16CC61368}"/>
-    <dgm:cxn modelId="{DFCB5525-E174-4B2A-ADBB-B3D93E2D2A6C}" srcId="{28621352-D8C8-4462-A38B-5ED8DAECF65B}" destId="{46D51864-616F-4817-8F91-3E15814C4CD5}" srcOrd="3" destOrd="0" parTransId="{E2AE9E1E-E0FB-47DC-9337-191CB5B936CB}" sibTransId="{E9DF6DF7-3E08-45C9-8B8E-841EA30C8B33}"/>
-    <dgm:cxn modelId="{8E521032-63AF-4CE3-9A66-652C6C42682D}" type="presOf" srcId="{816B1F66-B04D-4168-AAC9-603B902502B3}" destId="{3DA3C54A-443E-4079-8FD8-03835498A313}" srcOrd="0" destOrd="1" presId="urn:microsoft.com/office/officeart/2005/8/layout/vList2"/>
-    <dgm:cxn modelId="{75A700D1-D7CB-41CD-B519-B5A9ADE122C1}" srcId="{C450AFBD-D19E-4FDA-929B-E1A653D8E4DD}" destId="{673CF87C-3FEE-4570-BD3C-45251C8860E1}" srcOrd="1" destOrd="0" parTransId="{DAEA0810-607E-42AF-AB88-4ADDF9190089}" sibTransId="{E0947DC1-3396-42B3-9CAF-49A98E26AA74}"/>
-    <dgm:cxn modelId="{17EC2E80-063A-4284-B5F7-5B460FC430DD}" type="presOf" srcId="{28621352-D8C8-4462-A38B-5ED8DAECF65B}" destId="{F9B833AD-177B-47A7-A8A2-CC5864175494}" srcOrd="0" destOrd="0" presId="urn:microsoft.com/office/officeart/2005/8/layout/vList2"/>
-    <dgm:cxn modelId="{59DC16B1-1AD8-4E5A-9DFB-056D13E468D6}" type="presOf" srcId="{FF08B318-A1F3-47F2-AD3F-C9F8A0F96034}" destId="{4174C60E-95CC-4882-BEA6-891F2F81F245}" srcOrd="0" destOrd="3" presId="urn:microsoft.com/office/officeart/2005/8/layout/vList2"/>
-    <dgm:cxn modelId="{F5607497-5D8D-46CE-AA54-88A7EA07FD9A}" type="presOf" srcId="{CF9922EE-48BF-4D32-9CA3-D69D0E77782E}" destId="{D4B29F39-5BA6-449A-B2B8-4D84BC4B354D}" srcOrd="0" destOrd="2" presId="urn:microsoft.com/office/officeart/2005/8/layout/vList2"/>
-    <dgm:cxn modelId="{1B2F4A6A-C043-4023-88D6-A1926ECC69A4}" srcId="{F6891DC3-F7D4-4219-BD99-E633DF7F9C99}" destId="{0C38124E-1BE8-4699-A409-7E5EBEFC0B05}" srcOrd="0" destOrd="0" parTransId="{DE70DA72-A786-427A-941B-FDB83111C9ED}" sibTransId="{3D61EFA4-1337-4488-B664-71047F49B8E8}"/>
-    <dgm:cxn modelId="{28A22959-2AC1-4283-8BF7-F15075D49AA4}" type="presOf" srcId="{C450AFBD-D19E-4FDA-929B-E1A653D8E4DD}" destId="{3C75DF9A-6800-46C6-AFE7-9345250C9E19}" srcOrd="0" destOrd="0" presId="urn:microsoft.com/office/officeart/2005/8/layout/vList2"/>
-    <dgm:cxn modelId="{23EF09F3-584C-4A0E-A954-D608F0381D33}" type="presOf" srcId="{F67643B1-22DC-47B4-B3B5-BF746A707484}" destId="{4174C60E-95CC-4882-BEA6-891F2F81F245}" srcOrd="0" destOrd="2" presId="urn:microsoft.com/office/officeart/2005/8/layout/vList2"/>
-    <dgm:cxn modelId="{4BB9627F-6082-491F-9A31-E331F47FDE94}" srcId="{C450AFBD-D19E-4FDA-929B-E1A653D8E4DD}" destId="{0E334188-9FCE-4754-B766-F6DCF898A424}" srcOrd="3" destOrd="0" parTransId="{1A72B2DE-87F8-47D1-9593-AD23C65AF2C5}" sibTransId="{1205E850-218F-42F4-8FB7-F49F93547ED8}"/>
-    <dgm:cxn modelId="{518902F6-C000-4ED1-B07D-7869545DF19F}" type="presOf" srcId="{0C38124E-1BE8-4699-A409-7E5EBEFC0B05}" destId="{3DA3C54A-443E-4079-8FD8-03835498A313}" srcOrd="0" destOrd="0" presId="urn:microsoft.com/office/officeart/2005/8/layout/vList2"/>
-    <dgm:cxn modelId="{9977EA1B-9B74-4F59-A2D5-51A779991AD8}" srcId="{46D51864-616F-4817-8F91-3E15814C4CD5}" destId="{15B62DB7-1781-4712-8CB4-4612F4004CF9}" srcOrd="1" destOrd="0" parTransId="{7F360CA1-E9E5-4774-B5E6-7BD4C2281884}" sibTransId="{90A31C82-9F2C-45D4-89B6-4B24566CCF2C}"/>
-    <dgm:cxn modelId="{DDE1E562-757E-41ED-8919-2F695DEFB7C4}" srcId="{DD847369-FD52-47A4-9862-6E0F26E8356D}" destId="{B23AB487-D1FB-45C8-ACD1-3EF47C2B535D}" srcOrd="0" destOrd="0" parTransId="{F399338F-1119-44B6-94F9-8F982ED25E8E}" sibTransId="{BCD5F139-66EC-4467-A91E-91B4B0B55E2A}"/>
-    <dgm:cxn modelId="{F0D4F50D-5A17-422C-8331-D8004DD48F14}" srcId="{28621352-D8C8-4462-A38B-5ED8DAECF65B}" destId="{F6891DC3-F7D4-4219-BD99-E633DF7F9C99}" srcOrd="0" destOrd="0" parTransId="{1B245E6A-BCBD-4310-AB1B-65FCE10DA84E}" sibTransId="{1D2F8BD6-4E8D-44E7-BB11-49A85F68390E}"/>
+    <dgm:cxn modelId="{AE3650D8-4F2F-426C-AB7C-8E557E497AC9}" srcId="{46D51864-616F-4817-8F91-3E15814C4CD5}" destId="{FF08B318-A1F3-47F2-AD3F-C9F8A0F96034}" srcOrd="3" destOrd="0" parTransId="{43FC54AC-4833-4786-BCFA-D5B98D91A7B6}" sibTransId="{DD8AA6AF-2AA6-41F8-912C-3C0B383B8B0E}"/>
     <dgm:cxn modelId="{DE7C114A-5D95-4AB1-A562-C2B1FD9E901A}" srcId="{F6891DC3-F7D4-4219-BD99-E633DF7F9C99}" destId="{816B1F66-B04D-4168-AAC9-603B902502B3}" srcOrd="1" destOrd="0" parTransId="{728F8BA7-57D2-4913-B32E-AE62413F9E2B}" sibTransId="{3C12FBF5-0681-465A-9A7B-7EBA11521D14}"/>
-    <dgm:cxn modelId="{C7B12F29-6D9C-4F55-B0B4-0C52E4894C4D}" srcId="{C450AFBD-D19E-4FDA-929B-E1A653D8E4DD}" destId="{CF9922EE-48BF-4D32-9CA3-D69D0E77782E}" srcOrd="2" destOrd="0" parTransId="{76B7A7CB-BEA7-4835-8CFB-5DE74BC2A803}" sibTransId="{A2A6269D-5DD5-43D6-9B36-4E362826A8F1}"/>
-    <dgm:cxn modelId="{325076B5-CAF0-4A95-8C9C-B4FA4C794795}" srcId="{28621352-D8C8-4462-A38B-5ED8DAECF65B}" destId="{DD847369-FD52-47A4-9862-6E0F26E8356D}" srcOrd="1" destOrd="0" parTransId="{68F9C435-6FFD-40A0-A071-F2D05C6DAF67}" sibTransId="{6B1F0A42-3C88-4789-98FD-E29CD4BA95FC}"/>
-    <dgm:cxn modelId="{D8120A4F-36C0-498E-B77B-E8488B038205}" srcId="{DD847369-FD52-47A4-9862-6E0F26E8356D}" destId="{AB43DDEF-3FFD-405C-969F-A5205E771909}" srcOrd="3" destOrd="0" parTransId="{CF1E8733-F25C-4585-B628-A590A4D497A3}" sibTransId="{36FE620E-EFB1-4CF7-8C13-D054A4C42142}"/>
-    <dgm:cxn modelId="{7EC4CCEE-A36A-43C6-95E1-0480A1BAEE8F}" srcId="{C450AFBD-D19E-4FDA-929B-E1A653D8E4DD}" destId="{85C598A0-BCCA-4BF4-BD0C-322094E95D20}" srcOrd="0" destOrd="0" parTransId="{DF9A3197-7551-4AB0-9864-A3DFF256CB2F}" sibTransId="{F8D97D87-512C-42B0-8BCF-6EB0500ECB4A}"/>
-    <dgm:cxn modelId="{60758F71-4054-4347-A92D-998683F1C3A7}" type="presOf" srcId="{0E334188-9FCE-4754-B766-F6DCF898A424}" destId="{D4B29F39-5BA6-449A-B2B8-4D84BC4B354D}" srcOrd="0" destOrd="3" presId="urn:microsoft.com/office/officeart/2005/8/layout/vList2"/>
-    <dgm:cxn modelId="{971BCDC8-037B-4F8F-BDF3-31E529D82B42}" type="presOf" srcId="{69A1D6D1-C5A0-40C0-8829-3DCBB2A1EA06}" destId="{4174C60E-95CC-4882-BEA6-891F2F81F245}" srcOrd="0" destOrd="0" presId="urn:microsoft.com/office/officeart/2005/8/layout/vList2"/>
-    <dgm:cxn modelId="{97540CCD-B544-4F38-8A09-A8D2A24C4BBA}" type="presOf" srcId="{15B62DB7-1781-4712-8CB4-4612F4004CF9}" destId="{4174C60E-95CC-4882-BEA6-891F2F81F245}" srcOrd="0" destOrd="1" presId="urn:microsoft.com/office/officeart/2005/8/layout/vList2"/>
-    <dgm:cxn modelId="{A908B9C3-771B-41EB-AB29-5D8297E093E1}" type="presOf" srcId="{85C598A0-BCCA-4BF4-BD0C-322094E95D20}" destId="{D4B29F39-5BA6-449A-B2B8-4D84BC4B354D}" srcOrd="0" destOrd="0" presId="urn:microsoft.com/office/officeart/2005/8/layout/vList2"/>
-    <dgm:cxn modelId="{0044EA7D-13E5-4640-A487-DF7086EF3ECE}" type="presOf" srcId="{F1D3B8A7-F18E-466C-B04E-4F86C1E71632}" destId="{86C6E5DC-91FE-4393-97EC-0E63A588CCA8}" srcOrd="0" destOrd="2" presId="urn:microsoft.com/office/officeart/2005/8/layout/vList2"/>
-    <dgm:cxn modelId="{27AB5765-8A9D-4C63-A79E-37E0CC419524}" type="presOf" srcId="{B23AB487-D1FB-45C8-ACD1-3EF47C2B535D}" destId="{86C6E5DC-91FE-4393-97EC-0E63A588CCA8}" srcOrd="0" destOrd="0" presId="urn:microsoft.com/office/officeart/2005/8/layout/vList2"/>
-    <dgm:cxn modelId="{C5BE2439-39A8-47ED-9B5D-61B39BE555F8}" srcId="{28621352-D8C8-4462-A38B-5ED8DAECF65B}" destId="{C450AFBD-D19E-4FDA-929B-E1A653D8E4DD}" srcOrd="2" destOrd="0" parTransId="{3858CD50-7509-4A20-82C1-6C76A3301DC4}" sibTransId="{2DC09692-DC74-4E8D-B681-71C50902EB56}"/>
-    <dgm:cxn modelId="{F8FC9519-21BC-4D9B-A3DD-05A3CB4F1842}" srcId="{46D51864-616F-4817-8F91-3E15814C4CD5}" destId="{69A1D6D1-C5A0-40C0-8829-3DCBB2A1EA06}" srcOrd="0" destOrd="0" parTransId="{0EE2AA90-1017-41D1-A5FF-5DB26507CBC1}" sibTransId="{F2EEB5D0-099E-4B95-BE4F-891C57129C67}"/>
-    <dgm:cxn modelId="{6E64ED66-4F46-4C8D-8C75-A970872A44CB}" type="presOf" srcId="{DD847369-FD52-47A4-9862-6E0F26E8356D}" destId="{3598399E-EEC9-4846-AE6F-2A815FA52A1A}" srcOrd="0" destOrd="0" presId="urn:microsoft.com/office/officeart/2005/8/layout/vList2"/>
-    <dgm:cxn modelId="{8526E3F5-25F8-4704-B058-78E3FE5EB49A}" srcId="{DD847369-FD52-47A4-9862-6E0F26E8356D}" destId="{02FBB906-BA58-41E9-8AD3-696CDF33B717}" srcOrd="1" destOrd="0" parTransId="{B5AFC2B3-D52C-48AE-8F7A-36242B2BAFB5}" sibTransId="{CF70BE40-2BC0-48DF-8F64-CC537DE7C180}"/>
-    <dgm:cxn modelId="{5FB863EE-1950-496B-8FF6-A06CB4BCC373}" srcId="{46D51864-616F-4817-8F91-3E15814C4CD5}" destId="{F67643B1-22DC-47B4-B3B5-BF746A707484}" srcOrd="2" destOrd="0" parTransId="{8BDF7434-6C4C-4F44-B49E-8CEB0F7057E5}" sibTransId="{46B476B1-E80F-4347-839F-665DE47D6FA7}"/>
-    <dgm:cxn modelId="{C97EDC3C-F975-4058-9CA6-846C8132FD7D}" type="presOf" srcId="{F6891DC3-F7D4-4219-BD99-E633DF7F9C99}" destId="{A95D184C-E14B-4F00-909E-013D2800488D}" srcOrd="0" destOrd="0" presId="urn:microsoft.com/office/officeart/2005/8/layout/vList2"/>
-    <dgm:cxn modelId="{A0919315-A5D4-4BEF-A0E9-A2CC0CC68EEE}" type="presOf" srcId="{673CF87C-3FEE-4570-BD3C-45251C8860E1}" destId="{D4B29F39-5BA6-449A-B2B8-4D84BC4B354D}" srcOrd="0" destOrd="1" presId="urn:microsoft.com/office/officeart/2005/8/layout/vList2"/>
-    <dgm:cxn modelId="{AE3650D8-4F2F-426C-AB7C-8E557E497AC9}" srcId="{46D51864-616F-4817-8F91-3E15814C4CD5}" destId="{FF08B318-A1F3-47F2-AD3F-C9F8A0F96034}" srcOrd="3" destOrd="0" parTransId="{43FC54AC-4833-4786-BCFA-D5B98D91A7B6}" sibTransId="{DD8AA6AF-2AA6-41F8-912C-3C0B383B8B0E}"/>
-    <dgm:cxn modelId="{BECF50C3-DFE3-45EE-B065-429FEFFFDC49}" type="presOf" srcId="{02FBB906-BA58-41E9-8AD3-696CDF33B717}" destId="{86C6E5DC-91FE-4393-97EC-0E63A588CCA8}" srcOrd="0" destOrd="1" presId="urn:microsoft.com/office/officeart/2005/8/layout/vList2"/>
-    <dgm:cxn modelId="{7479DAAC-2B8D-4A7A-9DE1-A0F98C7C7923}" type="presOf" srcId="{AB43DDEF-3FFD-405C-969F-A5205E771909}" destId="{86C6E5DC-91FE-4393-97EC-0E63A588CCA8}" srcOrd="0" destOrd="3" presId="urn:microsoft.com/office/officeart/2005/8/layout/vList2"/>
     <dgm:cxn modelId="{0D99D7EC-2C52-4117-9916-E3839DD40697}" type="presParOf" srcId="{F9B833AD-177B-47A7-A8A2-CC5864175494}" destId="{A95D184C-E14B-4F00-909E-013D2800488D}" srcOrd="0" destOrd="0" presId="urn:microsoft.com/office/officeart/2005/8/layout/vList2"/>
     <dgm:cxn modelId="{ABE203F6-5A3D-41CA-B1E1-46B40234097C}" type="presParOf" srcId="{F9B833AD-177B-47A7-A8A2-CC5864175494}" destId="{3DA3C54A-443E-4079-8FD8-03835498A313}" srcOrd="1" destOrd="0" presId="urn:microsoft.com/office/officeart/2005/8/layout/vList2"/>
     <dgm:cxn modelId="{85722904-6A2E-4C3E-AA6C-BD7E0AF853CB}" type="presParOf" srcId="{F9B833AD-177B-47A7-A8A2-CC5864175494}" destId="{3598399E-EEC9-4846-AE6F-2A815FA52A1A}" srcOrd="2" destOrd="0" presId="urn:microsoft.com/office/officeart/2005/8/layout/vList2"/>
@@ -27822,23 +27822,14 @@
             <a:pPr lvl="1"/>
             <a:r>
               <a:rPr lang="es-AR" dirty="0" smtClean="0"/>
-              <a:t>Determinación de nodos con salidas </a:t>
-            </a:r>
+              <a:t>Determinación de nodos con salidas erróneas.</a:t>
+            </a:r>
+          </a:p>
+          <a:p>
+            <a:pPr lvl="1"/>
             <a:r>
               <a:rPr lang="es-AR" dirty="0" smtClean="0"/>
-              <a:t>erróneas.</a:t>
-            </a:r>
-            <a:endParaRPr lang="es-AR" dirty="0" smtClean="0"/>
-          </a:p>
-          <a:p>
-            <a:pPr lvl="1"/>
-            <a:r>
-              <a:rPr lang="es-AR" dirty="0" smtClean="0"/>
-              <a:t>Determinación de la duración </a:t>
-            </a:r>
-            <a:r>
-              <a:rPr lang="es-AR" dirty="0" smtClean="0"/>
-              <a:t>del evento.</a:t>
+              <a:t>Determinación de la duración del evento.</a:t>
             </a:r>
           </a:p>
           <a:p>
@@ -27881,11 +27872,7 @@
             <a:pPr lvl="1"/>
             <a:r>
               <a:rPr lang="es-AR" dirty="0" smtClean="0"/>
-              <a:t>Generación e importación automática de </a:t>
-            </a:r>
-            <a:r>
-              <a:rPr lang="es-AR" dirty="0" smtClean="0"/>
-              <a:t>tablas.</a:t>
+              <a:t>Generación e importación automática de tablas.</a:t>
             </a:r>
             <a:endParaRPr lang="es-AR" dirty="0"/>
           </a:p>
@@ -28066,16 +28053,52 @@
         <p:spPr>
           <a:xfrm>
             <a:off x="457199" y="1600201"/>
-            <a:ext cx="1234481" cy="1180727"/>
+            <a:ext cx="4762873" cy="2476871"/>
           </a:xfrm>
         </p:spPr>
         <p:txBody>
-          <a:bodyPr/>
+          <a:bodyPr>
+            <a:normAutofit fontScale="70000" lnSpcReduction="20000"/>
+          </a:bodyPr>
           <a:lstStyle/>
           <a:p>
             <a:r>
-              <a:rPr lang="es-AR" dirty="0" err="1" smtClean="0"/>
-              <a:t>aa</a:t>
+              <a:rPr lang="es-AR" dirty="0" smtClean="0"/>
+              <a:t>Falla tipo trapezoidal:</a:t>
+            </a:r>
+          </a:p>
+          <a:p>
+            <a:pPr lvl="1"/>
+            <a:r>
+              <a:rPr lang="es-AR" dirty="0" smtClean="0"/>
+              <a:t>Genera mayor cantidad de errores.</a:t>
+            </a:r>
+          </a:p>
+          <a:p>
+            <a:pPr lvl="1"/>
+            <a:r>
+              <a:rPr lang="es-AR" dirty="0" smtClean="0"/>
+              <a:t>Afecta en mayor medida a transistores PMOS.</a:t>
+            </a:r>
+          </a:p>
+          <a:p>
+            <a:pPr lvl="1"/>
+            <a:r>
+              <a:rPr lang="es-AR" dirty="0" smtClean="0"/>
+              <a:t>Genera mayor perturbación en el equilibrio de las corrientes de los nodos afectados.</a:t>
+            </a:r>
+          </a:p>
+          <a:p>
+            <a:r>
+              <a:rPr lang="es-AR" dirty="0" smtClean="0"/>
+              <a:t>Falla tipo exponencial:</a:t>
+            </a:r>
+          </a:p>
+          <a:p>
+            <a:pPr lvl="1"/>
+            <a:r>
+              <a:rPr lang="es-AR" dirty="0" smtClean="0"/>
+              <a:t>Afecta en mayor medida a los transistores tipo NMOS.</a:t>
             </a:r>
             <a:endParaRPr lang="es-AR" dirty="0"/>
           </a:p>
@@ -28215,17 +28238,67 @@
         </p:nvSpPr>
         <p:spPr>
           <a:xfrm>
-            <a:off x="179512" y="1628800"/>
-            <a:ext cx="1810545" cy="1612775"/>
+            <a:off x="107504" y="1556792"/>
+            <a:ext cx="4248472" cy="2808312"/>
           </a:xfrm>
         </p:spPr>
         <p:txBody>
-          <a:bodyPr/>
+          <a:bodyPr>
+            <a:normAutofit fontScale="62500" lnSpcReduction="20000"/>
+          </a:bodyPr>
           <a:lstStyle/>
           <a:p>
             <a:r>
               <a:rPr lang="es-AR" dirty="0" smtClean="0"/>
-              <a:t>ad</a:t>
+              <a:t>La cantidad de errores aumenta con:</a:t>
+            </a:r>
+          </a:p>
+          <a:p>
+            <a:pPr lvl="1"/>
+            <a:r>
+              <a:rPr lang="es-AR" dirty="0" smtClean="0"/>
+              <a:t>Aumento de la tensión de entrada.</a:t>
+            </a:r>
+          </a:p>
+          <a:p>
+            <a:pPr lvl="1"/>
+            <a:r>
+              <a:rPr lang="es-AR" dirty="0" smtClean="0"/>
+              <a:t>Trapezoidal: Acelerado y lineal.</a:t>
+            </a:r>
+          </a:p>
+          <a:p>
+            <a:pPr lvl="1"/>
+            <a:r>
+              <a:rPr lang="es-AR" dirty="0" smtClean="0"/>
+              <a:t>Exponencial: Lento y escalonado.</a:t>
+            </a:r>
+          </a:p>
+          <a:p>
+            <a:pPr lvl="1"/>
+            <a:endParaRPr lang="es-AR" dirty="0" smtClean="0"/>
+          </a:p>
+          <a:p>
+            <a:r>
+              <a:rPr lang="es-AR" dirty="0" smtClean="0"/>
+              <a:t>Y disminuye con:</a:t>
+            </a:r>
+          </a:p>
+          <a:p>
+            <a:pPr lvl="1"/>
+            <a:r>
+              <a:rPr lang="es-AR" dirty="0" smtClean="0"/>
+              <a:t>Aumento en el comparador inyectado (aumento la tensión de referencia conectado a él).</a:t>
+            </a:r>
+          </a:p>
+          <a:p>
+            <a:pPr lvl="1"/>
+            <a:endParaRPr lang="es-AR" dirty="0" smtClean="0"/>
+          </a:p>
+          <a:p>
+            <a:r>
+              <a:rPr lang="es-AR" dirty="0" smtClean="0"/>
+              <a:t>Comparador 32 no posee lógica conectada a su salida.</a:t>
             </a:r>
             <a:endParaRPr lang="es-AR" dirty="0"/>
           </a:p>
@@ -28334,13 +28407,106 @@
         </p:nvSpPr>
         <p:spPr>
           <a:xfrm>
-            <a:off x="4572000" y="4077072"/>
-            <a:ext cx="4536504" cy="2736304"/>
+            <a:off x="4499992" y="4077072"/>
+            <a:ext cx="4608512" cy="2736304"/>
           </a:xfrm>
         </p:spPr>
         <p:txBody>
-          <a:bodyPr/>
+          <a:bodyPr>
+            <a:normAutofit fontScale="55000" lnSpcReduction="20000"/>
+          </a:bodyPr>
           <a:lstStyle/>
+          <a:p>
+            <a:r>
+              <a:rPr lang="es-AR" dirty="0" smtClean="0"/>
+              <a:t>El nodo NDOUT_P (transistor M12) </a:t>
+            </a:r>
+            <a:r>
+              <a:rPr lang="es-AR" dirty="0"/>
+              <a:t>es el nodo más sensible del </a:t>
+            </a:r>
+            <a:r>
+              <a:rPr lang="es-AR" dirty="0" smtClean="0"/>
+              <a:t>circuito</a:t>
+            </a:r>
+          </a:p>
+          <a:p>
+            <a:r>
+              <a:rPr lang="es-AR" dirty="0" smtClean="0"/>
+              <a:t>El nodo NDNEG_P </a:t>
+            </a:r>
+            <a:r>
+              <a:rPr lang="es-AR" dirty="0"/>
+              <a:t>(transistor M3) es el menos sensible del </a:t>
+            </a:r>
+            <a:r>
+              <a:rPr lang="es-AR" dirty="0" smtClean="0"/>
+              <a:t>circuito</a:t>
+            </a:r>
+          </a:p>
+          <a:p>
+            <a:r>
+              <a:rPr lang="es-AR" dirty="0" smtClean="0"/>
+              <a:t>Bit MSB:</a:t>
+            </a:r>
+          </a:p>
+          <a:p>
+            <a:pPr lvl="1"/>
+            <a:r>
+              <a:rPr lang="es-AR" dirty="0" smtClean="0"/>
+              <a:t>El total de las fallas exponenciales repercutieron en él.</a:t>
+            </a:r>
+          </a:p>
+          <a:p>
+            <a:pPr lvl="1"/>
+            <a:r>
+              <a:rPr lang="es-AR" dirty="0" smtClean="0"/>
+              <a:t>No posee lógica </a:t>
+            </a:r>
+            <a:r>
+              <a:rPr lang="es-AR" dirty="0" err="1" smtClean="0"/>
+              <a:t>combinacional</a:t>
+            </a:r>
+            <a:r>
+              <a:rPr lang="es-AR" dirty="0" smtClean="0"/>
+              <a:t> adherida.</a:t>
+            </a:r>
+          </a:p>
+          <a:p>
+            <a:pPr lvl="1"/>
+            <a:endParaRPr lang="es-AR" dirty="0" smtClean="0"/>
+          </a:p>
+          <a:p>
+            <a:r>
+              <a:rPr lang="es-AR" dirty="0" smtClean="0"/>
+              <a:t>Bit LSB:</a:t>
+            </a:r>
+          </a:p>
+          <a:p>
+            <a:pPr lvl="1"/>
+            <a:r>
+              <a:rPr lang="es-AR" dirty="0" smtClean="0"/>
+              <a:t>El bit con mayor cantidad de fallas.</a:t>
+            </a:r>
+          </a:p>
+          <a:p>
+            <a:pPr lvl="1"/>
+            <a:endParaRPr lang="es-AR" dirty="0" smtClean="0"/>
+          </a:p>
+          <a:p>
+            <a:r>
+              <a:rPr lang="es-AR" dirty="0" smtClean="0"/>
+              <a:t>La lógica </a:t>
+            </a:r>
+            <a:r>
+              <a:rPr lang="es-AR" dirty="0" err="1" smtClean="0"/>
+              <a:t>combinacional</a:t>
+            </a:r>
+            <a:r>
+              <a:rPr lang="es-AR" dirty="0" smtClean="0"/>
+              <a:t> provee un efecto de filtrado .</a:t>
+            </a:r>
+          </a:p>
           <a:p>
             <a:endParaRPr lang="es-AR" dirty="0"/>
           </a:p>
@@ -28463,17 +28629,69 @@
         <p:spPr>
           <a:xfrm>
             <a:off x="107504" y="1600201"/>
-            <a:ext cx="8928991" cy="2215443"/>
+            <a:ext cx="8928991" cy="2260847"/>
           </a:xfrm>
         </p:spPr>
         <p:txBody>
-          <a:bodyPr/>
+          <a:bodyPr>
+            <a:normAutofit fontScale="77500" lnSpcReduction="20000"/>
+          </a:bodyPr>
           <a:lstStyle/>
           <a:p>
-            <a:r>
-              <a:rPr lang="en-US" smtClean="0"/>
-              <a:t>g</a:t>
-            </a:r>
+            <a:pPr lvl="0"/>
+            <a:r>
+              <a:rPr lang="es-AR" dirty="0" smtClean="0"/>
+              <a:t>Consideraciones para el análisis:</a:t>
+            </a:r>
+          </a:p>
+          <a:p>
+            <a:pPr lvl="1"/>
+            <a:r>
+              <a:rPr lang="es-AR" dirty="0" smtClean="0"/>
+              <a:t>un </a:t>
+            </a:r>
+            <a:r>
+              <a:rPr lang="es-AR" dirty="0"/>
+              <a:t>CERO lógico, es todo valor de ‘x’ perteneciente al rango</a:t>
+            </a:r>
+            <a:r>
+              <a:rPr lang="es-AR" dirty="0" smtClean="0"/>
+              <a:t>: - 0.001V &lt;x&lt; 1.001V.*</a:t>
+            </a:r>
+          </a:p>
+          <a:p>
+            <a:pPr lvl="1"/>
+            <a:r>
+              <a:rPr lang="es-AR" dirty="0" smtClean="0"/>
+              <a:t>un </a:t>
+            </a:r>
+            <a:r>
+              <a:rPr lang="es-AR" dirty="0"/>
+              <a:t>UNO lógico, es todo valor de ‘x’ perteneciente al </a:t>
+            </a:r>
+            <a:r>
+              <a:rPr lang="es-AR" dirty="0" smtClean="0"/>
+              <a:t>rango: 2.299V &lt;x&lt; 3.301V.*</a:t>
+            </a:r>
+          </a:p>
+          <a:p>
+            <a:pPr lvl="1"/>
+            <a:r>
+              <a:rPr lang="es-AR" dirty="0" smtClean="0"/>
+              <a:t>un </a:t>
+            </a:r>
+            <a:r>
+              <a:rPr lang="es-AR" dirty="0"/>
+              <a:t>error está considerado como una variación de tensión mantenida por un tiempo mayor a 1ps (para valores menores, el simulador demostró tener problemas para converger).</a:t>
+            </a:r>
+          </a:p>
+          <a:p>
+            <a:pPr marL="118872" indent="0">
+              <a:buNone/>
+            </a:pPr>
+            <a:endParaRPr lang="es-AR" dirty="0"/>
+          </a:p>
+          <a:p>
             <a:endParaRPr lang="es-AR" dirty="0"/>
           </a:p>
         </p:txBody>

--- a/trunk/Documentation/Documentacion/PRESENTACION_FACU.pptx
+++ b/trunk/Documentation/Documentacion/PRESENTACION_FACU.pptx
@@ -618,12 +618,12 @@
         </c:dLbls>
         <c:gapWidth val="75"/>
         <c:shape val="cylinder"/>
-        <c:axId val="82237440"/>
-        <c:axId val="74760768"/>
+        <c:axId val="44288000"/>
+        <c:axId val="44089920"/>
         <c:axId val="0"/>
       </c:bar3DChart>
       <c:catAx>
-        <c:axId val="82237440"/>
+        <c:axId val="44288000"/>
         <c:scaling>
           <c:orientation val="minMax"/>
         </c:scaling>
@@ -633,7 +633,7 @@
         <c:majorTickMark val="none"/>
         <c:minorTickMark val="none"/>
         <c:tickLblPos val="none"/>
-        <c:crossAx val="74760768"/>
+        <c:crossAx val="44089920"/>
         <c:crosses val="autoZero"/>
         <c:auto val="1"/>
         <c:lblAlgn val="ctr"/>
@@ -641,7 +641,7 @@
         <c:noMultiLvlLbl val="0"/>
       </c:catAx>
       <c:valAx>
-        <c:axId val="74760768"/>
+        <c:axId val="44089920"/>
         <c:scaling>
           <c:orientation val="minMax"/>
         </c:scaling>
@@ -657,7 +657,7 @@
             <a:noFill/>
           </a:ln>
         </c:spPr>
-        <c:crossAx val="82237440"/>
+        <c:crossAx val="44288000"/>
         <c:crosses val="autoZero"/>
         <c:crossBetween val="between"/>
       </c:valAx>
@@ -830,12 +830,12 @@
         </c:dLbls>
         <c:gapWidth val="75"/>
         <c:shape val="cylinder"/>
-        <c:axId val="82236928"/>
-        <c:axId val="74762496"/>
+        <c:axId val="44287488"/>
+        <c:axId val="44091648"/>
         <c:axId val="0"/>
       </c:bar3DChart>
       <c:catAx>
-        <c:axId val="82236928"/>
+        <c:axId val="44287488"/>
         <c:scaling>
           <c:orientation val="minMax"/>
         </c:scaling>
@@ -845,7 +845,7 @@
         <c:majorTickMark val="none"/>
         <c:minorTickMark val="none"/>
         <c:tickLblPos val="none"/>
-        <c:crossAx val="74762496"/>
+        <c:crossAx val="44091648"/>
         <c:crosses val="autoZero"/>
         <c:auto val="1"/>
         <c:lblAlgn val="ctr"/>
@@ -853,7 +853,7 @@
         <c:noMultiLvlLbl val="0"/>
       </c:catAx>
       <c:valAx>
-        <c:axId val="74762496"/>
+        <c:axId val="44091648"/>
         <c:scaling>
           <c:orientation val="minMax"/>
         </c:scaling>
@@ -869,7 +869,7 @@
             <a:noFill/>
           </a:ln>
         </c:spPr>
-        <c:crossAx val="82236928"/>
+        <c:crossAx val="44287488"/>
         <c:crosses val="autoZero"/>
         <c:crossBetween val="between"/>
       </c:valAx>
@@ -1883,11 +1883,11 @@
           <c:showPercent val="0"/>
           <c:showBubbleSize val="0"/>
         </c:dLbls>
-        <c:axId val="74764800"/>
-        <c:axId val="74765376"/>
+        <c:axId val="44094528"/>
+        <c:axId val="44095104"/>
       </c:scatterChart>
       <c:valAx>
-        <c:axId val="74764800"/>
+        <c:axId val="44094528"/>
         <c:scaling>
           <c:orientation val="minMax"/>
           <c:max val="1.7"/>
@@ -1927,12 +1927,12 @@
         <c:majorTickMark val="out"/>
         <c:minorTickMark val="none"/>
         <c:tickLblPos val="nextTo"/>
-        <c:crossAx val="74765376"/>
+        <c:crossAx val="44095104"/>
         <c:crosses val="autoZero"/>
         <c:crossBetween val="midCat"/>
       </c:valAx>
       <c:valAx>
-        <c:axId val="74765376"/>
+        <c:axId val="44095104"/>
         <c:scaling>
           <c:orientation val="minMax"/>
         </c:scaling>
@@ -1975,7 +1975,7 @@
         <c:majorTickMark val="out"/>
         <c:minorTickMark val="none"/>
         <c:tickLblPos val="nextTo"/>
-        <c:crossAx val="74764800"/>
+        <c:crossAx val="44094528"/>
         <c:crosses val="autoZero"/>
         <c:crossBetween val="midCat"/>
       </c:valAx>
@@ -2974,11 +2974,11 @@
           <c:showPercent val="0"/>
           <c:showBubbleSize val="0"/>
         </c:dLbls>
-        <c:axId val="74767104"/>
-        <c:axId val="74767680"/>
+        <c:axId val="44096832"/>
+        <c:axId val="45481984"/>
       </c:scatterChart>
       <c:valAx>
-        <c:axId val="74767104"/>
+        <c:axId val="44096832"/>
         <c:scaling>
           <c:orientation val="minMax"/>
           <c:max val="63"/>
@@ -3009,14 +3009,14 @@
         <c:majorTickMark val="out"/>
         <c:minorTickMark val="none"/>
         <c:tickLblPos val="nextTo"/>
-        <c:crossAx val="74767680"/>
+        <c:crossAx val="45481984"/>
         <c:crosses val="autoZero"/>
         <c:crossBetween val="midCat"/>
         <c:majorUnit val="5"/>
         <c:minorUnit val="1"/>
       </c:valAx>
       <c:valAx>
-        <c:axId val="74767680"/>
+        <c:axId val="45481984"/>
         <c:scaling>
           <c:orientation val="minMax"/>
           <c:max val="280"/>
@@ -3049,7 +3049,7 @@
         <c:majorTickMark val="out"/>
         <c:minorTickMark val="none"/>
         <c:tickLblPos val="nextTo"/>
-        <c:crossAx val="74767104"/>
+        <c:crossAx val="44096832"/>
         <c:crosses val="autoZero"/>
         <c:crossBetween val="midCat"/>
       </c:valAx>
@@ -3296,12 +3296,12 @@
         </c:dLbls>
         <c:gapWidth val="150"/>
         <c:shape val="box"/>
-        <c:axId val="90264064"/>
-        <c:axId val="91621056"/>
-        <c:axId val="79721728"/>
+        <c:axId val="45187584"/>
+        <c:axId val="45483712"/>
+        <c:axId val="40466304"/>
       </c:bar3DChart>
       <c:catAx>
-        <c:axId val="90264064"/>
+        <c:axId val="45187584"/>
         <c:scaling>
           <c:orientation val="minMax"/>
         </c:scaling>
@@ -3310,7 +3310,7 @@
         <c:majorTickMark val="none"/>
         <c:minorTickMark val="none"/>
         <c:tickLblPos val="nextTo"/>
-        <c:crossAx val="91621056"/>
+        <c:crossAx val="45483712"/>
         <c:crosses val="autoZero"/>
         <c:auto val="1"/>
         <c:lblAlgn val="ctr"/>
@@ -3318,7 +3318,7 @@
         <c:noMultiLvlLbl val="0"/>
       </c:catAx>
       <c:valAx>
-        <c:axId val="91621056"/>
+        <c:axId val="45483712"/>
         <c:scaling>
           <c:logBase val="10"/>
           <c:orientation val="minMax"/>
@@ -3329,12 +3329,12 @@
         <c:majorTickMark val="none"/>
         <c:minorTickMark val="none"/>
         <c:tickLblPos val="none"/>
-        <c:crossAx val="90264064"/>
+        <c:crossAx val="45187584"/>
         <c:crosses val="autoZero"/>
         <c:crossBetween val="between"/>
       </c:valAx>
       <c:serAx>
-        <c:axId val="79721728"/>
+        <c:axId val="40466304"/>
         <c:scaling>
           <c:orientation val="minMax"/>
         </c:scaling>
@@ -3343,7 +3343,7 @@
         <c:majorTickMark val="none"/>
         <c:minorTickMark val="none"/>
         <c:tickLblPos val="none"/>
-        <c:crossAx val="91621056"/>
+        <c:crossAx val="45483712"/>
         <c:crosses val="autoZero"/>
       </c:serAx>
     </c:plotArea>
@@ -3563,11 +3563,11 @@
           <c:showBubbleSize val="0"/>
         </c:dLbls>
         <c:gapWidth val="150"/>
-        <c:axId val="90264576"/>
-        <c:axId val="91622784"/>
+        <c:axId val="45188096"/>
+        <c:axId val="45485440"/>
       </c:barChart>
       <c:catAx>
-        <c:axId val="90264576"/>
+        <c:axId val="45188096"/>
         <c:scaling>
           <c:orientation val="minMax"/>
         </c:scaling>
@@ -3576,7 +3576,7 @@
         <c:majorTickMark val="none"/>
         <c:minorTickMark val="none"/>
         <c:tickLblPos val="nextTo"/>
-        <c:crossAx val="91622784"/>
+        <c:crossAx val="45485440"/>
         <c:crosses val="autoZero"/>
         <c:auto val="1"/>
         <c:lblAlgn val="ctr"/>
@@ -3584,7 +3584,7 @@
         <c:noMultiLvlLbl val="0"/>
       </c:catAx>
       <c:valAx>
-        <c:axId val="91622784"/>
+        <c:axId val="45485440"/>
         <c:scaling>
           <c:orientation val="minMax"/>
         </c:scaling>
@@ -3595,7 +3595,7 @@
         <c:majorTickMark val="none"/>
         <c:minorTickMark val="none"/>
         <c:tickLblPos val="nextTo"/>
-        <c:crossAx val="90264576"/>
+        <c:crossAx val="45188096"/>
         <c:crosses val="autoZero"/>
         <c:crossBetween val="between"/>
       </c:valAx>
@@ -7333,43 +7333,43 @@
     </dgm:pt>
   </dgm:ptLst>
   <dgm:cxnLst>
+    <dgm:cxn modelId="{A8DDEF6F-4A41-4E35-AE4A-47B863F39A6C}" type="presOf" srcId="{46D51864-616F-4817-8F91-3E15814C4CD5}" destId="{754C3953-3803-4D78-ABC9-4560C428F027}" srcOrd="0" destOrd="0" presId="urn:microsoft.com/office/officeart/2005/8/layout/vList2"/>
+    <dgm:cxn modelId="{4A7813FD-937C-452B-AF75-7E94AB313993}" srcId="{DD847369-FD52-47A4-9862-6E0F26E8356D}" destId="{F1D3B8A7-F18E-466C-B04E-4F86C1E71632}" srcOrd="2" destOrd="0" parTransId="{6FCD00B0-9AC7-4A2C-990E-1455B980BE4B}" sibTransId="{7FF16688-7ACE-4FBA-88B5-A9A16CC61368}"/>
+    <dgm:cxn modelId="{DFCB5525-E174-4B2A-ADBB-B3D93E2D2A6C}" srcId="{28621352-D8C8-4462-A38B-5ED8DAECF65B}" destId="{46D51864-616F-4817-8F91-3E15814C4CD5}" srcOrd="3" destOrd="0" parTransId="{E2AE9E1E-E0FB-47DC-9337-191CB5B936CB}" sibTransId="{E9DF6DF7-3E08-45C9-8B8E-841EA30C8B33}"/>
+    <dgm:cxn modelId="{8E521032-63AF-4CE3-9A66-652C6C42682D}" type="presOf" srcId="{816B1F66-B04D-4168-AAC9-603B902502B3}" destId="{3DA3C54A-443E-4079-8FD8-03835498A313}" srcOrd="0" destOrd="1" presId="urn:microsoft.com/office/officeart/2005/8/layout/vList2"/>
+    <dgm:cxn modelId="{75A700D1-D7CB-41CD-B519-B5A9ADE122C1}" srcId="{C450AFBD-D19E-4FDA-929B-E1A653D8E4DD}" destId="{673CF87C-3FEE-4570-BD3C-45251C8860E1}" srcOrd="1" destOrd="0" parTransId="{DAEA0810-607E-42AF-AB88-4ADDF9190089}" sibTransId="{E0947DC1-3396-42B3-9CAF-49A98E26AA74}"/>
+    <dgm:cxn modelId="{17EC2E80-063A-4284-B5F7-5B460FC430DD}" type="presOf" srcId="{28621352-D8C8-4462-A38B-5ED8DAECF65B}" destId="{F9B833AD-177B-47A7-A8A2-CC5864175494}" srcOrd="0" destOrd="0" presId="urn:microsoft.com/office/officeart/2005/8/layout/vList2"/>
+    <dgm:cxn modelId="{59DC16B1-1AD8-4E5A-9DFB-056D13E468D6}" type="presOf" srcId="{FF08B318-A1F3-47F2-AD3F-C9F8A0F96034}" destId="{4174C60E-95CC-4882-BEA6-891F2F81F245}" srcOrd="0" destOrd="3" presId="urn:microsoft.com/office/officeart/2005/8/layout/vList2"/>
+    <dgm:cxn modelId="{F5607497-5D8D-46CE-AA54-88A7EA07FD9A}" type="presOf" srcId="{CF9922EE-48BF-4D32-9CA3-D69D0E77782E}" destId="{D4B29F39-5BA6-449A-B2B8-4D84BC4B354D}" srcOrd="0" destOrd="2" presId="urn:microsoft.com/office/officeart/2005/8/layout/vList2"/>
+    <dgm:cxn modelId="{1B2F4A6A-C043-4023-88D6-A1926ECC69A4}" srcId="{F6891DC3-F7D4-4219-BD99-E633DF7F9C99}" destId="{0C38124E-1BE8-4699-A409-7E5EBEFC0B05}" srcOrd="0" destOrd="0" parTransId="{DE70DA72-A786-427A-941B-FDB83111C9ED}" sibTransId="{3D61EFA4-1337-4488-B664-71047F49B8E8}"/>
+    <dgm:cxn modelId="{28A22959-2AC1-4283-8BF7-F15075D49AA4}" type="presOf" srcId="{C450AFBD-D19E-4FDA-929B-E1A653D8E4DD}" destId="{3C75DF9A-6800-46C6-AFE7-9345250C9E19}" srcOrd="0" destOrd="0" presId="urn:microsoft.com/office/officeart/2005/8/layout/vList2"/>
+    <dgm:cxn modelId="{23EF09F3-584C-4A0E-A954-D608F0381D33}" type="presOf" srcId="{F67643B1-22DC-47B4-B3B5-BF746A707484}" destId="{4174C60E-95CC-4882-BEA6-891F2F81F245}" srcOrd="0" destOrd="2" presId="urn:microsoft.com/office/officeart/2005/8/layout/vList2"/>
+    <dgm:cxn modelId="{4BB9627F-6082-491F-9A31-E331F47FDE94}" srcId="{C450AFBD-D19E-4FDA-929B-E1A653D8E4DD}" destId="{0E334188-9FCE-4754-B766-F6DCF898A424}" srcOrd="3" destOrd="0" parTransId="{1A72B2DE-87F8-47D1-9593-AD23C65AF2C5}" sibTransId="{1205E850-218F-42F4-8FB7-F49F93547ED8}"/>
+    <dgm:cxn modelId="{518902F6-C000-4ED1-B07D-7869545DF19F}" type="presOf" srcId="{0C38124E-1BE8-4699-A409-7E5EBEFC0B05}" destId="{3DA3C54A-443E-4079-8FD8-03835498A313}" srcOrd="0" destOrd="0" presId="urn:microsoft.com/office/officeart/2005/8/layout/vList2"/>
+    <dgm:cxn modelId="{9977EA1B-9B74-4F59-A2D5-51A779991AD8}" srcId="{46D51864-616F-4817-8F91-3E15814C4CD5}" destId="{15B62DB7-1781-4712-8CB4-4612F4004CF9}" srcOrd="1" destOrd="0" parTransId="{7F360CA1-E9E5-4774-B5E6-7BD4C2281884}" sibTransId="{90A31C82-9F2C-45D4-89B6-4B24566CCF2C}"/>
+    <dgm:cxn modelId="{DDE1E562-757E-41ED-8919-2F695DEFB7C4}" srcId="{DD847369-FD52-47A4-9862-6E0F26E8356D}" destId="{B23AB487-D1FB-45C8-ACD1-3EF47C2B535D}" srcOrd="0" destOrd="0" parTransId="{F399338F-1119-44B6-94F9-8F982ED25E8E}" sibTransId="{BCD5F139-66EC-4467-A91E-91B4B0B55E2A}"/>
+    <dgm:cxn modelId="{F0D4F50D-5A17-422C-8331-D8004DD48F14}" srcId="{28621352-D8C8-4462-A38B-5ED8DAECF65B}" destId="{F6891DC3-F7D4-4219-BD99-E633DF7F9C99}" srcOrd="0" destOrd="0" parTransId="{1B245E6A-BCBD-4310-AB1B-65FCE10DA84E}" sibTransId="{1D2F8BD6-4E8D-44E7-BB11-49A85F68390E}"/>
+    <dgm:cxn modelId="{DE7C114A-5D95-4AB1-A562-C2B1FD9E901A}" srcId="{F6891DC3-F7D4-4219-BD99-E633DF7F9C99}" destId="{816B1F66-B04D-4168-AAC9-603B902502B3}" srcOrd="1" destOrd="0" parTransId="{728F8BA7-57D2-4913-B32E-AE62413F9E2B}" sibTransId="{3C12FBF5-0681-465A-9A7B-7EBA11521D14}"/>
+    <dgm:cxn modelId="{C7B12F29-6D9C-4F55-B0B4-0C52E4894C4D}" srcId="{C450AFBD-D19E-4FDA-929B-E1A653D8E4DD}" destId="{CF9922EE-48BF-4D32-9CA3-D69D0E77782E}" srcOrd="2" destOrd="0" parTransId="{76B7A7CB-BEA7-4835-8CFB-5DE74BC2A803}" sibTransId="{A2A6269D-5DD5-43D6-9B36-4E362826A8F1}"/>
+    <dgm:cxn modelId="{325076B5-CAF0-4A95-8C9C-B4FA4C794795}" srcId="{28621352-D8C8-4462-A38B-5ED8DAECF65B}" destId="{DD847369-FD52-47A4-9862-6E0F26E8356D}" srcOrd="1" destOrd="0" parTransId="{68F9C435-6FFD-40A0-A071-F2D05C6DAF67}" sibTransId="{6B1F0A42-3C88-4789-98FD-E29CD4BA95FC}"/>
+    <dgm:cxn modelId="{D8120A4F-36C0-498E-B77B-E8488B038205}" srcId="{DD847369-FD52-47A4-9862-6E0F26E8356D}" destId="{AB43DDEF-3FFD-405C-969F-A5205E771909}" srcOrd="3" destOrd="0" parTransId="{CF1E8733-F25C-4585-B628-A590A4D497A3}" sibTransId="{36FE620E-EFB1-4CF7-8C13-D054A4C42142}"/>
+    <dgm:cxn modelId="{7EC4CCEE-A36A-43C6-95E1-0480A1BAEE8F}" srcId="{C450AFBD-D19E-4FDA-929B-E1A653D8E4DD}" destId="{85C598A0-BCCA-4BF4-BD0C-322094E95D20}" srcOrd="0" destOrd="0" parTransId="{DF9A3197-7551-4AB0-9864-A3DFF256CB2F}" sibTransId="{F8D97D87-512C-42B0-8BCF-6EB0500ECB4A}"/>
+    <dgm:cxn modelId="{60758F71-4054-4347-A92D-998683F1C3A7}" type="presOf" srcId="{0E334188-9FCE-4754-B766-F6DCF898A424}" destId="{D4B29F39-5BA6-449A-B2B8-4D84BC4B354D}" srcOrd="0" destOrd="3" presId="urn:microsoft.com/office/officeart/2005/8/layout/vList2"/>
+    <dgm:cxn modelId="{971BCDC8-037B-4F8F-BDF3-31E529D82B42}" type="presOf" srcId="{69A1D6D1-C5A0-40C0-8829-3DCBB2A1EA06}" destId="{4174C60E-95CC-4882-BEA6-891F2F81F245}" srcOrd="0" destOrd="0" presId="urn:microsoft.com/office/officeart/2005/8/layout/vList2"/>
+    <dgm:cxn modelId="{97540CCD-B544-4F38-8A09-A8D2A24C4BBA}" type="presOf" srcId="{15B62DB7-1781-4712-8CB4-4612F4004CF9}" destId="{4174C60E-95CC-4882-BEA6-891F2F81F245}" srcOrd="0" destOrd="1" presId="urn:microsoft.com/office/officeart/2005/8/layout/vList2"/>
+    <dgm:cxn modelId="{A908B9C3-771B-41EB-AB29-5D8297E093E1}" type="presOf" srcId="{85C598A0-BCCA-4BF4-BD0C-322094E95D20}" destId="{D4B29F39-5BA6-449A-B2B8-4D84BC4B354D}" srcOrd="0" destOrd="0" presId="urn:microsoft.com/office/officeart/2005/8/layout/vList2"/>
+    <dgm:cxn modelId="{0044EA7D-13E5-4640-A487-DF7086EF3ECE}" type="presOf" srcId="{F1D3B8A7-F18E-466C-B04E-4F86C1E71632}" destId="{86C6E5DC-91FE-4393-97EC-0E63A588CCA8}" srcOrd="0" destOrd="2" presId="urn:microsoft.com/office/officeart/2005/8/layout/vList2"/>
+    <dgm:cxn modelId="{27AB5765-8A9D-4C63-A79E-37E0CC419524}" type="presOf" srcId="{B23AB487-D1FB-45C8-ACD1-3EF47C2B535D}" destId="{86C6E5DC-91FE-4393-97EC-0E63A588CCA8}" srcOrd="0" destOrd="0" presId="urn:microsoft.com/office/officeart/2005/8/layout/vList2"/>
+    <dgm:cxn modelId="{C5BE2439-39A8-47ED-9B5D-61B39BE555F8}" srcId="{28621352-D8C8-4462-A38B-5ED8DAECF65B}" destId="{C450AFBD-D19E-4FDA-929B-E1A653D8E4DD}" srcOrd="2" destOrd="0" parTransId="{3858CD50-7509-4A20-82C1-6C76A3301DC4}" sibTransId="{2DC09692-DC74-4E8D-B681-71C50902EB56}"/>
+    <dgm:cxn modelId="{F8FC9519-21BC-4D9B-A3DD-05A3CB4F1842}" srcId="{46D51864-616F-4817-8F91-3E15814C4CD5}" destId="{69A1D6D1-C5A0-40C0-8829-3DCBB2A1EA06}" srcOrd="0" destOrd="0" parTransId="{0EE2AA90-1017-41D1-A5FF-5DB26507CBC1}" sibTransId="{F2EEB5D0-099E-4B95-BE4F-891C57129C67}"/>
     <dgm:cxn modelId="{6E64ED66-4F46-4C8D-8C75-A970872A44CB}" type="presOf" srcId="{DD847369-FD52-47A4-9862-6E0F26E8356D}" destId="{3598399E-EEC9-4846-AE6F-2A815FA52A1A}" srcOrd="0" destOrd="0" presId="urn:microsoft.com/office/officeart/2005/8/layout/vList2"/>
-    <dgm:cxn modelId="{97540CCD-B544-4F38-8A09-A8D2A24C4BBA}" type="presOf" srcId="{15B62DB7-1781-4712-8CB4-4612F4004CF9}" destId="{4174C60E-95CC-4882-BEA6-891F2F81F245}" srcOrd="0" destOrd="1" presId="urn:microsoft.com/office/officeart/2005/8/layout/vList2"/>
-    <dgm:cxn modelId="{C7B12F29-6D9C-4F55-B0B4-0C52E4894C4D}" srcId="{C450AFBD-D19E-4FDA-929B-E1A653D8E4DD}" destId="{CF9922EE-48BF-4D32-9CA3-D69D0E77782E}" srcOrd="2" destOrd="0" parTransId="{76B7A7CB-BEA7-4835-8CFB-5DE74BC2A803}" sibTransId="{A2A6269D-5DD5-43D6-9B36-4E362826A8F1}"/>
-    <dgm:cxn modelId="{9977EA1B-9B74-4F59-A2D5-51A779991AD8}" srcId="{46D51864-616F-4817-8F91-3E15814C4CD5}" destId="{15B62DB7-1781-4712-8CB4-4612F4004CF9}" srcOrd="1" destOrd="0" parTransId="{7F360CA1-E9E5-4774-B5E6-7BD4C2281884}" sibTransId="{90A31C82-9F2C-45D4-89B6-4B24566CCF2C}"/>
-    <dgm:cxn modelId="{7EC4CCEE-A36A-43C6-95E1-0480A1BAEE8F}" srcId="{C450AFBD-D19E-4FDA-929B-E1A653D8E4DD}" destId="{85C598A0-BCCA-4BF4-BD0C-322094E95D20}" srcOrd="0" destOrd="0" parTransId="{DF9A3197-7551-4AB0-9864-A3DFF256CB2F}" sibTransId="{F8D97D87-512C-42B0-8BCF-6EB0500ECB4A}"/>
-    <dgm:cxn modelId="{DDE1E562-757E-41ED-8919-2F695DEFB7C4}" srcId="{DD847369-FD52-47A4-9862-6E0F26E8356D}" destId="{B23AB487-D1FB-45C8-ACD1-3EF47C2B535D}" srcOrd="0" destOrd="0" parTransId="{F399338F-1119-44B6-94F9-8F982ED25E8E}" sibTransId="{BCD5F139-66EC-4467-A91E-91B4B0B55E2A}"/>
+    <dgm:cxn modelId="{8526E3F5-25F8-4704-B058-78E3FE5EB49A}" srcId="{DD847369-FD52-47A4-9862-6E0F26E8356D}" destId="{02FBB906-BA58-41E9-8AD3-696CDF33B717}" srcOrd="1" destOrd="0" parTransId="{B5AFC2B3-D52C-48AE-8F7A-36242B2BAFB5}" sibTransId="{CF70BE40-2BC0-48DF-8F64-CC537DE7C180}"/>
+    <dgm:cxn modelId="{5FB863EE-1950-496B-8FF6-A06CB4BCC373}" srcId="{46D51864-616F-4817-8F91-3E15814C4CD5}" destId="{F67643B1-22DC-47B4-B3B5-BF746A707484}" srcOrd="2" destOrd="0" parTransId="{8BDF7434-6C4C-4F44-B49E-8CEB0F7057E5}" sibTransId="{46B476B1-E80F-4347-839F-665DE47D6FA7}"/>
+    <dgm:cxn modelId="{C97EDC3C-F975-4058-9CA6-846C8132FD7D}" type="presOf" srcId="{F6891DC3-F7D4-4219-BD99-E633DF7F9C99}" destId="{A95D184C-E14B-4F00-909E-013D2800488D}" srcOrd="0" destOrd="0" presId="urn:microsoft.com/office/officeart/2005/8/layout/vList2"/>
     <dgm:cxn modelId="{A0919315-A5D4-4BEF-A0E9-A2CC0CC68EEE}" type="presOf" srcId="{673CF87C-3FEE-4570-BD3C-45251C8860E1}" destId="{D4B29F39-5BA6-449A-B2B8-4D84BC4B354D}" srcOrd="0" destOrd="1" presId="urn:microsoft.com/office/officeart/2005/8/layout/vList2"/>
+    <dgm:cxn modelId="{AE3650D8-4F2F-426C-AB7C-8E557E497AC9}" srcId="{46D51864-616F-4817-8F91-3E15814C4CD5}" destId="{FF08B318-A1F3-47F2-AD3F-C9F8A0F96034}" srcOrd="3" destOrd="0" parTransId="{43FC54AC-4833-4786-BCFA-D5B98D91A7B6}" sibTransId="{DD8AA6AF-2AA6-41F8-912C-3C0B383B8B0E}"/>
     <dgm:cxn modelId="{BECF50C3-DFE3-45EE-B065-429FEFFFDC49}" type="presOf" srcId="{02FBB906-BA58-41E9-8AD3-696CDF33B717}" destId="{86C6E5DC-91FE-4393-97EC-0E63A588CCA8}" srcOrd="0" destOrd="1" presId="urn:microsoft.com/office/officeart/2005/8/layout/vList2"/>
-    <dgm:cxn modelId="{A908B9C3-771B-41EB-AB29-5D8297E093E1}" type="presOf" srcId="{85C598A0-BCCA-4BF4-BD0C-322094E95D20}" destId="{D4B29F39-5BA6-449A-B2B8-4D84BC4B354D}" srcOrd="0" destOrd="0" presId="urn:microsoft.com/office/officeart/2005/8/layout/vList2"/>
-    <dgm:cxn modelId="{8526E3F5-25F8-4704-B058-78E3FE5EB49A}" srcId="{DD847369-FD52-47A4-9862-6E0F26E8356D}" destId="{02FBB906-BA58-41E9-8AD3-696CDF33B717}" srcOrd="1" destOrd="0" parTransId="{B5AFC2B3-D52C-48AE-8F7A-36242B2BAFB5}" sibTransId="{CF70BE40-2BC0-48DF-8F64-CC537DE7C180}"/>
-    <dgm:cxn modelId="{27AB5765-8A9D-4C63-A79E-37E0CC419524}" type="presOf" srcId="{B23AB487-D1FB-45C8-ACD1-3EF47C2B535D}" destId="{86C6E5DC-91FE-4393-97EC-0E63A588CCA8}" srcOrd="0" destOrd="0" presId="urn:microsoft.com/office/officeart/2005/8/layout/vList2"/>
-    <dgm:cxn modelId="{4BB9627F-6082-491F-9A31-E331F47FDE94}" srcId="{C450AFBD-D19E-4FDA-929B-E1A653D8E4DD}" destId="{0E334188-9FCE-4754-B766-F6DCF898A424}" srcOrd="3" destOrd="0" parTransId="{1A72B2DE-87F8-47D1-9593-AD23C65AF2C5}" sibTransId="{1205E850-218F-42F4-8FB7-F49F93547ED8}"/>
-    <dgm:cxn modelId="{325076B5-CAF0-4A95-8C9C-B4FA4C794795}" srcId="{28621352-D8C8-4462-A38B-5ED8DAECF65B}" destId="{DD847369-FD52-47A4-9862-6E0F26E8356D}" srcOrd="1" destOrd="0" parTransId="{68F9C435-6FFD-40A0-A071-F2D05C6DAF67}" sibTransId="{6B1F0A42-3C88-4789-98FD-E29CD4BA95FC}"/>
     <dgm:cxn modelId="{7479DAAC-2B8D-4A7A-9DE1-A0F98C7C7923}" type="presOf" srcId="{AB43DDEF-3FFD-405C-969F-A5205E771909}" destId="{86C6E5DC-91FE-4393-97EC-0E63A588CCA8}" srcOrd="0" destOrd="3" presId="urn:microsoft.com/office/officeart/2005/8/layout/vList2"/>
-    <dgm:cxn modelId="{1B2F4A6A-C043-4023-88D6-A1926ECC69A4}" srcId="{F6891DC3-F7D4-4219-BD99-E633DF7F9C99}" destId="{0C38124E-1BE8-4699-A409-7E5EBEFC0B05}" srcOrd="0" destOrd="0" parTransId="{DE70DA72-A786-427A-941B-FDB83111C9ED}" sibTransId="{3D61EFA4-1337-4488-B664-71047F49B8E8}"/>
-    <dgm:cxn modelId="{0044EA7D-13E5-4640-A487-DF7086EF3ECE}" type="presOf" srcId="{F1D3B8A7-F18E-466C-B04E-4F86C1E71632}" destId="{86C6E5DC-91FE-4393-97EC-0E63A588CCA8}" srcOrd="0" destOrd="2" presId="urn:microsoft.com/office/officeart/2005/8/layout/vList2"/>
-    <dgm:cxn modelId="{D8120A4F-36C0-498E-B77B-E8488B038205}" srcId="{DD847369-FD52-47A4-9862-6E0F26E8356D}" destId="{AB43DDEF-3FFD-405C-969F-A5205E771909}" srcOrd="3" destOrd="0" parTransId="{CF1E8733-F25C-4585-B628-A590A4D497A3}" sibTransId="{36FE620E-EFB1-4CF7-8C13-D054A4C42142}"/>
-    <dgm:cxn modelId="{17EC2E80-063A-4284-B5F7-5B460FC430DD}" type="presOf" srcId="{28621352-D8C8-4462-A38B-5ED8DAECF65B}" destId="{F9B833AD-177B-47A7-A8A2-CC5864175494}" srcOrd="0" destOrd="0" presId="urn:microsoft.com/office/officeart/2005/8/layout/vList2"/>
-    <dgm:cxn modelId="{971BCDC8-037B-4F8F-BDF3-31E529D82B42}" type="presOf" srcId="{69A1D6D1-C5A0-40C0-8829-3DCBB2A1EA06}" destId="{4174C60E-95CC-4882-BEA6-891F2F81F245}" srcOrd="0" destOrd="0" presId="urn:microsoft.com/office/officeart/2005/8/layout/vList2"/>
-    <dgm:cxn modelId="{60758F71-4054-4347-A92D-998683F1C3A7}" type="presOf" srcId="{0E334188-9FCE-4754-B766-F6DCF898A424}" destId="{D4B29F39-5BA6-449A-B2B8-4D84BC4B354D}" srcOrd="0" destOrd="3" presId="urn:microsoft.com/office/officeart/2005/8/layout/vList2"/>
-    <dgm:cxn modelId="{23EF09F3-584C-4A0E-A954-D608F0381D33}" type="presOf" srcId="{F67643B1-22DC-47B4-B3B5-BF746A707484}" destId="{4174C60E-95CC-4882-BEA6-891F2F81F245}" srcOrd="0" destOrd="2" presId="urn:microsoft.com/office/officeart/2005/8/layout/vList2"/>
-    <dgm:cxn modelId="{C5BE2439-39A8-47ED-9B5D-61B39BE555F8}" srcId="{28621352-D8C8-4462-A38B-5ED8DAECF65B}" destId="{C450AFBD-D19E-4FDA-929B-E1A653D8E4DD}" srcOrd="2" destOrd="0" parTransId="{3858CD50-7509-4A20-82C1-6C76A3301DC4}" sibTransId="{2DC09692-DC74-4E8D-B681-71C50902EB56}"/>
-    <dgm:cxn modelId="{F5607497-5D8D-46CE-AA54-88A7EA07FD9A}" type="presOf" srcId="{CF9922EE-48BF-4D32-9CA3-D69D0E77782E}" destId="{D4B29F39-5BA6-449A-B2B8-4D84BC4B354D}" srcOrd="0" destOrd="2" presId="urn:microsoft.com/office/officeart/2005/8/layout/vList2"/>
-    <dgm:cxn modelId="{F0D4F50D-5A17-422C-8331-D8004DD48F14}" srcId="{28621352-D8C8-4462-A38B-5ED8DAECF65B}" destId="{F6891DC3-F7D4-4219-BD99-E633DF7F9C99}" srcOrd="0" destOrd="0" parTransId="{1B245E6A-BCBD-4310-AB1B-65FCE10DA84E}" sibTransId="{1D2F8BD6-4E8D-44E7-BB11-49A85F68390E}"/>
-    <dgm:cxn modelId="{75A700D1-D7CB-41CD-B519-B5A9ADE122C1}" srcId="{C450AFBD-D19E-4FDA-929B-E1A653D8E4DD}" destId="{673CF87C-3FEE-4570-BD3C-45251C8860E1}" srcOrd="1" destOrd="0" parTransId="{DAEA0810-607E-42AF-AB88-4ADDF9190089}" sibTransId="{E0947DC1-3396-42B3-9CAF-49A98E26AA74}"/>
-    <dgm:cxn modelId="{4A7813FD-937C-452B-AF75-7E94AB313993}" srcId="{DD847369-FD52-47A4-9862-6E0F26E8356D}" destId="{F1D3B8A7-F18E-466C-B04E-4F86C1E71632}" srcOrd="2" destOrd="0" parTransId="{6FCD00B0-9AC7-4A2C-990E-1455B980BE4B}" sibTransId="{7FF16688-7ACE-4FBA-88B5-A9A16CC61368}"/>
-    <dgm:cxn modelId="{C97EDC3C-F975-4058-9CA6-846C8132FD7D}" type="presOf" srcId="{F6891DC3-F7D4-4219-BD99-E633DF7F9C99}" destId="{A95D184C-E14B-4F00-909E-013D2800488D}" srcOrd="0" destOrd="0" presId="urn:microsoft.com/office/officeart/2005/8/layout/vList2"/>
-    <dgm:cxn modelId="{28A22959-2AC1-4283-8BF7-F15075D49AA4}" type="presOf" srcId="{C450AFBD-D19E-4FDA-929B-E1A653D8E4DD}" destId="{3C75DF9A-6800-46C6-AFE7-9345250C9E19}" srcOrd="0" destOrd="0" presId="urn:microsoft.com/office/officeart/2005/8/layout/vList2"/>
-    <dgm:cxn modelId="{518902F6-C000-4ED1-B07D-7869545DF19F}" type="presOf" srcId="{0C38124E-1BE8-4699-A409-7E5EBEFC0B05}" destId="{3DA3C54A-443E-4079-8FD8-03835498A313}" srcOrd="0" destOrd="0" presId="urn:microsoft.com/office/officeart/2005/8/layout/vList2"/>
-    <dgm:cxn modelId="{5FB863EE-1950-496B-8FF6-A06CB4BCC373}" srcId="{46D51864-616F-4817-8F91-3E15814C4CD5}" destId="{F67643B1-22DC-47B4-B3B5-BF746A707484}" srcOrd="2" destOrd="0" parTransId="{8BDF7434-6C4C-4F44-B49E-8CEB0F7057E5}" sibTransId="{46B476B1-E80F-4347-839F-665DE47D6FA7}"/>
-    <dgm:cxn modelId="{DFCB5525-E174-4B2A-ADBB-B3D93E2D2A6C}" srcId="{28621352-D8C8-4462-A38B-5ED8DAECF65B}" destId="{46D51864-616F-4817-8F91-3E15814C4CD5}" srcOrd="3" destOrd="0" parTransId="{E2AE9E1E-E0FB-47DC-9337-191CB5B936CB}" sibTransId="{E9DF6DF7-3E08-45C9-8B8E-841EA30C8B33}"/>
-    <dgm:cxn modelId="{59DC16B1-1AD8-4E5A-9DFB-056D13E468D6}" type="presOf" srcId="{FF08B318-A1F3-47F2-AD3F-C9F8A0F96034}" destId="{4174C60E-95CC-4882-BEA6-891F2F81F245}" srcOrd="0" destOrd="3" presId="urn:microsoft.com/office/officeart/2005/8/layout/vList2"/>
-    <dgm:cxn modelId="{F8FC9519-21BC-4D9B-A3DD-05A3CB4F1842}" srcId="{46D51864-616F-4817-8F91-3E15814C4CD5}" destId="{69A1D6D1-C5A0-40C0-8829-3DCBB2A1EA06}" srcOrd="0" destOrd="0" parTransId="{0EE2AA90-1017-41D1-A5FF-5DB26507CBC1}" sibTransId="{F2EEB5D0-099E-4B95-BE4F-891C57129C67}"/>
-    <dgm:cxn modelId="{8E521032-63AF-4CE3-9A66-652C6C42682D}" type="presOf" srcId="{816B1F66-B04D-4168-AAC9-603B902502B3}" destId="{3DA3C54A-443E-4079-8FD8-03835498A313}" srcOrd="0" destOrd="1" presId="urn:microsoft.com/office/officeart/2005/8/layout/vList2"/>
-    <dgm:cxn modelId="{A8DDEF6F-4A41-4E35-AE4A-47B863F39A6C}" type="presOf" srcId="{46D51864-616F-4817-8F91-3E15814C4CD5}" destId="{754C3953-3803-4D78-ABC9-4560C428F027}" srcOrd="0" destOrd="0" presId="urn:microsoft.com/office/officeart/2005/8/layout/vList2"/>
-    <dgm:cxn modelId="{AE3650D8-4F2F-426C-AB7C-8E557E497AC9}" srcId="{46D51864-616F-4817-8F91-3E15814C4CD5}" destId="{FF08B318-A1F3-47F2-AD3F-C9F8A0F96034}" srcOrd="3" destOrd="0" parTransId="{43FC54AC-4833-4786-BCFA-D5B98D91A7B6}" sibTransId="{DD8AA6AF-2AA6-41F8-912C-3C0B383B8B0E}"/>
-    <dgm:cxn modelId="{DE7C114A-5D95-4AB1-A562-C2B1FD9E901A}" srcId="{F6891DC3-F7D4-4219-BD99-E633DF7F9C99}" destId="{816B1F66-B04D-4168-AAC9-603B902502B3}" srcOrd="1" destOrd="0" parTransId="{728F8BA7-57D2-4913-B32E-AE62413F9E2B}" sibTransId="{3C12FBF5-0681-465A-9A7B-7EBA11521D14}"/>
     <dgm:cxn modelId="{0D99D7EC-2C52-4117-9916-E3839DD40697}" type="presParOf" srcId="{F9B833AD-177B-47A7-A8A2-CC5864175494}" destId="{A95D184C-E14B-4F00-909E-013D2800488D}" srcOrd="0" destOrd="0" presId="urn:microsoft.com/office/officeart/2005/8/layout/vList2"/>
     <dgm:cxn modelId="{ABE203F6-5A3D-41CA-B1E1-46B40234097C}" type="presParOf" srcId="{F9B833AD-177B-47A7-A8A2-CC5864175494}" destId="{3DA3C54A-443E-4079-8FD8-03835498A313}" srcOrd="1" destOrd="0" presId="urn:microsoft.com/office/officeart/2005/8/layout/vList2"/>
     <dgm:cxn modelId="{85722904-6A2E-4C3E-AA6C-BD7E0AF853CB}" type="presParOf" srcId="{F9B833AD-177B-47A7-A8A2-CC5864175494}" destId="{3598399E-EEC9-4846-AE6F-2A815FA52A1A}" srcOrd="2" destOrd="0" presId="urn:microsoft.com/office/officeart/2005/8/layout/vList2"/>
@@ -7383,7 +7383,7 @@
   <dgm:whole/>
   <dgm:extLst>
     <a:ext uri="http://schemas.microsoft.com/office/drawing/2008/diagram">
-      <dsp:dataModelExt xmlns:dsp="http://schemas.microsoft.com/office/drawing/2008/diagram" relId="rId6" minVer="http://schemas.openxmlformats.org/drawingml/2006/diagram"/>
+      <dsp:dataModelExt xmlns:dsp="http://schemas.microsoft.com/office/drawing/2008/diagram" relId="rId7" minVer="http://schemas.openxmlformats.org/drawingml/2006/diagram"/>
     </a:ext>
   </dgm:extLst>
 </dgm:dataModel>
@@ -9094,7 +9094,7 @@
   <dgm:whole/>
   <dgm:extLst>
     <a:ext uri="http://schemas.microsoft.com/office/drawing/2008/diagram">
-      <dsp:dataModelExt xmlns:dsp="http://schemas.microsoft.com/office/drawing/2008/diagram" relId="rId6" minVer="http://schemas.openxmlformats.org/drawingml/2006/diagram"/>
+      <dsp:dataModelExt xmlns:dsp="http://schemas.microsoft.com/office/drawing/2008/diagram" relId="rId7" minVer="http://schemas.openxmlformats.org/drawingml/2006/diagram"/>
     </a:ext>
   </dgm:extLst>
 </dgm:dataModel>
@@ -16929,7 +16929,7 @@
             <a:fld id="{C4912EAB-2DF2-4EA7-9A3C-081666E7F61D}" type="datetimeFigureOut">
               <a:rPr lang="es-AR" smtClean="0"/>
               <a:pPr/>
-              <a:t>13/09/2010</a:t>
+              <a:t>14/09/2010</a:t>
             </a:fld>
             <a:endParaRPr lang="es-AR"/>
           </a:p>
@@ -17096,7 +17096,7 @@
             <a:fld id="{320C0146-0920-4890-94B5-4EE8DB66AAB2}" type="datetimeFigureOut">
               <a:rPr lang="es-AR" smtClean="0"/>
               <a:pPr/>
-              <a:t>13/09/2010</a:t>
+              <a:t>14/09/2010</a:t>
             </a:fld>
             <a:endParaRPr lang="es-AR"/>
           </a:p>
@@ -17414,13 +17414,99 @@
           <a:lstStyle/>
           <a:p>
             <a:r>
+              <a:rPr lang="es-AR" baseline="0" dirty="0" smtClean="0"/>
+              <a:t>EXPLICAR LA ANIMACION: </a:t>
+            </a:r>
+            <a:r>
               <a:rPr lang="es-AR" dirty="0" smtClean="0"/>
-              <a:t>56.000 simulaciones a 2min por simulación (manera manual) llevaría:</a:t>
+              <a:t>Para</a:t>
             </a:r>
             <a:r>
               <a:rPr lang="es-AR" baseline="0" dirty="0" smtClean="0"/>
-              <a:t> 1.866 horas o lo que es igual 77 días</a:t>
-            </a:r>
+              <a:t> cada nodo de cada transistor se inyectan 2 tipos de fallas, y para cada nivel de entrada, se realiza el proceso de inyección para todos los </a:t>
+            </a:r>
+            <a:r>
+              <a:rPr lang="es-AR" baseline="0" dirty="0" err="1" smtClean="0"/>
+              <a:t>drenadores</a:t>
+            </a:r>
+            <a:r>
+              <a:rPr lang="es-AR" baseline="0" dirty="0" smtClean="0"/>
+              <a:t> de todos los comparadores.</a:t>
+            </a:r>
+          </a:p>
+          <a:p>
+            <a:endParaRPr lang="es-AR" dirty="0" smtClean="0"/>
+          </a:p>
+          <a:p>
+            <a:r>
+              <a:rPr lang="es-AR" dirty="0" smtClean="0"/>
+              <a:t>56.000 </a:t>
+            </a:r>
+            <a:r>
+              <a:rPr lang="es-AR" dirty="0" smtClean="0"/>
+              <a:t>simulaciones a 2min por simulación (manera manual) llevaría:</a:t>
+            </a:r>
+            <a:r>
+              <a:rPr lang="es-AR" baseline="0" dirty="0" smtClean="0"/>
+              <a:t> 1.866 horas o lo que es igual 77 </a:t>
+            </a:r>
+            <a:r>
+              <a:rPr lang="es-AR" baseline="0" dirty="0" smtClean="0"/>
+              <a:t>días.</a:t>
+            </a:r>
+          </a:p>
+          <a:p>
+            <a:endParaRPr lang="es-AR" sz="1200" kern="1200" dirty="0" smtClean="0">
+              <a:solidFill>
+                <a:schemeClr val="tx1"/>
+              </a:solidFill>
+              <a:effectLst/>
+              <a:latin typeface="+mn-lt"/>
+              <a:ea typeface="+mn-ea"/>
+              <a:cs typeface="+mn-cs"/>
+            </a:endParaRPr>
+          </a:p>
+          <a:p>
+            <a:r>
+              <a:rPr lang="es-AR" sz="1200" kern="1200" dirty="0" smtClean="0">
+                <a:solidFill>
+                  <a:schemeClr val="tx1"/>
+                </a:solidFill>
+                <a:effectLst/>
+                <a:latin typeface="+mn-lt"/>
+                <a:ea typeface="+mn-ea"/>
+                <a:cs typeface="+mn-cs"/>
+              </a:rPr>
+              <a:t>Las fallas son inyectadas en los </a:t>
+            </a:r>
+            <a:r>
+              <a:rPr lang="es-AR" sz="1200" kern="1200" dirty="0" err="1" smtClean="0">
+                <a:solidFill>
+                  <a:schemeClr val="tx1"/>
+                </a:solidFill>
+                <a:effectLst/>
+                <a:latin typeface="+mn-lt"/>
+                <a:ea typeface="+mn-ea"/>
+                <a:cs typeface="+mn-cs"/>
+              </a:rPr>
+              <a:t>drenadores</a:t>
+            </a:r>
+            <a:r>
+              <a:rPr lang="es-AR" sz="1200" kern="1200" dirty="0" smtClean="0">
+                <a:solidFill>
+                  <a:schemeClr val="tx1"/>
+                </a:solidFill>
+                <a:effectLst/>
+                <a:latin typeface="+mn-lt"/>
+                <a:ea typeface="+mn-ea"/>
+                <a:cs typeface="+mn-cs"/>
+              </a:rPr>
+              <a:t> de cada transistor que lo conforman (PMOS y NMOS, variando la dirección de la corriente según corresponda) simulando un SET.</a:t>
+            </a:r>
+            <a:endParaRPr lang="es-AR" baseline="0" dirty="0" smtClean="0"/>
+          </a:p>
+          <a:p>
+            <a:endParaRPr lang="es-AR" dirty="0" smtClean="0"/>
           </a:p>
           <a:p>
             <a:endParaRPr lang="es-AR" dirty="0"/>
@@ -17478,7 +17564,7 @@
       </p:grpSpPr>
       <p:sp>
         <p:nvSpPr>
-          <p:cNvPr id="2" name="1 Marcador de imagen de diapositiva"/>
+          <p:cNvPr id="2" name="Slide Image Placeholder 1"/>
           <p:cNvSpPr>
             <a:spLocks noGrp="1" noRot="1" noChangeAspect="1"/>
           </p:cNvSpPr>
@@ -17490,7 +17576,7 @@
       </p:sp>
       <p:sp>
         <p:nvSpPr>
-          <p:cNvPr id="3" name="2 Marcador de notas"/>
+          <p:cNvPr id="3" name="Notes Placeholder 2"/>
           <p:cNvSpPr>
             <a:spLocks noGrp="1"/>
           </p:cNvSpPr>
@@ -17500,34 +17586,325 @@
         </p:nvSpPr>
         <p:spPr/>
         <p:txBody>
-          <a:bodyPr>
-            <a:normAutofit/>
-          </a:bodyPr>
+          <a:bodyPr/>
           <a:lstStyle/>
           <a:p>
             <a:r>
-              <a:rPr lang="es-AR" dirty="0" err="1" smtClean="0"/>
-              <a:t>Aca</a:t>
-            </a:r>
-            <a:r>
               <a:rPr lang="es-AR" dirty="0" smtClean="0"/>
-              <a:t> ir </a:t>
-            </a:r>
-            <a:r>
-              <a:rPr lang="es-AR" dirty="0" err="1" smtClean="0"/>
-              <a:t>animacion</a:t>
+              <a:t>Propósito</a:t>
+            </a:r>
+            <a:r>
+              <a:rPr lang="es-AR" baseline="0" dirty="0" smtClean="0"/>
+              <a:t> </a:t>
             </a:r>
             <a:r>
               <a:rPr lang="es-AR" dirty="0" smtClean="0"/>
-              <a:t> de que se achique hasta la esquina superior</a:t>
-            </a:r>
+              <a:t>es el de determinar un grupo confiable de resultados para tomar como referencia para la campaña automática.</a:t>
+            </a:r>
+          </a:p>
+          <a:p>
+            <a:endParaRPr lang="es-AR" sz="1200" kern="1200" dirty="0" smtClean="0">
+              <a:solidFill>
+                <a:schemeClr val="tx1"/>
+              </a:solidFill>
+              <a:effectLst/>
+              <a:latin typeface="+mn-lt"/>
+              <a:ea typeface="+mn-ea"/>
+              <a:cs typeface="+mn-cs"/>
+            </a:endParaRPr>
+          </a:p>
+          <a:p>
+            <a:r>
+              <a:rPr lang="es-AR" sz="1200" kern="1200" dirty="0" smtClean="0">
+                <a:solidFill>
+                  <a:schemeClr val="tx1"/>
+                </a:solidFill>
+                <a:effectLst/>
+                <a:latin typeface="+mn-lt"/>
+                <a:ea typeface="+mn-ea"/>
+                <a:cs typeface="+mn-cs"/>
+              </a:rPr>
+              <a:t>Se enfocó en las estructuras analógicas del circuito.</a:t>
+            </a:r>
+          </a:p>
+          <a:p>
+            <a:endParaRPr lang="es-AR" dirty="0" smtClean="0"/>
+          </a:p>
+          <a:p>
+            <a:r>
+              <a:rPr lang="es-AR" sz="1200" kern="1200" dirty="0" smtClean="0">
+                <a:solidFill>
+                  <a:schemeClr val="tx1"/>
+                </a:solidFill>
+                <a:effectLst/>
+                <a:latin typeface="+mn-lt"/>
+                <a:ea typeface="+mn-ea"/>
+                <a:cs typeface="+mn-cs"/>
+              </a:rPr>
+              <a:t>La confianza a estos resultados proviene del hecho que el proceso de inyección de fallas requiere de una modificación de archivos de simulación, selección de condiciones, configuración del ambiente de simulación, lectura de datos simulados, extracción e interpretación de los mismos, lo que genera un entorno propenso a errores.</a:t>
+            </a:r>
+          </a:p>
+          <a:p>
+            <a:endParaRPr lang="es-AR" sz="1200" kern="1200" dirty="0" smtClean="0">
+              <a:solidFill>
+                <a:schemeClr val="tx1"/>
+              </a:solidFill>
+              <a:effectLst/>
+              <a:latin typeface="+mn-lt"/>
+              <a:ea typeface="+mn-ea"/>
+              <a:cs typeface="+mn-cs"/>
+            </a:endParaRPr>
+          </a:p>
+          <a:p>
+            <a:r>
+              <a:rPr lang="es-AR" sz="1200" kern="1200" dirty="0" smtClean="0">
+                <a:solidFill>
+                  <a:schemeClr val="tx1"/>
+                </a:solidFill>
+                <a:effectLst/>
+                <a:latin typeface="+mn-lt"/>
+                <a:ea typeface="+mn-ea"/>
+                <a:cs typeface="+mn-cs"/>
+              </a:rPr>
+              <a:t>Se realizó un estudio paramétrico variando la tensión de entrada en 4 niveles diferentes:</a:t>
+            </a:r>
+          </a:p>
+          <a:p>
+            <a:pPr lvl="0"/>
+            <a:r>
+              <a:rPr lang="es-AR" sz="1200" kern="1200" dirty="0" err="1" smtClean="0">
+                <a:solidFill>
+                  <a:schemeClr val="tx1"/>
+                </a:solidFill>
+                <a:effectLst/>
+                <a:latin typeface="+mn-lt"/>
+                <a:ea typeface="+mn-ea"/>
+                <a:cs typeface="+mn-cs"/>
+              </a:rPr>
+              <a:t>VINneg</a:t>
+            </a:r>
+            <a:r>
+              <a:rPr lang="es-AR" sz="1200" kern="1200" dirty="0" smtClean="0">
+                <a:solidFill>
+                  <a:schemeClr val="tx1"/>
+                </a:solidFill>
+                <a:effectLst/>
+                <a:latin typeface="+mn-lt"/>
+                <a:ea typeface="+mn-ea"/>
+                <a:cs typeface="+mn-cs"/>
+              </a:rPr>
+              <a:t> = (</a:t>
+            </a:r>
+            <a:r>
+              <a:rPr lang="es-AR" sz="1200" kern="1200" dirty="0" err="1" smtClean="0">
+                <a:solidFill>
+                  <a:schemeClr val="tx1"/>
+                </a:solidFill>
+                <a:effectLst/>
+                <a:latin typeface="+mn-lt"/>
+                <a:ea typeface="+mn-ea"/>
+                <a:cs typeface="+mn-cs"/>
+              </a:rPr>
+              <a:t>Vref</a:t>
+            </a:r>
+            <a:r>
+              <a:rPr lang="es-AR" sz="1200" kern="1200" dirty="0" smtClean="0">
+                <a:solidFill>
+                  <a:schemeClr val="tx1"/>
+                </a:solidFill>
+                <a:effectLst/>
+                <a:latin typeface="+mn-lt"/>
+                <a:ea typeface="+mn-ea"/>
+                <a:cs typeface="+mn-cs"/>
+              </a:rPr>
+              <a:t> - 8mV) por lo que la salida del comparador debe estar en NIVEL ALTO </a:t>
+            </a:r>
+          </a:p>
+          <a:p>
+            <a:pPr lvl="0"/>
+            <a:r>
+              <a:rPr lang="es-AR" sz="1200" kern="1200" dirty="0" err="1" smtClean="0">
+                <a:solidFill>
+                  <a:schemeClr val="tx1"/>
+                </a:solidFill>
+                <a:effectLst/>
+                <a:latin typeface="+mn-lt"/>
+                <a:ea typeface="+mn-ea"/>
+                <a:cs typeface="+mn-cs"/>
+              </a:rPr>
+              <a:t>VINneg</a:t>
+            </a:r>
+            <a:r>
+              <a:rPr lang="es-AR" sz="1200" kern="1200" dirty="0" smtClean="0">
+                <a:solidFill>
+                  <a:schemeClr val="tx1"/>
+                </a:solidFill>
+                <a:effectLst/>
+                <a:latin typeface="+mn-lt"/>
+                <a:ea typeface="+mn-ea"/>
+                <a:cs typeface="+mn-cs"/>
+              </a:rPr>
+              <a:t> = (</a:t>
+            </a:r>
+            <a:r>
+              <a:rPr lang="es-AR" sz="1200" kern="1200" dirty="0" err="1" smtClean="0">
+                <a:solidFill>
+                  <a:schemeClr val="tx1"/>
+                </a:solidFill>
+                <a:effectLst/>
+                <a:latin typeface="+mn-lt"/>
+                <a:ea typeface="+mn-ea"/>
+                <a:cs typeface="+mn-cs"/>
+              </a:rPr>
+              <a:t>Vref</a:t>
+            </a:r>
+            <a:r>
+              <a:rPr lang="es-AR" sz="1200" kern="1200" dirty="0" smtClean="0">
+                <a:solidFill>
+                  <a:schemeClr val="tx1"/>
+                </a:solidFill>
+                <a:effectLst/>
+                <a:latin typeface="+mn-lt"/>
+                <a:ea typeface="+mn-ea"/>
+                <a:cs typeface="+mn-cs"/>
+              </a:rPr>
+              <a:t> - 5mV) por lo que la salida del comparador debe de estar en NIVEL ALTO </a:t>
+            </a:r>
+          </a:p>
+          <a:p>
+            <a:pPr lvl="0"/>
+            <a:r>
+              <a:rPr lang="es-AR" sz="1200" kern="1200" dirty="0" err="1" smtClean="0">
+                <a:solidFill>
+                  <a:schemeClr val="tx1"/>
+                </a:solidFill>
+                <a:effectLst/>
+                <a:latin typeface="+mn-lt"/>
+                <a:ea typeface="+mn-ea"/>
+                <a:cs typeface="+mn-cs"/>
+              </a:rPr>
+              <a:t>VINneg</a:t>
+            </a:r>
+            <a:r>
+              <a:rPr lang="es-AR" sz="1200" kern="1200" dirty="0" smtClean="0">
+                <a:solidFill>
+                  <a:schemeClr val="tx1"/>
+                </a:solidFill>
+                <a:effectLst/>
+                <a:latin typeface="+mn-lt"/>
+                <a:ea typeface="+mn-ea"/>
+                <a:cs typeface="+mn-cs"/>
+              </a:rPr>
+              <a:t> = (</a:t>
+            </a:r>
+            <a:r>
+              <a:rPr lang="es-AR" sz="1200" kern="1200" dirty="0" err="1" smtClean="0">
+                <a:solidFill>
+                  <a:schemeClr val="tx1"/>
+                </a:solidFill>
+                <a:effectLst/>
+                <a:latin typeface="+mn-lt"/>
+                <a:ea typeface="+mn-ea"/>
+                <a:cs typeface="+mn-cs"/>
+              </a:rPr>
+              <a:t>Vref</a:t>
+            </a:r>
+            <a:r>
+              <a:rPr lang="es-AR" sz="1200" kern="1200" dirty="0" smtClean="0">
+                <a:solidFill>
+                  <a:schemeClr val="tx1"/>
+                </a:solidFill>
+                <a:effectLst/>
+                <a:latin typeface="+mn-lt"/>
+                <a:ea typeface="+mn-ea"/>
+                <a:cs typeface="+mn-cs"/>
+              </a:rPr>
+              <a:t> + 5mV) por lo que la salida del comparador debe de estar en NIVEL BAJO </a:t>
+            </a:r>
+          </a:p>
+          <a:p>
+            <a:pPr lvl="0"/>
+            <a:r>
+              <a:rPr lang="es-AR" sz="1200" kern="1200" dirty="0" err="1" smtClean="0">
+                <a:solidFill>
+                  <a:schemeClr val="tx1"/>
+                </a:solidFill>
+                <a:effectLst/>
+                <a:latin typeface="+mn-lt"/>
+                <a:ea typeface="+mn-ea"/>
+                <a:cs typeface="+mn-cs"/>
+              </a:rPr>
+              <a:t>VINneg</a:t>
+            </a:r>
+            <a:r>
+              <a:rPr lang="es-AR" sz="1200" kern="1200" dirty="0" smtClean="0">
+                <a:solidFill>
+                  <a:schemeClr val="tx1"/>
+                </a:solidFill>
+                <a:effectLst/>
+                <a:latin typeface="+mn-lt"/>
+                <a:ea typeface="+mn-ea"/>
+                <a:cs typeface="+mn-cs"/>
+              </a:rPr>
+              <a:t> = (</a:t>
+            </a:r>
+            <a:r>
+              <a:rPr lang="es-AR" sz="1200" kern="1200" dirty="0" err="1" smtClean="0">
+                <a:solidFill>
+                  <a:schemeClr val="tx1"/>
+                </a:solidFill>
+                <a:effectLst/>
+                <a:latin typeface="+mn-lt"/>
+                <a:ea typeface="+mn-ea"/>
+                <a:cs typeface="+mn-cs"/>
+              </a:rPr>
+              <a:t>Vref</a:t>
+            </a:r>
+            <a:r>
+              <a:rPr lang="es-AR" sz="1200" kern="1200" dirty="0" smtClean="0">
+                <a:solidFill>
+                  <a:schemeClr val="tx1"/>
+                </a:solidFill>
+                <a:effectLst/>
+                <a:latin typeface="+mn-lt"/>
+                <a:ea typeface="+mn-ea"/>
+                <a:cs typeface="+mn-cs"/>
+              </a:rPr>
+              <a:t> + 8mV) por lo que la salida del comparador debe de estar en NIVEL BAJO</a:t>
+            </a:r>
+          </a:p>
+          <a:p>
+            <a:pPr lvl="0"/>
+            <a:endParaRPr lang="es-AR" sz="1200" kern="1200" dirty="0" smtClean="0">
+              <a:solidFill>
+                <a:schemeClr val="tx1"/>
+              </a:solidFill>
+              <a:effectLst/>
+              <a:latin typeface="+mn-lt"/>
+              <a:ea typeface="+mn-ea"/>
+              <a:cs typeface="+mn-cs"/>
+            </a:endParaRPr>
+          </a:p>
+          <a:p>
+            <a:pPr lvl="0"/>
+            <a:endParaRPr lang="es-AR" sz="1200" kern="1200" dirty="0" smtClean="0">
+              <a:solidFill>
+                <a:schemeClr val="tx1"/>
+              </a:solidFill>
+              <a:effectLst/>
+              <a:latin typeface="+mn-lt"/>
+              <a:ea typeface="+mn-ea"/>
+              <a:cs typeface="+mn-cs"/>
+            </a:endParaRPr>
+          </a:p>
+          <a:p>
             <a:endParaRPr lang="es-AR" dirty="0"/>
           </a:p>
         </p:txBody>
       </p:sp>
       <p:sp>
         <p:nvSpPr>
-          <p:cNvPr id="4" name="3 Marcador de número de diapositiva"/>
+          <p:cNvPr id="4" name="Slide Number Placeholder 3"/>
           <p:cNvSpPr>
             <a:spLocks noGrp="1"/>
           </p:cNvSpPr>
@@ -17543,13 +17920,18 @@
             <a:fld id="{EA0D9E51-E836-4F08-8FFF-406AF79182CA}" type="slidenum">
               <a:rPr lang="es-AR" smtClean="0"/>
               <a:pPr/>
-              <a:t>3</a:t>
+              <a:t>2</a:t>
             </a:fld>
             <a:endParaRPr lang="es-AR"/>
           </a:p>
         </p:txBody>
       </p:sp>
     </p:spTree>
+    <p:extLst>
+      <p:ext uri="{BB962C8B-B14F-4D97-AF65-F5344CB8AC3E}">
+        <p14:creationId xmlns:p14="http://schemas.microsoft.com/office/powerpoint/2010/main" val="2658594802"/>
+      </p:ext>
+    </p:extLst>
   </p:cSld>
   <p:clrMapOvr>
     <a:masterClrMapping/>
@@ -17603,7 +17985,522 @@
           </a:bodyPr>
           <a:lstStyle/>
           <a:p>
-            <a:endParaRPr lang="es-AR" dirty="0"/>
+            <a:r>
+              <a:rPr lang="es-AR" dirty="0" err="1" smtClean="0">
+                <a:solidFill>
+                  <a:srgbClr val="FF0000"/>
+                </a:solidFill>
+              </a:rPr>
+              <a:t>Aca</a:t>
+            </a:r>
+            <a:r>
+              <a:rPr lang="es-AR" dirty="0" smtClean="0">
+                <a:solidFill>
+                  <a:srgbClr val="FF0000"/>
+                </a:solidFill>
+              </a:rPr>
+              <a:t> ir </a:t>
+            </a:r>
+            <a:r>
+              <a:rPr lang="es-AR" dirty="0" err="1" smtClean="0">
+                <a:solidFill>
+                  <a:srgbClr val="FF0000"/>
+                </a:solidFill>
+              </a:rPr>
+              <a:t>animacion</a:t>
+            </a:r>
+            <a:r>
+              <a:rPr lang="es-AR" dirty="0" smtClean="0">
+                <a:solidFill>
+                  <a:srgbClr val="FF0000"/>
+                </a:solidFill>
+              </a:rPr>
+              <a:t> de que se achique hasta la esquina </a:t>
+            </a:r>
+            <a:r>
+              <a:rPr lang="es-AR" dirty="0" smtClean="0">
+                <a:solidFill>
+                  <a:srgbClr val="FF0000"/>
+                </a:solidFill>
+              </a:rPr>
+              <a:t>superior</a:t>
+            </a:r>
+          </a:p>
+          <a:p>
+            <a:endParaRPr lang="es-AR" dirty="0" smtClean="0"/>
+          </a:p>
+          <a:p>
+            <a:pPr marL="0" marR="0" lvl="0" indent="0" algn="l" defTabSz="914400" rtl="0" eaLnBrk="1" fontAlgn="auto" latinLnBrk="0" hangingPunct="1">
+              <a:lnSpc>
+                <a:spcPct val="100000"/>
+              </a:lnSpc>
+              <a:spcBef>
+                <a:spcPts val="0"/>
+              </a:spcBef>
+              <a:spcAft>
+                <a:spcPts val="0"/>
+              </a:spcAft>
+              <a:buClrTx/>
+              <a:buSzTx/>
+              <a:buFontTx/>
+              <a:buNone/>
+              <a:tabLst/>
+              <a:defRPr/>
+            </a:pPr>
+            <a:r>
+              <a:rPr lang="es-AR" sz="1200" kern="1200" dirty="0" smtClean="0">
+                <a:solidFill>
+                  <a:schemeClr val="tx1"/>
+                </a:solidFill>
+                <a:effectLst/>
+                <a:latin typeface="+mn-lt"/>
+                <a:ea typeface="+mn-ea"/>
+                <a:cs typeface="+mn-cs"/>
+              </a:rPr>
+              <a:t>La campaña se realizó en 3 comparadores distintos, cada uno representativo de distintas partes del circuito (nivel bajo, nivel medio y nivel superior de comparación). </a:t>
+            </a:r>
+            <a:r>
+              <a:rPr lang="es-AR" sz="1200" kern="1200" dirty="0" err="1" smtClean="0">
+                <a:solidFill>
+                  <a:schemeClr val="tx1"/>
+                </a:solidFill>
+                <a:effectLst/>
+                <a:latin typeface="+mn-lt"/>
+                <a:ea typeface="+mn-ea"/>
+                <a:cs typeface="+mn-cs"/>
+              </a:rPr>
+              <a:t>Vref</a:t>
+            </a:r>
+            <a:r>
+              <a:rPr lang="es-AR" sz="1200" kern="1200" dirty="0" smtClean="0">
+                <a:solidFill>
+                  <a:schemeClr val="tx1"/>
+                </a:solidFill>
+                <a:effectLst/>
+                <a:latin typeface="+mn-lt"/>
+                <a:ea typeface="+mn-ea"/>
+                <a:cs typeface="+mn-cs"/>
+              </a:rPr>
+              <a:t> = 1.315 V (corresponde al comparador C32, mitad de rango de conversión).</a:t>
+            </a:r>
+          </a:p>
+          <a:p>
+            <a:pPr marL="0" marR="0" lvl="0" indent="0" algn="l" defTabSz="914400" rtl="0" eaLnBrk="1" fontAlgn="auto" latinLnBrk="0" hangingPunct="1">
+              <a:lnSpc>
+                <a:spcPct val="100000"/>
+              </a:lnSpc>
+              <a:spcBef>
+                <a:spcPts val="0"/>
+              </a:spcBef>
+              <a:spcAft>
+                <a:spcPts val="0"/>
+              </a:spcAft>
+              <a:buClrTx/>
+              <a:buSzTx/>
+              <a:buFontTx/>
+              <a:buNone/>
+              <a:tabLst/>
+              <a:defRPr/>
+            </a:pPr>
+            <a:endParaRPr lang="es-AR" sz="1200" kern="1200" dirty="0" smtClean="0">
+              <a:solidFill>
+                <a:schemeClr val="tx1"/>
+              </a:solidFill>
+              <a:effectLst/>
+              <a:latin typeface="+mn-lt"/>
+              <a:ea typeface="+mn-ea"/>
+              <a:cs typeface="+mn-cs"/>
+            </a:endParaRPr>
+          </a:p>
+          <a:p>
+            <a:pPr marL="0" marR="0" lvl="0" indent="0" algn="l" defTabSz="914400" rtl="0" eaLnBrk="1" fontAlgn="auto" latinLnBrk="0" hangingPunct="1">
+              <a:lnSpc>
+                <a:spcPct val="100000"/>
+              </a:lnSpc>
+              <a:spcBef>
+                <a:spcPts val="0"/>
+              </a:spcBef>
+              <a:spcAft>
+                <a:spcPts val="0"/>
+              </a:spcAft>
+              <a:buClrTx/>
+              <a:buSzTx/>
+              <a:buFontTx/>
+              <a:buNone/>
+              <a:tabLst/>
+              <a:defRPr/>
+            </a:pPr>
+            <a:r>
+              <a:rPr lang="es-AR" sz="1200" kern="1200" dirty="0" smtClean="0">
+                <a:solidFill>
+                  <a:schemeClr val="tx1"/>
+                </a:solidFill>
+                <a:effectLst/>
+                <a:latin typeface="+mn-lt"/>
+                <a:ea typeface="+mn-ea"/>
+                <a:cs typeface="+mn-cs"/>
+              </a:rPr>
+              <a:t>Se presentaran las graficas realizadas con la inyección tipo</a:t>
+            </a:r>
+            <a:r>
+              <a:rPr lang="es-AR" sz="1200" kern="1200" baseline="0" dirty="0" smtClean="0">
+                <a:solidFill>
+                  <a:schemeClr val="tx1"/>
+                </a:solidFill>
+                <a:effectLst/>
+                <a:latin typeface="+mn-lt"/>
+                <a:ea typeface="+mn-ea"/>
+                <a:cs typeface="+mn-cs"/>
+              </a:rPr>
+              <a:t> Trapezoidal, la cual fue la que genero mayor cantidad de errores y perturbaciones en los comparadores.</a:t>
+            </a:r>
+            <a:endParaRPr lang="es-AR" sz="1200" kern="1200" dirty="0" smtClean="0">
+              <a:solidFill>
+                <a:schemeClr val="tx1"/>
+              </a:solidFill>
+              <a:effectLst/>
+              <a:latin typeface="+mn-lt"/>
+              <a:ea typeface="+mn-ea"/>
+              <a:cs typeface="+mn-cs"/>
+            </a:endParaRPr>
+          </a:p>
+          <a:p>
+            <a:endParaRPr lang="es-AR" dirty="0" smtClean="0"/>
+          </a:p>
+          <a:p>
+            <a:r>
+              <a:rPr lang="es-AR" sz="1200" kern="1200" dirty="0" smtClean="0">
+                <a:solidFill>
+                  <a:schemeClr val="tx1"/>
+                </a:solidFill>
+                <a:effectLst/>
+                <a:latin typeface="+mn-lt"/>
+                <a:ea typeface="+mn-ea"/>
+                <a:cs typeface="+mn-cs"/>
+              </a:rPr>
+              <a:t>En el gráfico superior se muestran las tensiones del nodo de salida del comparador (V</a:t>
+            </a:r>
+            <a:r>
+              <a:rPr lang="es-AR" sz="1200" kern="1200" baseline="-25000" dirty="0" smtClean="0">
+                <a:solidFill>
+                  <a:schemeClr val="tx1"/>
+                </a:solidFill>
+                <a:effectLst/>
+                <a:latin typeface="+mn-lt"/>
+                <a:ea typeface="+mn-ea"/>
+                <a:cs typeface="+mn-cs"/>
+              </a:rPr>
+              <a:t>(NDOUT)</a:t>
+            </a:r>
+            <a:r>
+              <a:rPr lang="es-AR" sz="1200" kern="1200" dirty="0" smtClean="0">
+                <a:solidFill>
+                  <a:schemeClr val="tx1"/>
+                </a:solidFill>
+                <a:effectLst/>
+                <a:latin typeface="+mn-lt"/>
+                <a:ea typeface="+mn-ea"/>
+                <a:cs typeface="+mn-cs"/>
+              </a:rPr>
+              <a:t>), y en la zona inferior se grafica la sumatoria de las corrientes intervinientes en el </a:t>
+            </a:r>
+            <a:r>
+              <a:rPr lang="es-AR" sz="1200" kern="1200" dirty="0" err="1" smtClean="0">
+                <a:solidFill>
+                  <a:schemeClr val="tx1"/>
+                </a:solidFill>
+                <a:effectLst/>
+                <a:latin typeface="+mn-lt"/>
+                <a:ea typeface="+mn-ea"/>
+                <a:cs typeface="+mn-cs"/>
+              </a:rPr>
+              <a:t>drenador</a:t>
+            </a:r>
+            <a:r>
+              <a:rPr lang="es-AR" sz="1200" kern="1200" dirty="0" smtClean="0">
+                <a:solidFill>
+                  <a:schemeClr val="tx1"/>
+                </a:solidFill>
+                <a:effectLst/>
+                <a:latin typeface="+mn-lt"/>
+                <a:ea typeface="+mn-ea"/>
+                <a:cs typeface="+mn-cs"/>
+              </a:rPr>
+              <a:t> donde se inyectó la falla (verde=corriente inyectada, rojo=corrientes existentes en el nodo).</a:t>
+            </a:r>
+          </a:p>
+          <a:p>
+            <a:endParaRPr lang="es-AR" sz="1200" kern="1200" dirty="0" smtClean="0">
+              <a:solidFill>
+                <a:schemeClr val="tx1"/>
+              </a:solidFill>
+              <a:effectLst/>
+              <a:latin typeface="+mn-lt"/>
+              <a:ea typeface="+mn-ea"/>
+              <a:cs typeface="+mn-cs"/>
+            </a:endParaRPr>
+          </a:p>
+          <a:p>
+            <a:r>
+              <a:rPr lang="es-AR" sz="1200" kern="1200" dirty="0" smtClean="0">
+                <a:solidFill>
+                  <a:schemeClr val="tx1"/>
+                </a:solidFill>
+                <a:effectLst/>
+                <a:latin typeface="+mn-lt"/>
+                <a:ea typeface="+mn-ea"/>
+                <a:cs typeface="+mn-cs"/>
+              </a:rPr>
+              <a:t>1ro)</a:t>
+            </a:r>
+            <a:r>
+              <a:rPr lang="es-AR" sz="1200" kern="1200" baseline="0" dirty="0" smtClean="0">
+                <a:solidFill>
+                  <a:schemeClr val="tx1"/>
+                </a:solidFill>
+                <a:effectLst/>
+                <a:latin typeface="+mn-lt"/>
+                <a:ea typeface="+mn-ea"/>
+                <a:cs typeface="+mn-cs"/>
+              </a:rPr>
+              <a:t> T entrada – </a:t>
+            </a:r>
+            <a:r>
+              <a:rPr lang="es-AR" sz="1200" kern="1200" baseline="0" dirty="0" err="1" smtClean="0">
+                <a:solidFill>
+                  <a:schemeClr val="tx1"/>
+                </a:solidFill>
+                <a:effectLst/>
+                <a:latin typeface="+mn-lt"/>
+                <a:ea typeface="+mn-ea"/>
+                <a:cs typeface="+mn-cs"/>
+              </a:rPr>
+              <a:t>Ndneg_N</a:t>
+            </a:r>
+            <a:endParaRPr lang="es-AR" sz="1200" kern="1200" baseline="0" dirty="0" smtClean="0">
+              <a:solidFill>
+                <a:schemeClr val="tx1"/>
+              </a:solidFill>
+              <a:effectLst/>
+              <a:latin typeface="+mn-lt"/>
+              <a:ea typeface="+mn-ea"/>
+              <a:cs typeface="+mn-cs"/>
+            </a:endParaRPr>
+          </a:p>
+          <a:p>
+            <a:pPr marL="0" marR="0" indent="0" algn="l" defTabSz="914400" rtl="0" eaLnBrk="1" fontAlgn="auto" latinLnBrk="0" hangingPunct="1">
+              <a:lnSpc>
+                <a:spcPct val="100000"/>
+              </a:lnSpc>
+              <a:spcBef>
+                <a:spcPts val="0"/>
+              </a:spcBef>
+              <a:spcAft>
+                <a:spcPts val="0"/>
+              </a:spcAft>
+              <a:buClrTx/>
+              <a:buSzTx/>
+              <a:buFontTx/>
+              <a:buNone/>
+              <a:tabLst/>
+              <a:defRPr/>
+            </a:pPr>
+            <a:r>
+              <a:rPr lang="es-AR" sz="1200" kern="1200" baseline="0" dirty="0" smtClean="0">
+                <a:solidFill>
+                  <a:schemeClr val="tx1"/>
+                </a:solidFill>
+                <a:effectLst/>
+                <a:latin typeface="+mn-lt"/>
+                <a:ea typeface="+mn-ea"/>
+                <a:cs typeface="+mn-cs"/>
+              </a:rPr>
+              <a:t>2do) T </a:t>
+            </a:r>
+            <a:r>
+              <a:rPr lang="es-AR" sz="1200" kern="1200" baseline="0" dirty="0" err="1" smtClean="0">
+                <a:solidFill>
+                  <a:schemeClr val="tx1"/>
+                </a:solidFill>
+                <a:effectLst/>
+                <a:latin typeface="+mn-lt"/>
+                <a:ea typeface="+mn-ea"/>
+                <a:cs typeface="+mn-cs"/>
+              </a:rPr>
+              <a:t>bias</a:t>
+            </a:r>
+            <a:r>
+              <a:rPr lang="es-AR" sz="1200" kern="1200" baseline="0" dirty="0" smtClean="0">
+                <a:solidFill>
+                  <a:schemeClr val="tx1"/>
+                </a:solidFill>
+                <a:effectLst/>
+                <a:latin typeface="+mn-lt"/>
+                <a:ea typeface="+mn-ea"/>
+                <a:cs typeface="+mn-cs"/>
+              </a:rPr>
+              <a:t> – </a:t>
+            </a:r>
+            <a:r>
+              <a:rPr lang="es-AR" sz="1200" kern="1200" baseline="0" dirty="0" err="1" smtClean="0">
+                <a:solidFill>
+                  <a:schemeClr val="tx1"/>
+                </a:solidFill>
+                <a:effectLst/>
+                <a:latin typeface="+mn-lt"/>
+                <a:ea typeface="+mn-ea"/>
+                <a:cs typeface="+mn-cs"/>
+              </a:rPr>
+              <a:t>Ndneg_N</a:t>
+            </a:r>
+            <a:endParaRPr lang="es-AR" sz="1200" kern="1200" baseline="0" dirty="0" smtClean="0">
+              <a:solidFill>
+                <a:schemeClr val="tx1"/>
+              </a:solidFill>
+              <a:effectLst/>
+              <a:latin typeface="+mn-lt"/>
+              <a:ea typeface="+mn-ea"/>
+              <a:cs typeface="+mn-cs"/>
+            </a:endParaRPr>
+          </a:p>
+          <a:p>
+            <a:pPr marL="0" marR="0" indent="0" algn="l" defTabSz="914400" rtl="0" eaLnBrk="1" fontAlgn="auto" latinLnBrk="0" hangingPunct="1">
+              <a:lnSpc>
+                <a:spcPct val="100000"/>
+              </a:lnSpc>
+              <a:spcBef>
+                <a:spcPts val="0"/>
+              </a:spcBef>
+              <a:spcAft>
+                <a:spcPts val="0"/>
+              </a:spcAft>
+              <a:buClrTx/>
+              <a:buSzTx/>
+              <a:buFontTx/>
+              <a:buNone/>
+              <a:tabLst/>
+              <a:defRPr/>
+            </a:pPr>
+            <a:r>
+              <a:rPr lang="es-AR" sz="1200" kern="1200" baseline="0" dirty="0" smtClean="0">
+                <a:solidFill>
+                  <a:schemeClr val="tx1"/>
+                </a:solidFill>
+                <a:effectLst/>
+                <a:latin typeface="+mn-lt"/>
+                <a:ea typeface="+mn-ea"/>
+                <a:cs typeface="+mn-cs"/>
+              </a:rPr>
+              <a:t>3ro) T referencia – </a:t>
+            </a:r>
+            <a:r>
+              <a:rPr lang="es-AR" sz="1200" kern="1200" baseline="0" dirty="0" err="1" smtClean="0">
+                <a:solidFill>
+                  <a:schemeClr val="tx1"/>
+                </a:solidFill>
+                <a:effectLst/>
+                <a:latin typeface="+mn-lt"/>
+                <a:ea typeface="+mn-ea"/>
+                <a:cs typeface="+mn-cs"/>
+              </a:rPr>
+              <a:t>Ndneg_N</a:t>
+            </a:r>
+            <a:endParaRPr lang="es-AR" sz="1200" kern="1200" baseline="0" dirty="0" smtClean="0">
+              <a:solidFill>
+                <a:schemeClr val="tx1"/>
+              </a:solidFill>
+              <a:effectLst/>
+              <a:latin typeface="+mn-lt"/>
+              <a:ea typeface="+mn-ea"/>
+              <a:cs typeface="+mn-cs"/>
+            </a:endParaRPr>
+          </a:p>
+          <a:p>
+            <a:pPr marL="0" marR="0" indent="0" algn="l" defTabSz="914400" rtl="0" eaLnBrk="1" fontAlgn="auto" latinLnBrk="0" hangingPunct="1">
+              <a:lnSpc>
+                <a:spcPct val="100000"/>
+              </a:lnSpc>
+              <a:spcBef>
+                <a:spcPts val="0"/>
+              </a:spcBef>
+              <a:spcAft>
+                <a:spcPts val="0"/>
+              </a:spcAft>
+              <a:buClrTx/>
+              <a:buSzTx/>
+              <a:buFontTx/>
+              <a:buNone/>
+              <a:tabLst/>
+              <a:defRPr/>
+            </a:pPr>
+            <a:r>
+              <a:rPr lang="es-AR" sz="1200" kern="1200" baseline="0" dirty="0" smtClean="0">
+                <a:solidFill>
+                  <a:schemeClr val="tx1"/>
+                </a:solidFill>
+                <a:effectLst/>
+                <a:latin typeface="+mn-lt"/>
+                <a:ea typeface="+mn-ea"/>
+                <a:cs typeface="+mn-cs"/>
+              </a:rPr>
+              <a:t>4to) T </a:t>
+            </a:r>
+            <a:r>
+              <a:rPr lang="es-AR" sz="1200" kern="1200" baseline="0" dirty="0" err="1" smtClean="0">
+                <a:solidFill>
+                  <a:schemeClr val="tx1"/>
+                </a:solidFill>
+                <a:effectLst/>
+                <a:latin typeface="+mn-lt"/>
+                <a:ea typeface="+mn-ea"/>
+                <a:cs typeface="+mn-cs"/>
+              </a:rPr>
+              <a:t>out</a:t>
+            </a:r>
+            <a:r>
+              <a:rPr lang="es-AR" sz="1200" kern="1200" baseline="0" dirty="0" smtClean="0">
+                <a:solidFill>
+                  <a:schemeClr val="tx1"/>
+                </a:solidFill>
+                <a:effectLst/>
+                <a:latin typeface="+mn-lt"/>
+                <a:ea typeface="+mn-ea"/>
+                <a:cs typeface="+mn-cs"/>
+              </a:rPr>
+              <a:t> N – </a:t>
+            </a:r>
+            <a:r>
+              <a:rPr lang="es-AR" sz="1200" kern="1200" baseline="0" dirty="0" err="1" smtClean="0">
+                <a:solidFill>
+                  <a:schemeClr val="tx1"/>
+                </a:solidFill>
+                <a:effectLst/>
+                <a:latin typeface="+mn-lt"/>
+                <a:ea typeface="+mn-ea"/>
+                <a:cs typeface="+mn-cs"/>
+              </a:rPr>
+              <a:t>Ndneg_N</a:t>
+            </a:r>
+            <a:endParaRPr lang="es-AR" sz="1200" kern="1200" baseline="0" dirty="0" smtClean="0">
+              <a:solidFill>
+                <a:schemeClr val="tx1"/>
+              </a:solidFill>
+              <a:effectLst/>
+              <a:latin typeface="+mn-lt"/>
+              <a:ea typeface="+mn-ea"/>
+              <a:cs typeface="+mn-cs"/>
+            </a:endParaRPr>
+          </a:p>
+          <a:p>
+            <a:endParaRPr lang="es-AR" sz="1200" kern="1200" dirty="0" smtClean="0">
+              <a:solidFill>
+                <a:schemeClr val="tx1"/>
+              </a:solidFill>
+              <a:effectLst/>
+              <a:latin typeface="+mn-lt"/>
+              <a:ea typeface="+mn-ea"/>
+              <a:cs typeface="+mn-cs"/>
+            </a:endParaRPr>
           </a:p>
         </p:txBody>
       </p:sp>
@@ -17625,7 +18522,7 @@
             <a:fld id="{EA0D9E51-E836-4F08-8FFF-406AF79182CA}" type="slidenum">
               <a:rPr lang="es-AR" smtClean="0"/>
               <a:pPr/>
-              <a:t>4</a:t>
+              <a:t>3</a:t>
             </a:fld>
             <a:endParaRPr lang="es-AR"/>
           </a:p>
@@ -17685,7 +18582,54 @@
           </a:bodyPr>
           <a:lstStyle/>
           <a:p>
-            <a:endParaRPr lang="es-AR"/>
+            <a:r>
+              <a:rPr lang="es-AR" dirty="0" smtClean="0"/>
+              <a:t>Se inyecta en los transistores</a:t>
+            </a:r>
+            <a:r>
+              <a:rPr lang="es-AR" baseline="0" dirty="0" smtClean="0"/>
+              <a:t> PMOS</a:t>
+            </a:r>
+          </a:p>
+          <a:p>
+            <a:endParaRPr lang="es-AR" baseline="0" dirty="0" smtClean="0"/>
+          </a:p>
+          <a:p>
+            <a:r>
+              <a:rPr lang="es-AR" baseline="0" dirty="0" smtClean="0"/>
+              <a:t>1ro) T diodo – </a:t>
+            </a:r>
+            <a:r>
+              <a:rPr lang="es-AR" baseline="0" dirty="0" err="1" smtClean="0"/>
+              <a:t>Ndneg_P</a:t>
+            </a:r>
+            <a:endParaRPr lang="es-AR" baseline="0" dirty="0" smtClean="0"/>
+          </a:p>
+          <a:p>
+            <a:r>
+              <a:rPr lang="es-AR" baseline="0" dirty="0" smtClean="0"/>
+              <a:t>2do) T primer etapa – </a:t>
+            </a:r>
+            <a:r>
+              <a:rPr lang="es-AR" baseline="0" dirty="0" err="1" smtClean="0"/>
+              <a:t>Ndpos_P</a:t>
+            </a:r>
+            <a:endParaRPr lang="es-AR" baseline="0" dirty="0" smtClean="0"/>
+          </a:p>
+          <a:p>
+            <a:r>
+              <a:rPr lang="es-AR" baseline="0" dirty="0" smtClean="0"/>
+              <a:t>3ro) T salida – </a:t>
+            </a:r>
+            <a:r>
+              <a:rPr lang="es-AR" baseline="0" dirty="0" err="1" smtClean="0"/>
+              <a:t>Ndout_P</a:t>
+            </a:r>
+            <a:r>
+              <a:rPr lang="es-AR" baseline="0" dirty="0" smtClean="0"/>
+              <a:t> (Transistor mas sensible del circuito)</a:t>
+            </a:r>
+            <a:endParaRPr lang="es-AR" dirty="0"/>
           </a:p>
         </p:txBody>
       </p:sp>
@@ -17707,7 +18651,7 @@
             <a:fld id="{EA0D9E51-E836-4F08-8FFF-406AF79182CA}" type="slidenum">
               <a:rPr lang="es-AR" smtClean="0"/>
               <a:pPr/>
-              <a:t>7</a:t>
+              <a:t>4</a:t>
             </a:fld>
             <a:endParaRPr lang="es-AR"/>
           </a:p>
@@ -17722,6 +18666,762 @@
 </file>
 
 <file path=ppt/notesSlides/notesSlide5.xml><?xml version="1.0" encoding="utf-8"?>
+<p:notes xmlns:a="http://schemas.openxmlformats.org/drawingml/2006/main" xmlns:r="http://schemas.openxmlformats.org/officeDocument/2006/relationships" xmlns:p="http://schemas.openxmlformats.org/presentationml/2006/main">
+  <p:cSld>
+    <p:spTree>
+      <p:nvGrpSpPr>
+        <p:cNvPr id="1" name=""/>
+        <p:cNvGrpSpPr/>
+        <p:nvPr/>
+      </p:nvGrpSpPr>
+      <p:grpSpPr>
+        <a:xfrm>
+          <a:off x="0" y="0"/>
+          <a:ext cx="0" cy="0"/>
+          <a:chOff x="0" y="0"/>
+          <a:chExt cx="0" cy="0"/>
+        </a:xfrm>
+      </p:grpSpPr>
+      <p:sp>
+        <p:nvSpPr>
+          <p:cNvPr id="2" name="Slide Image Placeholder 1"/>
+          <p:cNvSpPr>
+            <a:spLocks noGrp="1" noRot="1" noChangeAspect="1"/>
+          </p:cNvSpPr>
+          <p:nvPr>
+            <p:ph type="sldImg"/>
+          </p:nvPr>
+        </p:nvSpPr>
+        <p:spPr/>
+      </p:sp>
+      <p:sp>
+        <p:nvSpPr>
+          <p:cNvPr id="3" name="Notes Placeholder 2"/>
+          <p:cNvSpPr>
+            <a:spLocks noGrp="1"/>
+          </p:cNvSpPr>
+          <p:nvPr>
+            <p:ph type="body" idx="1"/>
+          </p:nvPr>
+        </p:nvSpPr>
+        <p:spPr/>
+        <p:txBody>
+          <a:bodyPr>
+            <a:normAutofit lnSpcReduction="10000"/>
+          </a:bodyPr>
+          <a:lstStyle/>
+          <a:p>
+            <a:pPr marL="0" marR="0" indent="0" algn="l" defTabSz="914400" rtl="0" eaLnBrk="1" fontAlgn="auto" latinLnBrk="0" hangingPunct="1">
+              <a:lnSpc>
+                <a:spcPct val="100000"/>
+              </a:lnSpc>
+              <a:spcBef>
+                <a:spcPts val="0"/>
+              </a:spcBef>
+              <a:spcAft>
+                <a:spcPts val="0"/>
+              </a:spcAft>
+              <a:buClrTx/>
+              <a:buSzTx/>
+              <a:buFontTx/>
+              <a:buNone/>
+              <a:tabLst/>
+              <a:defRPr/>
+            </a:pPr>
+            <a:r>
+              <a:rPr lang="es-AR" sz="1200" kern="1200" dirty="0" smtClean="0">
+                <a:solidFill>
+                  <a:schemeClr val="tx1"/>
+                </a:solidFill>
+                <a:effectLst/>
+                <a:latin typeface="+mn-lt"/>
+                <a:ea typeface="+mn-ea"/>
+                <a:cs typeface="+mn-cs"/>
+              </a:rPr>
+              <a:t>En las</a:t>
+            </a:r>
+            <a:r>
+              <a:rPr lang="es-AR" sz="1200" kern="1200" baseline="0" dirty="0" smtClean="0">
+                <a:solidFill>
+                  <a:schemeClr val="tx1"/>
+                </a:solidFill>
+                <a:effectLst/>
+                <a:latin typeface="+mn-lt"/>
+                <a:ea typeface="+mn-ea"/>
+                <a:cs typeface="+mn-cs"/>
+              </a:rPr>
+              <a:t> graficas de los análisis, s</a:t>
+            </a:r>
+            <a:r>
+              <a:rPr lang="es-AR" sz="1200" kern="1200" dirty="0" smtClean="0">
+                <a:solidFill>
+                  <a:schemeClr val="tx1"/>
+                </a:solidFill>
+                <a:effectLst/>
+                <a:latin typeface="+mn-lt"/>
+                <a:ea typeface="+mn-ea"/>
+                <a:cs typeface="+mn-cs"/>
+              </a:rPr>
+              <a:t>e grafican las duraciones y variaciones de tensión de los eventos en los nodos del comparador durante los procesos de simulación.</a:t>
+            </a:r>
+          </a:p>
+          <a:p>
+            <a:pPr marL="0" marR="0" indent="0" algn="l" defTabSz="914400" rtl="0" eaLnBrk="1" fontAlgn="auto" latinLnBrk="0" hangingPunct="1">
+              <a:lnSpc>
+                <a:spcPct val="100000"/>
+              </a:lnSpc>
+              <a:spcBef>
+                <a:spcPts val="0"/>
+              </a:spcBef>
+              <a:spcAft>
+                <a:spcPts val="0"/>
+              </a:spcAft>
+              <a:buClrTx/>
+              <a:buSzTx/>
+              <a:buFontTx/>
+              <a:buNone/>
+              <a:tabLst/>
+              <a:defRPr/>
+            </a:pPr>
+            <a:endParaRPr lang="es-AR" sz="1200" kern="1200" dirty="0" smtClean="0">
+              <a:solidFill>
+                <a:schemeClr val="tx1"/>
+              </a:solidFill>
+              <a:effectLst/>
+              <a:latin typeface="+mn-lt"/>
+              <a:ea typeface="+mn-ea"/>
+              <a:cs typeface="+mn-cs"/>
+            </a:endParaRPr>
+          </a:p>
+          <a:p>
+            <a:pPr marL="0" marR="0" indent="0" algn="l" defTabSz="914400" rtl="0" eaLnBrk="1" fontAlgn="auto" latinLnBrk="0" hangingPunct="1">
+              <a:lnSpc>
+                <a:spcPct val="100000"/>
+              </a:lnSpc>
+              <a:spcBef>
+                <a:spcPts val="0"/>
+              </a:spcBef>
+              <a:spcAft>
+                <a:spcPts val="0"/>
+              </a:spcAft>
+              <a:buClrTx/>
+              <a:buSzTx/>
+              <a:buFontTx/>
+              <a:buNone/>
+              <a:tabLst/>
+              <a:defRPr/>
+            </a:pPr>
+            <a:r>
+              <a:rPr lang="es-AR" sz="1200" kern="1200" dirty="0" smtClean="0">
+                <a:solidFill>
+                  <a:schemeClr val="tx1"/>
+                </a:solidFill>
+                <a:effectLst/>
+                <a:latin typeface="+mn-lt"/>
+                <a:ea typeface="+mn-ea"/>
+                <a:cs typeface="+mn-cs"/>
+              </a:rPr>
+              <a:t>Como</a:t>
+            </a:r>
+            <a:r>
+              <a:rPr lang="es-AR" sz="1200" kern="1200" baseline="0" dirty="0" smtClean="0">
+                <a:solidFill>
+                  <a:schemeClr val="tx1"/>
+                </a:solidFill>
+                <a:effectLst/>
+                <a:latin typeface="+mn-lt"/>
+                <a:ea typeface="+mn-ea"/>
+                <a:cs typeface="+mn-cs"/>
+              </a:rPr>
+              <a:t> todas las inyecciones generaban variaciones en a la salida de los comparadores, se consideraron error aquellas que superaban determinados limites:</a:t>
+            </a:r>
+          </a:p>
+          <a:p>
+            <a:pPr lvl="0"/>
+            <a:r>
+              <a:rPr lang="es-AR" sz="1200" kern="1200" dirty="0" smtClean="0">
+                <a:solidFill>
+                  <a:schemeClr val="tx1"/>
+                </a:solidFill>
+                <a:effectLst/>
+                <a:latin typeface="+mn-lt"/>
+                <a:ea typeface="+mn-ea"/>
+                <a:cs typeface="+mn-cs"/>
+              </a:rPr>
+              <a:t>UNO LÓGICO</a:t>
+            </a:r>
+          </a:p>
+          <a:p>
+            <a:pPr lvl="1"/>
+            <a:r>
+              <a:rPr lang="es-AR" sz="1200" kern="1200" dirty="0" smtClean="0">
+                <a:solidFill>
+                  <a:schemeClr val="tx1"/>
+                </a:solidFill>
+                <a:effectLst/>
+                <a:latin typeface="+mn-lt"/>
+                <a:ea typeface="+mn-ea"/>
+                <a:cs typeface="+mn-cs"/>
+              </a:rPr>
+              <a:t>Límite superior: 3.3 voltios.</a:t>
+            </a:r>
+          </a:p>
+          <a:p>
+            <a:pPr lvl="1"/>
+            <a:r>
+              <a:rPr lang="es-AR" sz="1200" kern="1200" dirty="0" smtClean="0">
+                <a:solidFill>
+                  <a:schemeClr val="tx1"/>
+                </a:solidFill>
+                <a:effectLst/>
+                <a:latin typeface="+mn-lt"/>
+                <a:ea typeface="+mn-ea"/>
+                <a:cs typeface="+mn-cs"/>
+              </a:rPr>
+              <a:t>Límite inferior: 2.3 voltios.</a:t>
+            </a:r>
+          </a:p>
+          <a:p>
+            <a:pPr lvl="0"/>
+            <a:r>
+              <a:rPr lang="es-AR" sz="1200" kern="1200" dirty="0" smtClean="0">
+                <a:solidFill>
+                  <a:schemeClr val="tx1"/>
+                </a:solidFill>
+                <a:effectLst/>
+                <a:latin typeface="+mn-lt"/>
+                <a:ea typeface="+mn-ea"/>
+                <a:cs typeface="+mn-cs"/>
+              </a:rPr>
+              <a:t>CERO LÓGICO</a:t>
+            </a:r>
+          </a:p>
+          <a:p>
+            <a:pPr lvl="1"/>
+            <a:r>
+              <a:rPr lang="es-AR" sz="1200" kern="1200" dirty="0" smtClean="0">
+                <a:solidFill>
+                  <a:schemeClr val="tx1"/>
+                </a:solidFill>
+                <a:effectLst/>
+                <a:latin typeface="+mn-lt"/>
+                <a:ea typeface="+mn-ea"/>
+                <a:cs typeface="+mn-cs"/>
+              </a:rPr>
+              <a:t>Límite superior: 1 voltio.</a:t>
+            </a:r>
+          </a:p>
+          <a:p>
+            <a:pPr lvl="1"/>
+            <a:r>
+              <a:rPr lang="es-AR" sz="1200" kern="1200" dirty="0" smtClean="0">
+                <a:solidFill>
+                  <a:schemeClr val="tx1"/>
+                </a:solidFill>
+                <a:effectLst/>
+                <a:latin typeface="+mn-lt"/>
+                <a:ea typeface="+mn-ea"/>
+                <a:cs typeface="+mn-cs"/>
+              </a:rPr>
+              <a:t>Límite inferior: 0 voltio.</a:t>
+            </a:r>
+          </a:p>
+          <a:p>
+            <a:pPr marL="0" marR="0" indent="0" algn="l" defTabSz="914400" rtl="0" eaLnBrk="1" fontAlgn="auto" latinLnBrk="0" hangingPunct="1">
+              <a:lnSpc>
+                <a:spcPct val="100000"/>
+              </a:lnSpc>
+              <a:spcBef>
+                <a:spcPts val="0"/>
+              </a:spcBef>
+              <a:spcAft>
+                <a:spcPts val="0"/>
+              </a:spcAft>
+              <a:buClrTx/>
+              <a:buSzTx/>
+              <a:buFontTx/>
+              <a:buNone/>
+              <a:tabLst/>
+              <a:defRPr/>
+            </a:pPr>
+            <a:endParaRPr lang="es-AR" sz="1200" kern="1200" dirty="0" smtClean="0">
+              <a:solidFill>
+                <a:schemeClr val="tx1"/>
+              </a:solidFill>
+              <a:effectLst/>
+              <a:latin typeface="+mn-lt"/>
+              <a:ea typeface="+mn-ea"/>
+              <a:cs typeface="+mn-cs"/>
+            </a:endParaRPr>
+          </a:p>
+          <a:p>
+            <a:r>
+              <a:rPr lang="es-AR" dirty="0" smtClean="0"/>
+              <a:t>Acá analizamos</a:t>
+            </a:r>
+            <a:r>
+              <a:rPr lang="es-AR" baseline="0" dirty="0" smtClean="0"/>
+              <a:t> mas detalladamente el nodo MAS sensible del circuito (NDOUT P) hasta el momento.</a:t>
+            </a:r>
+          </a:p>
+          <a:p>
+            <a:endParaRPr lang="es-AR" baseline="0" dirty="0" smtClean="0"/>
+          </a:p>
+          <a:p>
+            <a:r>
+              <a:rPr lang="es-AR" baseline="0" dirty="0" smtClean="0"/>
+              <a:t>En el eje vertical se representa la variación máxima de tensión del nodo de salida en escala logarítmica.</a:t>
+            </a:r>
+          </a:p>
+          <a:p>
+            <a:r>
+              <a:rPr lang="es-AR" baseline="0" dirty="0" smtClean="0"/>
+              <a:t>En el eje horizontal se representa la duración de la perturbación, considerando que el nodo vuelva a su estado inicial.</a:t>
+            </a:r>
+          </a:p>
+          <a:p>
+            <a:endParaRPr lang="es-AR" baseline="0" dirty="0" smtClean="0"/>
+          </a:p>
+          <a:p>
+            <a:r>
+              <a:rPr lang="es-AR" baseline="0" dirty="0" smtClean="0"/>
+              <a:t>Se remarcan las dos señales de entrada para las cuales se genera un cambio de estado total a la salida. Ambas dan como salida en estado sin perturbación valores </a:t>
+            </a:r>
+            <a:r>
+              <a:rPr lang="es-AR" baseline="0" dirty="0" err="1" smtClean="0"/>
+              <a:t>logicos</a:t>
+            </a:r>
+            <a:r>
+              <a:rPr lang="es-AR" baseline="0" dirty="0" smtClean="0"/>
+              <a:t> CEROS, y luego de realizarse la perturbación trapezoidal en el transistor P de salida, esta cambia a un valor lógico UNO por un periodo de 70nS aproximadamente.</a:t>
+            </a:r>
+          </a:p>
+          <a:p>
+            <a:endParaRPr lang="es-AR" baseline="0" dirty="0" smtClean="0"/>
+          </a:p>
+          <a:p>
+            <a:endParaRPr lang="es-AR" dirty="0"/>
+          </a:p>
+        </p:txBody>
+      </p:sp>
+      <p:sp>
+        <p:nvSpPr>
+          <p:cNvPr id="4" name="Slide Number Placeholder 3"/>
+          <p:cNvSpPr>
+            <a:spLocks noGrp="1"/>
+          </p:cNvSpPr>
+          <p:nvPr>
+            <p:ph type="sldNum" sz="quarter" idx="10"/>
+          </p:nvPr>
+        </p:nvSpPr>
+        <p:spPr/>
+        <p:txBody>
+          <a:bodyPr/>
+          <a:lstStyle/>
+          <a:p>
+            <a:fld id="{EA0D9E51-E836-4F08-8FFF-406AF79182CA}" type="slidenum">
+              <a:rPr lang="es-AR" smtClean="0"/>
+              <a:pPr/>
+              <a:t>5</a:t>
+            </a:fld>
+            <a:endParaRPr lang="es-AR"/>
+          </a:p>
+        </p:txBody>
+      </p:sp>
+    </p:spTree>
+    <p:extLst>
+      <p:ext uri="{BB962C8B-B14F-4D97-AF65-F5344CB8AC3E}">
+        <p14:creationId xmlns:p14="http://schemas.microsoft.com/office/powerpoint/2010/main" val="3659133002"/>
+      </p:ext>
+    </p:extLst>
+  </p:cSld>
+  <p:clrMapOvr>
+    <a:masterClrMapping/>
+  </p:clrMapOvr>
+</p:notes>
+</file>
+
+<file path=ppt/notesSlides/notesSlide6.xml><?xml version="1.0" encoding="utf-8"?>
+<p:notes xmlns:a="http://schemas.openxmlformats.org/drawingml/2006/main" xmlns:r="http://schemas.openxmlformats.org/officeDocument/2006/relationships" xmlns:p="http://schemas.openxmlformats.org/presentationml/2006/main">
+  <p:cSld>
+    <p:spTree>
+      <p:nvGrpSpPr>
+        <p:cNvPr id="1" name=""/>
+        <p:cNvGrpSpPr/>
+        <p:nvPr/>
+      </p:nvGrpSpPr>
+      <p:grpSpPr>
+        <a:xfrm>
+          <a:off x="0" y="0"/>
+          <a:ext cx="0" cy="0"/>
+          <a:chOff x="0" y="0"/>
+          <a:chExt cx="0" cy="0"/>
+        </a:xfrm>
+      </p:grpSpPr>
+      <p:sp>
+        <p:nvSpPr>
+          <p:cNvPr id="2" name="Slide Image Placeholder 1"/>
+          <p:cNvSpPr>
+            <a:spLocks noGrp="1" noRot="1" noChangeAspect="1"/>
+          </p:cNvSpPr>
+          <p:nvPr>
+            <p:ph type="sldImg"/>
+          </p:nvPr>
+        </p:nvSpPr>
+        <p:spPr/>
+      </p:sp>
+      <p:sp>
+        <p:nvSpPr>
+          <p:cNvPr id="3" name="Notes Placeholder 2"/>
+          <p:cNvSpPr>
+            <a:spLocks noGrp="1"/>
+          </p:cNvSpPr>
+          <p:nvPr>
+            <p:ph type="body" idx="1"/>
+          </p:nvPr>
+        </p:nvSpPr>
+        <p:spPr/>
+        <p:txBody>
+          <a:bodyPr>
+            <a:normAutofit lnSpcReduction="10000"/>
+          </a:bodyPr>
+          <a:lstStyle/>
+          <a:p>
+            <a:r>
+              <a:rPr lang="es-AR" dirty="0" smtClean="0"/>
+              <a:t>Acá se presentan</a:t>
+            </a:r>
+            <a:r>
+              <a:rPr lang="es-AR" baseline="0" dirty="0" smtClean="0"/>
+              <a:t> las graficas de los análisis realizados a partir de ambas inyecciones manuales, la trapezoidal a la izquierda y la exponencial a la derecha.</a:t>
+            </a:r>
+          </a:p>
+          <a:p>
+            <a:endParaRPr lang="es-AR" baseline="0" dirty="0" smtClean="0"/>
+          </a:p>
+          <a:p>
+            <a:r>
+              <a:rPr lang="es-AR" baseline="0" dirty="0" smtClean="0"/>
+              <a:t>Las tensiones de referencias sobre las cuales se realizaron ambos análisis son las dos tensiones extremo del comparador:</a:t>
+            </a:r>
+          </a:p>
+          <a:p>
+            <a:r>
+              <a:rPr lang="es-AR" baseline="0" dirty="0" err="1" smtClean="0"/>
+              <a:t>Vref</a:t>
+            </a:r>
+            <a:r>
+              <a:rPr lang="es-AR" baseline="0" dirty="0" smtClean="0"/>
+              <a:t>=1,005 la mas baja</a:t>
+            </a:r>
+          </a:p>
+          <a:p>
+            <a:r>
+              <a:rPr lang="es-AR" baseline="0" dirty="0" err="1" smtClean="0"/>
+              <a:t>Vref</a:t>
+            </a:r>
+            <a:r>
+              <a:rPr lang="es-AR" baseline="0" dirty="0" smtClean="0"/>
+              <a:t>=1,625 la mas alta</a:t>
+            </a:r>
+          </a:p>
+          <a:p>
+            <a:endParaRPr lang="es-AR" baseline="0" dirty="0" smtClean="0"/>
+          </a:p>
+          <a:p>
+            <a:r>
+              <a:rPr lang="es-AR" baseline="0" dirty="0" smtClean="0"/>
+              <a:t>Hay que tener en cuenta que:</a:t>
+            </a:r>
+          </a:p>
+          <a:p>
+            <a:pPr marL="171450" indent="-171450">
+              <a:buFontTx/>
+              <a:buChar char="-"/>
+            </a:pPr>
+            <a:r>
+              <a:rPr lang="es-AR" baseline="0" dirty="0" smtClean="0"/>
+              <a:t>Cuando hablamos de variaciones máximas de tensión, tenemos en cuenta los puntos extremos de las graficas, y no su duración en este estado ( o sea que la integral de la grafica formada por las variaciones entre iguales puntos de las graficas no significa q sean iguales)</a:t>
+            </a:r>
+          </a:p>
+          <a:p>
+            <a:endParaRPr lang="es-AR" baseline="0" dirty="0" smtClean="0"/>
+          </a:p>
+          <a:p>
+            <a:r>
+              <a:rPr lang="es-AR" baseline="0" dirty="0" smtClean="0"/>
+              <a:t>Comparando las gráficas:</a:t>
+            </a:r>
+          </a:p>
+          <a:p>
+            <a:pPr marL="171450" indent="-171450">
+              <a:buFontTx/>
+              <a:buChar char="-"/>
+            </a:pPr>
+            <a:r>
+              <a:rPr lang="es-AR" baseline="0" dirty="0" smtClean="0"/>
+              <a:t>Para tensiones de entrada en modo común de los comparadores mayores, las duraciones de los de los eventos disminuyen, al igual que las variaciones máxima de tensión.</a:t>
+            </a:r>
+          </a:p>
+          <a:p>
+            <a:pPr marL="171450" indent="-171450">
+              <a:buFontTx/>
+              <a:buChar char="-"/>
+            </a:pPr>
+            <a:r>
+              <a:rPr lang="es-AR" dirty="0" smtClean="0"/>
+              <a:t>Entre inyecciones,</a:t>
+            </a:r>
+            <a:r>
+              <a:rPr lang="es-AR" baseline="0" dirty="0" smtClean="0"/>
+              <a:t> vemos que las duraciones de las perturbaciones causadas por la falla trapezoidal son mayores (10 </a:t>
+            </a:r>
+            <a:r>
+              <a:rPr lang="es-AR" baseline="0" dirty="0" err="1" smtClean="0"/>
+              <a:t>nS</a:t>
+            </a:r>
+            <a:r>
+              <a:rPr lang="es-AR" baseline="0" dirty="0" smtClean="0"/>
+              <a:t> mas aproximadamente), pero las variaciones de tensión máxima se mantienen similares, ya que ambos modelos llegaban a 4mA como nivel máximo.</a:t>
+            </a:r>
+          </a:p>
+          <a:p>
+            <a:pPr marL="171450" indent="-171450">
+              <a:buFontTx/>
+              <a:buChar char="-"/>
+            </a:pPr>
+            <a:r>
+              <a:rPr lang="es-AR" baseline="0" dirty="0" smtClean="0"/>
+              <a:t>Se encuentran similitudes en la distribución de los puntos en todas las graficas, lo que indica que ante ambos modelos, los </a:t>
+            </a:r>
+            <a:r>
+              <a:rPr lang="es-AR" baseline="0" dirty="0" err="1" smtClean="0"/>
+              <a:t>drenadores</a:t>
+            </a:r>
+            <a:r>
+              <a:rPr lang="es-AR" baseline="0" dirty="0" smtClean="0"/>
+              <a:t> son afectados de manera similar, lo que no significa que su implicancia luego en la lógica combinacional sea la misma.</a:t>
+            </a:r>
+          </a:p>
+        </p:txBody>
+      </p:sp>
+      <p:sp>
+        <p:nvSpPr>
+          <p:cNvPr id="4" name="Slide Number Placeholder 3"/>
+          <p:cNvSpPr>
+            <a:spLocks noGrp="1"/>
+          </p:cNvSpPr>
+          <p:nvPr>
+            <p:ph type="sldNum" sz="quarter" idx="10"/>
+          </p:nvPr>
+        </p:nvSpPr>
+        <p:spPr/>
+        <p:txBody>
+          <a:bodyPr/>
+          <a:lstStyle/>
+          <a:p>
+            <a:fld id="{EA0D9E51-E836-4F08-8FFF-406AF79182CA}" type="slidenum">
+              <a:rPr lang="es-AR" smtClean="0"/>
+              <a:pPr/>
+              <a:t>6</a:t>
+            </a:fld>
+            <a:endParaRPr lang="es-AR"/>
+          </a:p>
+        </p:txBody>
+      </p:sp>
+    </p:spTree>
+    <p:extLst>
+      <p:ext uri="{BB962C8B-B14F-4D97-AF65-F5344CB8AC3E}">
+        <p14:creationId xmlns:p14="http://schemas.microsoft.com/office/powerpoint/2010/main" val="3581056282"/>
+      </p:ext>
+    </p:extLst>
+  </p:cSld>
+  <p:clrMapOvr>
+    <a:masterClrMapping/>
+  </p:clrMapOvr>
+</p:notes>
+</file>
+
+<file path=ppt/notesSlides/notesSlide7.xml><?xml version="1.0" encoding="utf-8"?>
+<p:notes xmlns:a="http://schemas.openxmlformats.org/drawingml/2006/main" xmlns:r="http://schemas.openxmlformats.org/officeDocument/2006/relationships" xmlns:p="http://schemas.openxmlformats.org/presentationml/2006/main">
+  <p:cSld>
+    <p:spTree>
+      <p:nvGrpSpPr>
+        <p:cNvPr id="1" name=""/>
+        <p:cNvGrpSpPr/>
+        <p:nvPr/>
+      </p:nvGrpSpPr>
+      <p:grpSpPr>
+        <a:xfrm>
+          <a:off x="0" y="0"/>
+          <a:ext cx="0" cy="0"/>
+          <a:chOff x="0" y="0"/>
+          <a:chExt cx="0" cy="0"/>
+        </a:xfrm>
+      </p:grpSpPr>
+      <p:sp>
+        <p:nvSpPr>
+          <p:cNvPr id="2" name="1 Marcador de imagen de diapositiva"/>
+          <p:cNvSpPr>
+            <a:spLocks noGrp="1" noRot="1" noChangeAspect="1"/>
+          </p:cNvSpPr>
+          <p:nvPr>
+            <p:ph type="sldImg"/>
+          </p:nvPr>
+        </p:nvSpPr>
+        <p:spPr/>
+      </p:sp>
+      <p:sp>
+        <p:nvSpPr>
+          <p:cNvPr id="3" name="2 Marcador de notas"/>
+          <p:cNvSpPr>
+            <a:spLocks noGrp="1"/>
+          </p:cNvSpPr>
+          <p:nvPr>
+            <p:ph type="body" idx="1"/>
+          </p:nvPr>
+        </p:nvSpPr>
+        <p:spPr/>
+        <p:txBody>
+          <a:bodyPr>
+            <a:normAutofit/>
+          </a:bodyPr>
+          <a:lstStyle/>
+          <a:p>
+            <a:endParaRPr lang="es-AR" dirty="0"/>
+          </a:p>
+        </p:txBody>
+      </p:sp>
+      <p:sp>
+        <p:nvSpPr>
+          <p:cNvPr id="4" name="3 Marcador de número de diapositiva"/>
+          <p:cNvSpPr>
+            <a:spLocks noGrp="1"/>
+          </p:cNvSpPr>
+          <p:nvPr>
+            <p:ph type="sldNum" sz="quarter" idx="10"/>
+          </p:nvPr>
+        </p:nvSpPr>
+        <p:spPr/>
+        <p:txBody>
+          <a:bodyPr/>
+          <a:lstStyle/>
+          <a:p>
+            <a:fld id="{EA0D9E51-E836-4F08-8FFF-406AF79182CA}" type="slidenum">
+              <a:rPr lang="es-AR" smtClean="0"/>
+              <a:pPr/>
+              <a:t>7</a:t>
+            </a:fld>
+            <a:endParaRPr lang="es-AR"/>
+          </a:p>
+        </p:txBody>
+      </p:sp>
+    </p:spTree>
+  </p:cSld>
+  <p:clrMapOvr>
+    <a:masterClrMapping/>
+  </p:clrMapOvr>
+</p:notes>
+</file>
+
+<file path=ppt/notesSlides/notesSlide8.xml><?xml version="1.0" encoding="utf-8"?>
+<p:notes xmlns:a="http://schemas.openxmlformats.org/drawingml/2006/main" xmlns:r="http://schemas.openxmlformats.org/officeDocument/2006/relationships" xmlns:p="http://schemas.openxmlformats.org/presentationml/2006/main">
+  <p:cSld>
+    <p:spTree>
+      <p:nvGrpSpPr>
+        <p:cNvPr id="1" name=""/>
+        <p:cNvGrpSpPr/>
+        <p:nvPr/>
+      </p:nvGrpSpPr>
+      <p:grpSpPr>
+        <a:xfrm>
+          <a:off x="0" y="0"/>
+          <a:ext cx="0" cy="0"/>
+          <a:chOff x="0" y="0"/>
+          <a:chExt cx="0" cy="0"/>
+        </a:xfrm>
+      </p:grpSpPr>
+      <p:sp>
+        <p:nvSpPr>
+          <p:cNvPr id="2" name="Slide Image Placeholder 1"/>
+          <p:cNvSpPr>
+            <a:spLocks noGrp="1" noRot="1" noChangeAspect="1"/>
+          </p:cNvSpPr>
+          <p:nvPr>
+            <p:ph type="sldImg"/>
+          </p:nvPr>
+        </p:nvSpPr>
+        <p:spPr/>
+      </p:sp>
+      <p:sp>
+        <p:nvSpPr>
+          <p:cNvPr id="3" name="Notes Placeholder 2"/>
+          <p:cNvSpPr>
+            <a:spLocks noGrp="1"/>
+          </p:cNvSpPr>
+          <p:nvPr>
+            <p:ph type="body" idx="1"/>
+          </p:nvPr>
+        </p:nvSpPr>
+        <p:spPr/>
+        <p:txBody>
+          <a:bodyPr/>
+          <a:lstStyle/>
+          <a:p>
+            <a:r>
+              <a:rPr lang="es-AR" sz="1200" kern="1200" dirty="0" smtClean="0">
+                <a:solidFill>
+                  <a:schemeClr val="tx1"/>
+                </a:solidFill>
+                <a:effectLst/>
+                <a:latin typeface="+mn-lt"/>
+                <a:ea typeface="+mn-ea"/>
+                <a:cs typeface="+mn-cs"/>
+              </a:rPr>
+              <a:t>El proceso se divide en etapas a realizar por el usuario y por el programa, comenzando por el diseño del circuito</a:t>
+            </a:r>
+            <a:endParaRPr lang="es-AR" dirty="0"/>
+          </a:p>
+        </p:txBody>
+      </p:sp>
+      <p:sp>
+        <p:nvSpPr>
+          <p:cNvPr id="4" name="Slide Number Placeholder 3"/>
+          <p:cNvSpPr>
+            <a:spLocks noGrp="1"/>
+          </p:cNvSpPr>
+          <p:nvPr>
+            <p:ph type="sldNum" sz="quarter" idx="10"/>
+          </p:nvPr>
+        </p:nvSpPr>
+        <p:spPr/>
+        <p:txBody>
+          <a:bodyPr/>
+          <a:lstStyle/>
+          <a:p>
+            <a:fld id="{EA0D9E51-E836-4F08-8FFF-406AF79182CA}" type="slidenum">
+              <a:rPr lang="es-AR" smtClean="0"/>
+              <a:pPr/>
+              <a:t>8</a:t>
+            </a:fld>
+            <a:endParaRPr lang="es-AR"/>
+          </a:p>
+        </p:txBody>
+      </p:sp>
+    </p:spTree>
+    <p:extLst>
+      <p:ext uri="{BB962C8B-B14F-4D97-AF65-F5344CB8AC3E}">
+        <p14:creationId xmlns:p14="http://schemas.microsoft.com/office/powerpoint/2010/main" val="2747274751"/>
+      </p:ext>
+    </p:extLst>
+  </p:cSld>
+  <p:clrMapOvr>
+    <a:masterClrMapping/>
+  </p:clrMapOvr>
+</p:notes>
+</file>
+
+<file path=ppt/notesSlides/notesSlide9.xml><?xml version="1.0" encoding="utf-8"?>
 <p:notes xmlns:a="http://schemas.openxmlformats.org/drawingml/2006/main" xmlns:r="http://schemas.openxmlformats.org/officeDocument/2006/relationships" xmlns:p="http://schemas.openxmlformats.org/presentationml/2006/main">
   <p:cSld>
     <p:spTree>
@@ -18213,7 +19913,7 @@
             <a:fld id="{7396B977-6251-41DE-9CF2-59811A3624F8}" type="datetimeFigureOut">
               <a:rPr lang="es-AR" smtClean="0"/>
               <a:pPr/>
-              <a:t>13/09/2010</a:t>
+              <a:t>14/09/2010</a:t>
             </a:fld>
             <a:endParaRPr lang="es-AR"/>
           </a:p>
@@ -18438,7 +20138,7 @@
             <a:fld id="{7396B977-6251-41DE-9CF2-59811A3624F8}" type="datetimeFigureOut">
               <a:rPr lang="es-AR" smtClean="0"/>
               <a:pPr/>
-              <a:t>13/09/2010</a:t>
+              <a:t>14/09/2010</a:t>
             </a:fld>
             <a:endParaRPr lang="es-AR"/>
           </a:p>
@@ -18720,7 +20420,7 @@
             <a:fld id="{7396B977-6251-41DE-9CF2-59811A3624F8}" type="datetimeFigureOut">
               <a:rPr lang="es-AR" smtClean="0"/>
               <a:pPr/>
-              <a:t>13/09/2010</a:t>
+              <a:t>14/09/2010</a:t>
             </a:fld>
             <a:endParaRPr lang="es-AR"/>
           </a:p>
@@ -19020,7 +20720,7 @@
             <a:fld id="{7396B977-6251-41DE-9CF2-59811A3624F8}" type="datetimeFigureOut">
               <a:rPr lang="es-AR" smtClean="0"/>
               <a:pPr/>
-              <a:t>13/09/2010</a:t>
+              <a:t>14/09/2010</a:t>
             </a:fld>
             <a:endParaRPr lang="es-AR"/>
           </a:p>
@@ -19495,7 +21195,7 @@
             <a:fld id="{7396B977-6251-41DE-9CF2-59811A3624F8}" type="datetimeFigureOut">
               <a:rPr lang="es-AR" smtClean="0"/>
               <a:pPr/>
-              <a:t>13/09/2010</a:t>
+              <a:t>14/09/2010</a:t>
             </a:fld>
             <a:endParaRPr lang="es-AR"/>
           </a:p>
@@ -19885,7 +21585,7 @@
             <a:fld id="{7396B977-6251-41DE-9CF2-59811A3624F8}" type="datetimeFigureOut">
               <a:rPr lang="es-AR" smtClean="0"/>
               <a:pPr/>
-              <a:t>13/09/2010</a:t>
+              <a:t>14/09/2010</a:t>
             </a:fld>
             <a:endParaRPr lang="es-AR"/>
           </a:p>
@@ -20275,7 +21975,7 @@
             <a:fld id="{7396B977-6251-41DE-9CF2-59811A3624F8}" type="datetimeFigureOut">
               <a:rPr lang="es-AR" smtClean="0"/>
               <a:pPr/>
-              <a:t>13/09/2010</a:t>
+              <a:t>14/09/2010</a:t>
             </a:fld>
             <a:endParaRPr lang="es-AR"/>
           </a:p>
@@ -20750,7 +22450,7 @@
             <a:fld id="{7396B977-6251-41DE-9CF2-59811A3624F8}" type="datetimeFigureOut">
               <a:rPr lang="es-AR" smtClean="0"/>
               <a:pPr/>
-              <a:t>13/09/2010</a:t>
+              <a:t>14/09/2010</a:t>
             </a:fld>
             <a:endParaRPr lang="es-AR"/>
           </a:p>
@@ -21055,7 +22755,7 @@
             <a:fld id="{7396B977-6251-41DE-9CF2-59811A3624F8}" type="datetimeFigureOut">
               <a:rPr lang="es-AR" smtClean="0"/>
               <a:pPr/>
-              <a:t>13/09/2010</a:t>
+              <a:t>14/09/2010</a:t>
             </a:fld>
             <a:endParaRPr lang="es-AR"/>
           </a:p>
@@ -21360,7 +23060,7 @@
             <a:fld id="{7396B977-6251-41DE-9CF2-59811A3624F8}" type="datetimeFigureOut">
               <a:rPr lang="es-AR" smtClean="0"/>
               <a:pPr/>
-              <a:t>13/09/2010</a:t>
+              <a:t>14/09/2010</a:t>
             </a:fld>
             <a:endParaRPr lang="es-AR"/>
           </a:p>
@@ -21716,7 +23416,7 @@
             <a:fld id="{7396B977-6251-41DE-9CF2-59811A3624F8}" type="datetimeFigureOut">
               <a:rPr lang="es-AR" smtClean="0"/>
               <a:pPr/>
-              <a:t>13/09/2010</a:t>
+              <a:t>14/09/2010</a:t>
             </a:fld>
             <a:endParaRPr lang="es-AR"/>
           </a:p>
@@ -22076,7 +23776,7 @@
             <a:fld id="{7396B977-6251-41DE-9CF2-59811A3624F8}" type="datetimeFigureOut">
               <a:rPr lang="es-AR" smtClean="0"/>
               <a:pPr/>
-              <a:t>13/09/2010</a:t>
+              <a:t>14/09/2010</a:t>
             </a:fld>
             <a:endParaRPr lang="es-AR"/>
           </a:p>
@@ -22365,7 +24065,7 @@
             <a:fld id="{7396B977-6251-41DE-9CF2-59811A3624F8}" type="datetimeFigureOut">
               <a:rPr lang="es-AR" smtClean="0"/>
               <a:pPr/>
-              <a:t>13/09/2010</a:t>
+              <a:t>14/09/2010</a:t>
             </a:fld>
             <a:endParaRPr lang="es-AR"/>
           </a:p>
@@ -22789,7 +24489,7 @@
             <a:fld id="{7396B977-6251-41DE-9CF2-59811A3624F8}" type="datetimeFigureOut">
               <a:rPr lang="es-AR" smtClean="0"/>
               <a:pPr/>
-              <a:t>13/09/2010</a:t>
+              <a:t>14/09/2010</a:t>
             </a:fld>
             <a:endParaRPr lang="es-AR"/>
           </a:p>
@@ -22906,7 +24606,7 @@
             <a:fld id="{7396B977-6251-41DE-9CF2-59811A3624F8}" type="datetimeFigureOut">
               <a:rPr lang="es-AR" smtClean="0"/>
               <a:pPr/>
-              <a:t>13/09/2010</a:t>
+              <a:t>14/09/2010</a:t>
             </a:fld>
             <a:endParaRPr lang="es-AR"/>
           </a:p>
@@ -22998,7 +24698,7 @@
             <a:fld id="{7396B977-6251-41DE-9CF2-59811A3624F8}" type="datetimeFigureOut">
               <a:rPr lang="es-AR" smtClean="0"/>
               <a:pPr/>
-              <a:t>13/09/2010</a:t>
+              <a:t>14/09/2010</a:t>
             </a:fld>
             <a:endParaRPr lang="es-AR"/>
           </a:p>
@@ -23278,7 +24978,7 @@
             <a:fld id="{7396B977-6251-41DE-9CF2-59811A3624F8}" type="datetimeFigureOut">
               <a:rPr lang="es-AR" smtClean="0"/>
               <a:pPr/>
-              <a:t>13/09/2010</a:t>
+              <a:t>14/09/2010</a:t>
             </a:fld>
             <a:endParaRPr lang="es-AR"/>
           </a:p>
@@ -23646,7 +25346,7 @@
             <a:fld id="{7396B977-6251-41DE-9CF2-59811A3624F8}" type="datetimeFigureOut">
               <a:rPr lang="es-AR" smtClean="0"/>
               <a:pPr/>
-              <a:t>13/09/2010</a:t>
+              <a:t>14/09/2010</a:t>
             </a:fld>
             <a:endParaRPr lang="es-AR"/>
           </a:p>
@@ -24085,7 +25785,7 @@
             <a:fld id="{7396B977-6251-41DE-9CF2-59811A3624F8}" type="datetimeFigureOut">
               <a:rPr lang="es-AR" smtClean="0"/>
               <a:pPr/>
-              <a:t>13/09/2010</a:t>
+              <a:t>14/09/2010</a:t>
             </a:fld>
             <a:endParaRPr lang="es-AR"/>
           </a:p>
@@ -28461,15 +30161,7 @@
             <a:pPr lvl="1"/>
             <a:r>
               <a:rPr lang="es-AR" dirty="0" smtClean="0"/>
-              <a:t>No posee lógica </a:t>
-            </a:r>
-            <a:r>
-              <a:rPr lang="es-AR" dirty="0" err="1" smtClean="0"/>
-              <a:t>combinacional</a:t>
-            </a:r>
-            <a:r>
-              <a:rPr lang="es-AR" dirty="0" smtClean="0"/>
-              <a:t> adherida.</a:t>
+              <a:t>No posee lógica combinacional adherida.</a:t>
             </a:r>
           </a:p>
           <a:p>
@@ -28496,15 +30188,7 @@
           <a:p>
             <a:r>
               <a:rPr lang="es-AR" dirty="0" smtClean="0"/>
-              <a:t>La lógica </a:t>
-            </a:r>
-            <a:r>
-              <a:rPr lang="es-AR" dirty="0" err="1" smtClean="0"/>
-              <a:t>combinacional</a:t>
-            </a:r>
-            <a:r>
-              <a:rPr lang="es-AR" dirty="0" smtClean="0"/>
-              <a:t> provee un efecto de filtrado .</a:t>
+              <a:t>La lógica combinacional provee un efecto de filtrado .</a:t>
             </a:r>
           </a:p>
           <a:p>
@@ -28833,7 +30517,7 @@
         </p:xfrm>
         <a:graphic>
           <a:graphicData uri="http://schemas.openxmlformats.org/drawingml/2006/diagram">
-            <dgm:relIds xmlns:dgm="http://schemas.openxmlformats.org/drawingml/2006/diagram" xmlns:r="http://schemas.openxmlformats.org/officeDocument/2006/relationships" r:dm="rId2" r:lo="rId3" r:qs="rId4" r:cs="rId5"/>
+            <dgm:relIds xmlns:dgm="http://schemas.openxmlformats.org/drawingml/2006/diagram" xmlns:r="http://schemas.openxmlformats.org/officeDocument/2006/relationships" r:dm="rId3" r:lo="rId4" r:qs="rId5" r:cs="rId6"/>
           </a:graphicData>
         </a:graphic>
       </p:graphicFrame>
@@ -28848,7 +30532,7 @@
           </p:nvPr>
         </p:nvPicPr>
         <p:blipFill>
-          <a:blip r:embed="rId7" cstate="print"/>
+          <a:blip r:embed="rId8" cstate="print"/>
           <a:stretch>
             <a:fillRect/>
           </a:stretch>
@@ -28871,7 +30555,7 @@
           </p:nvPr>
         </p:nvPicPr>
         <p:blipFill>
-          <a:blip r:embed="rId8" cstate="print"/>
+          <a:blip r:embed="rId9" cstate="print"/>
           <a:stretch>
             <a:fillRect/>
           </a:stretch>
@@ -28950,13 +30634,13 @@
         </p:nvSpPr>
         <p:spPr>
           <a:xfrm>
-            <a:off x="179512" y="1556792"/>
-            <a:ext cx="4392488" cy="5112568"/>
+            <a:off x="179512" y="1692188"/>
+            <a:ext cx="4032448" cy="5121188"/>
           </a:xfrm>
         </p:spPr>
         <p:txBody>
           <a:bodyPr>
-            <a:normAutofit/>
+            <a:normAutofit fontScale="77500" lnSpcReduction="20000"/>
           </a:bodyPr>
           <a:lstStyle/>
           <a:p>
@@ -28976,8 +30660,40 @@
             </a:r>
             <a:r>
               <a:rPr lang="es-AR" dirty="0" smtClean="0"/>
-              <a:t>: 1.315 voltios</a:t>
-            </a:r>
+              <a:t>: 1.315 </a:t>
+            </a:r>
+            <a:r>
+              <a:rPr lang="es-AR" dirty="0" smtClean="0"/>
+              <a:t>voltios</a:t>
+            </a:r>
+          </a:p>
+          <a:p>
+            <a:endParaRPr lang="es-AR" dirty="0" smtClean="0"/>
+          </a:p>
+          <a:p>
+            <a:r>
+              <a:rPr lang="es-AR" dirty="0" smtClean="0"/>
+              <a:t>Nodos de conexión:</a:t>
+            </a:r>
+            <a:endParaRPr lang="es-AR" dirty="0" smtClean="0"/>
+          </a:p>
+          <a:p>
+            <a:pPr lvl="1"/>
+            <a:r>
+              <a:rPr lang="es-AR" dirty="0" smtClean="0"/>
+              <a:t>INNEG se conecta la señal de entrada</a:t>
+            </a:r>
+          </a:p>
+          <a:p>
+            <a:pPr lvl="1"/>
+            <a:r>
+              <a:rPr lang="es-AR" dirty="0" smtClean="0"/>
+              <a:t>INPOS se conecta la tensión de referencia</a:t>
+            </a:r>
+          </a:p>
+          <a:p>
+            <a:pPr lvl="1"/>
+            <a:endParaRPr lang="es-AR" dirty="0" smtClean="0"/>
           </a:p>
           <a:p>
             <a:r>
@@ -29015,6 +30731,10 @@
               <a:rPr lang="es-AR" dirty="0" err="1" smtClean="0"/>
               <a:t>NDout_N</a:t>
             </a:r>
+            <a:endParaRPr lang="es-AR" dirty="0" smtClean="0"/>
+          </a:p>
+          <a:p>
+            <a:pPr lvl="1"/>
             <a:endParaRPr lang="es-AR" dirty="0"/>
           </a:p>
           <a:p>
@@ -29447,12 +31167,12 @@
         <p:spPr>
           <a:xfrm>
             <a:off x="107504" y="1628800"/>
-            <a:ext cx="4080933" cy="4781127"/>
+            <a:ext cx="4080933" cy="5112568"/>
           </a:xfrm>
         </p:spPr>
         <p:txBody>
           <a:bodyPr>
-            <a:normAutofit/>
+            <a:normAutofit fontScale="85000" lnSpcReduction="20000"/>
           </a:bodyPr>
           <a:lstStyle/>
           <a:p>
@@ -29472,8 +31192,38 @@
             </a:r>
             <a:r>
               <a:rPr lang="es-AR" dirty="0" smtClean="0"/>
-              <a:t>: 1.315 voltios</a:t>
-            </a:r>
+              <a:t>: 1.315 </a:t>
+            </a:r>
+            <a:r>
+              <a:rPr lang="es-AR" dirty="0" smtClean="0"/>
+              <a:t>voltios</a:t>
+            </a:r>
+          </a:p>
+          <a:p>
+            <a:endParaRPr lang="es-AR" dirty="0" smtClean="0"/>
+          </a:p>
+          <a:p>
+            <a:r>
+              <a:rPr lang="es-AR" dirty="0"/>
+              <a:t>Nodos de conexión:</a:t>
+            </a:r>
+          </a:p>
+          <a:p>
+            <a:pPr lvl="1"/>
+            <a:r>
+              <a:rPr lang="es-AR" dirty="0"/>
+              <a:t>INNEG se conecta la señal de entrada</a:t>
+            </a:r>
+          </a:p>
+          <a:p>
+            <a:pPr lvl="1"/>
+            <a:r>
+              <a:rPr lang="es-AR" dirty="0"/>
+              <a:t>INPOS se conecta la tensión de referencia</a:t>
+            </a:r>
+          </a:p>
+          <a:p>
+            <a:endParaRPr lang="es-AR" dirty="0" smtClean="0"/>
           </a:p>
           <a:p>
             <a:r>
@@ -29503,6 +31253,10 @@
               <a:rPr lang="es-AR" dirty="0" err="1" smtClean="0"/>
               <a:t>Ndout_P</a:t>
             </a:r>
+            <a:endParaRPr lang="es-AR" dirty="0" smtClean="0"/>
+          </a:p>
+          <a:p>
+            <a:pPr lvl="1"/>
             <a:endParaRPr lang="es-AR" dirty="0" smtClean="0"/>
           </a:p>
           <a:p>
@@ -30087,7 +31841,7 @@
               <p:nvPr/>
             </p:nvPicPr>
             <p:blipFill>
-              <a:blip r:embed="rId2" cstate="print"/>
+              <a:blip r:embed="rId3" cstate="print"/>
               <a:srcRect/>
               <a:stretch>
                 <a:fillRect/>
@@ -30191,7 +31945,7 @@
                 <p:nvPr/>
               </p:nvPicPr>
               <p:blipFill>
-                <a:blip r:embed="rId3" cstate="print"/>
+                <a:blip r:embed="rId4" cstate="print"/>
                 <a:srcRect/>
                 <a:stretch>
                   <a:fillRect/>
@@ -30267,7 +32021,7 @@
               <p:nvPr/>
             </p:nvPicPr>
             <p:blipFill>
-              <a:blip r:embed="rId4" cstate="print"/>
+              <a:blip r:embed="rId5" cstate="print"/>
               <a:srcRect/>
               <a:stretch>
                 <a:fillRect/>
@@ -30300,7 +32054,7 @@
             <p:nvPr/>
           </p:nvPicPr>
           <p:blipFill>
-            <a:blip r:embed="rId5" cstate="print"/>
+            <a:blip r:embed="rId6" cstate="print"/>
             <a:srcRect/>
             <a:stretch>
               <a:fillRect/>
@@ -30388,7 +32142,7 @@
           <p:nvPr/>
         </p:nvPicPr>
         <p:blipFill>
-          <a:blip r:embed="rId2" cstate="print"/>
+          <a:blip r:embed="rId3" cstate="print"/>
           <a:srcRect/>
           <a:stretch>
             <a:fillRect/>
@@ -30420,7 +32174,7 @@
           <p:nvPr/>
         </p:nvPicPr>
         <p:blipFill>
-          <a:blip r:embed="rId3" cstate="print"/>
+          <a:blip r:embed="rId4" cstate="print"/>
           <a:srcRect/>
           <a:stretch>
             <a:fillRect/>
@@ -30452,7 +32206,7 @@
           <p:nvPr/>
         </p:nvPicPr>
         <p:blipFill>
-          <a:blip r:embed="rId4" cstate="print"/>
+          <a:blip r:embed="rId5" cstate="print"/>
           <a:srcRect/>
           <a:stretch>
             <a:fillRect/>
@@ -30484,7 +32238,7 @@
           <p:nvPr/>
         </p:nvPicPr>
         <p:blipFill>
-          <a:blip r:embed="rId5" cstate="print"/>
+          <a:blip r:embed="rId6" cstate="print"/>
           <a:srcRect/>
           <a:stretch>
             <a:fillRect/>
@@ -30864,7 +32618,7 @@
         </p:xfrm>
         <a:graphic>
           <a:graphicData uri="http://schemas.openxmlformats.org/drawingml/2006/diagram">
-            <dgm:relIds xmlns:dgm="http://schemas.openxmlformats.org/drawingml/2006/diagram" xmlns:r="http://schemas.openxmlformats.org/officeDocument/2006/relationships" r:dm="rId2" r:lo="rId3" r:qs="rId4" r:cs="rId5"/>
+            <dgm:relIds xmlns:dgm="http://schemas.openxmlformats.org/drawingml/2006/diagram" xmlns:r="http://schemas.openxmlformats.org/officeDocument/2006/relationships" r:dm="rId3" r:lo="rId4" r:qs="rId5" r:cs="rId6"/>
           </a:graphicData>
         </a:graphic>
       </p:graphicFrame>

--- a/trunk/Documentation/Documentacion/PRESENTACION_FACU.pptx
+++ b/trunk/Documentation/Documentacion/PRESENTACION_FACU.pptx
@@ -130,17 +130,10 @@
 
 <file path=ppt/charts/chart1.xml><?xml version="1.0" encoding="utf-8"?>
 <c:chartSpace xmlns:c="http://schemas.openxmlformats.org/drawingml/2006/chart" xmlns:a="http://schemas.openxmlformats.org/drawingml/2006/main" xmlns:r="http://schemas.openxmlformats.org/officeDocument/2006/relationships">
-  <c:date1904 val="0"/>
+  <c:date1904 val="1"/>
   <c:lang val="es-AR"/>
   <c:roundedCorners val="1"/>
-  <mc:AlternateContent xmlns:mc="http://schemas.openxmlformats.org/markup-compatibility/2006">
-    <mc:Choice xmlns:c14="http://schemas.microsoft.com/office/drawing/2007/8/2/chart" Requires="c14">
-      <c14:style val="126"/>
-    </mc:Choice>
-    <mc:Fallback>
-      <c:style val="26"/>
-    </mc:Fallback>
-  </mc:AlternateContent>
+  <c:style val="26"/>
   <c:chart>
     <c:title>
       <c:tx>
@@ -166,24 +159,12 @@
           <c:y val="3.0318552842560589E-2"/>
         </c:manualLayout>
       </c:layout>
-      <c:overlay val="0"/>
     </c:title>
-    <c:autoTitleDeleted val="0"/>
     <c:view3D>
       <c:rotX val="25"/>
       <c:rotY val="124"/>
-      <c:rAngAx val="0"/>
       <c:perspective val="20"/>
     </c:view3D>
-    <c:floor>
-      <c:thickness val="0"/>
-    </c:floor>
-    <c:sideWall>
-      <c:thickness val="0"/>
-    </c:sideWall>
-    <c:backWall>
-      <c:thickness val="0"/>
-    </c:backWall>
     <c:plotArea>
       <c:layout>
         <c:manualLayout>
@@ -203,7 +184,6 @@
           <c:order val="0"/>
           <c:dPt>
             <c:idx val="1"/>
-            <c:bubble3D val="0"/>
             <c:explosion val="18"/>
           </c:dPt>
           <c:dLbls>
@@ -211,38 +191,26 @@
               <c:idx val="0"/>
               <c:layout>
                 <c:manualLayout>
-                  <c:x val="1.7903025279734815E-2"/>
+                  <c:x val="1.7903025279734825E-2"/>
                   <c:y val="8.6181273784898801E-2"/>
                 </c:manualLayout>
               </c:layout>
-              <c:showLegendKey val="0"/>
-              <c:showVal val="0"/>
               <c:showCatName val="1"/>
-              <c:showSerName val="0"/>
               <c:showPercent val="1"/>
-              <c:showBubbleSize val="0"/>
             </c:dLbl>
             <c:dLbl>
               <c:idx val="1"/>
               <c:layout>
                 <c:manualLayout>
-                  <c:x val="-1.3185415562900447E-3"/>
+                  <c:x val="-1.3185415562900454E-3"/>
                   <c:y val="-0.1522738302151497"/>
                 </c:manualLayout>
               </c:layout>
-              <c:showLegendKey val="0"/>
-              <c:showVal val="0"/>
               <c:showCatName val="1"/>
-              <c:showSerName val="0"/>
               <c:showPercent val="1"/>
-              <c:showBubbleSize val="0"/>
             </c:dLbl>
-            <c:showLegendKey val="0"/>
-            <c:showVal val="0"/>
             <c:showCatName val="1"/>
-            <c:showSerName val="0"/>
             <c:showPercent val="1"/>
-            <c:showBubbleSize val="0"/>
             <c:showLeaderLines val="1"/>
           </c:dLbls>
           <c:cat>
@@ -276,44 +244,28 @@
           </c:val>
         </c:ser>
         <c:dLbls>
-          <c:showLegendKey val="0"/>
-          <c:showVal val="0"/>
           <c:showCatName val="1"/>
-          <c:showSerName val="0"/>
           <c:showPercent val="1"/>
-          <c:showBubbleSize val="0"/>
-          <c:showLeaderLines val="1"/>
         </c:dLbls>
       </c:pie3DChart>
     </c:plotArea>
     <c:plotVisOnly val="1"/>
-    <c:dispBlanksAs val="gap"/>
-    <c:showDLblsOverMax val="0"/>
+    <c:dispBlanksAs val="zero"/>
   </c:chart>
   <c:spPr>
     <a:ln>
       <a:noFill/>
     </a:ln>
   </c:spPr>
-  <c:externalData r:id="rId1">
-    <c:autoUpdate val="0"/>
-  </c:externalData>
+  <c:externalData r:id="rId1"/>
 </c:chartSpace>
 </file>
 
 <file path=ppt/charts/chart2.xml><?xml version="1.0" encoding="utf-8"?>
 <c:chartSpace xmlns:c="http://schemas.openxmlformats.org/drawingml/2006/chart" xmlns:a="http://schemas.openxmlformats.org/drawingml/2006/main" xmlns:r="http://schemas.openxmlformats.org/officeDocument/2006/relationships">
-  <c:date1904 val="0"/>
   <c:lang val="es-AR"/>
   <c:roundedCorners val="1"/>
-  <mc:AlternateContent xmlns:mc="http://schemas.openxmlformats.org/markup-compatibility/2006">
-    <mc:Choice xmlns:c14="http://schemas.microsoft.com/office/drawing/2007/8/2/chart" Requires="c14">
-      <c14:style val="126"/>
-    </mc:Choice>
-    <mc:Fallback>
-      <c:style val="26"/>
-    </mc:Fallback>
-  </mc:AlternateContent>
+  <c:style val="26"/>
   <c:chart>
     <c:title>
       <c:tx>
@@ -335,28 +287,16 @@
         <c:manualLayout>
           <c:xMode val="edge"/>
           <c:yMode val="edge"/>
-          <c:x val="0.26028067731753962"/>
-          <c:y val="3.0090268790543384E-2"/>
+          <c:x val="0.26028067731753973"/>
+          <c:y val="3.0090268790543395E-2"/>
         </c:manualLayout>
       </c:layout>
-      <c:overlay val="0"/>
     </c:title>
-    <c:autoTitleDeleted val="0"/>
     <c:view3D>
       <c:rotX val="25"/>
       <c:rotY val="204"/>
-      <c:rAngAx val="0"/>
       <c:perspective val="20"/>
     </c:view3D>
-    <c:floor>
-      <c:thickness val="0"/>
-    </c:floor>
-    <c:sideWall>
-      <c:thickness val="0"/>
-    </c:sideWall>
-    <c:backWall>
-      <c:thickness val="0"/>
-    </c:backWall>
     <c:plotArea>
       <c:layout>
         <c:manualLayout>
@@ -366,7 +306,7 @@
           <c:x val="2.0951670222790091E-3"/>
           <c:y val="0.26919258201016116"/>
           <c:w val="0.99790483297772103"/>
-          <c:h val="0.73080741798984739"/>
+          <c:h val="0.73080741798984772"/>
         </c:manualLayout>
       </c:layout>
       <c:pie3DChart>
@@ -380,16 +320,12 @@
               <c:idx val="0"/>
               <c:layout>
                 <c:manualLayout>
-                  <c:x val="-9.8997566876277893E-2"/>
-                  <c:y val="-2.0480815362224229E-2"/>
+                  <c:x val="-9.8997566876277962E-2"/>
+                  <c:y val="-2.0480815362224247E-2"/>
                 </c:manualLayout>
               </c:layout>
-              <c:showLegendKey val="0"/>
-              <c:showVal val="0"/>
               <c:showCatName val="1"/>
-              <c:showSerName val="0"/>
               <c:showPercent val="1"/>
-              <c:showBubbleSize val="0"/>
             </c:dLbl>
             <c:dLbl>
               <c:idx val="1"/>
@@ -399,19 +335,11 @@
                   <c:y val="-9.6840804314640844E-2"/>
                 </c:manualLayout>
               </c:layout>
-              <c:showLegendKey val="0"/>
-              <c:showVal val="0"/>
               <c:showCatName val="1"/>
-              <c:showSerName val="0"/>
               <c:showPercent val="1"/>
-              <c:showBubbleSize val="0"/>
             </c:dLbl>
-            <c:showLegendKey val="0"/>
-            <c:showVal val="0"/>
             <c:showCatName val="1"/>
-            <c:showSerName val="0"/>
             <c:showPercent val="1"/>
-            <c:showBubbleSize val="0"/>
             <c:showLeaderLines val="1"/>
           </c:dLbls>
           <c:cat>
@@ -445,44 +373,28 @@
           </c:val>
         </c:ser>
         <c:dLbls>
-          <c:showLegendKey val="0"/>
-          <c:showVal val="0"/>
           <c:showCatName val="1"/>
-          <c:showSerName val="0"/>
           <c:showPercent val="1"/>
-          <c:showBubbleSize val="0"/>
-          <c:showLeaderLines val="1"/>
         </c:dLbls>
       </c:pie3DChart>
     </c:plotArea>
     <c:plotVisOnly val="1"/>
-    <c:dispBlanksAs val="gap"/>
-    <c:showDLblsOverMax val="0"/>
+    <c:dispBlanksAs val="zero"/>
   </c:chart>
   <c:spPr>
     <a:ln>
       <a:noFill/>
     </a:ln>
   </c:spPr>
-  <c:externalData r:id="rId1">
-    <c:autoUpdate val="0"/>
-  </c:externalData>
+  <c:externalData r:id="rId1"/>
 </c:chartSpace>
 </file>
 
 <file path=ppt/charts/chart3.xml><?xml version="1.0" encoding="utf-8"?>
 <c:chartSpace xmlns:c="http://schemas.openxmlformats.org/drawingml/2006/chart" xmlns:a="http://schemas.openxmlformats.org/drawingml/2006/main" xmlns:r="http://schemas.openxmlformats.org/officeDocument/2006/relationships">
-  <c:date1904 val="0"/>
+  <c:date1904 val="1"/>
   <c:lang val="es-AR"/>
-  <c:roundedCorners val="0"/>
-  <mc:AlternateContent xmlns:mc="http://schemas.openxmlformats.org/markup-compatibility/2006">
-    <mc:Choice xmlns:c14="http://schemas.microsoft.com/office/drawing/2007/8/2/chart" Requires="c14">
-      <c14:style val="126"/>
-    </mc:Choice>
-    <mc:Fallback>
-      <c:style val="26"/>
-    </mc:Fallback>
-  </mc:AlternateContent>
+  <c:style val="26"/>
   <c:chart>
     <c:title>
       <c:tx>
@@ -501,35 +413,20 @@
         </c:rich>
       </c:tx>
       <c:layout/>
-      <c:overlay val="0"/>
       <c:spPr>
         <a:ln>
           <a:noFill/>
         </a:ln>
       </c:spPr>
     </c:title>
-    <c:autoTitleDeleted val="0"/>
     <c:view3D>
-      <c:rotX val="15"/>
-      <c:rotY val="20"/>
-      <c:rAngAx val="0"/>
       <c:perspective val="30"/>
     </c:view3D>
-    <c:floor>
-      <c:thickness val="0"/>
-    </c:floor>
-    <c:sideWall>
-      <c:thickness val="0"/>
-    </c:sideWall>
-    <c:backWall>
-      <c:thickness val="0"/>
-    </c:backWall>
     <c:plotArea>
       <c:layout/>
       <c:bar3DChart>
         <c:barDir val="col"/>
         <c:grouping val="stacked"/>
-        <c:varyColors val="0"/>
         <c:ser>
           <c:idx val="0"/>
           <c:order val="0"/>
@@ -544,7 +441,6 @@
               </c:strCache>
             </c:strRef>
           </c:tx>
-          <c:invertIfNegative val="0"/>
           <c:cat>
             <c:strRef>
               <c:f>'Analisis de datos'!$M$29</c:f>
@@ -583,7 +479,6 @@
               </c:strCache>
             </c:strRef>
           </c:tx>
-          <c:invertIfNegative val="0"/>
           <c:cat>
             <c:strRef>
               <c:f>'Analisis de datos'!$M$29</c:f>
@@ -608,56 +503,43 @@
             </c:numRef>
           </c:val>
         </c:ser>
-        <c:dLbls>
-          <c:showLegendKey val="0"/>
-          <c:showVal val="0"/>
-          <c:showCatName val="0"/>
-          <c:showSerName val="0"/>
-          <c:showPercent val="0"/>
-          <c:showBubbleSize val="0"/>
-        </c:dLbls>
         <c:gapWidth val="75"/>
         <c:shape val="cylinder"/>
-        <c:axId val="44288000"/>
-        <c:axId val="44089920"/>
+        <c:axId val="65178624"/>
+        <c:axId val="65188608"/>
         <c:axId val="0"/>
       </c:bar3DChart>
       <c:catAx>
-        <c:axId val="44288000"/>
+        <c:axId val="65178624"/>
         <c:scaling>
           <c:orientation val="minMax"/>
         </c:scaling>
-        <c:delete val="0"/>
         <c:axPos val="b"/>
         <c:numFmt formatCode="General" sourceLinked="1"/>
         <c:majorTickMark val="none"/>
-        <c:minorTickMark val="none"/>
         <c:tickLblPos val="none"/>
-        <c:crossAx val="44089920"/>
+        <c:crossAx val="65188608"/>
         <c:crosses val="autoZero"/>
         <c:auto val="1"/>
         <c:lblAlgn val="ctr"/>
         <c:lblOffset val="100"/>
-        <c:noMultiLvlLbl val="0"/>
       </c:catAx>
       <c:valAx>
-        <c:axId val="44089920"/>
+        <c:axId val="65188608"/>
         <c:scaling>
           <c:orientation val="minMax"/>
         </c:scaling>
-        <c:delete val="0"/>
         <c:axPos val="l"/>
         <c:majorGridlines/>
         <c:numFmt formatCode="0" sourceLinked="0"/>
         <c:majorTickMark val="none"/>
-        <c:minorTickMark val="none"/>
         <c:tickLblPos val="nextTo"/>
         <c:spPr>
           <a:ln w="9525">
             <a:noFill/>
           </a:ln>
         </c:spPr>
-        <c:crossAx val="44288000"/>
+        <c:crossAx val="65178624"/>
         <c:crosses val="autoZero"/>
         <c:crossBetween val="between"/>
       </c:valAx>
@@ -665,36 +547,23 @@
     <c:legend>
       <c:legendPos val="b"/>
       <c:layout/>
-      <c:overlay val="0"/>
     </c:legend>
     <c:plotVisOnly val="1"/>
     <c:dispBlanksAs val="gap"/>
-    <c:showDLblsOverMax val="0"/>
   </c:chart>
   <c:spPr>
     <a:ln>
       <a:noFill/>
     </a:ln>
   </c:spPr>
-  <c:externalData r:id="rId1">
-    <c:autoUpdate val="0"/>
-  </c:externalData>
+  <c:externalData r:id="rId1"/>
 </c:chartSpace>
 </file>
 
 <file path=ppt/charts/chart4.xml><?xml version="1.0" encoding="utf-8"?>
 <c:chartSpace xmlns:c="http://schemas.openxmlformats.org/drawingml/2006/chart" xmlns:a="http://schemas.openxmlformats.org/drawingml/2006/main" xmlns:r="http://schemas.openxmlformats.org/officeDocument/2006/relationships">
-  <c:date1904 val="0"/>
   <c:lang val="es-AR"/>
-  <c:roundedCorners val="0"/>
-  <mc:AlternateContent xmlns:mc="http://schemas.openxmlformats.org/markup-compatibility/2006">
-    <mc:Choice xmlns:c14="http://schemas.microsoft.com/office/drawing/2007/8/2/chart" Requires="c14">
-      <c14:style val="126"/>
-    </mc:Choice>
-    <mc:Fallback>
-      <c:style val="26"/>
-    </mc:Fallback>
-  </mc:AlternateContent>
+  <c:style val="26"/>
   <c:chart>
     <c:title>
       <c:tx>
@@ -713,35 +582,20 @@
         </c:rich>
       </c:tx>
       <c:layout/>
-      <c:overlay val="0"/>
       <c:spPr>
         <a:ln>
           <a:noFill/>
         </a:ln>
       </c:spPr>
     </c:title>
-    <c:autoTitleDeleted val="0"/>
     <c:view3D>
-      <c:rotX val="15"/>
-      <c:rotY val="20"/>
-      <c:rAngAx val="0"/>
       <c:perspective val="30"/>
     </c:view3D>
-    <c:floor>
-      <c:thickness val="0"/>
-    </c:floor>
-    <c:sideWall>
-      <c:thickness val="0"/>
-    </c:sideWall>
-    <c:backWall>
-      <c:thickness val="0"/>
-    </c:backWall>
     <c:plotArea>
       <c:layout/>
       <c:bar3DChart>
         <c:barDir val="col"/>
         <c:grouping val="stacked"/>
-        <c:varyColors val="0"/>
         <c:ser>
           <c:idx val="0"/>
           <c:order val="0"/>
@@ -756,7 +610,6 @@
               </c:strCache>
             </c:strRef>
           </c:tx>
-          <c:invertIfNegative val="0"/>
           <c:cat>
             <c:strRef>
               <c:f>'Analisis de datos'!$N$29</c:f>
@@ -775,7 +628,7 @@
                 <c:formatCode>0</c:formatCode>
                 <c:ptCount val="1"/>
                 <c:pt idx="0">
-                  <c:v>63.106796116505016</c:v>
+                  <c:v>63.106796116505038</c:v>
                 </c:pt>
               </c:numCache>
             </c:numRef>
@@ -795,7 +648,6 @@
               </c:strCache>
             </c:strRef>
           </c:tx>
-          <c:invertIfNegative val="0"/>
           <c:cat>
             <c:strRef>
               <c:f>'Analisis de datos'!$N$29</c:f>
@@ -820,56 +672,43 @@
             </c:numRef>
           </c:val>
         </c:ser>
-        <c:dLbls>
-          <c:showLegendKey val="0"/>
-          <c:showVal val="0"/>
-          <c:showCatName val="0"/>
-          <c:showSerName val="0"/>
-          <c:showPercent val="0"/>
-          <c:showBubbleSize val="0"/>
-        </c:dLbls>
         <c:gapWidth val="75"/>
         <c:shape val="cylinder"/>
-        <c:axId val="44287488"/>
-        <c:axId val="44091648"/>
+        <c:axId val="44644608"/>
+        <c:axId val="44666880"/>
         <c:axId val="0"/>
       </c:bar3DChart>
       <c:catAx>
-        <c:axId val="44287488"/>
+        <c:axId val="44644608"/>
         <c:scaling>
           <c:orientation val="minMax"/>
         </c:scaling>
-        <c:delete val="0"/>
         <c:axPos val="b"/>
         <c:numFmt formatCode="General" sourceLinked="1"/>
         <c:majorTickMark val="none"/>
-        <c:minorTickMark val="none"/>
         <c:tickLblPos val="none"/>
-        <c:crossAx val="44091648"/>
+        <c:crossAx val="44666880"/>
         <c:crosses val="autoZero"/>
         <c:auto val="1"/>
         <c:lblAlgn val="ctr"/>
         <c:lblOffset val="100"/>
-        <c:noMultiLvlLbl val="0"/>
       </c:catAx>
       <c:valAx>
-        <c:axId val="44091648"/>
+        <c:axId val="44666880"/>
         <c:scaling>
           <c:orientation val="minMax"/>
         </c:scaling>
-        <c:delete val="0"/>
         <c:axPos val="l"/>
         <c:majorGridlines/>
         <c:numFmt formatCode="0" sourceLinked="0"/>
         <c:majorTickMark val="none"/>
-        <c:minorTickMark val="none"/>
         <c:tickLblPos val="nextTo"/>
         <c:spPr>
           <a:ln w="9525">
             <a:noFill/>
           </a:ln>
         </c:spPr>
-        <c:crossAx val="44287488"/>
+        <c:crossAx val="44644608"/>
         <c:crosses val="autoZero"/>
         <c:crossBetween val="between"/>
       </c:valAx>
@@ -877,43 +716,30 @@
     <c:legend>
       <c:legendPos val="b"/>
       <c:layout/>
-      <c:overlay val="0"/>
     </c:legend>
     <c:plotVisOnly val="1"/>
     <c:dispBlanksAs val="gap"/>
-    <c:showDLblsOverMax val="0"/>
   </c:chart>
   <c:spPr>
     <a:ln>
       <a:noFill/>
     </a:ln>
   </c:spPr>
-  <c:externalData r:id="rId1">
-    <c:autoUpdate val="0"/>
-  </c:externalData>
+  <c:externalData r:id="rId1"/>
 </c:chartSpace>
 </file>
 
 <file path=ppt/charts/chart5.xml><?xml version="1.0" encoding="utf-8"?>
 <c:chartSpace xmlns:c="http://schemas.openxmlformats.org/drawingml/2006/chart" xmlns:a="http://schemas.openxmlformats.org/drawingml/2006/main" xmlns:r="http://schemas.openxmlformats.org/officeDocument/2006/relationships">
-  <c:date1904 val="0"/>
+  <c:date1904 val="1"/>
   <c:lang val="es-AR"/>
-  <c:roundedCorners val="0"/>
-  <mc:AlternateContent xmlns:mc="http://schemas.openxmlformats.org/markup-compatibility/2006">
-    <mc:Choice xmlns:c14="http://schemas.microsoft.com/office/drawing/2007/8/2/chart" Requires="c14">
-      <c14:style val="118"/>
-    </mc:Choice>
-    <mc:Fallback>
-      <c:style val="18"/>
-    </mc:Fallback>
-  </mc:AlternateContent>
+  <c:style val="18"/>
   <c:chart>
     <c:autoTitleDeleted val="1"/>
     <c:plotArea>
       <c:layout/>
       <c:scatterChart>
         <c:scatterStyle val="lineMarker"/>
-        <c:varyColors val="0"/>
         <c:ser>
           <c:idx val="1"/>
           <c:order val="1"/>
@@ -1031,25 +857,25 @@
                   <c:v>1.1200000000000001</c:v>
                 </c:pt>
                 <c:pt idx="12">
-                  <c:v>1.1299999999999986</c:v>
+                  <c:v>1.1299999999999979</c:v>
                 </c:pt>
                 <c:pt idx="13">
-                  <c:v>1.1399999999999986</c:v>
+                  <c:v>1.1399999999999979</c:v>
                 </c:pt>
                 <c:pt idx="14">
-                  <c:v>1.1499999999999986</c:v>
+                  <c:v>1.1499999999999981</c:v>
                 </c:pt>
                 <c:pt idx="15">
-                  <c:v>1.1599999999999986</c:v>
+                  <c:v>1.1599999999999981</c:v>
                 </c:pt>
                 <c:pt idx="16">
-                  <c:v>1.1700000000000013</c:v>
+                  <c:v>1.1700000000000017</c:v>
                 </c:pt>
                 <c:pt idx="17">
-                  <c:v>1.1800000000000013</c:v>
+                  <c:v>1.1800000000000017</c:v>
                 </c:pt>
                 <c:pt idx="18">
-                  <c:v>1.1900000000000013</c:v>
+                  <c:v>1.1900000000000017</c:v>
                 </c:pt>
                 <c:pt idx="19">
                   <c:v>1.2</c:v>
@@ -1390,7 +1216,6 @@
               </c:numCache>
             </c:numRef>
           </c:yVal>
-          <c:smooth val="0"/>
         </c:ser>
         <c:ser>
           <c:idx val="0"/>
@@ -1468,8 +1293,6 @@
           </c:marker>
           <c:trendline>
             <c:trendlineType val="linear"/>
-            <c:dispRSqr val="0"/>
-            <c:dispEq val="0"/>
           </c:trendline>
           <c:xVal>
             <c:numRef>
@@ -1514,25 +1337,25 @@
                   <c:v>1.1200000000000001</c:v>
                 </c:pt>
                 <c:pt idx="12">
-                  <c:v>1.1299999999999986</c:v>
+                  <c:v>1.1299999999999979</c:v>
                 </c:pt>
                 <c:pt idx="13">
-                  <c:v>1.1399999999999986</c:v>
+                  <c:v>1.1399999999999979</c:v>
                 </c:pt>
                 <c:pt idx="14">
-                  <c:v>1.1499999999999986</c:v>
+                  <c:v>1.1499999999999981</c:v>
                 </c:pt>
                 <c:pt idx="15">
-                  <c:v>1.1599999999999986</c:v>
+                  <c:v>1.1599999999999981</c:v>
                 </c:pt>
                 <c:pt idx="16">
-                  <c:v>1.1700000000000013</c:v>
+                  <c:v>1.1700000000000017</c:v>
                 </c:pt>
                 <c:pt idx="17">
-                  <c:v>1.1800000000000013</c:v>
+                  <c:v>1.1800000000000017</c:v>
                 </c:pt>
                 <c:pt idx="18">
-                  <c:v>1.1900000000000013</c:v>
+                  <c:v>1.1900000000000017</c:v>
                 </c:pt>
                 <c:pt idx="19">
                   <c:v>1.2</c:v>
@@ -1873,27 +1696,17 @@
               </c:numCache>
             </c:numRef>
           </c:yVal>
-          <c:smooth val="0"/>
         </c:ser>
-        <c:dLbls>
-          <c:showLegendKey val="0"/>
-          <c:showVal val="0"/>
-          <c:showCatName val="0"/>
-          <c:showSerName val="0"/>
-          <c:showPercent val="0"/>
-          <c:showBubbleSize val="0"/>
-        </c:dLbls>
-        <c:axId val="44094528"/>
-        <c:axId val="44095104"/>
+        <c:axId val="65296640"/>
+        <c:axId val="65323392"/>
       </c:scatterChart>
       <c:valAx>
-        <c:axId val="44094528"/>
+        <c:axId val="65296640"/>
         <c:scaling>
           <c:orientation val="minMax"/>
           <c:max val="1.7"/>
           <c:min val="1"/>
         </c:scaling>
-        <c:delete val="0"/>
         <c:axPos val="b"/>
         <c:majorGridlines/>
         <c:minorGridlines/>
@@ -1917,26 +1730,22 @@
             <c:manualLayout>
               <c:xMode val="edge"/>
               <c:yMode val="edge"/>
-              <c:x val="0.39595380054773466"/>
+              <c:x val="0.39595380054773477"/>
               <c:y val="7.1100565545627201E-2"/>
             </c:manualLayout>
           </c:layout>
-          <c:overlay val="0"/>
         </c:title>
         <c:numFmt formatCode="0.00" sourceLinked="1"/>
-        <c:majorTickMark val="out"/>
-        <c:minorTickMark val="none"/>
         <c:tickLblPos val="nextTo"/>
-        <c:crossAx val="44095104"/>
+        <c:crossAx val="65323392"/>
         <c:crosses val="autoZero"/>
         <c:crossBetween val="midCat"/>
       </c:valAx>
       <c:valAx>
-        <c:axId val="44095104"/>
+        <c:axId val="65323392"/>
         <c:scaling>
           <c:orientation val="minMax"/>
         </c:scaling>
-        <c:delete val="0"/>
         <c:axPos val="l"/>
         <c:majorGridlines/>
         <c:minorGridlines/>
@@ -1965,17 +1774,14 @@
             <c:manualLayout>
               <c:xMode val="edge"/>
               <c:yMode val="edge"/>
-              <c:x val="0.95445883617098126"/>
-              <c:y val="0.27606557927672126"/>
+              <c:x val="0.95445883617098171"/>
+              <c:y val="0.27606557927672132"/>
             </c:manualLayout>
           </c:layout>
-          <c:overlay val="0"/>
         </c:title>
         <c:numFmt formatCode="General" sourceLinked="1"/>
-        <c:majorTickMark val="out"/>
-        <c:minorTickMark val="none"/>
         <c:tickLblPos val="nextTo"/>
-        <c:crossAx val="44094528"/>
+        <c:crossAx val="65296640"/>
         <c:crosses val="autoZero"/>
         <c:crossBetween val="midCat"/>
       </c:valAx>
@@ -1986,37 +1792,23 @@
         <c:manualLayout>
           <c:xMode val="edge"/>
           <c:yMode val="edge"/>
-          <c:x val="0.14234264975849251"/>
-          <c:y val="0.87764719263997182"/>
+          <c:x val="0.14234264975849256"/>
+          <c:y val="0.87764719263997226"/>
           <c:w val="0.78810202746432068"/>
-          <c:h val="7.5935015157046065E-2"/>
+          <c:h val="7.5935015157046093E-2"/>
         </c:manualLayout>
       </c:layout>
-      <c:overlay val="0"/>
     </c:legend>
     <c:plotVisOnly val="1"/>
     <c:dispBlanksAs val="gap"/>
-    <c:showDLblsOverMax val="0"/>
   </c:chart>
-  <c:externalData r:id="rId1">
-    <c:autoUpdate val="0"/>
-  </c:externalData>
+  <c:externalData r:id="rId1"/>
 </c:chartSpace>
 </file>
 
 <file path=ppt/charts/chart6.xml><?xml version="1.0" encoding="utf-8"?>
 <c:chartSpace xmlns:c="http://schemas.openxmlformats.org/drawingml/2006/chart" xmlns:a="http://schemas.openxmlformats.org/drawingml/2006/main" xmlns:r="http://schemas.openxmlformats.org/officeDocument/2006/relationships">
-  <c:date1904 val="0"/>
   <c:lang val="es-AR"/>
-  <c:roundedCorners val="0"/>
-  <mc:AlternateContent xmlns:mc="http://schemas.openxmlformats.org/markup-compatibility/2006">
-    <mc:Choice xmlns:c14="http://schemas.microsoft.com/office/drawing/2007/8/2/chart" Requires="c14">
-      <c14:style val="102"/>
-    </mc:Choice>
-    <mc:Fallback>
-      <c:style val="2"/>
-    </mc:Fallback>
-  </mc:AlternateContent>
   <c:chart>
     <c:autoTitleDeleted val="1"/>
     <c:plotArea>
@@ -2027,13 +1819,12 @@
           <c:yMode val="edge"/>
           <c:x val="9.0642836925601628E-2"/>
           <c:y val="8.4672265966754243E-2"/>
-          <c:w val="0.89193996596195113"/>
+          <c:w val="0.89193996596195069"/>
           <c:h val="0.68648981882078464"/>
         </c:manualLayout>
       </c:layout>
       <c:scatterChart>
         <c:scatterStyle val="smoothMarker"/>
-        <c:varyColors val="0"/>
         <c:ser>
           <c:idx val="0"/>
           <c:order val="0"/>
@@ -2966,25 +2757,16 @@
           </c:yVal>
           <c:smooth val="1"/>
         </c:ser>
-        <c:dLbls>
-          <c:showLegendKey val="0"/>
-          <c:showVal val="0"/>
-          <c:showCatName val="0"/>
-          <c:showSerName val="0"/>
-          <c:showPercent val="0"/>
-          <c:showBubbleSize val="0"/>
-        </c:dLbls>
-        <c:axId val="44096832"/>
-        <c:axId val="45481984"/>
+        <c:axId val="67405312"/>
+        <c:axId val="67407232"/>
       </c:scatterChart>
       <c:valAx>
-        <c:axId val="44096832"/>
+        <c:axId val="67405312"/>
         <c:scaling>
           <c:orientation val="minMax"/>
           <c:max val="63"/>
           <c:min val="0"/>
         </c:scaling>
-        <c:delete val="0"/>
         <c:axPos val="b"/>
         <c:title>
           <c:tx>
@@ -3004,25 +2786,21 @@
             </c:rich>
           </c:tx>
           <c:layout/>
-          <c:overlay val="0"/>
         </c:title>
-        <c:majorTickMark val="out"/>
-        <c:minorTickMark val="none"/>
         <c:tickLblPos val="nextTo"/>
-        <c:crossAx val="45481984"/>
+        <c:crossAx val="67407232"/>
         <c:crosses val="autoZero"/>
         <c:crossBetween val="midCat"/>
         <c:majorUnit val="5"/>
         <c:minorUnit val="1"/>
       </c:valAx>
       <c:valAx>
-        <c:axId val="45481984"/>
+        <c:axId val="67407232"/>
         <c:scaling>
           <c:orientation val="minMax"/>
           <c:max val="280"/>
           <c:min val="0"/>
         </c:scaling>
-        <c:delete val="0"/>
         <c:axPos val="l"/>
         <c:majorGridlines/>
         <c:title>
@@ -3043,40 +2821,25 @@
             </c:rich>
           </c:tx>
           <c:layout/>
-          <c:overlay val="0"/>
         </c:title>
         <c:numFmt formatCode="General" sourceLinked="1"/>
-        <c:majorTickMark val="out"/>
-        <c:minorTickMark val="none"/>
         <c:tickLblPos val="nextTo"/>
-        <c:crossAx val="44096832"/>
+        <c:crossAx val="67405312"/>
         <c:crosses val="autoZero"/>
         <c:crossBetween val="midCat"/>
       </c:valAx>
     </c:plotArea>
     <c:plotVisOnly val="1"/>
     <c:dispBlanksAs val="gap"/>
-    <c:showDLblsOverMax val="0"/>
   </c:chart>
-  <c:externalData r:id="rId1">
-    <c:autoUpdate val="0"/>
-  </c:externalData>
+  <c:externalData r:id="rId1"/>
 </c:chartSpace>
 </file>
 
 <file path=ppt/charts/chart7.xml><?xml version="1.0" encoding="utf-8"?>
 <c:chartSpace xmlns:c="http://schemas.openxmlformats.org/drawingml/2006/chart" xmlns:a="http://schemas.openxmlformats.org/drawingml/2006/main" xmlns:r="http://schemas.openxmlformats.org/officeDocument/2006/relationships">
-  <c:date1904 val="0"/>
   <c:lang val="es-AR"/>
-  <c:roundedCorners val="0"/>
-  <mc:AlternateContent xmlns:mc="http://schemas.openxmlformats.org/markup-compatibility/2006">
-    <mc:Choice xmlns:c14="http://schemas.microsoft.com/office/drawing/2007/8/2/chart" Requires="c14">
-      <c14:style val="126"/>
-    </mc:Choice>
-    <mc:Fallback>
-      <c:style val="26"/>
-    </mc:Fallback>
-  </mc:AlternateContent>
+  <c:style val="26"/>
   <c:chart>
     <c:title>
       <c:tx>
@@ -3098,28 +2861,14 @@
         <c:manualLayout>
           <c:xMode val="edge"/>
           <c:yMode val="edge"/>
-          <c:x val="0.48880727285183168"/>
-          <c:y val="3.1123992758974494E-2"/>
+          <c:x val="0.48880727285183184"/>
+          <c:y val="3.1123992758974508E-2"/>
         </c:manualLayout>
       </c:layout>
-      <c:overlay val="0"/>
     </c:title>
-    <c:autoTitleDeleted val="0"/>
     <c:view3D>
-      <c:rotX val="15"/>
-      <c:rotY val="20"/>
-      <c:rAngAx val="0"/>
       <c:perspective val="30"/>
     </c:view3D>
-    <c:floor>
-      <c:thickness val="0"/>
-    </c:floor>
-    <c:sideWall>
-      <c:thickness val="0"/>
-    </c:sideWall>
-    <c:backWall>
-      <c:thickness val="0"/>
-    </c:backWall>
     <c:plotArea>
       <c:layout>
         <c:manualLayout>
@@ -3135,7 +2884,6 @@
       <c:bar3DChart>
         <c:barDir val="col"/>
         <c:grouping val="standard"/>
-        <c:varyColors val="0"/>
         <c:ser>
           <c:idx val="1"/>
           <c:order val="0"/>
@@ -3150,7 +2898,6 @@
               </c:strCache>
             </c:strRef>
           </c:tx>
-          <c:invertIfNegative val="0"/>
           <c:cat>
             <c:strRef>
               <c:f>'Analisis de datos'!$L$5:$L$11</c:f>
@@ -3225,7 +2972,6 @@
               </c:strCache>
             </c:strRef>
           </c:tx>
-          <c:invertIfNegative val="0"/>
           <c:cat>
             <c:strRef>
               <c:f>'Analisis de datos'!$L$5:$L$11</c:f>
@@ -3287,38 +3033,29 @@
           </c:val>
         </c:ser>
         <c:dLbls>
-          <c:showLegendKey val="0"/>
           <c:showVal val="1"/>
-          <c:showCatName val="0"/>
-          <c:showSerName val="0"/>
-          <c:showPercent val="0"/>
-          <c:showBubbleSize val="0"/>
         </c:dLbls>
-        <c:gapWidth val="150"/>
         <c:shape val="box"/>
-        <c:axId val="45187584"/>
-        <c:axId val="45483712"/>
-        <c:axId val="40466304"/>
+        <c:axId val="67703936"/>
+        <c:axId val="67705472"/>
+        <c:axId val="67727360"/>
       </c:bar3DChart>
       <c:catAx>
-        <c:axId val="45187584"/>
+        <c:axId val="67703936"/>
         <c:scaling>
           <c:orientation val="minMax"/>
         </c:scaling>
-        <c:delete val="0"/>
         <c:axPos val="b"/>
         <c:majorTickMark val="none"/>
-        <c:minorTickMark val="none"/>
         <c:tickLblPos val="nextTo"/>
-        <c:crossAx val="45483712"/>
+        <c:crossAx val="67705472"/>
         <c:crosses val="autoZero"/>
         <c:auto val="1"/>
         <c:lblAlgn val="ctr"/>
         <c:lblOffset val="100"/>
-        <c:noMultiLvlLbl val="0"/>
       </c:catAx>
       <c:valAx>
-        <c:axId val="45483712"/>
+        <c:axId val="67705472"/>
         <c:scaling>
           <c:logBase val="10"/>
           <c:orientation val="minMax"/>
@@ -3327,23 +3064,21 @@
         <c:axPos val="l"/>
         <c:numFmt formatCode="General" sourceLinked="1"/>
         <c:majorTickMark val="none"/>
-        <c:minorTickMark val="none"/>
         <c:tickLblPos val="none"/>
-        <c:crossAx val="45187584"/>
+        <c:crossAx val="67703936"/>
         <c:crosses val="autoZero"/>
         <c:crossBetween val="between"/>
       </c:valAx>
       <c:serAx>
-        <c:axId val="40466304"/>
+        <c:axId val="67727360"/>
         <c:scaling>
           <c:orientation val="minMax"/>
         </c:scaling>
         <c:delete val="1"/>
         <c:axPos val="b"/>
         <c:majorTickMark val="none"/>
-        <c:minorTickMark val="none"/>
         <c:tickLblPos val="none"/>
-        <c:crossAx val="45483712"/>
+        <c:crossAx val="67705472"/>
         <c:crosses val="autoZero"/>
       </c:serAx>
     </c:plotArea>
@@ -3353,42 +3088,30 @@
         <c:manualLayout>
           <c:xMode val="edge"/>
           <c:yMode val="edge"/>
-          <c:x val="2.1957392783710696E-2"/>
-          <c:y val="0.85118932863668739"/>
+          <c:x val="2.195739278371071E-2"/>
+          <c:y val="0.85118932863668761"/>
           <c:w val="0.16969921734677834"/>
           <c:h val="9.3802077546939228E-2"/>
         </c:manualLayout>
       </c:layout>
-      <c:overlay val="0"/>
     </c:legend>
     <c:plotVisOnly val="1"/>
     <c:dispBlanksAs val="gap"/>
-    <c:showDLblsOverMax val="0"/>
   </c:chart>
   <c:spPr>
     <a:ln>
       <a:noFill/>
     </a:ln>
   </c:spPr>
-  <c:externalData r:id="rId1">
-    <c:autoUpdate val="0"/>
-  </c:externalData>
+  <c:externalData r:id="rId1"/>
 </c:chartSpace>
 </file>
 
 <file path=ppt/charts/chart8.xml><?xml version="1.0" encoding="utf-8"?>
 <c:chartSpace xmlns:c="http://schemas.openxmlformats.org/drawingml/2006/chart" xmlns:a="http://schemas.openxmlformats.org/drawingml/2006/main" xmlns:r="http://schemas.openxmlformats.org/officeDocument/2006/relationships">
-  <c:date1904 val="0"/>
+  <c:date1904 val="1"/>
   <c:lang val="es-AR"/>
-  <c:roundedCorners val="0"/>
-  <mc:AlternateContent xmlns:mc="http://schemas.openxmlformats.org/markup-compatibility/2006">
-    <mc:Choice xmlns:c14="http://schemas.microsoft.com/office/drawing/2007/8/2/chart" Requires="c14">
-      <c14:style val="118"/>
-    </mc:Choice>
-    <mc:Fallback>
-      <c:style val="18"/>
-    </mc:Fallback>
-  </mc:AlternateContent>
+  <c:style val="18"/>
   <c:chart>
     <c:title>
       <c:tx>
@@ -3407,15 +3130,12 @@
         </c:rich>
       </c:tx>
       <c:layout/>
-      <c:overlay val="0"/>
     </c:title>
-    <c:autoTitleDeleted val="0"/>
     <c:plotArea>
       <c:layout/>
       <c:barChart>
         <c:barDir val="bar"/>
         <c:grouping val="clustered"/>
-        <c:varyColors val="0"/>
         <c:ser>
           <c:idx val="1"/>
           <c:order val="0"/>
@@ -3430,7 +3150,6 @@
               </c:strCache>
             </c:strRef>
           </c:tx>
-          <c:invertIfNegative val="0"/>
           <c:cat>
             <c:strRef>
               <c:f>'Analisis de datos'!$L$18:$L$23</c:f>
@@ -3499,7 +3218,6 @@
               </c:strCache>
             </c:strRef>
           </c:tx>
-          <c:invertIfNegative val="0"/>
           <c:cat>
             <c:strRef>
               <c:f>'Analisis de datos'!$L$18:$L$23</c:f>
@@ -3554,64 +3272,47 @@
             </c:numRef>
           </c:val>
         </c:ser>
-        <c:dLbls>
-          <c:showLegendKey val="0"/>
-          <c:showVal val="0"/>
-          <c:showCatName val="0"/>
-          <c:showSerName val="0"/>
-          <c:showPercent val="0"/>
-          <c:showBubbleSize val="0"/>
-        </c:dLbls>
-        <c:gapWidth val="150"/>
-        <c:axId val="45188096"/>
-        <c:axId val="45485440"/>
+        <c:axId val="67744896"/>
+        <c:axId val="67746432"/>
       </c:barChart>
       <c:catAx>
-        <c:axId val="45188096"/>
+        <c:axId val="67744896"/>
         <c:scaling>
           <c:orientation val="minMax"/>
         </c:scaling>
-        <c:delete val="0"/>
         <c:axPos val="l"/>
         <c:majorTickMark val="none"/>
-        <c:minorTickMark val="none"/>
         <c:tickLblPos val="nextTo"/>
-        <c:crossAx val="45485440"/>
+        <c:crossAx val="67746432"/>
         <c:crosses val="autoZero"/>
         <c:auto val="1"/>
         <c:lblAlgn val="ctr"/>
         <c:lblOffset val="100"/>
-        <c:noMultiLvlLbl val="0"/>
       </c:catAx>
       <c:valAx>
-        <c:axId val="45485440"/>
+        <c:axId val="67746432"/>
         <c:scaling>
           <c:orientation val="minMax"/>
         </c:scaling>
-        <c:delete val="0"/>
         <c:axPos val="b"/>
         <c:minorGridlines/>
         <c:numFmt formatCode="General" sourceLinked="1"/>
         <c:majorTickMark val="none"/>
-        <c:minorTickMark val="none"/>
         <c:tickLblPos val="nextTo"/>
-        <c:crossAx val="45188096"/>
+        <c:crossAx val="67744896"/>
         <c:crosses val="autoZero"/>
         <c:crossBetween val="between"/>
       </c:valAx>
     </c:plotArea>
     <c:plotVisOnly val="1"/>
     <c:dispBlanksAs val="gap"/>
-    <c:showDLblsOverMax val="0"/>
   </c:chart>
   <c:spPr>
     <a:ln>
       <a:noFill/>
     </a:ln>
   </c:spPr>
-  <c:externalData r:id="rId1">
-    <c:autoUpdate val="0"/>
-  </c:externalData>
+  <c:externalData r:id="rId1"/>
 </c:chartSpace>
 </file>
 
@@ -5856,753 +5557,6 @@
 </dgm:colorsDef>
 </file>
 
-<file path=ppt/diagrams/colors4.xml><?xml version="1.0" encoding="utf-8"?>
-<dgm:colorsDef xmlns:dgm="http://schemas.openxmlformats.org/drawingml/2006/diagram" xmlns:a="http://schemas.openxmlformats.org/drawingml/2006/main" uniqueId="urn:microsoft.com/office/officeart/2005/8/colors/accent1_2">
-  <dgm:title val=""/>
-  <dgm:desc val=""/>
-  <dgm:catLst>
-    <dgm:cat type="accent1" pri="11200"/>
-  </dgm:catLst>
-  <dgm:styleLbl name="node0">
-    <dgm:fillClrLst meth="repeat">
-      <a:schemeClr val="accent1"/>
-    </dgm:fillClrLst>
-    <dgm:linClrLst meth="repeat">
-      <a:schemeClr val="lt1"/>
-    </dgm:linClrLst>
-    <dgm:effectClrLst/>
-    <dgm:txLinClrLst/>
-    <dgm:txFillClrLst/>
-    <dgm:txEffectClrLst/>
-  </dgm:styleLbl>
-  <dgm:styleLbl name="alignNode1">
-    <dgm:fillClrLst meth="repeat">
-      <a:schemeClr val="accent1"/>
-    </dgm:fillClrLst>
-    <dgm:linClrLst meth="repeat">
-      <a:schemeClr val="accent1"/>
-    </dgm:linClrLst>
-    <dgm:effectClrLst/>
-    <dgm:txLinClrLst/>
-    <dgm:txFillClrLst/>
-    <dgm:txEffectClrLst/>
-  </dgm:styleLbl>
-  <dgm:styleLbl name="node1">
-    <dgm:fillClrLst meth="repeat">
-      <a:schemeClr val="accent1"/>
-    </dgm:fillClrLst>
-    <dgm:linClrLst meth="repeat">
-      <a:schemeClr val="lt1"/>
-    </dgm:linClrLst>
-    <dgm:effectClrLst/>
-    <dgm:txLinClrLst/>
-    <dgm:txFillClrLst/>
-    <dgm:txEffectClrLst/>
-  </dgm:styleLbl>
-  <dgm:styleLbl name="lnNode1">
-    <dgm:fillClrLst meth="repeat">
-      <a:schemeClr val="accent1"/>
-    </dgm:fillClrLst>
-    <dgm:linClrLst meth="repeat">
-      <a:schemeClr val="lt1"/>
-    </dgm:linClrLst>
-    <dgm:effectClrLst/>
-    <dgm:txLinClrLst/>
-    <dgm:txFillClrLst/>
-    <dgm:txEffectClrLst/>
-  </dgm:styleLbl>
-  <dgm:styleLbl name="vennNode1">
-    <dgm:fillClrLst meth="repeat">
-      <a:schemeClr val="accent1">
-        <a:alpha val="50000"/>
-      </a:schemeClr>
-    </dgm:fillClrLst>
-    <dgm:linClrLst meth="repeat">
-      <a:schemeClr val="lt1"/>
-    </dgm:linClrLst>
-    <dgm:effectClrLst/>
-    <dgm:txLinClrLst/>
-    <dgm:txFillClrLst/>
-    <dgm:txEffectClrLst/>
-  </dgm:styleLbl>
-  <dgm:styleLbl name="node2">
-    <dgm:fillClrLst meth="repeat">
-      <a:schemeClr val="accent1"/>
-    </dgm:fillClrLst>
-    <dgm:linClrLst meth="repeat">
-      <a:schemeClr val="lt1"/>
-    </dgm:linClrLst>
-    <dgm:effectClrLst/>
-    <dgm:txLinClrLst/>
-    <dgm:txFillClrLst/>
-    <dgm:txEffectClrLst/>
-  </dgm:styleLbl>
-  <dgm:styleLbl name="node3">
-    <dgm:fillClrLst meth="repeat">
-      <a:schemeClr val="accent1"/>
-    </dgm:fillClrLst>
-    <dgm:linClrLst meth="repeat">
-      <a:schemeClr val="lt1"/>
-    </dgm:linClrLst>
-    <dgm:effectClrLst/>
-    <dgm:txLinClrLst/>
-    <dgm:txFillClrLst/>
-    <dgm:txEffectClrLst/>
-  </dgm:styleLbl>
-  <dgm:styleLbl name="node4">
-    <dgm:fillClrLst meth="repeat">
-      <a:schemeClr val="accent1"/>
-    </dgm:fillClrLst>
-    <dgm:linClrLst meth="repeat">
-      <a:schemeClr val="lt1"/>
-    </dgm:linClrLst>
-    <dgm:effectClrLst/>
-    <dgm:txLinClrLst/>
-    <dgm:txFillClrLst/>
-    <dgm:txEffectClrLst/>
-  </dgm:styleLbl>
-  <dgm:styleLbl name="fgImgPlace1">
-    <dgm:fillClrLst meth="repeat">
-      <a:schemeClr val="accent1">
-        <a:tint val="50000"/>
-      </a:schemeClr>
-    </dgm:fillClrLst>
-    <dgm:linClrLst meth="repeat">
-      <a:schemeClr val="lt1"/>
-    </dgm:linClrLst>
-    <dgm:effectClrLst/>
-    <dgm:txLinClrLst/>
-    <dgm:txFillClrLst meth="repeat">
-      <a:schemeClr val="lt1"/>
-    </dgm:txFillClrLst>
-    <dgm:txEffectClrLst/>
-  </dgm:styleLbl>
-  <dgm:styleLbl name="alignImgPlace1">
-    <dgm:fillClrLst meth="repeat">
-      <a:schemeClr val="accent1">
-        <a:tint val="50000"/>
-      </a:schemeClr>
-    </dgm:fillClrLst>
-    <dgm:linClrLst meth="repeat">
-      <a:schemeClr val="lt1"/>
-    </dgm:linClrLst>
-    <dgm:effectClrLst/>
-    <dgm:txLinClrLst/>
-    <dgm:txFillClrLst meth="repeat">
-      <a:schemeClr val="lt1"/>
-    </dgm:txFillClrLst>
-    <dgm:txEffectClrLst/>
-  </dgm:styleLbl>
-  <dgm:styleLbl name="bgImgPlace1">
-    <dgm:fillClrLst meth="repeat">
-      <a:schemeClr val="accent1">
-        <a:tint val="50000"/>
-      </a:schemeClr>
-    </dgm:fillClrLst>
-    <dgm:linClrLst meth="repeat">
-      <a:schemeClr val="lt1"/>
-    </dgm:linClrLst>
-    <dgm:effectClrLst/>
-    <dgm:txLinClrLst/>
-    <dgm:txFillClrLst meth="repeat">
-      <a:schemeClr val="lt1"/>
-    </dgm:txFillClrLst>
-    <dgm:txEffectClrLst/>
-  </dgm:styleLbl>
-  <dgm:styleLbl name="sibTrans2D1">
-    <dgm:fillClrLst meth="repeat">
-      <a:schemeClr val="accent1">
-        <a:tint val="60000"/>
-      </a:schemeClr>
-    </dgm:fillClrLst>
-    <dgm:linClrLst meth="repeat">
-      <a:schemeClr val="accent1">
-        <a:tint val="60000"/>
-      </a:schemeClr>
-    </dgm:linClrLst>
-    <dgm:effectClrLst/>
-    <dgm:txLinClrLst/>
-    <dgm:txFillClrLst/>
-    <dgm:txEffectClrLst/>
-  </dgm:styleLbl>
-  <dgm:styleLbl name="fgSibTrans2D1">
-    <dgm:fillClrLst meth="repeat">
-      <a:schemeClr val="accent1">
-        <a:tint val="60000"/>
-      </a:schemeClr>
-    </dgm:fillClrLst>
-    <dgm:linClrLst meth="repeat">
-      <a:schemeClr val="accent1">
-        <a:tint val="60000"/>
-      </a:schemeClr>
-    </dgm:linClrLst>
-    <dgm:effectClrLst/>
-    <dgm:txLinClrLst/>
-    <dgm:txFillClrLst/>
-    <dgm:txEffectClrLst/>
-  </dgm:styleLbl>
-  <dgm:styleLbl name="bgSibTrans2D1">
-    <dgm:fillClrLst meth="repeat">
-      <a:schemeClr val="accent1">
-        <a:tint val="60000"/>
-      </a:schemeClr>
-    </dgm:fillClrLst>
-    <dgm:linClrLst meth="repeat">
-      <a:schemeClr val="accent1">
-        <a:tint val="60000"/>
-      </a:schemeClr>
-    </dgm:linClrLst>
-    <dgm:effectClrLst/>
-    <dgm:txLinClrLst/>
-    <dgm:txFillClrLst/>
-    <dgm:txEffectClrLst/>
-  </dgm:styleLbl>
-  <dgm:styleLbl name="sibTrans1D1">
-    <dgm:fillClrLst meth="repeat">
-      <a:schemeClr val="accent1"/>
-    </dgm:fillClrLst>
-    <dgm:linClrLst meth="repeat">
-      <a:schemeClr val="accent1"/>
-    </dgm:linClrLst>
-    <dgm:effectClrLst/>
-    <dgm:txLinClrLst/>
-    <dgm:txFillClrLst meth="repeat">
-      <a:schemeClr val="tx1"/>
-    </dgm:txFillClrLst>
-    <dgm:txEffectClrLst/>
-  </dgm:styleLbl>
-  <dgm:styleLbl name="callout">
-    <dgm:fillClrLst meth="repeat">
-      <a:schemeClr val="accent1"/>
-    </dgm:fillClrLst>
-    <dgm:linClrLst meth="repeat">
-      <a:schemeClr val="accent1">
-        <a:tint val="50000"/>
-      </a:schemeClr>
-    </dgm:linClrLst>
-    <dgm:effectClrLst/>
-    <dgm:txLinClrLst/>
-    <dgm:txFillClrLst meth="repeat">
-      <a:schemeClr val="tx1"/>
-    </dgm:txFillClrLst>
-    <dgm:txEffectClrLst/>
-  </dgm:styleLbl>
-  <dgm:styleLbl name="asst0">
-    <dgm:fillClrLst meth="repeat">
-      <a:schemeClr val="accent1"/>
-    </dgm:fillClrLst>
-    <dgm:linClrLst meth="repeat">
-      <a:schemeClr val="lt1"/>
-    </dgm:linClrLst>
-    <dgm:effectClrLst/>
-    <dgm:txLinClrLst/>
-    <dgm:txFillClrLst/>
-    <dgm:txEffectClrLst/>
-  </dgm:styleLbl>
-  <dgm:styleLbl name="asst1">
-    <dgm:fillClrLst meth="repeat">
-      <a:schemeClr val="accent1"/>
-    </dgm:fillClrLst>
-    <dgm:linClrLst meth="repeat">
-      <a:schemeClr val="lt1"/>
-    </dgm:linClrLst>
-    <dgm:effectClrLst/>
-    <dgm:txLinClrLst/>
-    <dgm:txFillClrLst/>
-    <dgm:txEffectClrLst/>
-  </dgm:styleLbl>
-  <dgm:styleLbl name="asst2">
-    <dgm:fillClrLst meth="repeat">
-      <a:schemeClr val="accent1"/>
-    </dgm:fillClrLst>
-    <dgm:linClrLst meth="repeat">
-      <a:schemeClr val="lt1"/>
-    </dgm:linClrLst>
-    <dgm:effectClrLst/>
-    <dgm:txLinClrLst/>
-    <dgm:txFillClrLst/>
-    <dgm:txEffectClrLst/>
-  </dgm:styleLbl>
-  <dgm:styleLbl name="asst3">
-    <dgm:fillClrLst meth="repeat">
-      <a:schemeClr val="accent1"/>
-    </dgm:fillClrLst>
-    <dgm:linClrLst meth="repeat">
-      <a:schemeClr val="lt1"/>
-    </dgm:linClrLst>
-    <dgm:effectClrLst/>
-    <dgm:txLinClrLst/>
-    <dgm:txFillClrLst/>
-    <dgm:txEffectClrLst/>
-  </dgm:styleLbl>
-  <dgm:styleLbl name="asst4">
-    <dgm:fillClrLst meth="repeat">
-      <a:schemeClr val="accent1"/>
-    </dgm:fillClrLst>
-    <dgm:linClrLst meth="repeat">
-      <a:schemeClr val="lt1"/>
-    </dgm:linClrLst>
-    <dgm:effectClrLst/>
-    <dgm:txLinClrLst/>
-    <dgm:txFillClrLst/>
-    <dgm:txEffectClrLst/>
-  </dgm:styleLbl>
-  <dgm:styleLbl name="parChTrans2D1">
-    <dgm:fillClrLst meth="repeat">
-      <a:schemeClr val="accent1">
-        <a:tint val="60000"/>
-      </a:schemeClr>
-    </dgm:fillClrLst>
-    <dgm:linClrLst meth="repeat">
-      <a:schemeClr val="accent1">
-        <a:tint val="60000"/>
-      </a:schemeClr>
-    </dgm:linClrLst>
-    <dgm:effectClrLst/>
-    <dgm:txLinClrLst/>
-    <dgm:txFillClrLst meth="repeat">
-      <a:schemeClr val="lt1"/>
-    </dgm:txFillClrLst>
-    <dgm:txEffectClrLst/>
-  </dgm:styleLbl>
-  <dgm:styleLbl name="parChTrans2D2">
-    <dgm:fillClrLst meth="repeat">
-      <a:schemeClr val="accent1"/>
-    </dgm:fillClrLst>
-    <dgm:linClrLst meth="repeat">
-      <a:schemeClr val="accent1"/>
-    </dgm:linClrLst>
-    <dgm:effectClrLst/>
-    <dgm:txLinClrLst/>
-    <dgm:txFillClrLst meth="repeat">
-      <a:schemeClr val="lt1"/>
-    </dgm:txFillClrLst>
-    <dgm:txEffectClrLst/>
-  </dgm:styleLbl>
-  <dgm:styleLbl name="parChTrans2D3">
-    <dgm:fillClrLst meth="repeat">
-      <a:schemeClr val="accent1"/>
-    </dgm:fillClrLst>
-    <dgm:linClrLst meth="repeat">
-      <a:schemeClr val="accent1"/>
-    </dgm:linClrLst>
-    <dgm:effectClrLst/>
-    <dgm:txLinClrLst/>
-    <dgm:txFillClrLst meth="repeat">
-      <a:schemeClr val="lt1"/>
-    </dgm:txFillClrLst>
-    <dgm:txEffectClrLst/>
-  </dgm:styleLbl>
-  <dgm:styleLbl name="parChTrans2D4">
-    <dgm:fillClrLst meth="repeat">
-      <a:schemeClr val="accent1"/>
-    </dgm:fillClrLst>
-    <dgm:linClrLst meth="repeat">
-      <a:schemeClr val="accent1"/>
-    </dgm:linClrLst>
-    <dgm:effectClrLst/>
-    <dgm:txLinClrLst/>
-    <dgm:txFillClrLst meth="repeat">
-      <a:schemeClr val="lt1"/>
-    </dgm:txFillClrLst>
-    <dgm:txEffectClrLst/>
-  </dgm:styleLbl>
-  <dgm:styleLbl name="parChTrans1D1">
-    <dgm:fillClrLst meth="repeat">
-      <a:schemeClr val="accent1"/>
-    </dgm:fillClrLst>
-    <dgm:linClrLst meth="repeat">
-      <a:schemeClr val="accent1">
-        <a:shade val="60000"/>
-      </a:schemeClr>
-    </dgm:linClrLst>
-    <dgm:effectClrLst/>
-    <dgm:txLinClrLst/>
-    <dgm:txFillClrLst meth="repeat">
-      <a:schemeClr val="tx1"/>
-    </dgm:txFillClrLst>
-    <dgm:txEffectClrLst/>
-  </dgm:styleLbl>
-  <dgm:styleLbl name="parChTrans1D2">
-    <dgm:fillClrLst meth="repeat">
-      <a:schemeClr val="accent1"/>
-    </dgm:fillClrLst>
-    <dgm:linClrLst meth="repeat">
-      <a:schemeClr val="accent1">
-        <a:shade val="60000"/>
-      </a:schemeClr>
-    </dgm:linClrLst>
-    <dgm:effectClrLst/>
-    <dgm:txLinClrLst/>
-    <dgm:txFillClrLst meth="repeat">
-      <a:schemeClr val="tx1"/>
-    </dgm:txFillClrLst>
-    <dgm:txEffectClrLst/>
-  </dgm:styleLbl>
-  <dgm:styleLbl name="parChTrans1D3">
-    <dgm:fillClrLst meth="repeat">
-      <a:schemeClr val="accent1"/>
-    </dgm:fillClrLst>
-    <dgm:linClrLst meth="repeat">
-      <a:schemeClr val="accent1">
-        <a:shade val="80000"/>
-      </a:schemeClr>
-    </dgm:linClrLst>
-    <dgm:effectClrLst/>
-    <dgm:txLinClrLst/>
-    <dgm:txFillClrLst meth="repeat">
-      <a:schemeClr val="tx1"/>
-    </dgm:txFillClrLst>
-    <dgm:txEffectClrLst/>
-  </dgm:styleLbl>
-  <dgm:styleLbl name="parChTrans1D4">
-    <dgm:fillClrLst meth="repeat">
-      <a:schemeClr val="accent1"/>
-    </dgm:fillClrLst>
-    <dgm:linClrLst meth="repeat">
-      <a:schemeClr val="accent1">
-        <a:shade val="80000"/>
-      </a:schemeClr>
-    </dgm:linClrLst>
-    <dgm:effectClrLst/>
-    <dgm:txLinClrLst/>
-    <dgm:txFillClrLst meth="repeat">
-      <a:schemeClr val="tx1"/>
-    </dgm:txFillClrLst>
-    <dgm:txEffectClrLst/>
-  </dgm:styleLbl>
-  <dgm:styleLbl name="fgAcc1">
-    <dgm:fillClrLst meth="repeat">
-      <a:schemeClr val="lt1">
-        <a:alpha val="90000"/>
-      </a:schemeClr>
-    </dgm:fillClrLst>
-    <dgm:linClrLst meth="repeat">
-      <a:schemeClr val="accent1"/>
-    </dgm:linClrLst>
-    <dgm:effectClrLst/>
-    <dgm:txLinClrLst/>
-    <dgm:txFillClrLst meth="repeat">
-      <a:schemeClr val="dk1"/>
-    </dgm:txFillClrLst>
-    <dgm:txEffectClrLst/>
-  </dgm:styleLbl>
-  <dgm:styleLbl name="conFgAcc1">
-    <dgm:fillClrLst meth="repeat">
-      <a:schemeClr val="lt1">
-        <a:alpha val="90000"/>
-      </a:schemeClr>
-    </dgm:fillClrLst>
-    <dgm:linClrLst meth="repeat">
-      <a:schemeClr val="accent1"/>
-    </dgm:linClrLst>
-    <dgm:effectClrLst/>
-    <dgm:txLinClrLst/>
-    <dgm:txFillClrLst meth="repeat">
-      <a:schemeClr val="dk1"/>
-    </dgm:txFillClrLst>
-    <dgm:txEffectClrLst/>
-  </dgm:styleLbl>
-  <dgm:styleLbl name="alignAcc1">
-    <dgm:fillClrLst meth="repeat">
-      <a:schemeClr val="lt1">
-        <a:alpha val="90000"/>
-      </a:schemeClr>
-    </dgm:fillClrLst>
-    <dgm:linClrLst meth="repeat">
-      <a:schemeClr val="accent1"/>
-    </dgm:linClrLst>
-    <dgm:effectClrLst/>
-    <dgm:txLinClrLst/>
-    <dgm:txFillClrLst meth="repeat">
-      <a:schemeClr val="dk1"/>
-    </dgm:txFillClrLst>
-    <dgm:txEffectClrLst/>
-  </dgm:styleLbl>
-  <dgm:styleLbl name="trAlignAcc1">
-    <dgm:fillClrLst meth="repeat">
-      <a:schemeClr val="lt1">
-        <a:alpha val="40000"/>
-      </a:schemeClr>
-    </dgm:fillClrLst>
-    <dgm:linClrLst meth="repeat">
-      <a:schemeClr val="accent1"/>
-    </dgm:linClrLst>
-    <dgm:effectClrLst/>
-    <dgm:txLinClrLst/>
-    <dgm:txFillClrLst meth="repeat">
-      <a:schemeClr val="dk1"/>
-    </dgm:txFillClrLst>
-    <dgm:txEffectClrLst/>
-  </dgm:styleLbl>
-  <dgm:styleLbl name="bgAcc1">
-    <dgm:fillClrLst meth="repeat">
-      <a:schemeClr val="lt1">
-        <a:alpha val="90000"/>
-      </a:schemeClr>
-    </dgm:fillClrLst>
-    <dgm:linClrLst meth="repeat">
-      <a:schemeClr val="accent1"/>
-    </dgm:linClrLst>
-    <dgm:effectClrLst/>
-    <dgm:txLinClrLst/>
-    <dgm:txFillClrLst meth="repeat">
-      <a:schemeClr val="dk1"/>
-    </dgm:txFillClrLst>
-    <dgm:txEffectClrLst/>
-  </dgm:styleLbl>
-  <dgm:styleLbl name="solidFgAcc1">
-    <dgm:fillClrLst meth="repeat">
-      <a:schemeClr val="lt1"/>
-    </dgm:fillClrLst>
-    <dgm:linClrLst meth="repeat">
-      <a:schemeClr val="accent1"/>
-    </dgm:linClrLst>
-    <dgm:effectClrLst/>
-    <dgm:txLinClrLst/>
-    <dgm:txFillClrLst meth="repeat">
-      <a:schemeClr val="dk1"/>
-    </dgm:txFillClrLst>
-    <dgm:txEffectClrLst/>
-  </dgm:styleLbl>
-  <dgm:styleLbl name="solidAlignAcc1">
-    <dgm:fillClrLst meth="repeat">
-      <a:schemeClr val="lt1"/>
-    </dgm:fillClrLst>
-    <dgm:linClrLst meth="repeat">
-      <a:schemeClr val="accent1"/>
-    </dgm:linClrLst>
-    <dgm:effectClrLst/>
-    <dgm:txLinClrLst/>
-    <dgm:txFillClrLst meth="repeat">
-      <a:schemeClr val="dk1"/>
-    </dgm:txFillClrLst>
-    <dgm:txEffectClrLst/>
-  </dgm:styleLbl>
-  <dgm:styleLbl name="solidBgAcc1">
-    <dgm:fillClrLst meth="repeat">
-      <a:schemeClr val="lt1"/>
-    </dgm:fillClrLst>
-    <dgm:linClrLst meth="repeat">
-      <a:schemeClr val="accent1"/>
-    </dgm:linClrLst>
-    <dgm:effectClrLst/>
-    <dgm:txLinClrLst/>
-    <dgm:txFillClrLst meth="repeat">
-      <a:schemeClr val="dk1"/>
-    </dgm:txFillClrLst>
-    <dgm:txEffectClrLst/>
-  </dgm:styleLbl>
-  <dgm:styleLbl name="fgAccFollowNode1">
-    <dgm:fillClrLst meth="repeat">
-      <a:schemeClr val="accent1">
-        <a:alpha val="90000"/>
-        <a:tint val="40000"/>
-      </a:schemeClr>
-    </dgm:fillClrLst>
-    <dgm:linClrLst meth="repeat">
-      <a:schemeClr val="accent1">
-        <a:alpha val="90000"/>
-        <a:tint val="40000"/>
-      </a:schemeClr>
-    </dgm:linClrLst>
-    <dgm:effectClrLst/>
-    <dgm:txLinClrLst/>
-    <dgm:txFillClrLst meth="repeat">
-      <a:schemeClr val="dk1"/>
-    </dgm:txFillClrLst>
-    <dgm:txEffectClrLst/>
-  </dgm:styleLbl>
-  <dgm:styleLbl name="alignAccFollowNode1">
-    <dgm:fillClrLst meth="repeat">
-      <a:schemeClr val="accent1">
-        <a:alpha val="90000"/>
-        <a:tint val="40000"/>
-      </a:schemeClr>
-    </dgm:fillClrLst>
-    <dgm:linClrLst meth="repeat">
-      <a:schemeClr val="accent1">
-        <a:alpha val="90000"/>
-        <a:tint val="40000"/>
-      </a:schemeClr>
-    </dgm:linClrLst>
-    <dgm:effectClrLst/>
-    <dgm:txLinClrLst/>
-    <dgm:txFillClrLst meth="repeat">
-      <a:schemeClr val="dk1"/>
-    </dgm:txFillClrLst>
-    <dgm:txEffectClrLst/>
-  </dgm:styleLbl>
-  <dgm:styleLbl name="bgAccFollowNode1">
-    <dgm:fillClrLst meth="repeat">
-      <a:schemeClr val="accent1">
-        <a:alpha val="90000"/>
-        <a:tint val="40000"/>
-      </a:schemeClr>
-    </dgm:fillClrLst>
-    <dgm:linClrLst meth="repeat">
-      <a:schemeClr val="accent1">
-        <a:alpha val="90000"/>
-        <a:tint val="40000"/>
-      </a:schemeClr>
-    </dgm:linClrLst>
-    <dgm:effectClrLst/>
-    <dgm:txLinClrLst/>
-    <dgm:txFillClrLst meth="repeat">
-      <a:schemeClr val="dk1"/>
-    </dgm:txFillClrLst>
-    <dgm:txEffectClrLst/>
-  </dgm:styleLbl>
-  <dgm:styleLbl name="fgAcc0">
-    <dgm:fillClrLst meth="repeat">
-      <a:schemeClr val="lt1">
-        <a:alpha val="90000"/>
-      </a:schemeClr>
-    </dgm:fillClrLst>
-    <dgm:linClrLst meth="repeat">
-      <a:schemeClr val="accent1"/>
-    </dgm:linClrLst>
-    <dgm:effectClrLst/>
-    <dgm:txLinClrLst/>
-    <dgm:txFillClrLst meth="repeat">
-      <a:schemeClr val="dk1"/>
-    </dgm:txFillClrLst>
-    <dgm:txEffectClrLst/>
-  </dgm:styleLbl>
-  <dgm:styleLbl name="fgAcc2">
-    <dgm:fillClrLst meth="repeat">
-      <a:schemeClr val="lt1">
-        <a:alpha val="90000"/>
-      </a:schemeClr>
-    </dgm:fillClrLst>
-    <dgm:linClrLst meth="repeat">
-      <a:schemeClr val="accent1"/>
-    </dgm:linClrLst>
-    <dgm:effectClrLst/>
-    <dgm:txLinClrLst/>
-    <dgm:txFillClrLst meth="repeat">
-      <a:schemeClr val="dk1"/>
-    </dgm:txFillClrLst>
-    <dgm:txEffectClrLst/>
-  </dgm:styleLbl>
-  <dgm:styleLbl name="fgAcc3">
-    <dgm:fillClrLst meth="repeat">
-      <a:schemeClr val="lt1">
-        <a:alpha val="90000"/>
-      </a:schemeClr>
-    </dgm:fillClrLst>
-    <dgm:linClrLst meth="repeat">
-      <a:schemeClr val="accent1"/>
-    </dgm:linClrLst>
-    <dgm:effectClrLst/>
-    <dgm:txLinClrLst/>
-    <dgm:txFillClrLst meth="repeat">
-      <a:schemeClr val="dk1"/>
-    </dgm:txFillClrLst>
-    <dgm:txEffectClrLst/>
-  </dgm:styleLbl>
-  <dgm:styleLbl name="fgAcc4">
-    <dgm:fillClrLst meth="repeat">
-      <a:schemeClr val="lt1">
-        <a:alpha val="90000"/>
-      </a:schemeClr>
-    </dgm:fillClrLst>
-    <dgm:linClrLst meth="repeat">
-      <a:schemeClr val="accent1"/>
-    </dgm:linClrLst>
-    <dgm:effectClrLst/>
-    <dgm:txLinClrLst/>
-    <dgm:txFillClrLst meth="repeat">
-      <a:schemeClr val="dk1"/>
-    </dgm:txFillClrLst>
-    <dgm:txEffectClrLst/>
-  </dgm:styleLbl>
-  <dgm:styleLbl name="bgShp">
-    <dgm:fillClrLst meth="repeat">
-      <a:schemeClr val="accent1">
-        <a:tint val="40000"/>
-      </a:schemeClr>
-    </dgm:fillClrLst>
-    <dgm:linClrLst meth="repeat">
-      <a:schemeClr val="accent1"/>
-    </dgm:linClrLst>
-    <dgm:effectClrLst/>
-    <dgm:txLinClrLst/>
-    <dgm:txFillClrLst meth="repeat">
-      <a:schemeClr val="dk1"/>
-    </dgm:txFillClrLst>
-    <dgm:txEffectClrLst/>
-  </dgm:styleLbl>
-  <dgm:styleLbl name="dkBgShp">
-    <dgm:fillClrLst meth="repeat">
-      <a:schemeClr val="accent1">
-        <a:shade val="80000"/>
-      </a:schemeClr>
-    </dgm:fillClrLst>
-    <dgm:linClrLst meth="repeat">
-      <a:schemeClr val="accent1"/>
-    </dgm:linClrLst>
-    <dgm:effectClrLst/>
-    <dgm:txLinClrLst/>
-    <dgm:txFillClrLst meth="repeat">
-      <a:schemeClr val="lt1"/>
-    </dgm:txFillClrLst>
-    <dgm:txEffectClrLst/>
-  </dgm:styleLbl>
-  <dgm:styleLbl name="trBgShp">
-    <dgm:fillClrLst meth="repeat">
-      <a:schemeClr val="accent1">
-        <a:tint val="50000"/>
-        <a:alpha val="40000"/>
-      </a:schemeClr>
-    </dgm:fillClrLst>
-    <dgm:linClrLst meth="repeat">
-      <a:schemeClr val="accent1"/>
-    </dgm:linClrLst>
-    <dgm:effectClrLst/>
-    <dgm:txLinClrLst/>
-    <dgm:txFillClrLst meth="repeat">
-      <a:schemeClr val="lt1"/>
-    </dgm:txFillClrLst>
-    <dgm:txEffectClrLst/>
-  </dgm:styleLbl>
-  <dgm:styleLbl name="fgShp">
-    <dgm:fillClrLst meth="repeat">
-      <a:schemeClr val="accent1">
-        <a:tint val="60000"/>
-      </a:schemeClr>
-    </dgm:fillClrLst>
-    <dgm:linClrLst meth="repeat">
-      <a:schemeClr val="lt1"/>
-    </dgm:linClrLst>
-    <dgm:effectClrLst/>
-    <dgm:txLinClrLst/>
-    <dgm:txFillClrLst meth="repeat">
-      <a:schemeClr val="dk1"/>
-    </dgm:txFillClrLst>
-    <dgm:txEffectClrLst/>
-  </dgm:styleLbl>
-  <dgm:styleLbl name="revTx">
-    <dgm:fillClrLst meth="repeat">
-      <a:schemeClr val="lt1">
-        <a:alpha val="0"/>
-      </a:schemeClr>
-    </dgm:fillClrLst>
-    <dgm:linClrLst meth="repeat">
-      <a:schemeClr val="dk1">
-        <a:alpha val="0"/>
-      </a:schemeClr>
-    </dgm:linClrLst>
-    <dgm:effectClrLst/>
-    <dgm:txLinClrLst/>
-    <dgm:txFillClrLst meth="repeat">
-      <a:schemeClr val="tx1"/>
-    </dgm:txFillClrLst>
-    <dgm:txEffectClrLst/>
-  </dgm:styleLbl>
-</dgm:colorsDef>
-</file>
-
 <file path=ppt/diagrams/data1.xml><?xml version="1.0" encoding="utf-8"?>
 <dgm:dataModel xmlns:dgm="http://schemas.openxmlformats.org/drawingml/2006/diagram" xmlns:a="http://schemas.openxmlformats.org/drawingml/2006/main">
   <dgm:ptLst>
@@ -7333,43 +6287,43 @@
     </dgm:pt>
   </dgm:ptLst>
   <dgm:cxnLst>
+    <dgm:cxn modelId="{59DC16B1-1AD8-4E5A-9DFB-056D13E468D6}" type="presOf" srcId="{FF08B318-A1F3-47F2-AD3F-C9F8A0F96034}" destId="{4174C60E-95CC-4882-BEA6-891F2F81F245}" srcOrd="0" destOrd="3" presId="urn:microsoft.com/office/officeart/2005/8/layout/vList2"/>
+    <dgm:cxn modelId="{DE7C114A-5D95-4AB1-A562-C2B1FD9E901A}" srcId="{F6891DC3-F7D4-4219-BD99-E633DF7F9C99}" destId="{816B1F66-B04D-4168-AAC9-603B902502B3}" srcOrd="1" destOrd="0" parTransId="{728F8BA7-57D2-4913-B32E-AE62413F9E2B}" sibTransId="{3C12FBF5-0681-465A-9A7B-7EBA11521D14}"/>
+    <dgm:cxn modelId="{75A700D1-D7CB-41CD-B519-B5A9ADE122C1}" srcId="{C450AFBD-D19E-4FDA-929B-E1A653D8E4DD}" destId="{673CF87C-3FEE-4570-BD3C-45251C8860E1}" srcOrd="1" destOrd="0" parTransId="{DAEA0810-607E-42AF-AB88-4ADDF9190089}" sibTransId="{E0947DC1-3396-42B3-9CAF-49A98E26AA74}"/>
+    <dgm:cxn modelId="{6E64ED66-4F46-4C8D-8C75-A970872A44CB}" type="presOf" srcId="{DD847369-FD52-47A4-9862-6E0F26E8356D}" destId="{3598399E-EEC9-4846-AE6F-2A815FA52A1A}" srcOrd="0" destOrd="0" presId="urn:microsoft.com/office/officeart/2005/8/layout/vList2"/>
+    <dgm:cxn modelId="{518902F6-C000-4ED1-B07D-7869545DF19F}" type="presOf" srcId="{0C38124E-1BE8-4699-A409-7E5EBEFC0B05}" destId="{3DA3C54A-443E-4079-8FD8-03835498A313}" srcOrd="0" destOrd="0" presId="urn:microsoft.com/office/officeart/2005/8/layout/vList2"/>
+    <dgm:cxn modelId="{DDE1E562-757E-41ED-8919-2F695DEFB7C4}" srcId="{DD847369-FD52-47A4-9862-6E0F26E8356D}" destId="{B23AB487-D1FB-45C8-ACD1-3EF47C2B535D}" srcOrd="0" destOrd="0" parTransId="{F399338F-1119-44B6-94F9-8F982ED25E8E}" sibTransId="{BCD5F139-66EC-4467-A91E-91B4B0B55E2A}"/>
+    <dgm:cxn modelId="{BECF50C3-DFE3-45EE-B065-429FEFFFDC49}" type="presOf" srcId="{02FBB906-BA58-41E9-8AD3-696CDF33B717}" destId="{86C6E5DC-91FE-4393-97EC-0E63A588CCA8}" srcOrd="0" destOrd="1" presId="urn:microsoft.com/office/officeart/2005/8/layout/vList2"/>
+    <dgm:cxn modelId="{A908B9C3-771B-41EB-AB29-5D8297E093E1}" type="presOf" srcId="{85C598A0-BCCA-4BF4-BD0C-322094E95D20}" destId="{D4B29F39-5BA6-449A-B2B8-4D84BC4B354D}" srcOrd="0" destOrd="0" presId="urn:microsoft.com/office/officeart/2005/8/layout/vList2"/>
+    <dgm:cxn modelId="{F8FC9519-21BC-4D9B-A3DD-05A3CB4F1842}" srcId="{46D51864-616F-4817-8F91-3E15814C4CD5}" destId="{69A1D6D1-C5A0-40C0-8829-3DCBB2A1EA06}" srcOrd="0" destOrd="0" parTransId="{0EE2AA90-1017-41D1-A5FF-5DB26507CBC1}" sibTransId="{F2EEB5D0-099E-4B95-BE4F-891C57129C67}"/>
+    <dgm:cxn modelId="{4A7813FD-937C-452B-AF75-7E94AB313993}" srcId="{DD847369-FD52-47A4-9862-6E0F26E8356D}" destId="{F1D3B8A7-F18E-466C-B04E-4F86C1E71632}" srcOrd="2" destOrd="0" parTransId="{6FCD00B0-9AC7-4A2C-990E-1455B980BE4B}" sibTransId="{7FF16688-7ACE-4FBA-88B5-A9A16CC61368}"/>
+    <dgm:cxn modelId="{AE3650D8-4F2F-426C-AB7C-8E557E497AC9}" srcId="{46D51864-616F-4817-8F91-3E15814C4CD5}" destId="{FF08B318-A1F3-47F2-AD3F-C9F8A0F96034}" srcOrd="3" destOrd="0" parTransId="{43FC54AC-4833-4786-BCFA-D5B98D91A7B6}" sibTransId="{DD8AA6AF-2AA6-41F8-912C-3C0B383B8B0E}"/>
+    <dgm:cxn modelId="{60758F71-4054-4347-A92D-998683F1C3A7}" type="presOf" srcId="{0E334188-9FCE-4754-B766-F6DCF898A424}" destId="{D4B29F39-5BA6-449A-B2B8-4D84BC4B354D}" srcOrd="0" destOrd="3" presId="urn:microsoft.com/office/officeart/2005/8/layout/vList2"/>
+    <dgm:cxn modelId="{C5BE2439-39A8-47ED-9B5D-61B39BE555F8}" srcId="{28621352-D8C8-4462-A38B-5ED8DAECF65B}" destId="{C450AFBD-D19E-4FDA-929B-E1A653D8E4DD}" srcOrd="2" destOrd="0" parTransId="{3858CD50-7509-4A20-82C1-6C76A3301DC4}" sibTransId="{2DC09692-DC74-4E8D-B681-71C50902EB56}"/>
+    <dgm:cxn modelId="{A0919315-A5D4-4BEF-A0E9-A2CC0CC68EEE}" type="presOf" srcId="{673CF87C-3FEE-4570-BD3C-45251C8860E1}" destId="{D4B29F39-5BA6-449A-B2B8-4D84BC4B354D}" srcOrd="0" destOrd="1" presId="urn:microsoft.com/office/officeart/2005/8/layout/vList2"/>
+    <dgm:cxn modelId="{4BB9627F-6082-491F-9A31-E331F47FDE94}" srcId="{C450AFBD-D19E-4FDA-929B-E1A653D8E4DD}" destId="{0E334188-9FCE-4754-B766-F6DCF898A424}" srcOrd="3" destOrd="0" parTransId="{1A72B2DE-87F8-47D1-9593-AD23C65AF2C5}" sibTransId="{1205E850-218F-42F4-8FB7-F49F93547ED8}"/>
+    <dgm:cxn modelId="{8E521032-63AF-4CE3-9A66-652C6C42682D}" type="presOf" srcId="{816B1F66-B04D-4168-AAC9-603B902502B3}" destId="{3DA3C54A-443E-4079-8FD8-03835498A313}" srcOrd="0" destOrd="1" presId="urn:microsoft.com/office/officeart/2005/8/layout/vList2"/>
+    <dgm:cxn modelId="{D8120A4F-36C0-498E-B77B-E8488B038205}" srcId="{DD847369-FD52-47A4-9862-6E0F26E8356D}" destId="{AB43DDEF-3FFD-405C-969F-A5205E771909}" srcOrd="3" destOrd="0" parTransId="{CF1E8733-F25C-4585-B628-A590A4D497A3}" sibTransId="{36FE620E-EFB1-4CF7-8C13-D054A4C42142}"/>
     <dgm:cxn modelId="{A8DDEF6F-4A41-4E35-AE4A-47B863F39A6C}" type="presOf" srcId="{46D51864-616F-4817-8F91-3E15814C4CD5}" destId="{754C3953-3803-4D78-ABC9-4560C428F027}" srcOrd="0" destOrd="0" presId="urn:microsoft.com/office/officeart/2005/8/layout/vList2"/>
-    <dgm:cxn modelId="{4A7813FD-937C-452B-AF75-7E94AB313993}" srcId="{DD847369-FD52-47A4-9862-6E0F26E8356D}" destId="{F1D3B8A7-F18E-466C-B04E-4F86C1E71632}" srcOrd="2" destOrd="0" parTransId="{6FCD00B0-9AC7-4A2C-990E-1455B980BE4B}" sibTransId="{7FF16688-7ACE-4FBA-88B5-A9A16CC61368}"/>
+    <dgm:cxn modelId="{971BCDC8-037B-4F8F-BDF3-31E529D82B42}" type="presOf" srcId="{69A1D6D1-C5A0-40C0-8829-3DCBB2A1EA06}" destId="{4174C60E-95CC-4882-BEA6-891F2F81F245}" srcOrd="0" destOrd="0" presId="urn:microsoft.com/office/officeart/2005/8/layout/vList2"/>
+    <dgm:cxn modelId="{9977EA1B-9B74-4F59-A2D5-51A779991AD8}" srcId="{46D51864-616F-4817-8F91-3E15814C4CD5}" destId="{15B62DB7-1781-4712-8CB4-4612F4004CF9}" srcOrd="1" destOrd="0" parTransId="{7F360CA1-E9E5-4774-B5E6-7BD4C2281884}" sibTransId="{90A31C82-9F2C-45D4-89B6-4B24566CCF2C}"/>
+    <dgm:cxn modelId="{23EF09F3-584C-4A0E-A954-D608F0381D33}" type="presOf" srcId="{F67643B1-22DC-47B4-B3B5-BF746A707484}" destId="{4174C60E-95CC-4882-BEA6-891F2F81F245}" srcOrd="0" destOrd="2" presId="urn:microsoft.com/office/officeart/2005/8/layout/vList2"/>
+    <dgm:cxn modelId="{97540CCD-B544-4F38-8A09-A8D2A24C4BBA}" type="presOf" srcId="{15B62DB7-1781-4712-8CB4-4612F4004CF9}" destId="{4174C60E-95CC-4882-BEA6-891F2F81F245}" srcOrd="0" destOrd="1" presId="urn:microsoft.com/office/officeart/2005/8/layout/vList2"/>
+    <dgm:cxn modelId="{F5607497-5D8D-46CE-AA54-88A7EA07FD9A}" type="presOf" srcId="{CF9922EE-48BF-4D32-9CA3-D69D0E77782E}" destId="{D4B29F39-5BA6-449A-B2B8-4D84BC4B354D}" srcOrd="0" destOrd="2" presId="urn:microsoft.com/office/officeart/2005/8/layout/vList2"/>
+    <dgm:cxn modelId="{7479DAAC-2B8D-4A7A-9DE1-A0F98C7C7923}" type="presOf" srcId="{AB43DDEF-3FFD-405C-969F-A5205E771909}" destId="{86C6E5DC-91FE-4393-97EC-0E63A588CCA8}" srcOrd="0" destOrd="3" presId="urn:microsoft.com/office/officeart/2005/8/layout/vList2"/>
+    <dgm:cxn modelId="{7EC4CCEE-A36A-43C6-95E1-0480A1BAEE8F}" srcId="{C450AFBD-D19E-4FDA-929B-E1A653D8E4DD}" destId="{85C598A0-BCCA-4BF4-BD0C-322094E95D20}" srcOrd="0" destOrd="0" parTransId="{DF9A3197-7551-4AB0-9864-A3DFF256CB2F}" sibTransId="{F8D97D87-512C-42B0-8BCF-6EB0500ECB4A}"/>
     <dgm:cxn modelId="{DFCB5525-E174-4B2A-ADBB-B3D93E2D2A6C}" srcId="{28621352-D8C8-4462-A38B-5ED8DAECF65B}" destId="{46D51864-616F-4817-8F91-3E15814C4CD5}" srcOrd="3" destOrd="0" parTransId="{E2AE9E1E-E0FB-47DC-9337-191CB5B936CB}" sibTransId="{E9DF6DF7-3E08-45C9-8B8E-841EA30C8B33}"/>
-    <dgm:cxn modelId="{8E521032-63AF-4CE3-9A66-652C6C42682D}" type="presOf" srcId="{816B1F66-B04D-4168-AAC9-603B902502B3}" destId="{3DA3C54A-443E-4079-8FD8-03835498A313}" srcOrd="0" destOrd="1" presId="urn:microsoft.com/office/officeart/2005/8/layout/vList2"/>
-    <dgm:cxn modelId="{75A700D1-D7CB-41CD-B519-B5A9ADE122C1}" srcId="{C450AFBD-D19E-4FDA-929B-E1A653D8E4DD}" destId="{673CF87C-3FEE-4570-BD3C-45251C8860E1}" srcOrd="1" destOrd="0" parTransId="{DAEA0810-607E-42AF-AB88-4ADDF9190089}" sibTransId="{E0947DC1-3396-42B3-9CAF-49A98E26AA74}"/>
+    <dgm:cxn modelId="{F0D4F50D-5A17-422C-8331-D8004DD48F14}" srcId="{28621352-D8C8-4462-A38B-5ED8DAECF65B}" destId="{F6891DC3-F7D4-4219-BD99-E633DF7F9C99}" srcOrd="0" destOrd="0" parTransId="{1B245E6A-BCBD-4310-AB1B-65FCE10DA84E}" sibTransId="{1D2F8BD6-4E8D-44E7-BB11-49A85F68390E}"/>
+    <dgm:cxn modelId="{1B2F4A6A-C043-4023-88D6-A1926ECC69A4}" srcId="{F6891DC3-F7D4-4219-BD99-E633DF7F9C99}" destId="{0C38124E-1BE8-4699-A409-7E5EBEFC0B05}" srcOrd="0" destOrd="0" parTransId="{DE70DA72-A786-427A-941B-FDB83111C9ED}" sibTransId="{3D61EFA4-1337-4488-B664-71047F49B8E8}"/>
+    <dgm:cxn modelId="{5FB863EE-1950-496B-8FF6-A06CB4BCC373}" srcId="{46D51864-616F-4817-8F91-3E15814C4CD5}" destId="{F67643B1-22DC-47B4-B3B5-BF746A707484}" srcOrd="2" destOrd="0" parTransId="{8BDF7434-6C4C-4F44-B49E-8CEB0F7057E5}" sibTransId="{46B476B1-E80F-4347-839F-665DE47D6FA7}"/>
+    <dgm:cxn modelId="{325076B5-CAF0-4A95-8C9C-B4FA4C794795}" srcId="{28621352-D8C8-4462-A38B-5ED8DAECF65B}" destId="{DD847369-FD52-47A4-9862-6E0F26E8356D}" srcOrd="1" destOrd="0" parTransId="{68F9C435-6FFD-40A0-A071-F2D05C6DAF67}" sibTransId="{6B1F0A42-3C88-4789-98FD-E29CD4BA95FC}"/>
+    <dgm:cxn modelId="{C7B12F29-6D9C-4F55-B0B4-0C52E4894C4D}" srcId="{C450AFBD-D19E-4FDA-929B-E1A653D8E4DD}" destId="{CF9922EE-48BF-4D32-9CA3-D69D0E77782E}" srcOrd="2" destOrd="0" parTransId="{76B7A7CB-BEA7-4835-8CFB-5DE74BC2A803}" sibTransId="{A2A6269D-5DD5-43D6-9B36-4E362826A8F1}"/>
+    <dgm:cxn modelId="{C97EDC3C-F975-4058-9CA6-846C8132FD7D}" type="presOf" srcId="{F6891DC3-F7D4-4219-BD99-E633DF7F9C99}" destId="{A95D184C-E14B-4F00-909E-013D2800488D}" srcOrd="0" destOrd="0" presId="urn:microsoft.com/office/officeart/2005/8/layout/vList2"/>
+    <dgm:cxn modelId="{28A22959-2AC1-4283-8BF7-F15075D49AA4}" type="presOf" srcId="{C450AFBD-D19E-4FDA-929B-E1A653D8E4DD}" destId="{3C75DF9A-6800-46C6-AFE7-9345250C9E19}" srcOrd="0" destOrd="0" presId="urn:microsoft.com/office/officeart/2005/8/layout/vList2"/>
     <dgm:cxn modelId="{17EC2E80-063A-4284-B5F7-5B460FC430DD}" type="presOf" srcId="{28621352-D8C8-4462-A38B-5ED8DAECF65B}" destId="{F9B833AD-177B-47A7-A8A2-CC5864175494}" srcOrd="0" destOrd="0" presId="urn:microsoft.com/office/officeart/2005/8/layout/vList2"/>
-    <dgm:cxn modelId="{59DC16B1-1AD8-4E5A-9DFB-056D13E468D6}" type="presOf" srcId="{FF08B318-A1F3-47F2-AD3F-C9F8A0F96034}" destId="{4174C60E-95CC-4882-BEA6-891F2F81F245}" srcOrd="0" destOrd="3" presId="urn:microsoft.com/office/officeart/2005/8/layout/vList2"/>
-    <dgm:cxn modelId="{F5607497-5D8D-46CE-AA54-88A7EA07FD9A}" type="presOf" srcId="{CF9922EE-48BF-4D32-9CA3-D69D0E77782E}" destId="{D4B29F39-5BA6-449A-B2B8-4D84BC4B354D}" srcOrd="0" destOrd="2" presId="urn:microsoft.com/office/officeart/2005/8/layout/vList2"/>
-    <dgm:cxn modelId="{1B2F4A6A-C043-4023-88D6-A1926ECC69A4}" srcId="{F6891DC3-F7D4-4219-BD99-E633DF7F9C99}" destId="{0C38124E-1BE8-4699-A409-7E5EBEFC0B05}" srcOrd="0" destOrd="0" parTransId="{DE70DA72-A786-427A-941B-FDB83111C9ED}" sibTransId="{3D61EFA4-1337-4488-B664-71047F49B8E8}"/>
-    <dgm:cxn modelId="{28A22959-2AC1-4283-8BF7-F15075D49AA4}" type="presOf" srcId="{C450AFBD-D19E-4FDA-929B-E1A653D8E4DD}" destId="{3C75DF9A-6800-46C6-AFE7-9345250C9E19}" srcOrd="0" destOrd="0" presId="urn:microsoft.com/office/officeart/2005/8/layout/vList2"/>
-    <dgm:cxn modelId="{23EF09F3-584C-4A0E-A954-D608F0381D33}" type="presOf" srcId="{F67643B1-22DC-47B4-B3B5-BF746A707484}" destId="{4174C60E-95CC-4882-BEA6-891F2F81F245}" srcOrd="0" destOrd="2" presId="urn:microsoft.com/office/officeart/2005/8/layout/vList2"/>
-    <dgm:cxn modelId="{4BB9627F-6082-491F-9A31-E331F47FDE94}" srcId="{C450AFBD-D19E-4FDA-929B-E1A653D8E4DD}" destId="{0E334188-9FCE-4754-B766-F6DCF898A424}" srcOrd="3" destOrd="0" parTransId="{1A72B2DE-87F8-47D1-9593-AD23C65AF2C5}" sibTransId="{1205E850-218F-42F4-8FB7-F49F93547ED8}"/>
-    <dgm:cxn modelId="{518902F6-C000-4ED1-B07D-7869545DF19F}" type="presOf" srcId="{0C38124E-1BE8-4699-A409-7E5EBEFC0B05}" destId="{3DA3C54A-443E-4079-8FD8-03835498A313}" srcOrd="0" destOrd="0" presId="urn:microsoft.com/office/officeart/2005/8/layout/vList2"/>
-    <dgm:cxn modelId="{9977EA1B-9B74-4F59-A2D5-51A779991AD8}" srcId="{46D51864-616F-4817-8F91-3E15814C4CD5}" destId="{15B62DB7-1781-4712-8CB4-4612F4004CF9}" srcOrd="1" destOrd="0" parTransId="{7F360CA1-E9E5-4774-B5E6-7BD4C2281884}" sibTransId="{90A31C82-9F2C-45D4-89B6-4B24566CCF2C}"/>
-    <dgm:cxn modelId="{DDE1E562-757E-41ED-8919-2F695DEFB7C4}" srcId="{DD847369-FD52-47A4-9862-6E0F26E8356D}" destId="{B23AB487-D1FB-45C8-ACD1-3EF47C2B535D}" srcOrd="0" destOrd="0" parTransId="{F399338F-1119-44B6-94F9-8F982ED25E8E}" sibTransId="{BCD5F139-66EC-4467-A91E-91B4B0B55E2A}"/>
-    <dgm:cxn modelId="{F0D4F50D-5A17-422C-8331-D8004DD48F14}" srcId="{28621352-D8C8-4462-A38B-5ED8DAECF65B}" destId="{F6891DC3-F7D4-4219-BD99-E633DF7F9C99}" srcOrd="0" destOrd="0" parTransId="{1B245E6A-BCBD-4310-AB1B-65FCE10DA84E}" sibTransId="{1D2F8BD6-4E8D-44E7-BB11-49A85F68390E}"/>
-    <dgm:cxn modelId="{DE7C114A-5D95-4AB1-A562-C2B1FD9E901A}" srcId="{F6891DC3-F7D4-4219-BD99-E633DF7F9C99}" destId="{816B1F66-B04D-4168-AAC9-603B902502B3}" srcOrd="1" destOrd="0" parTransId="{728F8BA7-57D2-4913-B32E-AE62413F9E2B}" sibTransId="{3C12FBF5-0681-465A-9A7B-7EBA11521D14}"/>
-    <dgm:cxn modelId="{C7B12F29-6D9C-4F55-B0B4-0C52E4894C4D}" srcId="{C450AFBD-D19E-4FDA-929B-E1A653D8E4DD}" destId="{CF9922EE-48BF-4D32-9CA3-D69D0E77782E}" srcOrd="2" destOrd="0" parTransId="{76B7A7CB-BEA7-4835-8CFB-5DE74BC2A803}" sibTransId="{A2A6269D-5DD5-43D6-9B36-4E362826A8F1}"/>
-    <dgm:cxn modelId="{325076B5-CAF0-4A95-8C9C-B4FA4C794795}" srcId="{28621352-D8C8-4462-A38B-5ED8DAECF65B}" destId="{DD847369-FD52-47A4-9862-6E0F26E8356D}" srcOrd="1" destOrd="0" parTransId="{68F9C435-6FFD-40A0-A071-F2D05C6DAF67}" sibTransId="{6B1F0A42-3C88-4789-98FD-E29CD4BA95FC}"/>
-    <dgm:cxn modelId="{D8120A4F-36C0-498E-B77B-E8488B038205}" srcId="{DD847369-FD52-47A4-9862-6E0F26E8356D}" destId="{AB43DDEF-3FFD-405C-969F-A5205E771909}" srcOrd="3" destOrd="0" parTransId="{CF1E8733-F25C-4585-B628-A590A4D497A3}" sibTransId="{36FE620E-EFB1-4CF7-8C13-D054A4C42142}"/>
-    <dgm:cxn modelId="{7EC4CCEE-A36A-43C6-95E1-0480A1BAEE8F}" srcId="{C450AFBD-D19E-4FDA-929B-E1A653D8E4DD}" destId="{85C598A0-BCCA-4BF4-BD0C-322094E95D20}" srcOrd="0" destOrd="0" parTransId="{DF9A3197-7551-4AB0-9864-A3DFF256CB2F}" sibTransId="{F8D97D87-512C-42B0-8BCF-6EB0500ECB4A}"/>
-    <dgm:cxn modelId="{60758F71-4054-4347-A92D-998683F1C3A7}" type="presOf" srcId="{0E334188-9FCE-4754-B766-F6DCF898A424}" destId="{D4B29F39-5BA6-449A-B2B8-4D84BC4B354D}" srcOrd="0" destOrd="3" presId="urn:microsoft.com/office/officeart/2005/8/layout/vList2"/>
-    <dgm:cxn modelId="{971BCDC8-037B-4F8F-BDF3-31E529D82B42}" type="presOf" srcId="{69A1D6D1-C5A0-40C0-8829-3DCBB2A1EA06}" destId="{4174C60E-95CC-4882-BEA6-891F2F81F245}" srcOrd="0" destOrd="0" presId="urn:microsoft.com/office/officeart/2005/8/layout/vList2"/>
-    <dgm:cxn modelId="{97540CCD-B544-4F38-8A09-A8D2A24C4BBA}" type="presOf" srcId="{15B62DB7-1781-4712-8CB4-4612F4004CF9}" destId="{4174C60E-95CC-4882-BEA6-891F2F81F245}" srcOrd="0" destOrd="1" presId="urn:microsoft.com/office/officeart/2005/8/layout/vList2"/>
-    <dgm:cxn modelId="{A908B9C3-771B-41EB-AB29-5D8297E093E1}" type="presOf" srcId="{85C598A0-BCCA-4BF4-BD0C-322094E95D20}" destId="{D4B29F39-5BA6-449A-B2B8-4D84BC4B354D}" srcOrd="0" destOrd="0" presId="urn:microsoft.com/office/officeart/2005/8/layout/vList2"/>
+    <dgm:cxn modelId="{8526E3F5-25F8-4704-B058-78E3FE5EB49A}" srcId="{DD847369-FD52-47A4-9862-6E0F26E8356D}" destId="{02FBB906-BA58-41E9-8AD3-696CDF33B717}" srcOrd="1" destOrd="0" parTransId="{B5AFC2B3-D52C-48AE-8F7A-36242B2BAFB5}" sibTransId="{CF70BE40-2BC0-48DF-8F64-CC537DE7C180}"/>
     <dgm:cxn modelId="{0044EA7D-13E5-4640-A487-DF7086EF3ECE}" type="presOf" srcId="{F1D3B8A7-F18E-466C-B04E-4F86C1E71632}" destId="{86C6E5DC-91FE-4393-97EC-0E63A588CCA8}" srcOrd="0" destOrd="2" presId="urn:microsoft.com/office/officeart/2005/8/layout/vList2"/>
     <dgm:cxn modelId="{27AB5765-8A9D-4C63-A79E-37E0CC419524}" type="presOf" srcId="{B23AB487-D1FB-45C8-ACD1-3EF47C2B535D}" destId="{86C6E5DC-91FE-4393-97EC-0E63A588CCA8}" srcOrd="0" destOrd="0" presId="urn:microsoft.com/office/officeart/2005/8/layout/vList2"/>
-    <dgm:cxn modelId="{C5BE2439-39A8-47ED-9B5D-61B39BE555F8}" srcId="{28621352-D8C8-4462-A38B-5ED8DAECF65B}" destId="{C450AFBD-D19E-4FDA-929B-E1A653D8E4DD}" srcOrd="2" destOrd="0" parTransId="{3858CD50-7509-4A20-82C1-6C76A3301DC4}" sibTransId="{2DC09692-DC74-4E8D-B681-71C50902EB56}"/>
-    <dgm:cxn modelId="{F8FC9519-21BC-4D9B-A3DD-05A3CB4F1842}" srcId="{46D51864-616F-4817-8F91-3E15814C4CD5}" destId="{69A1D6D1-C5A0-40C0-8829-3DCBB2A1EA06}" srcOrd="0" destOrd="0" parTransId="{0EE2AA90-1017-41D1-A5FF-5DB26507CBC1}" sibTransId="{F2EEB5D0-099E-4B95-BE4F-891C57129C67}"/>
-    <dgm:cxn modelId="{6E64ED66-4F46-4C8D-8C75-A970872A44CB}" type="presOf" srcId="{DD847369-FD52-47A4-9862-6E0F26E8356D}" destId="{3598399E-EEC9-4846-AE6F-2A815FA52A1A}" srcOrd="0" destOrd="0" presId="urn:microsoft.com/office/officeart/2005/8/layout/vList2"/>
-    <dgm:cxn modelId="{8526E3F5-25F8-4704-B058-78E3FE5EB49A}" srcId="{DD847369-FD52-47A4-9862-6E0F26E8356D}" destId="{02FBB906-BA58-41E9-8AD3-696CDF33B717}" srcOrd="1" destOrd="0" parTransId="{B5AFC2B3-D52C-48AE-8F7A-36242B2BAFB5}" sibTransId="{CF70BE40-2BC0-48DF-8F64-CC537DE7C180}"/>
-    <dgm:cxn modelId="{5FB863EE-1950-496B-8FF6-A06CB4BCC373}" srcId="{46D51864-616F-4817-8F91-3E15814C4CD5}" destId="{F67643B1-22DC-47B4-B3B5-BF746A707484}" srcOrd="2" destOrd="0" parTransId="{8BDF7434-6C4C-4F44-B49E-8CEB0F7057E5}" sibTransId="{46B476B1-E80F-4347-839F-665DE47D6FA7}"/>
-    <dgm:cxn modelId="{C97EDC3C-F975-4058-9CA6-846C8132FD7D}" type="presOf" srcId="{F6891DC3-F7D4-4219-BD99-E633DF7F9C99}" destId="{A95D184C-E14B-4F00-909E-013D2800488D}" srcOrd="0" destOrd="0" presId="urn:microsoft.com/office/officeart/2005/8/layout/vList2"/>
-    <dgm:cxn modelId="{A0919315-A5D4-4BEF-A0E9-A2CC0CC68EEE}" type="presOf" srcId="{673CF87C-3FEE-4570-BD3C-45251C8860E1}" destId="{D4B29F39-5BA6-449A-B2B8-4D84BC4B354D}" srcOrd="0" destOrd="1" presId="urn:microsoft.com/office/officeart/2005/8/layout/vList2"/>
-    <dgm:cxn modelId="{AE3650D8-4F2F-426C-AB7C-8E557E497AC9}" srcId="{46D51864-616F-4817-8F91-3E15814C4CD5}" destId="{FF08B318-A1F3-47F2-AD3F-C9F8A0F96034}" srcOrd="3" destOrd="0" parTransId="{43FC54AC-4833-4786-BCFA-D5B98D91A7B6}" sibTransId="{DD8AA6AF-2AA6-41F8-912C-3C0B383B8B0E}"/>
-    <dgm:cxn modelId="{BECF50C3-DFE3-45EE-B065-429FEFFFDC49}" type="presOf" srcId="{02FBB906-BA58-41E9-8AD3-696CDF33B717}" destId="{86C6E5DC-91FE-4393-97EC-0E63A588CCA8}" srcOrd="0" destOrd="1" presId="urn:microsoft.com/office/officeart/2005/8/layout/vList2"/>
-    <dgm:cxn modelId="{7479DAAC-2B8D-4A7A-9DE1-A0F98C7C7923}" type="presOf" srcId="{AB43DDEF-3FFD-405C-969F-A5205E771909}" destId="{86C6E5DC-91FE-4393-97EC-0E63A588CCA8}" srcOrd="0" destOrd="3" presId="urn:microsoft.com/office/officeart/2005/8/layout/vList2"/>
     <dgm:cxn modelId="{0D99D7EC-2C52-4117-9916-E3839DD40697}" type="presParOf" srcId="{F9B833AD-177B-47A7-A8A2-CC5864175494}" destId="{A95D184C-E14B-4F00-909E-013D2800488D}" srcOrd="0" destOrd="0" presId="urn:microsoft.com/office/officeart/2005/8/layout/vList2"/>
     <dgm:cxn modelId="{ABE203F6-5A3D-41CA-B1E1-46B40234097C}" type="presParOf" srcId="{F9B833AD-177B-47A7-A8A2-CC5864175494}" destId="{3DA3C54A-443E-4079-8FD8-03835498A313}" srcOrd="1" destOrd="0" presId="urn:microsoft.com/office/officeart/2005/8/layout/vList2"/>
     <dgm:cxn modelId="{85722904-6A2E-4C3E-AA6C-BD7E0AF853CB}" type="presParOf" srcId="{F9B833AD-177B-47A7-A8A2-CC5864175494}" destId="{3598399E-EEC9-4846-AE6F-2A815FA52A1A}" srcOrd="2" destOrd="0" presId="urn:microsoft.com/office/officeart/2005/8/layout/vList2"/>
@@ -7383,7 +6337,7 @@
   <dgm:whole/>
   <dgm:extLst>
     <a:ext uri="http://schemas.microsoft.com/office/drawing/2008/diagram">
-      <dsp:dataModelExt xmlns:dsp="http://schemas.microsoft.com/office/drawing/2008/diagram" relId="rId7" minVer="http://schemas.openxmlformats.org/drawingml/2006/diagram"/>
+      <dsp:dataModelExt xmlns:dsp="http://schemas.microsoft.com/office/drawing/2008/diagram" xmlns="" relId="rId7" minVer="http://schemas.openxmlformats.org/drawingml/2006/diagram"/>
     </a:ext>
   </dgm:extLst>
 </dgm:dataModel>
@@ -8213,45 +7167,45 @@
     </dgm:pt>
   </dgm:ptLst>
   <dgm:cxnLst>
+    <dgm:cxn modelId="{A74FB74D-DB87-4FE9-92C4-6C4897056853}" type="presOf" srcId="{F6FCA15E-1300-49D8-9A19-C767DAC04A99}" destId="{0263673B-FFC8-4AF0-A80C-2B148C294C2A}" srcOrd="0" destOrd="0" presId="urn:microsoft.com/office/officeart/2005/8/layout/vList2"/>
+    <dgm:cxn modelId="{62F41945-6A41-4B53-A6C6-42753AD08022}" type="presOf" srcId="{2609228E-A5C0-45E4-9F6E-5C9B111A848C}" destId="{5C6BCDC5-01CD-4D3A-AFDA-D028DCC208E0}" srcOrd="0" destOrd="2" presId="urn:microsoft.com/office/officeart/2005/8/layout/vList2"/>
+    <dgm:cxn modelId="{7247D70A-F92F-4FD7-8D88-A02979CE2550}" srcId="{F6FCA15E-1300-49D8-9A19-C767DAC04A99}" destId="{5F756E09-E2C4-473D-A2FE-4ECF3FF0FF8F}" srcOrd="4" destOrd="0" parTransId="{10C2D6CB-246E-4DE9-BA2D-CAAB0A803206}" sibTransId="{14B19A7D-2D02-416A-BC65-472122B7FA1F}"/>
+    <dgm:cxn modelId="{0FE424BD-1081-4F1C-970B-4305460D8826}" type="presOf" srcId="{C61D11BB-4595-44F9-9B5E-8C420BA3F5E4}" destId="{41C04F8C-558E-4A38-8464-2044A2BC12CB}" srcOrd="0" destOrd="0" presId="urn:microsoft.com/office/officeart/2005/8/layout/vList2"/>
+    <dgm:cxn modelId="{9EA03525-63FB-4A7C-8D89-963CDFCC6D5B}" type="presOf" srcId="{3F3E3B4C-AC38-4B0D-8B13-27C9B6E4981F}" destId="{48B1F019-1CE6-479A-AD63-543121743A8A}" srcOrd="0" destOrd="0" presId="urn:microsoft.com/office/officeart/2005/8/layout/vList2"/>
+    <dgm:cxn modelId="{28142634-20E2-4643-8EB4-4A3757B13D3A}" type="presOf" srcId="{D1C33119-F6AC-4A72-9974-0744D31A8D38}" destId="{09EBEF52-6D08-4CB1-8BDA-3D44D2BF50F5}" srcOrd="0" destOrd="1" presId="urn:microsoft.com/office/officeart/2005/8/layout/vList2"/>
     <dgm:cxn modelId="{25E6FEA1-7E68-454F-B1F5-623E9F3A2652}" type="presOf" srcId="{B3D9C1D0-DA6A-4A50-BC35-EB7AE3676D69}" destId="{5C6BCDC5-01CD-4D3A-AFDA-D028DCC208E0}" srcOrd="0" destOrd="3" presId="urn:microsoft.com/office/officeart/2005/8/layout/vList2"/>
-    <dgm:cxn modelId="{5B95B6E2-0255-4DD5-BA86-A449E36D0794}" srcId="{C61D11BB-4595-44F9-9B5E-8C420BA3F5E4}" destId="{1A5928DB-AEEF-4FE0-BF3F-E22BAEBAD252}" srcOrd="0" destOrd="0" parTransId="{1BE43270-4DE6-4692-A9BF-9D84E038AA50}" sibTransId="{E9A7AC35-C9B8-442C-A7A7-EA4E6768D458}"/>
+    <dgm:cxn modelId="{FAFF7F74-4890-456C-84DB-1DAD1A8F5E4F}" type="presOf" srcId="{BDE75AA0-EEA2-4A2B-89AC-3ECE4A048F59}" destId="{5C6BCDC5-01CD-4D3A-AFDA-D028DCC208E0}" srcOrd="0" destOrd="0" presId="urn:microsoft.com/office/officeart/2005/8/layout/vList2"/>
     <dgm:cxn modelId="{AC5C21BE-50B9-4F69-9B10-790D0161C134}" srcId="{F6FCA15E-1300-49D8-9A19-C767DAC04A99}" destId="{BDE75AA0-EEA2-4A2B-89AC-3ECE4A048F59}" srcOrd="0" destOrd="0" parTransId="{69CE7B57-4C7A-420A-B169-FC6DA555A59F}" sibTransId="{36E1F3B8-BC97-4637-87DF-5DCBF2640188}"/>
+    <dgm:cxn modelId="{941AA721-A6A2-404C-A9EB-2277D42172C8}" type="presOf" srcId="{61F8A37E-0714-4D1C-A7DF-93A477875FE8}" destId="{41659F7B-4944-4AB4-A655-69C3BEDC0729}" srcOrd="0" destOrd="2" presId="urn:microsoft.com/office/officeart/2005/8/layout/vList2"/>
+    <dgm:cxn modelId="{CE789804-9959-403D-80D2-2C083B7E1B30}" srcId="{44708C06-303B-4ACD-B2F0-E95A20B60BB9}" destId="{5B8C8160-6E2D-453A-82E5-25B4F9620211}" srcOrd="2" destOrd="0" parTransId="{A6453594-D8D3-480C-8B11-5C2BBC675776}" sibTransId="{1C0F83EF-2519-4F01-9EDF-E51359C24296}"/>
+    <dgm:cxn modelId="{A79A16A6-BDC2-4CB9-BEB9-C44C06051F03}" type="presOf" srcId="{1DB1CF4C-3721-48A3-A006-6396E9D8EB3C}" destId="{A96A0ECB-4E20-4C79-80BC-75B0D3A2CF5E}" srcOrd="0" destOrd="1" presId="urn:microsoft.com/office/officeart/2005/8/layout/vList2"/>
+    <dgm:cxn modelId="{E171F143-A348-42C1-A120-DA9AE5CD465D}" srcId="{3F3E3B4C-AC38-4B0D-8B13-27C9B6E4981F}" destId="{6C201876-47B4-4837-ADB8-7634C78A1142}" srcOrd="3" destOrd="0" parTransId="{6A639ACB-601D-48BA-A60B-E54DB5A1C276}" sibTransId="{68B0E920-03AF-4EED-9E0B-C79CE815665C}"/>
     <dgm:cxn modelId="{4A83E82C-B457-41A9-B21D-24C01A146047}" type="presOf" srcId="{44708C06-303B-4ACD-B2F0-E95A20B60BB9}" destId="{7F271AC6-E2E8-427D-B6A4-618241D2FDAA}" srcOrd="0" destOrd="0" presId="urn:microsoft.com/office/officeart/2005/8/layout/vList2"/>
-    <dgm:cxn modelId="{B6122A58-176B-4A1F-9D1E-9715D4C91A21}" type="presOf" srcId="{5B8C8160-6E2D-453A-82E5-25B4F9620211}" destId="{33777C9F-EE64-4B2F-BF3D-9063802483F3}" srcOrd="0" destOrd="0" presId="urn:microsoft.com/office/officeart/2005/8/layout/vList2"/>
-    <dgm:cxn modelId="{774117A1-A2BA-4D6A-8CF7-669C5C9CE060}" srcId="{5B8C8160-6E2D-453A-82E5-25B4F9620211}" destId="{3EFC9B20-0D65-40DE-BD51-0F18C3914B4D}" srcOrd="0" destOrd="0" parTransId="{375342D0-0E7C-472F-9387-F85C86F8AC6E}" sibTransId="{6174BE1F-E6DC-4C58-9B6F-E2D613EC8DC1}"/>
+    <dgm:cxn modelId="{7DA24476-F8F6-4BD1-A555-1A506B7044F8}" srcId="{F6FCA15E-1300-49D8-9A19-C767DAC04A99}" destId="{2609228E-A5C0-45E4-9F6E-5C9B111A848C}" srcOrd="2" destOrd="0" parTransId="{D353A636-0730-48FE-A09C-2C55CB54703A}" sibTransId="{B367BEDE-186C-435D-B6AC-82224FC26007}"/>
+    <dgm:cxn modelId="{3B4A34F8-1245-411D-84EA-0D2354067FF4}" type="presOf" srcId="{E5C40602-EE8D-416D-8B3B-4E24090647F3}" destId="{5C6BCDC5-01CD-4D3A-AFDA-D028DCC208E0}" srcOrd="0" destOrd="1" presId="urn:microsoft.com/office/officeart/2005/8/layout/vList2"/>
+    <dgm:cxn modelId="{49F0F417-63B7-4C0A-93C8-9EC66C4C9A29}" srcId="{C61D11BB-4595-44F9-9B5E-8C420BA3F5E4}" destId="{1DB1CF4C-3721-48A3-A006-6396E9D8EB3C}" srcOrd="1" destOrd="0" parTransId="{0C36E746-5E0D-4DA0-B221-00D83B67D972}" sibTransId="{A5C62536-BFD7-4C68-BB98-3D8C218F7246}"/>
+    <dgm:cxn modelId="{538E0F94-2D8F-4274-AF37-252315CC096F}" type="presOf" srcId="{1A5928DB-AEEF-4FE0-BF3F-E22BAEBAD252}" destId="{A96A0ECB-4E20-4C79-80BC-75B0D3A2CF5E}" srcOrd="0" destOrd="0" presId="urn:microsoft.com/office/officeart/2005/8/layout/vList2"/>
+    <dgm:cxn modelId="{47C68A86-1C97-4499-9118-12EC4FB5B564}" type="presOf" srcId="{22DAB7B7-9FCC-4314-8C69-19D53AC134A4}" destId="{41659F7B-4944-4AB4-A655-69C3BEDC0729}" srcOrd="0" destOrd="0" presId="urn:microsoft.com/office/officeart/2005/8/layout/vList2"/>
+    <dgm:cxn modelId="{7B8D0D84-0DE5-4413-A091-2B4CF68497E2}" srcId="{5B8C8160-6E2D-453A-82E5-25B4F9620211}" destId="{04A03171-29F1-4C1D-AD98-0E6C9C32A7A2}" srcOrd="2" destOrd="0" parTransId="{824BFD88-B68B-4FC1-8D92-099F8DD45F1A}" sibTransId="{642E5A8E-19BE-4FC2-ABA4-C3B7AD61268B}"/>
+    <dgm:cxn modelId="{7130E3F5-10ED-4508-8B9A-65C5ACF84B03}" srcId="{3F3E3B4C-AC38-4B0D-8B13-27C9B6E4981F}" destId="{61F8A37E-0714-4D1C-A7DF-93A477875FE8}" srcOrd="2" destOrd="0" parTransId="{18A8226E-F374-44B5-9039-674732B45051}" sibTransId="{3B9A4E44-09BA-49E3-BB7A-B7AB33A765E5}"/>
+    <dgm:cxn modelId="{F20180E2-E88C-4C99-8D06-957A116888C3}" type="presOf" srcId="{6419DD54-EFF8-49D1-B2CF-8A9003CD53A6}" destId="{41659F7B-4944-4AB4-A655-69C3BEDC0729}" srcOrd="0" destOrd="1" presId="urn:microsoft.com/office/officeart/2005/8/layout/vList2"/>
+    <dgm:cxn modelId="{BD83AFB1-C612-4F11-9696-168A03569DF6}" srcId="{3F3E3B4C-AC38-4B0D-8B13-27C9B6E4981F}" destId="{22DAB7B7-9FCC-4314-8C69-19D53AC134A4}" srcOrd="0" destOrd="0" parTransId="{6FCCD2BE-C098-4989-BCD2-3EB576FED68B}" sibTransId="{529544D2-0EA8-4D51-8E24-63459470924B}"/>
     <dgm:cxn modelId="{C2C009DE-3C63-4820-AC98-5B1ABC1A5D58}" type="presOf" srcId="{04A03171-29F1-4C1D-AD98-0E6C9C32A7A2}" destId="{09EBEF52-6D08-4CB1-8BDA-3D44D2BF50F5}" srcOrd="0" destOrd="2" presId="urn:microsoft.com/office/officeart/2005/8/layout/vList2"/>
-    <dgm:cxn modelId="{7B8D0D84-0DE5-4413-A091-2B4CF68497E2}" srcId="{5B8C8160-6E2D-453A-82E5-25B4F9620211}" destId="{04A03171-29F1-4C1D-AD98-0E6C9C32A7A2}" srcOrd="2" destOrd="0" parTransId="{824BFD88-B68B-4FC1-8D92-099F8DD45F1A}" sibTransId="{642E5A8E-19BE-4FC2-ABA4-C3B7AD61268B}"/>
     <dgm:cxn modelId="{7C2EF9DF-81A6-4C46-94BD-456095DFA23A}" type="presOf" srcId="{5F756E09-E2C4-473D-A2FE-4ECF3FF0FF8F}" destId="{5C6BCDC5-01CD-4D3A-AFDA-D028DCC208E0}" srcOrd="0" destOrd="4" presId="urn:microsoft.com/office/officeart/2005/8/layout/vList2"/>
     <dgm:cxn modelId="{6CAC1002-AA3E-4086-94DD-76524BA38AF8}" type="presOf" srcId="{3EFC9B20-0D65-40DE-BD51-0F18C3914B4D}" destId="{09EBEF52-6D08-4CB1-8BDA-3D44D2BF50F5}" srcOrd="0" destOrd="0" presId="urn:microsoft.com/office/officeart/2005/8/layout/vList2"/>
     <dgm:cxn modelId="{E6BFC30D-E97B-4A5B-B4C0-3BE022BE8ED1}" srcId="{44708C06-303B-4ACD-B2F0-E95A20B60BB9}" destId="{C61D11BB-4595-44F9-9B5E-8C420BA3F5E4}" srcOrd="0" destOrd="0" parTransId="{15384DF1-5386-40C4-84D3-E7302A1786F5}" sibTransId="{2771041C-2B15-40FF-AA58-C48C4E218F80}"/>
-    <dgm:cxn modelId="{7130E3F5-10ED-4508-8B9A-65C5ACF84B03}" srcId="{3F3E3B4C-AC38-4B0D-8B13-27C9B6E4981F}" destId="{61F8A37E-0714-4D1C-A7DF-93A477875FE8}" srcOrd="2" destOrd="0" parTransId="{18A8226E-F374-44B5-9039-674732B45051}" sibTransId="{3B9A4E44-09BA-49E3-BB7A-B7AB33A765E5}"/>
-    <dgm:cxn modelId="{28142634-20E2-4643-8EB4-4A3757B13D3A}" type="presOf" srcId="{D1C33119-F6AC-4A72-9974-0744D31A8D38}" destId="{09EBEF52-6D08-4CB1-8BDA-3D44D2BF50F5}" srcOrd="0" destOrd="1" presId="urn:microsoft.com/office/officeart/2005/8/layout/vList2"/>
-    <dgm:cxn modelId="{3B4A34F8-1245-411D-84EA-0D2354067FF4}" type="presOf" srcId="{E5C40602-EE8D-416D-8B3B-4E24090647F3}" destId="{5C6BCDC5-01CD-4D3A-AFDA-D028DCC208E0}" srcOrd="0" destOrd="1" presId="urn:microsoft.com/office/officeart/2005/8/layout/vList2"/>
-    <dgm:cxn modelId="{0FE424BD-1081-4F1C-970B-4305460D8826}" type="presOf" srcId="{C61D11BB-4595-44F9-9B5E-8C420BA3F5E4}" destId="{41C04F8C-558E-4A38-8464-2044A2BC12CB}" srcOrd="0" destOrd="0" presId="urn:microsoft.com/office/officeart/2005/8/layout/vList2"/>
-    <dgm:cxn modelId="{BD83AFB1-C612-4F11-9696-168A03569DF6}" srcId="{3F3E3B4C-AC38-4B0D-8B13-27C9B6E4981F}" destId="{22DAB7B7-9FCC-4314-8C69-19D53AC134A4}" srcOrd="0" destOrd="0" parTransId="{6FCCD2BE-C098-4989-BCD2-3EB576FED68B}" sibTransId="{529544D2-0EA8-4D51-8E24-63459470924B}"/>
-    <dgm:cxn modelId="{CB20EC5D-3E79-4D8A-9399-23E529929BCA}" type="presOf" srcId="{6C201876-47B4-4837-ADB8-7634C78A1142}" destId="{41659F7B-4944-4AB4-A655-69C3BEDC0729}" srcOrd="0" destOrd="3" presId="urn:microsoft.com/office/officeart/2005/8/layout/vList2"/>
+    <dgm:cxn modelId="{5B95B6E2-0255-4DD5-BA86-A449E36D0794}" srcId="{C61D11BB-4595-44F9-9B5E-8C420BA3F5E4}" destId="{1A5928DB-AEEF-4FE0-BF3F-E22BAEBAD252}" srcOrd="0" destOrd="0" parTransId="{1BE43270-4DE6-4692-A9BF-9D84E038AA50}" sibTransId="{E9A7AC35-C9B8-442C-A7A7-EA4E6768D458}"/>
+    <dgm:cxn modelId="{B6122A58-176B-4A1F-9D1E-9715D4C91A21}" type="presOf" srcId="{5B8C8160-6E2D-453A-82E5-25B4F9620211}" destId="{33777C9F-EE64-4B2F-BF3D-9063802483F3}" srcOrd="0" destOrd="0" presId="urn:microsoft.com/office/officeart/2005/8/layout/vList2"/>
+    <dgm:cxn modelId="{15A114B3-475E-4011-B6DC-895210A6BB0D}" srcId="{F6FCA15E-1300-49D8-9A19-C767DAC04A99}" destId="{B3D9C1D0-DA6A-4A50-BC35-EB7AE3676D69}" srcOrd="3" destOrd="0" parTransId="{43562CBA-F6DF-4D91-98F2-8D6CC78819DB}" sibTransId="{D4A5C3C4-FFD7-4AF2-9613-450BCBC30B7C}"/>
+    <dgm:cxn modelId="{774117A1-A2BA-4D6A-8CF7-669C5C9CE060}" srcId="{5B8C8160-6E2D-453A-82E5-25B4F9620211}" destId="{3EFC9B20-0D65-40DE-BD51-0F18C3914B4D}" srcOrd="0" destOrd="0" parTransId="{375342D0-0E7C-472F-9387-F85C86F8AC6E}" sibTransId="{6174BE1F-E6DC-4C58-9B6F-E2D613EC8DC1}"/>
+    <dgm:cxn modelId="{3DD0EAF7-B022-46A8-9625-DCB54A1CA9BE}" srcId="{3F3E3B4C-AC38-4B0D-8B13-27C9B6E4981F}" destId="{6419DD54-EFF8-49D1-B2CF-8A9003CD53A6}" srcOrd="1" destOrd="0" parTransId="{EC182054-FA18-41C9-BF00-D96E3EC15466}" sibTransId="{9D6A092A-9F8F-4B40-8EEC-D7854D7AAB0C}"/>
     <dgm:cxn modelId="{2F263517-2BA6-4A2D-92DC-D6AE3842B6A9}" srcId="{F6FCA15E-1300-49D8-9A19-C767DAC04A99}" destId="{E5C40602-EE8D-416D-8B3B-4E24090647F3}" srcOrd="1" destOrd="0" parTransId="{61C1665E-BC54-40A4-A192-572D08462FED}" sibTransId="{3D00C0E7-B3E1-47C6-9284-49D4C6FC867E}"/>
     <dgm:cxn modelId="{347C2707-6245-4CB7-AD9B-A175E2CAD7CA}" srcId="{5B8C8160-6E2D-453A-82E5-25B4F9620211}" destId="{D1C33119-F6AC-4A72-9974-0744D31A8D38}" srcOrd="1" destOrd="0" parTransId="{2197E47F-13FA-442F-9234-289155102AE8}" sibTransId="{026A4729-75BC-4554-BB2A-8D66B8E83071}"/>
-    <dgm:cxn modelId="{F20180E2-E88C-4C99-8D06-957A116888C3}" type="presOf" srcId="{6419DD54-EFF8-49D1-B2CF-8A9003CD53A6}" destId="{41659F7B-4944-4AB4-A655-69C3BEDC0729}" srcOrd="0" destOrd="1" presId="urn:microsoft.com/office/officeart/2005/8/layout/vList2"/>
-    <dgm:cxn modelId="{9EA03525-63FB-4A7C-8D89-963CDFCC6D5B}" type="presOf" srcId="{3F3E3B4C-AC38-4B0D-8B13-27C9B6E4981F}" destId="{48B1F019-1CE6-479A-AD63-543121743A8A}" srcOrd="0" destOrd="0" presId="urn:microsoft.com/office/officeart/2005/8/layout/vList2"/>
-    <dgm:cxn modelId="{CE789804-9959-403D-80D2-2C083B7E1B30}" srcId="{44708C06-303B-4ACD-B2F0-E95A20B60BB9}" destId="{5B8C8160-6E2D-453A-82E5-25B4F9620211}" srcOrd="2" destOrd="0" parTransId="{A6453594-D8D3-480C-8B11-5C2BBC675776}" sibTransId="{1C0F83EF-2519-4F01-9EDF-E51359C24296}"/>
-    <dgm:cxn modelId="{E171F143-A348-42C1-A120-DA9AE5CD465D}" srcId="{3F3E3B4C-AC38-4B0D-8B13-27C9B6E4981F}" destId="{6C201876-47B4-4837-ADB8-7634C78A1142}" srcOrd="3" destOrd="0" parTransId="{6A639ACB-601D-48BA-A60B-E54DB5A1C276}" sibTransId="{68B0E920-03AF-4EED-9E0B-C79CE815665C}"/>
-    <dgm:cxn modelId="{62F41945-6A41-4B53-A6C6-42753AD08022}" type="presOf" srcId="{2609228E-A5C0-45E4-9F6E-5C9B111A848C}" destId="{5C6BCDC5-01CD-4D3A-AFDA-D028DCC208E0}" srcOrd="0" destOrd="2" presId="urn:microsoft.com/office/officeart/2005/8/layout/vList2"/>
-    <dgm:cxn modelId="{7247D70A-F92F-4FD7-8D88-A02979CE2550}" srcId="{F6FCA15E-1300-49D8-9A19-C767DAC04A99}" destId="{5F756E09-E2C4-473D-A2FE-4ECF3FF0FF8F}" srcOrd="4" destOrd="0" parTransId="{10C2D6CB-246E-4DE9-BA2D-CAAB0A803206}" sibTransId="{14B19A7D-2D02-416A-BC65-472122B7FA1F}"/>
-    <dgm:cxn modelId="{FAFF7F74-4890-456C-84DB-1DAD1A8F5E4F}" type="presOf" srcId="{BDE75AA0-EEA2-4A2B-89AC-3ECE4A048F59}" destId="{5C6BCDC5-01CD-4D3A-AFDA-D028DCC208E0}" srcOrd="0" destOrd="0" presId="urn:microsoft.com/office/officeart/2005/8/layout/vList2"/>
-    <dgm:cxn modelId="{A79A16A6-BDC2-4CB9-BEB9-C44C06051F03}" type="presOf" srcId="{1DB1CF4C-3721-48A3-A006-6396E9D8EB3C}" destId="{A96A0ECB-4E20-4C79-80BC-75B0D3A2CF5E}" srcOrd="0" destOrd="1" presId="urn:microsoft.com/office/officeart/2005/8/layout/vList2"/>
-    <dgm:cxn modelId="{15A114B3-475E-4011-B6DC-895210A6BB0D}" srcId="{F6FCA15E-1300-49D8-9A19-C767DAC04A99}" destId="{B3D9C1D0-DA6A-4A50-BC35-EB7AE3676D69}" srcOrd="3" destOrd="0" parTransId="{43562CBA-F6DF-4D91-98F2-8D6CC78819DB}" sibTransId="{D4A5C3C4-FFD7-4AF2-9613-450BCBC30B7C}"/>
-    <dgm:cxn modelId="{941AA721-A6A2-404C-A9EB-2277D42172C8}" type="presOf" srcId="{61F8A37E-0714-4D1C-A7DF-93A477875FE8}" destId="{41659F7B-4944-4AB4-A655-69C3BEDC0729}" srcOrd="0" destOrd="2" presId="urn:microsoft.com/office/officeart/2005/8/layout/vList2"/>
-    <dgm:cxn modelId="{A74FB74D-DB87-4FE9-92C4-6C4897056853}" type="presOf" srcId="{F6FCA15E-1300-49D8-9A19-C767DAC04A99}" destId="{0263673B-FFC8-4AF0-A80C-2B148C294C2A}" srcOrd="0" destOrd="0" presId="urn:microsoft.com/office/officeart/2005/8/layout/vList2"/>
+    <dgm:cxn modelId="{D5F8F66A-06F1-41DE-A50D-343DB473E168}" srcId="{44708C06-303B-4ACD-B2F0-E95A20B60BB9}" destId="{3F3E3B4C-AC38-4B0D-8B13-27C9B6E4981F}" srcOrd="3" destOrd="0" parTransId="{1CF03068-2342-45E0-9E27-10C6A6C6B73E}" sibTransId="{843E94E1-C3F0-4544-A729-0E83147B36CD}"/>
+    <dgm:cxn modelId="{74214114-511C-42B1-9F94-A75CEC860BC2}" type="presOf" srcId="{1FB0E5DE-41C1-4BEA-9154-0F0F214CF0CC}" destId="{41659F7B-4944-4AB4-A655-69C3BEDC0729}" srcOrd="0" destOrd="4" presId="urn:microsoft.com/office/officeart/2005/8/layout/vList2"/>
+    <dgm:cxn modelId="{CB20EC5D-3E79-4D8A-9399-23E529929BCA}" type="presOf" srcId="{6C201876-47B4-4837-ADB8-7634C78A1142}" destId="{41659F7B-4944-4AB4-A655-69C3BEDC0729}" srcOrd="0" destOrd="3" presId="urn:microsoft.com/office/officeart/2005/8/layout/vList2"/>
     <dgm:cxn modelId="{D96B73A6-972C-4F9D-8490-A56AFD82B2C7}" srcId="{44708C06-303B-4ACD-B2F0-E95A20B60BB9}" destId="{F6FCA15E-1300-49D8-9A19-C767DAC04A99}" srcOrd="1" destOrd="0" parTransId="{A74BA5E5-A53D-4F3D-ACFA-961BF5125D5C}" sibTransId="{BA5F5378-9587-4492-B23F-3934CB1A0707}"/>
     <dgm:cxn modelId="{8A7C3343-C8BC-44C0-8B52-1AF3A639EE9F}" srcId="{3F3E3B4C-AC38-4B0D-8B13-27C9B6E4981F}" destId="{1FB0E5DE-41C1-4BEA-9154-0F0F214CF0CC}" srcOrd="4" destOrd="0" parTransId="{15566CC2-0C30-4991-B242-92177612ACED}" sibTransId="{712FEC23-C187-42DB-B364-D7FE31DE7A96}"/>
-    <dgm:cxn modelId="{74214114-511C-42B1-9F94-A75CEC860BC2}" type="presOf" srcId="{1FB0E5DE-41C1-4BEA-9154-0F0F214CF0CC}" destId="{41659F7B-4944-4AB4-A655-69C3BEDC0729}" srcOrd="0" destOrd="4" presId="urn:microsoft.com/office/officeart/2005/8/layout/vList2"/>
-    <dgm:cxn modelId="{7DA24476-F8F6-4BD1-A555-1A506B7044F8}" srcId="{F6FCA15E-1300-49D8-9A19-C767DAC04A99}" destId="{2609228E-A5C0-45E4-9F6E-5C9B111A848C}" srcOrd="2" destOrd="0" parTransId="{D353A636-0730-48FE-A09C-2C55CB54703A}" sibTransId="{B367BEDE-186C-435D-B6AC-82224FC26007}"/>
-    <dgm:cxn modelId="{3DD0EAF7-B022-46A8-9625-DCB54A1CA9BE}" srcId="{3F3E3B4C-AC38-4B0D-8B13-27C9B6E4981F}" destId="{6419DD54-EFF8-49D1-B2CF-8A9003CD53A6}" srcOrd="1" destOrd="0" parTransId="{EC182054-FA18-41C9-BF00-D96E3EC15466}" sibTransId="{9D6A092A-9F8F-4B40-8EEC-D7854D7AAB0C}"/>
-    <dgm:cxn modelId="{47C68A86-1C97-4499-9118-12EC4FB5B564}" type="presOf" srcId="{22DAB7B7-9FCC-4314-8C69-19D53AC134A4}" destId="{41659F7B-4944-4AB4-A655-69C3BEDC0729}" srcOrd="0" destOrd="0" presId="urn:microsoft.com/office/officeart/2005/8/layout/vList2"/>
-    <dgm:cxn modelId="{49F0F417-63B7-4C0A-93C8-9EC66C4C9A29}" srcId="{C61D11BB-4595-44F9-9B5E-8C420BA3F5E4}" destId="{1DB1CF4C-3721-48A3-A006-6396E9D8EB3C}" srcOrd="1" destOrd="0" parTransId="{0C36E746-5E0D-4DA0-B221-00D83B67D972}" sibTransId="{A5C62536-BFD7-4C68-BB98-3D8C218F7246}"/>
-    <dgm:cxn modelId="{D5F8F66A-06F1-41DE-A50D-343DB473E168}" srcId="{44708C06-303B-4ACD-B2F0-E95A20B60BB9}" destId="{3F3E3B4C-AC38-4B0D-8B13-27C9B6E4981F}" srcOrd="3" destOrd="0" parTransId="{1CF03068-2342-45E0-9E27-10C6A6C6B73E}" sibTransId="{843E94E1-C3F0-4544-A729-0E83147B36CD}"/>
-    <dgm:cxn modelId="{538E0F94-2D8F-4274-AF37-252315CC096F}" type="presOf" srcId="{1A5928DB-AEEF-4FE0-BF3F-E22BAEBAD252}" destId="{A96A0ECB-4E20-4C79-80BC-75B0D3A2CF5E}" srcOrd="0" destOrd="0" presId="urn:microsoft.com/office/officeart/2005/8/layout/vList2"/>
     <dgm:cxn modelId="{4D2EE230-6158-4976-9F56-5D4016CEB4D1}" type="presParOf" srcId="{7F271AC6-E2E8-427D-B6A4-618241D2FDAA}" destId="{41C04F8C-558E-4A38-8464-2044A2BC12CB}" srcOrd="0" destOrd="0" presId="urn:microsoft.com/office/officeart/2005/8/layout/vList2"/>
     <dgm:cxn modelId="{07E74A2A-FD02-4CBC-A231-68E9E8FA1FF1}" type="presParOf" srcId="{7F271AC6-E2E8-427D-B6A4-618241D2FDAA}" destId="{A96A0ECB-4E20-4C79-80BC-75B0D3A2CF5E}" srcOrd="1" destOrd="0" presId="urn:microsoft.com/office/officeart/2005/8/layout/vList2"/>
     <dgm:cxn modelId="{4144901A-EA25-4F23-B20C-59D7B4EC93EB}" type="presParOf" srcId="{7F271AC6-E2E8-427D-B6A4-618241D2FDAA}" destId="{0263673B-FFC8-4AF0-A80C-2B148C294C2A}" srcOrd="2" destOrd="0" presId="urn:microsoft.com/office/officeart/2005/8/layout/vList2"/>
@@ -8265,7 +7219,7 @@
   <dgm:whole/>
   <dgm:extLst>
     <a:ext uri="http://schemas.microsoft.com/office/drawing/2008/diagram">
-      <dsp:dataModelExt xmlns:dsp="http://schemas.microsoft.com/office/drawing/2008/diagram" relId="rId7" minVer="http://schemas.openxmlformats.org/drawingml/2006/diagram"/>
+      <dsp:dataModelExt xmlns:dsp="http://schemas.microsoft.com/office/drawing/2008/diagram" xmlns="" relId="rId7" minVer="http://schemas.openxmlformats.org/drawingml/2006/diagram"/>
     </a:ext>
   </dgm:extLst>
 </dgm:dataModel>
@@ -8331,7 +7285,7 @@
         <a:p>
           <a:r>
             <a:rPr lang="es-AR" dirty="0" smtClean="0"/>
-            <a:t>Elección del lenguaje</a:t>
+            <a:t>Análisis, y elección del lenguaje de programación</a:t>
           </a:r>
           <a:endParaRPr lang="es-AR" dirty="0"/>
         </a:p>
@@ -8349,43 +7303,6 @@
       </dgm:t>
     </dgm:pt>
     <dgm:pt modelId="{670C7075-97B7-4D27-B447-DFFF0578222A}" type="sibTrans" cxnId="{E37D875E-080E-40CA-9627-C496281EEEC9}">
-      <dgm:prSet/>
-      <dgm:spPr/>
-      <dgm:t>
-        <a:bodyPr/>
-        <a:lstStyle/>
-        <a:p>
-          <a:endParaRPr lang="es-AR"/>
-        </a:p>
-      </dgm:t>
-    </dgm:pt>
-    <dgm:pt modelId="{6C6E6D88-5EF3-45D7-967A-A0080BE08842}">
-      <dgm:prSet phldrT="[Texto]"/>
-      <dgm:spPr/>
-      <dgm:t>
-        <a:bodyPr/>
-        <a:lstStyle/>
-        <a:p>
-          <a:r>
-            <a:rPr lang="es-AR" dirty="0" smtClean="0"/>
-            <a:t>Desarrollo de los algoritmos</a:t>
-          </a:r>
-          <a:endParaRPr lang="es-AR" dirty="0"/>
-        </a:p>
-      </dgm:t>
-    </dgm:pt>
-    <dgm:pt modelId="{4E91B0F4-AC10-41FC-915D-CDEA6563125A}" type="parTrans" cxnId="{26F07A2A-1C12-4BD3-82AB-38809FD68926}">
-      <dgm:prSet/>
-      <dgm:spPr/>
-      <dgm:t>
-        <a:bodyPr/>
-        <a:lstStyle/>
-        <a:p>
-          <a:endParaRPr lang="es-AR"/>
-        </a:p>
-      </dgm:t>
-    </dgm:pt>
-    <dgm:pt modelId="{6B740ABA-F9A3-486A-BE0B-23D1D98913C0}" type="sibTrans" cxnId="{26F07A2A-1C12-4BD3-82AB-38809FD68926}">
       <dgm:prSet/>
       <dgm:spPr/>
       <dgm:t>
@@ -8442,7 +7359,11 @@
         <a:p>
           <a:r>
             <a:rPr lang="es-AR" dirty="0" smtClean="0"/>
-            <a:t>Determinación de los nodos y definición del criterio</a:t>
+            <a:t>Determinación de los </a:t>
+          </a:r>
+          <a:r>
+            <a:rPr lang="es-AR" dirty="0" smtClean="0"/>
+            <a:t>puntos de inyección.</a:t>
           </a:r>
           <a:endParaRPr lang="es-AR" dirty="0"/>
         </a:p>
@@ -8581,80 +7502,6 @@
         </a:p>
       </dgm:t>
     </dgm:pt>
-    <dgm:pt modelId="{34871C5F-23F4-4FD7-8F4E-123C17739740}">
-      <dgm:prSet phldrT="[Texto]"/>
-      <dgm:spPr/>
-      <dgm:t>
-        <a:bodyPr/>
-        <a:lstStyle/>
-        <a:p>
-          <a:r>
-            <a:rPr lang="es-AR" dirty="0" smtClean="0"/>
-            <a:t>Implementación</a:t>
-          </a:r>
-          <a:endParaRPr lang="es-AR" dirty="0"/>
-        </a:p>
-      </dgm:t>
-    </dgm:pt>
-    <dgm:pt modelId="{B661BC36-2E36-4EAC-8D39-D1116EAC3372}" type="parTrans" cxnId="{4821EE5C-6AAF-44EF-A0AA-EF5EEBCED949}">
-      <dgm:prSet/>
-      <dgm:spPr/>
-      <dgm:t>
-        <a:bodyPr/>
-        <a:lstStyle/>
-        <a:p>
-          <a:endParaRPr lang="es-AR"/>
-        </a:p>
-      </dgm:t>
-    </dgm:pt>
-    <dgm:pt modelId="{D25FF03E-5222-4D00-98E2-57EBB6A476D3}" type="sibTrans" cxnId="{4821EE5C-6AAF-44EF-A0AA-EF5EEBCED949}">
-      <dgm:prSet/>
-      <dgm:spPr/>
-      <dgm:t>
-        <a:bodyPr/>
-        <a:lstStyle/>
-        <a:p>
-          <a:endParaRPr lang="es-AR"/>
-        </a:p>
-      </dgm:t>
-    </dgm:pt>
-    <dgm:pt modelId="{19B20CF0-7F46-40CD-9ECC-10B9EFB985E0}">
-      <dgm:prSet phldrT="[Texto]"/>
-      <dgm:spPr/>
-      <dgm:t>
-        <a:bodyPr/>
-        <a:lstStyle/>
-        <a:p>
-          <a:r>
-            <a:rPr lang="es-AR" dirty="0" smtClean="0"/>
-            <a:t>Generación de archivos y almacenamiento en la base de datos</a:t>
-          </a:r>
-          <a:endParaRPr lang="es-AR" dirty="0"/>
-        </a:p>
-      </dgm:t>
-    </dgm:pt>
-    <dgm:pt modelId="{F96A4735-ABCD-438B-B937-911AF502C323}" type="parTrans" cxnId="{0DA0ECCE-1A73-4DC9-B822-789B70CEE784}">
-      <dgm:prSet/>
-      <dgm:spPr/>
-      <dgm:t>
-        <a:bodyPr/>
-        <a:lstStyle/>
-        <a:p>
-          <a:endParaRPr lang="es-AR"/>
-        </a:p>
-      </dgm:t>
-    </dgm:pt>
-    <dgm:pt modelId="{B30968BA-EC4E-461B-A756-2264346BA22C}" type="sibTrans" cxnId="{0DA0ECCE-1A73-4DC9-B822-789B70CEE784}">
-      <dgm:prSet/>
-      <dgm:spPr/>
-      <dgm:t>
-        <a:bodyPr/>
-        <a:lstStyle/>
-        <a:p>
-          <a:endParaRPr lang="es-AR"/>
-        </a:p>
-      </dgm:t>
-    </dgm:pt>
     <dgm:pt modelId="{4226B12D-E302-43AF-8B50-309C6137E5C3}">
       <dgm:prSet phldrT="[Texto]"/>
       <dgm:spPr/>
@@ -8664,7 +7511,15 @@
         <a:p>
           <a:r>
             <a:rPr lang="es-AR" dirty="0" smtClean="0"/>
-            <a:t>Generación e importación automática de tablas</a:t>
+            <a:t>Generación </a:t>
+          </a:r>
+          <a:r>
+            <a:rPr lang="es-AR" dirty="0" smtClean="0"/>
+            <a:t>automática </a:t>
+          </a:r>
+          <a:r>
+            <a:rPr lang="es-AR" dirty="0" smtClean="0"/>
+            <a:t>de tablas</a:t>
           </a:r>
           <a:endParaRPr lang="es-AR" dirty="0"/>
         </a:p>
@@ -8738,7 +7593,11 @@
         <a:p>
           <a:r>
             <a:rPr lang="es-AR" dirty="0" smtClean="0"/>
-            <a:t>Determinación de nodos con salidas erróneas</a:t>
+            <a:t>Detección de salidas </a:t>
+          </a:r>
+          <a:r>
+            <a:rPr lang="es-AR" dirty="0" smtClean="0"/>
+            <a:t>erróneas</a:t>
           </a:r>
           <a:endParaRPr lang="es-AR" dirty="0"/>
         </a:p>
@@ -8803,6 +7662,121 @@
         </a:p>
       </dgm:t>
     </dgm:pt>
+    <dgm:pt modelId="{B52F8F05-15A2-40E7-8F62-7D6FADB62492}">
+      <dgm:prSet/>
+      <dgm:spPr/>
+      <dgm:t>
+        <a:bodyPr/>
+        <a:lstStyle/>
+        <a:p>
+          <a:r>
+            <a:rPr lang="es-AR" dirty="0" smtClean="0"/>
+            <a:t>Desarrollo de los </a:t>
+          </a:r>
+          <a:r>
+            <a:rPr lang="es-AR" dirty="0" smtClean="0"/>
+            <a:t>algoritmos.</a:t>
+          </a:r>
+          <a:endParaRPr lang="es-AR" dirty="0"/>
+        </a:p>
+      </dgm:t>
+    </dgm:pt>
+    <dgm:pt modelId="{C67E8FD2-032B-4135-8EAB-45AA8056692C}" type="parTrans" cxnId="{93E9CA29-6D03-4FD6-A905-148A6D2755B4}">
+      <dgm:prSet/>
+      <dgm:spPr/>
+      <dgm:t>
+        <a:bodyPr/>
+        <a:lstStyle/>
+        <a:p>
+          <a:endParaRPr lang="es-AR"/>
+        </a:p>
+      </dgm:t>
+    </dgm:pt>
+    <dgm:pt modelId="{637E4634-1FDA-40A6-9836-E1971DDE4D84}" type="sibTrans" cxnId="{93E9CA29-6D03-4FD6-A905-148A6D2755B4}">
+      <dgm:prSet/>
+      <dgm:spPr/>
+      <dgm:t>
+        <a:bodyPr/>
+        <a:lstStyle/>
+        <a:p>
+          <a:endParaRPr lang="es-AR"/>
+        </a:p>
+      </dgm:t>
+    </dgm:pt>
+    <dgm:pt modelId="{21DDA9BD-56CF-42C0-A1BB-360BC4B7763B}">
+      <dgm:prSet/>
+      <dgm:spPr/>
+      <dgm:t>
+        <a:bodyPr/>
+        <a:lstStyle/>
+        <a:p>
+          <a:r>
+            <a:rPr lang="es-AR" dirty="0" smtClean="0"/>
+            <a:t>Implementación </a:t>
+          </a:r>
+          <a:endParaRPr lang="es-AR" dirty="0"/>
+        </a:p>
+      </dgm:t>
+    </dgm:pt>
+    <dgm:pt modelId="{FFFD6EF8-5791-496F-80A3-1485879CE219}" type="parTrans" cxnId="{49E19A74-1AE7-4A6A-BDAF-EDB773117234}">
+      <dgm:prSet/>
+      <dgm:spPr/>
+      <dgm:t>
+        <a:bodyPr/>
+        <a:lstStyle/>
+        <a:p>
+          <a:endParaRPr lang="es-AR"/>
+        </a:p>
+      </dgm:t>
+    </dgm:pt>
+    <dgm:pt modelId="{1F792C29-3ECE-450E-9CA4-EE58F1E0278D}" type="sibTrans" cxnId="{49E19A74-1AE7-4A6A-BDAF-EDB773117234}">
+      <dgm:prSet/>
+      <dgm:spPr/>
+      <dgm:t>
+        <a:bodyPr/>
+        <a:lstStyle/>
+        <a:p>
+          <a:endParaRPr lang="es-AR"/>
+        </a:p>
+      </dgm:t>
+    </dgm:pt>
+    <dgm:pt modelId="{354D896D-387E-4689-A997-4E7501DB15F1}">
+      <dgm:prSet phldrT="[Texto]"/>
+      <dgm:spPr/>
+      <dgm:t>
+        <a:bodyPr/>
+        <a:lstStyle/>
+        <a:p>
+          <a:r>
+            <a:rPr lang="es-AR" dirty="0" smtClean="0"/>
+            <a:t>Generación de archivos y almacenamiento en la base de datos</a:t>
+          </a:r>
+          <a:endParaRPr lang="es-AR" dirty="0"/>
+        </a:p>
+      </dgm:t>
+    </dgm:pt>
+    <dgm:pt modelId="{08C31418-84DB-4A31-AAF2-D106B8981915}" type="parTrans" cxnId="{FA35DE32-3E22-487E-8368-BA27AB79E5E0}">
+      <dgm:prSet/>
+      <dgm:spPr/>
+      <dgm:t>
+        <a:bodyPr/>
+        <a:lstStyle/>
+        <a:p>
+          <a:endParaRPr lang="es-AR"/>
+        </a:p>
+      </dgm:t>
+    </dgm:pt>
+    <dgm:pt modelId="{A0425DEC-D399-462A-91C5-79F15194FB0A}" type="sibTrans" cxnId="{FA35DE32-3E22-487E-8368-BA27AB79E5E0}">
+      <dgm:prSet/>
+      <dgm:spPr/>
+      <dgm:t>
+        <a:bodyPr/>
+        <a:lstStyle/>
+        <a:p>
+          <a:endParaRPr lang="es-AR"/>
+        </a:p>
+      </dgm:t>
+    </dgm:pt>
     <dgm:pt modelId="{93AF6EB4-FCC1-4634-9951-E885EACF7BB2}" type="pres">
       <dgm:prSet presAssocID="{0ED985B0-F992-41C0-A0DF-DB763467528A}" presName="linearFlow" presStyleCnt="0">
         <dgm:presLayoutVars>
@@ -8847,7 +7821,7 @@
       </dgm:t>
     </dgm:pt>
     <dgm:pt modelId="{E1183BD7-0429-4707-9FCC-1ED6461A208B}" type="pres">
-      <dgm:prSet presAssocID="{6AAD33D9-E471-40F5-8F70-80606C79DA9D}" presName="childNode" presStyleLbl="node1" presStyleIdx="0" presStyleCnt="4">
+      <dgm:prSet presAssocID="{6AAD33D9-E471-40F5-8F70-80606C79DA9D}" presName="childNode" presStyleLbl="node1" presStyleIdx="0" presStyleCnt="4" custScaleY="100654">
         <dgm:presLayoutVars>
           <dgm:bulletEnabled val="1"/>
         </dgm:presLayoutVars>
@@ -8901,7 +7875,7 @@
       </dgm:spPr>
     </dgm:pt>
     <dgm:pt modelId="{D09BDCF9-B6AE-4482-83CA-29A57BE5B006}" type="pres">
-      <dgm:prSet presAssocID="{C8B4E141-47F4-435C-B9AD-CE9B2E64C7D8}" presName="childNode" presStyleLbl="node1" presStyleIdx="1" presStyleCnt="4">
+      <dgm:prSet presAssocID="{C8B4E141-47F4-435C-B9AD-CE9B2E64C7D8}" presName="childNode" presStyleLbl="node1" presStyleIdx="1" presStyleCnt="4" custScaleY="100327">
         <dgm:presLayoutVars>
           <dgm:bulletEnabled val="1"/>
         </dgm:presLayoutVars>
@@ -8955,7 +7929,7 @@
       </dgm:spPr>
     </dgm:pt>
     <dgm:pt modelId="{75371E2A-895B-4B16-B02A-DBFE3269960E}" type="pres">
-      <dgm:prSet presAssocID="{19FB82D1-DA9C-4A9F-996F-5D6E94120F2C}" presName="childNode" presStyleLbl="node1" presStyleIdx="2" presStyleCnt="4">
+      <dgm:prSet presAssocID="{19FB82D1-DA9C-4A9F-996F-5D6E94120F2C}" presName="childNode" presStyleLbl="node1" presStyleIdx="2" presStyleCnt="4" custScaleY="100327">
         <dgm:presLayoutVars>
           <dgm:bulletEnabled val="1"/>
         </dgm:presLayoutVars>
@@ -9009,7 +7983,7 @@
       </dgm:spPr>
     </dgm:pt>
     <dgm:pt modelId="{7799EFF0-CB5B-45AF-9ECC-AF5ADE221639}" type="pres">
-      <dgm:prSet presAssocID="{12E3F15A-2AFE-4808-B727-C7AF52123798}" presName="childNode" presStyleLbl="node1" presStyleIdx="3" presStyleCnt="4">
+      <dgm:prSet presAssocID="{12E3F15A-2AFE-4808-B727-C7AF52123798}" presName="childNode" presStyleLbl="node1" presStyleIdx="3" presStyleCnt="4" custScaleY="100327">
         <dgm:presLayoutVars>
           <dgm:bulletEnabled val="1"/>
         </dgm:presLayoutVars>
@@ -9041,35 +8015,35 @@
     </dgm:pt>
   </dgm:ptLst>
   <dgm:cxnLst>
+    <dgm:cxn modelId="{081F6AF6-A01E-4A9C-AE90-A8D99BA26333}" type="presOf" srcId="{F59F90C1-2A30-4C35-B08D-0E31AFC816E0}" destId="{75371E2A-895B-4B16-B02A-DBFE3269960E}" srcOrd="0" destOrd="1" presId="urn:microsoft.com/office/officeart/2005/8/layout/hList2#1"/>
+    <dgm:cxn modelId="{93E9CA29-6D03-4FD6-A905-148A6D2755B4}" srcId="{6AAD33D9-E471-40F5-8F70-80606C79DA9D}" destId="{B52F8F05-15A2-40E7-8F62-7D6FADB62492}" srcOrd="1" destOrd="0" parTransId="{C67E8FD2-032B-4135-8EAB-45AA8056692C}" sibTransId="{637E4634-1FDA-40A6-9836-E1971DDE4D84}"/>
+    <dgm:cxn modelId="{37A1186C-C5B1-41B6-A43E-B61DC05ADD7B}" srcId="{12E3F15A-2AFE-4808-B727-C7AF52123798}" destId="{4226B12D-E302-43AF-8B50-309C6137E5C3}" srcOrd="2" destOrd="0" parTransId="{CBC2977A-6744-4C41-A3FE-A4827AA9FE7F}" sibTransId="{E3B21E6C-B051-4E2D-B1E8-17DC0F772EE4}"/>
+    <dgm:cxn modelId="{8F723FB4-5E73-49E3-94A1-A588282C41D9}" type="presOf" srcId="{354D896D-387E-4689-A997-4E7501DB15F1}" destId="{D09BDCF9-B6AE-4482-83CA-29A57BE5B006}" srcOrd="0" destOrd="1" presId="urn:microsoft.com/office/officeart/2005/8/layout/hList2#1"/>
+    <dgm:cxn modelId="{5CFF85D8-D08F-44C8-A56B-5D41EC5F2BE5}" type="presOf" srcId="{C8B4E141-47F4-435C-B9AD-CE9B2E64C7D8}" destId="{A661B534-4AB5-4378-81FC-8A50002BBF30}" srcOrd="0" destOrd="0" presId="urn:microsoft.com/office/officeart/2005/8/layout/hList2#1"/>
+    <dgm:cxn modelId="{B1808300-D680-4FBD-9186-999E50A22429}" type="presOf" srcId="{B52F8F05-15A2-40E7-8F62-7D6FADB62492}" destId="{E1183BD7-0429-4707-9FCC-1ED6461A208B}" srcOrd="0" destOrd="1" presId="urn:microsoft.com/office/officeart/2005/8/layout/hList2#1"/>
+    <dgm:cxn modelId="{E35445DC-BE1D-4860-B351-3E587AEF8FC7}" srcId="{0ED985B0-F992-41C0-A0DF-DB763467528A}" destId="{12E3F15A-2AFE-4808-B727-C7AF52123798}" srcOrd="3" destOrd="0" parTransId="{B679DC40-64DE-4885-A1D0-9D01CD8A863D}" sibTransId="{B5EA6FEA-9223-4997-8057-DF38C484678A}"/>
+    <dgm:cxn modelId="{F90C55CB-9D5C-4CE8-8724-6199137BF7B0}" type="presOf" srcId="{21DDA9BD-56CF-42C0-A1BB-360BC4B7763B}" destId="{E1183BD7-0429-4707-9FCC-1ED6461A208B}" srcOrd="0" destOrd="2" presId="urn:microsoft.com/office/officeart/2005/8/layout/hList2#1"/>
+    <dgm:cxn modelId="{24B82839-6986-4D5C-9A89-BD5A12229049}" type="presOf" srcId="{F247B72D-C90A-484E-81DD-67ECFE5B50BF}" destId="{E1183BD7-0429-4707-9FCC-1ED6461A208B}" srcOrd="0" destOrd="0" presId="urn:microsoft.com/office/officeart/2005/8/layout/hList2#1"/>
+    <dgm:cxn modelId="{6A7E3D21-5BAA-446A-9144-96995FBEB68D}" type="presOf" srcId="{8A95C357-1788-4660-9EA5-1229854C4CAB}" destId="{7799EFF0-CB5B-45AF-9ECC-AF5ADE221639}" srcOrd="0" destOrd="0" presId="urn:microsoft.com/office/officeart/2005/8/layout/hList2#1"/>
+    <dgm:cxn modelId="{BE2BD115-944F-4D95-B157-D177CCCAE7B7}" type="presOf" srcId="{0ED985B0-F992-41C0-A0DF-DB763467528A}" destId="{93AF6EB4-FCC1-4634-9951-E885EACF7BB2}" srcOrd="0" destOrd="0" presId="urn:microsoft.com/office/officeart/2005/8/layout/hList2#1"/>
+    <dgm:cxn modelId="{064558C0-4CDF-4151-954F-688F1E31D79B}" srcId="{C8B4E141-47F4-435C-B9AD-CE9B2E64C7D8}" destId="{2F1CEF04-5660-4FA5-9571-4DD58E31BD40}" srcOrd="0" destOrd="0" parTransId="{3F9F8332-1D8E-40F4-BB5E-24F4859DFEE6}" sibTransId="{355C7632-D6D6-4B6E-BBE8-90B61ED5D615}"/>
+    <dgm:cxn modelId="{E37D875E-080E-40CA-9627-C496281EEEC9}" srcId="{6AAD33D9-E471-40F5-8F70-80606C79DA9D}" destId="{F247B72D-C90A-484E-81DD-67ECFE5B50BF}" srcOrd="0" destOrd="0" parTransId="{EF1DEB93-E69B-4B18-B98E-89D0BBBDE714}" sibTransId="{670C7075-97B7-4D27-B447-DFFF0578222A}"/>
     <dgm:cxn modelId="{A574F542-170D-48D4-B536-0456E9F60A2B}" srcId="{12E3F15A-2AFE-4808-B727-C7AF52123798}" destId="{8A95C357-1788-4660-9EA5-1229854C4CAB}" srcOrd="0" destOrd="0" parTransId="{A6DE03C0-33A8-472B-A19E-264AD584278F}" sibTransId="{95672002-D18B-4826-BABA-1A8F71796B05}"/>
+    <dgm:cxn modelId="{B44F0AA2-DF3D-46CC-8143-5529D685AC22}" type="presOf" srcId="{19FB82D1-DA9C-4A9F-996F-5D6E94120F2C}" destId="{0066362C-EDA1-43C9-AD73-66A1B6B955D2}" srcOrd="0" destOrd="0" presId="urn:microsoft.com/office/officeart/2005/8/layout/hList2#1"/>
+    <dgm:cxn modelId="{5D979F65-1D02-4753-86D0-562C2E6BACCD}" srcId="{0ED985B0-F992-41C0-A0DF-DB763467528A}" destId="{6AAD33D9-E471-40F5-8F70-80606C79DA9D}" srcOrd="0" destOrd="0" parTransId="{D7EADBF8-7F70-4B23-AE49-BC3FD68BDD34}" sibTransId="{FB7DE2E2-3903-4C74-B456-BDE81F5DFC0E}"/>
+    <dgm:cxn modelId="{65E964B4-BC5A-488B-BDAA-75F6A2A80999}" srcId="{0ED985B0-F992-41C0-A0DF-DB763467528A}" destId="{C8B4E141-47F4-435C-B9AD-CE9B2E64C7D8}" srcOrd="1" destOrd="0" parTransId="{0755C8AF-AAB2-4320-B208-FFCB7E09452F}" sibTransId="{2AA3184F-321F-4CBF-B6F5-1D246071B80D}"/>
     <dgm:cxn modelId="{0562A2C1-98A3-456A-9AA1-5B0A5A3E206F}" srcId="{12E3F15A-2AFE-4808-B727-C7AF52123798}" destId="{3EB53A9D-6F88-4C3B-87D9-D59CC7DCD153}" srcOrd="1" destOrd="0" parTransId="{71EB0D3D-3ED5-4A1F-83BF-DE15FBD47E5E}" sibTransId="{FC7F64D7-5009-4504-ACE6-5DDA4C19087B}"/>
-    <dgm:cxn modelId="{5D979F65-1D02-4753-86D0-562C2E6BACCD}" srcId="{0ED985B0-F992-41C0-A0DF-DB763467528A}" destId="{6AAD33D9-E471-40F5-8F70-80606C79DA9D}" srcOrd="0" destOrd="0" parTransId="{D7EADBF8-7F70-4B23-AE49-BC3FD68BDD34}" sibTransId="{FB7DE2E2-3903-4C74-B456-BDE81F5DFC0E}"/>
+    <dgm:cxn modelId="{CE928D2B-0B5F-4812-A03E-248F3CC5FBE8}" type="presOf" srcId="{6AAD33D9-E471-40F5-8F70-80606C79DA9D}" destId="{796565FA-A8B9-46BA-8356-76FA771B6A85}" srcOrd="0" destOrd="0" presId="urn:microsoft.com/office/officeart/2005/8/layout/hList2#1"/>
+    <dgm:cxn modelId="{62929F2A-BEEE-4F12-B3BE-41B2622F3458}" type="presOf" srcId="{12E3F15A-2AFE-4808-B727-C7AF52123798}" destId="{C8BB9FC6-6AFF-4933-9021-7411AFD5B0A7}" srcOrd="0" destOrd="0" presId="urn:microsoft.com/office/officeart/2005/8/layout/hList2#1"/>
+    <dgm:cxn modelId="{09A2C074-DEDE-44C2-922F-3AFF76EC8CCB}" type="presOf" srcId="{2F1CEF04-5660-4FA5-9571-4DD58E31BD40}" destId="{D09BDCF9-B6AE-4482-83CA-29A57BE5B006}" srcOrd="0" destOrd="0" presId="urn:microsoft.com/office/officeart/2005/8/layout/hList2#1"/>
+    <dgm:cxn modelId="{BB5D1F68-E2B2-48A1-8DD1-2973A0A43F58}" type="presOf" srcId="{4226B12D-E302-43AF-8B50-309C6137E5C3}" destId="{7799EFF0-CB5B-45AF-9ECC-AF5ADE221639}" srcOrd="0" destOrd="2" presId="urn:microsoft.com/office/officeart/2005/8/layout/hList2#1"/>
+    <dgm:cxn modelId="{FA35DE32-3E22-487E-8368-BA27AB79E5E0}" srcId="{C8B4E141-47F4-435C-B9AD-CE9B2E64C7D8}" destId="{354D896D-387E-4689-A997-4E7501DB15F1}" srcOrd="1" destOrd="0" parTransId="{08C31418-84DB-4A31-AAF2-D106B8981915}" sibTransId="{A0425DEC-D399-462A-91C5-79F15194FB0A}"/>
+    <dgm:cxn modelId="{61BD958A-1C36-40C2-BF56-99029960E866}" srcId="{19FB82D1-DA9C-4A9F-996F-5D6E94120F2C}" destId="{D5728EDF-102F-4666-8B0F-3B97726BE7CA}" srcOrd="0" destOrd="0" parTransId="{C809EBC1-D936-4F1A-9DED-27C0E87A1C1C}" sibTransId="{41951E76-15CE-4879-A320-D3EDEF717F04}"/>
+    <dgm:cxn modelId="{369A4BBF-5FD6-4A30-AF16-6C4CB32524FD}" type="presOf" srcId="{D5728EDF-102F-4666-8B0F-3B97726BE7CA}" destId="{75371E2A-895B-4B16-B02A-DBFE3269960E}" srcOrd="0" destOrd="0" presId="urn:microsoft.com/office/officeart/2005/8/layout/hList2#1"/>
+    <dgm:cxn modelId="{D84DC1BC-5C94-4F0C-A6F9-506128F5F6CF}" srcId="{0ED985B0-F992-41C0-A0DF-DB763467528A}" destId="{19FB82D1-DA9C-4A9F-996F-5D6E94120F2C}" srcOrd="2" destOrd="0" parTransId="{3FA3BD4A-306F-43A1-BE9B-308763BDC234}" sibTransId="{DB1DECE1-2954-44CD-B5E0-392E74CFBD6F}"/>
     <dgm:cxn modelId="{FC7366B8-DE6E-4AA0-87ED-D16E53A01EBC}" type="presOf" srcId="{3EB53A9D-6F88-4C3B-87D9-D59CC7DCD153}" destId="{7799EFF0-CB5B-45AF-9ECC-AF5ADE221639}" srcOrd="0" destOrd="1" presId="urn:microsoft.com/office/officeart/2005/8/layout/hList2#1"/>
-    <dgm:cxn modelId="{09A2C074-DEDE-44C2-922F-3AFF76EC8CCB}" type="presOf" srcId="{2F1CEF04-5660-4FA5-9571-4DD58E31BD40}" destId="{D09BDCF9-B6AE-4482-83CA-29A57BE5B006}" srcOrd="0" destOrd="0" presId="urn:microsoft.com/office/officeart/2005/8/layout/hList2#1"/>
-    <dgm:cxn modelId="{62929F2A-BEEE-4F12-B3BE-41B2622F3458}" type="presOf" srcId="{12E3F15A-2AFE-4808-B727-C7AF52123798}" destId="{C8BB9FC6-6AFF-4933-9021-7411AFD5B0A7}" srcOrd="0" destOrd="0" presId="urn:microsoft.com/office/officeart/2005/8/layout/hList2#1"/>
-    <dgm:cxn modelId="{0DA0ECCE-1A73-4DC9-B822-789B70CEE784}" srcId="{C8B4E141-47F4-435C-B9AD-CE9B2E64C7D8}" destId="{19B20CF0-7F46-40CD-9ECC-10B9EFB985E0}" srcOrd="1" destOrd="0" parTransId="{F96A4735-ABCD-438B-B937-911AF502C323}" sibTransId="{B30968BA-EC4E-461B-A756-2264346BA22C}"/>
-    <dgm:cxn modelId="{24B82839-6986-4D5C-9A89-BD5A12229049}" type="presOf" srcId="{F247B72D-C90A-484E-81DD-67ECFE5B50BF}" destId="{E1183BD7-0429-4707-9FCC-1ED6461A208B}" srcOrd="0" destOrd="0" presId="urn:microsoft.com/office/officeart/2005/8/layout/hList2#1"/>
-    <dgm:cxn modelId="{D84DC1BC-5C94-4F0C-A6F9-506128F5F6CF}" srcId="{0ED985B0-F992-41C0-A0DF-DB763467528A}" destId="{19FB82D1-DA9C-4A9F-996F-5D6E94120F2C}" srcOrd="2" destOrd="0" parTransId="{3FA3BD4A-306F-43A1-BE9B-308763BDC234}" sibTransId="{DB1DECE1-2954-44CD-B5E0-392E74CFBD6F}"/>
-    <dgm:cxn modelId="{FD910211-C456-4FAB-B82B-6A40A24DA704}" type="presOf" srcId="{6C6E6D88-5EF3-45D7-967A-A0080BE08842}" destId="{E1183BD7-0429-4707-9FCC-1ED6461A208B}" srcOrd="0" destOrd="1" presId="urn:microsoft.com/office/officeart/2005/8/layout/hList2#1"/>
     <dgm:cxn modelId="{11454CF8-D09F-4262-B5E8-BAA4CB2FD946}" srcId="{19FB82D1-DA9C-4A9F-996F-5D6E94120F2C}" destId="{F59F90C1-2A30-4C35-B08D-0E31AFC816E0}" srcOrd="1" destOrd="0" parTransId="{3CE5C81F-66C1-4D7B-B53C-10C0CEE2E533}" sibTransId="{CF614269-AF25-4B02-93B2-EF099F653B4A}"/>
-    <dgm:cxn modelId="{6A7E3D21-5BAA-446A-9144-96995FBEB68D}" type="presOf" srcId="{8A95C357-1788-4660-9EA5-1229854C4CAB}" destId="{7799EFF0-CB5B-45AF-9ECC-AF5ADE221639}" srcOrd="0" destOrd="0" presId="urn:microsoft.com/office/officeart/2005/8/layout/hList2#1"/>
-    <dgm:cxn modelId="{61BD958A-1C36-40C2-BF56-99029960E866}" srcId="{19FB82D1-DA9C-4A9F-996F-5D6E94120F2C}" destId="{D5728EDF-102F-4666-8B0F-3B97726BE7CA}" srcOrd="0" destOrd="0" parTransId="{C809EBC1-D936-4F1A-9DED-27C0E87A1C1C}" sibTransId="{41951E76-15CE-4879-A320-D3EDEF717F04}"/>
-    <dgm:cxn modelId="{1506B563-784F-488B-912B-8E75CADE0FB4}" type="presOf" srcId="{34871C5F-23F4-4FD7-8F4E-123C17739740}" destId="{E1183BD7-0429-4707-9FCC-1ED6461A208B}" srcOrd="0" destOrd="2" presId="urn:microsoft.com/office/officeart/2005/8/layout/hList2#1"/>
-    <dgm:cxn modelId="{65E964B4-BC5A-488B-BDAA-75F6A2A80999}" srcId="{0ED985B0-F992-41C0-A0DF-DB763467528A}" destId="{C8B4E141-47F4-435C-B9AD-CE9B2E64C7D8}" srcOrd="1" destOrd="0" parTransId="{0755C8AF-AAB2-4320-B208-FFCB7E09452F}" sibTransId="{2AA3184F-321F-4CBF-B6F5-1D246071B80D}"/>
-    <dgm:cxn modelId="{CE928D2B-0B5F-4812-A03E-248F3CC5FBE8}" type="presOf" srcId="{6AAD33D9-E471-40F5-8F70-80606C79DA9D}" destId="{796565FA-A8B9-46BA-8356-76FA771B6A85}" srcOrd="0" destOrd="0" presId="urn:microsoft.com/office/officeart/2005/8/layout/hList2#1"/>
-    <dgm:cxn modelId="{081F6AF6-A01E-4A9C-AE90-A8D99BA26333}" type="presOf" srcId="{F59F90C1-2A30-4C35-B08D-0E31AFC816E0}" destId="{75371E2A-895B-4B16-B02A-DBFE3269960E}" srcOrd="0" destOrd="1" presId="urn:microsoft.com/office/officeart/2005/8/layout/hList2#1"/>
-    <dgm:cxn modelId="{5CFF85D8-D08F-44C8-A56B-5D41EC5F2BE5}" type="presOf" srcId="{C8B4E141-47F4-435C-B9AD-CE9B2E64C7D8}" destId="{A661B534-4AB5-4378-81FC-8A50002BBF30}" srcOrd="0" destOrd="0" presId="urn:microsoft.com/office/officeart/2005/8/layout/hList2#1"/>
-    <dgm:cxn modelId="{4821EE5C-6AAF-44EF-A0AA-EF5EEBCED949}" srcId="{6AAD33D9-E471-40F5-8F70-80606C79DA9D}" destId="{34871C5F-23F4-4FD7-8F4E-123C17739740}" srcOrd="2" destOrd="0" parTransId="{B661BC36-2E36-4EAC-8D39-D1116EAC3372}" sibTransId="{D25FF03E-5222-4D00-98E2-57EBB6A476D3}"/>
-    <dgm:cxn modelId="{26F07A2A-1C12-4BD3-82AB-38809FD68926}" srcId="{6AAD33D9-E471-40F5-8F70-80606C79DA9D}" destId="{6C6E6D88-5EF3-45D7-967A-A0080BE08842}" srcOrd="1" destOrd="0" parTransId="{4E91B0F4-AC10-41FC-915D-CDEA6563125A}" sibTransId="{6B740ABA-F9A3-486A-BE0B-23D1D98913C0}"/>
-    <dgm:cxn modelId="{B44F0AA2-DF3D-46CC-8143-5529D685AC22}" type="presOf" srcId="{19FB82D1-DA9C-4A9F-996F-5D6E94120F2C}" destId="{0066362C-EDA1-43C9-AD73-66A1B6B955D2}" srcOrd="0" destOrd="0" presId="urn:microsoft.com/office/officeart/2005/8/layout/hList2#1"/>
-    <dgm:cxn modelId="{369A4BBF-5FD6-4A30-AF16-6C4CB32524FD}" type="presOf" srcId="{D5728EDF-102F-4666-8B0F-3B97726BE7CA}" destId="{75371E2A-895B-4B16-B02A-DBFE3269960E}" srcOrd="0" destOrd="0" presId="urn:microsoft.com/office/officeart/2005/8/layout/hList2#1"/>
-    <dgm:cxn modelId="{37A1186C-C5B1-41B6-A43E-B61DC05ADD7B}" srcId="{12E3F15A-2AFE-4808-B727-C7AF52123798}" destId="{4226B12D-E302-43AF-8B50-309C6137E5C3}" srcOrd="2" destOrd="0" parTransId="{CBC2977A-6744-4C41-A3FE-A4827AA9FE7F}" sibTransId="{E3B21E6C-B051-4E2D-B1E8-17DC0F772EE4}"/>
-    <dgm:cxn modelId="{E37D875E-080E-40CA-9627-C496281EEEC9}" srcId="{6AAD33D9-E471-40F5-8F70-80606C79DA9D}" destId="{F247B72D-C90A-484E-81DD-67ECFE5B50BF}" srcOrd="0" destOrd="0" parTransId="{EF1DEB93-E69B-4B18-B98E-89D0BBBDE714}" sibTransId="{670C7075-97B7-4D27-B447-DFFF0578222A}"/>
-    <dgm:cxn modelId="{064558C0-4CDF-4151-954F-688F1E31D79B}" srcId="{C8B4E141-47F4-435C-B9AD-CE9B2E64C7D8}" destId="{2F1CEF04-5660-4FA5-9571-4DD58E31BD40}" srcOrd="0" destOrd="0" parTransId="{3F9F8332-1D8E-40F4-BB5E-24F4859DFEE6}" sibTransId="{355C7632-D6D6-4B6E-BBE8-90B61ED5D615}"/>
-    <dgm:cxn modelId="{E9838FF0-FAE5-4EC4-BF4A-02B760BBEBE2}" type="presOf" srcId="{19B20CF0-7F46-40CD-9ECC-10B9EFB985E0}" destId="{D09BDCF9-B6AE-4482-83CA-29A57BE5B006}" srcOrd="0" destOrd="1" presId="urn:microsoft.com/office/officeart/2005/8/layout/hList2#1"/>
-    <dgm:cxn modelId="{E35445DC-BE1D-4860-B351-3E587AEF8FC7}" srcId="{0ED985B0-F992-41C0-A0DF-DB763467528A}" destId="{12E3F15A-2AFE-4808-B727-C7AF52123798}" srcOrd="3" destOrd="0" parTransId="{B679DC40-64DE-4885-A1D0-9D01CD8A863D}" sibTransId="{B5EA6FEA-9223-4997-8057-DF38C484678A}"/>
-    <dgm:cxn modelId="{BE2BD115-944F-4D95-B157-D177CCCAE7B7}" type="presOf" srcId="{0ED985B0-F992-41C0-A0DF-DB763467528A}" destId="{93AF6EB4-FCC1-4634-9951-E885EACF7BB2}" srcOrd="0" destOrd="0" presId="urn:microsoft.com/office/officeart/2005/8/layout/hList2#1"/>
-    <dgm:cxn modelId="{BB5D1F68-E2B2-48A1-8DD1-2973A0A43F58}" type="presOf" srcId="{4226B12D-E302-43AF-8B50-309C6137E5C3}" destId="{7799EFF0-CB5B-45AF-9ECC-AF5ADE221639}" srcOrd="0" destOrd="2" presId="urn:microsoft.com/office/officeart/2005/8/layout/hList2#1"/>
+    <dgm:cxn modelId="{49E19A74-1AE7-4A6A-BDAF-EDB773117234}" srcId="{6AAD33D9-E471-40F5-8F70-80606C79DA9D}" destId="{21DDA9BD-56CF-42C0-A1BB-360BC4B7763B}" srcOrd="2" destOrd="0" parTransId="{FFFD6EF8-5791-496F-80A3-1485879CE219}" sibTransId="{1F792C29-3ECE-450E-9CA4-EE58F1E0278D}"/>
     <dgm:cxn modelId="{AA314F89-D8A1-4D49-97BF-CE6B3B529C07}" type="presParOf" srcId="{93AF6EB4-FCC1-4634-9951-E885EACF7BB2}" destId="{BFB33C08-C4FF-46FC-A24D-70D529E94781}" srcOrd="0" destOrd="0" presId="urn:microsoft.com/office/officeart/2005/8/layout/hList2#1"/>
     <dgm:cxn modelId="{70185C63-EE5D-4498-960F-AD3FC9C618CC}" type="presParOf" srcId="{BFB33C08-C4FF-46FC-A24D-70D529E94781}" destId="{26B0CB7C-D4E2-43A3-97E1-33EC24D881B7}" srcOrd="0" destOrd="0" presId="urn:microsoft.com/office/officeart/2005/8/layout/hList2#1"/>
     <dgm:cxn modelId="{B880B90C-055C-4EFE-B857-D489BBE7C453}" type="presParOf" srcId="{BFB33C08-C4FF-46FC-A24D-70D529E94781}" destId="{E1183BD7-0429-4707-9FCC-1ED6461A208B}" srcOrd="1" destOrd="0" presId="urn:microsoft.com/office/officeart/2005/8/layout/hList2#1"/>
@@ -9094,59 +8068,14 @@
   <dgm:whole/>
   <dgm:extLst>
     <a:ext uri="http://schemas.microsoft.com/office/drawing/2008/diagram">
-      <dsp:dataModelExt xmlns:dsp="http://schemas.microsoft.com/office/drawing/2008/diagram" relId="rId7" minVer="http://schemas.openxmlformats.org/drawingml/2006/diagram"/>
-    </a:ext>
-  </dgm:extLst>
-</dgm:dataModel>
-</file>
-
-<file path=ppt/diagrams/data4.xml><?xml version="1.0" encoding="utf-8"?>
-<dgm:dataModel xmlns:dgm="http://schemas.openxmlformats.org/drawingml/2006/diagram" xmlns:a="http://schemas.openxmlformats.org/drawingml/2006/main">
-  <dgm:ptLst>
-    <dgm:pt modelId="{0ED985B0-F992-41C0-A0DF-DB763467528A}" type="doc">
-      <dgm:prSet loTypeId="urn:microsoft.com/office/officeart/2005/8/layout/hList2#2" loCatId="relationship" qsTypeId="urn:microsoft.com/office/officeart/2005/8/quickstyle/simple4" qsCatId="simple" csTypeId="urn:microsoft.com/office/officeart/2005/8/colors/accent1_2" csCatId="accent1" phldr="1"/>
-      <dgm:spPr/>
-      <dgm:t>
-        <a:bodyPr/>
-        <a:lstStyle/>
-        <a:p>
-          <a:endParaRPr lang="es-AR"/>
-        </a:p>
-      </dgm:t>
-    </dgm:pt>
-    <dgm:pt modelId="{93AF6EB4-FCC1-4634-9951-E885EACF7BB2}" type="pres">
-      <dgm:prSet presAssocID="{0ED985B0-F992-41C0-A0DF-DB763467528A}" presName="linearFlow" presStyleCnt="0">
-        <dgm:presLayoutVars>
-          <dgm:dir/>
-          <dgm:animLvl val="lvl"/>
-          <dgm:resizeHandles/>
-        </dgm:presLayoutVars>
-      </dgm:prSet>
-      <dgm:spPr/>
-      <dgm:t>
-        <a:bodyPr/>
-        <a:lstStyle/>
-        <a:p>
-          <a:endParaRPr lang="es-AR"/>
-        </a:p>
-      </dgm:t>
-    </dgm:pt>
-  </dgm:ptLst>
-  <dgm:cxnLst>
-    <dgm:cxn modelId="{94CA5325-1E14-4241-9C21-4BE5562DA9CC}" type="presOf" srcId="{0ED985B0-F992-41C0-A0DF-DB763467528A}" destId="{93AF6EB4-FCC1-4634-9951-E885EACF7BB2}" srcOrd="0" destOrd="0" presId="urn:microsoft.com/office/officeart/2005/8/layout/hList2#2"/>
-  </dgm:cxnLst>
-  <dgm:bg/>
-  <dgm:whole/>
-  <dgm:extLst>
-    <a:ext uri="http://schemas.microsoft.com/office/drawing/2008/diagram">
-      <dsp:dataModelExt xmlns:dsp="http://schemas.microsoft.com/office/drawing/2008/diagram" relId="rId6" minVer="http://schemas.openxmlformats.org/drawingml/2006/diagram"/>
+      <dsp:dataModelExt xmlns:dsp="http://schemas.microsoft.com/office/drawing/2008/diagram" xmlns="" relId="rId7" minVer="http://schemas.openxmlformats.org/drawingml/2006/diagram"/>
     </a:ext>
   </dgm:extLst>
 </dgm:dataModel>
 </file>
 
 <file path=ppt/diagrams/drawing1.xml><?xml version="1.0" encoding="utf-8"?>
-<dsp:drawing xmlns:dgm="http://schemas.openxmlformats.org/drawingml/2006/diagram" xmlns:dsp="http://schemas.microsoft.com/office/drawing/2008/diagram" xmlns:a="http://schemas.openxmlformats.org/drawingml/2006/main">
+<dsp:drawing xmlns:dgm="http://schemas.openxmlformats.org/drawingml/2006/diagram" xmlns:a="http://schemas.openxmlformats.org/drawingml/2006/main" xmlns:dsp="http://schemas.microsoft.com/office/drawing/2008/diagram">
   <dsp:spTree>
     <dsp:nvGrpSpPr>
       <dsp:cNvPr id="0" name=""/>
@@ -9251,8 +8180,8 @@
         </a:p>
       </dsp:txBody>
       <dsp:txXfrm>
-        <a:off x="19904" y="96632"/>
-        <a:ext cx="4041655" cy="367937"/>
+        <a:off x="0" y="76728"/>
+        <a:ext cx="4081463" cy="407745"/>
       </dsp:txXfrm>
     </dsp:sp>
     <dsp:sp modelId="{3DA3C54A-443E-4079-8FD8-03835498A313}">
@@ -9429,8 +8358,8 @@
         </a:p>
       </dsp:txBody>
       <dsp:txXfrm>
-        <a:off x="19904" y="953049"/>
-        <a:ext cx="4041655" cy="367937"/>
+        <a:off x="0" y="933145"/>
+        <a:ext cx="4081463" cy="407745"/>
       </dsp:txXfrm>
     </dsp:sp>
     <dsp:sp modelId="{86C6E5DC-91FE-4393-97EC-0E63A588CCA8}">
@@ -9645,8 +8574,8 @@
         </a:p>
       </dsp:txBody>
       <dsp:txXfrm>
-        <a:off x="19904" y="2258139"/>
-        <a:ext cx="4041655" cy="367937"/>
+        <a:off x="0" y="2238235"/>
+        <a:ext cx="4081463" cy="407745"/>
       </dsp:txXfrm>
     </dsp:sp>
     <dsp:sp modelId="{D4B29F39-5BA6-449A-B2B8-4D84BC4B354D}">
@@ -9861,8 +8790,8 @@
         </a:p>
       </dsp:txBody>
       <dsp:txXfrm>
-        <a:off x="19904" y="3563229"/>
-        <a:ext cx="4041655" cy="367937"/>
+        <a:off x="0" y="3543325"/>
+        <a:ext cx="4081463" cy="407745"/>
       </dsp:txXfrm>
     </dsp:sp>
     <dsp:sp modelId="{4174C60E-95CC-4882-BEA6-891F2F81F245}">
@@ -9988,7 +8917,7 @@
 </file>
 
 <file path=ppt/diagrams/drawing2.xml><?xml version="1.0" encoding="utf-8"?>
-<dsp:drawing xmlns:dgm="http://schemas.openxmlformats.org/drawingml/2006/diagram" xmlns:dsp="http://schemas.microsoft.com/office/drawing/2008/diagram" xmlns:a="http://schemas.openxmlformats.org/drawingml/2006/main">
+<dsp:drawing xmlns:dgm="http://schemas.openxmlformats.org/drawingml/2006/diagram" xmlns:a="http://schemas.openxmlformats.org/drawingml/2006/main" xmlns:dsp="http://schemas.microsoft.com/office/drawing/2008/diagram">
   <dsp:spTree>
     <dsp:nvGrpSpPr>
       <dsp:cNvPr id="0" name=""/>
@@ -10093,8 +9022,8 @@
         </a:p>
       </dsp:txBody>
       <dsp:txXfrm>
-        <a:off x="18734" y="26553"/>
-        <a:ext cx="4005324" cy="346292"/>
+        <a:off x="0" y="7819"/>
+        <a:ext cx="4042792" cy="383760"/>
       </dsp:txXfrm>
     </dsp:sp>
     <dsp:sp modelId="{A96A0ECB-4E20-4C79-80BC-75B0D3A2CF5E}">
@@ -10271,8 +9200,8 @@
         </a:p>
       </dsp:txBody>
       <dsp:txXfrm>
-        <a:off x="18734" y="824314"/>
-        <a:ext cx="4005324" cy="346292"/>
+        <a:off x="0" y="805580"/>
+        <a:ext cx="4042792" cy="383760"/>
       </dsp:txXfrm>
     </dsp:sp>
     <dsp:sp modelId="{5C6BCDC5-01CD-4D3A-AFDA-D028DCC208E0}">
@@ -10506,8 +9435,8 @@
         </a:p>
       </dsp:txBody>
       <dsp:txXfrm>
-        <a:off x="18734" y="2251354"/>
-        <a:ext cx="4005324" cy="346292"/>
+        <a:off x="0" y="2232620"/>
+        <a:ext cx="4042792" cy="383760"/>
       </dsp:txXfrm>
     </dsp:sp>
     <dsp:sp modelId="{09EBEF52-6D08-4CB1-8BDA-3D44D2BF50F5}">
@@ -10703,8 +9632,8 @@
         </a:p>
       </dsp:txBody>
       <dsp:txXfrm>
-        <a:off x="18734" y="3264394"/>
-        <a:ext cx="4005324" cy="346292"/>
+        <a:off x="0" y="3245660"/>
+        <a:ext cx="4042792" cy="383760"/>
       </dsp:txXfrm>
     </dsp:sp>
     <dsp:sp modelId="{41659F7B-4944-4AB4-A655-69C3BEDC0729}">
@@ -10849,7 +9778,7 @@
 </file>
 
 <file path=ppt/diagrams/drawing3.xml><?xml version="1.0" encoding="utf-8"?>
-<dsp:drawing xmlns:dgm="http://schemas.openxmlformats.org/drawingml/2006/diagram" xmlns:dsp="http://schemas.microsoft.com/office/drawing/2008/diagram" xmlns:a="http://schemas.openxmlformats.org/drawingml/2006/main">
+<dsp:drawing xmlns:dgm="http://schemas.openxmlformats.org/drawingml/2006/diagram" xmlns:a="http://schemas.openxmlformats.org/drawingml/2006/main" xmlns:dsp="http://schemas.microsoft.com/office/drawing/2008/diagram">
   <dsp:spTree>
     <dsp:nvGrpSpPr>
       <dsp:cNvPr id="0" name=""/>
@@ -10863,8 +9792,8 @@
       </dsp:nvSpPr>
       <dsp:spPr>
         <a:xfrm rot="16200000">
-          <a:off x="-1208643" y="1847182"/>
-          <a:ext cx="2808312" cy="293639"/>
+          <a:off x="-1052592" y="1656389"/>
+          <a:ext cx="2514033" cy="305873"/>
         </a:xfrm>
         <a:prstGeom prst="rect">
           <a:avLst/>
@@ -10888,7 +9817,7 @@
         <a:fontRef idx="minor"/>
       </dsp:style>
       <dsp:txBody>
-        <a:bodyPr spcFirstLastPara="0" vert="horz" wrap="square" lIns="0" tIns="0" rIns="258973" bIns="0" numCol="1" spcCol="1270" anchor="t" anchorCtr="0">
+        <a:bodyPr spcFirstLastPara="0" vert="horz" wrap="square" lIns="0" tIns="0" rIns="269763" bIns="0" numCol="1" spcCol="1270" anchor="t" anchorCtr="0">
           <a:noAutofit/>
         </a:bodyPr>
         <a:lstStyle/>
@@ -10911,9 +9840,9 @@
           <a:endParaRPr lang="es-AR" sz="2100" kern="1200" dirty="0"/>
         </a:p>
       </dsp:txBody>
-      <dsp:txXfrm>
-        <a:off x="-1208643" y="1847182"/>
-        <a:ext cx="2808312" cy="293639"/>
+      <dsp:txXfrm rot="16200000">
+        <a:off x="-1052592" y="1656389"/>
+        <a:ext cx="2514033" cy="305873"/>
       </dsp:txXfrm>
     </dsp:sp>
     <dsp:sp modelId="{E1183BD7-0429-4707-9FCC-1ED6461A208B}">
@@ -10923,8 +9852,8 @@
       </dsp:nvSpPr>
       <dsp:spPr>
         <a:xfrm>
-          <a:off x="342332" y="589845"/>
-          <a:ext cx="1462634" cy="2808312"/>
+          <a:off x="357361" y="544088"/>
+          <a:ext cx="1523573" cy="2530475"/>
         </a:xfrm>
         <a:prstGeom prst="rect">
           <a:avLst/>
@@ -10990,12 +9919,12 @@
         </a:fontRef>
       </dsp:style>
       <dsp:txBody>
-        <a:bodyPr spcFirstLastPara="0" vert="horz" wrap="square" lIns="113792" tIns="258973" rIns="113792" bIns="113792" numCol="1" spcCol="1270" anchor="t" anchorCtr="0">
+        <a:bodyPr spcFirstLastPara="0" vert="horz" wrap="square" lIns="120904" tIns="269763" rIns="120904" bIns="120904" numCol="1" spcCol="1270" anchor="t" anchorCtr="0">
           <a:noAutofit/>
         </a:bodyPr>
         <a:lstStyle/>
         <a:p>
-          <a:pPr marL="114300" lvl="1" indent="-114300" algn="l" defTabSz="533400">
+          <a:pPr marL="114300" lvl="1" indent="-114300" algn="l" defTabSz="577850">
             <a:lnSpc>
               <a:spcPct val="90000"/>
             </a:lnSpc>
@@ -11008,13 +9937,13 @@
             <a:buChar char="••"/>
           </a:pPr>
           <a:r>
-            <a:rPr lang="es-AR" sz="1200" kern="1200" dirty="0" smtClean="0"/>
-            <a:t>Elección del lenguaje</a:t>
+            <a:rPr lang="es-AR" sz="1300" kern="1200" dirty="0" smtClean="0"/>
+            <a:t>Análisis, y elección del lenguaje de programación</a:t>
           </a:r>
-          <a:endParaRPr lang="es-AR" sz="1200" kern="1200" dirty="0"/>
+          <a:endParaRPr lang="es-AR" sz="1300" kern="1200" dirty="0"/>
         </a:p>
         <a:p>
-          <a:pPr marL="114300" lvl="1" indent="-114300" algn="l" defTabSz="533400">
+          <a:pPr marL="114300" lvl="1" indent="-114300" algn="l" defTabSz="577850">
             <a:lnSpc>
               <a:spcPct val="90000"/>
             </a:lnSpc>
@@ -11027,13 +9956,17 @@
             <a:buChar char="••"/>
           </a:pPr>
           <a:r>
-            <a:rPr lang="es-AR" sz="1200" kern="1200" dirty="0" smtClean="0"/>
-            <a:t>Desarrollo de los algoritmos</a:t>
+            <a:rPr lang="es-AR" sz="1300" kern="1200" dirty="0" smtClean="0"/>
+            <a:t>Desarrollo de los </a:t>
           </a:r>
-          <a:endParaRPr lang="es-AR" sz="1200" kern="1200" dirty="0"/>
+          <a:r>
+            <a:rPr lang="es-AR" sz="1300" kern="1200" dirty="0" smtClean="0"/>
+            <a:t>algoritmos.</a:t>
+          </a:r>
+          <a:endParaRPr lang="es-AR" sz="1300" kern="1200" dirty="0"/>
         </a:p>
         <a:p>
-          <a:pPr marL="114300" lvl="1" indent="-114300" algn="l" defTabSz="533400">
+          <a:pPr marL="114300" lvl="1" indent="-114300" algn="l" defTabSz="577850">
             <a:lnSpc>
               <a:spcPct val="90000"/>
             </a:lnSpc>
@@ -11046,15 +9979,15 @@
             <a:buChar char="••"/>
           </a:pPr>
           <a:r>
-            <a:rPr lang="es-AR" sz="1200" kern="1200" dirty="0" smtClean="0"/>
-            <a:t>Implementación</a:t>
+            <a:rPr lang="es-AR" sz="1300" kern="1200" dirty="0" smtClean="0"/>
+            <a:t>Implementación </a:t>
           </a:r>
-          <a:endParaRPr lang="es-AR" sz="1200" kern="1200" dirty="0"/>
+          <a:endParaRPr lang="es-AR" sz="1300" kern="1200" dirty="0"/>
         </a:p>
       </dsp:txBody>
       <dsp:txXfrm>
-        <a:off x="342332" y="589845"/>
-        <a:ext cx="1462634" cy="2808312"/>
+        <a:off x="357361" y="544088"/>
+        <a:ext cx="1523573" cy="2530475"/>
       </dsp:txXfrm>
     </dsp:sp>
     <dsp:sp modelId="{26B0CB7C-D4E2-43A3-97E1-33EC24D881B7}">
@@ -11064,8 +9997,8 @@
       </dsp:nvSpPr>
       <dsp:spPr>
         <a:xfrm>
-          <a:off x="48693" y="202242"/>
-          <a:ext cx="587278" cy="587278"/>
+          <a:off x="51487" y="148556"/>
+          <a:ext cx="611746" cy="611746"/>
         </a:xfrm>
         <a:prstGeom prst="rect">
           <a:avLst/>
@@ -11107,8 +10040,8 @@
       </dsp:nvSpPr>
       <dsp:spPr>
         <a:xfrm rot="16200000">
-          <a:off x="933776" y="1847182"/>
-          <a:ext cx="2808312" cy="293639"/>
+          <a:off x="1183586" y="1656389"/>
+          <a:ext cx="2514033" cy="305873"/>
         </a:xfrm>
         <a:prstGeom prst="rect">
           <a:avLst/>
@@ -11132,7 +10065,7 @@
         <a:fontRef idx="minor"/>
       </dsp:style>
       <dsp:txBody>
-        <a:bodyPr spcFirstLastPara="0" vert="horz" wrap="square" lIns="0" tIns="0" rIns="258973" bIns="0" numCol="1" spcCol="1270" anchor="t" anchorCtr="0">
+        <a:bodyPr spcFirstLastPara="0" vert="horz" wrap="square" lIns="0" tIns="0" rIns="269763" bIns="0" numCol="1" spcCol="1270" anchor="t" anchorCtr="0">
           <a:noAutofit/>
         </a:bodyPr>
         <a:lstStyle/>
@@ -11155,9 +10088,9 @@
           <a:endParaRPr lang="es-AR" sz="2100" kern="1200" dirty="0"/>
         </a:p>
       </dsp:txBody>
-      <dsp:txXfrm>
-        <a:off x="933776" y="1847182"/>
-        <a:ext cx="2808312" cy="293639"/>
+      <dsp:txXfrm rot="16200000">
+        <a:off x="1183586" y="1656389"/>
+        <a:ext cx="2514033" cy="305873"/>
       </dsp:txXfrm>
     </dsp:sp>
     <dsp:sp modelId="{D09BDCF9-B6AE-4482-83CA-29A57BE5B006}">
@@ -11167,8 +10100,8 @@
       </dsp:nvSpPr>
       <dsp:spPr>
         <a:xfrm>
-          <a:off x="2484752" y="589845"/>
-          <a:ext cx="1462634" cy="2808312"/>
+          <a:off x="2593540" y="548198"/>
+          <a:ext cx="1523573" cy="2522254"/>
         </a:xfrm>
         <a:prstGeom prst="rect">
           <a:avLst/>
@@ -11234,12 +10167,12 @@
         </a:fontRef>
       </dsp:style>
       <dsp:txBody>
-        <a:bodyPr spcFirstLastPara="0" vert="horz" wrap="square" lIns="113792" tIns="258973" rIns="113792" bIns="113792" numCol="1" spcCol="1270" anchor="t" anchorCtr="0">
+        <a:bodyPr spcFirstLastPara="0" vert="horz" wrap="square" lIns="120904" tIns="269763" rIns="120904" bIns="120904" numCol="1" spcCol="1270" anchor="t" anchorCtr="0">
           <a:noAutofit/>
         </a:bodyPr>
         <a:lstStyle/>
         <a:p>
-          <a:pPr marL="114300" lvl="1" indent="-114300" algn="l" defTabSz="533400">
+          <a:pPr marL="114300" lvl="1" indent="-114300" algn="l" defTabSz="577850">
             <a:lnSpc>
               <a:spcPct val="90000"/>
             </a:lnSpc>
@@ -11252,13 +10185,17 @@
             <a:buChar char="••"/>
           </a:pPr>
           <a:r>
-            <a:rPr lang="es-AR" sz="1200" kern="1200" dirty="0" smtClean="0"/>
-            <a:t>Determinación de los nodos y definición del criterio</a:t>
+            <a:rPr lang="es-AR" sz="1300" kern="1200" dirty="0" smtClean="0"/>
+            <a:t>Determinación de los </a:t>
           </a:r>
-          <a:endParaRPr lang="es-AR" sz="1200" kern="1200" dirty="0"/>
+          <a:r>
+            <a:rPr lang="es-AR" sz="1300" kern="1200" dirty="0" smtClean="0"/>
+            <a:t>puntos de inyección.</a:t>
+          </a:r>
+          <a:endParaRPr lang="es-AR" sz="1300" kern="1200" dirty="0"/>
         </a:p>
         <a:p>
-          <a:pPr marL="114300" lvl="1" indent="-114300" algn="l" defTabSz="533400">
+          <a:pPr marL="114300" lvl="1" indent="-114300" algn="l" defTabSz="577850">
             <a:lnSpc>
               <a:spcPct val="90000"/>
             </a:lnSpc>
@@ -11271,15 +10208,15 @@
             <a:buChar char="••"/>
           </a:pPr>
           <a:r>
-            <a:rPr lang="es-AR" sz="1200" kern="1200" dirty="0" smtClean="0"/>
+            <a:rPr lang="es-AR" sz="1300" kern="1200" dirty="0" smtClean="0"/>
             <a:t>Generación de archivos y almacenamiento en la base de datos</a:t>
           </a:r>
-          <a:endParaRPr lang="es-AR" sz="1200" kern="1200" dirty="0"/>
+          <a:endParaRPr lang="es-AR" sz="1300" kern="1200" dirty="0"/>
         </a:p>
       </dsp:txBody>
       <dsp:txXfrm>
-        <a:off x="2484752" y="589845"/>
-        <a:ext cx="1462634" cy="2808312"/>
+        <a:off x="2593540" y="548198"/>
+        <a:ext cx="1523573" cy="2522254"/>
       </dsp:txXfrm>
     </dsp:sp>
     <dsp:sp modelId="{DD08B832-2BD4-4532-B988-CE751E4BA221}">
@@ -11289,8 +10226,8 @@
       </dsp:nvSpPr>
       <dsp:spPr>
         <a:xfrm>
-          <a:off x="2191113" y="202242"/>
-          <a:ext cx="587278" cy="587278"/>
+          <a:off x="2287667" y="148556"/>
+          <a:ext cx="611746" cy="611746"/>
         </a:xfrm>
         <a:prstGeom prst="rect">
           <a:avLst/>
@@ -11332,8 +10269,8 @@
       </dsp:nvSpPr>
       <dsp:spPr>
         <a:xfrm rot="16200000">
-          <a:off x="3076196" y="1847182"/>
-          <a:ext cx="2808312" cy="293639"/>
+          <a:off x="3419766" y="1656389"/>
+          <a:ext cx="2514033" cy="305873"/>
         </a:xfrm>
         <a:prstGeom prst="rect">
           <a:avLst/>
@@ -11357,7 +10294,7 @@
         <a:fontRef idx="minor"/>
       </dsp:style>
       <dsp:txBody>
-        <a:bodyPr spcFirstLastPara="0" vert="horz" wrap="square" lIns="0" tIns="0" rIns="258973" bIns="0" numCol="1" spcCol="1270" anchor="t" anchorCtr="0">
+        <a:bodyPr spcFirstLastPara="0" vert="horz" wrap="square" lIns="0" tIns="0" rIns="269763" bIns="0" numCol="1" spcCol="1270" anchor="t" anchorCtr="0">
           <a:noAutofit/>
         </a:bodyPr>
         <a:lstStyle/>
@@ -11380,9 +10317,9 @@
           <a:endParaRPr lang="es-AR" sz="2100" kern="1200" dirty="0"/>
         </a:p>
       </dsp:txBody>
-      <dsp:txXfrm>
-        <a:off x="3076196" y="1847182"/>
-        <a:ext cx="2808312" cy="293639"/>
+      <dsp:txXfrm rot="16200000">
+        <a:off x="3419766" y="1656389"/>
+        <a:ext cx="2514033" cy="305873"/>
       </dsp:txXfrm>
     </dsp:sp>
     <dsp:sp modelId="{75371E2A-895B-4B16-B02A-DBFE3269960E}">
@@ -11392,8 +10329,8 @@
       </dsp:nvSpPr>
       <dsp:spPr>
         <a:xfrm>
-          <a:off x="4627172" y="589845"/>
-          <a:ext cx="1462634" cy="2808312"/>
+          <a:off x="4829719" y="548198"/>
+          <a:ext cx="1523573" cy="2522254"/>
         </a:xfrm>
         <a:prstGeom prst="rect">
           <a:avLst/>
@@ -11459,12 +10396,12 @@
         </a:fontRef>
       </dsp:style>
       <dsp:txBody>
-        <a:bodyPr spcFirstLastPara="0" vert="horz" wrap="square" lIns="113792" tIns="258973" rIns="113792" bIns="113792" numCol="1" spcCol="1270" anchor="t" anchorCtr="0">
+        <a:bodyPr spcFirstLastPara="0" vert="horz" wrap="square" lIns="120904" tIns="269763" rIns="120904" bIns="120904" numCol="1" spcCol="1270" anchor="t" anchorCtr="0">
           <a:noAutofit/>
         </a:bodyPr>
         <a:lstStyle/>
         <a:p>
-          <a:pPr marL="114300" lvl="1" indent="-114300" algn="l" defTabSz="533400">
+          <a:pPr marL="114300" lvl="1" indent="-114300" algn="l" defTabSz="577850">
             <a:lnSpc>
               <a:spcPct val="90000"/>
             </a:lnSpc>
@@ -11477,13 +10414,13 @@
             <a:buChar char="••"/>
           </a:pPr>
           <a:r>
-            <a:rPr lang="es-AR" sz="1200" kern="1200" dirty="0" smtClean="0"/>
+            <a:rPr lang="es-AR" sz="1300" kern="1200" dirty="0" smtClean="0"/>
             <a:t>Configuración del ambiente virtualizado</a:t>
           </a:r>
-          <a:endParaRPr lang="es-AR" sz="1200" kern="1200" dirty="0"/>
+          <a:endParaRPr lang="es-AR" sz="1300" kern="1200" dirty="0"/>
         </a:p>
         <a:p>
-          <a:pPr marL="114300" lvl="1" indent="-114300" algn="l" defTabSz="533400">
+          <a:pPr marL="114300" lvl="1" indent="-114300" algn="l" defTabSz="577850">
             <a:lnSpc>
               <a:spcPct val="90000"/>
             </a:lnSpc>
@@ -11496,15 +10433,15 @@
             <a:buChar char="••"/>
           </a:pPr>
           <a:r>
-            <a:rPr lang="es-AR" sz="1200" kern="1200" dirty="0" smtClean="0"/>
+            <a:rPr lang="es-AR" sz="1300" kern="1200" dirty="0" smtClean="0"/>
             <a:t>Simulación y almacenamiento en la base de datos</a:t>
           </a:r>
-          <a:endParaRPr lang="es-AR" sz="1200" kern="1200" dirty="0"/>
+          <a:endParaRPr lang="es-AR" sz="1300" kern="1200" dirty="0"/>
         </a:p>
       </dsp:txBody>
       <dsp:txXfrm>
-        <a:off x="4627172" y="589845"/>
-        <a:ext cx="1462634" cy="2808312"/>
+        <a:off x="4829719" y="548198"/>
+        <a:ext cx="1523573" cy="2522254"/>
       </dsp:txXfrm>
     </dsp:sp>
     <dsp:sp modelId="{E219CE3B-456D-416F-AA58-5DF5B8B36966}">
@@ -11514,8 +10451,8 @@
       </dsp:nvSpPr>
       <dsp:spPr>
         <a:xfrm>
-          <a:off x="4333533" y="202242"/>
-          <a:ext cx="587278" cy="587278"/>
+          <a:off x="4523846" y="148556"/>
+          <a:ext cx="611746" cy="611746"/>
         </a:xfrm>
         <a:prstGeom prst="rect">
           <a:avLst/>
@@ -11557,8 +10494,8 @@
       </dsp:nvSpPr>
       <dsp:spPr>
         <a:xfrm rot="16200000">
-          <a:off x="5218616" y="1847182"/>
-          <a:ext cx="2808312" cy="293639"/>
+          <a:off x="5655945" y="1656389"/>
+          <a:ext cx="2514033" cy="305873"/>
         </a:xfrm>
         <a:prstGeom prst="rect">
           <a:avLst/>
@@ -11582,7 +10519,7 @@
         <a:fontRef idx="minor"/>
       </dsp:style>
       <dsp:txBody>
-        <a:bodyPr spcFirstLastPara="0" vert="horz" wrap="square" lIns="0" tIns="0" rIns="258973" bIns="0" numCol="1" spcCol="1270" anchor="t" anchorCtr="0">
+        <a:bodyPr spcFirstLastPara="0" vert="horz" wrap="square" lIns="0" tIns="0" rIns="269763" bIns="0" numCol="1" spcCol="1270" anchor="t" anchorCtr="0">
           <a:noAutofit/>
         </a:bodyPr>
         <a:lstStyle/>
@@ -11605,9 +10542,9 @@
           <a:endParaRPr lang="es-AR" sz="2100" kern="1200" dirty="0"/>
         </a:p>
       </dsp:txBody>
-      <dsp:txXfrm>
-        <a:off x="5218616" y="1847182"/>
-        <a:ext cx="2808312" cy="293639"/>
+      <dsp:txXfrm rot="16200000">
+        <a:off x="5655945" y="1656389"/>
+        <a:ext cx="2514033" cy="305873"/>
       </dsp:txXfrm>
     </dsp:sp>
     <dsp:sp modelId="{7799EFF0-CB5B-45AF-9ECC-AF5ADE221639}">
@@ -11617,8 +10554,8 @@
       </dsp:nvSpPr>
       <dsp:spPr>
         <a:xfrm>
-          <a:off x="6769592" y="589845"/>
-          <a:ext cx="1462634" cy="2808312"/>
+          <a:off x="7065898" y="548198"/>
+          <a:ext cx="1523573" cy="2522254"/>
         </a:xfrm>
         <a:prstGeom prst="rect">
           <a:avLst/>
@@ -11684,12 +10621,12 @@
         </a:fontRef>
       </dsp:style>
       <dsp:txBody>
-        <a:bodyPr spcFirstLastPara="0" vert="horz" wrap="square" lIns="113792" tIns="258973" rIns="113792" bIns="113792" numCol="1" spcCol="1270" anchor="t" anchorCtr="0">
+        <a:bodyPr spcFirstLastPara="0" vert="horz" wrap="square" lIns="120904" tIns="269763" rIns="120904" bIns="120904" numCol="1" spcCol="1270" anchor="t" anchorCtr="0">
           <a:noAutofit/>
         </a:bodyPr>
         <a:lstStyle/>
         <a:p>
-          <a:pPr marL="114300" lvl="1" indent="-114300" algn="l" defTabSz="533400">
+          <a:pPr marL="114300" lvl="1" indent="-114300" algn="l" defTabSz="577850">
             <a:lnSpc>
               <a:spcPct val="90000"/>
             </a:lnSpc>
@@ -11702,13 +10639,17 @@
             <a:buChar char="••"/>
           </a:pPr>
           <a:r>
-            <a:rPr lang="es-AR" sz="1200" kern="1200" dirty="0" smtClean="0"/>
-            <a:t>Determinación de nodos con salidas erróneas</a:t>
+            <a:rPr lang="es-AR" sz="1300" kern="1200" dirty="0" smtClean="0"/>
+            <a:t>Detección de salidas </a:t>
           </a:r>
-          <a:endParaRPr lang="es-AR" sz="1200" kern="1200" dirty="0"/>
+          <a:r>
+            <a:rPr lang="es-AR" sz="1300" kern="1200" dirty="0" smtClean="0"/>
+            <a:t>erróneas</a:t>
+          </a:r>
+          <a:endParaRPr lang="es-AR" sz="1300" kern="1200" dirty="0"/>
         </a:p>
         <a:p>
-          <a:pPr marL="114300" lvl="1" indent="-114300" algn="l" defTabSz="533400">
+          <a:pPr marL="114300" lvl="1" indent="-114300" algn="l" defTabSz="577850">
             <a:lnSpc>
               <a:spcPct val="90000"/>
             </a:lnSpc>
@@ -11721,13 +10662,13 @@
             <a:buChar char="••"/>
           </a:pPr>
           <a:r>
-            <a:rPr lang="es-AR" sz="1200" kern="1200" dirty="0" smtClean="0"/>
+            <a:rPr lang="es-AR" sz="1300" kern="1200" dirty="0" smtClean="0"/>
             <a:t>Determinación de la duración y amplitud del efecto</a:t>
           </a:r>
-          <a:endParaRPr lang="es-AR" sz="1200" kern="1200" dirty="0"/>
+          <a:endParaRPr lang="es-AR" sz="1300" kern="1200" dirty="0"/>
         </a:p>
         <a:p>
-          <a:pPr marL="114300" lvl="1" indent="-114300" algn="l" defTabSz="533400">
+          <a:pPr marL="114300" lvl="1" indent="-114300" algn="l" defTabSz="577850">
             <a:lnSpc>
               <a:spcPct val="90000"/>
             </a:lnSpc>
@@ -11740,15 +10681,23 @@
             <a:buChar char="••"/>
           </a:pPr>
           <a:r>
-            <a:rPr lang="es-AR" sz="1200" kern="1200" dirty="0" smtClean="0"/>
-            <a:t>Generación e importación automática de tablas</a:t>
+            <a:rPr lang="es-AR" sz="1300" kern="1200" dirty="0" smtClean="0"/>
+            <a:t>Generación </a:t>
           </a:r>
-          <a:endParaRPr lang="es-AR" sz="1200" kern="1200" dirty="0"/>
+          <a:r>
+            <a:rPr lang="es-AR" sz="1300" kern="1200" dirty="0" smtClean="0"/>
+            <a:t>automática </a:t>
+          </a:r>
+          <a:r>
+            <a:rPr lang="es-AR" sz="1300" kern="1200" dirty="0" smtClean="0"/>
+            <a:t>de tablas</a:t>
+          </a:r>
+          <a:endParaRPr lang="es-AR" sz="1300" kern="1200" dirty="0"/>
         </a:p>
       </dsp:txBody>
       <dsp:txXfrm>
-        <a:off x="6769592" y="589845"/>
-        <a:ext cx="1462634" cy="2808312"/>
+        <a:off x="7065898" y="548198"/>
+        <a:ext cx="1523573" cy="2522254"/>
       </dsp:txXfrm>
     </dsp:sp>
     <dsp:sp modelId="{9BDC7C31-8470-418F-AA33-D0F153D75747}">
@@ -11758,8 +10707,8 @@
       </dsp:nvSpPr>
       <dsp:spPr>
         <a:xfrm>
-          <a:off x="6475953" y="202242"/>
-          <a:ext cx="587278" cy="587278"/>
+          <a:off x="6760025" y="148556"/>
+          <a:ext cx="611746" cy="611746"/>
         </a:xfrm>
         <a:prstGeom prst="rect">
           <a:avLst/>
@@ -11794,18 +10743,6 @@
         <a:fontRef idx="minor"/>
       </dsp:style>
     </dsp:sp>
-  </dsp:spTree>
-</dsp:drawing>
-</file>
-
-<file path=ppt/diagrams/drawing4.xml><?xml version="1.0" encoding="utf-8"?>
-<dsp:drawing xmlns:dgm="http://schemas.openxmlformats.org/drawingml/2006/diagram" xmlns:dsp="http://schemas.microsoft.com/office/drawing/2008/diagram" xmlns:a="http://schemas.openxmlformats.org/drawingml/2006/main">
-  <dsp:spTree>
-    <dsp:nvGrpSpPr>
-      <dsp:cNvPr id="0" name=""/>
-      <dsp:cNvGrpSpPr/>
-    </dsp:nvGrpSpPr>
-    <dsp:grpSpPr/>
   </dsp:spTree>
 </dsp:drawing>
 </file>
@@ -12427,289 +11364,6 @@
 </dgm:layoutDef>
 </file>
 
-<file path=ppt/diagrams/layout4.xml><?xml version="1.0" encoding="utf-8"?>
-<dgm:layoutDef xmlns:dgm="http://schemas.openxmlformats.org/drawingml/2006/diagram" xmlns:a="http://schemas.openxmlformats.org/drawingml/2006/main" uniqueId="urn:microsoft.com/office/officeart/2005/8/layout/hList2#2">
-  <dgm:title val=""/>
-  <dgm:desc val=""/>
-  <dgm:catLst>
-    <dgm:cat type="list" pri="6000"/>
-    <dgm:cat type="relationship" pri="16000"/>
-  </dgm:catLst>
-  <dgm:sampData>
-    <dgm:dataModel>
-      <dgm:ptLst>
-        <dgm:pt modelId="0" type="doc"/>
-        <dgm:pt modelId="1">
-          <dgm:prSet phldr="1"/>
-        </dgm:pt>
-        <dgm:pt modelId="11">
-          <dgm:prSet phldr="1"/>
-        </dgm:pt>
-        <dgm:pt modelId="12">
-          <dgm:prSet phldr="1"/>
-        </dgm:pt>
-        <dgm:pt modelId="2">
-          <dgm:prSet phldr="1"/>
-        </dgm:pt>
-        <dgm:pt modelId="21">
-          <dgm:prSet phldr="1"/>
-        </dgm:pt>
-        <dgm:pt modelId="22">
-          <dgm:prSet phldr="1"/>
-        </dgm:pt>
-        <dgm:pt modelId="3">
-          <dgm:prSet phldr="1"/>
-        </dgm:pt>
-        <dgm:pt modelId="31">
-          <dgm:prSet phldr="1"/>
-        </dgm:pt>
-        <dgm:pt modelId="32">
-          <dgm:prSet phldr="1"/>
-        </dgm:pt>
-      </dgm:ptLst>
-      <dgm:cxnLst>
-        <dgm:cxn modelId="4" srcId="0" destId="1" srcOrd="0" destOrd="0"/>
-        <dgm:cxn modelId="5" srcId="0" destId="2" srcOrd="1" destOrd="0"/>
-        <dgm:cxn modelId="6" srcId="0" destId="3" srcOrd="2" destOrd="0"/>
-        <dgm:cxn modelId="13" srcId="1" destId="11" srcOrd="0" destOrd="0"/>
-        <dgm:cxn modelId="14" srcId="1" destId="12" srcOrd="1" destOrd="0"/>
-        <dgm:cxn modelId="23" srcId="2" destId="21" srcOrd="0" destOrd="0"/>
-        <dgm:cxn modelId="24" srcId="2" destId="22" srcOrd="1" destOrd="0"/>
-        <dgm:cxn modelId="33" srcId="3" destId="31" srcOrd="0" destOrd="0"/>
-        <dgm:cxn modelId="34" srcId="3" destId="32" srcOrd="1" destOrd="0"/>
-      </dgm:cxnLst>
-      <dgm:bg/>
-      <dgm:whole/>
-    </dgm:dataModel>
-  </dgm:sampData>
-  <dgm:styleData>
-    <dgm:dataModel>
-      <dgm:ptLst>
-        <dgm:pt modelId="0" type="doc"/>
-        <dgm:pt modelId="1"/>
-        <dgm:pt modelId="11"/>
-        <dgm:pt modelId="2"/>
-        <dgm:pt modelId="21"/>
-      </dgm:ptLst>
-      <dgm:cxnLst>
-        <dgm:cxn modelId="4" srcId="0" destId="1" srcOrd="0" destOrd="0"/>
-        <dgm:cxn modelId="5" srcId="0" destId="2" srcOrd="1" destOrd="0"/>
-        <dgm:cxn modelId="13" srcId="1" destId="11" srcOrd="0" destOrd="0"/>
-        <dgm:cxn modelId="23" srcId="2" destId="21" srcOrd="0" destOrd="0"/>
-      </dgm:cxnLst>
-      <dgm:bg/>
-      <dgm:whole/>
-    </dgm:dataModel>
-  </dgm:styleData>
-  <dgm:clrData>
-    <dgm:dataModel>
-      <dgm:ptLst>
-        <dgm:pt modelId="0" type="doc"/>
-        <dgm:pt modelId="1"/>
-        <dgm:pt modelId="11"/>
-        <dgm:pt modelId="2"/>
-        <dgm:pt modelId="21"/>
-        <dgm:pt modelId="3"/>
-        <dgm:pt modelId="31"/>
-        <dgm:pt modelId="4"/>
-        <dgm:pt modelId="41"/>
-      </dgm:ptLst>
-      <dgm:cxnLst>
-        <dgm:cxn modelId="5" srcId="0" destId="1" srcOrd="0" destOrd="0"/>
-        <dgm:cxn modelId="6" srcId="0" destId="2" srcOrd="1" destOrd="0"/>
-        <dgm:cxn modelId="7" srcId="0" destId="3" srcOrd="2" destOrd="0"/>
-        <dgm:cxn modelId="8" srcId="0" destId="4" srcOrd="3" destOrd="0"/>
-        <dgm:cxn modelId="13" srcId="1" destId="11" srcOrd="0" destOrd="0"/>
-        <dgm:cxn modelId="23" srcId="2" destId="21" srcOrd="0" destOrd="0"/>
-        <dgm:cxn modelId="33" srcId="3" destId="31" srcOrd="0" destOrd="0"/>
-        <dgm:cxn modelId="43" srcId="4" destId="41" srcOrd="0" destOrd="0"/>
-      </dgm:cxnLst>
-      <dgm:bg/>
-      <dgm:whole/>
-    </dgm:dataModel>
-  </dgm:clrData>
-  <dgm:layoutNode name="linearFlow">
-    <dgm:varLst>
-      <dgm:dir/>
-      <dgm:animLvl val="lvl"/>
-      <dgm:resizeHandles/>
-    </dgm:varLst>
-    <dgm:choose name="Name0">
-      <dgm:if name="Name1" func="var" arg="dir" op="equ" val="norm">
-        <dgm:alg type="lin">
-          <dgm:param type="linDir" val="fromL"/>
-          <dgm:param type="nodeVertAlign" val="t"/>
-        </dgm:alg>
-      </dgm:if>
-      <dgm:else name="Name2">
-        <dgm:alg type="lin">
-          <dgm:param type="linDir" val="fromR"/>
-          <dgm:param type="nodeVertAlign" val="t"/>
-        </dgm:alg>
-      </dgm:else>
-    </dgm:choose>
-    <dgm:shape xmlns:r="http://schemas.openxmlformats.org/officeDocument/2006/relationships" r:blip="">
-      <dgm:adjLst/>
-    </dgm:shape>
-    <dgm:presOf/>
-    <dgm:constrLst>
-      <dgm:constr type="w" for="ch" forName="compositeNode" refType="w"/>
-      <dgm:constr type="h" for="ch" forName="compositeNode" refType="h"/>
-      <dgm:constr type="w" for="ch" forName="sibTrans" refType="w" refFor="ch" refForName="compositeNode" op="equ" fact="0.2"/>
-      <dgm:constr type="h" for="des" forName="childNode" op="equ"/>
-      <dgm:constr type="w" for="des" forName="childNode" op="equ"/>
-      <dgm:constr type="w" for="des" forName="parentNode" op="equ"/>
-      <dgm:constr type="h" for="des" forName="image" op="equ"/>
-      <dgm:constr type="w" for="des" forName="image" op="equ"/>
-      <dgm:constr type="primFontSz" for="des" forName="parentNode" op="equ" val="65"/>
-      <dgm:constr type="primFontSz" for="des" forName="childNode" op="equ" val="65"/>
-    </dgm:constrLst>
-    <dgm:ruleLst/>
-    <dgm:forEach name="Name3" axis="ch" ptType="node">
-      <dgm:layoutNode name="compositeNode">
-        <dgm:varLst>
-          <dgm:bulletEnabled val="1"/>
-        </dgm:varLst>
-        <dgm:alg type="composite"/>
-        <dgm:presOf/>
-        <dgm:choose name="Name4">
-          <dgm:if name="Name5" func="var" arg="dir" op="equ" val="norm">
-            <dgm:constrLst>
-              <dgm:constr type="w" for="ch" forName="image" refType="w"/>
-              <dgm:constr type="h" for="ch" forName="image" refType="h"/>
-              <dgm:constr type="h" for="ch" forName="image" refType="w" refFor="ch" refForName="image" op="lte"/>
-              <dgm:constr type="w" for="ch" forName="image" refType="h" refFor="ch" refForName="image" op="lte"/>
-              <dgm:constr type="w" for="ch" forName="image" refType="w" op="lte" fact="0.33"/>
-              <dgm:constr type="h" for="ch" forName="image" refType="h" op="lte" fact="0.33"/>
-              <dgm:constr type="t" for="ch" forName="image"/>
-              <dgm:constr type="l" for="ch" forName="image"/>
-              <dgm:constr type="w" for="ch" forName="childNode" refType="w" fact="0.85"/>
-              <dgm:constr type="h" for="ch" forName="childNode" refType="h" fact="0.78"/>
-              <dgm:constr type="t" for="ch" forName="childNode" refType="h" refFor="ch" refForName="image" fact="0.66"/>
-              <dgm:constr type="l" for="ch" forName="childNode" refType="w" refFor="ch" refForName="image" fact="0.5"/>
-              <dgm:constr type="tMarg" for="ch" forName="childNode" refType="w" refFor="ch" refForName="image" fact="1.25"/>
-              <dgm:constr type="t" for="ch" forName="parentNode" refType="h" refFor="ch" refForName="image" fact="0.66"/>
-              <dgm:constr type="b" for="ch" forName="parentNode" refType="b" refFor="ch" refForName="childNode"/>
-              <dgm:constr type="l" for="ch" forName="parentNode"/>
-              <dgm:constr type="r" for="ch" forName="parentNode" refType="l" refFor="ch" refForName="childNode"/>
-              <dgm:constr type="rMarg" for="ch" forName="parentNode" refType="w" refFor="ch" refForName="image" fact="1.25"/>
-            </dgm:constrLst>
-          </dgm:if>
-          <dgm:else name="Name6">
-            <dgm:constrLst>
-              <dgm:constr type="w" for="ch" forName="image" refType="w"/>
-              <dgm:constr type="h" for="ch" forName="image" refType="h"/>
-              <dgm:constr type="h" for="ch" forName="image" refType="w" refFor="ch" refForName="image" op="lte"/>
-              <dgm:constr type="w" for="ch" forName="image" refType="h" refFor="ch" refForName="image" op="lte"/>
-              <dgm:constr type="w" for="ch" forName="image" refType="w" op="lte" fact="0.33"/>
-              <dgm:constr type="h" for="ch" forName="image" refType="h" op="lte" fact="0.33"/>
-              <dgm:constr type="t" for="ch" forName="image"/>
-              <dgm:constr type="r" for="ch" forName="image" refType="w"/>
-              <dgm:constr type="w" for="ch" forName="childNode" refType="w" fact="0.85"/>
-              <dgm:constr type="h" for="ch" forName="childNode" refType="h" fact="0.78"/>
-              <dgm:constr type="t" for="ch" forName="childNode" refType="h" refFor="ch" refForName="image" fact="0.66"/>
-              <dgm:constr type="r" for="ch" forName="childNode" refType="w"/>
-              <dgm:constr type="rOff" for="ch" forName="childNode" refType="w" refFor="ch" refForName="image" fact="-0.5"/>
-              <dgm:constr type="tMarg" for="ch" forName="childNode" refType="w" refFor="ch" refForName="image" fact="1.25"/>
-              <dgm:constr type="t" for="ch" forName="parentNode" refType="h" refFor="ch" refForName="image" fact="0.66"/>
-              <dgm:constr type="b" for="ch" forName="parentNode" refType="b" refFor="ch" refForName="childNode"/>
-              <dgm:constr type="r" for="ch" forName="parentNode" refType="w"/>
-              <dgm:constr type="l" for="ch" forName="parentNode" refType="r" refFor="ch" refForName="childNode"/>
-              <dgm:constr type="lOff" for="ch" forName="parentNode" refType="rOff" refFor="ch" refForName="childNode"/>
-              <dgm:constr type="lMarg" for="ch" forName="parentNode" refType="w" refFor="ch" refForName="image" fact="1.25"/>
-            </dgm:constrLst>
-          </dgm:else>
-        </dgm:choose>
-        <dgm:ruleLst>
-          <dgm:rule type="w" for="ch" forName="childNode" val="NaN" fact="0.4" max="NaN"/>
-          <dgm:rule type="h" for="ch" forName="childNode" val="NaN" fact="0.5" max="NaN"/>
-        </dgm:ruleLst>
-        <dgm:layoutNode name="image" styleLbl="fgImgPlace1">
-          <dgm:alg type="sp"/>
-          <dgm:shape xmlns:r="http://schemas.openxmlformats.org/officeDocument/2006/relationships" type="rect" r:blip="" zOrderOff="4" blipPhldr="1">
-            <dgm:adjLst/>
-          </dgm:shape>
-          <dgm:presOf/>
-          <dgm:constrLst/>
-          <dgm:ruleLst/>
-        </dgm:layoutNode>
-        <dgm:layoutNode name="childNode" styleLbl="node1">
-          <dgm:varLst>
-            <dgm:bulletEnabled val="1"/>
-          </dgm:varLst>
-          <dgm:alg type="tx">
-            <dgm:param type="stBulletLvl" val="1"/>
-          </dgm:alg>
-          <dgm:shape xmlns:r="http://schemas.openxmlformats.org/officeDocument/2006/relationships" type="rect" r:blip="" zOrderOff="2">
-            <dgm:adjLst/>
-          </dgm:shape>
-          <dgm:presOf axis="des" ptType="node"/>
-          <dgm:constrLst/>
-          <dgm:ruleLst>
-            <dgm:rule type="primFontSz" val="5" fact="NaN" max="NaN"/>
-          </dgm:ruleLst>
-        </dgm:layoutNode>
-        <dgm:layoutNode name="parentNode" styleLbl="revTx">
-          <dgm:varLst>
-            <dgm:chMax val="0"/>
-            <dgm:bulletEnabled val="1"/>
-          </dgm:varLst>
-          <dgm:choose name="Name7">
-            <dgm:if name="Name8" func="var" arg="dir" op="equ" val="norm">
-              <dgm:alg type="tx">
-                <dgm:param type="autoTxRot" val="grav"/>
-                <dgm:param type="txAnchorVert" val="t"/>
-                <dgm:param type="parTxLTRAlign" val="r"/>
-                <dgm:param type="parTxRTLAlign" val="r"/>
-              </dgm:alg>
-              <dgm:shape xmlns:r="http://schemas.openxmlformats.org/officeDocument/2006/relationships" rot="270" type="rect" r:blip="">
-                <dgm:adjLst/>
-              </dgm:shape>
-              <dgm:presOf axis="self"/>
-              <dgm:constrLst>
-                <dgm:constr type="lMarg"/>
-                <dgm:constr type="bMarg"/>
-                <dgm:constr type="tMarg"/>
-              </dgm:constrLst>
-            </dgm:if>
-            <dgm:else name="Name9">
-              <dgm:alg type="tx">
-                <dgm:param type="autoTxRot" val="grav"/>
-                <dgm:param type="parTxLTRAlign" val="l"/>
-                <dgm:param type="parTxRTLAlign" val="l"/>
-              </dgm:alg>
-              <dgm:shape xmlns:r="http://schemas.openxmlformats.org/officeDocument/2006/relationships" rot="90" type="rect" r:blip="">
-                <dgm:adjLst/>
-              </dgm:shape>
-              <dgm:presOf axis="self"/>
-              <dgm:constrLst>
-                <dgm:constr type="rMarg"/>
-                <dgm:constr type="bMarg"/>
-                <dgm:constr type="tMarg"/>
-              </dgm:constrLst>
-            </dgm:else>
-          </dgm:choose>
-          <dgm:ruleLst>
-            <dgm:rule type="primFontSz" val="5" fact="NaN" max="NaN"/>
-          </dgm:ruleLst>
-        </dgm:layoutNode>
-      </dgm:layoutNode>
-      <dgm:forEach name="Name10" axis="followSib" ptType="sibTrans" cnt="1">
-        <dgm:layoutNode name="sibTrans">
-          <dgm:alg type="sp"/>
-          <dgm:shape xmlns:r="http://schemas.openxmlformats.org/officeDocument/2006/relationships" r:blip="">
-            <dgm:adjLst/>
-          </dgm:shape>
-          <dgm:presOf axis="self"/>
-          <dgm:constrLst/>
-          <dgm:ruleLst/>
-        </dgm:layoutNode>
-      </dgm:forEach>
-    </dgm:forEach>
-  </dgm:layoutNode>
-</dgm:layoutDef>
-</file>
-
 <file path=ppt/diagrams/quickStyle1.xml><?xml version="1.0" encoding="utf-8"?>
 <dgm:styleDef xmlns:dgm="http://schemas.openxmlformats.org/drawingml/2006/diagram" xmlns:a="http://schemas.openxmlformats.org/drawingml/2006/main" uniqueId="urn:microsoft.com/office/officeart/2005/8/quickstyle/simple4">
   <dgm:title val=""/>
@@ -14779,1040 +13433,6 @@
 </file>
 
 <file path=ppt/diagrams/quickStyle3.xml><?xml version="1.0" encoding="utf-8"?>
-<dgm:styleDef xmlns:dgm="http://schemas.openxmlformats.org/drawingml/2006/diagram" xmlns:a="http://schemas.openxmlformats.org/drawingml/2006/main" uniqueId="urn:microsoft.com/office/officeart/2005/8/quickstyle/simple4">
-  <dgm:title val=""/>
-  <dgm:desc val=""/>
-  <dgm:catLst>
-    <dgm:cat type="simple" pri="10400"/>
-  </dgm:catLst>
-  <dgm:scene3d>
-    <a:camera prst="orthographicFront"/>
-    <a:lightRig rig="threePt" dir="t"/>
-  </dgm:scene3d>
-  <dgm:styleLbl name="node0">
-    <dgm:scene3d>
-      <a:camera prst="orthographicFront"/>
-      <a:lightRig rig="threePt" dir="t"/>
-    </dgm:scene3d>
-    <dgm:sp3d/>
-    <dgm:txPr/>
-    <dgm:style>
-      <a:lnRef idx="0">
-        <a:scrgbClr r="0" g="0" b="0"/>
-      </a:lnRef>
-      <a:fillRef idx="3">
-        <a:scrgbClr r="0" g="0" b="0"/>
-      </a:fillRef>
-      <a:effectRef idx="2">
-        <a:scrgbClr r="0" g="0" b="0"/>
-      </a:effectRef>
-      <a:fontRef idx="minor">
-        <a:schemeClr val="lt1"/>
-      </a:fontRef>
-    </dgm:style>
-  </dgm:styleLbl>
-  <dgm:styleLbl name="lnNode1">
-    <dgm:scene3d>
-      <a:camera prst="orthographicFront"/>
-      <a:lightRig rig="threePt" dir="t"/>
-    </dgm:scene3d>
-    <dgm:sp3d/>
-    <dgm:txPr/>
-    <dgm:style>
-      <a:lnRef idx="1">
-        <a:scrgbClr r="0" g="0" b="0"/>
-      </a:lnRef>
-      <a:fillRef idx="3">
-        <a:scrgbClr r="0" g="0" b="0"/>
-      </a:fillRef>
-      <a:effectRef idx="2">
-        <a:scrgbClr r="0" g="0" b="0"/>
-      </a:effectRef>
-      <a:fontRef idx="minor">
-        <a:schemeClr val="lt1"/>
-      </a:fontRef>
-    </dgm:style>
-  </dgm:styleLbl>
-  <dgm:styleLbl name="vennNode1">
-    <dgm:scene3d>
-      <a:camera prst="orthographicFront"/>
-      <a:lightRig rig="threePt" dir="t"/>
-    </dgm:scene3d>
-    <dgm:sp3d/>
-    <dgm:txPr/>
-    <dgm:style>
-      <a:lnRef idx="0">
-        <a:scrgbClr r="0" g="0" b="0"/>
-      </a:lnRef>
-      <a:fillRef idx="3">
-        <a:scrgbClr r="0" g="0" b="0"/>
-      </a:fillRef>
-      <a:effectRef idx="0">
-        <a:scrgbClr r="0" g="0" b="0"/>
-      </a:effectRef>
-      <a:fontRef idx="minor">
-        <a:schemeClr val="tx1"/>
-      </a:fontRef>
-    </dgm:style>
-  </dgm:styleLbl>
-  <dgm:styleLbl name="alignNode1">
-    <dgm:scene3d>
-      <a:camera prst="orthographicFront"/>
-      <a:lightRig rig="threePt" dir="t"/>
-    </dgm:scene3d>
-    <dgm:sp3d/>
-    <dgm:txPr/>
-    <dgm:style>
-      <a:lnRef idx="1">
-        <a:scrgbClr r="0" g="0" b="0"/>
-      </a:lnRef>
-      <a:fillRef idx="3">
-        <a:scrgbClr r="0" g="0" b="0"/>
-      </a:fillRef>
-      <a:effectRef idx="2">
-        <a:scrgbClr r="0" g="0" b="0"/>
-      </a:effectRef>
-      <a:fontRef idx="minor">
-        <a:schemeClr val="lt1"/>
-      </a:fontRef>
-    </dgm:style>
-  </dgm:styleLbl>
-  <dgm:styleLbl name="node1">
-    <dgm:scene3d>
-      <a:camera prst="orthographicFront"/>
-      <a:lightRig rig="threePt" dir="t"/>
-    </dgm:scene3d>
-    <dgm:sp3d/>
-    <dgm:txPr/>
-    <dgm:style>
-      <a:lnRef idx="0">
-        <a:scrgbClr r="0" g="0" b="0"/>
-      </a:lnRef>
-      <a:fillRef idx="3">
-        <a:scrgbClr r="0" g="0" b="0"/>
-      </a:fillRef>
-      <a:effectRef idx="2">
-        <a:scrgbClr r="0" g="0" b="0"/>
-      </a:effectRef>
-      <a:fontRef idx="minor">
-        <a:schemeClr val="lt1"/>
-      </a:fontRef>
-    </dgm:style>
-  </dgm:styleLbl>
-  <dgm:styleLbl name="node2">
-    <dgm:scene3d>
-      <a:camera prst="orthographicFront"/>
-      <a:lightRig rig="threePt" dir="t"/>
-    </dgm:scene3d>
-    <dgm:sp3d/>
-    <dgm:txPr/>
-    <dgm:style>
-      <a:lnRef idx="0">
-        <a:scrgbClr r="0" g="0" b="0"/>
-      </a:lnRef>
-      <a:fillRef idx="3">
-        <a:scrgbClr r="0" g="0" b="0"/>
-      </a:fillRef>
-      <a:effectRef idx="2">
-        <a:scrgbClr r="0" g="0" b="0"/>
-      </a:effectRef>
-      <a:fontRef idx="minor">
-        <a:schemeClr val="lt1"/>
-      </a:fontRef>
-    </dgm:style>
-  </dgm:styleLbl>
-  <dgm:styleLbl name="node3">
-    <dgm:scene3d>
-      <a:camera prst="orthographicFront"/>
-      <a:lightRig rig="threePt" dir="t"/>
-    </dgm:scene3d>
-    <dgm:sp3d/>
-    <dgm:txPr/>
-    <dgm:style>
-      <a:lnRef idx="0">
-        <a:scrgbClr r="0" g="0" b="0"/>
-      </a:lnRef>
-      <a:fillRef idx="3">
-        <a:scrgbClr r="0" g="0" b="0"/>
-      </a:fillRef>
-      <a:effectRef idx="2">
-        <a:scrgbClr r="0" g="0" b="0"/>
-      </a:effectRef>
-      <a:fontRef idx="minor">
-        <a:schemeClr val="lt1"/>
-      </a:fontRef>
-    </dgm:style>
-  </dgm:styleLbl>
-  <dgm:styleLbl name="node4">
-    <dgm:scene3d>
-      <a:camera prst="orthographicFront"/>
-      <a:lightRig rig="threePt" dir="t"/>
-    </dgm:scene3d>
-    <dgm:sp3d/>
-    <dgm:txPr/>
-    <dgm:style>
-      <a:lnRef idx="0">
-        <a:scrgbClr r="0" g="0" b="0"/>
-      </a:lnRef>
-      <a:fillRef idx="3">
-        <a:scrgbClr r="0" g="0" b="0"/>
-      </a:fillRef>
-      <a:effectRef idx="2">
-        <a:scrgbClr r="0" g="0" b="0"/>
-      </a:effectRef>
-      <a:fontRef idx="minor">
-        <a:schemeClr val="lt1"/>
-      </a:fontRef>
-    </dgm:style>
-  </dgm:styleLbl>
-  <dgm:styleLbl name="fgImgPlace1">
-    <dgm:scene3d>
-      <a:camera prst="orthographicFront"/>
-      <a:lightRig rig="threePt" dir="t"/>
-    </dgm:scene3d>
-    <dgm:sp3d/>
-    <dgm:txPr/>
-    <dgm:style>
-      <a:lnRef idx="0">
-        <a:scrgbClr r="0" g="0" b="0"/>
-      </a:lnRef>
-      <a:fillRef idx="1">
-        <a:scrgbClr r="0" g="0" b="0"/>
-      </a:fillRef>
-      <a:effectRef idx="2">
-        <a:scrgbClr r="0" g="0" b="0"/>
-      </a:effectRef>
-      <a:fontRef idx="minor"/>
-    </dgm:style>
-  </dgm:styleLbl>
-  <dgm:styleLbl name="alignImgPlace1">
-    <dgm:scene3d>
-      <a:camera prst="orthographicFront"/>
-      <a:lightRig rig="threePt" dir="t"/>
-    </dgm:scene3d>
-    <dgm:sp3d/>
-    <dgm:txPr/>
-    <dgm:style>
-      <a:lnRef idx="0">
-        <a:scrgbClr r="0" g="0" b="0"/>
-      </a:lnRef>
-      <a:fillRef idx="1">
-        <a:scrgbClr r="0" g="0" b="0"/>
-      </a:fillRef>
-      <a:effectRef idx="2">
-        <a:scrgbClr r="0" g="0" b="0"/>
-      </a:effectRef>
-      <a:fontRef idx="minor"/>
-    </dgm:style>
-  </dgm:styleLbl>
-  <dgm:styleLbl name="bgImgPlace1">
-    <dgm:scene3d>
-      <a:camera prst="orthographicFront"/>
-      <a:lightRig rig="threePt" dir="t"/>
-    </dgm:scene3d>
-    <dgm:sp3d/>
-    <dgm:txPr/>
-    <dgm:style>
-      <a:lnRef idx="0">
-        <a:scrgbClr r="0" g="0" b="0"/>
-      </a:lnRef>
-      <a:fillRef idx="1">
-        <a:scrgbClr r="0" g="0" b="0"/>
-      </a:fillRef>
-      <a:effectRef idx="2">
-        <a:scrgbClr r="0" g="0" b="0"/>
-      </a:effectRef>
-      <a:fontRef idx="minor"/>
-    </dgm:style>
-  </dgm:styleLbl>
-  <dgm:styleLbl name="sibTrans2D1">
-    <dgm:scene3d>
-      <a:camera prst="orthographicFront"/>
-      <a:lightRig rig="threePt" dir="t"/>
-    </dgm:scene3d>
-    <dgm:sp3d/>
-    <dgm:txPr/>
-    <dgm:style>
-      <a:lnRef idx="0">
-        <a:scrgbClr r="0" g="0" b="0"/>
-      </a:lnRef>
-      <a:fillRef idx="3">
-        <a:scrgbClr r="0" g="0" b="0"/>
-      </a:fillRef>
-      <a:effectRef idx="2">
-        <a:scrgbClr r="0" g="0" b="0"/>
-      </a:effectRef>
-      <a:fontRef idx="minor">
-        <a:schemeClr val="lt1"/>
-      </a:fontRef>
-    </dgm:style>
-  </dgm:styleLbl>
-  <dgm:styleLbl name="fgSibTrans2D1">
-    <dgm:scene3d>
-      <a:camera prst="orthographicFront"/>
-      <a:lightRig rig="threePt" dir="t"/>
-    </dgm:scene3d>
-    <dgm:sp3d/>
-    <dgm:txPr/>
-    <dgm:style>
-      <a:lnRef idx="0">
-        <a:scrgbClr r="0" g="0" b="0"/>
-      </a:lnRef>
-      <a:fillRef idx="3">
-        <a:scrgbClr r="0" g="0" b="0"/>
-      </a:fillRef>
-      <a:effectRef idx="2">
-        <a:scrgbClr r="0" g="0" b="0"/>
-      </a:effectRef>
-      <a:fontRef idx="minor">
-        <a:schemeClr val="lt1"/>
-      </a:fontRef>
-    </dgm:style>
-  </dgm:styleLbl>
-  <dgm:styleLbl name="bgSibTrans2D1">
-    <dgm:scene3d>
-      <a:camera prst="orthographicFront"/>
-      <a:lightRig rig="threePt" dir="t"/>
-    </dgm:scene3d>
-    <dgm:sp3d/>
-    <dgm:txPr/>
-    <dgm:style>
-      <a:lnRef idx="0">
-        <a:scrgbClr r="0" g="0" b="0"/>
-      </a:lnRef>
-      <a:fillRef idx="3">
-        <a:scrgbClr r="0" g="0" b="0"/>
-      </a:fillRef>
-      <a:effectRef idx="2">
-        <a:scrgbClr r="0" g="0" b="0"/>
-      </a:effectRef>
-      <a:fontRef idx="minor">
-        <a:schemeClr val="lt1"/>
-      </a:fontRef>
-    </dgm:style>
-  </dgm:styleLbl>
-  <dgm:styleLbl name="sibTrans1D1">
-    <dgm:scene3d>
-      <a:camera prst="orthographicFront"/>
-      <a:lightRig rig="threePt" dir="t"/>
-    </dgm:scene3d>
-    <dgm:sp3d/>
-    <dgm:txPr/>
-    <dgm:style>
-      <a:lnRef idx="1">
-        <a:scrgbClr r="0" g="0" b="0"/>
-      </a:lnRef>
-      <a:fillRef idx="0">
-        <a:scrgbClr r="0" g="0" b="0"/>
-      </a:fillRef>
-      <a:effectRef idx="0">
-        <a:scrgbClr r="0" g="0" b="0"/>
-      </a:effectRef>
-      <a:fontRef idx="minor"/>
-    </dgm:style>
-  </dgm:styleLbl>
-  <dgm:styleLbl name="callout">
-    <dgm:scene3d>
-      <a:camera prst="orthographicFront"/>
-      <a:lightRig rig="threePt" dir="t"/>
-    </dgm:scene3d>
-    <dgm:sp3d/>
-    <dgm:txPr/>
-    <dgm:style>
-      <a:lnRef idx="2">
-        <a:scrgbClr r="0" g="0" b="0"/>
-      </a:lnRef>
-      <a:fillRef idx="1">
-        <a:scrgbClr r="0" g="0" b="0"/>
-      </a:fillRef>
-      <a:effectRef idx="1">
-        <a:scrgbClr r="0" g="0" b="0"/>
-      </a:effectRef>
-      <a:fontRef idx="minor"/>
-    </dgm:style>
-  </dgm:styleLbl>
-  <dgm:styleLbl name="asst0">
-    <dgm:scene3d>
-      <a:camera prst="orthographicFront"/>
-      <a:lightRig rig="threePt" dir="t"/>
-    </dgm:scene3d>
-    <dgm:sp3d/>
-    <dgm:txPr/>
-    <dgm:style>
-      <a:lnRef idx="0">
-        <a:scrgbClr r="0" g="0" b="0"/>
-      </a:lnRef>
-      <a:fillRef idx="3">
-        <a:scrgbClr r="0" g="0" b="0"/>
-      </a:fillRef>
-      <a:effectRef idx="2">
-        <a:scrgbClr r="0" g="0" b="0"/>
-      </a:effectRef>
-      <a:fontRef idx="minor">
-        <a:schemeClr val="lt1"/>
-      </a:fontRef>
-    </dgm:style>
-  </dgm:styleLbl>
-  <dgm:styleLbl name="asst1">
-    <dgm:scene3d>
-      <a:camera prst="orthographicFront"/>
-      <a:lightRig rig="threePt" dir="t"/>
-    </dgm:scene3d>
-    <dgm:sp3d/>
-    <dgm:txPr/>
-    <dgm:style>
-      <a:lnRef idx="0">
-        <a:scrgbClr r="0" g="0" b="0"/>
-      </a:lnRef>
-      <a:fillRef idx="3">
-        <a:scrgbClr r="0" g="0" b="0"/>
-      </a:fillRef>
-      <a:effectRef idx="2">
-        <a:scrgbClr r="0" g="0" b="0"/>
-      </a:effectRef>
-      <a:fontRef idx="minor">
-        <a:schemeClr val="lt1"/>
-      </a:fontRef>
-    </dgm:style>
-  </dgm:styleLbl>
-  <dgm:styleLbl name="asst2">
-    <dgm:scene3d>
-      <a:camera prst="orthographicFront"/>
-      <a:lightRig rig="threePt" dir="t"/>
-    </dgm:scene3d>
-    <dgm:sp3d/>
-    <dgm:txPr/>
-    <dgm:style>
-      <a:lnRef idx="0">
-        <a:scrgbClr r="0" g="0" b="0"/>
-      </a:lnRef>
-      <a:fillRef idx="3">
-        <a:scrgbClr r="0" g="0" b="0"/>
-      </a:fillRef>
-      <a:effectRef idx="2">
-        <a:scrgbClr r="0" g="0" b="0"/>
-      </a:effectRef>
-      <a:fontRef idx="minor">
-        <a:schemeClr val="lt1"/>
-      </a:fontRef>
-    </dgm:style>
-  </dgm:styleLbl>
-  <dgm:styleLbl name="asst3">
-    <dgm:scene3d>
-      <a:camera prst="orthographicFront"/>
-      <a:lightRig rig="threePt" dir="t"/>
-    </dgm:scene3d>
-    <dgm:sp3d/>
-    <dgm:txPr/>
-    <dgm:style>
-      <a:lnRef idx="0">
-        <a:scrgbClr r="0" g="0" b="0"/>
-      </a:lnRef>
-      <a:fillRef idx="3">
-        <a:scrgbClr r="0" g="0" b="0"/>
-      </a:fillRef>
-      <a:effectRef idx="2">
-        <a:scrgbClr r="0" g="0" b="0"/>
-      </a:effectRef>
-      <a:fontRef idx="minor">
-        <a:schemeClr val="lt1"/>
-      </a:fontRef>
-    </dgm:style>
-  </dgm:styleLbl>
-  <dgm:styleLbl name="asst4">
-    <dgm:scene3d>
-      <a:camera prst="orthographicFront"/>
-      <a:lightRig rig="threePt" dir="t"/>
-    </dgm:scene3d>
-    <dgm:sp3d/>
-    <dgm:txPr/>
-    <dgm:style>
-      <a:lnRef idx="0">
-        <a:scrgbClr r="0" g="0" b="0"/>
-      </a:lnRef>
-      <a:fillRef idx="3">
-        <a:scrgbClr r="0" g="0" b="0"/>
-      </a:fillRef>
-      <a:effectRef idx="2">
-        <a:scrgbClr r="0" g="0" b="0"/>
-      </a:effectRef>
-      <a:fontRef idx="minor">
-        <a:schemeClr val="lt1"/>
-      </a:fontRef>
-    </dgm:style>
-  </dgm:styleLbl>
-  <dgm:styleLbl name="parChTrans2D1">
-    <dgm:scene3d>
-      <a:camera prst="orthographicFront"/>
-      <a:lightRig rig="threePt" dir="t"/>
-    </dgm:scene3d>
-    <dgm:sp3d/>
-    <dgm:txPr/>
-    <dgm:style>
-      <a:lnRef idx="0">
-        <a:scrgbClr r="0" g="0" b="0"/>
-      </a:lnRef>
-      <a:fillRef idx="3">
-        <a:scrgbClr r="0" g="0" b="0"/>
-      </a:fillRef>
-      <a:effectRef idx="2">
-        <a:scrgbClr r="0" g="0" b="0"/>
-      </a:effectRef>
-      <a:fontRef idx="minor">
-        <a:schemeClr val="lt1"/>
-      </a:fontRef>
-    </dgm:style>
-  </dgm:styleLbl>
-  <dgm:styleLbl name="parChTrans2D2">
-    <dgm:scene3d>
-      <a:camera prst="orthographicFront"/>
-      <a:lightRig rig="threePt" dir="t"/>
-    </dgm:scene3d>
-    <dgm:sp3d/>
-    <dgm:txPr/>
-    <dgm:style>
-      <a:lnRef idx="0">
-        <a:scrgbClr r="0" g="0" b="0"/>
-      </a:lnRef>
-      <a:fillRef idx="3">
-        <a:scrgbClr r="0" g="0" b="0"/>
-      </a:fillRef>
-      <a:effectRef idx="2">
-        <a:scrgbClr r="0" g="0" b="0"/>
-      </a:effectRef>
-      <a:fontRef idx="minor">
-        <a:schemeClr val="lt1"/>
-      </a:fontRef>
-    </dgm:style>
-  </dgm:styleLbl>
-  <dgm:styleLbl name="parChTrans2D3">
-    <dgm:scene3d>
-      <a:camera prst="orthographicFront"/>
-      <a:lightRig rig="threePt" dir="t"/>
-    </dgm:scene3d>
-    <dgm:sp3d/>
-    <dgm:txPr/>
-    <dgm:style>
-      <a:lnRef idx="1">
-        <a:scrgbClr r="0" g="0" b="0"/>
-      </a:lnRef>
-      <a:fillRef idx="3">
-        <a:scrgbClr r="0" g="0" b="0"/>
-      </a:fillRef>
-      <a:effectRef idx="2">
-        <a:scrgbClr r="0" g="0" b="0"/>
-      </a:effectRef>
-      <a:fontRef idx="minor">
-        <a:schemeClr val="lt1"/>
-      </a:fontRef>
-    </dgm:style>
-  </dgm:styleLbl>
-  <dgm:styleLbl name="parChTrans2D4">
-    <dgm:scene3d>
-      <a:camera prst="orthographicFront"/>
-      <a:lightRig rig="threePt" dir="t"/>
-    </dgm:scene3d>
-    <dgm:sp3d/>
-    <dgm:txPr/>
-    <dgm:style>
-      <a:lnRef idx="1">
-        <a:scrgbClr r="0" g="0" b="0"/>
-      </a:lnRef>
-      <a:fillRef idx="3">
-        <a:scrgbClr r="0" g="0" b="0"/>
-      </a:fillRef>
-      <a:effectRef idx="2">
-        <a:scrgbClr r="0" g="0" b="0"/>
-      </a:effectRef>
-      <a:fontRef idx="minor">
-        <a:schemeClr val="lt1"/>
-      </a:fontRef>
-    </dgm:style>
-  </dgm:styleLbl>
-  <dgm:styleLbl name="parChTrans1D1">
-    <dgm:scene3d>
-      <a:camera prst="orthographicFront"/>
-      <a:lightRig rig="threePt" dir="t"/>
-    </dgm:scene3d>
-    <dgm:sp3d/>
-    <dgm:txPr/>
-    <dgm:style>
-      <a:lnRef idx="1">
-        <a:scrgbClr r="0" g="0" b="0"/>
-      </a:lnRef>
-      <a:fillRef idx="0">
-        <a:scrgbClr r="0" g="0" b="0"/>
-      </a:fillRef>
-      <a:effectRef idx="0">
-        <a:scrgbClr r="0" g="0" b="0"/>
-      </a:effectRef>
-      <a:fontRef idx="minor"/>
-    </dgm:style>
-  </dgm:styleLbl>
-  <dgm:styleLbl name="parChTrans1D2">
-    <dgm:scene3d>
-      <a:camera prst="orthographicFront"/>
-      <a:lightRig rig="threePt" dir="t"/>
-    </dgm:scene3d>
-    <dgm:sp3d/>
-    <dgm:txPr/>
-    <dgm:style>
-      <a:lnRef idx="1">
-        <a:scrgbClr r="0" g="0" b="0"/>
-      </a:lnRef>
-      <a:fillRef idx="0">
-        <a:scrgbClr r="0" g="0" b="0"/>
-      </a:fillRef>
-      <a:effectRef idx="0">
-        <a:scrgbClr r="0" g="0" b="0"/>
-      </a:effectRef>
-      <a:fontRef idx="minor"/>
-    </dgm:style>
-  </dgm:styleLbl>
-  <dgm:styleLbl name="parChTrans1D3">
-    <dgm:scene3d>
-      <a:camera prst="orthographicFront"/>
-      <a:lightRig rig="threePt" dir="t"/>
-    </dgm:scene3d>
-    <dgm:sp3d/>
-    <dgm:txPr/>
-    <dgm:style>
-      <a:lnRef idx="1">
-        <a:scrgbClr r="0" g="0" b="0"/>
-      </a:lnRef>
-      <a:fillRef idx="0">
-        <a:scrgbClr r="0" g="0" b="0"/>
-      </a:fillRef>
-      <a:effectRef idx="0">
-        <a:scrgbClr r="0" g="0" b="0"/>
-      </a:effectRef>
-      <a:fontRef idx="minor"/>
-    </dgm:style>
-  </dgm:styleLbl>
-  <dgm:styleLbl name="parChTrans1D4">
-    <dgm:scene3d>
-      <a:camera prst="orthographicFront"/>
-      <a:lightRig rig="threePt" dir="t"/>
-    </dgm:scene3d>
-    <dgm:sp3d/>
-    <dgm:txPr/>
-    <dgm:style>
-      <a:lnRef idx="1">
-        <a:scrgbClr r="0" g="0" b="0"/>
-      </a:lnRef>
-      <a:fillRef idx="0">
-        <a:scrgbClr r="0" g="0" b="0"/>
-      </a:fillRef>
-      <a:effectRef idx="0">
-        <a:scrgbClr r="0" g="0" b="0"/>
-      </a:effectRef>
-      <a:fontRef idx="minor"/>
-    </dgm:style>
-  </dgm:styleLbl>
-  <dgm:styleLbl name="fgAcc1">
-    <dgm:scene3d>
-      <a:camera prst="orthographicFront"/>
-      <a:lightRig rig="threePt" dir="t"/>
-    </dgm:scene3d>
-    <dgm:sp3d/>
-    <dgm:txPr/>
-    <dgm:style>
-      <a:lnRef idx="1">
-        <a:scrgbClr r="0" g="0" b="0"/>
-      </a:lnRef>
-      <a:fillRef idx="1">
-        <a:scrgbClr r="0" g="0" b="0"/>
-      </a:fillRef>
-      <a:effectRef idx="0">
-        <a:scrgbClr r="0" g="0" b="0"/>
-      </a:effectRef>
-      <a:fontRef idx="minor"/>
-    </dgm:style>
-  </dgm:styleLbl>
-  <dgm:styleLbl name="conFgAcc1">
-    <dgm:scene3d>
-      <a:camera prst="orthographicFront"/>
-      <a:lightRig rig="threePt" dir="t"/>
-    </dgm:scene3d>
-    <dgm:sp3d/>
-    <dgm:txPr/>
-    <dgm:style>
-      <a:lnRef idx="1">
-        <a:scrgbClr r="0" g="0" b="0"/>
-      </a:lnRef>
-      <a:fillRef idx="1">
-        <a:scrgbClr r="0" g="0" b="0"/>
-      </a:fillRef>
-      <a:effectRef idx="0">
-        <a:scrgbClr r="0" g="0" b="0"/>
-      </a:effectRef>
-      <a:fontRef idx="minor"/>
-    </dgm:style>
-  </dgm:styleLbl>
-  <dgm:styleLbl name="alignAcc1">
-    <dgm:scene3d>
-      <a:camera prst="orthographicFront"/>
-      <a:lightRig rig="threePt" dir="t"/>
-    </dgm:scene3d>
-    <dgm:sp3d/>
-    <dgm:txPr/>
-    <dgm:style>
-      <a:lnRef idx="1">
-        <a:scrgbClr r="0" g="0" b="0"/>
-      </a:lnRef>
-      <a:fillRef idx="1">
-        <a:scrgbClr r="0" g="0" b="0"/>
-      </a:fillRef>
-      <a:effectRef idx="0">
-        <a:scrgbClr r="0" g="0" b="0"/>
-      </a:effectRef>
-      <a:fontRef idx="minor"/>
-    </dgm:style>
-  </dgm:styleLbl>
-  <dgm:styleLbl name="trAlignAcc1">
-    <dgm:scene3d>
-      <a:camera prst="orthographicFront"/>
-      <a:lightRig rig="threePt" dir="t"/>
-    </dgm:scene3d>
-    <dgm:sp3d/>
-    <dgm:txPr/>
-    <dgm:style>
-      <a:lnRef idx="1">
-        <a:scrgbClr r="0" g="0" b="0"/>
-      </a:lnRef>
-      <a:fillRef idx="1">
-        <a:scrgbClr r="0" g="0" b="0"/>
-      </a:fillRef>
-      <a:effectRef idx="0">
-        <a:scrgbClr r="0" g="0" b="0"/>
-      </a:effectRef>
-      <a:fontRef idx="minor"/>
-    </dgm:style>
-  </dgm:styleLbl>
-  <dgm:styleLbl name="bgAcc1">
-    <dgm:scene3d>
-      <a:camera prst="orthographicFront"/>
-      <a:lightRig rig="threePt" dir="t"/>
-    </dgm:scene3d>
-    <dgm:sp3d/>
-    <dgm:txPr/>
-    <dgm:style>
-      <a:lnRef idx="1">
-        <a:scrgbClr r="0" g="0" b="0"/>
-      </a:lnRef>
-      <a:fillRef idx="1">
-        <a:scrgbClr r="0" g="0" b="0"/>
-      </a:fillRef>
-      <a:effectRef idx="0">
-        <a:scrgbClr r="0" g="0" b="0"/>
-      </a:effectRef>
-      <a:fontRef idx="minor"/>
-    </dgm:style>
-  </dgm:styleLbl>
-  <dgm:styleLbl name="solidFgAcc1">
-    <dgm:scene3d>
-      <a:camera prst="orthographicFront"/>
-      <a:lightRig rig="threePt" dir="t"/>
-    </dgm:scene3d>
-    <dgm:sp3d/>
-    <dgm:txPr/>
-    <dgm:style>
-      <a:lnRef idx="1">
-        <a:scrgbClr r="0" g="0" b="0"/>
-      </a:lnRef>
-      <a:fillRef idx="1">
-        <a:scrgbClr r="0" g="0" b="0"/>
-      </a:fillRef>
-      <a:effectRef idx="0">
-        <a:scrgbClr r="0" g="0" b="0"/>
-      </a:effectRef>
-      <a:fontRef idx="minor"/>
-    </dgm:style>
-  </dgm:styleLbl>
-  <dgm:styleLbl name="solidAlignAcc1">
-    <dgm:scene3d>
-      <a:camera prst="orthographicFront"/>
-      <a:lightRig rig="threePt" dir="t"/>
-    </dgm:scene3d>
-    <dgm:sp3d/>
-    <dgm:txPr/>
-    <dgm:style>
-      <a:lnRef idx="1">
-        <a:scrgbClr r="0" g="0" b="0"/>
-      </a:lnRef>
-      <a:fillRef idx="1">
-        <a:scrgbClr r="0" g="0" b="0"/>
-      </a:fillRef>
-      <a:effectRef idx="0">
-        <a:scrgbClr r="0" g="0" b="0"/>
-      </a:effectRef>
-      <a:fontRef idx="minor"/>
-    </dgm:style>
-  </dgm:styleLbl>
-  <dgm:styleLbl name="solidBgAcc1">
-    <dgm:scene3d>
-      <a:camera prst="orthographicFront"/>
-      <a:lightRig rig="threePt" dir="t"/>
-    </dgm:scene3d>
-    <dgm:sp3d/>
-    <dgm:txPr/>
-    <dgm:style>
-      <a:lnRef idx="1">
-        <a:scrgbClr r="0" g="0" b="0"/>
-      </a:lnRef>
-      <a:fillRef idx="1">
-        <a:scrgbClr r="0" g="0" b="0"/>
-      </a:fillRef>
-      <a:effectRef idx="0">
-        <a:scrgbClr r="0" g="0" b="0"/>
-      </a:effectRef>
-      <a:fontRef idx="minor"/>
-    </dgm:style>
-  </dgm:styleLbl>
-  <dgm:styleLbl name="fgAccFollowNode1">
-    <dgm:scene3d>
-      <a:camera prst="orthographicFront"/>
-      <a:lightRig rig="threePt" dir="t"/>
-    </dgm:scene3d>
-    <dgm:sp3d/>
-    <dgm:txPr/>
-    <dgm:style>
-      <a:lnRef idx="1">
-        <a:scrgbClr r="0" g="0" b="0"/>
-      </a:lnRef>
-      <a:fillRef idx="1">
-        <a:scrgbClr r="0" g="0" b="0"/>
-      </a:fillRef>
-      <a:effectRef idx="0">
-        <a:scrgbClr r="0" g="0" b="0"/>
-      </a:effectRef>
-      <a:fontRef idx="minor"/>
-    </dgm:style>
-  </dgm:styleLbl>
-  <dgm:styleLbl name="alignAccFollowNode1">
-    <dgm:scene3d>
-      <a:camera prst="orthographicFront"/>
-      <a:lightRig rig="threePt" dir="t"/>
-    </dgm:scene3d>
-    <dgm:sp3d/>
-    <dgm:txPr/>
-    <dgm:style>
-      <a:lnRef idx="1">
-        <a:scrgbClr r="0" g="0" b="0"/>
-      </a:lnRef>
-      <a:fillRef idx="1">
-        <a:scrgbClr r="0" g="0" b="0"/>
-      </a:fillRef>
-      <a:effectRef idx="0">
-        <a:scrgbClr r="0" g="0" b="0"/>
-      </a:effectRef>
-      <a:fontRef idx="minor"/>
-    </dgm:style>
-  </dgm:styleLbl>
-  <dgm:styleLbl name="bgAccFollowNode1">
-    <dgm:scene3d>
-      <a:camera prst="orthographicFront"/>
-      <a:lightRig rig="threePt" dir="t"/>
-    </dgm:scene3d>
-    <dgm:sp3d/>
-    <dgm:txPr/>
-    <dgm:style>
-      <a:lnRef idx="1">
-        <a:scrgbClr r="0" g="0" b="0"/>
-      </a:lnRef>
-      <a:fillRef idx="1">
-        <a:scrgbClr r="0" g="0" b="0"/>
-      </a:fillRef>
-      <a:effectRef idx="0">
-        <a:scrgbClr r="0" g="0" b="0"/>
-      </a:effectRef>
-      <a:fontRef idx="minor"/>
-    </dgm:style>
-  </dgm:styleLbl>
-  <dgm:styleLbl name="fgAcc0">
-    <dgm:scene3d>
-      <a:camera prst="orthographicFront"/>
-      <a:lightRig rig="threePt" dir="t"/>
-    </dgm:scene3d>
-    <dgm:sp3d/>
-    <dgm:txPr/>
-    <dgm:style>
-      <a:lnRef idx="1">
-        <a:scrgbClr r="0" g="0" b="0"/>
-      </a:lnRef>
-      <a:fillRef idx="1">
-        <a:scrgbClr r="0" g="0" b="0"/>
-      </a:fillRef>
-      <a:effectRef idx="0">
-        <a:scrgbClr r="0" g="0" b="0"/>
-      </a:effectRef>
-      <a:fontRef idx="minor"/>
-    </dgm:style>
-  </dgm:styleLbl>
-  <dgm:styleLbl name="fgAcc2">
-    <dgm:scene3d>
-      <a:camera prst="orthographicFront"/>
-      <a:lightRig rig="threePt" dir="t"/>
-    </dgm:scene3d>
-    <dgm:sp3d/>
-    <dgm:txPr/>
-    <dgm:style>
-      <a:lnRef idx="1">
-        <a:scrgbClr r="0" g="0" b="0"/>
-      </a:lnRef>
-      <a:fillRef idx="1">
-        <a:scrgbClr r="0" g="0" b="0"/>
-      </a:fillRef>
-      <a:effectRef idx="0">
-        <a:scrgbClr r="0" g="0" b="0"/>
-      </a:effectRef>
-      <a:fontRef idx="minor"/>
-    </dgm:style>
-  </dgm:styleLbl>
-  <dgm:styleLbl name="fgAcc3">
-    <dgm:scene3d>
-      <a:camera prst="orthographicFront"/>
-      <a:lightRig rig="threePt" dir="t"/>
-    </dgm:scene3d>
-    <dgm:sp3d/>
-    <dgm:txPr/>
-    <dgm:style>
-      <a:lnRef idx="1">
-        <a:scrgbClr r="0" g="0" b="0"/>
-      </a:lnRef>
-      <a:fillRef idx="1">
-        <a:scrgbClr r="0" g="0" b="0"/>
-      </a:fillRef>
-      <a:effectRef idx="0">
-        <a:scrgbClr r="0" g="0" b="0"/>
-      </a:effectRef>
-      <a:fontRef idx="minor"/>
-    </dgm:style>
-  </dgm:styleLbl>
-  <dgm:styleLbl name="fgAcc4">
-    <dgm:scene3d>
-      <a:camera prst="orthographicFront"/>
-      <a:lightRig rig="threePt" dir="t"/>
-    </dgm:scene3d>
-    <dgm:sp3d/>
-    <dgm:txPr/>
-    <dgm:style>
-      <a:lnRef idx="1">
-        <a:scrgbClr r="0" g="0" b="0"/>
-      </a:lnRef>
-      <a:fillRef idx="1">
-        <a:scrgbClr r="0" g="0" b="0"/>
-      </a:fillRef>
-      <a:effectRef idx="0">
-        <a:scrgbClr r="0" g="0" b="0"/>
-      </a:effectRef>
-      <a:fontRef idx="minor"/>
-    </dgm:style>
-  </dgm:styleLbl>
-  <dgm:styleLbl name="bgShp">
-    <dgm:scene3d>
-      <a:camera prst="orthographicFront"/>
-      <a:lightRig rig="threePt" dir="t"/>
-    </dgm:scene3d>
-    <dgm:sp3d/>
-    <dgm:txPr/>
-    <dgm:style>
-      <a:lnRef idx="0">
-        <a:scrgbClr r="0" g="0" b="0"/>
-      </a:lnRef>
-      <a:fillRef idx="1">
-        <a:scrgbClr r="0" g="0" b="0"/>
-      </a:fillRef>
-      <a:effectRef idx="2">
-        <a:scrgbClr r="0" g="0" b="0"/>
-      </a:effectRef>
-      <a:fontRef idx="minor"/>
-    </dgm:style>
-  </dgm:styleLbl>
-  <dgm:styleLbl name="dkBgShp">
-    <dgm:scene3d>
-      <a:camera prst="orthographicFront"/>
-      <a:lightRig rig="threePt" dir="t"/>
-    </dgm:scene3d>
-    <dgm:sp3d/>
-    <dgm:txPr/>
-    <dgm:style>
-      <a:lnRef idx="0">
-        <a:scrgbClr r="0" g="0" b="0"/>
-      </a:lnRef>
-      <a:fillRef idx="1">
-        <a:scrgbClr r="0" g="0" b="0"/>
-      </a:fillRef>
-      <a:effectRef idx="2">
-        <a:scrgbClr r="0" g="0" b="0"/>
-      </a:effectRef>
-      <a:fontRef idx="minor"/>
-    </dgm:style>
-  </dgm:styleLbl>
-  <dgm:styleLbl name="trBgShp">
-    <dgm:scene3d>
-      <a:camera prst="orthographicFront"/>
-      <a:lightRig rig="threePt" dir="t"/>
-    </dgm:scene3d>
-    <dgm:sp3d/>
-    <dgm:txPr/>
-    <dgm:style>
-      <a:lnRef idx="0">
-        <a:scrgbClr r="0" g="0" b="0"/>
-      </a:lnRef>
-      <a:fillRef idx="1">
-        <a:scrgbClr r="0" g="0" b="0"/>
-      </a:fillRef>
-      <a:effectRef idx="0">
-        <a:scrgbClr r="0" g="0" b="0"/>
-      </a:effectRef>
-      <a:fontRef idx="minor"/>
-    </dgm:style>
-  </dgm:styleLbl>
-  <dgm:styleLbl name="fgShp">
-    <dgm:scene3d>
-      <a:camera prst="orthographicFront"/>
-      <a:lightRig rig="threePt" dir="t"/>
-    </dgm:scene3d>
-    <dgm:sp3d/>
-    <dgm:txPr/>
-    <dgm:style>
-      <a:lnRef idx="0">
-        <a:scrgbClr r="0" g="0" b="0"/>
-      </a:lnRef>
-      <a:fillRef idx="3">
-        <a:scrgbClr r="0" g="0" b="0"/>
-      </a:fillRef>
-      <a:effectRef idx="2">
-        <a:scrgbClr r="0" g="0" b="0"/>
-      </a:effectRef>
-      <a:fontRef idx="minor"/>
-    </dgm:style>
-  </dgm:styleLbl>
-  <dgm:styleLbl name="revTx">
-    <dgm:scene3d>
-      <a:camera prst="orthographicFront"/>
-      <a:lightRig rig="threePt" dir="t"/>
-    </dgm:scene3d>
-    <dgm:sp3d/>
-    <dgm:txPr/>
-    <dgm:style>
-      <a:lnRef idx="0">
-        <a:scrgbClr r="0" g="0" b="0"/>
-      </a:lnRef>
-      <a:fillRef idx="0">
-        <a:scrgbClr r="0" g="0" b="0"/>
-      </a:fillRef>
-      <a:effectRef idx="0">
-        <a:scrgbClr r="0" g="0" b="0"/>
-      </a:effectRef>
-      <a:fontRef idx="minor"/>
-    </dgm:style>
-  </dgm:styleLbl>
-</dgm:styleDef>
-</file>
-
-<file path=ppt/diagrams/quickStyle4.xml><?xml version="1.0" encoding="utf-8"?>
 <dgm:styleDef xmlns:dgm="http://schemas.openxmlformats.org/drawingml/2006/diagram" xmlns:a="http://schemas.openxmlformats.org/drawingml/2006/main" uniqueId="urn:microsoft.com/office/officeart/2005/8/quickstyle/simple4">
   <dgm:title val=""/>
   <dgm:desc val=""/>
@@ -16929,7 +14549,7 @@
             <a:fld id="{C4912EAB-2DF2-4EA7-9A3C-081666E7F61D}" type="datetimeFigureOut">
               <a:rPr lang="es-AR" smtClean="0"/>
               <a:pPr/>
-              <a:t>14/09/2010</a:t>
+              <a:t>19/09/2010</a:t>
             </a:fld>
             <a:endParaRPr lang="es-AR"/>
           </a:p>
@@ -16996,7 +14616,7 @@
             <a:fld id="{9ADE3BB1-B49E-46C8-BFCA-3634BCA36589}" type="slidenum">
               <a:rPr lang="es-AR" smtClean="0"/>
               <a:pPr/>
-              <a:t>‹#›</a:t>
+              <a:t>‹Nº›</a:t>
             </a:fld>
             <a:endParaRPr lang="es-AR"/>
           </a:p>
@@ -17005,7 +14625,7 @@
     </p:spTree>
     <p:extLst>
       <p:ext uri="{BB962C8B-B14F-4D97-AF65-F5344CB8AC3E}">
-        <p14:creationId xmlns:p14="http://schemas.microsoft.com/office/powerpoint/2010/main" val="3294761821"/>
+        <p14:creationId xmlns="" xmlns:p14="http://schemas.microsoft.com/office/powerpoint/2010/main" val="3294761821"/>
       </p:ext>
     </p:extLst>
   </p:cSld>
@@ -17096,7 +14716,7 @@
             <a:fld id="{320C0146-0920-4890-94B5-4EE8DB66AAB2}" type="datetimeFigureOut">
               <a:rPr lang="es-AR" smtClean="0"/>
               <a:pPr/>
-              <a:t>14/09/2010</a:t>
+              <a:t>19/09/2010</a:t>
             </a:fld>
             <a:endParaRPr lang="es-AR"/>
           </a:p>
@@ -17258,7 +14878,7 @@
             <a:fld id="{EA0D9E51-E836-4F08-8FFF-406AF79182CA}" type="slidenum">
               <a:rPr lang="es-AR" smtClean="0"/>
               <a:pPr/>
-              <a:t>‹#›</a:t>
+              <a:t>‹Nº›</a:t>
             </a:fld>
             <a:endParaRPr lang="es-AR"/>
           </a:p>
@@ -17267,7 +14887,7 @@
     </p:spTree>
     <p:extLst>
       <p:ext uri="{BB962C8B-B14F-4D97-AF65-F5344CB8AC3E}">
-        <p14:creationId xmlns:p14="http://schemas.microsoft.com/office/powerpoint/2010/main" val="1945679475"/>
+        <p14:creationId xmlns="" xmlns:p14="http://schemas.microsoft.com/office/powerpoint/2010/main" val="1945679475"/>
       </p:ext>
     </p:extLst>
   </p:cSld>
@@ -17440,19 +15060,11 @@
           <a:p>
             <a:r>
               <a:rPr lang="es-AR" dirty="0" smtClean="0"/>
-              <a:t>56.000 </a:t>
-            </a:r>
-            <a:r>
-              <a:rPr lang="es-AR" dirty="0" smtClean="0"/>
-              <a:t>simulaciones a 2min por simulación (manera manual) llevaría:</a:t>
+              <a:t>56.000 simulaciones a 2min por simulación (manera manual) llevaría:</a:t>
             </a:r>
             <a:r>
               <a:rPr lang="es-AR" baseline="0" dirty="0" smtClean="0"/>
-              <a:t> 1.866 horas o lo que es igual 77 </a:t>
-            </a:r>
-            <a:r>
-              <a:rPr lang="es-AR" baseline="0" dirty="0" smtClean="0"/>
-              <a:t>días.</a:t>
+              <a:t> 1.866 horas o lo que es igual 77 días.</a:t>
             </a:r>
           </a:p>
           <a:p>
@@ -17929,7 +15541,7 @@
     </p:spTree>
     <p:extLst>
       <p:ext uri="{BB962C8B-B14F-4D97-AF65-F5344CB8AC3E}">
-        <p14:creationId xmlns:p14="http://schemas.microsoft.com/office/powerpoint/2010/main" val="2658594802"/>
+        <p14:creationId xmlns="" xmlns:p14="http://schemas.microsoft.com/office/powerpoint/2010/main" val="2658594802"/>
       </p:ext>
     </p:extLst>
   </p:cSld>
@@ -18015,15 +15627,7 @@
                   <a:srgbClr val="FF0000"/>
                 </a:solidFill>
               </a:rPr>
-              <a:t> de que se achique hasta la esquina </a:t>
-            </a:r>
-            <a:r>
-              <a:rPr lang="es-AR" dirty="0" smtClean="0">
-                <a:solidFill>
-                  <a:srgbClr val="FF0000"/>
-                </a:solidFill>
-              </a:rPr>
-              <a:t>superior</a:t>
+              <a:t> de que se achique hasta la esquina superior</a:t>
             </a:r>
           </a:p>
           <a:p>
@@ -19031,7 +16635,7 @@
     </p:spTree>
     <p:extLst>
       <p:ext uri="{BB962C8B-B14F-4D97-AF65-F5344CB8AC3E}">
-        <p14:creationId xmlns:p14="http://schemas.microsoft.com/office/powerpoint/2010/main" val="3659133002"/>
+        <p14:creationId xmlns="" xmlns:p14="http://schemas.microsoft.com/office/powerpoint/2010/main" val="3659133002"/>
       </p:ext>
     </p:extLst>
   </p:cSld>
@@ -19232,7 +16836,7 @@
     </p:spTree>
     <p:extLst>
       <p:ext uri="{BB962C8B-B14F-4D97-AF65-F5344CB8AC3E}">
-        <p14:creationId xmlns:p14="http://schemas.microsoft.com/office/powerpoint/2010/main" val="3581056282"/>
+        <p14:creationId xmlns="" xmlns:p14="http://schemas.microsoft.com/office/powerpoint/2010/main" val="3581056282"/>
       </p:ext>
     </p:extLst>
   </p:cSld>
@@ -19411,7 +17015,7 @@
     </p:spTree>
     <p:extLst>
       <p:ext uri="{BB962C8B-B14F-4D97-AF65-F5344CB8AC3E}">
-        <p14:creationId xmlns:p14="http://schemas.microsoft.com/office/powerpoint/2010/main" val="2747274751"/>
+        <p14:creationId xmlns="" xmlns:p14="http://schemas.microsoft.com/office/powerpoint/2010/main" val="2747274751"/>
       </p:ext>
     </p:extLst>
   </p:cSld>
@@ -19913,7 +17517,7 @@
             <a:fld id="{7396B977-6251-41DE-9CF2-59811A3624F8}" type="datetimeFigureOut">
               <a:rPr lang="es-AR" smtClean="0"/>
               <a:pPr/>
-              <a:t>14/09/2010</a:t>
+              <a:t>19/09/2010</a:t>
             </a:fld>
             <a:endParaRPr lang="es-AR"/>
           </a:p>
@@ -19956,7 +17560,7 @@
             <a:fld id="{BE15CF76-26FC-489E-B8C7-B48500CB86A3}" type="slidenum">
               <a:rPr lang="es-AR" smtClean="0"/>
               <a:pPr/>
-              <a:t>‹#›</a:t>
+              <a:t>‹Nº›</a:t>
             </a:fld>
             <a:endParaRPr lang="es-AR"/>
           </a:p>
@@ -20138,7 +17742,7 @@
             <a:fld id="{7396B977-6251-41DE-9CF2-59811A3624F8}" type="datetimeFigureOut">
               <a:rPr lang="es-AR" smtClean="0"/>
               <a:pPr/>
-              <a:t>14/09/2010</a:t>
+              <a:t>19/09/2010</a:t>
             </a:fld>
             <a:endParaRPr lang="es-AR"/>
           </a:p>
@@ -20181,7 +17785,7 @@
             <a:fld id="{BE15CF76-26FC-489E-B8C7-B48500CB86A3}" type="slidenum">
               <a:rPr lang="es-AR" smtClean="0"/>
               <a:pPr/>
-              <a:t>‹#›</a:t>
+              <a:t>‹Nº›</a:t>
             </a:fld>
             <a:endParaRPr lang="es-AR"/>
           </a:p>
@@ -20420,7 +18024,7 @@
             <a:fld id="{7396B977-6251-41DE-9CF2-59811A3624F8}" type="datetimeFigureOut">
               <a:rPr lang="es-AR" smtClean="0"/>
               <a:pPr/>
-              <a:t>14/09/2010</a:t>
+              <a:t>19/09/2010</a:t>
             </a:fld>
             <a:endParaRPr lang="es-AR"/>
           </a:p>
@@ -20468,7 +18072,7 @@
             <a:fld id="{BE15CF76-26FC-489E-B8C7-B48500CB86A3}" type="slidenum">
               <a:rPr lang="es-AR" smtClean="0"/>
               <a:pPr/>
-              <a:t>‹#›</a:t>
+              <a:t>‹Nº›</a:t>
             </a:fld>
             <a:endParaRPr lang="es-AR"/>
           </a:p>
@@ -20720,7 +18324,7 @@
             <a:fld id="{7396B977-6251-41DE-9CF2-59811A3624F8}" type="datetimeFigureOut">
               <a:rPr lang="es-AR" smtClean="0"/>
               <a:pPr/>
-              <a:t>14/09/2010</a:t>
+              <a:t>19/09/2010</a:t>
             </a:fld>
             <a:endParaRPr lang="es-AR"/>
           </a:p>
@@ -20773,7 +18377,7 @@
             <a:fld id="{BE15CF76-26FC-489E-B8C7-B48500CB86A3}" type="slidenum">
               <a:rPr lang="es-AR" smtClean="0"/>
               <a:pPr/>
-              <a:t>‹#›</a:t>
+              <a:t>‹Nº›</a:t>
             </a:fld>
             <a:endParaRPr lang="es-AR"/>
           </a:p>
@@ -21195,7 +18799,7 @@
             <a:fld id="{7396B977-6251-41DE-9CF2-59811A3624F8}" type="datetimeFigureOut">
               <a:rPr lang="es-AR" smtClean="0"/>
               <a:pPr/>
-              <a:t>14/09/2010</a:t>
+              <a:t>19/09/2010</a:t>
             </a:fld>
             <a:endParaRPr lang="es-AR"/>
           </a:p>
@@ -21248,7 +18852,7 @@
             <a:fld id="{BE15CF76-26FC-489E-B8C7-B48500CB86A3}" type="slidenum">
               <a:rPr lang="es-AR" smtClean="0"/>
               <a:pPr/>
-              <a:t>‹#›</a:t>
+              <a:t>‹Nº›</a:t>
             </a:fld>
             <a:endParaRPr lang="es-AR"/>
           </a:p>
@@ -21585,7 +19189,7 @@
             <a:fld id="{7396B977-6251-41DE-9CF2-59811A3624F8}" type="datetimeFigureOut">
               <a:rPr lang="es-AR" smtClean="0"/>
               <a:pPr/>
-              <a:t>14/09/2010</a:t>
+              <a:t>19/09/2010</a:t>
             </a:fld>
             <a:endParaRPr lang="es-AR"/>
           </a:p>
@@ -21638,7 +19242,7 @@
             <a:fld id="{BE15CF76-26FC-489E-B8C7-B48500CB86A3}" type="slidenum">
               <a:rPr lang="es-AR" smtClean="0"/>
               <a:pPr/>
-              <a:t>‹#›</a:t>
+              <a:t>‹Nº›</a:t>
             </a:fld>
             <a:endParaRPr lang="es-AR"/>
           </a:p>
@@ -21975,7 +19579,7 @@
             <a:fld id="{7396B977-6251-41DE-9CF2-59811A3624F8}" type="datetimeFigureOut">
               <a:rPr lang="es-AR" smtClean="0"/>
               <a:pPr/>
-              <a:t>14/09/2010</a:t>
+              <a:t>19/09/2010</a:t>
             </a:fld>
             <a:endParaRPr lang="es-AR"/>
           </a:p>
@@ -22028,7 +19632,7 @@
             <a:fld id="{BE15CF76-26FC-489E-B8C7-B48500CB86A3}" type="slidenum">
               <a:rPr lang="es-AR" smtClean="0"/>
               <a:pPr/>
-              <a:t>‹#›</a:t>
+              <a:t>‹Nº›</a:t>
             </a:fld>
             <a:endParaRPr lang="es-AR"/>
           </a:p>
@@ -22450,7 +20054,7 @@
             <a:fld id="{7396B977-6251-41DE-9CF2-59811A3624F8}" type="datetimeFigureOut">
               <a:rPr lang="es-AR" smtClean="0"/>
               <a:pPr/>
-              <a:t>14/09/2010</a:t>
+              <a:t>19/09/2010</a:t>
             </a:fld>
             <a:endParaRPr lang="es-AR"/>
           </a:p>
@@ -22503,7 +20107,7 @@
             <a:fld id="{BE15CF76-26FC-489E-B8C7-B48500CB86A3}" type="slidenum">
               <a:rPr lang="es-AR" smtClean="0"/>
               <a:pPr/>
-              <a:t>‹#›</a:t>
+              <a:t>‹Nº›</a:t>
             </a:fld>
             <a:endParaRPr lang="es-AR"/>
           </a:p>
@@ -22755,7 +20359,7 @@
             <a:fld id="{7396B977-6251-41DE-9CF2-59811A3624F8}" type="datetimeFigureOut">
               <a:rPr lang="es-AR" smtClean="0"/>
               <a:pPr/>
-              <a:t>14/09/2010</a:t>
+              <a:t>19/09/2010</a:t>
             </a:fld>
             <a:endParaRPr lang="es-AR"/>
           </a:p>
@@ -22808,7 +20412,7 @@
             <a:fld id="{BE15CF76-26FC-489E-B8C7-B48500CB86A3}" type="slidenum">
               <a:rPr lang="es-AR" smtClean="0"/>
               <a:pPr/>
-              <a:t>‹#›</a:t>
+              <a:t>‹Nº›</a:t>
             </a:fld>
             <a:endParaRPr lang="es-AR"/>
           </a:p>
@@ -23060,7 +20664,7 @@
             <a:fld id="{7396B977-6251-41DE-9CF2-59811A3624F8}" type="datetimeFigureOut">
               <a:rPr lang="es-AR" smtClean="0"/>
               <a:pPr/>
-              <a:t>14/09/2010</a:t>
+              <a:t>19/09/2010</a:t>
             </a:fld>
             <a:endParaRPr lang="es-AR"/>
           </a:p>
@@ -23113,7 +20717,7 @@
             <a:fld id="{BE15CF76-26FC-489E-B8C7-B48500CB86A3}" type="slidenum">
               <a:rPr lang="es-AR" smtClean="0"/>
               <a:pPr/>
-              <a:t>‹#›</a:t>
+              <a:t>‹Nº›</a:t>
             </a:fld>
             <a:endParaRPr lang="es-AR"/>
           </a:p>
@@ -23416,7 +21020,7 @@
             <a:fld id="{7396B977-6251-41DE-9CF2-59811A3624F8}" type="datetimeFigureOut">
               <a:rPr lang="es-AR" smtClean="0"/>
               <a:pPr/>
-              <a:t>14/09/2010</a:t>
+              <a:t>19/09/2010</a:t>
             </a:fld>
             <a:endParaRPr lang="es-AR"/>
           </a:p>
@@ -23459,7 +21063,7 @@
             <a:fld id="{BE15CF76-26FC-489E-B8C7-B48500CB86A3}" type="slidenum">
               <a:rPr lang="es-AR" smtClean="0"/>
               <a:pPr/>
-              <a:t>‹#›</a:t>
+              <a:t>‹Nº›</a:t>
             </a:fld>
             <a:endParaRPr lang="es-AR"/>
           </a:p>
@@ -23776,7 +21380,7 @@
             <a:fld id="{7396B977-6251-41DE-9CF2-59811A3624F8}" type="datetimeFigureOut">
               <a:rPr lang="es-AR" smtClean="0"/>
               <a:pPr/>
-              <a:t>14/09/2010</a:t>
+              <a:t>19/09/2010</a:t>
             </a:fld>
             <a:endParaRPr lang="es-AR"/>
           </a:p>
@@ -23819,7 +21423,7 @@
             <a:fld id="{BE15CF76-26FC-489E-B8C7-B48500CB86A3}" type="slidenum">
               <a:rPr lang="es-AR" smtClean="0"/>
               <a:pPr/>
-              <a:t>‹#›</a:t>
+              <a:t>‹Nº›</a:t>
             </a:fld>
             <a:endParaRPr lang="es-AR"/>
           </a:p>
@@ -24065,7 +21669,7 @@
             <a:fld id="{7396B977-6251-41DE-9CF2-59811A3624F8}" type="datetimeFigureOut">
               <a:rPr lang="es-AR" smtClean="0"/>
               <a:pPr/>
-              <a:t>14/09/2010</a:t>
+              <a:t>19/09/2010</a:t>
             </a:fld>
             <a:endParaRPr lang="es-AR"/>
           </a:p>
@@ -24108,7 +21712,7 @@
             <a:fld id="{BE15CF76-26FC-489E-B8C7-B48500CB86A3}" type="slidenum">
               <a:rPr lang="es-AR" smtClean="0"/>
               <a:pPr/>
-              <a:t>‹#›</a:t>
+              <a:t>‹Nº›</a:t>
             </a:fld>
             <a:endParaRPr lang="es-AR"/>
           </a:p>
@@ -24489,7 +22093,7 @@
             <a:fld id="{7396B977-6251-41DE-9CF2-59811A3624F8}" type="datetimeFigureOut">
               <a:rPr lang="es-AR" smtClean="0"/>
               <a:pPr/>
-              <a:t>14/09/2010</a:t>
+              <a:t>19/09/2010</a:t>
             </a:fld>
             <a:endParaRPr lang="es-AR"/>
           </a:p>
@@ -24532,7 +22136,7 @@
             <a:fld id="{BE15CF76-26FC-489E-B8C7-B48500CB86A3}" type="slidenum">
               <a:rPr lang="es-AR" smtClean="0"/>
               <a:pPr/>
-              <a:t>‹#›</a:t>
+              <a:t>‹Nº›</a:t>
             </a:fld>
             <a:endParaRPr lang="es-AR"/>
           </a:p>
@@ -24606,7 +22210,7 @@
             <a:fld id="{7396B977-6251-41DE-9CF2-59811A3624F8}" type="datetimeFigureOut">
               <a:rPr lang="es-AR" smtClean="0"/>
               <a:pPr/>
-              <a:t>14/09/2010</a:t>
+              <a:t>19/09/2010</a:t>
             </a:fld>
             <a:endParaRPr lang="es-AR"/>
           </a:p>
@@ -24649,7 +22253,7 @@
             <a:fld id="{BE15CF76-26FC-489E-B8C7-B48500CB86A3}" type="slidenum">
               <a:rPr lang="es-AR" smtClean="0"/>
               <a:pPr/>
-              <a:t>‹#›</a:t>
+              <a:t>‹Nº›</a:t>
             </a:fld>
             <a:endParaRPr lang="es-AR"/>
           </a:p>
@@ -24698,7 +22302,7 @@
             <a:fld id="{7396B977-6251-41DE-9CF2-59811A3624F8}" type="datetimeFigureOut">
               <a:rPr lang="es-AR" smtClean="0"/>
               <a:pPr/>
-              <a:t>14/09/2010</a:t>
+              <a:t>19/09/2010</a:t>
             </a:fld>
             <a:endParaRPr lang="es-AR"/>
           </a:p>
@@ -24741,7 +22345,7 @@
             <a:fld id="{BE15CF76-26FC-489E-B8C7-B48500CB86A3}" type="slidenum">
               <a:rPr lang="es-AR" smtClean="0"/>
               <a:pPr/>
-              <a:t>‹#›</a:t>
+              <a:t>‹Nº›</a:t>
             </a:fld>
             <a:endParaRPr lang="es-AR"/>
           </a:p>
@@ -24978,7 +22582,7 @@
             <a:fld id="{7396B977-6251-41DE-9CF2-59811A3624F8}" type="datetimeFigureOut">
               <a:rPr lang="es-AR" smtClean="0"/>
               <a:pPr/>
-              <a:t>14/09/2010</a:t>
+              <a:t>19/09/2010</a:t>
             </a:fld>
             <a:endParaRPr lang="es-AR"/>
           </a:p>
@@ -25021,7 +22625,7 @@
             <a:fld id="{BE15CF76-26FC-489E-B8C7-B48500CB86A3}" type="slidenum">
               <a:rPr lang="es-AR" smtClean="0"/>
               <a:pPr/>
-              <a:t>‹#›</a:t>
+              <a:t>‹Nº›</a:t>
             </a:fld>
             <a:endParaRPr lang="es-AR"/>
           </a:p>
@@ -25346,7 +22950,7 @@
             <a:fld id="{7396B977-6251-41DE-9CF2-59811A3624F8}" type="datetimeFigureOut">
               <a:rPr lang="es-AR" smtClean="0"/>
               <a:pPr/>
-              <a:t>14/09/2010</a:t>
+              <a:t>19/09/2010</a:t>
             </a:fld>
             <a:endParaRPr lang="es-AR"/>
           </a:p>
@@ -25503,7 +23107,7 @@
             <a:fld id="{BE15CF76-26FC-489E-B8C7-B48500CB86A3}" type="slidenum">
               <a:rPr lang="es-AR" smtClean="0"/>
               <a:pPr/>
-              <a:t>‹#›</a:t>
+              <a:t>‹Nº›</a:t>
             </a:fld>
             <a:endParaRPr lang="es-AR"/>
           </a:p>
@@ -25785,7 +23389,7 @@
             <a:fld id="{7396B977-6251-41DE-9CF2-59811A3624F8}" type="datetimeFigureOut">
               <a:rPr lang="es-AR" smtClean="0"/>
               <a:pPr/>
-              <a:t>14/09/2010</a:t>
+              <a:t>19/09/2010</a:t>
             </a:fld>
             <a:endParaRPr lang="es-AR"/>
           </a:p>
@@ -25866,7 +23470,7 @@
             <a:fld id="{BE15CF76-26FC-489E-B8C7-B48500CB86A3}" type="slidenum">
               <a:rPr lang="es-AR" smtClean="0"/>
               <a:pPr/>
-              <a:t>‹#›</a:t>
+              <a:t>‹Nº›</a:t>
             </a:fld>
             <a:endParaRPr lang="es-AR"/>
           </a:p>
@@ -28637,7 +26241,12 @@
             <p:ph sz="half" idx="1"/>
           </p:nvPr>
         </p:nvSpPr>
-        <p:spPr/>
+        <p:spPr>
+          <a:xfrm>
+            <a:off x="1" y="1700808"/>
+            <a:ext cx="3563888" cy="4493095"/>
+          </a:xfrm>
+        </p:spPr>
         <p:txBody>
           <a:bodyPr/>
           <a:lstStyle/>
@@ -28683,7 +26292,7 @@
         </p:blipFill>
         <p:spPr>
           <a:xfrm>
-            <a:off x="4643438" y="2439194"/>
+            <a:off x="6444208" y="1772816"/>
             <a:ext cx="1944687" cy="511175"/>
           </a:xfrm>
         </p:spPr>
@@ -28759,8 +26368,8 @@
         </p:blipFill>
         <p:spPr bwMode="auto">
           <a:xfrm>
-            <a:off x="4644008" y="3573016"/>
-            <a:ext cx="4248471" cy="3024335"/>
+            <a:off x="3595755" y="2905799"/>
+            <a:ext cx="5400600" cy="3844495"/>
           </a:xfrm>
           <a:prstGeom prst="rect">
             <a:avLst/>
@@ -28869,26 +26478,6 @@
           </a:p>
         </p:txBody>
       </p:sp>
-      <p:graphicFrame>
-        <p:nvGraphicFramePr>
-          <p:cNvPr id="17" name="13 Marcador de contenido"/>
-          <p:cNvGraphicFramePr>
-            <a:graphicFrameLocks noGrp="1"/>
-          </p:cNvGraphicFramePr>
-          <p:nvPr>
-            <p:ph sz="half" idx="2"/>
-          </p:nvPr>
-        </p:nvGraphicFramePr>
-        <p:xfrm>
-          <a:off x="4643438" y="3933825"/>
-          <a:ext cx="4043362" cy="2192338"/>
-        </p:xfrm>
-        <a:graphic>
-          <a:graphicData uri="http://schemas.openxmlformats.org/drawingml/2006/diagram">
-            <dgm:relIds xmlns:dgm="http://schemas.openxmlformats.org/drawingml/2006/diagram" xmlns:r="http://schemas.openxmlformats.org/officeDocument/2006/relationships" r:dm="rId2" r:lo="rId3" r:qs="rId4" r:cs="rId5"/>
-          </a:graphicData>
-        </a:graphic>
-      </p:graphicFrame>
       <p:pic>
         <p:nvPicPr>
           <p:cNvPr id="7" name="6 Marcador de contenido" descr="final-tech-desktop-alt.png"/>
@@ -28900,14 +26489,14 @@
           </p:nvPr>
         </p:nvPicPr>
         <p:blipFill>
-          <a:blip r:embed="rId7" cstate="print"/>
+          <a:blip r:embed="rId2" cstate="print"/>
           <a:stretch>
             <a:fillRect/>
           </a:stretch>
         </p:blipFill>
         <p:spPr>
           <a:xfrm>
-            <a:off x="827584" y="4509120"/>
+            <a:off x="827584" y="4293096"/>
             <a:ext cx="7488063" cy="2150690"/>
           </a:xfrm>
         </p:spPr>
@@ -28927,7 +26516,7 @@
             <a:avLst/>
           </a:prstGeom>
           <a:blipFill rotWithShape="0">
-            <a:blip r:embed="rId8" cstate="print"/>
+            <a:blip r:embed="rId3" cstate="print"/>
             <a:stretch>
               <a:fillRect/>
             </a:stretch>
@@ -28972,7 +26561,7 @@
         </p:nvGrpSpPr>
         <p:grpSpPr>
           <a:xfrm>
-            <a:off x="1187624" y="3861048"/>
+            <a:off x="1187624" y="3645024"/>
             <a:ext cx="1332148" cy="684076"/>
             <a:chOff x="1187624" y="3861048"/>
             <a:chExt cx="1332148" cy="684076"/>
@@ -28993,7 +26582,7 @@
               <a:avLst/>
             </a:prstGeom>
             <a:blipFill rotWithShape="0">
-              <a:blip r:embed="rId8" cstate="print"/>
+              <a:blip r:embed="rId3" cstate="print"/>
               <a:stretch>
                 <a:fillRect/>
               </a:stretch>
@@ -29045,7 +26634,7 @@
               <a:avLst/>
             </a:prstGeom>
             <a:blipFill rotWithShape="0">
-              <a:blip r:embed="rId9" cstate="print"/>
+              <a:blip r:embed="rId4" cstate="print"/>
               <a:stretch>
                 <a:fillRect/>
               </a:stretch>
@@ -29091,7 +26680,7 @@
         </p:nvGrpSpPr>
         <p:grpSpPr>
           <a:xfrm>
-            <a:off x="2987824" y="3861048"/>
+            <a:off x="2987824" y="3645024"/>
             <a:ext cx="1332148" cy="684076"/>
             <a:chOff x="1187624" y="3861048"/>
             <a:chExt cx="1332148" cy="684076"/>
@@ -29112,7 +26701,7 @@
               <a:avLst/>
             </a:prstGeom>
             <a:blipFill rotWithShape="0">
-              <a:blip r:embed="rId8" cstate="print"/>
+              <a:blip r:embed="rId3" cstate="print"/>
               <a:stretch>
                 <a:fillRect/>
               </a:stretch>
@@ -29164,7 +26753,7 @@
               <a:avLst/>
             </a:prstGeom>
             <a:blipFill rotWithShape="0">
-              <a:blip r:embed="rId9" cstate="print"/>
+              <a:blip r:embed="rId4" cstate="print"/>
               <a:stretch>
                 <a:fillRect/>
               </a:stretch>
@@ -29210,7 +26799,7 @@
         </p:nvGrpSpPr>
         <p:grpSpPr>
           <a:xfrm>
-            <a:off x="4860032" y="3861048"/>
+            <a:off x="4860032" y="3645024"/>
             <a:ext cx="1332148" cy="684076"/>
             <a:chOff x="1187624" y="3861048"/>
             <a:chExt cx="1332148" cy="684076"/>
@@ -29231,7 +26820,7 @@
               <a:avLst/>
             </a:prstGeom>
             <a:blipFill rotWithShape="0">
-              <a:blip r:embed="rId8" cstate="print"/>
+              <a:blip r:embed="rId3" cstate="print"/>
               <a:stretch>
                 <a:fillRect/>
               </a:stretch>
@@ -29283,7 +26872,7 @@
               <a:avLst/>
             </a:prstGeom>
             <a:blipFill rotWithShape="0">
-              <a:blip r:embed="rId9" cstate="print"/>
+              <a:blip r:embed="rId4" cstate="print"/>
               <a:stretch>
                 <a:fillRect/>
               </a:stretch>
@@ -29329,7 +26918,7 @@
         </p:nvGrpSpPr>
         <p:grpSpPr>
           <a:xfrm>
-            <a:off x="6588224" y="3861048"/>
+            <a:off x="6588224" y="3645024"/>
             <a:ext cx="1332148" cy="684076"/>
             <a:chOff x="1187624" y="3861048"/>
             <a:chExt cx="1332148" cy="684076"/>
@@ -29350,7 +26939,7 @@
               <a:avLst/>
             </a:prstGeom>
             <a:blipFill rotWithShape="0">
-              <a:blip r:embed="rId8" cstate="print"/>
+              <a:blip r:embed="rId3" cstate="print"/>
               <a:stretch>
                 <a:fillRect/>
               </a:stretch>
@@ -29402,7 +26991,7 @@
               <a:avLst/>
             </a:prstGeom>
             <a:blipFill rotWithShape="0">
-              <a:blip r:embed="rId9" cstate="print"/>
+              <a:blip r:embed="rId4" cstate="print"/>
               <a:stretch>
                 <a:fillRect/>
               </a:stretch>
@@ -29629,25 +27218,6 @@
             </a:schemeClr>
           </a:fontRef>
         </p:style>
-      </p:sp>
-      <p:sp>
-        <p:nvSpPr>
-          <p:cNvPr id="7" name="6 Marcador de contenido"/>
-          <p:cNvSpPr>
-            <a:spLocks noGrp="1"/>
-          </p:cNvSpPr>
-          <p:nvPr>
-            <p:ph sz="half" idx="2"/>
-          </p:nvPr>
-        </p:nvSpPr>
-        <p:spPr/>
-        <p:txBody>
-          <a:bodyPr/>
-          <a:lstStyle/>
-          <a:p>
-            <a:endParaRPr lang="es-AR"/>
-          </a:p>
-        </p:txBody>
       </p:sp>
       <p:pic>
         <p:nvPicPr>
@@ -30031,7 +27601,7 @@
           <p:nvPr>
             <p:extLst>
               <p:ext uri="{D42A27DB-BD31-4B8C-83A1-F6EECF244321}">
-                <p14:modId xmlns:p14="http://schemas.microsoft.com/office/powerpoint/2010/main" val="727075961"/>
+                <p14:modId xmlns="" xmlns:p14="http://schemas.microsoft.com/office/powerpoint/2010/main" val="727075961"/>
               </p:ext>
             </p:extLst>
           </p:nvPr>
@@ -30206,7 +27776,7 @@
             <p:ph sz="half" idx="1"/>
             <p:extLst>
               <p:ext uri="{D42A27DB-BD31-4B8C-83A1-F6EECF244321}">
-                <p14:modId xmlns:p14="http://schemas.microsoft.com/office/powerpoint/2010/main" val="1533185650"/>
+                <p14:modId xmlns="" xmlns:p14="http://schemas.microsoft.com/office/powerpoint/2010/main" val="1533185650"/>
               </p:ext>
             </p:extLst>
           </p:nvPr>
@@ -30231,7 +27801,7 @@
             <p:ph sz="half" idx="14"/>
             <p:extLst>
               <p:ext uri="{D42A27DB-BD31-4B8C-83A1-F6EECF244321}">
-                <p14:modId xmlns:p14="http://schemas.microsoft.com/office/powerpoint/2010/main" val="3836369990"/>
+                <p14:modId xmlns="" xmlns:p14="http://schemas.microsoft.com/office/powerpoint/2010/main" val="3836369990"/>
               </p:ext>
             </p:extLst>
           </p:nvPr>
@@ -30249,7 +27819,7 @@
     </p:spTree>
     <p:extLst>
       <p:ext uri="{BB962C8B-B14F-4D97-AF65-F5344CB8AC3E}">
-        <p14:creationId xmlns:p14="http://schemas.microsoft.com/office/powerpoint/2010/main" val="1719319540"/>
+        <p14:creationId xmlns="" xmlns:p14="http://schemas.microsoft.com/office/powerpoint/2010/main" val="1719319540"/>
       </p:ext>
     </p:extLst>
   </p:cSld>
@@ -30451,7 +28021,7 @@
     </p:spTree>
     <p:extLst>
       <p:ext uri="{BB962C8B-B14F-4D97-AF65-F5344CB8AC3E}">
-        <p14:creationId xmlns:p14="http://schemas.microsoft.com/office/powerpoint/2010/main" val="4202854594"/>
+        <p14:creationId xmlns="" xmlns:p14="http://schemas.microsoft.com/office/powerpoint/2010/main" val="4202854594"/>
       </p:ext>
     </p:extLst>
   </p:cSld>
@@ -30660,11 +28230,7 @@
             </a:r>
             <a:r>
               <a:rPr lang="es-AR" dirty="0" smtClean="0"/>
-              <a:t>: 1.315 </a:t>
-            </a:r>
-            <a:r>
-              <a:rPr lang="es-AR" dirty="0" smtClean="0"/>
-              <a:t>voltios</a:t>
+              <a:t>: 1.315 voltios</a:t>
             </a:r>
           </a:p>
           <a:p>
@@ -30675,7 +28241,6 @@
               <a:rPr lang="es-AR" dirty="0" smtClean="0"/>
               <a:t>Nodos de conexión:</a:t>
             </a:r>
-            <a:endParaRPr lang="es-AR" dirty="0" smtClean="0"/>
           </a:p>
           <a:p>
             <a:pPr lvl="1"/>
@@ -31192,11 +28757,7 @@
             </a:r>
             <a:r>
               <a:rPr lang="es-AR" dirty="0" smtClean="0"/>
-              <a:t>: 1.315 </a:t>
-            </a:r>
-            <a:r>
-              <a:rPr lang="es-AR" dirty="0" smtClean="0"/>
-              <a:t>voltios</a:t>
+              <a:t>: 1.315 voltios</a:t>
             </a:r>
           </a:p>
           <a:p>
@@ -32613,8 +30174,8 @@
           </p:nvPr>
         </p:nvGraphicFramePr>
         <p:xfrm>
-          <a:off x="467544" y="2636912"/>
-          <a:ext cx="8280920" cy="3600400"/>
+          <a:off x="251520" y="2870176"/>
+          <a:ext cx="8640960" cy="3223120"/>
         </p:xfrm>
         <a:graphic>
           <a:graphicData uri="http://schemas.openxmlformats.org/drawingml/2006/diagram">
@@ -32677,53 +30238,6 @@
           </a:p>
         </p:txBody>
       </p:sp>
-      <p:sp>
-        <p:nvSpPr>
-          <p:cNvPr id="16" name="15 Marcador de contenido"/>
-          <p:cNvSpPr>
-            <a:spLocks noGrp="1"/>
-          </p:cNvSpPr>
-          <p:nvPr>
-            <p:ph sz="half" idx="1"/>
-          </p:nvPr>
-        </p:nvSpPr>
-        <p:spPr/>
-        <p:txBody>
-          <a:bodyPr>
-            <a:normAutofit/>
-          </a:bodyPr>
-          <a:lstStyle/>
-          <a:p>
-            <a:pPr lvl="0"/>
-            <a:r>
-              <a:rPr lang="es-AR" dirty="0" smtClean="0"/>
-              <a:t>Codificación</a:t>
-            </a:r>
-          </a:p>
-          <a:p>
-            <a:pPr lvl="1"/>
-            <a:r>
-              <a:rPr lang="es-AR" dirty="0" smtClean="0"/>
-              <a:t>Elección del lenguaje</a:t>
-            </a:r>
-          </a:p>
-          <a:p>
-            <a:pPr lvl="1"/>
-            <a:r>
-              <a:rPr lang="es-AR" dirty="0" smtClean="0"/>
-              <a:t>Desarrollo de los algoritmos</a:t>
-            </a:r>
-          </a:p>
-          <a:p>
-            <a:pPr lvl="1"/>
-            <a:r>
-              <a:rPr lang="es-AR" dirty="0" smtClean="0"/>
-              <a:t>Implementación</a:t>
-            </a:r>
-            <a:endParaRPr lang="es-AR" dirty="0"/>
-          </a:p>
-        </p:txBody>
-      </p:sp>
       <p:pic>
         <p:nvPicPr>
           <p:cNvPr id="23" name="22 Marcador de contenido" descr="Screenshot-qt-designer-qwebview.png"/>
@@ -32742,8 +30256,8 @@
         </p:blipFill>
         <p:spPr>
           <a:xfrm>
-            <a:off x="4474172" y="3904412"/>
-            <a:ext cx="4130275" cy="2548923"/>
+            <a:off x="4295702" y="3573016"/>
+            <a:ext cx="4550589" cy="2808312"/>
           </a:xfrm>
         </p:spPr>
       </p:pic>
@@ -32845,6 +30359,53 @@
           </a:xfrm>
         </p:spPr>
       </p:pic>
+      <p:sp>
+        <p:nvSpPr>
+          <p:cNvPr id="9" name="8 Marcador de contenido"/>
+          <p:cNvSpPr>
+            <a:spLocks noGrp="1"/>
+          </p:cNvSpPr>
+          <p:nvPr>
+            <p:ph sz="half" idx="1"/>
+          </p:nvPr>
+        </p:nvSpPr>
+        <p:spPr/>
+        <p:txBody>
+          <a:bodyPr/>
+          <a:lstStyle/>
+          <a:p>
+            <a:pPr lvl="0"/>
+            <a:r>
+              <a:rPr lang="es-AR" dirty="0" smtClean="0"/>
+              <a:t>Codificación</a:t>
+            </a:r>
+          </a:p>
+          <a:p>
+            <a:pPr lvl="1"/>
+            <a:r>
+              <a:rPr lang="es-AR" dirty="0" smtClean="0"/>
+              <a:t>Elección del lenguaje</a:t>
+            </a:r>
+          </a:p>
+          <a:p>
+            <a:pPr lvl="1"/>
+            <a:r>
+              <a:rPr lang="es-AR" dirty="0" smtClean="0"/>
+              <a:t>Desarrollo de los algoritmos</a:t>
+            </a:r>
+          </a:p>
+          <a:p>
+            <a:pPr lvl="1"/>
+            <a:r>
+              <a:rPr lang="es-AR" dirty="0" smtClean="0"/>
+              <a:t>Implementación</a:t>
+            </a:r>
+          </a:p>
+          <a:p>
+            <a:endParaRPr lang="es-AR" dirty="0"/>
+          </a:p>
+        </p:txBody>
+      </p:sp>
     </p:spTree>
   </p:cSld>
   <p:clrMapOvr>

--- a/trunk/Documentation/Documentacion/PRESENTACION_FACU.pptx
+++ b/trunk/Documentation/Documentacion/PRESENTACION_FACU.pptx
@@ -155,7 +155,7 @@
         <c:manualLayout>
           <c:xMode val="edge"/>
           <c:yMode val="edge"/>
-          <c:x val="0.22693569038355679"/>
+          <c:x val="0.22693569038355677"/>
           <c:y val="3.0318552842560589E-2"/>
         </c:manualLayout>
       </c:layout>
@@ -191,7 +191,7 @@
               <c:idx val="0"/>
               <c:layout>
                 <c:manualLayout>
-                  <c:x val="1.7903025279734825E-2"/>
+                  <c:x val="1.7903025279734829E-2"/>
                   <c:y val="8.6181273784898801E-2"/>
                 </c:manualLayout>
               </c:layout>
@@ -202,7 +202,7 @@
               <c:idx val="1"/>
               <c:layout>
                 <c:manualLayout>
-                  <c:x val="-1.3185415562900454E-3"/>
+                  <c:x val="-1.3185415562900458E-3"/>
                   <c:y val="-0.1522738302151497"/>
                 </c:manualLayout>
               </c:layout>
@@ -263,6 +263,7 @@
 
 <file path=ppt/charts/chart2.xml><?xml version="1.0" encoding="utf-8"?>
 <c:chartSpace xmlns:c="http://schemas.openxmlformats.org/drawingml/2006/chart" xmlns:a="http://schemas.openxmlformats.org/drawingml/2006/main" xmlns:r="http://schemas.openxmlformats.org/officeDocument/2006/relationships">
+  <c:date1904 val="1"/>
   <c:lang val="es-AR"/>
   <c:roundedCorners val="1"/>
   <c:style val="26"/>
@@ -287,8 +288,8 @@
         <c:manualLayout>
           <c:xMode val="edge"/>
           <c:yMode val="edge"/>
-          <c:x val="0.26028067731753973"/>
-          <c:y val="3.0090268790543395E-2"/>
+          <c:x val="0.26028067731753984"/>
+          <c:y val="3.0090268790543398E-2"/>
         </c:manualLayout>
       </c:layout>
     </c:title>
@@ -306,7 +307,7 @@
           <c:x val="2.0951670222790091E-3"/>
           <c:y val="0.26919258201016116"/>
           <c:w val="0.99790483297772103"/>
-          <c:h val="0.73080741798984772"/>
+          <c:h val="0.73080741798984783"/>
         </c:manualLayout>
       </c:layout>
       <c:pie3DChart>
@@ -320,8 +321,8 @@
               <c:idx val="0"/>
               <c:layout>
                 <c:manualLayout>
-                  <c:x val="-9.8997566876277962E-2"/>
-                  <c:y val="-2.0480815362224247E-2"/>
+                  <c:x val="-9.899756687627799E-2"/>
+                  <c:y val="-2.0480815362224257E-2"/>
                 </c:manualLayout>
               </c:layout>
               <c:showCatName val="1"/>
@@ -505,12 +506,12 @@
         </c:ser>
         <c:gapWidth val="75"/>
         <c:shape val="cylinder"/>
-        <c:axId val="65178624"/>
-        <c:axId val="65188608"/>
+        <c:axId val="95047680"/>
+        <c:axId val="95049216"/>
         <c:axId val="0"/>
       </c:bar3DChart>
       <c:catAx>
-        <c:axId val="65178624"/>
+        <c:axId val="95047680"/>
         <c:scaling>
           <c:orientation val="minMax"/>
         </c:scaling>
@@ -518,14 +519,14 @@
         <c:numFmt formatCode="General" sourceLinked="1"/>
         <c:majorTickMark val="none"/>
         <c:tickLblPos val="none"/>
-        <c:crossAx val="65188608"/>
+        <c:crossAx val="95049216"/>
         <c:crosses val="autoZero"/>
         <c:auto val="1"/>
         <c:lblAlgn val="ctr"/>
         <c:lblOffset val="100"/>
       </c:catAx>
       <c:valAx>
-        <c:axId val="65188608"/>
+        <c:axId val="95049216"/>
         <c:scaling>
           <c:orientation val="minMax"/>
         </c:scaling>
@@ -539,7 +540,7 @@
             <a:noFill/>
           </a:ln>
         </c:spPr>
-        <c:crossAx val="65178624"/>
+        <c:crossAx val="95047680"/>
         <c:crosses val="autoZero"/>
         <c:crossBetween val="between"/>
       </c:valAx>
@@ -628,7 +629,7 @@
                 <c:formatCode>0</c:formatCode>
                 <c:ptCount val="1"/>
                 <c:pt idx="0">
-                  <c:v>63.106796116505038</c:v>
+                  <c:v>63.106796116505045</c:v>
                 </c:pt>
               </c:numCache>
             </c:numRef>
@@ -674,12 +675,12 @@
         </c:ser>
         <c:gapWidth val="75"/>
         <c:shape val="cylinder"/>
-        <c:axId val="44644608"/>
-        <c:axId val="44666880"/>
+        <c:axId val="95062272"/>
+        <c:axId val="95084544"/>
         <c:axId val="0"/>
       </c:bar3DChart>
       <c:catAx>
-        <c:axId val="44644608"/>
+        <c:axId val="95062272"/>
         <c:scaling>
           <c:orientation val="minMax"/>
         </c:scaling>
@@ -687,14 +688,14 @@
         <c:numFmt formatCode="General" sourceLinked="1"/>
         <c:majorTickMark val="none"/>
         <c:tickLblPos val="none"/>
-        <c:crossAx val="44666880"/>
+        <c:crossAx val="95084544"/>
         <c:crosses val="autoZero"/>
         <c:auto val="1"/>
         <c:lblAlgn val="ctr"/>
         <c:lblOffset val="100"/>
       </c:catAx>
       <c:valAx>
-        <c:axId val="44666880"/>
+        <c:axId val="95084544"/>
         <c:scaling>
           <c:orientation val="minMax"/>
         </c:scaling>
@@ -708,7 +709,7 @@
             <a:noFill/>
           </a:ln>
         </c:spPr>
-        <c:crossAx val="44644608"/>
+        <c:crossAx val="95062272"/>
         <c:crosses val="autoZero"/>
         <c:crossBetween val="between"/>
       </c:valAx>
@@ -857,25 +858,25 @@
                   <c:v>1.1200000000000001</c:v>
                 </c:pt>
                 <c:pt idx="12">
-                  <c:v>1.1299999999999979</c:v>
+                  <c:v>1.1299999999999977</c:v>
                 </c:pt>
                 <c:pt idx="13">
-                  <c:v>1.1399999999999979</c:v>
+                  <c:v>1.1399999999999977</c:v>
                 </c:pt>
                 <c:pt idx="14">
-                  <c:v>1.1499999999999981</c:v>
+                  <c:v>1.1499999999999977</c:v>
                 </c:pt>
                 <c:pt idx="15">
-                  <c:v>1.1599999999999981</c:v>
+                  <c:v>1.1599999999999977</c:v>
                 </c:pt>
                 <c:pt idx="16">
-                  <c:v>1.1700000000000017</c:v>
+                  <c:v>1.1700000000000019</c:v>
                 </c:pt>
                 <c:pt idx="17">
-                  <c:v>1.1800000000000017</c:v>
+                  <c:v>1.1800000000000019</c:v>
                 </c:pt>
                 <c:pt idx="18">
-                  <c:v>1.1900000000000017</c:v>
+                  <c:v>1.1900000000000019</c:v>
                 </c:pt>
                 <c:pt idx="19">
                   <c:v>1.2</c:v>
@@ -1337,25 +1338,25 @@
                   <c:v>1.1200000000000001</c:v>
                 </c:pt>
                 <c:pt idx="12">
-                  <c:v>1.1299999999999979</c:v>
+                  <c:v>1.1299999999999977</c:v>
                 </c:pt>
                 <c:pt idx="13">
-                  <c:v>1.1399999999999979</c:v>
+                  <c:v>1.1399999999999977</c:v>
                 </c:pt>
                 <c:pt idx="14">
-                  <c:v>1.1499999999999981</c:v>
+                  <c:v>1.1499999999999977</c:v>
                 </c:pt>
                 <c:pt idx="15">
-                  <c:v>1.1599999999999981</c:v>
+                  <c:v>1.1599999999999977</c:v>
                 </c:pt>
                 <c:pt idx="16">
-                  <c:v>1.1700000000000017</c:v>
+                  <c:v>1.1700000000000019</c:v>
                 </c:pt>
                 <c:pt idx="17">
-                  <c:v>1.1800000000000017</c:v>
+                  <c:v>1.1800000000000019</c:v>
                 </c:pt>
                 <c:pt idx="18">
-                  <c:v>1.1900000000000017</c:v>
+                  <c:v>1.1900000000000019</c:v>
                 </c:pt>
                 <c:pt idx="19">
                   <c:v>1.2</c:v>
@@ -1697,11 +1698,11 @@
             </c:numRef>
           </c:yVal>
         </c:ser>
-        <c:axId val="65296640"/>
-        <c:axId val="65323392"/>
+        <c:axId val="115885568"/>
+        <c:axId val="115887488"/>
       </c:scatterChart>
       <c:valAx>
-        <c:axId val="65296640"/>
+        <c:axId val="115885568"/>
         <c:scaling>
           <c:orientation val="minMax"/>
           <c:max val="1.7"/>
@@ -1730,19 +1731,19 @@
             <c:manualLayout>
               <c:xMode val="edge"/>
               <c:yMode val="edge"/>
-              <c:x val="0.39595380054773477"/>
+              <c:x val="0.39595380054773482"/>
               <c:y val="7.1100565545627201E-2"/>
             </c:manualLayout>
           </c:layout>
         </c:title>
         <c:numFmt formatCode="0.00" sourceLinked="1"/>
         <c:tickLblPos val="nextTo"/>
-        <c:crossAx val="65323392"/>
+        <c:crossAx val="115887488"/>
         <c:crosses val="autoZero"/>
         <c:crossBetween val="midCat"/>
       </c:valAx>
       <c:valAx>
-        <c:axId val="65323392"/>
+        <c:axId val="115887488"/>
         <c:scaling>
           <c:orientation val="minMax"/>
         </c:scaling>
@@ -1774,14 +1775,14 @@
             <c:manualLayout>
               <c:xMode val="edge"/>
               <c:yMode val="edge"/>
-              <c:x val="0.95445883617098171"/>
+              <c:x val="0.95445883617098182"/>
               <c:y val="0.27606557927672132"/>
             </c:manualLayout>
           </c:layout>
         </c:title>
         <c:numFmt formatCode="General" sourceLinked="1"/>
         <c:tickLblPos val="nextTo"/>
-        <c:crossAx val="65296640"/>
+        <c:crossAx val="115885568"/>
         <c:crosses val="autoZero"/>
         <c:crossBetween val="midCat"/>
       </c:valAx>
@@ -1792,10 +1793,10 @@
         <c:manualLayout>
           <c:xMode val="edge"/>
           <c:yMode val="edge"/>
-          <c:x val="0.14234264975849256"/>
-          <c:y val="0.87764719263997226"/>
+          <c:x val="0.14234264975849259"/>
+          <c:y val="0.8776471926399726"/>
           <c:w val="0.78810202746432068"/>
-          <c:h val="7.5935015157046093E-2"/>
+          <c:h val="7.5935015157046107E-2"/>
         </c:manualLayout>
       </c:layout>
     </c:legend>
@@ -1819,7 +1820,7 @@
           <c:yMode val="edge"/>
           <c:x val="9.0642836925601628E-2"/>
           <c:y val="8.4672265966754243E-2"/>
-          <c:w val="0.89193996596195069"/>
+          <c:w val="0.89193996596195047"/>
           <c:h val="0.68648981882078464"/>
         </c:manualLayout>
       </c:layout>
@@ -2757,11 +2758,11 @@
           </c:yVal>
           <c:smooth val="1"/>
         </c:ser>
-        <c:axId val="67405312"/>
-        <c:axId val="67407232"/>
+        <c:axId val="115895680"/>
+        <c:axId val="115922816"/>
       </c:scatterChart>
       <c:valAx>
-        <c:axId val="67405312"/>
+        <c:axId val="115895680"/>
         <c:scaling>
           <c:orientation val="minMax"/>
           <c:max val="63"/>
@@ -2788,14 +2789,14 @@
           <c:layout/>
         </c:title>
         <c:tickLblPos val="nextTo"/>
-        <c:crossAx val="67407232"/>
+        <c:crossAx val="115922816"/>
         <c:crosses val="autoZero"/>
         <c:crossBetween val="midCat"/>
         <c:majorUnit val="5"/>
         <c:minorUnit val="1"/>
       </c:valAx>
       <c:valAx>
-        <c:axId val="67407232"/>
+        <c:axId val="115922816"/>
         <c:scaling>
           <c:orientation val="minMax"/>
           <c:max val="280"/>
@@ -2824,7 +2825,7 @@
         </c:title>
         <c:numFmt formatCode="General" sourceLinked="1"/>
         <c:tickLblPos val="nextTo"/>
-        <c:crossAx val="67405312"/>
+        <c:crossAx val="115895680"/>
         <c:crosses val="autoZero"/>
         <c:crossBetween val="midCat"/>
       </c:valAx>
@@ -2861,8 +2862,8 @@
         <c:manualLayout>
           <c:xMode val="edge"/>
           <c:yMode val="edge"/>
-          <c:x val="0.48880727285183184"/>
-          <c:y val="3.1123992758974508E-2"/>
+          <c:x val="0.4888072728518319"/>
+          <c:y val="3.1123992758974518E-2"/>
         </c:manualLayout>
       </c:layout>
     </c:title>
@@ -3036,26 +3037,26 @@
           <c:showVal val="1"/>
         </c:dLbls>
         <c:shape val="box"/>
-        <c:axId val="67703936"/>
-        <c:axId val="67705472"/>
-        <c:axId val="67727360"/>
+        <c:axId val="89857408"/>
+        <c:axId val="94988160"/>
+        <c:axId val="65492288"/>
       </c:bar3DChart>
       <c:catAx>
-        <c:axId val="67703936"/>
+        <c:axId val="89857408"/>
         <c:scaling>
           <c:orientation val="minMax"/>
         </c:scaling>
         <c:axPos val="b"/>
         <c:majorTickMark val="none"/>
         <c:tickLblPos val="nextTo"/>
-        <c:crossAx val="67705472"/>
+        <c:crossAx val="94988160"/>
         <c:crosses val="autoZero"/>
         <c:auto val="1"/>
         <c:lblAlgn val="ctr"/>
         <c:lblOffset val="100"/>
       </c:catAx>
       <c:valAx>
-        <c:axId val="67705472"/>
+        <c:axId val="94988160"/>
         <c:scaling>
           <c:logBase val="10"/>
           <c:orientation val="minMax"/>
@@ -3065,12 +3066,12 @@
         <c:numFmt formatCode="General" sourceLinked="1"/>
         <c:majorTickMark val="none"/>
         <c:tickLblPos val="none"/>
-        <c:crossAx val="67703936"/>
+        <c:crossAx val="89857408"/>
         <c:crosses val="autoZero"/>
         <c:crossBetween val="between"/>
       </c:valAx>
       <c:serAx>
-        <c:axId val="67727360"/>
+        <c:axId val="65492288"/>
         <c:scaling>
           <c:orientation val="minMax"/>
         </c:scaling>
@@ -3078,7 +3079,7 @@
         <c:axPos val="b"/>
         <c:majorTickMark val="none"/>
         <c:tickLblPos val="none"/>
-        <c:crossAx val="67705472"/>
+        <c:crossAx val="94988160"/>
         <c:crosses val="autoZero"/>
       </c:serAx>
     </c:plotArea>
@@ -3088,7 +3089,7 @@
         <c:manualLayout>
           <c:xMode val="edge"/>
           <c:yMode val="edge"/>
-          <c:x val="2.195739278371071E-2"/>
+          <c:x val="2.1957392783710721E-2"/>
           <c:y val="0.85118932863668761"/>
           <c:w val="0.16969921734677834"/>
           <c:h val="9.3802077546939228E-2"/>
@@ -3272,25 +3273,25 @@
             </c:numRef>
           </c:val>
         </c:ser>
-        <c:axId val="67744896"/>
-        <c:axId val="67746432"/>
+        <c:axId val="95009408"/>
+        <c:axId val="95019392"/>
       </c:barChart>
       <c:catAx>
-        <c:axId val="67744896"/>
+        <c:axId val="95009408"/>
         <c:scaling>
           <c:orientation val="minMax"/>
         </c:scaling>
         <c:axPos val="l"/>
         <c:majorTickMark val="none"/>
         <c:tickLblPos val="nextTo"/>
-        <c:crossAx val="67746432"/>
+        <c:crossAx val="95019392"/>
         <c:crosses val="autoZero"/>
         <c:auto val="1"/>
         <c:lblAlgn val="ctr"/>
         <c:lblOffset val="100"/>
       </c:catAx>
       <c:valAx>
-        <c:axId val="67746432"/>
+        <c:axId val="95019392"/>
         <c:scaling>
           <c:orientation val="minMax"/>
         </c:scaling>
@@ -3299,7 +3300,7 @@
         <c:numFmt formatCode="General" sourceLinked="1"/>
         <c:majorTickMark val="none"/>
         <c:tickLblPos val="nextTo"/>
-        <c:crossAx val="67744896"/>
+        <c:crossAx val="95009408"/>
         <c:crosses val="autoZero"/>
         <c:crossBetween val="between"/>
       </c:valAx>
@@ -4811,6 +4812,753 @@
 </file>
 
 <file path=ppt/diagrams/colors3.xml><?xml version="1.0" encoding="utf-8"?>
+<dgm:colorsDef xmlns:dgm="http://schemas.openxmlformats.org/drawingml/2006/diagram" xmlns:a="http://schemas.openxmlformats.org/drawingml/2006/main" uniqueId="urn:microsoft.com/office/officeart/2005/8/colors/accent1_2">
+  <dgm:title val=""/>
+  <dgm:desc val=""/>
+  <dgm:catLst>
+    <dgm:cat type="accent1" pri="11200"/>
+  </dgm:catLst>
+  <dgm:styleLbl name="node0">
+    <dgm:fillClrLst meth="repeat">
+      <a:schemeClr val="accent1"/>
+    </dgm:fillClrLst>
+    <dgm:linClrLst meth="repeat">
+      <a:schemeClr val="lt1"/>
+    </dgm:linClrLst>
+    <dgm:effectClrLst/>
+    <dgm:txLinClrLst/>
+    <dgm:txFillClrLst/>
+    <dgm:txEffectClrLst/>
+  </dgm:styleLbl>
+  <dgm:styleLbl name="alignNode1">
+    <dgm:fillClrLst meth="repeat">
+      <a:schemeClr val="accent1"/>
+    </dgm:fillClrLst>
+    <dgm:linClrLst meth="repeat">
+      <a:schemeClr val="accent1"/>
+    </dgm:linClrLst>
+    <dgm:effectClrLst/>
+    <dgm:txLinClrLst/>
+    <dgm:txFillClrLst/>
+    <dgm:txEffectClrLst/>
+  </dgm:styleLbl>
+  <dgm:styleLbl name="node1">
+    <dgm:fillClrLst meth="repeat">
+      <a:schemeClr val="accent1"/>
+    </dgm:fillClrLst>
+    <dgm:linClrLst meth="repeat">
+      <a:schemeClr val="lt1"/>
+    </dgm:linClrLst>
+    <dgm:effectClrLst/>
+    <dgm:txLinClrLst/>
+    <dgm:txFillClrLst/>
+    <dgm:txEffectClrLst/>
+  </dgm:styleLbl>
+  <dgm:styleLbl name="lnNode1">
+    <dgm:fillClrLst meth="repeat">
+      <a:schemeClr val="accent1"/>
+    </dgm:fillClrLst>
+    <dgm:linClrLst meth="repeat">
+      <a:schemeClr val="lt1"/>
+    </dgm:linClrLst>
+    <dgm:effectClrLst/>
+    <dgm:txLinClrLst/>
+    <dgm:txFillClrLst/>
+    <dgm:txEffectClrLst/>
+  </dgm:styleLbl>
+  <dgm:styleLbl name="vennNode1">
+    <dgm:fillClrLst meth="repeat">
+      <a:schemeClr val="accent1">
+        <a:alpha val="50000"/>
+      </a:schemeClr>
+    </dgm:fillClrLst>
+    <dgm:linClrLst meth="repeat">
+      <a:schemeClr val="lt1"/>
+    </dgm:linClrLst>
+    <dgm:effectClrLst/>
+    <dgm:txLinClrLst/>
+    <dgm:txFillClrLst/>
+    <dgm:txEffectClrLst/>
+  </dgm:styleLbl>
+  <dgm:styleLbl name="node2">
+    <dgm:fillClrLst meth="repeat">
+      <a:schemeClr val="accent1"/>
+    </dgm:fillClrLst>
+    <dgm:linClrLst meth="repeat">
+      <a:schemeClr val="lt1"/>
+    </dgm:linClrLst>
+    <dgm:effectClrLst/>
+    <dgm:txLinClrLst/>
+    <dgm:txFillClrLst/>
+    <dgm:txEffectClrLst/>
+  </dgm:styleLbl>
+  <dgm:styleLbl name="node3">
+    <dgm:fillClrLst meth="repeat">
+      <a:schemeClr val="accent1"/>
+    </dgm:fillClrLst>
+    <dgm:linClrLst meth="repeat">
+      <a:schemeClr val="lt1"/>
+    </dgm:linClrLst>
+    <dgm:effectClrLst/>
+    <dgm:txLinClrLst/>
+    <dgm:txFillClrLst/>
+    <dgm:txEffectClrLst/>
+  </dgm:styleLbl>
+  <dgm:styleLbl name="node4">
+    <dgm:fillClrLst meth="repeat">
+      <a:schemeClr val="accent1"/>
+    </dgm:fillClrLst>
+    <dgm:linClrLst meth="repeat">
+      <a:schemeClr val="lt1"/>
+    </dgm:linClrLst>
+    <dgm:effectClrLst/>
+    <dgm:txLinClrLst/>
+    <dgm:txFillClrLst/>
+    <dgm:txEffectClrLst/>
+  </dgm:styleLbl>
+  <dgm:styleLbl name="fgImgPlace1">
+    <dgm:fillClrLst meth="repeat">
+      <a:schemeClr val="accent1">
+        <a:tint val="50000"/>
+      </a:schemeClr>
+    </dgm:fillClrLst>
+    <dgm:linClrLst meth="repeat">
+      <a:schemeClr val="lt1"/>
+    </dgm:linClrLst>
+    <dgm:effectClrLst/>
+    <dgm:txLinClrLst/>
+    <dgm:txFillClrLst meth="repeat">
+      <a:schemeClr val="lt1"/>
+    </dgm:txFillClrLst>
+    <dgm:txEffectClrLst/>
+  </dgm:styleLbl>
+  <dgm:styleLbl name="alignImgPlace1">
+    <dgm:fillClrLst meth="repeat">
+      <a:schemeClr val="accent1">
+        <a:tint val="50000"/>
+      </a:schemeClr>
+    </dgm:fillClrLst>
+    <dgm:linClrLst meth="repeat">
+      <a:schemeClr val="lt1"/>
+    </dgm:linClrLst>
+    <dgm:effectClrLst/>
+    <dgm:txLinClrLst/>
+    <dgm:txFillClrLst meth="repeat">
+      <a:schemeClr val="lt1"/>
+    </dgm:txFillClrLst>
+    <dgm:txEffectClrLst/>
+  </dgm:styleLbl>
+  <dgm:styleLbl name="bgImgPlace1">
+    <dgm:fillClrLst meth="repeat">
+      <a:schemeClr val="accent1">
+        <a:tint val="50000"/>
+      </a:schemeClr>
+    </dgm:fillClrLst>
+    <dgm:linClrLst meth="repeat">
+      <a:schemeClr val="lt1"/>
+    </dgm:linClrLst>
+    <dgm:effectClrLst/>
+    <dgm:txLinClrLst/>
+    <dgm:txFillClrLst meth="repeat">
+      <a:schemeClr val="lt1"/>
+    </dgm:txFillClrLst>
+    <dgm:txEffectClrLst/>
+  </dgm:styleLbl>
+  <dgm:styleLbl name="sibTrans2D1">
+    <dgm:fillClrLst meth="repeat">
+      <a:schemeClr val="accent1">
+        <a:tint val="60000"/>
+      </a:schemeClr>
+    </dgm:fillClrLst>
+    <dgm:linClrLst meth="repeat">
+      <a:schemeClr val="accent1">
+        <a:tint val="60000"/>
+      </a:schemeClr>
+    </dgm:linClrLst>
+    <dgm:effectClrLst/>
+    <dgm:txLinClrLst/>
+    <dgm:txFillClrLst/>
+    <dgm:txEffectClrLst/>
+  </dgm:styleLbl>
+  <dgm:styleLbl name="fgSibTrans2D1">
+    <dgm:fillClrLst meth="repeat">
+      <a:schemeClr val="accent1">
+        <a:tint val="60000"/>
+      </a:schemeClr>
+    </dgm:fillClrLst>
+    <dgm:linClrLst meth="repeat">
+      <a:schemeClr val="accent1">
+        <a:tint val="60000"/>
+      </a:schemeClr>
+    </dgm:linClrLst>
+    <dgm:effectClrLst/>
+    <dgm:txLinClrLst/>
+    <dgm:txFillClrLst/>
+    <dgm:txEffectClrLst/>
+  </dgm:styleLbl>
+  <dgm:styleLbl name="bgSibTrans2D1">
+    <dgm:fillClrLst meth="repeat">
+      <a:schemeClr val="accent1">
+        <a:tint val="60000"/>
+      </a:schemeClr>
+    </dgm:fillClrLst>
+    <dgm:linClrLst meth="repeat">
+      <a:schemeClr val="accent1">
+        <a:tint val="60000"/>
+      </a:schemeClr>
+    </dgm:linClrLst>
+    <dgm:effectClrLst/>
+    <dgm:txLinClrLst/>
+    <dgm:txFillClrLst/>
+    <dgm:txEffectClrLst/>
+  </dgm:styleLbl>
+  <dgm:styleLbl name="sibTrans1D1">
+    <dgm:fillClrLst meth="repeat">
+      <a:schemeClr val="accent1"/>
+    </dgm:fillClrLst>
+    <dgm:linClrLst meth="repeat">
+      <a:schemeClr val="accent1"/>
+    </dgm:linClrLst>
+    <dgm:effectClrLst/>
+    <dgm:txLinClrLst/>
+    <dgm:txFillClrLst meth="repeat">
+      <a:schemeClr val="tx1"/>
+    </dgm:txFillClrLst>
+    <dgm:txEffectClrLst/>
+  </dgm:styleLbl>
+  <dgm:styleLbl name="callout">
+    <dgm:fillClrLst meth="repeat">
+      <a:schemeClr val="accent1"/>
+    </dgm:fillClrLst>
+    <dgm:linClrLst meth="repeat">
+      <a:schemeClr val="accent1">
+        <a:tint val="50000"/>
+      </a:schemeClr>
+    </dgm:linClrLst>
+    <dgm:effectClrLst/>
+    <dgm:txLinClrLst/>
+    <dgm:txFillClrLst meth="repeat">
+      <a:schemeClr val="tx1"/>
+    </dgm:txFillClrLst>
+    <dgm:txEffectClrLst/>
+  </dgm:styleLbl>
+  <dgm:styleLbl name="asst0">
+    <dgm:fillClrLst meth="repeat">
+      <a:schemeClr val="accent1"/>
+    </dgm:fillClrLst>
+    <dgm:linClrLst meth="repeat">
+      <a:schemeClr val="lt1"/>
+    </dgm:linClrLst>
+    <dgm:effectClrLst/>
+    <dgm:txLinClrLst/>
+    <dgm:txFillClrLst/>
+    <dgm:txEffectClrLst/>
+  </dgm:styleLbl>
+  <dgm:styleLbl name="asst1">
+    <dgm:fillClrLst meth="repeat">
+      <a:schemeClr val="accent1"/>
+    </dgm:fillClrLst>
+    <dgm:linClrLst meth="repeat">
+      <a:schemeClr val="lt1"/>
+    </dgm:linClrLst>
+    <dgm:effectClrLst/>
+    <dgm:txLinClrLst/>
+    <dgm:txFillClrLst/>
+    <dgm:txEffectClrLst/>
+  </dgm:styleLbl>
+  <dgm:styleLbl name="asst2">
+    <dgm:fillClrLst meth="repeat">
+      <a:schemeClr val="accent1"/>
+    </dgm:fillClrLst>
+    <dgm:linClrLst meth="repeat">
+      <a:schemeClr val="lt1"/>
+    </dgm:linClrLst>
+    <dgm:effectClrLst/>
+    <dgm:txLinClrLst/>
+    <dgm:txFillClrLst/>
+    <dgm:txEffectClrLst/>
+  </dgm:styleLbl>
+  <dgm:styleLbl name="asst3">
+    <dgm:fillClrLst meth="repeat">
+      <a:schemeClr val="accent1"/>
+    </dgm:fillClrLst>
+    <dgm:linClrLst meth="repeat">
+      <a:schemeClr val="lt1"/>
+    </dgm:linClrLst>
+    <dgm:effectClrLst/>
+    <dgm:txLinClrLst/>
+    <dgm:txFillClrLst/>
+    <dgm:txEffectClrLst/>
+  </dgm:styleLbl>
+  <dgm:styleLbl name="asst4">
+    <dgm:fillClrLst meth="repeat">
+      <a:schemeClr val="accent1"/>
+    </dgm:fillClrLst>
+    <dgm:linClrLst meth="repeat">
+      <a:schemeClr val="lt1"/>
+    </dgm:linClrLst>
+    <dgm:effectClrLst/>
+    <dgm:txLinClrLst/>
+    <dgm:txFillClrLst/>
+    <dgm:txEffectClrLst/>
+  </dgm:styleLbl>
+  <dgm:styleLbl name="parChTrans2D1">
+    <dgm:fillClrLst meth="repeat">
+      <a:schemeClr val="accent1">
+        <a:tint val="60000"/>
+      </a:schemeClr>
+    </dgm:fillClrLst>
+    <dgm:linClrLst meth="repeat">
+      <a:schemeClr val="accent1">
+        <a:tint val="60000"/>
+      </a:schemeClr>
+    </dgm:linClrLst>
+    <dgm:effectClrLst/>
+    <dgm:txLinClrLst/>
+    <dgm:txFillClrLst meth="repeat">
+      <a:schemeClr val="lt1"/>
+    </dgm:txFillClrLst>
+    <dgm:txEffectClrLst/>
+  </dgm:styleLbl>
+  <dgm:styleLbl name="parChTrans2D2">
+    <dgm:fillClrLst meth="repeat">
+      <a:schemeClr val="accent1"/>
+    </dgm:fillClrLst>
+    <dgm:linClrLst meth="repeat">
+      <a:schemeClr val="accent1"/>
+    </dgm:linClrLst>
+    <dgm:effectClrLst/>
+    <dgm:txLinClrLst/>
+    <dgm:txFillClrLst meth="repeat">
+      <a:schemeClr val="lt1"/>
+    </dgm:txFillClrLst>
+    <dgm:txEffectClrLst/>
+  </dgm:styleLbl>
+  <dgm:styleLbl name="parChTrans2D3">
+    <dgm:fillClrLst meth="repeat">
+      <a:schemeClr val="accent1"/>
+    </dgm:fillClrLst>
+    <dgm:linClrLst meth="repeat">
+      <a:schemeClr val="accent1"/>
+    </dgm:linClrLst>
+    <dgm:effectClrLst/>
+    <dgm:txLinClrLst/>
+    <dgm:txFillClrLst meth="repeat">
+      <a:schemeClr val="lt1"/>
+    </dgm:txFillClrLst>
+    <dgm:txEffectClrLst/>
+  </dgm:styleLbl>
+  <dgm:styleLbl name="parChTrans2D4">
+    <dgm:fillClrLst meth="repeat">
+      <a:schemeClr val="accent1"/>
+    </dgm:fillClrLst>
+    <dgm:linClrLst meth="repeat">
+      <a:schemeClr val="accent1"/>
+    </dgm:linClrLst>
+    <dgm:effectClrLst/>
+    <dgm:txLinClrLst/>
+    <dgm:txFillClrLst meth="repeat">
+      <a:schemeClr val="lt1"/>
+    </dgm:txFillClrLst>
+    <dgm:txEffectClrLst/>
+  </dgm:styleLbl>
+  <dgm:styleLbl name="parChTrans1D1">
+    <dgm:fillClrLst meth="repeat">
+      <a:schemeClr val="accent1"/>
+    </dgm:fillClrLst>
+    <dgm:linClrLst meth="repeat">
+      <a:schemeClr val="accent1">
+        <a:shade val="60000"/>
+      </a:schemeClr>
+    </dgm:linClrLst>
+    <dgm:effectClrLst/>
+    <dgm:txLinClrLst/>
+    <dgm:txFillClrLst meth="repeat">
+      <a:schemeClr val="tx1"/>
+    </dgm:txFillClrLst>
+    <dgm:txEffectClrLst/>
+  </dgm:styleLbl>
+  <dgm:styleLbl name="parChTrans1D2">
+    <dgm:fillClrLst meth="repeat">
+      <a:schemeClr val="accent1"/>
+    </dgm:fillClrLst>
+    <dgm:linClrLst meth="repeat">
+      <a:schemeClr val="accent1">
+        <a:shade val="60000"/>
+      </a:schemeClr>
+    </dgm:linClrLst>
+    <dgm:effectClrLst/>
+    <dgm:txLinClrLst/>
+    <dgm:txFillClrLst meth="repeat">
+      <a:schemeClr val="tx1"/>
+    </dgm:txFillClrLst>
+    <dgm:txEffectClrLst/>
+  </dgm:styleLbl>
+  <dgm:styleLbl name="parChTrans1D3">
+    <dgm:fillClrLst meth="repeat">
+      <a:schemeClr val="accent1"/>
+    </dgm:fillClrLst>
+    <dgm:linClrLst meth="repeat">
+      <a:schemeClr val="accent1">
+        <a:shade val="80000"/>
+      </a:schemeClr>
+    </dgm:linClrLst>
+    <dgm:effectClrLst/>
+    <dgm:txLinClrLst/>
+    <dgm:txFillClrLst meth="repeat">
+      <a:schemeClr val="tx1"/>
+    </dgm:txFillClrLst>
+    <dgm:txEffectClrLst/>
+  </dgm:styleLbl>
+  <dgm:styleLbl name="parChTrans1D4">
+    <dgm:fillClrLst meth="repeat">
+      <a:schemeClr val="accent1"/>
+    </dgm:fillClrLst>
+    <dgm:linClrLst meth="repeat">
+      <a:schemeClr val="accent1">
+        <a:shade val="80000"/>
+      </a:schemeClr>
+    </dgm:linClrLst>
+    <dgm:effectClrLst/>
+    <dgm:txLinClrLst/>
+    <dgm:txFillClrLst meth="repeat">
+      <a:schemeClr val="tx1"/>
+    </dgm:txFillClrLst>
+    <dgm:txEffectClrLst/>
+  </dgm:styleLbl>
+  <dgm:styleLbl name="fgAcc1">
+    <dgm:fillClrLst meth="repeat">
+      <a:schemeClr val="lt1">
+        <a:alpha val="90000"/>
+      </a:schemeClr>
+    </dgm:fillClrLst>
+    <dgm:linClrLst meth="repeat">
+      <a:schemeClr val="accent1"/>
+    </dgm:linClrLst>
+    <dgm:effectClrLst/>
+    <dgm:txLinClrLst/>
+    <dgm:txFillClrLst meth="repeat">
+      <a:schemeClr val="dk1"/>
+    </dgm:txFillClrLst>
+    <dgm:txEffectClrLst/>
+  </dgm:styleLbl>
+  <dgm:styleLbl name="conFgAcc1">
+    <dgm:fillClrLst meth="repeat">
+      <a:schemeClr val="lt1">
+        <a:alpha val="90000"/>
+      </a:schemeClr>
+    </dgm:fillClrLst>
+    <dgm:linClrLst meth="repeat">
+      <a:schemeClr val="accent1"/>
+    </dgm:linClrLst>
+    <dgm:effectClrLst/>
+    <dgm:txLinClrLst/>
+    <dgm:txFillClrLst meth="repeat">
+      <a:schemeClr val="dk1"/>
+    </dgm:txFillClrLst>
+    <dgm:txEffectClrLst/>
+  </dgm:styleLbl>
+  <dgm:styleLbl name="alignAcc1">
+    <dgm:fillClrLst meth="repeat">
+      <a:schemeClr val="lt1">
+        <a:alpha val="90000"/>
+      </a:schemeClr>
+    </dgm:fillClrLst>
+    <dgm:linClrLst meth="repeat">
+      <a:schemeClr val="accent1"/>
+    </dgm:linClrLst>
+    <dgm:effectClrLst/>
+    <dgm:txLinClrLst/>
+    <dgm:txFillClrLst meth="repeat">
+      <a:schemeClr val="dk1"/>
+    </dgm:txFillClrLst>
+    <dgm:txEffectClrLst/>
+  </dgm:styleLbl>
+  <dgm:styleLbl name="trAlignAcc1">
+    <dgm:fillClrLst meth="repeat">
+      <a:schemeClr val="lt1">
+        <a:alpha val="40000"/>
+      </a:schemeClr>
+    </dgm:fillClrLst>
+    <dgm:linClrLst meth="repeat">
+      <a:schemeClr val="accent1"/>
+    </dgm:linClrLst>
+    <dgm:effectClrLst/>
+    <dgm:txLinClrLst/>
+    <dgm:txFillClrLst meth="repeat">
+      <a:schemeClr val="dk1"/>
+    </dgm:txFillClrLst>
+    <dgm:txEffectClrLst/>
+  </dgm:styleLbl>
+  <dgm:styleLbl name="bgAcc1">
+    <dgm:fillClrLst meth="repeat">
+      <a:schemeClr val="lt1">
+        <a:alpha val="90000"/>
+      </a:schemeClr>
+    </dgm:fillClrLst>
+    <dgm:linClrLst meth="repeat">
+      <a:schemeClr val="accent1"/>
+    </dgm:linClrLst>
+    <dgm:effectClrLst/>
+    <dgm:txLinClrLst/>
+    <dgm:txFillClrLst meth="repeat">
+      <a:schemeClr val="dk1"/>
+    </dgm:txFillClrLst>
+    <dgm:txEffectClrLst/>
+  </dgm:styleLbl>
+  <dgm:styleLbl name="solidFgAcc1">
+    <dgm:fillClrLst meth="repeat">
+      <a:schemeClr val="lt1"/>
+    </dgm:fillClrLst>
+    <dgm:linClrLst meth="repeat">
+      <a:schemeClr val="accent1"/>
+    </dgm:linClrLst>
+    <dgm:effectClrLst/>
+    <dgm:txLinClrLst/>
+    <dgm:txFillClrLst meth="repeat">
+      <a:schemeClr val="dk1"/>
+    </dgm:txFillClrLst>
+    <dgm:txEffectClrLst/>
+  </dgm:styleLbl>
+  <dgm:styleLbl name="solidAlignAcc1">
+    <dgm:fillClrLst meth="repeat">
+      <a:schemeClr val="lt1"/>
+    </dgm:fillClrLst>
+    <dgm:linClrLst meth="repeat">
+      <a:schemeClr val="accent1"/>
+    </dgm:linClrLst>
+    <dgm:effectClrLst/>
+    <dgm:txLinClrLst/>
+    <dgm:txFillClrLst meth="repeat">
+      <a:schemeClr val="dk1"/>
+    </dgm:txFillClrLst>
+    <dgm:txEffectClrLst/>
+  </dgm:styleLbl>
+  <dgm:styleLbl name="solidBgAcc1">
+    <dgm:fillClrLst meth="repeat">
+      <a:schemeClr val="lt1"/>
+    </dgm:fillClrLst>
+    <dgm:linClrLst meth="repeat">
+      <a:schemeClr val="accent1"/>
+    </dgm:linClrLst>
+    <dgm:effectClrLst/>
+    <dgm:txLinClrLst/>
+    <dgm:txFillClrLst meth="repeat">
+      <a:schemeClr val="dk1"/>
+    </dgm:txFillClrLst>
+    <dgm:txEffectClrLst/>
+  </dgm:styleLbl>
+  <dgm:styleLbl name="fgAccFollowNode1">
+    <dgm:fillClrLst meth="repeat">
+      <a:schemeClr val="accent1">
+        <a:alpha val="90000"/>
+        <a:tint val="40000"/>
+      </a:schemeClr>
+    </dgm:fillClrLst>
+    <dgm:linClrLst meth="repeat">
+      <a:schemeClr val="accent1">
+        <a:alpha val="90000"/>
+        <a:tint val="40000"/>
+      </a:schemeClr>
+    </dgm:linClrLst>
+    <dgm:effectClrLst/>
+    <dgm:txLinClrLst/>
+    <dgm:txFillClrLst meth="repeat">
+      <a:schemeClr val="dk1"/>
+    </dgm:txFillClrLst>
+    <dgm:txEffectClrLst/>
+  </dgm:styleLbl>
+  <dgm:styleLbl name="alignAccFollowNode1">
+    <dgm:fillClrLst meth="repeat">
+      <a:schemeClr val="accent1">
+        <a:alpha val="90000"/>
+        <a:tint val="40000"/>
+      </a:schemeClr>
+    </dgm:fillClrLst>
+    <dgm:linClrLst meth="repeat">
+      <a:schemeClr val="accent1">
+        <a:alpha val="90000"/>
+        <a:tint val="40000"/>
+      </a:schemeClr>
+    </dgm:linClrLst>
+    <dgm:effectClrLst/>
+    <dgm:txLinClrLst/>
+    <dgm:txFillClrLst meth="repeat">
+      <a:schemeClr val="dk1"/>
+    </dgm:txFillClrLst>
+    <dgm:txEffectClrLst/>
+  </dgm:styleLbl>
+  <dgm:styleLbl name="bgAccFollowNode1">
+    <dgm:fillClrLst meth="repeat">
+      <a:schemeClr val="accent1">
+        <a:alpha val="90000"/>
+        <a:tint val="40000"/>
+      </a:schemeClr>
+    </dgm:fillClrLst>
+    <dgm:linClrLst meth="repeat">
+      <a:schemeClr val="accent1">
+        <a:alpha val="90000"/>
+        <a:tint val="40000"/>
+      </a:schemeClr>
+    </dgm:linClrLst>
+    <dgm:effectClrLst/>
+    <dgm:txLinClrLst/>
+    <dgm:txFillClrLst meth="repeat">
+      <a:schemeClr val="dk1"/>
+    </dgm:txFillClrLst>
+    <dgm:txEffectClrLst/>
+  </dgm:styleLbl>
+  <dgm:styleLbl name="fgAcc0">
+    <dgm:fillClrLst meth="repeat">
+      <a:schemeClr val="lt1">
+        <a:alpha val="90000"/>
+      </a:schemeClr>
+    </dgm:fillClrLst>
+    <dgm:linClrLst meth="repeat">
+      <a:schemeClr val="accent1"/>
+    </dgm:linClrLst>
+    <dgm:effectClrLst/>
+    <dgm:txLinClrLst/>
+    <dgm:txFillClrLst meth="repeat">
+      <a:schemeClr val="dk1"/>
+    </dgm:txFillClrLst>
+    <dgm:txEffectClrLst/>
+  </dgm:styleLbl>
+  <dgm:styleLbl name="fgAcc2">
+    <dgm:fillClrLst meth="repeat">
+      <a:schemeClr val="lt1">
+        <a:alpha val="90000"/>
+      </a:schemeClr>
+    </dgm:fillClrLst>
+    <dgm:linClrLst meth="repeat">
+      <a:schemeClr val="accent1"/>
+    </dgm:linClrLst>
+    <dgm:effectClrLst/>
+    <dgm:txLinClrLst/>
+    <dgm:txFillClrLst meth="repeat">
+      <a:schemeClr val="dk1"/>
+    </dgm:txFillClrLst>
+    <dgm:txEffectClrLst/>
+  </dgm:styleLbl>
+  <dgm:styleLbl name="fgAcc3">
+    <dgm:fillClrLst meth="repeat">
+      <a:schemeClr val="lt1">
+        <a:alpha val="90000"/>
+      </a:schemeClr>
+    </dgm:fillClrLst>
+    <dgm:linClrLst meth="repeat">
+      <a:schemeClr val="accent1"/>
+    </dgm:linClrLst>
+    <dgm:effectClrLst/>
+    <dgm:txLinClrLst/>
+    <dgm:txFillClrLst meth="repeat">
+      <a:schemeClr val="dk1"/>
+    </dgm:txFillClrLst>
+    <dgm:txEffectClrLst/>
+  </dgm:styleLbl>
+  <dgm:styleLbl name="fgAcc4">
+    <dgm:fillClrLst meth="repeat">
+      <a:schemeClr val="lt1">
+        <a:alpha val="90000"/>
+      </a:schemeClr>
+    </dgm:fillClrLst>
+    <dgm:linClrLst meth="repeat">
+      <a:schemeClr val="accent1"/>
+    </dgm:linClrLst>
+    <dgm:effectClrLst/>
+    <dgm:txLinClrLst/>
+    <dgm:txFillClrLst meth="repeat">
+      <a:schemeClr val="dk1"/>
+    </dgm:txFillClrLst>
+    <dgm:txEffectClrLst/>
+  </dgm:styleLbl>
+  <dgm:styleLbl name="bgShp">
+    <dgm:fillClrLst meth="repeat">
+      <a:schemeClr val="accent1">
+        <a:tint val="40000"/>
+      </a:schemeClr>
+    </dgm:fillClrLst>
+    <dgm:linClrLst meth="repeat">
+      <a:schemeClr val="accent1"/>
+    </dgm:linClrLst>
+    <dgm:effectClrLst/>
+    <dgm:txLinClrLst/>
+    <dgm:txFillClrLst meth="repeat">
+      <a:schemeClr val="dk1"/>
+    </dgm:txFillClrLst>
+    <dgm:txEffectClrLst/>
+  </dgm:styleLbl>
+  <dgm:styleLbl name="dkBgShp">
+    <dgm:fillClrLst meth="repeat">
+      <a:schemeClr val="accent1">
+        <a:shade val="80000"/>
+      </a:schemeClr>
+    </dgm:fillClrLst>
+    <dgm:linClrLst meth="repeat">
+      <a:schemeClr val="accent1"/>
+    </dgm:linClrLst>
+    <dgm:effectClrLst/>
+    <dgm:txLinClrLst/>
+    <dgm:txFillClrLst meth="repeat">
+      <a:schemeClr val="lt1"/>
+    </dgm:txFillClrLst>
+    <dgm:txEffectClrLst/>
+  </dgm:styleLbl>
+  <dgm:styleLbl name="trBgShp">
+    <dgm:fillClrLst meth="repeat">
+      <a:schemeClr val="accent1">
+        <a:tint val="50000"/>
+        <a:alpha val="40000"/>
+      </a:schemeClr>
+    </dgm:fillClrLst>
+    <dgm:linClrLst meth="repeat">
+      <a:schemeClr val="accent1"/>
+    </dgm:linClrLst>
+    <dgm:effectClrLst/>
+    <dgm:txLinClrLst/>
+    <dgm:txFillClrLst meth="repeat">
+      <a:schemeClr val="lt1"/>
+    </dgm:txFillClrLst>
+    <dgm:txEffectClrLst/>
+  </dgm:styleLbl>
+  <dgm:styleLbl name="fgShp">
+    <dgm:fillClrLst meth="repeat">
+      <a:schemeClr val="accent1">
+        <a:tint val="60000"/>
+      </a:schemeClr>
+    </dgm:fillClrLst>
+    <dgm:linClrLst meth="repeat">
+      <a:schemeClr val="lt1"/>
+    </dgm:linClrLst>
+    <dgm:effectClrLst/>
+    <dgm:txLinClrLst/>
+    <dgm:txFillClrLst meth="repeat">
+      <a:schemeClr val="dk1"/>
+    </dgm:txFillClrLst>
+    <dgm:txEffectClrLst/>
+  </dgm:styleLbl>
+  <dgm:styleLbl name="revTx">
+    <dgm:fillClrLst meth="repeat">
+      <a:schemeClr val="lt1">
+        <a:alpha val="0"/>
+      </a:schemeClr>
+    </dgm:fillClrLst>
+    <dgm:linClrLst meth="repeat">
+      <a:schemeClr val="dk1">
+        <a:alpha val="0"/>
+      </a:schemeClr>
+    </dgm:linClrLst>
+    <dgm:effectClrLst/>
+    <dgm:txLinClrLst/>
+    <dgm:txFillClrLst meth="repeat">
+      <a:schemeClr val="tx1"/>
+    </dgm:txFillClrLst>
+    <dgm:txEffectClrLst/>
+  </dgm:styleLbl>
+</dgm:colorsDef>
+</file>
+
+<file path=ppt/diagrams/colors4.xml><?xml version="1.0" encoding="utf-8"?>
 <dgm:colorsDef xmlns:dgm="http://schemas.openxmlformats.org/drawingml/2006/diagram" xmlns:a="http://schemas.openxmlformats.org/drawingml/2006/main" uniqueId="urn:microsoft.com/office/officeart/2005/8/colors/accent1_2">
   <dgm:title val=""/>
   <dgm:desc val=""/>
@@ -6314,8 +7062,8 @@
     <dgm:cxn modelId="{7EC4CCEE-A36A-43C6-95E1-0480A1BAEE8F}" srcId="{C450AFBD-D19E-4FDA-929B-E1A653D8E4DD}" destId="{85C598A0-BCCA-4BF4-BD0C-322094E95D20}" srcOrd="0" destOrd="0" parTransId="{DF9A3197-7551-4AB0-9864-A3DFF256CB2F}" sibTransId="{F8D97D87-512C-42B0-8BCF-6EB0500ECB4A}"/>
     <dgm:cxn modelId="{DFCB5525-E174-4B2A-ADBB-B3D93E2D2A6C}" srcId="{28621352-D8C8-4462-A38B-5ED8DAECF65B}" destId="{46D51864-616F-4817-8F91-3E15814C4CD5}" srcOrd="3" destOrd="0" parTransId="{E2AE9E1E-E0FB-47DC-9337-191CB5B936CB}" sibTransId="{E9DF6DF7-3E08-45C9-8B8E-841EA30C8B33}"/>
     <dgm:cxn modelId="{F0D4F50D-5A17-422C-8331-D8004DD48F14}" srcId="{28621352-D8C8-4462-A38B-5ED8DAECF65B}" destId="{F6891DC3-F7D4-4219-BD99-E633DF7F9C99}" srcOrd="0" destOrd="0" parTransId="{1B245E6A-BCBD-4310-AB1B-65FCE10DA84E}" sibTransId="{1D2F8BD6-4E8D-44E7-BB11-49A85F68390E}"/>
+    <dgm:cxn modelId="{5FB863EE-1950-496B-8FF6-A06CB4BCC373}" srcId="{46D51864-616F-4817-8F91-3E15814C4CD5}" destId="{F67643B1-22DC-47B4-B3B5-BF746A707484}" srcOrd="2" destOrd="0" parTransId="{8BDF7434-6C4C-4F44-B49E-8CEB0F7057E5}" sibTransId="{46B476B1-E80F-4347-839F-665DE47D6FA7}"/>
     <dgm:cxn modelId="{1B2F4A6A-C043-4023-88D6-A1926ECC69A4}" srcId="{F6891DC3-F7D4-4219-BD99-E633DF7F9C99}" destId="{0C38124E-1BE8-4699-A409-7E5EBEFC0B05}" srcOrd="0" destOrd="0" parTransId="{DE70DA72-A786-427A-941B-FDB83111C9ED}" sibTransId="{3D61EFA4-1337-4488-B664-71047F49B8E8}"/>
-    <dgm:cxn modelId="{5FB863EE-1950-496B-8FF6-A06CB4BCC373}" srcId="{46D51864-616F-4817-8F91-3E15814C4CD5}" destId="{F67643B1-22DC-47B4-B3B5-BF746A707484}" srcOrd="2" destOrd="0" parTransId="{8BDF7434-6C4C-4F44-B49E-8CEB0F7057E5}" sibTransId="{46B476B1-E80F-4347-839F-665DE47D6FA7}"/>
     <dgm:cxn modelId="{325076B5-CAF0-4A95-8C9C-B4FA4C794795}" srcId="{28621352-D8C8-4462-A38B-5ED8DAECF65B}" destId="{DD847369-FD52-47A4-9862-6E0F26E8356D}" srcOrd="1" destOrd="0" parTransId="{68F9C435-6FFD-40A0-A071-F2D05C6DAF67}" sibTransId="{6B1F0A42-3C88-4789-98FD-E29CD4BA95FC}"/>
     <dgm:cxn modelId="{C7B12F29-6D9C-4F55-B0B4-0C52E4894C4D}" srcId="{C450AFBD-D19E-4FDA-929B-E1A653D8E4DD}" destId="{CF9922EE-48BF-4D32-9CA3-D69D0E77782E}" srcOrd="2" destOrd="0" parTransId="{76B7A7CB-BEA7-4835-8CFB-5DE74BC2A803}" sibTransId="{A2A6269D-5DD5-43D6-9B36-4E362826A8F1}"/>
     <dgm:cxn modelId="{C97EDC3C-F975-4058-9CA6-846C8132FD7D}" type="presOf" srcId="{F6891DC3-F7D4-4219-BD99-E633DF7F9C99}" destId="{A95D184C-E14B-4F00-909E-013D2800488D}" srcOrd="0" destOrd="0" presId="urn:microsoft.com/office/officeart/2005/8/layout/vList2"/>
@@ -7359,11 +8107,7 @@
         <a:p>
           <a:r>
             <a:rPr lang="es-AR" dirty="0" smtClean="0"/>
-            <a:t>Determinación de los </a:t>
-          </a:r>
-          <a:r>
-            <a:rPr lang="es-AR" dirty="0" smtClean="0"/>
-            <a:t>puntos de inyección.</a:t>
+            <a:t>Determinación de los puntos de inyección.</a:t>
           </a:r>
           <a:endParaRPr lang="es-AR" dirty="0"/>
         </a:p>
@@ -7511,15 +8255,7 @@
         <a:p>
           <a:r>
             <a:rPr lang="es-AR" dirty="0" smtClean="0"/>
-            <a:t>Generación </a:t>
-          </a:r>
-          <a:r>
-            <a:rPr lang="es-AR" dirty="0" smtClean="0"/>
-            <a:t>automática </a:t>
-          </a:r>
-          <a:r>
-            <a:rPr lang="es-AR" dirty="0" smtClean="0"/>
-            <a:t>de tablas</a:t>
+            <a:t>Generación automática de tablas</a:t>
           </a:r>
           <a:endParaRPr lang="es-AR" dirty="0"/>
         </a:p>
@@ -7593,11 +8329,7 @@
         <a:p>
           <a:r>
             <a:rPr lang="es-AR" dirty="0" smtClean="0"/>
-            <a:t>Detección de salidas </a:t>
-          </a:r>
-          <a:r>
-            <a:rPr lang="es-AR" dirty="0" smtClean="0"/>
-            <a:t>erróneas</a:t>
+            <a:t>Detección de salidas erróneas</a:t>
           </a:r>
           <a:endParaRPr lang="es-AR" dirty="0"/>
         </a:p>
@@ -7671,11 +8403,7 @@
         <a:p>
           <a:r>
             <a:rPr lang="es-AR" dirty="0" smtClean="0"/>
-            <a:t>Desarrollo de los </a:t>
-          </a:r>
-          <a:r>
-            <a:rPr lang="es-AR" dirty="0" smtClean="0"/>
-            <a:t>algoritmos.</a:t>
+            <a:t>Desarrollo de los algoritmos.</a:t>
           </a:r>
           <a:endParaRPr lang="es-AR" dirty="0"/>
         </a:p>
@@ -8017,8 +8745,8 @@
   <dgm:cxnLst>
     <dgm:cxn modelId="{081F6AF6-A01E-4A9C-AE90-A8D99BA26333}" type="presOf" srcId="{F59F90C1-2A30-4C35-B08D-0E31AFC816E0}" destId="{75371E2A-895B-4B16-B02A-DBFE3269960E}" srcOrd="0" destOrd="1" presId="urn:microsoft.com/office/officeart/2005/8/layout/hList2#1"/>
     <dgm:cxn modelId="{93E9CA29-6D03-4FD6-A905-148A6D2755B4}" srcId="{6AAD33D9-E471-40F5-8F70-80606C79DA9D}" destId="{B52F8F05-15A2-40E7-8F62-7D6FADB62492}" srcOrd="1" destOrd="0" parTransId="{C67E8FD2-032B-4135-8EAB-45AA8056692C}" sibTransId="{637E4634-1FDA-40A6-9836-E1971DDE4D84}"/>
+    <dgm:cxn modelId="{8F723FB4-5E73-49E3-94A1-A588282C41D9}" type="presOf" srcId="{354D896D-387E-4689-A997-4E7501DB15F1}" destId="{D09BDCF9-B6AE-4482-83CA-29A57BE5B006}" srcOrd="0" destOrd="1" presId="urn:microsoft.com/office/officeart/2005/8/layout/hList2#1"/>
     <dgm:cxn modelId="{37A1186C-C5B1-41B6-A43E-B61DC05ADD7B}" srcId="{12E3F15A-2AFE-4808-B727-C7AF52123798}" destId="{4226B12D-E302-43AF-8B50-309C6137E5C3}" srcOrd="2" destOrd="0" parTransId="{CBC2977A-6744-4C41-A3FE-A4827AA9FE7F}" sibTransId="{E3B21E6C-B051-4E2D-B1E8-17DC0F772EE4}"/>
-    <dgm:cxn modelId="{8F723FB4-5E73-49E3-94A1-A588282C41D9}" type="presOf" srcId="{354D896D-387E-4689-A997-4E7501DB15F1}" destId="{D09BDCF9-B6AE-4482-83CA-29A57BE5B006}" srcOrd="0" destOrd="1" presId="urn:microsoft.com/office/officeart/2005/8/layout/hList2#1"/>
     <dgm:cxn modelId="{5CFF85D8-D08F-44C8-A56B-5D41EC5F2BE5}" type="presOf" srcId="{C8B4E141-47F4-435C-B9AD-CE9B2E64C7D8}" destId="{A661B534-4AB5-4378-81FC-8A50002BBF30}" srcOrd="0" destOrd="0" presId="urn:microsoft.com/office/officeart/2005/8/layout/hList2#1"/>
     <dgm:cxn modelId="{B1808300-D680-4FBD-9186-999E50A22429}" type="presOf" srcId="{B52F8F05-15A2-40E7-8F62-7D6FADB62492}" destId="{E1183BD7-0429-4707-9FCC-1ED6461A208B}" srcOrd="0" destOrd="1" presId="urn:microsoft.com/office/officeart/2005/8/layout/hList2#1"/>
     <dgm:cxn modelId="{E35445DC-BE1D-4860-B351-3E587AEF8FC7}" srcId="{0ED985B0-F992-41C0-A0DF-DB763467528A}" destId="{12E3F15A-2AFE-4808-B727-C7AF52123798}" srcOrd="3" destOrd="0" parTransId="{B679DC40-64DE-4885-A1D0-9D01CD8A863D}" sibTransId="{B5EA6FEA-9223-4997-8057-DF38C484678A}"/>
@@ -8063,6 +8791,339 @@
     <dgm:cxn modelId="{FBF9C7CB-2E81-4C10-97A1-6204C86E6E0A}" type="presParOf" srcId="{3713D22E-2D10-4ACB-9C91-44CBDAD2638E}" destId="{9BDC7C31-8470-418F-AA33-D0F153D75747}" srcOrd="0" destOrd="0" presId="urn:microsoft.com/office/officeart/2005/8/layout/hList2#1"/>
     <dgm:cxn modelId="{CA7BDEA7-5F71-447A-ADC9-CB45DD29421A}" type="presParOf" srcId="{3713D22E-2D10-4ACB-9C91-44CBDAD2638E}" destId="{7799EFF0-CB5B-45AF-9ECC-AF5ADE221639}" srcOrd="1" destOrd="0" presId="urn:microsoft.com/office/officeart/2005/8/layout/hList2#1"/>
     <dgm:cxn modelId="{4965C58C-4B95-49FE-8C0C-43C5F83F4A61}" type="presParOf" srcId="{3713D22E-2D10-4ACB-9C91-44CBDAD2638E}" destId="{C8BB9FC6-6AFF-4933-9021-7411AFD5B0A7}" srcOrd="2" destOrd="0" presId="urn:microsoft.com/office/officeart/2005/8/layout/hList2#1"/>
+  </dgm:cxnLst>
+  <dgm:bg/>
+  <dgm:whole/>
+  <dgm:extLst>
+    <a:ext uri="http://schemas.microsoft.com/office/drawing/2008/diagram">
+      <dsp:dataModelExt xmlns:dsp="http://schemas.microsoft.com/office/drawing/2008/diagram" xmlns="" relId="rId7" minVer="http://schemas.openxmlformats.org/drawingml/2006/diagram"/>
+    </a:ext>
+  </dgm:extLst>
+</dgm:dataModel>
+</file>
+
+<file path=ppt/diagrams/data4.xml><?xml version="1.0" encoding="utf-8"?>
+<dgm:dataModel xmlns:dgm="http://schemas.openxmlformats.org/drawingml/2006/diagram" xmlns:a="http://schemas.openxmlformats.org/drawingml/2006/main">
+  <dgm:ptLst>
+    <dgm:pt modelId="{80E16539-3E92-4124-8A1F-4A9E31F8EC2E}" type="doc">
+      <dgm:prSet loTypeId="urn:microsoft.com/office/officeart/2005/8/layout/hierarchy3" loCatId="hierarchy" qsTypeId="urn:microsoft.com/office/officeart/2005/8/quickstyle/simple4" qsCatId="simple" csTypeId="urn:microsoft.com/office/officeart/2005/8/colors/accent1_2" csCatId="accent1" phldr="1"/>
+      <dgm:spPr/>
+      <dgm:t>
+        <a:bodyPr/>
+        <a:lstStyle/>
+        <a:p>
+          <a:endParaRPr lang="es-AR"/>
+        </a:p>
+      </dgm:t>
+    </dgm:pt>
+    <dgm:pt modelId="{31C69409-B591-4C46-B707-6BCCBF1E4CA9}">
+      <dgm:prSet custT="1"/>
+      <dgm:spPr/>
+      <dgm:t>
+        <a:bodyPr/>
+        <a:lstStyle/>
+        <a:p>
+          <a:pPr rtl="0"/>
+          <a:r>
+            <a:rPr lang="es-AR" sz="2800" dirty="0" smtClean="0"/>
+            <a:t>Inyección</a:t>
+          </a:r>
+          <a:endParaRPr lang="es-AR" sz="2800" dirty="0"/>
+        </a:p>
+      </dgm:t>
+    </dgm:pt>
+    <dgm:pt modelId="{9BFAC5E4-125A-4A1F-A7BB-F4BEC1696449}" type="parTrans" cxnId="{1AFAB177-467D-4B89-A213-02B6365D04EB}">
+      <dgm:prSet/>
+      <dgm:spPr/>
+      <dgm:t>
+        <a:bodyPr/>
+        <a:lstStyle/>
+        <a:p>
+          <a:endParaRPr lang="es-AR"/>
+        </a:p>
+      </dgm:t>
+    </dgm:pt>
+    <dgm:pt modelId="{6825B447-C2CE-4027-BE08-55BB147CDC49}" type="sibTrans" cxnId="{1AFAB177-467D-4B89-A213-02B6365D04EB}">
+      <dgm:prSet/>
+      <dgm:spPr/>
+      <dgm:t>
+        <a:bodyPr/>
+        <a:lstStyle/>
+        <a:p>
+          <a:endParaRPr lang="es-AR"/>
+        </a:p>
+      </dgm:t>
+    </dgm:pt>
+    <dgm:pt modelId="{F0C53854-E03C-4814-9760-9BA16F5FA8BC}">
+      <dgm:prSet/>
+      <dgm:spPr/>
+      <dgm:t>
+        <a:bodyPr/>
+        <a:lstStyle/>
+        <a:p>
+          <a:pPr rtl="0"/>
+          <a:r>
+            <a:rPr lang="es-AR" dirty="0" smtClean="0"/>
+            <a:t>Determinación de los nodos y definición del criterio</a:t>
+          </a:r>
+          <a:endParaRPr lang="es-AR" dirty="0"/>
+        </a:p>
+      </dgm:t>
+    </dgm:pt>
+    <dgm:pt modelId="{8C1C3F75-6608-4B93-8B3B-5B75018282EC}" type="parTrans" cxnId="{D6C53CAD-580C-41B2-BF66-B1D1A50B393C}">
+      <dgm:prSet/>
+      <dgm:spPr/>
+      <dgm:t>
+        <a:bodyPr/>
+        <a:lstStyle/>
+        <a:p>
+          <a:endParaRPr lang="es-AR"/>
+        </a:p>
+      </dgm:t>
+    </dgm:pt>
+    <dgm:pt modelId="{894BBE28-B683-434C-A9D7-3D3B928DBF49}" type="sibTrans" cxnId="{D6C53CAD-580C-41B2-BF66-B1D1A50B393C}">
+      <dgm:prSet/>
+      <dgm:spPr/>
+      <dgm:t>
+        <a:bodyPr/>
+        <a:lstStyle/>
+        <a:p>
+          <a:endParaRPr lang="es-AR"/>
+        </a:p>
+      </dgm:t>
+    </dgm:pt>
+    <dgm:pt modelId="{B7EEAC7C-1883-4668-BC6F-D8B3DA76F8BF}">
+      <dgm:prSet/>
+      <dgm:spPr/>
+      <dgm:t>
+        <a:bodyPr/>
+        <a:lstStyle/>
+        <a:p>
+          <a:pPr rtl="0"/>
+          <a:r>
+            <a:rPr lang="es-AR" dirty="0" smtClean="0"/>
+            <a:t>Generación de archivos </a:t>
+          </a:r>
+          <a:endParaRPr lang="es-AR" dirty="0"/>
+        </a:p>
+      </dgm:t>
+    </dgm:pt>
+    <dgm:pt modelId="{BF491720-D7CD-4478-9106-24D0BA9982F4}" type="parTrans" cxnId="{5B2F50F0-EE08-4E0C-968E-8C64417A10DF}">
+      <dgm:prSet/>
+      <dgm:spPr/>
+      <dgm:t>
+        <a:bodyPr/>
+        <a:lstStyle/>
+        <a:p>
+          <a:endParaRPr lang="es-AR"/>
+        </a:p>
+      </dgm:t>
+    </dgm:pt>
+    <dgm:pt modelId="{EABF78F3-D6AC-4D05-B5BC-A97B2EB77F64}" type="sibTrans" cxnId="{5B2F50F0-EE08-4E0C-968E-8C64417A10DF}">
+      <dgm:prSet/>
+      <dgm:spPr/>
+      <dgm:t>
+        <a:bodyPr/>
+        <a:lstStyle/>
+        <a:p>
+          <a:endParaRPr lang="es-AR"/>
+        </a:p>
+      </dgm:t>
+    </dgm:pt>
+    <dgm:pt modelId="{94F86347-C606-4EE0-A6E8-BB8A44694DF9}">
+      <dgm:prSet/>
+      <dgm:spPr/>
+      <dgm:t>
+        <a:bodyPr/>
+        <a:lstStyle/>
+        <a:p>
+          <a:pPr rtl="0"/>
+          <a:r>
+            <a:rPr lang="es-AR" dirty="0" smtClean="0"/>
+            <a:t>Almacenamiento en la base de datos</a:t>
+          </a:r>
+          <a:endParaRPr lang="es-AR" dirty="0"/>
+        </a:p>
+      </dgm:t>
+    </dgm:pt>
+    <dgm:pt modelId="{3CBC6FF7-A8F7-4C33-AC70-2566FE2810A5}" type="parTrans" cxnId="{CC7BFC9D-A2CA-4477-8CAD-0DDA96E0D532}">
+      <dgm:prSet/>
+      <dgm:spPr/>
+      <dgm:t>
+        <a:bodyPr/>
+        <a:lstStyle/>
+        <a:p>
+          <a:endParaRPr lang="es-AR"/>
+        </a:p>
+      </dgm:t>
+    </dgm:pt>
+    <dgm:pt modelId="{1B2F1B8D-8AA2-44E6-AF2F-BDB134BEC24A}" type="sibTrans" cxnId="{CC7BFC9D-A2CA-4477-8CAD-0DDA96E0D532}">
+      <dgm:prSet/>
+      <dgm:spPr/>
+      <dgm:t>
+        <a:bodyPr/>
+        <a:lstStyle/>
+        <a:p>
+          <a:endParaRPr lang="es-AR"/>
+        </a:p>
+      </dgm:t>
+    </dgm:pt>
+    <dgm:pt modelId="{060C202A-B972-4E3E-9302-17138FA761EA}">
+      <dgm:prSet/>
+      <dgm:spPr/>
+      <dgm:t>
+        <a:bodyPr/>
+        <a:lstStyle/>
+        <a:p>
+          <a:pPr rtl="0"/>
+          <a:r>
+            <a:rPr lang="es-AR" dirty="0" smtClean="0"/>
+            <a:t>Seleccionar las fallas</a:t>
+          </a:r>
+          <a:endParaRPr lang="es-AR" dirty="0"/>
+        </a:p>
+      </dgm:t>
+    </dgm:pt>
+    <dgm:pt modelId="{1306955E-8CC2-495B-A275-E99BCB872722}" type="parTrans" cxnId="{812D0691-8BC1-427E-953D-AFCCD0368114}">
+      <dgm:prSet/>
+      <dgm:spPr/>
+      <dgm:t>
+        <a:bodyPr/>
+        <a:lstStyle/>
+        <a:p>
+          <a:endParaRPr lang="es-AR"/>
+        </a:p>
+      </dgm:t>
+    </dgm:pt>
+    <dgm:pt modelId="{C9F126AC-DBFA-46FE-90EC-5C309725E082}" type="sibTrans" cxnId="{812D0691-8BC1-427E-953D-AFCCD0368114}">
+      <dgm:prSet/>
+      <dgm:spPr/>
+      <dgm:t>
+        <a:bodyPr/>
+        <a:lstStyle/>
+        <a:p>
+          <a:endParaRPr lang="es-AR"/>
+        </a:p>
+      </dgm:t>
+    </dgm:pt>
+    <dgm:pt modelId="{70F6EC45-D96E-42BC-BDBC-B34A4823BA5D}" type="pres">
+      <dgm:prSet presAssocID="{80E16539-3E92-4124-8A1F-4A9E31F8EC2E}" presName="diagram" presStyleCnt="0">
+        <dgm:presLayoutVars>
+          <dgm:chPref val="1"/>
+          <dgm:dir/>
+          <dgm:animOne val="branch"/>
+          <dgm:animLvl val="lvl"/>
+          <dgm:resizeHandles/>
+        </dgm:presLayoutVars>
+      </dgm:prSet>
+      <dgm:spPr/>
+    </dgm:pt>
+    <dgm:pt modelId="{7E98BAC7-F49D-41D8-BE3A-BC19F40CEE74}" type="pres">
+      <dgm:prSet presAssocID="{31C69409-B591-4C46-B707-6BCCBF1E4CA9}" presName="root" presStyleCnt="0"/>
+      <dgm:spPr/>
+    </dgm:pt>
+    <dgm:pt modelId="{631BF8D1-E5D9-4B1F-BD06-1DAB94D038FD}" type="pres">
+      <dgm:prSet presAssocID="{31C69409-B591-4C46-B707-6BCCBF1E4CA9}" presName="rootComposite" presStyleCnt="0"/>
+      <dgm:spPr/>
+    </dgm:pt>
+    <dgm:pt modelId="{AEA74C94-F3D4-4CBD-A566-243D44B3FF8B}" type="pres">
+      <dgm:prSet presAssocID="{31C69409-B591-4C46-B707-6BCCBF1E4CA9}" presName="rootText" presStyleLbl="node1" presStyleIdx="0" presStyleCnt="1"/>
+      <dgm:spPr/>
+    </dgm:pt>
+    <dgm:pt modelId="{A2679085-85F2-4742-8990-3105DC75D3F7}" type="pres">
+      <dgm:prSet presAssocID="{31C69409-B591-4C46-B707-6BCCBF1E4CA9}" presName="rootConnector" presStyleLbl="node1" presStyleIdx="0" presStyleCnt="1"/>
+      <dgm:spPr/>
+    </dgm:pt>
+    <dgm:pt modelId="{216B1F15-96BC-45FF-8A4A-46F652265F85}" type="pres">
+      <dgm:prSet presAssocID="{31C69409-B591-4C46-B707-6BCCBF1E4CA9}" presName="childShape" presStyleCnt="0"/>
+      <dgm:spPr/>
+    </dgm:pt>
+    <dgm:pt modelId="{5AC2DC40-0C88-4145-A53C-5FE132F9C7E0}" type="pres">
+      <dgm:prSet presAssocID="{1306955E-8CC2-495B-A275-E99BCB872722}" presName="Name13" presStyleLbl="parChTrans1D2" presStyleIdx="0" presStyleCnt="4"/>
+      <dgm:spPr/>
+    </dgm:pt>
+    <dgm:pt modelId="{CF4DB355-D8CF-4B07-B3EA-BEB53097D339}" type="pres">
+      <dgm:prSet presAssocID="{060C202A-B972-4E3E-9302-17138FA761EA}" presName="childText" presStyleLbl="bgAcc1" presStyleIdx="0" presStyleCnt="4">
+        <dgm:presLayoutVars>
+          <dgm:bulletEnabled val="1"/>
+        </dgm:presLayoutVars>
+      </dgm:prSet>
+      <dgm:spPr/>
+      <dgm:t>
+        <a:bodyPr/>
+        <a:lstStyle/>
+        <a:p>
+          <a:endParaRPr lang="es-AR"/>
+        </a:p>
+      </dgm:t>
+    </dgm:pt>
+    <dgm:pt modelId="{6B6B405D-ADFC-4944-87A1-87E4FE33C9EE}" type="pres">
+      <dgm:prSet presAssocID="{8C1C3F75-6608-4B93-8B3B-5B75018282EC}" presName="Name13" presStyleLbl="parChTrans1D2" presStyleIdx="1" presStyleCnt="4"/>
+      <dgm:spPr/>
+    </dgm:pt>
+    <dgm:pt modelId="{D434A1EB-6A1F-49FD-826E-04786FB8C313}" type="pres">
+      <dgm:prSet presAssocID="{F0C53854-E03C-4814-9760-9BA16F5FA8BC}" presName="childText" presStyleLbl="bgAcc1" presStyleIdx="1" presStyleCnt="4">
+        <dgm:presLayoutVars>
+          <dgm:bulletEnabled val="1"/>
+        </dgm:presLayoutVars>
+      </dgm:prSet>
+      <dgm:spPr/>
+    </dgm:pt>
+    <dgm:pt modelId="{ED3D3DDE-255B-4CD3-808A-AC9E672C6F95}" type="pres">
+      <dgm:prSet presAssocID="{BF491720-D7CD-4478-9106-24D0BA9982F4}" presName="Name13" presStyleLbl="parChTrans1D2" presStyleIdx="2" presStyleCnt="4"/>
+      <dgm:spPr/>
+    </dgm:pt>
+    <dgm:pt modelId="{DE1B43A8-8A02-43F5-99A3-A91D3D0BB452}" type="pres">
+      <dgm:prSet presAssocID="{B7EEAC7C-1883-4668-BC6F-D8B3DA76F8BF}" presName="childText" presStyleLbl="bgAcc1" presStyleIdx="2" presStyleCnt="4">
+        <dgm:presLayoutVars>
+          <dgm:bulletEnabled val="1"/>
+        </dgm:presLayoutVars>
+      </dgm:prSet>
+      <dgm:spPr/>
+    </dgm:pt>
+    <dgm:pt modelId="{5E93933D-6B28-481C-B370-64B38FC9C997}" type="pres">
+      <dgm:prSet presAssocID="{3CBC6FF7-A8F7-4C33-AC70-2566FE2810A5}" presName="Name13" presStyleLbl="parChTrans1D2" presStyleIdx="3" presStyleCnt="4"/>
+      <dgm:spPr/>
+    </dgm:pt>
+    <dgm:pt modelId="{711A5DE2-752B-437B-8740-E664D813ADA8}" type="pres">
+      <dgm:prSet presAssocID="{94F86347-C606-4EE0-A6E8-BB8A44694DF9}" presName="childText" presStyleLbl="bgAcc1" presStyleIdx="3" presStyleCnt="4">
+        <dgm:presLayoutVars>
+          <dgm:bulletEnabled val="1"/>
+        </dgm:presLayoutVars>
+      </dgm:prSet>
+      <dgm:spPr/>
+    </dgm:pt>
+  </dgm:ptLst>
+  <dgm:cxnLst>
+    <dgm:cxn modelId="{D6C53CAD-580C-41B2-BF66-B1D1A50B393C}" srcId="{31C69409-B591-4C46-B707-6BCCBF1E4CA9}" destId="{F0C53854-E03C-4814-9760-9BA16F5FA8BC}" srcOrd="1" destOrd="0" parTransId="{8C1C3F75-6608-4B93-8B3B-5B75018282EC}" sibTransId="{894BBE28-B683-434C-A9D7-3D3B928DBF49}"/>
+    <dgm:cxn modelId="{1AFAB177-467D-4B89-A213-02B6365D04EB}" srcId="{80E16539-3E92-4124-8A1F-4A9E31F8EC2E}" destId="{31C69409-B591-4C46-B707-6BCCBF1E4CA9}" srcOrd="0" destOrd="0" parTransId="{9BFAC5E4-125A-4A1F-A7BB-F4BEC1696449}" sibTransId="{6825B447-C2CE-4027-BE08-55BB147CDC49}"/>
+    <dgm:cxn modelId="{4C4CC5CE-045C-4DBD-8E9A-B5B6FAE431B2}" type="presOf" srcId="{060C202A-B972-4E3E-9302-17138FA761EA}" destId="{CF4DB355-D8CF-4B07-B3EA-BEB53097D339}" srcOrd="0" destOrd="0" presId="urn:microsoft.com/office/officeart/2005/8/layout/hierarchy3"/>
+    <dgm:cxn modelId="{82FDB327-12B7-4230-A908-CA9B97DE07CC}" type="presOf" srcId="{F0C53854-E03C-4814-9760-9BA16F5FA8BC}" destId="{D434A1EB-6A1F-49FD-826E-04786FB8C313}" srcOrd="0" destOrd="0" presId="urn:microsoft.com/office/officeart/2005/8/layout/hierarchy3"/>
+    <dgm:cxn modelId="{AC7D67DD-6352-42D8-92D1-77F6020AE52F}" type="presOf" srcId="{80E16539-3E92-4124-8A1F-4A9E31F8EC2E}" destId="{70F6EC45-D96E-42BC-BDBC-B34A4823BA5D}" srcOrd="0" destOrd="0" presId="urn:microsoft.com/office/officeart/2005/8/layout/hierarchy3"/>
+    <dgm:cxn modelId="{F4E44EE5-1F79-4915-8075-0E1F7ED283EE}" type="presOf" srcId="{31C69409-B591-4C46-B707-6BCCBF1E4CA9}" destId="{A2679085-85F2-4742-8990-3105DC75D3F7}" srcOrd="1" destOrd="0" presId="urn:microsoft.com/office/officeart/2005/8/layout/hierarchy3"/>
+    <dgm:cxn modelId="{0D56FB0F-8369-4E7C-BA4C-237B1124CE89}" type="presOf" srcId="{3CBC6FF7-A8F7-4C33-AC70-2566FE2810A5}" destId="{5E93933D-6B28-481C-B370-64B38FC9C997}" srcOrd="0" destOrd="0" presId="urn:microsoft.com/office/officeart/2005/8/layout/hierarchy3"/>
+    <dgm:cxn modelId="{820305B0-C735-48C8-8B5E-797921C8E0BE}" type="presOf" srcId="{B7EEAC7C-1883-4668-BC6F-D8B3DA76F8BF}" destId="{DE1B43A8-8A02-43F5-99A3-A91D3D0BB452}" srcOrd="0" destOrd="0" presId="urn:microsoft.com/office/officeart/2005/8/layout/hierarchy3"/>
+    <dgm:cxn modelId="{A885E8AE-B96C-44D8-A686-F014557F0827}" type="presOf" srcId="{94F86347-C606-4EE0-A6E8-BB8A44694DF9}" destId="{711A5DE2-752B-437B-8740-E664D813ADA8}" srcOrd="0" destOrd="0" presId="urn:microsoft.com/office/officeart/2005/8/layout/hierarchy3"/>
+    <dgm:cxn modelId="{7D6A130A-6964-4DAD-8F08-63E9422C5A12}" type="presOf" srcId="{8C1C3F75-6608-4B93-8B3B-5B75018282EC}" destId="{6B6B405D-ADFC-4944-87A1-87E4FE33C9EE}" srcOrd="0" destOrd="0" presId="urn:microsoft.com/office/officeart/2005/8/layout/hierarchy3"/>
+    <dgm:cxn modelId="{CC7BFC9D-A2CA-4477-8CAD-0DDA96E0D532}" srcId="{31C69409-B591-4C46-B707-6BCCBF1E4CA9}" destId="{94F86347-C606-4EE0-A6E8-BB8A44694DF9}" srcOrd="3" destOrd="0" parTransId="{3CBC6FF7-A8F7-4C33-AC70-2566FE2810A5}" sibTransId="{1B2F1B8D-8AA2-44E6-AF2F-BDB134BEC24A}"/>
+    <dgm:cxn modelId="{812D0691-8BC1-427E-953D-AFCCD0368114}" srcId="{31C69409-B591-4C46-B707-6BCCBF1E4CA9}" destId="{060C202A-B972-4E3E-9302-17138FA761EA}" srcOrd="0" destOrd="0" parTransId="{1306955E-8CC2-495B-A275-E99BCB872722}" sibTransId="{C9F126AC-DBFA-46FE-90EC-5C309725E082}"/>
+    <dgm:cxn modelId="{13E0BED3-DD8A-4A39-AD45-A990139F481A}" type="presOf" srcId="{1306955E-8CC2-495B-A275-E99BCB872722}" destId="{5AC2DC40-0C88-4145-A53C-5FE132F9C7E0}" srcOrd="0" destOrd="0" presId="urn:microsoft.com/office/officeart/2005/8/layout/hierarchy3"/>
+    <dgm:cxn modelId="{A3296AF0-E854-4719-A2AC-26E839A6E0AF}" type="presOf" srcId="{31C69409-B591-4C46-B707-6BCCBF1E4CA9}" destId="{AEA74C94-F3D4-4CBD-A566-243D44B3FF8B}" srcOrd="0" destOrd="0" presId="urn:microsoft.com/office/officeart/2005/8/layout/hierarchy3"/>
+    <dgm:cxn modelId="{5B2F50F0-EE08-4E0C-968E-8C64417A10DF}" srcId="{31C69409-B591-4C46-B707-6BCCBF1E4CA9}" destId="{B7EEAC7C-1883-4668-BC6F-D8B3DA76F8BF}" srcOrd="2" destOrd="0" parTransId="{BF491720-D7CD-4478-9106-24D0BA9982F4}" sibTransId="{EABF78F3-D6AC-4D05-B5BC-A97B2EB77F64}"/>
+    <dgm:cxn modelId="{695A5D19-6828-4213-ABC9-4D3252CD9114}" type="presOf" srcId="{BF491720-D7CD-4478-9106-24D0BA9982F4}" destId="{ED3D3DDE-255B-4CD3-808A-AC9E672C6F95}" srcOrd="0" destOrd="0" presId="urn:microsoft.com/office/officeart/2005/8/layout/hierarchy3"/>
+    <dgm:cxn modelId="{A4FD8647-6FDF-42C6-A4BA-A8ECD8568F2D}" type="presParOf" srcId="{70F6EC45-D96E-42BC-BDBC-B34A4823BA5D}" destId="{7E98BAC7-F49D-41D8-BE3A-BC19F40CEE74}" srcOrd="0" destOrd="0" presId="urn:microsoft.com/office/officeart/2005/8/layout/hierarchy3"/>
+    <dgm:cxn modelId="{3CF12002-2C1B-4287-A435-3D24CA7DB235}" type="presParOf" srcId="{7E98BAC7-F49D-41D8-BE3A-BC19F40CEE74}" destId="{631BF8D1-E5D9-4B1F-BD06-1DAB94D038FD}" srcOrd="0" destOrd="0" presId="urn:microsoft.com/office/officeart/2005/8/layout/hierarchy3"/>
+    <dgm:cxn modelId="{56CA654F-1975-4C91-BE28-23982C04B0D4}" type="presParOf" srcId="{631BF8D1-E5D9-4B1F-BD06-1DAB94D038FD}" destId="{AEA74C94-F3D4-4CBD-A566-243D44B3FF8B}" srcOrd="0" destOrd="0" presId="urn:microsoft.com/office/officeart/2005/8/layout/hierarchy3"/>
+    <dgm:cxn modelId="{32DA9AE2-7CA9-4CD2-ACF2-599A8217E705}" type="presParOf" srcId="{631BF8D1-E5D9-4B1F-BD06-1DAB94D038FD}" destId="{A2679085-85F2-4742-8990-3105DC75D3F7}" srcOrd="1" destOrd="0" presId="urn:microsoft.com/office/officeart/2005/8/layout/hierarchy3"/>
+    <dgm:cxn modelId="{EE6FDA92-11FF-4385-8C62-9E66B9EF67DC}" type="presParOf" srcId="{7E98BAC7-F49D-41D8-BE3A-BC19F40CEE74}" destId="{216B1F15-96BC-45FF-8A4A-46F652265F85}" srcOrd="1" destOrd="0" presId="urn:microsoft.com/office/officeart/2005/8/layout/hierarchy3"/>
+    <dgm:cxn modelId="{7C5738C7-E532-4BEC-92B7-F95713A58AB9}" type="presParOf" srcId="{216B1F15-96BC-45FF-8A4A-46F652265F85}" destId="{5AC2DC40-0C88-4145-A53C-5FE132F9C7E0}" srcOrd="0" destOrd="0" presId="urn:microsoft.com/office/officeart/2005/8/layout/hierarchy3"/>
+    <dgm:cxn modelId="{36140AA8-FD12-4E27-852C-B21086C820EF}" type="presParOf" srcId="{216B1F15-96BC-45FF-8A4A-46F652265F85}" destId="{CF4DB355-D8CF-4B07-B3EA-BEB53097D339}" srcOrd="1" destOrd="0" presId="urn:microsoft.com/office/officeart/2005/8/layout/hierarchy3"/>
+    <dgm:cxn modelId="{B835D37F-5906-4202-925C-11D0A085831A}" type="presParOf" srcId="{216B1F15-96BC-45FF-8A4A-46F652265F85}" destId="{6B6B405D-ADFC-4944-87A1-87E4FE33C9EE}" srcOrd="2" destOrd="0" presId="urn:microsoft.com/office/officeart/2005/8/layout/hierarchy3"/>
+    <dgm:cxn modelId="{2D8FE526-D005-4E7E-A8BE-65ABA7B14FEC}" type="presParOf" srcId="{216B1F15-96BC-45FF-8A4A-46F652265F85}" destId="{D434A1EB-6A1F-49FD-826E-04786FB8C313}" srcOrd="3" destOrd="0" presId="urn:microsoft.com/office/officeart/2005/8/layout/hierarchy3"/>
+    <dgm:cxn modelId="{4DC213AA-B9EC-4D2B-A0BD-1355EEF753F6}" type="presParOf" srcId="{216B1F15-96BC-45FF-8A4A-46F652265F85}" destId="{ED3D3DDE-255B-4CD3-808A-AC9E672C6F95}" srcOrd="4" destOrd="0" presId="urn:microsoft.com/office/officeart/2005/8/layout/hierarchy3"/>
+    <dgm:cxn modelId="{6E5F4F6B-5C1B-433B-9802-7469AACAE919}" type="presParOf" srcId="{216B1F15-96BC-45FF-8A4A-46F652265F85}" destId="{DE1B43A8-8A02-43F5-99A3-A91D3D0BB452}" srcOrd="5" destOrd="0" presId="urn:microsoft.com/office/officeart/2005/8/layout/hierarchy3"/>
+    <dgm:cxn modelId="{75A7E1E6-A491-47AB-9D41-B890E50B7898}" type="presParOf" srcId="{216B1F15-96BC-45FF-8A4A-46F652265F85}" destId="{5E93933D-6B28-481C-B370-64B38FC9C997}" srcOrd="6" destOrd="0" presId="urn:microsoft.com/office/officeart/2005/8/layout/hierarchy3"/>
+    <dgm:cxn modelId="{8BB02295-1B05-48BA-9328-C4FE8009D611}" type="presParOf" srcId="{216B1F15-96BC-45FF-8A4A-46F652265F85}" destId="{711A5DE2-752B-437B-8740-E664D813ADA8}" srcOrd="7" destOrd="0" presId="urn:microsoft.com/office/officeart/2005/8/layout/hierarchy3"/>
   </dgm:cxnLst>
   <dgm:bg/>
   <dgm:whole/>
@@ -9957,11 +11018,7 @@
           </a:pPr>
           <a:r>
             <a:rPr lang="es-AR" sz="1300" kern="1200" dirty="0" smtClean="0"/>
-            <a:t>Desarrollo de los </a:t>
-          </a:r>
-          <a:r>
-            <a:rPr lang="es-AR" sz="1300" kern="1200" dirty="0" smtClean="0"/>
-            <a:t>algoritmos.</a:t>
+            <a:t>Desarrollo de los algoritmos.</a:t>
           </a:r>
           <a:endParaRPr lang="es-AR" sz="1300" kern="1200" dirty="0"/>
         </a:p>
@@ -10186,11 +11243,7 @@
           </a:pPr>
           <a:r>
             <a:rPr lang="es-AR" sz="1300" kern="1200" dirty="0" smtClean="0"/>
-            <a:t>Determinación de los </a:t>
-          </a:r>
-          <a:r>
-            <a:rPr lang="es-AR" sz="1300" kern="1200" dirty="0" smtClean="0"/>
-            <a:t>puntos de inyección.</a:t>
+            <a:t>Determinación de los puntos de inyección.</a:t>
           </a:r>
           <a:endParaRPr lang="es-AR" sz="1300" kern="1200" dirty="0"/>
         </a:p>
@@ -10640,11 +11693,7 @@
           </a:pPr>
           <a:r>
             <a:rPr lang="es-AR" sz="1300" kern="1200" dirty="0" smtClean="0"/>
-            <a:t>Detección de salidas </a:t>
-          </a:r>
-          <a:r>
-            <a:rPr lang="es-AR" sz="1300" kern="1200" dirty="0" smtClean="0"/>
-            <a:t>erróneas</a:t>
+            <a:t>Detección de salidas erróneas</a:t>
           </a:r>
           <a:endParaRPr lang="es-AR" sz="1300" kern="1200" dirty="0"/>
         </a:p>
@@ -10682,15 +11731,7 @@
           </a:pPr>
           <a:r>
             <a:rPr lang="es-AR" sz="1300" kern="1200" dirty="0" smtClean="0"/>
-            <a:t>Generación </a:t>
-          </a:r>
-          <a:r>
-            <a:rPr lang="es-AR" sz="1300" kern="1200" dirty="0" smtClean="0"/>
-            <a:t>automática </a:t>
-          </a:r>
-          <a:r>
-            <a:rPr lang="es-AR" sz="1300" kern="1200" dirty="0" smtClean="0"/>
-            <a:t>de tablas</a:t>
+            <a:t>Generación automática de tablas</a:t>
           </a:r>
           <a:endParaRPr lang="es-AR" sz="1300" kern="1200" dirty="0"/>
         </a:p>
@@ -10742,6 +11783,666 @@
         </a:effectRef>
         <a:fontRef idx="minor"/>
       </dsp:style>
+    </dsp:sp>
+  </dsp:spTree>
+</dsp:drawing>
+</file>
+
+<file path=ppt/diagrams/drawing4.xml><?xml version="1.0" encoding="utf-8"?>
+<dsp:drawing xmlns:dgm="http://schemas.openxmlformats.org/drawingml/2006/diagram" xmlns:a="http://schemas.openxmlformats.org/drawingml/2006/main" xmlns:dsp="http://schemas.microsoft.com/office/drawing/2008/diagram">
+  <dsp:spTree>
+    <dsp:nvGrpSpPr>
+      <dsp:cNvPr id="0" name=""/>
+      <dsp:cNvGrpSpPr/>
+    </dsp:nvGrpSpPr>
+    <dsp:grpSpPr/>
+    <dsp:sp modelId="{AEA74C94-F3D4-4CBD-A566-243D44B3FF8B}">
+      <dsp:nvSpPr>
+        <dsp:cNvPr id="0" name=""/>
+        <dsp:cNvSpPr/>
+      </dsp:nvSpPr>
+      <dsp:spPr>
+        <a:xfrm>
+          <a:off x="288840" y="2427"/>
+          <a:ext cx="1654565" cy="827282"/>
+        </a:xfrm>
+        <a:prstGeom prst="roundRect">
+          <a:avLst>
+            <a:gd name="adj" fmla="val 10000"/>
+          </a:avLst>
+        </a:prstGeom>
+        <a:gradFill rotWithShape="0">
+          <a:gsLst>
+            <a:gs pos="0">
+              <a:schemeClr val="accent1">
+                <a:hueOff val="0"/>
+                <a:satOff val="0"/>
+                <a:lumOff val="0"/>
+                <a:alphaOff val="0"/>
+                <a:shade val="47500"/>
+                <a:satMod val="137000"/>
+              </a:schemeClr>
+            </a:gs>
+            <a:gs pos="55000">
+              <a:schemeClr val="accent1">
+                <a:hueOff val="0"/>
+                <a:satOff val="0"/>
+                <a:lumOff val="0"/>
+                <a:alphaOff val="0"/>
+                <a:shade val="69000"/>
+                <a:satMod val="137000"/>
+              </a:schemeClr>
+            </a:gs>
+            <a:gs pos="100000">
+              <a:schemeClr val="accent1">
+                <a:hueOff val="0"/>
+                <a:satOff val="0"/>
+                <a:lumOff val="0"/>
+                <a:alphaOff val="0"/>
+                <a:shade val="98000"/>
+                <a:satMod val="137000"/>
+              </a:schemeClr>
+            </a:gs>
+          </a:gsLst>
+          <a:lin ang="16200000" scaled="0"/>
+        </a:gradFill>
+        <a:ln>
+          <a:noFill/>
+        </a:ln>
+        <a:effectLst>
+          <a:outerShdw blurRad="39000" dist="25400" dir="5400000" rotWithShape="0">
+            <a:srgbClr val="000000">
+              <a:alpha val="38000"/>
+            </a:srgbClr>
+          </a:outerShdw>
+        </a:effectLst>
+      </dsp:spPr>
+      <dsp:style>
+        <a:lnRef idx="0">
+          <a:scrgbClr r="0" g="0" b="0"/>
+        </a:lnRef>
+        <a:fillRef idx="3">
+          <a:scrgbClr r="0" g="0" b="0"/>
+        </a:fillRef>
+        <a:effectRef idx="2">
+          <a:scrgbClr r="0" g="0" b="0"/>
+        </a:effectRef>
+        <a:fontRef idx="minor">
+          <a:schemeClr val="lt1"/>
+        </a:fontRef>
+      </dsp:style>
+      <dsp:txBody>
+        <a:bodyPr spcFirstLastPara="0" vert="horz" wrap="square" lIns="53340" tIns="35560" rIns="53340" bIns="35560" numCol="1" spcCol="1270" anchor="ctr" anchorCtr="0">
+          <a:noAutofit/>
+        </a:bodyPr>
+        <a:lstStyle/>
+        <a:p>
+          <a:pPr lvl="0" algn="ctr" defTabSz="1244600" rtl="0">
+            <a:lnSpc>
+              <a:spcPct val="90000"/>
+            </a:lnSpc>
+            <a:spcBef>
+              <a:spcPct val="0"/>
+            </a:spcBef>
+            <a:spcAft>
+              <a:spcPct val="35000"/>
+            </a:spcAft>
+          </a:pPr>
+          <a:r>
+            <a:rPr lang="es-AR" sz="2800" kern="1200" dirty="0" smtClean="0"/>
+            <a:t>Inyección</a:t>
+          </a:r>
+          <a:endParaRPr lang="es-AR" sz="2800" kern="1200" dirty="0"/>
+        </a:p>
+      </dsp:txBody>
+      <dsp:txXfrm>
+        <a:off x="288840" y="2427"/>
+        <a:ext cx="1654565" cy="827282"/>
+      </dsp:txXfrm>
+    </dsp:sp>
+    <dsp:sp modelId="{5AC2DC40-0C88-4145-A53C-5FE132F9C7E0}">
+      <dsp:nvSpPr>
+        <dsp:cNvPr id="0" name=""/>
+        <dsp:cNvSpPr/>
+      </dsp:nvSpPr>
+      <dsp:spPr>
+        <a:xfrm>
+          <a:off x="454297" y="829710"/>
+          <a:ext cx="165456" cy="620462"/>
+        </a:xfrm>
+        <a:custGeom>
+          <a:avLst/>
+          <a:gdLst/>
+          <a:ahLst/>
+          <a:cxnLst/>
+          <a:rect l="0" t="0" r="0" b="0"/>
+          <a:pathLst>
+            <a:path>
+              <a:moveTo>
+                <a:pt x="0" y="0"/>
+              </a:moveTo>
+              <a:lnTo>
+                <a:pt x="0" y="620462"/>
+              </a:lnTo>
+              <a:lnTo>
+                <a:pt x="165456" y="620462"/>
+              </a:lnTo>
+            </a:path>
+          </a:pathLst>
+        </a:custGeom>
+        <a:noFill/>
+        <a:ln w="6350" cap="rnd" cmpd="sng" algn="ctr">
+          <a:solidFill>
+            <a:schemeClr val="accent1">
+              <a:shade val="60000"/>
+              <a:hueOff val="0"/>
+              <a:satOff val="0"/>
+              <a:lumOff val="0"/>
+              <a:alphaOff val="0"/>
+            </a:schemeClr>
+          </a:solidFill>
+          <a:prstDash val="solid"/>
+        </a:ln>
+        <a:effectLst/>
+      </dsp:spPr>
+      <dsp:style>
+        <a:lnRef idx="1">
+          <a:scrgbClr r="0" g="0" b="0"/>
+        </a:lnRef>
+        <a:fillRef idx="0">
+          <a:scrgbClr r="0" g="0" b="0"/>
+        </a:fillRef>
+        <a:effectRef idx="0">
+          <a:scrgbClr r="0" g="0" b="0"/>
+        </a:effectRef>
+        <a:fontRef idx="minor"/>
+      </dsp:style>
+    </dsp:sp>
+    <dsp:sp modelId="{CF4DB355-D8CF-4B07-B3EA-BEB53097D339}">
+      <dsp:nvSpPr>
+        <dsp:cNvPr id="0" name=""/>
+        <dsp:cNvSpPr/>
+      </dsp:nvSpPr>
+      <dsp:spPr>
+        <a:xfrm>
+          <a:off x="619753" y="1036530"/>
+          <a:ext cx="1323652" cy="827282"/>
+        </a:xfrm>
+        <a:prstGeom prst="roundRect">
+          <a:avLst>
+            <a:gd name="adj" fmla="val 10000"/>
+          </a:avLst>
+        </a:prstGeom>
+        <a:solidFill>
+          <a:schemeClr val="lt1">
+            <a:alpha val="90000"/>
+            <a:hueOff val="0"/>
+            <a:satOff val="0"/>
+            <a:lumOff val="0"/>
+            <a:alphaOff val="0"/>
+          </a:schemeClr>
+        </a:solidFill>
+        <a:ln w="6350" cap="rnd" cmpd="sng" algn="ctr">
+          <a:solidFill>
+            <a:schemeClr val="accent1">
+              <a:hueOff val="0"/>
+              <a:satOff val="0"/>
+              <a:lumOff val="0"/>
+              <a:alphaOff val="0"/>
+            </a:schemeClr>
+          </a:solidFill>
+          <a:prstDash val="solid"/>
+        </a:ln>
+        <a:effectLst/>
+      </dsp:spPr>
+      <dsp:style>
+        <a:lnRef idx="1">
+          <a:scrgbClr r="0" g="0" b="0"/>
+        </a:lnRef>
+        <a:fillRef idx="1">
+          <a:scrgbClr r="0" g="0" b="0"/>
+        </a:fillRef>
+        <a:effectRef idx="0">
+          <a:scrgbClr r="0" g="0" b="0"/>
+        </a:effectRef>
+        <a:fontRef idx="minor"/>
+      </dsp:style>
+      <dsp:txBody>
+        <a:bodyPr spcFirstLastPara="0" vert="horz" wrap="square" lIns="24765" tIns="16510" rIns="24765" bIns="16510" numCol="1" spcCol="1270" anchor="ctr" anchorCtr="0">
+          <a:noAutofit/>
+        </a:bodyPr>
+        <a:lstStyle/>
+        <a:p>
+          <a:pPr lvl="0" algn="ctr" defTabSz="577850" rtl="0">
+            <a:lnSpc>
+              <a:spcPct val="90000"/>
+            </a:lnSpc>
+            <a:spcBef>
+              <a:spcPct val="0"/>
+            </a:spcBef>
+            <a:spcAft>
+              <a:spcPct val="35000"/>
+            </a:spcAft>
+          </a:pPr>
+          <a:r>
+            <a:rPr lang="es-AR" sz="1300" kern="1200" dirty="0" smtClean="0"/>
+            <a:t>Seleccionar las fallas</a:t>
+          </a:r>
+          <a:endParaRPr lang="es-AR" sz="1300" kern="1200" dirty="0"/>
+        </a:p>
+      </dsp:txBody>
+      <dsp:txXfrm>
+        <a:off x="619753" y="1036530"/>
+        <a:ext cx="1323652" cy="827282"/>
+      </dsp:txXfrm>
+    </dsp:sp>
+    <dsp:sp modelId="{6B6B405D-ADFC-4944-87A1-87E4FE33C9EE}">
+      <dsp:nvSpPr>
+        <dsp:cNvPr id="0" name=""/>
+        <dsp:cNvSpPr/>
+      </dsp:nvSpPr>
+      <dsp:spPr>
+        <a:xfrm>
+          <a:off x="454297" y="829710"/>
+          <a:ext cx="165456" cy="1654565"/>
+        </a:xfrm>
+        <a:custGeom>
+          <a:avLst/>
+          <a:gdLst/>
+          <a:ahLst/>
+          <a:cxnLst/>
+          <a:rect l="0" t="0" r="0" b="0"/>
+          <a:pathLst>
+            <a:path>
+              <a:moveTo>
+                <a:pt x="0" y="0"/>
+              </a:moveTo>
+              <a:lnTo>
+                <a:pt x="0" y="1654565"/>
+              </a:lnTo>
+              <a:lnTo>
+                <a:pt x="165456" y="1654565"/>
+              </a:lnTo>
+            </a:path>
+          </a:pathLst>
+        </a:custGeom>
+        <a:noFill/>
+        <a:ln w="6350" cap="rnd" cmpd="sng" algn="ctr">
+          <a:solidFill>
+            <a:schemeClr val="accent1">
+              <a:shade val="60000"/>
+              <a:hueOff val="0"/>
+              <a:satOff val="0"/>
+              <a:lumOff val="0"/>
+              <a:alphaOff val="0"/>
+            </a:schemeClr>
+          </a:solidFill>
+          <a:prstDash val="solid"/>
+        </a:ln>
+        <a:effectLst/>
+      </dsp:spPr>
+      <dsp:style>
+        <a:lnRef idx="1">
+          <a:scrgbClr r="0" g="0" b="0"/>
+        </a:lnRef>
+        <a:fillRef idx="0">
+          <a:scrgbClr r="0" g="0" b="0"/>
+        </a:fillRef>
+        <a:effectRef idx="0">
+          <a:scrgbClr r="0" g="0" b="0"/>
+        </a:effectRef>
+        <a:fontRef idx="minor"/>
+      </dsp:style>
+    </dsp:sp>
+    <dsp:sp modelId="{D434A1EB-6A1F-49FD-826E-04786FB8C313}">
+      <dsp:nvSpPr>
+        <dsp:cNvPr id="0" name=""/>
+        <dsp:cNvSpPr/>
+      </dsp:nvSpPr>
+      <dsp:spPr>
+        <a:xfrm>
+          <a:off x="619753" y="2070634"/>
+          <a:ext cx="1323652" cy="827282"/>
+        </a:xfrm>
+        <a:prstGeom prst="roundRect">
+          <a:avLst>
+            <a:gd name="adj" fmla="val 10000"/>
+          </a:avLst>
+        </a:prstGeom>
+        <a:solidFill>
+          <a:schemeClr val="lt1">
+            <a:alpha val="90000"/>
+            <a:hueOff val="0"/>
+            <a:satOff val="0"/>
+            <a:lumOff val="0"/>
+            <a:alphaOff val="0"/>
+          </a:schemeClr>
+        </a:solidFill>
+        <a:ln w="6350" cap="rnd" cmpd="sng" algn="ctr">
+          <a:solidFill>
+            <a:schemeClr val="accent1">
+              <a:hueOff val="0"/>
+              <a:satOff val="0"/>
+              <a:lumOff val="0"/>
+              <a:alphaOff val="0"/>
+            </a:schemeClr>
+          </a:solidFill>
+          <a:prstDash val="solid"/>
+        </a:ln>
+        <a:effectLst/>
+      </dsp:spPr>
+      <dsp:style>
+        <a:lnRef idx="1">
+          <a:scrgbClr r="0" g="0" b="0"/>
+        </a:lnRef>
+        <a:fillRef idx="1">
+          <a:scrgbClr r="0" g="0" b="0"/>
+        </a:fillRef>
+        <a:effectRef idx="0">
+          <a:scrgbClr r="0" g="0" b="0"/>
+        </a:effectRef>
+        <a:fontRef idx="minor"/>
+      </dsp:style>
+      <dsp:txBody>
+        <a:bodyPr spcFirstLastPara="0" vert="horz" wrap="square" lIns="24765" tIns="16510" rIns="24765" bIns="16510" numCol="1" spcCol="1270" anchor="ctr" anchorCtr="0">
+          <a:noAutofit/>
+        </a:bodyPr>
+        <a:lstStyle/>
+        <a:p>
+          <a:pPr lvl="0" algn="ctr" defTabSz="577850" rtl="0">
+            <a:lnSpc>
+              <a:spcPct val="90000"/>
+            </a:lnSpc>
+            <a:spcBef>
+              <a:spcPct val="0"/>
+            </a:spcBef>
+            <a:spcAft>
+              <a:spcPct val="35000"/>
+            </a:spcAft>
+          </a:pPr>
+          <a:r>
+            <a:rPr lang="es-AR" sz="1300" kern="1200" dirty="0" smtClean="0"/>
+            <a:t>Determinación de los nodos y definición del criterio</a:t>
+          </a:r>
+          <a:endParaRPr lang="es-AR" sz="1300" kern="1200" dirty="0"/>
+        </a:p>
+      </dsp:txBody>
+      <dsp:txXfrm>
+        <a:off x="619753" y="2070634"/>
+        <a:ext cx="1323652" cy="827282"/>
+      </dsp:txXfrm>
+    </dsp:sp>
+    <dsp:sp modelId="{ED3D3DDE-255B-4CD3-808A-AC9E672C6F95}">
+      <dsp:nvSpPr>
+        <dsp:cNvPr id="0" name=""/>
+        <dsp:cNvSpPr/>
+      </dsp:nvSpPr>
+      <dsp:spPr>
+        <a:xfrm>
+          <a:off x="454297" y="829710"/>
+          <a:ext cx="165456" cy="2688669"/>
+        </a:xfrm>
+        <a:custGeom>
+          <a:avLst/>
+          <a:gdLst/>
+          <a:ahLst/>
+          <a:cxnLst/>
+          <a:rect l="0" t="0" r="0" b="0"/>
+          <a:pathLst>
+            <a:path>
+              <a:moveTo>
+                <a:pt x="0" y="0"/>
+              </a:moveTo>
+              <a:lnTo>
+                <a:pt x="0" y="2688669"/>
+              </a:lnTo>
+              <a:lnTo>
+                <a:pt x="165456" y="2688669"/>
+              </a:lnTo>
+            </a:path>
+          </a:pathLst>
+        </a:custGeom>
+        <a:noFill/>
+        <a:ln w="6350" cap="rnd" cmpd="sng" algn="ctr">
+          <a:solidFill>
+            <a:schemeClr val="accent1">
+              <a:shade val="60000"/>
+              <a:hueOff val="0"/>
+              <a:satOff val="0"/>
+              <a:lumOff val="0"/>
+              <a:alphaOff val="0"/>
+            </a:schemeClr>
+          </a:solidFill>
+          <a:prstDash val="solid"/>
+        </a:ln>
+        <a:effectLst/>
+      </dsp:spPr>
+      <dsp:style>
+        <a:lnRef idx="1">
+          <a:scrgbClr r="0" g="0" b="0"/>
+        </a:lnRef>
+        <a:fillRef idx="0">
+          <a:scrgbClr r="0" g="0" b="0"/>
+        </a:fillRef>
+        <a:effectRef idx="0">
+          <a:scrgbClr r="0" g="0" b="0"/>
+        </a:effectRef>
+        <a:fontRef idx="minor"/>
+      </dsp:style>
+    </dsp:sp>
+    <dsp:sp modelId="{DE1B43A8-8A02-43F5-99A3-A91D3D0BB452}">
+      <dsp:nvSpPr>
+        <dsp:cNvPr id="0" name=""/>
+        <dsp:cNvSpPr/>
+      </dsp:nvSpPr>
+      <dsp:spPr>
+        <a:xfrm>
+          <a:off x="619753" y="3104738"/>
+          <a:ext cx="1323652" cy="827282"/>
+        </a:xfrm>
+        <a:prstGeom prst="roundRect">
+          <a:avLst>
+            <a:gd name="adj" fmla="val 10000"/>
+          </a:avLst>
+        </a:prstGeom>
+        <a:solidFill>
+          <a:schemeClr val="lt1">
+            <a:alpha val="90000"/>
+            <a:hueOff val="0"/>
+            <a:satOff val="0"/>
+            <a:lumOff val="0"/>
+            <a:alphaOff val="0"/>
+          </a:schemeClr>
+        </a:solidFill>
+        <a:ln w="6350" cap="rnd" cmpd="sng" algn="ctr">
+          <a:solidFill>
+            <a:schemeClr val="accent1">
+              <a:hueOff val="0"/>
+              <a:satOff val="0"/>
+              <a:lumOff val="0"/>
+              <a:alphaOff val="0"/>
+            </a:schemeClr>
+          </a:solidFill>
+          <a:prstDash val="solid"/>
+        </a:ln>
+        <a:effectLst/>
+      </dsp:spPr>
+      <dsp:style>
+        <a:lnRef idx="1">
+          <a:scrgbClr r="0" g="0" b="0"/>
+        </a:lnRef>
+        <a:fillRef idx="1">
+          <a:scrgbClr r="0" g="0" b="0"/>
+        </a:fillRef>
+        <a:effectRef idx="0">
+          <a:scrgbClr r="0" g="0" b="0"/>
+        </a:effectRef>
+        <a:fontRef idx="minor"/>
+      </dsp:style>
+      <dsp:txBody>
+        <a:bodyPr spcFirstLastPara="0" vert="horz" wrap="square" lIns="24765" tIns="16510" rIns="24765" bIns="16510" numCol="1" spcCol="1270" anchor="ctr" anchorCtr="0">
+          <a:noAutofit/>
+        </a:bodyPr>
+        <a:lstStyle/>
+        <a:p>
+          <a:pPr lvl="0" algn="ctr" defTabSz="577850" rtl="0">
+            <a:lnSpc>
+              <a:spcPct val="90000"/>
+            </a:lnSpc>
+            <a:spcBef>
+              <a:spcPct val="0"/>
+            </a:spcBef>
+            <a:spcAft>
+              <a:spcPct val="35000"/>
+            </a:spcAft>
+          </a:pPr>
+          <a:r>
+            <a:rPr lang="es-AR" sz="1300" kern="1200" dirty="0" smtClean="0"/>
+            <a:t>Generación de archivos </a:t>
+          </a:r>
+          <a:endParaRPr lang="es-AR" sz="1300" kern="1200" dirty="0"/>
+        </a:p>
+      </dsp:txBody>
+      <dsp:txXfrm>
+        <a:off x="619753" y="3104738"/>
+        <a:ext cx="1323652" cy="827282"/>
+      </dsp:txXfrm>
+    </dsp:sp>
+    <dsp:sp modelId="{5E93933D-6B28-481C-B370-64B38FC9C997}">
+      <dsp:nvSpPr>
+        <dsp:cNvPr id="0" name=""/>
+        <dsp:cNvSpPr/>
+      </dsp:nvSpPr>
+      <dsp:spPr>
+        <a:xfrm>
+          <a:off x="454297" y="829710"/>
+          <a:ext cx="165456" cy="3722773"/>
+        </a:xfrm>
+        <a:custGeom>
+          <a:avLst/>
+          <a:gdLst/>
+          <a:ahLst/>
+          <a:cxnLst/>
+          <a:rect l="0" t="0" r="0" b="0"/>
+          <a:pathLst>
+            <a:path>
+              <a:moveTo>
+                <a:pt x="0" y="0"/>
+              </a:moveTo>
+              <a:lnTo>
+                <a:pt x="0" y="3722773"/>
+              </a:lnTo>
+              <a:lnTo>
+                <a:pt x="165456" y="3722773"/>
+              </a:lnTo>
+            </a:path>
+          </a:pathLst>
+        </a:custGeom>
+        <a:noFill/>
+        <a:ln w="6350" cap="rnd" cmpd="sng" algn="ctr">
+          <a:solidFill>
+            <a:schemeClr val="accent1">
+              <a:shade val="60000"/>
+              <a:hueOff val="0"/>
+              <a:satOff val="0"/>
+              <a:lumOff val="0"/>
+              <a:alphaOff val="0"/>
+            </a:schemeClr>
+          </a:solidFill>
+          <a:prstDash val="solid"/>
+        </a:ln>
+        <a:effectLst/>
+      </dsp:spPr>
+      <dsp:style>
+        <a:lnRef idx="1">
+          <a:scrgbClr r="0" g="0" b="0"/>
+        </a:lnRef>
+        <a:fillRef idx="0">
+          <a:scrgbClr r="0" g="0" b="0"/>
+        </a:fillRef>
+        <a:effectRef idx="0">
+          <a:scrgbClr r="0" g="0" b="0"/>
+        </a:effectRef>
+        <a:fontRef idx="minor"/>
+      </dsp:style>
+    </dsp:sp>
+    <dsp:sp modelId="{711A5DE2-752B-437B-8740-E664D813ADA8}">
+      <dsp:nvSpPr>
+        <dsp:cNvPr id="0" name=""/>
+        <dsp:cNvSpPr/>
+      </dsp:nvSpPr>
+      <dsp:spPr>
+        <a:xfrm>
+          <a:off x="619753" y="4138841"/>
+          <a:ext cx="1323652" cy="827282"/>
+        </a:xfrm>
+        <a:prstGeom prst="roundRect">
+          <a:avLst>
+            <a:gd name="adj" fmla="val 10000"/>
+          </a:avLst>
+        </a:prstGeom>
+        <a:solidFill>
+          <a:schemeClr val="lt1">
+            <a:alpha val="90000"/>
+            <a:hueOff val="0"/>
+            <a:satOff val="0"/>
+            <a:lumOff val="0"/>
+            <a:alphaOff val="0"/>
+          </a:schemeClr>
+        </a:solidFill>
+        <a:ln w="6350" cap="rnd" cmpd="sng" algn="ctr">
+          <a:solidFill>
+            <a:schemeClr val="accent1">
+              <a:hueOff val="0"/>
+              <a:satOff val="0"/>
+              <a:lumOff val="0"/>
+              <a:alphaOff val="0"/>
+            </a:schemeClr>
+          </a:solidFill>
+          <a:prstDash val="solid"/>
+        </a:ln>
+        <a:effectLst/>
+      </dsp:spPr>
+      <dsp:style>
+        <a:lnRef idx="1">
+          <a:scrgbClr r="0" g="0" b="0"/>
+        </a:lnRef>
+        <a:fillRef idx="1">
+          <a:scrgbClr r="0" g="0" b="0"/>
+        </a:fillRef>
+        <a:effectRef idx="0">
+          <a:scrgbClr r="0" g="0" b="0"/>
+        </a:effectRef>
+        <a:fontRef idx="minor"/>
+      </dsp:style>
+      <dsp:txBody>
+        <a:bodyPr spcFirstLastPara="0" vert="horz" wrap="square" lIns="24765" tIns="16510" rIns="24765" bIns="16510" numCol="1" spcCol="1270" anchor="ctr" anchorCtr="0">
+          <a:noAutofit/>
+        </a:bodyPr>
+        <a:lstStyle/>
+        <a:p>
+          <a:pPr lvl="0" algn="ctr" defTabSz="577850" rtl="0">
+            <a:lnSpc>
+              <a:spcPct val="90000"/>
+            </a:lnSpc>
+            <a:spcBef>
+              <a:spcPct val="0"/>
+            </a:spcBef>
+            <a:spcAft>
+              <a:spcPct val="35000"/>
+            </a:spcAft>
+          </a:pPr>
+          <a:r>
+            <a:rPr lang="es-AR" sz="1300" kern="1200" dirty="0" smtClean="0"/>
+            <a:t>Almacenamiento en la base de datos</a:t>
+          </a:r>
+          <a:endParaRPr lang="es-AR" sz="1300" kern="1200" dirty="0"/>
+        </a:p>
+      </dsp:txBody>
+      <dsp:txXfrm>
+        <a:off x="619753" y="4138841"/>
+        <a:ext cx="1323652" cy="827282"/>
+      </dsp:txXfrm>
     </dsp:sp>
   </dsp:spTree>
 </dsp:drawing>
@@ -11364,6 +13065,298 @@
 </dgm:layoutDef>
 </file>
 
+<file path=ppt/diagrams/layout4.xml><?xml version="1.0" encoding="utf-8"?>
+<dgm:layoutDef xmlns:dgm="http://schemas.openxmlformats.org/drawingml/2006/diagram" xmlns:a="http://schemas.openxmlformats.org/drawingml/2006/main" uniqueId="urn:microsoft.com/office/officeart/2005/8/layout/hierarchy3">
+  <dgm:title val=""/>
+  <dgm:desc val=""/>
+  <dgm:catLst>
+    <dgm:cat type="hierarchy" pri="7000"/>
+    <dgm:cat type="list" pri="23000"/>
+    <dgm:cat type="relationship" pri="15000"/>
+    <dgm:cat type="convert" pri="7000"/>
+  </dgm:catLst>
+  <dgm:sampData>
+    <dgm:dataModel>
+      <dgm:ptLst>
+        <dgm:pt modelId="0" type="doc"/>
+        <dgm:pt modelId="1">
+          <dgm:prSet phldr="1"/>
+        </dgm:pt>
+        <dgm:pt modelId="11">
+          <dgm:prSet phldr="1"/>
+        </dgm:pt>
+        <dgm:pt modelId="12">
+          <dgm:prSet phldr="1"/>
+        </dgm:pt>
+        <dgm:pt modelId="2">
+          <dgm:prSet phldr="1"/>
+        </dgm:pt>
+        <dgm:pt modelId="21">
+          <dgm:prSet phldr="1"/>
+        </dgm:pt>
+        <dgm:pt modelId="22">
+          <dgm:prSet phldr="1"/>
+        </dgm:pt>
+      </dgm:ptLst>
+      <dgm:cxnLst>
+        <dgm:cxn modelId="4" srcId="0" destId="1" srcOrd="0" destOrd="0"/>
+        <dgm:cxn modelId="5" srcId="1" destId="11" srcOrd="0" destOrd="0"/>
+        <dgm:cxn modelId="6" srcId="1" destId="12" srcOrd="1" destOrd="0"/>
+        <dgm:cxn modelId="7" srcId="0" destId="2" srcOrd="1" destOrd="0"/>
+        <dgm:cxn modelId="8" srcId="2" destId="21" srcOrd="0" destOrd="0"/>
+        <dgm:cxn modelId="9" srcId="2" destId="22" srcOrd="1" destOrd="0"/>
+      </dgm:cxnLst>
+      <dgm:bg/>
+      <dgm:whole/>
+    </dgm:dataModel>
+  </dgm:sampData>
+  <dgm:styleData>
+    <dgm:dataModel>
+      <dgm:ptLst>
+        <dgm:pt modelId="0" type="doc"/>
+        <dgm:pt modelId="1"/>
+        <dgm:pt modelId="11"/>
+        <dgm:pt modelId="2"/>
+        <dgm:pt modelId="21"/>
+      </dgm:ptLst>
+      <dgm:cxnLst>
+        <dgm:cxn modelId="4" srcId="0" destId="1" srcOrd="0" destOrd="0"/>
+        <dgm:cxn modelId="5" srcId="0" destId="2" srcOrd="1" destOrd="0"/>
+        <dgm:cxn modelId="13" srcId="1" destId="11" srcOrd="0" destOrd="0"/>
+        <dgm:cxn modelId="23" srcId="2" destId="21" srcOrd="0" destOrd="0"/>
+      </dgm:cxnLst>
+      <dgm:bg/>
+      <dgm:whole/>
+    </dgm:dataModel>
+  </dgm:styleData>
+  <dgm:clrData>
+    <dgm:dataModel>
+      <dgm:ptLst>
+        <dgm:pt modelId="0" type="doc"/>
+        <dgm:pt modelId="1"/>
+        <dgm:pt modelId="11"/>
+        <dgm:pt modelId="2"/>
+        <dgm:pt modelId="21"/>
+        <dgm:pt modelId="3"/>
+        <dgm:pt modelId="31"/>
+        <dgm:pt modelId="4"/>
+        <dgm:pt modelId="41"/>
+      </dgm:ptLst>
+      <dgm:cxnLst>
+        <dgm:cxn modelId="5" srcId="0" destId="1" srcOrd="0" destOrd="0"/>
+        <dgm:cxn modelId="6" srcId="0" destId="2" srcOrd="1" destOrd="0"/>
+        <dgm:cxn modelId="7" srcId="0" destId="3" srcOrd="2" destOrd="0"/>
+        <dgm:cxn modelId="8" srcId="0" destId="4" srcOrd="3" destOrd="0"/>
+        <dgm:cxn modelId="13" srcId="1" destId="11" srcOrd="0" destOrd="0"/>
+        <dgm:cxn modelId="23" srcId="2" destId="21" srcOrd="0" destOrd="0"/>
+        <dgm:cxn modelId="33" srcId="3" destId="31" srcOrd="0" destOrd="0"/>
+        <dgm:cxn modelId="43" srcId="4" destId="41" srcOrd="0" destOrd="0"/>
+      </dgm:cxnLst>
+      <dgm:bg/>
+      <dgm:whole/>
+    </dgm:dataModel>
+  </dgm:clrData>
+  <dgm:layoutNode name="diagram">
+    <dgm:varLst>
+      <dgm:chPref val="1"/>
+      <dgm:dir/>
+      <dgm:animOne val="branch"/>
+      <dgm:animLvl val="lvl"/>
+      <dgm:resizeHandles/>
+    </dgm:varLst>
+    <dgm:choose name="Name0">
+      <dgm:if name="Name1" func="var" arg="dir" op="equ" val="norm">
+        <dgm:alg type="hierChild">
+          <dgm:param type="linDir" val="fromL"/>
+        </dgm:alg>
+      </dgm:if>
+      <dgm:else name="Name2">
+        <dgm:alg type="hierChild">
+          <dgm:param type="linDir" val="fromR"/>
+        </dgm:alg>
+      </dgm:else>
+    </dgm:choose>
+    <dgm:shape xmlns:r="http://schemas.openxmlformats.org/officeDocument/2006/relationships" r:blip="">
+      <dgm:adjLst/>
+    </dgm:shape>
+    <dgm:presOf/>
+    <dgm:constrLst>
+      <dgm:constr type="primFontSz" for="des" forName="rootText" op="equ" val="65"/>
+      <dgm:constr type="primFontSz" for="des" forName="childText" op="equ" val="65"/>
+      <dgm:constr type="w" for="des" forName="rootComposite" refType="w"/>
+      <dgm:constr type="h" for="des" forName="rootComposite" refType="w" fact="0.5"/>
+      <dgm:constr type="w" for="des" forName="childText" refType="w" refFor="des" refForName="rootComposite" fact="0.8"/>
+      <dgm:constr type="h" for="des" forName="childText" refType="h" refFor="des" refForName="rootComposite"/>
+      <dgm:constr type="sibSp" refType="w" refFor="des" refForName="rootComposite" fact="0.25"/>
+      <dgm:constr type="sibSp" for="des" forName="childShape" refType="h" refFor="des" refForName="childText" fact="0.25"/>
+      <dgm:constr type="sp" for="des" forName="root" refType="h" refFor="des" refForName="childText" fact="0.25"/>
+    </dgm:constrLst>
+    <dgm:ruleLst/>
+    <dgm:forEach name="Name3" axis="ch">
+      <dgm:forEach name="Name4" axis="self" ptType="node" cnt="1">
+        <dgm:layoutNode name="root">
+          <dgm:choose name="Name5">
+            <dgm:if name="Name6" func="var" arg="dir" op="equ" val="norm">
+              <dgm:alg type="hierRoot">
+                <dgm:param type="hierAlign" val="tL"/>
+              </dgm:alg>
+            </dgm:if>
+            <dgm:else name="Name7">
+              <dgm:alg type="hierRoot">
+                <dgm:param type="hierAlign" val="tR"/>
+              </dgm:alg>
+            </dgm:else>
+          </dgm:choose>
+          <dgm:shape xmlns:r="http://schemas.openxmlformats.org/officeDocument/2006/relationships" r:blip="">
+            <dgm:adjLst/>
+          </dgm:shape>
+          <dgm:presOf/>
+          <dgm:constrLst>
+            <dgm:constr type="alignOff" val="0.2"/>
+          </dgm:constrLst>
+          <dgm:ruleLst/>
+          <dgm:layoutNode name="rootComposite">
+            <dgm:alg type="composite"/>
+            <dgm:shape xmlns:r="http://schemas.openxmlformats.org/officeDocument/2006/relationships" r:blip="">
+              <dgm:adjLst/>
+            </dgm:shape>
+            <dgm:presOf axis="self" ptType="node" cnt="1"/>
+            <dgm:choose name="Name8">
+              <dgm:if name="Name9" func="var" arg="dir" op="equ" val="norm">
+                <dgm:constrLst>
+                  <dgm:constr type="l" for="ch" forName="rootText"/>
+                  <dgm:constr type="t" for="ch" forName="rootText"/>
+                  <dgm:constr type="w" for="ch" forName="rootText" refType="w"/>
+                  <dgm:constr type="h" for="ch" forName="rootText" refType="h"/>
+                  <dgm:constr type="l" for="ch" forName="rootConnector"/>
+                  <dgm:constr type="t" for="ch" forName="rootConnector"/>
+                  <dgm:constr type="w" for="ch" forName="rootConnector" refType="w" refFor="ch" refForName="rootText" fact="0.2"/>
+                  <dgm:constr type="h" for="ch" forName="rootConnector" refType="h" refFor="ch" refForName="rootText"/>
+                </dgm:constrLst>
+              </dgm:if>
+              <dgm:else name="Name10">
+                <dgm:constrLst>
+                  <dgm:constr type="l" for="ch" forName="rootText"/>
+                  <dgm:constr type="t" for="ch" forName="rootText"/>
+                  <dgm:constr type="w" for="ch" forName="rootText" refType="w"/>
+                  <dgm:constr type="h" for="ch" forName="rootText" refType="h"/>
+                  <dgm:constr type="r" for="ch" forName="rootConnector" refType="w"/>
+                  <dgm:constr type="t" for="ch" forName="rootConnector"/>
+                  <dgm:constr type="w" for="ch" forName="rootConnector" refType="w" refFor="ch" refForName="rootText" fact="0.2"/>
+                  <dgm:constr type="h" for="ch" forName="rootConnector" refType="h" refFor="ch" refForName="rootText"/>
+                </dgm:constrLst>
+              </dgm:else>
+            </dgm:choose>
+            <dgm:ruleLst/>
+            <dgm:layoutNode name="rootText" styleLbl="node1">
+              <dgm:alg type="tx"/>
+              <dgm:shape xmlns:r="http://schemas.openxmlformats.org/officeDocument/2006/relationships" type="roundRect" r:blip="">
+                <dgm:adjLst>
+                  <dgm:adj idx="1" val="0.1"/>
+                </dgm:adjLst>
+              </dgm:shape>
+              <dgm:presOf axis="self" ptType="node" cnt="1"/>
+              <dgm:constrLst>
+                <dgm:constr type="tMarg" refType="primFontSz" fact="0.1"/>
+                <dgm:constr type="bMarg" refType="primFontSz" fact="0.1"/>
+                <dgm:constr type="lMarg" refType="primFontSz" fact="0.15"/>
+                <dgm:constr type="rMarg" refType="primFontSz" fact="0.15"/>
+              </dgm:constrLst>
+              <dgm:ruleLst>
+                <dgm:rule type="primFontSz" val="5" fact="NaN" max="NaN"/>
+              </dgm:ruleLst>
+            </dgm:layoutNode>
+            <dgm:layoutNode name="rootConnector" moveWith="rootText">
+              <dgm:alg type="sp"/>
+              <dgm:shape xmlns:r="http://schemas.openxmlformats.org/officeDocument/2006/relationships" type="roundRect" r:blip="" hideGeom="1">
+                <dgm:adjLst>
+                  <dgm:adj idx="1" val="0.1"/>
+                </dgm:adjLst>
+              </dgm:shape>
+              <dgm:presOf axis="self" ptType="node" cnt="1"/>
+              <dgm:constrLst/>
+              <dgm:ruleLst/>
+            </dgm:layoutNode>
+          </dgm:layoutNode>
+          <dgm:layoutNode name="childShape">
+            <dgm:alg type="hierChild">
+              <dgm:param type="chAlign" val="l"/>
+              <dgm:param type="linDir" val="fromT"/>
+            </dgm:alg>
+            <dgm:shape xmlns:r="http://schemas.openxmlformats.org/officeDocument/2006/relationships" r:blip="">
+              <dgm:adjLst/>
+            </dgm:shape>
+            <dgm:presOf/>
+            <dgm:constrLst/>
+            <dgm:ruleLst/>
+            <dgm:forEach name="Name11" axis="ch">
+              <dgm:forEach name="Name12" axis="self" ptType="parTrans" cnt="1">
+                <dgm:layoutNode name="Name13">
+                  <dgm:choose name="Name14">
+                    <dgm:if name="Name15" func="var" arg="dir" op="equ" val="norm">
+                      <dgm:alg type="conn">
+                        <dgm:param type="dim" val="1D"/>
+                        <dgm:param type="endSty" val="noArr"/>
+                        <dgm:param type="connRout" val="bend"/>
+                        <dgm:param type="srcNode" val="rootConnector"/>
+                        <dgm:param type="begPts" val="bCtr"/>
+                        <dgm:param type="endPts" val="midL"/>
+                      </dgm:alg>
+                    </dgm:if>
+                    <dgm:else name="Name16">
+                      <dgm:alg type="conn">
+                        <dgm:param type="dim" val="1D"/>
+                        <dgm:param type="endSty" val="noArr"/>
+                        <dgm:param type="connRout" val="bend"/>
+                        <dgm:param type="srcNode" val="rootConnector"/>
+                        <dgm:param type="begPts" val="bCtr"/>
+                        <dgm:param type="endPts" val="midR"/>
+                      </dgm:alg>
+                    </dgm:else>
+                  </dgm:choose>
+                  <dgm:shape xmlns:r="http://schemas.openxmlformats.org/officeDocument/2006/relationships" type="conn" r:blip="">
+                    <dgm:adjLst/>
+                  </dgm:shape>
+                  <dgm:presOf axis="self"/>
+                  <dgm:constrLst>
+                    <dgm:constr type="begPad"/>
+                    <dgm:constr type="endPad"/>
+                  </dgm:constrLst>
+                  <dgm:ruleLst/>
+                </dgm:layoutNode>
+              </dgm:forEach>
+              <dgm:forEach name="Name17" axis="self" ptType="node">
+                <dgm:layoutNode name="childText" styleLbl="bgAcc1">
+                  <dgm:varLst>
+                    <dgm:bulletEnabled val="1"/>
+                  </dgm:varLst>
+                  <dgm:alg type="tx"/>
+                  <dgm:shape xmlns:r="http://schemas.openxmlformats.org/officeDocument/2006/relationships" type="roundRect" r:blip="">
+                    <dgm:adjLst>
+                      <dgm:adj idx="1" val="0.1"/>
+                    </dgm:adjLst>
+                  </dgm:shape>
+                  <dgm:presOf axis="self desOrSelf" ptType="node node" st="1 1" cnt="1 0"/>
+                  <dgm:constrLst>
+                    <dgm:constr type="tMarg" refType="primFontSz" fact="0.1"/>
+                    <dgm:constr type="bMarg" refType="primFontSz" fact="0.1"/>
+                    <dgm:constr type="lMarg" refType="primFontSz" fact="0.15"/>
+                    <dgm:constr type="rMarg" refType="primFontSz" fact="0.15"/>
+                  </dgm:constrLst>
+                  <dgm:ruleLst>
+                    <dgm:rule type="primFontSz" val="5" fact="NaN" max="NaN"/>
+                  </dgm:ruleLst>
+                </dgm:layoutNode>
+              </dgm:forEach>
+            </dgm:forEach>
+          </dgm:layoutNode>
+        </dgm:layoutNode>
+      </dgm:forEach>
+    </dgm:forEach>
+  </dgm:layoutNode>
+</dgm:layoutDef>
+</file>
+
 <file path=ppt/diagrams/quickStyle1.xml><?xml version="1.0" encoding="utf-8"?>
 <dgm:styleDef xmlns:dgm="http://schemas.openxmlformats.org/drawingml/2006/diagram" xmlns:a="http://schemas.openxmlformats.org/drawingml/2006/main" uniqueId="urn:microsoft.com/office/officeart/2005/8/quickstyle/simple4">
   <dgm:title val=""/>
@@ -13433,6 +15426,1040 @@
 </file>
 
 <file path=ppt/diagrams/quickStyle3.xml><?xml version="1.0" encoding="utf-8"?>
+<dgm:styleDef xmlns:dgm="http://schemas.openxmlformats.org/drawingml/2006/diagram" xmlns:a="http://schemas.openxmlformats.org/drawingml/2006/main" uniqueId="urn:microsoft.com/office/officeart/2005/8/quickstyle/simple4">
+  <dgm:title val=""/>
+  <dgm:desc val=""/>
+  <dgm:catLst>
+    <dgm:cat type="simple" pri="10400"/>
+  </dgm:catLst>
+  <dgm:scene3d>
+    <a:camera prst="orthographicFront"/>
+    <a:lightRig rig="threePt" dir="t"/>
+  </dgm:scene3d>
+  <dgm:styleLbl name="node0">
+    <dgm:scene3d>
+      <a:camera prst="orthographicFront"/>
+      <a:lightRig rig="threePt" dir="t"/>
+    </dgm:scene3d>
+    <dgm:sp3d/>
+    <dgm:txPr/>
+    <dgm:style>
+      <a:lnRef idx="0">
+        <a:scrgbClr r="0" g="0" b="0"/>
+      </a:lnRef>
+      <a:fillRef idx="3">
+        <a:scrgbClr r="0" g="0" b="0"/>
+      </a:fillRef>
+      <a:effectRef idx="2">
+        <a:scrgbClr r="0" g="0" b="0"/>
+      </a:effectRef>
+      <a:fontRef idx="minor">
+        <a:schemeClr val="lt1"/>
+      </a:fontRef>
+    </dgm:style>
+  </dgm:styleLbl>
+  <dgm:styleLbl name="lnNode1">
+    <dgm:scene3d>
+      <a:camera prst="orthographicFront"/>
+      <a:lightRig rig="threePt" dir="t"/>
+    </dgm:scene3d>
+    <dgm:sp3d/>
+    <dgm:txPr/>
+    <dgm:style>
+      <a:lnRef idx="1">
+        <a:scrgbClr r="0" g="0" b="0"/>
+      </a:lnRef>
+      <a:fillRef idx="3">
+        <a:scrgbClr r="0" g="0" b="0"/>
+      </a:fillRef>
+      <a:effectRef idx="2">
+        <a:scrgbClr r="0" g="0" b="0"/>
+      </a:effectRef>
+      <a:fontRef idx="minor">
+        <a:schemeClr val="lt1"/>
+      </a:fontRef>
+    </dgm:style>
+  </dgm:styleLbl>
+  <dgm:styleLbl name="vennNode1">
+    <dgm:scene3d>
+      <a:camera prst="orthographicFront"/>
+      <a:lightRig rig="threePt" dir="t"/>
+    </dgm:scene3d>
+    <dgm:sp3d/>
+    <dgm:txPr/>
+    <dgm:style>
+      <a:lnRef idx="0">
+        <a:scrgbClr r="0" g="0" b="0"/>
+      </a:lnRef>
+      <a:fillRef idx="3">
+        <a:scrgbClr r="0" g="0" b="0"/>
+      </a:fillRef>
+      <a:effectRef idx="0">
+        <a:scrgbClr r="0" g="0" b="0"/>
+      </a:effectRef>
+      <a:fontRef idx="minor">
+        <a:schemeClr val="tx1"/>
+      </a:fontRef>
+    </dgm:style>
+  </dgm:styleLbl>
+  <dgm:styleLbl name="alignNode1">
+    <dgm:scene3d>
+      <a:camera prst="orthographicFront"/>
+      <a:lightRig rig="threePt" dir="t"/>
+    </dgm:scene3d>
+    <dgm:sp3d/>
+    <dgm:txPr/>
+    <dgm:style>
+      <a:lnRef idx="1">
+        <a:scrgbClr r="0" g="0" b="0"/>
+      </a:lnRef>
+      <a:fillRef idx="3">
+        <a:scrgbClr r="0" g="0" b="0"/>
+      </a:fillRef>
+      <a:effectRef idx="2">
+        <a:scrgbClr r="0" g="0" b="0"/>
+      </a:effectRef>
+      <a:fontRef idx="minor">
+        <a:schemeClr val="lt1"/>
+      </a:fontRef>
+    </dgm:style>
+  </dgm:styleLbl>
+  <dgm:styleLbl name="node1">
+    <dgm:scene3d>
+      <a:camera prst="orthographicFront"/>
+      <a:lightRig rig="threePt" dir="t"/>
+    </dgm:scene3d>
+    <dgm:sp3d/>
+    <dgm:txPr/>
+    <dgm:style>
+      <a:lnRef idx="0">
+        <a:scrgbClr r="0" g="0" b="0"/>
+      </a:lnRef>
+      <a:fillRef idx="3">
+        <a:scrgbClr r="0" g="0" b="0"/>
+      </a:fillRef>
+      <a:effectRef idx="2">
+        <a:scrgbClr r="0" g="0" b="0"/>
+      </a:effectRef>
+      <a:fontRef idx="minor">
+        <a:schemeClr val="lt1"/>
+      </a:fontRef>
+    </dgm:style>
+  </dgm:styleLbl>
+  <dgm:styleLbl name="node2">
+    <dgm:scene3d>
+      <a:camera prst="orthographicFront"/>
+      <a:lightRig rig="threePt" dir="t"/>
+    </dgm:scene3d>
+    <dgm:sp3d/>
+    <dgm:txPr/>
+    <dgm:style>
+      <a:lnRef idx="0">
+        <a:scrgbClr r="0" g="0" b="0"/>
+      </a:lnRef>
+      <a:fillRef idx="3">
+        <a:scrgbClr r="0" g="0" b="0"/>
+      </a:fillRef>
+      <a:effectRef idx="2">
+        <a:scrgbClr r="0" g="0" b="0"/>
+      </a:effectRef>
+      <a:fontRef idx="minor">
+        <a:schemeClr val="lt1"/>
+      </a:fontRef>
+    </dgm:style>
+  </dgm:styleLbl>
+  <dgm:styleLbl name="node3">
+    <dgm:scene3d>
+      <a:camera prst="orthographicFront"/>
+      <a:lightRig rig="threePt" dir="t"/>
+    </dgm:scene3d>
+    <dgm:sp3d/>
+    <dgm:txPr/>
+    <dgm:style>
+      <a:lnRef idx="0">
+        <a:scrgbClr r="0" g="0" b="0"/>
+      </a:lnRef>
+      <a:fillRef idx="3">
+        <a:scrgbClr r="0" g="0" b="0"/>
+      </a:fillRef>
+      <a:effectRef idx="2">
+        <a:scrgbClr r="0" g="0" b="0"/>
+      </a:effectRef>
+      <a:fontRef idx="minor">
+        <a:schemeClr val="lt1"/>
+      </a:fontRef>
+    </dgm:style>
+  </dgm:styleLbl>
+  <dgm:styleLbl name="node4">
+    <dgm:scene3d>
+      <a:camera prst="orthographicFront"/>
+      <a:lightRig rig="threePt" dir="t"/>
+    </dgm:scene3d>
+    <dgm:sp3d/>
+    <dgm:txPr/>
+    <dgm:style>
+      <a:lnRef idx="0">
+        <a:scrgbClr r="0" g="0" b="0"/>
+      </a:lnRef>
+      <a:fillRef idx="3">
+        <a:scrgbClr r="0" g="0" b="0"/>
+      </a:fillRef>
+      <a:effectRef idx="2">
+        <a:scrgbClr r="0" g="0" b="0"/>
+      </a:effectRef>
+      <a:fontRef idx="minor">
+        <a:schemeClr val="lt1"/>
+      </a:fontRef>
+    </dgm:style>
+  </dgm:styleLbl>
+  <dgm:styleLbl name="fgImgPlace1">
+    <dgm:scene3d>
+      <a:camera prst="orthographicFront"/>
+      <a:lightRig rig="threePt" dir="t"/>
+    </dgm:scene3d>
+    <dgm:sp3d/>
+    <dgm:txPr/>
+    <dgm:style>
+      <a:lnRef idx="0">
+        <a:scrgbClr r="0" g="0" b="0"/>
+      </a:lnRef>
+      <a:fillRef idx="1">
+        <a:scrgbClr r="0" g="0" b="0"/>
+      </a:fillRef>
+      <a:effectRef idx="2">
+        <a:scrgbClr r="0" g="0" b="0"/>
+      </a:effectRef>
+      <a:fontRef idx="minor"/>
+    </dgm:style>
+  </dgm:styleLbl>
+  <dgm:styleLbl name="alignImgPlace1">
+    <dgm:scene3d>
+      <a:camera prst="orthographicFront"/>
+      <a:lightRig rig="threePt" dir="t"/>
+    </dgm:scene3d>
+    <dgm:sp3d/>
+    <dgm:txPr/>
+    <dgm:style>
+      <a:lnRef idx="0">
+        <a:scrgbClr r="0" g="0" b="0"/>
+      </a:lnRef>
+      <a:fillRef idx="1">
+        <a:scrgbClr r="0" g="0" b="0"/>
+      </a:fillRef>
+      <a:effectRef idx="2">
+        <a:scrgbClr r="0" g="0" b="0"/>
+      </a:effectRef>
+      <a:fontRef idx="minor"/>
+    </dgm:style>
+  </dgm:styleLbl>
+  <dgm:styleLbl name="bgImgPlace1">
+    <dgm:scene3d>
+      <a:camera prst="orthographicFront"/>
+      <a:lightRig rig="threePt" dir="t"/>
+    </dgm:scene3d>
+    <dgm:sp3d/>
+    <dgm:txPr/>
+    <dgm:style>
+      <a:lnRef idx="0">
+        <a:scrgbClr r="0" g="0" b="0"/>
+      </a:lnRef>
+      <a:fillRef idx="1">
+        <a:scrgbClr r="0" g="0" b="0"/>
+      </a:fillRef>
+      <a:effectRef idx="2">
+        <a:scrgbClr r="0" g="0" b="0"/>
+      </a:effectRef>
+      <a:fontRef idx="minor"/>
+    </dgm:style>
+  </dgm:styleLbl>
+  <dgm:styleLbl name="sibTrans2D1">
+    <dgm:scene3d>
+      <a:camera prst="orthographicFront"/>
+      <a:lightRig rig="threePt" dir="t"/>
+    </dgm:scene3d>
+    <dgm:sp3d/>
+    <dgm:txPr/>
+    <dgm:style>
+      <a:lnRef idx="0">
+        <a:scrgbClr r="0" g="0" b="0"/>
+      </a:lnRef>
+      <a:fillRef idx="3">
+        <a:scrgbClr r="0" g="0" b="0"/>
+      </a:fillRef>
+      <a:effectRef idx="2">
+        <a:scrgbClr r="0" g="0" b="0"/>
+      </a:effectRef>
+      <a:fontRef idx="minor">
+        <a:schemeClr val="lt1"/>
+      </a:fontRef>
+    </dgm:style>
+  </dgm:styleLbl>
+  <dgm:styleLbl name="fgSibTrans2D1">
+    <dgm:scene3d>
+      <a:camera prst="orthographicFront"/>
+      <a:lightRig rig="threePt" dir="t"/>
+    </dgm:scene3d>
+    <dgm:sp3d/>
+    <dgm:txPr/>
+    <dgm:style>
+      <a:lnRef idx="0">
+        <a:scrgbClr r="0" g="0" b="0"/>
+      </a:lnRef>
+      <a:fillRef idx="3">
+        <a:scrgbClr r="0" g="0" b="0"/>
+      </a:fillRef>
+      <a:effectRef idx="2">
+        <a:scrgbClr r="0" g="0" b="0"/>
+      </a:effectRef>
+      <a:fontRef idx="minor">
+        <a:schemeClr val="lt1"/>
+      </a:fontRef>
+    </dgm:style>
+  </dgm:styleLbl>
+  <dgm:styleLbl name="bgSibTrans2D1">
+    <dgm:scene3d>
+      <a:camera prst="orthographicFront"/>
+      <a:lightRig rig="threePt" dir="t"/>
+    </dgm:scene3d>
+    <dgm:sp3d/>
+    <dgm:txPr/>
+    <dgm:style>
+      <a:lnRef idx="0">
+        <a:scrgbClr r="0" g="0" b="0"/>
+      </a:lnRef>
+      <a:fillRef idx="3">
+        <a:scrgbClr r="0" g="0" b="0"/>
+      </a:fillRef>
+      <a:effectRef idx="2">
+        <a:scrgbClr r="0" g="0" b="0"/>
+      </a:effectRef>
+      <a:fontRef idx="minor">
+        <a:schemeClr val="lt1"/>
+      </a:fontRef>
+    </dgm:style>
+  </dgm:styleLbl>
+  <dgm:styleLbl name="sibTrans1D1">
+    <dgm:scene3d>
+      <a:camera prst="orthographicFront"/>
+      <a:lightRig rig="threePt" dir="t"/>
+    </dgm:scene3d>
+    <dgm:sp3d/>
+    <dgm:txPr/>
+    <dgm:style>
+      <a:lnRef idx="1">
+        <a:scrgbClr r="0" g="0" b="0"/>
+      </a:lnRef>
+      <a:fillRef idx="0">
+        <a:scrgbClr r="0" g="0" b="0"/>
+      </a:fillRef>
+      <a:effectRef idx="0">
+        <a:scrgbClr r="0" g="0" b="0"/>
+      </a:effectRef>
+      <a:fontRef idx="minor"/>
+    </dgm:style>
+  </dgm:styleLbl>
+  <dgm:styleLbl name="callout">
+    <dgm:scene3d>
+      <a:camera prst="orthographicFront"/>
+      <a:lightRig rig="threePt" dir="t"/>
+    </dgm:scene3d>
+    <dgm:sp3d/>
+    <dgm:txPr/>
+    <dgm:style>
+      <a:lnRef idx="2">
+        <a:scrgbClr r="0" g="0" b="0"/>
+      </a:lnRef>
+      <a:fillRef idx="1">
+        <a:scrgbClr r="0" g="0" b="0"/>
+      </a:fillRef>
+      <a:effectRef idx="1">
+        <a:scrgbClr r="0" g="0" b="0"/>
+      </a:effectRef>
+      <a:fontRef idx="minor"/>
+    </dgm:style>
+  </dgm:styleLbl>
+  <dgm:styleLbl name="asst0">
+    <dgm:scene3d>
+      <a:camera prst="orthographicFront"/>
+      <a:lightRig rig="threePt" dir="t"/>
+    </dgm:scene3d>
+    <dgm:sp3d/>
+    <dgm:txPr/>
+    <dgm:style>
+      <a:lnRef idx="0">
+        <a:scrgbClr r="0" g="0" b="0"/>
+      </a:lnRef>
+      <a:fillRef idx="3">
+        <a:scrgbClr r="0" g="0" b="0"/>
+      </a:fillRef>
+      <a:effectRef idx="2">
+        <a:scrgbClr r="0" g="0" b="0"/>
+      </a:effectRef>
+      <a:fontRef idx="minor">
+        <a:schemeClr val="lt1"/>
+      </a:fontRef>
+    </dgm:style>
+  </dgm:styleLbl>
+  <dgm:styleLbl name="asst1">
+    <dgm:scene3d>
+      <a:camera prst="orthographicFront"/>
+      <a:lightRig rig="threePt" dir="t"/>
+    </dgm:scene3d>
+    <dgm:sp3d/>
+    <dgm:txPr/>
+    <dgm:style>
+      <a:lnRef idx="0">
+        <a:scrgbClr r="0" g="0" b="0"/>
+      </a:lnRef>
+      <a:fillRef idx="3">
+        <a:scrgbClr r="0" g="0" b="0"/>
+      </a:fillRef>
+      <a:effectRef idx="2">
+        <a:scrgbClr r="0" g="0" b="0"/>
+      </a:effectRef>
+      <a:fontRef idx="minor">
+        <a:schemeClr val="lt1"/>
+      </a:fontRef>
+    </dgm:style>
+  </dgm:styleLbl>
+  <dgm:styleLbl name="asst2">
+    <dgm:scene3d>
+      <a:camera prst="orthographicFront"/>
+      <a:lightRig rig="threePt" dir="t"/>
+    </dgm:scene3d>
+    <dgm:sp3d/>
+    <dgm:txPr/>
+    <dgm:style>
+      <a:lnRef idx="0">
+        <a:scrgbClr r="0" g="0" b="0"/>
+      </a:lnRef>
+      <a:fillRef idx="3">
+        <a:scrgbClr r="0" g="0" b="0"/>
+      </a:fillRef>
+      <a:effectRef idx="2">
+        <a:scrgbClr r="0" g="0" b="0"/>
+      </a:effectRef>
+      <a:fontRef idx="minor">
+        <a:schemeClr val="lt1"/>
+      </a:fontRef>
+    </dgm:style>
+  </dgm:styleLbl>
+  <dgm:styleLbl name="asst3">
+    <dgm:scene3d>
+      <a:camera prst="orthographicFront"/>
+      <a:lightRig rig="threePt" dir="t"/>
+    </dgm:scene3d>
+    <dgm:sp3d/>
+    <dgm:txPr/>
+    <dgm:style>
+      <a:lnRef idx="0">
+        <a:scrgbClr r="0" g="0" b="0"/>
+      </a:lnRef>
+      <a:fillRef idx="3">
+        <a:scrgbClr r="0" g="0" b="0"/>
+      </a:fillRef>
+      <a:effectRef idx="2">
+        <a:scrgbClr r="0" g="0" b="0"/>
+      </a:effectRef>
+      <a:fontRef idx="minor">
+        <a:schemeClr val="lt1"/>
+      </a:fontRef>
+    </dgm:style>
+  </dgm:styleLbl>
+  <dgm:styleLbl name="asst4">
+    <dgm:scene3d>
+      <a:camera prst="orthographicFront"/>
+      <a:lightRig rig="threePt" dir="t"/>
+    </dgm:scene3d>
+    <dgm:sp3d/>
+    <dgm:txPr/>
+    <dgm:style>
+      <a:lnRef idx="0">
+        <a:scrgbClr r="0" g="0" b="0"/>
+      </a:lnRef>
+      <a:fillRef idx="3">
+        <a:scrgbClr r="0" g="0" b="0"/>
+      </a:fillRef>
+      <a:effectRef idx="2">
+        <a:scrgbClr r="0" g="0" b="0"/>
+      </a:effectRef>
+      <a:fontRef idx="minor">
+        <a:schemeClr val="lt1"/>
+      </a:fontRef>
+    </dgm:style>
+  </dgm:styleLbl>
+  <dgm:styleLbl name="parChTrans2D1">
+    <dgm:scene3d>
+      <a:camera prst="orthographicFront"/>
+      <a:lightRig rig="threePt" dir="t"/>
+    </dgm:scene3d>
+    <dgm:sp3d/>
+    <dgm:txPr/>
+    <dgm:style>
+      <a:lnRef idx="0">
+        <a:scrgbClr r="0" g="0" b="0"/>
+      </a:lnRef>
+      <a:fillRef idx="3">
+        <a:scrgbClr r="0" g="0" b="0"/>
+      </a:fillRef>
+      <a:effectRef idx="2">
+        <a:scrgbClr r="0" g="0" b="0"/>
+      </a:effectRef>
+      <a:fontRef idx="minor">
+        <a:schemeClr val="lt1"/>
+      </a:fontRef>
+    </dgm:style>
+  </dgm:styleLbl>
+  <dgm:styleLbl name="parChTrans2D2">
+    <dgm:scene3d>
+      <a:camera prst="orthographicFront"/>
+      <a:lightRig rig="threePt" dir="t"/>
+    </dgm:scene3d>
+    <dgm:sp3d/>
+    <dgm:txPr/>
+    <dgm:style>
+      <a:lnRef idx="0">
+        <a:scrgbClr r="0" g="0" b="0"/>
+      </a:lnRef>
+      <a:fillRef idx="3">
+        <a:scrgbClr r="0" g="0" b="0"/>
+      </a:fillRef>
+      <a:effectRef idx="2">
+        <a:scrgbClr r="0" g="0" b="0"/>
+      </a:effectRef>
+      <a:fontRef idx="minor">
+        <a:schemeClr val="lt1"/>
+      </a:fontRef>
+    </dgm:style>
+  </dgm:styleLbl>
+  <dgm:styleLbl name="parChTrans2D3">
+    <dgm:scene3d>
+      <a:camera prst="orthographicFront"/>
+      <a:lightRig rig="threePt" dir="t"/>
+    </dgm:scene3d>
+    <dgm:sp3d/>
+    <dgm:txPr/>
+    <dgm:style>
+      <a:lnRef idx="1">
+        <a:scrgbClr r="0" g="0" b="0"/>
+      </a:lnRef>
+      <a:fillRef idx="3">
+        <a:scrgbClr r="0" g="0" b="0"/>
+      </a:fillRef>
+      <a:effectRef idx="2">
+        <a:scrgbClr r="0" g="0" b="0"/>
+      </a:effectRef>
+      <a:fontRef idx="minor">
+        <a:schemeClr val="lt1"/>
+      </a:fontRef>
+    </dgm:style>
+  </dgm:styleLbl>
+  <dgm:styleLbl name="parChTrans2D4">
+    <dgm:scene3d>
+      <a:camera prst="orthographicFront"/>
+      <a:lightRig rig="threePt" dir="t"/>
+    </dgm:scene3d>
+    <dgm:sp3d/>
+    <dgm:txPr/>
+    <dgm:style>
+      <a:lnRef idx="1">
+        <a:scrgbClr r="0" g="0" b="0"/>
+      </a:lnRef>
+      <a:fillRef idx="3">
+        <a:scrgbClr r="0" g="0" b="0"/>
+      </a:fillRef>
+      <a:effectRef idx="2">
+        <a:scrgbClr r="0" g="0" b="0"/>
+      </a:effectRef>
+      <a:fontRef idx="minor">
+        <a:schemeClr val="lt1"/>
+      </a:fontRef>
+    </dgm:style>
+  </dgm:styleLbl>
+  <dgm:styleLbl name="parChTrans1D1">
+    <dgm:scene3d>
+      <a:camera prst="orthographicFront"/>
+      <a:lightRig rig="threePt" dir="t"/>
+    </dgm:scene3d>
+    <dgm:sp3d/>
+    <dgm:txPr/>
+    <dgm:style>
+      <a:lnRef idx="1">
+        <a:scrgbClr r="0" g="0" b="0"/>
+      </a:lnRef>
+      <a:fillRef idx="0">
+        <a:scrgbClr r="0" g="0" b="0"/>
+      </a:fillRef>
+      <a:effectRef idx="0">
+        <a:scrgbClr r="0" g="0" b="0"/>
+      </a:effectRef>
+      <a:fontRef idx="minor"/>
+    </dgm:style>
+  </dgm:styleLbl>
+  <dgm:styleLbl name="parChTrans1D2">
+    <dgm:scene3d>
+      <a:camera prst="orthographicFront"/>
+      <a:lightRig rig="threePt" dir="t"/>
+    </dgm:scene3d>
+    <dgm:sp3d/>
+    <dgm:txPr/>
+    <dgm:style>
+      <a:lnRef idx="1">
+        <a:scrgbClr r="0" g="0" b="0"/>
+      </a:lnRef>
+      <a:fillRef idx="0">
+        <a:scrgbClr r="0" g="0" b="0"/>
+      </a:fillRef>
+      <a:effectRef idx="0">
+        <a:scrgbClr r="0" g="0" b="0"/>
+      </a:effectRef>
+      <a:fontRef idx="minor"/>
+    </dgm:style>
+  </dgm:styleLbl>
+  <dgm:styleLbl name="parChTrans1D3">
+    <dgm:scene3d>
+      <a:camera prst="orthographicFront"/>
+      <a:lightRig rig="threePt" dir="t"/>
+    </dgm:scene3d>
+    <dgm:sp3d/>
+    <dgm:txPr/>
+    <dgm:style>
+      <a:lnRef idx="1">
+        <a:scrgbClr r="0" g="0" b="0"/>
+      </a:lnRef>
+      <a:fillRef idx="0">
+        <a:scrgbClr r="0" g="0" b="0"/>
+      </a:fillRef>
+      <a:effectRef idx="0">
+        <a:scrgbClr r="0" g="0" b="0"/>
+      </a:effectRef>
+      <a:fontRef idx="minor"/>
+    </dgm:style>
+  </dgm:styleLbl>
+  <dgm:styleLbl name="parChTrans1D4">
+    <dgm:scene3d>
+      <a:camera prst="orthographicFront"/>
+      <a:lightRig rig="threePt" dir="t"/>
+    </dgm:scene3d>
+    <dgm:sp3d/>
+    <dgm:txPr/>
+    <dgm:style>
+      <a:lnRef idx="1">
+        <a:scrgbClr r="0" g="0" b="0"/>
+      </a:lnRef>
+      <a:fillRef idx="0">
+        <a:scrgbClr r="0" g="0" b="0"/>
+      </a:fillRef>
+      <a:effectRef idx="0">
+        <a:scrgbClr r="0" g="0" b="0"/>
+      </a:effectRef>
+      <a:fontRef idx="minor"/>
+    </dgm:style>
+  </dgm:styleLbl>
+  <dgm:styleLbl name="fgAcc1">
+    <dgm:scene3d>
+      <a:camera prst="orthographicFront"/>
+      <a:lightRig rig="threePt" dir="t"/>
+    </dgm:scene3d>
+    <dgm:sp3d/>
+    <dgm:txPr/>
+    <dgm:style>
+      <a:lnRef idx="1">
+        <a:scrgbClr r="0" g="0" b="0"/>
+      </a:lnRef>
+      <a:fillRef idx="1">
+        <a:scrgbClr r="0" g="0" b="0"/>
+      </a:fillRef>
+      <a:effectRef idx="0">
+        <a:scrgbClr r="0" g="0" b="0"/>
+      </a:effectRef>
+      <a:fontRef idx="minor"/>
+    </dgm:style>
+  </dgm:styleLbl>
+  <dgm:styleLbl name="conFgAcc1">
+    <dgm:scene3d>
+      <a:camera prst="orthographicFront"/>
+      <a:lightRig rig="threePt" dir="t"/>
+    </dgm:scene3d>
+    <dgm:sp3d/>
+    <dgm:txPr/>
+    <dgm:style>
+      <a:lnRef idx="1">
+        <a:scrgbClr r="0" g="0" b="0"/>
+      </a:lnRef>
+      <a:fillRef idx="1">
+        <a:scrgbClr r="0" g="0" b="0"/>
+      </a:fillRef>
+      <a:effectRef idx="0">
+        <a:scrgbClr r="0" g="0" b="0"/>
+      </a:effectRef>
+      <a:fontRef idx="minor"/>
+    </dgm:style>
+  </dgm:styleLbl>
+  <dgm:styleLbl name="alignAcc1">
+    <dgm:scene3d>
+      <a:camera prst="orthographicFront"/>
+      <a:lightRig rig="threePt" dir="t"/>
+    </dgm:scene3d>
+    <dgm:sp3d/>
+    <dgm:txPr/>
+    <dgm:style>
+      <a:lnRef idx="1">
+        <a:scrgbClr r="0" g="0" b="0"/>
+      </a:lnRef>
+      <a:fillRef idx="1">
+        <a:scrgbClr r="0" g="0" b="0"/>
+      </a:fillRef>
+      <a:effectRef idx="0">
+        <a:scrgbClr r="0" g="0" b="0"/>
+      </a:effectRef>
+      <a:fontRef idx="minor"/>
+    </dgm:style>
+  </dgm:styleLbl>
+  <dgm:styleLbl name="trAlignAcc1">
+    <dgm:scene3d>
+      <a:camera prst="orthographicFront"/>
+      <a:lightRig rig="threePt" dir="t"/>
+    </dgm:scene3d>
+    <dgm:sp3d/>
+    <dgm:txPr/>
+    <dgm:style>
+      <a:lnRef idx="1">
+        <a:scrgbClr r="0" g="0" b="0"/>
+      </a:lnRef>
+      <a:fillRef idx="1">
+        <a:scrgbClr r="0" g="0" b="0"/>
+      </a:fillRef>
+      <a:effectRef idx="0">
+        <a:scrgbClr r="0" g="0" b="0"/>
+      </a:effectRef>
+      <a:fontRef idx="minor"/>
+    </dgm:style>
+  </dgm:styleLbl>
+  <dgm:styleLbl name="bgAcc1">
+    <dgm:scene3d>
+      <a:camera prst="orthographicFront"/>
+      <a:lightRig rig="threePt" dir="t"/>
+    </dgm:scene3d>
+    <dgm:sp3d/>
+    <dgm:txPr/>
+    <dgm:style>
+      <a:lnRef idx="1">
+        <a:scrgbClr r="0" g="0" b="0"/>
+      </a:lnRef>
+      <a:fillRef idx="1">
+        <a:scrgbClr r="0" g="0" b="0"/>
+      </a:fillRef>
+      <a:effectRef idx="0">
+        <a:scrgbClr r="0" g="0" b="0"/>
+      </a:effectRef>
+      <a:fontRef idx="minor"/>
+    </dgm:style>
+  </dgm:styleLbl>
+  <dgm:styleLbl name="solidFgAcc1">
+    <dgm:scene3d>
+      <a:camera prst="orthographicFront"/>
+      <a:lightRig rig="threePt" dir="t"/>
+    </dgm:scene3d>
+    <dgm:sp3d/>
+    <dgm:txPr/>
+    <dgm:style>
+      <a:lnRef idx="1">
+        <a:scrgbClr r="0" g="0" b="0"/>
+      </a:lnRef>
+      <a:fillRef idx="1">
+        <a:scrgbClr r="0" g="0" b="0"/>
+      </a:fillRef>
+      <a:effectRef idx="0">
+        <a:scrgbClr r="0" g="0" b="0"/>
+      </a:effectRef>
+      <a:fontRef idx="minor"/>
+    </dgm:style>
+  </dgm:styleLbl>
+  <dgm:styleLbl name="solidAlignAcc1">
+    <dgm:scene3d>
+      <a:camera prst="orthographicFront"/>
+      <a:lightRig rig="threePt" dir="t"/>
+    </dgm:scene3d>
+    <dgm:sp3d/>
+    <dgm:txPr/>
+    <dgm:style>
+      <a:lnRef idx="1">
+        <a:scrgbClr r="0" g="0" b="0"/>
+      </a:lnRef>
+      <a:fillRef idx="1">
+        <a:scrgbClr r="0" g="0" b="0"/>
+      </a:fillRef>
+      <a:effectRef idx="0">
+        <a:scrgbClr r="0" g="0" b="0"/>
+      </a:effectRef>
+      <a:fontRef idx="minor"/>
+    </dgm:style>
+  </dgm:styleLbl>
+  <dgm:styleLbl name="solidBgAcc1">
+    <dgm:scene3d>
+      <a:camera prst="orthographicFront"/>
+      <a:lightRig rig="threePt" dir="t"/>
+    </dgm:scene3d>
+    <dgm:sp3d/>
+    <dgm:txPr/>
+    <dgm:style>
+      <a:lnRef idx="1">
+        <a:scrgbClr r="0" g="0" b="0"/>
+      </a:lnRef>
+      <a:fillRef idx="1">
+        <a:scrgbClr r="0" g="0" b="0"/>
+      </a:fillRef>
+      <a:effectRef idx="0">
+        <a:scrgbClr r="0" g="0" b="0"/>
+      </a:effectRef>
+      <a:fontRef idx="minor"/>
+    </dgm:style>
+  </dgm:styleLbl>
+  <dgm:styleLbl name="fgAccFollowNode1">
+    <dgm:scene3d>
+      <a:camera prst="orthographicFront"/>
+      <a:lightRig rig="threePt" dir="t"/>
+    </dgm:scene3d>
+    <dgm:sp3d/>
+    <dgm:txPr/>
+    <dgm:style>
+      <a:lnRef idx="1">
+        <a:scrgbClr r="0" g="0" b="0"/>
+      </a:lnRef>
+      <a:fillRef idx="1">
+        <a:scrgbClr r="0" g="0" b="0"/>
+      </a:fillRef>
+      <a:effectRef idx="0">
+        <a:scrgbClr r="0" g="0" b="0"/>
+      </a:effectRef>
+      <a:fontRef idx="minor"/>
+    </dgm:style>
+  </dgm:styleLbl>
+  <dgm:styleLbl name="alignAccFollowNode1">
+    <dgm:scene3d>
+      <a:camera prst="orthographicFront"/>
+      <a:lightRig rig="threePt" dir="t"/>
+    </dgm:scene3d>
+    <dgm:sp3d/>
+    <dgm:txPr/>
+    <dgm:style>
+      <a:lnRef idx="1">
+        <a:scrgbClr r="0" g="0" b="0"/>
+      </a:lnRef>
+      <a:fillRef idx="1">
+        <a:scrgbClr r="0" g="0" b="0"/>
+      </a:fillRef>
+      <a:effectRef idx="0">
+        <a:scrgbClr r="0" g="0" b="0"/>
+      </a:effectRef>
+      <a:fontRef idx="minor"/>
+    </dgm:style>
+  </dgm:styleLbl>
+  <dgm:styleLbl name="bgAccFollowNode1">
+    <dgm:scene3d>
+      <a:camera prst="orthographicFront"/>
+      <a:lightRig rig="threePt" dir="t"/>
+    </dgm:scene3d>
+    <dgm:sp3d/>
+    <dgm:txPr/>
+    <dgm:style>
+      <a:lnRef idx="1">
+        <a:scrgbClr r="0" g="0" b="0"/>
+      </a:lnRef>
+      <a:fillRef idx="1">
+        <a:scrgbClr r="0" g="0" b="0"/>
+      </a:fillRef>
+      <a:effectRef idx="0">
+        <a:scrgbClr r="0" g="0" b="0"/>
+      </a:effectRef>
+      <a:fontRef idx="minor"/>
+    </dgm:style>
+  </dgm:styleLbl>
+  <dgm:styleLbl name="fgAcc0">
+    <dgm:scene3d>
+      <a:camera prst="orthographicFront"/>
+      <a:lightRig rig="threePt" dir="t"/>
+    </dgm:scene3d>
+    <dgm:sp3d/>
+    <dgm:txPr/>
+    <dgm:style>
+      <a:lnRef idx="1">
+        <a:scrgbClr r="0" g="0" b="0"/>
+      </a:lnRef>
+      <a:fillRef idx="1">
+        <a:scrgbClr r="0" g="0" b="0"/>
+      </a:fillRef>
+      <a:effectRef idx="0">
+        <a:scrgbClr r="0" g="0" b="0"/>
+      </a:effectRef>
+      <a:fontRef idx="minor"/>
+    </dgm:style>
+  </dgm:styleLbl>
+  <dgm:styleLbl name="fgAcc2">
+    <dgm:scene3d>
+      <a:camera prst="orthographicFront"/>
+      <a:lightRig rig="threePt" dir="t"/>
+    </dgm:scene3d>
+    <dgm:sp3d/>
+    <dgm:txPr/>
+    <dgm:style>
+      <a:lnRef idx="1">
+        <a:scrgbClr r="0" g="0" b="0"/>
+      </a:lnRef>
+      <a:fillRef idx="1">
+        <a:scrgbClr r="0" g="0" b="0"/>
+      </a:fillRef>
+      <a:effectRef idx="0">
+        <a:scrgbClr r="0" g="0" b="0"/>
+      </a:effectRef>
+      <a:fontRef idx="minor"/>
+    </dgm:style>
+  </dgm:styleLbl>
+  <dgm:styleLbl name="fgAcc3">
+    <dgm:scene3d>
+      <a:camera prst="orthographicFront"/>
+      <a:lightRig rig="threePt" dir="t"/>
+    </dgm:scene3d>
+    <dgm:sp3d/>
+    <dgm:txPr/>
+    <dgm:style>
+      <a:lnRef idx="1">
+        <a:scrgbClr r="0" g="0" b="0"/>
+      </a:lnRef>
+      <a:fillRef idx="1">
+        <a:scrgbClr r="0" g="0" b="0"/>
+      </a:fillRef>
+      <a:effectRef idx="0">
+        <a:scrgbClr r="0" g="0" b="0"/>
+      </a:effectRef>
+      <a:fontRef idx="minor"/>
+    </dgm:style>
+  </dgm:styleLbl>
+  <dgm:styleLbl name="fgAcc4">
+    <dgm:scene3d>
+      <a:camera prst="orthographicFront"/>
+      <a:lightRig rig="threePt" dir="t"/>
+    </dgm:scene3d>
+    <dgm:sp3d/>
+    <dgm:txPr/>
+    <dgm:style>
+      <a:lnRef idx="1">
+        <a:scrgbClr r="0" g="0" b="0"/>
+      </a:lnRef>
+      <a:fillRef idx="1">
+        <a:scrgbClr r="0" g="0" b="0"/>
+      </a:fillRef>
+      <a:effectRef idx="0">
+        <a:scrgbClr r="0" g="0" b="0"/>
+      </a:effectRef>
+      <a:fontRef idx="minor"/>
+    </dgm:style>
+  </dgm:styleLbl>
+  <dgm:styleLbl name="bgShp">
+    <dgm:scene3d>
+      <a:camera prst="orthographicFront"/>
+      <a:lightRig rig="threePt" dir="t"/>
+    </dgm:scene3d>
+    <dgm:sp3d/>
+    <dgm:txPr/>
+    <dgm:style>
+      <a:lnRef idx="0">
+        <a:scrgbClr r="0" g="0" b="0"/>
+      </a:lnRef>
+      <a:fillRef idx="1">
+        <a:scrgbClr r="0" g="0" b="0"/>
+      </a:fillRef>
+      <a:effectRef idx="2">
+        <a:scrgbClr r="0" g="0" b="0"/>
+      </a:effectRef>
+      <a:fontRef idx="minor"/>
+    </dgm:style>
+  </dgm:styleLbl>
+  <dgm:styleLbl name="dkBgShp">
+    <dgm:scene3d>
+      <a:camera prst="orthographicFront"/>
+      <a:lightRig rig="threePt" dir="t"/>
+    </dgm:scene3d>
+    <dgm:sp3d/>
+    <dgm:txPr/>
+    <dgm:style>
+      <a:lnRef idx="0">
+        <a:scrgbClr r="0" g="0" b="0"/>
+      </a:lnRef>
+      <a:fillRef idx="1">
+        <a:scrgbClr r="0" g="0" b="0"/>
+      </a:fillRef>
+      <a:effectRef idx="2">
+        <a:scrgbClr r="0" g="0" b="0"/>
+      </a:effectRef>
+      <a:fontRef idx="minor"/>
+    </dgm:style>
+  </dgm:styleLbl>
+  <dgm:styleLbl name="trBgShp">
+    <dgm:scene3d>
+      <a:camera prst="orthographicFront"/>
+      <a:lightRig rig="threePt" dir="t"/>
+    </dgm:scene3d>
+    <dgm:sp3d/>
+    <dgm:txPr/>
+    <dgm:style>
+      <a:lnRef idx="0">
+        <a:scrgbClr r="0" g="0" b="0"/>
+      </a:lnRef>
+      <a:fillRef idx="1">
+        <a:scrgbClr r="0" g="0" b="0"/>
+      </a:fillRef>
+      <a:effectRef idx="0">
+        <a:scrgbClr r="0" g="0" b="0"/>
+      </a:effectRef>
+      <a:fontRef idx="minor"/>
+    </dgm:style>
+  </dgm:styleLbl>
+  <dgm:styleLbl name="fgShp">
+    <dgm:scene3d>
+      <a:camera prst="orthographicFront"/>
+      <a:lightRig rig="threePt" dir="t"/>
+    </dgm:scene3d>
+    <dgm:sp3d/>
+    <dgm:txPr/>
+    <dgm:style>
+      <a:lnRef idx="0">
+        <a:scrgbClr r="0" g="0" b="0"/>
+      </a:lnRef>
+      <a:fillRef idx="3">
+        <a:scrgbClr r="0" g="0" b="0"/>
+      </a:fillRef>
+      <a:effectRef idx="2">
+        <a:scrgbClr r="0" g="0" b="0"/>
+      </a:effectRef>
+      <a:fontRef idx="minor"/>
+    </dgm:style>
+  </dgm:styleLbl>
+  <dgm:styleLbl name="revTx">
+    <dgm:scene3d>
+      <a:camera prst="orthographicFront"/>
+      <a:lightRig rig="threePt" dir="t"/>
+    </dgm:scene3d>
+    <dgm:sp3d/>
+    <dgm:txPr/>
+    <dgm:style>
+      <a:lnRef idx="0">
+        <a:scrgbClr r="0" g="0" b="0"/>
+      </a:lnRef>
+      <a:fillRef idx="0">
+        <a:scrgbClr r="0" g="0" b="0"/>
+      </a:fillRef>
+      <a:effectRef idx="0">
+        <a:scrgbClr r="0" g="0" b="0"/>
+      </a:effectRef>
+      <a:fontRef idx="minor"/>
+    </dgm:style>
+  </dgm:styleLbl>
+</dgm:styleDef>
+</file>
+
+<file path=ppt/diagrams/quickStyle4.xml><?xml version="1.0" encoding="utf-8"?>
 <dgm:styleDef xmlns:dgm="http://schemas.openxmlformats.org/drawingml/2006/diagram" xmlns:a="http://schemas.openxmlformats.org/drawingml/2006/main" uniqueId="urn:microsoft.com/office/officeart/2005/8/quickstyle/simple4">
   <dgm:title val=""/>
   <dgm:desc val=""/>
@@ -14549,7 +17576,7 @@
             <a:fld id="{C4912EAB-2DF2-4EA7-9A3C-081666E7F61D}" type="datetimeFigureOut">
               <a:rPr lang="es-AR" smtClean="0"/>
               <a:pPr/>
-              <a:t>19/09/2010</a:t>
+              <a:t>20/09/2010</a:t>
             </a:fld>
             <a:endParaRPr lang="es-AR"/>
           </a:p>
@@ -14625,7 +17652,7 @@
     </p:spTree>
     <p:extLst>
       <p:ext uri="{BB962C8B-B14F-4D97-AF65-F5344CB8AC3E}">
-        <p14:creationId xmlns="" xmlns:p14="http://schemas.microsoft.com/office/powerpoint/2010/main" val="3294761821"/>
+        <p14:creationId xmlns:p14="http://schemas.microsoft.com/office/powerpoint/2010/main" xmlns="" val="3294761821"/>
       </p:ext>
     </p:extLst>
   </p:cSld>
@@ -14716,7 +17743,7 @@
             <a:fld id="{320C0146-0920-4890-94B5-4EE8DB66AAB2}" type="datetimeFigureOut">
               <a:rPr lang="es-AR" smtClean="0"/>
               <a:pPr/>
-              <a:t>19/09/2010</a:t>
+              <a:t>20/09/2010</a:t>
             </a:fld>
             <a:endParaRPr lang="es-AR"/>
           </a:p>
@@ -14887,7 +17914,7 @@
     </p:spTree>
     <p:extLst>
       <p:ext uri="{BB962C8B-B14F-4D97-AF65-F5344CB8AC3E}">
-        <p14:creationId xmlns="" xmlns:p14="http://schemas.microsoft.com/office/powerpoint/2010/main" val="1945679475"/>
+        <p14:creationId xmlns:p14="http://schemas.microsoft.com/office/powerpoint/2010/main" xmlns="" val="1945679475"/>
       </p:ext>
     </p:extLst>
   </p:cSld>
@@ -15541,7 +18568,7 @@
     </p:spTree>
     <p:extLst>
       <p:ext uri="{BB962C8B-B14F-4D97-AF65-F5344CB8AC3E}">
-        <p14:creationId xmlns="" xmlns:p14="http://schemas.microsoft.com/office/powerpoint/2010/main" val="2658594802"/>
+        <p14:creationId xmlns:p14="http://schemas.microsoft.com/office/powerpoint/2010/main" xmlns="" val="2658594802"/>
       </p:ext>
     </p:extLst>
   </p:cSld>
@@ -16635,7 +19662,7 @@
     </p:spTree>
     <p:extLst>
       <p:ext uri="{BB962C8B-B14F-4D97-AF65-F5344CB8AC3E}">
-        <p14:creationId xmlns="" xmlns:p14="http://schemas.microsoft.com/office/powerpoint/2010/main" val="3659133002"/>
+        <p14:creationId xmlns:p14="http://schemas.microsoft.com/office/powerpoint/2010/main" xmlns="" val="3659133002"/>
       </p:ext>
     </p:extLst>
   </p:cSld>
@@ -16836,7 +19863,7 @@
     </p:spTree>
     <p:extLst>
       <p:ext uri="{BB962C8B-B14F-4D97-AF65-F5344CB8AC3E}">
-        <p14:creationId xmlns="" xmlns:p14="http://schemas.microsoft.com/office/powerpoint/2010/main" val="3581056282"/>
+        <p14:creationId xmlns:p14="http://schemas.microsoft.com/office/powerpoint/2010/main" xmlns="" val="3581056282"/>
       </p:ext>
     </p:extLst>
   </p:cSld>
@@ -17015,7 +20042,7 @@
     </p:spTree>
     <p:extLst>
       <p:ext uri="{BB962C8B-B14F-4D97-AF65-F5344CB8AC3E}">
-        <p14:creationId xmlns="" xmlns:p14="http://schemas.microsoft.com/office/powerpoint/2010/main" val="2747274751"/>
+        <p14:creationId xmlns:p14="http://schemas.microsoft.com/office/powerpoint/2010/main" xmlns="" val="2747274751"/>
       </p:ext>
     </p:extLst>
   </p:cSld>
@@ -17517,7 +20544,7 @@
             <a:fld id="{7396B977-6251-41DE-9CF2-59811A3624F8}" type="datetimeFigureOut">
               <a:rPr lang="es-AR" smtClean="0"/>
               <a:pPr/>
-              <a:t>19/09/2010</a:t>
+              <a:t>20/09/2010</a:t>
             </a:fld>
             <a:endParaRPr lang="es-AR"/>
           </a:p>
@@ -17742,7 +20769,7 @@
             <a:fld id="{7396B977-6251-41DE-9CF2-59811A3624F8}" type="datetimeFigureOut">
               <a:rPr lang="es-AR" smtClean="0"/>
               <a:pPr/>
-              <a:t>19/09/2010</a:t>
+              <a:t>20/09/2010</a:t>
             </a:fld>
             <a:endParaRPr lang="es-AR"/>
           </a:p>
@@ -18024,7 +21051,7 @@
             <a:fld id="{7396B977-6251-41DE-9CF2-59811A3624F8}" type="datetimeFigureOut">
               <a:rPr lang="es-AR" smtClean="0"/>
               <a:pPr/>
-              <a:t>19/09/2010</a:t>
+              <a:t>20/09/2010</a:t>
             </a:fld>
             <a:endParaRPr lang="es-AR"/>
           </a:p>
@@ -18324,7 +21351,7 @@
             <a:fld id="{7396B977-6251-41DE-9CF2-59811A3624F8}" type="datetimeFigureOut">
               <a:rPr lang="es-AR" smtClean="0"/>
               <a:pPr/>
-              <a:t>19/09/2010</a:t>
+              <a:t>20/09/2010</a:t>
             </a:fld>
             <a:endParaRPr lang="es-AR"/>
           </a:p>
@@ -18799,7 +21826,7 @@
             <a:fld id="{7396B977-6251-41DE-9CF2-59811A3624F8}" type="datetimeFigureOut">
               <a:rPr lang="es-AR" smtClean="0"/>
               <a:pPr/>
-              <a:t>19/09/2010</a:t>
+              <a:t>20/09/2010</a:t>
             </a:fld>
             <a:endParaRPr lang="es-AR"/>
           </a:p>
@@ -19189,7 +22216,7 @@
             <a:fld id="{7396B977-6251-41DE-9CF2-59811A3624F8}" type="datetimeFigureOut">
               <a:rPr lang="es-AR" smtClean="0"/>
               <a:pPr/>
-              <a:t>19/09/2010</a:t>
+              <a:t>20/09/2010</a:t>
             </a:fld>
             <a:endParaRPr lang="es-AR"/>
           </a:p>
@@ -19579,7 +22606,7 @@
             <a:fld id="{7396B977-6251-41DE-9CF2-59811A3624F8}" type="datetimeFigureOut">
               <a:rPr lang="es-AR" smtClean="0"/>
               <a:pPr/>
-              <a:t>19/09/2010</a:t>
+              <a:t>20/09/2010</a:t>
             </a:fld>
             <a:endParaRPr lang="es-AR"/>
           </a:p>
@@ -20054,7 +23081,7 @@
             <a:fld id="{7396B977-6251-41DE-9CF2-59811A3624F8}" type="datetimeFigureOut">
               <a:rPr lang="es-AR" smtClean="0"/>
               <a:pPr/>
-              <a:t>19/09/2010</a:t>
+              <a:t>20/09/2010</a:t>
             </a:fld>
             <a:endParaRPr lang="es-AR"/>
           </a:p>
@@ -20359,7 +23386,7 @@
             <a:fld id="{7396B977-6251-41DE-9CF2-59811A3624F8}" type="datetimeFigureOut">
               <a:rPr lang="es-AR" smtClean="0"/>
               <a:pPr/>
-              <a:t>19/09/2010</a:t>
+              <a:t>20/09/2010</a:t>
             </a:fld>
             <a:endParaRPr lang="es-AR"/>
           </a:p>
@@ -20664,7 +23691,7 @@
             <a:fld id="{7396B977-6251-41DE-9CF2-59811A3624F8}" type="datetimeFigureOut">
               <a:rPr lang="es-AR" smtClean="0"/>
               <a:pPr/>
-              <a:t>19/09/2010</a:t>
+              <a:t>20/09/2010</a:t>
             </a:fld>
             <a:endParaRPr lang="es-AR"/>
           </a:p>
@@ -21020,7 +24047,7 @@
             <a:fld id="{7396B977-6251-41DE-9CF2-59811A3624F8}" type="datetimeFigureOut">
               <a:rPr lang="es-AR" smtClean="0"/>
               <a:pPr/>
-              <a:t>19/09/2010</a:t>
+              <a:t>20/09/2010</a:t>
             </a:fld>
             <a:endParaRPr lang="es-AR"/>
           </a:p>
@@ -21380,7 +24407,7 @@
             <a:fld id="{7396B977-6251-41DE-9CF2-59811A3624F8}" type="datetimeFigureOut">
               <a:rPr lang="es-AR" smtClean="0"/>
               <a:pPr/>
-              <a:t>19/09/2010</a:t>
+              <a:t>20/09/2010</a:t>
             </a:fld>
             <a:endParaRPr lang="es-AR"/>
           </a:p>
@@ -21669,7 +24696,7 @@
             <a:fld id="{7396B977-6251-41DE-9CF2-59811A3624F8}" type="datetimeFigureOut">
               <a:rPr lang="es-AR" smtClean="0"/>
               <a:pPr/>
-              <a:t>19/09/2010</a:t>
+              <a:t>20/09/2010</a:t>
             </a:fld>
             <a:endParaRPr lang="es-AR"/>
           </a:p>
@@ -22093,7 +25120,7 @@
             <a:fld id="{7396B977-6251-41DE-9CF2-59811A3624F8}" type="datetimeFigureOut">
               <a:rPr lang="es-AR" smtClean="0"/>
               <a:pPr/>
-              <a:t>19/09/2010</a:t>
+              <a:t>20/09/2010</a:t>
             </a:fld>
             <a:endParaRPr lang="es-AR"/>
           </a:p>
@@ -22210,7 +25237,7 @@
             <a:fld id="{7396B977-6251-41DE-9CF2-59811A3624F8}" type="datetimeFigureOut">
               <a:rPr lang="es-AR" smtClean="0"/>
               <a:pPr/>
-              <a:t>19/09/2010</a:t>
+              <a:t>20/09/2010</a:t>
             </a:fld>
             <a:endParaRPr lang="es-AR"/>
           </a:p>
@@ -22302,7 +25329,7 @@
             <a:fld id="{7396B977-6251-41DE-9CF2-59811A3624F8}" type="datetimeFigureOut">
               <a:rPr lang="es-AR" smtClean="0"/>
               <a:pPr/>
-              <a:t>19/09/2010</a:t>
+              <a:t>20/09/2010</a:t>
             </a:fld>
             <a:endParaRPr lang="es-AR"/>
           </a:p>
@@ -22582,7 +25609,7 @@
             <a:fld id="{7396B977-6251-41DE-9CF2-59811A3624F8}" type="datetimeFigureOut">
               <a:rPr lang="es-AR" smtClean="0"/>
               <a:pPr/>
-              <a:t>19/09/2010</a:t>
+              <a:t>20/09/2010</a:t>
             </a:fld>
             <a:endParaRPr lang="es-AR"/>
           </a:p>
@@ -22950,7 +25977,7 @@
             <a:fld id="{7396B977-6251-41DE-9CF2-59811A3624F8}" type="datetimeFigureOut">
               <a:rPr lang="es-AR" smtClean="0"/>
               <a:pPr/>
-              <a:t>19/09/2010</a:t>
+              <a:t>20/09/2010</a:t>
             </a:fld>
             <a:endParaRPr lang="es-AR"/>
           </a:p>
@@ -23389,7 +26416,7 @@
             <a:fld id="{7396B977-6251-41DE-9CF2-59811A3624F8}" type="datetimeFigureOut">
               <a:rPr lang="es-AR" smtClean="0"/>
               <a:pPr/>
-              <a:t>19/09/2010</a:t>
+              <a:t>20/09/2010</a:t>
             </a:fld>
             <a:endParaRPr lang="es-AR"/>
           </a:p>
@@ -26208,6 +29235,42 @@
           <a:chExt cx="0" cy="0"/>
         </a:xfrm>
       </p:grpSpPr>
+      <p:pic>
+        <p:nvPicPr>
+          <p:cNvPr id="12" name="11 Marcador de contenido"/>
+          <p:cNvPicPr>
+            <a:picLocks noGrp="1"/>
+          </p:cNvPicPr>
+          <p:nvPr>
+            <p:ph sz="half" idx="2"/>
+          </p:nvPr>
+        </p:nvPicPr>
+        <p:blipFill>
+          <a:blip r:embed="rId2" cstate="print"/>
+          <a:srcRect/>
+          <a:stretch>
+            <a:fillRect/>
+          </a:stretch>
+        </p:blipFill>
+        <p:spPr bwMode="auto">
+          <a:xfrm>
+            <a:off x="2699792" y="2060848"/>
+            <a:ext cx="5910258" cy="4269054"/>
+          </a:xfrm>
+          <a:prstGeom prst="rect">
+            <a:avLst/>
+          </a:prstGeom>
+          <a:noFill/>
+          <a:ln w="9525" cmpd="thickThin">
+            <a:solidFill>
+              <a:schemeClr val="tx1"/>
+            </a:solidFill>
+            <a:miter lim="800000"/>
+            <a:headEnd/>
+            <a:tailEnd/>
+          </a:ln>
+        </p:spPr>
+      </p:pic>
       <p:sp>
         <p:nvSpPr>
           <p:cNvPr id="2" name="1 Título"/>
@@ -26224,56 +29287,33 @@
           <a:lstStyle/>
           <a:p>
             <a:r>
-              <a:rPr lang="es-AR" smtClean="0"/>
+              <a:rPr lang="es-AR" dirty="0" smtClean="0"/>
               <a:t>INYECCIÓN: Automática</a:t>
             </a:r>
             <a:endParaRPr lang="es-AR" dirty="0"/>
           </a:p>
         </p:txBody>
       </p:sp>
-      <p:sp>
-        <p:nvSpPr>
-          <p:cNvPr id="16" name="15 Marcador de contenido"/>
-          <p:cNvSpPr>
-            <a:spLocks noGrp="1"/>
-          </p:cNvSpPr>
+      <p:graphicFrame>
+        <p:nvGraphicFramePr>
+          <p:cNvPr id="8" name="7 Marcador de contenido"/>
+          <p:cNvGraphicFramePr>
+            <a:graphicFrameLocks noGrp="1"/>
+          </p:cNvGraphicFramePr>
           <p:nvPr>
             <p:ph sz="half" idx="1"/>
           </p:nvPr>
-        </p:nvSpPr>
-        <p:spPr>
-          <a:xfrm>
-            <a:off x="1" y="1700808"/>
-            <a:ext cx="3563888" cy="4493095"/>
-          </a:xfrm>
-        </p:spPr>
-        <p:txBody>
-          <a:bodyPr/>
-          <a:lstStyle/>
-          <a:p>
-            <a:pPr lvl="0"/>
-            <a:r>
-              <a:rPr lang="es-AR" dirty="0" smtClean="0"/>
-              <a:t>Inyección</a:t>
-            </a:r>
-          </a:p>
-          <a:p>
-            <a:pPr lvl="1"/>
-            <a:r>
-              <a:rPr lang="es-AR" dirty="0" smtClean="0"/>
-              <a:t>Determinación de los nodos y definición del criterio</a:t>
-            </a:r>
-          </a:p>
-          <a:p>
-            <a:pPr lvl="1"/>
-            <a:r>
-              <a:rPr lang="es-AR" dirty="0" smtClean="0"/>
-              <a:t>Generación de archivos y almacenamiento en la base de datos</a:t>
-            </a:r>
-            <a:endParaRPr lang="es-AR" dirty="0"/>
-          </a:p>
-        </p:txBody>
-      </p:sp>
+        </p:nvGraphicFramePr>
+        <p:xfrm>
+          <a:off x="179512" y="1700808"/>
+          <a:ext cx="2232247" cy="4968552"/>
+        </p:xfrm>
+        <a:graphic>
+          <a:graphicData uri="http://schemas.openxmlformats.org/drawingml/2006/diagram">
+            <dgm:relIds xmlns:dgm="http://schemas.openxmlformats.org/drawingml/2006/diagram" xmlns:r="http://schemas.openxmlformats.org/officeDocument/2006/relationships" r:dm="rId3" r:lo="rId4" r:qs="rId5" r:cs="rId6"/>
+          </a:graphicData>
+        </a:graphic>
+      </p:graphicFrame>
       <p:pic>
         <p:nvPicPr>
           <p:cNvPr id="11" name="10 Marcador de contenido" descr="Google_Code_logo.png"/>
@@ -26285,14 +29325,14 @@
           </p:nvPr>
         </p:nvPicPr>
         <p:blipFill>
-          <a:blip r:embed="rId2" cstate="print"/>
+          <a:blip r:embed="rId8" cstate="print"/>
           <a:stretch>
             <a:fillRect/>
           </a:stretch>
         </p:blipFill>
         <p:spPr>
           <a:xfrm>
-            <a:off x="6444208" y="1772816"/>
+            <a:off x="5652120" y="0"/>
             <a:ext cx="1944687" cy="511175"/>
           </a:xfrm>
         </p:spPr>
@@ -26312,7 +29352,895 @@
             <a:avLst/>
           </a:prstGeom>
           <a:blipFill rotWithShape="0">
-            <a:blip r:embed="rId3" cstate="print"/>
+            <a:blip r:embed="rId9" cstate="print"/>
+            <a:stretch>
+              <a:fillRect/>
+            </a:stretch>
+          </a:blipFill>
+        </p:spPr>
+        <p:style>
+          <a:lnRef idx="0">
+            <a:schemeClr val="lt1">
+              <a:hueOff val="0"/>
+              <a:satOff val="0"/>
+              <a:lumOff val="0"/>
+              <a:alphaOff val="0"/>
+            </a:schemeClr>
+          </a:lnRef>
+          <a:fillRef idx="1">
+            <a:scrgbClr r="0" g="0" b="0"/>
+          </a:fillRef>
+          <a:effectRef idx="2">
+            <a:schemeClr val="accent1">
+              <a:tint val="50000"/>
+              <a:hueOff val="0"/>
+              <a:satOff val="0"/>
+              <a:lumOff val="0"/>
+              <a:alphaOff val="0"/>
+            </a:schemeClr>
+          </a:effectRef>
+          <a:fontRef idx="minor">
+            <a:schemeClr val="lt1">
+              <a:hueOff val="0"/>
+              <a:satOff val="0"/>
+              <a:lumOff val="0"/>
+              <a:alphaOff val="0"/>
+            </a:schemeClr>
+          </a:fontRef>
+        </p:style>
+      </p:sp>
+      <p:grpSp>
+        <p:nvGrpSpPr>
+          <p:cNvPr id="59" name="58 Grupo"/>
+          <p:cNvGrpSpPr/>
+          <p:nvPr/>
+        </p:nvGrpSpPr>
+        <p:grpSpPr>
+          <a:xfrm>
+            <a:off x="2123728" y="2780928"/>
+            <a:ext cx="3456384" cy="1512168"/>
+            <a:chOff x="2123728" y="2780928"/>
+            <a:chExt cx="3456384" cy="1512168"/>
+          </a:xfrm>
+        </p:grpSpPr>
+        <p:sp>
+          <p:nvSpPr>
+            <p:cNvPr id="9" name="8 Rectángulo"/>
+            <p:cNvSpPr/>
+            <p:nvPr/>
+          </p:nvSpPr>
+          <p:spPr>
+            <a:xfrm>
+              <a:off x="2843808" y="2780928"/>
+              <a:ext cx="2736304" cy="1512168"/>
+            </a:xfrm>
+            <a:prstGeom prst="rect">
+              <a:avLst/>
+            </a:prstGeom>
+            <a:noFill/>
+            <a:effectLst>
+              <a:softEdge rad="12700"/>
+            </a:effectLst>
+          </p:spPr>
+          <p:style>
+            <a:lnRef idx="2">
+              <a:schemeClr val="accent2"/>
+            </a:lnRef>
+            <a:fillRef idx="1">
+              <a:schemeClr val="lt1"/>
+            </a:fillRef>
+            <a:effectRef idx="0">
+              <a:schemeClr val="accent2"/>
+            </a:effectRef>
+            <a:fontRef idx="minor">
+              <a:schemeClr val="dk1"/>
+            </a:fontRef>
+          </p:style>
+          <p:txBody>
+            <a:bodyPr rtlCol="0" anchor="ctr"/>
+            <a:lstStyle/>
+            <a:p>
+              <a:pPr algn="ctr"/>
+              <a:endParaRPr lang="es-AR"/>
+            </a:p>
+          </p:txBody>
+        </p:sp>
+        <p:cxnSp>
+          <p:nvCxnSpPr>
+            <p:cNvPr id="21" name="20 Conector angular"/>
+            <p:cNvCxnSpPr>
+              <a:endCxn id="9" idx="1"/>
+            </p:cNvCxnSpPr>
+            <p:nvPr/>
+          </p:nvCxnSpPr>
+          <p:spPr>
+            <a:xfrm>
+              <a:off x="2123728" y="3140968"/>
+              <a:ext cx="720080" cy="396044"/>
+            </a:xfrm>
+            <a:prstGeom prst="curvedConnector3">
+              <a:avLst>
+                <a:gd name="adj1" fmla="val 50000"/>
+              </a:avLst>
+            </a:prstGeom>
+            <a:ln w="9525">
+              <a:tailEnd type="arrow"/>
+            </a:ln>
+          </p:spPr>
+          <p:style>
+            <a:lnRef idx="1">
+              <a:schemeClr val="accent2"/>
+            </a:lnRef>
+            <a:fillRef idx="0">
+              <a:schemeClr val="accent2"/>
+            </a:fillRef>
+            <a:effectRef idx="0">
+              <a:schemeClr val="accent2"/>
+            </a:effectRef>
+            <a:fontRef idx="minor">
+              <a:schemeClr val="tx1"/>
+            </a:fontRef>
+          </p:style>
+        </p:cxnSp>
+      </p:grpSp>
+      <p:grpSp>
+        <p:nvGrpSpPr>
+          <p:cNvPr id="60" name="59 Grupo"/>
+          <p:cNvGrpSpPr/>
+          <p:nvPr/>
+        </p:nvGrpSpPr>
+        <p:grpSpPr>
+          <a:xfrm>
+            <a:off x="2123728" y="4149080"/>
+            <a:ext cx="3456384" cy="1224136"/>
+            <a:chOff x="2123728" y="4149080"/>
+            <a:chExt cx="3456384" cy="1224136"/>
+          </a:xfrm>
+        </p:grpSpPr>
+        <p:sp>
+          <p:nvSpPr>
+            <p:cNvPr id="10" name="9 Rectángulo"/>
+            <p:cNvSpPr/>
+            <p:nvPr/>
+          </p:nvSpPr>
+          <p:spPr>
+            <a:xfrm>
+              <a:off x="2843808" y="4365104"/>
+              <a:ext cx="2736304" cy="1008112"/>
+            </a:xfrm>
+            <a:prstGeom prst="rect">
+              <a:avLst/>
+            </a:prstGeom>
+            <a:noFill/>
+            <a:effectLst>
+              <a:softEdge rad="12700"/>
+            </a:effectLst>
+          </p:spPr>
+          <p:style>
+            <a:lnRef idx="2">
+              <a:schemeClr val="accent2"/>
+            </a:lnRef>
+            <a:fillRef idx="1">
+              <a:schemeClr val="lt1"/>
+            </a:fillRef>
+            <a:effectRef idx="0">
+              <a:schemeClr val="accent2"/>
+            </a:effectRef>
+            <a:fontRef idx="minor">
+              <a:schemeClr val="dk1"/>
+            </a:fontRef>
+          </p:style>
+          <p:txBody>
+            <a:bodyPr rtlCol="0" anchor="ctr"/>
+            <a:lstStyle/>
+            <a:p>
+              <a:pPr algn="ctr"/>
+              <a:endParaRPr lang="es-AR"/>
+            </a:p>
+          </p:txBody>
+        </p:sp>
+        <p:cxnSp>
+          <p:nvCxnSpPr>
+            <p:cNvPr id="28" name="27 Conector angular"/>
+            <p:cNvCxnSpPr>
+              <a:endCxn id="10" idx="1"/>
+            </p:cNvCxnSpPr>
+            <p:nvPr/>
+          </p:nvCxnSpPr>
+          <p:spPr>
+            <a:xfrm rot="16200000" flipH="1">
+              <a:off x="2123728" y="4149080"/>
+              <a:ext cx="720080" cy="720080"/>
+            </a:xfrm>
+            <a:prstGeom prst="curvedConnector2">
+              <a:avLst/>
+            </a:prstGeom>
+            <a:ln w="9525">
+              <a:tailEnd type="arrow"/>
+            </a:ln>
+          </p:spPr>
+          <p:style>
+            <a:lnRef idx="1">
+              <a:schemeClr val="accent2"/>
+            </a:lnRef>
+            <a:fillRef idx="0">
+              <a:schemeClr val="accent2"/>
+            </a:fillRef>
+            <a:effectRef idx="0">
+              <a:schemeClr val="accent2"/>
+            </a:effectRef>
+            <a:fontRef idx="minor">
+              <a:schemeClr val="tx1"/>
+            </a:fontRef>
+          </p:style>
+        </p:cxnSp>
+      </p:grpSp>
+      <p:grpSp>
+        <p:nvGrpSpPr>
+          <p:cNvPr id="62" name="61 Grupo"/>
+          <p:cNvGrpSpPr/>
+          <p:nvPr/>
+        </p:nvGrpSpPr>
+        <p:grpSpPr>
+          <a:xfrm>
+            <a:off x="2123728" y="5445224"/>
+            <a:ext cx="3457922" cy="1080120"/>
+            <a:chOff x="2123728" y="5445224"/>
+            <a:chExt cx="3457922" cy="1080120"/>
+          </a:xfrm>
+        </p:grpSpPr>
+        <p:sp>
+          <p:nvSpPr>
+            <p:cNvPr id="15" name="14 Rectángulo"/>
+            <p:cNvSpPr/>
+            <p:nvPr/>
+          </p:nvSpPr>
+          <p:spPr>
+            <a:xfrm>
+              <a:off x="3854450" y="5445224"/>
+              <a:ext cx="1727200" cy="576064"/>
+            </a:xfrm>
+            <a:prstGeom prst="rect">
+              <a:avLst/>
+            </a:prstGeom>
+            <a:noFill/>
+            <a:ln cmpd="thickThin"/>
+            <a:effectLst>
+              <a:softEdge rad="12700"/>
+            </a:effectLst>
+          </p:spPr>
+          <p:style>
+            <a:lnRef idx="2">
+              <a:schemeClr val="accent2"/>
+            </a:lnRef>
+            <a:fillRef idx="1">
+              <a:schemeClr val="lt1"/>
+            </a:fillRef>
+            <a:effectRef idx="0">
+              <a:schemeClr val="accent2"/>
+            </a:effectRef>
+            <a:fontRef idx="minor">
+              <a:schemeClr val="dk1"/>
+            </a:fontRef>
+          </p:style>
+          <p:txBody>
+            <a:bodyPr rtlCol="0" anchor="ctr"/>
+            <a:lstStyle/>
+            <a:p>
+              <a:pPr algn="ctr"/>
+              <a:endParaRPr lang="es-AR"/>
+            </a:p>
+          </p:txBody>
+        </p:sp>
+        <p:cxnSp>
+          <p:nvCxnSpPr>
+            <p:cNvPr id="39" name="38 Forma"/>
+            <p:cNvCxnSpPr>
+              <a:endCxn id="15" idx="2"/>
+            </p:cNvCxnSpPr>
+            <p:nvPr/>
+          </p:nvCxnSpPr>
+          <p:spPr>
+            <a:xfrm flipV="1">
+              <a:off x="2123728" y="6021288"/>
+              <a:ext cx="2594322" cy="504056"/>
+            </a:xfrm>
+            <a:prstGeom prst="curvedConnector2">
+              <a:avLst/>
+            </a:prstGeom>
+            <a:ln w="9525">
+              <a:tailEnd type="arrow"/>
+            </a:ln>
+          </p:spPr>
+          <p:style>
+            <a:lnRef idx="1">
+              <a:schemeClr val="accent2"/>
+            </a:lnRef>
+            <a:fillRef idx="0">
+              <a:schemeClr val="accent2"/>
+            </a:fillRef>
+            <a:effectRef idx="0">
+              <a:schemeClr val="accent2"/>
+            </a:effectRef>
+            <a:fontRef idx="minor">
+              <a:schemeClr val="tx1"/>
+            </a:fontRef>
+          </p:style>
+        </p:cxnSp>
+      </p:grpSp>
+      <p:grpSp>
+        <p:nvGrpSpPr>
+          <p:cNvPr id="61" name="60 Grupo"/>
+          <p:cNvGrpSpPr/>
+          <p:nvPr/>
+        </p:nvGrpSpPr>
+        <p:grpSpPr>
+          <a:xfrm>
+            <a:off x="2123728" y="2780928"/>
+            <a:ext cx="6264696" cy="3241154"/>
+            <a:chOff x="2123728" y="2780928"/>
+            <a:chExt cx="6264696" cy="3241154"/>
+          </a:xfrm>
+        </p:grpSpPr>
+        <p:sp>
+          <p:nvSpPr>
+            <p:cNvPr id="13" name="12 Rectángulo"/>
+            <p:cNvSpPr/>
+            <p:nvPr/>
+          </p:nvSpPr>
+          <p:spPr>
+            <a:xfrm>
+              <a:off x="5724128" y="2780928"/>
+              <a:ext cx="2664296" cy="3240360"/>
+            </a:xfrm>
+            <a:prstGeom prst="rect">
+              <a:avLst/>
+            </a:prstGeom>
+            <a:noFill/>
+            <a:effectLst>
+              <a:softEdge rad="12700"/>
+            </a:effectLst>
+          </p:spPr>
+          <p:style>
+            <a:lnRef idx="2">
+              <a:schemeClr val="accent2"/>
+            </a:lnRef>
+            <a:fillRef idx="1">
+              <a:schemeClr val="lt1"/>
+            </a:fillRef>
+            <a:effectRef idx="0">
+              <a:schemeClr val="accent2"/>
+            </a:effectRef>
+            <a:fontRef idx="minor">
+              <a:schemeClr val="dk1"/>
+            </a:fontRef>
+          </p:style>
+          <p:txBody>
+            <a:bodyPr rtlCol="0" anchor="ctr"/>
+            <a:lstStyle/>
+            <a:p>
+              <a:pPr algn="ctr"/>
+              <a:endParaRPr lang="es-AR"/>
+            </a:p>
+          </p:txBody>
+        </p:sp>
+        <p:sp>
+          <p:nvSpPr>
+            <p:cNvPr id="17" name="16 Rectángulo"/>
+            <p:cNvSpPr/>
+            <p:nvPr/>
+          </p:nvSpPr>
+          <p:spPr>
+            <a:xfrm>
+              <a:off x="2915817" y="5445224"/>
+              <a:ext cx="894184" cy="576064"/>
+            </a:xfrm>
+            <a:prstGeom prst="rect">
+              <a:avLst/>
+            </a:prstGeom>
+            <a:noFill/>
+            <a:ln cmpd="thickThin"/>
+            <a:effectLst>
+              <a:softEdge rad="12700"/>
+            </a:effectLst>
+          </p:spPr>
+          <p:style>
+            <a:lnRef idx="2">
+              <a:schemeClr val="accent2"/>
+            </a:lnRef>
+            <a:fillRef idx="1">
+              <a:schemeClr val="lt1"/>
+            </a:fillRef>
+            <a:effectRef idx="0">
+              <a:schemeClr val="accent2"/>
+            </a:effectRef>
+            <a:fontRef idx="minor">
+              <a:schemeClr val="dk1"/>
+            </a:fontRef>
+          </p:style>
+          <p:txBody>
+            <a:bodyPr rtlCol="0" anchor="ctr"/>
+            <a:lstStyle/>
+            <a:p>
+              <a:pPr algn="ctr"/>
+              <a:endParaRPr lang="es-AR"/>
+            </a:p>
+          </p:txBody>
+        </p:sp>
+        <p:cxnSp>
+          <p:nvCxnSpPr>
+            <p:cNvPr id="34" name="33 Conector angular"/>
+            <p:cNvCxnSpPr>
+              <a:endCxn id="17" idx="1"/>
+            </p:cNvCxnSpPr>
+            <p:nvPr/>
+          </p:nvCxnSpPr>
+          <p:spPr>
+            <a:xfrm>
+              <a:off x="2123728" y="5157192"/>
+              <a:ext cx="792089" cy="576064"/>
+            </a:xfrm>
+            <a:prstGeom prst="curvedConnector3">
+              <a:avLst>
+                <a:gd name="adj1" fmla="val 25950"/>
+              </a:avLst>
+            </a:prstGeom>
+            <a:ln w="9525">
+              <a:tailEnd type="arrow"/>
+            </a:ln>
+          </p:spPr>
+          <p:style>
+            <a:lnRef idx="1">
+              <a:schemeClr val="accent2"/>
+            </a:lnRef>
+            <a:fillRef idx="0">
+              <a:schemeClr val="accent2"/>
+            </a:fillRef>
+            <a:effectRef idx="0">
+              <a:schemeClr val="accent2"/>
+            </a:effectRef>
+            <a:fontRef idx="minor">
+              <a:schemeClr val="tx1"/>
+            </a:fontRef>
+          </p:style>
+        </p:cxnSp>
+        <p:cxnSp>
+          <p:nvCxnSpPr>
+            <p:cNvPr id="41" name="40 Conector angular"/>
+            <p:cNvCxnSpPr>
+              <a:stCxn id="17" idx="2"/>
+              <a:endCxn id="13" idx="2"/>
+            </p:cNvCxnSpPr>
+            <p:nvPr/>
+          </p:nvCxnSpPr>
+          <p:spPr>
+            <a:xfrm rot="16200000" flipH="1">
+              <a:off x="5209592" y="4174604"/>
+              <a:ext cx="1588" cy="3693367"/>
+            </a:xfrm>
+            <a:prstGeom prst="curvedConnector3">
+              <a:avLst>
+                <a:gd name="adj1" fmla="val 35988676"/>
+              </a:avLst>
+            </a:prstGeom>
+            <a:ln w="9525">
+              <a:tailEnd type="arrow"/>
+            </a:ln>
+          </p:spPr>
+          <p:style>
+            <a:lnRef idx="1">
+              <a:schemeClr val="accent2"/>
+            </a:lnRef>
+            <a:fillRef idx="0">
+              <a:schemeClr val="accent2"/>
+            </a:fillRef>
+            <a:effectRef idx="0">
+              <a:schemeClr val="accent2"/>
+            </a:effectRef>
+            <a:fontRef idx="minor">
+              <a:schemeClr val="tx1"/>
+            </a:fontRef>
+          </p:style>
+        </p:cxnSp>
+      </p:grpSp>
+    </p:spTree>
+  </p:cSld>
+  <p:clrMapOvr>
+    <a:masterClrMapping/>
+  </p:clrMapOvr>
+  <p:timing>
+    <p:tnLst>
+      <p:par>
+        <p:cTn id="1" dur="indefinite" restart="never" nodeType="tmRoot">
+          <p:childTnLst>
+            <p:seq concurrent="1" nextAc="seek">
+              <p:cTn id="2" dur="indefinite" nodeType="mainSeq">
+                <p:childTnLst>
+                  <p:par>
+                    <p:cTn id="3" fill="hold">
+                      <p:stCondLst>
+                        <p:cond delay="indefinite"/>
+                      </p:stCondLst>
+                      <p:childTnLst>
+                        <p:par>
+                          <p:cTn id="4" fill="hold">
+                            <p:stCondLst>
+                              <p:cond delay="0"/>
+                            </p:stCondLst>
+                            <p:childTnLst>
+                              <p:par>
+                                <p:cTn id="5" presetID="22" presetClass="entr" presetSubtype="4" fill="hold" nodeType="clickEffect">
+                                  <p:stCondLst>
+                                    <p:cond delay="0"/>
+                                  </p:stCondLst>
+                                  <p:childTnLst>
+                                    <p:set>
+                                      <p:cBhvr>
+                                        <p:cTn id="6" dur="1" fill="hold">
+                                          <p:stCondLst>
+                                            <p:cond delay="0"/>
+                                          </p:stCondLst>
+                                        </p:cTn>
+                                        <p:tgtEl>
+                                          <p:spTgt spid="59"/>
+                                        </p:tgtEl>
+                                        <p:attrNameLst>
+                                          <p:attrName>style.visibility</p:attrName>
+                                        </p:attrNameLst>
+                                      </p:cBhvr>
+                                      <p:to>
+                                        <p:strVal val="visible"/>
+                                      </p:to>
+                                    </p:set>
+                                    <p:animEffect transition="in" filter="wipe(down)">
+                                      <p:cBhvr>
+                                        <p:cTn id="7" dur="500"/>
+                                        <p:tgtEl>
+                                          <p:spTgt spid="59"/>
+                                        </p:tgtEl>
+                                      </p:cBhvr>
+                                    </p:animEffect>
+                                  </p:childTnLst>
+                                </p:cTn>
+                              </p:par>
+                            </p:childTnLst>
+                          </p:cTn>
+                        </p:par>
+                      </p:childTnLst>
+                    </p:cTn>
+                  </p:par>
+                  <p:par>
+                    <p:cTn id="8" fill="hold">
+                      <p:stCondLst>
+                        <p:cond delay="indefinite"/>
+                      </p:stCondLst>
+                      <p:childTnLst>
+                        <p:par>
+                          <p:cTn id="9" fill="hold">
+                            <p:stCondLst>
+                              <p:cond delay="0"/>
+                            </p:stCondLst>
+                            <p:childTnLst>
+                              <p:par>
+                                <p:cTn id="10" presetID="22" presetClass="entr" presetSubtype="4" fill="hold" nodeType="clickEffect">
+                                  <p:stCondLst>
+                                    <p:cond delay="0"/>
+                                  </p:stCondLst>
+                                  <p:childTnLst>
+                                    <p:set>
+                                      <p:cBhvr>
+                                        <p:cTn id="11" dur="1" fill="hold">
+                                          <p:stCondLst>
+                                            <p:cond delay="0"/>
+                                          </p:stCondLst>
+                                        </p:cTn>
+                                        <p:tgtEl>
+                                          <p:spTgt spid="60"/>
+                                        </p:tgtEl>
+                                        <p:attrNameLst>
+                                          <p:attrName>style.visibility</p:attrName>
+                                        </p:attrNameLst>
+                                      </p:cBhvr>
+                                      <p:to>
+                                        <p:strVal val="visible"/>
+                                      </p:to>
+                                    </p:set>
+                                    <p:animEffect transition="in" filter="wipe(down)">
+                                      <p:cBhvr>
+                                        <p:cTn id="12" dur="500"/>
+                                        <p:tgtEl>
+                                          <p:spTgt spid="60"/>
+                                        </p:tgtEl>
+                                      </p:cBhvr>
+                                    </p:animEffect>
+                                  </p:childTnLst>
+                                </p:cTn>
+                              </p:par>
+                            </p:childTnLst>
+                          </p:cTn>
+                        </p:par>
+                      </p:childTnLst>
+                    </p:cTn>
+                  </p:par>
+                  <p:par>
+                    <p:cTn id="13" fill="hold">
+                      <p:stCondLst>
+                        <p:cond delay="indefinite"/>
+                      </p:stCondLst>
+                      <p:childTnLst>
+                        <p:par>
+                          <p:cTn id="14" fill="hold">
+                            <p:stCondLst>
+                              <p:cond delay="0"/>
+                            </p:stCondLst>
+                            <p:childTnLst>
+                              <p:par>
+                                <p:cTn id="15" presetID="22" presetClass="entr" presetSubtype="4" fill="hold" nodeType="clickEffect">
+                                  <p:stCondLst>
+                                    <p:cond delay="0"/>
+                                  </p:stCondLst>
+                                  <p:childTnLst>
+                                    <p:set>
+                                      <p:cBhvr>
+                                        <p:cTn id="16" dur="1" fill="hold">
+                                          <p:stCondLst>
+                                            <p:cond delay="0"/>
+                                          </p:stCondLst>
+                                        </p:cTn>
+                                        <p:tgtEl>
+                                          <p:spTgt spid="61"/>
+                                        </p:tgtEl>
+                                        <p:attrNameLst>
+                                          <p:attrName>style.visibility</p:attrName>
+                                        </p:attrNameLst>
+                                      </p:cBhvr>
+                                      <p:to>
+                                        <p:strVal val="visible"/>
+                                      </p:to>
+                                    </p:set>
+                                    <p:animEffect transition="in" filter="wipe(down)">
+                                      <p:cBhvr>
+                                        <p:cTn id="17" dur="500"/>
+                                        <p:tgtEl>
+                                          <p:spTgt spid="61"/>
+                                        </p:tgtEl>
+                                      </p:cBhvr>
+                                    </p:animEffect>
+                                  </p:childTnLst>
+                                </p:cTn>
+                              </p:par>
+                            </p:childTnLst>
+                          </p:cTn>
+                        </p:par>
+                      </p:childTnLst>
+                    </p:cTn>
+                  </p:par>
+                  <p:par>
+                    <p:cTn id="18" fill="hold">
+                      <p:stCondLst>
+                        <p:cond delay="indefinite"/>
+                      </p:stCondLst>
+                      <p:childTnLst>
+                        <p:par>
+                          <p:cTn id="19" fill="hold">
+                            <p:stCondLst>
+                              <p:cond delay="0"/>
+                            </p:stCondLst>
+                            <p:childTnLst>
+                              <p:par>
+                                <p:cTn id="20" presetID="22" presetClass="entr" presetSubtype="4" fill="hold" nodeType="clickEffect">
+                                  <p:stCondLst>
+                                    <p:cond delay="0"/>
+                                  </p:stCondLst>
+                                  <p:childTnLst>
+                                    <p:set>
+                                      <p:cBhvr>
+                                        <p:cTn id="21" dur="1" fill="hold">
+                                          <p:stCondLst>
+                                            <p:cond delay="0"/>
+                                          </p:stCondLst>
+                                        </p:cTn>
+                                        <p:tgtEl>
+                                          <p:spTgt spid="62"/>
+                                        </p:tgtEl>
+                                        <p:attrNameLst>
+                                          <p:attrName>style.visibility</p:attrName>
+                                        </p:attrNameLst>
+                                      </p:cBhvr>
+                                      <p:to>
+                                        <p:strVal val="visible"/>
+                                      </p:to>
+                                    </p:set>
+                                    <p:animEffect transition="in" filter="wipe(down)">
+                                      <p:cBhvr>
+                                        <p:cTn id="22" dur="500"/>
+                                        <p:tgtEl>
+                                          <p:spTgt spid="62"/>
+                                        </p:tgtEl>
+                                      </p:cBhvr>
+                                    </p:animEffect>
+                                  </p:childTnLst>
+                                </p:cTn>
+                              </p:par>
+                            </p:childTnLst>
+                          </p:cTn>
+                        </p:par>
+                      </p:childTnLst>
+                    </p:cTn>
+                  </p:par>
+                </p:childTnLst>
+              </p:cTn>
+              <p:prevCondLst>
+                <p:cond evt="onPrev" delay="0">
+                  <p:tgtEl>
+                    <p:sldTgt/>
+                  </p:tgtEl>
+                </p:cond>
+              </p:prevCondLst>
+              <p:nextCondLst>
+                <p:cond evt="onNext" delay="0">
+                  <p:tgtEl>
+                    <p:sldTgt/>
+                  </p:tgtEl>
+                </p:cond>
+              </p:nextCondLst>
+            </p:seq>
+          </p:childTnLst>
+        </p:cTn>
+      </p:par>
+    </p:tnLst>
+  </p:timing>
+</p:sld>
+</file>
+
+<file path=ppt/slides/slide11.xml><?xml version="1.0" encoding="utf-8"?>
+<p:sld xmlns:a="http://schemas.openxmlformats.org/drawingml/2006/main" xmlns:r="http://schemas.openxmlformats.org/officeDocument/2006/relationships" xmlns:p="http://schemas.openxmlformats.org/presentationml/2006/main">
+  <p:cSld>
+    <p:spTree>
+      <p:nvGrpSpPr>
+        <p:cNvPr id="1" name=""/>
+        <p:cNvGrpSpPr/>
+        <p:nvPr/>
+      </p:nvGrpSpPr>
+      <p:grpSpPr>
+        <a:xfrm>
+          <a:off x="0" y="0"/>
+          <a:ext cx="0" cy="0"/>
+          <a:chOff x="0" y="0"/>
+          <a:chExt cx="0" cy="0"/>
+        </a:xfrm>
+      </p:grpSpPr>
+      <p:pic>
+        <p:nvPicPr>
+          <p:cNvPr id="23" name="22 Imagen" descr="vm_3.png"/>
+          <p:cNvPicPr>
+            <a:picLocks noChangeAspect="1"/>
+          </p:cNvPicPr>
+          <p:nvPr/>
+        </p:nvPicPr>
+        <p:blipFill>
+          <a:blip r:embed="rId2" cstate="print"/>
+          <a:stretch>
+            <a:fillRect/>
+          </a:stretch>
+        </p:blipFill>
+        <p:spPr>
+          <a:xfrm>
+            <a:off x="179512" y="5661248"/>
+            <a:ext cx="2133333" cy="942857"/>
+          </a:xfrm>
+          <a:prstGeom prst="rect">
+            <a:avLst/>
+          </a:prstGeom>
+        </p:spPr>
+      </p:pic>
+      <p:pic>
+        <p:nvPicPr>
+          <p:cNvPr id="27" name="26 Imagen" descr="vm_4.png"/>
+          <p:cNvPicPr>
+            <a:picLocks noChangeAspect="1"/>
+          </p:cNvPicPr>
+          <p:nvPr/>
+        </p:nvPicPr>
+        <p:blipFill>
+          <a:blip r:embed="rId3" cstate="print"/>
+          <a:stretch>
+            <a:fillRect/>
+          </a:stretch>
+        </p:blipFill>
+        <p:spPr>
+          <a:xfrm>
+            <a:off x="179512" y="5661248"/>
+            <a:ext cx="8564171" cy="943107"/>
+          </a:xfrm>
+          <a:prstGeom prst="rect">
+            <a:avLst/>
+          </a:prstGeom>
+        </p:spPr>
+      </p:pic>
+      <p:sp>
+        <p:nvSpPr>
+          <p:cNvPr id="2" name="1 Título"/>
+          <p:cNvSpPr>
+            <a:spLocks noGrp="1"/>
+          </p:cNvSpPr>
+          <p:nvPr>
+            <p:ph type="title"/>
+          </p:nvPr>
+        </p:nvSpPr>
+        <p:spPr/>
+        <p:txBody>
+          <a:bodyPr/>
+          <a:lstStyle/>
+          <a:p>
+            <a:r>
+              <a:rPr lang="es-AR" dirty="0" smtClean="0"/>
+              <a:t>INYECCIÓN: Automática</a:t>
+            </a:r>
+            <a:endParaRPr lang="es-AR" dirty="0"/>
+          </a:p>
+        </p:txBody>
+      </p:sp>
+      <p:sp>
+        <p:nvSpPr>
+          <p:cNvPr id="16" name="15 Marcador de contenido"/>
+          <p:cNvSpPr>
+            <a:spLocks noGrp="1"/>
+          </p:cNvSpPr>
+          <p:nvPr>
+            <p:ph sz="half" idx="1"/>
+          </p:nvPr>
+        </p:nvSpPr>
+        <p:spPr/>
+        <p:txBody>
+          <a:bodyPr>
+            <a:normAutofit/>
+          </a:bodyPr>
+          <a:lstStyle/>
+          <a:p>
+            <a:pPr lvl="0"/>
+            <a:r>
+              <a:rPr lang="es-AR" dirty="0" smtClean="0"/>
+              <a:t>Simulación</a:t>
+            </a:r>
+          </a:p>
+          <a:p>
+            <a:pPr lvl="1"/>
+            <a:r>
+              <a:rPr lang="es-AR" dirty="0" smtClean="0"/>
+              <a:t>Medición de tiempos y puesta a punto de Configuración </a:t>
+            </a:r>
+            <a:r>
+              <a:rPr lang="es-AR" dirty="0" smtClean="0"/>
+              <a:t>del ambiente virtualizado</a:t>
+            </a:r>
+          </a:p>
+          <a:p>
+            <a:pPr lvl="1"/>
+            <a:r>
+              <a:rPr lang="es-AR" dirty="0" smtClean="0"/>
+              <a:t>Simulación y almacenamiento en la base de datos</a:t>
+            </a:r>
+            <a:endParaRPr lang="es-AR" dirty="0"/>
+          </a:p>
+        </p:txBody>
+      </p:sp>
+      <p:sp>
+        <p:nvSpPr>
+          <p:cNvPr id="5" name="4 Rectángulo"/>
+          <p:cNvSpPr/>
+          <p:nvPr/>
+        </p:nvSpPr>
+        <p:spPr>
+          <a:xfrm>
+            <a:off x="7804702" y="139134"/>
+            <a:ext cx="1188132" cy="1188132"/>
+          </a:xfrm>
+          <a:prstGeom prst="rect">
+            <a:avLst/>
+          </a:prstGeom>
+          <a:blipFill rotWithShape="0">
+            <a:blip r:embed="rId4" cstate="print"/>
             <a:stretch>
               <a:fillRect/>
             </a:stretch>
@@ -26351,36 +30279,212 @@
       </p:sp>
       <p:pic>
         <p:nvPicPr>
-          <p:cNvPr id="12" name="11 Marcador de contenido"/>
+          <p:cNvPr id="29" name="28 Imagen" descr="vm_6.png"/>
           <p:cNvPicPr>
-            <a:picLocks noGrp="1"/>
+            <a:picLocks noChangeAspect="1"/>
           </p:cNvPicPr>
-          <p:nvPr>
-            <p:ph sz="half" idx="2"/>
-          </p:nvPr>
+          <p:nvPr/>
         </p:nvPicPr>
         <p:blipFill>
-          <a:blip r:embed="rId4" cstate="print"/>
-          <a:srcRect/>
+          <a:blip r:embed="rId5" cstate="print">
+            <a:clrChange>
+              <a:clrFrom>
+                <a:srgbClr val="FFFFFF"/>
+              </a:clrFrom>
+              <a:clrTo>
+                <a:srgbClr val="FFFFFF">
+                  <a:alpha val="0"/>
+                </a:srgbClr>
+              </a:clrTo>
+            </a:clrChange>
+          </a:blip>
           <a:stretch>
             <a:fillRect/>
           </a:stretch>
         </p:blipFill>
-        <p:spPr bwMode="auto">
+        <p:spPr>
           <a:xfrm>
-            <a:off x="3595755" y="2905799"/>
-            <a:ext cx="5400600" cy="3844495"/>
+            <a:off x="2339752" y="3501008"/>
+            <a:ext cx="2133333" cy="2152381"/>
           </a:xfrm>
           <a:prstGeom prst="rect">
             <a:avLst/>
           </a:prstGeom>
-          <a:noFill/>
-          <a:ln w="9525">
-            <a:noFill/>
-            <a:miter lim="800000"/>
-            <a:headEnd/>
-            <a:tailEnd/>
-          </a:ln>
+        </p:spPr>
+      </p:pic>
+      <p:pic>
+        <p:nvPicPr>
+          <p:cNvPr id="30" name="29 Imagen" descr="vm_6.png"/>
+          <p:cNvPicPr>
+            <a:picLocks noChangeAspect="1"/>
+          </p:cNvPicPr>
+          <p:nvPr/>
+        </p:nvPicPr>
+        <p:blipFill>
+          <a:blip r:embed="rId5" cstate="print">
+            <a:clrChange>
+              <a:clrFrom>
+                <a:srgbClr val="FFFFFF"/>
+              </a:clrFrom>
+              <a:clrTo>
+                <a:srgbClr val="FFFFFF">
+                  <a:alpha val="0"/>
+                </a:srgbClr>
+              </a:clrTo>
+            </a:clrChange>
+          </a:blip>
+          <a:stretch>
+            <a:fillRect/>
+          </a:stretch>
+        </p:blipFill>
+        <p:spPr>
+          <a:xfrm>
+            <a:off x="4499992" y="3501008"/>
+            <a:ext cx="2133333" cy="2152381"/>
+          </a:xfrm>
+          <a:prstGeom prst="rect">
+            <a:avLst/>
+          </a:prstGeom>
+        </p:spPr>
+      </p:pic>
+      <p:pic>
+        <p:nvPicPr>
+          <p:cNvPr id="31" name="30 Imagen" descr="vm_6.png"/>
+          <p:cNvPicPr>
+            <a:picLocks noChangeAspect="1"/>
+          </p:cNvPicPr>
+          <p:nvPr/>
+        </p:nvPicPr>
+        <p:blipFill>
+          <a:blip r:embed="rId5" cstate="print">
+            <a:clrChange>
+              <a:clrFrom>
+                <a:srgbClr val="FFFFFF"/>
+              </a:clrFrom>
+              <a:clrTo>
+                <a:srgbClr val="FFFFFF">
+                  <a:alpha val="0"/>
+                </a:srgbClr>
+              </a:clrTo>
+            </a:clrChange>
+          </a:blip>
+          <a:stretch>
+            <a:fillRect/>
+          </a:stretch>
+        </p:blipFill>
+        <p:spPr>
+          <a:xfrm>
+            <a:off x="6588224" y="3501008"/>
+            <a:ext cx="2133333" cy="2152381"/>
+          </a:xfrm>
+          <a:prstGeom prst="rect">
+            <a:avLst/>
+          </a:prstGeom>
+        </p:spPr>
+      </p:pic>
+      <p:pic>
+        <p:nvPicPr>
+          <p:cNvPr id="32" name="31 Imagen" descr="vm_8.png"/>
+          <p:cNvPicPr>
+            <a:picLocks noChangeAspect="1"/>
+          </p:cNvPicPr>
+          <p:nvPr/>
+        </p:nvPicPr>
+        <p:blipFill>
+          <a:blip r:embed="rId6" cstate="print">
+            <a:clrChange>
+              <a:clrFrom>
+                <a:srgbClr val="FFFFFF"/>
+              </a:clrFrom>
+              <a:clrTo>
+                <a:srgbClr val="FFFFFF">
+                  <a:alpha val="0"/>
+                </a:srgbClr>
+              </a:clrTo>
+            </a:clrChange>
+          </a:blip>
+          <a:stretch>
+            <a:fillRect/>
+          </a:stretch>
+        </p:blipFill>
+        <p:spPr>
+          <a:xfrm>
+            <a:off x="179512" y="4221088"/>
+            <a:ext cx="2133333" cy="1438095"/>
+          </a:xfrm>
+          <a:prstGeom prst="rect">
+            <a:avLst/>
+          </a:prstGeom>
+        </p:spPr>
+      </p:pic>
+      <p:pic>
+        <p:nvPicPr>
+          <p:cNvPr id="33" name="32 Imagen" descr="vm_7.png"/>
+          <p:cNvPicPr>
+            <a:picLocks noChangeAspect="1"/>
+          </p:cNvPicPr>
+          <p:nvPr/>
+        </p:nvPicPr>
+        <p:blipFill>
+          <a:blip r:embed="rId7" cstate="print">
+            <a:clrChange>
+              <a:clrFrom>
+                <a:srgbClr val="FFFFFF"/>
+              </a:clrFrom>
+              <a:clrTo>
+                <a:srgbClr val="FFFFFF">
+                  <a:alpha val="0"/>
+                </a:srgbClr>
+              </a:clrTo>
+            </a:clrChange>
+          </a:blip>
+          <a:stretch>
+            <a:fillRect/>
+          </a:stretch>
+        </p:blipFill>
+        <p:spPr>
+          <a:xfrm>
+            <a:off x="179512" y="3501008"/>
+            <a:ext cx="2133333" cy="714286"/>
+          </a:xfrm>
+          <a:prstGeom prst="rect">
+            <a:avLst/>
+          </a:prstGeom>
+        </p:spPr>
+      </p:pic>
+      <p:pic>
+        <p:nvPicPr>
+          <p:cNvPr id="34" name="33 Imagen" descr="vm_7.png"/>
+          <p:cNvPicPr>
+            <a:picLocks noChangeAspect="1"/>
+          </p:cNvPicPr>
+          <p:nvPr/>
+        </p:nvPicPr>
+        <p:blipFill>
+          <a:blip r:embed="rId7" cstate="print">
+            <a:clrChange>
+              <a:clrFrom>
+                <a:srgbClr val="FFFFFF"/>
+              </a:clrFrom>
+              <a:clrTo>
+                <a:srgbClr val="FFFFFF">
+                  <a:alpha val="0"/>
+                </a:srgbClr>
+              </a:clrTo>
+            </a:clrChange>
+          </a:blip>
+          <a:stretch>
+            <a:fillRect/>
+          </a:stretch>
+        </p:blipFill>
+        <p:spPr>
+          <a:xfrm>
+            <a:off x="251520" y="4869160"/>
+            <a:ext cx="2133333" cy="714286"/>
+          </a:xfrm>
+          <a:prstGeom prst="rect">
+            <a:avLst/>
+          </a:prstGeom>
         </p:spPr>
       </p:pic>
     </p:spTree>
@@ -26391,653 +30495,775 @@
   <p:timing>
     <p:tnLst>
       <p:par>
-        <p:cTn id="1" dur="indefinite" restart="never" nodeType="tmRoot"/>
-      </p:par>
-    </p:tnLst>
-  </p:timing>
-</p:sld>
-</file>
-
-<file path=ppt/slides/slide11.xml><?xml version="1.0" encoding="utf-8"?>
-<p:sld xmlns:a="http://schemas.openxmlformats.org/drawingml/2006/main" xmlns:r="http://schemas.openxmlformats.org/officeDocument/2006/relationships" xmlns:p="http://schemas.openxmlformats.org/presentationml/2006/main">
-  <p:cSld>
-    <p:spTree>
-      <p:nvGrpSpPr>
-        <p:cNvPr id="1" name=""/>
-        <p:cNvGrpSpPr/>
-        <p:nvPr/>
-      </p:nvGrpSpPr>
-      <p:grpSpPr>
-        <a:xfrm>
-          <a:off x="0" y="0"/>
-          <a:ext cx="0" cy="0"/>
-          <a:chOff x="0" y="0"/>
-          <a:chExt cx="0" cy="0"/>
-        </a:xfrm>
-      </p:grpSpPr>
-      <p:sp>
-        <p:nvSpPr>
-          <p:cNvPr id="2" name="1 Título"/>
-          <p:cNvSpPr>
-            <a:spLocks noGrp="1"/>
-          </p:cNvSpPr>
-          <p:nvPr>
-            <p:ph type="title"/>
-          </p:nvPr>
-        </p:nvSpPr>
-        <p:spPr/>
-        <p:txBody>
-          <a:bodyPr/>
-          <a:lstStyle/>
-          <a:p>
-            <a:r>
-              <a:rPr lang="es-AR" dirty="0" smtClean="0"/>
-              <a:t>INYECCIÓN: Automática</a:t>
-            </a:r>
-            <a:endParaRPr lang="es-AR" dirty="0"/>
-          </a:p>
-        </p:txBody>
-      </p:sp>
-      <p:sp>
-        <p:nvSpPr>
-          <p:cNvPr id="16" name="15 Marcador de contenido"/>
-          <p:cNvSpPr>
-            <a:spLocks noGrp="1"/>
-          </p:cNvSpPr>
-          <p:nvPr>
-            <p:ph sz="half" idx="1"/>
-          </p:nvPr>
-        </p:nvSpPr>
-        <p:spPr/>
-        <p:txBody>
-          <a:bodyPr>
-            <a:normAutofit/>
-          </a:bodyPr>
-          <a:lstStyle/>
-          <a:p>
-            <a:pPr lvl="0"/>
-            <a:r>
-              <a:rPr lang="es-AR" dirty="0" smtClean="0"/>
-              <a:t>Simulación</a:t>
-            </a:r>
-          </a:p>
-          <a:p>
-            <a:pPr lvl="1"/>
-            <a:r>
-              <a:rPr lang="es-AR" dirty="0" smtClean="0"/>
-              <a:t>Configuración del ambiente virtualizado</a:t>
-            </a:r>
-          </a:p>
-          <a:p>
-            <a:pPr lvl="1"/>
-            <a:r>
-              <a:rPr lang="es-AR" dirty="0" smtClean="0"/>
-              <a:t>Simulación y almacenamiento en la base de datos</a:t>
-            </a:r>
-            <a:endParaRPr lang="es-AR" dirty="0"/>
-          </a:p>
-        </p:txBody>
-      </p:sp>
-      <p:pic>
-        <p:nvPicPr>
-          <p:cNvPr id="7" name="6 Marcador de contenido" descr="final-tech-desktop-alt.png"/>
-          <p:cNvPicPr>
-            <a:picLocks noGrp="1" noChangeAspect="1"/>
-          </p:cNvPicPr>
-          <p:nvPr>
-            <p:ph sz="half" idx="14"/>
-          </p:nvPr>
-        </p:nvPicPr>
-        <p:blipFill>
-          <a:blip r:embed="rId2" cstate="print"/>
-          <a:stretch>
-            <a:fillRect/>
-          </a:stretch>
-        </p:blipFill>
-        <p:spPr>
-          <a:xfrm>
-            <a:off x="827584" y="4293096"/>
-            <a:ext cx="7488063" cy="2150690"/>
-          </a:xfrm>
-        </p:spPr>
-      </p:pic>
-      <p:sp>
-        <p:nvSpPr>
-          <p:cNvPr id="5" name="4 Rectángulo"/>
-          <p:cNvSpPr/>
-          <p:nvPr/>
-        </p:nvSpPr>
-        <p:spPr>
-          <a:xfrm>
-            <a:off x="7804702" y="139134"/>
-            <a:ext cx="1188132" cy="1188132"/>
-          </a:xfrm>
-          <a:prstGeom prst="rect">
-            <a:avLst/>
-          </a:prstGeom>
-          <a:blipFill rotWithShape="0">
-            <a:blip r:embed="rId3" cstate="print"/>
-            <a:stretch>
-              <a:fillRect/>
-            </a:stretch>
-          </a:blipFill>
-        </p:spPr>
-        <p:style>
-          <a:lnRef idx="0">
-            <a:schemeClr val="lt1">
-              <a:hueOff val="0"/>
-              <a:satOff val="0"/>
-              <a:lumOff val="0"/>
-              <a:alphaOff val="0"/>
-            </a:schemeClr>
-          </a:lnRef>
-          <a:fillRef idx="1">
-            <a:scrgbClr r="0" g="0" b="0"/>
-          </a:fillRef>
-          <a:effectRef idx="2">
-            <a:schemeClr val="accent1">
-              <a:tint val="50000"/>
-              <a:hueOff val="0"/>
-              <a:satOff val="0"/>
-              <a:lumOff val="0"/>
-              <a:alphaOff val="0"/>
-            </a:schemeClr>
-          </a:effectRef>
-          <a:fontRef idx="minor">
-            <a:schemeClr val="lt1">
-              <a:hueOff val="0"/>
-              <a:satOff val="0"/>
-              <a:lumOff val="0"/>
-              <a:alphaOff val="0"/>
-            </a:schemeClr>
-          </a:fontRef>
-        </p:style>
-      </p:sp>
-      <p:grpSp>
-        <p:nvGrpSpPr>
-          <p:cNvPr id="10" name="9 Grupo"/>
-          <p:cNvGrpSpPr/>
-          <p:nvPr/>
-        </p:nvGrpSpPr>
-        <p:grpSpPr>
-          <a:xfrm>
-            <a:off x="1187624" y="3645024"/>
-            <a:ext cx="1332148" cy="684076"/>
-            <a:chOff x="1187624" y="3861048"/>
-            <a:chExt cx="1332148" cy="684076"/>
-          </a:xfrm>
-        </p:grpSpPr>
-        <p:sp>
-          <p:nvSpPr>
-            <p:cNvPr id="8" name="7 Rectángulo"/>
-            <p:cNvSpPr/>
-            <p:nvPr/>
-          </p:nvSpPr>
-          <p:spPr>
-            <a:xfrm>
-              <a:off x="1187624" y="3933056"/>
-              <a:ext cx="540060" cy="540060"/>
-            </a:xfrm>
-            <a:prstGeom prst="rect">
-              <a:avLst/>
-            </a:prstGeom>
-            <a:blipFill rotWithShape="0">
-              <a:blip r:embed="rId3" cstate="print"/>
-              <a:stretch>
-                <a:fillRect/>
-              </a:stretch>
-            </a:blipFill>
-          </p:spPr>
-          <p:style>
-            <a:lnRef idx="0">
-              <a:schemeClr val="lt1">
-                <a:hueOff val="0"/>
-                <a:satOff val="0"/>
-                <a:lumOff val="0"/>
-                <a:alphaOff val="0"/>
-              </a:schemeClr>
-            </a:lnRef>
-            <a:fillRef idx="1">
-              <a:scrgbClr r="0" g="0" b="0"/>
-            </a:fillRef>
-            <a:effectRef idx="2">
-              <a:schemeClr val="accent1">
-                <a:tint val="50000"/>
-                <a:hueOff val="0"/>
-                <a:satOff val="0"/>
-                <a:lumOff val="0"/>
-                <a:alphaOff val="0"/>
-              </a:schemeClr>
-            </a:effectRef>
-            <a:fontRef idx="minor">
-              <a:schemeClr val="lt1">
-                <a:hueOff val="0"/>
-                <a:satOff val="0"/>
-                <a:lumOff val="0"/>
-                <a:alphaOff val="0"/>
-              </a:schemeClr>
-            </a:fontRef>
-          </p:style>
-        </p:sp>
-        <p:sp>
-          <p:nvSpPr>
-            <p:cNvPr id="9" name="8 Rectángulo"/>
-            <p:cNvSpPr/>
-            <p:nvPr/>
-          </p:nvSpPr>
-          <p:spPr>
-            <a:xfrm>
-              <a:off x="1835696" y="3861048"/>
-              <a:ext cx="684076" cy="684076"/>
-            </a:xfrm>
-            <a:prstGeom prst="rect">
-              <a:avLst/>
-            </a:prstGeom>
-            <a:blipFill rotWithShape="0">
-              <a:blip r:embed="rId4" cstate="print"/>
-              <a:stretch>
-                <a:fillRect/>
-              </a:stretch>
-            </a:blipFill>
-          </p:spPr>
-          <p:style>
-            <a:lnRef idx="0">
-              <a:schemeClr val="lt1">
-                <a:hueOff val="0"/>
-                <a:satOff val="0"/>
-                <a:lumOff val="0"/>
-                <a:alphaOff val="0"/>
-              </a:schemeClr>
-            </a:lnRef>
-            <a:fillRef idx="1">
-              <a:scrgbClr r="0" g="0" b="0"/>
-            </a:fillRef>
-            <a:effectRef idx="2">
-              <a:schemeClr val="accent1">
-                <a:tint val="50000"/>
-                <a:hueOff val="0"/>
-                <a:satOff val="0"/>
-                <a:lumOff val="0"/>
-                <a:alphaOff val="0"/>
-              </a:schemeClr>
-            </a:effectRef>
-            <a:fontRef idx="minor">
-              <a:schemeClr val="lt1">
-                <a:hueOff val="0"/>
-                <a:satOff val="0"/>
-                <a:lumOff val="0"/>
-                <a:alphaOff val="0"/>
-              </a:schemeClr>
-            </a:fontRef>
-          </p:style>
-        </p:sp>
-      </p:grpSp>
-      <p:grpSp>
-        <p:nvGrpSpPr>
-          <p:cNvPr id="11" name="10 Grupo"/>
-          <p:cNvGrpSpPr/>
-          <p:nvPr/>
-        </p:nvGrpSpPr>
-        <p:grpSpPr>
-          <a:xfrm>
-            <a:off x="2987824" y="3645024"/>
-            <a:ext cx="1332148" cy="684076"/>
-            <a:chOff x="1187624" y="3861048"/>
-            <a:chExt cx="1332148" cy="684076"/>
-          </a:xfrm>
-        </p:grpSpPr>
-        <p:sp>
-          <p:nvSpPr>
-            <p:cNvPr id="12" name="11 Rectángulo"/>
-            <p:cNvSpPr/>
-            <p:nvPr/>
-          </p:nvSpPr>
-          <p:spPr>
-            <a:xfrm>
-              <a:off x="1187624" y="3933056"/>
-              <a:ext cx="540060" cy="540060"/>
-            </a:xfrm>
-            <a:prstGeom prst="rect">
-              <a:avLst/>
-            </a:prstGeom>
-            <a:blipFill rotWithShape="0">
-              <a:blip r:embed="rId3" cstate="print"/>
-              <a:stretch>
-                <a:fillRect/>
-              </a:stretch>
-            </a:blipFill>
-          </p:spPr>
-          <p:style>
-            <a:lnRef idx="0">
-              <a:schemeClr val="lt1">
-                <a:hueOff val="0"/>
-                <a:satOff val="0"/>
-                <a:lumOff val="0"/>
-                <a:alphaOff val="0"/>
-              </a:schemeClr>
-            </a:lnRef>
-            <a:fillRef idx="1">
-              <a:scrgbClr r="0" g="0" b="0"/>
-            </a:fillRef>
-            <a:effectRef idx="2">
-              <a:schemeClr val="accent1">
-                <a:tint val="50000"/>
-                <a:hueOff val="0"/>
-                <a:satOff val="0"/>
-                <a:lumOff val="0"/>
-                <a:alphaOff val="0"/>
-              </a:schemeClr>
-            </a:effectRef>
-            <a:fontRef idx="minor">
-              <a:schemeClr val="lt1">
-                <a:hueOff val="0"/>
-                <a:satOff val="0"/>
-                <a:lumOff val="0"/>
-                <a:alphaOff val="0"/>
-              </a:schemeClr>
-            </a:fontRef>
-          </p:style>
-        </p:sp>
-        <p:sp>
-          <p:nvSpPr>
-            <p:cNvPr id="13" name="12 Rectángulo"/>
-            <p:cNvSpPr/>
-            <p:nvPr/>
-          </p:nvSpPr>
-          <p:spPr>
-            <a:xfrm>
-              <a:off x="1835696" y="3861048"/>
-              <a:ext cx="684076" cy="684076"/>
-            </a:xfrm>
-            <a:prstGeom prst="rect">
-              <a:avLst/>
-            </a:prstGeom>
-            <a:blipFill rotWithShape="0">
-              <a:blip r:embed="rId4" cstate="print"/>
-              <a:stretch>
-                <a:fillRect/>
-              </a:stretch>
-            </a:blipFill>
-          </p:spPr>
-          <p:style>
-            <a:lnRef idx="0">
-              <a:schemeClr val="lt1">
-                <a:hueOff val="0"/>
-                <a:satOff val="0"/>
-                <a:lumOff val="0"/>
-                <a:alphaOff val="0"/>
-              </a:schemeClr>
-            </a:lnRef>
-            <a:fillRef idx="1">
-              <a:scrgbClr r="0" g="0" b="0"/>
-            </a:fillRef>
-            <a:effectRef idx="2">
-              <a:schemeClr val="accent1">
-                <a:tint val="50000"/>
-                <a:hueOff val="0"/>
-                <a:satOff val="0"/>
-                <a:lumOff val="0"/>
-                <a:alphaOff val="0"/>
-              </a:schemeClr>
-            </a:effectRef>
-            <a:fontRef idx="minor">
-              <a:schemeClr val="lt1">
-                <a:hueOff val="0"/>
-                <a:satOff val="0"/>
-                <a:lumOff val="0"/>
-                <a:alphaOff val="0"/>
-              </a:schemeClr>
-            </a:fontRef>
-          </p:style>
-        </p:sp>
-      </p:grpSp>
-      <p:grpSp>
-        <p:nvGrpSpPr>
-          <p:cNvPr id="14" name="13 Grupo"/>
-          <p:cNvGrpSpPr/>
-          <p:nvPr/>
-        </p:nvGrpSpPr>
-        <p:grpSpPr>
-          <a:xfrm>
-            <a:off x="4860032" y="3645024"/>
-            <a:ext cx="1332148" cy="684076"/>
-            <a:chOff x="1187624" y="3861048"/>
-            <a:chExt cx="1332148" cy="684076"/>
-          </a:xfrm>
-        </p:grpSpPr>
-        <p:sp>
-          <p:nvSpPr>
-            <p:cNvPr id="15" name="14 Rectángulo"/>
-            <p:cNvSpPr/>
-            <p:nvPr/>
-          </p:nvSpPr>
-          <p:spPr>
-            <a:xfrm>
-              <a:off x="1187624" y="3933056"/>
-              <a:ext cx="540060" cy="540060"/>
-            </a:xfrm>
-            <a:prstGeom prst="rect">
-              <a:avLst/>
-            </a:prstGeom>
-            <a:blipFill rotWithShape="0">
-              <a:blip r:embed="rId3" cstate="print"/>
-              <a:stretch>
-                <a:fillRect/>
-              </a:stretch>
-            </a:blipFill>
-          </p:spPr>
-          <p:style>
-            <a:lnRef idx="0">
-              <a:schemeClr val="lt1">
-                <a:hueOff val="0"/>
-                <a:satOff val="0"/>
-                <a:lumOff val="0"/>
-                <a:alphaOff val="0"/>
-              </a:schemeClr>
-            </a:lnRef>
-            <a:fillRef idx="1">
-              <a:scrgbClr r="0" g="0" b="0"/>
-            </a:fillRef>
-            <a:effectRef idx="2">
-              <a:schemeClr val="accent1">
-                <a:tint val="50000"/>
-                <a:hueOff val="0"/>
-                <a:satOff val="0"/>
-                <a:lumOff val="0"/>
-                <a:alphaOff val="0"/>
-              </a:schemeClr>
-            </a:effectRef>
-            <a:fontRef idx="minor">
-              <a:schemeClr val="lt1">
-                <a:hueOff val="0"/>
-                <a:satOff val="0"/>
-                <a:lumOff val="0"/>
-                <a:alphaOff val="0"/>
-              </a:schemeClr>
-            </a:fontRef>
-          </p:style>
-        </p:sp>
-        <p:sp>
-          <p:nvSpPr>
-            <p:cNvPr id="18" name="17 Rectángulo"/>
-            <p:cNvSpPr/>
-            <p:nvPr/>
-          </p:nvSpPr>
-          <p:spPr>
-            <a:xfrm>
-              <a:off x="1835696" y="3861048"/>
-              <a:ext cx="684076" cy="684076"/>
-            </a:xfrm>
-            <a:prstGeom prst="rect">
-              <a:avLst/>
-            </a:prstGeom>
-            <a:blipFill rotWithShape="0">
-              <a:blip r:embed="rId4" cstate="print"/>
-              <a:stretch>
-                <a:fillRect/>
-              </a:stretch>
-            </a:blipFill>
-          </p:spPr>
-          <p:style>
-            <a:lnRef idx="0">
-              <a:schemeClr val="lt1">
-                <a:hueOff val="0"/>
-                <a:satOff val="0"/>
-                <a:lumOff val="0"/>
-                <a:alphaOff val="0"/>
-              </a:schemeClr>
-            </a:lnRef>
-            <a:fillRef idx="1">
-              <a:scrgbClr r="0" g="0" b="0"/>
-            </a:fillRef>
-            <a:effectRef idx="2">
-              <a:schemeClr val="accent1">
-                <a:tint val="50000"/>
-                <a:hueOff val="0"/>
-                <a:satOff val="0"/>
-                <a:lumOff val="0"/>
-                <a:alphaOff val="0"/>
-              </a:schemeClr>
-            </a:effectRef>
-            <a:fontRef idx="minor">
-              <a:schemeClr val="lt1">
-                <a:hueOff val="0"/>
-                <a:satOff val="0"/>
-                <a:lumOff val="0"/>
-                <a:alphaOff val="0"/>
-              </a:schemeClr>
-            </a:fontRef>
-          </p:style>
-        </p:sp>
-      </p:grpSp>
-      <p:grpSp>
-        <p:nvGrpSpPr>
-          <p:cNvPr id="19" name="18 Grupo"/>
-          <p:cNvGrpSpPr/>
-          <p:nvPr/>
-        </p:nvGrpSpPr>
-        <p:grpSpPr>
-          <a:xfrm>
-            <a:off x="6588224" y="3645024"/>
-            <a:ext cx="1332148" cy="684076"/>
-            <a:chOff x="1187624" y="3861048"/>
-            <a:chExt cx="1332148" cy="684076"/>
-          </a:xfrm>
-        </p:grpSpPr>
-        <p:sp>
-          <p:nvSpPr>
-            <p:cNvPr id="20" name="19 Rectángulo"/>
-            <p:cNvSpPr/>
-            <p:nvPr/>
-          </p:nvSpPr>
-          <p:spPr>
-            <a:xfrm>
-              <a:off x="1187624" y="3933056"/>
-              <a:ext cx="540060" cy="540060"/>
-            </a:xfrm>
-            <a:prstGeom prst="rect">
-              <a:avLst/>
-            </a:prstGeom>
-            <a:blipFill rotWithShape="0">
-              <a:blip r:embed="rId3" cstate="print"/>
-              <a:stretch>
-                <a:fillRect/>
-              </a:stretch>
-            </a:blipFill>
-          </p:spPr>
-          <p:style>
-            <a:lnRef idx="0">
-              <a:schemeClr val="lt1">
-                <a:hueOff val="0"/>
-                <a:satOff val="0"/>
-                <a:lumOff val="0"/>
-                <a:alphaOff val="0"/>
-              </a:schemeClr>
-            </a:lnRef>
-            <a:fillRef idx="1">
-              <a:scrgbClr r="0" g="0" b="0"/>
-            </a:fillRef>
-            <a:effectRef idx="2">
-              <a:schemeClr val="accent1">
-                <a:tint val="50000"/>
-                <a:hueOff val="0"/>
-                <a:satOff val="0"/>
-                <a:lumOff val="0"/>
-                <a:alphaOff val="0"/>
-              </a:schemeClr>
-            </a:effectRef>
-            <a:fontRef idx="minor">
-              <a:schemeClr val="lt1">
-                <a:hueOff val="0"/>
-                <a:satOff val="0"/>
-                <a:lumOff val="0"/>
-                <a:alphaOff val="0"/>
-              </a:schemeClr>
-            </a:fontRef>
-          </p:style>
-        </p:sp>
-        <p:sp>
-          <p:nvSpPr>
-            <p:cNvPr id="21" name="20 Rectángulo"/>
-            <p:cNvSpPr/>
-            <p:nvPr/>
-          </p:nvSpPr>
-          <p:spPr>
-            <a:xfrm>
-              <a:off x="1835696" y="3861048"/>
-              <a:ext cx="684076" cy="684076"/>
-            </a:xfrm>
-            <a:prstGeom prst="rect">
-              <a:avLst/>
-            </a:prstGeom>
-            <a:blipFill rotWithShape="0">
-              <a:blip r:embed="rId4" cstate="print"/>
-              <a:stretch>
-                <a:fillRect/>
-              </a:stretch>
-            </a:blipFill>
-          </p:spPr>
-          <p:style>
-            <a:lnRef idx="0">
-              <a:schemeClr val="lt1">
-                <a:hueOff val="0"/>
-                <a:satOff val="0"/>
-                <a:lumOff val="0"/>
-                <a:alphaOff val="0"/>
-              </a:schemeClr>
-            </a:lnRef>
-            <a:fillRef idx="1">
-              <a:scrgbClr r="0" g="0" b="0"/>
-            </a:fillRef>
-            <a:effectRef idx="2">
-              <a:schemeClr val="accent1">
-                <a:tint val="50000"/>
-                <a:hueOff val="0"/>
-                <a:satOff val="0"/>
-                <a:lumOff val="0"/>
-                <a:alphaOff val="0"/>
-              </a:schemeClr>
-            </a:effectRef>
-            <a:fontRef idx="minor">
-              <a:schemeClr val="lt1">
-                <a:hueOff val="0"/>
-                <a:satOff val="0"/>
-                <a:lumOff val="0"/>
-                <a:alphaOff val="0"/>
-              </a:schemeClr>
-            </a:fontRef>
-          </p:style>
-        </p:sp>
-      </p:grpSp>
-    </p:spTree>
-  </p:cSld>
-  <p:clrMapOvr>
-    <a:masterClrMapping/>
-  </p:clrMapOvr>
-  <p:timing>
-    <p:tnLst>
-      <p:par>
-        <p:cTn id="1" dur="indefinite" restart="never" nodeType="tmRoot"/>
+        <p:cTn id="1" dur="indefinite" restart="never" nodeType="tmRoot">
+          <p:childTnLst>
+            <p:seq concurrent="1" nextAc="seek">
+              <p:cTn id="2" dur="indefinite" nodeType="mainSeq">
+                <p:childTnLst>
+                  <p:par>
+                    <p:cTn id="3" fill="hold">
+                      <p:stCondLst>
+                        <p:cond delay="indefinite"/>
+                      </p:stCondLst>
+                      <p:childTnLst>
+                        <p:par>
+                          <p:cTn id="4" fill="hold">
+                            <p:stCondLst>
+                              <p:cond delay="0"/>
+                            </p:stCondLst>
+                            <p:childTnLst>
+                              <p:par>
+                                <p:cTn id="5" presetID="23" presetClass="entr" presetSubtype="16" fill="hold" nodeType="clickEffect">
+                                  <p:stCondLst>
+                                    <p:cond delay="0"/>
+                                  </p:stCondLst>
+                                  <p:childTnLst>
+                                    <p:set>
+                                      <p:cBhvr>
+                                        <p:cTn id="6" dur="1" fill="hold">
+                                          <p:stCondLst>
+                                            <p:cond delay="0"/>
+                                          </p:stCondLst>
+                                        </p:cTn>
+                                        <p:tgtEl>
+                                          <p:spTgt spid="23"/>
+                                        </p:tgtEl>
+                                        <p:attrNameLst>
+                                          <p:attrName>style.visibility</p:attrName>
+                                        </p:attrNameLst>
+                                      </p:cBhvr>
+                                      <p:to>
+                                        <p:strVal val="visible"/>
+                                      </p:to>
+                                    </p:set>
+                                    <p:anim calcmode="lin" valueType="num">
+                                      <p:cBhvr>
+                                        <p:cTn id="7" dur="500" fill="hold"/>
+                                        <p:tgtEl>
+                                          <p:spTgt spid="23"/>
+                                        </p:tgtEl>
+                                        <p:attrNameLst>
+                                          <p:attrName>ppt_w</p:attrName>
+                                        </p:attrNameLst>
+                                      </p:cBhvr>
+                                      <p:tavLst>
+                                        <p:tav tm="0">
+                                          <p:val>
+                                            <p:fltVal val="0"/>
+                                          </p:val>
+                                        </p:tav>
+                                        <p:tav tm="100000">
+                                          <p:val>
+                                            <p:strVal val="#ppt_w"/>
+                                          </p:val>
+                                        </p:tav>
+                                      </p:tavLst>
+                                    </p:anim>
+                                    <p:anim calcmode="lin" valueType="num">
+                                      <p:cBhvr>
+                                        <p:cTn id="8" dur="500" fill="hold"/>
+                                        <p:tgtEl>
+                                          <p:spTgt spid="23"/>
+                                        </p:tgtEl>
+                                        <p:attrNameLst>
+                                          <p:attrName>ppt_h</p:attrName>
+                                        </p:attrNameLst>
+                                      </p:cBhvr>
+                                      <p:tavLst>
+                                        <p:tav tm="0">
+                                          <p:val>
+                                            <p:fltVal val="0"/>
+                                          </p:val>
+                                        </p:tav>
+                                        <p:tav tm="100000">
+                                          <p:val>
+                                            <p:strVal val="#ppt_h"/>
+                                          </p:val>
+                                        </p:tav>
+                                      </p:tavLst>
+                                    </p:anim>
+                                  </p:childTnLst>
+                                </p:cTn>
+                              </p:par>
+                            </p:childTnLst>
+                          </p:cTn>
+                        </p:par>
+                      </p:childTnLst>
+                    </p:cTn>
+                  </p:par>
+                  <p:par>
+                    <p:cTn id="9" fill="hold">
+                      <p:stCondLst>
+                        <p:cond delay="indefinite"/>
+                      </p:stCondLst>
+                      <p:childTnLst>
+                        <p:par>
+                          <p:cTn id="10" fill="hold">
+                            <p:stCondLst>
+                              <p:cond delay="0"/>
+                            </p:stCondLst>
+                            <p:childTnLst>
+                              <p:par>
+                                <p:cTn id="11" presetID="23" presetClass="entr" presetSubtype="16" fill="hold" nodeType="clickEffect">
+                                  <p:stCondLst>
+                                    <p:cond delay="0"/>
+                                  </p:stCondLst>
+                                  <p:childTnLst>
+                                    <p:set>
+                                      <p:cBhvr>
+                                        <p:cTn id="12" dur="1" fill="hold">
+                                          <p:stCondLst>
+                                            <p:cond delay="0"/>
+                                          </p:stCondLst>
+                                        </p:cTn>
+                                        <p:tgtEl>
+                                          <p:spTgt spid="34"/>
+                                        </p:tgtEl>
+                                        <p:attrNameLst>
+                                          <p:attrName>style.visibility</p:attrName>
+                                        </p:attrNameLst>
+                                      </p:cBhvr>
+                                      <p:to>
+                                        <p:strVal val="visible"/>
+                                      </p:to>
+                                    </p:set>
+                                    <p:anim calcmode="lin" valueType="num">
+                                      <p:cBhvr>
+                                        <p:cTn id="13" dur="500" fill="hold"/>
+                                        <p:tgtEl>
+                                          <p:spTgt spid="34"/>
+                                        </p:tgtEl>
+                                        <p:attrNameLst>
+                                          <p:attrName>ppt_w</p:attrName>
+                                        </p:attrNameLst>
+                                      </p:cBhvr>
+                                      <p:tavLst>
+                                        <p:tav tm="0">
+                                          <p:val>
+                                            <p:fltVal val="0"/>
+                                          </p:val>
+                                        </p:tav>
+                                        <p:tav tm="100000">
+                                          <p:val>
+                                            <p:strVal val="#ppt_w"/>
+                                          </p:val>
+                                        </p:tav>
+                                      </p:tavLst>
+                                    </p:anim>
+                                    <p:anim calcmode="lin" valueType="num">
+                                      <p:cBhvr>
+                                        <p:cTn id="14" dur="500" fill="hold"/>
+                                        <p:tgtEl>
+                                          <p:spTgt spid="34"/>
+                                        </p:tgtEl>
+                                        <p:attrNameLst>
+                                          <p:attrName>ppt_h</p:attrName>
+                                        </p:attrNameLst>
+                                      </p:cBhvr>
+                                      <p:tavLst>
+                                        <p:tav tm="0">
+                                          <p:val>
+                                            <p:fltVal val="0"/>
+                                          </p:val>
+                                        </p:tav>
+                                        <p:tav tm="100000">
+                                          <p:val>
+                                            <p:strVal val="#ppt_h"/>
+                                          </p:val>
+                                        </p:tav>
+                                      </p:tavLst>
+                                    </p:anim>
+                                  </p:childTnLst>
+                                  <p:subTnLst>
+                                    <p:set>
+                                      <p:cBhvr override="childStyle">
+                                        <p:cTn dur="1" fill="hold" display="0" masterRel="nextClick" afterEffect="1"/>
+                                        <p:tgtEl>
+                                          <p:spTgt spid="34"/>
+                                        </p:tgtEl>
+                                        <p:attrNameLst>
+                                          <p:attrName>style.visibility</p:attrName>
+                                        </p:attrNameLst>
+                                      </p:cBhvr>
+                                      <p:to>
+                                        <p:strVal val="hidden"/>
+                                      </p:to>
+                                    </p:set>
+                                  </p:subTnLst>
+                                </p:cTn>
+                              </p:par>
+                            </p:childTnLst>
+                          </p:cTn>
+                        </p:par>
+                      </p:childTnLst>
+                    </p:cTn>
+                  </p:par>
+                  <p:par>
+                    <p:cTn id="15" fill="hold">
+                      <p:stCondLst>
+                        <p:cond delay="indefinite"/>
+                      </p:stCondLst>
+                      <p:childTnLst>
+                        <p:par>
+                          <p:cTn id="16" fill="hold">
+                            <p:stCondLst>
+                              <p:cond delay="0"/>
+                            </p:stCondLst>
+                            <p:childTnLst>
+                              <p:par>
+                                <p:cTn id="17" presetID="23" presetClass="entr" presetSubtype="16" fill="hold" nodeType="clickEffect">
+                                  <p:stCondLst>
+                                    <p:cond delay="0"/>
+                                  </p:stCondLst>
+                                  <p:childTnLst>
+                                    <p:set>
+                                      <p:cBhvr>
+                                        <p:cTn id="18" dur="1" fill="hold">
+                                          <p:stCondLst>
+                                            <p:cond delay="0"/>
+                                          </p:stCondLst>
+                                        </p:cTn>
+                                        <p:tgtEl>
+                                          <p:spTgt spid="32"/>
+                                        </p:tgtEl>
+                                        <p:attrNameLst>
+                                          <p:attrName>style.visibility</p:attrName>
+                                        </p:attrNameLst>
+                                      </p:cBhvr>
+                                      <p:to>
+                                        <p:strVal val="visible"/>
+                                      </p:to>
+                                    </p:set>
+                                    <p:anim calcmode="lin" valueType="num">
+                                      <p:cBhvr>
+                                        <p:cTn id="19" dur="500" fill="hold"/>
+                                        <p:tgtEl>
+                                          <p:spTgt spid="32"/>
+                                        </p:tgtEl>
+                                        <p:attrNameLst>
+                                          <p:attrName>ppt_w</p:attrName>
+                                        </p:attrNameLst>
+                                      </p:cBhvr>
+                                      <p:tavLst>
+                                        <p:tav tm="0">
+                                          <p:val>
+                                            <p:fltVal val="0"/>
+                                          </p:val>
+                                        </p:tav>
+                                        <p:tav tm="100000">
+                                          <p:val>
+                                            <p:strVal val="#ppt_w"/>
+                                          </p:val>
+                                        </p:tav>
+                                      </p:tavLst>
+                                    </p:anim>
+                                    <p:anim calcmode="lin" valueType="num">
+                                      <p:cBhvr>
+                                        <p:cTn id="20" dur="500" fill="hold"/>
+                                        <p:tgtEl>
+                                          <p:spTgt spid="32"/>
+                                        </p:tgtEl>
+                                        <p:attrNameLst>
+                                          <p:attrName>ppt_h</p:attrName>
+                                        </p:attrNameLst>
+                                      </p:cBhvr>
+                                      <p:tavLst>
+                                        <p:tav tm="0">
+                                          <p:val>
+                                            <p:fltVal val="0"/>
+                                          </p:val>
+                                        </p:tav>
+                                        <p:tav tm="100000">
+                                          <p:val>
+                                            <p:strVal val="#ppt_h"/>
+                                          </p:val>
+                                        </p:tav>
+                                      </p:tavLst>
+                                    </p:anim>
+                                  </p:childTnLst>
+                                </p:cTn>
+                              </p:par>
+                              <p:par>
+                                <p:cTn id="21" presetID="23" presetClass="entr" presetSubtype="16" fill="hold" nodeType="withEffect">
+                                  <p:stCondLst>
+                                    <p:cond delay="0"/>
+                                  </p:stCondLst>
+                                  <p:childTnLst>
+                                    <p:set>
+                                      <p:cBhvr>
+                                        <p:cTn id="22" dur="1" fill="hold">
+                                          <p:stCondLst>
+                                            <p:cond delay="0"/>
+                                          </p:stCondLst>
+                                        </p:cTn>
+                                        <p:tgtEl>
+                                          <p:spTgt spid="33"/>
+                                        </p:tgtEl>
+                                        <p:attrNameLst>
+                                          <p:attrName>style.visibility</p:attrName>
+                                        </p:attrNameLst>
+                                      </p:cBhvr>
+                                      <p:to>
+                                        <p:strVal val="visible"/>
+                                      </p:to>
+                                    </p:set>
+                                    <p:anim calcmode="lin" valueType="num">
+                                      <p:cBhvr>
+                                        <p:cTn id="23" dur="1000" fill="hold"/>
+                                        <p:tgtEl>
+                                          <p:spTgt spid="33"/>
+                                        </p:tgtEl>
+                                        <p:attrNameLst>
+                                          <p:attrName>ppt_w</p:attrName>
+                                        </p:attrNameLst>
+                                      </p:cBhvr>
+                                      <p:tavLst>
+                                        <p:tav tm="0">
+                                          <p:val>
+                                            <p:fltVal val="0"/>
+                                          </p:val>
+                                        </p:tav>
+                                        <p:tav tm="100000">
+                                          <p:val>
+                                            <p:strVal val="#ppt_w"/>
+                                          </p:val>
+                                        </p:tav>
+                                      </p:tavLst>
+                                    </p:anim>
+                                    <p:anim calcmode="lin" valueType="num">
+                                      <p:cBhvr>
+                                        <p:cTn id="24" dur="1000" fill="hold"/>
+                                        <p:tgtEl>
+                                          <p:spTgt spid="33"/>
+                                        </p:tgtEl>
+                                        <p:attrNameLst>
+                                          <p:attrName>ppt_h</p:attrName>
+                                        </p:attrNameLst>
+                                      </p:cBhvr>
+                                      <p:tavLst>
+                                        <p:tav tm="0">
+                                          <p:val>
+                                            <p:fltVal val="0"/>
+                                          </p:val>
+                                        </p:tav>
+                                        <p:tav tm="100000">
+                                          <p:val>
+                                            <p:strVal val="#ppt_h"/>
+                                          </p:val>
+                                        </p:tav>
+                                      </p:tavLst>
+                                    </p:anim>
+                                  </p:childTnLst>
+                                </p:cTn>
+                              </p:par>
+                            </p:childTnLst>
+                          </p:cTn>
+                        </p:par>
+                      </p:childTnLst>
+                    </p:cTn>
+                  </p:par>
+                  <p:par>
+                    <p:cTn id="25" fill="hold">
+                      <p:stCondLst>
+                        <p:cond delay="indefinite"/>
+                      </p:stCondLst>
+                      <p:childTnLst>
+                        <p:par>
+                          <p:cTn id="26" fill="hold">
+                            <p:stCondLst>
+                              <p:cond delay="0"/>
+                            </p:stCondLst>
+                            <p:childTnLst>
+                              <p:par>
+                                <p:cTn id="27" presetID="17" presetClass="entr" presetSubtype="8" fill="hold" nodeType="clickEffect">
+                                  <p:stCondLst>
+                                    <p:cond delay="0"/>
+                                  </p:stCondLst>
+                                  <p:childTnLst>
+                                    <p:set>
+                                      <p:cBhvr>
+                                        <p:cTn id="28" dur="1" fill="hold">
+                                          <p:stCondLst>
+                                            <p:cond delay="0"/>
+                                          </p:stCondLst>
+                                        </p:cTn>
+                                        <p:tgtEl>
+                                          <p:spTgt spid="27"/>
+                                        </p:tgtEl>
+                                        <p:attrNameLst>
+                                          <p:attrName>style.visibility</p:attrName>
+                                        </p:attrNameLst>
+                                      </p:cBhvr>
+                                      <p:to>
+                                        <p:strVal val="visible"/>
+                                      </p:to>
+                                    </p:set>
+                                    <p:anim calcmode="lin" valueType="num">
+                                      <p:cBhvr>
+                                        <p:cTn id="29" dur="500" fill="hold"/>
+                                        <p:tgtEl>
+                                          <p:spTgt spid="27"/>
+                                        </p:tgtEl>
+                                        <p:attrNameLst>
+                                          <p:attrName>ppt_x</p:attrName>
+                                        </p:attrNameLst>
+                                      </p:cBhvr>
+                                      <p:tavLst>
+                                        <p:tav tm="0">
+                                          <p:val>
+                                            <p:strVal val="#ppt_x-#ppt_w/2"/>
+                                          </p:val>
+                                        </p:tav>
+                                        <p:tav tm="100000">
+                                          <p:val>
+                                            <p:strVal val="#ppt_x"/>
+                                          </p:val>
+                                        </p:tav>
+                                      </p:tavLst>
+                                    </p:anim>
+                                    <p:anim calcmode="lin" valueType="num">
+                                      <p:cBhvr>
+                                        <p:cTn id="30" dur="500" fill="hold"/>
+                                        <p:tgtEl>
+                                          <p:spTgt spid="27"/>
+                                        </p:tgtEl>
+                                        <p:attrNameLst>
+                                          <p:attrName>ppt_y</p:attrName>
+                                        </p:attrNameLst>
+                                      </p:cBhvr>
+                                      <p:tavLst>
+                                        <p:tav tm="0">
+                                          <p:val>
+                                            <p:strVal val="#ppt_y"/>
+                                          </p:val>
+                                        </p:tav>
+                                        <p:tav tm="100000">
+                                          <p:val>
+                                            <p:strVal val="#ppt_y"/>
+                                          </p:val>
+                                        </p:tav>
+                                      </p:tavLst>
+                                    </p:anim>
+                                    <p:anim calcmode="lin" valueType="num">
+                                      <p:cBhvr>
+                                        <p:cTn id="31" dur="500" fill="hold"/>
+                                        <p:tgtEl>
+                                          <p:spTgt spid="27"/>
+                                        </p:tgtEl>
+                                        <p:attrNameLst>
+                                          <p:attrName>ppt_w</p:attrName>
+                                        </p:attrNameLst>
+                                      </p:cBhvr>
+                                      <p:tavLst>
+                                        <p:tav tm="0">
+                                          <p:val>
+                                            <p:fltVal val="0"/>
+                                          </p:val>
+                                        </p:tav>
+                                        <p:tav tm="100000">
+                                          <p:val>
+                                            <p:strVal val="#ppt_w"/>
+                                          </p:val>
+                                        </p:tav>
+                                      </p:tavLst>
+                                    </p:anim>
+                                    <p:anim calcmode="lin" valueType="num">
+                                      <p:cBhvr>
+                                        <p:cTn id="32" dur="500" fill="hold"/>
+                                        <p:tgtEl>
+                                          <p:spTgt spid="27"/>
+                                        </p:tgtEl>
+                                        <p:attrNameLst>
+                                          <p:attrName>ppt_h</p:attrName>
+                                        </p:attrNameLst>
+                                      </p:cBhvr>
+                                      <p:tavLst>
+                                        <p:tav tm="0">
+                                          <p:val>
+                                            <p:strVal val="#ppt_h"/>
+                                          </p:val>
+                                        </p:tav>
+                                        <p:tav tm="100000">
+                                          <p:val>
+                                            <p:strVal val="#ppt_h"/>
+                                          </p:val>
+                                        </p:tav>
+                                      </p:tavLst>
+                                    </p:anim>
+                                  </p:childTnLst>
+                                </p:cTn>
+                              </p:par>
+                            </p:childTnLst>
+                          </p:cTn>
+                        </p:par>
+                        <p:par>
+                          <p:cTn id="33" fill="hold">
+                            <p:stCondLst>
+                              <p:cond delay="500"/>
+                            </p:stCondLst>
+                            <p:childTnLst>
+                              <p:par>
+                                <p:cTn id="34" presetID="23" presetClass="entr" presetSubtype="16" fill="hold" nodeType="afterEffect">
+                                  <p:stCondLst>
+                                    <p:cond delay="500"/>
+                                  </p:stCondLst>
+                                  <p:childTnLst>
+                                    <p:set>
+                                      <p:cBhvr>
+                                        <p:cTn id="35" dur="1" fill="hold">
+                                          <p:stCondLst>
+                                            <p:cond delay="0"/>
+                                          </p:stCondLst>
+                                        </p:cTn>
+                                        <p:tgtEl>
+                                          <p:spTgt spid="29"/>
+                                        </p:tgtEl>
+                                        <p:attrNameLst>
+                                          <p:attrName>style.visibility</p:attrName>
+                                        </p:attrNameLst>
+                                      </p:cBhvr>
+                                      <p:to>
+                                        <p:strVal val="visible"/>
+                                      </p:to>
+                                    </p:set>
+                                    <p:anim calcmode="lin" valueType="num">
+                                      <p:cBhvr>
+                                        <p:cTn id="36" dur="500" fill="hold"/>
+                                        <p:tgtEl>
+                                          <p:spTgt spid="29"/>
+                                        </p:tgtEl>
+                                        <p:attrNameLst>
+                                          <p:attrName>ppt_w</p:attrName>
+                                        </p:attrNameLst>
+                                      </p:cBhvr>
+                                      <p:tavLst>
+                                        <p:tav tm="0">
+                                          <p:val>
+                                            <p:fltVal val="0"/>
+                                          </p:val>
+                                        </p:tav>
+                                        <p:tav tm="100000">
+                                          <p:val>
+                                            <p:strVal val="#ppt_w"/>
+                                          </p:val>
+                                        </p:tav>
+                                      </p:tavLst>
+                                    </p:anim>
+                                    <p:anim calcmode="lin" valueType="num">
+                                      <p:cBhvr>
+                                        <p:cTn id="37" dur="500" fill="hold"/>
+                                        <p:tgtEl>
+                                          <p:spTgt spid="29"/>
+                                        </p:tgtEl>
+                                        <p:attrNameLst>
+                                          <p:attrName>ppt_h</p:attrName>
+                                        </p:attrNameLst>
+                                      </p:cBhvr>
+                                      <p:tavLst>
+                                        <p:tav tm="0">
+                                          <p:val>
+                                            <p:fltVal val="0"/>
+                                          </p:val>
+                                        </p:tav>
+                                        <p:tav tm="100000">
+                                          <p:val>
+                                            <p:strVal val="#ppt_h"/>
+                                          </p:val>
+                                        </p:tav>
+                                      </p:tavLst>
+                                    </p:anim>
+                                  </p:childTnLst>
+                                </p:cTn>
+                              </p:par>
+                            </p:childTnLst>
+                          </p:cTn>
+                        </p:par>
+                        <p:par>
+                          <p:cTn id="38" fill="hold">
+                            <p:stCondLst>
+                              <p:cond delay="1500"/>
+                            </p:stCondLst>
+                            <p:childTnLst>
+                              <p:par>
+                                <p:cTn id="39" presetID="23" presetClass="entr" presetSubtype="16" fill="hold" nodeType="afterEffect">
+                                  <p:stCondLst>
+                                    <p:cond delay="500"/>
+                                  </p:stCondLst>
+                                  <p:childTnLst>
+                                    <p:set>
+                                      <p:cBhvr>
+                                        <p:cTn id="40" dur="1" fill="hold">
+                                          <p:stCondLst>
+                                            <p:cond delay="0"/>
+                                          </p:stCondLst>
+                                        </p:cTn>
+                                        <p:tgtEl>
+                                          <p:spTgt spid="30"/>
+                                        </p:tgtEl>
+                                        <p:attrNameLst>
+                                          <p:attrName>style.visibility</p:attrName>
+                                        </p:attrNameLst>
+                                      </p:cBhvr>
+                                      <p:to>
+                                        <p:strVal val="visible"/>
+                                      </p:to>
+                                    </p:set>
+                                    <p:anim calcmode="lin" valueType="num">
+                                      <p:cBhvr>
+                                        <p:cTn id="41" dur="500" fill="hold"/>
+                                        <p:tgtEl>
+                                          <p:spTgt spid="30"/>
+                                        </p:tgtEl>
+                                        <p:attrNameLst>
+                                          <p:attrName>ppt_w</p:attrName>
+                                        </p:attrNameLst>
+                                      </p:cBhvr>
+                                      <p:tavLst>
+                                        <p:tav tm="0">
+                                          <p:val>
+                                            <p:fltVal val="0"/>
+                                          </p:val>
+                                        </p:tav>
+                                        <p:tav tm="100000">
+                                          <p:val>
+                                            <p:strVal val="#ppt_w"/>
+                                          </p:val>
+                                        </p:tav>
+                                      </p:tavLst>
+                                    </p:anim>
+                                    <p:anim calcmode="lin" valueType="num">
+                                      <p:cBhvr>
+                                        <p:cTn id="42" dur="500" fill="hold"/>
+                                        <p:tgtEl>
+                                          <p:spTgt spid="30"/>
+                                        </p:tgtEl>
+                                        <p:attrNameLst>
+                                          <p:attrName>ppt_h</p:attrName>
+                                        </p:attrNameLst>
+                                      </p:cBhvr>
+                                      <p:tavLst>
+                                        <p:tav tm="0">
+                                          <p:val>
+                                            <p:fltVal val="0"/>
+                                          </p:val>
+                                        </p:tav>
+                                        <p:tav tm="100000">
+                                          <p:val>
+                                            <p:strVal val="#ppt_h"/>
+                                          </p:val>
+                                        </p:tav>
+                                      </p:tavLst>
+                                    </p:anim>
+                                  </p:childTnLst>
+                                </p:cTn>
+                              </p:par>
+                            </p:childTnLst>
+                          </p:cTn>
+                        </p:par>
+                        <p:par>
+                          <p:cTn id="43" fill="hold">
+                            <p:stCondLst>
+                              <p:cond delay="2500"/>
+                            </p:stCondLst>
+                            <p:childTnLst>
+                              <p:par>
+                                <p:cTn id="44" presetID="23" presetClass="entr" presetSubtype="16" fill="hold" nodeType="afterEffect">
+                                  <p:stCondLst>
+                                    <p:cond delay="500"/>
+                                  </p:stCondLst>
+                                  <p:childTnLst>
+                                    <p:set>
+                                      <p:cBhvr>
+                                        <p:cTn id="45" dur="1" fill="hold">
+                                          <p:stCondLst>
+                                            <p:cond delay="0"/>
+                                          </p:stCondLst>
+                                        </p:cTn>
+                                        <p:tgtEl>
+                                          <p:spTgt spid="31"/>
+                                        </p:tgtEl>
+                                        <p:attrNameLst>
+                                          <p:attrName>style.visibility</p:attrName>
+                                        </p:attrNameLst>
+                                      </p:cBhvr>
+                                      <p:to>
+                                        <p:strVal val="visible"/>
+                                      </p:to>
+                                    </p:set>
+                                    <p:anim calcmode="lin" valueType="num">
+                                      <p:cBhvr>
+                                        <p:cTn id="46" dur="500" fill="hold"/>
+                                        <p:tgtEl>
+                                          <p:spTgt spid="31"/>
+                                        </p:tgtEl>
+                                        <p:attrNameLst>
+                                          <p:attrName>ppt_w</p:attrName>
+                                        </p:attrNameLst>
+                                      </p:cBhvr>
+                                      <p:tavLst>
+                                        <p:tav tm="0">
+                                          <p:val>
+                                            <p:fltVal val="0"/>
+                                          </p:val>
+                                        </p:tav>
+                                        <p:tav tm="100000">
+                                          <p:val>
+                                            <p:strVal val="#ppt_w"/>
+                                          </p:val>
+                                        </p:tav>
+                                      </p:tavLst>
+                                    </p:anim>
+                                    <p:anim calcmode="lin" valueType="num">
+                                      <p:cBhvr>
+                                        <p:cTn id="47" dur="500" fill="hold"/>
+                                        <p:tgtEl>
+                                          <p:spTgt spid="31"/>
+                                        </p:tgtEl>
+                                        <p:attrNameLst>
+                                          <p:attrName>ppt_h</p:attrName>
+                                        </p:attrNameLst>
+                                      </p:cBhvr>
+                                      <p:tavLst>
+                                        <p:tav tm="0">
+                                          <p:val>
+                                            <p:fltVal val="0"/>
+                                          </p:val>
+                                        </p:tav>
+                                        <p:tav tm="100000">
+                                          <p:val>
+                                            <p:strVal val="#ppt_h"/>
+                                          </p:val>
+                                        </p:tav>
+                                      </p:tavLst>
+                                    </p:anim>
+                                  </p:childTnLst>
+                                </p:cTn>
+                              </p:par>
+                            </p:childTnLst>
+                          </p:cTn>
+                        </p:par>
+                      </p:childTnLst>
+                    </p:cTn>
+                  </p:par>
+                </p:childTnLst>
+              </p:cTn>
+              <p:prevCondLst>
+                <p:cond evt="onPrev" delay="0">
+                  <p:tgtEl>
+                    <p:sldTgt/>
+                  </p:tgtEl>
+                </p:cond>
+              </p:prevCondLst>
+              <p:nextCondLst>
+                <p:cond evt="onNext" delay="0">
+                  <p:tgtEl>
+                    <p:sldTgt/>
+                  </p:tgtEl>
+                </p:cond>
+              </p:nextCondLst>
+            </p:seq>
+          </p:childTnLst>
+        </p:cTn>
       </p:par>
     </p:tnLst>
   </p:timing>
@@ -27451,6 +31677,13 @@
   <p:clrMapOvr>
     <a:masterClrMapping/>
   </p:clrMapOvr>
+  <p:timing>
+    <p:tnLst>
+      <p:par>
+        <p:cTn id="1" dur="indefinite" restart="never" nodeType="tmRoot"/>
+      </p:par>
+    </p:tnLst>
+  </p:timing>
 </p:sld>
 </file>
 
@@ -27601,7 +31834,7 @@
           <p:nvPr>
             <p:extLst>
               <p:ext uri="{D42A27DB-BD31-4B8C-83A1-F6EECF244321}">
-                <p14:modId xmlns="" xmlns:p14="http://schemas.microsoft.com/office/powerpoint/2010/main" val="727075961"/>
+                <p14:modId xmlns:p14="http://schemas.microsoft.com/office/powerpoint/2010/main" xmlns="" val="727075961"/>
               </p:ext>
             </p:extLst>
           </p:nvPr>
@@ -27621,6 +31854,13 @@
   <p:clrMapOvr>
     <a:masterClrMapping/>
   </p:clrMapOvr>
+  <p:timing>
+    <p:tnLst>
+      <p:par>
+        <p:cTn id="1" dur="indefinite" restart="never" nodeType="tmRoot"/>
+      </p:par>
+    </p:tnLst>
+  </p:timing>
 </p:sld>
 </file>
 
@@ -27776,7 +32016,7 @@
             <p:ph sz="half" idx="1"/>
             <p:extLst>
               <p:ext uri="{D42A27DB-BD31-4B8C-83A1-F6EECF244321}">
-                <p14:modId xmlns="" xmlns:p14="http://schemas.microsoft.com/office/powerpoint/2010/main" val="1533185650"/>
+                <p14:modId xmlns:p14="http://schemas.microsoft.com/office/powerpoint/2010/main" xmlns="" val="1533185650"/>
               </p:ext>
             </p:extLst>
           </p:nvPr>
@@ -27801,7 +32041,7 @@
             <p:ph sz="half" idx="14"/>
             <p:extLst>
               <p:ext uri="{D42A27DB-BD31-4B8C-83A1-F6EECF244321}">
-                <p14:modId xmlns="" xmlns:p14="http://schemas.microsoft.com/office/powerpoint/2010/main" val="3836369990"/>
+                <p14:modId xmlns:p14="http://schemas.microsoft.com/office/powerpoint/2010/main" xmlns="" val="3836369990"/>
               </p:ext>
             </p:extLst>
           </p:nvPr>
@@ -27819,7 +32059,7 @@
     </p:spTree>
     <p:extLst>
       <p:ext uri="{BB962C8B-B14F-4D97-AF65-F5344CB8AC3E}">
-        <p14:creationId xmlns="" xmlns:p14="http://schemas.microsoft.com/office/powerpoint/2010/main" val="1719319540"/>
+        <p14:creationId xmlns:p14="http://schemas.microsoft.com/office/powerpoint/2010/main" xmlns="" val="1719319540"/>
       </p:ext>
     </p:extLst>
   </p:cSld>
@@ -28021,7 +32261,7 @@
     </p:spTree>
     <p:extLst>
       <p:ext uri="{BB962C8B-B14F-4D97-AF65-F5344CB8AC3E}">
-        <p14:creationId xmlns="" xmlns:p14="http://schemas.microsoft.com/office/powerpoint/2010/main" val="4202854594"/>
+        <p14:creationId xmlns:p14="http://schemas.microsoft.com/office/powerpoint/2010/main" xmlns="" val="4202854594"/>
       </p:ext>
     </p:extLst>
   </p:cSld>
@@ -30238,6 +34478,55 @@
           </a:p>
         </p:txBody>
       </p:sp>
+      <p:sp>
+        <p:nvSpPr>
+          <p:cNvPr id="9" name="8 Marcador de contenido"/>
+          <p:cNvSpPr>
+            <a:spLocks noGrp="1"/>
+          </p:cNvSpPr>
+          <p:nvPr>
+            <p:ph sz="half" idx="1"/>
+          </p:nvPr>
+        </p:nvSpPr>
+        <p:spPr/>
+        <p:txBody>
+          <a:bodyPr>
+            <a:normAutofit lnSpcReduction="10000"/>
+          </a:bodyPr>
+          <a:lstStyle/>
+          <a:p>
+            <a:pPr lvl="0"/>
+            <a:r>
+              <a:rPr lang="es-AR" dirty="0" smtClean="0"/>
+              <a:t>Codificación</a:t>
+            </a:r>
+          </a:p>
+          <a:p>
+            <a:pPr lvl="1"/>
+            <a:r>
+              <a:rPr lang="es-AR" dirty="0" smtClean="0"/>
+              <a:t>Elección del lenguaje</a:t>
+            </a:r>
+          </a:p>
+          <a:p>
+            <a:pPr lvl="1"/>
+            <a:r>
+              <a:rPr lang="es-AR" dirty="0" smtClean="0"/>
+              <a:t>Desarrollo de los algoritmos</a:t>
+            </a:r>
+          </a:p>
+          <a:p>
+            <a:pPr lvl="1"/>
+            <a:r>
+              <a:rPr lang="es-AR" dirty="0" smtClean="0"/>
+              <a:t>Implementación</a:t>
+            </a:r>
+          </a:p>
+          <a:p>
+            <a:endParaRPr lang="es-AR" dirty="0"/>
+          </a:p>
+        </p:txBody>
+      </p:sp>
       <p:pic>
         <p:nvPicPr>
           <p:cNvPr id="23" name="22 Marcador de contenido" descr="Screenshot-qt-designer-qwebview.png"/>
@@ -30256,8 +34545,31 @@
         </p:blipFill>
         <p:spPr>
           <a:xfrm>
-            <a:off x="4295702" y="3573016"/>
-            <a:ext cx="4550589" cy="2808312"/>
+            <a:off x="4888887" y="3933825"/>
+            <a:ext cx="3552464" cy="2192338"/>
+          </a:xfrm>
+        </p:spPr>
+      </p:pic>
+      <p:pic>
+        <p:nvPicPr>
+          <p:cNvPr id="25" name="24 Marcador de contenido" descr="python_logo.png"/>
+          <p:cNvPicPr>
+            <a:picLocks noGrp="1" noChangeAspect="1"/>
+          </p:cNvPicPr>
+          <p:nvPr>
+            <p:ph sz="half" idx="13"/>
+          </p:nvPr>
+        </p:nvPicPr>
+        <p:blipFill>
+          <a:blip r:embed="rId3" cstate="print"/>
+          <a:stretch>
+            <a:fillRect/>
+          </a:stretch>
+        </p:blipFill>
+        <p:spPr>
+          <a:xfrm>
+            <a:off x="4643438" y="1920520"/>
+            <a:ext cx="4043362" cy="1548522"/>
           </a:xfrm>
         </p:spPr>
       </p:pic>
@@ -30272,14 +34584,14 @@
           </p:nvPr>
         </p:nvPicPr>
         <p:blipFill>
-          <a:blip r:embed="rId3" cstate="print"/>
+          <a:blip r:embed="rId4" cstate="print"/>
           <a:stretch>
             <a:fillRect/>
           </a:stretch>
         </p:blipFill>
         <p:spPr>
           <a:xfrm>
-            <a:off x="7099300" y="2085181"/>
+            <a:off x="1879600" y="4418012"/>
             <a:ext cx="1219200" cy="1219200"/>
           </a:xfrm>
         </p:spPr>
@@ -30299,7 +34611,7 @@
             <a:avLst/>
           </a:prstGeom>
           <a:blipFill rotWithShape="0">
-            <a:blip r:embed="rId4" cstate="print"/>
+            <a:blip r:embed="rId5" cstate="print"/>
             <a:stretch>
               <a:fillRect/>
             </a:stretch>
@@ -30335,76 +34647,6 @@
             </a:schemeClr>
           </a:fontRef>
         </p:style>
-      </p:sp>
-      <p:pic>
-        <p:nvPicPr>
-          <p:cNvPr id="25" name="24 Marcador de contenido" descr="python_logo.png"/>
-          <p:cNvPicPr>
-            <a:picLocks noGrp="1" noChangeAspect="1"/>
-          </p:cNvPicPr>
-          <p:nvPr>
-            <p:ph sz="half" idx="13"/>
-          </p:nvPr>
-        </p:nvPicPr>
-        <p:blipFill>
-          <a:blip r:embed="rId5" cstate="print"/>
-          <a:stretch>
-            <a:fillRect/>
-          </a:stretch>
-        </p:blipFill>
-        <p:spPr>
-          <a:xfrm>
-            <a:off x="4643438" y="2322394"/>
-            <a:ext cx="1944687" cy="744774"/>
-          </a:xfrm>
-        </p:spPr>
-      </p:pic>
-      <p:sp>
-        <p:nvSpPr>
-          <p:cNvPr id="9" name="8 Marcador de contenido"/>
-          <p:cNvSpPr>
-            <a:spLocks noGrp="1"/>
-          </p:cNvSpPr>
-          <p:nvPr>
-            <p:ph sz="half" idx="1"/>
-          </p:nvPr>
-        </p:nvSpPr>
-        <p:spPr/>
-        <p:txBody>
-          <a:bodyPr/>
-          <a:lstStyle/>
-          <a:p>
-            <a:pPr lvl="0"/>
-            <a:r>
-              <a:rPr lang="es-AR" dirty="0" smtClean="0"/>
-              <a:t>Codificación</a:t>
-            </a:r>
-          </a:p>
-          <a:p>
-            <a:pPr lvl="1"/>
-            <a:r>
-              <a:rPr lang="es-AR" dirty="0" smtClean="0"/>
-              <a:t>Elección del lenguaje</a:t>
-            </a:r>
-          </a:p>
-          <a:p>
-            <a:pPr lvl="1"/>
-            <a:r>
-              <a:rPr lang="es-AR" dirty="0" smtClean="0"/>
-              <a:t>Desarrollo de los algoritmos</a:t>
-            </a:r>
-          </a:p>
-          <a:p>
-            <a:pPr lvl="1"/>
-            <a:r>
-              <a:rPr lang="es-AR" dirty="0" smtClean="0"/>
-              <a:t>Implementación</a:t>
-            </a:r>
-          </a:p>
-          <a:p>
-            <a:endParaRPr lang="es-AR" dirty="0"/>
-          </a:p>
-        </p:txBody>
       </p:sp>
     </p:spTree>
   </p:cSld>

--- a/trunk/Documentation/Documentacion/PRESENTACION_FACU.pptx
+++ b/trunk/Documentation/Documentacion/PRESENTACION_FACU.pptx
@@ -5559,6 +5559,753 @@
 </file>
 
 <file path=ppt/diagrams/colors4.xml><?xml version="1.0" encoding="utf-8"?>
+<dgm:colorsDef xmlns:dgm="http://schemas.openxmlformats.org/drawingml/2006/diagram" xmlns:a="http://schemas.openxmlformats.org/drawingml/2006/main" uniqueId="urn:microsoft.com/office/officeart/2005/8/colors/accent1_2">
+  <dgm:title val=""/>
+  <dgm:desc val=""/>
+  <dgm:catLst>
+    <dgm:cat type="accent1" pri="11200"/>
+  </dgm:catLst>
+  <dgm:styleLbl name="node0">
+    <dgm:fillClrLst meth="repeat">
+      <a:schemeClr val="accent1"/>
+    </dgm:fillClrLst>
+    <dgm:linClrLst meth="repeat">
+      <a:schemeClr val="lt1"/>
+    </dgm:linClrLst>
+    <dgm:effectClrLst/>
+    <dgm:txLinClrLst/>
+    <dgm:txFillClrLst/>
+    <dgm:txEffectClrLst/>
+  </dgm:styleLbl>
+  <dgm:styleLbl name="alignNode1">
+    <dgm:fillClrLst meth="repeat">
+      <a:schemeClr val="accent1"/>
+    </dgm:fillClrLst>
+    <dgm:linClrLst meth="repeat">
+      <a:schemeClr val="accent1"/>
+    </dgm:linClrLst>
+    <dgm:effectClrLst/>
+    <dgm:txLinClrLst/>
+    <dgm:txFillClrLst/>
+    <dgm:txEffectClrLst/>
+  </dgm:styleLbl>
+  <dgm:styleLbl name="node1">
+    <dgm:fillClrLst meth="repeat">
+      <a:schemeClr val="accent1"/>
+    </dgm:fillClrLst>
+    <dgm:linClrLst meth="repeat">
+      <a:schemeClr val="lt1"/>
+    </dgm:linClrLst>
+    <dgm:effectClrLst/>
+    <dgm:txLinClrLst/>
+    <dgm:txFillClrLst/>
+    <dgm:txEffectClrLst/>
+  </dgm:styleLbl>
+  <dgm:styleLbl name="lnNode1">
+    <dgm:fillClrLst meth="repeat">
+      <a:schemeClr val="accent1"/>
+    </dgm:fillClrLst>
+    <dgm:linClrLst meth="repeat">
+      <a:schemeClr val="lt1"/>
+    </dgm:linClrLst>
+    <dgm:effectClrLst/>
+    <dgm:txLinClrLst/>
+    <dgm:txFillClrLst/>
+    <dgm:txEffectClrLst/>
+  </dgm:styleLbl>
+  <dgm:styleLbl name="vennNode1">
+    <dgm:fillClrLst meth="repeat">
+      <a:schemeClr val="accent1">
+        <a:alpha val="50000"/>
+      </a:schemeClr>
+    </dgm:fillClrLst>
+    <dgm:linClrLst meth="repeat">
+      <a:schemeClr val="lt1"/>
+    </dgm:linClrLst>
+    <dgm:effectClrLst/>
+    <dgm:txLinClrLst/>
+    <dgm:txFillClrLst/>
+    <dgm:txEffectClrLst/>
+  </dgm:styleLbl>
+  <dgm:styleLbl name="node2">
+    <dgm:fillClrLst meth="repeat">
+      <a:schemeClr val="accent1"/>
+    </dgm:fillClrLst>
+    <dgm:linClrLst meth="repeat">
+      <a:schemeClr val="lt1"/>
+    </dgm:linClrLst>
+    <dgm:effectClrLst/>
+    <dgm:txLinClrLst/>
+    <dgm:txFillClrLst/>
+    <dgm:txEffectClrLst/>
+  </dgm:styleLbl>
+  <dgm:styleLbl name="node3">
+    <dgm:fillClrLst meth="repeat">
+      <a:schemeClr val="accent1"/>
+    </dgm:fillClrLst>
+    <dgm:linClrLst meth="repeat">
+      <a:schemeClr val="lt1"/>
+    </dgm:linClrLst>
+    <dgm:effectClrLst/>
+    <dgm:txLinClrLst/>
+    <dgm:txFillClrLst/>
+    <dgm:txEffectClrLst/>
+  </dgm:styleLbl>
+  <dgm:styleLbl name="node4">
+    <dgm:fillClrLst meth="repeat">
+      <a:schemeClr val="accent1"/>
+    </dgm:fillClrLst>
+    <dgm:linClrLst meth="repeat">
+      <a:schemeClr val="lt1"/>
+    </dgm:linClrLst>
+    <dgm:effectClrLst/>
+    <dgm:txLinClrLst/>
+    <dgm:txFillClrLst/>
+    <dgm:txEffectClrLst/>
+  </dgm:styleLbl>
+  <dgm:styleLbl name="fgImgPlace1">
+    <dgm:fillClrLst meth="repeat">
+      <a:schemeClr val="accent1">
+        <a:tint val="50000"/>
+      </a:schemeClr>
+    </dgm:fillClrLst>
+    <dgm:linClrLst meth="repeat">
+      <a:schemeClr val="lt1"/>
+    </dgm:linClrLst>
+    <dgm:effectClrLst/>
+    <dgm:txLinClrLst/>
+    <dgm:txFillClrLst meth="repeat">
+      <a:schemeClr val="lt1"/>
+    </dgm:txFillClrLst>
+    <dgm:txEffectClrLst/>
+  </dgm:styleLbl>
+  <dgm:styleLbl name="alignImgPlace1">
+    <dgm:fillClrLst meth="repeat">
+      <a:schemeClr val="accent1">
+        <a:tint val="50000"/>
+      </a:schemeClr>
+    </dgm:fillClrLst>
+    <dgm:linClrLst meth="repeat">
+      <a:schemeClr val="lt1"/>
+    </dgm:linClrLst>
+    <dgm:effectClrLst/>
+    <dgm:txLinClrLst/>
+    <dgm:txFillClrLst meth="repeat">
+      <a:schemeClr val="lt1"/>
+    </dgm:txFillClrLst>
+    <dgm:txEffectClrLst/>
+  </dgm:styleLbl>
+  <dgm:styleLbl name="bgImgPlace1">
+    <dgm:fillClrLst meth="repeat">
+      <a:schemeClr val="accent1">
+        <a:tint val="50000"/>
+      </a:schemeClr>
+    </dgm:fillClrLst>
+    <dgm:linClrLst meth="repeat">
+      <a:schemeClr val="lt1"/>
+    </dgm:linClrLst>
+    <dgm:effectClrLst/>
+    <dgm:txLinClrLst/>
+    <dgm:txFillClrLst meth="repeat">
+      <a:schemeClr val="lt1"/>
+    </dgm:txFillClrLst>
+    <dgm:txEffectClrLst/>
+  </dgm:styleLbl>
+  <dgm:styleLbl name="sibTrans2D1">
+    <dgm:fillClrLst meth="repeat">
+      <a:schemeClr val="accent1">
+        <a:tint val="60000"/>
+      </a:schemeClr>
+    </dgm:fillClrLst>
+    <dgm:linClrLst meth="repeat">
+      <a:schemeClr val="accent1">
+        <a:tint val="60000"/>
+      </a:schemeClr>
+    </dgm:linClrLst>
+    <dgm:effectClrLst/>
+    <dgm:txLinClrLst/>
+    <dgm:txFillClrLst/>
+    <dgm:txEffectClrLst/>
+  </dgm:styleLbl>
+  <dgm:styleLbl name="fgSibTrans2D1">
+    <dgm:fillClrLst meth="repeat">
+      <a:schemeClr val="accent1">
+        <a:tint val="60000"/>
+      </a:schemeClr>
+    </dgm:fillClrLst>
+    <dgm:linClrLst meth="repeat">
+      <a:schemeClr val="accent1">
+        <a:tint val="60000"/>
+      </a:schemeClr>
+    </dgm:linClrLst>
+    <dgm:effectClrLst/>
+    <dgm:txLinClrLst/>
+    <dgm:txFillClrLst/>
+    <dgm:txEffectClrLst/>
+  </dgm:styleLbl>
+  <dgm:styleLbl name="bgSibTrans2D1">
+    <dgm:fillClrLst meth="repeat">
+      <a:schemeClr val="accent1">
+        <a:tint val="60000"/>
+      </a:schemeClr>
+    </dgm:fillClrLst>
+    <dgm:linClrLst meth="repeat">
+      <a:schemeClr val="accent1">
+        <a:tint val="60000"/>
+      </a:schemeClr>
+    </dgm:linClrLst>
+    <dgm:effectClrLst/>
+    <dgm:txLinClrLst/>
+    <dgm:txFillClrLst/>
+    <dgm:txEffectClrLst/>
+  </dgm:styleLbl>
+  <dgm:styleLbl name="sibTrans1D1">
+    <dgm:fillClrLst meth="repeat">
+      <a:schemeClr val="accent1"/>
+    </dgm:fillClrLst>
+    <dgm:linClrLst meth="repeat">
+      <a:schemeClr val="accent1"/>
+    </dgm:linClrLst>
+    <dgm:effectClrLst/>
+    <dgm:txLinClrLst/>
+    <dgm:txFillClrLst meth="repeat">
+      <a:schemeClr val="tx1"/>
+    </dgm:txFillClrLst>
+    <dgm:txEffectClrLst/>
+  </dgm:styleLbl>
+  <dgm:styleLbl name="callout">
+    <dgm:fillClrLst meth="repeat">
+      <a:schemeClr val="accent1"/>
+    </dgm:fillClrLst>
+    <dgm:linClrLst meth="repeat">
+      <a:schemeClr val="accent1">
+        <a:tint val="50000"/>
+      </a:schemeClr>
+    </dgm:linClrLst>
+    <dgm:effectClrLst/>
+    <dgm:txLinClrLst/>
+    <dgm:txFillClrLst meth="repeat">
+      <a:schemeClr val="tx1"/>
+    </dgm:txFillClrLst>
+    <dgm:txEffectClrLst/>
+  </dgm:styleLbl>
+  <dgm:styleLbl name="asst0">
+    <dgm:fillClrLst meth="repeat">
+      <a:schemeClr val="accent1"/>
+    </dgm:fillClrLst>
+    <dgm:linClrLst meth="repeat">
+      <a:schemeClr val="lt1"/>
+    </dgm:linClrLst>
+    <dgm:effectClrLst/>
+    <dgm:txLinClrLst/>
+    <dgm:txFillClrLst/>
+    <dgm:txEffectClrLst/>
+  </dgm:styleLbl>
+  <dgm:styleLbl name="asst1">
+    <dgm:fillClrLst meth="repeat">
+      <a:schemeClr val="accent1"/>
+    </dgm:fillClrLst>
+    <dgm:linClrLst meth="repeat">
+      <a:schemeClr val="lt1"/>
+    </dgm:linClrLst>
+    <dgm:effectClrLst/>
+    <dgm:txLinClrLst/>
+    <dgm:txFillClrLst/>
+    <dgm:txEffectClrLst/>
+  </dgm:styleLbl>
+  <dgm:styleLbl name="asst2">
+    <dgm:fillClrLst meth="repeat">
+      <a:schemeClr val="accent1"/>
+    </dgm:fillClrLst>
+    <dgm:linClrLst meth="repeat">
+      <a:schemeClr val="lt1"/>
+    </dgm:linClrLst>
+    <dgm:effectClrLst/>
+    <dgm:txLinClrLst/>
+    <dgm:txFillClrLst/>
+    <dgm:txEffectClrLst/>
+  </dgm:styleLbl>
+  <dgm:styleLbl name="asst3">
+    <dgm:fillClrLst meth="repeat">
+      <a:schemeClr val="accent1"/>
+    </dgm:fillClrLst>
+    <dgm:linClrLst meth="repeat">
+      <a:schemeClr val="lt1"/>
+    </dgm:linClrLst>
+    <dgm:effectClrLst/>
+    <dgm:txLinClrLst/>
+    <dgm:txFillClrLst/>
+    <dgm:txEffectClrLst/>
+  </dgm:styleLbl>
+  <dgm:styleLbl name="asst4">
+    <dgm:fillClrLst meth="repeat">
+      <a:schemeClr val="accent1"/>
+    </dgm:fillClrLst>
+    <dgm:linClrLst meth="repeat">
+      <a:schemeClr val="lt1"/>
+    </dgm:linClrLst>
+    <dgm:effectClrLst/>
+    <dgm:txLinClrLst/>
+    <dgm:txFillClrLst/>
+    <dgm:txEffectClrLst/>
+  </dgm:styleLbl>
+  <dgm:styleLbl name="parChTrans2D1">
+    <dgm:fillClrLst meth="repeat">
+      <a:schemeClr val="accent1">
+        <a:tint val="60000"/>
+      </a:schemeClr>
+    </dgm:fillClrLst>
+    <dgm:linClrLst meth="repeat">
+      <a:schemeClr val="accent1">
+        <a:tint val="60000"/>
+      </a:schemeClr>
+    </dgm:linClrLst>
+    <dgm:effectClrLst/>
+    <dgm:txLinClrLst/>
+    <dgm:txFillClrLst meth="repeat">
+      <a:schemeClr val="lt1"/>
+    </dgm:txFillClrLst>
+    <dgm:txEffectClrLst/>
+  </dgm:styleLbl>
+  <dgm:styleLbl name="parChTrans2D2">
+    <dgm:fillClrLst meth="repeat">
+      <a:schemeClr val="accent1"/>
+    </dgm:fillClrLst>
+    <dgm:linClrLst meth="repeat">
+      <a:schemeClr val="accent1"/>
+    </dgm:linClrLst>
+    <dgm:effectClrLst/>
+    <dgm:txLinClrLst/>
+    <dgm:txFillClrLst meth="repeat">
+      <a:schemeClr val="lt1"/>
+    </dgm:txFillClrLst>
+    <dgm:txEffectClrLst/>
+  </dgm:styleLbl>
+  <dgm:styleLbl name="parChTrans2D3">
+    <dgm:fillClrLst meth="repeat">
+      <a:schemeClr val="accent1"/>
+    </dgm:fillClrLst>
+    <dgm:linClrLst meth="repeat">
+      <a:schemeClr val="accent1"/>
+    </dgm:linClrLst>
+    <dgm:effectClrLst/>
+    <dgm:txLinClrLst/>
+    <dgm:txFillClrLst meth="repeat">
+      <a:schemeClr val="lt1"/>
+    </dgm:txFillClrLst>
+    <dgm:txEffectClrLst/>
+  </dgm:styleLbl>
+  <dgm:styleLbl name="parChTrans2D4">
+    <dgm:fillClrLst meth="repeat">
+      <a:schemeClr val="accent1"/>
+    </dgm:fillClrLst>
+    <dgm:linClrLst meth="repeat">
+      <a:schemeClr val="accent1"/>
+    </dgm:linClrLst>
+    <dgm:effectClrLst/>
+    <dgm:txLinClrLst/>
+    <dgm:txFillClrLst meth="repeat">
+      <a:schemeClr val="lt1"/>
+    </dgm:txFillClrLst>
+    <dgm:txEffectClrLst/>
+  </dgm:styleLbl>
+  <dgm:styleLbl name="parChTrans1D1">
+    <dgm:fillClrLst meth="repeat">
+      <a:schemeClr val="accent1"/>
+    </dgm:fillClrLst>
+    <dgm:linClrLst meth="repeat">
+      <a:schemeClr val="accent1">
+        <a:shade val="60000"/>
+      </a:schemeClr>
+    </dgm:linClrLst>
+    <dgm:effectClrLst/>
+    <dgm:txLinClrLst/>
+    <dgm:txFillClrLst meth="repeat">
+      <a:schemeClr val="tx1"/>
+    </dgm:txFillClrLst>
+    <dgm:txEffectClrLst/>
+  </dgm:styleLbl>
+  <dgm:styleLbl name="parChTrans1D2">
+    <dgm:fillClrLst meth="repeat">
+      <a:schemeClr val="accent1"/>
+    </dgm:fillClrLst>
+    <dgm:linClrLst meth="repeat">
+      <a:schemeClr val="accent1">
+        <a:shade val="60000"/>
+      </a:schemeClr>
+    </dgm:linClrLst>
+    <dgm:effectClrLst/>
+    <dgm:txLinClrLst/>
+    <dgm:txFillClrLst meth="repeat">
+      <a:schemeClr val="tx1"/>
+    </dgm:txFillClrLst>
+    <dgm:txEffectClrLst/>
+  </dgm:styleLbl>
+  <dgm:styleLbl name="parChTrans1D3">
+    <dgm:fillClrLst meth="repeat">
+      <a:schemeClr val="accent1"/>
+    </dgm:fillClrLst>
+    <dgm:linClrLst meth="repeat">
+      <a:schemeClr val="accent1">
+        <a:shade val="80000"/>
+      </a:schemeClr>
+    </dgm:linClrLst>
+    <dgm:effectClrLst/>
+    <dgm:txLinClrLst/>
+    <dgm:txFillClrLst meth="repeat">
+      <a:schemeClr val="tx1"/>
+    </dgm:txFillClrLst>
+    <dgm:txEffectClrLst/>
+  </dgm:styleLbl>
+  <dgm:styleLbl name="parChTrans1D4">
+    <dgm:fillClrLst meth="repeat">
+      <a:schemeClr val="accent1"/>
+    </dgm:fillClrLst>
+    <dgm:linClrLst meth="repeat">
+      <a:schemeClr val="accent1">
+        <a:shade val="80000"/>
+      </a:schemeClr>
+    </dgm:linClrLst>
+    <dgm:effectClrLst/>
+    <dgm:txLinClrLst/>
+    <dgm:txFillClrLst meth="repeat">
+      <a:schemeClr val="tx1"/>
+    </dgm:txFillClrLst>
+    <dgm:txEffectClrLst/>
+  </dgm:styleLbl>
+  <dgm:styleLbl name="fgAcc1">
+    <dgm:fillClrLst meth="repeat">
+      <a:schemeClr val="lt1">
+        <a:alpha val="90000"/>
+      </a:schemeClr>
+    </dgm:fillClrLst>
+    <dgm:linClrLst meth="repeat">
+      <a:schemeClr val="accent1"/>
+    </dgm:linClrLst>
+    <dgm:effectClrLst/>
+    <dgm:txLinClrLst/>
+    <dgm:txFillClrLst meth="repeat">
+      <a:schemeClr val="dk1"/>
+    </dgm:txFillClrLst>
+    <dgm:txEffectClrLst/>
+  </dgm:styleLbl>
+  <dgm:styleLbl name="conFgAcc1">
+    <dgm:fillClrLst meth="repeat">
+      <a:schemeClr val="lt1">
+        <a:alpha val="90000"/>
+      </a:schemeClr>
+    </dgm:fillClrLst>
+    <dgm:linClrLst meth="repeat">
+      <a:schemeClr val="accent1"/>
+    </dgm:linClrLst>
+    <dgm:effectClrLst/>
+    <dgm:txLinClrLst/>
+    <dgm:txFillClrLst meth="repeat">
+      <a:schemeClr val="dk1"/>
+    </dgm:txFillClrLst>
+    <dgm:txEffectClrLst/>
+  </dgm:styleLbl>
+  <dgm:styleLbl name="alignAcc1">
+    <dgm:fillClrLst meth="repeat">
+      <a:schemeClr val="lt1">
+        <a:alpha val="90000"/>
+      </a:schemeClr>
+    </dgm:fillClrLst>
+    <dgm:linClrLst meth="repeat">
+      <a:schemeClr val="accent1"/>
+    </dgm:linClrLst>
+    <dgm:effectClrLst/>
+    <dgm:txLinClrLst/>
+    <dgm:txFillClrLst meth="repeat">
+      <a:schemeClr val="dk1"/>
+    </dgm:txFillClrLst>
+    <dgm:txEffectClrLst/>
+  </dgm:styleLbl>
+  <dgm:styleLbl name="trAlignAcc1">
+    <dgm:fillClrLst meth="repeat">
+      <a:schemeClr val="lt1">
+        <a:alpha val="40000"/>
+      </a:schemeClr>
+    </dgm:fillClrLst>
+    <dgm:linClrLst meth="repeat">
+      <a:schemeClr val="accent1"/>
+    </dgm:linClrLst>
+    <dgm:effectClrLst/>
+    <dgm:txLinClrLst/>
+    <dgm:txFillClrLst meth="repeat">
+      <a:schemeClr val="dk1"/>
+    </dgm:txFillClrLst>
+    <dgm:txEffectClrLst/>
+  </dgm:styleLbl>
+  <dgm:styleLbl name="bgAcc1">
+    <dgm:fillClrLst meth="repeat">
+      <a:schemeClr val="lt1">
+        <a:alpha val="90000"/>
+      </a:schemeClr>
+    </dgm:fillClrLst>
+    <dgm:linClrLst meth="repeat">
+      <a:schemeClr val="accent1"/>
+    </dgm:linClrLst>
+    <dgm:effectClrLst/>
+    <dgm:txLinClrLst/>
+    <dgm:txFillClrLst meth="repeat">
+      <a:schemeClr val="dk1"/>
+    </dgm:txFillClrLst>
+    <dgm:txEffectClrLst/>
+  </dgm:styleLbl>
+  <dgm:styleLbl name="solidFgAcc1">
+    <dgm:fillClrLst meth="repeat">
+      <a:schemeClr val="lt1"/>
+    </dgm:fillClrLst>
+    <dgm:linClrLst meth="repeat">
+      <a:schemeClr val="accent1"/>
+    </dgm:linClrLst>
+    <dgm:effectClrLst/>
+    <dgm:txLinClrLst/>
+    <dgm:txFillClrLst meth="repeat">
+      <a:schemeClr val="dk1"/>
+    </dgm:txFillClrLst>
+    <dgm:txEffectClrLst/>
+  </dgm:styleLbl>
+  <dgm:styleLbl name="solidAlignAcc1">
+    <dgm:fillClrLst meth="repeat">
+      <a:schemeClr val="lt1"/>
+    </dgm:fillClrLst>
+    <dgm:linClrLst meth="repeat">
+      <a:schemeClr val="accent1"/>
+    </dgm:linClrLst>
+    <dgm:effectClrLst/>
+    <dgm:txLinClrLst/>
+    <dgm:txFillClrLst meth="repeat">
+      <a:schemeClr val="dk1"/>
+    </dgm:txFillClrLst>
+    <dgm:txEffectClrLst/>
+  </dgm:styleLbl>
+  <dgm:styleLbl name="solidBgAcc1">
+    <dgm:fillClrLst meth="repeat">
+      <a:schemeClr val="lt1"/>
+    </dgm:fillClrLst>
+    <dgm:linClrLst meth="repeat">
+      <a:schemeClr val="accent1"/>
+    </dgm:linClrLst>
+    <dgm:effectClrLst/>
+    <dgm:txLinClrLst/>
+    <dgm:txFillClrLst meth="repeat">
+      <a:schemeClr val="dk1"/>
+    </dgm:txFillClrLst>
+    <dgm:txEffectClrLst/>
+  </dgm:styleLbl>
+  <dgm:styleLbl name="fgAccFollowNode1">
+    <dgm:fillClrLst meth="repeat">
+      <a:schemeClr val="accent1">
+        <a:alpha val="90000"/>
+        <a:tint val="40000"/>
+      </a:schemeClr>
+    </dgm:fillClrLst>
+    <dgm:linClrLst meth="repeat">
+      <a:schemeClr val="accent1">
+        <a:alpha val="90000"/>
+        <a:tint val="40000"/>
+      </a:schemeClr>
+    </dgm:linClrLst>
+    <dgm:effectClrLst/>
+    <dgm:txLinClrLst/>
+    <dgm:txFillClrLst meth="repeat">
+      <a:schemeClr val="dk1"/>
+    </dgm:txFillClrLst>
+    <dgm:txEffectClrLst/>
+  </dgm:styleLbl>
+  <dgm:styleLbl name="alignAccFollowNode1">
+    <dgm:fillClrLst meth="repeat">
+      <a:schemeClr val="accent1">
+        <a:alpha val="90000"/>
+        <a:tint val="40000"/>
+      </a:schemeClr>
+    </dgm:fillClrLst>
+    <dgm:linClrLst meth="repeat">
+      <a:schemeClr val="accent1">
+        <a:alpha val="90000"/>
+        <a:tint val="40000"/>
+      </a:schemeClr>
+    </dgm:linClrLst>
+    <dgm:effectClrLst/>
+    <dgm:txLinClrLst/>
+    <dgm:txFillClrLst meth="repeat">
+      <a:schemeClr val="dk1"/>
+    </dgm:txFillClrLst>
+    <dgm:txEffectClrLst/>
+  </dgm:styleLbl>
+  <dgm:styleLbl name="bgAccFollowNode1">
+    <dgm:fillClrLst meth="repeat">
+      <a:schemeClr val="accent1">
+        <a:alpha val="90000"/>
+        <a:tint val="40000"/>
+      </a:schemeClr>
+    </dgm:fillClrLst>
+    <dgm:linClrLst meth="repeat">
+      <a:schemeClr val="accent1">
+        <a:alpha val="90000"/>
+        <a:tint val="40000"/>
+      </a:schemeClr>
+    </dgm:linClrLst>
+    <dgm:effectClrLst/>
+    <dgm:txLinClrLst/>
+    <dgm:txFillClrLst meth="repeat">
+      <a:schemeClr val="dk1"/>
+    </dgm:txFillClrLst>
+    <dgm:txEffectClrLst/>
+  </dgm:styleLbl>
+  <dgm:styleLbl name="fgAcc0">
+    <dgm:fillClrLst meth="repeat">
+      <a:schemeClr val="lt1">
+        <a:alpha val="90000"/>
+      </a:schemeClr>
+    </dgm:fillClrLst>
+    <dgm:linClrLst meth="repeat">
+      <a:schemeClr val="accent1"/>
+    </dgm:linClrLst>
+    <dgm:effectClrLst/>
+    <dgm:txLinClrLst/>
+    <dgm:txFillClrLst meth="repeat">
+      <a:schemeClr val="dk1"/>
+    </dgm:txFillClrLst>
+    <dgm:txEffectClrLst/>
+  </dgm:styleLbl>
+  <dgm:styleLbl name="fgAcc2">
+    <dgm:fillClrLst meth="repeat">
+      <a:schemeClr val="lt1">
+        <a:alpha val="90000"/>
+      </a:schemeClr>
+    </dgm:fillClrLst>
+    <dgm:linClrLst meth="repeat">
+      <a:schemeClr val="accent1"/>
+    </dgm:linClrLst>
+    <dgm:effectClrLst/>
+    <dgm:txLinClrLst/>
+    <dgm:txFillClrLst meth="repeat">
+      <a:schemeClr val="dk1"/>
+    </dgm:txFillClrLst>
+    <dgm:txEffectClrLst/>
+  </dgm:styleLbl>
+  <dgm:styleLbl name="fgAcc3">
+    <dgm:fillClrLst meth="repeat">
+      <a:schemeClr val="lt1">
+        <a:alpha val="90000"/>
+      </a:schemeClr>
+    </dgm:fillClrLst>
+    <dgm:linClrLst meth="repeat">
+      <a:schemeClr val="accent1"/>
+    </dgm:linClrLst>
+    <dgm:effectClrLst/>
+    <dgm:txLinClrLst/>
+    <dgm:txFillClrLst meth="repeat">
+      <a:schemeClr val="dk1"/>
+    </dgm:txFillClrLst>
+    <dgm:txEffectClrLst/>
+  </dgm:styleLbl>
+  <dgm:styleLbl name="fgAcc4">
+    <dgm:fillClrLst meth="repeat">
+      <a:schemeClr val="lt1">
+        <a:alpha val="90000"/>
+      </a:schemeClr>
+    </dgm:fillClrLst>
+    <dgm:linClrLst meth="repeat">
+      <a:schemeClr val="accent1"/>
+    </dgm:linClrLst>
+    <dgm:effectClrLst/>
+    <dgm:txLinClrLst/>
+    <dgm:txFillClrLst meth="repeat">
+      <a:schemeClr val="dk1"/>
+    </dgm:txFillClrLst>
+    <dgm:txEffectClrLst/>
+  </dgm:styleLbl>
+  <dgm:styleLbl name="bgShp">
+    <dgm:fillClrLst meth="repeat">
+      <a:schemeClr val="accent1">
+        <a:tint val="40000"/>
+      </a:schemeClr>
+    </dgm:fillClrLst>
+    <dgm:linClrLst meth="repeat">
+      <a:schemeClr val="accent1"/>
+    </dgm:linClrLst>
+    <dgm:effectClrLst/>
+    <dgm:txLinClrLst/>
+    <dgm:txFillClrLst meth="repeat">
+      <a:schemeClr val="dk1"/>
+    </dgm:txFillClrLst>
+    <dgm:txEffectClrLst/>
+  </dgm:styleLbl>
+  <dgm:styleLbl name="dkBgShp">
+    <dgm:fillClrLst meth="repeat">
+      <a:schemeClr val="accent1">
+        <a:shade val="80000"/>
+      </a:schemeClr>
+    </dgm:fillClrLst>
+    <dgm:linClrLst meth="repeat">
+      <a:schemeClr val="accent1"/>
+    </dgm:linClrLst>
+    <dgm:effectClrLst/>
+    <dgm:txLinClrLst/>
+    <dgm:txFillClrLst meth="repeat">
+      <a:schemeClr val="lt1"/>
+    </dgm:txFillClrLst>
+    <dgm:txEffectClrLst/>
+  </dgm:styleLbl>
+  <dgm:styleLbl name="trBgShp">
+    <dgm:fillClrLst meth="repeat">
+      <a:schemeClr val="accent1">
+        <a:tint val="50000"/>
+        <a:alpha val="40000"/>
+      </a:schemeClr>
+    </dgm:fillClrLst>
+    <dgm:linClrLst meth="repeat">
+      <a:schemeClr val="accent1"/>
+    </dgm:linClrLst>
+    <dgm:effectClrLst/>
+    <dgm:txLinClrLst/>
+    <dgm:txFillClrLst meth="repeat">
+      <a:schemeClr val="lt1"/>
+    </dgm:txFillClrLst>
+    <dgm:txEffectClrLst/>
+  </dgm:styleLbl>
+  <dgm:styleLbl name="fgShp">
+    <dgm:fillClrLst meth="repeat">
+      <a:schemeClr val="accent1">
+        <a:tint val="60000"/>
+      </a:schemeClr>
+    </dgm:fillClrLst>
+    <dgm:linClrLst meth="repeat">
+      <a:schemeClr val="lt1"/>
+    </dgm:linClrLst>
+    <dgm:effectClrLst/>
+    <dgm:txLinClrLst/>
+    <dgm:txFillClrLst meth="repeat">
+      <a:schemeClr val="dk1"/>
+    </dgm:txFillClrLst>
+    <dgm:txEffectClrLst/>
+  </dgm:styleLbl>
+  <dgm:styleLbl name="revTx">
+    <dgm:fillClrLst meth="repeat">
+      <a:schemeClr val="lt1">
+        <a:alpha val="0"/>
+      </a:schemeClr>
+    </dgm:fillClrLst>
+    <dgm:linClrLst meth="repeat">
+      <a:schemeClr val="dk1">
+        <a:alpha val="0"/>
+      </a:schemeClr>
+    </dgm:linClrLst>
+    <dgm:effectClrLst/>
+    <dgm:txLinClrLst/>
+    <dgm:txFillClrLst meth="repeat">
+      <a:schemeClr val="tx1"/>
+    </dgm:txFillClrLst>
+    <dgm:txEffectClrLst/>
+  </dgm:styleLbl>
+</dgm:colorsDef>
+</file>
+
+<file path=ppt/diagrams/colors5.xml><?xml version="1.0" encoding="utf-8"?>
 <dgm:colorsDef xmlns:dgm="http://schemas.openxmlformats.org/drawingml/2006/diagram" xmlns:a="http://schemas.openxmlformats.org/drawingml/2006/main" uniqueId="urn:microsoft.com/office/officeart/2005/8/colors/accent1_2">
   <dgm:title val=""/>
   <dgm:desc val=""/>
@@ -8803,6 +9550,456 @@
 </file>
 
 <file path=ppt/diagrams/data4.xml><?xml version="1.0" encoding="utf-8"?>
+<dgm:dataModel xmlns:dgm="http://schemas.openxmlformats.org/drawingml/2006/diagram" xmlns:a="http://schemas.openxmlformats.org/drawingml/2006/main">
+  <dgm:ptLst>
+    <dgm:pt modelId="{7BFCFFAD-2E02-44B3-A82F-5313A4ADCA37}" type="doc">
+      <dgm:prSet loTypeId="urn:microsoft.com/office/officeart/2005/8/layout/bList2" loCatId="list" qsTypeId="urn:microsoft.com/office/officeart/2005/8/quickstyle/simple4" qsCatId="simple" csTypeId="urn:microsoft.com/office/officeart/2005/8/colors/accent1_2" csCatId="accent1" phldr="1"/>
+      <dgm:spPr/>
+      <dgm:t>
+        <a:bodyPr/>
+        <a:lstStyle/>
+        <a:p>
+          <a:endParaRPr lang="es-AR"/>
+        </a:p>
+      </dgm:t>
+    </dgm:pt>
+    <dgm:pt modelId="{D4710F43-EE97-49CD-8E8C-AD6A07944C3E}">
+      <dgm:prSet custT="1"/>
+      <dgm:spPr/>
+      <dgm:t>
+        <a:bodyPr/>
+        <a:lstStyle/>
+        <a:p>
+          <a:pPr rtl="0"/>
+          <a:r>
+            <a:rPr lang="es-AR" sz="3600" dirty="0" smtClean="0"/>
+            <a:t>Codificación</a:t>
+          </a:r>
+          <a:endParaRPr lang="es-AR" sz="3600" dirty="0"/>
+        </a:p>
+      </dgm:t>
+    </dgm:pt>
+    <dgm:pt modelId="{31B0AD12-5C87-40C1-8DD1-697718AB2A63}" type="parTrans" cxnId="{7743D379-2B25-47AB-9253-AC8E6730330F}">
+      <dgm:prSet/>
+      <dgm:spPr/>
+      <dgm:t>
+        <a:bodyPr/>
+        <a:lstStyle/>
+        <a:p>
+          <a:endParaRPr lang="es-AR"/>
+        </a:p>
+      </dgm:t>
+    </dgm:pt>
+    <dgm:pt modelId="{B44699F1-2663-4A5E-BFEA-0BFE11B86727}" type="sibTrans" cxnId="{7743D379-2B25-47AB-9253-AC8E6730330F}">
+      <dgm:prSet/>
+      <dgm:spPr/>
+      <dgm:t>
+        <a:bodyPr/>
+        <a:lstStyle/>
+        <a:p>
+          <a:endParaRPr lang="es-AR"/>
+        </a:p>
+      </dgm:t>
+    </dgm:pt>
+    <dgm:pt modelId="{A1DCD31B-C27D-4FC8-83CE-B597266481CD}">
+      <dgm:prSet/>
+      <dgm:spPr/>
+      <dgm:t>
+        <a:bodyPr/>
+        <a:lstStyle/>
+        <a:p>
+          <a:pPr rtl="0"/>
+          <a:r>
+            <a:rPr lang="es-AR" dirty="0" smtClean="0"/>
+            <a:t>Análisis y elección del lenguaje de programación</a:t>
+          </a:r>
+          <a:endParaRPr lang="es-AR" dirty="0"/>
+        </a:p>
+      </dgm:t>
+    </dgm:pt>
+    <dgm:pt modelId="{F32B10CE-1DD1-468D-BA42-ABF87C14FE0C}" type="parTrans" cxnId="{86966444-5C2F-4567-BAA2-17221C43E65B}">
+      <dgm:prSet/>
+      <dgm:spPr/>
+      <dgm:t>
+        <a:bodyPr/>
+        <a:lstStyle/>
+        <a:p>
+          <a:endParaRPr lang="es-AR"/>
+        </a:p>
+      </dgm:t>
+    </dgm:pt>
+    <dgm:pt modelId="{56E70B91-9C2C-458C-BD61-86BBB848404D}" type="sibTrans" cxnId="{86966444-5C2F-4567-BAA2-17221C43E65B}">
+      <dgm:prSet/>
+      <dgm:spPr/>
+      <dgm:t>
+        <a:bodyPr/>
+        <a:lstStyle/>
+        <a:p>
+          <a:endParaRPr lang="es-AR"/>
+        </a:p>
+      </dgm:t>
+    </dgm:pt>
+    <dgm:pt modelId="{F4A5EF57-F00C-4EAE-9770-3E71709ACF14}">
+      <dgm:prSet/>
+      <dgm:spPr/>
+      <dgm:t>
+        <a:bodyPr/>
+        <a:lstStyle/>
+        <a:p>
+          <a:pPr rtl="0"/>
+          <a:r>
+            <a:rPr lang="es-AR" dirty="0" smtClean="0"/>
+            <a:t>Creación de múltiples interpretes para los diferentes formatos de archivos:</a:t>
+          </a:r>
+          <a:endParaRPr lang="es-AR" dirty="0"/>
+        </a:p>
+      </dgm:t>
+    </dgm:pt>
+    <dgm:pt modelId="{3DAFCC68-0ECA-4E8B-87C0-2227CE80C3E8}" type="parTrans" cxnId="{EC171F3F-5287-4C4C-8460-FD0C056B2982}">
+      <dgm:prSet/>
+      <dgm:spPr/>
+      <dgm:t>
+        <a:bodyPr/>
+        <a:lstStyle/>
+        <a:p>
+          <a:endParaRPr lang="es-AR"/>
+        </a:p>
+      </dgm:t>
+    </dgm:pt>
+    <dgm:pt modelId="{70BA8B86-FAB7-4D43-B001-A9EA81AC8D79}" type="sibTrans" cxnId="{EC171F3F-5287-4C4C-8460-FD0C056B2982}">
+      <dgm:prSet/>
+      <dgm:spPr/>
+      <dgm:t>
+        <a:bodyPr/>
+        <a:lstStyle/>
+        <a:p>
+          <a:endParaRPr lang="es-AR"/>
+        </a:p>
+      </dgm:t>
+    </dgm:pt>
+    <dgm:pt modelId="{785E48DD-A69D-42EE-9CF4-A32AEF48C992}">
+      <dgm:prSet/>
+      <dgm:spPr/>
+      <dgm:t>
+        <a:bodyPr/>
+        <a:lstStyle/>
+        <a:p>
+          <a:pPr rtl="0"/>
+          <a:r>
+            <a:rPr lang="es-AR" dirty="0" smtClean="0"/>
+            <a:t>.CIR (Descripción de circuitos)</a:t>
+          </a:r>
+          <a:endParaRPr lang="es-AR" dirty="0"/>
+        </a:p>
+      </dgm:t>
+    </dgm:pt>
+    <dgm:pt modelId="{DE83C865-49CB-4A36-ABA0-07ED3A2DA39F}" type="parTrans" cxnId="{12541F2F-D127-4ABA-B510-40583222BBB3}">
+      <dgm:prSet/>
+      <dgm:spPr/>
+      <dgm:t>
+        <a:bodyPr/>
+        <a:lstStyle/>
+        <a:p>
+          <a:endParaRPr lang="es-AR"/>
+        </a:p>
+      </dgm:t>
+    </dgm:pt>
+    <dgm:pt modelId="{6B18B318-1277-435F-8F07-6640DA404678}" type="sibTrans" cxnId="{12541F2F-D127-4ABA-B510-40583222BBB3}">
+      <dgm:prSet/>
+      <dgm:spPr/>
+      <dgm:t>
+        <a:bodyPr/>
+        <a:lstStyle/>
+        <a:p>
+          <a:endParaRPr lang="es-AR"/>
+        </a:p>
+      </dgm:t>
+    </dgm:pt>
+    <dgm:pt modelId="{99767438-5EF4-4637-A4A4-4DA3ADE482DB}">
+      <dgm:prSet/>
+      <dgm:spPr/>
+      <dgm:t>
+        <a:bodyPr/>
+        <a:lstStyle/>
+        <a:p>
+          <a:pPr rtl="0"/>
+          <a:r>
+            <a:rPr lang="es-AR" dirty="0" smtClean="0"/>
+            <a:t>.CSD (Datos de simulación comunes)</a:t>
+          </a:r>
+          <a:endParaRPr lang="es-AR" dirty="0"/>
+        </a:p>
+      </dgm:t>
+    </dgm:pt>
+    <dgm:pt modelId="{A3BEDD90-1D4F-45BB-B8CF-C0E7CE59BDC3}" type="parTrans" cxnId="{A1566682-F389-469C-8657-166906F4C3B2}">
+      <dgm:prSet/>
+      <dgm:spPr/>
+      <dgm:t>
+        <a:bodyPr/>
+        <a:lstStyle/>
+        <a:p>
+          <a:endParaRPr lang="es-AR"/>
+        </a:p>
+      </dgm:t>
+    </dgm:pt>
+    <dgm:pt modelId="{674943E3-444F-4D66-BD63-2E6FA4E092BE}" type="sibTrans" cxnId="{A1566682-F389-469C-8657-166906F4C3B2}">
+      <dgm:prSet/>
+      <dgm:spPr/>
+      <dgm:t>
+        <a:bodyPr/>
+        <a:lstStyle/>
+        <a:p>
+          <a:endParaRPr lang="es-AR"/>
+        </a:p>
+      </dgm:t>
+    </dgm:pt>
+    <dgm:pt modelId="{95F43B4E-17D3-4F29-82C2-396B78777945}">
+      <dgm:prSet/>
+      <dgm:spPr/>
+      <dgm:t>
+        <a:bodyPr/>
+        <a:lstStyle/>
+        <a:p>
+          <a:pPr rtl="0"/>
+          <a:r>
+            <a:rPr lang="es-AR" dirty="0" smtClean="0"/>
+            <a:t>.CSV (Descripción de tablas)</a:t>
+          </a:r>
+          <a:endParaRPr lang="es-AR" dirty="0"/>
+        </a:p>
+      </dgm:t>
+    </dgm:pt>
+    <dgm:pt modelId="{39CF465A-99D2-4AE8-968D-B343D33290EA}" type="parTrans" cxnId="{6ECC7A49-F5EA-4B68-A369-E98BC9402E60}">
+      <dgm:prSet/>
+      <dgm:spPr/>
+      <dgm:t>
+        <a:bodyPr/>
+        <a:lstStyle/>
+        <a:p>
+          <a:endParaRPr lang="es-AR"/>
+        </a:p>
+      </dgm:t>
+    </dgm:pt>
+    <dgm:pt modelId="{6A781983-071C-4BEB-8612-32A58314EB24}" type="sibTrans" cxnId="{6ECC7A49-F5EA-4B68-A369-E98BC9402E60}">
+      <dgm:prSet/>
+      <dgm:spPr/>
+      <dgm:t>
+        <a:bodyPr/>
+        <a:lstStyle/>
+        <a:p>
+          <a:endParaRPr lang="es-AR"/>
+        </a:p>
+      </dgm:t>
+    </dgm:pt>
+    <dgm:pt modelId="{FA0EAB48-6DF8-4149-B3BF-0EE8D8E3C43D}">
+      <dgm:prSet/>
+      <dgm:spPr/>
+      <dgm:t>
+        <a:bodyPr/>
+        <a:lstStyle/>
+        <a:p>
+          <a:pPr rtl="0"/>
+          <a:r>
+            <a:rPr lang="es-AR" dirty="0" smtClean="0"/>
+            <a:t>Desarrollo de los algoritmos</a:t>
+          </a:r>
+          <a:endParaRPr lang="es-AR" dirty="0"/>
+        </a:p>
+      </dgm:t>
+    </dgm:pt>
+    <dgm:pt modelId="{92384121-8B41-4CD4-8B82-05DAA23C36CE}" type="parTrans" cxnId="{3A79AD5C-CCD6-46B0-828A-D69339BC1DDF}">
+      <dgm:prSet/>
+      <dgm:spPr/>
+      <dgm:t>
+        <a:bodyPr/>
+        <a:lstStyle/>
+        <a:p>
+          <a:endParaRPr lang="es-AR"/>
+        </a:p>
+      </dgm:t>
+    </dgm:pt>
+    <dgm:pt modelId="{CAA01D1F-F78C-42BA-9DF1-07C30E5D7988}" type="sibTrans" cxnId="{3A79AD5C-CCD6-46B0-828A-D69339BC1DDF}">
+      <dgm:prSet/>
+      <dgm:spPr/>
+      <dgm:t>
+        <a:bodyPr/>
+        <a:lstStyle/>
+        <a:p>
+          <a:endParaRPr lang="es-AR"/>
+        </a:p>
+      </dgm:t>
+    </dgm:pt>
+    <dgm:pt modelId="{B0260DC2-3248-4E69-8DEC-0B15C67E978C}">
+      <dgm:prSet/>
+      <dgm:spPr/>
+      <dgm:t>
+        <a:bodyPr/>
+        <a:lstStyle/>
+        <a:p>
+          <a:pPr rtl="0"/>
+          <a:r>
+            <a:rPr lang="es-AR" dirty="0" smtClean="0"/>
+            <a:t>Creación de la interfaz gráfica.</a:t>
+          </a:r>
+          <a:endParaRPr lang="es-AR" dirty="0"/>
+        </a:p>
+      </dgm:t>
+    </dgm:pt>
+    <dgm:pt modelId="{5E1029D4-D952-40CD-838D-F12F632DABB3}" type="parTrans" cxnId="{5E26BF21-8D93-4F8A-B5EF-58E96A15BE6B}">
+      <dgm:prSet/>
+      <dgm:spPr/>
+      <dgm:t>
+        <a:bodyPr/>
+        <a:lstStyle/>
+        <a:p>
+          <a:endParaRPr lang="es-AR"/>
+        </a:p>
+      </dgm:t>
+    </dgm:pt>
+    <dgm:pt modelId="{98B94568-D94C-40BF-92CF-6F3669B34F5F}" type="sibTrans" cxnId="{5E26BF21-8D93-4F8A-B5EF-58E96A15BE6B}">
+      <dgm:prSet/>
+      <dgm:spPr/>
+      <dgm:t>
+        <a:bodyPr/>
+        <a:lstStyle/>
+        <a:p>
+          <a:endParaRPr lang="es-AR"/>
+        </a:p>
+      </dgm:t>
+    </dgm:pt>
+    <dgm:pt modelId="{ED3407EB-6757-4729-94CC-F68DA639DA1B}">
+      <dgm:prSet/>
+      <dgm:spPr/>
+      <dgm:t>
+        <a:bodyPr/>
+        <a:lstStyle/>
+        <a:p>
+          <a:pPr rtl="0"/>
+          <a:r>
+            <a:rPr lang="es-AR" dirty="0" smtClean="0"/>
+            <a:t>Implementación</a:t>
+          </a:r>
+          <a:endParaRPr lang="es-AR" dirty="0"/>
+        </a:p>
+      </dgm:t>
+    </dgm:pt>
+    <dgm:pt modelId="{E81658B2-CC60-428D-910E-01DFA97734D9}" type="parTrans" cxnId="{8C5BE510-6F4D-4088-9320-367F9E9C6545}">
+      <dgm:prSet/>
+      <dgm:spPr/>
+      <dgm:t>
+        <a:bodyPr/>
+        <a:lstStyle/>
+        <a:p>
+          <a:endParaRPr lang="es-AR"/>
+        </a:p>
+      </dgm:t>
+    </dgm:pt>
+    <dgm:pt modelId="{71CC4B70-5598-45BA-A434-F84D3931CDA6}" type="sibTrans" cxnId="{8C5BE510-6F4D-4088-9320-367F9E9C6545}">
+      <dgm:prSet/>
+      <dgm:spPr/>
+      <dgm:t>
+        <a:bodyPr/>
+        <a:lstStyle/>
+        <a:p>
+          <a:endParaRPr lang="es-AR"/>
+        </a:p>
+      </dgm:t>
+    </dgm:pt>
+    <dgm:pt modelId="{BB915C14-9571-484B-B635-E4995289D582}" type="pres">
+      <dgm:prSet presAssocID="{7BFCFFAD-2E02-44B3-A82F-5313A4ADCA37}" presName="diagram" presStyleCnt="0">
+        <dgm:presLayoutVars>
+          <dgm:dir/>
+          <dgm:animLvl val="lvl"/>
+          <dgm:resizeHandles val="exact"/>
+        </dgm:presLayoutVars>
+      </dgm:prSet>
+      <dgm:spPr/>
+    </dgm:pt>
+    <dgm:pt modelId="{60EC01F1-ED48-494B-B4BA-D55A8116085B}" type="pres">
+      <dgm:prSet presAssocID="{D4710F43-EE97-49CD-8E8C-AD6A07944C3E}" presName="compNode" presStyleCnt="0"/>
+      <dgm:spPr/>
+    </dgm:pt>
+    <dgm:pt modelId="{C3E4C14D-FADB-4B70-9DB0-F6F5070E6653}" type="pres">
+      <dgm:prSet presAssocID="{D4710F43-EE97-49CD-8E8C-AD6A07944C3E}" presName="childRect" presStyleLbl="bgAcc1" presStyleIdx="0" presStyleCnt="1">
+        <dgm:presLayoutVars>
+          <dgm:bulletEnabled val="1"/>
+        </dgm:presLayoutVars>
+      </dgm:prSet>
+      <dgm:spPr/>
+      <dgm:t>
+        <a:bodyPr/>
+        <a:lstStyle/>
+        <a:p>
+          <a:endParaRPr lang="es-AR"/>
+        </a:p>
+      </dgm:t>
+    </dgm:pt>
+    <dgm:pt modelId="{2E1CB83D-2E50-48CB-AD0B-522700580504}" type="pres">
+      <dgm:prSet presAssocID="{D4710F43-EE97-49CD-8E8C-AD6A07944C3E}" presName="parentText" presStyleLbl="node1" presStyleIdx="0" presStyleCnt="0">
+        <dgm:presLayoutVars>
+          <dgm:chMax val="0"/>
+          <dgm:bulletEnabled val="1"/>
+        </dgm:presLayoutVars>
+      </dgm:prSet>
+      <dgm:spPr/>
+    </dgm:pt>
+    <dgm:pt modelId="{5E16F7FD-100F-4FE9-BA68-60C2373DD4BA}" type="pres">
+      <dgm:prSet presAssocID="{D4710F43-EE97-49CD-8E8C-AD6A07944C3E}" presName="parentRect" presStyleLbl="alignNode1" presStyleIdx="0" presStyleCnt="1"/>
+      <dgm:spPr/>
+    </dgm:pt>
+    <dgm:pt modelId="{5DB2626C-8213-4844-BFCC-05754AAA0396}" type="pres">
+      <dgm:prSet presAssocID="{D4710F43-EE97-49CD-8E8C-AD6A07944C3E}" presName="adorn" presStyleLbl="fgAccFollowNode1" presStyleIdx="0" presStyleCnt="1" custScaleX="148432"/>
+      <dgm:spPr>
+        <a:prstGeom prst="roundRect">
+          <a:avLst/>
+        </a:prstGeom>
+        <a:blipFill rotWithShape="0">
+          <a:blip xmlns:r="http://schemas.openxmlformats.org/officeDocument/2006/relationships" r:embed="rId1"/>
+          <a:stretch>
+            <a:fillRect/>
+          </a:stretch>
+        </a:blipFill>
+      </dgm:spPr>
+    </dgm:pt>
+  </dgm:ptLst>
+  <dgm:cxnLst>
+    <dgm:cxn modelId="{EE323969-6928-4F35-85C8-157A0EE6E460}" type="presOf" srcId="{B0260DC2-3248-4E69-8DEC-0B15C67E978C}" destId="{C3E4C14D-FADB-4B70-9DB0-F6F5070E6653}" srcOrd="0" destOrd="6" presId="urn:microsoft.com/office/officeart/2005/8/layout/bList2"/>
+    <dgm:cxn modelId="{312BBC2F-2041-4BF5-9EBF-53F8F6089DBC}" type="presOf" srcId="{A1DCD31B-C27D-4FC8-83CE-B597266481CD}" destId="{C3E4C14D-FADB-4B70-9DB0-F6F5070E6653}" srcOrd="0" destOrd="0" presId="urn:microsoft.com/office/officeart/2005/8/layout/bList2"/>
+    <dgm:cxn modelId="{8C5BE510-6F4D-4088-9320-367F9E9C6545}" srcId="{D4710F43-EE97-49CD-8E8C-AD6A07944C3E}" destId="{ED3407EB-6757-4729-94CC-F68DA639DA1B}" srcOrd="4" destOrd="0" parTransId="{E81658B2-CC60-428D-910E-01DFA97734D9}" sibTransId="{71CC4B70-5598-45BA-A434-F84D3931CDA6}"/>
+    <dgm:cxn modelId="{A1566682-F389-469C-8657-166906F4C3B2}" srcId="{F4A5EF57-F00C-4EAE-9770-3E71709ACF14}" destId="{99767438-5EF4-4637-A4A4-4DA3ADE482DB}" srcOrd="1" destOrd="0" parTransId="{A3BEDD90-1D4F-45BB-B8CF-C0E7CE59BDC3}" sibTransId="{674943E3-444F-4D66-BD63-2E6FA4E092BE}"/>
+    <dgm:cxn modelId="{538917DF-77DD-4B76-8FAD-E6E7F8CCDF4F}" type="presOf" srcId="{FA0EAB48-6DF8-4149-B3BF-0EE8D8E3C43D}" destId="{C3E4C14D-FADB-4B70-9DB0-F6F5070E6653}" srcOrd="0" destOrd="5" presId="urn:microsoft.com/office/officeart/2005/8/layout/bList2"/>
+    <dgm:cxn modelId="{12541F2F-D127-4ABA-B510-40583222BBB3}" srcId="{F4A5EF57-F00C-4EAE-9770-3E71709ACF14}" destId="{785E48DD-A69D-42EE-9CF4-A32AEF48C992}" srcOrd="0" destOrd="0" parTransId="{DE83C865-49CB-4A36-ABA0-07ED3A2DA39F}" sibTransId="{6B18B318-1277-435F-8F07-6640DA404678}"/>
+    <dgm:cxn modelId="{EE8FA783-D800-4ABF-BA50-C1A70CCC447B}" type="presOf" srcId="{785E48DD-A69D-42EE-9CF4-A32AEF48C992}" destId="{C3E4C14D-FADB-4B70-9DB0-F6F5070E6653}" srcOrd="0" destOrd="2" presId="urn:microsoft.com/office/officeart/2005/8/layout/bList2"/>
+    <dgm:cxn modelId="{6ECC7A49-F5EA-4B68-A369-E98BC9402E60}" srcId="{F4A5EF57-F00C-4EAE-9770-3E71709ACF14}" destId="{95F43B4E-17D3-4F29-82C2-396B78777945}" srcOrd="2" destOrd="0" parTransId="{39CF465A-99D2-4AE8-968D-B343D33290EA}" sibTransId="{6A781983-071C-4BEB-8612-32A58314EB24}"/>
+    <dgm:cxn modelId="{D968E2E4-6CEA-4EDB-B4CC-DE3CAE8F8567}" type="presOf" srcId="{F4A5EF57-F00C-4EAE-9770-3E71709ACF14}" destId="{C3E4C14D-FADB-4B70-9DB0-F6F5070E6653}" srcOrd="0" destOrd="1" presId="urn:microsoft.com/office/officeart/2005/8/layout/bList2"/>
+    <dgm:cxn modelId="{BE8A6295-31CD-4EC9-9036-9003657D35E9}" type="presOf" srcId="{7BFCFFAD-2E02-44B3-A82F-5313A4ADCA37}" destId="{BB915C14-9571-484B-B635-E4995289D582}" srcOrd="0" destOrd="0" presId="urn:microsoft.com/office/officeart/2005/8/layout/bList2"/>
+    <dgm:cxn modelId="{AF8BF8A3-78EF-42F3-8F26-CAD33E6F2641}" type="presOf" srcId="{95F43B4E-17D3-4F29-82C2-396B78777945}" destId="{C3E4C14D-FADB-4B70-9DB0-F6F5070E6653}" srcOrd="0" destOrd="4" presId="urn:microsoft.com/office/officeart/2005/8/layout/bList2"/>
+    <dgm:cxn modelId="{EC171F3F-5287-4C4C-8460-FD0C056B2982}" srcId="{D4710F43-EE97-49CD-8E8C-AD6A07944C3E}" destId="{F4A5EF57-F00C-4EAE-9770-3E71709ACF14}" srcOrd="1" destOrd="0" parTransId="{3DAFCC68-0ECA-4E8B-87C0-2227CE80C3E8}" sibTransId="{70BA8B86-FAB7-4D43-B001-A9EA81AC8D79}"/>
+    <dgm:cxn modelId="{0301B5FD-7526-4622-A4DC-BAE733D0B081}" type="presOf" srcId="{D4710F43-EE97-49CD-8E8C-AD6A07944C3E}" destId="{2E1CB83D-2E50-48CB-AD0B-522700580504}" srcOrd="0" destOrd="0" presId="urn:microsoft.com/office/officeart/2005/8/layout/bList2"/>
+    <dgm:cxn modelId="{7F32025B-8E99-40D8-8165-84504E4594E8}" type="presOf" srcId="{D4710F43-EE97-49CD-8E8C-AD6A07944C3E}" destId="{5E16F7FD-100F-4FE9-BA68-60C2373DD4BA}" srcOrd="1" destOrd="0" presId="urn:microsoft.com/office/officeart/2005/8/layout/bList2"/>
+    <dgm:cxn modelId="{7743D379-2B25-47AB-9253-AC8E6730330F}" srcId="{7BFCFFAD-2E02-44B3-A82F-5313A4ADCA37}" destId="{D4710F43-EE97-49CD-8E8C-AD6A07944C3E}" srcOrd="0" destOrd="0" parTransId="{31B0AD12-5C87-40C1-8DD1-697718AB2A63}" sibTransId="{B44699F1-2663-4A5E-BFEA-0BFE11B86727}"/>
+    <dgm:cxn modelId="{3A79AD5C-CCD6-46B0-828A-D69339BC1DDF}" srcId="{D4710F43-EE97-49CD-8E8C-AD6A07944C3E}" destId="{FA0EAB48-6DF8-4149-B3BF-0EE8D8E3C43D}" srcOrd="2" destOrd="0" parTransId="{92384121-8B41-4CD4-8B82-05DAA23C36CE}" sibTransId="{CAA01D1F-F78C-42BA-9DF1-07C30E5D7988}"/>
+    <dgm:cxn modelId="{B9ACEC2F-AF06-485F-A7FC-732F1F57ABCE}" type="presOf" srcId="{ED3407EB-6757-4729-94CC-F68DA639DA1B}" destId="{C3E4C14D-FADB-4B70-9DB0-F6F5070E6653}" srcOrd="0" destOrd="7" presId="urn:microsoft.com/office/officeart/2005/8/layout/bList2"/>
+    <dgm:cxn modelId="{5E26BF21-8D93-4F8A-B5EF-58E96A15BE6B}" srcId="{D4710F43-EE97-49CD-8E8C-AD6A07944C3E}" destId="{B0260DC2-3248-4E69-8DEC-0B15C67E978C}" srcOrd="3" destOrd="0" parTransId="{5E1029D4-D952-40CD-838D-F12F632DABB3}" sibTransId="{98B94568-D94C-40BF-92CF-6F3669B34F5F}"/>
+    <dgm:cxn modelId="{86966444-5C2F-4567-BAA2-17221C43E65B}" srcId="{D4710F43-EE97-49CD-8E8C-AD6A07944C3E}" destId="{A1DCD31B-C27D-4FC8-83CE-B597266481CD}" srcOrd="0" destOrd="0" parTransId="{F32B10CE-1DD1-468D-BA42-ABF87C14FE0C}" sibTransId="{56E70B91-9C2C-458C-BD61-86BBB848404D}"/>
+    <dgm:cxn modelId="{2DE0ECDA-E86C-4A1D-ABDA-BDDABC736FEA}" type="presOf" srcId="{99767438-5EF4-4637-A4A4-4DA3ADE482DB}" destId="{C3E4C14D-FADB-4B70-9DB0-F6F5070E6653}" srcOrd="0" destOrd="3" presId="urn:microsoft.com/office/officeart/2005/8/layout/bList2"/>
+    <dgm:cxn modelId="{FE0F5FE2-8394-4041-AE7F-B4E30ED9EED9}" type="presParOf" srcId="{BB915C14-9571-484B-B635-E4995289D582}" destId="{60EC01F1-ED48-494B-B4BA-D55A8116085B}" srcOrd="0" destOrd="0" presId="urn:microsoft.com/office/officeart/2005/8/layout/bList2"/>
+    <dgm:cxn modelId="{6E322D72-7035-44CE-B219-4CA56260F145}" type="presParOf" srcId="{60EC01F1-ED48-494B-B4BA-D55A8116085B}" destId="{C3E4C14D-FADB-4B70-9DB0-F6F5070E6653}" srcOrd="0" destOrd="0" presId="urn:microsoft.com/office/officeart/2005/8/layout/bList2"/>
+    <dgm:cxn modelId="{15BA1E5C-99F3-40A5-A970-47B8462818D0}" type="presParOf" srcId="{60EC01F1-ED48-494B-B4BA-D55A8116085B}" destId="{2E1CB83D-2E50-48CB-AD0B-522700580504}" srcOrd="1" destOrd="0" presId="urn:microsoft.com/office/officeart/2005/8/layout/bList2"/>
+    <dgm:cxn modelId="{2BC8ED44-6E52-4595-9DD6-C674C40647EF}" type="presParOf" srcId="{60EC01F1-ED48-494B-B4BA-D55A8116085B}" destId="{5E16F7FD-100F-4FE9-BA68-60C2373DD4BA}" srcOrd="2" destOrd="0" presId="urn:microsoft.com/office/officeart/2005/8/layout/bList2"/>
+    <dgm:cxn modelId="{B127D7BA-7318-4ACB-97D5-4255DD7AC102}" type="presParOf" srcId="{60EC01F1-ED48-494B-B4BA-D55A8116085B}" destId="{5DB2626C-8213-4844-BFCC-05754AAA0396}" srcOrd="3" destOrd="0" presId="urn:microsoft.com/office/officeart/2005/8/layout/bList2"/>
+  </dgm:cxnLst>
+  <dgm:bg/>
+  <dgm:whole/>
+  <dgm:extLst>
+    <a:ext uri="http://schemas.microsoft.com/office/drawing/2008/diagram">
+      <dsp:dataModelExt xmlns:dsp="http://schemas.microsoft.com/office/drawing/2008/diagram" xmlns="" relId="rId6" minVer="http://schemas.openxmlformats.org/drawingml/2006/diagram"/>
+    </a:ext>
+  </dgm:extLst>
+</dgm:dataModel>
+</file>
+
+<file path=ppt/diagrams/data5.xml><?xml version="1.0" encoding="utf-8"?>
 <dgm:dataModel xmlns:dgm="http://schemas.openxmlformats.org/drawingml/2006/diagram" xmlns:a="http://schemas.openxmlformats.org/drawingml/2006/main">
   <dgm:ptLst>
     <dgm:pt modelId="{80E16539-3E92-4124-8A1F-4A9E31F8EC2E}" type="doc">
@@ -11796,6 +12993,388 @@
       <dsp:cNvGrpSpPr/>
     </dsp:nvGrpSpPr>
     <dsp:grpSpPr/>
+    <dsp:sp modelId="{C3E4C14D-FADB-4B70-9DB0-F6F5070E6653}">
+      <dsp:nvSpPr>
+        <dsp:cNvPr id="0" name=""/>
+        <dsp:cNvSpPr/>
+      </dsp:nvSpPr>
+      <dsp:spPr>
+        <a:xfrm>
+          <a:off x="2110" y="114400"/>
+          <a:ext cx="4067874" cy="3036582"/>
+        </a:xfrm>
+        <a:prstGeom prst="round2SameRect">
+          <a:avLst>
+            <a:gd name="adj1" fmla="val 8000"/>
+            <a:gd name="adj2" fmla="val 0"/>
+          </a:avLst>
+        </a:prstGeom>
+        <a:solidFill>
+          <a:schemeClr val="lt1">
+            <a:alpha val="90000"/>
+            <a:hueOff val="0"/>
+            <a:satOff val="0"/>
+            <a:lumOff val="0"/>
+            <a:alphaOff val="0"/>
+          </a:schemeClr>
+        </a:solidFill>
+        <a:ln w="6350" cap="rnd" cmpd="sng" algn="ctr">
+          <a:solidFill>
+            <a:schemeClr val="accent1">
+              <a:hueOff val="0"/>
+              <a:satOff val="0"/>
+              <a:lumOff val="0"/>
+              <a:alphaOff val="0"/>
+            </a:schemeClr>
+          </a:solidFill>
+          <a:prstDash val="solid"/>
+        </a:ln>
+        <a:effectLst/>
+      </dsp:spPr>
+      <dsp:style>
+        <a:lnRef idx="1">
+          <a:scrgbClr r="0" g="0" b="0"/>
+        </a:lnRef>
+        <a:fillRef idx="1">
+          <a:scrgbClr r="0" g="0" b="0"/>
+        </a:fillRef>
+        <a:effectRef idx="0">
+          <a:scrgbClr r="0" g="0" b="0"/>
+        </a:effectRef>
+        <a:fontRef idx="minor"/>
+      </dsp:style>
+      <dsp:txBody>
+        <a:bodyPr spcFirstLastPara="0" vert="horz" wrap="square" lIns="22860" tIns="68580" rIns="22860" bIns="22860" numCol="1" spcCol="1270" anchor="t" anchorCtr="0">
+          <a:noAutofit/>
+        </a:bodyPr>
+        <a:lstStyle/>
+        <a:p>
+          <a:pPr marL="171450" lvl="1" indent="-171450" algn="l" defTabSz="800100" rtl="0">
+            <a:lnSpc>
+              <a:spcPct val="90000"/>
+            </a:lnSpc>
+            <a:spcBef>
+              <a:spcPct val="0"/>
+            </a:spcBef>
+            <a:spcAft>
+              <a:spcPct val="15000"/>
+            </a:spcAft>
+            <a:buChar char="••"/>
+          </a:pPr>
+          <a:r>
+            <a:rPr lang="es-AR" sz="1800" kern="1200" dirty="0" smtClean="0"/>
+            <a:t>Análisis y elección del lenguaje de programación</a:t>
+          </a:r>
+          <a:endParaRPr lang="es-AR" sz="1800" kern="1200" dirty="0"/>
+        </a:p>
+        <a:p>
+          <a:pPr marL="171450" lvl="1" indent="-171450" algn="l" defTabSz="800100" rtl="0">
+            <a:lnSpc>
+              <a:spcPct val="90000"/>
+            </a:lnSpc>
+            <a:spcBef>
+              <a:spcPct val="0"/>
+            </a:spcBef>
+            <a:spcAft>
+              <a:spcPct val="15000"/>
+            </a:spcAft>
+            <a:buChar char="••"/>
+          </a:pPr>
+          <a:r>
+            <a:rPr lang="es-AR" sz="1800" kern="1200" dirty="0" smtClean="0"/>
+            <a:t>Creación de múltiples interpretes para los diferentes formatos de archivos:</a:t>
+          </a:r>
+          <a:endParaRPr lang="es-AR" sz="1800" kern="1200" dirty="0"/>
+        </a:p>
+        <a:p>
+          <a:pPr marL="342900" lvl="2" indent="-171450" algn="l" defTabSz="800100" rtl="0">
+            <a:lnSpc>
+              <a:spcPct val="90000"/>
+            </a:lnSpc>
+            <a:spcBef>
+              <a:spcPct val="0"/>
+            </a:spcBef>
+            <a:spcAft>
+              <a:spcPct val="15000"/>
+            </a:spcAft>
+            <a:buChar char="••"/>
+          </a:pPr>
+          <a:r>
+            <a:rPr lang="es-AR" sz="1800" kern="1200" dirty="0" smtClean="0"/>
+            <a:t>.CIR (Descripción de circuitos)</a:t>
+          </a:r>
+          <a:endParaRPr lang="es-AR" sz="1800" kern="1200" dirty="0"/>
+        </a:p>
+        <a:p>
+          <a:pPr marL="342900" lvl="2" indent="-171450" algn="l" defTabSz="800100" rtl="0">
+            <a:lnSpc>
+              <a:spcPct val="90000"/>
+            </a:lnSpc>
+            <a:spcBef>
+              <a:spcPct val="0"/>
+            </a:spcBef>
+            <a:spcAft>
+              <a:spcPct val="15000"/>
+            </a:spcAft>
+            <a:buChar char="••"/>
+          </a:pPr>
+          <a:r>
+            <a:rPr lang="es-AR" sz="1800" kern="1200" dirty="0" smtClean="0"/>
+            <a:t>.CSD (Datos de simulación comunes)</a:t>
+          </a:r>
+          <a:endParaRPr lang="es-AR" sz="1800" kern="1200" dirty="0"/>
+        </a:p>
+        <a:p>
+          <a:pPr marL="342900" lvl="2" indent="-171450" algn="l" defTabSz="800100" rtl="0">
+            <a:lnSpc>
+              <a:spcPct val="90000"/>
+            </a:lnSpc>
+            <a:spcBef>
+              <a:spcPct val="0"/>
+            </a:spcBef>
+            <a:spcAft>
+              <a:spcPct val="15000"/>
+            </a:spcAft>
+            <a:buChar char="••"/>
+          </a:pPr>
+          <a:r>
+            <a:rPr lang="es-AR" sz="1800" kern="1200" dirty="0" smtClean="0"/>
+            <a:t>.CSV (Descripción de tablas)</a:t>
+          </a:r>
+          <a:endParaRPr lang="es-AR" sz="1800" kern="1200" dirty="0"/>
+        </a:p>
+        <a:p>
+          <a:pPr marL="171450" lvl="1" indent="-171450" algn="l" defTabSz="800100" rtl="0">
+            <a:lnSpc>
+              <a:spcPct val="90000"/>
+            </a:lnSpc>
+            <a:spcBef>
+              <a:spcPct val="0"/>
+            </a:spcBef>
+            <a:spcAft>
+              <a:spcPct val="15000"/>
+            </a:spcAft>
+            <a:buChar char="••"/>
+          </a:pPr>
+          <a:r>
+            <a:rPr lang="es-AR" sz="1800" kern="1200" dirty="0" smtClean="0"/>
+            <a:t>Desarrollo de los algoritmos</a:t>
+          </a:r>
+          <a:endParaRPr lang="es-AR" sz="1800" kern="1200" dirty="0"/>
+        </a:p>
+        <a:p>
+          <a:pPr marL="171450" lvl="1" indent="-171450" algn="l" defTabSz="800100" rtl="0">
+            <a:lnSpc>
+              <a:spcPct val="90000"/>
+            </a:lnSpc>
+            <a:spcBef>
+              <a:spcPct val="0"/>
+            </a:spcBef>
+            <a:spcAft>
+              <a:spcPct val="15000"/>
+            </a:spcAft>
+            <a:buChar char="••"/>
+          </a:pPr>
+          <a:r>
+            <a:rPr lang="es-AR" sz="1800" kern="1200" dirty="0" smtClean="0"/>
+            <a:t>Creación de la interfaz gráfica.</a:t>
+          </a:r>
+          <a:endParaRPr lang="es-AR" sz="1800" kern="1200" dirty="0"/>
+        </a:p>
+        <a:p>
+          <a:pPr marL="171450" lvl="1" indent="-171450" algn="l" defTabSz="800100" rtl="0">
+            <a:lnSpc>
+              <a:spcPct val="90000"/>
+            </a:lnSpc>
+            <a:spcBef>
+              <a:spcPct val="0"/>
+            </a:spcBef>
+            <a:spcAft>
+              <a:spcPct val="15000"/>
+            </a:spcAft>
+            <a:buChar char="••"/>
+          </a:pPr>
+          <a:r>
+            <a:rPr lang="es-AR" sz="1800" kern="1200" dirty="0" smtClean="0"/>
+            <a:t>Implementación</a:t>
+          </a:r>
+          <a:endParaRPr lang="es-AR" sz="1800" kern="1200" dirty="0"/>
+        </a:p>
+      </dsp:txBody>
+      <dsp:txXfrm>
+        <a:off x="2110" y="114400"/>
+        <a:ext cx="4067874" cy="3036582"/>
+      </dsp:txXfrm>
+    </dsp:sp>
+    <dsp:sp modelId="{5E16F7FD-100F-4FE9-BA68-60C2373DD4BA}">
+      <dsp:nvSpPr>
+        <dsp:cNvPr id="0" name=""/>
+        <dsp:cNvSpPr/>
+      </dsp:nvSpPr>
+      <dsp:spPr>
+        <a:xfrm>
+          <a:off x="2110" y="3150983"/>
+          <a:ext cx="4067874" cy="1305730"/>
+        </a:xfrm>
+        <a:prstGeom prst="rect">
+          <a:avLst/>
+        </a:prstGeom>
+        <a:gradFill rotWithShape="0">
+          <a:gsLst>
+            <a:gs pos="0">
+              <a:schemeClr val="accent1">
+                <a:hueOff val="0"/>
+                <a:satOff val="0"/>
+                <a:lumOff val="0"/>
+                <a:alphaOff val="0"/>
+                <a:shade val="47500"/>
+                <a:satMod val="137000"/>
+              </a:schemeClr>
+            </a:gs>
+            <a:gs pos="55000">
+              <a:schemeClr val="accent1">
+                <a:hueOff val="0"/>
+                <a:satOff val="0"/>
+                <a:lumOff val="0"/>
+                <a:alphaOff val="0"/>
+                <a:shade val="69000"/>
+                <a:satMod val="137000"/>
+              </a:schemeClr>
+            </a:gs>
+            <a:gs pos="100000">
+              <a:schemeClr val="accent1">
+                <a:hueOff val="0"/>
+                <a:satOff val="0"/>
+                <a:lumOff val="0"/>
+                <a:alphaOff val="0"/>
+                <a:shade val="98000"/>
+                <a:satMod val="137000"/>
+              </a:schemeClr>
+            </a:gs>
+          </a:gsLst>
+          <a:lin ang="16200000" scaled="0"/>
+        </a:gradFill>
+        <a:ln w="6350" cap="rnd" cmpd="sng" algn="ctr">
+          <a:solidFill>
+            <a:schemeClr val="accent1">
+              <a:hueOff val="0"/>
+              <a:satOff val="0"/>
+              <a:lumOff val="0"/>
+              <a:alphaOff val="0"/>
+            </a:schemeClr>
+          </a:solidFill>
+          <a:prstDash val="solid"/>
+        </a:ln>
+        <a:effectLst>
+          <a:outerShdw blurRad="39000" dist="25400" dir="5400000" rotWithShape="0">
+            <a:srgbClr val="000000">
+              <a:alpha val="38000"/>
+            </a:srgbClr>
+          </a:outerShdw>
+        </a:effectLst>
+      </dsp:spPr>
+      <dsp:style>
+        <a:lnRef idx="1">
+          <a:scrgbClr r="0" g="0" b="0"/>
+        </a:lnRef>
+        <a:fillRef idx="3">
+          <a:scrgbClr r="0" g="0" b="0"/>
+        </a:fillRef>
+        <a:effectRef idx="2">
+          <a:scrgbClr r="0" g="0" b="0"/>
+        </a:effectRef>
+        <a:fontRef idx="minor">
+          <a:schemeClr val="lt1"/>
+        </a:fontRef>
+      </dsp:style>
+      <dsp:txBody>
+        <a:bodyPr spcFirstLastPara="0" vert="horz" wrap="square" lIns="137160" tIns="0" rIns="45720" bIns="0" numCol="1" spcCol="1270" anchor="ctr" anchorCtr="0">
+          <a:noAutofit/>
+        </a:bodyPr>
+        <a:lstStyle/>
+        <a:p>
+          <a:pPr lvl="0" algn="l" defTabSz="1600200" rtl="0">
+            <a:lnSpc>
+              <a:spcPct val="90000"/>
+            </a:lnSpc>
+            <a:spcBef>
+              <a:spcPct val="0"/>
+            </a:spcBef>
+            <a:spcAft>
+              <a:spcPct val="35000"/>
+            </a:spcAft>
+          </a:pPr>
+          <a:r>
+            <a:rPr lang="es-AR" sz="3600" kern="1200" dirty="0" smtClean="0"/>
+            <a:t>Codificación</a:t>
+          </a:r>
+          <a:endParaRPr lang="es-AR" sz="3600" kern="1200" dirty="0"/>
+        </a:p>
+      </dsp:txBody>
+      <dsp:txXfrm>
+        <a:off x="2110" y="3150983"/>
+        <a:ext cx="2864700" cy="1305730"/>
+      </dsp:txXfrm>
+    </dsp:sp>
+    <dsp:sp modelId="{5DB2626C-8213-4844-BFCC-05754AAA0396}">
+      <dsp:nvSpPr>
+        <dsp:cNvPr id="0" name=""/>
+        <dsp:cNvSpPr/>
+      </dsp:nvSpPr>
+      <dsp:spPr>
+        <a:xfrm>
+          <a:off x="2637107" y="3358386"/>
+          <a:ext cx="2113309" cy="1423756"/>
+        </a:xfrm>
+        <a:prstGeom prst="roundRect">
+          <a:avLst/>
+        </a:prstGeom>
+        <a:blipFill rotWithShape="0">
+          <a:blip xmlns:r="http://schemas.openxmlformats.org/officeDocument/2006/relationships" r:embed="rId1"/>
+          <a:stretch>
+            <a:fillRect/>
+          </a:stretch>
+        </a:blipFill>
+        <a:ln w="6350" cap="rnd" cmpd="sng" algn="ctr">
+          <a:solidFill>
+            <a:schemeClr val="accent1">
+              <a:alpha val="90000"/>
+              <a:tint val="40000"/>
+              <a:hueOff val="0"/>
+              <a:satOff val="0"/>
+              <a:lumOff val="0"/>
+              <a:alphaOff val="0"/>
+            </a:schemeClr>
+          </a:solidFill>
+          <a:prstDash val="solid"/>
+        </a:ln>
+        <a:effectLst/>
+      </dsp:spPr>
+      <dsp:style>
+        <a:lnRef idx="1">
+          <a:scrgbClr r="0" g="0" b="0"/>
+        </a:lnRef>
+        <a:fillRef idx="1">
+          <a:scrgbClr r="0" g="0" b="0"/>
+        </a:fillRef>
+        <a:effectRef idx="0">
+          <a:scrgbClr r="0" g="0" b="0"/>
+        </a:effectRef>
+        <a:fontRef idx="minor"/>
+      </dsp:style>
+    </dsp:sp>
+  </dsp:spTree>
+</dsp:drawing>
+</file>
+
+<file path=ppt/diagrams/drawing5.xml><?xml version="1.0" encoding="utf-8"?>
+<dsp:drawing xmlns:dgm="http://schemas.openxmlformats.org/drawingml/2006/diagram" xmlns:a="http://schemas.openxmlformats.org/drawingml/2006/main" xmlns:dsp="http://schemas.microsoft.com/office/drawing/2008/diagram">
+  <dsp:spTree>
+    <dsp:nvGrpSpPr>
+      <dsp:cNvPr id="0" name=""/>
+      <dsp:cNvGrpSpPr/>
+    </dsp:nvGrpSpPr>
+    <dsp:grpSpPr/>
     <dsp:sp modelId="{AEA74C94-F3D4-4CBD-A566-243D44B3FF8B}">
       <dsp:nvSpPr>
         <dsp:cNvPr id="0" name=""/>
@@ -13066,6 +14645,254 @@
 </file>
 
 <file path=ppt/diagrams/layout4.xml><?xml version="1.0" encoding="utf-8"?>
+<dgm:layoutDef xmlns:dgm="http://schemas.openxmlformats.org/drawingml/2006/diagram" xmlns:a="http://schemas.openxmlformats.org/drawingml/2006/main" uniqueId="urn:microsoft.com/office/officeart/2005/8/layout/bList2">
+  <dgm:title val=""/>
+  <dgm:desc val=""/>
+  <dgm:catLst>
+    <dgm:cat type="list" pri="7000"/>
+    <dgm:cat type="convert" pri="16000"/>
+  </dgm:catLst>
+  <dgm:sampData useDef="1">
+    <dgm:dataModel>
+      <dgm:ptLst/>
+      <dgm:bg/>
+      <dgm:whole/>
+    </dgm:dataModel>
+  </dgm:sampData>
+  <dgm:styleData>
+    <dgm:dataModel>
+      <dgm:ptLst>
+        <dgm:pt modelId="0" type="doc"/>
+        <dgm:pt modelId="1"/>
+        <dgm:pt modelId="11"/>
+        <dgm:pt modelId="2"/>
+        <dgm:pt modelId="21"/>
+      </dgm:ptLst>
+      <dgm:cxnLst>
+        <dgm:cxn modelId="4" srcId="0" destId="1" srcOrd="0" destOrd="0"/>
+        <dgm:cxn modelId="5" srcId="0" destId="2" srcOrd="1" destOrd="0"/>
+        <dgm:cxn modelId="13" srcId="1" destId="11" srcOrd="0" destOrd="0"/>
+        <dgm:cxn modelId="23" srcId="2" destId="21" srcOrd="0" destOrd="0"/>
+      </dgm:cxnLst>
+      <dgm:bg/>
+      <dgm:whole/>
+    </dgm:dataModel>
+  </dgm:styleData>
+  <dgm:clrData>
+    <dgm:dataModel>
+      <dgm:ptLst>
+        <dgm:pt modelId="0" type="doc"/>
+        <dgm:pt modelId="1"/>
+        <dgm:pt modelId="11"/>
+        <dgm:pt modelId="2"/>
+        <dgm:pt modelId="21"/>
+        <dgm:pt modelId="3"/>
+        <dgm:pt modelId="31"/>
+        <dgm:pt modelId="4"/>
+        <dgm:pt modelId="41"/>
+      </dgm:ptLst>
+      <dgm:cxnLst>
+        <dgm:cxn modelId="5" srcId="0" destId="1" srcOrd="0" destOrd="0"/>
+        <dgm:cxn modelId="6" srcId="0" destId="2" srcOrd="1" destOrd="0"/>
+        <dgm:cxn modelId="7" srcId="0" destId="3" srcOrd="2" destOrd="0"/>
+        <dgm:cxn modelId="8" srcId="0" destId="4" srcOrd="3" destOrd="0"/>
+        <dgm:cxn modelId="13" srcId="1" destId="11" srcOrd="0" destOrd="0"/>
+        <dgm:cxn modelId="23" srcId="2" destId="21" srcOrd="0" destOrd="0"/>
+        <dgm:cxn modelId="33" srcId="3" destId="31" srcOrd="0" destOrd="0"/>
+        <dgm:cxn modelId="43" srcId="4" destId="41" srcOrd="0" destOrd="0"/>
+      </dgm:cxnLst>
+      <dgm:bg/>
+      <dgm:whole/>
+    </dgm:dataModel>
+  </dgm:clrData>
+  <dgm:layoutNode name="diagram">
+    <dgm:varLst>
+      <dgm:dir/>
+      <dgm:animLvl val="lvl"/>
+      <dgm:resizeHandles val="exact"/>
+    </dgm:varLst>
+    <dgm:choose name="Name0">
+      <dgm:if name="Name1" axis="self" func="var" arg="dir" op="equ" val="norm">
+        <dgm:alg type="snake">
+          <dgm:param type="grDir" val="tL"/>
+          <dgm:param type="flowDir" val="row"/>
+          <dgm:param type="contDir" val="sameDir"/>
+          <dgm:param type="off" val="ctr"/>
+        </dgm:alg>
+      </dgm:if>
+      <dgm:else name="Name2">
+        <dgm:alg type="snake">
+          <dgm:param type="grDir" val="tR"/>
+          <dgm:param type="flowDir" val="row"/>
+          <dgm:param type="contDir" val="sameDir"/>
+          <dgm:param type="off" val="ctr"/>
+        </dgm:alg>
+      </dgm:else>
+    </dgm:choose>
+    <dgm:shape xmlns:r="http://schemas.openxmlformats.org/officeDocument/2006/relationships" r:blip="">
+      <dgm:adjLst/>
+    </dgm:shape>
+    <dgm:presOf/>
+    <dgm:constrLst>
+      <dgm:constr type="w" for="ch" forName="compNode" refType="w"/>
+      <dgm:constr type="w" for="ch" ptType="sibTrans" refType="w" refFor="ch" refForName="compNode" op="equ" fact="0.08"/>
+      <dgm:constr type="sp" refType="w" refFor="ch" refForName="compNode" op="equ" fact="0.16"/>
+      <dgm:constr type="primFontSz" for="des" forName="parentText" op="equ" val="65"/>
+      <dgm:constr type="primFontSz" for="des" forName="childRect" op="equ" val="65"/>
+    </dgm:constrLst>
+    <dgm:ruleLst/>
+    <dgm:forEach name="nodesForEach" axis="ch" ptType="node">
+      <dgm:layoutNode name="compNode">
+        <dgm:alg type="composite">
+          <dgm:param type="ar" val="0.943"/>
+        </dgm:alg>
+        <dgm:shape xmlns:r="http://schemas.openxmlformats.org/officeDocument/2006/relationships" r:blip="">
+          <dgm:adjLst/>
+        </dgm:shape>
+        <dgm:presOf/>
+        <dgm:choose name="Name3">
+          <dgm:if name="Name4" axis="self" func="var" arg="dir" op="equ" val="norm">
+            <dgm:constrLst>
+              <dgm:constr type="w" val="1"/>
+              <dgm:constr type="h" refType="w" fact="1.06"/>
+              <dgm:constr type="h" for="ch" forName="childRect" refType="h" fact="0.65"/>
+              <dgm:constr type="w" for="ch" forName="childRect" refType="w" fact="0.923"/>
+              <dgm:constr type="l" for="ch" forName="childRect"/>
+              <dgm:constr type="t" for="ch" forName="childRect"/>
+              <dgm:constr type="w" for="ch" forName="parentText" refType="w" fact="0.65"/>
+              <dgm:constr type="h" for="ch" forName="parentText" refType="h" refFor="ch" refForName="childRect" fact="0.43"/>
+              <dgm:constr type="l" for="ch" forName="parentText"/>
+              <dgm:constr type="t" for="ch" forName="parentText" refType="h" refFor="ch" refForName="childRect"/>
+              <dgm:constr type="w" for="ch" forName="parentRect" refType="w" fact="0.923"/>
+              <dgm:constr type="h" for="ch" forName="parentRect" refType="h" refFor="ch" refForName="parentText"/>
+              <dgm:constr type="l" for="ch" forName="parentRect"/>
+              <dgm:constr type="t" for="ch" forName="parentRect" refType="t" refFor="ch" refForName="parentText"/>
+              <dgm:constr type="w" for="ch" forName="adorn" refType="w" refFor="ch" refForName="parentRect" fact="0.35"/>
+              <dgm:constr type="h" for="ch" forName="adorn" refType="w" refFor="ch" refForName="parentRect" fact="0.35"/>
+              <dgm:constr type="b" for="ch" forName="adorn" refType="h"/>
+              <dgm:constr type="r" for="ch" forName="adorn" refType="w"/>
+            </dgm:constrLst>
+          </dgm:if>
+          <dgm:else name="Name5">
+            <dgm:constrLst>
+              <dgm:constr type="w" val="1"/>
+              <dgm:constr type="h" refType="w" fact="1.06"/>
+              <dgm:constr type="h" for="ch" forName="childRect" refType="h" fact="0.65"/>
+              <dgm:constr type="w" for="ch" forName="childRect" refType="w" fact="0.923"/>
+              <dgm:constr type="r" for="ch" forName="childRect" refType="w"/>
+              <dgm:constr type="t" for="ch" forName="childRect"/>
+              <dgm:constr type="w" for="ch" forName="parentText" refType="w" fact="0.65"/>
+              <dgm:constr type="h" for="ch" forName="parentText" refType="h" refFor="ch" refForName="childRect" fact="0.43"/>
+              <dgm:constr type="r" for="ch" forName="parentText" refType="w"/>
+              <dgm:constr type="t" for="ch" forName="parentText" refType="h" refFor="ch" refForName="childRect"/>
+              <dgm:constr type="w" for="ch" forName="parentRect" refType="w" fact="0.923"/>
+              <dgm:constr type="h" for="ch" forName="parentRect" refType="h" refFor="ch" refForName="parentText"/>
+              <dgm:constr type="r" for="ch" forName="parentRect" refType="w"/>
+              <dgm:constr type="t" for="ch" forName="parentRect" refType="t" refFor="ch" refForName="parentText"/>
+              <dgm:constr type="w" for="ch" forName="adorn" refType="w" refFor="ch" refForName="parentRect" fact="0.35"/>
+              <dgm:constr type="h" for="ch" forName="adorn" refType="w" refFor="ch" refForName="parentRect" fact="0.35"/>
+              <dgm:constr type="b" for="ch" forName="adorn" refType="h"/>
+              <dgm:constr type="l" for="ch" forName="adorn"/>
+            </dgm:constrLst>
+          </dgm:else>
+        </dgm:choose>
+        <dgm:ruleLst/>
+        <dgm:layoutNode name="childRect" styleLbl="bgAcc1">
+          <dgm:varLst>
+            <dgm:bulletEnabled val="1"/>
+          </dgm:varLst>
+          <dgm:alg type="tx">
+            <dgm:param type="stBulletLvl" val="1"/>
+          </dgm:alg>
+          <dgm:shape xmlns:r="http://schemas.openxmlformats.org/officeDocument/2006/relationships" type="round2SameRect" r:blip="">
+            <dgm:adjLst>
+              <dgm:adj idx="1" val="0.08"/>
+            </dgm:adjLst>
+          </dgm:shape>
+          <dgm:presOf axis="des" ptType="node"/>
+          <dgm:constrLst>
+            <dgm:constr type="secFontSz" refType="primFontSz"/>
+            <dgm:constr type="tMarg" refType="primFontSz" fact="0.3"/>
+            <dgm:constr type="bMarg" refType="primFontSz" fact="0.1"/>
+            <dgm:constr type="lMarg" refType="primFontSz" fact="0.1"/>
+            <dgm:constr type="rMarg" refType="primFontSz" fact="0.1"/>
+          </dgm:constrLst>
+          <dgm:ruleLst>
+            <dgm:rule type="primFontSz" val="5" fact="NaN" max="NaN"/>
+          </dgm:ruleLst>
+        </dgm:layoutNode>
+        <dgm:layoutNode name="parentText">
+          <dgm:varLst>
+            <dgm:chMax val="0"/>
+            <dgm:bulletEnabled val="1"/>
+          </dgm:varLst>
+          <dgm:choose name="Name6">
+            <dgm:if name="Name7" func="var" arg="dir" op="equ" val="norm">
+              <dgm:alg type="tx">
+                <dgm:param type="parTxLTRAlign" val="l"/>
+                <dgm:param type="parTxRTLAlign" val="l"/>
+              </dgm:alg>
+            </dgm:if>
+            <dgm:else name="Name8">
+              <dgm:alg type="tx">
+                <dgm:param type="parTxLTRAlign" val="r"/>
+                <dgm:param type="parTxRTLAlign" val="r"/>
+              </dgm:alg>
+            </dgm:else>
+          </dgm:choose>
+          <dgm:shape xmlns:r="http://schemas.openxmlformats.org/officeDocument/2006/relationships" type="rect" r:blip="" zOrderOff="1" hideGeom="1">
+            <dgm:adjLst/>
+          </dgm:shape>
+          <dgm:presOf axis="self" ptType="node"/>
+          <dgm:constrLst>
+            <dgm:constr type="tMarg"/>
+            <dgm:constr type="bMarg"/>
+            <dgm:constr type="lMarg" refType="primFontSz" fact="0.3"/>
+            <dgm:constr type="rMarg" refType="primFontSz" fact="0.1"/>
+          </dgm:constrLst>
+          <dgm:ruleLst>
+            <dgm:rule type="primFontSz" val="5" fact="NaN" max="NaN"/>
+          </dgm:ruleLst>
+        </dgm:layoutNode>
+        <dgm:layoutNode name="parentRect" styleLbl="alignNode1">
+          <dgm:alg type="sp"/>
+          <dgm:shape xmlns:r="http://schemas.openxmlformats.org/officeDocument/2006/relationships" type="rect" r:blip="">
+            <dgm:adjLst/>
+          </dgm:shape>
+          <dgm:presOf axis="self" ptType="node"/>
+          <dgm:constrLst/>
+          <dgm:ruleLst/>
+        </dgm:layoutNode>
+        <dgm:layoutNode name="adorn" styleLbl="fgAccFollowNode1">
+          <dgm:alg type="sp"/>
+          <dgm:shape xmlns:r="http://schemas.openxmlformats.org/officeDocument/2006/relationships" type="ellipse" r:blip="" blipPhldr="1">
+            <dgm:adjLst/>
+          </dgm:shape>
+          <dgm:presOf/>
+          <dgm:constrLst/>
+          <dgm:ruleLst/>
+        </dgm:layoutNode>
+      </dgm:layoutNode>
+      <dgm:forEach name="sibTransForEach" axis="followSib" ptType="sibTrans" cnt="1">
+        <dgm:layoutNode name="sibTrans">
+          <dgm:alg type="sp"/>
+          <dgm:shape xmlns:r="http://schemas.openxmlformats.org/officeDocument/2006/relationships" type="rect" r:blip="" hideGeom="1">
+            <dgm:adjLst/>
+          </dgm:shape>
+          <dgm:presOf axis="self"/>
+          <dgm:constrLst>
+            <dgm:constr type="w" val="1"/>
+            <dgm:constr type="h" refType="w"/>
+          </dgm:constrLst>
+          <dgm:ruleLst/>
+        </dgm:layoutNode>
+      </dgm:forEach>
+    </dgm:forEach>
+  </dgm:layoutNode>
+</dgm:layoutDef>
+</file>
+
+<file path=ppt/diagrams/layout5.xml><?xml version="1.0" encoding="utf-8"?>
 <dgm:layoutDef xmlns:dgm="http://schemas.openxmlformats.org/drawingml/2006/diagram" xmlns:a="http://schemas.openxmlformats.org/drawingml/2006/main" uniqueId="urn:microsoft.com/office/officeart/2005/8/layout/hierarchy3">
   <dgm:title val=""/>
   <dgm:desc val=""/>
@@ -16460,6 +18287,1040 @@
 </file>
 
 <file path=ppt/diagrams/quickStyle4.xml><?xml version="1.0" encoding="utf-8"?>
+<dgm:styleDef xmlns:dgm="http://schemas.openxmlformats.org/drawingml/2006/diagram" xmlns:a="http://schemas.openxmlformats.org/drawingml/2006/main" uniqueId="urn:microsoft.com/office/officeart/2005/8/quickstyle/simple4">
+  <dgm:title val=""/>
+  <dgm:desc val=""/>
+  <dgm:catLst>
+    <dgm:cat type="simple" pri="10400"/>
+  </dgm:catLst>
+  <dgm:scene3d>
+    <a:camera prst="orthographicFront"/>
+    <a:lightRig rig="threePt" dir="t"/>
+  </dgm:scene3d>
+  <dgm:styleLbl name="node0">
+    <dgm:scene3d>
+      <a:camera prst="orthographicFront"/>
+      <a:lightRig rig="threePt" dir="t"/>
+    </dgm:scene3d>
+    <dgm:sp3d/>
+    <dgm:txPr/>
+    <dgm:style>
+      <a:lnRef idx="0">
+        <a:scrgbClr r="0" g="0" b="0"/>
+      </a:lnRef>
+      <a:fillRef idx="3">
+        <a:scrgbClr r="0" g="0" b="0"/>
+      </a:fillRef>
+      <a:effectRef idx="2">
+        <a:scrgbClr r="0" g="0" b="0"/>
+      </a:effectRef>
+      <a:fontRef idx="minor">
+        <a:schemeClr val="lt1"/>
+      </a:fontRef>
+    </dgm:style>
+  </dgm:styleLbl>
+  <dgm:styleLbl name="lnNode1">
+    <dgm:scene3d>
+      <a:camera prst="orthographicFront"/>
+      <a:lightRig rig="threePt" dir="t"/>
+    </dgm:scene3d>
+    <dgm:sp3d/>
+    <dgm:txPr/>
+    <dgm:style>
+      <a:lnRef idx="1">
+        <a:scrgbClr r="0" g="0" b="0"/>
+      </a:lnRef>
+      <a:fillRef idx="3">
+        <a:scrgbClr r="0" g="0" b="0"/>
+      </a:fillRef>
+      <a:effectRef idx="2">
+        <a:scrgbClr r="0" g="0" b="0"/>
+      </a:effectRef>
+      <a:fontRef idx="minor">
+        <a:schemeClr val="lt1"/>
+      </a:fontRef>
+    </dgm:style>
+  </dgm:styleLbl>
+  <dgm:styleLbl name="vennNode1">
+    <dgm:scene3d>
+      <a:camera prst="orthographicFront"/>
+      <a:lightRig rig="threePt" dir="t"/>
+    </dgm:scene3d>
+    <dgm:sp3d/>
+    <dgm:txPr/>
+    <dgm:style>
+      <a:lnRef idx="0">
+        <a:scrgbClr r="0" g="0" b="0"/>
+      </a:lnRef>
+      <a:fillRef idx="3">
+        <a:scrgbClr r="0" g="0" b="0"/>
+      </a:fillRef>
+      <a:effectRef idx="0">
+        <a:scrgbClr r="0" g="0" b="0"/>
+      </a:effectRef>
+      <a:fontRef idx="minor">
+        <a:schemeClr val="tx1"/>
+      </a:fontRef>
+    </dgm:style>
+  </dgm:styleLbl>
+  <dgm:styleLbl name="alignNode1">
+    <dgm:scene3d>
+      <a:camera prst="orthographicFront"/>
+      <a:lightRig rig="threePt" dir="t"/>
+    </dgm:scene3d>
+    <dgm:sp3d/>
+    <dgm:txPr/>
+    <dgm:style>
+      <a:lnRef idx="1">
+        <a:scrgbClr r="0" g="0" b="0"/>
+      </a:lnRef>
+      <a:fillRef idx="3">
+        <a:scrgbClr r="0" g="0" b="0"/>
+      </a:fillRef>
+      <a:effectRef idx="2">
+        <a:scrgbClr r="0" g="0" b="0"/>
+      </a:effectRef>
+      <a:fontRef idx="minor">
+        <a:schemeClr val="lt1"/>
+      </a:fontRef>
+    </dgm:style>
+  </dgm:styleLbl>
+  <dgm:styleLbl name="node1">
+    <dgm:scene3d>
+      <a:camera prst="orthographicFront"/>
+      <a:lightRig rig="threePt" dir="t"/>
+    </dgm:scene3d>
+    <dgm:sp3d/>
+    <dgm:txPr/>
+    <dgm:style>
+      <a:lnRef idx="0">
+        <a:scrgbClr r="0" g="0" b="0"/>
+      </a:lnRef>
+      <a:fillRef idx="3">
+        <a:scrgbClr r="0" g="0" b="0"/>
+      </a:fillRef>
+      <a:effectRef idx="2">
+        <a:scrgbClr r="0" g="0" b="0"/>
+      </a:effectRef>
+      <a:fontRef idx="minor">
+        <a:schemeClr val="lt1"/>
+      </a:fontRef>
+    </dgm:style>
+  </dgm:styleLbl>
+  <dgm:styleLbl name="node2">
+    <dgm:scene3d>
+      <a:camera prst="orthographicFront"/>
+      <a:lightRig rig="threePt" dir="t"/>
+    </dgm:scene3d>
+    <dgm:sp3d/>
+    <dgm:txPr/>
+    <dgm:style>
+      <a:lnRef idx="0">
+        <a:scrgbClr r="0" g="0" b="0"/>
+      </a:lnRef>
+      <a:fillRef idx="3">
+        <a:scrgbClr r="0" g="0" b="0"/>
+      </a:fillRef>
+      <a:effectRef idx="2">
+        <a:scrgbClr r="0" g="0" b="0"/>
+      </a:effectRef>
+      <a:fontRef idx="minor">
+        <a:schemeClr val="lt1"/>
+      </a:fontRef>
+    </dgm:style>
+  </dgm:styleLbl>
+  <dgm:styleLbl name="node3">
+    <dgm:scene3d>
+      <a:camera prst="orthographicFront"/>
+      <a:lightRig rig="threePt" dir="t"/>
+    </dgm:scene3d>
+    <dgm:sp3d/>
+    <dgm:txPr/>
+    <dgm:style>
+      <a:lnRef idx="0">
+        <a:scrgbClr r="0" g="0" b="0"/>
+      </a:lnRef>
+      <a:fillRef idx="3">
+        <a:scrgbClr r="0" g="0" b="0"/>
+      </a:fillRef>
+      <a:effectRef idx="2">
+        <a:scrgbClr r="0" g="0" b="0"/>
+      </a:effectRef>
+      <a:fontRef idx="minor">
+        <a:schemeClr val="lt1"/>
+      </a:fontRef>
+    </dgm:style>
+  </dgm:styleLbl>
+  <dgm:styleLbl name="node4">
+    <dgm:scene3d>
+      <a:camera prst="orthographicFront"/>
+      <a:lightRig rig="threePt" dir="t"/>
+    </dgm:scene3d>
+    <dgm:sp3d/>
+    <dgm:txPr/>
+    <dgm:style>
+      <a:lnRef idx="0">
+        <a:scrgbClr r="0" g="0" b="0"/>
+      </a:lnRef>
+      <a:fillRef idx="3">
+        <a:scrgbClr r="0" g="0" b="0"/>
+      </a:fillRef>
+      <a:effectRef idx="2">
+        <a:scrgbClr r="0" g="0" b="0"/>
+      </a:effectRef>
+      <a:fontRef idx="minor">
+        <a:schemeClr val="lt1"/>
+      </a:fontRef>
+    </dgm:style>
+  </dgm:styleLbl>
+  <dgm:styleLbl name="fgImgPlace1">
+    <dgm:scene3d>
+      <a:camera prst="orthographicFront"/>
+      <a:lightRig rig="threePt" dir="t"/>
+    </dgm:scene3d>
+    <dgm:sp3d/>
+    <dgm:txPr/>
+    <dgm:style>
+      <a:lnRef idx="0">
+        <a:scrgbClr r="0" g="0" b="0"/>
+      </a:lnRef>
+      <a:fillRef idx="1">
+        <a:scrgbClr r="0" g="0" b="0"/>
+      </a:fillRef>
+      <a:effectRef idx="2">
+        <a:scrgbClr r="0" g="0" b="0"/>
+      </a:effectRef>
+      <a:fontRef idx="minor"/>
+    </dgm:style>
+  </dgm:styleLbl>
+  <dgm:styleLbl name="alignImgPlace1">
+    <dgm:scene3d>
+      <a:camera prst="orthographicFront"/>
+      <a:lightRig rig="threePt" dir="t"/>
+    </dgm:scene3d>
+    <dgm:sp3d/>
+    <dgm:txPr/>
+    <dgm:style>
+      <a:lnRef idx="0">
+        <a:scrgbClr r="0" g="0" b="0"/>
+      </a:lnRef>
+      <a:fillRef idx="1">
+        <a:scrgbClr r="0" g="0" b="0"/>
+      </a:fillRef>
+      <a:effectRef idx="2">
+        <a:scrgbClr r="0" g="0" b="0"/>
+      </a:effectRef>
+      <a:fontRef idx="minor"/>
+    </dgm:style>
+  </dgm:styleLbl>
+  <dgm:styleLbl name="bgImgPlace1">
+    <dgm:scene3d>
+      <a:camera prst="orthographicFront"/>
+      <a:lightRig rig="threePt" dir="t"/>
+    </dgm:scene3d>
+    <dgm:sp3d/>
+    <dgm:txPr/>
+    <dgm:style>
+      <a:lnRef idx="0">
+        <a:scrgbClr r="0" g="0" b="0"/>
+      </a:lnRef>
+      <a:fillRef idx="1">
+        <a:scrgbClr r="0" g="0" b="0"/>
+      </a:fillRef>
+      <a:effectRef idx="2">
+        <a:scrgbClr r="0" g="0" b="0"/>
+      </a:effectRef>
+      <a:fontRef idx="minor"/>
+    </dgm:style>
+  </dgm:styleLbl>
+  <dgm:styleLbl name="sibTrans2D1">
+    <dgm:scene3d>
+      <a:camera prst="orthographicFront"/>
+      <a:lightRig rig="threePt" dir="t"/>
+    </dgm:scene3d>
+    <dgm:sp3d/>
+    <dgm:txPr/>
+    <dgm:style>
+      <a:lnRef idx="0">
+        <a:scrgbClr r="0" g="0" b="0"/>
+      </a:lnRef>
+      <a:fillRef idx="3">
+        <a:scrgbClr r="0" g="0" b="0"/>
+      </a:fillRef>
+      <a:effectRef idx="2">
+        <a:scrgbClr r="0" g="0" b="0"/>
+      </a:effectRef>
+      <a:fontRef idx="minor">
+        <a:schemeClr val="lt1"/>
+      </a:fontRef>
+    </dgm:style>
+  </dgm:styleLbl>
+  <dgm:styleLbl name="fgSibTrans2D1">
+    <dgm:scene3d>
+      <a:camera prst="orthographicFront"/>
+      <a:lightRig rig="threePt" dir="t"/>
+    </dgm:scene3d>
+    <dgm:sp3d/>
+    <dgm:txPr/>
+    <dgm:style>
+      <a:lnRef idx="0">
+        <a:scrgbClr r="0" g="0" b="0"/>
+      </a:lnRef>
+      <a:fillRef idx="3">
+        <a:scrgbClr r="0" g="0" b="0"/>
+      </a:fillRef>
+      <a:effectRef idx="2">
+        <a:scrgbClr r="0" g="0" b="0"/>
+      </a:effectRef>
+      <a:fontRef idx="minor">
+        <a:schemeClr val="lt1"/>
+      </a:fontRef>
+    </dgm:style>
+  </dgm:styleLbl>
+  <dgm:styleLbl name="bgSibTrans2D1">
+    <dgm:scene3d>
+      <a:camera prst="orthographicFront"/>
+      <a:lightRig rig="threePt" dir="t"/>
+    </dgm:scene3d>
+    <dgm:sp3d/>
+    <dgm:txPr/>
+    <dgm:style>
+      <a:lnRef idx="0">
+        <a:scrgbClr r="0" g="0" b="0"/>
+      </a:lnRef>
+      <a:fillRef idx="3">
+        <a:scrgbClr r="0" g="0" b="0"/>
+      </a:fillRef>
+      <a:effectRef idx="2">
+        <a:scrgbClr r="0" g="0" b="0"/>
+      </a:effectRef>
+      <a:fontRef idx="minor">
+        <a:schemeClr val="lt1"/>
+      </a:fontRef>
+    </dgm:style>
+  </dgm:styleLbl>
+  <dgm:styleLbl name="sibTrans1D1">
+    <dgm:scene3d>
+      <a:camera prst="orthographicFront"/>
+      <a:lightRig rig="threePt" dir="t"/>
+    </dgm:scene3d>
+    <dgm:sp3d/>
+    <dgm:txPr/>
+    <dgm:style>
+      <a:lnRef idx="1">
+        <a:scrgbClr r="0" g="0" b="0"/>
+      </a:lnRef>
+      <a:fillRef idx="0">
+        <a:scrgbClr r="0" g="0" b="0"/>
+      </a:fillRef>
+      <a:effectRef idx="0">
+        <a:scrgbClr r="0" g="0" b="0"/>
+      </a:effectRef>
+      <a:fontRef idx="minor"/>
+    </dgm:style>
+  </dgm:styleLbl>
+  <dgm:styleLbl name="callout">
+    <dgm:scene3d>
+      <a:camera prst="orthographicFront"/>
+      <a:lightRig rig="threePt" dir="t"/>
+    </dgm:scene3d>
+    <dgm:sp3d/>
+    <dgm:txPr/>
+    <dgm:style>
+      <a:lnRef idx="2">
+        <a:scrgbClr r="0" g="0" b="0"/>
+      </a:lnRef>
+      <a:fillRef idx="1">
+        <a:scrgbClr r="0" g="0" b="0"/>
+      </a:fillRef>
+      <a:effectRef idx="1">
+        <a:scrgbClr r="0" g="0" b="0"/>
+      </a:effectRef>
+      <a:fontRef idx="minor"/>
+    </dgm:style>
+  </dgm:styleLbl>
+  <dgm:styleLbl name="asst0">
+    <dgm:scene3d>
+      <a:camera prst="orthographicFront"/>
+      <a:lightRig rig="threePt" dir="t"/>
+    </dgm:scene3d>
+    <dgm:sp3d/>
+    <dgm:txPr/>
+    <dgm:style>
+      <a:lnRef idx="0">
+        <a:scrgbClr r="0" g="0" b="0"/>
+      </a:lnRef>
+      <a:fillRef idx="3">
+        <a:scrgbClr r="0" g="0" b="0"/>
+      </a:fillRef>
+      <a:effectRef idx="2">
+        <a:scrgbClr r="0" g="0" b="0"/>
+      </a:effectRef>
+      <a:fontRef idx="minor">
+        <a:schemeClr val="lt1"/>
+      </a:fontRef>
+    </dgm:style>
+  </dgm:styleLbl>
+  <dgm:styleLbl name="asst1">
+    <dgm:scene3d>
+      <a:camera prst="orthographicFront"/>
+      <a:lightRig rig="threePt" dir="t"/>
+    </dgm:scene3d>
+    <dgm:sp3d/>
+    <dgm:txPr/>
+    <dgm:style>
+      <a:lnRef idx="0">
+        <a:scrgbClr r="0" g="0" b="0"/>
+      </a:lnRef>
+      <a:fillRef idx="3">
+        <a:scrgbClr r="0" g="0" b="0"/>
+      </a:fillRef>
+      <a:effectRef idx="2">
+        <a:scrgbClr r="0" g="0" b="0"/>
+      </a:effectRef>
+      <a:fontRef idx="minor">
+        <a:schemeClr val="lt1"/>
+      </a:fontRef>
+    </dgm:style>
+  </dgm:styleLbl>
+  <dgm:styleLbl name="asst2">
+    <dgm:scene3d>
+      <a:camera prst="orthographicFront"/>
+      <a:lightRig rig="threePt" dir="t"/>
+    </dgm:scene3d>
+    <dgm:sp3d/>
+    <dgm:txPr/>
+    <dgm:style>
+      <a:lnRef idx="0">
+        <a:scrgbClr r="0" g="0" b="0"/>
+      </a:lnRef>
+      <a:fillRef idx="3">
+        <a:scrgbClr r="0" g="0" b="0"/>
+      </a:fillRef>
+      <a:effectRef idx="2">
+        <a:scrgbClr r="0" g="0" b="0"/>
+      </a:effectRef>
+      <a:fontRef idx="minor">
+        <a:schemeClr val="lt1"/>
+      </a:fontRef>
+    </dgm:style>
+  </dgm:styleLbl>
+  <dgm:styleLbl name="asst3">
+    <dgm:scene3d>
+      <a:camera prst="orthographicFront"/>
+      <a:lightRig rig="threePt" dir="t"/>
+    </dgm:scene3d>
+    <dgm:sp3d/>
+    <dgm:txPr/>
+    <dgm:style>
+      <a:lnRef idx="0">
+        <a:scrgbClr r="0" g="0" b="0"/>
+      </a:lnRef>
+      <a:fillRef idx="3">
+        <a:scrgbClr r="0" g="0" b="0"/>
+      </a:fillRef>
+      <a:effectRef idx="2">
+        <a:scrgbClr r="0" g="0" b="0"/>
+      </a:effectRef>
+      <a:fontRef idx="minor">
+        <a:schemeClr val="lt1"/>
+      </a:fontRef>
+    </dgm:style>
+  </dgm:styleLbl>
+  <dgm:styleLbl name="asst4">
+    <dgm:scene3d>
+      <a:camera prst="orthographicFront"/>
+      <a:lightRig rig="threePt" dir="t"/>
+    </dgm:scene3d>
+    <dgm:sp3d/>
+    <dgm:txPr/>
+    <dgm:style>
+      <a:lnRef idx="0">
+        <a:scrgbClr r="0" g="0" b="0"/>
+      </a:lnRef>
+      <a:fillRef idx="3">
+        <a:scrgbClr r="0" g="0" b="0"/>
+      </a:fillRef>
+      <a:effectRef idx="2">
+        <a:scrgbClr r="0" g="0" b="0"/>
+      </a:effectRef>
+      <a:fontRef idx="minor">
+        <a:schemeClr val="lt1"/>
+      </a:fontRef>
+    </dgm:style>
+  </dgm:styleLbl>
+  <dgm:styleLbl name="parChTrans2D1">
+    <dgm:scene3d>
+      <a:camera prst="orthographicFront"/>
+      <a:lightRig rig="threePt" dir="t"/>
+    </dgm:scene3d>
+    <dgm:sp3d/>
+    <dgm:txPr/>
+    <dgm:style>
+      <a:lnRef idx="0">
+        <a:scrgbClr r="0" g="0" b="0"/>
+      </a:lnRef>
+      <a:fillRef idx="3">
+        <a:scrgbClr r="0" g="0" b="0"/>
+      </a:fillRef>
+      <a:effectRef idx="2">
+        <a:scrgbClr r="0" g="0" b="0"/>
+      </a:effectRef>
+      <a:fontRef idx="minor">
+        <a:schemeClr val="lt1"/>
+      </a:fontRef>
+    </dgm:style>
+  </dgm:styleLbl>
+  <dgm:styleLbl name="parChTrans2D2">
+    <dgm:scene3d>
+      <a:camera prst="orthographicFront"/>
+      <a:lightRig rig="threePt" dir="t"/>
+    </dgm:scene3d>
+    <dgm:sp3d/>
+    <dgm:txPr/>
+    <dgm:style>
+      <a:lnRef idx="0">
+        <a:scrgbClr r="0" g="0" b="0"/>
+      </a:lnRef>
+      <a:fillRef idx="3">
+        <a:scrgbClr r="0" g="0" b="0"/>
+      </a:fillRef>
+      <a:effectRef idx="2">
+        <a:scrgbClr r="0" g="0" b="0"/>
+      </a:effectRef>
+      <a:fontRef idx="minor">
+        <a:schemeClr val="lt1"/>
+      </a:fontRef>
+    </dgm:style>
+  </dgm:styleLbl>
+  <dgm:styleLbl name="parChTrans2D3">
+    <dgm:scene3d>
+      <a:camera prst="orthographicFront"/>
+      <a:lightRig rig="threePt" dir="t"/>
+    </dgm:scene3d>
+    <dgm:sp3d/>
+    <dgm:txPr/>
+    <dgm:style>
+      <a:lnRef idx="1">
+        <a:scrgbClr r="0" g="0" b="0"/>
+      </a:lnRef>
+      <a:fillRef idx="3">
+        <a:scrgbClr r="0" g="0" b="0"/>
+      </a:fillRef>
+      <a:effectRef idx="2">
+        <a:scrgbClr r="0" g="0" b="0"/>
+      </a:effectRef>
+      <a:fontRef idx="minor">
+        <a:schemeClr val="lt1"/>
+      </a:fontRef>
+    </dgm:style>
+  </dgm:styleLbl>
+  <dgm:styleLbl name="parChTrans2D4">
+    <dgm:scene3d>
+      <a:camera prst="orthographicFront"/>
+      <a:lightRig rig="threePt" dir="t"/>
+    </dgm:scene3d>
+    <dgm:sp3d/>
+    <dgm:txPr/>
+    <dgm:style>
+      <a:lnRef idx="1">
+        <a:scrgbClr r="0" g="0" b="0"/>
+      </a:lnRef>
+      <a:fillRef idx="3">
+        <a:scrgbClr r="0" g="0" b="0"/>
+      </a:fillRef>
+      <a:effectRef idx="2">
+        <a:scrgbClr r="0" g="0" b="0"/>
+      </a:effectRef>
+      <a:fontRef idx="minor">
+        <a:schemeClr val="lt1"/>
+      </a:fontRef>
+    </dgm:style>
+  </dgm:styleLbl>
+  <dgm:styleLbl name="parChTrans1D1">
+    <dgm:scene3d>
+      <a:camera prst="orthographicFront"/>
+      <a:lightRig rig="threePt" dir="t"/>
+    </dgm:scene3d>
+    <dgm:sp3d/>
+    <dgm:txPr/>
+    <dgm:style>
+      <a:lnRef idx="1">
+        <a:scrgbClr r="0" g="0" b="0"/>
+      </a:lnRef>
+      <a:fillRef idx="0">
+        <a:scrgbClr r="0" g="0" b="0"/>
+      </a:fillRef>
+      <a:effectRef idx="0">
+        <a:scrgbClr r="0" g="0" b="0"/>
+      </a:effectRef>
+      <a:fontRef idx="minor"/>
+    </dgm:style>
+  </dgm:styleLbl>
+  <dgm:styleLbl name="parChTrans1D2">
+    <dgm:scene3d>
+      <a:camera prst="orthographicFront"/>
+      <a:lightRig rig="threePt" dir="t"/>
+    </dgm:scene3d>
+    <dgm:sp3d/>
+    <dgm:txPr/>
+    <dgm:style>
+      <a:lnRef idx="1">
+        <a:scrgbClr r="0" g="0" b="0"/>
+      </a:lnRef>
+      <a:fillRef idx="0">
+        <a:scrgbClr r="0" g="0" b="0"/>
+      </a:fillRef>
+      <a:effectRef idx="0">
+        <a:scrgbClr r="0" g="0" b="0"/>
+      </a:effectRef>
+      <a:fontRef idx="minor"/>
+    </dgm:style>
+  </dgm:styleLbl>
+  <dgm:styleLbl name="parChTrans1D3">
+    <dgm:scene3d>
+      <a:camera prst="orthographicFront"/>
+      <a:lightRig rig="threePt" dir="t"/>
+    </dgm:scene3d>
+    <dgm:sp3d/>
+    <dgm:txPr/>
+    <dgm:style>
+      <a:lnRef idx="1">
+        <a:scrgbClr r="0" g="0" b="0"/>
+      </a:lnRef>
+      <a:fillRef idx="0">
+        <a:scrgbClr r="0" g="0" b="0"/>
+      </a:fillRef>
+      <a:effectRef idx="0">
+        <a:scrgbClr r="0" g="0" b="0"/>
+      </a:effectRef>
+      <a:fontRef idx="minor"/>
+    </dgm:style>
+  </dgm:styleLbl>
+  <dgm:styleLbl name="parChTrans1D4">
+    <dgm:scene3d>
+      <a:camera prst="orthographicFront"/>
+      <a:lightRig rig="threePt" dir="t"/>
+    </dgm:scene3d>
+    <dgm:sp3d/>
+    <dgm:txPr/>
+    <dgm:style>
+      <a:lnRef idx="1">
+        <a:scrgbClr r="0" g="0" b="0"/>
+      </a:lnRef>
+      <a:fillRef idx="0">
+        <a:scrgbClr r="0" g="0" b="0"/>
+      </a:fillRef>
+      <a:effectRef idx="0">
+        <a:scrgbClr r="0" g="0" b="0"/>
+      </a:effectRef>
+      <a:fontRef idx="minor"/>
+    </dgm:style>
+  </dgm:styleLbl>
+  <dgm:styleLbl name="fgAcc1">
+    <dgm:scene3d>
+      <a:camera prst="orthographicFront"/>
+      <a:lightRig rig="threePt" dir="t"/>
+    </dgm:scene3d>
+    <dgm:sp3d/>
+    <dgm:txPr/>
+    <dgm:style>
+      <a:lnRef idx="1">
+        <a:scrgbClr r="0" g="0" b="0"/>
+      </a:lnRef>
+      <a:fillRef idx="1">
+        <a:scrgbClr r="0" g="0" b="0"/>
+      </a:fillRef>
+      <a:effectRef idx="0">
+        <a:scrgbClr r="0" g="0" b="0"/>
+      </a:effectRef>
+      <a:fontRef idx="minor"/>
+    </dgm:style>
+  </dgm:styleLbl>
+  <dgm:styleLbl name="conFgAcc1">
+    <dgm:scene3d>
+      <a:camera prst="orthographicFront"/>
+      <a:lightRig rig="threePt" dir="t"/>
+    </dgm:scene3d>
+    <dgm:sp3d/>
+    <dgm:txPr/>
+    <dgm:style>
+      <a:lnRef idx="1">
+        <a:scrgbClr r="0" g="0" b="0"/>
+      </a:lnRef>
+      <a:fillRef idx="1">
+        <a:scrgbClr r="0" g="0" b="0"/>
+      </a:fillRef>
+      <a:effectRef idx="0">
+        <a:scrgbClr r="0" g="0" b="0"/>
+      </a:effectRef>
+      <a:fontRef idx="minor"/>
+    </dgm:style>
+  </dgm:styleLbl>
+  <dgm:styleLbl name="alignAcc1">
+    <dgm:scene3d>
+      <a:camera prst="orthographicFront"/>
+      <a:lightRig rig="threePt" dir="t"/>
+    </dgm:scene3d>
+    <dgm:sp3d/>
+    <dgm:txPr/>
+    <dgm:style>
+      <a:lnRef idx="1">
+        <a:scrgbClr r="0" g="0" b="0"/>
+      </a:lnRef>
+      <a:fillRef idx="1">
+        <a:scrgbClr r="0" g="0" b="0"/>
+      </a:fillRef>
+      <a:effectRef idx="0">
+        <a:scrgbClr r="0" g="0" b="0"/>
+      </a:effectRef>
+      <a:fontRef idx="minor"/>
+    </dgm:style>
+  </dgm:styleLbl>
+  <dgm:styleLbl name="trAlignAcc1">
+    <dgm:scene3d>
+      <a:camera prst="orthographicFront"/>
+      <a:lightRig rig="threePt" dir="t"/>
+    </dgm:scene3d>
+    <dgm:sp3d/>
+    <dgm:txPr/>
+    <dgm:style>
+      <a:lnRef idx="1">
+        <a:scrgbClr r="0" g="0" b="0"/>
+      </a:lnRef>
+      <a:fillRef idx="1">
+        <a:scrgbClr r="0" g="0" b="0"/>
+      </a:fillRef>
+      <a:effectRef idx="0">
+        <a:scrgbClr r="0" g="0" b="0"/>
+      </a:effectRef>
+      <a:fontRef idx="minor"/>
+    </dgm:style>
+  </dgm:styleLbl>
+  <dgm:styleLbl name="bgAcc1">
+    <dgm:scene3d>
+      <a:camera prst="orthographicFront"/>
+      <a:lightRig rig="threePt" dir="t"/>
+    </dgm:scene3d>
+    <dgm:sp3d/>
+    <dgm:txPr/>
+    <dgm:style>
+      <a:lnRef idx="1">
+        <a:scrgbClr r="0" g="0" b="0"/>
+      </a:lnRef>
+      <a:fillRef idx="1">
+        <a:scrgbClr r="0" g="0" b="0"/>
+      </a:fillRef>
+      <a:effectRef idx="0">
+        <a:scrgbClr r="0" g="0" b="0"/>
+      </a:effectRef>
+      <a:fontRef idx="minor"/>
+    </dgm:style>
+  </dgm:styleLbl>
+  <dgm:styleLbl name="solidFgAcc1">
+    <dgm:scene3d>
+      <a:camera prst="orthographicFront"/>
+      <a:lightRig rig="threePt" dir="t"/>
+    </dgm:scene3d>
+    <dgm:sp3d/>
+    <dgm:txPr/>
+    <dgm:style>
+      <a:lnRef idx="1">
+        <a:scrgbClr r="0" g="0" b="0"/>
+      </a:lnRef>
+      <a:fillRef idx="1">
+        <a:scrgbClr r="0" g="0" b="0"/>
+      </a:fillRef>
+      <a:effectRef idx="0">
+        <a:scrgbClr r="0" g="0" b="0"/>
+      </a:effectRef>
+      <a:fontRef idx="minor"/>
+    </dgm:style>
+  </dgm:styleLbl>
+  <dgm:styleLbl name="solidAlignAcc1">
+    <dgm:scene3d>
+      <a:camera prst="orthographicFront"/>
+      <a:lightRig rig="threePt" dir="t"/>
+    </dgm:scene3d>
+    <dgm:sp3d/>
+    <dgm:txPr/>
+    <dgm:style>
+      <a:lnRef idx="1">
+        <a:scrgbClr r="0" g="0" b="0"/>
+      </a:lnRef>
+      <a:fillRef idx="1">
+        <a:scrgbClr r="0" g="0" b="0"/>
+      </a:fillRef>
+      <a:effectRef idx="0">
+        <a:scrgbClr r="0" g="0" b="0"/>
+      </a:effectRef>
+      <a:fontRef idx="minor"/>
+    </dgm:style>
+  </dgm:styleLbl>
+  <dgm:styleLbl name="solidBgAcc1">
+    <dgm:scene3d>
+      <a:camera prst="orthographicFront"/>
+      <a:lightRig rig="threePt" dir="t"/>
+    </dgm:scene3d>
+    <dgm:sp3d/>
+    <dgm:txPr/>
+    <dgm:style>
+      <a:lnRef idx="1">
+        <a:scrgbClr r="0" g="0" b="0"/>
+      </a:lnRef>
+      <a:fillRef idx="1">
+        <a:scrgbClr r="0" g="0" b="0"/>
+      </a:fillRef>
+      <a:effectRef idx="0">
+        <a:scrgbClr r="0" g="0" b="0"/>
+      </a:effectRef>
+      <a:fontRef idx="minor"/>
+    </dgm:style>
+  </dgm:styleLbl>
+  <dgm:styleLbl name="fgAccFollowNode1">
+    <dgm:scene3d>
+      <a:camera prst="orthographicFront"/>
+      <a:lightRig rig="threePt" dir="t"/>
+    </dgm:scene3d>
+    <dgm:sp3d/>
+    <dgm:txPr/>
+    <dgm:style>
+      <a:lnRef idx="1">
+        <a:scrgbClr r="0" g="0" b="0"/>
+      </a:lnRef>
+      <a:fillRef idx="1">
+        <a:scrgbClr r="0" g="0" b="0"/>
+      </a:fillRef>
+      <a:effectRef idx="0">
+        <a:scrgbClr r="0" g="0" b="0"/>
+      </a:effectRef>
+      <a:fontRef idx="minor"/>
+    </dgm:style>
+  </dgm:styleLbl>
+  <dgm:styleLbl name="alignAccFollowNode1">
+    <dgm:scene3d>
+      <a:camera prst="orthographicFront"/>
+      <a:lightRig rig="threePt" dir="t"/>
+    </dgm:scene3d>
+    <dgm:sp3d/>
+    <dgm:txPr/>
+    <dgm:style>
+      <a:lnRef idx="1">
+        <a:scrgbClr r="0" g="0" b="0"/>
+      </a:lnRef>
+      <a:fillRef idx="1">
+        <a:scrgbClr r="0" g="0" b="0"/>
+      </a:fillRef>
+      <a:effectRef idx="0">
+        <a:scrgbClr r="0" g="0" b="0"/>
+      </a:effectRef>
+      <a:fontRef idx="minor"/>
+    </dgm:style>
+  </dgm:styleLbl>
+  <dgm:styleLbl name="bgAccFollowNode1">
+    <dgm:scene3d>
+      <a:camera prst="orthographicFront"/>
+      <a:lightRig rig="threePt" dir="t"/>
+    </dgm:scene3d>
+    <dgm:sp3d/>
+    <dgm:txPr/>
+    <dgm:style>
+      <a:lnRef idx="1">
+        <a:scrgbClr r="0" g="0" b="0"/>
+      </a:lnRef>
+      <a:fillRef idx="1">
+        <a:scrgbClr r="0" g="0" b="0"/>
+      </a:fillRef>
+      <a:effectRef idx="0">
+        <a:scrgbClr r="0" g="0" b="0"/>
+      </a:effectRef>
+      <a:fontRef idx="minor"/>
+    </dgm:style>
+  </dgm:styleLbl>
+  <dgm:styleLbl name="fgAcc0">
+    <dgm:scene3d>
+      <a:camera prst="orthographicFront"/>
+      <a:lightRig rig="threePt" dir="t"/>
+    </dgm:scene3d>
+    <dgm:sp3d/>
+    <dgm:txPr/>
+    <dgm:style>
+      <a:lnRef idx="1">
+        <a:scrgbClr r="0" g="0" b="0"/>
+      </a:lnRef>
+      <a:fillRef idx="1">
+        <a:scrgbClr r="0" g="0" b="0"/>
+      </a:fillRef>
+      <a:effectRef idx="0">
+        <a:scrgbClr r="0" g="0" b="0"/>
+      </a:effectRef>
+      <a:fontRef idx="minor"/>
+    </dgm:style>
+  </dgm:styleLbl>
+  <dgm:styleLbl name="fgAcc2">
+    <dgm:scene3d>
+      <a:camera prst="orthographicFront"/>
+      <a:lightRig rig="threePt" dir="t"/>
+    </dgm:scene3d>
+    <dgm:sp3d/>
+    <dgm:txPr/>
+    <dgm:style>
+      <a:lnRef idx="1">
+        <a:scrgbClr r="0" g="0" b="0"/>
+      </a:lnRef>
+      <a:fillRef idx="1">
+        <a:scrgbClr r="0" g="0" b="0"/>
+      </a:fillRef>
+      <a:effectRef idx="0">
+        <a:scrgbClr r="0" g="0" b="0"/>
+      </a:effectRef>
+      <a:fontRef idx="minor"/>
+    </dgm:style>
+  </dgm:styleLbl>
+  <dgm:styleLbl name="fgAcc3">
+    <dgm:scene3d>
+      <a:camera prst="orthographicFront"/>
+      <a:lightRig rig="threePt" dir="t"/>
+    </dgm:scene3d>
+    <dgm:sp3d/>
+    <dgm:txPr/>
+    <dgm:style>
+      <a:lnRef idx="1">
+        <a:scrgbClr r="0" g="0" b="0"/>
+      </a:lnRef>
+      <a:fillRef idx="1">
+        <a:scrgbClr r="0" g="0" b="0"/>
+      </a:fillRef>
+      <a:effectRef idx="0">
+        <a:scrgbClr r="0" g="0" b="0"/>
+      </a:effectRef>
+      <a:fontRef idx="minor"/>
+    </dgm:style>
+  </dgm:styleLbl>
+  <dgm:styleLbl name="fgAcc4">
+    <dgm:scene3d>
+      <a:camera prst="orthographicFront"/>
+      <a:lightRig rig="threePt" dir="t"/>
+    </dgm:scene3d>
+    <dgm:sp3d/>
+    <dgm:txPr/>
+    <dgm:style>
+      <a:lnRef idx="1">
+        <a:scrgbClr r="0" g="0" b="0"/>
+      </a:lnRef>
+      <a:fillRef idx="1">
+        <a:scrgbClr r="0" g="0" b="0"/>
+      </a:fillRef>
+      <a:effectRef idx="0">
+        <a:scrgbClr r="0" g="0" b="0"/>
+      </a:effectRef>
+      <a:fontRef idx="minor"/>
+    </dgm:style>
+  </dgm:styleLbl>
+  <dgm:styleLbl name="bgShp">
+    <dgm:scene3d>
+      <a:camera prst="orthographicFront"/>
+      <a:lightRig rig="threePt" dir="t"/>
+    </dgm:scene3d>
+    <dgm:sp3d/>
+    <dgm:txPr/>
+    <dgm:style>
+      <a:lnRef idx="0">
+        <a:scrgbClr r="0" g="0" b="0"/>
+      </a:lnRef>
+      <a:fillRef idx="1">
+        <a:scrgbClr r="0" g="0" b="0"/>
+      </a:fillRef>
+      <a:effectRef idx="2">
+        <a:scrgbClr r="0" g="0" b="0"/>
+      </a:effectRef>
+      <a:fontRef idx="minor"/>
+    </dgm:style>
+  </dgm:styleLbl>
+  <dgm:styleLbl name="dkBgShp">
+    <dgm:scene3d>
+      <a:camera prst="orthographicFront"/>
+      <a:lightRig rig="threePt" dir="t"/>
+    </dgm:scene3d>
+    <dgm:sp3d/>
+    <dgm:txPr/>
+    <dgm:style>
+      <a:lnRef idx="0">
+        <a:scrgbClr r="0" g="0" b="0"/>
+      </a:lnRef>
+      <a:fillRef idx="1">
+        <a:scrgbClr r="0" g="0" b="0"/>
+      </a:fillRef>
+      <a:effectRef idx="2">
+        <a:scrgbClr r="0" g="0" b="0"/>
+      </a:effectRef>
+      <a:fontRef idx="minor"/>
+    </dgm:style>
+  </dgm:styleLbl>
+  <dgm:styleLbl name="trBgShp">
+    <dgm:scene3d>
+      <a:camera prst="orthographicFront"/>
+      <a:lightRig rig="threePt" dir="t"/>
+    </dgm:scene3d>
+    <dgm:sp3d/>
+    <dgm:txPr/>
+    <dgm:style>
+      <a:lnRef idx="0">
+        <a:scrgbClr r="0" g="0" b="0"/>
+      </a:lnRef>
+      <a:fillRef idx="1">
+        <a:scrgbClr r="0" g="0" b="0"/>
+      </a:fillRef>
+      <a:effectRef idx="0">
+        <a:scrgbClr r="0" g="0" b="0"/>
+      </a:effectRef>
+      <a:fontRef idx="minor"/>
+    </dgm:style>
+  </dgm:styleLbl>
+  <dgm:styleLbl name="fgShp">
+    <dgm:scene3d>
+      <a:camera prst="orthographicFront"/>
+      <a:lightRig rig="threePt" dir="t"/>
+    </dgm:scene3d>
+    <dgm:sp3d/>
+    <dgm:txPr/>
+    <dgm:style>
+      <a:lnRef idx="0">
+        <a:scrgbClr r="0" g="0" b="0"/>
+      </a:lnRef>
+      <a:fillRef idx="3">
+        <a:scrgbClr r="0" g="0" b="0"/>
+      </a:fillRef>
+      <a:effectRef idx="2">
+        <a:scrgbClr r="0" g="0" b="0"/>
+      </a:effectRef>
+      <a:fontRef idx="minor"/>
+    </dgm:style>
+  </dgm:styleLbl>
+  <dgm:styleLbl name="revTx">
+    <dgm:scene3d>
+      <a:camera prst="orthographicFront"/>
+      <a:lightRig rig="threePt" dir="t"/>
+    </dgm:scene3d>
+    <dgm:sp3d/>
+    <dgm:txPr/>
+    <dgm:style>
+      <a:lnRef idx="0">
+        <a:scrgbClr r="0" g="0" b="0"/>
+      </a:lnRef>
+      <a:fillRef idx="0">
+        <a:scrgbClr r="0" g="0" b="0"/>
+      </a:fillRef>
+      <a:effectRef idx="0">
+        <a:scrgbClr r="0" g="0" b="0"/>
+      </a:effectRef>
+      <a:fontRef idx="minor"/>
+    </dgm:style>
+  </dgm:styleLbl>
+</dgm:styleDef>
+</file>
+
+<file path=ppt/diagrams/quickStyle5.xml><?xml version="1.0" encoding="utf-8"?>
 <dgm:styleDef xmlns:dgm="http://schemas.openxmlformats.org/drawingml/2006/diagram" xmlns:a="http://schemas.openxmlformats.org/drawingml/2006/main" uniqueId="urn:microsoft.com/office/officeart/2005/8/quickstyle/simple4">
   <dgm:title val=""/>
   <dgm:desc val=""/>
@@ -29314,29 +32175,6 @@
           </a:graphicData>
         </a:graphic>
       </p:graphicFrame>
-      <p:pic>
-        <p:nvPicPr>
-          <p:cNvPr id="11" name="10 Marcador de contenido" descr="Google_Code_logo.png"/>
-          <p:cNvPicPr>
-            <a:picLocks noGrp="1" noChangeAspect="1"/>
-          </p:cNvPicPr>
-          <p:nvPr>
-            <p:ph sz="half" idx="13"/>
-          </p:nvPr>
-        </p:nvPicPr>
-        <p:blipFill>
-          <a:blip r:embed="rId8" cstate="print"/>
-          <a:stretch>
-            <a:fillRect/>
-          </a:stretch>
-        </p:blipFill>
-        <p:spPr>
-          <a:xfrm>
-            <a:off x="5652120" y="0"/>
-            <a:ext cx="1944687" cy="511175"/>
-          </a:xfrm>
-        </p:spPr>
-      </p:pic>
       <p:sp>
         <p:nvSpPr>
           <p:cNvPr id="5" name="4 Rectángulo"/>
@@ -29352,7 +32190,7 @@
             <a:avLst/>
           </a:prstGeom>
           <a:blipFill rotWithShape="0">
-            <a:blip r:embed="rId9" cstate="print"/>
+            <a:blip r:embed="rId8" cstate="print"/>
             <a:stretch>
               <a:fillRect/>
             </a:stretch>
@@ -34478,55 +37316,26 @@
           </a:p>
         </p:txBody>
       </p:sp>
-      <p:sp>
-        <p:nvSpPr>
-          <p:cNvPr id="9" name="8 Marcador de contenido"/>
-          <p:cNvSpPr>
-            <a:spLocks noGrp="1"/>
-          </p:cNvSpPr>
+      <p:graphicFrame>
+        <p:nvGraphicFramePr>
+          <p:cNvPr id="11" name="10 Marcador de contenido"/>
+          <p:cNvGraphicFramePr>
+            <a:graphicFrameLocks noGrp="1"/>
+          </p:cNvGraphicFramePr>
           <p:nvPr>
             <p:ph sz="half" idx="1"/>
           </p:nvPr>
-        </p:nvSpPr>
-        <p:spPr/>
-        <p:txBody>
-          <a:bodyPr>
-            <a:normAutofit lnSpcReduction="10000"/>
-          </a:bodyPr>
-          <a:lstStyle/>
-          <a:p>
-            <a:pPr lvl="0"/>
-            <a:r>
-              <a:rPr lang="es-AR" dirty="0" smtClean="0"/>
-              <a:t>Codificación</a:t>
-            </a:r>
-          </a:p>
-          <a:p>
-            <a:pPr lvl="1"/>
-            <a:r>
-              <a:rPr lang="es-AR" dirty="0" smtClean="0"/>
-              <a:t>Elección del lenguaje</a:t>
-            </a:r>
-          </a:p>
-          <a:p>
-            <a:pPr lvl="1"/>
-            <a:r>
-              <a:rPr lang="es-AR" dirty="0" smtClean="0"/>
-              <a:t>Desarrollo de los algoritmos</a:t>
-            </a:r>
-          </a:p>
-          <a:p>
-            <a:pPr lvl="1"/>
-            <a:r>
-              <a:rPr lang="es-AR" dirty="0" smtClean="0"/>
-              <a:t>Implementación</a:t>
-            </a:r>
-          </a:p>
-          <a:p>
-            <a:endParaRPr lang="es-AR" dirty="0"/>
-          </a:p>
-        </p:txBody>
-      </p:sp>
+        </p:nvGraphicFramePr>
+        <p:xfrm>
+          <a:off x="179512" y="1556792"/>
+          <a:ext cx="4752528" cy="4896544"/>
+        </p:xfrm>
+        <a:graphic>
+          <a:graphicData uri="http://schemas.openxmlformats.org/drawingml/2006/diagram">
+            <dgm:relIds xmlns:dgm="http://schemas.openxmlformats.org/drawingml/2006/diagram" xmlns:r="http://schemas.openxmlformats.org/officeDocument/2006/relationships" r:dm="rId2" r:lo="rId3" r:qs="rId4" r:cs="rId5"/>
+          </a:graphicData>
+        </a:graphic>
+      </p:graphicFrame>
       <p:pic>
         <p:nvPicPr>
           <p:cNvPr id="23" name="22 Marcador de contenido" descr="Screenshot-qt-designer-qwebview.png"/>
@@ -34538,61 +37347,15 @@
           </p:nvPr>
         </p:nvPicPr>
         <p:blipFill>
-          <a:blip r:embed="rId2" cstate="print"/>
+          <a:blip r:embed="rId7" cstate="print"/>
           <a:stretch>
             <a:fillRect/>
           </a:stretch>
         </p:blipFill>
         <p:spPr>
           <a:xfrm>
-            <a:off x="4888887" y="3933825"/>
-            <a:ext cx="3552464" cy="2192338"/>
-          </a:xfrm>
-        </p:spPr>
-      </p:pic>
-      <p:pic>
-        <p:nvPicPr>
-          <p:cNvPr id="25" name="24 Marcador de contenido" descr="python_logo.png"/>
-          <p:cNvPicPr>
-            <a:picLocks noGrp="1" noChangeAspect="1"/>
-          </p:cNvPicPr>
-          <p:nvPr>
-            <p:ph sz="half" idx="13"/>
-          </p:nvPr>
-        </p:nvPicPr>
-        <p:blipFill>
-          <a:blip r:embed="rId3" cstate="print"/>
-          <a:stretch>
-            <a:fillRect/>
-          </a:stretch>
-        </p:blipFill>
-        <p:spPr>
-          <a:xfrm>
-            <a:off x="4643438" y="1920520"/>
-            <a:ext cx="4043362" cy="1548522"/>
-          </a:xfrm>
-        </p:spPr>
-      </p:pic>
-      <p:pic>
-        <p:nvPicPr>
-          <p:cNvPr id="24" name="23 Marcador de contenido" descr="qt4-logo.png"/>
-          <p:cNvPicPr>
-            <a:picLocks noGrp="1" noChangeAspect="1"/>
-          </p:cNvPicPr>
-          <p:nvPr>
-            <p:ph sz="half" idx="14"/>
-          </p:nvPr>
-        </p:nvPicPr>
-        <p:blipFill>
-          <a:blip r:embed="rId4" cstate="print"/>
-          <a:stretch>
-            <a:fillRect/>
-          </a:stretch>
-        </p:blipFill>
-        <p:spPr>
-          <a:xfrm>
-            <a:off x="1879600" y="4418012"/>
-            <a:ext cx="1219200" cy="1219200"/>
+            <a:off x="5292080" y="4437112"/>
+            <a:ext cx="3552465" cy="2192338"/>
           </a:xfrm>
         </p:spPr>
       </p:pic>
@@ -34611,7 +37374,7 @@
             <a:avLst/>
           </a:prstGeom>
           <a:blipFill rotWithShape="0">
-            <a:blip r:embed="rId5" cstate="print"/>
+            <a:blip r:embed="rId8" cstate="print"/>
             <a:stretch>
               <a:fillRect/>
             </a:stretch>
@@ -34648,6 +37411,30 @@
           </a:fontRef>
         </p:style>
       </p:sp>
+      <p:pic>
+        <p:nvPicPr>
+          <p:cNvPr id="10" name="9 Imagen" descr="doc_csv_icon_2.png"/>
+          <p:cNvPicPr>
+            <a:picLocks noChangeAspect="1"/>
+          </p:cNvPicPr>
+          <p:nvPr/>
+        </p:nvPicPr>
+        <p:blipFill>
+          <a:blip r:embed="rId9" cstate="print"/>
+          <a:stretch>
+            <a:fillRect/>
+          </a:stretch>
+        </p:blipFill>
+        <p:spPr>
+          <a:xfrm>
+            <a:off x="4499992" y="1772816"/>
+            <a:ext cx="864096" cy="864096"/>
+          </a:xfrm>
+          <a:prstGeom prst="rect">
+            <a:avLst/>
+          </a:prstGeom>
+        </p:spPr>
+      </p:pic>
     </p:spTree>
   </p:cSld>
   <p:clrMapOvr>
@@ -34656,7 +37443,69 @@
   <p:timing>
     <p:tnLst>
       <p:par>
-        <p:cTn id="1" dur="indefinite" restart="never" nodeType="tmRoot"/>
+        <p:cTn id="1" dur="indefinite" restart="never" nodeType="tmRoot">
+          <p:childTnLst>
+            <p:seq concurrent="1" nextAc="seek">
+              <p:cTn id="2" dur="indefinite" nodeType="mainSeq">
+                <p:childTnLst>
+                  <p:par>
+                    <p:cTn id="3" fill="hold">
+                      <p:stCondLst>
+                        <p:cond delay="indefinite"/>
+                      </p:stCondLst>
+                      <p:childTnLst>
+                        <p:par>
+                          <p:cTn id="4" fill="hold">
+                            <p:stCondLst>
+                              <p:cond delay="0"/>
+                            </p:stCondLst>
+                            <p:childTnLst>
+                              <p:par>
+                                <p:cTn id="5" presetID="63" presetClass="path" presetSubtype="0" accel="50000" decel="50000" fill="hold" nodeType="clickEffect">
+                                  <p:stCondLst>
+                                    <p:cond delay="0"/>
+                                  </p:stCondLst>
+                                  <p:childTnLst>
+                                    <p:animMotion origin="layout" path="M 0 0  L 0.25 0  E" pathEditMode="relative" ptsTypes="">
+                                      <p:cBhvr>
+                                        <p:cTn id="6" dur="2000" fill="hold"/>
+                                        <p:tgtEl>
+                                          <p:spTgt spid="10"/>
+                                        </p:tgtEl>
+                                        <p:attrNameLst>
+                                          <p:attrName>ppt_x</p:attrName>
+                                          <p:attrName>ppt_y</p:attrName>
+                                        </p:attrNameLst>
+                                      </p:cBhvr>
+                                    </p:animMotion>
+                                  </p:childTnLst>
+                                </p:cTn>
+                              </p:par>
+                            </p:childTnLst>
+                          </p:cTn>
+                        </p:par>
+                      </p:childTnLst>
+                    </p:cTn>
+                  </p:par>
+                </p:childTnLst>
+              </p:cTn>
+              <p:prevCondLst>
+                <p:cond evt="onPrev" delay="0">
+                  <p:tgtEl>
+                    <p:sldTgt/>
+                  </p:tgtEl>
+                </p:cond>
+              </p:prevCondLst>
+              <p:nextCondLst>
+                <p:cond evt="onNext" delay="0">
+                  <p:tgtEl>
+                    <p:sldTgt/>
+                  </p:tgtEl>
+                </p:cond>
+              </p:nextCondLst>
+            </p:seq>
+          </p:childTnLst>
+        </p:cTn>
       </p:par>
     </p:tnLst>
   </p:timing>

--- a/trunk/Documentation/Documentacion/PRESENTACION_FACU.pptx
+++ b/trunk/Documentation/Documentacion/PRESENTACION_FACU.pptx
@@ -155,7 +155,7 @@
         <c:manualLayout>
           <c:xMode val="edge"/>
           <c:yMode val="edge"/>
-          <c:x val="0.22693569038355677"/>
+          <c:x val="0.22693569038355679"/>
           <c:y val="3.0318552842560589E-2"/>
         </c:manualLayout>
       </c:layout>
@@ -191,7 +191,7 @@
               <c:idx val="0"/>
               <c:layout>
                 <c:manualLayout>
-                  <c:x val="1.7903025279734829E-2"/>
+                  <c:x val="1.7903025279734835E-2"/>
                   <c:y val="8.6181273784898801E-2"/>
                 </c:manualLayout>
               </c:layout>
@@ -202,7 +202,7 @@
               <c:idx val="1"/>
               <c:layout>
                 <c:manualLayout>
-                  <c:x val="-1.3185415562900458E-3"/>
+                  <c:x val="-1.3185415562900463E-3"/>
                   <c:y val="-0.1522738302151497"/>
                 </c:manualLayout>
               </c:layout>
@@ -288,8 +288,8 @@
         <c:manualLayout>
           <c:xMode val="edge"/>
           <c:yMode val="edge"/>
-          <c:x val="0.26028067731753984"/>
-          <c:y val="3.0090268790543398E-2"/>
+          <c:x val="0.2602806773175399"/>
+          <c:y val="3.0090268790543401E-2"/>
         </c:manualLayout>
       </c:layout>
     </c:title>
@@ -307,7 +307,7 @@
           <c:x val="2.0951670222790091E-3"/>
           <c:y val="0.26919258201016116"/>
           <c:w val="0.99790483297772103"/>
-          <c:h val="0.73080741798984783"/>
+          <c:h val="0.73080741798984794"/>
         </c:manualLayout>
       </c:layout>
       <c:pie3DChart>
@@ -321,8 +321,8 @@
               <c:idx val="0"/>
               <c:layout>
                 <c:manualLayout>
-                  <c:x val="-9.899756687627799E-2"/>
-                  <c:y val="-2.0480815362224257E-2"/>
+                  <c:x val="-9.8997566876278031E-2"/>
+                  <c:y val="-2.0480815362224264E-2"/>
                 </c:manualLayout>
               </c:layout>
               <c:showCatName val="1"/>
@@ -506,12 +506,12 @@
         </c:ser>
         <c:gapWidth val="75"/>
         <c:shape val="cylinder"/>
-        <c:axId val="95047680"/>
-        <c:axId val="95049216"/>
+        <c:axId val="77671424"/>
+        <c:axId val="77685504"/>
         <c:axId val="0"/>
       </c:bar3DChart>
       <c:catAx>
-        <c:axId val="95047680"/>
+        <c:axId val="77671424"/>
         <c:scaling>
           <c:orientation val="minMax"/>
         </c:scaling>
@@ -519,14 +519,14 @@
         <c:numFmt formatCode="General" sourceLinked="1"/>
         <c:majorTickMark val="none"/>
         <c:tickLblPos val="none"/>
-        <c:crossAx val="95049216"/>
+        <c:crossAx val="77685504"/>
         <c:crosses val="autoZero"/>
         <c:auto val="1"/>
         <c:lblAlgn val="ctr"/>
         <c:lblOffset val="100"/>
       </c:catAx>
       <c:valAx>
-        <c:axId val="95049216"/>
+        <c:axId val="77685504"/>
         <c:scaling>
           <c:orientation val="minMax"/>
         </c:scaling>
@@ -540,7 +540,7 @@
             <a:noFill/>
           </a:ln>
         </c:spPr>
-        <c:crossAx val="95047680"/>
+        <c:crossAx val="77671424"/>
         <c:crosses val="autoZero"/>
         <c:crossBetween val="between"/>
       </c:valAx>
@@ -629,7 +629,7 @@
                 <c:formatCode>0</c:formatCode>
                 <c:ptCount val="1"/>
                 <c:pt idx="0">
-                  <c:v>63.106796116505045</c:v>
+                  <c:v>63.106796116505059</c:v>
                 </c:pt>
               </c:numCache>
             </c:numRef>
@@ -675,12 +675,12 @@
         </c:ser>
         <c:gapWidth val="75"/>
         <c:shape val="cylinder"/>
-        <c:axId val="95062272"/>
-        <c:axId val="95084544"/>
+        <c:axId val="77706752"/>
+        <c:axId val="77708288"/>
         <c:axId val="0"/>
       </c:bar3DChart>
       <c:catAx>
-        <c:axId val="95062272"/>
+        <c:axId val="77706752"/>
         <c:scaling>
           <c:orientation val="minMax"/>
         </c:scaling>
@@ -688,14 +688,14 @@
         <c:numFmt formatCode="General" sourceLinked="1"/>
         <c:majorTickMark val="none"/>
         <c:tickLblPos val="none"/>
-        <c:crossAx val="95084544"/>
+        <c:crossAx val="77708288"/>
         <c:crosses val="autoZero"/>
         <c:auto val="1"/>
         <c:lblAlgn val="ctr"/>
         <c:lblOffset val="100"/>
       </c:catAx>
       <c:valAx>
-        <c:axId val="95084544"/>
+        <c:axId val="77708288"/>
         <c:scaling>
           <c:orientation val="minMax"/>
         </c:scaling>
@@ -709,7 +709,7 @@
             <a:noFill/>
           </a:ln>
         </c:spPr>
-        <c:crossAx val="95062272"/>
+        <c:crossAx val="77706752"/>
         <c:crosses val="autoZero"/>
         <c:crossBetween val="between"/>
       </c:valAx>
@@ -858,25 +858,25 @@
                   <c:v>1.1200000000000001</c:v>
                 </c:pt>
                 <c:pt idx="12">
-                  <c:v>1.1299999999999977</c:v>
+                  <c:v>1.1299999999999975</c:v>
                 </c:pt>
                 <c:pt idx="13">
-                  <c:v>1.1399999999999977</c:v>
+                  <c:v>1.1399999999999975</c:v>
                 </c:pt>
                 <c:pt idx="14">
-                  <c:v>1.1499999999999977</c:v>
+                  <c:v>1.1499999999999975</c:v>
                 </c:pt>
                 <c:pt idx="15">
-                  <c:v>1.1599999999999977</c:v>
+                  <c:v>1.1599999999999975</c:v>
                 </c:pt>
                 <c:pt idx="16">
-                  <c:v>1.1700000000000019</c:v>
+                  <c:v>1.1700000000000021</c:v>
                 </c:pt>
                 <c:pt idx="17">
-                  <c:v>1.1800000000000019</c:v>
+                  <c:v>1.1800000000000022</c:v>
                 </c:pt>
                 <c:pt idx="18">
-                  <c:v>1.1900000000000019</c:v>
+                  <c:v>1.1900000000000022</c:v>
                 </c:pt>
                 <c:pt idx="19">
                   <c:v>1.2</c:v>
@@ -1338,25 +1338,25 @@
                   <c:v>1.1200000000000001</c:v>
                 </c:pt>
                 <c:pt idx="12">
-                  <c:v>1.1299999999999977</c:v>
+                  <c:v>1.1299999999999975</c:v>
                 </c:pt>
                 <c:pt idx="13">
-                  <c:v>1.1399999999999977</c:v>
+                  <c:v>1.1399999999999975</c:v>
                 </c:pt>
                 <c:pt idx="14">
-                  <c:v>1.1499999999999977</c:v>
+                  <c:v>1.1499999999999975</c:v>
                 </c:pt>
                 <c:pt idx="15">
-                  <c:v>1.1599999999999977</c:v>
+                  <c:v>1.1599999999999975</c:v>
                 </c:pt>
                 <c:pt idx="16">
-                  <c:v>1.1700000000000019</c:v>
+                  <c:v>1.1700000000000021</c:v>
                 </c:pt>
                 <c:pt idx="17">
-                  <c:v>1.1800000000000019</c:v>
+                  <c:v>1.1800000000000022</c:v>
                 </c:pt>
                 <c:pt idx="18">
-                  <c:v>1.1900000000000019</c:v>
+                  <c:v>1.1900000000000022</c:v>
                 </c:pt>
                 <c:pt idx="19">
                   <c:v>1.2</c:v>
@@ -1698,11 +1698,11 @@
             </c:numRef>
           </c:yVal>
         </c:ser>
-        <c:axId val="115885568"/>
-        <c:axId val="115887488"/>
+        <c:axId val="77726464"/>
+        <c:axId val="77728384"/>
       </c:scatterChart>
       <c:valAx>
-        <c:axId val="115885568"/>
+        <c:axId val="77726464"/>
         <c:scaling>
           <c:orientation val="minMax"/>
           <c:max val="1.7"/>
@@ -1738,12 +1738,12 @@
         </c:title>
         <c:numFmt formatCode="0.00" sourceLinked="1"/>
         <c:tickLblPos val="nextTo"/>
-        <c:crossAx val="115887488"/>
+        <c:crossAx val="77728384"/>
         <c:crosses val="autoZero"/>
         <c:crossBetween val="midCat"/>
       </c:valAx>
       <c:valAx>
-        <c:axId val="115887488"/>
+        <c:axId val="77728384"/>
         <c:scaling>
           <c:orientation val="minMax"/>
         </c:scaling>
@@ -1775,14 +1775,14 @@
             <c:manualLayout>
               <c:xMode val="edge"/>
               <c:yMode val="edge"/>
-              <c:x val="0.95445883617098182"/>
+              <c:x val="0.95445883617098193"/>
               <c:y val="0.27606557927672132"/>
             </c:manualLayout>
           </c:layout>
         </c:title>
         <c:numFmt formatCode="General" sourceLinked="1"/>
         <c:tickLblPos val="nextTo"/>
-        <c:crossAx val="115885568"/>
+        <c:crossAx val="77726464"/>
         <c:crosses val="autoZero"/>
         <c:crossBetween val="midCat"/>
       </c:valAx>
@@ -1793,10 +1793,10 @@
         <c:manualLayout>
           <c:xMode val="edge"/>
           <c:yMode val="edge"/>
-          <c:x val="0.14234264975849259"/>
-          <c:y val="0.8776471926399726"/>
+          <c:x val="0.14234264975849262"/>
+          <c:y val="0.87764719263997282"/>
           <c:w val="0.78810202746432068"/>
-          <c:h val="7.5935015157046107E-2"/>
+          <c:h val="7.5935015157046121E-2"/>
         </c:manualLayout>
       </c:layout>
     </c:legend>
@@ -1820,7 +1820,7 @@
           <c:yMode val="edge"/>
           <c:x val="9.0642836925601628E-2"/>
           <c:y val="8.4672265966754243E-2"/>
-          <c:w val="0.89193996596195047"/>
+          <c:w val="0.89193996596195035"/>
           <c:h val="0.68648981882078464"/>
         </c:manualLayout>
       </c:layout>
@@ -2758,11 +2758,11 @@
           </c:yVal>
           <c:smooth val="1"/>
         </c:ser>
-        <c:axId val="115895680"/>
-        <c:axId val="115922816"/>
+        <c:axId val="77744768"/>
+        <c:axId val="77759616"/>
       </c:scatterChart>
       <c:valAx>
-        <c:axId val="115895680"/>
+        <c:axId val="77744768"/>
         <c:scaling>
           <c:orientation val="minMax"/>
           <c:max val="63"/>
@@ -2789,14 +2789,14 @@
           <c:layout/>
         </c:title>
         <c:tickLblPos val="nextTo"/>
-        <c:crossAx val="115922816"/>
+        <c:crossAx val="77759616"/>
         <c:crosses val="autoZero"/>
         <c:crossBetween val="midCat"/>
         <c:majorUnit val="5"/>
         <c:minorUnit val="1"/>
       </c:valAx>
       <c:valAx>
-        <c:axId val="115922816"/>
+        <c:axId val="77759616"/>
         <c:scaling>
           <c:orientation val="minMax"/>
           <c:max val="280"/>
@@ -2825,7 +2825,7 @@
         </c:title>
         <c:numFmt formatCode="General" sourceLinked="1"/>
         <c:tickLblPos val="nextTo"/>
-        <c:crossAx val="115895680"/>
+        <c:crossAx val="77744768"/>
         <c:crosses val="autoZero"/>
         <c:crossBetween val="midCat"/>
       </c:valAx>
@@ -2862,8 +2862,8 @@
         <c:manualLayout>
           <c:xMode val="edge"/>
           <c:yMode val="edge"/>
-          <c:x val="0.4888072728518319"/>
-          <c:y val="3.1123992758974518E-2"/>
+          <c:x val="0.48880727285183195"/>
+          <c:y val="3.1123992758974529E-2"/>
         </c:manualLayout>
       </c:layout>
     </c:title>
@@ -3037,26 +3037,26 @@
           <c:showVal val="1"/>
         </c:dLbls>
         <c:shape val="box"/>
-        <c:axId val="89857408"/>
-        <c:axId val="94988160"/>
-        <c:axId val="65492288"/>
+        <c:axId val="79637120"/>
+        <c:axId val="79651200"/>
+        <c:axId val="79638976"/>
       </c:bar3DChart>
       <c:catAx>
-        <c:axId val="89857408"/>
+        <c:axId val="79637120"/>
         <c:scaling>
           <c:orientation val="minMax"/>
         </c:scaling>
         <c:axPos val="b"/>
         <c:majorTickMark val="none"/>
         <c:tickLblPos val="nextTo"/>
-        <c:crossAx val="94988160"/>
+        <c:crossAx val="79651200"/>
         <c:crosses val="autoZero"/>
         <c:auto val="1"/>
         <c:lblAlgn val="ctr"/>
         <c:lblOffset val="100"/>
       </c:catAx>
       <c:valAx>
-        <c:axId val="94988160"/>
+        <c:axId val="79651200"/>
         <c:scaling>
           <c:logBase val="10"/>
           <c:orientation val="minMax"/>
@@ -3066,12 +3066,12 @@
         <c:numFmt formatCode="General" sourceLinked="1"/>
         <c:majorTickMark val="none"/>
         <c:tickLblPos val="none"/>
-        <c:crossAx val="89857408"/>
+        <c:crossAx val="79637120"/>
         <c:crosses val="autoZero"/>
         <c:crossBetween val="between"/>
       </c:valAx>
       <c:serAx>
-        <c:axId val="65492288"/>
+        <c:axId val="79638976"/>
         <c:scaling>
           <c:orientation val="minMax"/>
         </c:scaling>
@@ -3079,7 +3079,7 @@
         <c:axPos val="b"/>
         <c:majorTickMark val="none"/>
         <c:tickLblPos val="none"/>
-        <c:crossAx val="94988160"/>
+        <c:crossAx val="79651200"/>
         <c:crosses val="autoZero"/>
       </c:serAx>
     </c:plotArea>
@@ -3089,7 +3089,7 @@
         <c:manualLayout>
           <c:xMode val="edge"/>
           <c:yMode val="edge"/>
-          <c:x val="2.1957392783710721E-2"/>
+          <c:x val="2.1957392783710731E-2"/>
           <c:y val="0.85118932863668761"/>
           <c:w val="0.16969921734677834"/>
           <c:h val="9.3802077546939228E-2"/>
@@ -3273,25 +3273,25 @@
             </c:numRef>
           </c:val>
         </c:ser>
-        <c:axId val="95009408"/>
-        <c:axId val="95019392"/>
+        <c:axId val="79685504"/>
+        <c:axId val="79687040"/>
       </c:barChart>
       <c:catAx>
-        <c:axId val="95009408"/>
+        <c:axId val="79685504"/>
         <c:scaling>
           <c:orientation val="minMax"/>
         </c:scaling>
         <c:axPos val="l"/>
         <c:majorTickMark val="none"/>
         <c:tickLblPos val="nextTo"/>
-        <c:crossAx val="95019392"/>
+        <c:crossAx val="79687040"/>
         <c:crosses val="autoZero"/>
         <c:auto val="1"/>
         <c:lblAlgn val="ctr"/>
         <c:lblOffset val="100"/>
       </c:catAx>
       <c:valAx>
-        <c:axId val="95019392"/>
+        <c:axId val="79687040"/>
         <c:scaling>
           <c:orientation val="minMax"/>
         </c:scaling>
@@ -3300,7 +3300,7 @@
         <c:numFmt formatCode="General" sourceLinked="1"/>
         <c:majorTickMark val="none"/>
         <c:tickLblPos val="nextTo"/>
-        <c:crossAx val="95009408"/>
+        <c:crossAx val="79685504"/>
         <c:crosses val="autoZero"/>
         <c:crossBetween val="between"/>
       </c:valAx>
@@ -6306,6 +6306,753 @@
 </file>
 
 <file path=ppt/diagrams/colors5.xml><?xml version="1.0" encoding="utf-8"?>
+<dgm:colorsDef xmlns:dgm="http://schemas.openxmlformats.org/drawingml/2006/diagram" xmlns:a="http://schemas.openxmlformats.org/drawingml/2006/main" uniqueId="urn:microsoft.com/office/officeart/2005/8/colors/accent1_2">
+  <dgm:title val=""/>
+  <dgm:desc val=""/>
+  <dgm:catLst>
+    <dgm:cat type="accent1" pri="11200"/>
+  </dgm:catLst>
+  <dgm:styleLbl name="node0">
+    <dgm:fillClrLst meth="repeat">
+      <a:schemeClr val="accent1"/>
+    </dgm:fillClrLst>
+    <dgm:linClrLst meth="repeat">
+      <a:schemeClr val="lt1"/>
+    </dgm:linClrLst>
+    <dgm:effectClrLst/>
+    <dgm:txLinClrLst/>
+    <dgm:txFillClrLst/>
+    <dgm:txEffectClrLst/>
+  </dgm:styleLbl>
+  <dgm:styleLbl name="alignNode1">
+    <dgm:fillClrLst meth="repeat">
+      <a:schemeClr val="accent1"/>
+    </dgm:fillClrLst>
+    <dgm:linClrLst meth="repeat">
+      <a:schemeClr val="accent1"/>
+    </dgm:linClrLst>
+    <dgm:effectClrLst/>
+    <dgm:txLinClrLst/>
+    <dgm:txFillClrLst/>
+    <dgm:txEffectClrLst/>
+  </dgm:styleLbl>
+  <dgm:styleLbl name="node1">
+    <dgm:fillClrLst meth="repeat">
+      <a:schemeClr val="accent1"/>
+    </dgm:fillClrLst>
+    <dgm:linClrLst meth="repeat">
+      <a:schemeClr val="lt1"/>
+    </dgm:linClrLst>
+    <dgm:effectClrLst/>
+    <dgm:txLinClrLst/>
+    <dgm:txFillClrLst/>
+    <dgm:txEffectClrLst/>
+  </dgm:styleLbl>
+  <dgm:styleLbl name="lnNode1">
+    <dgm:fillClrLst meth="repeat">
+      <a:schemeClr val="accent1"/>
+    </dgm:fillClrLst>
+    <dgm:linClrLst meth="repeat">
+      <a:schemeClr val="lt1"/>
+    </dgm:linClrLst>
+    <dgm:effectClrLst/>
+    <dgm:txLinClrLst/>
+    <dgm:txFillClrLst/>
+    <dgm:txEffectClrLst/>
+  </dgm:styleLbl>
+  <dgm:styleLbl name="vennNode1">
+    <dgm:fillClrLst meth="repeat">
+      <a:schemeClr val="accent1">
+        <a:alpha val="50000"/>
+      </a:schemeClr>
+    </dgm:fillClrLst>
+    <dgm:linClrLst meth="repeat">
+      <a:schemeClr val="lt1"/>
+    </dgm:linClrLst>
+    <dgm:effectClrLst/>
+    <dgm:txLinClrLst/>
+    <dgm:txFillClrLst/>
+    <dgm:txEffectClrLst/>
+  </dgm:styleLbl>
+  <dgm:styleLbl name="node2">
+    <dgm:fillClrLst meth="repeat">
+      <a:schemeClr val="accent1"/>
+    </dgm:fillClrLst>
+    <dgm:linClrLst meth="repeat">
+      <a:schemeClr val="lt1"/>
+    </dgm:linClrLst>
+    <dgm:effectClrLst/>
+    <dgm:txLinClrLst/>
+    <dgm:txFillClrLst/>
+    <dgm:txEffectClrLst/>
+  </dgm:styleLbl>
+  <dgm:styleLbl name="node3">
+    <dgm:fillClrLst meth="repeat">
+      <a:schemeClr val="accent1"/>
+    </dgm:fillClrLst>
+    <dgm:linClrLst meth="repeat">
+      <a:schemeClr val="lt1"/>
+    </dgm:linClrLst>
+    <dgm:effectClrLst/>
+    <dgm:txLinClrLst/>
+    <dgm:txFillClrLst/>
+    <dgm:txEffectClrLst/>
+  </dgm:styleLbl>
+  <dgm:styleLbl name="node4">
+    <dgm:fillClrLst meth="repeat">
+      <a:schemeClr val="accent1"/>
+    </dgm:fillClrLst>
+    <dgm:linClrLst meth="repeat">
+      <a:schemeClr val="lt1"/>
+    </dgm:linClrLst>
+    <dgm:effectClrLst/>
+    <dgm:txLinClrLst/>
+    <dgm:txFillClrLst/>
+    <dgm:txEffectClrLst/>
+  </dgm:styleLbl>
+  <dgm:styleLbl name="fgImgPlace1">
+    <dgm:fillClrLst meth="repeat">
+      <a:schemeClr val="accent1">
+        <a:tint val="50000"/>
+      </a:schemeClr>
+    </dgm:fillClrLst>
+    <dgm:linClrLst meth="repeat">
+      <a:schemeClr val="lt1"/>
+    </dgm:linClrLst>
+    <dgm:effectClrLst/>
+    <dgm:txLinClrLst/>
+    <dgm:txFillClrLst meth="repeat">
+      <a:schemeClr val="lt1"/>
+    </dgm:txFillClrLst>
+    <dgm:txEffectClrLst/>
+  </dgm:styleLbl>
+  <dgm:styleLbl name="alignImgPlace1">
+    <dgm:fillClrLst meth="repeat">
+      <a:schemeClr val="accent1">
+        <a:tint val="50000"/>
+      </a:schemeClr>
+    </dgm:fillClrLst>
+    <dgm:linClrLst meth="repeat">
+      <a:schemeClr val="lt1"/>
+    </dgm:linClrLst>
+    <dgm:effectClrLst/>
+    <dgm:txLinClrLst/>
+    <dgm:txFillClrLst meth="repeat">
+      <a:schemeClr val="lt1"/>
+    </dgm:txFillClrLst>
+    <dgm:txEffectClrLst/>
+  </dgm:styleLbl>
+  <dgm:styleLbl name="bgImgPlace1">
+    <dgm:fillClrLst meth="repeat">
+      <a:schemeClr val="accent1">
+        <a:tint val="50000"/>
+      </a:schemeClr>
+    </dgm:fillClrLst>
+    <dgm:linClrLst meth="repeat">
+      <a:schemeClr val="lt1"/>
+    </dgm:linClrLst>
+    <dgm:effectClrLst/>
+    <dgm:txLinClrLst/>
+    <dgm:txFillClrLst meth="repeat">
+      <a:schemeClr val="lt1"/>
+    </dgm:txFillClrLst>
+    <dgm:txEffectClrLst/>
+  </dgm:styleLbl>
+  <dgm:styleLbl name="sibTrans2D1">
+    <dgm:fillClrLst meth="repeat">
+      <a:schemeClr val="accent1">
+        <a:tint val="60000"/>
+      </a:schemeClr>
+    </dgm:fillClrLst>
+    <dgm:linClrLst meth="repeat">
+      <a:schemeClr val="accent1">
+        <a:tint val="60000"/>
+      </a:schemeClr>
+    </dgm:linClrLst>
+    <dgm:effectClrLst/>
+    <dgm:txLinClrLst/>
+    <dgm:txFillClrLst/>
+    <dgm:txEffectClrLst/>
+  </dgm:styleLbl>
+  <dgm:styleLbl name="fgSibTrans2D1">
+    <dgm:fillClrLst meth="repeat">
+      <a:schemeClr val="accent1">
+        <a:tint val="60000"/>
+      </a:schemeClr>
+    </dgm:fillClrLst>
+    <dgm:linClrLst meth="repeat">
+      <a:schemeClr val="accent1">
+        <a:tint val="60000"/>
+      </a:schemeClr>
+    </dgm:linClrLst>
+    <dgm:effectClrLst/>
+    <dgm:txLinClrLst/>
+    <dgm:txFillClrLst/>
+    <dgm:txEffectClrLst/>
+  </dgm:styleLbl>
+  <dgm:styleLbl name="bgSibTrans2D1">
+    <dgm:fillClrLst meth="repeat">
+      <a:schemeClr val="accent1">
+        <a:tint val="60000"/>
+      </a:schemeClr>
+    </dgm:fillClrLst>
+    <dgm:linClrLst meth="repeat">
+      <a:schemeClr val="accent1">
+        <a:tint val="60000"/>
+      </a:schemeClr>
+    </dgm:linClrLst>
+    <dgm:effectClrLst/>
+    <dgm:txLinClrLst/>
+    <dgm:txFillClrLst/>
+    <dgm:txEffectClrLst/>
+  </dgm:styleLbl>
+  <dgm:styleLbl name="sibTrans1D1">
+    <dgm:fillClrLst meth="repeat">
+      <a:schemeClr val="accent1"/>
+    </dgm:fillClrLst>
+    <dgm:linClrLst meth="repeat">
+      <a:schemeClr val="accent1"/>
+    </dgm:linClrLst>
+    <dgm:effectClrLst/>
+    <dgm:txLinClrLst/>
+    <dgm:txFillClrLst meth="repeat">
+      <a:schemeClr val="tx1"/>
+    </dgm:txFillClrLst>
+    <dgm:txEffectClrLst/>
+  </dgm:styleLbl>
+  <dgm:styleLbl name="callout">
+    <dgm:fillClrLst meth="repeat">
+      <a:schemeClr val="accent1"/>
+    </dgm:fillClrLst>
+    <dgm:linClrLst meth="repeat">
+      <a:schemeClr val="accent1">
+        <a:tint val="50000"/>
+      </a:schemeClr>
+    </dgm:linClrLst>
+    <dgm:effectClrLst/>
+    <dgm:txLinClrLst/>
+    <dgm:txFillClrLst meth="repeat">
+      <a:schemeClr val="tx1"/>
+    </dgm:txFillClrLst>
+    <dgm:txEffectClrLst/>
+  </dgm:styleLbl>
+  <dgm:styleLbl name="asst0">
+    <dgm:fillClrLst meth="repeat">
+      <a:schemeClr val="accent1"/>
+    </dgm:fillClrLst>
+    <dgm:linClrLst meth="repeat">
+      <a:schemeClr val="lt1"/>
+    </dgm:linClrLst>
+    <dgm:effectClrLst/>
+    <dgm:txLinClrLst/>
+    <dgm:txFillClrLst/>
+    <dgm:txEffectClrLst/>
+  </dgm:styleLbl>
+  <dgm:styleLbl name="asst1">
+    <dgm:fillClrLst meth="repeat">
+      <a:schemeClr val="accent1"/>
+    </dgm:fillClrLst>
+    <dgm:linClrLst meth="repeat">
+      <a:schemeClr val="lt1"/>
+    </dgm:linClrLst>
+    <dgm:effectClrLst/>
+    <dgm:txLinClrLst/>
+    <dgm:txFillClrLst/>
+    <dgm:txEffectClrLst/>
+  </dgm:styleLbl>
+  <dgm:styleLbl name="asst2">
+    <dgm:fillClrLst meth="repeat">
+      <a:schemeClr val="accent1"/>
+    </dgm:fillClrLst>
+    <dgm:linClrLst meth="repeat">
+      <a:schemeClr val="lt1"/>
+    </dgm:linClrLst>
+    <dgm:effectClrLst/>
+    <dgm:txLinClrLst/>
+    <dgm:txFillClrLst/>
+    <dgm:txEffectClrLst/>
+  </dgm:styleLbl>
+  <dgm:styleLbl name="asst3">
+    <dgm:fillClrLst meth="repeat">
+      <a:schemeClr val="accent1"/>
+    </dgm:fillClrLst>
+    <dgm:linClrLst meth="repeat">
+      <a:schemeClr val="lt1"/>
+    </dgm:linClrLst>
+    <dgm:effectClrLst/>
+    <dgm:txLinClrLst/>
+    <dgm:txFillClrLst/>
+    <dgm:txEffectClrLst/>
+  </dgm:styleLbl>
+  <dgm:styleLbl name="asst4">
+    <dgm:fillClrLst meth="repeat">
+      <a:schemeClr val="accent1"/>
+    </dgm:fillClrLst>
+    <dgm:linClrLst meth="repeat">
+      <a:schemeClr val="lt1"/>
+    </dgm:linClrLst>
+    <dgm:effectClrLst/>
+    <dgm:txLinClrLst/>
+    <dgm:txFillClrLst/>
+    <dgm:txEffectClrLst/>
+  </dgm:styleLbl>
+  <dgm:styleLbl name="parChTrans2D1">
+    <dgm:fillClrLst meth="repeat">
+      <a:schemeClr val="accent1">
+        <a:tint val="60000"/>
+      </a:schemeClr>
+    </dgm:fillClrLst>
+    <dgm:linClrLst meth="repeat">
+      <a:schemeClr val="accent1">
+        <a:tint val="60000"/>
+      </a:schemeClr>
+    </dgm:linClrLst>
+    <dgm:effectClrLst/>
+    <dgm:txLinClrLst/>
+    <dgm:txFillClrLst meth="repeat">
+      <a:schemeClr val="lt1"/>
+    </dgm:txFillClrLst>
+    <dgm:txEffectClrLst/>
+  </dgm:styleLbl>
+  <dgm:styleLbl name="parChTrans2D2">
+    <dgm:fillClrLst meth="repeat">
+      <a:schemeClr val="accent1"/>
+    </dgm:fillClrLst>
+    <dgm:linClrLst meth="repeat">
+      <a:schemeClr val="accent1"/>
+    </dgm:linClrLst>
+    <dgm:effectClrLst/>
+    <dgm:txLinClrLst/>
+    <dgm:txFillClrLst meth="repeat">
+      <a:schemeClr val="lt1"/>
+    </dgm:txFillClrLst>
+    <dgm:txEffectClrLst/>
+  </dgm:styleLbl>
+  <dgm:styleLbl name="parChTrans2D3">
+    <dgm:fillClrLst meth="repeat">
+      <a:schemeClr val="accent1"/>
+    </dgm:fillClrLst>
+    <dgm:linClrLst meth="repeat">
+      <a:schemeClr val="accent1"/>
+    </dgm:linClrLst>
+    <dgm:effectClrLst/>
+    <dgm:txLinClrLst/>
+    <dgm:txFillClrLst meth="repeat">
+      <a:schemeClr val="lt1"/>
+    </dgm:txFillClrLst>
+    <dgm:txEffectClrLst/>
+  </dgm:styleLbl>
+  <dgm:styleLbl name="parChTrans2D4">
+    <dgm:fillClrLst meth="repeat">
+      <a:schemeClr val="accent1"/>
+    </dgm:fillClrLst>
+    <dgm:linClrLst meth="repeat">
+      <a:schemeClr val="accent1"/>
+    </dgm:linClrLst>
+    <dgm:effectClrLst/>
+    <dgm:txLinClrLst/>
+    <dgm:txFillClrLst meth="repeat">
+      <a:schemeClr val="lt1"/>
+    </dgm:txFillClrLst>
+    <dgm:txEffectClrLst/>
+  </dgm:styleLbl>
+  <dgm:styleLbl name="parChTrans1D1">
+    <dgm:fillClrLst meth="repeat">
+      <a:schemeClr val="accent1"/>
+    </dgm:fillClrLst>
+    <dgm:linClrLst meth="repeat">
+      <a:schemeClr val="accent1">
+        <a:shade val="60000"/>
+      </a:schemeClr>
+    </dgm:linClrLst>
+    <dgm:effectClrLst/>
+    <dgm:txLinClrLst/>
+    <dgm:txFillClrLst meth="repeat">
+      <a:schemeClr val="tx1"/>
+    </dgm:txFillClrLst>
+    <dgm:txEffectClrLst/>
+  </dgm:styleLbl>
+  <dgm:styleLbl name="parChTrans1D2">
+    <dgm:fillClrLst meth="repeat">
+      <a:schemeClr val="accent1"/>
+    </dgm:fillClrLst>
+    <dgm:linClrLst meth="repeat">
+      <a:schemeClr val="accent1">
+        <a:shade val="60000"/>
+      </a:schemeClr>
+    </dgm:linClrLst>
+    <dgm:effectClrLst/>
+    <dgm:txLinClrLst/>
+    <dgm:txFillClrLst meth="repeat">
+      <a:schemeClr val="tx1"/>
+    </dgm:txFillClrLst>
+    <dgm:txEffectClrLst/>
+  </dgm:styleLbl>
+  <dgm:styleLbl name="parChTrans1D3">
+    <dgm:fillClrLst meth="repeat">
+      <a:schemeClr val="accent1"/>
+    </dgm:fillClrLst>
+    <dgm:linClrLst meth="repeat">
+      <a:schemeClr val="accent1">
+        <a:shade val="80000"/>
+      </a:schemeClr>
+    </dgm:linClrLst>
+    <dgm:effectClrLst/>
+    <dgm:txLinClrLst/>
+    <dgm:txFillClrLst meth="repeat">
+      <a:schemeClr val="tx1"/>
+    </dgm:txFillClrLst>
+    <dgm:txEffectClrLst/>
+  </dgm:styleLbl>
+  <dgm:styleLbl name="parChTrans1D4">
+    <dgm:fillClrLst meth="repeat">
+      <a:schemeClr val="accent1"/>
+    </dgm:fillClrLst>
+    <dgm:linClrLst meth="repeat">
+      <a:schemeClr val="accent1">
+        <a:shade val="80000"/>
+      </a:schemeClr>
+    </dgm:linClrLst>
+    <dgm:effectClrLst/>
+    <dgm:txLinClrLst/>
+    <dgm:txFillClrLst meth="repeat">
+      <a:schemeClr val="tx1"/>
+    </dgm:txFillClrLst>
+    <dgm:txEffectClrLst/>
+  </dgm:styleLbl>
+  <dgm:styleLbl name="fgAcc1">
+    <dgm:fillClrLst meth="repeat">
+      <a:schemeClr val="lt1">
+        <a:alpha val="90000"/>
+      </a:schemeClr>
+    </dgm:fillClrLst>
+    <dgm:linClrLst meth="repeat">
+      <a:schemeClr val="accent1"/>
+    </dgm:linClrLst>
+    <dgm:effectClrLst/>
+    <dgm:txLinClrLst/>
+    <dgm:txFillClrLst meth="repeat">
+      <a:schemeClr val="dk1"/>
+    </dgm:txFillClrLst>
+    <dgm:txEffectClrLst/>
+  </dgm:styleLbl>
+  <dgm:styleLbl name="conFgAcc1">
+    <dgm:fillClrLst meth="repeat">
+      <a:schemeClr val="lt1">
+        <a:alpha val="90000"/>
+      </a:schemeClr>
+    </dgm:fillClrLst>
+    <dgm:linClrLst meth="repeat">
+      <a:schemeClr val="accent1"/>
+    </dgm:linClrLst>
+    <dgm:effectClrLst/>
+    <dgm:txLinClrLst/>
+    <dgm:txFillClrLst meth="repeat">
+      <a:schemeClr val="dk1"/>
+    </dgm:txFillClrLst>
+    <dgm:txEffectClrLst/>
+  </dgm:styleLbl>
+  <dgm:styleLbl name="alignAcc1">
+    <dgm:fillClrLst meth="repeat">
+      <a:schemeClr val="lt1">
+        <a:alpha val="90000"/>
+      </a:schemeClr>
+    </dgm:fillClrLst>
+    <dgm:linClrLst meth="repeat">
+      <a:schemeClr val="accent1"/>
+    </dgm:linClrLst>
+    <dgm:effectClrLst/>
+    <dgm:txLinClrLst/>
+    <dgm:txFillClrLst meth="repeat">
+      <a:schemeClr val="dk1"/>
+    </dgm:txFillClrLst>
+    <dgm:txEffectClrLst/>
+  </dgm:styleLbl>
+  <dgm:styleLbl name="trAlignAcc1">
+    <dgm:fillClrLst meth="repeat">
+      <a:schemeClr val="lt1">
+        <a:alpha val="40000"/>
+      </a:schemeClr>
+    </dgm:fillClrLst>
+    <dgm:linClrLst meth="repeat">
+      <a:schemeClr val="accent1"/>
+    </dgm:linClrLst>
+    <dgm:effectClrLst/>
+    <dgm:txLinClrLst/>
+    <dgm:txFillClrLst meth="repeat">
+      <a:schemeClr val="dk1"/>
+    </dgm:txFillClrLst>
+    <dgm:txEffectClrLst/>
+  </dgm:styleLbl>
+  <dgm:styleLbl name="bgAcc1">
+    <dgm:fillClrLst meth="repeat">
+      <a:schemeClr val="lt1">
+        <a:alpha val="90000"/>
+      </a:schemeClr>
+    </dgm:fillClrLst>
+    <dgm:linClrLst meth="repeat">
+      <a:schemeClr val="accent1"/>
+    </dgm:linClrLst>
+    <dgm:effectClrLst/>
+    <dgm:txLinClrLst/>
+    <dgm:txFillClrLst meth="repeat">
+      <a:schemeClr val="dk1"/>
+    </dgm:txFillClrLst>
+    <dgm:txEffectClrLst/>
+  </dgm:styleLbl>
+  <dgm:styleLbl name="solidFgAcc1">
+    <dgm:fillClrLst meth="repeat">
+      <a:schemeClr val="lt1"/>
+    </dgm:fillClrLst>
+    <dgm:linClrLst meth="repeat">
+      <a:schemeClr val="accent1"/>
+    </dgm:linClrLst>
+    <dgm:effectClrLst/>
+    <dgm:txLinClrLst/>
+    <dgm:txFillClrLst meth="repeat">
+      <a:schemeClr val="dk1"/>
+    </dgm:txFillClrLst>
+    <dgm:txEffectClrLst/>
+  </dgm:styleLbl>
+  <dgm:styleLbl name="solidAlignAcc1">
+    <dgm:fillClrLst meth="repeat">
+      <a:schemeClr val="lt1"/>
+    </dgm:fillClrLst>
+    <dgm:linClrLst meth="repeat">
+      <a:schemeClr val="accent1"/>
+    </dgm:linClrLst>
+    <dgm:effectClrLst/>
+    <dgm:txLinClrLst/>
+    <dgm:txFillClrLst meth="repeat">
+      <a:schemeClr val="dk1"/>
+    </dgm:txFillClrLst>
+    <dgm:txEffectClrLst/>
+  </dgm:styleLbl>
+  <dgm:styleLbl name="solidBgAcc1">
+    <dgm:fillClrLst meth="repeat">
+      <a:schemeClr val="lt1"/>
+    </dgm:fillClrLst>
+    <dgm:linClrLst meth="repeat">
+      <a:schemeClr val="accent1"/>
+    </dgm:linClrLst>
+    <dgm:effectClrLst/>
+    <dgm:txLinClrLst/>
+    <dgm:txFillClrLst meth="repeat">
+      <a:schemeClr val="dk1"/>
+    </dgm:txFillClrLst>
+    <dgm:txEffectClrLst/>
+  </dgm:styleLbl>
+  <dgm:styleLbl name="fgAccFollowNode1">
+    <dgm:fillClrLst meth="repeat">
+      <a:schemeClr val="accent1">
+        <a:alpha val="90000"/>
+        <a:tint val="40000"/>
+      </a:schemeClr>
+    </dgm:fillClrLst>
+    <dgm:linClrLst meth="repeat">
+      <a:schemeClr val="accent1">
+        <a:alpha val="90000"/>
+        <a:tint val="40000"/>
+      </a:schemeClr>
+    </dgm:linClrLst>
+    <dgm:effectClrLst/>
+    <dgm:txLinClrLst/>
+    <dgm:txFillClrLst meth="repeat">
+      <a:schemeClr val="dk1"/>
+    </dgm:txFillClrLst>
+    <dgm:txEffectClrLst/>
+  </dgm:styleLbl>
+  <dgm:styleLbl name="alignAccFollowNode1">
+    <dgm:fillClrLst meth="repeat">
+      <a:schemeClr val="accent1">
+        <a:alpha val="90000"/>
+        <a:tint val="40000"/>
+      </a:schemeClr>
+    </dgm:fillClrLst>
+    <dgm:linClrLst meth="repeat">
+      <a:schemeClr val="accent1">
+        <a:alpha val="90000"/>
+        <a:tint val="40000"/>
+      </a:schemeClr>
+    </dgm:linClrLst>
+    <dgm:effectClrLst/>
+    <dgm:txLinClrLst/>
+    <dgm:txFillClrLst meth="repeat">
+      <a:schemeClr val="dk1"/>
+    </dgm:txFillClrLst>
+    <dgm:txEffectClrLst/>
+  </dgm:styleLbl>
+  <dgm:styleLbl name="bgAccFollowNode1">
+    <dgm:fillClrLst meth="repeat">
+      <a:schemeClr val="accent1">
+        <a:alpha val="90000"/>
+        <a:tint val="40000"/>
+      </a:schemeClr>
+    </dgm:fillClrLst>
+    <dgm:linClrLst meth="repeat">
+      <a:schemeClr val="accent1">
+        <a:alpha val="90000"/>
+        <a:tint val="40000"/>
+      </a:schemeClr>
+    </dgm:linClrLst>
+    <dgm:effectClrLst/>
+    <dgm:txLinClrLst/>
+    <dgm:txFillClrLst meth="repeat">
+      <a:schemeClr val="dk1"/>
+    </dgm:txFillClrLst>
+    <dgm:txEffectClrLst/>
+  </dgm:styleLbl>
+  <dgm:styleLbl name="fgAcc0">
+    <dgm:fillClrLst meth="repeat">
+      <a:schemeClr val="lt1">
+        <a:alpha val="90000"/>
+      </a:schemeClr>
+    </dgm:fillClrLst>
+    <dgm:linClrLst meth="repeat">
+      <a:schemeClr val="accent1"/>
+    </dgm:linClrLst>
+    <dgm:effectClrLst/>
+    <dgm:txLinClrLst/>
+    <dgm:txFillClrLst meth="repeat">
+      <a:schemeClr val="dk1"/>
+    </dgm:txFillClrLst>
+    <dgm:txEffectClrLst/>
+  </dgm:styleLbl>
+  <dgm:styleLbl name="fgAcc2">
+    <dgm:fillClrLst meth="repeat">
+      <a:schemeClr val="lt1">
+        <a:alpha val="90000"/>
+      </a:schemeClr>
+    </dgm:fillClrLst>
+    <dgm:linClrLst meth="repeat">
+      <a:schemeClr val="accent1"/>
+    </dgm:linClrLst>
+    <dgm:effectClrLst/>
+    <dgm:txLinClrLst/>
+    <dgm:txFillClrLst meth="repeat">
+      <a:schemeClr val="dk1"/>
+    </dgm:txFillClrLst>
+    <dgm:txEffectClrLst/>
+  </dgm:styleLbl>
+  <dgm:styleLbl name="fgAcc3">
+    <dgm:fillClrLst meth="repeat">
+      <a:schemeClr val="lt1">
+        <a:alpha val="90000"/>
+      </a:schemeClr>
+    </dgm:fillClrLst>
+    <dgm:linClrLst meth="repeat">
+      <a:schemeClr val="accent1"/>
+    </dgm:linClrLst>
+    <dgm:effectClrLst/>
+    <dgm:txLinClrLst/>
+    <dgm:txFillClrLst meth="repeat">
+      <a:schemeClr val="dk1"/>
+    </dgm:txFillClrLst>
+    <dgm:txEffectClrLst/>
+  </dgm:styleLbl>
+  <dgm:styleLbl name="fgAcc4">
+    <dgm:fillClrLst meth="repeat">
+      <a:schemeClr val="lt1">
+        <a:alpha val="90000"/>
+      </a:schemeClr>
+    </dgm:fillClrLst>
+    <dgm:linClrLst meth="repeat">
+      <a:schemeClr val="accent1"/>
+    </dgm:linClrLst>
+    <dgm:effectClrLst/>
+    <dgm:txLinClrLst/>
+    <dgm:txFillClrLst meth="repeat">
+      <a:schemeClr val="dk1"/>
+    </dgm:txFillClrLst>
+    <dgm:txEffectClrLst/>
+  </dgm:styleLbl>
+  <dgm:styleLbl name="bgShp">
+    <dgm:fillClrLst meth="repeat">
+      <a:schemeClr val="accent1">
+        <a:tint val="40000"/>
+      </a:schemeClr>
+    </dgm:fillClrLst>
+    <dgm:linClrLst meth="repeat">
+      <a:schemeClr val="accent1"/>
+    </dgm:linClrLst>
+    <dgm:effectClrLst/>
+    <dgm:txLinClrLst/>
+    <dgm:txFillClrLst meth="repeat">
+      <a:schemeClr val="dk1"/>
+    </dgm:txFillClrLst>
+    <dgm:txEffectClrLst/>
+  </dgm:styleLbl>
+  <dgm:styleLbl name="dkBgShp">
+    <dgm:fillClrLst meth="repeat">
+      <a:schemeClr val="accent1">
+        <a:shade val="80000"/>
+      </a:schemeClr>
+    </dgm:fillClrLst>
+    <dgm:linClrLst meth="repeat">
+      <a:schemeClr val="accent1"/>
+    </dgm:linClrLst>
+    <dgm:effectClrLst/>
+    <dgm:txLinClrLst/>
+    <dgm:txFillClrLst meth="repeat">
+      <a:schemeClr val="lt1"/>
+    </dgm:txFillClrLst>
+    <dgm:txEffectClrLst/>
+  </dgm:styleLbl>
+  <dgm:styleLbl name="trBgShp">
+    <dgm:fillClrLst meth="repeat">
+      <a:schemeClr val="accent1">
+        <a:tint val="50000"/>
+        <a:alpha val="40000"/>
+      </a:schemeClr>
+    </dgm:fillClrLst>
+    <dgm:linClrLst meth="repeat">
+      <a:schemeClr val="accent1"/>
+    </dgm:linClrLst>
+    <dgm:effectClrLst/>
+    <dgm:txLinClrLst/>
+    <dgm:txFillClrLst meth="repeat">
+      <a:schemeClr val="lt1"/>
+    </dgm:txFillClrLst>
+    <dgm:txEffectClrLst/>
+  </dgm:styleLbl>
+  <dgm:styleLbl name="fgShp">
+    <dgm:fillClrLst meth="repeat">
+      <a:schemeClr val="accent1">
+        <a:tint val="60000"/>
+      </a:schemeClr>
+    </dgm:fillClrLst>
+    <dgm:linClrLst meth="repeat">
+      <a:schemeClr val="lt1"/>
+    </dgm:linClrLst>
+    <dgm:effectClrLst/>
+    <dgm:txLinClrLst/>
+    <dgm:txFillClrLst meth="repeat">
+      <a:schemeClr val="dk1"/>
+    </dgm:txFillClrLst>
+    <dgm:txEffectClrLst/>
+  </dgm:styleLbl>
+  <dgm:styleLbl name="revTx">
+    <dgm:fillClrLst meth="repeat">
+      <a:schemeClr val="lt1">
+        <a:alpha val="0"/>
+      </a:schemeClr>
+    </dgm:fillClrLst>
+    <dgm:linClrLst meth="repeat">
+      <a:schemeClr val="dk1">
+        <a:alpha val="0"/>
+      </a:schemeClr>
+    </dgm:linClrLst>
+    <dgm:effectClrLst/>
+    <dgm:txLinClrLst/>
+    <dgm:txFillClrLst meth="repeat">
+      <a:schemeClr val="tx1"/>
+    </dgm:txFillClrLst>
+    <dgm:txEffectClrLst/>
+  </dgm:styleLbl>
+</dgm:colorsDef>
+</file>
+
+<file path=ppt/diagrams/colors6.xml><?xml version="1.0" encoding="utf-8"?>
 <dgm:colorsDef xmlns:dgm="http://schemas.openxmlformats.org/drawingml/2006/diagram" xmlns:a="http://schemas.openxmlformats.org/drawingml/2006/main" uniqueId="urn:microsoft.com/office/officeart/2005/8/colors/accent1_2">
   <dgm:title val=""/>
   <dgm:desc val=""/>
@@ -7809,8 +8556,8 @@
     <dgm:cxn modelId="{7EC4CCEE-A36A-43C6-95E1-0480A1BAEE8F}" srcId="{C450AFBD-D19E-4FDA-929B-E1A653D8E4DD}" destId="{85C598A0-BCCA-4BF4-BD0C-322094E95D20}" srcOrd="0" destOrd="0" parTransId="{DF9A3197-7551-4AB0-9864-A3DFF256CB2F}" sibTransId="{F8D97D87-512C-42B0-8BCF-6EB0500ECB4A}"/>
     <dgm:cxn modelId="{DFCB5525-E174-4B2A-ADBB-B3D93E2D2A6C}" srcId="{28621352-D8C8-4462-A38B-5ED8DAECF65B}" destId="{46D51864-616F-4817-8F91-3E15814C4CD5}" srcOrd="3" destOrd="0" parTransId="{E2AE9E1E-E0FB-47DC-9337-191CB5B936CB}" sibTransId="{E9DF6DF7-3E08-45C9-8B8E-841EA30C8B33}"/>
     <dgm:cxn modelId="{F0D4F50D-5A17-422C-8331-D8004DD48F14}" srcId="{28621352-D8C8-4462-A38B-5ED8DAECF65B}" destId="{F6891DC3-F7D4-4219-BD99-E633DF7F9C99}" srcOrd="0" destOrd="0" parTransId="{1B245E6A-BCBD-4310-AB1B-65FCE10DA84E}" sibTransId="{1D2F8BD6-4E8D-44E7-BB11-49A85F68390E}"/>
+    <dgm:cxn modelId="{1B2F4A6A-C043-4023-88D6-A1926ECC69A4}" srcId="{F6891DC3-F7D4-4219-BD99-E633DF7F9C99}" destId="{0C38124E-1BE8-4699-A409-7E5EBEFC0B05}" srcOrd="0" destOrd="0" parTransId="{DE70DA72-A786-427A-941B-FDB83111C9ED}" sibTransId="{3D61EFA4-1337-4488-B664-71047F49B8E8}"/>
     <dgm:cxn modelId="{5FB863EE-1950-496B-8FF6-A06CB4BCC373}" srcId="{46D51864-616F-4817-8F91-3E15814C4CD5}" destId="{F67643B1-22DC-47B4-B3B5-BF746A707484}" srcOrd="2" destOrd="0" parTransId="{8BDF7434-6C4C-4F44-B49E-8CEB0F7057E5}" sibTransId="{46B476B1-E80F-4347-839F-665DE47D6FA7}"/>
-    <dgm:cxn modelId="{1B2F4A6A-C043-4023-88D6-A1926ECC69A4}" srcId="{F6891DC3-F7D4-4219-BD99-E633DF7F9C99}" destId="{0C38124E-1BE8-4699-A409-7E5EBEFC0B05}" srcOrd="0" destOrd="0" parTransId="{DE70DA72-A786-427A-941B-FDB83111C9ED}" sibTransId="{3D61EFA4-1337-4488-B664-71047F49B8E8}"/>
     <dgm:cxn modelId="{325076B5-CAF0-4A95-8C9C-B4FA4C794795}" srcId="{28621352-D8C8-4462-A38B-5ED8DAECF65B}" destId="{DD847369-FD52-47A4-9862-6E0F26E8356D}" srcOrd="1" destOrd="0" parTransId="{68F9C435-6FFD-40A0-A071-F2D05C6DAF67}" sibTransId="{6B1F0A42-3C88-4789-98FD-E29CD4BA95FC}"/>
     <dgm:cxn modelId="{C7B12F29-6D9C-4F55-B0B4-0C52E4894C4D}" srcId="{C450AFBD-D19E-4FDA-929B-E1A653D8E4DD}" destId="{CF9922EE-48BF-4D32-9CA3-D69D0E77782E}" srcOrd="2" destOrd="0" parTransId="{76B7A7CB-BEA7-4835-8CFB-5DE74BC2A803}" sibTransId="{A2A6269D-5DD5-43D6-9B36-4E362826A8F1}"/>
     <dgm:cxn modelId="{C97EDC3C-F975-4058-9CA6-846C8132FD7D}" type="presOf" srcId="{F6891DC3-F7D4-4219-BD99-E633DF7F9C99}" destId="{A95D184C-E14B-4F00-909E-013D2800488D}" srcOrd="0" destOrd="0" presId="urn:microsoft.com/office/officeart/2005/8/layout/vList2"/>
@@ -9572,10 +10319,10 @@
         <a:p>
           <a:pPr rtl="0"/>
           <a:r>
-            <a:rPr lang="es-AR" sz="3600" dirty="0" smtClean="0"/>
+            <a:rPr lang="es-AR" sz="2800" dirty="0" smtClean="0"/>
             <a:t>Codificación</a:t>
           </a:r>
-          <a:endParaRPr lang="es-AR" sz="3600" dirty="0"/>
+          <a:endParaRPr lang="es-AR" sz="2800" dirty="0"/>
         </a:p>
       </dgm:t>
     </dgm:pt>
@@ -9914,13 +10661,20 @@
         </dgm:presLayoutVars>
       </dgm:prSet>
       <dgm:spPr/>
+      <dgm:t>
+        <a:bodyPr/>
+        <a:lstStyle/>
+        <a:p>
+          <a:endParaRPr lang="es-AR"/>
+        </a:p>
+      </dgm:t>
     </dgm:pt>
     <dgm:pt modelId="{60EC01F1-ED48-494B-B4BA-D55A8116085B}" type="pres">
       <dgm:prSet presAssocID="{D4710F43-EE97-49CD-8E8C-AD6A07944C3E}" presName="compNode" presStyleCnt="0"/>
       <dgm:spPr/>
     </dgm:pt>
     <dgm:pt modelId="{C3E4C14D-FADB-4B70-9DB0-F6F5070E6653}" type="pres">
-      <dgm:prSet presAssocID="{D4710F43-EE97-49CD-8E8C-AD6A07944C3E}" presName="childRect" presStyleLbl="bgAcc1" presStyleIdx="0" presStyleCnt="1">
+      <dgm:prSet presAssocID="{D4710F43-EE97-49CD-8E8C-AD6A07944C3E}" presName="childRect" presStyleLbl="bgAcc1" presStyleIdx="0" presStyleCnt="1" custScaleY="127427" custLinFactNeighborX="-52" custLinFactNeighborY="-18186">
         <dgm:presLayoutVars>
           <dgm:bulletEnabled val="1"/>
         </dgm:presLayoutVars>
@@ -9942,10 +10696,24 @@
         </dgm:presLayoutVars>
       </dgm:prSet>
       <dgm:spPr/>
+      <dgm:t>
+        <a:bodyPr/>
+        <a:lstStyle/>
+        <a:p>
+          <a:endParaRPr lang="es-AR"/>
+        </a:p>
+      </dgm:t>
     </dgm:pt>
     <dgm:pt modelId="{5E16F7FD-100F-4FE9-BA68-60C2373DD4BA}" type="pres">
-      <dgm:prSet presAssocID="{D4710F43-EE97-49CD-8E8C-AD6A07944C3E}" presName="parentRect" presStyleLbl="alignNode1" presStyleIdx="0" presStyleCnt="1"/>
+      <dgm:prSet presAssocID="{D4710F43-EE97-49CD-8E8C-AD6A07944C3E}" presName="parentRect" presStyleLbl="alignNode1" presStyleIdx="0" presStyleCnt="1" custScaleY="120347"/>
       <dgm:spPr/>
+      <dgm:t>
+        <a:bodyPr/>
+        <a:lstStyle/>
+        <a:p>
+          <a:endParaRPr lang="es-AR"/>
+        </a:p>
+      </dgm:t>
     </dgm:pt>
     <dgm:pt modelId="{5DB2626C-8213-4844-BFCC-05754AAA0396}" type="pres">
       <dgm:prSet presAssocID="{D4710F43-EE97-49CD-8E8C-AD6A07944C3E}" presName="adorn" presStyleLbl="fgAccFollowNode1" presStyleIdx="0" presStyleCnt="1" custScaleX="148432"/>
@@ -9963,26 +10731,26 @@
     </dgm:pt>
   </dgm:ptLst>
   <dgm:cxnLst>
+    <dgm:cxn modelId="{3A79AD5C-CCD6-46B0-828A-D69339BC1DDF}" srcId="{D4710F43-EE97-49CD-8E8C-AD6A07944C3E}" destId="{FA0EAB48-6DF8-4149-B3BF-0EE8D8E3C43D}" srcOrd="2" destOrd="0" parTransId="{92384121-8B41-4CD4-8B82-05DAA23C36CE}" sibTransId="{CAA01D1F-F78C-42BA-9DF1-07C30E5D7988}"/>
+    <dgm:cxn modelId="{86966444-5C2F-4567-BAA2-17221C43E65B}" srcId="{D4710F43-EE97-49CD-8E8C-AD6A07944C3E}" destId="{A1DCD31B-C27D-4FC8-83CE-B597266481CD}" srcOrd="0" destOrd="0" parTransId="{F32B10CE-1DD1-468D-BA42-ABF87C14FE0C}" sibTransId="{56E70B91-9C2C-458C-BD61-86BBB848404D}"/>
+    <dgm:cxn modelId="{6ECC7A49-F5EA-4B68-A369-E98BC9402E60}" srcId="{F4A5EF57-F00C-4EAE-9770-3E71709ACF14}" destId="{95F43B4E-17D3-4F29-82C2-396B78777945}" srcOrd="2" destOrd="0" parTransId="{39CF465A-99D2-4AE8-968D-B343D33290EA}" sibTransId="{6A781983-071C-4BEB-8612-32A58314EB24}"/>
+    <dgm:cxn modelId="{12541F2F-D127-4ABA-B510-40583222BBB3}" srcId="{F4A5EF57-F00C-4EAE-9770-3E71709ACF14}" destId="{785E48DD-A69D-42EE-9CF4-A32AEF48C992}" srcOrd="0" destOrd="0" parTransId="{DE83C865-49CB-4A36-ABA0-07ED3A2DA39F}" sibTransId="{6B18B318-1277-435F-8F07-6640DA404678}"/>
+    <dgm:cxn modelId="{AF8BF8A3-78EF-42F3-8F26-CAD33E6F2641}" type="presOf" srcId="{95F43B4E-17D3-4F29-82C2-396B78777945}" destId="{C3E4C14D-FADB-4B70-9DB0-F6F5070E6653}" srcOrd="0" destOrd="4" presId="urn:microsoft.com/office/officeart/2005/8/layout/bList2"/>
+    <dgm:cxn modelId="{BE8A6295-31CD-4EC9-9036-9003657D35E9}" type="presOf" srcId="{7BFCFFAD-2E02-44B3-A82F-5313A4ADCA37}" destId="{BB915C14-9571-484B-B635-E4995289D582}" srcOrd="0" destOrd="0" presId="urn:microsoft.com/office/officeart/2005/8/layout/bList2"/>
+    <dgm:cxn modelId="{B9ACEC2F-AF06-485F-A7FC-732F1F57ABCE}" type="presOf" srcId="{ED3407EB-6757-4729-94CC-F68DA639DA1B}" destId="{C3E4C14D-FADB-4B70-9DB0-F6F5070E6653}" srcOrd="0" destOrd="7" presId="urn:microsoft.com/office/officeart/2005/8/layout/bList2"/>
+    <dgm:cxn modelId="{8C5BE510-6F4D-4088-9320-367F9E9C6545}" srcId="{D4710F43-EE97-49CD-8E8C-AD6A07944C3E}" destId="{ED3407EB-6757-4729-94CC-F68DA639DA1B}" srcOrd="4" destOrd="0" parTransId="{E81658B2-CC60-428D-910E-01DFA97734D9}" sibTransId="{71CC4B70-5598-45BA-A434-F84D3931CDA6}"/>
+    <dgm:cxn modelId="{0301B5FD-7526-4622-A4DC-BAE733D0B081}" type="presOf" srcId="{D4710F43-EE97-49CD-8E8C-AD6A07944C3E}" destId="{2E1CB83D-2E50-48CB-AD0B-522700580504}" srcOrd="0" destOrd="0" presId="urn:microsoft.com/office/officeart/2005/8/layout/bList2"/>
+    <dgm:cxn modelId="{5E26BF21-8D93-4F8A-B5EF-58E96A15BE6B}" srcId="{D4710F43-EE97-49CD-8E8C-AD6A07944C3E}" destId="{B0260DC2-3248-4E69-8DEC-0B15C67E978C}" srcOrd="3" destOrd="0" parTransId="{5E1029D4-D952-40CD-838D-F12F632DABB3}" sibTransId="{98B94568-D94C-40BF-92CF-6F3669B34F5F}"/>
+    <dgm:cxn modelId="{A1566682-F389-469C-8657-166906F4C3B2}" srcId="{F4A5EF57-F00C-4EAE-9770-3E71709ACF14}" destId="{99767438-5EF4-4637-A4A4-4DA3ADE482DB}" srcOrd="1" destOrd="0" parTransId="{A3BEDD90-1D4F-45BB-B8CF-C0E7CE59BDC3}" sibTransId="{674943E3-444F-4D66-BD63-2E6FA4E092BE}"/>
+    <dgm:cxn modelId="{7743D379-2B25-47AB-9253-AC8E6730330F}" srcId="{7BFCFFAD-2E02-44B3-A82F-5313A4ADCA37}" destId="{D4710F43-EE97-49CD-8E8C-AD6A07944C3E}" srcOrd="0" destOrd="0" parTransId="{31B0AD12-5C87-40C1-8DD1-697718AB2A63}" sibTransId="{B44699F1-2663-4A5E-BFEA-0BFE11B86727}"/>
+    <dgm:cxn modelId="{538917DF-77DD-4B76-8FAD-E6E7F8CCDF4F}" type="presOf" srcId="{FA0EAB48-6DF8-4149-B3BF-0EE8D8E3C43D}" destId="{C3E4C14D-FADB-4B70-9DB0-F6F5070E6653}" srcOrd="0" destOrd="5" presId="urn:microsoft.com/office/officeart/2005/8/layout/bList2"/>
+    <dgm:cxn modelId="{2DE0ECDA-E86C-4A1D-ABDA-BDDABC736FEA}" type="presOf" srcId="{99767438-5EF4-4637-A4A4-4DA3ADE482DB}" destId="{C3E4C14D-FADB-4B70-9DB0-F6F5070E6653}" srcOrd="0" destOrd="3" presId="urn:microsoft.com/office/officeart/2005/8/layout/bList2"/>
+    <dgm:cxn modelId="{EE8FA783-D800-4ABF-BA50-C1A70CCC447B}" type="presOf" srcId="{785E48DD-A69D-42EE-9CF4-A32AEF48C992}" destId="{C3E4C14D-FADB-4B70-9DB0-F6F5070E6653}" srcOrd="0" destOrd="2" presId="urn:microsoft.com/office/officeart/2005/8/layout/bList2"/>
+    <dgm:cxn modelId="{EC171F3F-5287-4C4C-8460-FD0C056B2982}" srcId="{D4710F43-EE97-49CD-8E8C-AD6A07944C3E}" destId="{F4A5EF57-F00C-4EAE-9770-3E71709ACF14}" srcOrd="1" destOrd="0" parTransId="{3DAFCC68-0ECA-4E8B-87C0-2227CE80C3E8}" sibTransId="{70BA8B86-FAB7-4D43-B001-A9EA81AC8D79}"/>
+    <dgm:cxn modelId="{D968E2E4-6CEA-4EDB-B4CC-DE3CAE8F8567}" type="presOf" srcId="{F4A5EF57-F00C-4EAE-9770-3E71709ACF14}" destId="{C3E4C14D-FADB-4B70-9DB0-F6F5070E6653}" srcOrd="0" destOrd="1" presId="urn:microsoft.com/office/officeart/2005/8/layout/bList2"/>
+    <dgm:cxn modelId="{7F32025B-8E99-40D8-8165-84504E4594E8}" type="presOf" srcId="{D4710F43-EE97-49CD-8E8C-AD6A07944C3E}" destId="{5E16F7FD-100F-4FE9-BA68-60C2373DD4BA}" srcOrd="1" destOrd="0" presId="urn:microsoft.com/office/officeart/2005/8/layout/bList2"/>
+    <dgm:cxn modelId="{312BBC2F-2041-4BF5-9EBF-53F8F6089DBC}" type="presOf" srcId="{A1DCD31B-C27D-4FC8-83CE-B597266481CD}" destId="{C3E4C14D-FADB-4B70-9DB0-F6F5070E6653}" srcOrd="0" destOrd="0" presId="urn:microsoft.com/office/officeart/2005/8/layout/bList2"/>
     <dgm:cxn modelId="{EE323969-6928-4F35-85C8-157A0EE6E460}" type="presOf" srcId="{B0260DC2-3248-4E69-8DEC-0B15C67E978C}" destId="{C3E4C14D-FADB-4B70-9DB0-F6F5070E6653}" srcOrd="0" destOrd="6" presId="urn:microsoft.com/office/officeart/2005/8/layout/bList2"/>
-    <dgm:cxn modelId="{312BBC2F-2041-4BF5-9EBF-53F8F6089DBC}" type="presOf" srcId="{A1DCD31B-C27D-4FC8-83CE-B597266481CD}" destId="{C3E4C14D-FADB-4B70-9DB0-F6F5070E6653}" srcOrd="0" destOrd="0" presId="urn:microsoft.com/office/officeart/2005/8/layout/bList2"/>
-    <dgm:cxn modelId="{8C5BE510-6F4D-4088-9320-367F9E9C6545}" srcId="{D4710F43-EE97-49CD-8E8C-AD6A07944C3E}" destId="{ED3407EB-6757-4729-94CC-F68DA639DA1B}" srcOrd="4" destOrd="0" parTransId="{E81658B2-CC60-428D-910E-01DFA97734D9}" sibTransId="{71CC4B70-5598-45BA-A434-F84D3931CDA6}"/>
-    <dgm:cxn modelId="{A1566682-F389-469C-8657-166906F4C3B2}" srcId="{F4A5EF57-F00C-4EAE-9770-3E71709ACF14}" destId="{99767438-5EF4-4637-A4A4-4DA3ADE482DB}" srcOrd="1" destOrd="0" parTransId="{A3BEDD90-1D4F-45BB-B8CF-C0E7CE59BDC3}" sibTransId="{674943E3-444F-4D66-BD63-2E6FA4E092BE}"/>
-    <dgm:cxn modelId="{538917DF-77DD-4B76-8FAD-E6E7F8CCDF4F}" type="presOf" srcId="{FA0EAB48-6DF8-4149-B3BF-0EE8D8E3C43D}" destId="{C3E4C14D-FADB-4B70-9DB0-F6F5070E6653}" srcOrd="0" destOrd="5" presId="urn:microsoft.com/office/officeart/2005/8/layout/bList2"/>
-    <dgm:cxn modelId="{12541F2F-D127-4ABA-B510-40583222BBB3}" srcId="{F4A5EF57-F00C-4EAE-9770-3E71709ACF14}" destId="{785E48DD-A69D-42EE-9CF4-A32AEF48C992}" srcOrd="0" destOrd="0" parTransId="{DE83C865-49CB-4A36-ABA0-07ED3A2DA39F}" sibTransId="{6B18B318-1277-435F-8F07-6640DA404678}"/>
-    <dgm:cxn modelId="{EE8FA783-D800-4ABF-BA50-C1A70CCC447B}" type="presOf" srcId="{785E48DD-A69D-42EE-9CF4-A32AEF48C992}" destId="{C3E4C14D-FADB-4B70-9DB0-F6F5070E6653}" srcOrd="0" destOrd="2" presId="urn:microsoft.com/office/officeart/2005/8/layout/bList2"/>
-    <dgm:cxn modelId="{6ECC7A49-F5EA-4B68-A369-E98BC9402E60}" srcId="{F4A5EF57-F00C-4EAE-9770-3E71709ACF14}" destId="{95F43B4E-17D3-4F29-82C2-396B78777945}" srcOrd="2" destOrd="0" parTransId="{39CF465A-99D2-4AE8-968D-B343D33290EA}" sibTransId="{6A781983-071C-4BEB-8612-32A58314EB24}"/>
-    <dgm:cxn modelId="{D968E2E4-6CEA-4EDB-B4CC-DE3CAE8F8567}" type="presOf" srcId="{F4A5EF57-F00C-4EAE-9770-3E71709ACF14}" destId="{C3E4C14D-FADB-4B70-9DB0-F6F5070E6653}" srcOrd="0" destOrd="1" presId="urn:microsoft.com/office/officeart/2005/8/layout/bList2"/>
-    <dgm:cxn modelId="{BE8A6295-31CD-4EC9-9036-9003657D35E9}" type="presOf" srcId="{7BFCFFAD-2E02-44B3-A82F-5313A4ADCA37}" destId="{BB915C14-9571-484B-B635-E4995289D582}" srcOrd="0" destOrd="0" presId="urn:microsoft.com/office/officeart/2005/8/layout/bList2"/>
-    <dgm:cxn modelId="{AF8BF8A3-78EF-42F3-8F26-CAD33E6F2641}" type="presOf" srcId="{95F43B4E-17D3-4F29-82C2-396B78777945}" destId="{C3E4C14D-FADB-4B70-9DB0-F6F5070E6653}" srcOrd="0" destOrd="4" presId="urn:microsoft.com/office/officeart/2005/8/layout/bList2"/>
-    <dgm:cxn modelId="{EC171F3F-5287-4C4C-8460-FD0C056B2982}" srcId="{D4710F43-EE97-49CD-8E8C-AD6A07944C3E}" destId="{F4A5EF57-F00C-4EAE-9770-3E71709ACF14}" srcOrd="1" destOrd="0" parTransId="{3DAFCC68-0ECA-4E8B-87C0-2227CE80C3E8}" sibTransId="{70BA8B86-FAB7-4D43-B001-A9EA81AC8D79}"/>
-    <dgm:cxn modelId="{0301B5FD-7526-4622-A4DC-BAE733D0B081}" type="presOf" srcId="{D4710F43-EE97-49CD-8E8C-AD6A07944C3E}" destId="{2E1CB83D-2E50-48CB-AD0B-522700580504}" srcOrd="0" destOrd="0" presId="urn:microsoft.com/office/officeart/2005/8/layout/bList2"/>
-    <dgm:cxn modelId="{7F32025B-8E99-40D8-8165-84504E4594E8}" type="presOf" srcId="{D4710F43-EE97-49CD-8E8C-AD6A07944C3E}" destId="{5E16F7FD-100F-4FE9-BA68-60C2373DD4BA}" srcOrd="1" destOrd="0" presId="urn:microsoft.com/office/officeart/2005/8/layout/bList2"/>
-    <dgm:cxn modelId="{7743D379-2B25-47AB-9253-AC8E6730330F}" srcId="{7BFCFFAD-2E02-44B3-A82F-5313A4ADCA37}" destId="{D4710F43-EE97-49CD-8E8C-AD6A07944C3E}" srcOrd="0" destOrd="0" parTransId="{31B0AD12-5C87-40C1-8DD1-697718AB2A63}" sibTransId="{B44699F1-2663-4A5E-BFEA-0BFE11B86727}"/>
-    <dgm:cxn modelId="{3A79AD5C-CCD6-46B0-828A-D69339BC1DDF}" srcId="{D4710F43-EE97-49CD-8E8C-AD6A07944C3E}" destId="{FA0EAB48-6DF8-4149-B3BF-0EE8D8E3C43D}" srcOrd="2" destOrd="0" parTransId="{92384121-8B41-4CD4-8B82-05DAA23C36CE}" sibTransId="{CAA01D1F-F78C-42BA-9DF1-07C30E5D7988}"/>
-    <dgm:cxn modelId="{B9ACEC2F-AF06-485F-A7FC-732F1F57ABCE}" type="presOf" srcId="{ED3407EB-6757-4729-94CC-F68DA639DA1B}" destId="{C3E4C14D-FADB-4B70-9DB0-F6F5070E6653}" srcOrd="0" destOrd="7" presId="urn:microsoft.com/office/officeart/2005/8/layout/bList2"/>
-    <dgm:cxn modelId="{5E26BF21-8D93-4F8A-B5EF-58E96A15BE6B}" srcId="{D4710F43-EE97-49CD-8E8C-AD6A07944C3E}" destId="{B0260DC2-3248-4E69-8DEC-0B15C67E978C}" srcOrd="3" destOrd="0" parTransId="{5E1029D4-D952-40CD-838D-F12F632DABB3}" sibTransId="{98B94568-D94C-40BF-92CF-6F3669B34F5F}"/>
-    <dgm:cxn modelId="{86966444-5C2F-4567-BAA2-17221C43E65B}" srcId="{D4710F43-EE97-49CD-8E8C-AD6A07944C3E}" destId="{A1DCD31B-C27D-4FC8-83CE-B597266481CD}" srcOrd="0" destOrd="0" parTransId="{F32B10CE-1DD1-468D-BA42-ABF87C14FE0C}" sibTransId="{56E70B91-9C2C-458C-BD61-86BBB848404D}"/>
-    <dgm:cxn modelId="{2DE0ECDA-E86C-4A1D-ABDA-BDDABC736FEA}" type="presOf" srcId="{99767438-5EF4-4637-A4A4-4DA3ADE482DB}" destId="{C3E4C14D-FADB-4B70-9DB0-F6F5070E6653}" srcOrd="0" destOrd="3" presId="urn:microsoft.com/office/officeart/2005/8/layout/bList2"/>
     <dgm:cxn modelId="{FE0F5FE2-8394-4041-AE7F-B4E30ED9EED9}" type="presParOf" srcId="{BB915C14-9571-484B-B635-E4995289D582}" destId="{60EC01F1-ED48-494B-B4BA-D55A8116085B}" srcOrd="0" destOrd="0" presId="urn:microsoft.com/office/officeart/2005/8/layout/bList2"/>
     <dgm:cxn modelId="{6E322D72-7035-44CE-B219-4CA56260F145}" type="presParOf" srcId="{60EC01F1-ED48-494B-B4BA-D55A8116085B}" destId="{C3E4C14D-FADB-4B70-9DB0-F6F5070E6653}" srcOrd="0" destOrd="0" presId="urn:microsoft.com/office/officeart/2005/8/layout/bList2"/>
     <dgm:cxn modelId="{15BA1E5C-99F3-40A5-A970-47B8462818D0}" type="presParOf" srcId="{60EC01F1-ED48-494B-B4BA-D55A8116085B}" destId="{2E1CB83D-2E50-48CB-AD0B-522700580504}" srcOrd="1" destOrd="0" presId="urn:microsoft.com/office/officeart/2005/8/layout/bList2"/>
@@ -9993,13 +10761,269 @@
   <dgm:whole/>
   <dgm:extLst>
     <a:ext uri="http://schemas.microsoft.com/office/drawing/2008/diagram">
-      <dsp:dataModelExt xmlns:dsp="http://schemas.microsoft.com/office/drawing/2008/diagram" xmlns="" relId="rId6" minVer="http://schemas.openxmlformats.org/drawingml/2006/diagram"/>
+      <dsp:dataModelExt xmlns:dsp="http://schemas.microsoft.com/office/drawing/2008/diagram" xmlns="" relId="rId7" minVer="http://schemas.openxmlformats.org/drawingml/2006/diagram"/>
     </a:ext>
   </dgm:extLst>
 </dgm:dataModel>
 </file>
 
 <file path=ppt/diagrams/data5.xml><?xml version="1.0" encoding="utf-8"?>
+<dgm:dataModel xmlns:dgm="http://schemas.openxmlformats.org/drawingml/2006/diagram" xmlns:a="http://schemas.openxmlformats.org/drawingml/2006/main">
+  <dgm:ptLst>
+    <dgm:pt modelId="{5736BAA0-6D77-4083-8E1F-650E32280BFD}" type="doc">
+      <dgm:prSet loTypeId="urn:microsoft.com/office/officeart/2005/8/layout/equation2" loCatId="process" qsTypeId="urn:microsoft.com/office/officeart/2005/8/quickstyle/simple1" qsCatId="simple" csTypeId="urn:microsoft.com/office/officeart/2005/8/colors/accent1_2" csCatId="accent1" phldr="1"/>
+      <dgm:spPr/>
+    </dgm:pt>
+    <dgm:pt modelId="{5A3E84F8-FC6B-4CAC-854C-D228A66936AB}">
+      <dgm:prSet phldrT="[Texto]"/>
+      <dgm:spPr>
+        <a:blipFill rotWithShape="0">
+          <a:blip xmlns:r="http://schemas.openxmlformats.org/officeDocument/2006/relationships" r:embed="rId1"/>
+          <a:stretch>
+            <a:fillRect/>
+          </a:stretch>
+        </a:blipFill>
+      </dgm:spPr>
+      <dgm:t>
+        <a:bodyPr/>
+        <a:lstStyle/>
+        <a:p>
+          <a:endParaRPr lang="es-AR" dirty="0"/>
+        </a:p>
+      </dgm:t>
+    </dgm:pt>
+    <dgm:pt modelId="{5855EA29-01DB-424B-81A8-486C50D96D6B}" type="parTrans" cxnId="{B4A91B8F-135B-4AC2-B70B-6569A70D157A}">
+      <dgm:prSet/>
+      <dgm:spPr/>
+      <dgm:t>
+        <a:bodyPr/>
+        <a:lstStyle/>
+        <a:p>
+          <a:endParaRPr lang="es-AR"/>
+        </a:p>
+      </dgm:t>
+    </dgm:pt>
+    <dgm:pt modelId="{E58F2E80-F11F-4783-B8A4-B5BB1E5DDBB0}" type="sibTrans" cxnId="{B4A91B8F-135B-4AC2-B70B-6569A70D157A}">
+      <dgm:prSet/>
+      <dgm:spPr/>
+      <dgm:t>
+        <a:bodyPr/>
+        <a:lstStyle/>
+        <a:p>
+          <a:endParaRPr lang="es-AR"/>
+        </a:p>
+      </dgm:t>
+    </dgm:pt>
+    <dgm:pt modelId="{3CA3AAF1-19D3-4493-9A21-6DD211AA99CC}">
+      <dgm:prSet phldrT="[Texto]"/>
+      <dgm:spPr>
+        <a:blipFill rotWithShape="0">
+          <a:blip xmlns:r="http://schemas.openxmlformats.org/officeDocument/2006/relationships" r:embed="rId2"/>
+          <a:stretch>
+            <a:fillRect/>
+          </a:stretch>
+        </a:blipFill>
+      </dgm:spPr>
+      <dgm:t>
+        <a:bodyPr/>
+        <a:lstStyle/>
+        <a:p>
+          <a:r>
+            <a:rPr lang="es-AR" dirty="0" smtClean="0"/>
+            <a:t> </a:t>
+          </a:r>
+          <a:endParaRPr lang="es-AR" dirty="0"/>
+        </a:p>
+      </dgm:t>
+    </dgm:pt>
+    <dgm:pt modelId="{AB2F9FC8-5B67-42A2-B1C7-FD63E00F1C57}" type="sibTrans" cxnId="{709FA8F5-6DF0-4A17-ADFD-5F2F5541846B}">
+      <dgm:prSet/>
+      <dgm:spPr/>
+      <dgm:t>
+        <a:bodyPr/>
+        <a:lstStyle/>
+        <a:p>
+          <a:endParaRPr lang="es-AR"/>
+        </a:p>
+      </dgm:t>
+    </dgm:pt>
+    <dgm:pt modelId="{7DE9B06D-FE16-4398-A630-88030D3AB0F8}" type="parTrans" cxnId="{709FA8F5-6DF0-4A17-ADFD-5F2F5541846B}">
+      <dgm:prSet/>
+      <dgm:spPr/>
+      <dgm:t>
+        <a:bodyPr/>
+        <a:lstStyle/>
+        <a:p>
+          <a:endParaRPr lang="es-AR"/>
+        </a:p>
+      </dgm:t>
+    </dgm:pt>
+    <dgm:pt modelId="{BA40AE0A-B788-4CD0-AAB6-79C6E24C5819}">
+      <dgm:prSet phldrT="[Texto]"/>
+      <dgm:spPr>
+        <a:blipFill rotWithShape="0">
+          <a:blip xmlns:r="http://schemas.openxmlformats.org/officeDocument/2006/relationships" r:embed="rId2"/>
+          <a:stretch>
+            <a:fillRect/>
+          </a:stretch>
+        </a:blipFill>
+      </dgm:spPr>
+      <dgm:t>
+        <a:bodyPr/>
+        <a:lstStyle/>
+        <a:p>
+          <a:r>
+            <a:rPr lang="es-AR" smtClean="0"/>
+            <a:t> </a:t>
+          </a:r>
+          <a:endParaRPr lang="es-AR" dirty="0"/>
+        </a:p>
+      </dgm:t>
+    </dgm:pt>
+    <dgm:pt modelId="{FED8CDE7-1FAA-484A-BA8E-224BF4818A10}" type="parTrans" cxnId="{E51839E9-785D-4FBE-A301-FE807C64A0CB}">
+      <dgm:prSet/>
+      <dgm:spPr/>
+      <dgm:t>
+        <a:bodyPr/>
+        <a:lstStyle/>
+        <a:p>
+          <a:endParaRPr lang="es-AR"/>
+        </a:p>
+      </dgm:t>
+    </dgm:pt>
+    <dgm:pt modelId="{F62AB32E-9581-49B7-876E-E33C983502D7}" type="sibTrans" cxnId="{E51839E9-785D-4FBE-A301-FE807C64A0CB}">
+      <dgm:prSet/>
+      <dgm:spPr/>
+      <dgm:t>
+        <a:bodyPr/>
+        <a:lstStyle/>
+        <a:p>
+          <a:endParaRPr lang="es-AR"/>
+        </a:p>
+      </dgm:t>
+    </dgm:pt>
+    <dgm:pt modelId="{22852B5F-7E98-4CB8-B9D5-55FC710742A6}" type="pres">
+      <dgm:prSet presAssocID="{5736BAA0-6D77-4083-8E1F-650E32280BFD}" presName="Name0" presStyleCnt="0">
+        <dgm:presLayoutVars>
+          <dgm:dir/>
+          <dgm:resizeHandles val="exact"/>
+        </dgm:presLayoutVars>
+      </dgm:prSet>
+      <dgm:spPr/>
+    </dgm:pt>
+    <dgm:pt modelId="{7DAEEBBD-59ED-4482-A717-D9E00A8E0BC3}" type="pres">
+      <dgm:prSet presAssocID="{5736BAA0-6D77-4083-8E1F-650E32280BFD}" presName="vNodes" presStyleCnt="0"/>
+      <dgm:spPr/>
+    </dgm:pt>
+    <dgm:pt modelId="{E277217A-1D2B-453F-AA29-278FEEDAD392}" type="pres">
+      <dgm:prSet presAssocID="{5A3E84F8-FC6B-4CAC-854C-D228A66936AB}" presName="node" presStyleLbl="node1" presStyleIdx="0" presStyleCnt="3" custScaleX="135375" custScaleY="135375" custLinFactY="-67025" custLinFactNeighborX="-16764" custLinFactNeighborY="-100000">
+        <dgm:presLayoutVars>
+          <dgm:bulletEnabled val="1"/>
+        </dgm:presLayoutVars>
+      </dgm:prSet>
+      <dgm:spPr>
+        <a:prstGeom prst="rect">
+          <a:avLst/>
+        </a:prstGeom>
+      </dgm:spPr>
+      <dgm:t>
+        <a:bodyPr/>
+        <a:lstStyle/>
+        <a:p>
+          <a:endParaRPr lang="es-AR"/>
+        </a:p>
+      </dgm:t>
+    </dgm:pt>
+    <dgm:pt modelId="{227A5EF0-DA46-4272-94BE-392D04EF8B4F}" type="pres">
+      <dgm:prSet presAssocID="{E58F2E80-F11F-4783-B8A4-B5BB1E5DDBB0}" presName="spacerT" presStyleCnt="0"/>
+      <dgm:spPr/>
+    </dgm:pt>
+    <dgm:pt modelId="{12AE67AB-C71D-4B39-AA2A-8238CB9E018B}" type="pres">
+      <dgm:prSet presAssocID="{E58F2E80-F11F-4783-B8A4-B5BB1E5DDBB0}" presName="sibTrans" presStyleLbl="sibTrans2D1" presStyleIdx="0" presStyleCnt="2" custLinFactX="100000" custLinFactY="-253801" custLinFactNeighborX="101996" custLinFactNeighborY="-300000"/>
+      <dgm:spPr/>
+    </dgm:pt>
+    <dgm:pt modelId="{E6D766D4-8310-4458-84D4-6A90CDF7A270}" type="pres">
+      <dgm:prSet presAssocID="{E58F2E80-F11F-4783-B8A4-B5BB1E5DDBB0}" presName="spacerB" presStyleCnt="0"/>
+      <dgm:spPr/>
+    </dgm:pt>
+    <dgm:pt modelId="{047DB3B5-764F-451C-84D5-89BC34977FB5}" type="pres">
+      <dgm:prSet presAssocID="{3CA3AAF1-19D3-4493-9A21-6DD211AA99CC}" presName="node" presStyleLbl="node1" presStyleIdx="1" presStyleCnt="3" custScaleX="207987" custScaleY="148455" custLinFactX="100000" custLinFactY="-260400" custLinFactNeighborX="194147" custLinFactNeighborY="-300000">
+        <dgm:presLayoutVars>
+          <dgm:bulletEnabled val="1"/>
+        </dgm:presLayoutVars>
+      </dgm:prSet>
+      <dgm:spPr>
+        <a:prstGeom prst="rect">
+          <a:avLst/>
+        </a:prstGeom>
+      </dgm:spPr>
+    </dgm:pt>
+    <dgm:pt modelId="{766B1539-3027-427C-BEC8-42D151D01C2B}" type="pres">
+      <dgm:prSet presAssocID="{5736BAA0-6D77-4083-8E1F-650E32280BFD}" presName="sibTransLast" presStyleLbl="sibTrans2D1" presStyleIdx="1" presStyleCnt="2" custAng="10090681" custScaleX="846162" custScaleY="207306" custLinFactY="-84491" custLinFactNeighborX="-96912" custLinFactNeighborY="-100000"/>
+      <dgm:spPr/>
+    </dgm:pt>
+    <dgm:pt modelId="{4057D52E-E9AE-4082-955A-C48B5B0F59E7}" type="pres">
+      <dgm:prSet presAssocID="{5736BAA0-6D77-4083-8E1F-650E32280BFD}" presName="connectorText" presStyleLbl="sibTrans2D1" presStyleIdx="1" presStyleCnt="2"/>
+      <dgm:spPr/>
+    </dgm:pt>
+    <dgm:pt modelId="{8A2D0FB3-3882-4F80-A2EF-BDF3F7202F0E}" type="pres">
+      <dgm:prSet presAssocID="{5736BAA0-6D77-4083-8E1F-650E32280BFD}" presName="lastNode" presStyleLbl="node1" presStyleIdx="2" presStyleCnt="3" custScaleX="124757" custScaleY="124757" custLinFactX="-69679" custLinFactNeighborX="-100000" custLinFactNeighborY="68668">
+        <dgm:presLayoutVars>
+          <dgm:bulletEnabled val="1"/>
+        </dgm:presLayoutVars>
+      </dgm:prSet>
+      <dgm:spPr>
+        <a:prstGeom prst="rect">
+          <a:avLst/>
+        </a:prstGeom>
+        <a:blipFill rotWithShape="0">
+          <a:blip xmlns:r="http://schemas.openxmlformats.org/officeDocument/2006/relationships" r:embed="rId3"/>
+          <a:stretch>
+            <a:fillRect/>
+          </a:stretch>
+        </a:blipFill>
+      </dgm:spPr>
+      <dgm:t>
+        <a:bodyPr/>
+        <a:lstStyle/>
+        <a:p>
+          <a:endParaRPr lang="es-AR"/>
+        </a:p>
+      </dgm:t>
+    </dgm:pt>
+  </dgm:ptLst>
+  <dgm:cxnLst>
+    <dgm:cxn modelId="{C845B4C1-FD45-4DC2-86CA-7F1E31390E9F}" type="presOf" srcId="{5736BAA0-6D77-4083-8E1F-650E32280BFD}" destId="{22852B5F-7E98-4CB8-B9D5-55FC710742A6}" srcOrd="0" destOrd="0" presId="urn:microsoft.com/office/officeart/2005/8/layout/equation2"/>
+    <dgm:cxn modelId="{B4A91B8F-135B-4AC2-B70B-6569A70D157A}" srcId="{5736BAA0-6D77-4083-8E1F-650E32280BFD}" destId="{5A3E84F8-FC6B-4CAC-854C-D228A66936AB}" srcOrd="0" destOrd="0" parTransId="{5855EA29-01DB-424B-81A8-486C50D96D6B}" sibTransId="{E58F2E80-F11F-4783-B8A4-B5BB1E5DDBB0}"/>
+    <dgm:cxn modelId="{2DC4E1CB-C634-4A83-881B-6B5AF3D484D5}" type="presOf" srcId="{5A3E84F8-FC6B-4CAC-854C-D228A66936AB}" destId="{E277217A-1D2B-453F-AA29-278FEEDAD392}" srcOrd="0" destOrd="0" presId="urn:microsoft.com/office/officeart/2005/8/layout/equation2"/>
+    <dgm:cxn modelId="{4054BC07-7C84-4F44-BFB2-ECCEB9663B5A}" type="presOf" srcId="{E58F2E80-F11F-4783-B8A4-B5BB1E5DDBB0}" destId="{12AE67AB-C71D-4B39-AA2A-8238CB9E018B}" srcOrd="0" destOrd="0" presId="urn:microsoft.com/office/officeart/2005/8/layout/equation2"/>
+    <dgm:cxn modelId="{EE155E68-4079-4B77-BB58-9CADCAB571DF}" type="presOf" srcId="{BA40AE0A-B788-4CD0-AAB6-79C6E24C5819}" destId="{8A2D0FB3-3882-4F80-A2EF-BDF3F7202F0E}" srcOrd="0" destOrd="0" presId="urn:microsoft.com/office/officeart/2005/8/layout/equation2"/>
+    <dgm:cxn modelId="{709FA8F5-6DF0-4A17-ADFD-5F2F5541846B}" srcId="{5736BAA0-6D77-4083-8E1F-650E32280BFD}" destId="{3CA3AAF1-19D3-4493-9A21-6DD211AA99CC}" srcOrd="1" destOrd="0" parTransId="{7DE9B06D-FE16-4398-A630-88030D3AB0F8}" sibTransId="{AB2F9FC8-5B67-42A2-B1C7-FD63E00F1C57}"/>
+    <dgm:cxn modelId="{E51839E9-785D-4FBE-A301-FE807C64A0CB}" srcId="{5736BAA0-6D77-4083-8E1F-650E32280BFD}" destId="{BA40AE0A-B788-4CD0-AAB6-79C6E24C5819}" srcOrd="2" destOrd="0" parTransId="{FED8CDE7-1FAA-484A-BA8E-224BF4818A10}" sibTransId="{F62AB32E-9581-49B7-876E-E33C983502D7}"/>
+    <dgm:cxn modelId="{FB11AD38-662B-41C1-9C1C-3C7618CDBB01}" type="presOf" srcId="{AB2F9FC8-5B67-42A2-B1C7-FD63E00F1C57}" destId="{766B1539-3027-427C-BEC8-42D151D01C2B}" srcOrd="0" destOrd="0" presId="urn:microsoft.com/office/officeart/2005/8/layout/equation2"/>
+    <dgm:cxn modelId="{3B4C8790-0141-48E2-ACF0-58E8218F1D10}" type="presOf" srcId="{AB2F9FC8-5B67-42A2-B1C7-FD63E00F1C57}" destId="{4057D52E-E9AE-4082-955A-C48B5B0F59E7}" srcOrd="1" destOrd="0" presId="urn:microsoft.com/office/officeart/2005/8/layout/equation2"/>
+    <dgm:cxn modelId="{8858C1F9-1E43-4A5D-AD82-9D0BFF5CD9E8}" type="presOf" srcId="{3CA3AAF1-19D3-4493-9A21-6DD211AA99CC}" destId="{047DB3B5-764F-451C-84D5-89BC34977FB5}" srcOrd="0" destOrd="0" presId="urn:microsoft.com/office/officeart/2005/8/layout/equation2"/>
+    <dgm:cxn modelId="{4BB9C5B7-48FE-44F9-92E8-32149DEA4490}" type="presParOf" srcId="{22852B5F-7E98-4CB8-B9D5-55FC710742A6}" destId="{7DAEEBBD-59ED-4482-A717-D9E00A8E0BC3}" srcOrd="0" destOrd="0" presId="urn:microsoft.com/office/officeart/2005/8/layout/equation2"/>
+    <dgm:cxn modelId="{FDEBE282-63F4-4492-B736-B68AD465E106}" type="presParOf" srcId="{7DAEEBBD-59ED-4482-A717-D9E00A8E0BC3}" destId="{E277217A-1D2B-453F-AA29-278FEEDAD392}" srcOrd="0" destOrd="0" presId="urn:microsoft.com/office/officeart/2005/8/layout/equation2"/>
+    <dgm:cxn modelId="{E2142540-0EA9-4DD4-B9ED-8EF03491951B}" type="presParOf" srcId="{7DAEEBBD-59ED-4482-A717-D9E00A8E0BC3}" destId="{227A5EF0-DA46-4272-94BE-392D04EF8B4F}" srcOrd="1" destOrd="0" presId="urn:microsoft.com/office/officeart/2005/8/layout/equation2"/>
+    <dgm:cxn modelId="{82C53AAA-222C-4E36-89B5-AC973AC60F00}" type="presParOf" srcId="{7DAEEBBD-59ED-4482-A717-D9E00A8E0BC3}" destId="{12AE67AB-C71D-4B39-AA2A-8238CB9E018B}" srcOrd="2" destOrd="0" presId="urn:microsoft.com/office/officeart/2005/8/layout/equation2"/>
+    <dgm:cxn modelId="{17DA58D8-15E1-4690-A02E-3E5C5A28DACD}" type="presParOf" srcId="{7DAEEBBD-59ED-4482-A717-D9E00A8E0BC3}" destId="{E6D766D4-8310-4458-84D4-6A90CDF7A270}" srcOrd="3" destOrd="0" presId="urn:microsoft.com/office/officeart/2005/8/layout/equation2"/>
+    <dgm:cxn modelId="{AA49C32C-4978-4980-8A63-0B5D28C3708F}" type="presParOf" srcId="{7DAEEBBD-59ED-4482-A717-D9E00A8E0BC3}" destId="{047DB3B5-764F-451C-84D5-89BC34977FB5}" srcOrd="4" destOrd="0" presId="urn:microsoft.com/office/officeart/2005/8/layout/equation2"/>
+    <dgm:cxn modelId="{70B1FCAB-A906-495D-BDA2-1E925EC5312C}" type="presParOf" srcId="{22852B5F-7E98-4CB8-B9D5-55FC710742A6}" destId="{766B1539-3027-427C-BEC8-42D151D01C2B}" srcOrd="1" destOrd="0" presId="urn:microsoft.com/office/officeart/2005/8/layout/equation2"/>
+    <dgm:cxn modelId="{0C6C0239-C2EB-4711-AA01-27CC4710C5C2}" type="presParOf" srcId="{766B1539-3027-427C-BEC8-42D151D01C2B}" destId="{4057D52E-E9AE-4082-955A-C48B5B0F59E7}" srcOrd="0" destOrd="0" presId="urn:microsoft.com/office/officeart/2005/8/layout/equation2"/>
+    <dgm:cxn modelId="{BDD48E83-E34E-4FB8-B90C-5A99CDB281E2}" type="presParOf" srcId="{22852B5F-7E98-4CB8-B9D5-55FC710742A6}" destId="{8A2D0FB3-3882-4F80-A2EF-BDF3F7202F0E}" srcOrd="2" destOrd="0" presId="urn:microsoft.com/office/officeart/2005/8/layout/equation2"/>
+  </dgm:cxnLst>
+  <dgm:bg/>
+  <dgm:whole/>
+  <dgm:extLst>
+    <a:ext uri="http://schemas.microsoft.com/office/drawing/2008/diagram">
+      <dsp:dataModelExt xmlns:dsp="http://schemas.microsoft.com/office/drawing/2008/diagram" xmlns="" relId="rId13" minVer="http://schemas.openxmlformats.org/drawingml/2006/diagram"/>
+    </a:ext>
+  </dgm:extLst>
+</dgm:dataModel>
+</file>
+
+<file path=ppt/diagrams/data6.xml><?xml version="1.0" encoding="utf-8"?>
 <dgm:dataModel xmlns:dgm="http://schemas.openxmlformats.org/drawingml/2006/diagram" xmlns:a="http://schemas.openxmlformats.org/drawingml/2006/main">
   <dgm:ptLst>
     <dgm:pt modelId="{80E16539-3E92-4124-8A1F-4A9E31F8EC2E}" type="doc">
@@ -10214,6 +11238,13 @@
         </dgm:presLayoutVars>
       </dgm:prSet>
       <dgm:spPr/>
+      <dgm:t>
+        <a:bodyPr/>
+        <a:lstStyle/>
+        <a:p>
+          <a:endParaRPr lang="es-AR"/>
+        </a:p>
+      </dgm:t>
     </dgm:pt>
     <dgm:pt modelId="{7E98BAC7-F49D-41D8-BE3A-BC19F40CEE74}" type="pres">
       <dgm:prSet presAssocID="{31C69409-B591-4C46-B707-6BCCBF1E4CA9}" presName="root" presStyleCnt="0"/>
@@ -10226,10 +11257,24 @@
     <dgm:pt modelId="{AEA74C94-F3D4-4CBD-A566-243D44B3FF8B}" type="pres">
       <dgm:prSet presAssocID="{31C69409-B591-4C46-B707-6BCCBF1E4CA9}" presName="rootText" presStyleLbl="node1" presStyleIdx="0" presStyleCnt="1"/>
       <dgm:spPr/>
+      <dgm:t>
+        <a:bodyPr/>
+        <a:lstStyle/>
+        <a:p>
+          <a:endParaRPr lang="es-AR"/>
+        </a:p>
+      </dgm:t>
     </dgm:pt>
     <dgm:pt modelId="{A2679085-85F2-4742-8990-3105DC75D3F7}" type="pres">
       <dgm:prSet presAssocID="{31C69409-B591-4C46-B707-6BCCBF1E4CA9}" presName="rootConnector" presStyleLbl="node1" presStyleIdx="0" presStyleCnt="1"/>
       <dgm:spPr/>
+      <dgm:t>
+        <a:bodyPr/>
+        <a:lstStyle/>
+        <a:p>
+          <a:endParaRPr lang="es-AR"/>
+        </a:p>
+      </dgm:t>
     </dgm:pt>
     <dgm:pt modelId="{216B1F15-96BC-45FF-8A4A-46F652265F85}" type="pres">
       <dgm:prSet presAssocID="{31C69409-B591-4C46-B707-6BCCBF1E4CA9}" presName="childShape" presStyleCnt="0"/>
@@ -10238,6 +11283,13 @@
     <dgm:pt modelId="{5AC2DC40-0C88-4145-A53C-5FE132F9C7E0}" type="pres">
       <dgm:prSet presAssocID="{1306955E-8CC2-495B-A275-E99BCB872722}" presName="Name13" presStyleLbl="parChTrans1D2" presStyleIdx="0" presStyleCnt="4"/>
       <dgm:spPr/>
+      <dgm:t>
+        <a:bodyPr/>
+        <a:lstStyle/>
+        <a:p>
+          <a:endParaRPr lang="es-AR"/>
+        </a:p>
+      </dgm:t>
     </dgm:pt>
     <dgm:pt modelId="{CF4DB355-D8CF-4B07-B3EA-BEB53097D339}" type="pres">
       <dgm:prSet presAssocID="{060C202A-B972-4E3E-9302-17138FA761EA}" presName="childText" presStyleLbl="bgAcc1" presStyleIdx="0" presStyleCnt="4">
@@ -10257,6 +11309,13 @@
     <dgm:pt modelId="{6B6B405D-ADFC-4944-87A1-87E4FE33C9EE}" type="pres">
       <dgm:prSet presAssocID="{8C1C3F75-6608-4B93-8B3B-5B75018282EC}" presName="Name13" presStyleLbl="parChTrans1D2" presStyleIdx="1" presStyleCnt="4"/>
       <dgm:spPr/>
+      <dgm:t>
+        <a:bodyPr/>
+        <a:lstStyle/>
+        <a:p>
+          <a:endParaRPr lang="es-AR"/>
+        </a:p>
+      </dgm:t>
     </dgm:pt>
     <dgm:pt modelId="{D434A1EB-6A1F-49FD-826E-04786FB8C313}" type="pres">
       <dgm:prSet presAssocID="{F0C53854-E03C-4814-9760-9BA16F5FA8BC}" presName="childText" presStyleLbl="bgAcc1" presStyleIdx="1" presStyleCnt="4">
@@ -10265,10 +11324,24 @@
         </dgm:presLayoutVars>
       </dgm:prSet>
       <dgm:spPr/>
+      <dgm:t>
+        <a:bodyPr/>
+        <a:lstStyle/>
+        <a:p>
+          <a:endParaRPr lang="es-AR"/>
+        </a:p>
+      </dgm:t>
     </dgm:pt>
     <dgm:pt modelId="{ED3D3DDE-255B-4CD3-808A-AC9E672C6F95}" type="pres">
       <dgm:prSet presAssocID="{BF491720-D7CD-4478-9106-24D0BA9982F4}" presName="Name13" presStyleLbl="parChTrans1D2" presStyleIdx="2" presStyleCnt="4"/>
       <dgm:spPr/>
+      <dgm:t>
+        <a:bodyPr/>
+        <a:lstStyle/>
+        <a:p>
+          <a:endParaRPr lang="es-AR"/>
+        </a:p>
+      </dgm:t>
     </dgm:pt>
     <dgm:pt modelId="{DE1B43A8-8A02-43F5-99A3-A91D3D0BB452}" type="pres">
       <dgm:prSet presAssocID="{B7EEAC7C-1883-4668-BC6F-D8B3DA76F8BF}" presName="childText" presStyleLbl="bgAcc1" presStyleIdx="2" presStyleCnt="4">
@@ -10277,10 +11350,24 @@
         </dgm:presLayoutVars>
       </dgm:prSet>
       <dgm:spPr/>
+      <dgm:t>
+        <a:bodyPr/>
+        <a:lstStyle/>
+        <a:p>
+          <a:endParaRPr lang="es-AR"/>
+        </a:p>
+      </dgm:t>
     </dgm:pt>
     <dgm:pt modelId="{5E93933D-6B28-481C-B370-64B38FC9C997}" type="pres">
       <dgm:prSet presAssocID="{3CBC6FF7-A8F7-4C33-AC70-2566FE2810A5}" presName="Name13" presStyleLbl="parChTrans1D2" presStyleIdx="3" presStyleCnt="4"/>
       <dgm:spPr/>
+      <dgm:t>
+        <a:bodyPr/>
+        <a:lstStyle/>
+        <a:p>
+          <a:endParaRPr lang="es-AR"/>
+        </a:p>
+      </dgm:t>
     </dgm:pt>
     <dgm:pt modelId="{711A5DE2-752B-437B-8740-E664D813ADA8}" type="pres">
       <dgm:prSet presAssocID="{94F86347-C606-4EE0-A6E8-BB8A44694DF9}" presName="childText" presStyleLbl="bgAcc1" presStyleIdx="3" presStyleCnt="4">
@@ -10289,25 +11376,32 @@
         </dgm:presLayoutVars>
       </dgm:prSet>
       <dgm:spPr/>
+      <dgm:t>
+        <a:bodyPr/>
+        <a:lstStyle/>
+        <a:p>
+          <a:endParaRPr lang="es-AR"/>
+        </a:p>
+      </dgm:t>
     </dgm:pt>
   </dgm:ptLst>
   <dgm:cxnLst>
-    <dgm:cxn modelId="{D6C53CAD-580C-41B2-BF66-B1D1A50B393C}" srcId="{31C69409-B591-4C46-B707-6BCCBF1E4CA9}" destId="{F0C53854-E03C-4814-9760-9BA16F5FA8BC}" srcOrd="1" destOrd="0" parTransId="{8C1C3F75-6608-4B93-8B3B-5B75018282EC}" sibTransId="{894BBE28-B683-434C-A9D7-3D3B928DBF49}"/>
-    <dgm:cxn modelId="{1AFAB177-467D-4B89-A213-02B6365D04EB}" srcId="{80E16539-3E92-4124-8A1F-4A9E31F8EC2E}" destId="{31C69409-B591-4C46-B707-6BCCBF1E4CA9}" srcOrd="0" destOrd="0" parTransId="{9BFAC5E4-125A-4A1F-A7BB-F4BEC1696449}" sibTransId="{6825B447-C2CE-4027-BE08-55BB147CDC49}"/>
+    <dgm:cxn modelId="{812D0691-8BC1-427E-953D-AFCCD0368114}" srcId="{31C69409-B591-4C46-B707-6BCCBF1E4CA9}" destId="{060C202A-B972-4E3E-9302-17138FA761EA}" srcOrd="0" destOrd="0" parTransId="{1306955E-8CC2-495B-A275-E99BCB872722}" sibTransId="{C9F126AC-DBFA-46FE-90EC-5C309725E082}"/>
     <dgm:cxn modelId="{4C4CC5CE-045C-4DBD-8E9A-B5B6FAE431B2}" type="presOf" srcId="{060C202A-B972-4E3E-9302-17138FA761EA}" destId="{CF4DB355-D8CF-4B07-B3EA-BEB53097D339}" srcOrd="0" destOrd="0" presId="urn:microsoft.com/office/officeart/2005/8/layout/hierarchy3"/>
+    <dgm:cxn modelId="{7D6A130A-6964-4DAD-8F08-63E9422C5A12}" type="presOf" srcId="{8C1C3F75-6608-4B93-8B3B-5B75018282EC}" destId="{6B6B405D-ADFC-4944-87A1-87E4FE33C9EE}" srcOrd="0" destOrd="0" presId="urn:microsoft.com/office/officeart/2005/8/layout/hierarchy3"/>
+    <dgm:cxn modelId="{13E0BED3-DD8A-4A39-AD45-A990139F481A}" type="presOf" srcId="{1306955E-8CC2-495B-A275-E99BCB872722}" destId="{5AC2DC40-0C88-4145-A53C-5FE132F9C7E0}" srcOrd="0" destOrd="0" presId="urn:microsoft.com/office/officeart/2005/8/layout/hierarchy3"/>
+    <dgm:cxn modelId="{A3296AF0-E854-4719-A2AC-26E839A6E0AF}" type="presOf" srcId="{31C69409-B591-4C46-B707-6BCCBF1E4CA9}" destId="{AEA74C94-F3D4-4CBD-A566-243D44B3FF8B}" srcOrd="0" destOrd="0" presId="urn:microsoft.com/office/officeart/2005/8/layout/hierarchy3"/>
+    <dgm:cxn modelId="{0D56FB0F-8369-4E7C-BA4C-237B1124CE89}" type="presOf" srcId="{3CBC6FF7-A8F7-4C33-AC70-2566FE2810A5}" destId="{5E93933D-6B28-481C-B370-64B38FC9C997}" srcOrd="0" destOrd="0" presId="urn:microsoft.com/office/officeart/2005/8/layout/hierarchy3"/>
     <dgm:cxn modelId="{82FDB327-12B7-4230-A908-CA9B97DE07CC}" type="presOf" srcId="{F0C53854-E03C-4814-9760-9BA16F5FA8BC}" destId="{D434A1EB-6A1F-49FD-826E-04786FB8C313}" srcOrd="0" destOrd="0" presId="urn:microsoft.com/office/officeart/2005/8/layout/hierarchy3"/>
+    <dgm:cxn modelId="{5B2F50F0-EE08-4E0C-968E-8C64417A10DF}" srcId="{31C69409-B591-4C46-B707-6BCCBF1E4CA9}" destId="{B7EEAC7C-1883-4668-BC6F-D8B3DA76F8BF}" srcOrd="2" destOrd="0" parTransId="{BF491720-D7CD-4478-9106-24D0BA9982F4}" sibTransId="{EABF78F3-D6AC-4D05-B5BC-A97B2EB77F64}"/>
     <dgm:cxn modelId="{AC7D67DD-6352-42D8-92D1-77F6020AE52F}" type="presOf" srcId="{80E16539-3E92-4124-8A1F-4A9E31F8EC2E}" destId="{70F6EC45-D96E-42BC-BDBC-B34A4823BA5D}" srcOrd="0" destOrd="0" presId="urn:microsoft.com/office/officeart/2005/8/layout/hierarchy3"/>
-    <dgm:cxn modelId="{F4E44EE5-1F79-4915-8075-0E1F7ED283EE}" type="presOf" srcId="{31C69409-B591-4C46-B707-6BCCBF1E4CA9}" destId="{A2679085-85F2-4742-8990-3105DC75D3F7}" srcOrd="1" destOrd="0" presId="urn:microsoft.com/office/officeart/2005/8/layout/hierarchy3"/>
-    <dgm:cxn modelId="{0D56FB0F-8369-4E7C-BA4C-237B1124CE89}" type="presOf" srcId="{3CBC6FF7-A8F7-4C33-AC70-2566FE2810A5}" destId="{5E93933D-6B28-481C-B370-64B38FC9C997}" srcOrd="0" destOrd="0" presId="urn:microsoft.com/office/officeart/2005/8/layout/hierarchy3"/>
     <dgm:cxn modelId="{820305B0-C735-48C8-8B5E-797921C8E0BE}" type="presOf" srcId="{B7EEAC7C-1883-4668-BC6F-D8B3DA76F8BF}" destId="{DE1B43A8-8A02-43F5-99A3-A91D3D0BB452}" srcOrd="0" destOrd="0" presId="urn:microsoft.com/office/officeart/2005/8/layout/hierarchy3"/>
     <dgm:cxn modelId="{A885E8AE-B96C-44D8-A686-F014557F0827}" type="presOf" srcId="{94F86347-C606-4EE0-A6E8-BB8A44694DF9}" destId="{711A5DE2-752B-437B-8740-E664D813ADA8}" srcOrd="0" destOrd="0" presId="urn:microsoft.com/office/officeart/2005/8/layout/hierarchy3"/>
-    <dgm:cxn modelId="{7D6A130A-6964-4DAD-8F08-63E9422C5A12}" type="presOf" srcId="{8C1C3F75-6608-4B93-8B3B-5B75018282EC}" destId="{6B6B405D-ADFC-4944-87A1-87E4FE33C9EE}" srcOrd="0" destOrd="0" presId="urn:microsoft.com/office/officeart/2005/8/layout/hierarchy3"/>
+    <dgm:cxn modelId="{695A5D19-6828-4213-ABC9-4D3252CD9114}" type="presOf" srcId="{BF491720-D7CD-4478-9106-24D0BA9982F4}" destId="{ED3D3DDE-255B-4CD3-808A-AC9E672C6F95}" srcOrd="0" destOrd="0" presId="urn:microsoft.com/office/officeart/2005/8/layout/hierarchy3"/>
+    <dgm:cxn modelId="{D6C53CAD-580C-41B2-BF66-B1D1A50B393C}" srcId="{31C69409-B591-4C46-B707-6BCCBF1E4CA9}" destId="{F0C53854-E03C-4814-9760-9BA16F5FA8BC}" srcOrd="1" destOrd="0" parTransId="{8C1C3F75-6608-4B93-8B3B-5B75018282EC}" sibTransId="{894BBE28-B683-434C-A9D7-3D3B928DBF49}"/>
     <dgm:cxn modelId="{CC7BFC9D-A2CA-4477-8CAD-0DDA96E0D532}" srcId="{31C69409-B591-4C46-B707-6BCCBF1E4CA9}" destId="{94F86347-C606-4EE0-A6E8-BB8A44694DF9}" srcOrd="3" destOrd="0" parTransId="{3CBC6FF7-A8F7-4C33-AC70-2566FE2810A5}" sibTransId="{1B2F1B8D-8AA2-44E6-AF2F-BDB134BEC24A}"/>
-    <dgm:cxn modelId="{812D0691-8BC1-427E-953D-AFCCD0368114}" srcId="{31C69409-B591-4C46-B707-6BCCBF1E4CA9}" destId="{060C202A-B972-4E3E-9302-17138FA761EA}" srcOrd="0" destOrd="0" parTransId="{1306955E-8CC2-495B-A275-E99BCB872722}" sibTransId="{C9F126AC-DBFA-46FE-90EC-5C309725E082}"/>
-    <dgm:cxn modelId="{13E0BED3-DD8A-4A39-AD45-A990139F481A}" type="presOf" srcId="{1306955E-8CC2-495B-A275-E99BCB872722}" destId="{5AC2DC40-0C88-4145-A53C-5FE132F9C7E0}" srcOrd="0" destOrd="0" presId="urn:microsoft.com/office/officeart/2005/8/layout/hierarchy3"/>
-    <dgm:cxn modelId="{A3296AF0-E854-4719-A2AC-26E839A6E0AF}" type="presOf" srcId="{31C69409-B591-4C46-B707-6BCCBF1E4CA9}" destId="{AEA74C94-F3D4-4CBD-A566-243D44B3FF8B}" srcOrd="0" destOrd="0" presId="urn:microsoft.com/office/officeart/2005/8/layout/hierarchy3"/>
-    <dgm:cxn modelId="{5B2F50F0-EE08-4E0C-968E-8C64417A10DF}" srcId="{31C69409-B591-4C46-B707-6BCCBF1E4CA9}" destId="{B7EEAC7C-1883-4668-BC6F-D8B3DA76F8BF}" srcOrd="2" destOrd="0" parTransId="{BF491720-D7CD-4478-9106-24D0BA9982F4}" sibTransId="{EABF78F3-D6AC-4D05-B5BC-A97B2EB77F64}"/>
-    <dgm:cxn modelId="{695A5D19-6828-4213-ABC9-4D3252CD9114}" type="presOf" srcId="{BF491720-D7CD-4478-9106-24D0BA9982F4}" destId="{ED3D3DDE-255B-4CD3-808A-AC9E672C6F95}" srcOrd="0" destOrd="0" presId="urn:microsoft.com/office/officeart/2005/8/layout/hierarchy3"/>
+    <dgm:cxn modelId="{F4E44EE5-1F79-4915-8075-0E1F7ED283EE}" type="presOf" srcId="{31C69409-B591-4C46-B707-6BCCBF1E4CA9}" destId="{A2679085-85F2-4742-8990-3105DC75D3F7}" srcOrd="1" destOrd="0" presId="urn:microsoft.com/office/officeart/2005/8/layout/hierarchy3"/>
+    <dgm:cxn modelId="{1AFAB177-467D-4B89-A213-02B6365D04EB}" srcId="{80E16539-3E92-4124-8A1F-4A9E31F8EC2E}" destId="{31C69409-B591-4C46-B707-6BCCBF1E4CA9}" srcOrd="0" destOrd="0" parTransId="{9BFAC5E4-125A-4A1F-A7BB-F4BEC1696449}" sibTransId="{6825B447-C2CE-4027-BE08-55BB147CDC49}"/>
     <dgm:cxn modelId="{A4FD8647-6FDF-42C6-A4BA-A8ECD8568F2D}" type="presParOf" srcId="{70F6EC45-D96E-42BC-BDBC-B34A4823BA5D}" destId="{7E98BAC7-F49D-41D8-BE3A-BC19F40CEE74}" srcOrd="0" destOrd="0" presId="urn:microsoft.com/office/officeart/2005/8/layout/hierarchy3"/>
     <dgm:cxn modelId="{3CF12002-2C1B-4287-A435-3D24CA7DB235}" type="presParOf" srcId="{7E98BAC7-F49D-41D8-BE3A-BC19F40CEE74}" destId="{631BF8D1-E5D9-4B1F-BD06-1DAB94D038FD}" srcOrd="0" destOrd="0" presId="urn:microsoft.com/office/officeart/2005/8/layout/hierarchy3"/>
     <dgm:cxn modelId="{56CA654F-1975-4C91-BE28-23982C04B0D4}" type="presParOf" srcId="{631BF8D1-E5D9-4B1F-BD06-1DAB94D038FD}" destId="{AEA74C94-F3D4-4CBD-A566-243D44B3FF8B}" srcOrd="0" destOrd="0" presId="urn:microsoft.com/office/officeart/2005/8/layout/hierarchy3"/>
@@ -10326,7 +11420,7 @@
   <dgm:whole/>
   <dgm:extLst>
     <a:ext uri="http://schemas.microsoft.com/office/drawing/2008/diagram">
-      <dsp:dataModelExt xmlns:dsp="http://schemas.microsoft.com/office/drawing/2008/diagram" xmlns="" relId="rId7" minVer="http://schemas.openxmlformats.org/drawingml/2006/diagram"/>
+      <dsp:dataModelExt xmlns:dsp="http://schemas.microsoft.com/office/drawing/2008/diagram" xmlns="" relId="rId8" minVer="http://schemas.openxmlformats.org/drawingml/2006/diagram"/>
     </a:ext>
   </dgm:extLst>
 </dgm:dataModel>
@@ -13000,8 +14094,8 @@
       </dsp:nvSpPr>
       <dsp:spPr>
         <a:xfrm>
-          <a:off x="2110" y="114400"/>
-          <a:ext cx="4067874" cy="3036582"/>
+          <a:off x="0" y="72008"/>
+          <a:ext cx="3389895" cy="3224521"/>
         </a:xfrm>
         <a:prstGeom prst="round2SameRect">
           <a:avLst>
@@ -13044,12 +14138,12 @@
         <a:fontRef idx="minor"/>
       </dsp:style>
       <dsp:txBody>
-        <a:bodyPr spcFirstLastPara="0" vert="horz" wrap="square" lIns="22860" tIns="68580" rIns="22860" bIns="22860" numCol="1" spcCol="1270" anchor="t" anchorCtr="0">
+        <a:bodyPr spcFirstLastPara="0" vert="horz" wrap="square" lIns="20320" tIns="60960" rIns="20320" bIns="20320" numCol="1" spcCol="1270" anchor="t" anchorCtr="0">
           <a:noAutofit/>
         </a:bodyPr>
         <a:lstStyle/>
         <a:p>
-          <a:pPr marL="171450" lvl="1" indent="-171450" algn="l" defTabSz="800100" rtl="0">
+          <a:pPr marL="171450" lvl="1" indent="-171450" algn="l" defTabSz="711200" rtl="0">
             <a:lnSpc>
               <a:spcPct val="90000"/>
             </a:lnSpc>
@@ -13062,13 +14156,13 @@
             <a:buChar char="••"/>
           </a:pPr>
           <a:r>
-            <a:rPr lang="es-AR" sz="1800" kern="1200" dirty="0" smtClean="0"/>
+            <a:rPr lang="es-AR" sz="1600" kern="1200" dirty="0" smtClean="0"/>
             <a:t>Análisis y elección del lenguaje de programación</a:t>
           </a:r>
-          <a:endParaRPr lang="es-AR" sz="1800" kern="1200" dirty="0"/>
+          <a:endParaRPr lang="es-AR" sz="1600" kern="1200" dirty="0"/>
         </a:p>
         <a:p>
-          <a:pPr marL="171450" lvl="1" indent="-171450" algn="l" defTabSz="800100" rtl="0">
+          <a:pPr marL="171450" lvl="1" indent="-171450" algn="l" defTabSz="711200" rtl="0">
             <a:lnSpc>
               <a:spcPct val="90000"/>
             </a:lnSpc>
@@ -13081,13 +14175,13 @@
             <a:buChar char="••"/>
           </a:pPr>
           <a:r>
-            <a:rPr lang="es-AR" sz="1800" kern="1200" dirty="0" smtClean="0"/>
+            <a:rPr lang="es-AR" sz="1600" kern="1200" dirty="0" smtClean="0"/>
             <a:t>Creación de múltiples interpretes para los diferentes formatos de archivos:</a:t>
           </a:r>
-          <a:endParaRPr lang="es-AR" sz="1800" kern="1200" dirty="0"/>
+          <a:endParaRPr lang="es-AR" sz="1600" kern="1200" dirty="0"/>
         </a:p>
         <a:p>
-          <a:pPr marL="342900" lvl="2" indent="-171450" algn="l" defTabSz="800100" rtl="0">
+          <a:pPr marL="342900" lvl="2" indent="-171450" algn="l" defTabSz="711200" rtl="0">
             <a:lnSpc>
               <a:spcPct val="90000"/>
             </a:lnSpc>
@@ -13100,13 +14194,13 @@
             <a:buChar char="••"/>
           </a:pPr>
           <a:r>
-            <a:rPr lang="es-AR" sz="1800" kern="1200" dirty="0" smtClean="0"/>
+            <a:rPr lang="es-AR" sz="1600" kern="1200" dirty="0" smtClean="0"/>
             <a:t>.CIR (Descripción de circuitos)</a:t>
           </a:r>
-          <a:endParaRPr lang="es-AR" sz="1800" kern="1200" dirty="0"/>
+          <a:endParaRPr lang="es-AR" sz="1600" kern="1200" dirty="0"/>
         </a:p>
         <a:p>
-          <a:pPr marL="342900" lvl="2" indent="-171450" algn="l" defTabSz="800100" rtl="0">
+          <a:pPr marL="342900" lvl="2" indent="-171450" algn="l" defTabSz="711200" rtl="0">
             <a:lnSpc>
               <a:spcPct val="90000"/>
             </a:lnSpc>
@@ -13119,13 +14213,13 @@
             <a:buChar char="••"/>
           </a:pPr>
           <a:r>
-            <a:rPr lang="es-AR" sz="1800" kern="1200" dirty="0" smtClean="0"/>
+            <a:rPr lang="es-AR" sz="1600" kern="1200" dirty="0" smtClean="0"/>
             <a:t>.CSD (Datos de simulación comunes)</a:t>
           </a:r>
-          <a:endParaRPr lang="es-AR" sz="1800" kern="1200" dirty="0"/>
+          <a:endParaRPr lang="es-AR" sz="1600" kern="1200" dirty="0"/>
         </a:p>
         <a:p>
-          <a:pPr marL="342900" lvl="2" indent="-171450" algn="l" defTabSz="800100" rtl="0">
+          <a:pPr marL="342900" lvl="2" indent="-171450" algn="l" defTabSz="711200" rtl="0">
             <a:lnSpc>
               <a:spcPct val="90000"/>
             </a:lnSpc>
@@ -13138,13 +14232,13 @@
             <a:buChar char="••"/>
           </a:pPr>
           <a:r>
-            <a:rPr lang="es-AR" sz="1800" kern="1200" dirty="0" smtClean="0"/>
+            <a:rPr lang="es-AR" sz="1600" kern="1200" dirty="0" smtClean="0"/>
             <a:t>.CSV (Descripción de tablas)</a:t>
           </a:r>
-          <a:endParaRPr lang="es-AR" sz="1800" kern="1200" dirty="0"/>
+          <a:endParaRPr lang="es-AR" sz="1600" kern="1200" dirty="0"/>
         </a:p>
         <a:p>
-          <a:pPr marL="171450" lvl="1" indent="-171450" algn="l" defTabSz="800100" rtl="0">
+          <a:pPr marL="171450" lvl="1" indent="-171450" algn="l" defTabSz="711200" rtl="0">
             <a:lnSpc>
               <a:spcPct val="90000"/>
             </a:lnSpc>
@@ -13157,13 +14251,13 @@
             <a:buChar char="••"/>
           </a:pPr>
           <a:r>
-            <a:rPr lang="es-AR" sz="1800" kern="1200" dirty="0" smtClean="0"/>
+            <a:rPr lang="es-AR" sz="1600" kern="1200" dirty="0" smtClean="0"/>
             <a:t>Desarrollo de los algoritmos</a:t>
           </a:r>
-          <a:endParaRPr lang="es-AR" sz="1800" kern="1200" dirty="0"/>
+          <a:endParaRPr lang="es-AR" sz="1600" kern="1200" dirty="0"/>
         </a:p>
         <a:p>
-          <a:pPr marL="171450" lvl="1" indent="-171450" algn="l" defTabSz="800100" rtl="0">
+          <a:pPr marL="171450" lvl="1" indent="-171450" algn="l" defTabSz="711200" rtl="0">
             <a:lnSpc>
               <a:spcPct val="90000"/>
             </a:lnSpc>
@@ -13176,13 +14270,13 @@
             <a:buChar char="••"/>
           </a:pPr>
           <a:r>
-            <a:rPr lang="es-AR" sz="1800" kern="1200" dirty="0" smtClean="0"/>
+            <a:rPr lang="es-AR" sz="1600" kern="1200" dirty="0" smtClean="0"/>
             <a:t>Creación de la interfaz gráfica.</a:t>
           </a:r>
-          <a:endParaRPr lang="es-AR" sz="1800" kern="1200" dirty="0"/>
+          <a:endParaRPr lang="es-AR" sz="1600" kern="1200" dirty="0"/>
         </a:p>
         <a:p>
-          <a:pPr marL="171450" lvl="1" indent="-171450" algn="l" defTabSz="800100" rtl="0">
+          <a:pPr marL="171450" lvl="1" indent="-171450" algn="l" defTabSz="711200" rtl="0">
             <a:lnSpc>
               <a:spcPct val="90000"/>
             </a:lnSpc>
@@ -13195,15 +14289,15 @@
             <a:buChar char="••"/>
           </a:pPr>
           <a:r>
-            <a:rPr lang="es-AR" sz="1800" kern="1200" dirty="0" smtClean="0"/>
+            <a:rPr lang="es-AR" sz="1600" kern="1200" dirty="0" smtClean="0"/>
             <a:t>Implementación</a:t>
           </a:r>
-          <a:endParaRPr lang="es-AR" sz="1800" kern="1200" dirty="0"/>
+          <a:endParaRPr lang="es-AR" sz="1600" kern="1200" dirty="0"/>
         </a:p>
       </dsp:txBody>
       <dsp:txXfrm>
-        <a:off x="2110" y="114400"/>
-        <a:ext cx="4067874" cy="3036582"/>
+        <a:off x="0" y="72008"/>
+        <a:ext cx="3389895" cy="3224521"/>
       </dsp:txXfrm>
     </dsp:sp>
     <dsp:sp modelId="{5E16F7FD-100F-4FE9-BA68-60C2373DD4BA}">
@@ -13213,8 +14307,8 @@
       </dsp:nvSpPr>
       <dsp:spPr>
         <a:xfrm>
-          <a:off x="2110" y="3150983"/>
-          <a:ext cx="4067874" cy="1305730"/>
+          <a:off x="1758" y="3299007"/>
+          <a:ext cx="3389895" cy="1309506"/>
         </a:xfrm>
         <a:prstGeom prst="rect">
           <a:avLst/>
@@ -13288,12 +14382,12 @@
         </a:fontRef>
       </dsp:style>
       <dsp:txBody>
-        <a:bodyPr spcFirstLastPara="0" vert="horz" wrap="square" lIns="137160" tIns="0" rIns="45720" bIns="0" numCol="1" spcCol="1270" anchor="ctr" anchorCtr="0">
+        <a:bodyPr spcFirstLastPara="0" vert="horz" wrap="square" lIns="106680" tIns="0" rIns="35560" bIns="0" numCol="1" spcCol="1270" anchor="ctr" anchorCtr="0">
           <a:noAutofit/>
         </a:bodyPr>
         <a:lstStyle/>
         <a:p>
-          <a:pPr lvl="0" algn="l" defTabSz="1600200" rtl="0">
+          <a:pPr lvl="0" algn="l" defTabSz="1244600" rtl="0">
             <a:lnSpc>
               <a:spcPct val="90000"/>
             </a:lnSpc>
@@ -13305,15 +14399,15 @@
             </a:spcAft>
           </a:pPr>
           <a:r>
-            <a:rPr lang="es-AR" sz="3600" kern="1200" dirty="0" smtClean="0"/>
+            <a:rPr lang="es-AR" sz="2800" kern="1200" dirty="0" smtClean="0"/>
             <a:t>Codificación</a:t>
           </a:r>
-          <a:endParaRPr lang="es-AR" sz="3600" kern="1200" dirty="0"/>
+          <a:endParaRPr lang="es-AR" sz="2800" kern="1200" dirty="0"/>
         </a:p>
       </dsp:txBody>
       <dsp:txXfrm>
-        <a:off x="2110" y="3150983"/>
-        <a:ext cx="2864700" cy="1305730"/>
+        <a:off x="1758" y="3299007"/>
+        <a:ext cx="2387250" cy="1309506"/>
       </dsp:txXfrm>
     </dsp:sp>
     <dsp:sp modelId="{5DB2626C-8213-4844-BFCC-05754AAA0396}">
@@ -13323,8 +14417,8 @@
       </dsp:nvSpPr>
       <dsp:spPr>
         <a:xfrm>
-          <a:off x="2637107" y="3358386"/>
-          <a:ext cx="2113309" cy="1423756"/>
+          <a:off x="2197589" y="3582542"/>
+          <a:ext cx="1761091" cy="1186463"/>
         </a:xfrm>
         <a:prstGeom prst="roundRect">
           <a:avLst/>
@@ -13368,6 +14462,374 @@
 </file>
 
 <file path=ppt/diagrams/drawing5.xml><?xml version="1.0" encoding="utf-8"?>
+<dsp:drawing xmlns:dgm="http://schemas.openxmlformats.org/drawingml/2006/diagram" xmlns:a="http://schemas.openxmlformats.org/drawingml/2006/main" xmlns:dsp="http://schemas.microsoft.com/office/drawing/2008/diagram">
+  <dsp:spTree>
+    <dsp:nvGrpSpPr>
+      <dsp:cNvPr id="0" name=""/>
+      <dsp:cNvGrpSpPr/>
+    </dsp:nvGrpSpPr>
+    <dsp:grpSpPr/>
+    <dsp:sp modelId="{E277217A-1D2B-453F-AA29-278FEEDAD392}">
+      <dsp:nvSpPr>
+        <dsp:cNvPr id="0" name=""/>
+        <dsp:cNvSpPr/>
+      </dsp:nvSpPr>
+      <dsp:spPr>
+        <a:xfrm>
+          <a:off x="180842" y="275514"/>
+          <a:ext cx="1242452" cy="1242452"/>
+        </a:xfrm>
+        <a:prstGeom prst="rect">
+          <a:avLst/>
+        </a:prstGeom>
+        <a:blipFill rotWithShape="0">
+          <a:blip xmlns:r="http://schemas.openxmlformats.org/officeDocument/2006/relationships" r:embed="rId1"/>
+          <a:stretch>
+            <a:fillRect/>
+          </a:stretch>
+        </a:blipFill>
+        <a:ln w="48000" cap="flat" cmpd="thickThin" algn="ctr">
+          <a:solidFill>
+            <a:schemeClr val="lt1">
+              <a:hueOff val="0"/>
+              <a:satOff val="0"/>
+              <a:lumOff val="0"/>
+              <a:alphaOff val="0"/>
+            </a:schemeClr>
+          </a:solidFill>
+          <a:prstDash val="solid"/>
+        </a:ln>
+        <a:effectLst/>
+      </dsp:spPr>
+      <dsp:style>
+        <a:lnRef idx="2">
+          <a:scrgbClr r="0" g="0" b="0"/>
+        </a:lnRef>
+        <a:fillRef idx="1">
+          <a:scrgbClr r="0" g="0" b="0"/>
+        </a:fillRef>
+        <a:effectRef idx="0">
+          <a:scrgbClr r="0" g="0" b="0"/>
+        </a:effectRef>
+        <a:fontRef idx="minor">
+          <a:schemeClr val="lt1"/>
+        </a:fontRef>
+      </dsp:style>
+      <dsp:txBody>
+        <a:bodyPr spcFirstLastPara="0" vert="horz" wrap="square" lIns="82550" tIns="82550" rIns="82550" bIns="82550" numCol="1" spcCol="1270" anchor="ctr" anchorCtr="0">
+          <a:noAutofit/>
+        </a:bodyPr>
+        <a:lstStyle/>
+        <a:p>
+          <a:pPr lvl="0" algn="ctr" defTabSz="2889250">
+            <a:lnSpc>
+              <a:spcPct val="90000"/>
+            </a:lnSpc>
+            <a:spcBef>
+              <a:spcPct val="0"/>
+            </a:spcBef>
+            <a:spcAft>
+              <a:spcPct val="35000"/>
+            </a:spcAft>
+          </a:pPr>
+          <a:endParaRPr lang="es-AR" sz="6500" kern="1200" dirty="0"/>
+        </a:p>
+      </dsp:txBody>
+      <dsp:txXfrm>
+        <a:off x="180842" y="275514"/>
+        <a:ext cx="1242452" cy="1242452"/>
+      </dsp:txXfrm>
+    </dsp:sp>
+    <dsp:sp modelId="{12AE67AB-C71D-4B39-AA2A-8238CB9E018B}">
+      <dsp:nvSpPr>
+        <dsp:cNvPr id="0" name=""/>
+        <dsp:cNvSpPr/>
+      </dsp:nvSpPr>
+      <dsp:spPr>
+        <a:xfrm>
+          <a:off x="1765025" y="707566"/>
+          <a:ext cx="532315" cy="532315"/>
+        </a:xfrm>
+        <a:prstGeom prst="mathPlus">
+          <a:avLst/>
+        </a:prstGeom>
+        <a:solidFill>
+          <a:schemeClr val="accent1">
+            <a:tint val="60000"/>
+            <a:hueOff val="0"/>
+            <a:satOff val="0"/>
+            <a:lumOff val="0"/>
+            <a:alphaOff val="0"/>
+          </a:schemeClr>
+        </a:solidFill>
+        <a:ln>
+          <a:noFill/>
+        </a:ln>
+        <a:effectLst/>
+      </dsp:spPr>
+      <dsp:style>
+        <a:lnRef idx="0">
+          <a:scrgbClr r="0" g="0" b="0"/>
+        </a:lnRef>
+        <a:fillRef idx="1">
+          <a:scrgbClr r="0" g="0" b="0"/>
+        </a:fillRef>
+        <a:effectRef idx="0">
+          <a:scrgbClr r="0" g="0" b="0"/>
+        </a:effectRef>
+        <a:fontRef idx="minor">
+          <a:schemeClr val="lt1"/>
+        </a:fontRef>
+      </dsp:style>
+      <dsp:txBody>
+        <a:bodyPr spcFirstLastPara="0" vert="horz" wrap="square" lIns="0" tIns="0" rIns="0" bIns="0" numCol="1" spcCol="1270" anchor="ctr" anchorCtr="0">
+          <a:noAutofit/>
+        </a:bodyPr>
+        <a:lstStyle/>
+        <a:p>
+          <a:pPr lvl="0" algn="ctr" defTabSz="355600">
+            <a:lnSpc>
+              <a:spcPct val="90000"/>
+            </a:lnSpc>
+            <a:spcBef>
+              <a:spcPct val="0"/>
+            </a:spcBef>
+            <a:spcAft>
+              <a:spcPct val="35000"/>
+            </a:spcAft>
+          </a:pPr>
+          <a:endParaRPr lang="es-AR" sz="800" kern="1200"/>
+        </a:p>
+      </dsp:txBody>
+      <dsp:txXfrm>
+        <a:off x="1765025" y="707566"/>
+        <a:ext cx="532315" cy="532315"/>
+      </dsp:txXfrm>
+    </dsp:sp>
+    <dsp:sp modelId="{047DB3B5-764F-451C-84D5-89BC34977FB5}">
+      <dsp:nvSpPr>
+        <dsp:cNvPr id="0" name=""/>
+        <dsp:cNvSpPr/>
+      </dsp:nvSpPr>
+      <dsp:spPr>
+        <a:xfrm>
+          <a:off x="2701127" y="275514"/>
+          <a:ext cx="1908874" cy="1362498"/>
+        </a:xfrm>
+        <a:prstGeom prst="rect">
+          <a:avLst/>
+        </a:prstGeom>
+        <a:blipFill rotWithShape="0">
+          <a:blip xmlns:r="http://schemas.openxmlformats.org/officeDocument/2006/relationships" r:embed="rId2"/>
+          <a:stretch>
+            <a:fillRect/>
+          </a:stretch>
+        </a:blipFill>
+        <a:ln w="48000" cap="flat" cmpd="thickThin" algn="ctr">
+          <a:solidFill>
+            <a:schemeClr val="lt1">
+              <a:hueOff val="0"/>
+              <a:satOff val="0"/>
+              <a:lumOff val="0"/>
+              <a:alphaOff val="0"/>
+            </a:schemeClr>
+          </a:solidFill>
+          <a:prstDash val="solid"/>
+        </a:ln>
+        <a:effectLst/>
+      </dsp:spPr>
+      <dsp:style>
+        <a:lnRef idx="2">
+          <a:scrgbClr r="0" g="0" b="0"/>
+        </a:lnRef>
+        <a:fillRef idx="1">
+          <a:scrgbClr r="0" g="0" b="0"/>
+        </a:fillRef>
+        <a:effectRef idx="0">
+          <a:scrgbClr r="0" g="0" b="0"/>
+        </a:effectRef>
+        <a:fontRef idx="minor">
+          <a:schemeClr val="lt1"/>
+        </a:fontRef>
+      </dsp:style>
+      <dsp:txBody>
+        <a:bodyPr spcFirstLastPara="0" vert="horz" wrap="square" lIns="82550" tIns="82550" rIns="82550" bIns="82550" numCol="1" spcCol="1270" anchor="ctr" anchorCtr="0">
+          <a:noAutofit/>
+        </a:bodyPr>
+        <a:lstStyle/>
+        <a:p>
+          <a:pPr lvl="0" algn="ctr" defTabSz="2889250">
+            <a:lnSpc>
+              <a:spcPct val="90000"/>
+            </a:lnSpc>
+            <a:spcBef>
+              <a:spcPct val="0"/>
+            </a:spcBef>
+            <a:spcAft>
+              <a:spcPct val="35000"/>
+            </a:spcAft>
+          </a:pPr>
+          <a:r>
+            <a:rPr lang="es-AR" sz="6500" kern="1200" dirty="0" smtClean="0"/>
+            <a:t> </a:t>
+          </a:r>
+          <a:endParaRPr lang="es-AR" sz="6500" kern="1200" dirty="0"/>
+        </a:p>
+      </dsp:txBody>
+      <dsp:txXfrm>
+        <a:off x="2701127" y="275514"/>
+        <a:ext cx="1908874" cy="1362498"/>
+      </dsp:txXfrm>
+    </dsp:sp>
+    <dsp:sp modelId="{766B1539-3027-427C-BEC8-42D151D01C2B}">
+      <dsp:nvSpPr>
+        <dsp:cNvPr id="0" name=""/>
+        <dsp:cNvSpPr/>
+      </dsp:nvSpPr>
+      <dsp:spPr>
+        <a:xfrm rot="4891125">
+          <a:off x="1873334" y="1821149"/>
+          <a:ext cx="733433" cy="707776"/>
+        </a:xfrm>
+        <a:prstGeom prst="rightArrow">
+          <a:avLst>
+            <a:gd name="adj1" fmla="val 60000"/>
+            <a:gd name="adj2" fmla="val 50000"/>
+          </a:avLst>
+        </a:prstGeom>
+        <a:solidFill>
+          <a:schemeClr val="accent1">
+            <a:tint val="60000"/>
+            <a:hueOff val="0"/>
+            <a:satOff val="0"/>
+            <a:lumOff val="0"/>
+            <a:alphaOff val="0"/>
+          </a:schemeClr>
+        </a:solidFill>
+        <a:ln>
+          <a:noFill/>
+        </a:ln>
+        <a:effectLst/>
+      </dsp:spPr>
+      <dsp:style>
+        <a:lnRef idx="0">
+          <a:scrgbClr r="0" g="0" b="0"/>
+        </a:lnRef>
+        <a:fillRef idx="1">
+          <a:scrgbClr r="0" g="0" b="0"/>
+        </a:fillRef>
+        <a:effectRef idx="0">
+          <a:scrgbClr r="0" g="0" b="0"/>
+        </a:effectRef>
+        <a:fontRef idx="minor">
+          <a:schemeClr val="lt1"/>
+        </a:fontRef>
+      </dsp:style>
+      <dsp:txBody>
+        <a:bodyPr spcFirstLastPara="0" vert="horz" wrap="square" lIns="0" tIns="0" rIns="0" bIns="0" numCol="1" spcCol="1270" anchor="ctr" anchorCtr="0">
+          <a:noAutofit/>
+        </a:bodyPr>
+        <a:lstStyle/>
+        <a:p>
+          <a:pPr lvl="0" algn="ctr" defTabSz="1333500">
+            <a:lnSpc>
+              <a:spcPct val="90000"/>
+            </a:lnSpc>
+            <a:spcBef>
+              <a:spcPct val="0"/>
+            </a:spcBef>
+            <a:spcAft>
+              <a:spcPct val="35000"/>
+            </a:spcAft>
+          </a:pPr>
+          <a:endParaRPr lang="es-AR" sz="3000" kern="1200"/>
+        </a:p>
+      </dsp:txBody>
+      <dsp:txXfrm rot="4891125">
+        <a:off x="1873334" y="1821149"/>
+        <a:ext cx="733433" cy="707776"/>
+      </dsp:txXfrm>
+    </dsp:sp>
+    <dsp:sp modelId="{8A2D0FB3-3882-4F80-A2EF-BDF3F7202F0E}">
+      <dsp:nvSpPr>
+        <dsp:cNvPr id="0" name=""/>
+        <dsp:cNvSpPr/>
+      </dsp:nvSpPr>
+      <dsp:spPr>
+        <a:xfrm>
+          <a:off x="1116948" y="2723790"/>
+          <a:ext cx="2290003" cy="2290003"/>
+        </a:xfrm>
+        <a:prstGeom prst="rect">
+          <a:avLst/>
+        </a:prstGeom>
+        <a:blipFill rotWithShape="0">
+          <a:blip xmlns:r="http://schemas.openxmlformats.org/officeDocument/2006/relationships" r:embed="rId3"/>
+          <a:stretch>
+            <a:fillRect/>
+          </a:stretch>
+        </a:blipFill>
+        <a:ln w="48000" cap="flat" cmpd="thickThin" algn="ctr">
+          <a:solidFill>
+            <a:schemeClr val="lt1">
+              <a:hueOff val="0"/>
+              <a:satOff val="0"/>
+              <a:lumOff val="0"/>
+              <a:alphaOff val="0"/>
+            </a:schemeClr>
+          </a:solidFill>
+          <a:prstDash val="solid"/>
+        </a:ln>
+        <a:effectLst/>
+      </dsp:spPr>
+      <dsp:style>
+        <a:lnRef idx="2">
+          <a:scrgbClr r="0" g="0" b="0"/>
+        </a:lnRef>
+        <a:fillRef idx="1">
+          <a:scrgbClr r="0" g="0" b="0"/>
+        </a:fillRef>
+        <a:effectRef idx="0">
+          <a:scrgbClr r="0" g="0" b="0"/>
+        </a:effectRef>
+        <a:fontRef idx="minor">
+          <a:schemeClr val="lt1"/>
+        </a:fontRef>
+      </dsp:style>
+      <dsp:txBody>
+        <a:bodyPr spcFirstLastPara="0" vert="horz" wrap="square" lIns="82550" tIns="82550" rIns="82550" bIns="82550" numCol="1" spcCol="1270" anchor="ctr" anchorCtr="0">
+          <a:noAutofit/>
+        </a:bodyPr>
+        <a:lstStyle/>
+        <a:p>
+          <a:pPr lvl="0" algn="ctr" defTabSz="2889250">
+            <a:lnSpc>
+              <a:spcPct val="90000"/>
+            </a:lnSpc>
+            <a:spcBef>
+              <a:spcPct val="0"/>
+            </a:spcBef>
+            <a:spcAft>
+              <a:spcPct val="35000"/>
+            </a:spcAft>
+          </a:pPr>
+          <a:r>
+            <a:rPr lang="es-AR" sz="6500" kern="1200" smtClean="0"/>
+            <a:t> </a:t>
+          </a:r>
+          <a:endParaRPr lang="es-AR" sz="6500" kern="1200" dirty="0"/>
+        </a:p>
+      </dsp:txBody>
+      <dsp:txXfrm>
+        <a:off x="1116948" y="2723790"/>
+        <a:ext cx="2290003" cy="2290003"/>
+      </dsp:txXfrm>
+    </dsp:sp>
+  </dsp:spTree>
+</dsp:drawing>
+</file>
+
+<file path=ppt/diagrams/drawing6.xml><?xml version="1.0" encoding="utf-8"?>
 <dsp:drawing xmlns:dgm="http://schemas.openxmlformats.org/drawingml/2006/diagram" xmlns:a="http://schemas.openxmlformats.org/drawingml/2006/main" xmlns:dsp="http://schemas.microsoft.com/office/drawing/2008/diagram">
   <dsp:spTree>
     <dsp:nvGrpSpPr>
@@ -14893,6 +16355,271 @@
 </file>
 
 <file path=ppt/diagrams/layout5.xml><?xml version="1.0" encoding="utf-8"?>
+<dgm:layoutDef xmlns:dgm="http://schemas.openxmlformats.org/drawingml/2006/diagram" xmlns:a="http://schemas.openxmlformats.org/drawingml/2006/main" uniqueId="urn:microsoft.com/office/officeart/2005/8/layout/equation2">
+  <dgm:title val=""/>
+  <dgm:desc val=""/>
+  <dgm:catLst>
+    <dgm:cat type="relationship" pri="18000"/>
+    <dgm:cat type="process" pri="26000"/>
+  </dgm:catLst>
+  <dgm:sampData useDef="1">
+    <dgm:dataModel>
+      <dgm:ptLst/>
+      <dgm:bg/>
+      <dgm:whole/>
+    </dgm:dataModel>
+  </dgm:sampData>
+  <dgm:styleData>
+    <dgm:dataModel>
+      <dgm:ptLst>
+        <dgm:pt modelId="0" type="doc"/>
+        <dgm:pt modelId="1"/>
+        <dgm:pt modelId="2"/>
+      </dgm:ptLst>
+      <dgm:cxnLst>
+        <dgm:cxn modelId="3" srcId="0" destId="1" srcOrd="0" destOrd="0"/>
+        <dgm:cxn modelId="4" srcId="0" destId="2" srcOrd="1" destOrd="0"/>
+      </dgm:cxnLst>
+      <dgm:bg/>
+      <dgm:whole/>
+    </dgm:dataModel>
+  </dgm:styleData>
+  <dgm:clrData>
+    <dgm:dataModel>
+      <dgm:ptLst>
+        <dgm:pt modelId="0" type="doc"/>
+        <dgm:pt modelId="1"/>
+        <dgm:pt modelId="2"/>
+        <dgm:pt modelId="3"/>
+        <dgm:pt modelId="4"/>
+      </dgm:ptLst>
+      <dgm:cxnLst>
+        <dgm:cxn modelId="5" srcId="0" destId="1" srcOrd="0" destOrd="0"/>
+        <dgm:cxn modelId="6" srcId="0" destId="2" srcOrd="1" destOrd="0"/>
+        <dgm:cxn modelId="7" srcId="0" destId="3" srcOrd="2" destOrd="0"/>
+        <dgm:cxn modelId="8" srcId="0" destId="4" srcOrd="3" destOrd="0"/>
+      </dgm:cxnLst>
+      <dgm:bg/>
+      <dgm:whole/>
+    </dgm:dataModel>
+  </dgm:clrData>
+  <dgm:layoutNode name="Name0">
+    <dgm:varLst>
+      <dgm:dir/>
+      <dgm:resizeHandles val="exact"/>
+    </dgm:varLst>
+    <dgm:choose name="Name1">
+      <dgm:if name="Name2" func="var" arg="dir" op="equ" val="norm">
+        <dgm:alg type="lin">
+          <dgm:param type="linDir" val="fromL"/>
+          <dgm:param type="fallback" val="2D"/>
+        </dgm:alg>
+      </dgm:if>
+      <dgm:else name="Name3">
+        <dgm:alg type="lin">
+          <dgm:param type="linDir" val="fromR"/>
+          <dgm:param type="fallback" val="2D"/>
+        </dgm:alg>
+      </dgm:else>
+    </dgm:choose>
+    <dgm:shape xmlns:r="http://schemas.openxmlformats.org/officeDocument/2006/relationships" r:blip="">
+      <dgm:adjLst/>
+    </dgm:shape>
+    <dgm:presOf/>
+    <dgm:choose name="Name4">
+      <dgm:if name="Name5" axis="ch" ptType="node" func="cnt" op="gte" val="3">
+        <dgm:constrLst>
+          <dgm:constr type="h" for="des" forName="node" refType="w" fact="0.5"/>
+          <dgm:constr type="w" for="ch" forName="lastNode" refType="w"/>
+          <dgm:constr type="w" for="des" forName="node" refType="h" refFor="des" refForName="node"/>
+          <dgm:constr type="w" for="ch" forName="sibTransLast" refType="h" refFor="des" refForName="node" fact="0.6"/>
+          <dgm:constr type="h" for="des" forName="sibTrans" refType="h" refFor="des" refForName="node" op="equ" fact="0.58"/>
+          <dgm:constr type="w" for="des" forName="sibTrans" refType="h" refFor="des" refForName="sibTrans" op="equ"/>
+          <dgm:constr type="primFontSz" for="ch" forName="lastNode" op="equ" val="65"/>
+          <dgm:constr type="primFontSz" for="des" forName="node" op="equ" val="65"/>
+          <dgm:constr type="primFontSz" for="des" forName="sibTrans" val="55"/>
+          <dgm:constr type="primFontSz" for="des" forName="sibTrans" refType="primFontSz" refFor="des" refForName="node" op="lte" fact="0.8"/>
+          <dgm:constr type="primFontSz" for="des" forName="connectorText" refType="primFontSz" refFor="des" refForName="node" op="lte" fact="0.8"/>
+          <dgm:constr type="primFontSz" for="des" forName="connectorText" refType="primFontSz" refFor="des" refForName="sibTrans" op="equ"/>
+          <dgm:constr type="h" for="des" forName="spacerT" refType="h" refFor="des" refForName="sibTrans" fact="0.14"/>
+          <dgm:constr type="h" for="des" forName="spacerB" refType="h" refFor="des" refForName="sibTrans" fact="0.14"/>
+        </dgm:constrLst>
+      </dgm:if>
+      <dgm:else name="Name6">
+        <dgm:constrLst>
+          <dgm:constr type="h" for="des" forName="node" refType="w"/>
+          <dgm:constr type="w" for="ch" forName="lastNode" refType="w"/>
+          <dgm:constr type="w" for="des" forName="node" refType="h" refFor="des" refForName="node"/>
+          <dgm:constr type="w" for="ch" forName="sibTransLast" refType="h" refFor="des" refForName="node" fact="0.6"/>
+          <dgm:constr type="h" for="des" forName="sibTrans" refType="h" refFor="des" refForName="node" op="equ" fact="0.58"/>
+          <dgm:constr type="w" for="des" forName="sibTrans" refType="h" refFor="des" refForName="sibTrans" op="equ"/>
+          <dgm:constr type="primFontSz" for="des" forName="node" val="65"/>
+          <dgm:constr type="primFontSz" for="ch" forName="lastNode" refType="primFontSz" refFor="des" refForName="node" op="equ"/>
+          <dgm:constr type="primFontSz" for="des" forName="sibTrans" val="55"/>
+          <dgm:constr type="primFontSz" for="des" forName="connectorText" refType="primFontSz" refFor="des" refForName="node" op="lte" fact="0.8"/>
+          <dgm:constr type="primFontSz" for="des" forName="connectorText" refType="primFontSz" refFor="des" refForName="sibTrans" op="equ"/>
+          <dgm:constr type="h" for="des" forName="spacerT" refType="h" refFor="des" refForName="sibTrans" fact="0.14"/>
+          <dgm:constr type="h" for="des" forName="spacerB" refType="h" refFor="des" refForName="sibTrans" fact="0.14"/>
+        </dgm:constrLst>
+      </dgm:else>
+    </dgm:choose>
+    <dgm:ruleLst/>
+    <dgm:choose name="Name7">
+      <dgm:if name="Name8" axis="ch" ptType="node" func="cnt" op="gte" val="1">
+        <dgm:layoutNode name="vNodes">
+          <dgm:alg type="lin">
+            <dgm:param type="linDir" val="fromT"/>
+            <dgm:param type="fallback" val="2D"/>
+          </dgm:alg>
+          <dgm:shape xmlns:r="http://schemas.openxmlformats.org/officeDocument/2006/relationships" r:blip="">
+            <dgm:adjLst/>
+          </dgm:shape>
+          <dgm:presOf/>
+          <dgm:constrLst/>
+          <dgm:ruleLst/>
+          <dgm:forEach name="Name9" axis="ch" ptType="node">
+            <dgm:choose name="Name10">
+              <dgm:if name="Name11" axis="self" func="revPos" op="neq" val="1">
+                <dgm:layoutNode name="node">
+                  <dgm:varLst>
+                    <dgm:bulletEnabled val="1"/>
+                  </dgm:varLst>
+                  <dgm:alg type="tx">
+                    <dgm:param type="txAnchorVertCh" val="mid"/>
+                  </dgm:alg>
+                  <dgm:shape xmlns:r="http://schemas.openxmlformats.org/officeDocument/2006/relationships" type="ellipse" r:blip="">
+                    <dgm:adjLst/>
+                  </dgm:shape>
+                  <dgm:presOf axis="desOrSelf" ptType="node"/>
+                  <dgm:constrLst>
+                    <dgm:constr type="tMarg" refType="primFontSz" fact="0.1"/>
+                    <dgm:constr type="bMarg" refType="primFontSz" fact="0.1"/>
+                    <dgm:constr type="lMarg" refType="primFontSz" fact="0.1"/>
+                    <dgm:constr type="rMarg" refType="primFontSz" fact="0.1"/>
+                  </dgm:constrLst>
+                  <dgm:ruleLst>
+                    <dgm:rule type="primFontSz" val="5" fact="NaN" max="NaN"/>
+                  </dgm:ruleLst>
+                </dgm:layoutNode>
+                <dgm:choose name="Name12">
+                  <dgm:if name="Name13" axis="self" ptType="node" func="revPos" op="gt" val="2">
+                    <dgm:forEach name="sibTransForEach" axis="followSib" ptType="sibTrans" cnt="1">
+                      <dgm:layoutNode name="spacerT">
+                        <dgm:alg type="sp"/>
+                        <dgm:shape xmlns:r="http://schemas.openxmlformats.org/officeDocument/2006/relationships" r:blip="">
+                          <dgm:adjLst/>
+                        </dgm:shape>
+                        <dgm:presOf axis="self"/>
+                        <dgm:constrLst/>
+                        <dgm:ruleLst/>
+                      </dgm:layoutNode>
+                      <dgm:layoutNode name="sibTrans">
+                        <dgm:alg type="tx"/>
+                        <dgm:shape xmlns:r="http://schemas.openxmlformats.org/officeDocument/2006/relationships" type="mathPlus" r:blip="">
+                          <dgm:adjLst/>
+                        </dgm:shape>
+                        <dgm:presOf axis="self"/>
+                        <dgm:constrLst>
+                          <dgm:constr type="h" refType="w"/>
+                          <dgm:constr type="lMarg"/>
+                          <dgm:constr type="rMarg"/>
+                          <dgm:constr type="tMarg"/>
+                          <dgm:constr type="bMarg"/>
+                     